--- a/2015-no.2/ppt/00_ozuma.pptx
+++ b/2015-no.2/ppt/00_ozuma.pptx
@@ -5,13 +5,14 @@
     <p:sldMasterId id="2147483690" r:id="rId1"/>
   </p:sldMasterIdLst>
   <p:notesMasterIdLst>
-    <p:notesMasterId r:id="rId6"/>
+    <p:notesMasterId r:id="rId7"/>
   </p:notesMasterIdLst>
   <p:sldIdLst>
     <p:sldId id="257" r:id="rId2"/>
-    <p:sldId id="258" r:id="rId3"/>
-    <p:sldId id="259" r:id="rId4"/>
-    <p:sldId id="260" r:id="rId5"/>
+    <p:sldId id="261" r:id="rId3"/>
+    <p:sldId id="258" r:id="rId4"/>
+    <p:sldId id="259" r:id="rId5"/>
+    <p:sldId id="260" r:id="rId6"/>
   </p:sldIdLst>
   <p:sldSz cx="9144000" cy="6858000" type="screen4x3"/>
   <p:notesSz cx="6858000" cy="9144000"/>
@@ -195,7 +196,7 @@
           <a:p>
             <a:fld id="{227E3AE5-EB08-419F-97DD-14530EE7F784}" type="datetimeFigureOut">
               <a:rPr kumimoji="1" lang="ja-JP" altLang="en-US" smtClean="0"/>
-              <a:t>2015/8/14</a:t>
+              <a:t>15/08/14</a:t>
             </a:fld>
             <a:endParaRPr kumimoji="1" lang="ja-JP" altLang="en-US"/>
           </a:p>
@@ -522,6 +523,129 @@
             <p:ph type="sldImg"/>
           </p:nvPr>
         </p:nvSpPr>
+        <p:spPr>
+          <a:xfrm>
+            <a:off x="1143000" y="685800"/>
+            <a:ext cx="4572000" cy="3429000"/>
+          </a:xfrm>
+        </p:spPr>
+      </p:sp>
+      <p:sp>
+        <p:nvSpPr>
+          <p:cNvPr id="3" name="ノート プレースホルダー 2"/>
+          <p:cNvSpPr>
+            <a:spLocks noGrp="1"/>
+          </p:cNvSpPr>
+          <p:nvPr>
+            <p:ph type="body" idx="1"/>
+          </p:nvPr>
+        </p:nvSpPr>
+        <p:spPr/>
+        <p:txBody>
+          <a:bodyPr/>
+          <a:lstStyle/>
+          <a:p>
+            <a:r>
+              <a:rPr kumimoji="1" lang="ja-JP" altLang="en-US"/>
+              <a:t>すみだセキュリティ勉強会を主催しています、</a:t>
+            </a:r>
+            <a:r>
+              <a:rPr kumimoji="1" lang="en-US" altLang="ja-JP"/>
+              <a:t>ozuma5119</a:t>
+            </a:r>
+            <a:r>
+              <a:rPr kumimoji="1" lang="ja-JP" altLang="en-US"/>
+              <a:t>と申します。</a:t>
+            </a:r>
+            <a:endParaRPr kumimoji="1" lang="en-US" altLang="ja-JP"/>
+          </a:p>
+          <a:p>
+            <a:r>
+              <a:rPr kumimoji="1" lang="ja-JP" altLang="en-US"/>
+              <a:t>ふだんは、比較的固めの会社でセキュリティエンジニアをして</a:t>
+            </a:r>
+            <a:r>
+              <a:rPr kumimoji="1" lang="ja-JP" altLang="en-US" smtClean="0"/>
+              <a:t>います。ブログはこちら。</a:t>
+            </a:r>
+            <a:endParaRPr kumimoji="1" lang="en-US" altLang="ja-JP" smtClean="0"/>
+          </a:p>
+          <a:p>
+            <a:endParaRPr kumimoji="1" lang="en-US" altLang="ja-JP" smtClean="0"/>
+          </a:p>
+          <a:p>
+            <a:r>
+              <a:rPr kumimoji="1" lang="ja-JP" altLang="en-US" smtClean="0"/>
+              <a:t>科学写真家というのは、「理科の教科書に載ってるような写真」を撮る人たちです。こちらは副業ということで、小学生向けの教材の写真とか撮って、ときどき本に載ったりします。</a:t>
+            </a:r>
+            <a:endParaRPr kumimoji="1" lang="ja-JP" altLang="en-US"/>
+          </a:p>
+        </p:txBody>
+      </p:sp>
+      <p:sp>
+        <p:nvSpPr>
+          <p:cNvPr id="4" name="スライド番号プレースホルダー 3"/>
+          <p:cNvSpPr>
+            <a:spLocks noGrp="1"/>
+          </p:cNvSpPr>
+          <p:nvPr>
+            <p:ph type="sldNum" sz="quarter" idx="10"/>
+          </p:nvPr>
+        </p:nvSpPr>
+        <p:spPr/>
+        <p:txBody>
+          <a:bodyPr/>
+          <a:lstStyle/>
+          <a:p>
+            <a:fld id="{B197F851-B882-6240-B8F6-3EE088D150D5}" type="slidenum">
+              <a:rPr kumimoji="1" lang="ja-JP" altLang="en-US" smtClean="0"/>
+              <a:pPr/>
+              <a:t>2</a:t>
+            </a:fld>
+            <a:endParaRPr kumimoji="1" lang="ja-JP" altLang="en-US"/>
+          </a:p>
+        </p:txBody>
+      </p:sp>
+    </p:spTree>
+    <p:extLst>
+      <p:ext uri="{BB962C8B-B14F-4D97-AF65-F5344CB8AC3E}">
+        <p14:creationId xmlns:p14="http://schemas.microsoft.com/office/powerpoint/2010/main" val="64985783"/>
+      </p:ext>
+    </p:extLst>
+  </p:cSld>
+  <p:clrMapOvr>
+    <a:masterClrMapping/>
+  </p:clrMapOvr>
+</p:notes>
+</file>
+
+<file path=ppt/notesSlides/notesSlide2.xml><?xml version="1.0" encoding="utf-8"?>
+<p:notes xmlns:a="http://schemas.openxmlformats.org/drawingml/2006/main" xmlns:r="http://schemas.openxmlformats.org/officeDocument/2006/relationships" xmlns:p="http://schemas.openxmlformats.org/presentationml/2006/main">
+  <p:cSld>
+    <p:spTree>
+      <p:nvGrpSpPr>
+        <p:cNvPr id="1" name=""/>
+        <p:cNvGrpSpPr/>
+        <p:nvPr/>
+      </p:nvGrpSpPr>
+      <p:grpSpPr>
+        <a:xfrm>
+          <a:off x="0" y="0"/>
+          <a:ext cx="0" cy="0"/>
+          <a:chOff x="0" y="0"/>
+          <a:chExt cx="0" cy="0"/>
+        </a:xfrm>
+      </p:grpSpPr>
+      <p:sp>
+        <p:nvSpPr>
+          <p:cNvPr id="2" name="スライド イメージ プレースホルダー 1"/>
+          <p:cNvSpPr>
+            <a:spLocks noGrp="1" noRot="1" noChangeAspect="1"/>
+          </p:cNvSpPr>
+          <p:nvPr>
+            <p:ph type="sldImg"/>
+          </p:nvPr>
+        </p:nvSpPr>
         <p:spPr/>
       </p:sp>
       <p:sp>
@@ -560,7 +684,7 @@
           <a:p>
             <a:fld id="{DB9CD991-4847-4EC6-8E3A-1C6DA9348A2B}" type="slidenum">
               <a:rPr kumimoji="1" lang="ja-JP" altLang="en-US" smtClean="0"/>
-              <a:t>3</a:t>
+              <a:t>4</a:t>
             </a:fld>
             <a:endParaRPr kumimoji="1" lang="ja-JP" altLang="en-US"/>
           </a:p>
@@ -710,7 +834,7 @@
           <a:p>
             <a:fld id="{018867A7-436E-4462-89C8-DCFE313C3DBA}" type="datetimeFigureOut">
               <a:rPr kumimoji="1" lang="ja-JP" altLang="en-US" smtClean="0"/>
-              <a:t>2015/8/14</a:t>
+              <a:t>15/08/14</a:t>
             </a:fld>
             <a:endParaRPr kumimoji="1" lang="ja-JP" altLang="en-US"/>
           </a:p>
@@ -912,7 +1036,7 @@
           <a:p>
             <a:fld id="{018867A7-436E-4462-89C8-DCFE313C3DBA}" type="datetimeFigureOut">
               <a:rPr kumimoji="1" lang="ja-JP" altLang="en-US" smtClean="0"/>
-              <a:t>2015/8/14</a:t>
+              <a:t>15/08/14</a:t>
             </a:fld>
             <a:endParaRPr kumimoji="1" lang="ja-JP" altLang="en-US"/>
           </a:p>
@@ -1124,7 +1248,7 @@
           <a:p>
             <a:fld id="{018867A7-436E-4462-89C8-DCFE313C3DBA}" type="datetimeFigureOut">
               <a:rPr kumimoji="1" lang="ja-JP" altLang="en-US" smtClean="0"/>
-              <a:t>2015/8/14</a:t>
+              <a:t>15/08/14</a:t>
             </a:fld>
             <a:endParaRPr kumimoji="1" lang="ja-JP" altLang="en-US"/>
           </a:p>
@@ -1326,7 +1450,7 @@
           <a:p>
             <a:fld id="{018867A7-436E-4462-89C8-DCFE313C3DBA}" type="datetimeFigureOut">
               <a:rPr kumimoji="1" lang="ja-JP" altLang="en-US" smtClean="0"/>
-              <a:t>2015/8/14</a:t>
+              <a:t>15/08/14</a:t>
             </a:fld>
             <a:endParaRPr kumimoji="1" lang="ja-JP" altLang="en-US"/>
           </a:p>
@@ -1570,7 +1694,7 @@
           <a:p>
             <a:fld id="{018867A7-436E-4462-89C8-DCFE313C3DBA}" type="datetimeFigureOut">
               <a:rPr kumimoji="1" lang="ja-JP" altLang="en-US" smtClean="0"/>
-              <a:t>2015/8/14</a:t>
+              <a:t>15/08/14</a:t>
             </a:fld>
             <a:endParaRPr kumimoji="1" lang="ja-JP" altLang="en-US"/>
           </a:p>
@@ -1866,7 +1990,7 @@
           <a:p>
             <a:fld id="{018867A7-436E-4462-89C8-DCFE313C3DBA}" type="datetimeFigureOut">
               <a:rPr kumimoji="1" lang="ja-JP" altLang="en-US" smtClean="0"/>
-              <a:t>2015/8/14</a:t>
+              <a:t>15/08/14</a:t>
             </a:fld>
             <a:endParaRPr kumimoji="1" lang="ja-JP" altLang="en-US"/>
           </a:p>
@@ -2297,7 +2421,7 @@
           <a:p>
             <a:fld id="{018867A7-436E-4462-89C8-DCFE313C3DBA}" type="datetimeFigureOut">
               <a:rPr kumimoji="1" lang="ja-JP" altLang="en-US" smtClean="0"/>
-              <a:t>2015/8/14</a:t>
+              <a:t>15/08/14</a:t>
             </a:fld>
             <a:endParaRPr kumimoji="1" lang="ja-JP" altLang="en-US"/>
           </a:p>
@@ -2415,7 +2539,7 @@
           <a:p>
             <a:fld id="{018867A7-436E-4462-89C8-DCFE313C3DBA}" type="datetimeFigureOut">
               <a:rPr kumimoji="1" lang="ja-JP" altLang="en-US" smtClean="0"/>
-              <a:t>2015/8/14</a:t>
+              <a:t>15/08/14</a:t>
             </a:fld>
             <a:endParaRPr kumimoji="1" lang="ja-JP" altLang="en-US"/>
           </a:p>
@@ -2510,7 +2634,7 @@
           <a:p>
             <a:fld id="{018867A7-436E-4462-89C8-DCFE313C3DBA}" type="datetimeFigureOut">
               <a:rPr kumimoji="1" lang="ja-JP" altLang="en-US" smtClean="0"/>
-              <a:t>2015/8/14</a:t>
+              <a:t>15/08/14</a:t>
             </a:fld>
             <a:endParaRPr kumimoji="1" lang="ja-JP" altLang="en-US"/>
           </a:p>
@@ -2819,7 +2943,7 @@
           <a:p>
             <a:fld id="{018867A7-436E-4462-89C8-DCFE313C3DBA}" type="datetimeFigureOut">
               <a:rPr kumimoji="1" lang="ja-JP" altLang="en-US" smtClean="0"/>
-              <a:t>2015/8/14</a:t>
+              <a:t>15/08/14</a:t>
             </a:fld>
             <a:endParaRPr kumimoji="1" lang="ja-JP" altLang="en-US"/>
           </a:p>
@@ -3076,7 +3200,7 @@
           <a:p>
             <a:fld id="{018867A7-436E-4462-89C8-DCFE313C3DBA}" type="datetimeFigureOut">
               <a:rPr kumimoji="1" lang="ja-JP" altLang="en-US" smtClean="0"/>
-              <a:t>2015/8/14</a:t>
+              <a:t>15/08/14</a:t>
             </a:fld>
             <a:endParaRPr kumimoji="1" lang="ja-JP" altLang="en-US"/>
           </a:p>
@@ -3321,7 +3445,7 @@
           <a:p>
             <a:fld id="{018867A7-436E-4462-89C8-DCFE313C3DBA}" type="datetimeFigureOut">
               <a:rPr kumimoji="1" lang="ja-JP" altLang="en-US" smtClean="0"/>
-              <a:t>2015/8/14</a:t>
+              <a:t>15/08/14</a:t>
             </a:fld>
             <a:endParaRPr kumimoji="1" lang="ja-JP" altLang="en-US"/>
           </a:p>
@@ -3832,7 +3956,6 @@
               <a:rPr kumimoji="1" lang="en-US" altLang="ja-JP" sz="2000" smtClean="0"/>
               <a:t>@ozuma5119</a:t>
             </a:r>
-            <a:endParaRPr kumimoji="1" lang="en-US" altLang="ja-JP" sz="2000" smtClean="0"/>
           </a:p>
         </p:txBody>
       </p:sp>
@@ -3849,7 +3972,7 @@
   <p:timing>
     <p:tnLst>
       <p:par>
-        <p:cTn id="1" dur="indefinite" restart="never" nodeType="tmRoot"/>
+        <p:cTn xmlns:p14="http://schemas.microsoft.com/office/powerpoint/2010/main" id="1" dur="indefinite" restart="never" nodeType="tmRoot"/>
       </p:par>
     </p:tnLst>
   </p:timing>
@@ -3857,6 +3980,380 @@
 </file>
 
 <file path=ppt/slides/slide2.xml><?xml version="1.0" encoding="utf-8"?>
+<p:sld xmlns:a="http://schemas.openxmlformats.org/drawingml/2006/main" xmlns:r="http://schemas.openxmlformats.org/officeDocument/2006/relationships" xmlns:p="http://schemas.openxmlformats.org/presentationml/2006/main">
+  <p:cSld>
+    <p:bg>
+      <p:bgPr>
+        <a:solidFill>
+          <a:schemeClr val="tx1"/>
+        </a:solidFill>
+        <a:effectLst/>
+      </p:bgPr>
+    </p:bg>
+    <p:spTree>
+      <p:nvGrpSpPr>
+        <p:cNvPr id="1" name=""/>
+        <p:cNvGrpSpPr/>
+        <p:nvPr/>
+      </p:nvGrpSpPr>
+      <p:grpSpPr>
+        <a:xfrm>
+          <a:off x="0" y="0"/>
+          <a:ext cx="0" cy="0"/>
+          <a:chOff x="0" y="0"/>
+          <a:chExt cx="0" cy="0"/>
+        </a:xfrm>
+      </p:grpSpPr>
+      <p:pic>
+        <p:nvPicPr>
+          <p:cNvPr id="9" name="図 8" descr="7556111472_b933b2ec64_h.jpg"/>
+          <p:cNvPicPr>
+            <a:picLocks noChangeAspect="1"/>
+          </p:cNvPicPr>
+          <p:nvPr/>
+        </p:nvPicPr>
+        <p:blipFill>
+          <a:blip r:embed="rId3" cstate="print">
+            <a:extLst>
+              <a:ext uri="{28A0092B-C50C-407E-A947-70E740481C1C}">
+                <a14:useLocalDpi xmlns:a14="http://schemas.microsoft.com/office/drawing/2010/main" val="0"/>
+              </a:ext>
+            </a:extLst>
+          </a:blip>
+          <a:stretch>
+            <a:fillRect/>
+          </a:stretch>
+        </p:blipFill>
+        <p:spPr>
+          <a:xfrm>
+            <a:off x="728113" y="1492427"/>
+            <a:ext cx="8686799" cy="6104335"/>
+          </a:xfrm>
+          <a:prstGeom prst="rect">
+            <a:avLst/>
+          </a:prstGeom>
+        </p:spPr>
+      </p:pic>
+      <p:sp>
+        <p:nvSpPr>
+          <p:cNvPr id="5" name="スライド番号プレースホルダー 4"/>
+          <p:cNvSpPr>
+            <a:spLocks noGrp="1"/>
+          </p:cNvSpPr>
+          <p:nvPr>
+            <p:ph type="sldNum" sz="quarter" idx="12"/>
+          </p:nvPr>
+        </p:nvSpPr>
+        <p:spPr/>
+        <p:txBody>
+          <a:bodyPr/>
+          <a:lstStyle/>
+          <a:p>
+            <a:fld id="{DF28FB93-0A08-4E7D-8E63-9EFA29F1E093}" type="slidenum">
+              <a:rPr lang="en-US" smtClean="0"/>
+              <a:pPr/>
+              <a:t>2</a:t>
+            </a:fld>
+            <a:endParaRPr lang="en-US"/>
+          </a:p>
+        </p:txBody>
+      </p:sp>
+      <p:sp>
+        <p:nvSpPr>
+          <p:cNvPr id="7" name="コンテンツ プレースホルダー 2"/>
+          <p:cNvSpPr>
+            <a:spLocks noGrp="1"/>
+          </p:cNvSpPr>
+          <p:nvPr>
+            <p:ph idx="1"/>
+          </p:nvPr>
+        </p:nvSpPr>
+        <p:spPr>
+          <a:xfrm>
+            <a:off x="304800" y="1181102"/>
+            <a:ext cx="8559800" cy="2832100"/>
+          </a:xfrm>
+        </p:spPr>
+        <p:txBody>
+          <a:bodyPr>
+            <a:normAutofit/>
+          </a:bodyPr>
+          <a:lstStyle/>
+          <a:p>
+            <a:pPr>
+              <a:lnSpc>
+                <a:spcPct val="120000"/>
+              </a:lnSpc>
+            </a:pPr>
+            <a:r>
+              <a:rPr kumimoji="1" lang="ja-JP" altLang="en-US" dirty="0" smtClean="0">
+                <a:solidFill>
+                  <a:srgbClr val="FFFFFF"/>
+                </a:solidFill>
+              </a:rPr>
+              <a:t>セキュリティっぽい</a:t>
+            </a:r>
+            <a:r>
+              <a:rPr kumimoji="1" lang="en-US" altLang="ja-JP" dirty="0" smtClean="0">
+                <a:solidFill>
+                  <a:srgbClr val="FFFFFF"/>
+                </a:solidFill>
+                <a:latin typeface="Tahoma"/>
+                <a:cs typeface="Tahoma"/>
+              </a:rPr>
+              <a:t>IT</a:t>
+            </a:r>
+            <a:r>
+              <a:rPr kumimoji="1" lang="ja-JP" altLang="en-US" dirty="0" smtClean="0">
+                <a:solidFill>
+                  <a:srgbClr val="FFFFFF"/>
+                </a:solidFill>
+              </a:rPr>
+              <a:t>エンジニア</a:t>
+            </a:r>
+            <a:r>
+              <a:rPr kumimoji="1" lang="en-US" altLang="ja-JP" dirty="0" smtClean="0">
+                <a:solidFill>
+                  <a:srgbClr val="FFFFFF"/>
+                </a:solidFill>
+                <a:latin typeface="Tahoma"/>
+                <a:cs typeface="Tahoma"/>
+              </a:rPr>
+              <a:t>(pentester)</a:t>
+            </a:r>
+            <a:endParaRPr kumimoji="1" lang="en-US" altLang="ja-JP" dirty="0">
+              <a:solidFill>
+                <a:srgbClr val="FFFFFF"/>
+              </a:solidFill>
+              <a:latin typeface="Tahoma"/>
+              <a:cs typeface="Tahoma"/>
+            </a:endParaRPr>
+          </a:p>
+          <a:p>
+            <a:pPr>
+              <a:lnSpc>
+                <a:spcPct val="120000"/>
+              </a:lnSpc>
+            </a:pPr>
+            <a:r>
+              <a:rPr lang="en-US" altLang="ja-JP" dirty="0" smtClean="0">
+                <a:solidFill>
+                  <a:srgbClr val="FFFFFF"/>
+                </a:solidFill>
+                <a:latin typeface="Tahoma"/>
+                <a:cs typeface="Tahoma"/>
+              </a:rPr>
+              <a:t>Blog </a:t>
+            </a:r>
+            <a:r>
+              <a:rPr lang="en-US" altLang="ja-JP" dirty="0" smtClean="0">
+                <a:solidFill>
+                  <a:srgbClr val="FFFFFF"/>
+                </a:solidFill>
+              </a:rPr>
+              <a:t>: </a:t>
+            </a:r>
+            <a:r>
+              <a:rPr lang="ja-JP" altLang="en-US" dirty="0" smtClean="0">
+                <a:solidFill>
+                  <a:srgbClr val="FFFFFF"/>
+                </a:solidFill>
+              </a:rPr>
+              <a:t>ろば電子が詰まっている</a:t>
+            </a:r>
+            <a:endParaRPr lang="en-US" altLang="ja-JP" dirty="0" smtClean="0">
+              <a:solidFill>
+                <a:srgbClr val="FFFFFF"/>
+              </a:solidFill>
+            </a:endParaRPr>
+          </a:p>
+          <a:p>
+            <a:pPr lvl="1">
+              <a:lnSpc>
+                <a:spcPct val="120000"/>
+              </a:lnSpc>
+            </a:pPr>
+            <a:r>
+              <a:rPr lang="en-US" altLang="ja-JP" dirty="0" smtClean="0">
+                <a:solidFill>
+                  <a:srgbClr val="FFFFFF"/>
+                </a:solidFill>
+                <a:latin typeface="Tahoma"/>
+                <a:cs typeface="Tahoma"/>
+              </a:rPr>
+              <a:t>http</a:t>
+            </a:r>
+            <a:r>
+              <a:rPr lang="en-US" altLang="ja-JP" dirty="0">
+                <a:solidFill>
+                  <a:srgbClr val="FFFFFF"/>
+                </a:solidFill>
+                <a:latin typeface="Tahoma"/>
+                <a:cs typeface="Tahoma"/>
+              </a:rPr>
+              <a:t>://</a:t>
+            </a:r>
+            <a:r>
+              <a:rPr lang="en-US" altLang="ja-JP" dirty="0" err="1">
+                <a:solidFill>
+                  <a:srgbClr val="FFFFFF"/>
+                </a:solidFill>
+                <a:latin typeface="Tahoma"/>
+                <a:cs typeface="Tahoma"/>
+              </a:rPr>
+              <a:t>d.hatena.ne.jp</a:t>
+            </a:r>
+            <a:r>
+              <a:rPr lang="en-US" altLang="ja-JP" dirty="0">
+                <a:solidFill>
+                  <a:srgbClr val="FFFFFF"/>
+                </a:solidFill>
+                <a:latin typeface="Tahoma"/>
+                <a:cs typeface="Tahoma"/>
+              </a:rPr>
+              <a:t>/ozuma/</a:t>
+            </a:r>
+          </a:p>
+          <a:p>
+            <a:pPr>
+              <a:lnSpc>
+                <a:spcPct val="120000"/>
+              </a:lnSpc>
+            </a:pPr>
+            <a:r>
+              <a:rPr kumimoji="1" lang="ja-JP" altLang="en-US" dirty="0">
+                <a:solidFill>
+                  <a:srgbClr val="FFFFFF"/>
+                </a:solidFill>
+              </a:rPr>
+              <a:t>科学写真家</a:t>
+            </a:r>
+            <a:r>
+              <a:rPr kumimoji="1" lang="en-US" altLang="ja-JP" dirty="0">
+                <a:solidFill>
+                  <a:srgbClr val="FFFFFF"/>
+                </a:solidFill>
+              </a:rPr>
+              <a:t>(</a:t>
+            </a:r>
+            <a:r>
+              <a:rPr kumimoji="1" lang="ja-JP" altLang="en-US" dirty="0">
+                <a:solidFill>
+                  <a:srgbClr val="FFFFFF"/>
+                </a:solidFill>
+              </a:rPr>
+              <a:t>と名乗っている</a:t>
+            </a:r>
+            <a:r>
+              <a:rPr kumimoji="1" lang="en-US" altLang="ja-JP" dirty="0">
+                <a:solidFill>
+                  <a:srgbClr val="FFFFFF"/>
+                </a:solidFill>
+              </a:rPr>
+              <a:t>)</a:t>
+            </a:r>
+            <a:endParaRPr kumimoji="1" lang="ja-JP" altLang="en-US" dirty="0">
+              <a:solidFill>
+                <a:srgbClr val="FFFFFF"/>
+              </a:solidFill>
+            </a:endParaRPr>
+          </a:p>
+        </p:txBody>
+      </p:sp>
+      <p:sp>
+        <p:nvSpPr>
+          <p:cNvPr id="3" name="テキスト ボックス 2"/>
+          <p:cNvSpPr txBox="1"/>
+          <p:nvPr/>
+        </p:nvSpPr>
+        <p:spPr>
+          <a:xfrm>
+            <a:off x="304800" y="38102"/>
+            <a:ext cx="3898900" cy="646331"/>
+          </a:xfrm>
+          <a:prstGeom prst="rect">
+            <a:avLst/>
+          </a:prstGeom>
+          <a:noFill/>
+        </p:spPr>
+        <p:txBody>
+          <a:bodyPr wrap="square" rtlCol="0">
+            <a:spAutoFit/>
+          </a:bodyPr>
+          <a:lstStyle/>
+          <a:p>
+            <a:r>
+              <a:rPr kumimoji="1" lang="en-US" altLang="ja-JP" sz="3600" dirty="0" smtClean="0">
+                <a:solidFill>
+                  <a:schemeClr val="bg1"/>
+                </a:solidFill>
+              </a:rPr>
+              <a:t>@ozuma5119</a:t>
+            </a:r>
+            <a:endParaRPr kumimoji="1" lang="ja-JP" altLang="en-US" sz="3600" dirty="0">
+              <a:solidFill>
+                <a:schemeClr val="bg1"/>
+              </a:solidFill>
+            </a:endParaRPr>
+          </a:p>
+        </p:txBody>
+      </p:sp>
+      <p:cxnSp>
+        <p:nvCxnSpPr>
+          <p:cNvPr id="10" name="直線コネクタ 9"/>
+          <p:cNvCxnSpPr/>
+          <p:nvPr/>
+        </p:nvCxnSpPr>
+        <p:spPr>
+          <a:xfrm>
+            <a:off x="419100" y="787400"/>
+            <a:ext cx="8267700" cy="0"/>
+          </a:xfrm>
+          <a:prstGeom prst="line">
+            <a:avLst/>
+          </a:prstGeom>
+          <a:ln w="57150" cmpd="sng">
+            <a:solidFill>
+              <a:srgbClr val="FFF2CC"/>
+            </a:solidFill>
+          </a:ln>
+        </p:spPr>
+        <p:style>
+          <a:lnRef idx="2">
+            <a:schemeClr val="accent1"/>
+          </a:lnRef>
+          <a:fillRef idx="0">
+            <a:schemeClr val="accent1"/>
+          </a:fillRef>
+          <a:effectRef idx="1">
+            <a:schemeClr val="accent1"/>
+          </a:effectRef>
+          <a:fontRef idx="minor">
+            <a:schemeClr val="tx1"/>
+          </a:fontRef>
+        </p:style>
+      </p:cxnSp>
+    </p:spTree>
+    <p:extLst>
+      <p:ext uri="{BB962C8B-B14F-4D97-AF65-F5344CB8AC3E}">
+        <p14:creationId xmlns:p14="http://schemas.microsoft.com/office/powerpoint/2010/main" val="4038990212"/>
+      </p:ext>
+    </p:extLst>
+  </p:cSld>
+  <p:clrMapOvr>
+    <a:masterClrMapping/>
+  </p:clrMapOvr>
+  <p:timing>
+    <p:tnLst>
+      <p:par>
+        <p:cTn xmlns:p14="http://schemas.microsoft.com/office/powerpoint/2010/main" id="1" dur="indefinite" restart="never" nodeType="tmRoot"/>
+      </p:par>
+    </p:tnLst>
+  </p:timing>
+</p:sld>
+</file>
+
+<file path=ppt/slides/slide3.xml><?xml version="1.0" encoding="utf-8"?>
 <p:sld xmlns:a="http://schemas.openxmlformats.org/drawingml/2006/main" xmlns:r="http://schemas.openxmlformats.org/officeDocument/2006/relationships" xmlns:p="http://schemas.openxmlformats.org/presentationml/2006/main">
   <p:cSld>
     <p:spTree>
@@ -3890,7 +4387,7 @@
           <a:p>
             <a:r>
               <a:rPr kumimoji="1" lang="en-US" altLang="ja-JP" smtClean="0"/>
-              <a:t>Sitation.</a:t>
+              <a:t>Situation.</a:t>
             </a:r>
             <a:endParaRPr kumimoji="1" lang="ja-JP" altLang="en-US"/>
           </a:p>
@@ -3912,8 +4409,12 @@
           <a:lstStyle/>
           <a:p>
             <a:r>
+              <a:rPr lang="en-US" altLang="en-US"/>
+              <a:t>犯人(YASU)</a:t>
+            </a:r>
+            <a:r>
               <a:rPr kumimoji="1" lang="ja-JP" altLang="en-US" smtClean="0"/>
-              <a:t>何者にかにより閉じ込められた密室</a:t>
+              <a:t>により閉じ込められた密室</a:t>
             </a:r>
             <a:endParaRPr kumimoji="1" lang="en-US" altLang="ja-JP" smtClean="0"/>
           </a:p>
@@ -3947,7 +4448,15 @@
           <a:p>
             <a:r>
               <a:rPr kumimoji="1" lang="ja-JP" altLang="en-US" smtClean="0"/>
-              <a:t>この状況で、犯人をなんとしてでも伝えたい</a:t>
+              <a:t>この状況で、犯人を</a:t>
+            </a:r>
+            <a:r>
+              <a:rPr kumimoji="1" lang="ja-JP" altLang="en-US" smtClean="0"/>
+              <a:t>外部に</a:t>
+            </a:r>
+            <a:r>
+              <a:rPr kumimoji="1" lang="ja-JP" altLang="en-US" smtClean="0"/>
+              <a:t>なんとしてでも伝えたい</a:t>
             </a:r>
             <a:endParaRPr kumimoji="1" lang="en-US" altLang="ja-JP" smtClean="0"/>
           </a:p>
@@ -3962,7 +4471,7 @@
             </a:r>
             <a:r>
               <a:rPr kumimoji="1" lang="ja-JP" altLang="en-US" smtClean="0"/>
-              <a:t>アドレスだけはなぜか分かっているものとする（なんだそれ）</a:t>
+              <a:t>アドレスは分かっている（なんだそれ）</a:t>
             </a:r>
             <a:endParaRPr kumimoji="1" lang="ja-JP" altLang="en-US"/>
           </a:p>
@@ -3981,14 +4490,14 @@
   <p:timing>
     <p:tnLst>
       <p:par>
-        <p:cTn id="1" dur="indefinite" restart="never" nodeType="tmRoot"/>
+        <p:cTn xmlns:p14="http://schemas.microsoft.com/office/powerpoint/2010/main" id="1" dur="indefinite" restart="never" nodeType="tmRoot"/>
       </p:par>
     </p:tnLst>
   </p:timing>
 </p:sld>
 </file>
 
-<file path=ppt/slides/slide3.xml><?xml version="1.0" encoding="utf-8"?>
+<file path=ppt/slides/slide4.xml><?xml version="1.0" encoding="utf-8"?>
 <p:sld xmlns:a="http://schemas.openxmlformats.org/drawingml/2006/main" xmlns:r="http://schemas.openxmlformats.org/officeDocument/2006/relationships" xmlns:p="http://schemas.openxmlformats.org/presentationml/2006/main">
   <p:cSld>
     <p:spTree>
@@ -4031,29 +4540,33 @@
       </p:pic>
       <p:sp>
         <p:nvSpPr>
-          <p:cNvPr id="5" name="角丸四角形 4"/>
+          <p:cNvPr id="2" name="円/楕円 1"/>
           <p:cNvSpPr/>
           <p:nvPr/>
         </p:nvSpPr>
         <p:spPr>
           <a:xfrm>
-            <a:off x="2529840" y="1645920"/>
-            <a:ext cx="6324600" cy="1211580"/>
+            <a:off x="6876142" y="4109357"/>
+            <a:ext cx="2177143" cy="1034144"/>
           </a:xfrm>
-          <a:prstGeom prst="roundRect">
+          <a:prstGeom prst="ellipse">
             <a:avLst/>
           </a:prstGeom>
+          <a:noFill/>
+          <a:ln w="57150" cmpd="sng">
+            <a:solidFill>
+              <a:srgbClr val="FF0000"/>
+            </a:solidFill>
+          </a:ln>
         </p:spPr>
         <p:style>
-          <a:lnRef idx="2">
-            <a:schemeClr val="accent1">
-              <a:shade val="50000"/>
-            </a:schemeClr>
+          <a:lnRef idx="1">
+            <a:schemeClr val="accent1"/>
           </a:lnRef>
-          <a:fillRef idx="1">
+          <a:fillRef idx="3">
             <a:schemeClr val="accent1"/>
           </a:fillRef>
-          <a:effectRef idx="0">
+          <a:effectRef idx="2">
             <a:schemeClr val="accent1"/>
           </a:effectRef>
           <a:fontRef idx="minor">
@@ -4064,33 +4577,196 @@
           <a:bodyPr rtlCol="0" anchor="ctr"/>
           <a:lstStyle/>
           <a:p>
-            <a:r>
-              <a:rPr kumimoji="1" lang="en-US" altLang="ja-JP" sz="2400" smtClean="0"/>
-              <a:t>Windows7</a:t>
-            </a:r>
-            <a:r>
-              <a:rPr kumimoji="1" lang="ja-JP" altLang="en-US" sz="2400" smtClean="0"/>
+            <a:pPr algn="ctr"/>
+            <a:endParaRPr kumimoji="1" lang="ja-JP" altLang="en-US"/>
+          </a:p>
+        </p:txBody>
+      </p:sp>
+      <p:cxnSp>
+        <p:nvCxnSpPr>
+          <p:cNvPr id="6" name="直線矢印コネクタ 5"/>
+          <p:cNvCxnSpPr/>
+          <p:nvPr/>
+        </p:nvCxnSpPr>
+        <p:spPr>
+          <a:xfrm>
+            <a:off x="6740071" y="2643634"/>
+            <a:ext cx="789214" cy="1474795"/>
+          </a:xfrm>
+          <a:prstGeom prst="straightConnector1">
+            <a:avLst/>
+          </a:prstGeom>
+          <a:ln w="57150" cmpd="sng">
+            <a:solidFill>
+              <a:srgbClr val="FF0000"/>
+            </a:solidFill>
+            <a:tailEnd type="arrow"/>
+          </a:ln>
+        </p:spPr>
+        <p:style>
+          <a:lnRef idx="2">
+            <a:schemeClr val="accent1"/>
+          </a:lnRef>
+          <a:fillRef idx="0">
+            <a:schemeClr val="accent1"/>
+          </a:fillRef>
+          <a:effectRef idx="1">
+            <a:schemeClr val="accent1"/>
+          </a:effectRef>
+          <a:fontRef idx="minor">
+            <a:schemeClr val="tx1"/>
+          </a:fontRef>
+        </p:style>
+      </p:cxnSp>
+      <p:sp>
+        <p:nvSpPr>
+          <p:cNvPr id="8" name="正方形/長方形 7"/>
+          <p:cNvSpPr/>
+          <p:nvPr/>
+        </p:nvSpPr>
+        <p:spPr>
+          <a:xfrm>
+            <a:off x="3084286" y="1641929"/>
+            <a:ext cx="4953000" cy="979715"/>
+          </a:xfrm>
+          <a:prstGeom prst="rect">
+            <a:avLst/>
+          </a:prstGeom>
+          <a:solidFill>
+            <a:schemeClr val="accent2">
+              <a:lumMod val="50000"/>
+            </a:schemeClr>
+          </a:solidFill>
+          <a:ln w="28575" cmpd="sng">
+            <a:solidFill>
+              <a:schemeClr val="accent4">
+                <a:lumMod val="20000"/>
+                <a:lumOff val="80000"/>
+              </a:schemeClr>
+            </a:solidFill>
+          </a:ln>
+          <a:effectLst>
+            <a:glow rad="101600">
+              <a:schemeClr val="tx1">
+                <a:alpha val="22000"/>
+              </a:schemeClr>
+            </a:glow>
+            <a:outerShdw blurRad="50800" dist="38100" dir="2700000" algn="tl" rotWithShape="0">
+              <a:srgbClr val="000000">
+                <a:alpha val="43000"/>
+              </a:srgbClr>
+            </a:outerShdw>
+          </a:effectLst>
+        </p:spPr>
+        <p:style>
+          <a:lnRef idx="1">
+            <a:schemeClr val="accent1"/>
+          </a:lnRef>
+          <a:fillRef idx="3">
+            <a:schemeClr val="accent1"/>
+          </a:fillRef>
+          <a:effectRef idx="2">
+            <a:schemeClr val="accent1"/>
+          </a:effectRef>
+          <a:fontRef idx="minor">
+            <a:schemeClr val="lt1"/>
+          </a:fontRef>
+        </p:style>
+        <p:txBody>
+          <a:bodyPr rtlCol="0" anchor="ctr"/>
+          <a:lstStyle/>
+          <a:p>
+            <a:r>
+              <a:rPr kumimoji="1" lang="en-US" altLang="ja-JP">
+                <a:solidFill>
+                  <a:schemeClr val="accent2">
+                    <a:lumMod val="20000"/>
+                    <a:lumOff val="80000"/>
+                  </a:schemeClr>
+                </a:solidFill>
+                <a:latin typeface="メイリオ"/>
+                <a:ea typeface="メイリオ"/>
+                <a:cs typeface="メイリオ"/>
+              </a:rPr>
+              <a:t>Windows</a:t>
+            </a:r>
+            <a:r>
+              <a:rPr kumimoji="1" lang="ja-JP" altLang="en-US">
+                <a:solidFill>
+                  <a:schemeClr val="accent2">
+                    <a:lumMod val="20000"/>
+                    <a:lumOff val="80000"/>
+                  </a:schemeClr>
+                </a:solidFill>
+                <a:latin typeface="メイリオ"/>
+                <a:ea typeface="メイリオ"/>
+                <a:cs typeface="メイリオ"/>
+              </a:rPr>
               <a:t>の</a:t>
             </a:r>
             <a:r>
-              <a:rPr kumimoji="1" lang="en-US" altLang="ja-JP" sz="2400" smtClean="0"/>
+              <a:rPr kumimoji="1" lang="en-US" altLang="ja-JP">
+                <a:solidFill>
+                  <a:schemeClr val="accent2">
+                    <a:lumMod val="20000"/>
+                    <a:lumOff val="80000"/>
+                  </a:schemeClr>
+                </a:solidFill>
+                <a:latin typeface="メイリオ"/>
+                <a:ea typeface="メイリオ"/>
+                <a:cs typeface="メイリオ"/>
+              </a:rPr>
               <a:t>ping</a:t>
             </a:r>
             <a:r>
-              <a:rPr kumimoji="1" lang="ja-JP" altLang="en-US" sz="2400" smtClean="0"/>
+              <a:rPr kumimoji="1" lang="ja-JP" altLang="en-US">
+                <a:solidFill>
+                  <a:schemeClr val="accent2">
+                    <a:lumMod val="20000"/>
+                    <a:lumOff val="80000"/>
+                  </a:schemeClr>
+                </a:solidFill>
+                <a:latin typeface="メイリオ"/>
+                <a:ea typeface="メイリオ"/>
+                <a:cs typeface="メイリオ"/>
+              </a:rPr>
               <a:t>コマンドのペイロード：</a:t>
             </a:r>
-            <a:endParaRPr kumimoji="1" lang="en-US" altLang="ja-JP" sz="2400" smtClean="0"/>
-          </a:p>
-          <a:p>
-            <a:r>
-              <a:rPr lang="en-US" altLang="ja-JP" sz="2400" smtClean="0">
-                <a:latin typeface="Segoe UI Semibold" panose="020B0702040204020203" pitchFamily="34" charset="0"/>
+            <a:endParaRPr kumimoji="1" lang="en-US" altLang="ja-JP">
+              <a:solidFill>
+                <a:schemeClr val="accent2">
+                  <a:lumMod val="20000"/>
+                  <a:lumOff val="80000"/>
+                </a:schemeClr>
+              </a:solidFill>
+              <a:latin typeface="メイリオ"/>
+              <a:ea typeface="メイリオ"/>
+              <a:cs typeface="メイリオ"/>
+            </a:endParaRPr>
+          </a:p>
+          <a:p>
+            <a:r>
+              <a:rPr lang="en-US" altLang="ja-JP" b="1">
+                <a:solidFill>
+                  <a:schemeClr val="accent2">
+                    <a:lumMod val="20000"/>
+                    <a:lumOff val="80000"/>
+                  </a:schemeClr>
+                </a:solidFill>
+                <a:latin typeface="Helvetica"/>
+                <a:cs typeface="Helvetica"/>
               </a:rPr>
               <a:t>abcdefghijklmnopqrstuvwabcdefghi</a:t>
             </a:r>
-            <a:endParaRPr kumimoji="1" lang="ja-JP" altLang="en-US" sz="2400">
-              <a:latin typeface="Segoe UI Semibold" panose="020B0702040204020203" pitchFamily="34" charset="0"/>
+            <a:endParaRPr kumimoji="1" lang="ja-JP" altLang="en-US" b="1">
+              <a:solidFill>
+                <a:schemeClr val="accent2">
+                  <a:lumMod val="20000"/>
+                  <a:lumOff val="80000"/>
+                </a:schemeClr>
+              </a:solidFill>
+              <a:latin typeface="Helvetica"/>
+              <a:cs typeface="Helvetica"/>
             </a:endParaRPr>
           </a:p>
         </p:txBody>
@@ -4108,14 +4784,14 @@
   <p:timing>
     <p:tnLst>
       <p:par>
-        <p:cTn id="1" dur="indefinite" restart="never" nodeType="tmRoot"/>
+        <p:cTn xmlns:p14="http://schemas.microsoft.com/office/powerpoint/2010/main" id="1" dur="indefinite" restart="never" nodeType="tmRoot"/>
       </p:par>
     </p:tnLst>
   </p:timing>
 </p:sld>
 </file>
 
-<file path=ppt/slides/slide4.xml><?xml version="1.0" encoding="utf-8"?>
+<file path=ppt/slides/slide5.xml><?xml version="1.0" encoding="utf-8"?>
 <p:sld xmlns:a="http://schemas.openxmlformats.org/drawingml/2006/main" xmlns:r="http://schemas.openxmlformats.org/officeDocument/2006/relationships" xmlns:p="http://schemas.openxmlformats.org/presentationml/2006/main">
   <p:cSld>
     <p:spTree>
@@ -4134,7 +4810,68 @@
       </p:grpSpPr>
       <p:sp>
         <p:nvSpPr>
-          <p:cNvPr id="2" name="タイトル 1"/>
+          <p:cNvPr id="5" name="正方形/長方形 4"/>
+          <p:cNvSpPr/>
+          <p:nvPr/>
+        </p:nvSpPr>
+        <p:spPr>
+          <a:xfrm>
+            <a:off x="190500" y="1605643"/>
+            <a:ext cx="8790215" cy="798285"/>
+          </a:xfrm>
+          <a:prstGeom prst="rect">
+            <a:avLst/>
+          </a:prstGeom>
+          <a:solidFill>
+            <a:schemeClr val="tx1"/>
+          </a:solidFill>
+          <a:ln>
+            <a:solidFill>
+              <a:schemeClr val="accent4">
+                <a:lumMod val="20000"/>
+                <a:lumOff val="80000"/>
+              </a:schemeClr>
+            </a:solidFill>
+          </a:ln>
+        </p:spPr>
+        <p:style>
+          <a:lnRef idx="1">
+            <a:schemeClr val="accent1"/>
+          </a:lnRef>
+          <a:fillRef idx="3">
+            <a:schemeClr val="accent1"/>
+          </a:fillRef>
+          <a:effectRef idx="2">
+            <a:schemeClr val="accent1"/>
+          </a:effectRef>
+          <a:fontRef idx="minor">
+            <a:schemeClr val="lt1"/>
+          </a:fontRef>
+        </p:style>
+        <p:txBody>
+          <a:bodyPr rtlCol="0" anchor="ctr"/>
+          <a:lstStyle/>
+          <a:p>
+            <a:r>
+              <a:rPr lang="en-US" altLang="ja-JP" sz="2800">
+                <a:latin typeface="Consolas"/>
+                <a:cs typeface="Consolas"/>
+              </a:rPr>
+              <a:t># </a:t>
+            </a:r>
+            <a:r>
+              <a:rPr lang="en-US" altLang="ja-JP" sz="2800">
+                <a:latin typeface="Consolas"/>
+                <a:cs typeface="Consolas"/>
+              </a:rPr>
+              <a:t>nping --data-string &lt;string&gt; 192.168.2.1</a:t>
+            </a:r>
+          </a:p>
+        </p:txBody>
+      </p:sp>
+      <p:sp>
+        <p:nvSpPr>
+          <p:cNvPr id="6" name="タイトル 1"/>
           <p:cNvSpPr>
             <a:spLocks noGrp="1"/>
           </p:cNvSpPr>
@@ -4142,35 +4879,37 @@
             <p:ph type="title"/>
           </p:nvPr>
         </p:nvSpPr>
-        <p:spPr/>
+        <p:spPr>
+          <a:xfrm>
+            <a:off x="637722" y="201841"/>
+            <a:ext cx="7886700" cy="913945"/>
+          </a:xfrm>
+        </p:spPr>
         <p:txBody>
           <a:bodyPr/>
           <a:lstStyle/>
           <a:p>
             <a:r>
               <a:rPr kumimoji="1" lang="en-US" altLang="ja-JP" smtClean="0"/>
-              <a:t>nping</a:t>
-            </a:r>
-            <a:endParaRPr kumimoji="1" lang="ja-JP" altLang="en-US"/>
-          </a:p>
-        </p:txBody>
-      </p:sp>
-      <p:sp>
-        <p:nvSpPr>
-          <p:cNvPr id="3" name="コンテンツ プレースホルダー 2"/>
-          <p:cNvSpPr>
-            <a:spLocks noGrp="1"/>
-          </p:cNvSpPr>
-          <p:nvPr>
-            <p:ph idx="1"/>
-          </p:nvPr>
-        </p:nvSpPr>
-        <p:spPr/>
-        <p:txBody>
-          <a:bodyPr/>
-          <a:lstStyle/>
-          <a:p>
-            <a:endParaRPr kumimoji="1" lang="ja-JP" altLang="en-US"/>
+              <a:t>nping (Nmap</a:t>
+            </a:r>
+            <a:r>
+              <a:rPr kumimoji="1" lang="ja-JP" altLang="en-US" smtClean="0">
+                <a:latin typeface="メイリオ"/>
+                <a:ea typeface="メイリオ"/>
+                <a:cs typeface="メイリオ"/>
+              </a:rPr>
+              <a:t>付属</a:t>
+            </a:r>
+            <a:r>
+              <a:rPr lang="en-US" altLang="ja-JP"/>
+              <a:t>)</a:t>
+            </a:r>
+            <a:endParaRPr kumimoji="1" lang="ja-JP" altLang="en-US">
+              <a:latin typeface="メイリオ"/>
+              <a:ea typeface="メイリオ"/>
+              <a:cs typeface="メイリオ"/>
+            </a:endParaRPr>
           </a:p>
         </p:txBody>
       </p:sp>
@@ -4187,7 +4926,7 @@
   <p:timing>
     <p:tnLst>
       <p:par>
-        <p:cTn id="1" dur="indefinite" restart="never" nodeType="tmRoot"/>
+        <p:cTn xmlns:p14="http://schemas.microsoft.com/office/powerpoint/2010/main" id="1" dur="indefinite" restart="never" nodeType="tmRoot"/>
       </p:par>
     </p:tnLst>
   </p:timing>
@@ -4237,7 +4976,7 @@
     </a:clrScheme>
     <a:fontScheme name="Office テーマ">
       <a:majorFont>
-        <a:latin typeface="Calibri Light" panose="020F0302020204030204"/>
+        <a:latin typeface="Calibri Light"/>
         <a:ea typeface=""/>
         <a:cs typeface=""/>
         <a:font script="Jpan" typeface="ＭＳ Ｐゴシック"/>
@@ -4272,7 +5011,7 @@
         <a:font script="Geor" typeface="Sylfaen"/>
       </a:majorFont>
       <a:minorFont>
-        <a:latin typeface="Calibri" panose="020F0502020204030204"/>
+        <a:latin typeface="Calibri"/>
         <a:ea typeface=""/>
         <a:cs typeface=""/>
         <a:font script="Jpan" typeface="ＭＳ Ｐゴシック"/>
@@ -4449,7 +5188,7 @@
   <a:extraClrSchemeLst/>
   <a:extLst>
     <a:ext uri="{05A4C25C-085E-4340-85A3-A5531E510DB2}">
-      <thm15:themeFamily xmlns:thm15="http://schemas.microsoft.com/office/thememl/2012/main" name="Office Theme" id="{62F939B6-93AF-4DB8-9C6B-D6C7DFDC589F}" vid="{4A3C46E8-61CC-4603-A589-7422A47A8E4A}"/>
+      <thm15:themeFamily xmlns:thm15="http://schemas.microsoft.com/office/thememl/2012/main" xmlns="" name="Office Theme" id="{62F939B6-93AF-4DB8-9C6B-D6C7DFDC589F}" vid="{4A3C46E8-61CC-4603-A589-7422A47A8E4A}"/>
     </a:ext>
   </a:extLst>
 </a:theme>
@@ -4498,7 +5237,7 @@
     </a:clrScheme>
     <a:fontScheme name="Office">
       <a:majorFont>
-        <a:latin typeface="Calibri Light" panose="020F0302020204030204"/>
+        <a:latin typeface="Calibri Light"/>
         <a:ea typeface=""/>
         <a:cs typeface=""/>
         <a:font script="Jpan" typeface="ＭＳ Ｐゴシック"/>
@@ -4533,7 +5272,7 @@
         <a:font script="Geor" typeface="Sylfaen"/>
       </a:majorFont>
       <a:minorFont>
-        <a:latin typeface="Calibri" panose="020F0502020204030204"/>
+        <a:latin typeface="Calibri"/>
         <a:ea typeface=""/>
         <a:cs typeface=""/>
         <a:font script="Jpan" typeface="ＭＳ Ｐゴシック"/>
@@ -4710,7 +5449,7 @@
   <a:extraClrSchemeLst/>
   <a:extLst>
     <a:ext uri="{05A4C25C-085E-4340-85A3-A5531E510DB2}">
-      <thm15:themeFamily xmlns:thm15="http://schemas.microsoft.com/office/thememl/2012/main" name="Office Theme" id="{62F939B6-93AF-4DB8-9C6B-D6C7DFDC589F}" vid="{4A3C46E8-61CC-4603-A589-7422A47A8E4A}"/>
+      <thm15:themeFamily xmlns:thm15="http://schemas.microsoft.com/office/thememl/2012/main" xmlns="" name="Office Theme" id="{62F939B6-93AF-4DB8-9C6B-D6C7DFDC589F}" vid="{4A3C46E8-61CC-4603-A589-7422A47A8E4A}"/>
     </a:ext>
   </a:extLst>
 </a:theme>

--- a/2015-no.2/ppt/00_ozuma.pptx
+++ b/2015-no.2/ppt/00_ozuma.pptx
@@ -5,14 +5,19 @@
     <p:sldMasterId id="2147483690" r:id="rId1"/>
   </p:sldMasterIdLst>
   <p:notesMasterIdLst>
-    <p:notesMasterId r:id="rId7"/>
+    <p:notesMasterId r:id="rId12"/>
   </p:notesMasterIdLst>
   <p:sldIdLst>
     <p:sldId id="257" r:id="rId2"/>
     <p:sldId id="261" r:id="rId3"/>
-    <p:sldId id="258" r:id="rId4"/>
-    <p:sldId id="259" r:id="rId5"/>
-    <p:sldId id="260" r:id="rId6"/>
+    <p:sldId id="262" r:id="rId4"/>
+    <p:sldId id="258" r:id="rId5"/>
+    <p:sldId id="259" r:id="rId6"/>
+    <p:sldId id="260" r:id="rId7"/>
+    <p:sldId id="263" r:id="rId8"/>
+    <p:sldId id="266" r:id="rId9"/>
+    <p:sldId id="264" r:id="rId10"/>
+    <p:sldId id="265" r:id="rId11"/>
   </p:sldIdLst>
   <p:sldSz cx="9144000" cy="6858000" type="screen4x3"/>
   <p:notesSz cx="6858000" cy="9144000"/>
@@ -111,6 +116,22 @@
       </a:defRPr>
     </a:lvl9pPr>
   </p:defaultTextStyle>
+  <p:extLst>
+    <p:ext uri="{EFAFB233-063F-42B5-8137-9DF3F51BA10A}">
+      <p15:sldGuideLst xmlns:p15="http://schemas.microsoft.com/office/powerpoint/2012/main">
+        <p15:guide id="1" orient="horz" pos="2160">
+          <p15:clr>
+            <a:srgbClr val="A4A3A4"/>
+          </p15:clr>
+        </p15:guide>
+        <p15:guide id="2" pos="2880">
+          <p15:clr>
+            <a:srgbClr val="A4A3A4"/>
+          </p15:clr>
+        </p15:guide>
+      </p15:sldGuideLst>
+    </p:ext>
+  </p:extLst>
 </p:presentation>
 </file>
 
@@ -196,7 +217,7 @@
           <a:p>
             <a:fld id="{227E3AE5-EB08-419F-97DD-14530EE7F784}" type="datetimeFigureOut">
               <a:rPr kumimoji="1" lang="ja-JP" altLang="en-US" smtClean="0"/>
-              <a:t>15/08/14</a:t>
+              <a:t>2015/8/16</a:t>
             </a:fld>
             <a:endParaRPr kumimoji="1" lang="ja-JP" altLang="en-US"/>
           </a:p>
@@ -663,6 +684,100 @@
           <a:bodyPr/>
           <a:lstStyle/>
           <a:p>
+            <a:r>
+              <a:rPr kumimoji="1" lang="ja-JP" altLang="en-US" smtClean="0"/>
+              <a:t>通常、</a:t>
+            </a:r>
+            <a:r>
+              <a:rPr kumimoji="1" lang="en-US" altLang="ja-JP" smtClean="0"/>
+              <a:t>ICMP</a:t>
+            </a:r>
+            <a:r>
+              <a:rPr kumimoji="1" lang="ja-JP" altLang="en-US" smtClean="0"/>
+              <a:t>の</a:t>
+            </a:r>
+            <a:r>
+              <a:rPr kumimoji="1" lang="en-US" altLang="ja-JP" smtClean="0"/>
+              <a:t>echo</a:t>
+            </a:r>
+            <a:r>
+              <a:rPr kumimoji="1" lang="ja-JP" altLang="en-US" smtClean="0"/>
+              <a:t>リクエストは、リプライが変えるかどうかだけが重要です。そのためペイロードには誰も注意を払いません。そのためか</a:t>
+            </a:r>
+            <a:r>
+              <a:rPr kumimoji="1" lang="en-US" altLang="ja-JP" smtClean="0"/>
+              <a:t>(?)</a:t>
+            </a:r>
+            <a:r>
+              <a:rPr kumimoji="1" lang="ja-JP" altLang="en-US" smtClean="0"/>
+              <a:t>、</a:t>
+            </a:r>
+            <a:r>
+              <a:rPr kumimoji="1" lang="en-US" altLang="ja-JP" smtClean="0"/>
+              <a:t>Windows</a:t>
+            </a:r>
+            <a:r>
+              <a:rPr kumimoji="1" lang="ja-JP" altLang="en-US" smtClean="0"/>
+              <a:t>の</a:t>
+            </a:r>
+            <a:r>
+              <a:rPr kumimoji="1" lang="en-US" altLang="ja-JP" smtClean="0"/>
+              <a:t>ping</a:t>
+            </a:r>
+            <a:r>
+              <a:rPr kumimoji="1" lang="ja-JP" altLang="en-US" smtClean="0"/>
+              <a:t>コマンドではこのように</a:t>
+            </a:r>
+            <a:r>
+              <a:rPr kumimoji="1" lang="en-US" altLang="ja-JP" smtClean="0"/>
+              <a:t>[abcdefg...]</a:t>
+            </a:r>
+            <a:r>
+              <a:rPr kumimoji="1" lang="ja-JP" altLang="en-US" smtClean="0"/>
+              <a:t>というテキトーなペイロードが埋め込まれています。（なぜ</a:t>
+            </a:r>
+            <a:r>
+              <a:rPr kumimoji="1" lang="en-US" altLang="ja-JP" smtClean="0"/>
+              <a:t>xyz</a:t>
+            </a:r>
+            <a:r>
+              <a:rPr kumimoji="1" lang="ja-JP" altLang="en-US" smtClean="0"/>
+              <a:t>が抜けているのかが謎なんですけど</a:t>
+            </a:r>
+            <a:r>
+              <a:rPr kumimoji="1" lang="en-US" altLang="ja-JP" smtClean="0"/>
+              <a:t>……</a:t>
+            </a:r>
+            <a:r>
+              <a:rPr kumimoji="1" lang="ja-JP" altLang="en-US" smtClean="0"/>
+              <a:t>知ってる人います</a:t>
+            </a:r>
+            <a:r>
+              <a:rPr kumimoji="1" lang="en-US" altLang="ja-JP" smtClean="0"/>
+              <a:t>?)</a:t>
+            </a:r>
+          </a:p>
+          <a:p>
+            <a:r>
+              <a:rPr kumimoji="1" lang="ja-JP" altLang="en-US" smtClean="0"/>
+              <a:t>ちなみに</a:t>
+            </a:r>
+            <a:r>
+              <a:rPr kumimoji="1" lang="en-US" altLang="ja-JP" smtClean="0"/>
+              <a:t>Linux</a:t>
+            </a:r>
+            <a:r>
+              <a:rPr kumimoji="1" lang="ja-JP" altLang="en-US" smtClean="0"/>
+              <a:t>の</a:t>
+            </a:r>
+            <a:r>
+              <a:rPr kumimoji="1" lang="en-US" altLang="ja-JP" smtClean="0"/>
+              <a:t>ping</a:t>
+            </a:r>
+            <a:r>
+              <a:rPr kumimoji="1" lang="ja-JP" altLang="en-US" smtClean="0"/>
+              <a:t>コマンドは、また全然別のテキトーなペイロードが埋めこれます</a:t>
+            </a:r>
             <a:endParaRPr kumimoji="1" lang="ja-JP" altLang="en-US"/>
           </a:p>
         </p:txBody>
@@ -684,7 +799,7 @@
           <a:p>
             <a:fld id="{DB9CD991-4847-4EC6-8E3A-1C6DA9348A2B}" type="slidenum">
               <a:rPr kumimoji="1" lang="ja-JP" altLang="en-US" smtClean="0"/>
-              <a:t>4</a:t>
+              <a:t>5</a:t>
             </a:fld>
             <a:endParaRPr kumimoji="1" lang="ja-JP" altLang="en-US"/>
           </a:p>
@@ -694,6 +809,268 @@
     <p:extLst>
       <p:ext uri="{BB962C8B-B14F-4D97-AF65-F5344CB8AC3E}">
         <p14:creationId xmlns:p14="http://schemas.microsoft.com/office/powerpoint/2010/main" val="1645015722"/>
+      </p:ext>
+    </p:extLst>
+  </p:cSld>
+  <p:clrMapOvr>
+    <a:masterClrMapping/>
+  </p:clrMapOvr>
+</p:notes>
+</file>
+
+<file path=ppt/notesSlides/notesSlide3.xml><?xml version="1.0" encoding="utf-8"?>
+<p:notes xmlns:a="http://schemas.openxmlformats.org/drawingml/2006/main" xmlns:r="http://schemas.openxmlformats.org/officeDocument/2006/relationships" xmlns:p="http://schemas.openxmlformats.org/presentationml/2006/main">
+  <p:cSld>
+    <p:spTree>
+      <p:nvGrpSpPr>
+        <p:cNvPr id="1" name=""/>
+        <p:cNvGrpSpPr/>
+        <p:nvPr/>
+      </p:nvGrpSpPr>
+      <p:grpSpPr>
+        <a:xfrm>
+          <a:off x="0" y="0"/>
+          <a:ext cx="0" cy="0"/>
+          <a:chOff x="0" y="0"/>
+          <a:chExt cx="0" cy="0"/>
+        </a:xfrm>
+      </p:grpSpPr>
+      <p:sp>
+        <p:nvSpPr>
+          <p:cNvPr id="2" name="スライド イメージ プレースホルダー 1"/>
+          <p:cNvSpPr>
+            <a:spLocks noGrp="1" noRot="1" noChangeAspect="1"/>
+          </p:cNvSpPr>
+          <p:nvPr>
+            <p:ph type="sldImg"/>
+          </p:nvPr>
+        </p:nvSpPr>
+        <p:spPr/>
+      </p:sp>
+      <p:sp>
+        <p:nvSpPr>
+          <p:cNvPr id="3" name="ノート プレースホルダー 2"/>
+          <p:cNvSpPr>
+            <a:spLocks noGrp="1"/>
+          </p:cNvSpPr>
+          <p:nvPr>
+            <p:ph type="body" idx="1"/>
+          </p:nvPr>
+        </p:nvSpPr>
+        <p:spPr/>
+        <p:txBody>
+          <a:bodyPr/>
+          <a:lstStyle/>
+          <a:p>
+            <a:r>
+              <a:rPr kumimoji="1" lang="ja-JP" altLang="en-US" smtClean="0"/>
+              <a:t>さて、そうなるとここに好きなペイロードを突っ込むことで、外部と隠れてコソコソ通信できるな～ということになります。</a:t>
+            </a:r>
+            <a:endParaRPr kumimoji="1" lang="en-US" altLang="ja-JP" smtClean="0"/>
+          </a:p>
+          <a:p>
+            <a:r>
+              <a:rPr kumimoji="1" lang="ja-JP" altLang="en-US" smtClean="0"/>
+              <a:t>やり方は色々あると思いますが、ここでは</a:t>
+            </a:r>
+            <a:r>
+              <a:rPr kumimoji="1" lang="en-US" altLang="ja-JP" smtClean="0"/>
+              <a:t>nping</a:t>
+            </a:r>
+            <a:r>
+              <a:rPr kumimoji="1" lang="ja-JP" altLang="en-US" smtClean="0"/>
+              <a:t>コマンドを使いましょう。これはポートスキャナ</a:t>
+            </a:r>
+            <a:r>
+              <a:rPr kumimoji="1" lang="en-US" altLang="ja-JP" smtClean="0"/>
+              <a:t>nmap</a:t>
+            </a:r>
+            <a:r>
+              <a:rPr kumimoji="1" lang="ja-JP" altLang="en-US" smtClean="0"/>
+              <a:t>に付属しているので、普通に</a:t>
+            </a:r>
+            <a:r>
+              <a:rPr kumimoji="1" lang="en-US" altLang="ja-JP" smtClean="0"/>
+              <a:t>nmap</a:t>
+            </a:r>
+            <a:r>
+              <a:rPr kumimoji="1" lang="ja-JP" altLang="en-US" smtClean="0"/>
+              <a:t>を入れれば入っています。</a:t>
+            </a:r>
+            <a:endParaRPr kumimoji="1" lang="ja-JP" altLang="en-US"/>
+          </a:p>
+        </p:txBody>
+      </p:sp>
+      <p:sp>
+        <p:nvSpPr>
+          <p:cNvPr id="4" name="スライド番号プレースホルダー 3"/>
+          <p:cNvSpPr>
+            <a:spLocks noGrp="1"/>
+          </p:cNvSpPr>
+          <p:nvPr>
+            <p:ph type="sldNum" sz="quarter" idx="10"/>
+          </p:nvPr>
+        </p:nvSpPr>
+        <p:spPr/>
+        <p:txBody>
+          <a:bodyPr/>
+          <a:lstStyle/>
+          <a:p>
+            <a:fld id="{DB9CD991-4847-4EC6-8E3A-1C6DA9348A2B}" type="slidenum">
+              <a:rPr kumimoji="1" lang="ja-JP" altLang="en-US" smtClean="0"/>
+              <a:t>6</a:t>
+            </a:fld>
+            <a:endParaRPr kumimoji="1" lang="ja-JP" altLang="en-US"/>
+          </a:p>
+        </p:txBody>
+      </p:sp>
+    </p:spTree>
+    <p:extLst>
+      <p:ext uri="{BB962C8B-B14F-4D97-AF65-F5344CB8AC3E}">
+        <p14:creationId xmlns:p14="http://schemas.microsoft.com/office/powerpoint/2010/main" val="4088891792"/>
+      </p:ext>
+    </p:extLst>
+  </p:cSld>
+  <p:clrMapOvr>
+    <a:masterClrMapping/>
+  </p:clrMapOvr>
+</p:notes>
+</file>
+
+<file path=ppt/notesSlides/notesSlide4.xml><?xml version="1.0" encoding="utf-8"?>
+<p:notes xmlns:a="http://schemas.openxmlformats.org/drawingml/2006/main" xmlns:r="http://schemas.openxmlformats.org/officeDocument/2006/relationships" xmlns:p="http://schemas.openxmlformats.org/presentationml/2006/main">
+  <p:cSld>
+    <p:spTree>
+      <p:nvGrpSpPr>
+        <p:cNvPr id="1" name=""/>
+        <p:cNvGrpSpPr/>
+        <p:nvPr/>
+      </p:nvGrpSpPr>
+      <p:grpSpPr>
+        <a:xfrm>
+          <a:off x="0" y="0"/>
+          <a:ext cx="0" cy="0"/>
+          <a:chOff x="0" y="0"/>
+          <a:chExt cx="0" cy="0"/>
+        </a:xfrm>
+      </p:grpSpPr>
+      <p:sp>
+        <p:nvSpPr>
+          <p:cNvPr id="2" name="スライド イメージ プレースホルダー 1"/>
+          <p:cNvSpPr>
+            <a:spLocks noGrp="1" noRot="1" noChangeAspect="1"/>
+          </p:cNvSpPr>
+          <p:nvPr>
+            <p:ph type="sldImg"/>
+          </p:nvPr>
+        </p:nvSpPr>
+        <p:spPr/>
+      </p:sp>
+      <p:sp>
+        <p:nvSpPr>
+          <p:cNvPr id="3" name="ノート プレースホルダー 2"/>
+          <p:cNvSpPr>
+            <a:spLocks noGrp="1"/>
+          </p:cNvSpPr>
+          <p:nvPr>
+            <p:ph type="body" idx="1"/>
+          </p:nvPr>
+        </p:nvSpPr>
+        <p:spPr/>
+        <p:txBody>
+          <a:bodyPr/>
+          <a:lstStyle/>
+          <a:p>
+            <a:r>
+              <a:rPr kumimoji="1" lang="ja-JP" altLang="en-US" smtClean="0"/>
+              <a:t>これは、</a:t>
+            </a:r>
+            <a:r>
+              <a:rPr kumimoji="1" lang="en-US" altLang="ja-JP" smtClean="0"/>
+              <a:t>-T0</a:t>
+            </a:r>
+            <a:r>
+              <a:rPr kumimoji="1" lang="ja-JP" altLang="en-US" smtClean="0"/>
+              <a:t>をつけてポートスキャンをした際のパケットキャプチャです。ここでは</a:t>
+            </a:r>
+            <a:r>
+              <a:rPr kumimoji="1" lang="en-US" altLang="ja-JP" smtClean="0"/>
+              <a:t>TCP</a:t>
+            </a:r>
+            <a:r>
+              <a:rPr kumimoji="1" lang="ja-JP" altLang="en-US" smtClean="0"/>
+              <a:t>の</a:t>
+            </a:r>
+            <a:r>
+              <a:rPr kumimoji="1" lang="en-US" altLang="ja-JP" smtClean="0"/>
+              <a:t>0</a:t>
+            </a:r>
+            <a:r>
+              <a:rPr kumimoji="1" lang="ja-JP" altLang="en-US" smtClean="0"/>
+              <a:t>番から</a:t>
+            </a:r>
+            <a:r>
+              <a:rPr kumimoji="1" lang="en-US" altLang="ja-JP" smtClean="0"/>
+              <a:t>4</a:t>
+            </a:r>
+            <a:r>
+              <a:rPr kumimoji="1" lang="ja-JP" altLang="en-US" smtClean="0"/>
+              <a:t>番までスキャンしていますが</a:t>
+            </a:r>
+            <a:r>
+              <a:rPr kumimoji="1" lang="en-US" altLang="ja-JP" smtClean="0"/>
+              <a:t>……</a:t>
+            </a:r>
+            <a:r>
+              <a:rPr kumimoji="1" lang="ja-JP" altLang="en-US" smtClean="0"/>
+              <a:t>。</a:t>
+            </a:r>
+            <a:endParaRPr kumimoji="1" lang="en-US" altLang="ja-JP" smtClean="0"/>
+          </a:p>
+          <a:p>
+            <a:r>
+              <a:rPr kumimoji="1" lang="ja-JP" altLang="en-US" smtClean="0"/>
+              <a:t>見ての通り、なんとひとつのポートをスキャンするのに</a:t>
+            </a:r>
+            <a:r>
+              <a:rPr kumimoji="1" lang="en-US" altLang="ja-JP" smtClean="0"/>
+              <a:t>5</a:t>
+            </a:r>
+            <a:r>
+              <a:rPr kumimoji="1" lang="ja-JP" altLang="en-US" smtClean="0"/>
+              <a:t>分間隔を開けています。これほどゆっくりスキャンされては、相手もスキャンされていると気が付くことはおそらく無いでしょう。</a:t>
+            </a:r>
+            <a:endParaRPr kumimoji="1" lang="ja-JP" altLang="en-US"/>
+          </a:p>
+        </p:txBody>
+      </p:sp>
+      <p:sp>
+        <p:nvSpPr>
+          <p:cNvPr id="4" name="スライド番号プレースホルダー 3"/>
+          <p:cNvSpPr>
+            <a:spLocks noGrp="1"/>
+          </p:cNvSpPr>
+          <p:nvPr>
+            <p:ph type="sldNum" sz="quarter" idx="10"/>
+          </p:nvPr>
+        </p:nvSpPr>
+        <p:spPr/>
+        <p:txBody>
+          <a:bodyPr/>
+          <a:lstStyle/>
+          <a:p>
+            <a:fld id="{DB9CD991-4847-4EC6-8E3A-1C6DA9348A2B}" type="slidenum">
+              <a:rPr kumimoji="1" lang="ja-JP" altLang="en-US" smtClean="0"/>
+              <a:t>9</a:t>
+            </a:fld>
+            <a:endParaRPr kumimoji="1" lang="ja-JP" altLang="en-US"/>
+          </a:p>
+        </p:txBody>
+      </p:sp>
+    </p:spTree>
+    <p:extLst>
+      <p:ext uri="{BB962C8B-B14F-4D97-AF65-F5344CB8AC3E}">
+        <p14:creationId xmlns:p14="http://schemas.microsoft.com/office/powerpoint/2010/main" val="2504593760"/>
       </p:ext>
     </p:extLst>
   </p:cSld>
@@ -834,7 +1211,7 @@
           <a:p>
             <a:fld id="{018867A7-436E-4462-89C8-DCFE313C3DBA}" type="datetimeFigureOut">
               <a:rPr kumimoji="1" lang="ja-JP" altLang="en-US" smtClean="0"/>
-              <a:t>15/08/14</a:t>
+              <a:t>2015/8/16</a:t>
             </a:fld>
             <a:endParaRPr kumimoji="1" lang="ja-JP" altLang="en-US"/>
           </a:p>
@@ -1036,7 +1413,7 @@
           <a:p>
             <a:fld id="{018867A7-436E-4462-89C8-DCFE313C3DBA}" type="datetimeFigureOut">
               <a:rPr kumimoji="1" lang="ja-JP" altLang="en-US" smtClean="0"/>
-              <a:t>15/08/14</a:t>
+              <a:t>2015/8/16</a:t>
             </a:fld>
             <a:endParaRPr kumimoji="1" lang="ja-JP" altLang="en-US"/>
           </a:p>
@@ -1248,7 +1625,7 @@
           <a:p>
             <a:fld id="{018867A7-436E-4462-89C8-DCFE313C3DBA}" type="datetimeFigureOut">
               <a:rPr kumimoji="1" lang="ja-JP" altLang="en-US" smtClean="0"/>
-              <a:t>15/08/14</a:t>
+              <a:t>2015/8/16</a:t>
             </a:fld>
             <a:endParaRPr kumimoji="1" lang="ja-JP" altLang="en-US"/>
           </a:p>
@@ -1450,7 +1827,7 @@
           <a:p>
             <a:fld id="{018867A7-436E-4462-89C8-DCFE313C3DBA}" type="datetimeFigureOut">
               <a:rPr kumimoji="1" lang="ja-JP" altLang="en-US" smtClean="0"/>
-              <a:t>15/08/14</a:t>
+              <a:t>2015/8/16</a:t>
             </a:fld>
             <a:endParaRPr kumimoji="1" lang="ja-JP" altLang="en-US"/>
           </a:p>
@@ -1694,7 +2071,7 @@
           <a:p>
             <a:fld id="{018867A7-436E-4462-89C8-DCFE313C3DBA}" type="datetimeFigureOut">
               <a:rPr kumimoji="1" lang="ja-JP" altLang="en-US" smtClean="0"/>
-              <a:t>15/08/14</a:t>
+              <a:t>2015/8/16</a:t>
             </a:fld>
             <a:endParaRPr kumimoji="1" lang="ja-JP" altLang="en-US"/>
           </a:p>
@@ -1990,7 +2367,7 @@
           <a:p>
             <a:fld id="{018867A7-436E-4462-89C8-DCFE313C3DBA}" type="datetimeFigureOut">
               <a:rPr kumimoji="1" lang="ja-JP" altLang="en-US" smtClean="0"/>
-              <a:t>15/08/14</a:t>
+              <a:t>2015/8/16</a:t>
             </a:fld>
             <a:endParaRPr kumimoji="1" lang="ja-JP" altLang="en-US"/>
           </a:p>
@@ -2421,7 +2798,7 @@
           <a:p>
             <a:fld id="{018867A7-436E-4462-89C8-DCFE313C3DBA}" type="datetimeFigureOut">
               <a:rPr kumimoji="1" lang="ja-JP" altLang="en-US" smtClean="0"/>
-              <a:t>15/08/14</a:t>
+              <a:t>2015/8/16</a:t>
             </a:fld>
             <a:endParaRPr kumimoji="1" lang="ja-JP" altLang="en-US"/>
           </a:p>
@@ -2539,7 +2916,7 @@
           <a:p>
             <a:fld id="{018867A7-436E-4462-89C8-DCFE313C3DBA}" type="datetimeFigureOut">
               <a:rPr kumimoji="1" lang="ja-JP" altLang="en-US" smtClean="0"/>
-              <a:t>15/08/14</a:t>
+              <a:t>2015/8/16</a:t>
             </a:fld>
             <a:endParaRPr kumimoji="1" lang="ja-JP" altLang="en-US"/>
           </a:p>
@@ -2634,7 +3011,7 @@
           <a:p>
             <a:fld id="{018867A7-436E-4462-89C8-DCFE313C3DBA}" type="datetimeFigureOut">
               <a:rPr kumimoji="1" lang="ja-JP" altLang="en-US" smtClean="0"/>
-              <a:t>15/08/14</a:t>
+              <a:t>2015/8/16</a:t>
             </a:fld>
             <a:endParaRPr kumimoji="1" lang="ja-JP" altLang="en-US"/>
           </a:p>
@@ -2943,7 +3320,7 @@
           <a:p>
             <a:fld id="{018867A7-436E-4462-89C8-DCFE313C3DBA}" type="datetimeFigureOut">
               <a:rPr kumimoji="1" lang="ja-JP" altLang="en-US" smtClean="0"/>
-              <a:t>15/08/14</a:t>
+              <a:t>2015/8/16</a:t>
             </a:fld>
             <a:endParaRPr kumimoji="1" lang="ja-JP" altLang="en-US"/>
           </a:p>
@@ -3200,7 +3577,7 @@
           <a:p>
             <a:fld id="{018867A7-436E-4462-89C8-DCFE313C3DBA}" type="datetimeFigureOut">
               <a:rPr kumimoji="1" lang="ja-JP" altLang="en-US" smtClean="0"/>
-              <a:t>15/08/14</a:t>
+              <a:t>2015/8/16</a:t>
             </a:fld>
             <a:endParaRPr kumimoji="1" lang="ja-JP" altLang="en-US"/>
           </a:p>
@@ -3445,7 +3822,7 @@
           <a:p>
             <a:fld id="{018867A7-436E-4462-89C8-DCFE313C3DBA}" type="datetimeFigureOut">
               <a:rPr kumimoji="1" lang="ja-JP" altLang="en-US" smtClean="0"/>
-              <a:t>15/08/14</a:t>
+              <a:t>2015/8/16</a:t>
             </a:fld>
             <a:endParaRPr kumimoji="1" lang="ja-JP" altLang="en-US"/>
           </a:p>
@@ -3887,8 +4264,8 @@
         </p:nvSpPr>
         <p:spPr>
           <a:xfrm>
-            <a:off x="388187" y="603849"/>
-            <a:ext cx="4917057" cy="1200329"/>
+            <a:off x="603848" y="629728"/>
+            <a:ext cx="3959526" cy="1200329"/>
           </a:xfrm>
           <a:prstGeom prst="rect">
             <a:avLst/>
@@ -3906,8 +4283,19 @@
           <a:lstStyle/>
           <a:p>
             <a:r>
+              <a:rPr lang="ja-JP" altLang="en-US" sz="3600"/>
+              <a:t>攻撃</a:t>
+            </a:r>
+            <a:r>
               <a:rPr lang="ja-JP" altLang="en-US" sz="3600" smtClean="0"/>
-              <a:t>インターネットで隠す・隠れる</a:t>
+              <a:t>を「隠す」、</a:t>
+            </a:r>
+            <a:endParaRPr lang="en-US" altLang="ja-JP" sz="3600" smtClean="0"/>
+          </a:p>
+          <a:p>
+            <a:r>
+              <a:rPr kumimoji="1" lang="ja-JP" altLang="en-US" sz="3600" smtClean="0"/>
+              <a:t>攻撃から「隠れる」</a:t>
             </a:r>
             <a:endParaRPr kumimoji="1" lang="ja-JP" altLang="en-US" sz="3600"/>
           </a:p>
@@ -3972,7 +4360,94 @@
   <p:timing>
     <p:tnLst>
       <p:par>
-        <p:cTn xmlns:p14="http://schemas.microsoft.com/office/powerpoint/2010/main" id="1" dur="indefinite" restart="never" nodeType="tmRoot"/>
+        <p:cTn id="1" dur="indefinite" restart="never" nodeType="tmRoot"/>
+      </p:par>
+    </p:tnLst>
+  </p:timing>
+</p:sld>
+</file>
+
+<file path=ppt/slides/slide10.xml><?xml version="1.0" encoding="utf-8"?>
+<p:sld xmlns:a="http://schemas.openxmlformats.org/drawingml/2006/main" xmlns:r="http://schemas.openxmlformats.org/officeDocument/2006/relationships" xmlns:p="http://schemas.openxmlformats.org/presentationml/2006/main">
+  <p:cSld>
+    <p:spTree>
+      <p:nvGrpSpPr>
+        <p:cNvPr id="1" name=""/>
+        <p:cNvGrpSpPr/>
+        <p:nvPr/>
+      </p:nvGrpSpPr>
+      <p:grpSpPr>
+        <a:xfrm>
+          <a:off x="0" y="0"/>
+          <a:ext cx="0" cy="0"/>
+          <a:chOff x="0" y="0"/>
+          <a:chExt cx="0" cy="0"/>
+        </a:xfrm>
+      </p:grpSpPr>
+      <p:sp>
+        <p:nvSpPr>
+          <p:cNvPr id="2" name="タイトル 1"/>
+          <p:cNvSpPr>
+            <a:spLocks noGrp="1"/>
+          </p:cNvSpPr>
+          <p:nvPr>
+            <p:ph type="title"/>
+          </p:nvPr>
+        </p:nvSpPr>
+        <p:spPr/>
+        <p:txBody>
+          <a:bodyPr/>
+          <a:lstStyle/>
+          <a:p>
+            <a:endParaRPr kumimoji="1" lang="ja-JP" altLang="en-US"/>
+          </a:p>
+        </p:txBody>
+      </p:sp>
+      <p:sp>
+        <p:nvSpPr>
+          <p:cNvPr id="3" name="コンテンツ プレースホルダー 2"/>
+          <p:cNvSpPr>
+            <a:spLocks noGrp="1"/>
+          </p:cNvSpPr>
+          <p:nvPr>
+            <p:ph idx="1"/>
+          </p:nvPr>
+        </p:nvSpPr>
+        <p:spPr/>
+        <p:txBody>
+          <a:bodyPr/>
+          <a:lstStyle/>
+          <a:p>
+            <a:r>
+              <a:rPr lang="ja-JP" altLang="en-US" smtClean="0"/>
+              <a:t>スキャンなどの探査行為は、ゆっくり行えば行うほど相手に気づかれにくい</a:t>
+            </a:r>
+            <a:endParaRPr lang="en-US" altLang="ja-JP" smtClean="0"/>
+          </a:p>
+          <a:p>
+            <a:pPr lvl="1"/>
+            <a:r>
+              <a:rPr kumimoji="1" lang="ja-JP" altLang="en-US" smtClean="0"/>
+              <a:t>ゆっくりしていってね！！！！！！</a:t>
+            </a:r>
+            <a:endParaRPr kumimoji="1" lang="ja-JP" altLang="en-US"/>
+          </a:p>
+        </p:txBody>
+      </p:sp>
+    </p:spTree>
+    <p:extLst>
+      <p:ext uri="{BB962C8B-B14F-4D97-AF65-F5344CB8AC3E}">
+        <p14:creationId xmlns:p14="http://schemas.microsoft.com/office/powerpoint/2010/main" val="3118375049"/>
+      </p:ext>
+    </p:extLst>
+  </p:cSld>
+  <p:clrMapOvr>
+    <a:masterClrMapping/>
+  </p:clrMapOvr>
+  <p:timing>
+    <p:tnLst>
+      <p:par>
+        <p:cTn id="1" dur="indefinite" restart="never" nodeType="tmRoot"/>
       </p:par>
     </p:tnLst>
   </p:timing>
@@ -4346,7 +4821,7 @@
   <p:timing>
     <p:tnLst>
       <p:par>
-        <p:cTn xmlns:p14="http://schemas.microsoft.com/office/powerpoint/2010/main" id="1" dur="indefinite" restart="never" nodeType="tmRoot"/>
+        <p:cTn id="1" dur="indefinite" restart="never" nodeType="tmRoot"/>
       </p:par>
     </p:tnLst>
   </p:timing>
@@ -4387,6 +4862,200 @@
           <a:p>
             <a:r>
               <a:rPr kumimoji="1" lang="en-US" altLang="ja-JP" smtClean="0"/>
+              <a:t>Agenda.</a:t>
+            </a:r>
+            <a:endParaRPr kumimoji="1" lang="ja-JP" altLang="en-US"/>
+          </a:p>
+        </p:txBody>
+      </p:sp>
+      <p:sp>
+        <p:nvSpPr>
+          <p:cNvPr id="3" name="コンテンツ プレースホルダー 2"/>
+          <p:cNvSpPr>
+            <a:spLocks noGrp="1"/>
+          </p:cNvSpPr>
+          <p:nvPr>
+            <p:ph idx="1"/>
+          </p:nvPr>
+        </p:nvSpPr>
+        <p:spPr/>
+        <p:txBody>
+          <a:bodyPr/>
+          <a:lstStyle/>
+          <a:p>
+            <a:r>
+              <a:rPr kumimoji="1" lang="ja-JP" altLang="en-US" smtClean="0"/>
+              <a:t>攻撃を「隠す」</a:t>
+            </a:r>
+            <a:endParaRPr kumimoji="1" lang="en-US" altLang="ja-JP" smtClean="0"/>
+          </a:p>
+          <a:p>
+            <a:pPr lvl="1"/>
+            <a:r>
+              <a:rPr kumimoji="1" lang="ja-JP" altLang="en-US" smtClean="0"/>
+              <a:t>セキュリティルールをかいくぐって通信する</a:t>
+            </a:r>
+            <a:endParaRPr kumimoji="1" lang="en-US" altLang="ja-JP" smtClean="0"/>
+          </a:p>
+          <a:p>
+            <a:pPr lvl="1"/>
+            <a:r>
+              <a:rPr lang="ja-JP" altLang="en-US" smtClean="0"/>
+              <a:t>ポート</a:t>
+            </a:r>
+            <a:r>
+              <a:rPr lang="ja-JP" altLang="en-US"/>
+              <a:t>スキャン</a:t>
+            </a:r>
+            <a:r>
+              <a:rPr lang="ja-JP" altLang="en-US" smtClean="0"/>
+              <a:t>を</a:t>
+            </a:r>
+            <a:r>
+              <a:rPr lang="ja-JP" altLang="en-US"/>
+              <a:t>気</a:t>
+            </a:r>
+            <a:r>
+              <a:rPr lang="ja-JP" altLang="en-US" smtClean="0"/>
+              <a:t>づかれないように実行する</a:t>
+            </a:r>
+            <a:endParaRPr lang="en-US" altLang="ja-JP" smtClean="0"/>
+          </a:p>
+          <a:p>
+            <a:r>
+              <a:rPr kumimoji="1" lang="ja-JP" altLang="en-US" smtClean="0"/>
+              <a:t>攻撃から「隠れる」</a:t>
+            </a:r>
+            <a:endParaRPr kumimoji="1" lang="en-US" altLang="ja-JP" smtClean="0"/>
+          </a:p>
+          <a:p>
+            <a:pPr lvl="1"/>
+            <a:r>
+              <a:rPr lang="ja-JP" altLang="en-US" smtClean="0"/>
+              <a:t>開放</a:t>
+            </a:r>
+            <a:r>
+              <a:rPr lang="ja-JP" altLang="en-US"/>
+              <a:t>ポート</a:t>
+            </a:r>
+            <a:r>
+              <a:rPr lang="ja-JP" altLang="en-US" smtClean="0"/>
+              <a:t>の</a:t>
+            </a:r>
+            <a:r>
+              <a:rPr lang="ja-JP" altLang="en-US"/>
+              <a:t>存在</a:t>
+            </a:r>
+            <a:r>
+              <a:rPr lang="ja-JP" altLang="en-US" smtClean="0"/>
+              <a:t>を隠す</a:t>
+            </a:r>
+            <a:endParaRPr lang="en-US" altLang="ja-JP" smtClean="0"/>
+          </a:p>
+          <a:p>
+            <a:pPr lvl="1"/>
+            <a:r>
+              <a:rPr lang="ja-JP" altLang="en-US" smtClean="0"/>
+              <a:t>ホンモノの開放</a:t>
+            </a:r>
+            <a:r>
+              <a:rPr lang="ja-JP" altLang="en-US"/>
+              <a:t>ポート</a:t>
+            </a:r>
+            <a:r>
+              <a:rPr lang="ja-JP" altLang="en-US" smtClean="0"/>
+              <a:t>の存在を、大量のデコイを利用して隠す</a:t>
+            </a:r>
+            <a:endParaRPr lang="en-US" altLang="ja-JP" smtClean="0"/>
+          </a:p>
+          <a:p>
+            <a:pPr lvl="1"/>
+            <a:r>
+              <a:rPr lang="ja-JP" altLang="en-US" sz="2800" b="1" smtClean="0">
+                <a:solidFill>
+                  <a:srgbClr val="FF0000"/>
+                </a:solidFill>
+              </a:rPr>
+              <a:t>科学忍法・</a:t>
+            </a:r>
+            <a:r>
+              <a:rPr lang="en-US" altLang="ja-JP" sz="2800" b="1" smtClean="0">
+                <a:solidFill>
+                  <a:srgbClr val="FF0000"/>
+                </a:solidFill>
+              </a:rPr>
+              <a:t>ssh</a:t>
+            </a:r>
+            <a:r>
+              <a:rPr lang="ja-JP" altLang="en-US" sz="2800" b="1" smtClean="0">
+                <a:solidFill>
+                  <a:srgbClr val="FF0000"/>
+                </a:solidFill>
+              </a:rPr>
+              <a:t>分身の術</a:t>
+            </a:r>
+            <a:endParaRPr lang="en-US" altLang="ja-JP" sz="2800" b="1" smtClean="0">
+              <a:solidFill>
+                <a:srgbClr val="FF0000"/>
+              </a:solidFill>
+            </a:endParaRPr>
+          </a:p>
+        </p:txBody>
+      </p:sp>
+    </p:spTree>
+    <p:extLst>
+      <p:ext uri="{BB962C8B-B14F-4D97-AF65-F5344CB8AC3E}">
+        <p14:creationId xmlns:p14="http://schemas.microsoft.com/office/powerpoint/2010/main" val="2790500367"/>
+      </p:ext>
+    </p:extLst>
+  </p:cSld>
+  <p:clrMapOvr>
+    <a:masterClrMapping/>
+  </p:clrMapOvr>
+  <p:timing>
+    <p:tnLst>
+      <p:par>
+        <p:cTn id="1" dur="indefinite" restart="never" nodeType="tmRoot"/>
+      </p:par>
+    </p:tnLst>
+  </p:timing>
+</p:sld>
+</file>
+
+<file path=ppt/slides/slide4.xml><?xml version="1.0" encoding="utf-8"?>
+<p:sld xmlns:a="http://schemas.openxmlformats.org/drawingml/2006/main" xmlns:r="http://schemas.openxmlformats.org/officeDocument/2006/relationships" xmlns:p="http://schemas.openxmlformats.org/presentationml/2006/main">
+  <p:cSld>
+    <p:spTree>
+      <p:nvGrpSpPr>
+        <p:cNvPr id="1" name=""/>
+        <p:cNvGrpSpPr/>
+        <p:nvPr/>
+      </p:nvGrpSpPr>
+      <p:grpSpPr>
+        <a:xfrm>
+          <a:off x="0" y="0"/>
+          <a:ext cx="0" cy="0"/>
+          <a:chOff x="0" y="0"/>
+          <a:chExt cx="0" cy="0"/>
+        </a:xfrm>
+      </p:grpSpPr>
+      <p:sp>
+        <p:nvSpPr>
+          <p:cNvPr id="2" name="タイトル 1"/>
+          <p:cNvSpPr>
+            <a:spLocks noGrp="1"/>
+          </p:cNvSpPr>
+          <p:nvPr>
+            <p:ph type="title"/>
+          </p:nvPr>
+        </p:nvSpPr>
+        <p:spPr/>
+        <p:txBody>
+          <a:bodyPr/>
+          <a:lstStyle/>
+          <a:p>
+            <a:r>
+              <a:rPr kumimoji="1" lang="en-US" altLang="ja-JP" smtClean="0"/>
               <a:t>Situation.</a:t>
             </a:r>
             <a:endParaRPr kumimoji="1" lang="ja-JP" altLang="en-US"/>
@@ -4420,12 +5089,24 @@
           </a:p>
           <a:p>
             <a:r>
-              <a:rPr lang="ja-JP" altLang="en-US"/>
-              <a:t>インターネット</a:t>
-            </a:r>
-            <a:r>
-              <a:rPr lang="ja-JP" altLang="en-US" smtClean="0"/>
-              <a:t>につながる</a:t>
+              <a:rPr lang="ja-JP" altLang="en-US" smtClean="0"/>
+              <a:t>なぜ</a:t>
+            </a:r>
+            <a:r>
+              <a:rPr lang="ja-JP" altLang="en-US" smtClean="0"/>
+              <a:t>か</a:t>
+            </a:r>
+            <a:r>
+              <a:rPr lang="en-US" altLang="ja-JP" smtClean="0"/>
+              <a:t>ICMP</a:t>
+            </a:r>
+            <a:r>
+              <a:rPr lang="ja-JP" altLang="en-US" smtClean="0"/>
+              <a:t>だけインターネットに到達</a:t>
+            </a:r>
+            <a:r>
+              <a:rPr lang="ja-JP" altLang="en-US" smtClean="0"/>
+              <a:t>する</a:t>
             </a:r>
             <a:r>
               <a:rPr lang="en-US" altLang="ja-JP" smtClean="0"/>
@@ -4433,30 +5114,18 @@
             </a:r>
             <a:r>
               <a:rPr lang="ja-JP" altLang="en-US" smtClean="0"/>
-              <a:t>はあるが、なぜか</a:t>
-            </a:r>
-            <a:r>
-              <a:rPr lang="en-US" altLang="ja-JP" smtClean="0"/>
-              <a:t>ICMP</a:t>
-            </a:r>
-            <a:r>
-              <a:rPr lang="ja-JP" altLang="en-US" smtClean="0"/>
-              <a:t>だけしか外部に到達しない</a:t>
+              <a:t>が置いてある（</a:t>
+            </a:r>
+            <a:r>
+              <a:rPr lang="ja-JP" altLang="en-US"/>
+              <a:t>なんだそれ）</a:t>
             </a:r>
             <a:endParaRPr lang="en-US" altLang="ja-JP" smtClean="0"/>
           </a:p>
           <a:p>
             <a:r>
               <a:rPr kumimoji="1" lang="ja-JP" altLang="en-US" smtClean="0"/>
-              <a:t>この状況で、犯人を</a:t>
-            </a:r>
-            <a:r>
-              <a:rPr kumimoji="1" lang="ja-JP" altLang="en-US" smtClean="0"/>
-              <a:t>外部に</a:t>
-            </a:r>
-            <a:r>
-              <a:rPr kumimoji="1" lang="ja-JP" altLang="en-US" smtClean="0"/>
-              <a:t>なんとしてでも伝えたい</a:t>
+              <a:t>この状況で、犯人を外部になんとしてでも伝えたい</a:t>
             </a:r>
             <a:endParaRPr kumimoji="1" lang="en-US" altLang="ja-JP" smtClean="0"/>
           </a:p>
@@ -4490,14 +5159,14 @@
   <p:timing>
     <p:tnLst>
       <p:par>
-        <p:cTn xmlns:p14="http://schemas.microsoft.com/office/powerpoint/2010/main" id="1" dur="indefinite" restart="never" nodeType="tmRoot"/>
+        <p:cTn id="1" dur="indefinite" restart="never" nodeType="tmRoot"/>
       </p:par>
     </p:tnLst>
   </p:timing>
 </p:sld>
 </file>
 
-<file path=ppt/slides/slide4.xml><?xml version="1.0" encoding="utf-8"?>
+<file path=ppt/slides/slide5.xml><?xml version="1.0" encoding="utf-8"?>
 <p:sld xmlns:a="http://schemas.openxmlformats.org/drawingml/2006/main" xmlns:r="http://schemas.openxmlformats.org/officeDocument/2006/relationships" xmlns:p="http://schemas.openxmlformats.org/presentationml/2006/main">
   <p:cSld>
     <p:spTree>
@@ -4784,14 +5453,14 @@
   <p:timing>
     <p:tnLst>
       <p:par>
-        <p:cTn xmlns:p14="http://schemas.microsoft.com/office/powerpoint/2010/main" id="1" dur="indefinite" restart="never" nodeType="tmRoot"/>
+        <p:cTn id="1" dur="indefinite" restart="never" nodeType="tmRoot"/>
       </p:par>
     </p:tnLst>
   </p:timing>
 </p:sld>
 </file>
 
-<file path=ppt/slides/slide5.xml><?xml version="1.0" encoding="utf-8"?>
+<file path=ppt/slides/slide6.xml><?xml version="1.0" encoding="utf-8"?>
 <p:sld xmlns:a="http://schemas.openxmlformats.org/drawingml/2006/main" xmlns:r="http://schemas.openxmlformats.org/officeDocument/2006/relationships" xmlns:p="http://schemas.openxmlformats.org/presentationml/2006/main">
   <p:cSld>
     <p:spTree>
@@ -4857,14 +5526,7 @@
                 <a:latin typeface="Consolas"/>
                 <a:cs typeface="Consolas"/>
               </a:rPr>
-              <a:t># </a:t>
-            </a:r>
-            <a:r>
-              <a:rPr lang="en-US" altLang="ja-JP" sz="2800">
-                <a:latin typeface="Consolas"/>
-                <a:cs typeface="Consolas"/>
-              </a:rPr>
-              <a:t>nping --data-string &lt;string&gt; 192.168.2.1</a:t>
+              <a:t># nping --data-string &lt;string&gt; 192.168.2.1</a:t>
             </a:r>
           </a:p>
         </p:txBody>
@@ -4926,7 +5588,1376 @@
   <p:timing>
     <p:tnLst>
       <p:par>
-        <p:cTn xmlns:p14="http://schemas.microsoft.com/office/powerpoint/2010/main" id="1" dur="indefinite" restart="never" nodeType="tmRoot"/>
+        <p:cTn id="1" dur="indefinite" restart="never" nodeType="tmRoot"/>
+      </p:par>
+    </p:tnLst>
+  </p:timing>
+</p:sld>
+</file>
+
+<file path=ppt/slides/slide7.xml><?xml version="1.0" encoding="utf-8"?>
+<p:sld xmlns:a="http://schemas.openxmlformats.org/drawingml/2006/main" xmlns:r="http://schemas.openxmlformats.org/officeDocument/2006/relationships" xmlns:p="http://schemas.openxmlformats.org/presentationml/2006/main">
+  <p:cSld>
+    <p:spTree>
+      <p:nvGrpSpPr>
+        <p:cNvPr id="1" name=""/>
+        <p:cNvGrpSpPr/>
+        <p:nvPr/>
+      </p:nvGrpSpPr>
+      <p:grpSpPr>
+        <a:xfrm>
+          <a:off x="0" y="0"/>
+          <a:ext cx="0" cy="0"/>
+          <a:chOff x="0" y="0"/>
+          <a:chExt cx="0" cy="0"/>
+        </a:xfrm>
+      </p:grpSpPr>
+      <p:pic>
+        <p:nvPicPr>
+          <p:cNvPr id="4" name="図 3"/>
+          <p:cNvPicPr>
+            <a:picLocks noChangeAspect="1"/>
+          </p:cNvPicPr>
+          <p:nvPr/>
+        </p:nvPicPr>
+        <p:blipFill>
+          <a:blip r:embed="rId2"/>
+          <a:stretch>
+            <a:fillRect/>
+          </a:stretch>
+        </p:blipFill>
+        <p:spPr>
+          <a:xfrm>
+            <a:off x="0" y="-1"/>
+            <a:ext cx="8160589" cy="5240645"/>
+          </a:xfrm>
+          <a:prstGeom prst="rect">
+            <a:avLst/>
+          </a:prstGeom>
+        </p:spPr>
+      </p:pic>
+      <p:sp>
+        <p:nvSpPr>
+          <p:cNvPr id="5" name="円/楕円 4"/>
+          <p:cNvSpPr/>
+          <p:nvPr/>
+        </p:nvSpPr>
+        <p:spPr>
+          <a:xfrm>
+            <a:off x="6349931" y="4206500"/>
+            <a:ext cx="2177143" cy="1034144"/>
+          </a:xfrm>
+          <a:prstGeom prst="ellipse">
+            <a:avLst/>
+          </a:prstGeom>
+          <a:noFill/>
+          <a:ln w="57150" cmpd="sng">
+            <a:solidFill>
+              <a:srgbClr val="FF0000"/>
+            </a:solidFill>
+          </a:ln>
+        </p:spPr>
+        <p:style>
+          <a:lnRef idx="1">
+            <a:schemeClr val="accent1"/>
+          </a:lnRef>
+          <a:fillRef idx="3">
+            <a:schemeClr val="accent1"/>
+          </a:fillRef>
+          <a:effectRef idx="2">
+            <a:schemeClr val="accent1"/>
+          </a:effectRef>
+          <a:fontRef idx="minor">
+            <a:schemeClr val="lt1"/>
+          </a:fontRef>
+        </p:style>
+        <p:txBody>
+          <a:bodyPr rtlCol="0" anchor="ctr"/>
+          <a:lstStyle/>
+          <a:p>
+            <a:pPr algn="ctr"/>
+            <a:endParaRPr kumimoji="1" lang="ja-JP" altLang="en-US"/>
+          </a:p>
+        </p:txBody>
+      </p:sp>
+      <p:cxnSp>
+        <p:nvCxnSpPr>
+          <p:cNvPr id="6" name="直線矢印コネクタ 5"/>
+          <p:cNvCxnSpPr/>
+          <p:nvPr/>
+        </p:nvCxnSpPr>
+        <p:spPr>
+          <a:xfrm>
+            <a:off x="6358262" y="3010619"/>
+            <a:ext cx="644812" cy="1204953"/>
+          </a:xfrm>
+          <a:prstGeom prst="straightConnector1">
+            <a:avLst/>
+          </a:prstGeom>
+          <a:ln w="57150" cmpd="sng">
+            <a:solidFill>
+              <a:srgbClr val="FF0000"/>
+            </a:solidFill>
+            <a:tailEnd type="arrow"/>
+          </a:ln>
+        </p:spPr>
+        <p:style>
+          <a:lnRef idx="2">
+            <a:schemeClr val="accent1"/>
+          </a:lnRef>
+          <a:fillRef idx="0">
+            <a:schemeClr val="accent1"/>
+          </a:fillRef>
+          <a:effectRef idx="1">
+            <a:schemeClr val="accent1"/>
+          </a:effectRef>
+          <a:fontRef idx="minor">
+            <a:schemeClr val="tx1"/>
+          </a:fontRef>
+        </p:style>
+      </p:cxnSp>
+      <p:sp>
+        <p:nvSpPr>
+          <p:cNvPr id="7" name="正方形/長方形 6"/>
+          <p:cNvSpPr/>
+          <p:nvPr/>
+        </p:nvSpPr>
+        <p:spPr>
+          <a:xfrm>
+            <a:off x="2941607" y="2130463"/>
+            <a:ext cx="5710688" cy="979715"/>
+          </a:xfrm>
+          <a:prstGeom prst="rect">
+            <a:avLst/>
+          </a:prstGeom>
+          <a:solidFill>
+            <a:schemeClr val="accent2">
+              <a:lumMod val="50000"/>
+            </a:schemeClr>
+          </a:solidFill>
+          <a:ln w="28575" cmpd="sng">
+            <a:solidFill>
+              <a:schemeClr val="accent4">
+                <a:lumMod val="20000"/>
+                <a:lumOff val="80000"/>
+              </a:schemeClr>
+            </a:solidFill>
+          </a:ln>
+          <a:effectLst>
+            <a:glow rad="101600">
+              <a:schemeClr val="tx1">
+                <a:alpha val="22000"/>
+              </a:schemeClr>
+            </a:glow>
+            <a:outerShdw blurRad="50800" dist="38100" dir="2700000" algn="tl" rotWithShape="0">
+              <a:srgbClr val="000000">
+                <a:alpha val="43000"/>
+              </a:srgbClr>
+            </a:outerShdw>
+          </a:effectLst>
+        </p:spPr>
+        <p:style>
+          <a:lnRef idx="1">
+            <a:schemeClr val="accent1"/>
+          </a:lnRef>
+          <a:fillRef idx="3">
+            <a:schemeClr val="accent1"/>
+          </a:fillRef>
+          <a:effectRef idx="2">
+            <a:schemeClr val="accent1"/>
+          </a:effectRef>
+          <a:fontRef idx="minor">
+            <a:schemeClr val="lt1"/>
+          </a:fontRef>
+        </p:style>
+        <p:txBody>
+          <a:bodyPr rtlCol="0" anchor="ctr"/>
+          <a:lstStyle/>
+          <a:p>
+            <a:r>
+              <a:rPr kumimoji="1" lang="en-US" altLang="ja-JP" smtClean="0">
+                <a:solidFill>
+                  <a:schemeClr val="accent2">
+                    <a:lumMod val="20000"/>
+                    <a:lumOff val="80000"/>
+                  </a:schemeClr>
+                </a:solidFill>
+                <a:latin typeface="メイリオ"/>
+                <a:ea typeface="メイリオ"/>
+                <a:cs typeface="メイリオ"/>
+              </a:rPr>
+              <a:t>nping</a:t>
+            </a:r>
+            <a:r>
+              <a:rPr kumimoji="1" lang="ja-JP" altLang="en-US" smtClean="0">
+                <a:solidFill>
+                  <a:schemeClr val="accent2">
+                    <a:lumMod val="20000"/>
+                    <a:lumOff val="80000"/>
+                  </a:schemeClr>
+                </a:solidFill>
+                <a:latin typeface="メイリオ"/>
+                <a:ea typeface="メイリオ"/>
+                <a:cs typeface="メイリオ"/>
+              </a:rPr>
+              <a:t>で</a:t>
+            </a:r>
+            <a:r>
+              <a:rPr kumimoji="1" lang="en-US" altLang="ja-JP" smtClean="0">
+                <a:solidFill>
+                  <a:schemeClr val="accent2">
+                    <a:lumMod val="20000"/>
+                    <a:lumOff val="80000"/>
+                  </a:schemeClr>
+                </a:solidFill>
+                <a:latin typeface="メイリオ"/>
+                <a:ea typeface="メイリオ"/>
+                <a:cs typeface="メイリオ"/>
+              </a:rPr>
+              <a:t>ICMP</a:t>
+            </a:r>
+            <a:r>
+              <a:rPr lang="ja-JP" altLang="en-US" smtClean="0">
+                <a:solidFill>
+                  <a:schemeClr val="accent2">
+                    <a:lumMod val="20000"/>
+                    <a:lumOff val="80000"/>
+                  </a:schemeClr>
+                </a:solidFill>
+                <a:latin typeface="メイリオ"/>
+                <a:ea typeface="メイリオ"/>
+                <a:cs typeface="メイリオ"/>
+              </a:rPr>
+              <a:t>パケットに埋め込んだ</a:t>
+            </a:r>
+            <a:r>
+              <a:rPr kumimoji="1" lang="ja-JP" altLang="en-US" smtClean="0">
+                <a:solidFill>
+                  <a:schemeClr val="accent2">
+                    <a:lumMod val="20000"/>
+                    <a:lumOff val="80000"/>
+                  </a:schemeClr>
+                </a:solidFill>
+                <a:latin typeface="メイリオ"/>
+                <a:ea typeface="メイリオ"/>
+                <a:cs typeface="メイリオ"/>
+              </a:rPr>
+              <a:t>ペイロード</a:t>
+            </a:r>
+            <a:r>
+              <a:rPr kumimoji="1" lang="ja-JP" altLang="en-US">
+                <a:solidFill>
+                  <a:schemeClr val="accent2">
+                    <a:lumMod val="20000"/>
+                    <a:lumOff val="80000"/>
+                  </a:schemeClr>
+                </a:solidFill>
+                <a:latin typeface="メイリオ"/>
+                <a:ea typeface="メイリオ"/>
+                <a:cs typeface="メイリオ"/>
+              </a:rPr>
+              <a:t>：</a:t>
+            </a:r>
+            <a:endParaRPr kumimoji="1" lang="en-US" altLang="ja-JP">
+              <a:solidFill>
+                <a:schemeClr val="accent2">
+                  <a:lumMod val="20000"/>
+                  <a:lumOff val="80000"/>
+                </a:schemeClr>
+              </a:solidFill>
+              <a:latin typeface="メイリオ"/>
+              <a:ea typeface="メイリオ"/>
+              <a:cs typeface="メイリオ"/>
+            </a:endParaRPr>
+          </a:p>
+          <a:p>
+            <a:r>
+              <a:rPr lang="en-US" altLang="ja-JP" b="1">
+                <a:solidFill>
+                  <a:schemeClr val="accent2">
+                    <a:lumMod val="20000"/>
+                    <a:lumOff val="80000"/>
+                  </a:schemeClr>
+                </a:solidFill>
+                <a:latin typeface="Helvetica"/>
+                <a:cs typeface="Helvetica"/>
+              </a:rPr>
+              <a:t> </a:t>
+            </a:r>
+            <a:r>
+              <a:rPr lang="en-US" altLang="ja-JP" b="1" smtClean="0">
+                <a:solidFill>
+                  <a:schemeClr val="accent2">
+                    <a:lumMod val="20000"/>
+                    <a:lumOff val="80000"/>
+                  </a:schemeClr>
+                </a:solidFill>
+                <a:latin typeface="Helvetica"/>
+                <a:cs typeface="Helvetica"/>
+              </a:rPr>
+              <a:t>Hannin wa YASU.</a:t>
+            </a:r>
+            <a:endParaRPr kumimoji="1" lang="ja-JP" altLang="en-US" b="1">
+              <a:solidFill>
+                <a:schemeClr val="accent2">
+                  <a:lumMod val="20000"/>
+                  <a:lumOff val="80000"/>
+                </a:schemeClr>
+              </a:solidFill>
+              <a:latin typeface="Helvetica"/>
+              <a:cs typeface="Helvetica"/>
+            </a:endParaRPr>
+          </a:p>
+        </p:txBody>
+      </p:sp>
+    </p:spTree>
+    <p:extLst>
+      <p:ext uri="{BB962C8B-B14F-4D97-AF65-F5344CB8AC3E}">
+        <p14:creationId xmlns:p14="http://schemas.microsoft.com/office/powerpoint/2010/main" val="3008246913"/>
+      </p:ext>
+    </p:extLst>
+  </p:cSld>
+  <p:clrMapOvr>
+    <a:masterClrMapping/>
+  </p:clrMapOvr>
+  <p:timing>
+    <p:tnLst>
+      <p:par>
+        <p:cTn id="1" dur="indefinite" restart="never" nodeType="tmRoot"/>
+      </p:par>
+    </p:tnLst>
+  </p:timing>
+</p:sld>
+</file>
+
+<file path=ppt/slides/slide8.xml><?xml version="1.0" encoding="utf-8"?>
+<p:sld xmlns:a="http://schemas.openxmlformats.org/drawingml/2006/main" xmlns:r="http://schemas.openxmlformats.org/officeDocument/2006/relationships" xmlns:p="http://schemas.openxmlformats.org/presentationml/2006/main">
+  <p:cSld>
+    <p:spTree>
+      <p:nvGrpSpPr>
+        <p:cNvPr id="1" name=""/>
+        <p:cNvGrpSpPr/>
+        <p:nvPr/>
+      </p:nvGrpSpPr>
+      <p:grpSpPr>
+        <a:xfrm>
+          <a:off x="0" y="0"/>
+          <a:ext cx="0" cy="0"/>
+          <a:chOff x="0" y="0"/>
+          <a:chExt cx="0" cy="0"/>
+        </a:xfrm>
+      </p:grpSpPr>
+      <p:sp>
+        <p:nvSpPr>
+          <p:cNvPr id="2" name="タイトル 1"/>
+          <p:cNvSpPr>
+            <a:spLocks noGrp="1"/>
+          </p:cNvSpPr>
+          <p:nvPr>
+            <p:ph type="title"/>
+          </p:nvPr>
+        </p:nvSpPr>
+        <p:spPr/>
+        <p:txBody>
+          <a:bodyPr/>
+          <a:lstStyle/>
+          <a:p>
+            <a:r>
+              <a:rPr kumimoji="1" lang="en-US" altLang="ja-JP" smtClean="0"/>
+              <a:t>nmap</a:t>
+            </a:r>
+            <a:r>
+              <a:rPr kumimoji="1" lang="ja-JP" altLang="en-US" smtClean="0"/>
+              <a:t>の</a:t>
+            </a:r>
+            <a:r>
+              <a:rPr kumimoji="1" lang="en-US" altLang="ja-JP" smtClean="0"/>
+              <a:t>-T</a:t>
+            </a:r>
+            <a:r>
+              <a:rPr kumimoji="1" lang="ja-JP" altLang="en-US" smtClean="0"/>
+              <a:t>オプション</a:t>
+            </a:r>
+            <a:endParaRPr kumimoji="1" lang="ja-JP" altLang="en-US"/>
+          </a:p>
+        </p:txBody>
+      </p:sp>
+      <p:graphicFrame>
+        <p:nvGraphicFramePr>
+          <p:cNvPr id="4" name="表 3"/>
+          <p:cNvGraphicFramePr>
+            <a:graphicFrameLocks noGrp="1"/>
+          </p:cNvGraphicFramePr>
+          <p:nvPr>
+            <p:extLst>
+              <p:ext uri="{D42A27DB-BD31-4B8C-83A1-F6EECF244321}">
+                <p14:modId xmlns:p14="http://schemas.microsoft.com/office/powerpoint/2010/main" val="2615671600"/>
+              </p:ext>
+            </p:extLst>
+          </p:nvPr>
+        </p:nvGraphicFramePr>
+        <p:xfrm>
+          <a:off x="1489494" y="1690689"/>
+          <a:ext cx="6921260" cy="3627120"/>
+        </p:xfrm>
+        <a:graphic>
+          <a:graphicData uri="http://schemas.openxmlformats.org/drawingml/2006/table">
+            <a:tbl>
+              <a:tblPr firstRow="1" bandRow="1">
+                <a:tableStyleId>{5C22544A-7EE6-4342-B048-85BDC9FD1C3A}</a:tableStyleId>
+              </a:tblPr>
+              <a:tblGrid>
+                <a:gridCol w="1935192"/>
+                <a:gridCol w="4986068"/>
+              </a:tblGrid>
+              <a:tr h="370840">
+                <a:tc>
+                  <a:txBody>
+                    <a:bodyPr/>
+                    <a:lstStyle/>
+                    <a:p>
+                      <a:pPr algn="ctr"/>
+                      <a:r>
+                        <a:rPr kumimoji="1" lang="ja-JP" altLang="en-US" sz="2800" smtClean="0"/>
+                        <a:t>オプション</a:t>
+                      </a:r>
+                      <a:endParaRPr kumimoji="1" lang="ja-JP" altLang="en-US" sz="2800"/>
+                    </a:p>
+                  </a:txBody>
+                  <a:tcPr/>
+                </a:tc>
+                <a:tc>
+                  <a:txBody>
+                    <a:bodyPr/>
+                    <a:lstStyle/>
+                    <a:p>
+                      <a:pPr algn="ctr"/>
+                      <a:r>
+                        <a:rPr kumimoji="1" lang="ja-JP" altLang="en-US" sz="2800" smtClean="0"/>
+                        <a:t>テンプレート名</a:t>
+                      </a:r>
+                      <a:endParaRPr kumimoji="1" lang="ja-JP" altLang="en-US" sz="2800"/>
+                    </a:p>
+                  </a:txBody>
+                  <a:tcPr/>
+                </a:tc>
+              </a:tr>
+              <a:tr h="370840">
+                <a:tc>
+                  <a:txBody>
+                    <a:bodyPr/>
+                    <a:lstStyle/>
+                    <a:p>
+                      <a:r>
+                        <a:rPr kumimoji="1" lang="en-US" altLang="ja-JP" sz="2800" smtClean="0"/>
+                        <a:t>-T0</a:t>
+                      </a:r>
+                      <a:endParaRPr kumimoji="1" lang="ja-JP" altLang="en-US" sz="2800"/>
+                    </a:p>
+                  </a:txBody>
+                  <a:tcPr/>
+                </a:tc>
+                <a:tc>
+                  <a:txBody>
+                    <a:bodyPr/>
+                    <a:lstStyle/>
+                    <a:p>
+                      <a:r>
+                        <a:rPr kumimoji="1" lang="en-US" altLang="ja-JP" sz="2800" smtClean="0"/>
+                        <a:t>paranoid</a:t>
+                      </a:r>
+                      <a:r>
+                        <a:rPr kumimoji="1" lang="en-US" altLang="ja-JP" sz="2800" baseline="0" smtClean="0"/>
+                        <a:t> (</a:t>
+                      </a:r>
+                      <a:r>
+                        <a:rPr kumimoji="1" lang="ja-JP" altLang="en-US" sz="2800" smtClean="0"/>
+                        <a:t>偏執症スキャン</a:t>
+                      </a:r>
+                      <a:r>
+                        <a:rPr kumimoji="1" lang="en-US" altLang="ja-JP" sz="2800" smtClean="0"/>
+                        <a:t>)</a:t>
+                      </a:r>
+                      <a:endParaRPr kumimoji="1" lang="ja-JP" altLang="en-US" sz="2800"/>
+                    </a:p>
+                  </a:txBody>
+                  <a:tcPr/>
+                </a:tc>
+              </a:tr>
+              <a:tr h="370840">
+                <a:tc>
+                  <a:txBody>
+                    <a:bodyPr/>
+                    <a:lstStyle/>
+                    <a:p>
+                      <a:r>
+                        <a:rPr kumimoji="1" lang="en-US" altLang="ja-JP" sz="2800" smtClean="0"/>
+                        <a:t>-T1</a:t>
+                      </a:r>
+                      <a:endParaRPr kumimoji="1" lang="ja-JP" altLang="en-US" sz="2800"/>
+                    </a:p>
+                  </a:txBody>
+                  <a:tcPr/>
+                </a:tc>
+                <a:tc>
+                  <a:txBody>
+                    <a:bodyPr/>
+                    <a:lstStyle/>
+                    <a:p>
+                      <a:r>
+                        <a:rPr kumimoji="1" lang="en-US" altLang="ja-JP" sz="2800" smtClean="0"/>
+                        <a:t>sneaky</a:t>
+                      </a:r>
+                      <a:r>
+                        <a:rPr kumimoji="1" lang="en-US" altLang="ja-JP" sz="2800" baseline="0" smtClean="0"/>
+                        <a:t> (</a:t>
+                      </a:r>
+                      <a:r>
+                        <a:rPr kumimoji="1" lang="ja-JP" altLang="en-US" sz="2800" smtClean="0"/>
+                        <a:t>こそこそスキャン</a:t>
+                      </a:r>
+                      <a:r>
+                        <a:rPr kumimoji="1" lang="en-US" altLang="ja-JP" sz="2800" smtClean="0"/>
+                        <a:t>)</a:t>
+                      </a:r>
+                      <a:endParaRPr kumimoji="1" lang="ja-JP" altLang="en-US" sz="2800"/>
+                    </a:p>
+                  </a:txBody>
+                  <a:tcPr/>
+                </a:tc>
+              </a:tr>
+              <a:tr h="370840">
+                <a:tc>
+                  <a:txBody>
+                    <a:bodyPr/>
+                    <a:lstStyle/>
+                    <a:p>
+                      <a:r>
+                        <a:rPr kumimoji="1" lang="en-US" altLang="ja-JP" sz="2800" smtClean="0"/>
+                        <a:t>-T2</a:t>
+                      </a:r>
+                      <a:endParaRPr kumimoji="1" lang="ja-JP" altLang="en-US" sz="2800"/>
+                    </a:p>
+                  </a:txBody>
+                  <a:tcPr/>
+                </a:tc>
+                <a:tc>
+                  <a:txBody>
+                    <a:bodyPr/>
+                    <a:lstStyle/>
+                    <a:p>
+                      <a:r>
+                        <a:rPr kumimoji="1" lang="en-US" altLang="ja-JP" sz="2800" smtClean="0"/>
+                        <a:t>polite</a:t>
+                      </a:r>
+                      <a:r>
+                        <a:rPr kumimoji="1" lang="en-US" altLang="ja-JP" sz="2800" baseline="0" smtClean="0"/>
+                        <a:t> (</a:t>
+                      </a:r>
+                      <a:r>
+                        <a:rPr kumimoji="1" lang="ja-JP" altLang="en-US" sz="2800" smtClean="0"/>
+                        <a:t>丁重なスキャン</a:t>
+                      </a:r>
+                      <a:r>
+                        <a:rPr kumimoji="1" lang="en-US" altLang="ja-JP" sz="2800" smtClean="0"/>
+                        <a:t>)</a:t>
+                      </a:r>
+                      <a:endParaRPr kumimoji="1" lang="ja-JP" altLang="en-US" sz="2800"/>
+                    </a:p>
+                  </a:txBody>
+                  <a:tcPr/>
+                </a:tc>
+              </a:tr>
+              <a:tr h="370840">
+                <a:tc>
+                  <a:txBody>
+                    <a:bodyPr/>
+                    <a:lstStyle/>
+                    <a:p>
+                      <a:r>
+                        <a:rPr kumimoji="1" lang="en-US" altLang="ja-JP" sz="2800" smtClean="0"/>
+                        <a:t>-T3</a:t>
+                      </a:r>
+                      <a:endParaRPr kumimoji="1" lang="ja-JP" altLang="en-US" sz="2800"/>
+                    </a:p>
+                  </a:txBody>
+                  <a:tcPr/>
+                </a:tc>
+                <a:tc>
+                  <a:txBody>
+                    <a:bodyPr/>
+                    <a:lstStyle/>
+                    <a:p>
+                      <a:r>
+                        <a:rPr kumimoji="1" lang="en-US" altLang="ja-JP" sz="2800" smtClean="0"/>
+                        <a:t>normal</a:t>
+                      </a:r>
+                      <a:r>
+                        <a:rPr kumimoji="1" lang="en-US" altLang="ja-JP" sz="2800" baseline="0" smtClean="0"/>
+                        <a:t> (</a:t>
+                      </a:r>
+                      <a:r>
+                        <a:rPr kumimoji="1" lang="ja-JP" altLang="en-US" sz="2800" smtClean="0"/>
+                        <a:t>標準スキャン</a:t>
+                      </a:r>
+                      <a:r>
+                        <a:rPr kumimoji="1" lang="en-US" altLang="ja-JP" sz="2800" smtClean="0"/>
+                        <a:t>)</a:t>
+                      </a:r>
+                      <a:endParaRPr kumimoji="1" lang="ja-JP" altLang="en-US" sz="2800"/>
+                    </a:p>
+                  </a:txBody>
+                  <a:tcPr/>
+                </a:tc>
+              </a:tr>
+              <a:tr h="370840">
+                <a:tc>
+                  <a:txBody>
+                    <a:bodyPr/>
+                    <a:lstStyle/>
+                    <a:p>
+                      <a:r>
+                        <a:rPr kumimoji="1" lang="en-US" altLang="ja-JP" sz="2800" smtClean="0"/>
+                        <a:t>-T4</a:t>
+                      </a:r>
+                      <a:endParaRPr kumimoji="1" lang="ja-JP" altLang="en-US" sz="2800"/>
+                    </a:p>
+                  </a:txBody>
+                  <a:tcPr/>
+                </a:tc>
+                <a:tc>
+                  <a:txBody>
+                    <a:bodyPr/>
+                    <a:lstStyle/>
+                    <a:p>
+                      <a:r>
+                        <a:rPr kumimoji="1" lang="en-US" altLang="ja-JP" sz="2800" smtClean="0"/>
+                        <a:t>aggressive</a:t>
+                      </a:r>
+                      <a:r>
+                        <a:rPr kumimoji="1" lang="en-US" altLang="ja-JP" sz="2800" baseline="0" smtClean="0"/>
+                        <a:t> (</a:t>
+                      </a:r>
+                      <a:r>
+                        <a:rPr kumimoji="1" lang="ja-JP" altLang="en-US" sz="2800" smtClean="0"/>
+                        <a:t>けんか腰スキャン</a:t>
+                      </a:r>
+                      <a:r>
+                        <a:rPr kumimoji="1" lang="en-US" altLang="ja-JP" sz="2800" smtClean="0"/>
+                        <a:t>)</a:t>
+                      </a:r>
+                      <a:endParaRPr kumimoji="1" lang="ja-JP" altLang="en-US" sz="2800"/>
+                    </a:p>
+                  </a:txBody>
+                  <a:tcPr/>
+                </a:tc>
+              </a:tr>
+              <a:tr h="370840">
+                <a:tc>
+                  <a:txBody>
+                    <a:bodyPr/>
+                    <a:lstStyle/>
+                    <a:p>
+                      <a:r>
+                        <a:rPr kumimoji="1" lang="en-US" altLang="ja-JP" sz="2800" smtClean="0"/>
+                        <a:t>-T5</a:t>
+                      </a:r>
+                      <a:endParaRPr kumimoji="1" lang="ja-JP" altLang="en-US" sz="2800"/>
+                    </a:p>
+                  </a:txBody>
+                  <a:tcPr/>
+                </a:tc>
+                <a:tc>
+                  <a:txBody>
+                    <a:bodyPr/>
+                    <a:lstStyle/>
+                    <a:p>
+                      <a:r>
+                        <a:rPr kumimoji="1" lang="en-US" altLang="ja-JP" sz="2800" smtClean="0"/>
+                        <a:t>insane</a:t>
+                      </a:r>
+                      <a:r>
+                        <a:rPr kumimoji="1" lang="en-US" altLang="ja-JP" sz="2800" baseline="0" smtClean="0"/>
+                        <a:t> (</a:t>
+                      </a:r>
+                      <a:r>
+                        <a:rPr kumimoji="1" lang="ja-JP" altLang="en-US" sz="2800" smtClean="0"/>
+                        <a:t>キチガイスキャン</a:t>
+                      </a:r>
+                      <a:r>
+                        <a:rPr kumimoji="1" lang="en-US" altLang="ja-JP" sz="2800" smtClean="0"/>
+                        <a:t>)</a:t>
+                      </a:r>
+                      <a:endParaRPr kumimoji="1" lang="ja-JP" altLang="en-US" sz="2800"/>
+                    </a:p>
+                  </a:txBody>
+                  <a:tcPr/>
+                </a:tc>
+              </a:tr>
+            </a:tbl>
+          </a:graphicData>
+        </a:graphic>
+      </p:graphicFrame>
+      <p:sp>
+        <p:nvSpPr>
+          <p:cNvPr id="5" name="上下矢印 4"/>
+          <p:cNvSpPr/>
+          <p:nvPr/>
+        </p:nvSpPr>
+        <p:spPr>
+          <a:xfrm>
+            <a:off x="712937" y="2596551"/>
+            <a:ext cx="346135" cy="2287924"/>
+          </a:xfrm>
+          <a:prstGeom prst="upDownArrow">
+            <a:avLst/>
+          </a:prstGeom>
+          <a:solidFill>
+            <a:schemeClr val="accent2">
+              <a:lumMod val="50000"/>
+            </a:schemeClr>
+          </a:solidFill>
+          <a:ln>
+            <a:solidFill>
+              <a:schemeClr val="accent2">
+                <a:lumMod val="20000"/>
+                <a:lumOff val="80000"/>
+              </a:schemeClr>
+            </a:solidFill>
+          </a:ln>
+        </p:spPr>
+        <p:style>
+          <a:lnRef idx="2">
+            <a:schemeClr val="accent1">
+              <a:shade val="50000"/>
+            </a:schemeClr>
+          </a:lnRef>
+          <a:fillRef idx="1">
+            <a:schemeClr val="accent1"/>
+          </a:fillRef>
+          <a:effectRef idx="0">
+            <a:schemeClr val="accent1"/>
+          </a:effectRef>
+          <a:fontRef idx="minor">
+            <a:schemeClr val="lt1"/>
+          </a:fontRef>
+        </p:style>
+        <p:txBody>
+          <a:bodyPr rtlCol="0" anchor="ctr"/>
+          <a:lstStyle/>
+          <a:p>
+            <a:pPr algn="ctr"/>
+            <a:endParaRPr kumimoji="1" lang="ja-JP" altLang="en-US"/>
+          </a:p>
+        </p:txBody>
+      </p:sp>
+      <p:sp>
+        <p:nvSpPr>
+          <p:cNvPr id="6" name="テキスト ボックス 5"/>
+          <p:cNvSpPr txBox="1"/>
+          <p:nvPr/>
+        </p:nvSpPr>
+        <p:spPr>
+          <a:xfrm>
+            <a:off x="314235" y="2134886"/>
+            <a:ext cx="1281652" cy="461665"/>
+          </a:xfrm>
+          <a:prstGeom prst="rect">
+            <a:avLst/>
+          </a:prstGeom>
+          <a:noFill/>
+        </p:spPr>
+        <p:txBody>
+          <a:bodyPr wrap="square" rtlCol="0">
+            <a:spAutoFit/>
+          </a:bodyPr>
+          <a:lstStyle/>
+          <a:p>
+            <a:r>
+              <a:rPr kumimoji="1" lang="ja-JP" altLang="en-US" sz="2400" smtClean="0"/>
+              <a:t>ゆっくり</a:t>
+            </a:r>
+            <a:endParaRPr kumimoji="1" lang="ja-JP" altLang="en-US" sz="2400"/>
+          </a:p>
+        </p:txBody>
+      </p:sp>
+      <p:sp>
+        <p:nvSpPr>
+          <p:cNvPr id="7" name="テキスト ボックス 6"/>
+          <p:cNvSpPr txBox="1"/>
+          <p:nvPr/>
+        </p:nvSpPr>
+        <p:spPr>
+          <a:xfrm>
+            <a:off x="525582" y="4884475"/>
+            <a:ext cx="858957" cy="461665"/>
+          </a:xfrm>
+          <a:prstGeom prst="rect">
+            <a:avLst/>
+          </a:prstGeom>
+          <a:noFill/>
+        </p:spPr>
+        <p:txBody>
+          <a:bodyPr wrap="square" rtlCol="0">
+            <a:spAutoFit/>
+          </a:bodyPr>
+          <a:lstStyle/>
+          <a:p>
+            <a:r>
+              <a:rPr lang="ja-JP" altLang="en-US" sz="2400"/>
+              <a:t>早</a:t>
+            </a:r>
+            <a:r>
+              <a:rPr lang="ja-JP" altLang="en-US" sz="2400" smtClean="0"/>
+              <a:t>い</a:t>
+            </a:r>
+            <a:endParaRPr kumimoji="1" lang="ja-JP" altLang="en-US" sz="2400"/>
+          </a:p>
+        </p:txBody>
+      </p:sp>
+    </p:spTree>
+    <p:extLst>
+      <p:ext uri="{BB962C8B-B14F-4D97-AF65-F5344CB8AC3E}">
+        <p14:creationId xmlns:p14="http://schemas.microsoft.com/office/powerpoint/2010/main" val="3333878178"/>
+      </p:ext>
+    </p:extLst>
+  </p:cSld>
+  <p:clrMapOvr>
+    <a:masterClrMapping/>
+  </p:clrMapOvr>
+  <p:timing>
+    <p:tnLst>
+      <p:par>
+        <p:cTn id="1" dur="indefinite" restart="never" nodeType="tmRoot"/>
+      </p:par>
+    </p:tnLst>
+  </p:timing>
+</p:sld>
+</file>
+
+<file path=ppt/slides/slide9.xml><?xml version="1.0" encoding="utf-8"?>
+<p:sld xmlns:a="http://schemas.openxmlformats.org/drawingml/2006/main" xmlns:r="http://schemas.openxmlformats.org/officeDocument/2006/relationships" xmlns:p="http://schemas.openxmlformats.org/presentationml/2006/main">
+  <p:cSld>
+    <p:spTree>
+      <p:nvGrpSpPr>
+        <p:cNvPr id="1" name=""/>
+        <p:cNvGrpSpPr/>
+        <p:nvPr/>
+      </p:nvGrpSpPr>
+      <p:grpSpPr>
+        <a:xfrm>
+          <a:off x="0" y="0"/>
+          <a:ext cx="0" cy="0"/>
+          <a:chOff x="0" y="0"/>
+          <a:chExt cx="0" cy="0"/>
+        </a:xfrm>
+      </p:grpSpPr>
+      <p:pic>
+        <p:nvPicPr>
+          <p:cNvPr id="4" name="図 3"/>
+          <p:cNvPicPr>
+            <a:picLocks noChangeAspect="1"/>
+          </p:cNvPicPr>
+          <p:nvPr/>
+        </p:nvPicPr>
+        <p:blipFill>
+          <a:blip r:embed="rId3"/>
+          <a:stretch>
+            <a:fillRect/>
+          </a:stretch>
+        </p:blipFill>
+        <p:spPr>
+          <a:xfrm>
+            <a:off x="664234" y="1164566"/>
+            <a:ext cx="10529791" cy="3450566"/>
+          </a:xfrm>
+          <a:prstGeom prst="rect">
+            <a:avLst/>
+          </a:prstGeom>
+        </p:spPr>
+      </p:pic>
+      <p:sp>
+        <p:nvSpPr>
+          <p:cNvPr id="6" name="左大かっこ 5"/>
+          <p:cNvSpPr/>
+          <p:nvPr/>
+        </p:nvSpPr>
+        <p:spPr>
+          <a:xfrm>
+            <a:off x="395521" y="2304619"/>
+            <a:ext cx="181155" cy="368132"/>
+          </a:xfrm>
+          <a:prstGeom prst="leftBracket">
+            <a:avLst/>
+          </a:prstGeom>
+          <a:ln w="57150">
+            <a:solidFill>
+              <a:schemeClr val="accent5">
+                <a:lumMod val="75000"/>
+              </a:schemeClr>
+            </a:solidFill>
+          </a:ln>
+        </p:spPr>
+        <p:style>
+          <a:lnRef idx="1">
+            <a:schemeClr val="accent1"/>
+          </a:lnRef>
+          <a:fillRef idx="0">
+            <a:schemeClr val="accent1"/>
+          </a:fillRef>
+          <a:effectRef idx="0">
+            <a:schemeClr val="accent1"/>
+          </a:effectRef>
+          <a:fontRef idx="minor">
+            <a:schemeClr val="tx1"/>
+          </a:fontRef>
+        </p:style>
+        <p:txBody>
+          <a:bodyPr rtlCol="0" anchor="ctr"/>
+          <a:lstStyle/>
+          <a:p>
+            <a:pPr algn="ctr"/>
+            <a:endParaRPr kumimoji="1" lang="ja-JP" altLang="en-US"/>
+          </a:p>
+        </p:txBody>
+      </p:sp>
+      <p:sp>
+        <p:nvSpPr>
+          <p:cNvPr id="7" name="左大かっこ 6"/>
+          <p:cNvSpPr/>
+          <p:nvPr/>
+        </p:nvSpPr>
+        <p:spPr>
+          <a:xfrm>
+            <a:off x="395521" y="2749627"/>
+            <a:ext cx="181155" cy="368132"/>
+          </a:xfrm>
+          <a:prstGeom prst="leftBracket">
+            <a:avLst/>
+          </a:prstGeom>
+          <a:ln w="57150">
+            <a:solidFill>
+              <a:schemeClr val="accent5">
+                <a:lumMod val="75000"/>
+              </a:schemeClr>
+            </a:solidFill>
+          </a:ln>
+        </p:spPr>
+        <p:style>
+          <a:lnRef idx="1">
+            <a:schemeClr val="accent1"/>
+          </a:lnRef>
+          <a:fillRef idx="0">
+            <a:schemeClr val="accent1"/>
+          </a:fillRef>
+          <a:effectRef idx="0">
+            <a:schemeClr val="accent1"/>
+          </a:effectRef>
+          <a:fontRef idx="minor">
+            <a:schemeClr val="tx1"/>
+          </a:fontRef>
+        </p:style>
+        <p:txBody>
+          <a:bodyPr rtlCol="0" anchor="ctr"/>
+          <a:lstStyle/>
+          <a:p>
+            <a:pPr algn="ctr"/>
+            <a:endParaRPr kumimoji="1" lang="ja-JP" altLang="en-US"/>
+          </a:p>
+        </p:txBody>
+      </p:sp>
+      <p:sp>
+        <p:nvSpPr>
+          <p:cNvPr id="8" name="左大かっこ 7"/>
+          <p:cNvSpPr/>
+          <p:nvPr/>
+        </p:nvSpPr>
+        <p:spPr>
+          <a:xfrm>
+            <a:off x="395521" y="3194635"/>
+            <a:ext cx="181155" cy="368132"/>
+          </a:xfrm>
+          <a:prstGeom prst="leftBracket">
+            <a:avLst/>
+          </a:prstGeom>
+          <a:ln w="57150">
+            <a:solidFill>
+              <a:schemeClr val="accent5">
+                <a:lumMod val="75000"/>
+              </a:schemeClr>
+            </a:solidFill>
+          </a:ln>
+        </p:spPr>
+        <p:style>
+          <a:lnRef idx="1">
+            <a:schemeClr val="accent1"/>
+          </a:lnRef>
+          <a:fillRef idx="0">
+            <a:schemeClr val="accent1"/>
+          </a:fillRef>
+          <a:effectRef idx="0">
+            <a:schemeClr val="accent1"/>
+          </a:effectRef>
+          <a:fontRef idx="minor">
+            <a:schemeClr val="tx1"/>
+          </a:fontRef>
+        </p:style>
+        <p:txBody>
+          <a:bodyPr rtlCol="0" anchor="ctr"/>
+          <a:lstStyle/>
+          <a:p>
+            <a:pPr algn="ctr"/>
+            <a:endParaRPr kumimoji="1" lang="ja-JP" altLang="en-US"/>
+          </a:p>
+        </p:txBody>
+      </p:sp>
+      <p:sp>
+        <p:nvSpPr>
+          <p:cNvPr id="9" name="左大かっこ 8"/>
+          <p:cNvSpPr/>
+          <p:nvPr/>
+        </p:nvSpPr>
+        <p:spPr>
+          <a:xfrm>
+            <a:off x="395520" y="3639643"/>
+            <a:ext cx="181155" cy="368132"/>
+          </a:xfrm>
+          <a:prstGeom prst="leftBracket">
+            <a:avLst/>
+          </a:prstGeom>
+          <a:ln w="57150">
+            <a:solidFill>
+              <a:schemeClr val="accent5">
+                <a:lumMod val="75000"/>
+              </a:schemeClr>
+            </a:solidFill>
+          </a:ln>
+        </p:spPr>
+        <p:style>
+          <a:lnRef idx="1">
+            <a:schemeClr val="accent1"/>
+          </a:lnRef>
+          <a:fillRef idx="0">
+            <a:schemeClr val="accent1"/>
+          </a:fillRef>
+          <a:effectRef idx="0">
+            <a:schemeClr val="accent1"/>
+          </a:effectRef>
+          <a:fontRef idx="minor">
+            <a:schemeClr val="tx1"/>
+          </a:fontRef>
+        </p:style>
+        <p:txBody>
+          <a:bodyPr rtlCol="0" anchor="ctr"/>
+          <a:lstStyle/>
+          <a:p>
+            <a:pPr algn="ctr"/>
+            <a:endParaRPr kumimoji="1" lang="ja-JP" altLang="en-US"/>
+          </a:p>
+        </p:txBody>
+      </p:sp>
+      <p:sp>
+        <p:nvSpPr>
+          <p:cNvPr id="10" name="左大かっこ 9"/>
+          <p:cNvSpPr/>
+          <p:nvPr/>
+        </p:nvSpPr>
+        <p:spPr>
+          <a:xfrm>
+            <a:off x="395520" y="4084651"/>
+            <a:ext cx="181155" cy="368132"/>
+          </a:xfrm>
+          <a:prstGeom prst="leftBracket">
+            <a:avLst/>
+          </a:prstGeom>
+          <a:ln w="57150">
+            <a:solidFill>
+              <a:schemeClr val="accent5">
+                <a:lumMod val="75000"/>
+              </a:schemeClr>
+            </a:solidFill>
+          </a:ln>
+        </p:spPr>
+        <p:style>
+          <a:lnRef idx="1">
+            <a:schemeClr val="accent1"/>
+          </a:lnRef>
+          <a:fillRef idx="0">
+            <a:schemeClr val="accent1"/>
+          </a:fillRef>
+          <a:effectRef idx="0">
+            <a:schemeClr val="accent1"/>
+          </a:effectRef>
+          <a:fontRef idx="minor">
+            <a:schemeClr val="tx1"/>
+          </a:fontRef>
+        </p:style>
+        <p:txBody>
+          <a:bodyPr rtlCol="0" anchor="ctr"/>
+          <a:lstStyle/>
+          <a:p>
+            <a:pPr algn="ctr"/>
+            <a:endParaRPr kumimoji="1" lang="ja-JP" altLang="en-US"/>
+          </a:p>
+        </p:txBody>
+      </p:sp>
+      <p:sp>
+        <p:nvSpPr>
+          <p:cNvPr id="11" name="タイトル 1"/>
+          <p:cNvSpPr>
+            <a:spLocks noGrp="1"/>
+          </p:cNvSpPr>
+          <p:nvPr>
+            <p:ph type="title"/>
+          </p:nvPr>
+        </p:nvSpPr>
+        <p:spPr>
+          <a:xfrm>
+            <a:off x="318545" y="224148"/>
+            <a:ext cx="7886700" cy="913945"/>
+          </a:xfrm>
+        </p:spPr>
+        <p:txBody>
+          <a:bodyPr>
+            <a:normAutofit/>
+          </a:bodyPr>
+          <a:lstStyle/>
+          <a:p>
+            <a:r>
+              <a:rPr kumimoji="1" lang="en-US" altLang="ja-JP" smtClean="0">
+                <a:latin typeface="メイリオ"/>
+                <a:ea typeface="メイリオ"/>
+                <a:cs typeface="メイリオ"/>
+              </a:rPr>
+              <a:t>nmap -T0 </a:t>
+            </a:r>
+            <a:r>
+              <a:rPr kumimoji="1" lang="ja-JP" altLang="en-US" smtClean="0">
+                <a:latin typeface="メイリオ"/>
+                <a:ea typeface="メイリオ"/>
+                <a:cs typeface="メイリオ"/>
+              </a:rPr>
+              <a:t>がどれだけ遅いか</a:t>
+            </a:r>
+            <a:r>
+              <a:rPr kumimoji="1" lang="en-US" altLang="ja-JP" smtClean="0">
+                <a:latin typeface="メイリオ"/>
+                <a:ea typeface="メイリオ"/>
+                <a:cs typeface="メイリオ"/>
+              </a:rPr>
+              <a:t>?</a:t>
+            </a:r>
+            <a:endParaRPr kumimoji="1" lang="ja-JP" altLang="en-US">
+              <a:latin typeface="メイリオ"/>
+              <a:ea typeface="メイリオ"/>
+              <a:cs typeface="メイリオ"/>
+            </a:endParaRPr>
+          </a:p>
+        </p:txBody>
+      </p:sp>
+      <p:sp>
+        <p:nvSpPr>
+          <p:cNvPr id="14" name="右中かっこ 13"/>
+          <p:cNvSpPr/>
+          <p:nvPr/>
+        </p:nvSpPr>
+        <p:spPr>
+          <a:xfrm rot="5400000">
+            <a:off x="2378783" y="3825986"/>
+            <a:ext cx="289591" cy="1780361"/>
+          </a:xfrm>
+          <a:prstGeom prst="rightBrace">
+            <a:avLst/>
+          </a:prstGeom>
+          <a:ln w="38100"/>
+        </p:spPr>
+        <p:style>
+          <a:lnRef idx="1">
+            <a:schemeClr val="accent1"/>
+          </a:lnRef>
+          <a:fillRef idx="0">
+            <a:schemeClr val="accent1"/>
+          </a:fillRef>
+          <a:effectRef idx="0">
+            <a:schemeClr val="accent1"/>
+          </a:effectRef>
+          <a:fontRef idx="minor">
+            <a:schemeClr val="tx1"/>
+          </a:fontRef>
+        </p:style>
+        <p:txBody>
+          <a:bodyPr rtlCol="0" anchor="ctr"/>
+          <a:lstStyle/>
+          <a:p>
+            <a:pPr algn="ctr"/>
+            <a:endParaRPr kumimoji="1" lang="ja-JP" altLang="en-US"/>
+          </a:p>
+        </p:txBody>
+      </p:sp>
+      <p:sp>
+        <p:nvSpPr>
+          <p:cNvPr id="12" name="正方形/長方形 11"/>
+          <p:cNvSpPr/>
+          <p:nvPr/>
+        </p:nvSpPr>
+        <p:spPr>
+          <a:xfrm>
+            <a:off x="1949570" y="4979917"/>
+            <a:ext cx="6564702" cy="979715"/>
+          </a:xfrm>
+          <a:prstGeom prst="rect">
+            <a:avLst/>
+          </a:prstGeom>
+          <a:solidFill>
+            <a:schemeClr val="accent5">
+              <a:lumMod val="75000"/>
+            </a:schemeClr>
+          </a:solidFill>
+          <a:ln w="28575" cmpd="sng">
+            <a:solidFill>
+              <a:schemeClr val="accent5">
+                <a:lumMod val="20000"/>
+                <a:lumOff val="80000"/>
+              </a:schemeClr>
+            </a:solidFill>
+          </a:ln>
+          <a:effectLst>
+            <a:glow rad="101600">
+              <a:schemeClr val="tx1">
+                <a:alpha val="22000"/>
+              </a:schemeClr>
+            </a:glow>
+            <a:outerShdw blurRad="50800" dist="38100" dir="2700000" algn="tl" rotWithShape="0">
+              <a:srgbClr val="000000">
+                <a:alpha val="43000"/>
+              </a:srgbClr>
+            </a:outerShdw>
+          </a:effectLst>
+        </p:spPr>
+        <p:style>
+          <a:lnRef idx="1">
+            <a:schemeClr val="accent1"/>
+          </a:lnRef>
+          <a:fillRef idx="3">
+            <a:schemeClr val="accent1"/>
+          </a:fillRef>
+          <a:effectRef idx="2">
+            <a:schemeClr val="accent1"/>
+          </a:effectRef>
+          <a:fontRef idx="minor">
+            <a:schemeClr val="lt1"/>
+          </a:fontRef>
+        </p:style>
+        <p:txBody>
+          <a:bodyPr rtlCol="0" anchor="ctr"/>
+          <a:lstStyle/>
+          <a:p>
+            <a:pPr algn="ctr"/>
+            <a:r>
+              <a:rPr kumimoji="1" lang="en-US" altLang="ja-JP" sz="2400" smtClean="0">
+                <a:solidFill>
+                  <a:schemeClr val="accent2">
+                    <a:lumMod val="20000"/>
+                    <a:lumOff val="80000"/>
+                  </a:schemeClr>
+                </a:solidFill>
+                <a:latin typeface="Helvetica"/>
+                <a:cs typeface="Helvetica"/>
+              </a:rPr>
+              <a:t>1</a:t>
+            </a:r>
+            <a:r>
+              <a:rPr kumimoji="1" lang="ja-JP" altLang="en-US" sz="2400" smtClean="0">
+                <a:solidFill>
+                  <a:schemeClr val="accent2">
+                    <a:lumMod val="20000"/>
+                    <a:lumOff val="80000"/>
+                  </a:schemeClr>
+                </a:solidFill>
+                <a:latin typeface="Helvetica"/>
+                <a:cs typeface="Helvetica"/>
+              </a:rPr>
+              <a:t>つの</a:t>
+            </a:r>
+            <a:r>
+              <a:rPr kumimoji="1" lang="en-US" altLang="ja-JP" sz="2400" smtClean="0">
+                <a:solidFill>
+                  <a:schemeClr val="accent2">
+                    <a:lumMod val="20000"/>
+                    <a:lumOff val="80000"/>
+                  </a:schemeClr>
+                </a:solidFill>
+                <a:latin typeface="Helvetica"/>
+                <a:cs typeface="Helvetica"/>
+              </a:rPr>
+              <a:t>TCP</a:t>
+            </a:r>
+            <a:r>
+              <a:rPr kumimoji="1" lang="ja-JP" altLang="en-US" sz="2400" smtClean="0">
+                <a:solidFill>
+                  <a:schemeClr val="accent2">
+                    <a:lumMod val="20000"/>
+                    <a:lumOff val="80000"/>
+                  </a:schemeClr>
+                </a:solidFill>
+                <a:latin typeface="Helvetica"/>
+                <a:cs typeface="Helvetica"/>
+              </a:rPr>
+              <a:t>ポートをスキャンするのに</a:t>
+            </a:r>
+            <a:r>
+              <a:rPr kumimoji="1" lang="en-US" altLang="ja-JP" sz="2400" smtClean="0">
+                <a:solidFill>
+                  <a:schemeClr val="accent2">
+                    <a:lumMod val="20000"/>
+                    <a:lumOff val="80000"/>
+                  </a:schemeClr>
+                </a:solidFill>
+                <a:latin typeface="Helvetica"/>
+                <a:cs typeface="Helvetica"/>
+              </a:rPr>
+              <a:t>5</a:t>
+            </a:r>
+            <a:r>
+              <a:rPr kumimoji="1" lang="ja-JP" altLang="en-US" sz="2400" smtClean="0">
+                <a:solidFill>
+                  <a:schemeClr val="accent2">
+                    <a:lumMod val="20000"/>
+                    <a:lumOff val="80000"/>
+                  </a:schemeClr>
+                </a:solidFill>
+                <a:latin typeface="Helvetica"/>
+                <a:cs typeface="Helvetica"/>
+              </a:rPr>
+              <a:t>分かかる</a:t>
+            </a:r>
+            <a:endParaRPr kumimoji="1" lang="ja-JP" altLang="en-US" sz="2400">
+              <a:solidFill>
+                <a:schemeClr val="accent2">
+                  <a:lumMod val="20000"/>
+                  <a:lumOff val="80000"/>
+                </a:schemeClr>
+              </a:solidFill>
+              <a:latin typeface="Helvetica"/>
+              <a:cs typeface="Helvetica"/>
+            </a:endParaRPr>
+          </a:p>
+        </p:txBody>
+      </p:sp>
+    </p:spTree>
+    <p:extLst>
+      <p:ext uri="{BB962C8B-B14F-4D97-AF65-F5344CB8AC3E}">
+        <p14:creationId xmlns:p14="http://schemas.microsoft.com/office/powerpoint/2010/main" val="1447535175"/>
+      </p:ext>
+    </p:extLst>
+  </p:cSld>
+  <p:clrMapOvr>
+    <a:masterClrMapping/>
+  </p:clrMapOvr>
+  <p:timing>
+    <p:tnLst>
+      <p:par>
+        <p:cTn id="1" dur="indefinite" restart="never" nodeType="tmRoot"/>
       </p:par>
     </p:tnLst>
   </p:timing>
@@ -5188,7 +7219,7 @@
   <a:extraClrSchemeLst/>
   <a:extLst>
     <a:ext uri="{05A4C25C-085E-4340-85A3-A5531E510DB2}">
-      <thm15:themeFamily xmlns:thm15="http://schemas.microsoft.com/office/thememl/2012/main" xmlns="" name="Office Theme" id="{62F939B6-93AF-4DB8-9C6B-D6C7DFDC589F}" vid="{4A3C46E8-61CC-4603-A589-7422A47A8E4A}"/>
+      <thm15:themeFamily xmlns:thm15="http://schemas.microsoft.com/office/thememl/2012/main" name="Office Theme" id="{62F939B6-93AF-4DB8-9C6B-D6C7DFDC589F}" vid="{4A3C46E8-61CC-4603-A589-7422A47A8E4A}"/>
     </a:ext>
   </a:extLst>
 </a:theme>
@@ -5449,7 +7480,7 @@
   <a:extraClrSchemeLst/>
   <a:extLst>
     <a:ext uri="{05A4C25C-085E-4340-85A3-A5531E510DB2}">
-      <thm15:themeFamily xmlns:thm15="http://schemas.microsoft.com/office/thememl/2012/main" xmlns="" name="Office Theme" id="{62F939B6-93AF-4DB8-9C6B-D6C7DFDC589F}" vid="{4A3C46E8-61CC-4603-A589-7422A47A8E4A}"/>
+      <thm15:themeFamily xmlns:thm15="http://schemas.microsoft.com/office/thememl/2012/main" name="Office Theme" id="{62F939B6-93AF-4DB8-9C6B-D6C7DFDC589F}" vid="{4A3C46E8-61CC-4603-A589-7422A47A8E4A}"/>
     </a:ext>
   </a:extLst>
 </a:theme>

--- a/2015-no.2/ppt/00_ozuma.pptx
+++ b/2015-no.2/ppt/00_ozuma.pptx
@@ -5,19 +5,26 @@
     <p:sldMasterId id="2147483690" r:id="rId1"/>
   </p:sldMasterIdLst>
   <p:notesMasterIdLst>
-    <p:notesMasterId r:id="rId12"/>
+    <p:notesMasterId r:id="rId19"/>
   </p:notesMasterIdLst>
   <p:sldIdLst>
     <p:sldId id="257" r:id="rId2"/>
     <p:sldId id="261" r:id="rId3"/>
     <p:sldId id="262" r:id="rId4"/>
-    <p:sldId id="258" r:id="rId5"/>
-    <p:sldId id="259" r:id="rId6"/>
-    <p:sldId id="260" r:id="rId7"/>
-    <p:sldId id="263" r:id="rId8"/>
-    <p:sldId id="266" r:id="rId9"/>
-    <p:sldId id="264" r:id="rId10"/>
-    <p:sldId id="265" r:id="rId11"/>
+    <p:sldId id="268" r:id="rId5"/>
+    <p:sldId id="258" r:id="rId6"/>
+    <p:sldId id="269" r:id="rId7"/>
+    <p:sldId id="259" r:id="rId8"/>
+    <p:sldId id="260" r:id="rId9"/>
+    <p:sldId id="263" r:id="rId10"/>
+    <p:sldId id="273" r:id="rId11"/>
+    <p:sldId id="271" r:id="rId12"/>
+    <p:sldId id="272" r:id="rId13"/>
+    <p:sldId id="270" r:id="rId14"/>
+    <p:sldId id="265" r:id="rId15"/>
+    <p:sldId id="267" r:id="rId16"/>
+    <p:sldId id="266" r:id="rId17"/>
+    <p:sldId id="264" r:id="rId18"/>
   </p:sldIdLst>
   <p:sldSz cx="9144000" cy="6858000" type="screen4x3"/>
   <p:notesSz cx="6858000" cy="9144000"/>
@@ -217,7 +224,7 @@
           <a:p>
             <a:fld id="{227E3AE5-EB08-419F-97DD-14530EE7F784}" type="datetimeFigureOut">
               <a:rPr kumimoji="1" lang="ja-JP" altLang="en-US" smtClean="0"/>
-              <a:t>2015/8/16</a:t>
+              <a:t>2015/8/19</a:t>
             </a:fld>
             <a:endParaRPr kumimoji="1" lang="ja-JP" altLang="en-US"/>
           </a:p>
@@ -686,98 +693,18 @@
           <a:p>
             <a:r>
               <a:rPr kumimoji="1" lang="ja-JP" altLang="en-US" smtClean="0"/>
-              <a:t>通常、</a:t>
-            </a:r>
-            <a:r>
-              <a:rPr kumimoji="1" lang="en-US" altLang="ja-JP" smtClean="0"/>
-              <a:t>ICMP</a:t>
-            </a:r>
-            <a:r>
-              <a:rPr kumimoji="1" lang="ja-JP" altLang="en-US" smtClean="0"/>
-              <a:t>の</a:t>
-            </a:r>
-            <a:r>
-              <a:rPr kumimoji="1" lang="en-US" altLang="ja-JP" smtClean="0"/>
-              <a:t>echo</a:t>
-            </a:r>
-            <a:r>
-              <a:rPr kumimoji="1" lang="ja-JP" altLang="en-US" smtClean="0"/>
-              <a:t>リクエストは、リプライが変えるかどうかだけが重要です。そのためペイロードには誰も注意を払いません。そのためか</a:t>
-            </a:r>
-            <a:r>
-              <a:rPr kumimoji="1" lang="en-US" altLang="ja-JP" smtClean="0"/>
-              <a:t>(?)</a:t>
-            </a:r>
-            <a:r>
-              <a:rPr kumimoji="1" lang="ja-JP" altLang="en-US" smtClean="0"/>
-              <a:t>、</a:t>
-            </a:r>
-            <a:r>
-              <a:rPr kumimoji="1" lang="en-US" altLang="ja-JP" smtClean="0"/>
-              <a:t>Windows</a:t>
-            </a:r>
-            <a:r>
-              <a:rPr kumimoji="1" lang="ja-JP" altLang="en-US" smtClean="0"/>
-              <a:t>の</a:t>
-            </a:r>
-            <a:r>
-              <a:rPr kumimoji="1" lang="en-US" altLang="ja-JP" smtClean="0"/>
-              <a:t>ping</a:t>
-            </a:r>
-            <a:r>
-              <a:rPr kumimoji="1" lang="ja-JP" altLang="en-US" smtClean="0"/>
-              <a:t>コマンドではこのように</a:t>
-            </a:r>
-            <a:r>
-              <a:rPr kumimoji="1" lang="en-US" altLang="ja-JP" smtClean="0"/>
-              <a:t>[abcdefg...]</a:t>
-            </a:r>
-            <a:r>
-              <a:rPr kumimoji="1" lang="ja-JP" altLang="en-US" smtClean="0"/>
-              <a:t>というテキトーなペイロードが埋め込まれています。（なぜ</a:t>
-            </a:r>
-            <a:r>
-              <a:rPr kumimoji="1" lang="en-US" altLang="ja-JP" smtClean="0"/>
-              <a:t>xyz</a:t>
-            </a:r>
-            <a:r>
-              <a:rPr kumimoji="1" lang="ja-JP" altLang="en-US" smtClean="0"/>
-              <a:t>が抜けているのかが謎なんですけど</a:t>
-            </a:r>
-            <a:r>
-              <a:rPr kumimoji="1" lang="en-US" altLang="ja-JP" smtClean="0"/>
-              <a:t>……</a:t>
-            </a:r>
-            <a:r>
-              <a:rPr kumimoji="1" lang="ja-JP" altLang="en-US" smtClean="0"/>
-              <a:t>知ってる人います</a:t>
-            </a:r>
-            <a:r>
-              <a:rPr kumimoji="1" lang="en-US" altLang="ja-JP" smtClean="0"/>
-              <a:t>?)</a:t>
-            </a:r>
-          </a:p>
-          <a:p>
-            <a:r>
-              <a:rPr kumimoji="1" lang="ja-JP" altLang="en-US" smtClean="0"/>
-              <a:t>ちなみに</a:t>
-            </a:r>
-            <a:r>
-              <a:rPr kumimoji="1" lang="en-US" altLang="ja-JP" smtClean="0"/>
-              <a:t>Linux</a:t>
-            </a:r>
-            <a:r>
-              <a:rPr kumimoji="1" lang="ja-JP" altLang="en-US" smtClean="0"/>
-              <a:t>の</a:t>
-            </a:r>
-            <a:r>
-              <a:rPr kumimoji="1" lang="en-US" altLang="ja-JP" smtClean="0"/>
-              <a:t>ping</a:t>
-            </a:r>
-            <a:r>
-              <a:rPr kumimoji="1" lang="ja-JP" altLang="en-US" smtClean="0"/>
-              <a:t>コマンドは、また全然別のテキトーなペイロードが埋めこれます</a:t>
-            </a:r>
+              <a:t>この他にも、ファイルの見えない領域に隠すとか、暗号化で隠すとか深堀りすると色々あるのですが、キリが無いので今日はこのくらいに絞って。</a:t>
+            </a:r>
+            <a:endParaRPr kumimoji="1" lang="en-US" altLang="ja-JP" smtClean="0"/>
+          </a:p>
+          <a:p>
+            <a:r>
+              <a:rPr kumimoji="1" lang="ja-JP" altLang="en-US" smtClean="0"/>
+              <a:t>全体の流れというよりは、トピックの小ネタ集という感じでお話します。</a:t>
+            </a:r>
+            <a:endParaRPr kumimoji="1" lang="en-US" altLang="ja-JP" smtClean="0"/>
+          </a:p>
+          <a:p>
             <a:endParaRPr kumimoji="1" lang="ja-JP" altLang="en-US"/>
           </a:p>
         </p:txBody>
@@ -799,7 +726,7 @@
           <a:p>
             <a:fld id="{DB9CD991-4847-4EC6-8E3A-1C6DA9348A2B}" type="slidenum">
               <a:rPr kumimoji="1" lang="ja-JP" altLang="en-US" smtClean="0"/>
-              <a:t>5</a:t>
+              <a:t>3</a:t>
             </a:fld>
             <a:endParaRPr kumimoji="1" lang="ja-JP" altLang="en-US"/>
           </a:p>
@@ -808,7 +735,7 @@
     </p:spTree>
     <p:extLst>
       <p:ext uri="{BB962C8B-B14F-4D97-AF65-F5344CB8AC3E}">
-        <p14:creationId xmlns:p14="http://schemas.microsoft.com/office/powerpoint/2010/main" val="1645015722"/>
+        <p14:creationId xmlns:p14="http://schemas.microsoft.com/office/powerpoint/2010/main" val="1679522813"/>
       </p:ext>
     </p:extLst>
   </p:cSld>
@@ -864,38 +791,97 @@
           <a:p>
             <a:r>
               <a:rPr kumimoji="1" lang="ja-JP" altLang="en-US" smtClean="0"/>
-              <a:t>さて、そうなるとここに好きなペイロードを突っ込むことで、外部と隠れてコソコソ通信できるな～ということになります。</a:t>
-            </a:r>
-            <a:endParaRPr kumimoji="1" lang="en-US" altLang="ja-JP" smtClean="0"/>
-          </a:p>
-          <a:p>
-            <a:r>
-              <a:rPr kumimoji="1" lang="ja-JP" altLang="en-US" smtClean="0"/>
-              <a:t>やり方は色々あると思いますが、ここでは</a:t>
+              <a:t>通常、</a:t>
             </a:r>
             <a:r>
               <a:rPr kumimoji="1" lang="en-US" altLang="ja-JP" smtClean="0"/>
-              <a:t>nping</a:t>
-            </a:r>
-            <a:r>
-              <a:rPr kumimoji="1" lang="ja-JP" altLang="en-US" smtClean="0"/>
-              <a:t>コマンドを使いましょう。これはポートスキャナ</a:t>
+              <a:t>ICMP</a:t>
+            </a:r>
+            <a:r>
+              <a:rPr kumimoji="1" lang="ja-JP" altLang="en-US" smtClean="0"/>
+              <a:t>の</a:t>
             </a:r>
             <a:r>
               <a:rPr kumimoji="1" lang="en-US" altLang="ja-JP" smtClean="0"/>
-              <a:t>nmap</a:t>
-            </a:r>
-            <a:r>
-              <a:rPr kumimoji="1" lang="ja-JP" altLang="en-US" smtClean="0"/>
-              <a:t>に付属しているので、普通に</a:t>
+              <a:t>echo</a:t>
+            </a:r>
+            <a:r>
+              <a:rPr kumimoji="1" lang="ja-JP" altLang="en-US" smtClean="0"/>
+              <a:t>リクエストは、リプライが変えるかどうかだけが重要です。そのためペイロードには誰も注意を払いません。そのためか</a:t>
             </a:r>
             <a:r>
               <a:rPr kumimoji="1" lang="en-US" altLang="ja-JP" smtClean="0"/>
-              <a:t>nmap</a:t>
-            </a:r>
-            <a:r>
-              <a:rPr kumimoji="1" lang="ja-JP" altLang="en-US" smtClean="0"/>
-              <a:t>を入れれば入っています。</a:t>
+              <a:t>(?)</a:t>
+            </a:r>
+            <a:r>
+              <a:rPr kumimoji="1" lang="ja-JP" altLang="en-US" smtClean="0"/>
+              <a:t>、</a:t>
+            </a:r>
+            <a:r>
+              <a:rPr kumimoji="1" lang="en-US" altLang="ja-JP" smtClean="0"/>
+              <a:t>Windows</a:t>
+            </a:r>
+            <a:r>
+              <a:rPr kumimoji="1" lang="ja-JP" altLang="en-US" smtClean="0"/>
+              <a:t>の</a:t>
+            </a:r>
+            <a:r>
+              <a:rPr kumimoji="1" lang="en-US" altLang="ja-JP" smtClean="0"/>
+              <a:t>ping</a:t>
+            </a:r>
+            <a:r>
+              <a:rPr kumimoji="1" lang="ja-JP" altLang="en-US" smtClean="0"/>
+              <a:t>コマンドではこのように</a:t>
+            </a:r>
+            <a:r>
+              <a:rPr kumimoji="1" lang="en-US" altLang="ja-JP" smtClean="0"/>
+              <a:t>[abcdefg...]</a:t>
+            </a:r>
+            <a:r>
+              <a:rPr kumimoji="1" lang="ja-JP" altLang="en-US" smtClean="0"/>
+              <a:t>というテキトーなペイロードが埋め込まれています。（なぜ</a:t>
+            </a:r>
+            <a:r>
+              <a:rPr kumimoji="1" lang="en-US" altLang="ja-JP" smtClean="0"/>
+              <a:t>xyz</a:t>
+            </a:r>
+            <a:r>
+              <a:rPr kumimoji="1" lang="ja-JP" altLang="en-US" smtClean="0"/>
+              <a:t>が抜けているのかが謎なんですけど</a:t>
+            </a:r>
+            <a:r>
+              <a:rPr kumimoji="1" lang="en-US" altLang="ja-JP" smtClean="0"/>
+              <a:t>……</a:t>
+            </a:r>
+            <a:r>
+              <a:rPr kumimoji="1" lang="ja-JP" altLang="en-US" smtClean="0"/>
+              <a:t>知ってる人います</a:t>
+            </a:r>
+            <a:r>
+              <a:rPr kumimoji="1" lang="en-US" altLang="ja-JP" smtClean="0"/>
+              <a:t>?)</a:t>
+            </a:r>
+          </a:p>
+          <a:p>
+            <a:r>
+              <a:rPr kumimoji="1" lang="ja-JP" altLang="en-US" smtClean="0"/>
+              <a:t>ちなみに</a:t>
+            </a:r>
+            <a:r>
+              <a:rPr kumimoji="1" lang="en-US" altLang="ja-JP" smtClean="0"/>
+              <a:t>Linux</a:t>
+            </a:r>
+            <a:r>
+              <a:rPr kumimoji="1" lang="ja-JP" altLang="en-US" smtClean="0"/>
+              <a:t>の</a:t>
+            </a:r>
+            <a:r>
+              <a:rPr kumimoji="1" lang="en-US" altLang="ja-JP" smtClean="0"/>
+              <a:t>ping</a:t>
+            </a:r>
+            <a:r>
+              <a:rPr kumimoji="1" lang="ja-JP" altLang="en-US" smtClean="0"/>
+              <a:t>コマンドは、また全然別のテキトーなペイロードが埋めこれます</a:t>
             </a:r>
             <a:endParaRPr kumimoji="1" lang="ja-JP" altLang="en-US"/>
           </a:p>
@@ -918,7 +904,7 @@
           <a:p>
             <a:fld id="{DB9CD991-4847-4EC6-8E3A-1C6DA9348A2B}" type="slidenum">
               <a:rPr kumimoji="1" lang="ja-JP" altLang="en-US" smtClean="0"/>
-              <a:t>6</a:t>
+              <a:t>7</a:t>
             </a:fld>
             <a:endParaRPr kumimoji="1" lang="ja-JP" altLang="en-US"/>
           </a:p>
@@ -927,7 +913,7 @@
     </p:spTree>
     <p:extLst>
       <p:ext uri="{BB962C8B-B14F-4D97-AF65-F5344CB8AC3E}">
-        <p14:creationId xmlns:p14="http://schemas.microsoft.com/office/powerpoint/2010/main" val="4088891792"/>
+        <p14:creationId xmlns:p14="http://schemas.microsoft.com/office/powerpoint/2010/main" val="1645015722"/>
       </p:ext>
     </p:extLst>
   </p:cSld>
@@ -983,6 +969,352 @@
           <a:p>
             <a:r>
               <a:rPr kumimoji="1" lang="ja-JP" altLang="en-US" smtClean="0"/>
+              <a:t>さて、そうなるとここに好きなペイロードを突っ込むことで、外部と隠れてコソコソ通信できるな～ということになります。</a:t>
+            </a:r>
+            <a:endParaRPr kumimoji="1" lang="en-US" altLang="ja-JP" smtClean="0"/>
+          </a:p>
+          <a:p>
+            <a:r>
+              <a:rPr kumimoji="1" lang="ja-JP" altLang="en-US" smtClean="0"/>
+              <a:t>やり方は色々あると思いますが、ここでは</a:t>
+            </a:r>
+            <a:r>
+              <a:rPr kumimoji="1" lang="en-US" altLang="ja-JP" smtClean="0"/>
+              <a:t>nping</a:t>
+            </a:r>
+            <a:r>
+              <a:rPr kumimoji="1" lang="ja-JP" altLang="en-US" smtClean="0"/>
+              <a:t>コマンドを使いましょう。これはポートスキャナ</a:t>
+            </a:r>
+            <a:r>
+              <a:rPr kumimoji="1" lang="en-US" altLang="ja-JP" smtClean="0"/>
+              <a:t>nmap</a:t>
+            </a:r>
+            <a:r>
+              <a:rPr kumimoji="1" lang="ja-JP" altLang="en-US" smtClean="0"/>
+              <a:t>に付属しているので、普通に</a:t>
+            </a:r>
+            <a:r>
+              <a:rPr kumimoji="1" lang="en-US" altLang="ja-JP" smtClean="0"/>
+              <a:t>nmap</a:t>
+            </a:r>
+            <a:r>
+              <a:rPr kumimoji="1" lang="ja-JP" altLang="en-US" smtClean="0"/>
+              <a:t>を入れれば入っています。</a:t>
+            </a:r>
+            <a:endParaRPr kumimoji="1" lang="ja-JP" altLang="en-US"/>
+          </a:p>
+        </p:txBody>
+      </p:sp>
+      <p:sp>
+        <p:nvSpPr>
+          <p:cNvPr id="4" name="スライド番号プレースホルダー 3"/>
+          <p:cNvSpPr>
+            <a:spLocks noGrp="1"/>
+          </p:cNvSpPr>
+          <p:nvPr>
+            <p:ph type="sldNum" sz="quarter" idx="10"/>
+          </p:nvPr>
+        </p:nvSpPr>
+        <p:spPr/>
+        <p:txBody>
+          <a:bodyPr/>
+          <a:lstStyle/>
+          <a:p>
+            <a:fld id="{DB9CD991-4847-4EC6-8E3A-1C6DA9348A2B}" type="slidenum">
+              <a:rPr kumimoji="1" lang="ja-JP" altLang="en-US" smtClean="0"/>
+              <a:t>8</a:t>
+            </a:fld>
+            <a:endParaRPr kumimoji="1" lang="ja-JP" altLang="en-US"/>
+          </a:p>
+        </p:txBody>
+      </p:sp>
+    </p:spTree>
+    <p:extLst>
+      <p:ext uri="{BB962C8B-B14F-4D97-AF65-F5344CB8AC3E}">
+        <p14:creationId xmlns:p14="http://schemas.microsoft.com/office/powerpoint/2010/main" val="4088891792"/>
+      </p:ext>
+    </p:extLst>
+  </p:cSld>
+  <p:clrMapOvr>
+    <a:masterClrMapping/>
+  </p:clrMapOvr>
+</p:notes>
+</file>
+
+<file path=ppt/notesSlides/notesSlide5.xml><?xml version="1.0" encoding="utf-8"?>
+<p:notes xmlns:a="http://schemas.openxmlformats.org/drawingml/2006/main" xmlns:r="http://schemas.openxmlformats.org/officeDocument/2006/relationships" xmlns:p="http://schemas.openxmlformats.org/presentationml/2006/main">
+  <p:cSld>
+    <p:spTree>
+      <p:nvGrpSpPr>
+        <p:cNvPr id="1" name=""/>
+        <p:cNvGrpSpPr/>
+        <p:nvPr/>
+      </p:nvGrpSpPr>
+      <p:grpSpPr>
+        <a:xfrm>
+          <a:off x="0" y="0"/>
+          <a:ext cx="0" cy="0"/>
+          <a:chOff x="0" y="0"/>
+          <a:chExt cx="0" cy="0"/>
+        </a:xfrm>
+      </p:grpSpPr>
+      <p:sp>
+        <p:nvSpPr>
+          <p:cNvPr id="2" name="スライド イメージ プレースホルダー 1"/>
+          <p:cNvSpPr>
+            <a:spLocks noGrp="1" noRot="1" noChangeAspect="1"/>
+          </p:cNvSpPr>
+          <p:nvPr>
+            <p:ph type="sldImg"/>
+          </p:nvPr>
+        </p:nvSpPr>
+        <p:spPr/>
+      </p:sp>
+      <p:sp>
+        <p:nvSpPr>
+          <p:cNvPr id="3" name="ノート プレースホルダー 2"/>
+          <p:cNvSpPr>
+            <a:spLocks noGrp="1"/>
+          </p:cNvSpPr>
+          <p:nvPr>
+            <p:ph type="body" idx="1"/>
+          </p:nvPr>
+        </p:nvSpPr>
+        <p:spPr/>
+        <p:txBody>
+          <a:bodyPr/>
+          <a:lstStyle/>
+          <a:p>
+            <a:r>
+              <a:rPr kumimoji="1" lang="ja-JP" altLang="en-US" smtClean="0"/>
+              <a:t>通常、</a:t>
+            </a:r>
+            <a:r>
+              <a:rPr kumimoji="1" lang="en-US" altLang="ja-JP" smtClean="0"/>
+              <a:t>POST</a:t>
+            </a:r>
+            <a:r>
+              <a:rPr kumimoji="1" lang="ja-JP" altLang="en-US" smtClean="0"/>
+              <a:t>メソッドのフィルタや、</a:t>
+            </a:r>
+            <a:r>
+              <a:rPr kumimoji="1" lang="en-US" altLang="ja-JP" smtClean="0"/>
+              <a:t>GET</a:t>
+            </a:r>
+            <a:r>
+              <a:rPr kumimoji="1" lang="ja-JP" altLang="en-US" smtClean="0"/>
+              <a:t>メソッドでもリクエストパラメタなどは</a:t>
+            </a:r>
+            <a:r>
+              <a:rPr kumimoji="1" lang="en-US" altLang="ja-JP" smtClean="0"/>
+              <a:t>Proxy</a:t>
+            </a:r>
+            <a:r>
+              <a:rPr kumimoji="1" lang="ja-JP" altLang="en-US" smtClean="0"/>
+              <a:t>でチェックしている企業も多いでしょう。</a:t>
+            </a:r>
+            <a:endParaRPr kumimoji="1" lang="en-US" altLang="ja-JP" smtClean="0"/>
+          </a:p>
+          <a:p>
+            <a:r>
+              <a:rPr kumimoji="1" lang="ja-JP" altLang="en-US" smtClean="0"/>
+              <a:t>でも、このようにリクエストヘッダに埋め込む形でデータを送信すれば。。。</a:t>
+            </a:r>
+            <a:r>
+              <a:rPr kumimoji="1" lang="en-US" altLang="ja-JP" smtClean="0"/>
+              <a:t>Proxy</a:t>
+            </a:r>
+            <a:r>
+              <a:rPr kumimoji="1" lang="ja-JP" altLang="en-US" smtClean="0"/>
+              <a:t>ごしの</a:t>
+            </a:r>
+            <a:r>
+              <a:rPr kumimoji="1" lang="en-US" altLang="ja-JP" smtClean="0"/>
+              <a:t>HTTP</a:t>
+            </a:r>
+            <a:r>
+              <a:rPr kumimoji="1" lang="ja-JP" altLang="en-US" smtClean="0"/>
+              <a:t>の通信しか許さず、</a:t>
+            </a:r>
+            <a:r>
+              <a:rPr kumimoji="1" lang="en-US" altLang="ja-JP" smtClean="0"/>
+              <a:t>POST</a:t>
+            </a:r>
+            <a:r>
+              <a:rPr kumimoji="1" lang="ja-JP" altLang="en-US" smtClean="0"/>
+              <a:t>禁止の環境でも、結構</a:t>
+            </a:r>
+            <a:endParaRPr kumimoji="1" lang="ja-JP" altLang="en-US"/>
+          </a:p>
+        </p:txBody>
+      </p:sp>
+      <p:sp>
+        <p:nvSpPr>
+          <p:cNvPr id="4" name="スライド番号プレースホルダー 3"/>
+          <p:cNvSpPr>
+            <a:spLocks noGrp="1"/>
+          </p:cNvSpPr>
+          <p:nvPr>
+            <p:ph type="sldNum" sz="quarter" idx="10"/>
+          </p:nvPr>
+        </p:nvSpPr>
+        <p:spPr/>
+        <p:txBody>
+          <a:bodyPr/>
+          <a:lstStyle/>
+          <a:p>
+            <a:fld id="{DB9CD991-4847-4EC6-8E3A-1C6DA9348A2B}" type="slidenum">
+              <a:rPr kumimoji="1" lang="ja-JP" altLang="en-US" smtClean="0"/>
+              <a:t>11</a:t>
+            </a:fld>
+            <a:endParaRPr kumimoji="1" lang="ja-JP" altLang="en-US"/>
+          </a:p>
+        </p:txBody>
+      </p:sp>
+    </p:spTree>
+    <p:extLst>
+      <p:ext uri="{BB962C8B-B14F-4D97-AF65-F5344CB8AC3E}">
+        <p14:creationId xmlns:p14="http://schemas.microsoft.com/office/powerpoint/2010/main" val="1322130280"/>
+      </p:ext>
+    </p:extLst>
+  </p:cSld>
+  <p:clrMapOvr>
+    <a:masterClrMapping/>
+  </p:clrMapOvr>
+</p:notes>
+</file>
+
+<file path=ppt/notesSlides/notesSlide6.xml><?xml version="1.0" encoding="utf-8"?>
+<p:notes xmlns:a="http://schemas.openxmlformats.org/drawingml/2006/main" xmlns:r="http://schemas.openxmlformats.org/officeDocument/2006/relationships" xmlns:p="http://schemas.openxmlformats.org/presentationml/2006/main">
+  <p:cSld>
+    <p:spTree>
+      <p:nvGrpSpPr>
+        <p:cNvPr id="1" name=""/>
+        <p:cNvGrpSpPr/>
+        <p:nvPr/>
+      </p:nvGrpSpPr>
+      <p:grpSpPr>
+        <a:xfrm>
+          <a:off x="0" y="0"/>
+          <a:ext cx="0" cy="0"/>
+          <a:chOff x="0" y="0"/>
+          <a:chExt cx="0" cy="0"/>
+        </a:xfrm>
+      </p:grpSpPr>
+      <p:sp>
+        <p:nvSpPr>
+          <p:cNvPr id="2" name="スライド イメージ プレースホルダー 1"/>
+          <p:cNvSpPr>
+            <a:spLocks noGrp="1" noRot="1" noChangeAspect="1"/>
+          </p:cNvSpPr>
+          <p:nvPr>
+            <p:ph type="sldImg"/>
+          </p:nvPr>
+        </p:nvSpPr>
+        <p:spPr/>
+      </p:sp>
+      <p:sp>
+        <p:nvSpPr>
+          <p:cNvPr id="3" name="ノート プレースホルダー 2"/>
+          <p:cNvSpPr>
+            <a:spLocks noGrp="1"/>
+          </p:cNvSpPr>
+          <p:nvPr>
+            <p:ph type="body" idx="1"/>
+          </p:nvPr>
+        </p:nvSpPr>
+        <p:spPr/>
+        <p:txBody>
+          <a:bodyPr/>
+          <a:lstStyle/>
+          <a:p>
+            <a:endParaRPr kumimoji="1" lang="ja-JP" altLang="en-US"/>
+          </a:p>
+        </p:txBody>
+      </p:sp>
+      <p:sp>
+        <p:nvSpPr>
+          <p:cNvPr id="4" name="スライド番号プレースホルダー 3"/>
+          <p:cNvSpPr>
+            <a:spLocks noGrp="1"/>
+          </p:cNvSpPr>
+          <p:nvPr>
+            <p:ph type="sldNum" sz="quarter" idx="10"/>
+          </p:nvPr>
+        </p:nvSpPr>
+        <p:spPr/>
+        <p:txBody>
+          <a:bodyPr/>
+          <a:lstStyle/>
+          <a:p>
+            <a:fld id="{DB9CD991-4847-4EC6-8E3A-1C6DA9348A2B}" type="slidenum">
+              <a:rPr kumimoji="1" lang="ja-JP" altLang="en-US" smtClean="0"/>
+              <a:t>12</a:t>
+            </a:fld>
+            <a:endParaRPr kumimoji="1" lang="ja-JP" altLang="en-US"/>
+          </a:p>
+        </p:txBody>
+      </p:sp>
+    </p:spTree>
+    <p:extLst>
+      <p:ext uri="{BB962C8B-B14F-4D97-AF65-F5344CB8AC3E}">
+        <p14:creationId xmlns:p14="http://schemas.microsoft.com/office/powerpoint/2010/main" val="2754438294"/>
+      </p:ext>
+    </p:extLst>
+  </p:cSld>
+  <p:clrMapOvr>
+    <a:masterClrMapping/>
+  </p:clrMapOvr>
+</p:notes>
+</file>
+
+<file path=ppt/notesSlides/notesSlide7.xml><?xml version="1.0" encoding="utf-8"?>
+<p:notes xmlns:a="http://schemas.openxmlformats.org/drawingml/2006/main" xmlns:r="http://schemas.openxmlformats.org/officeDocument/2006/relationships" xmlns:p="http://schemas.openxmlformats.org/presentationml/2006/main">
+  <p:cSld>
+    <p:spTree>
+      <p:nvGrpSpPr>
+        <p:cNvPr id="1" name=""/>
+        <p:cNvGrpSpPr/>
+        <p:nvPr/>
+      </p:nvGrpSpPr>
+      <p:grpSpPr>
+        <a:xfrm>
+          <a:off x="0" y="0"/>
+          <a:ext cx="0" cy="0"/>
+          <a:chOff x="0" y="0"/>
+          <a:chExt cx="0" cy="0"/>
+        </a:xfrm>
+      </p:grpSpPr>
+      <p:sp>
+        <p:nvSpPr>
+          <p:cNvPr id="2" name="スライド イメージ プレースホルダー 1"/>
+          <p:cNvSpPr>
+            <a:spLocks noGrp="1" noRot="1" noChangeAspect="1"/>
+          </p:cNvSpPr>
+          <p:nvPr>
+            <p:ph type="sldImg"/>
+          </p:nvPr>
+        </p:nvSpPr>
+        <p:spPr/>
+      </p:sp>
+      <p:sp>
+        <p:nvSpPr>
+          <p:cNvPr id="3" name="ノート プレースホルダー 2"/>
+          <p:cNvSpPr>
+            <a:spLocks noGrp="1"/>
+          </p:cNvSpPr>
+          <p:nvPr>
+            <p:ph type="body" idx="1"/>
+          </p:nvPr>
+        </p:nvSpPr>
+        <p:spPr/>
+        <p:txBody>
+          <a:bodyPr/>
+          <a:lstStyle/>
+          <a:p>
+            <a:r>
+              <a:rPr kumimoji="1" lang="ja-JP" altLang="en-US" smtClean="0"/>
               <a:t>これは、</a:t>
             </a:r>
             <a:r>
@@ -1061,7 +1393,7 @@
           <a:p>
             <a:fld id="{DB9CD991-4847-4EC6-8E3A-1C6DA9348A2B}" type="slidenum">
               <a:rPr kumimoji="1" lang="ja-JP" altLang="en-US" smtClean="0"/>
-              <a:t>9</a:t>
+              <a:t>17</a:t>
             </a:fld>
             <a:endParaRPr kumimoji="1" lang="ja-JP" altLang="en-US"/>
           </a:p>
@@ -1211,7 +1543,7 @@
           <a:p>
             <a:fld id="{018867A7-436E-4462-89C8-DCFE313C3DBA}" type="datetimeFigureOut">
               <a:rPr kumimoji="1" lang="ja-JP" altLang="en-US" smtClean="0"/>
-              <a:t>2015/8/16</a:t>
+              <a:t>2015/8/19</a:t>
             </a:fld>
             <a:endParaRPr kumimoji="1" lang="ja-JP" altLang="en-US"/>
           </a:p>
@@ -1413,7 +1745,7 @@
           <a:p>
             <a:fld id="{018867A7-436E-4462-89C8-DCFE313C3DBA}" type="datetimeFigureOut">
               <a:rPr kumimoji="1" lang="ja-JP" altLang="en-US" smtClean="0"/>
-              <a:t>2015/8/16</a:t>
+              <a:t>2015/8/19</a:t>
             </a:fld>
             <a:endParaRPr kumimoji="1" lang="ja-JP" altLang="en-US"/>
           </a:p>
@@ -1625,7 +1957,7 @@
           <a:p>
             <a:fld id="{018867A7-436E-4462-89C8-DCFE313C3DBA}" type="datetimeFigureOut">
               <a:rPr kumimoji="1" lang="ja-JP" altLang="en-US" smtClean="0"/>
-              <a:t>2015/8/16</a:t>
+              <a:t>2015/8/19</a:t>
             </a:fld>
             <a:endParaRPr kumimoji="1" lang="ja-JP" altLang="en-US"/>
           </a:p>
@@ -1827,7 +2159,7 @@
           <a:p>
             <a:fld id="{018867A7-436E-4462-89C8-DCFE313C3DBA}" type="datetimeFigureOut">
               <a:rPr kumimoji="1" lang="ja-JP" altLang="en-US" smtClean="0"/>
-              <a:t>2015/8/16</a:t>
+              <a:t>2015/8/19</a:t>
             </a:fld>
             <a:endParaRPr kumimoji="1" lang="ja-JP" altLang="en-US"/>
           </a:p>
@@ -2071,7 +2403,7 @@
           <a:p>
             <a:fld id="{018867A7-436E-4462-89C8-DCFE313C3DBA}" type="datetimeFigureOut">
               <a:rPr kumimoji="1" lang="ja-JP" altLang="en-US" smtClean="0"/>
-              <a:t>2015/8/16</a:t>
+              <a:t>2015/8/19</a:t>
             </a:fld>
             <a:endParaRPr kumimoji="1" lang="ja-JP" altLang="en-US"/>
           </a:p>
@@ -2367,7 +2699,7 @@
           <a:p>
             <a:fld id="{018867A7-436E-4462-89C8-DCFE313C3DBA}" type="datetimeFigureOut">
               <a:rPr kumimoji="1" lang="ja-JP" altLang="en-US" smtClean="0"/>
-              <a:t>2015/8/16</a:t>
+              <a:t>2015/8/19</a:t>
             </a:fld>
             <a:endParaRPr kumimoji="1" lang="ja-JP" altLang="en-US"/>
           </a:p>
@@ -2798,7 +3130,7 @@
           <a:p>
             <a:fld id="{018867A7-436E-4462-89C8-DCFE313C3DBA}" type="datetimeFigureOut">
               <a:rPr kumimoji="1" lang="ja-JP" altLang="en-US" smtClean="0"/>
-              <a:t>2015/8/16</a:t>
+              <a:t>2015/8/19</a:t>
             </a:fld>
             <a:endParaRPr kumimoji="1" lang="ja-JP" altLang="en-US"/>
           </a:p>
@@ -2916,7 +3248,7 @@
           <a:p>
             <a:fld id="{018867A7-436E-4462-89C8-DCFE313C3DBA}" type="datetimeFigureOut">
               <a:rPr kumimoji="1" lang="ja-JP" altLang="en-US" smtClean="0"/>
-              <a:t>2015/8/16</a:t>
+              <a:t>2015/8/19</a:t>
             </a:fld>
             <a:endParaRPr kumimoji="1" lang="ja-JP" altLang="en-US"/>
           </a:p>
@@ -3011,7 +3343,7 @@
           <a:p>
             <a:fld id="{018867A7-436E-4462-89C8-DCFE313C3DBA}" type="datetimeFigureOut">
               <a:rPr kumimoji="1" lang="ja-JP" altLang="en-US" smtClean="0"/>
-              <a:t>2015/8/16</a:t>
+              <a:t>2015/8/19</a:t>
             </a:fld>
             <a:endParaRPr kumimoji="1" lang="ja-JP" altLang="en-US"/>
           </a:p>
@@ -3320,7 +3652,7 @@
           <a:p>
             <a:fld id="{018867A7-436E-4462-89C8-DCFE313C3DBA}" type="datetimeFigureOut">
               <a:rPr kumimoji="1" lang="ja-JP" altLang="en-US" smtClean="0"/>
-              <a:t>2015/8/16</a:t>
+              <a:t>2015/8/19</a:t>
             </a:fld>
             <a:endParaRPr kumimoji="1" lang="ja-JP" altLang="en-US"/>
           </a:p>
@@ -3577,7 +3909,7 @@
           <a:p>
             <a:fld id="{018867A7-436E-4462-89C8-DCFE313C3DBA}" type="datetimeFigureOut">
               <a:rPr kumimoji="1" lang="ja-JP" altLang="en-US" smtClean="0"/>
-              <a:t>2015/8/16</a:t>
+              <a:t>2015/8/19</a:t>
             </a:fld>
             <a:endParaRPr kumimoji="1" lang="ja-JP" altLang="en-US"/>
           </a:p>
@@ -3822,7 +4154,7 @@
           <a:p>
             <a:fld id="{018867A7-436E-4462-89C8-DCFE313C3DBA}" type="datetimeFigureOut">
               <a:rPr kumimoji="1" lang="ja-JP" altLang="en-US" smtClean="0"/>
-              <a:t>2015/8/16</a:t>
+              <a:t>2015/8/19</a:t>
             </a:fld>
             <a:endParaRPr kumimoji="1" lang="ja-JP" altLang="en-US"/>
           </a:p>
@@ -4399,6 +4731,14 @@
           <a:bodyPr/>
           <a:lstStyle/>
           <a:p>
+            <a:r>
+              <a:rPr kumimoji="1" lang="en-US" altLang="ja-JP" smtClean="0"/>
+              <a:t>TCP</a:t>
+            </a:r>
+            <a:r>
+              <a:rPr kumimoji="1" lang="ja-JP" altLang="en-US" smtClean="0"/>
+              <a:t>パケットの例</a:t>
+            </a:r>
             <a:endParaRPr kumimoji="1" lang="ja-JP" altLang="en-US"/>
           </a:p>
         </p:txBody>
@@ -4419,16 +4759,12 @@
           <a:lstStyle/>
           <a:p>
             <a:r>
-              <a:rPr lang="ja-JP" altLang="en-US" smtClean="0"/>
-              <a:t>スキャンなどの探査行為は、ゆっくり行えば行うほど相手に気づかれにくい</a:t>
-            </a:r>
-            <a:endParaRPr lang="en-US" altLang="ja-JP" smtClean="0"/>
-          </a:p>
-          <a:p>
-            <a:pPr lvl="1"/>
-            <a:r>
-              <a:rPr kumimoji="1" lang="ja-JP" altLang="en-US" smtClean="0"/>
-              <a:t>ゆっくりしていってね！！！！！！</a:t>
+              <a:rPr kumimoji="1" lang="en-US" altLang="ja-JP" smtClean="0"/>
+              <a:t>OPTIONS</a:t>
+            </a:r>
+            <a:r>
+              <a:rPr kumimoji="1" lang="ja-JP" altLang="en-US" smtClean="0"/>
+              <a:t>があるけど誰も使っていないところに隠せる</a:t>
             </a:r>
             <a:endParaRPr kumimoji="1" lang="ja-JP" altLang="en-US"/>
           </a:p>
@@ -4437,7 +4773,7 @@
     </p:spTree>
     <p:extLst>
       <p:ext uri="{BB962C8B-B14F-4D97-AF65-F5344CB8AC3E}">
-        <p14:creationId xmlns:p14="http://schemas.microsoft.com/office/powerpoint/2010/main" val="3118375049"/>
+        <p14:creationId xmlns:p14="http://schemas.microsoft.com/office/powerpoint/2010/main" val="2898318254"/>
       </p:ext>
     </p:extLst>
   </p:cSld>
@@ -4454,381 +4790,7 @@
 </p:sld>
 </file>
 
-<file path=ppt/slides/slide2.xml><?xml version="1.0" encoding="utf-8"?>
-<p:sld xmlns:a="http://schemas.openxmlformats.org/drawingml/2006/main" xmlns:r="http://schemas.openxmlformats.org/officeDocument/2006/relationships" xmlns:p="http://schemas.openxmlformats.org/presentationml/2006/main">
-  <p:cSld>
-    <p:bg>
-      <p:bgPr>
-        <a:solidFill>
-          <a:schemeClr val="tx1"/>
-        </a:solidFill>
-        <a:effectLst/>
-      </p:bgPr>
-    </p:bg>
-    <p:spTree>
-      <p:nvGrpSpPr>
-        <p:cNvPr id="1" name=""/>
-        <p:cNvGrpSpPr/>
-        <p:nvPr/>
-      </p:nvGrpSpPr>
-      <p:grpSpPr>
-        <a:xfrm>
-          <a:off x="0" y="0"/>
-          <a:ext cx="0" cy="0"/>
-          <a:chOff x="0" y="0"/>
-          <a:chExt cx="0" cy="0"/>
-        </a:xfrm>
-      </p:grpSpPr>
-      <p:pic>
-        <p:nvPicPr>
-          <p:cNvPr id="9" name="図 8" descr="7556111472_b933b2ec64_h.jpg"/>
-          <p:cNvPicPr>
-            <a:picLocks noChangeAspect="1"/>
-          </p:cNvPicPr>
-          <p:nvPr/>
-        </p:nvPicPr>
-        <p:blipFill>
-          <a:blip r:embed="rId3" cstate="print">
-            <a:extLst>
-              <a:ext uri="{28A0092B-C50C-407E-A947-70E740481C1C}">
-                <a14:useLocalDpi xmlns:a14="http://schemas.microsoft.com/office/drawing/2010/main" val="0"/>
-              </a:ext>
-            </a:extLst>
-          </a:blip>
-          <a:stretch>
-            <a:fillRect/>
-          </a:stretch>
-        </p:blipFill>
-        <p:spPr>
-          <a:xfrm>
-            <a:off x="728113" y="1492427"/>
-            <a:ext cx="8686799" cy="6104335"/>
-          </a:xfrm>
-          <a:prstGeom prst="rect">
-            <a:avLst/>
-          </a:prstGeom>
-        </p:spPr>
-      </p:pic>
-      <p:sp>
-        <p:nvSpPr>
-          <p:cNvPr id="5" name="スライド番号プレースホルダー 4"/>
-          <p:cNvSpPr>
-            <a:spLocks noGrp="1"/>
-          </p:cNvSpPr>
-          <p:nvPr>
-            <p:ph type="sldNum" sz="quarter" idx="12"/>
-          </p:nvPr>
-        </p:nvSpPr>
-        <p:spPr/>
-        <p:txBody>
-          <a:bodyPr/>
-          <a:lstStyle/>
-          <a:p>
-            <a:fld id="{DF28FB93-0A08-4E7D-8E63-9EFA29F1E093}" type="slidenum">
-              <a:rPr lang="en-US" smtClean="0"/>
-              <a:pPr/>
-              <a:t>2</a:t>
-            </a:fld>
-            <a:endParaRPr lang="en-US"/>
-          </a:p>
-        </p:txBody>
-      </p:sp>
-      <p:sp>
-        <p:nvSpPr>
-          <p:cNvPr id="7" name="コンテンツ プレースホルダー 2"/>
-          <p:cNvSpPr>
-            <a:spLocks noGrp="1"/>
-          </p:cNvSpPr>
-          <p:nvPr>
-            <p:ph idx="1"/>
-          </p:nvPr>
-        </p:nvSpPr>
-        <p:spPr>
-          <a:xfrm>
-            <a:off x="304800" y="1181102"/>
-            <a:ext cx="8559800" cy="2832100"/>
-          </a:xfrm>
-        </p:spPr>
-        <p:txBody>
-          <a:bodyPr>
-            <a:normAutofit/>
-          </a:bodyPr>
-          <a:lstStyle/>
-          <a:p>
-            <a:pPr>
-              <a:lnSpc>
-                <a:spcPct val="120000"/>
-              </a:lnSpc>
-            </a:pPr>
-            <a:r>
-              <a:rPr kumimoji="1" lang="ja-JP" altLang="en-US" dirty="0" smtClean="0">
-                <a:solidFill>
-                  <a:srgbClr val="FFFFFF"/>
-                </a:solidFill>
-              </a:rPr>
-              <a:t>セキュリティっぽい</a:t>
-            </a:r>
-            <a:r>
-              <a:rPr kumimoji="1" lang="en-US" altLang="ja-JP" dirty="0" smtClean="0">
-                <a:solidFill>
-                  <a:srgbClr val="FFFFFF"/>
-                </a:solidFill>
-                <a:latin typeface="Tahoma"/>
-                <a:cs typeface="Tahoma"/>
-              </a:rPr>
-              <a:t>IT</a:t>
-            </a:r>
-            <a:r>
-              <a:rPr kumimoji="1" lang="ja-JP" altLang="en-US" dirty="0" smtClean="0">
-                <a:solidFill>
-                  <a:srgbClr val="FFFFFF"/>
-                </a:solidFill>
-              </a:rPr>
-              <a:t>エンジニア</a:t>
-            </a:r>
-            <a:r>
-              <a:rPr kumimoji="1" lang="en-US" altLang="ja-JP" dirty="0" smtClean="0">
-                <a:solidFill>
-                  <a:srgbClr val="FFFFFF"/>
-                </a:solidFill>
-                <a:latin typeface="Tahoma"/>
-                <a:cs typeface="Tahoma"/>
-              </a:rPr>
-              <a:t>(pentester)</a:t>
-            </a:r>
-            <a:endParaRPr kumimoji="1" lang="en-US" altLang="ja-JP" dirty="0">
-              <a:solidFill>
-                <a:srgbClr val="FFFFFF"/>
-              </a:solidFill>
-              <a:latin typeface="Tahoma"/>
-              <a:cs typeface="Tahoma"/>
-            </a:endParaRPr>
-          </a:p>
-          <a:p>
-            <a:pPr>
-              <a:lnSpc>
-                <a:spcPct val="120000"/>
-              </a:lnSpc>
-            </a:pPr>
-            <a:r>
-              <a:rPr lang="en-US" altLang="ja-JP" dirty="0" smtClean="0">
-                <a:solidFill>
-                  <a:srgbClr val="FFFFFF"/>
-                </a:solidFill>
-                <a:latin typeface="Tahoma"/>
-                <a:cs typeface="Tahoma"/>
-              </a:rPr>
-              <a:t>Blog </a:t>
-            </a:r>
-            <a:r>
-              <a:rPr lang="en-US" altLang="ja-JP" dirty="0" smtClean="0">
-                <a:solidFill>
-                  <a:srgbClr val="FFFFFF"/>
-                </a:solidFill>
-              </a:rPr>
-              <a:t>: </a:t>
-            </a:r>
-            <a:r>
-              <a:rPr lang="ja-JP" altLang="en-US" dirty="0" smtClean="0">
-                <a:solidFill>
-                  <a:srgbClr val="FFFFFF"/>
-                </a:solidFill>
-              </a:rPr>
-              <a:t>ろば電子が詰まっている</a:t>
-            </a:r>
-            <a:endParaRPr lang="en-US" altLang="ja-JP" dirty="0" smtClean="0">
-              <a:solidFill>
-                <a:srgbClr val="FFFFFF"/>
-              </a:solidFill>
-            </a:endParaRPr>
-          </a:p>
-          <a:p>
-            <a:pPr lvl="1">
-              <a:lnSpc>
-                <a:spcPct val="120000"/>
-              </a:lnSpc>
-            </a:pPr>
-            <a:r>
-              <a:rPr lang="en-US" altLang="ja-JP" dirty="0" smtClean="0">
-                <a:solidFill>
-                  <a:srgbClr val="FFFFFF"/>
-                </a:solidFill>
-                <a:latin typeface="Tahoma"/>
-                <a:cs typeface="Tahoma"/>
-              </a:rPr>
-              <a:t>http</a:t>
-            </a:r>
-            <a:r>
-              <a:rPr lang="en-US" altLang="ja-JP" dirty="0">
-                <a:solidFill>
-                  <a:srgbClr val="FFFFFF"/>
-                </a:solidFill>
-                <a:latin typeface="Tahoma"/>
-                <a:cs typeface="Tahoma"/>
-              </a:rPr>
-              <a:t>://</a:t>
-            </a:r>
-            <a:r>
-              <a:rPr lang="en-US" altLang="ja-JP" dirty="0" err="1">
-                <a:solidFill>
-                  <a:srgbClr val="FFFFFF"/>
-                </a:solidFill>
-                <a:latin typeface="Tahoma"/>
-                <a:cs typeface="Tahoma"/>
-              </a:rPr>
-              <a:t>d.hatena.ne.jp</a:t>
-            </a:r>
-            <a:r>
-              <a:rPr lang="en-US" altLang="ja-JP" dirty="0">
-                <a:solidFill>
-                  <a:srgbClr val="FFFFFF"/>
-                </a:solidFill>
-                <a:latin typeface="Tahoma"/>
-                <a:cs typeface="Tahoma"/>
-              </a:rPr>
-              <a:t>/ozuma/</a:t>
-            </a:r>
-          </a:p>
-          <a:p>
-            <a:pPr>
-              <a:lnSpc>
-                <a:spcPct val="120000"/>
-              </a:lnSpc>
-            </a:pPr>
-            <a:r>
-              <a:rPr kumimoji="1" lang="ja-JP" altLang="en-US" dirty="0">
-                <a:solidFill>
-                  <a:srgbClr val="FFFFFF"/>
-                </a:solidFill>
-              </a:rPr>
-              <a:t>科学写真家</a:t>
-            </a:r>
-            <a:r>
-              <a:rPr kumimoji="1" lang="en-US" altLang="ja-JP" dirty="0">
-                <a:solidFill>
-                  <a:srgbClr val="FFFFFF"/>
-                </a:solidFill>
-              </a:rPr>
-              <a:t>(</a:t>
-            </a:r>
-            <a:r>
-              <a:rPr kumimoji="1" lang="ja-JP" altLang="en-US" dirty="0">
-                <a:solidFill>
-                  <a:srgbClr val="FFFFFF"/>
-                </a:solidFill>
-              </a:rPr>
-              <a:t>と名乗っている</a:t>
-            </a:r>
-            <a:r>
-              <a:rPr kumimoji="1" lang="en-US" altLang="ja-JP" dirty="0">
-                <a:solidFill>
-                  <a:srgbClr val="FFFFFF"/>
-                </a:solidFill>
-              </a:rPr>
-              <a:t>)</a:t>
-            </a:r>
-            <a:endParaRPr kumimoji="1" lang="ja-JP" altLang="en-US" dirty="0">
-              <a:solidFill>
-                <a:srgbClr val="FFFFFF"/>
-              </a:solidFill>
-            </a:endParaRPr>
-          </a:p>
-        </p:txBody>
-      </p:sp>
-      <p:sp>
-        <p:nvSpPr>
-          <p:cNvPr id="3" name="テキスト ボックス 2"/>
-          <p:cNvSpPr txBox="1"/>
-          <p:nvPr/>
-        </p:nvSpPr>
-        <p:spPr>
-          <a:xfrm>
-            <a:off x="304800" y="38102"/>
-            <a:ext cx="3898900" cy="646331"/>
-          </a:xfrm>
-          <a:prstGeom prst="rect">
-            <a:avLst/>
-          </a:prstGeom>
-          <a:noFill/>
-        </p:spPr>
-        <p:txBody>
-          <a:bodyPr wrap="square" rtlCol="0">
-            <a:spAutoFit/>
-          </a:bodyPr>
-          <a:lstStyle/>
-          <a:p>
-            <a:r>
-              <a:rPr kumimoji="1" lang="en-US" altLang="ja-JP" sz="3600" dirty="0" smtClean="0">
-                <a:solidFill>
-                  <a:schemeClr val="bg1"/>
-                </a:solidFill>
-              </a:rPr>
-              <a:t>@ozuma5119</a:t>
-            </a:r>
-            <a:endParaRPr kumimoji="1" lang="ja-JP" altLang="en-US" sz="3600" dirty="0">
-              <a:solidFill>
-                <a:schemeClr val="bg1"/>
-              </a:solidFill>
-            </a:endParaRPr>
-          </a:p>
-        </p:txBody>
-      </p:sp>
-      <p:cxnSp>
-        <p:nvCxnSpPr>
-          <p:cNvPr id="10" name="直線コネクタ 9"/>
-          <p:cNvCxnSpPr/>
-          <p:nvPr/>
-        </p:nvCxnSpPr>
-        <p:spPr>
-          <a:xfrm>
-            <a:off x="419100" y="787400"/>
-            <a:ext cx="8267700" cy="0"/>
-          </a:xfrm>
-          <a:prstGeom prst="line">
-            <a:avLst/>
-          </a:prstGeom>
-          <a:ln w="57150" cmpd="sng">
-            <a:solidFill>
-              <a:srgbClr val="FFF2CC"/>
-            </a:solidFill>
-          </a:ln>
-        </p:spPr>
-        <p:style>
-          <a:lnRef idx="2">
-            <a:schemeClr val="accent1"/>
-          </a:lnRef>
-          <a:fillRef idx="0">
-            <a:schemeClr val="accent1"/>
-          </a:fillRef>
-          <a:effectRef idx="1">
-            <a:schemeClr val="accent1"/>
-          </a:effectRef>
-          <a:fontRef idx="minor">
-            <a:schemeClr val="tx1"/>
-          </a:fontRef>
-        </p:style>
-      </p:cxnSp>
-    </p:spTree>
-    <p:extLst>
-      <p:ext uri="{BB962C8B-B14F-4D97-AF65-F5344CB8AC3E}">
-        <p14:creationId xmlns:p14="http://schemas.microsoft.com/office/powerpoint/2010/main" val="4038990212"/>
-      </p:ext>
-    </p:extLst>
-  </p:cSld>
-  <p:clrMapOvr>
-    <a:masterClrMapping/>
-  </p:clrMapOvr>
-  <p:timing>
-    <p:tnLst>
-      <p:par>
-        <p:cTn id="1" dur="indefinite" restart="never" nodeType="tmRoot"/>
-      </p:par>
-    </p:tnLst>
-  </p:timing>
-</p:sld>
-</file>
-
-<file path=ppt/slides/slide3.xml><?xml version="1.0" encoding="utf-8"?>
+<file path=ppt/slides/slide11.xml><?xml version="1.0" encoding="utf-8"?>
 <p:sld xmlns:a="http://schemas.openxmlformats.org/drawingml/2006/main" xmlns:r="http://schemas.openxmlformats.org/officeDocument/2006/relationships" xmlns:p="http://schemas.openxmlformats.org/presentationml/2006/main">
   <p:cSld>
     <p:spTree>
@@ -4855,638 +4817,34 @@
             <p:ph type="title"/>
           </p:nvPr>
         </p:nvSpPr>
-        <p:spPr/>
-        <p:txBody>
-          <a:bodyPr/>
-          <a:lstStyle/>
-          <a:p>
-            <a:r>
-              <a:rPr kumimoji="1" lang="en-US" altLang="ja-JP" smtClean="0"/>
-              <a:t>Agenda.</a:t>
-            </a:r>
-            <a:endParaRPr kumimoji="1" lang="ja-JP" altLang="en-US"/>
-          </a:p>
-        </p:txBody>
-      </p:sp>
-      <p:sp>
-        <p:nvSpPr>
-          <p:cNvPr id="3" name="コンテンツ プレースホルダー 2"/>
-          <p:cNvSpPr>
-            <a:spLocks noGrp="1"/>
-          </p:cNvSpPr>
-          <p:nvPr>
-            <p:ph idx="1"/>
-          </p:nvPr>
-        </p:nvSpPr>
-        <p:spPr/>
-        <p:txBody>
-          <a:bodyPr/>
-          <a:lstStyle/>
-          <a:p>
-            <a:r>
-              <a:rPr kumimoji="1" lang="ja-JP" altLang="en-US" smtClean="0"/>
-              <a:t>攻撃を「隠す」</a:t>
-            </a:r>
-            <a:endParaRPr kumimoji="1" lang="en-US" altLang="ja-JP" smtClean="0"/>
-          </a:p>
-          <a:p>
-            <a:pPr lvl="1"/>
-            <a:r>
-              <a:rPr kumimoji="1" lang="ja-JP" altLang="en-US" smtClean="0"/>
-              <a:t>セキュリティルールをかいくぐって通信する</a:t>
-            </a:r>
-            <a:endParaRPr kumimoji="1" lang="en-US" altLang="ja-JP" smtClean="0"/>
-          </a:p>
-          <a:p>
-            <a:pPr lvl="1"/>
-            <a:r>
-              <a:rPr lang="ja-JP" altLang="en-US" smtClean="0"/>
-              <a:t>ポート</a:t>
-            </a:r>
-            <a:r>
-              <a:rPr lang="ja-JP" altLang="en-US"/>
-              <a:t>スキャン</a:t>
-            </a:r>
-            <a:r>
-              <a:rPr lang="ja-JP" altLang="en-US" smtClean="0"/>
-              <a:t>を</a:t>
-            </a:r>
-            <a:r>
-              <a:rPr lang="ja-JP" altLang="en-US"/>
-              <a:t>気</a:t>
-            </a:r>
-            <a:r>
-              <a:rPr lang="ja-JP" altLang="en-US" smtClean="0"/>
-              <a:t>づかれないように実行する</a:t>
-            </a:r>
-            <a:endParaRPr lang="en-US" altLang="ja-JP" smtClean="0"/>
-          </a:p>
-          <a:p>
-            <a:r>
-              <a:rPr kumimoji="1" lang="ja-JP" altLang="en-US" smtClean="0"/>
-              <a:t>攻撃から「隠れる」</a:t>
-            </a:r>
-            <a:endParaRPr kumimoji="1" lang="en-US" altLang="ja-JP" smtClean="0"/>
-          </a:p>
-          <a:p>
-            <a:pPr lvl="1"/>
-            <a:r>
-              <a:rPr lang="ja-JP" altLang="en-US" smtClean="0"/>
-              <a:t>開放</a:t>
-            </a:r>
-            <a:r>
-              <a:rPr lang="ja-JP" altLang="en-US"/>
-              <a:t>ポート</a:t>
-            </a:r>
-            <a:r>
-              <a:rPr lang="ja-JP" altLang="en-US" smtClean="0"/>
-              <a:t>の</a:t>
-            </a:r>
-            <a:r>
-              <a:rPr lang="ja-JP" altLang="en-US"/>
-              <a:t>存在</a:t>
-            </a:r>
-            <a:r>
-              <a:rPr lang="ja-JP" altLang="en-US" smtClean="0"/>
-              <a:t>を隠す</a:t>
-            </a:r>
-            <a:endParaRPr lang="en-US" altLang="ja-JP" smtClean="0"/>
-          </a:p>
-          <a:p>
-            <a:pPr lvl="1"/>
-            <a:r>
-              <a:rPr lang="ja-JP" altLang="en-US" smtClean="0"/>
-              <a:t>ホンモノの開放</a:t>
-            </a:r>
-            <a:r>
-              <a:rPr lang="ja-JP" altLang="en-US"/>
-              <a:t>ポート</a:t>
-            </a:r>
-            <a:r>
-              <a:rPr lang="ja-JP" altLang="en-US" smtClean="0"/>
-              <a:t>の存在を、大量のデコイを利用して隠す</a:t>
-            </a:r>
-            <a:endParaRPr lang="en-US" altLang="ja-JP" smtClean="0"/>
-          </a:p>
-          <a:p>
-            <a:pPr lvl="1"/>
-            <a:r>
-              <a:rPr lang="ja-JP" altLang="en-US" sz="2800" b="1" smtClean="0">
-                <a:solidFill>
-                  <a:srgbClr val="FF0000"/>
-                </a:solidFill>
-              </a:rPr>
-              <a:t>科学忍法・</a:t>
-            </a:r>
-            <a:r>
-              <a:rPr lang="en-US" altLang="ja-JP" sz="2800" b="1" smtClean="0">
-                <a:solidFill>
-                  <a:srgbClr val="FF0000"/>
-                </a:solidFill>
-              </a:rPr>
-              <a:t>ssh</a:t>
-            </a:r>
-            <a:r>
-              <a:rPr lang="ja-JP" altLang="en-US" sz="2800" b="1" smtClean="0">
-                <a:solidFill>
-                  <a:srgbClr val="FF0000"/>
-                </a:solidFill>
-              </a:rPr>
-              <a:t>分身の術</a:t>
-            </a:r>
-            <a:endParaRPr lang="en-US" altLang="ja-JP" sz="2800" b="1" smtClean="0">
-              <a:solidFill>
-                <a:srgbClr val="FF0000"/>
-              </a:solidFill>
-            </a:endParaRPr>
-          </a:p>
-        </p:txBody>
-      </p:sp>
-    </p:spTree>
-    <p:extLst>
-      <p:ext uri="{BB962C8B-B14F-4D97-AF65-F5344CB8AC3E}">
-        <p14:creationId xmlns:p14="http://schemas.microsoft.com/office/powerpoint/2010/main" val="2790500367"/>
-      </p:ext>
-    </p:extLst>
-  </p:cSld>
-  <p:clrMapOvr>
-    <a:masterClrMapping/>
-  </p:clrMapOvr>
-  <p:timing>
-    <p:tnLst>
-      <p:par>
-        <p:cTn id="1" dur="indefinite" restart="never" nodeType="tmRoot"/>
-      </p:par>
-    </p:tnLst>
-  </p:timing>
-</p:sld>
-</file>
-
-<file path=ppt/slides/slide4.xml><?xml version="1.0" encoding="utf-8"?>
-<p:sld xmlns:a="http://schemas.openxmlformats.org/drawingml/2006/main" xmlns:r="http://schemas.openxmlformats.org/officeDocument/2006/relationships" xmlns:p="http://schemas.openxmlformats.org/presentationml/2006/main">
-  <p:cSld>
-    <p:spTree>
-      <p:nvGrpSpPr>
-        <p:cNvPr id="1" name=""/>
-        <p:cNvGrpSpPr/>
-        <p:nvPr/>
-      </p:nvGrpSpPr>
-      <p:grpSpPr>
-        <a:xfrm>
-          <a:off x="0" y="0"/>
-          <a:ext cx="0" cy="0"/>
-          <a:chOff x="0" y="0"/>
-          <a:chExt cx="0" cy="0"/>
-        </a:xfrm>
-      </p:grpSpPr>
-      <p:sp>
-        <p:nvSpPr>
-          <p:cNvPr id="2" name="タイトル 1"/>
-          <p:cNvSpPr>
-            <a:spLocks noGrp="1"/>
-          </p:cNvSpPr>
-          <p:nvPr>
-            <p:ph type="title"/>
-          </p:nvPr>
-        </p:nvSpPr>
-        <p:spPr/>
-        <p:txBody>
-          <a:bodyPr/>
-          <a:lstStyle/>
-          <a:p>
-            <a:r>
-              <a:rPr kumimoji="1" lang="en-US" altLang="ja-JP" smtClean="0"/>
-              <a:t>Situation.</a:t>
-            </a:r>
-            <a:endParaRPr kumimoji="1" lang="ja-JP" altLang="en-US"/>
-          </a:p>
-        </p:txBody>
-      </p:sp>
-      <p:sp>
-        <p:nvSpPr>
-          <p:cNvPr id="3" name="コンテンツ プレースホルダー 2"/>
-          <p:cNvSpPr>
-            <a:spLocks noGrp="1"/>
-          </p:cNvSpPr>
-          <p:nvPr>
-            <p:ph idx="1"/>
-          </p:nvPr>
-        </p:nvSpPr>
-        <p:spPr/>
-        <p:txBody>
-          <a:bodyPr/>
-          <a:lstStyle/>
-          <a:p>
-            <a:r>
-              <a:rPr lang="en-US" altLang="en-US"/>
-              <a:t>犯人(YASU)</a:t>
-            </a:r>
-            <a:r>
-              <a:rPr kumimoji="1" lang="ja-JP" altLang="en-US" smtClean="0"/>
-              <a:t>により閉じ込められた密室</a:t>
-            </a:r>
-            <a:endParaRPr kumimoji="1" lang="en-US" altLang="ja-JP" smtClean="0"/>
-          </a:p>
-          <a:p>
-            <a:r>
-              <a:rPr lang="ja-JP" altLang="en-US" smtClean="0"/>
-              <a:t>なぜ</a:t>
-            </a:r>
-            <a:r>
-              <a:rPr lang="ja-JP" altLang="en-US" smtClean="0"/>
-              <a:t>か</a:t>
-            </a:r>
-            <a:r>
-              <a:rPr lang="en-US" altLang="ja-JP" smtClean="0"/>
-              <a:t>ICMP</a:t>
-            </a:r>
-            <a:r>
-              <a:rPr lang="ja-JP" altLang="en-US" smtClean="0"/>
-              <a:t>だけインターネットに到達</a:t>
-            </a:r>
-            <a:r>
-              <a:rPr lang="ja-JP" altLang="en-US" smtClean="0"/>
-              <a:t>する</a:t>
-            </a:r>
-            <a:r>
-              <a:rPr lang="en-US" altLang="ja-JP" smtClean="0"/>
-              <a:t>PC</a:t>
-            </a:r>
-            <a:r>
-              <a:rPr lang="ja-JP" altLang="en-US" smtClean="0"/>
-              <a:t>が置いてある（</a:t>
-            </a:r>
-            <a:r>
-              <a:rPr lang="ja-JP" altLang="en-US"/>
-              <a:t>なんだそれ）</a:t>
-            </a:r>
-            <a:endParaRPr lang="en-US" altLang="ja-JP" smtClean="0"/>
-          </a:p>
-          <a:p>
-            <a:r>
-              <a:rPr kumimoji="1" lang="ja-JP" altLang="en-US" smtClean="0"/>
-              <a:t>この状況で、犯人を外部になんとしてでも伝えたい</a:t>
-            </a:r>
-            <a:endParaRPr kumimoji="1" lang="en-US" altLang="ja-JP" smtClean="0"/>
-          </a:p>
-          <a:p>
-            <a:r>
-              <a:rPr kumimoji="1" lang="ja-JP" altLang="en-US" smtClean="0"/>
-              <a:t>外部の協力者の</a:t>
-            </a:r>
-            <a:r>
-              <a:rPr kumimoji="1" lang="en-US" altLang="ja-JP" smtClean="0"/>
-              <a:t>IP</a:t>
-            </a:r>
-            <a:r>
-              <a:rPr kumimoji="1" lang="ja-JP" altLang="en-US" smtClean="0"/>
-              <a:t>アドレスは分かっている（なんだそれ）</a:t>
-            </a:r>
-            <a:endParaRPr kumimoji="1" lang="ja-JP" altLang="en-US"/>
-          </a:p>
-        </p:txBody>
-      </p:sp>
-    </p:spTree>
-    <p:extLst>
-      <p:ext uri="{BB962C8B-B14F-4D97-AF65-F5344CB8AC3E}">
-        <p14:creationId xmlns:p14="http://schemas.microsoft.com/office/powerpoint/2010/main" val="1708929833"/>
-      </p:ext>
-    </p:extLst>
-  </p:cSld>
-  <p:clrMapOvr>
-    <a:masterClrMapping/>
-  </p:clrMapOvr>
-  <p:timing>
-    <p:tnLst>
-      <p:par>
-        <p:cTn id="1" dur="indefinite" restart="never" nodeType="tmRoot"/>
-      </p:par>
-    </p:tnLst>
-  </p:timing>
-</p:sld>
-</file>
-
-<file path=ppt/slides/slide5.xml><?xml version="1.0" encoding="utf-8"?>
-<p:sld xmlns:a="http://schemas.openxmlformats.org/drawingml/2006/main" xmlns:r="http://schemas.openxmlformats.org/officeDocument/2006/relationships" xmlns:p="http://schemas.openxmlformats.org/presentationml/2006/main">
-  <p:cSld>
-    <p:spTree>
-      <p:nvGrpSpPr>
-        <p:cNvPr id="1" name=""/>
-        <p:cNvGrpSpPr/>
-        <p:nvPr/>
-      </p:nvGrpSpPr>
-      <p:grpSpPr>
-        <a:xfrm>
-          <a:off x="0" y="0"/>
-          <a:ext cx="0" cy="0"/>
-          <a:chOff x="0" y="0"/>
-          <a:chExt cx="0" cy="0"/>
-        </a:xfrm>
-      </p:grpSpPr>
-      <p:pic>
-        <p:nvPicPr>
-          <p:cNvPr id="4" name="図 3"/>
-          <p:cNvPicPr>
-            <a:picLocks noChangeAspect="1"/>
-          </p:cNvPicPr>
-          <p:nvPr/>
-        </p:nvPicPr>
-        <p:blipFill>
-          <a:blip r:embed="rId3"/>
-          <a:stretch>
-            <a:fillRect/>
-          </a:stretch>
-        </p:blipFill>
         <p:spPr>
           <a:xfrm>
-            <a:off x="-1" y="-598338"/>
-            <a:ext cx="9207645" cy="5947578"/>
+            <a:off x="628650" y="365126"/>
+            <a:ext cx="7886700" cy="911583"/>
           </a:xfrm>
-          <a:prstGeom prst="rect">
-            <a:avLst/>
-          </a:prstGeom>
         </p:spPr>
-      </p:pic>
-      <p:sp>
-        <p:nvSpPr>
-          <p:cNvPr id="2" name="円/楕円 1"/>
+        <p:txBody>
+          <a:bodyPr/>
+          <a:lstStyle/>
+          <a:p>
+            <a:r>
+              <a:rPr kumimoji="1" lang="ja-JP" altLang="en-US" smtClean="0"/>
+              <a:t>もうちょっと高いレイヤで隠す</a:t>
+            </a:r>
+            <a:endParaRPr kumimoji="1" lang="ja-JP" altLang="en-US"/>
+          </a:p>
+        </p:txBody>
+      </p:sp>
+      <p:sp>
+        <p:nvSpPr>
+          <p:cNvPr id="4" name="正方形/長方形 3"/>
           <p:cNvSpPr/>
           <p:nvPr/>
         </p:nvSpPr>
         <p:spPr>
           <a:xfrm>
-            <a:off x="6876142" y="4109357"/>
-            <a:ext cx="2177143" cy="1034144"/>
-          </a:xfrm>
-          <a:prstGeom prst="ellipse">
-            <a:avLst/>
-          </a:prstGeom>
-          <a:noFill/>
-          <a:ln w="57150" cmpd="sng">
-            <a:solidFill>
-              <a:srgbClr val="FF0000"/>
-            </a:solidFill>
-          </a:ln>
-        </p:spPr>
-        <p:style>
-          <a:lnRef idx="1">
-            <a:schemeClr val="accent1"/>
-          </a:lnRef>
-          <a:fillRef idx="3">
-            <a:schemeClr val="accent1"/>
-          </a:fillRef>
-          <a:effectRef idx="2">
-            <a:schemeClr val="accent1"/>
-          </a:effectRef>
-          <a:fontRef idx="minor">
-            <a:schemeClr val="lt1"/>
-          </a:fontRef>
-        </p:style>
-        <p:txBody>
-          <a:bodyPr rtlCol="0" anchor="ctr"/>
-          <a:lstStyle/>
-          <a:p>
-            <a:pPr algn="ctr"/>
-            <a:endParaRPr kumimoji="1" lang="ja-JP" altLang="en-US"/>
-          </a:p>
-        </p:txBody>
-      </p:sp>
-      <p:cxnSp>
-        <p:nvCxnSpPr>
-          <p:cNvPr id="6" name="直線矢印コネクタ 5"/>
-          <p:cNvCxnSpPr/>
-          <p:nvPr/>
-        </p:nvCxnSpPr>
-        <p:spPr>
-          <a:xfrm>
-            <a:off x="6740071" y="2643634"/>
-            <a:ext cx="789214" cy="1474795"/>
-          </a:xfrm>
-          <a:prstGeom prst="straightConnector1">
-            <a:avLst/>
-          </a:prstGeom>
-          <a:ln w="57150" cmpd="sng">
-            <a:solidFill>
-              <a:srgbClr val="FF0000"/>
-            </a:solidFill>
-            <a:tailEnd type="arrow"/>
-          </a:ln>
-        </p:spPr>
-        <p:style>
-          <a:lnRef idx="2">
-            <a:schemeClr val="accent1"/>
-          </a:lnRef>
-          <a:fillRef idx="0">
-            <a:schemeClr val="accent1"/>
-          </a:fillRef>
-          <a:effectRef idx="1">
-            <a:schemeClr val="accent1"/>
-          </a:effectRef>
-          <a:fontRef idx="minor">
-            <a:schemeClr val="tx1"/>
-          </a:fontRef>
-        </p:style>
-      </p:cxnSp>
-      <p:sp>
-        <p:nvSpPr>
-          <p:cNvPr id="8" name="正方形/長方形 7"/>
-          <p:cNvSpPr/>
-          <p:nvPr/>
-        </p:nvSpPr>
-        <p:spPr>
-          <a:xfrm>
-            <a:off x="3084286" y="1641929"/>
-            <a:ext cx="4953000" cy="979715"/>
-          </a:xfrm>
-          <a:prstGeom prst="rect">
-            <a:avLst/>
-          </a:prstGeom>
-          <a:solidFill>
-            <a:schemeClr val="accent2">
-              <a:lumMod val="50000"/>
-            </a:schemeClr>
-          </a:solidFill>
-          <a:ln w="28575" cmpd="sng">
-            <a:solidFill>
-              <a:schemeClr val="accent4">
-                <a:lumMod val="20000"/>
-                <a:lumOff val="80000"/>
-              </a:schemeClr>
-            </a:solidFill>
-          </a:ln>
-          <a:effectLst>
-            <a:glow rad="101600">
-              <a:schemeClr val="tx1">
-                <a:alpha val="22000"/>
-              </a:schemeClr>
-            </a:glow>
-            <a:outerShdw blurRad="50800" dist="38100" dir="2700000" algn="tl" rotWithShape="0">
-              <a:srgbClr val="000000">
-                <a:alpha val="43000"/>
-              </a:srgbClr>
-            </a:outerShdw>
-          </a:effectLst>
-        </p:spPr>
-        <p:style>
-          <a:lnRef idx="1">
-            <a:schemeClr val="accent1"/>
-          </a:lnRef>
-          <a:fillRef idx="3">
-            <a:schemeClr val="accent1"/>
-          </a:fillRef>
-          <a:effectRef idx="2">
-            <a:schemeClr val="accent1"/>
-          </a:effectRef>
-          <a:fontRef idx="minor">
-            <a:schemeClr val="lt1"/>
-          </a:fontRef>
-        </p:style>
-        <p:txBody>
-          <a:bodyPr rtlCol="0" anchor="ctr"/>
-          <a:lstStyle/>
-          <a:p>
-            <a:r>
-              <a:rPr kumimoji="1" lang="en-US" altLang="ja-JP">
-                <a:solidFill>
-                  <a:schemeClr val="accent2">
-                    <a:lumMod val="20000"/>
-                    <a:lumOff val="80000"/>
-                  </a:schemeClr>
-                </a:solidFill>
-                <a:latin typeface="メイリオ"/>
-                <a:ea typeface="メイリオ"/>
-                <a:cs typeface="メイリオ"/>
-              </a:rPr>
-              <a:t>Windows</a:t>
-            </a:r>
-            <a:r>
-              <a:rPr kumimoji="1" lang="ja-JP" altLang="en-US">
-                <a:solidFill>
-                  <a:schemeClr val="accent2">
-                    <a:lumMod val="20000"/>
-                    <a:lumOff val="80000"/>
-                  </a:schemeClr>
-                </a:solidFill>
-                <a:latin typeface="メイリオ"/>
-                <a:ea typeface="メイリオ"/>
-                <a:cs typeface="メイリオ"/>
-              </a:rPr>
-              <a:t>の</a:t>
-            </a:r>
-            <a:r>
-              <a:rPr kumimoji="1" lang="en-US" altLang="ja-JP">
-                <a:solidFill>
-                  <a:schemeClr val="accent2">
-                    <a:lumMod val="20000"/>
-                    <a:lumOff val="80000"/>
-                  </a:schemeClr>
-                </a:solidFill>
-                <a:latin typeface="メイリオ"/>
-                <a:ea typeface="メイリオ"/>
-                <a:cs typeface="メイリオ"/>
-              </a:rPr>
-              <a:t>ping</a:t>
-            </a:r>
-            <a:r>
-              <a:rPr kumimoji="1" lang="ja-JP" altLang="en-US">
-                <a:solidFill>
-                  <a:schemeClr val="accent2">
-                    <a:lumMod val="20000"/>
-                    <a:lumOff val="80000"/>
-                  </a:schemeClr>
-                </a:solidFill>
-                <a:latin typeface="メイリオ"/>
-                <a:ea typeface="メイリオ"/>
-                <a:cs typeface="メイリオ"/>
-              </a:rPr>
-              <a:t>コマンドのペイロード：</a:t>
-            </a:r>
-            <a:endParaRPr kumimoji="1" lang="en-US" altLang="ja-JP">
-              <a:solidFill>
-                <a:schemeClr val="accent2">
-                  <a:lumMod val="20000"/>
-                  <a:lumOff val="80000"/>
-                </a:schemeClr>
-              </a:solidFill>
-              <a:latin typeface="メイリオ"/>
-              <a:ea typeface="メイリオ"/>
-              <a:cs typeface="メイリオ"/>
-            </a:endParaRPr>
-          </a:p>
-          <a:p>
-            <a:r>
-              <a:rPr lang="en-US" altLang="ja-JP" b="1">
-                <a:solidFill>
-                  <a:schemeClr val="accent2">
-                    <a:lumMod val="20000"/>
-                    <a:lumOff val="80000"/>
-                  </a:schemeClr>
-                </a:solidFill>
-                <a:latin typeface="Helvetica"/>
-                <a:cs typeface="Helvetica"/>
-              </a:rPr>
-              <a:t>abcdefghijklmnopqrstuvwabcdefghi</a:t>
-            </a:r>
-            <a:endParaRPr kumimoji="1" lang="ja-JP" altLang="en-US" b="1">
-              <a:solidFill>
-                <a:schemeClr val="accent2">
-                  <a:lumMod val="20000"/>
-                  <a:lumOff val="80000"/>
-                </a:schemeClr>
-              </a:solidFill>
-              <a:latin typeface="Helvetica"/>
-              <a:cs typeface="Helvetica"/>
-            </a:endParaRPr>
-          </a:p>
-        </p:txBody>
-      </p:sp>
-    </p:spTree>
-    <p:extLst>
-      <p:ext uri="{BB962C8B-B14F-4D97-AF65-F5344CB8AC3E}">
-        <p14:creationId xmlns:p14="http://schemas.microsoft.com/office/powerpoint/2010/main" val="251935292"/>
-      </p:ext>
-    </p:extLst>
-  </p:cSld>
-  <p:clrMapOvr>
-    <a:masterClrMapping/>
-  </p:clrMapOvr>
-  <p:timing>
-    <p:tnLst>
-      <p:par>
-        <p:cTn id="1" dur="indefinite" restart="never" nodeType="tmRoot"/>
-      </p:par>
-    </p:tnLst>
-  </p:timing>
-</p:sld>
-</file>
-
-<file path=ppt/slides/slide6.xml><?xml version="1.0" encoding="utf-8"?>
-<p:sld xmlns:a="http://schemas.openxmlformats.org/drawingml/2006/main" xmlns:r="http://schemas.openxmlformats.org/officeDocument/2006/relationships" xmlns:p="http://schemas.openxmlformats.org/presentationml/2006/main">
-  <p:cSld>
-    <p:spTree>
-      <p:nvGrpSpPr>
-        <p:cNvPr id="1" name=""/>
-        <p:cNvGrpSpPr/>
-        <p:nvPr/>
-      </p:nvGrpSpPr>
-      <p:grpSpPr>
-        <a:xfrm>
-          <a:off x="0" y="0"/>
-          <a:ext cx="0" cy="0"/>
-          <a:chOff x="0" y="0"/>
-          <a:chExt cx="0" cy="0"/>
-        </a:xfrm>
-      </p:grpSpPr>
-      <p:sp>
-        <p:nvSpPr>
-          <p:cNvPr id="5" name="正方形/長方形 4"/>
-          <p:cNvSpPr/>
-          <p:nvPr/>
-        </p:nvSpPr>
-        <p:spPr>
-          <a:xfrm>
-            <a:off x="190500" y="1605643"/>
-            <a:ext cx="8790215" cy="798285"/>
+            <a:off x="184639" y="1422331"/>
+            <a:ext cx="15158105" cy="3765131"/>
           </a:xfrm>
           <a:prstGeom prst="rect">
             <a:avLst/>
@@ -5522,63 +4880,130 @@
           <a:lstStyle/>
           <a:p>
             <a:r>
-              <a:rPr lang="en-US" altLang="ja-JP" sz="2800">
+              <a:rPr lang="en-US" altLang="ja-JP" sz="2400">
                 <a:latin typeface="Consolas"/>
                 <a:cs typeface="Consolas"/>
               </a:rPr>
-              <a:t># nping --data-string &lt;string&gt; 192.168.2.1</a:t>
-            </a:r>
-          </a:p>
-        </p:txBody>
-      </p:sp>
-      <p:sp>
-        <p:nvSpPr>
-          <p:cNvPr id="6" name="タイトル 1"/>
-          <p:cNvSpPr>
-            <a:spLocks noGrp="1"/>
-          </p:cNvSpPr>
-          <p:nvPr>
-            <p:ph type="title"/>
-          </p:nvPr>
-        </p:nvSpPr>
+              <a:t>GET / HTTP/1.1</a:t>
+            </a:r>
+          </a:p>
+          <a:p>
+            <a:r>
+              <a:rPr lang="en-US" altLang="ja-JP" sz="2400">
+                <a:latin typeface="Consolas"/>
+                <a:cs typeface="Consolas"/>
+              </a:rPr>
+              <a:t>Host: ozuma.sakura.ne.jp</a:t>
+            </a:r>
+          </a:p>
+          <a:p>
+            <a:r>
+              <a:rPr lang="en-US" altLang="ja-JP" sz="2400">
+                <a:latin typeface="Consolas"/>
+                <a:cs typeface="Consolas"/>
+              </a:rPr>
+              <a:t>User-Agent: Mozilla/5.0 (Windows NT 6.1; WOW64; rv:40.0) Gecko/20100101 Firefox/40.0</a:t>
+            </a:r>
+          </a:p>
+          <a:p>
+            <a:r>
+              <a:rPr lang="en-US" altLang="ja-JP" sz="2400">
+                <a:latin typeface="Consolas"/>
+                <a:cs typeface="Consolas"/>
+              </a:rPr>
+              <a:t>Accept: text/html,application/xhtml+xml,application/xml;q=0.9,*/*;q=0.8</a:t>
+            </a:r>
+          </a:p>
+          <a:p>
+            <a:r>
+              <a:rPr lang="en-US" altLang="ja-JP" sz="2400">
+                <a:latin typeface="Consolas"/>
+                <a:cs typeface="Consolas"/>
+              </a:rPr>
+              <a:t>Accept-Language: ja,en-US;q=0.7,en;q=0.3</a:t>
+            </a:r>
+          </a:p>
+          <a:p>
+            <a:r>
+              <a:rPr lang="en-US" altLang="ja-JP" sz="2400">
+                <a:latin typeface="Consolas"/>
+                <a:cs typeface="Consolas"/>
+              </a:rPr>
+              <a:t>Accept-Encoding: gzip, deflate</a:t>
+            </a:r>
+          </a:p>
+          <a:p>
+            <a:r>
+              <a:rPr lang="en-US" altLang="ja-JP" sz="2400">
+                <a:latin typeface="Consolas"/>
+                <a:cs typeface="Consolas"/>
+              </a:rPr>
+              <a:t>Connection: keep-alive</a:t>
+            </a:r>
+          </a:p>
+          <a:p>
+            <a:r>
+              <a:rPr lang="en-US" altLang="ja-JP" sz="2400">
+                <a:solidFill>
+                  <a:schemeClr val="accent2">
+                    <a:lumMod val="40000"/>
+                    <a:lumOff val="60000"/>
+                  </a:schemeClr>
+                </a:solidFill>
+                <a:latin typeface="Consolas"/>
+                <a:cs typeface="Consolas"/>
+              </a:rPr>
+              <a:t>X-oreore-message: Hannin wa YASU.</a:t>
+            </a:r>
+          </a:p>
+          <a:p>
+            <a:endParaRPr lang="en-US" altLang="ja-JP" sz="2400">
+              <a:latin typeface="Consolas"/>
+              <a:cs typeface="Consolas"/>
+            </a:endParaRPr>
+          </a:p>
+        </p:txBody>
+      </p:sp>
+      <p:cxnSp>
+        <p:nvCxnSpPr>
+          <p:cNvPr id="5" name="直線矢印コネクタ 4"/>
+          <p:cNvCxnSpPr/>
+          <p:nvPr/>
+        </p:nvCxnSpPr>
         <p:spPr>
-          <a:xfrm>
-            <a:off x="637722" y="201841"/>
-            <a:ext cx="7886700" cy="913945"/>
+          <a:xfrm flipH="1">
+            <a:off x="5974374" y="4079631"/>
+            <a:ext cx="1340826" cy="338163"/>
           </a:xfrm>
+          <a:prstGeom prst="straightConnector1">
+            <a:avLst/>
+          </a:prstGeom>
+          <a:ln w="76200" cmpd="sng">
+            <a:solidFill>
+              <a:srgbClr val="FF0000"/>
+            </a:solidFill>
+            <a:tailEnd type="arrow"/>
+          </a:ln>
         </p:spPr>
-        <p:txBody>
-          <a:bodyPr/>
-          <a:lstStyle/>
-          <a:p>
-            <a:r>
-              <a:rPr kumimoji="1" lang="en-US" altLang="ja-JP" smtClean="0"/>
-              <a:t>nping (Nmap</a:t>
-            </a:r>
-            <a:r>
-              <a:rPr kumimoji="1" lang="ja-JP" altLang="en-US" smtClean="0">
-                <a:latin typeface="メイリオ"/>
-                <a:ea typeface="メイリオ"/>
-                <a:cs typeface="メイリオ"/>
-              </a:rPr>
-              <a:t>付属</a:t>
-            </a:r>
-            <a:r>
-              <a:rPr lang="en-US" altLang="ja-JP"/>
-              <a:t>)</a:t>
-            </a:r>
-            <a:endParaRPr kumimoji="1" lang="ja-JP" altLang="en-US">
-              <a:latin typeface="メイリオ"/>
-              <a:ea typeface="メイリオ"/>
-              <a:cs typeface="メイリオ"/>
-            </a:endParaRPr>
-          </a:p>
-        </p:txBody>
-      </p:sp>
+        <p:style>
+          <a:lnRef idx="2">
+            <a:schemeClr val="accent1"/>
+          </a:lnRef>
+          <a:fillRef idx="0">
+            <a:schemeClr val="accent1"/>
+          </a:fillRef>
+          <a:effectRef idx="1">
+            <a:schemeClr val="accent1"/>
+          </a:effectRef>
+          <a:fontRef idx="minor">
+            <a:schemeClr val="tx1"/>
+          </a:fontRef>
+        </p:style>
+      </p:cxnSp>
     </p:spTree>
     <p:extLst>
       <p:ext uri="{BB962C8B-B14F-4D97-AF65-F5344CB8AC3E}">
-        <p14:creationId xmlns:p14="http://schemas.microsoft.com/office/powerpoint/2010/main" val="629575943"/>
+        <p14:creationId xmlns:p14="http://schemas.microsoft.com/office/powerpoint/2010/main" val="2304079971"/>
       </p:ext>
     </p:extLst>
   </p:cSld>
@@ -5595,7 +5020,132 @@
 </p:sld>
 </file>
 
-<file path=ppt/slides/slide7.xml><?xml version="1.0" encoding="utf-8"?>
+<file path=ppt/slides/slide12.xml><?xml version="1.0" encoding="utf-8"?>
+<p:sld xmlns:a="http://schemas.openxmlformats.org/drawingml/2006/main" xmlns:r="http://schemas.openxmlformats.org/officeDocument/2006/relationships" xmlns:p="http://schemas.openxmlformats.org/presentationml/2006/main">
+  <p:cSld>
+    <p:spTree>
+      <p:nvGrpSpPr>
+        <p:cNvPr id="1" name=""/>
+        <p:cNvGrpSpPr/>
+        <p:nvPr/>
+      </p:nvGrpSpPr>
+      <p:grpSpPr>
+        <a:xfrm>
+          <a:off x="0" y="0"/>
+          <a:ext cx="0" cy="0"/>
+          <a:chOff x="0" y="0"/>
+          <a:chExt cx="0" cy="0"/>
+        </a:xfrm>
+      </p:grpSpPr>
+      <p:sp>
+        <p:nvSpPr>
+          <p:cNvPr id="2" name="タイトル 1"/>
+          <p:cNvSpPr>
+            <a:spLocks noGrp="1"/>
+          </p:cNvSpPr>
+          <p:nvPr>
+            <p:ph type="title"/>
+          </p:nvPr>
+        </p:nvSpPr>
+        <p:spPr/>
+        <p:txBody>
+          <a:bodyPr/>
+          <a:lstStyle/>
+          <a:p>
+            <a:endParaRPr kumimoji="1" lang="ja-JP" altLang="en-US"/>
+          </a:p>
+        </p:txBody>
+      </p:sp>
+      <p:sp>
+        <p:nvSpPr>
+          <p:cNvPr id="3" name="コンテンツ プレースホルダー 2"/>
+          <p:cNvSpPr>
+            <a:spLocks noGrp="1"/>
+          </p:cNvSpPr>
+          <p:nvPr>
+            <p:ph idx="1"/>
+          </p:nvPr>
+        </p:nvSpPr>
+        <p:spPr/>
+        <p:txBody>
+          <a:bodyPr/>
+          <a:lstStyle/>
+          <a:p>
+            <a:endParaRPr kumimoji="1" lang="en-US" altLang="ja-JP" smtClean="0"/>
+          </a:p>
+          <a:p>
+            <a:r>
+              <a:rPr lang="ja-JP" altLang="en-US"/>
+              <a:t>インターネット</a:t>
+            </a:r>
+            <a:r>
+              <a:rPr lang="ja-JP" altLang="en-US" smtClean="0"/>
+              <a:t>のプロトコルには「すき間」がいっぱいあるので、そこに色々突っ込むことができる</a:t>
+            </a:r>
+            <a:endParaRPr lang="en-US" altLang="ja-JP" smtClean="0"/>
+          </a:p>
+          <a:p>
+            <a:r>
+              <a:rPr kumimoji="1" lang="ja-JP" altLang="en-US" smtClean="0"/>
+              <a:t>これらのすき間は、悪い人にも使いやすい</a:t>
+            </a:r>
+            <a:endParaRPr kumimoji="1" lang="en-US" altLang="ja-JP" smtClean="0"/>
+          </a:p>
+          <a:p>
+            <a:pPr lvl="1"/>
+            <a:r>
+              <a:rPr lang="ja-JP" altLang="en-US"/>
+              <a:t>秘密</a:t>
+            </a:r>
+            <a:r>
+              <a:rPr lang="ja-JP" altLang="en-US" smtClean="0"/>
+              <a:t>の</a:t>
+            </a:r>
+            <a:r>
+              <a:rPr lang="ja-JP" altLang="en-US"/>
+              <a:t>メッセージ</a:t>
+            </a:r>
+            <a:r>
+              <a:rPr lang="ja-JP" altLang="en-US" smtClean="0"/>
+              <a:t>を送ったり</a:t>
+            </a:r>
+            <a:endParaRPr lang="en-US" altLang="ja-JP" smtClean="0"/>
+          </a:p>
+          <a:p>
+            <a:pPr lvl="1"/>
+            <a:r>
+              <a:rPr kumimoji="1" lang="ja-JP" altLang="en-US"/>
+              <a:t>悪意</a:t>
+            </a:r>
+            <a:r>
+              <a:rPr kumimoji="1" lang="ja-JP" altLang="en-US" smtClean="0"/>
+              <a:t>のあるコードを突っ込んだり</a:t>
+            </a:r>
+            <a:endParaRPr kumimoji="1" lang="ja-JP" altLang="en-US"/>
+          </a:p>
+        </p:txBody>
+      </p:sp>
+    </p:spTree>
+    <p:extLst>
+      <p:ext uri="{BB962C8B-B14F-4D97-AF65-F5344CB8AC3E}">
+        <p14:creationId xmlns:p14="http://schemas.microsoft.com/office/powerpoint/2010/main" val="3650125372"/>
+      </p:ext>
+    </p:extLst>
+  </p:cSld>
+  <p:clrMapOvr>
+    <a:masterClrMapping/>
+  </p:clrMapOvr>
+  <p:timing>
+    <p:tnLst>
+      <p:par>
+        <p:cTn id="1" dur="indefinite" restart="never" nodeType="tmRoot"/>
+      </p:par>
+    </p:tnLst>
+  </p:timing>
+</p:sld>
+</file>
+
+<file path=ppt/slides/slide13.xml><?xml version="1.0" encoding="utf-8"?>
 <p:sld xmlns:a="http://schemas.openxmlformats.org/drawingml/2006/main" xmlns:r="http://schemas.openxmlformats.org/officeDocument/2006/relationships" xmlns:p="http://schemas.openxmlformats.org/presentationml/2006/main">
   <p:cSld>
     <p:spTree>
@@ -5620,292 +5170,78 @@
           </p:cNvPicPr>
           <p:nvPr/>
         </p:nvPicPr>
-        <p:blipFill>
-          <a:blip r:embed="rId2"/>
-          <a:stretch>
-            <a:fillRect/>
-          </a:stretch>
+        <p:blipFill rotWithShape="1">
+          <a:blip r:embed="rId2" cstate="print">
+            <a:extLst>
+              <a:ext uri="{28A0092B-C50C-407E-A947-70E740481C1C}">
+                <a14:useLocalDpi xmlns:a14="http://schemas.microsoft.com/office/drawing/2010/main" val="0"/>
+              </a:ext>
+            </a:extLst>
+          </a:blip>
+          <a:srcRect/>
+          <a:stretch/>
         </p:blipFill>
         <p:spPr>
           <a:xfrm>
-            <a:off x="0" y="-1"/>
-            <a:ext cx="8160589" cy="5240645"/>
+            <a:off x="11575" y="-115747"/>
+            <a:ext cx="9306046" cy="7106856"/>
           </a:xfrm>
           <a:prstGeom prst="rect">
             <a:avLst/>
           </a:prstGeom>
+          <a:effectLst>
+            <a:outerShdw blurRad="50800" dist="50800" dir="5400000" algn="ctr" rotWithShape="0">
+              <a:srgbClr val="000000"/>
+            </a:outerShdw>
+          </a:effectLst>
         </p:spPr>
       </p:pic>
       <p:sp>
         <p:nvSpPr>
-          <p:cNvPr id="5" name="円/楕円 4"/>
-          <p:cNvSpPr/>
+          <p:cNvPr id="5" name="テキスト ボックス 4"/>
+          <p:cNvSpPr txBox="1"/>
           <p:nvPr/>
         </p:nvSpPr>
         <p:spPr>
           <a:xfrm>
-            <a:off x="6349931" y="4206500"/>
-            <a:ext cx="2177143" cy="1034144"/>
-          </a:xfrm>
-          <a:prstGeom prst="ellipse">
-            <a:avLst/>
-          </a:prstGeom>
-          <a:noFill/>
-          <a:ln w="57150" cmpd="sng">
-            <a:solidFill>
-              <a:srgbClr val="FF0000"/>
-            </a:solidFill>
-          </a:ln>
-        </p:spPr>
-        <p:style>
-          <a:lnRef idx="1">
-            <a:schemeClr val="accent1"/>
-          </a:lnRef>
-          <a:fillRef idx="3">
-            <a:schemeClr val="accent1"/>
-          </a:fillRef>
-          <a:effectRef idx="2">
-            <a:schemeClr val="accent1"/>
-          </a:effectRef>
-          <a:fontRef idx="minor">
-            <a:schemeClr val="lt1"/>
-          </a:fontRef>
-        </p:style>
-        <p:txBody>
-          <a:bodyPr rtlCol="0" anchor="ctr"/>
-          <a:lstStyle/>
-          <a:p>
-            <a:pPr algn="ctr"/>
-            <a:endParaRPr kumimoji="1" lang="ja-JP" altLang="en-US"/>
-          </a:p>
-        </p:txBody>
-      </p:sp>
-      <p:cxnSp>
-        <p:nvCxnSpPr>
-          <p:cNvPr id="6" name="直線矢印コネクタ 5"/>
-          <p:cNvCxnSpPr/>
-          <p:nvPr/>
-        </p:nvCxnSpPr>
-        <p:spPr>
-          <a:xfrm>
-            <a:off x="6358262" y="3010619"/>
-            <a:ext cx="644812" cy="1204953"/>
-          </a:xfrm>
-          <a:prstGeom prst="straightConnector1">
-            <a:avLst/>
-          </a:prstGeom>
-          <a:ln w="57150" cmpd="sng">
-            <a:solidFill>
-              <a:srgbClr val="FF0000"/>
-            </a:solidFill>
-            <a:tailEnd type="arrow"/>
-          </a:ln>
-        </p:spPr>
-        <p:style>
-          <a:lnRef idx="2">
-            <a:schemeClr val="accent1"/>
-          </a:lnRef>
-          <a:fillRef idx="0">
-            <a:schemeClr val="accent1"/>
-          </a:fillRef>
-          <a:effectRef idx="1">
-            <a:schemeClr val="accent1"/>
-          </a:effectRef>
-          <a:fontRef idx="minor">
-            <a:schemeClr val="tx1"/>
-          </a:fontRef>
-        </p:style>
-      </p:cxnSp>
-      <p:sp>
-        <p:nvSpPr>
-          <p:cNvPr id="7" name="正方形/長方形 6"/>
-          <p:cNvSpPr/>
-          <p:nvPr/>
-        </p:nvSpPr>
-        <p:spPr>
-          <a:xfrm>
-            <a:off x="2941607" y="2130463"/>
-            <a:ext cx="5710688" cy="979715"/>
+            <a:off x="1594323" y="1204646"/>
+            <a:ext cx="6140549" cy="923330"/>
           </a:xfrm>
           <a:prstGeom prst="rect">
             <a:avLst/>
           </a:prstGeom>
-          <a:solidFill>
-            <a:schemeClr val="accent2">
-              <a:lumMod val="50000"/>
-            </a:schemeClr>
-          </a:solidFill>
-          <a:ln w="28575" cmpd="sng">
-            <a:solidFill>
-              <a:schemeClr val="accent4">
-                <a:lumMod val="20000"/>
-                <a:lumOff val="80000"/>
-              </a:schemeClr>
-            </a:solidFill>
-          </a:ln>
-          <a:effectLst>
-            <a:glow rad="101600">
-              <a:schemeClr val="tx1">
-                <a:alpha val="22000"/>
-              </a:schemeClr>
-            </a:glow>
-            <a:outerShdw blurRad="50800" dist="38100" dir="2700000" algn="tl" rotWithShape="0">
-              <a:srgbClr val="000000">
-                <a:alpha val="43000"/>
-              </a:srgbClr>
-            </a:outerShdw>
-          </a:effectLst>
+          <a:noFill/>
         </p:spPr>
-        <p:style>
-          <a:lnRef idx="1">
-            <a:schemeClr val="accent1"/>
-          </a:lnRef>
-          <a:fillRef idx="3">
-            <a:schemeClr val="accent1"/>
-          </a:fillRef>
-          <a:effectRef idx="2">
-            <a:schemeClr val="accent1"/>
-          </a:effectRef>
-          <a:fontRef idx="minor">
-            <a:schemeClr val="lt1"/>
-          </a:fontRef>
-        </p:style>
-        <p:txBody>
-          <a:bodyPr rtlCol="0" anchor="ctr"/>
-          <a:lstStyle/>
-          <a:p>
-            <a:r>
-              <a:rPr kumimoji="1" lang="en-US" altLang="ja-JP" smtClean="0">
+        <p:txBody>
+          <a:bodyPr wrap="square" rtlCol="0">
+            <a:spAutoFit/>
+          </a:bodyPr>
+          <a:lstStyle/>
+          <a:p>
+            <a:r>
+              <a:rPr kumimoji="1" lang="en-US" altLang="ja-JP" sz="5400" smtClean="0">
+                <a:ln>
+                  <a:solidFill>
+                    <a:schemeClr val="bg1">
+                      <a:lumMod val="50000"/>
+                    </a:schemeClr>
+                  </a:solidFill>
+                </a:ln>
+                <a:latin typeface="Tahoma" panose="020B0604030504040204" pitchFamily="34" charset="0"/>
+                <a:cs typeface="Tahoma" panose="020B0604030504040204" pitchFamily="34" charset="0"/>
+              </a:rPr>
+              <a:t>Too slow to detect.</a:t>
+            </a:r>
+            <a:endParaRPr kumimoji="1" lang="ja-JP" altLang="en-US" sz="5400">
+              <a:ln>
                 <a:solidFill>
-                  <a:schemeClr val="accent2">
-                    <a:lumMod val="20000"/>
-                    <a:lumOff val="80000"/>
+                  <a:schemeClr val="bg1">
+                    <a:lumMod val="50000"/>
                   </a:schemeClr>
                 </a:solidFill>
-                <a:latin typeface="メイリオ"/>
-                <a:ea typeface="メイリオ"/>
-                <a:cs typeface="メイリオ"/>
-              </a:rPr>
-              <a:t>nping</a:t>
-            </a:r>
-            <a:r>
-              <a:rPr kumimoji="1" lang="ja-JP" altLang="en-US" smtClean="0">
-                <a:solidFill>
-                  <a:schemeClr val="accent2">
-                    <a:lumMod val="20000"/>
-                    <a:lumOff val="80000"/>
-                  </a:schemeClr>
-                </a:solidFill>
-                <a:latin typeface="メイリオ"/>
-                <a:ea typeface="メイリオ"/>
-                <a:cs typeface="メイリオ"/>
-              </a:rPr>
-              <a:t>で</a:t>
-            </a:r>
-            <a:r>
-              <a:rPr kumimoji="1" lang="en-US" altLang="ja-JP" smtClean="0">
-                <a:solidFill>
-                  <a:schemeClr val="accent2">
-                    <a:lumMod val="20000"/>
-                    <a:lumOff val="80000"/>
-                  </a:schemeClr>
-                </a:solidFill>
-                <a:latin typeface="メイリオ"/>
-                <a:ea typeface="メイリオ"/>
-                <a:cs typeface="メイリオ"/>
-              </a:rPr>
-              <a:t>ICMP</a:t>
-            </a:r>
-            <a:r>
-              <a:rPr lang="ja-JP" altLang="en-US" smtClean="0">
-                <a:solidFill>
-                  <a:schemeClr val="accent2">
-                    <a:lumMod val="20000"/>
-                    <a:lumOff val="80000"/>
-                  </a:schemeClr>
-                </a:solidFill>
-                <a:latin typeface="メイリオ"/>
-                <a:ea typeface="メイリオ"/>
-                <a:cs typeface="メイリオ"/>
-              </a:rPr>
-              <a:t>パケットに埋め込んだ</a:t>
-            </a:r>
-            <a:r>
-              <a:rPr kumimoji="1" lang="ja-JP" altLang="en-US" smtClean="0">
-                <a:solidFill>
-                  <a:schemeClr val="accent2">
-                    <a:lumMod val="20000"/>
-                    <a:lumOff val="80000"/>
-                  </a:schemeClr>
-                </a:solidFill>
-                <a:latin typeface="メイリオ"/>
-                <a:ea typeface="メイリオ"/>
-                <a:cs typeface="メイリオ"/>
-              </a:rPr>
-              <a:t>ペイロード</a:t>
-            </a:r>
-            <a:r>
-              <a:rPr kumimoji="1" lang="ja-JP" altLang="en-US">
-                <a:solidFill>
-                  <a:schemeClr val="accent2">
-                    <a:lumMod val="20000"/>
-                    <a:lumOff val="80000"/>
-                  </a:schemeClr>
-                </a:solidFill>
-                <a:latin typeface="メイリオ"/>
-                <a:ea typeface="メイリオ"/>
-                <a:cs typeface="メイリオ"/>
-              </a:rPr>
-              <a:t>：</a:t>
-            </a:r>
-            <a:endParaRPr kumimoji="1" lang="en-US" altLang="ja-JP">
-              <a:solidFill>
-                <a:schemeClr val="accent2">
-                  <a:lumMod val="20000"/>
-                  <a:lumOff val="80000"/>
-                </a:schemeClr>
-              </a:solidFill>
-              <a:latin typeface="メイリオ"/>
-              <a:ea typeface="メイリオ"/>
-              <a:cs typeface="メイリオ"/>
-            </a:endParaRPr>
-          </a:p>
-          <a:p>
-            <a:r>
-              <a:rPr lang="en-US" altLang="ja-JP" b="1">
-                <a:solidFill>
-                  <a:schemeClr val="accent2">
-                    <a:lumMod val="20000"/>
-                    <a:lumOff val="80000"/>
-                  </a:schemeClr>
-                </a:solidFill>
-                <a:latin typeface="Helvetica"/>
-                <a:cs typeface="Helvetica"/>
-              </a:rPr>
-              <a:t> </a:t>
-            </a:r>
-            <a:r>
-              <a:rPr lang="en-US" altLang="ja-JP" b="1" smtClean="0">
-                <a:solidFill>
-                  <a:schemeClr val="accent2">
-                    <a:lumMod val="20000"/>
-                    <a:lumOff val="80000"/>
-                  </a:schemeClr>
-                </a:solidFill>
-                <a:latin typeface="Helvetica"/>
-                <a:cs typeface="Helvetica"/>
-              </a:rPr>
-              <a:t>Hannin wa YASU.</a:t>
-            </a:r>
-            <a:endParaRPr kumimoji="1" lang="ja-JP" altLang="en-US" b="1">
-              <a:solidFill>
-                <a:schemeClr val="accent2">
-                  <a:lumMod val="20000"/>
-                  <a:lumOff val="80000"/>
-                </a:schemeClr>
-              </a:solidFill>
-              <a:latin typeface="Helvetica"/>
-              <a:cs typeface="Helvetica"/>
+              </a:ln>
+              <a:latin typeface="Tahoma" panose="020B0604030504040204" pitchFamily="34" charset="0"/>
+              <a:cs typeface="Tahoma" panose="020B0604030504040204" pitchFamily="34" charset="0"/>
             </a:endParaRPr>
           </a:p>
         </p:txBody>
@@ -5913,7 +5249,7 @@
     </p:spTree>
     <p:extLst>
       <p:ext uri="{BB962C8B-B14F-4D97-AF65-F5344CB8AC3E}">
-        <p14:creationId xmlns:p14="http://schemas.microsoft.com/office/powerpoint/2010/main" val="3008246913"/>
+        <p14:creationId xmlns:p14="http://schemas.microsoft.com/office/powerpoint/2010/main" val="2711273333"/>
       </p:ext>
     </p:extLst>
   </p:cSld>
@@ -5930,7 +5266,7 @@
 </p:sld>
 </file>
 
-<file path=ppt/slides/slide8.xml><?xml version="1.0" encoding="utf-8"?>
+<file path=ppt/slides/slide14.xml><?xml version="1.0" encoding="utf-8"?>
 <p:sld xmlns:a="http://schemas.openxmlformats.org/drawingml/2006/main" xmlns:r="http://schemas.openxmlformats.org/officeDocument/2006/relationships" xmlns:p="http://schemas.openxmlformats.org/presentationml/2006/main">
   <p:cSld>
     <p:spTree>
@@ -5963,6 +5299,200 @@
           <a:lstStyle/>
           <a:p>
             <a:r>
+              <a:rPr kumimoji="1" lang="ja-JP" altLang="en-US" smtClean="0"/>
+              <a:t>ゆっくりしていってね！！！！！</a:t>
+            </a:r>
+            <a:endParaRPr kumimoji="1" lang="ja-JP" altLang="en-US"/>
+          </a:p>
+        </p:txBody>
+      </p:sp>
+      <p:sp>
+        <p:nvSpPr>
+          <p:cNvPr id="4" name="コンテンツ プレースホルダー 3"/>
+          <p:cNvSpPr>
+            <a:spLocks noGrp="1"/>
+          </p:cNvSpPr>
+          <p:nvPr>
+            <p:ph idx="1"/>
+          </p:nvPr>
+        </p:nvSpPr>
+        <p:spPr/>
+        <p:txBody>
+          <a:bodyPr/>
+          <a:lstStyle/>
+          <a:p>
+            <a:endParaRPr kumimoji="1" lang="ja-JP" altLang="en-US"/>
+          </a:p>
+        </p:txBody>
+      </p:sp>
+    </p:spTree>
+    <p:extLst>
+      <p:ext uri="{BB962C8B-B14F-4D97-AF65-F5344CB8AC3E}">
+        <p14:creationId xmlns:p14="http://schemas.microsoft.com/office/powerpoint/2010/main" val="3118375049"/>
+      </p:ext>
+    </p:extLst>
+  </p:cSld>
+  <p:clrMapOvr>
+    <a:masterClrMapping/>
+  </p:clrMapOvr>
+  <p:timing>
+    <p:tnLst>
+      <p:par>
+        <p:cTn id="1" dur="indefinite" restart="never" nodeType="tmRoot"/>
+      </p:par>
+    </p:tnLst>
+  </p:timing>
+</p:sld>
+</file>
+
+<file path=ppt/slides/slide15.xml><?xml version="1.0" encoding="utf-8"?>
+<p:sld xmlns:a="http://schemas.openxmlformats.org/drawingml/2006/main" xmlns:r="http://schemas.openxmlformats.org/officeDocument/2006/relationships" xmlns:p="http://schemas.openxmlformats.org/presentationml/2006/main">
+  <p:cSld>
+    <p:spTree>
+      <p:nvGrpSpPr>
+        <p:cNvPr id="1" name=""/>
+        <p:cNvGrpSpPr/>
+        <p:nvPr/>
+      </p:nvGrpSpPr>
+      <p:grpSpPr>
+        <a:xfrm>
+          <a:off x="0" y="0"/>
+          <a:ext cx="0" cy="0"/>
+          <a:chOff x="0" y="0"/>
+          <a:chExt cx="0" cy="0"/>
+        </a:xfrm>
+      </p:grpSpPr>
+      <p:sp>
+        <p:nvSpPr>
+          <p:cNvPr id="2" name="タイトル 1"/>
+          <p:cNvSpPr>
+            <a:spLocks noGrp="1"/>
+          </p:cNvSpPr>
+          <p:nvPr>
+            <p:ph type="title"/>
+          </p:nvPr>
+        </p:nvSpPr>
+        <p:spPr/>
+        <p:txBody>
+          <a:bodyPr/>
+          <a:lstStyle/>
+          <a:p>
+            <a:r>
+              <a:rPr kumimoji="1" lang="ja-JP" altLang="en-US" smtClean="0"/>
+              <a:t>ゆっくりしていってね！！！！！</a:t>
+            </a:r>
+            <a:endParaRPr kumimoji="1" lang="ja-JP" altLang="en-US"/>
+          </a:p>
+        </p:txBody>
+      </p:sp>
+      <p:sp>
+        <p:nvSpPr>
+          <p:cNvPr id="3" name="コンテンツ プレースホルダー 2"/>
+          <p:cNvSpPr>
+            <a:spLocks noGrp="1"/>
+          </p:cNvSpPr>
+          <p:nvPr>
+            <p:ph idx="1"/>
+          </p:nvPr>
+        </p:nvSpPr>
+        <p:spPr/>
+        <p:txBody>
+          <a:bodyPr/>
+          <a:lstStyle/>
+          <a:p>
+            <a:r>
+              <a:rPr lang="ja-JP" altLang="en-US" smtClean="0"/>
+              <a:t>スキャンなどの探査行為は、ゆっくり行えば行うほど相手に</a:t>
+            </a:r>
+            <a:r>
+              <a:rPr lang="ja-JP" altLang="en-US" smtClean="0"/>
+              <a:t>気づかれにくい</a:t>
+            </a:r>
+            <a:endParaRPr lang="en-US" altLang="ja-JP" smtClean="0"/>
+          </a:p>
+          <a:p>
+            <a:r>
+              <a:rPr lang="ja-JP" altLang="en-US" smtClean="0"/>
+              <a:t>その他、</a:t>
+            </a:r>
+            <a:r>
+              <a:rPr lang="en-US" altLang="ja-JP" smtClean="0"/>
+              <a:t>IDS(</a:t>
+            </a:r>
+            <a:r>
+              <a:rPr lang="ja-JP" altLang="en-US" smtClean="0"/>
+              <a:t>侵入検知システム</a:t>
+            </a:r>
+            <a:r>
+              <a:rPr lang="en-US" altLang="ja-JP" smtClean="0"/>
+              <a:t>)</a:t>
+            </a:r>
+            <a:r>
+              <a:rPr lang="ja-JP" altLang="en-US" smtClean="0"/>
+              <a:t>などにも対抗するためによく使われる手法</a:t>
+            </a:r>
+            <a:endParaRPr lang="en-US" altLang="ja-JP" smtClean="0"/>
+          </a:p>
+        </p:txBody>
+      </p:sp>
+    </p:spTree>
+    <p:extLst>
+      <p:ext uri="{BB962C8B-B14F-4D97-AF65-F5344CB8AC3E}">
+        <p14:creationId xmlns:p14="http://schemas.microsoft.com/office/powerpoint/2010/main" val="569350094"/>
+      </p:ext>
+    </p:extLst>
+  </p:cSld>
+  <p:clrMapOvr>
+    <a:masterClrMapping/>
+  </p:clrMapOvr>
+  <p:timing>
+    <p:tnLst>
+      <p:par>
+        <p:cTn id="1" dur="indefinite" restart="never" nodeType="tmRoot"/>
+      </p:par>
+    </p:tnLst>
+  </p:timing>
+</p:sld>
+</file>
+
+<file path=ppt/slides/slide16.xml><?xml version="1.0" encoding="utf-8"?>
+<p:sld xmlns:a="http://schemas.openxmlformats.org/drawingml/2006/main" xmlns:r="http://schemas.openxmlformats.org/officeDocument/2006/relationships" xmlns:p="http://schemas.openxmlformats.org/presentationml/2006/main">
+  <p:cSld>
+    <p:spTree>
+      <p:nvGrpSpPr>
+        <p:cNvPr id="1" name=""/>
+        <p:cNvGrpSpPr/>
+        <p:nvPr/>
+      </p:nvGrpSpPr>
+      <p:grpSpPr>
+        <a:xfrm>
+          <a:off x="0" y="0"/>
+          <a:ext cx="0" cy="0"/>
+          <a:chOff x="0" y="0"/>
+          <a:chExt cx="0" cy="0"/>
+        </a:xfrm>
+      </p:grpSpPr>
+      <p:sp>
+        <p:nvSpPr>
+          <p:cNvPr id="2" name="タイトル 1"/>
+          <p:cNvSpPr>
+            <a:spLocks noGrp="1"/>
+          </p:cNvSpPr>
+          <p:nvPr>
+            <p:ph type="title"/>
+          </p:nvPr>
+        </p:nvSpPr>
+        <p:spPr>
+          <a:xfrm>
+            <a:off x="628650" y="358685"/>
+            <a:ext cx="7886700" cy="1325563"/>
+          </a:xfrm>
+        </p:spPr>
+        <p:txBody>
+          <a:bodyPr/>
+          <a:lstStyle/>
+          <a:p>
+            <a:r>
               <a:rPr kumimoji="1" lang="en-US" altLang="ja-JP" smtClean="0"/>
               <a:t>nmap</a:t>
             </a:r>
@@ -5977,6 +5507,17 @@
             <a:r>
               <a:rPr kumimoji="1" lang="ja-JP" altLang="en-US" smtClean="0"/>
               <a:t>オプション</a:t>
+            </a:r>
+            <a:r>
+              <a:rPr kumimoji="1" lang="en-US" altLang="ja-JP" smtClean="0"/>
+              <a:t/>
+            </a:r>
+            <a:br>
+              <a:rPr kumimoji="1" lang="en-US" altLang="ja-JP" smtClean="0"/>
+            </a:br>
+            <a:r>
+              <a:rPr kumimoji="1" lang="ja-JP" altLang="en-US" smtClean="0"/>
+              <a:t>（タイミングテンプレート）</a:t>
             </a:r>
             <a:endParaRPr kumimoji="1" lang="ja-JP" altLang="en-US"/>
           </a:p>
@@ -5991,13 +5532,13 @@
           <p:nvPr>
             <p:extLst>
               <p:ext uri="{D42A27DB-BD31-4B8C-83A1-F6EECF244321}">
-                <p14:modId xmlns:p14="http://schemas.microsoft.com/office/powerpoint/2010/main" val="2615671600"/>
+                <p14:modId xmlns:p14="http://schemas.microsoft.com/office/powerpoint/2010/main" val="2279140518"/>
               </p:ext>
             </p:extLst>
           </p:nvPr>
         </p:nvGraphicFramePr>
         <p:xfrm>
-          <a:off x="1489494" y="1690689"/>
+          <a:off x="1489494" y="1906347"/>
           <a:ext cx="6921260" cy="3627120"/>
         </p:xfrm>
         <a:graphic>
@@ -6156,7 +5697,7 @@
                       </a:r>
                       <a:r>
                         <a:rPr kumimoji="1" lang="ja-JP" altLang="en-US" sz="2800" smtClean="0"/>
-                        <a:t>丁重なスキャン</a:t>
+                        <a:t>丁重スキャン</a:t>
                       </a:r>
                       <a:r>
                         <a:rPr kumimoji="1" lang="en-US" altLang="ja-JP" sz="2800" smtClean="0"/>
@@ -6181,7 +5722,14 @@
                       <a:endParaRPr kumimoji="1" lang="ja-JP" altLang="en-US" sz="2800"/>
                     </a:p>
                   </a:txBody>
-                  <a:tcPr/>
+                  <a:tcPr>
+                    <a:solidFill>
+                      <a:schemeClr val="accent2">
+                        <a:lumMod val="20000"/>
+                        <a:lumOff val="80000"/>
+                      </a:schemeClr>
+                    </a:solidFill>
+                  </a:tcPr>
                 </a:tc>
                 <a:tc>
                   <a:txBody>
@@ -6207,7 +5755,14 @@
                       <a:endParaRPr kumimoji="1" lang="ja-JP" altLang="en-US" sz="2800"/>
                     </a:p>
                   </a:txBody>
-                  <a:tcPr/>
+                  <a:tcPr>
+                    <a:solidFill>
+                      <a:schemeClr val="accent2">
+                        <a:lumMod val="20000"/>
+                        <a:lumOff val="80000"/>
+                      </a:schemeClr>
+                    </a:solidFill>
+                  </a:tcPr>
                 </a:tc>
               </a:tr>
               <a:tr h="370840">
@@ -6282,7 +5837,7 @@
                       </a:r>
                       <a:r>
                         <a:rPr kumimoji="1" lang="ja-JP" altLang="en-US" sz="2800" smtClean="0"/>
-                        <a:t>キチガイスキャン</a:t>
+                        <a:t>キ○ガイ スキャン</a:t>
                       </a:r>
                       <a:r>
                         <a:rPr kumimoji="1" lang="en-US" altLang="ja-JP" sz="2800" smtClean="0"/>
@@ -6306,7 +5861,7 @@
         </p:nvSpPr>
         <p:spPr>
           <a:xfrm>
-            <a:off x="712937" y="2596551"/>
+            <a:off x="712937" y="2812209"/>
             <a:ext cx="346135" cy="2287924"/>
           </a:xfrm>
           <a:prstGeom prst="upDownArrow">
@@ -6359,7 +5914,7 @@
         </p:nvSpPr>
         <p:spPr>
           <a:xfrm>
-            <a:off x="314235" y="2134886"/>
+            <a:off x="314235" y="2350544"/>
             <a:ext cx="1281652" cy="461665"/>
           </a:xfrm>
           <a:prstGeom prst="rect">
@@ -6389,7 +5944,7 @@
         </p:nvSpPr>
         <p:spPr>
           <a:xfrm>
-            <a:off x="525582" y="4884475"/>
+            <a:off x="525582" y="5100133"/>
             <a:ext cx="858957" cy="461665"/>
           </a:xfrm>
           <a:prstGeom prst="rect">
@@ -6435,7 +5990,7 @@
 </p:sld>
 </file>
 
-<file path=ppt/slides/slide9.xml><?xml version="1.0" encoding="utf-8"?>
+<file path=ppt/slides/slide17.xml><?xml version="1.0" encoding="utf-8"?>
 <p:sld xmlns:a="http://schemas.openxmlformats.org/drawingml/2006/main" xmlns:r="http://schemas.openxmlformats.org/officeDocument/2006/relationships" xmlns:p="http://schemas.openxmlformats.org/presentationml/2006/main">
   <p:cSld>
     <p:spTree>
@@ -6903,8 +6458,73 @@
                 <a:latin typeface="Helvetica"/>
                 <a:cs typeface="Helvetica"/>
               </a:rPr>
-              <a:t>ポートをスキャンするのに</a:t>
-            </a:r>
+              <a:t>ポートをスキャン</a:t>
+            </a:r>
+            <a:r>
+              <a:rPr kumimoji="1" lang="ja-JP" altLang="en-US" sz="2400" smtClean="0">
+                <a:solidFill>
+                  <a:schemeClr val="accent2">
+                    <a:lumMod val="20000"/>
+                    <a:lumOff val="80000"/>
+                  </a:schemeClr>
+                </a:solidFill>
+                <a:latin typeface="Helvetica"/>
+                <a:cs typeface="Helvetica"/>
+              </a:rPr>
+              <a:t>する</a:t>
+            </a:r>
+            <a:r>
+              <a:rPr lang="ja-JP" altLang="en-US" sz="2400" smtClean="0">
+                <a:solidFill>
+                  <a:schemeClr val="accent2">
+                    <a:lumMod val="20000"/>
+                    <a:lumOff val="80000"/>
+                  </a:schemeClr>
+                </a:solidFill>
+                <a:latin typeface="Helvetica"/>
+                <a:cs typeface="Helvetica"/>
+              </a:rPr>
+              <a:t>ご</a:t>
+            </a:r>
+            <a:r>
+              <a:rPr lang="ja-JP" altLang="en-US" sz="2400">
+                <a:solidFill>
+                  <a:schemeClr val="accent2">
+                    <a:lumMod val="20000"/>
+                    <a:lumOff val="80000"/>
+                  </a:schemeClr>
+                </a:solidFill>
+                <a:latin typeface="Helvetica"/>
+                <a:cs typeface="Helvetica"/>
+              </a:rPr>
+              <a:t>と</a:t>
+            </a:r>
+            <a:r>
+              <a:rPr kumimoji="1" lang="ja-JP" altLang="en-US" sz="2400" smtClean="0">
+                <a:solidFill>
+                  <a:schemeClr val="accent2">
+                    <a:lumMod val="20000"/>
+                    <a:lumOff val="80000"/>
+                  </a:schemeClr>
+                </a:solidFill>
+                <a:latin typeface="Helvetica"/>
+                <a:cs typeface="Helvetica"/>
+              </a:rPr>
+              <a:t>に</a:t>
+            </a:r>
+            <a:endParaRPr kumimoji="1" lang="en-US" altLang="ja-JP" sz="2400" smtClean="0">
+              <a:solidFill>
+                <a:schemeClr val="accent2">
+                  <a:lumMod val="20000"/>
+                  <a:lumOff val="80000"/>
+                </a:schemeClr>
+              </a:solidFill>
+              <a:latin typeface="Helvetica"/>
+              <a:cs typeface="Helvetica"/>
+            </a:endParaRPr>
+          </a:p>
+          <a:p>
+            <a:pPr algn="ctr"/>
             <a:r>
               <a:rPr kumimoji="1" lang="en-US" altLang="ja-JP" sz="2400" smtClean="0">
                 <a:solidFill>
@@ -6948,6 +6568,1845 @@
     <p:extLst>
       <p:ext uri="{BB962C8B-B14F-4D97-AF65-F5344CB8AC3E}">
         <p14:creationId xmlns:p14="http://schemas.microsoft.com/office/powerpoint/2010/main" val="1447535175"/>
+      </p:ext>
+    </p:extLst>
+  </p:cSld>
+  <p:clrMapOvr>
+    <a:masterClrMapping/>
+  </p:clrMapOvr>
+  <p:timing>
+    <p:tnLst>
+      <p:par>
+        <p:cTn id="1" dur="indefinite" restart="never" nodeType="tmRoot"/>
+      </p:par>
+    </p:tnLst>
+  </p:timing>
+</p:sld>
+</file>
+
+<file path=ppt/slides/slide2.xml><?xml version="1.0" encoding="utf-8"?>
+<p:sld xmlns:a="http://schemas.openxmlformats.org/drawingml/2006/main" xmlns:r="http://schemas.openxmlformats.org/officeDocument/2006/relationships" xmlns:p="http://schemas.openxmlformats.org/presentationml/2006/main">
+  <p:cSld>
+    <p:bg>
+      <p:bgPr>
+        <a:solidFill>
+          <a:schemeClr val="tx1"/>
+        </a:solidFill>
+        <a:effectLst/>
+      </p:bgPr>
+    </p:bg>
+    <p:spTree>
+      <p:nvGrpSpPr>
+        <p:cNvPr id="1" name=""/>
+        <p:cNvGrpSpPr/>
+        <p:nvPr/>
+      </p:nvGrpSpPr>
+      <p:grpSpPr>
+        <a:xfrm>
+          <a:off x="0" y="0"/>
+          <a:ext cx="0" cy="0"/>
+          <a:chOff x="0" y="0"/>
+          <a:chExt cx="0" cy="0"/>
+        </a:xfrm>
+      </p:grpSpPr>
+      <p:pic>
+        <p:nvPicPr>
+          <p:cNvPr id="9" name="図 8" descr="7556111472_b933b2ec64_h.jpg"/>
+          <p:cNvPicPr>
+            <a:picLocks noChangeAspect="1"/>
+          </p:cNvPicPr>
+          <p:nvPr/>
+        </p:nvPicPr>
+        <p:blipFill>
+          <a:blip r:embed="rId3" cstate="print">
+            <a:extLst>
+              <a:ext uri="{28A0092B-C50C-407E-A947-70E740481C1C}">
+                <a14:useLocalDpi xmlns:a14="http://schemas.microsoft.com/office/drawing/2010/main" val="0"/>
+              </a:ext>
+            </a:extLst>
+          </a:blip>
+          <a:stretch>
+            <a:fillRect/>
+          </a:stretch>
+        </p:blipFill>
+        <p:spPr>
+          <a:xfrm>
+            <a:off x="728113" y="1492427"/>
+            <a:ext cx="8686799" cy="6104335"/>
+          </a:xfrm>
+          <a:prstGeom prst="rect">
+            <a:avLst/>
+          </a:prstGeom>
+        </p:spPr>
+      </p:pic>
+      <p:sp>
+        <p:nvSpPr>
+          <p:cNvPr id="5" name="スライド番号プレースホルダー 4"/>
+          <p:cNvSpPr>
+            <a:spLocks noGrp="1"/>
+          </p:cNvSpPr>
+          <p:nvPr>
+            <p:ph type="sldNum" sz="quarter" idx="12"/>
+          </p:nvPr>
+        </p:nvSpPr>
+        <p:spPr/>
+        <p:txBody>
+          <a:bodyPr/>
+          <a:lstStyle/>
+          <a:p>
+            <a:fld id="{DF28FB93-0A08-4E7D-8E63-9EFA29F1E093}" type="slidenum">
+              <a:rPr lang="en-US" smtClean="0"/>
+              <a:pPr/>
+              <a:t>2</a:t>
+            </a:fld>
+            <a:endParaRPr lang="en-US"/>
+          </a:p>
+        </p:txBody>
+      </p:sp>
+      <p:sp>
+        <p:nvSpPr>
+          <p:cNvPr id="7" name="コンテンツ プレースホルダー 2"/>
+          <p:cNvSpPr>
+            <a:spLocks noGrp="1"/>
+          </p:cNvSpPr>
+          <p:nvPr>
+            <p:ph idx="1"/>
+          </p:nvPr>
+        </p:nvSpPr>
+        <p:spPr>
+          <a:xfrm>
+            <a:off x="304800" y="1181102"/>
+            <a:ext cx="8559800" cy="2832100"/>
+          </a:xfrm>
+        </p:spPr>
+        <p:txBody>
+          <a:bodyPr>
+            <a:normAutofit/>
+          </a:bodyPr>
+          <a:lstStyle/>
+          <a:p>
+            <a:pPr>
+              <a:lnSpc>
+                <a:spcPct val="120000"/>
+              </a:lnSpc>
+            </a:pPr>
+            <a:r>
+              <a:rPr kumimoji="1" lang="ja-JP" altLang="en-US" dirty="0" smtClean="0">
+                <a:solidFill>
+                  <a:srgbClr val="FFFFFF"/>
+                </a:solidFill>
+              </a:rPr>
+              <a:t>セキュリティっぽい</a:t>
+            </a:r>
+            <a:r>
+              <a:rPr kumimoji="1" lang="en-US" altLang="ja-JP" dirty="0" smtClean="0">
+                <a:solidFill>
+                  <a:srgbClr val="FFFFFF"/>
+                </a:solidFill>
+                <a:latin typeface="Tahoma"/>
+                <a:cs typeface="Tahoma"/>
+              </a:rPr>
+              <a:t>IT</a:t>
+            </a:r>
+            <a:r>
+              <a:rPr kumimoji="1" lang="ja-JP" altLang="en-US" dirty="0" smtClean="0">
+                <a:solidFill>
+                  <a:srgbClr val="FFFFFF"/>
+                </a:solidFill>
+              </a:rPr>
+              <a:t>エンジニア</a:t>
+            </a:r>
+            <a:r>
+              <a:rPr kumimoji="1" lang="en-US" altLang="ja-JP" dirty="0" smtClean="0">
+                <a:solidFill>
+                  <a:srgbClr val="FFFFFF"/>
+                </a:solidFill>
+                <a:latin typeface="Tahoma"/>
+                <a:cs typeface="Tahoma"/>
+              </a:rPr>
+              <a:t>(pentester)</a:t>
+            </a:r>
+            <a:endParaRPr kumimoji="1" lang="en-US" altLang="ja-JP" dirty="0">
+              <a:solidFill>
+                <a:srgbClr val="FFFFFF"/>
+              </a:solidFill>
+              <a:latin typeface="Tahoma"/>
+              <a:cs typeface="Tahoma"/>
+            </a:endParaRPr>
+          </a:p>
+          <a:p>
+            <a:pPr>
+              <a:lnSpc>
+                <a:spcPct val="120000"/>
+              </a:lnSpc>
+            </a:pPr>
+            <a:r>
+              <a:rPr lang="en-US" altLang="ja-JP" dirty="0" smtClean="0">
+                <a:solidFill>
+                  <a:srgbClr val="FFFFFF"/>
+                </a:solidFill>
+                <a:latin typeface="Tahoma"/>
+                <a:cs typeface="Tahoma"/>
+              </a:rPr>
+              <a:t>Blog </a:t>
+            </a:r>
+            <a:r>
+              <a:rPr lang="en-US" altLang="ja-JP" dirty="0" smtClean="0">
+                <a:solidFill>
+                  <a:srgbClr val="FFFFFF"/>
+                </a:solidFill>
+              </a:rPr>
+              <a:t>: </a:t>
+            </a:r>
+            <a:r>
+              <a:rPr lang="ja-JP" altLang="en-US" dirty="0" smtClean="0">
+                <a:solidFill>
+                  <a:srgbClr val="FFFFFF"/>
+                </a:solidFill>
+              </a:rPr>
+              <a:t>ろば電子が詰まっている</a:t>
+            </a:r>
+            <a:endParaRPr lang="en-US" altLang="ja-JP" dirty="0" smtClean="0">
+              <a:solidFill>
+                <a:srgbClr val="FFFFFF"/>
+              </a:solidFill>
+            </a:endParaRPr>
+          </a:p>
+          <a:p>
+            <a:pPr lvl="1">
+              <a:lnSpc>
+                <a:spcPct val="120000"/>
+              </a:lnSpc>
+            </a:pPr>
+            <a:r>
+              <a:rPr lang="en-US" altLang="ja-JP" dirty="0" smtClean="0">
+                <a:solidFill>
+                  <a:srgbClr val="FFFFFF"/>
+                </a:solidFill>
+                <a:latin typeface="Tahoma"/>
+                <a:cs typeface="Tahoma"/>
+              </a:rPr>
+              <a:t>http</a:t>
+            </a:r>
+            <a:r>
+              <a:rPr lang="en-US" altLang="ja-JP" dirty="0">
+                <a:solidFill>
+                  <a:srgbClr val="FFFFFF"/>
+                </a:solidFill>
+                <a:latin typeface="Tahoma"/>
+                <a:cs typeface="Tahoma"/>
+              </a:rPr>
+              <a:t>://</a:t>
+            </a:r>
+            <a:r>
+              <a:rPr lang="en-US" altLang="ja-JP" dirty="0" err="1">
+                <a:solidFill>
+                  <a:srgbClr val="FFFFFF"/>
+                </a:solidFill>
+                <a:latin typeface="Tahoma"/>
+                <a:cs typeface="Tahoma"/>
+              </a:rPr>
+              <a:t>d.hatena.ne.jp</a:t>
+            </a:r>
+            <a:r>
+              <a:rPr lang="en-US" altLang="ja-JP" dirty="0">
+                <a:solidFill>
+                  <a:srgbClr val="FFFFFF"/>
+                </a:solidFill>
+                <a:latin typeface="Tahoma"/>
+                <a:cs typeface="Tahoma"/>
+              </a:rPr>
+              <a:t>/ozuma/</a:t>
+            </a:r>
+          </a:p>
+          <a:p>
+            <a:pPr>
+              <a:lnSpc>
+                <a:spcPct val="120000"/>
+              </a:lnSpc>
+            </a:pPr>
+            <a:r>
+              <a:rPr kumimoji="1" lang="ja-JP" altLang="en-US" dirty="0">
+                <a:solidFill>
+                  <a:srgbClr val="FFFFFF"/>
+                </a:solidFill>
+              </a:rPr>
+              <a:t>科学写真家</a:t>
+            </a:r>
+            <a:r>
+              <a:rPr kumimoji="1" lang="en-US" altLang="ja-JP" dirty="0">
+                <a:solidFill>
+                  <a:srgbClr val="FFFFFF"/>
+                </a:solidFill>
+              </a:rPr>
+              <a:t>(</a:t>
+            </a:r>
+            <a:r>
+              <a:rPr kumimoji="1" lang="ja-JP" altLang="en-US" dirty="0">
+                <a:solidFill>
+                  <a:srgbClr val="FFFFFF"/>
+                </a:solidFill>
+              </a:rPr>
+              <a:t>と名乗っている</a:t>
+            </a:r>
+            <a:r>
+              <a:rPr kumimoji="1" lang="en-US" altLang="ja-JP" dirty="0">
+                <a:solidFill>
+                  <a:srgbClr val="FFFFFF"/>
+                </a:solidFill>
+              </a:rPr>
+              <a:t>)</a:t>
+            </a:r>
+            <a:endParaRPr kumimoji="1" lang="ja-JP" altLang="en-US" dirty="0">
+              <a:solidFill>
+                <a:srgbClr val="FFFFFF"/>
+              </a:solidFill>
+            </a:endParaRPr>
+          </a:p>
+        </p:txBody>
+      </p:sp>
+      <p:sp>
+        <p:nvSpPr>
+          <p:cNvPr id="3" name="テキスト ボックス 2"/>
+          <p:cNvSpPr txBox="1"/>
+          <p:nvPr/>
+        </p:nvSpPr>
+        <p:spPr>
+          <a:xfrm>
+            <a:off x="304800" y="38102"/>
+            <a:ext cx="3898900" cy="646331"/>
+          </a:xfrm>
+          <a:prstGeom prst="rect">
+            <a:avLst/>
+          </a:prstGeom>
+          <a:noFill/>
+        </p:spPr>
+        <p:txBody>
+          <a:bodyPr wrap="square" rtlCol="0">
+            <a:spAutoFit/>
+          </a:bodyPr>
+          <a:lstStyle/>
+          <a:p>
+            <a:r>
+              <a:rPr kumimoji="1" lang="en-US" altLang="ja-JP" sz="3600" dirty="0" smtClean="0">
+                <a:solidFill>
+                  <a:schemeClr val="bg1"/>
+                </a:solidFill>
+              </a:rPr>
+              <a:t>@ozuma5119</a:t>
+            </a:r>
+            <a:endParaRPr kumimoji="1" lang="ja-JP" altLang="en-US" sz="3600" dirty="0">
+              <a:solidFill>
+                <a:schemeClr val="bg1"/>
+              </a:solidFill>
+            </a:endParaRPr>
+          </a:p>
+        </p:txBody>
+      </p:sp>
+      <p:cxnSp>
+        <p:nvCxnSpPr>
+          <p:cNvPr id="10" name="直線コネクタ 9"/>
+          <p:cNvCxnSpPr/>
+          <p:nvPr/>
+        </p:nvCxnSpPr>
+        <p:spPr>
+          <a:xfrm>
+            <a:off x="419100" y="787400"/>
+            <a:ext cx="8267700" cy="0"/>
+          </a:xfrm>
+          <a:prstGeom prst="line">
+            <a:avLst/>
+          </a:prstGeom>
+          <a:ln w="57150" cmpd="sng">
+            <a:solidFill>
+              <a:srgbClr val="FFF2CC"/>
+            </a:solidFill>
+          </a:ln>
+        </p:spPr>
+        <p:style>
+          <a:lnRef idx="2">
+            <a:schemeClr val="accent1"/>
+          </a:lnRef>
+          <a:fillRef idx="0">
+            <a:schemeClr val="accent1"/>
+          </a:fillRef>
+          <a:effectRef idx="1">
+            <a:schemeClr val="accent1"/>
+          </a:effectRef>
+          <a:fontRef idx="minor">
+            <a:schemeClr val="tx1"/>
+          </a:fontRef>
+        </p:style>
+      </p:cxnSp>
+    </p:spTree>
+    <p:extLst>
+      <p:ext uri="{BB962C8B-B14F-4D97-AF65-F5344CB8AC3E}">
+        <p14:creationId xmlns:p14="http://schemas.microsoft.com/office/powerpoint/2010/main" val="4038990212"/>
+      </p:ext>
+    </p:extLst>
+  </p:cSld>
+  <p:clrMapOvr>
+    <a:masterClrMapping/>
+  </p:clrMapOvr>
+  <p:timing>
+    <p:tnLst>
+      <p:par>
+        <p:cTn id="1" dur="indefinite" restart="never" nodeType="tmRoot"/>
+      </p:par>
+    </p:tnLst>
+  </p:timing>
+</p:sld>
+</file>
+
+<file path=ppt/slides/slide3.xml><?xml version="1.0" encoding="utf-8"?>
+<p:sld xmlns:a="http://schemas.openxmlformats.org/drawingml/2006/main" xmlns:r="http://schemas.openxmlformats.org/officeDocument/2006/relationships" xmlns:p="http://schemas.openxmlformats.org/presentationml/2006/main">
+  <p:cSld>
+    <p:spTree>
+      <p:nvGrpSpPr>
+        <p:cNvPr id="1" name=""/>
+        <p:cNvGrpSpPr/>
+        <p:nvPr/>
+      </p:nvGrpSpPr>
+      <p:grpSpPr>
+        <a:xfrm>
+          <a:off x="0" y="0"/>
+          <a:ext cx="0" cy="0"/>
+          <a:chOff x="0" y="0"/>
+          <a:chExt cx="0" cy="0"/>
+        </a:xfrm>
+      </p:grpSpPr>
+      <p:sp>
+        <p:nvSpPr>
+          <p:cNvPr id="2" name="タイトル 1"/>
+          <p:cNvSpPr>
+            <a:spLocks noGrp="1"/>
+          </p:cNvSpPr>
+          <p:nvPr>
+            <p:ph type="title"/>
+          </p:nvPr>
+        </p:nvSpPr>
+        <p:spPr/>
+        <p:txBody>
+          <a:bodyPr/>
+          <a:lstStyle/>
+          <a:p>
+            <a:r>
+              <a:rPr kumimoji="1" lang="en-US" altLang="ja-JP" smtClean="0"/>
+              <a:t>Agenda.</a:t>
+            </a:r>
+            <a:endParaRPr kumimoji="1" lang="ja-JP" altLang="en-US"/>
+          </a:p>
+        </p:txBody>
+      </p:sp>
+      <p:sp>
+        <p:nvSpPr>
+          <p:cNvPr id="3" name="コンテンツ プレースホルダー 2"/>
+          <p:cNvSpPr>
+            <a:spLocks noGrp="1"/>
+          </p:cNvSpPr>
+          <p:nvPr>
+            <p:ph idx="1"/>
+          </p:nvPr>
+        </p:nvSpPr>
+        <p:spPr/>
+        <p:txBody>
+          <a:bodyPr/>
+          <a:lstStyle/>
+          <a:p>
+            <a:r>
+              <a:rPr kumimoji="1" lang="ja-JP" altLang="en-US" b="1" smtClean="0">
+                <a:solidFill>
+                  <a:schemeClr val="accent5">
+                    <a:lumMod val="75000"/>
+                  </a:schemeClr>
+                </a:solidFill>
+              </a:rPr>
+              <a:t>攻撃者視点：</a:t>
+            </a:r>
+            <a:r>
+              <a:rPr kumimoji="1" lang="ja-JP" altLang="en-US" smtClean="0"/>
+              <a:t>攻撃</a:t>
+            </a:r>
+            <a:r>
+              <a:rPr kumimoji="1" lang="ja-JP" altLang="en-US" smtClean="0"/>
+              <a:t>を「隠す」</a:t>
+            </a:r>
+            <a:endParaRPr kumimoji="1" lang="en-US" altLang="ja-JP" smtClean="0"/>
+          </a:p>
+          <a:p>
+            <a:pPr lvl="1"/>
+            <a:r>
+              <a:rPr lang="ja-JP" altLang="en-US" smtClean="0"/>
+              <a:t>ポートスキャン等を</a:t>
+            </a:r>
+            <a:r>
+              <a:rPr lang="ja-JP" altLang="en-US"/>
+              <a:t>気づかれないように</a:t>
+            </a:r>
+            <a:r>
+              <a:rPr lang="ja-JP" altLang="en-US"/>
+              <a:t>実行</a:t>
+            </a:r>
+            <a:r>
+              <a:rPr lang="ja-JP" altLang="en-US" smtClean="0"/>
+              <a:t>する</a:t>
+            </a:r>
+            <a:endParaRPr lang="en-US" altLang="ja-JP" smtClean="0"/>
+          </a:p>
+          <a:p>
+            <a:pPr lvl="1"/>
+            <a:r>
+              <a:rPr kumimoji="1" lang="ja-JP" altLang="en-US" smtClean="0"/>
+              <a:t>セキュリティポリシを</a:t>
+            </a:r>
+            <a:r>
+              <a:rPr kumimoji="1" lang="ja-JP" altLang="en-US" smtClean="0"/>
+              <a:t>かいくぐって通信する</a:t>
+            </a:r>
+            <a:endParaRPr kumimoji="1" lang="en-US" altLang="ja-JP" smtClean="0"/>
+          </a:p>
+          <a:p>
+            <a:r>
+              <a:rPr kumimoji="1" lang="ja-JP" altLang="en-US" b="1" smtClean="0">
+                <a:solidFill>
+                  <a:schemeClr val="accent5">
+                    <a:lumMod val="75000"/>
+                  </a:schemeClr>
+                </a:solidFill>
+              </a:rPr>
+              <a:t>防御側視点：</a:t>
+            </a:r>
+            <a:r>
+              <a:rPr kumimoji="1" lang="ja-JP" altLang="en-US" smtClean="0"/>
+              <a:t>攻撃</a:t>
+            </a:r>
+            <a:r>
+              <a:rPr kumimoji="1" lang="ja-JP" altLang="en-US" smtClean="0"/>
+              <a:t>から「隠れる」</a:t>
+            </a:r>
+            <a:endParaRPr kumimoji="1" lang="en-US" altLang="ja-JP" smtClean="0"/>
+          </a:p>
+          <a:p>
+            <a:pPr lvl="1"/>
+            <a:r>
+              <a:rPr lang="ja-JP" altLang="en-US" smtClean="0"/>
+              <a:t>リソースを隠す（開放ポートやホストの存在自体）</a:t>
+            </a:r>
+            <a:endParaRPr lang="en-US" altLang="ja-JP" smtClean="0"/>
+          </a:p>
+          <a:p>
+            <a:pPr lvl="1"/>
+            <a:r>
+              <a:rPr lang="ja-JP" altLang="en-US" smtClean="0"/>
+              <a:t>ソフトウェア</a:t>
+            </a:r>
+            <a:r>
+              <a:rPr lang="ja-JP" altLang="en-US"/>
+              <a:t>情報</a:t>
+            </a:r>
+            <a:r>
+              <a:rPr lang="ja-JP" altLang="en-US" smtClean="0"/>
+              <a:t>を隠す（バナー隠蔽、デバッグモードの</a:t>
+            </a:r>
+            <a:r>
+              <a:rPr lang="en-US" altLang="ja-JP" smtClean="0"/>
+              <a:t>OFF</a:t>
+            </a:r>
+            <a:r>
+              <a:rPr lang="ja-JP" altLang="en-US" smtClean="0"/>
+              <a:t>、エラーメッセージは寡黙に）</a:t>
+            </a:r>
+            <a:endParaRPr lang="en-US" altLang="ja-JP" smtClean="0"/>
+          </a:p>
+          <a:p>
+            <a:pPr lvl="1"/>
+            <a:r>
+              <a:rPr lang="ja-JP" altLang="en-US" smtClean="0"/>
+              <a:t>ホンモノの開放</a:t>
+            </a:r>
+            <a:r>
+              <a:rPr lang="ja-JP" altLang="en-US"/>
+              <a:t>ポート</a:t>
+            </a:r>
+            <a:r>
+              <a:rPr lang="ja-JP" altLang="en-US" smtClean="0"/>
+              <a:t>の存在を、大量のデコイを利用して隠す</a:t>
+            </a:r>
+            <a:endParaRPr lang="en-US" altLang="ja-JP" smtClean="0"/>
+          </a:p>
+          <a:p>
+            <a:pPr marL="457200" lvl="1" indent="0">
+              <a:buNone/>
+            </a:pPr>
+            <a:r>
+              <a:rPr lang="ja-JP" altLang="en-US" sz="2800" b="1" smtClean="0">
+                <a:solidFill>
+                  <a:srgbClr val="FF0000"/>
+                </a:solidFill>
+              </a:rPr>
+              <a:t>  　→ 科学</a:t>
+            </a:r>
+            <a:r>
+              <a:rPr lang="ja-JP" altLang="en-US" sz="2800" b="1" smtClean="0">
+                <a:solidFill>
+                  <a:srgbClr val="FF0000"/>
+                </a:solidFill>
+              </a:rPr>
+              <a:t>忍法・</a:t>
+            </a:r>
+            <a:r>
+              <a:rPr lang="en-US" altLang="ja-JP" sz="2800" b="1" smtClean="0">
+                <a:solidFill>
+                  <a:srgbClr val="FF0000"/>
+                </a:solidFill>
+              </a:rPr>
+              <a:t>ssh</a:t>
+            </a:r>
+            <a:r>
+              <a:rPr lang="ja-JP" altLang="en-US" sz="2800" b="1" smtClean="0">
+                <a:solidFill>
+                  <a:srgbClr val="FF0000"/>
+                </a:solidFill>
+              </a:rPr>
+              <a:t>分身の術</a:t>
+            </a:r>
+            <a:endParaRPr lang="en-US" altLang="ja-JP" sz="2800" b="1" smtClean="0">
+              <a:solidFill>
+                <a:srgbClr val="FF0000"/>
+              </a:solidFill>
+            </a:endParaRPr>
+          </a:p>
+        </p:txBody>
+      </p:sp>
+    </p:spTree>
+    <p:extLst>
+      <p:ext uri="{BB962C8B-B14F-4D97-AF65-F5344CB8AC3E}">
+        <p14:creationId xmlns:p14="http://schemas.microsoft.com/office/powerpoint/2010/main" val="2790500367"/>
+      </p:ext>
+    </p:extLst>
+  </p:cSld>
+  <p:clrMapOvr>
+    <a:masterClrMapping/>
+  </p:clrMapOvr>
+  <p:timing>
+    <p:tnLst>
+      <p:par>
+        <p:cTn id="1" dur="indefinite" restart="never" nodeType="tmRoot"/>
+      </p:par>
+    </p:tnLst>
+  </p:timing>
+</p:sld>
+</file>
+
+<file path=ppt/slides/slide4.xml><?xml version="1.0" encoding="utf-8"?>
+<p:sld xmlns:a="http://schemas.openxmlformats.org/drawingml/2006/main" xmlns:r="http://schemas.openxmlformats.org/officeDocument/2006/relationships" xmlns:p="http://schemas.openxmlformats.org/presentationml/2006/main">
+  <p:cSld>
+    <p:spTree>
+      <p:nvGrpSpPr>
+        <p:cNvPr id="1" name=""/>
+        <p:cNvGrpSpPr/>
+        <p:nvPr/>
+      </p:nvGrpSpPr>
+      <p:grpSpPr>
+        <a:xfrm>
+          <a:off x="0" y="0"/>
+          <a:ext cx="0" cy="0"/>
+          <a:chOff x="0" y="0"/>
+          <a:chExt cx="0" cy="0"/>
+        </a:xfrm>
+      </p:grpSpPr>
+      <p:pic>
+        <p:nvPicPr>
+          <p:cNvPr id="4" name="図 3"/>
+          <p:cNvPicPr>
+            <a:picLocks noChangeAspect="1"/>
+          </p:cNvPicPr>
+          <p:nvPr/>
+        </p:nvPicPr>
+        <p:blipFill rotWithShape="1">
+          <a:blip r:embed="rId2" cstate="print">
+            <a:extLst>
+              <a:ext uri="{28A0092B-C50C-407E-A947-70E740481C1C}">
+                <a14:useLocalDpi xmlns:a14="http://schemas.microsoft.com/office/drawing/2010/main" val="0"/>
+              </a:ext>
+            </a:extLst>
+          </a:blip>
+          <a:srcRect/>
+          <a:stretch/>
+        </p:blipFill>
+        <p:spPr>
+          <a:xfrm>
+            <a:off x="11575" y="-115747"/>
+            <a:ext cx="9306046" cy="7106856"/>
+          </a:xfrm>
+          <a:prstGeom prst="rect">
+            <a:avLst/>
+          </a:prstGeom>
+          <a:effectLst>
+            <a:outerShdw blurRad="50800" dist="50800" dir="5400000" algn="ctr" rotWithShape="0">
+              <a:srgbClr val="000000"/>
+            </a:outerShdw>
+          </a:effectLst>
+        </p:spPr>
+      </p:pic>
+      <p:sp>
+        <p:nvSpPr>
+          <p:cNvPr id="5" name="テキスト ボックス 4"/>
+          <p:cNvSpPr txBox="1"/>
+          <p:nvPr/>
+        </p:nvSpPr>
+        <p:spPr>
+          <a:xfrm>
+            <a:off x="1904412" y="712941"/>
+            <a:ext cx="6140549" cy="1754326"/>
+          </a:xfrm>
+          <a:prstGeom prst="rect">
+            <a:avLst/>
+          </a:prstGeom>
+          <a:noFill/>
+        </p:spPr>
+        <p:txBody>
+          <a:bodyPr wrap="square" rtlCol="0">
+            <a:spAutoFit/>
+          </a:bodyPr>
+          <a:lstStyle/>
+          <a:p>
+            <a:r>
+              <a:rPr kumimoji="1" lang="en-US" altLang="ja-JP" sz="5400" smtClean="0">
+                <a:ln>
+                  <a:solidFill>
+                    <a:schemeClr val="bg1">
+                      <a:lumMod val="50000"/>
+                    </a:schemeClr>
+                  </a:solidFill>
+                </a:ln>
+                <a:latin typeface="Tahoma" panose="020B0604030504040204" pitchFamily="34" charset="0"/>
+                <a:cs typeface="Tahoma" panose="020B0604030504040204" pitchFamily="34" charset="0"/>
+              </a:rPr>
+              <a:t>something </a:t>
+            </a:r>
+            <a:r>
+              <a:rPr lang="en-US" altLang="ja-JP" sz="5400" smtClean="0">
+                <a:ln>
+                  <a:solidFill>
+                    <a:schemeClr val="bg1">
+                      <a:lumMod val="50000"/>
+                    </a:schemeClr>
+                  </a:solidFill>
+                </a:ln>
+                <a:latin typeface="Tahoma" panose="020B0604030504040204" pitchFamily="34" charset="0"/>
+                <a:cs typeface="Tahoma" panose="020B0604030504040204" pitchFamily="34" charset="0"/>
+              </a:rPr>
+              <a:t>in the traffic...</a:t>
+            </a:r>
+            <a:endParaRPr kumimoji="1" lang="ja-JP" altLang="en-US" sz="5400">
+              <a:ln>
+                <a:solidFill>
+                  <a:schemeClr val="bg1">
+                    <a:lumMod val="50000"/>
+                  </a:schemeClr>
+                </a:solidFill>
+              </a:ln>
+              <a:latin typeface="Tahoma" panose="020B0604030504040204" pitchFamily="34" charset="0"/>
+              <a:cs typeface="Tahoma" panose="020B0604030504040204" pitchFamily="34" charset="0"/>
+            </a:endParaRPr>
+          </a:p>
+        </p:txBody>
+      </p:sp>
+    </p:spTree>
+    <p:extLst>
+      <p:ext uri="{BB962C8B-B14F-4D97-AF65-F5344CB8AC3E}">
+        <p14:creationId xmlns:p14="http://schemas.microsoft.com/office/powerpoint/2010/main" val="1093681869"/>
+      </p:ext>
+    </p:extLst>
+  </p:cSld>
+  <p:clrMapOvr>
+    <a:masterClrMapping/>
+  </p:clrMapOvr>
+  <p:timing>
+    <p:tnLst>
+      <p:par>
+        <p:cTn id="1" dur="indefinite" restart="never" nodeType="tmRoot"/>
+      </p:par>
+    </p:tnLst>
+  </p:timing>
+</p:sld>
+</file>
+
+<file path=ppt/slides/slide5.xml><?xml version="1.0" encoding="utf-8"?>
+<p:sld xmlns:a="http://schemas.openxmlformats.org/drawingml/2006/main" xmlns:r="http://schemas.openxmlformats.org/officeDocument/2006/relationships" xmlns:p="http://schemas.openxmlformats.org/presentationml/2006/main">
+  <p:cSld>
+    <p:spTree>
+      <p:nvGrpSpPr>
+        <p:cNvPr id="1" name=""/>
+        <p:cNvGrpSpPr/>
+        <p:nvPr/>
+      </p:nvGrpSpPr>
+      <p:grpSpPr>
+        <a:xfrm>
+          <a:off x="0" y="0"/>
+          <a:ext cx="0" cy="0"/>
+          <a:chOff x="0" y="0"/>
+          <a:chExt cx="0" cy="0"/>
+        </a:xfrm>
+      </p:grpSpPr>
+      <p:sp>
+        <p:nvSpPr>
+          <p:cNvPr id="2" name="タイトル 1"/>
+          <p:cNvSpPr>
+            <a:spLocks noGrp="1"/>
+          </p:cNvSpPr>
+          <p:nvPr>
+            <p:ph type="title"/>
+          </p:nvPr>
+        </p:nvSpPr>
+        <p:spPr/>
+        <p:txBody>
+          <a:bodyPr/>
+          <a:lstStyle/>
+          <a:p>
+            <a:r>
+              <a:rPr kumimoji="1" lang="en-US" altLang="ja-JP" smtClean="0"/>
+              <a:t>Situation.</a:t>
+            </a:r>
+            <a:endParaRPr kumimoji="1" lang="ja-JP" altLang="en-US"/>
+          </a:p>
+        </p:txBody>
+      </p:sp>
+      <p:sp>
+        <p:nvSpPr>
+          <p:cNvPr id="3" name="コンテンツ プレースホルダー 2"/>
+          <p:cNvSpPr>
+            <a:spLocks noGrp="1"/>
+          </p:cNvSpPr>
+          <p:nvPr>
+            <p:ph idx="1"/>
+          </p:nvPr>
+        </p:nvSpPr>
+        <p:spPr/>
+        <p:txBody>
+          <a:bodyPr/>
+          <a:lstStyle/>
+          <a:p>
+            <a:r>
+              <a:rPr lang="en-US" altLang="en-US"/>
+              <a:t>犯人(YASU)</a:t>
+            </a:r>
+            <a:r>
+              <a:rPr kumimoji="1" lang="ja-JP" altLang="en-US" smtClean="0"/>
+              <a:t>により閉じ込められた密室</a:t>
+            </a:r>
+            <a:endParaRPr kumimoji="1" lang="en-US" altLang="ja-JP" smtClean="0"/>
+          </a:p>
+          <a:p>
+            <a:r>
+              <a:rPr lang="ja-JP" altLang="en-US" smtClean="0"/>
+              <a:t>なぜか</a:t>
+            </a:r>
+            <a:r>
+              <a:rPr lang="en-US" altLang="ja-JP" smtClean="0"/>
+              <a:t>ICMP(ping)</a:t>
+            </a:r>
+            <a:r>
+              <a:rPr lang="ja-JP" altLang="en-US" smtClean="0"/>
+              <a:t>だけ</a:t>
+            </a:r>
+            <a:r>
+              <a:rPr lang="ja-JP" altLang="en-US" smtClean="0"/>
+              <a:t>インターネットに到達する</a:t>
+            </a:r>
+            <a:r>
+              <a:rPr lang="en-US" altLang="ja-JP" smtClean="0"/>
+              <a:t>PC</a:t>
+            </a:r>
+            <a:r>
+              <a:rPr lang="ja-JP" altLang="en-US" smtClean="0"/>
+              <a:t>が置いてある（</a:t>
+            </a:r>
+            <a:r>
+              <a:rPr lang="ja-JP" altLang="en-US"/>
+              <a:t>なんだそれ）</a:t>
+            </a:r>
+            <a:endParaRPr lang="en-US" altLang="ja-JP" smtClean="0"/>
+          </a:p>
+          <a:p>
+            <a:r>
+              <a:rPr kumimoji="1" lang="ja-JP" altLang="en-US" smtClean="0"/>
+              <a:t>この状況で、犯人を外部になんとしてでも伝えたい</a:t>
+            </a:r>
+            <a:endParaRPr kumimoji="1" lang="en-US" altLang="ja-JP" smtClean="0"/>
+          </a:p>
+          <a:p>
+            <a:r>
+              <a:rPr kumimoji="1" lang="ja-JP" altLang="en-US" smtClean="0"/>
+              <a:t>外部の協力者の</a:t>
+            </a:r>
+            <a:r>
+              <a:rPr kumimoji="1" lang="en-US" altLang="ja-JP" smtClean="0"/>
+              <a:t>IP</a:t>
+            </a:r>
+            <a:r>
+              <a:rPr kumimoji="1" lang="ja-JP" altLang="en-US" smtClean="0"/>
+              <a:t>アドレスは分かっている（なんだそれ）</a:t>
+            </a:r>
+            <a:endParaRPr kumimoji="1" lang="ja-JP" altLang="en-US"/>
+          </a:p>
+        </p:txBody>
+      </p:sp>
+    </p:spTree>
+    <p:extLst>
+      <p:ext uri="{BB962C8B-B14F-4D97-AF65-F5344CB8AC3E}">
+        <p14:creationId xmlns:p14="http://schemas.microsoft.com/office/powerpoint/2010/main" val="1708929833"/>
+      </p:ext>
+    </p:extLst>
+  </p:cSld>
+  <p:clrMapOvr>
+    <a:masterClrMapping/>
+  </p:clrMapOvr>
+  <p:timing>
+    <p:tnLst>
+      <p:par>
+        <p:cTn id="1" dur="indefinite" restart="never" nodeType="tmRoot"/>
+      </p:par>
+    </p:tnLst>
+  </p:timing>
+</p:sld>
+</file>
+
+<file path=ppt/slides/slide6.xml><?xml version="1.0" encoding="utf-8"?>
+<p:sld xmlns:a="http://schemas.openxmlformats.org/drawingml/2006/main" xmlns:r="http://schemas.openxmlformats.org/officeDocument/2006/relationships" xmlns:p="http://schemas.openxmlformats.org/presentationml/2006/main">
+  <p:cSld>
+    <p:spTree>
+      <p:nvGrpSpPr>
+        <p:cNvPr id="1" name=""/>
+        <p:cNvGrpSpPr/>
+        <p:nvPr/>
+      </p:nvGrpSpPr>
+      <p:grpSpPr>
+        <a:xfrm>
+          <a:off x="0" y="0"/>
+          <a:ext cx="0" cy="0"/>
+          <a:chOff x="0" y="0"/>
+          <a:chExt cx="0" cy="0"/>
+        </a:xfrm>
+      </p:grpSpPr>
+      <p:sp>
+        <p:nvSpPr>
+          <p:cNvPr id="2" name="タイトル 1"/>
+          <p:cNvSpPr>
+            <a:spLocks noGrp="1"/>
+          </p:cNvSpPr>
+          <p:nvPr>
+            <p:ph type="title"/>
+          </p:nvPr>
+        </p:nvSpPr>
+        <p:spPr/>
+        <p:txBody>
+          <a:bodyPr/>
+          <a:lstStyle/>
+          <a:p>
+            <a:r>
+              <a:rPr kumimoji="1" lang="en-US" altLang="ja-JP" smtClean="0"/>
+              <a:t>Situation.</a:t>
+            </a:r>
+            <a:endParaRPr kumimoji="1" lang="ja-JP" altLang="en-US"/>
+          </a:p>
+        </p:txBody>
+      </p:sp>
+      <p:sp>
+        <p:nvSpPr>
+          <p:cNvPr id="3" name="コンテンツ プレースホルダー 2"/>
+          <p:cNvSpPr>
+            <a:spLocks noGrp="1"/>
+          </p:cNvSpPr>
+          <p:nvPr>
+            <p:ph idx="1"/>
+          </p:nvPr>
+        </p:nvSpPr>
+        <p:spPr/>
+        <p:txBody>
+          <a:bodyPr/>
+          <a:lstStyle/>
+          <a:p>
+            <a:r>
+              <a:rPr lang="en-US" altLang="en-US"/>
+              <a:t>犯人(YASU)</a:t>
+            </a:r>
+            <a:r>
+              <a:rPr kumimoji="1" lang="ja-JP" altLang="en-US" smtClean="0"/>
+              <a:t>により閉じ込められた密室</a:t>
+            </a:r>
+            <a:endParaRPr kumimoji="1" lang="en-US" altLang="ja-JP" smtClean="0"/>
+          </a:p>
+          <a:p>
+            <a:r>
+              <a:rPr lang="ja-JP" altLang="en-US" smtClean="0"/>
+              <a:t>なぜか</a:t>
+            </a:r>
+            <a:r>
+              <a:rPr lang="en-US" altLang="ja-JP" smtClean="0"/>
+              <a:t>ICMP(ping)</a:t>
+            </a:r>
+            <a:r>
+              <a:rPr lang="ja-JP" altLang="en-US" smtClean="0"/>
+              <a:t>だけ</a:t>
+            </a:r>
+            <a:r>
+              <a:rPr lang="ja-JP" altLang="en-US" smtClean="0"/>
+              <a:t>インターネットに到達する</a:t>
+            </a:r>
+            <a:r>
+              <a:rPr lang="en-US" altLang="ja-JP" smtClean="0"/>
+              <a:t>PC</a:t>
+            </a:r>
+            <a:r>
+              <a:rPr lang="ja-JP" altLang="en-US" smtClean="0"/>
+              <a:t>が置いてある（</a:t>
+            </a:r>
+            <a:r>
+              <a:rPr lang="ja-JP" altLang="en-US"/>
+              <a:t>なんだそれ）</a:t>
+            </a:r>
+            <a:endParaRPr lang="en-US" altLang="ja-JP" smtClean="0"/>
+          </a:p>
+          <a:p>
+            <a:r>
+              <a:rPr kumimoji="1" lang="ja-JP" altLang="en-US" smtClean="0"/>
+              <a:t>この状況で、犯人を外部になんとしてでも伝えたい</a:t>
+            </a:r>
+            <a:endParaRPr kumimoji="1" lang="en-US" altLang="ja-JP" smtClean="0"/>
+          </a:p>
+          <a:p>
+            <a:r>
+              <a:rPr kumimoji="1" lang="ja-JP" altLang="en-US" smtClean="0"/>
+              <a:t>外部の協力者の</a:t>
+            </a:r>
+            <a:r>
+              <a:rPr kumimoji="1" lang="en-US" altLang="ja-JP" smtClean="0"/>
+              <a:t>IP</a:t>
+            </a:r>
+            <a:r>
+              <a:rPr kumimoji="1" lang="ja-JP" altLang="en-US" smtClean="0"/>
+              <a:t>アドレスは分かっている（なんだそれ</a:t>
+            </a:r>
+            <a:r>
+              <a:rPr kumimoji="1" lang="ja-JP" altLang="en-US" smtClean="0"/>
+              <a:t>）</a:t>
+            </a:r>
+            <a:endParaRPr kumimoji="1" lang="en-US" altLang="ja-JP" smtClean="0"/>
+          </a:p>
+          <a:p>
+            <a:r>
+              <a:rPr lang="ja-JP" altLang="en-US" b="1" smtClean="0">
+                <a:solidFill>
+                  <a:srgbClr val="FF0000"/>
+                </a:solidFill>
+              </a:rPr>
+              <a:t>→ </a:t>
+            </a:r>
+            <a:r>
+              <a:rPr lang="en-US" altLang="ja-JP" b="1" smtClean="0">
+                <a:solidFill>
+                  <a:srgbClr val="FF0000"/>
+                </a:solidFill>
+              </a:rPr>
+              <a:t>ICMP</a:t>
+            </a:r>
+            <a:r>
+              <a:rPr lang="ja-JP" altLang="en-US" b="1" smtClean="0">
+                <a:solidFill>
+                  <a:srgbClr val="FF0000"/>
+                </a:solidFill>
+              </a:rPr>
+              <a:t>だけでメッセージを外部に伝えよう！</a:t>
+            </a:r>
+            <a:endParaRPr kumimoji="1" lang="ja-JP" altLang="en-US" b="1">
+              <a:solidFill>
+                <a:srgbClr val="FF0000"/>
+              </a:solidFill>
+            </a:endParaRPr>
+          </a:p>
+        </p:txBody>
+      </p:sp>
+    </p:spTree>
+    <p:extLst>
+      <p:ext uri="{BB962C8B-B14F-4D97-AF65-F5344CB8AC3E}">
+        <p14:creationId xmlns:p14="http://schemas.microsoft.com/office/powerpoint/2010/main" val="285120714"/>
+      </p:ext>
+    </p:extLst>
+  </p:cSld>
+  <p:clrMapOvr>
+    <a:masterClrMapping/>
+  </p:clrMapOvr>
+  <p:timing>
+    <p:tnLst>
+      <p:par>
+        <p:cTn id="1" dur="indefinite" restart="never" nodeType="tmRoot"/>
+      </p:par>
+    </p:tnLst>
+  </p:timing>
+</p:sld>
+</file>
+
+<file path=ppt/slides/slide7.xml><?xml version="1.0" encoding="utf-8"?>
+<p:sld xmlns:a="http://schemas.openxmlformats.org/drawingml/2006/main" xmlns:r="http://schemas.openxmlformats.org/officeDocument/2006/relationships" xmlns:p="http://schemas.openxmlformats.org/presentationml/2006/main">
+  <p:cSld>
+    <p:spTree>
+      <p:nvGrpSpPr>
+        <p:cNvPr id="1" name=""/>
+        <p:cNvGrpSpPr/>
+        <p:nvPr/>
+      </p:nvGrpSpPr>
+      <p:grpSpPr>
+        <a:xfrm>
+          <a:off x="0" y="0"/>
+          <a:ext cx="0" cy="0"/>
+          <a:chOff x="0" y="0"/>
+          <a:chExt cx="0" cy="0"/>
+        </a:xfrm>
+      </p:grpSpPr>
+      <p:pic>
+        <p:nvPicPr>
+          <p:cNvPr id="4" name="図 3"/>
+          <p:cNvPicPr>
+            <a:picLocks noChangeAspect="1"/>
+          </p:cNvPicPr>
+          <p:nvPr/>
+        </p:nvPicPr>
+        <p:blipFill>
+          <a:blip r:embed="rId3"/>
+          <a:stretch>
+            <a:fillRect/>
+          </a:stretch>
+        </p:blipFill>
+        <p:spPr>
+          <a:xfrm>
+            <a:off x="-1" y="-598338"/>
+            <a:ext cx="9207645" cy="5947578"/>
+          </a:xfrm>
+          <a:prstGeom prst="rect">
+            <a:avLst/>
+          </a:prstGeom>
+        </p:spPr>
+      </p:pic>
+      <p:sp>
+        <p:nvSpPr>
+          <p:cNvPr id="2" name="円/楕円 1"/>
+          <p:cNvSpPr/>
+          <p:nvPr/>
+        </p:nvSpPr>
+        <p:spPr>
+          <a:xfrm>
+            <a:off x="6876142" y="4109357"/>
+            <a:ext cx="2177143" cy="1034144"/>
+          </a:xfrm>
+          <a:prstGeom prst="ellipse">
+            <a:avLst/>
+          </a:prstGeom>
+          <a:noFill/>
+          <a:ln w="57150" cmpd="sng">
+            <a:solidFill>
+              <a:srgbClr val="FF0000"/>
+            </a:solidFill>
+          </a:ln>
+        </p:spPr>
+        <p:style>
+          <a:lnRef idx="1">
+            <a:schemeClr val="accent1"/>
+          </a:lnRef>
+          <a:fillRef idx="3">
+            <a:schemeClr val="accent1"/>
+          </a:fillRef>
+          <a:effectRef idx="2">
+            <a:schemeClr val="accent1"/>
+          </a:effectRef>
+          <a:fontRef idx="minor">
+            <a:schemeClr val="lt1"/>
+          </a:fontRef>
+        </p:style>
+        <p:txBody>
+          <a:bodyPr rtlCol="0" anchor="ctr"/>
+          <a:lstStyle/>
+          <a:p>
+            <a:pPr algn="ctr"/>
+            <a:endParaRPr kumimoji="1" lang="ja-JP" altLang="en-US"/>
+          </a:p>
+        </p:txBody>
+      </p:sp>
+      <p:cxnSp>
+        <p:nvCxnSpPr>
+          <p:cNvPr id="6" name="直線矢印コネクタ 5"/>
+          <p:cNvCxnSpPr/>
+          <p:nvPr/>
+        </p:nvCxnSpPr>
+        <p:spPr>
+          <a:xfrm>
+            <a:off x="6740071" y="2643634"/>
+            <a:ext cx="789214" cy="1474795"/>
+          </a:xfrm>
+          <a:prstGeom prst="straightConnector1">
+            <a:avLst/>
+          </a:prstGeom>
+          <a:ln w="57150" cmpd="sng">
+            <a:solidFill>
+              <a:srgbClr val="FF0000"/>
+            </a:solidFill>
+            <a:tailEnd type="arrow"/>
+          </a:ln>
+        </p:spPr>
+        <p:style>
+          <a:lnRef idx="2">
+            <a:schemeClr val="accent1"/>
+          </a:lnRef>
+          <a:fillRef idx="0">
+            <a:schemeClr val="accent1"/>
+          </a:fillRef>
+          <a:effectRef idx="1">
+            <a:schemeClr val="accent1"/>
+          </a:effectRef>
+          <a:fontRef idx="minor">
+            <a:schemeClr val="tx1"/>
+          </a:fontRef>
+        </p:style>
+      </p:cxnSp>
+      <p:sp>
+        <p:nvSpPr>
+          <p:cNvPr id="8" name="正方形/長方形 7"/>
+          <p:cNvSpPr/>
+          <p:nvPr/>
+        </p:nvSpPr>
+        <p:spPr>
+          <a:xfrm>
+            <a:off x="3084286" y="1641929"/>
+            <a:ext cx="4953000" cy="979715"/>
+          </a:xfrm>
+          <a:prstGeom prst="rect">
+            <a:avLst/>
+          </a:prstGeom>
+          <a:solidFill>
+            <a:schemeClr val="accent2">
+              <a:lumMod val="50000"/>
+            </a:schemeClr>
+          </a:solidFill>
+          <a:ln w="28575" cmpd="sng">
+            <a:solidFill>
+              <a:schemeClr val="accent4">
+                <a:lumMod val="20000"/>
+                <a:lumOff val="80000"/>
+              </a:schemeClr>
+            </a:solidFill>
+          </a:ln>
+          <a:effectLst>
+            <a:glow rad="101600">
+              <a:schemeClr val="tx1">
+                <a:alpha val="22000"/>
+              </a:schemeClr>
+            </a:glow>
+            <a:outerShdw blurRad="50800" dist="38100" dir="2700000" algn="tl" rotWithShape="0">
+              <a:srgbClr val="000000">
+                <a:alpha val="43000"/>
+              </a:srgbClr>
+            </a:outerShdw>
+          </a:effectLst>
+        </p:spPr>
+        <p:style>
+          <a:lnRef idx="1">
+            <a:schemeClr val="accent1"/>
+          </a:lnRef>
+          <a:fillRef idx="3">
+            <a:schemeClr val="accent1"/>
+          </a:fillRef>
+          <a:effectRef idx="2">
+            <a:schemeClr val="accent1"/>
+          </a:effectRef>
+          <a:fontRef idx="minor">
+            <a:schemeClr val="lt1"/>
+          </a:fontRef>
+        </p:style>
+        <p:txBody>
+          <a:bodyPr rtlCol="0" anchor="ctr"/>
+          <a:lstStyle/>
+          <a:p>
+            <a:r>
+              <a:rPr kumimoji="1" lang="en-US" altLang="ja-JP">
+                <a:solidFill>
+                  <a:schemeClr val="accent2">
+                    <a:lumMod val="20000"/>
+                    <a:lumOff val="80000"/>
+                  </a:schemeClr>
+                </a:solidFill>
+                <a:latin typeface="メイリオ"/>
+                <a:ea typeface="メイリオ"/>
+                <a:cs typeface="メイリオ"/>
+              </a:rPr>
+              <a:t>Windows</a:t>
+            </a:r>
+            <a:r>
+              <a:rPr kumimoji="1" lang="ja-JP" altLang="en-US">
+                <a:solidFill>
+                  <a:schemeClr val="accent2">
+                    <a:lumMod val="20000"/>
+                    <a:lumOff val="80000"/>
+                  </a:schemeClr>
+                </a:solidFill>
+                <a:latin typeface="メイリオ"/>
+                <a:ea typeface="メイリオ"/>
+                <a:cs typeface="メイリオ"/>
+              </a:rPr>
+              <a:t>の</a:t>
+            </a:r>
+            <a:r>
+              <a:rPr kumimoji="1" lang="en-US" altLang="ja-JP">
+                <a:solidFill>
+                  <a:schemeClr val="accent2">
+                    <a:lumMod val="20000"/>
+                    <a:lumOff val="80000"/>
+                  </a:schemeClr>
+                </a:solidFill>
+                <a:latin typeface="メイリオ"/>
+                <a:ea typeface="メイリオ"/>
+                <a:cs typeface="メイリオ"/>
+              </a:rPr>
+              <a:t>ping</a:t>
+            </a:r>
+            <a:r>
+              <a:rPr kumimoji="1" lang="ja-JP" altLang="en-US">
+                <a:solidFill>
+                  <a:schemeClr val="accent2">
+                    <a:lumMod val="20000"/>
+                    <a:lumOff val="80000"/>
+                  </a:schemeClr>
+                </a:solidFill>
+                <a:latin typeface="メイリオ"/>
+                <a:ea typeface="メイリオ"/>
+                <a:cs typeface="メイリオ"/>
+              </a:rPr>
+              <a:t>コマンドのペイロード：</a:t>
+            </a:r>
+            <a:endParaRPr kumimoji="1" lang="en-US" altLang="ja-JP">
+              <a:solidFill>
+                <a:schemeClr val="accent2">
+                  <a:lumMod val="20000"/>
+                  <a:lumOff val="80000"/>
+                </a:schemeClr>
+              </a:solidFill>
+              <a:latin typeface="メイリオ"/>
+              <a:ea typeface="メイリオ"/>
+              <a:cs typeface="メイリオ"/>
+            </a:endParaRPr>
+          </a:p>
+          <a:p>
+            <a:r>
+              <a:rPr lang="en-US" altLang="ja-JP" b="1">
+                <a:solidFill>
+                  <a:schemeClr val="accent2">
+                    <a:lumMod val="20000"/>
+                    <a:lumOff val="80000"/>
+                  </a:schemeClr>
+                </a:solidFill>
+                <a:latin typeface="Helvetica"/>
+                <a:cs typeface="Helvetica"/>
+              </a:rPr>
+              <a:t>abcdefghijklmnopqrstuvwabcdefghi</a:t>
+            </a:r>
+            <a:endParaRPr kumimoji="1" lang="ja-JP" altLang="en-US" b="1">
+              <a:solidFill>
+                <a:schemeClr val="accent2">
+                  <a:lumMod val="20000"/>
+                  <a:lumOff val="80000"/>
+                </a:schemeClr>
+              </a:solidFill>
+              <a:latin typeface="Helvetica"/>
+              <a:cs typeface="Helvetica"/>
+            </a:endParaRPr>
+          </a:p>
+        </p:txBody>
+      </p:sp>
+    </p:spTree>
+    <p:extLst>
+      <p:ext uri="{BB962C8B-B14F-4D97-AF65-F5344CB8AC3E}">
+        <p14:creationId xmlns:p14="http://schemas.microsoft.com/office/powerpoint/2010/main" val="251935292"/>
+      </p:ext>
+    </p:extLst>
+  </p:cSld>
+  <p:clrMapOvr>
+    <a:masterClrMapping/>
+  </p:clrMapOvr>
+  <p:timing>
+    <p:tnLst>
+      <p:par>
+        <p:cTn id="1" dur="indefinite" restart="never" nodeType="tmRoot"/>
+      </p:par>
+    </p:tnLst>
+  </p:timing>
+</p:sld>
+</file>
+
+<file path=ppt/slides/slide8.xml><?xml version="1.0" encoding="utf-8"?>
+<p:sld xmlns:a="http://schemas.openxmlformats.org/drawingml/2006/main" xmlns:r="http://schemas.openxmlformats.org/officeDocument/2006/relationships" xmlns:p="http://schemas.openxmlformats.org/presentationml/2006/main">
+  <p:cSld>
+    <p:spTree>
+      <p:nvGrpSpPr>
+        <p:cNvPr id="1" name=""/>
+        <p:cNvGrpSpPr/>
+        <p:nvPr/>
+      </p:nvGrpSpPr>
+      <p:grpSpPr>
+        <a:xfrm>
+          <a:off x="0" y="0"/>
+          <a:ext cx="0" cy="0"/>
+          <a:chOff x="0" y="0"/>
+          <a:chExt cx="0" cy="0"/>
+        </a:xfrm>
+      </p:grpSpPr>
+      <p:sp>
+        <p:nvSpPr>
+          <p:cNvPr id="5" name="正方形/長方形 4"/>
+          <p:cNvSpPr/>
+          <p:nvPr/>
+        </p:nvSpPr>
+        <p:spPr>
+          <a:xfrm>
+            <a:off x="190500" y="1605643"/>
+            <a:ext cx="8790215" cy="798285"/>
+          </a:xfrm>
+          <a:prstGeom prst="rect">
+            <a:avLst/>
+          </a:prstGeom>
+          <a:solidFill>
+            <a:schemeClr val="tx1"/>
+          </a:solidFill>
+          <a:ln>
+            <a:solidFill>
+              <a:schemeClr val="accent4">
+                <a:lumMod val="20000"/>
+                <a:lumOff val="80000"/>
+              </a:schemeClr>
+            </a:solidFill>
+          </a:ln>
+        </p:spPr>
+        <p:style>
+          <a:lnRef idx="1">
+            <a:schemeClr val="accent1"/>
+          </a:lnRef>
+          <a:fillRef idx="3">
+            <a:schemeClr val="accent1"/>
+          </a:fillRef>
+          <a:effectRef idx="2">
+            <a:schemeClr val="accent1"/>
+          </a:effectRef>
+          <a:fontRef idx="minor">
+            <a:schemeClr val="lt1"/>
+          </a:fontRef>
+        </p:style>
+        <p:txBody>
+          <a:bodyPr rtlCol="0" anchor="ctr"/>
+          <a:lstStyle/>
+          <a:p>
+            <a:r>
+              <a:rPr lang="en-US" altLang="ja-JP" sz="2800">
+                <a:latin typeface="Consolas"/>
+                <a:cs typeface="Consolas"/>
+              </a:rPr>
+              <a:t># nping --data-string &lt;string&gt; </a:t>
+            </a:r>
+            <a:r>
+              <a:rPr lang="en-US" altLang="ja-JP" sz="2800" smtClean="0">
+                <a:latin typeface="Consolas"/>
+                <a:cs typeface="Consolas"/>
+              </a:rPr>
+              <a:t>&lt;IPaddr&gt;</a:t>
+            </a:r>
+            <a:endParaRPr lang="en-US" altLang="ja-JP" sz="2800">
+              <a:latin typeface="Consolas"/>
+              <a:cs typeface="Consolas"/>
+            </a:endParaRPr>
+          </a:p>
+        </p:txBody>
+      </p:sp>
+      <p:sp>
+        <p:nvSpPr>
+          <p:cNvPr id="6" name="タイトル 1"/>
+          <p:cNvSpPr>
+            <a:spLocks noGrp="1"/>
+          </p:cNvSpPr>
+          <p:nvPr>
+            <p:ph type="title"/>
+          </p:nvPr>
+        </p:nvSpPr>
+        <p:spPr>
+          <a:xfrm>
+            <a:off x="637722" y="201841"/>
+            <a:ext cx="7886700" cy="913945"/>
+          </a:xfrm>
+        </p:spPr>
+        <p:txBody>
+          <a:bodyPr/>
+          <a:lstStyle/>
+          <a:p>
+            <a:r>
+              <a:rPr kumimoji="1" lang="en-US" altLang="ja-JP" smtClean="0"/>
+              <a:t>nping (Nmap</a:t>
+            </a:r>
+            <a:r>
+              <a:rPr kumimoji="1" lang="ja-JP" altLang="en-US" smtClean="0">
+                <a:latin typeface="メイリオ"/>
+                <a:ea typeface="メイリオ"/>
+                <a:cs typeface="メイリオ"/>
+              </a:rPr>
+              <a:t>付属</a:t>
+            </a:r>
+            <a:r>
+              <a:rPr lang="en-US" altLang="ja-JP"/>
+              <a:t>)</a:t>
+            </a:r>
+            <a:endParaRPr kumimoji="1" lang="ja-JP" altLang="en-US">
+              <a:latin typeface="メイリオ"/>
+              <a:ea typeface="メイリオ"/>
+              <a:cs typeface="メイリオ"/>
+            </a:endParaRPr>
+          </a:p>
+        </p:txBody>
+      </p:sp>
+    </p:spTree>
+    <p:extLst>
+      <p:ext uri="{BB962C8B-B14F-4D97-AF65-F5344CB8AC3E}">
+        <p14:creationId xmlns:p14="http://schemas.microsoft.com/office/powerpoint/2010/main" val="629575943"/>
+      </p:ext>
+    </p:extLst>
+  </p:cSld>
+  <p:clrMapOvr>
+    <a:masterClrMapping/>
+  </p:clrMapOvr>
+  <p:timing>
+    <p:tnLst>
+      <p:par>
+        <p:cTn id="1" dur="indefinite" restart="never" nodeType="tmRoot"/>
+      </p:par>
+    </p:tnLst>
+  </p:timing>
+</p:sld>
+</file>
+
+<file path=ppt/slides/slide9.xml><?xml version="1.0" encoding="utf-8"?>
+<p:sld xmlns:a="http://schemas.openxmlformats.org/drawingml/2006/main" xmlns:r="http://schemas.openxmlformats.org/officeDocument/2006/relationships" xmlns:p="http://schemas.openxmlformats.org/presentationml/2006/main">
+  <p:cSld>
+    <p:spTree>
+      <p:nvGrpSpPr>
+        <p:cNvPr id="1" name=""/>
+        <p:cNvGrpSpPr/>
+        <p:nvPr/>
+      </p:nvGrpSpPr>
+      <p:grpSpPr>
+        <a:xfrm>
+          <a:off x="0" y="0"/>
+          <a:ext cx="0" cy="0"/>
+          <a:chOff x="0" y="0"/>
+          <a:chExt cx="0" cy="0"/>
+        </a:xfrm>
+      </p:grpSpPr>
+      <p:pic>
+        <p:nvPicPr>
+          <p:cNvPr id="4" name="図 3"/>
+          <p:cNvPicPr>
+            <a:picLocks noChangeAspect="1"/>
+          </p:cNvPicPr>
+          <p:nvPr/>
+        </p:nvPicPr>
+        <p:blipFill>
+          <a:blip r:embed="rId2"/>
+          <a:stretch>
+            <a:fillRect/>
+          </a:stretch>
+        </p:blipFill>
+        <p:spPr>
+          <a:xfrm>
+            <a:off x="0" y="-1"/>
+            <a:ext cx="8160589" cy="5240645"/>
+          </a:xfrm>
+          <a:prstGeom prst="rect">
+            <a:avLst/>
+          </a:prstGeom>
+        </p:spPr>
+      </p:pic>
+      <p:sp>
+        <p:nvSpPr>
+          <p:cNvPr id="5" name="円/楕円 4"/>
+          <p:cNvSpPr/>
+          <p:nvPr/>
+        </p:nvSpPr>
+        <p:spPr>
+          <a:xfrm>
+            <a:off x="6349931" y="4206500"/>
+            <a:ext cx="2177143" cy="1034144"/>
+          </a:xfrm>
+          <a:prstGeom prst="ellipse">
+            <a:avLst/>
+          </a:prstGeom>
+          <a:noFill/>
+          <a:ln w="57150" cmpd="sng">
+            <a:solidFill>
+              <a:srgbClr val="FF0000"/>
+            </a:solidFill>
+          </a:ln>
+        </p:spPr>
+        <p:style>
+          <a:lnRef idx="1">
+            <a:schemeClr val="accent1"/>
+          </a:lnRef>
+          <a:fillRef idx="3">
+            <a:schemeClr val="accent1"/>
+          </a:fillRef>
+          <a:effectRef idx="2">
+            <a:schemeClr val="accent1"/>
+          </a:effectRef>
+          <a:fontRef idx="minor">
+            <a:schemeClr val="lt1"/>
+          </a:fontRef>
+        </p:style>
+        <p:txBody>
+          <a:bodyPr rtlCol="0" anchor="ctr"/>
+          <a:lstStyle/>
+          <a:p>
+            <a:pPr algn="ctr"/>
+            <a:endParaRPr kumimoji="1" lang="ja-JP" altLang="en-US"/>
+          </a:p>
+        </p:txBody>
+      </p:sp>
+      <p:cxnSp>
+        <p:nvCxnSpPr>
+          <p:cNvPr id="6" name="直線矢印コネクタ 5"/>
+          <p:cNvCxnSpPr/>
+          <p:nvPr/>
+        </p:nvCxnSpPr>
+        <p:spPr>
+          <a:xfrm>
+            <a:off x="6358262" y="3010619"/>
+            <a:ext cx="644812" cy="1204953"/>
+          </a:xfrm>
+          <a:prstGeom prst="straightConnector1">
+            <a:avLst/>
+          </a:prstGeom>
+          <a:ln w="57150" cmpd="sng">
+            <a:solidFill>
+              <a:srgbClr val="FF0000"/>
+            </a:solidFill>
+            <a:tailEnd type="arrow"/>
+          </a:ln>
+        </p:spPr>
+        <p:style>
+          <a:lnRef idx="2">
+            <a:schemeClr val="accent1"/>
+          </a:lnRef>
+          <a:fillRef idx="0">
+            <a:schemeClr val="accent1"/>
+          </a:fillRef>
+          <a:effectRef idx="1">
+            <a:schemeClr val="accent1"/>
+          </a:effectRef>
+          <a:fontRef idx="minor">
+            <a:schemeClr val="tx1"/>
+          </a:fontRef>
+        </p:style>
+      </p:cxnSp>
+      <p:sp>
+        <p:nvSpPr>
+          <p:cNvPr id="7" name="正方形/長方形 6"/>
+          <p:cNvSpPr/>
+          <p:nvPr/>
+        </p:nvSpPr>
+        <p:spPr>
+          <a:xfrm>
+            <a:off x="2941607" y="2130463"/>
+            <a:ext cx="5710688" cy="979715"/>
+          </a:xfrm>
+          <a:prstGeom prst="rect">
+            <a:avLst/>
+          </a:prstGeom>
+          <a:solidFill>
+            <a:schemeClr val="accent2">
+              <a:lumMod val="50000"/>
+            </a:schemeClr>
+          </a:solidFill>
+          <a:ln w="28575" cmpd="sng">
+            <a:solidFill>
+              <a:schemeClr val="accent4">
+                <a:lumMod val="20000"/>
+                <a:lumOff val="80000"/>
+              </a:schemeClr>
+            </a:solidFill>
+          </a:ln>
+          <a:effectLst>
+            <a:glow rad="101600">
+              <a:schemeClr val="tx1">
+                <a:alpha val="22000"/>
+              </a:schemeClr>
+            </a:glow>
+            <a:outerShdw blurRad="50800" dist="38100" dir="2700000" algn="tl" rotWithShape="0">
+              <a:srgbClr val="000000">
+                <a:alpha val="43000"/>
+              </a:srgbClr>
+            </a:outerShdw>
+          </a:effectLst>
+        </p:spPr>
+        <p:style>
+          <a:lnRef idx="1">
+            <a:schemeClr val="accent1"/>
+          </a:lnRef>
+          <a:fillRef idx="3">
+            <a:schemeClr val="accent1"/>
+          </a:fillRef>
+          <a:effectRef idx="2">
+            <a:schemeClr val="accent1"/>
+          </a:effectRef>
+          <a:fontRef idx="minor">
+            <a:schemeClr val="lt1"/>
+          </a:fontRef>
+        </p:style>
+        <p:txBody>
+          <a:bodyPr rtlCol="0" anchor="ctr"/>
+          <a:lstStyle/>
+          <a:p>
+            <a:r>
+              <a:rPr kumimoji="1" lang="en-US" altLang="ja-JP" smtClean="0">
+                <a:solidFill>
+                  <a:schemeClr val="accent2">
+                    <a:lumMod val="20000"/>
+                    <a:lumOff val="80000"/>
+                  </a:schemeClr>
+                </a:solidFill>
+                <a:latin typeface="メイリオ"/>
+                <a:ea typeface="メイリオ"/>
+                <a:cs typeface="メイリオ"/>
+              </a:rPr>
+              <a:t>nping</a:t>
+            </a:r>
+            <a:r>
+              <a:rPr kumimoji="1" lang="ja-JP" altLang="en-US" smtClean="0">
+                <a:solidFill>
+                  <a:schemeClr val="accent2">
+                    <a:lumMod val="20000"/>
+                    <a:lumOff val="80000"/>
+                  </a:schemeClr>
+                </a:solidFill>
+                <a:latin typeface="メイリオ"/>
+                <a:ea typeface="メイリオ"/>
+                <a:cs typeface="メイリオ"/>
+              </a:rPr>
+              <a:t>で</a:t>
+            </a:r>
+            <a:r>
+              <a:rPr kumimoji="1" lang="en-US" altLang="ja-JP" smtClean="0">
+                <a:solidFill>
+                  <a:schemeClr val="accent2">
+                    <a:lumMod val="20000"/>
+                    <a:lumOff val="80000"/>
+                  </a:schemeClr>
+                </a:solidFill>
+                <a:latin typeface="メイリオ"/>
+                <a:ea typeface="メイリオ"/>
+                <a:cs typeface="メイリオ"/>
+              </a:rPr>
+              <a:t>ICMP</a:t>
+            </a:r>
+            <a:r>
+              <a:rPr lang="ja-JP" altLang="en-US" smtClean="0">
+                <a:solidFill>
+                  <a:schemeClr val="accent2">
+                    <a:lumMod val="20000"/>
+                    <a:lumOff val="80000"/>
+                  </a:schemeClr>
+                </a:solidFill>
+                <a:latin typeface="メイリオ"/>
+                <a:ea typeface="メイリオ"/>
+                <a:cs typeface="メイリオ"/>
+              </a:rPr>
+              <a:t>パケットに埋め込んだ</a:t>
+            </a:r>
+            <a:r>
+              <a:rPr kumimoji="1" lang="ja-JP" altLang="en-US" smtClean="0">
+                <a:solidFill>
+                  <a:schemeClr val="accent2">
+                    <a:lumMod val="20000"/>
+                    <a:lumOff val="80000"/>
+                  </a:schemeClr>
+                </a:solidFill>
+                <a:latin typeface="メイリオ"/>
+                <a:ea typeface="メイリオ"/>
+                <a:cs typeface="メイリオ"/>
+              </a:rPr>
+              <a:t>ペイロード</a:t>
+            </a:r>
+            <a:r>
+              <a:rPr kumimoji="1" lang="ja-JP" altLang="en-US">
+                <a:solidFill>
+                  <a:schemeClr val="accent2">
+                    <a:lumMod val="20000"/>
+                    <a:lumOff val="80000"/>
+                  </a:schemeClr>
+                </a:solidFill>
+                <a:latin typeface="メイリオ"/>
+                <a:ea typeface="メイリオ"/>
+                <a:cs typeface="メイリオ"/>
+              </a:rPr>
+              <a:t>：</a:t>
+            </a:r>
+            <a:endParaRPr kumimoji="1" lang="en-US" altLang="ja-JP">
+              <a:solidFill>
+                <a:schemeClr val="accent2">
+                  <a:lumMod val="20000"/>
+                  <a:lumOff val="80000"/>
+                </a:schemeClr>
+              </a:solidFill>
+              <a:latin typeface="メイリオ"/>
+              <a:ea typeface="メイリオ"/>
+              <a:cs typeface="メイリオ"/>
+            </a:endParaRPr>
+          </a:p>
+          <a:p>
+            <a:r>
+              <a:rPr lang="en-US" altLang="ja-JP" b="1">
+                <a:solidFill>
+                  <a:schemeClr val="accent2">
+                    <a:lumMod val="20000"/>
+                    <a:lumOff val="80000"/>
+                  </a:schemeClr>
+                </a:solidFill>
+                <a:latin typeface="Helvetica"/>
+                <a:cs typeface="Helvetica"/>
+              </a:rPr>
+              <a:t> </a:t>
+            </a:r>
+            <a:r>
+              <a:rPr lang="en-US" altLang="ja-JP" b="1" smtClean="0">
+                <a:solidFill>
+                  <a:schemeClr val="accent2">
+                    <a:lumMod val="20000"/>
+                    <a:lumOff val="80000"/>
+                  </a:schemeClr>
+                </a:solidFill>
+                <a:latin typeface="Helvetica"/>
+                <a:cs typeface="Helvetica"/>
+              </a:rPr>
+              <a:t>Hannin wa YASU.</a:t>
+            </a:r>
+            <a:endParaRPr kumimoji="1" lang="ja-JP" altLang="en-US" b="1">
+              <a:solidFill>
+                <a:schemeClr val="accent2">
+                  <a:lumMod val="20000"/>
+                  <a:lumOff val="80000"/>
+                </a:schemeClr>
+              </a:solidFill>
+              <a:latin typeface="Helvetica"/>
+              <a:cs typeface="Helvetica"/>
+            </a:endParaRPr>
+          </a:p>
+        </p:txBody>
+      </p:sp>
+    </p:spTree>
+    <p:extLst>
+      <p:ext uri="{BB962C8B-B14F-4D97-AF65-F5344CB8AC3E}">
+        <p14:creationId xmlns:p14="http://schemas.microsoft.com/office/powerpoint/2010/main" val="3008246913"/>
       </p:ext>
     </p:extLst>
   </p:cSld>

--- a/2015-no.2/ppt/00_ozuma.pptx
+++ b/2015-no.2/ppt/00_ozuma.pptx
@@ -5,7 +5,7 @@
     <p:sldMasterId id="2147483690" r:id="rId1"/>
   </p:sldMasterIdLst>
   <p:notesMasterIdLst>
-    <p:notesMasterId r:id="rId19"/>
+    <p:notesMasterId r:id="rId27"/>
   </p:notesMasterIdLst>
   <p:sldIdLst>
     <p:sldId id="257" r:id="rId2"/>
@@ -25,6 +25,14 @@
     <p:sldId id="267" r:id="rId16"/>
     <p:sldId id="266" r:id="rId17"/>
     <p:sldId id="264" r:id="rId18"/>
+    <p:sldId id="274" r:id="rId19"/>
+    <p:sldId id="275" r:id="rId20"/>
+    <p:sldId id="276" r:id="rId21"/>
+    <p:sldId id="277" r:id="rId22"/>
+    <p:sldId id="278" r:id="rId23"/>
+    <p:sldId id="279" r:id="rId24"/>
+    <p:sldId id="281" r:id="rId25"/>
+    <p:sldId id="280" r:id="rId26"/>
   </p:sldIdLst>
   <p:sldSz cx="9144000" cy="6858000" type="screen4x3"/>
   <p:notesSz cx="6858000" cy="9144000"/>
@@ -5402,11 +5410,7 @@
           <a:p>
             <a:r>
               <a:rPr lang="ja-JP" altLang="en-US" smtClean="0"/>
-              <a:t>スキャンなどの探査行為は、ゆっくり行えば行うほど相手に</a:t>
-            </a:r>
-            <a:r>
-              <a:rPr lang="ja-JP" altLang="en-US" smtClean="0"/>
-              <a:t>気づかれにくい</a:t>
+              <a:t>スキャンなどの探査行為は、ゆっくり行えば行うほど相手に気づかれにくい</a:t>
             </a:r>
             <a:endParaRPr lang="en-US" altLang="ja-JP" smtClean="0"/>
           </a:p>
@@ -6458,20 +6462,7 @@
                 <a:latin typeface="Helvetica"/>
                 <a:cs typeface="Helvetica"/>
               </a:rPr>
-              <a:t>ポートをスキャン</a:t>
-            </a:r>
-            <a:r>
-              <a:rPr kumimoji="1" lang="ja-JP" altLang="en-US" sz="2400" smtClean="0">
-                <a:solidFill>
-                  <a:schemeClr val="accent2">
-                    <a:lumMod val="20000"/>
-                    <a:lumOff val="80000"/>
-                  </a:schemeClr>
-                </a:solidFill>
-                <a:latin typeface="Helvetica"/>
-                <a:cs typeface="Helvetica"/>
-              </a:rPr>
-              <a:t>する</a:t>
+              <a:t>ポートをスキャンする</a:t>
             </a:r>
             <a:r>
               <a:rPr lang="ja-JP" altLang="en-US" sz="2400" smtClean="0">
@@ -6568,6 +6559,318 @@
     <p:extLst>
       <p:ext uri="{BB962C8B-B14F-4D97-AF65-F5344CB8AC3E}">
         <p14:creationId xmlns:p14="http://schemas.microsoft.com/office/powerpoint/2010/main" val="1447535175"/>
+      </p:ext>
+    </p:extLst>
+  </p:cSld>
+  <p:clrMapOvr>
+    <a:masterClrMapping/>
+  </p:clrMapOvr>
+  <p:timing>
+    <p:tnLst>
+      <p:par>
+        <p:cTn id="1" dur="indefinite" restart="never" nodeType="tmRoot"/>
+      </p:par>
+    </p:tnLst>
+  </p:timing>
+</p:sld>
+</file>
+
+<file path=ppt/slides/slide18.xml><?xml version="1.0" encoding="utf-8"?>
+<p:sld xmlns:a="http://schemas.openxmlformats.org/drawingml/2006/main" xmlns:r="http://schemas.openxmlformats.org/officeDocument/2006/relationships" xmlns:p="http://schemas.openxmlformats.org/presentationml/2006/main">
+  <p:cSld>
+    <p:spTree>
+      <p:nvGrpSpPr>
+        <p:cNvPr id="1" name=""/>
+        <p:cNvGrpSpPr/>
+        <p:nvPr/>
+      </p:nvGrpSpPr>
+      <p:grpSpPr>
+        <a:xfrm>
+          <a:off x="0" y="0"/>
+          <a:ext cx="0" cy="0"/>
+          <a:chOff x="0" y="0"/>
+          <a:chExt cx="0" cy="0"/>
+        </a:xfrm>
+      </p:grpSpPr>
+      <p:pic>
+        <p:nvPicPr>
+          <p:cNvPr id="4" name="図 3"/>
+          <p:cNvPicPr>
+            <a:picLocks noChangeAspect="1"/>
+          </p:cNvPicPr>
+          <p:nvPr/>
+        </p:nvPicPr>
+        <p:blipFill rotWithShape="1">
+          <a:blip r:embed="rId2" cstate="print">
+            <a:extLst>
+              <a:ext uri="{28A0092B-C50C-407E-A947-70E740481C1C}">
+                <a14:useLocalDpi xmlns:a14="http://schemas.microsoft.com/office/drawing/2010/main" val="0"/>
+              </a:ext>
+            </a:extLst>
+          </a:blip>
+          <a:srcRect/>
+          <a:stretch/>
+        </p:blipFill>
+        <p:spPr>
+          <a:xfrm>
+            <a:off x="11575" y="-115747"/>
+            <a:ext cx="9306046" cy="7106856"/>
+          </a:xfrm>
+          <a:prstGeom prst="rect">
+            <a:avLst/>
+          </a:prstGeom>
+          <a:effectLst>
+            <a:outerShdw blurRad="50800" dist="50800" dir="5400000" algn="ctr" rotWithShape="0">
+              <a:srgbClr val="000000"/>
+            </a:outerShdw>
+          </a:effectLst>
+        </p:spPr>
+      </p:pic>
+      <p:sp>
+        <p:nvSpPr>
+          <p:cNvPr id="5" name="テキスト ボックス 4"/>
+          <p:cNvSpPr txBox="1"/>
+          <p:nvPr/>
+        </p:nvSpPr>
+        <p:spPr>
+          <a:xfrm>
+            <a:off x="1524850" y="963107"/>
+            <a:ext cx="7299973" cy="1754326"/>
+          </a:xfrm>
+          <a:prstGeom prst="rect">
+            <a:avLst/>
+          </a:prstGeom>
+          <a:noFill/>
+        </p:spPr>
+        <p:txBody>
+          <a:bodyPr wrap="square" rtlCol="0">
+            <a:spAutoFit/>
+          </a:bodyPr>
+          <a:lstStyle/>
+          <a:p>
+            <a:r>
+              <a:rPr lang="en-US" altLang="ja-JP" sz="5400">
+                <a:ln>
+                  <a:solidFill>
+                    <a:schemeClr val="bg1">
+                      <a:lumMod val="50000"/>
+                    </a:schemeClr>
+                  </a:solidFill>
+                </a:ln>
+                <a:latin typeface="Tahoma" panose="020B0604030504040204" pitchFamily="34" charset="0"/>
+                <a:cs typeface="Tahoma" panose="020B0604030504040204" pitchFamily="34" charset="0"/>
+              </a:rPr>
+              <a:t>Religious </a:t>
+            </a:r>
+            <a:r>
+              <a:rPr lang="en-US" altLang="ja-JP" sz="5400" smtClean="0">
+                <a:ln>
+                  <a:solidFill>
+                    <a:schemeClr val="bg1">
+                      <a:lumMod val="50000"/>
+                    </a:schemeClr>
+                  </a:solidFill>
+                </a:ln>
+                <a:latin typeface="Tahoma" panose="020B0604030504040204" pitchFamily="34" charset="0"/>
+                <a:cs typeface="Tahoma" panose="020B0604030504040204" pitchFamily="34" charset="0"/>
+              </a:rPr>
+              <a:t>War:</a:t>
+            </a:r>
+          </a:p>
+          <a:p>
+            <a:r>
+              <a:rPr lang="en-US" altLang="ja-JP" sz="5400">
+                <a:ln>
+                  <a:solidFill>
+                    <a:schemeClr val="bg1">
+                      <a:lumMod val="50000"/>
+                    </a:schemeClr>
+                  </a:solidFill>
+                </a:ln>
+                <a:latin typeface="Tahoma" panose="020B0604030504040204" pitchFamily="34" charset="0"/>
+                <a:cs typeface="Tahoma" panose="020B0604030504040204" pitchFamily="34" charset="0"/>
+              </a:rPr>
+              <a:t> </a:t>
+            </a:r>
+            <a:r>
+              <a:rPr lang="en-US" altLang="ja-JP" sz="5400" smtClean="0">
+                <a:ln>
+                  <a:solidFill>
+                    <a:schemeClr val="bg1">
+                      <a:lumMod val="50000"/>
+                    </a:schemeClr>
+                  </a:solidFill>
+                </a:ln>
+                <a:latin typeface="Tahoma" panose="020B0604030504040204" pitchFamily="34" charset="0"/>
+                <a:cs typeface="Tahoma" panose="020B0604030504040204" pitchFamily="34" charset="0"/>
+              </a:rPr>
+              <a:t> SSH =&gt; 22/tcp?</a:t>
+            </a:r>
+            <a:endParaRPr lang="en-US" altLang="ja-JP" sz="5400">
+              <a:ln>
+                <a:solidFill>
+                  <a:schemeClr val="bg1">
+                    <a:lumMod val="50000"/>
+                  </a:schemeClr>
+                </a:solidFill>
+              </a:ln>
+              <a:latin typeface="Tahoma" panose="020B0604030504040204" pitchFamily="34" charset="0"/>
+              <a:cs typeface="Tahoma" panose="020B0604030504040204" pitchFamily="34" charset="0"/>
+            </a:endParaRPr>
+          </a:p>
+        </p:txBody>
+      </p:sp>
+    </p:spTree>
+    <p:extLst>
+      <p:ext uri="{BB962C8B-B14F-4D97-AF65-F5344CB8AC3E}">
+        <p14:creationId xmlns:p14="http://schemas.microsoft.com/office/powerpoint/2010/main" val="2122976183"/>
+      </p:ext>
+    </p:extLst>
+  </p:cSld>
+  <p:clrMapOvr>
+    <a:masterClrMapping/>
+  </p:clrMapOvr>
+  <p:timing>
+    <p:tnLst>
+      <p:par>
+        <p:cTn id="1" dur="indefinite" restart="never" nodeType="tmRoot"/>
+      </p:par>
+    </p:tnLst>
+  </p:timing>
+</p:sld>
+</file>
+
+<file path=ppt/slides/slide19.xml><?xml version="1.0" encoding="utf-8"?>
+<p:sld xmlns:a="http://schemas.openxmlformats.org/drawingml/2006/main" xmlns:r="http://schemas.openxmlformats.org/officeDocument/2006/relationships" xmlns:p="http://schemas.openxmlformats.org/presentationml/2006/main">
+  <p:cSld>
+    <p:spTree>
+      <p:nvGrpSpPr>
+        <p:cNvPr id="1" name=""/>
+        <p:cNvGrpSpPr/>
+        <p:nvPr/>
+      </p:nvGrpSpPr>
+      <p:grpSpPr>
+        <a:xfrm>
+          <a:off x="0" y="0"/>
+          <a:ext cx="0" cy="0"/>
+          <a:chOff x="0" y="0"/>
+          <a:chExt cx="0" cy="0"/>
+        </a:xfrm>
+      </p:grpSpPr>
+      <p:sp>
+        <p:nvSpPr>
+          <p:cNvPr id="2" name="タイトル 1"/>
+          <p:cNvSpPr>
+            <a:spLocks noGrp="1"/>
+          </p:cNvSpPr>
+          <p:nvPr>
+            <p:ph type="title"/>
+          </p:nvPr>
+        </p:nvSpPr>
+        <p:spPr/>
+        <p:txBody>
+          <a:bodyPr/>
+          <a:lstStyle/>
+          <a:p>
+            <a:r>
+              <a:rPr lang="en-US" altLang="ja-JP" smtClean="0"/>
+              <a:t>sshd shuldn't use 22/tcp?</a:t>
+            </a:r>
+            <a:endParaRPr kumimoji="1" lang="ja-JP" altLang="en-US"/>
+          </a:p>
+        </p:txBody>
+      </p:sp>
+      <p:sp>
+        <p:nvSpPr>
+          <p:cNvPr id="3" name="コンテンツ プレースホルダー 2"/>
+          <p:cNvSpPr>
+            <a:spLocks noGrp="1"/>
+          </p:cNvSpPr>
+          <p:nvPr>
+            <p:ph idx="1"/>
+          </p:nvPr>
+        </p:nvSpPr>
+        <p:spPr/>
+        <p:txBody>
+          <a:bodyPr/>
+          <a:lstStyle/>
+          <a:p>
+            <a:r>
+              <a:rPr kumimoji="1" lang="ja-JP" altLang="en-US" smtClean="0"/>
+              <a:t>変えるべき派</a:t>
+            </a:r>
+            <a:endParaRPr kumimoji="1" lang="en-US" altLang="ja-JP" smtClean="0"/>
+          </a:p>
+          <a:p>
+            <a:pPr lvl="1"/>
+            <a:r>
+              <a:rPr lang="ja-JP" altLang="en-US" smtClean="0"/>
+              <a:t>攻撃</a:t>
+            </a:r>
+            <a:r>
+              <a:rPr lang="ja-JP" altLang="en-US"/>
+              <a:t>されにくい</a:t>
+            </a:r>
+            <a:r>
+              <a:rPr lang="ja-JP" altLang="en-US" smtClean="0"/>
+              <a:t>、攻撃</a:t>
+            </a:r>
+            <a:r>
+              <a:rPr lang="ja-JP" altLang="en-US"/>
+              <a:t>対象として</a:t>
+            </a:r>
+            <a:r>
+              <a:rPr lang="ja-JP" altLang="en-US"/>
+              <a:t>選定</a:t>
+            </a:r>
+            <a:r>
+              <a:rPr lang="ja-JP" altLang="en-US" smtClean="0"/>
+              <a:t>されにくい</a:t>
+            </a:r>
+            <a:endParaRPr lang="en-US" altLang="ja-JP" smtClean="0"/>
+          </a:p>
+          <a:p>
+            <a:pPr lvl="1"/>
+            <a:r>
+              <a:rPr lang="ja-JP" altLang="en-US"/>
+              <a:t>ログ監視などしている際、劇的にアタックログが減るからやった方</a:t>
+            </a:r>
+            <a:r>
+              <a:rPr lang="ja-JP" altLang="en-US"/>
+              <a:t>が</a:t>
+            </a:r>
+            <a:r>
+              <a:rPr lang="ja-JP" altLang="en-US" smtClean="0"/>
+              <a:t>良い</a:t>
+            </a:r>
+            <a:endParaRPr lang="en-US" altLang="ja-JP" smtClean="0"/>
+          </a:p>
+          <a:p>
+            <a:pPr lvl="1"/>
+            <a:r>
+              <a:rPr lang="ja-JP" altLang="en-US"/>
+              <a:t>多くのドキュメントで変えることが推奨されているから変えたほうがいい</a:t>
+            </a:r>
+            <a:r>
+              <a:rPr lang="en-US" altLang="ja-JP"/>
+              <a:t>(</a:t>
+            </a:r>
+            <a:r>
+              <a:rPr lang="ja-JP" altLang="en-US"/>
+              <a:t>消極的派</a:t>
+            </a:r>
+            <a:r>
+              <a:rPr lang="en-US" altLang="ja-JP"/>
+              <a:t>)</a:t>
+            </a:r>
+            <a:endParaRPr kumimoji="1" lang="ja-JP" altLang="en-US"/>
+          </a:p>
+        </p:txBody>
+      </p:sp>
+    </p:spTree>
+    <p:extLst>
+      <p:ext uri="{BB962C8B-B14F-4D97-AF65-F5344CB8AC3E}">
+        <p14:creationId xmlns:p14="http://schemas.microsoft.com/office/powerpoint/2010/main" val="3575517561"/>
       </p:ext>
     </p:extLst>
   </p:cSld>
@@ -6958,6 +7261,1138 @@
 </p:sld>
 </file>
 
+<file path=ppt/slides/slide20.xml><?xml version="1.0" encoding="utf-8"?>
+<p:sld xmlns:a="http://schemas.openxmlformats.org/drawingml/2006/main" xmlns:r="http://schemas.openxmlformats.org/officeDocument/2006/relationships" xmlns:p="http://schemas.openxmlformats.org/presentationml/2006/main">
+  <p:cSld>
+    <p:spTree>
+      <p:nvGrpSpPr>
+        <p:cNvPr id="1" name=""/>
+        <p:cNvGrpSpPr/>
+        <p:nvPr/>
+      </p:nvGrpSpPr>
+      <p:grpSpPr>
+        <a:xfrm>
+          <a:off x="0" y="0"/>
+          <a:ext cx="0" cy="0"/>
+          <a:chOff x="0" y="0"/>
+          <a:chExt cx="0" cy="0"/>
+        </a:xfrm>
+      </p:grpSpPr>
+      <p:sp>
+        <p:nvSpPr>
+          <p:cNvPr id="2" name="タイトル 1"/>
+          <p:cNvSpPr>
+            <a:spLocks noGrp="1"/>
+          </p:cNvSpPr>
+          <p:nvPr>
+            <p:ph type="title"/>
+          </p:nvPr>
+        </p:nvSpPr>
+        <p:spPr/>
+        <p:txBody>
+          <a:bodyPr/>
+          <a:lstStyle/>
+          <a:p>
+            <a:r>
+              <a:rPr lang="en-US" altLang="ja-JP" smtClean="0"/>
+              <a:t>sshd shuldn't use 22/tcp?</a:t>
+            </a:r>
+            <a:endParaRPr kumimoji="1" lang="ja-JP" altLang="en-US"/>
+          </a:p>
+        </p:txBody>
+      </p:sp>
+      <p:sp>
+        <p:nvSpPr>
+          <p:cNvPr id="3" name="コンテンツ プレースホルダー 2"/>
+          <p:cNvSpPr>
+            <a:spLocks noGrp="1"/>
+          </p:cNvSpPr>
+          <p:nvPr>
+            <p:ph idx="1"/>
+          </p:nvPr>
+        </p:nvSpPr>
+        <p:spPr/>
+        <p:txBody>
+          <a:bodyPr/>
+          <a:lstStyle/>
+          <a:p>
+            <a:r>
+              <a:rPr lang="ja-JP" altLang="en-US"/>
+              <a:t>変えても意味ない</a:t>
+            </a:r>
+            <a:r>
+              <a:rPr lang="ja-JP" altLang="en-US"/>
+              <a:t>よ</a:t>
+            </a:r>
+            <a:r>
+              <a:rPr lang="ja-JP" altLang="en-US" smtClean="0"/>
+              <a:t>派</a:t>
+            </a:r>
+            <a:endParaRPr lang="en-US" altLang="ja-JP" smtClean="0"/>
+          </a:p>
+          <a:p>
+            <a:pPr lvl="1"/>
+            <a:r>
+              <a:rPr lang="ja-JP" altLang="en-US"/>
+              <a:t>ポートスキャンすれば一発で</a:t>
+            </a:r>
+            <a:r>
+              <a:rPr lang="en-US" altLang="ja-JP"/>
+              <a:t>ssh</a:t>
+            </a:r>
+            <a:r>
+              <a:rPr lang="ja-JP" altLang="en-US"/>
+              <a:t>のポートは分かるんだからムダ</a:t>
+            </a:r>
+            <a:r>
+              <a:rPr lang="ja-JP" altLang="en-US"/>
+              <a:t>だ</a:t>
+            </a:r>
+            <a:r>
+              <a:rPr lang="ja-JP" altLang="en-US" smtClean="0"/>
+              <a:t>よ</a:t>
+            </a:r>
+            <a:endParaRPr lang="en-US" altLang="ja-JP" smtClean="0"/>
+          </a:p>
+          <a:p>
+            <a:pPr lvl="1"/>
+            <a:r>
+              <a:rPr lang="ja-JP" altLang="en-US"/>
+              <a:t>ポートを変えるだけでセキュリティ対策しているつもりになっちゃうからダメ</a:t>
+            </a:r>
+            <a:r>
+              <a:rPr lang="ja-JP" altLang="en-US"/>
+              <a:t>だ</a:t>
+            </a:r>
+            <a:r>
+              <a:rPr lang="ja-JP" altLang="en-US" smtClean="0"/>
+              <a:t>よ</a:t>
+            </a:r>
+            <a:r>
+              <a:rPr lang="en-US" altLang="ja-JP" smtClean="0"/>
+              <a:t>(?)</a:t>
+            </a:r>
+            <a:endParaRPr kumimoji="1" lang="ja-JP" altLang="en-US"/>
+          </a:p>
+        </p:txBody>
+      </p:sp>
+    </p:spTree>
+    <p:extLst>
+      <p:ext uri="{BB962C8B-B14F-4D97-AF65-F5344CB8AC3E}">
+        <p14:creationId xmlns:p14="http://schemas.microsoft.com/office/powerpoint/2010/main" val="3571136695"/>
+      </p:ext>
+    </p:extLst>
+  </p:cSld>
+  <p:clrMapOvr>
+    <a:masterClrMapping/>
+  </p:clrMapOvr>
+  <p:timing>
+    <p:tnLst>
+      <p:par>
+        <p:cTn id="1" dur="indefinite" restart="never" nodeType="tmRoot"/>
+      </p:par>
+    </p:tnLst>
+  </p:timing>
+</p:sld>
+</file>
+
+<file path=ppt/slides/slide21.xml><?xml version="1.0" encoding="utf-8"?>
+<p:sld xmlns:a="http://schemas.openxmlformats.org/drawingml/2006/main" xmlns:r="http://schemas.openxmlformats.org/officeDocument/2006/relationships" xmlns:p="http://schemas.openxmlformats.org/presentationml/2006/main">
+  <p:cSld>
+    <p:spTree>
+      <p:nvGrpSpPr>
+        <p:cNvPr id="1" name=""/>
+        <p:cNvGrpSpPr/>
+        <p:nvPr/>
+      </p:nvGrpSpPr>
+      <p:grpSpPr>
+        <a:xfrm>
+          <a:off x="0" y="0"/>
+          <a:ext cx="0" cy="0"/>
+          <a:chOff x="0" y="0"/>
+          <a:chExt cx="0" cy="0"/>
+        </a:xfrm>
+      </p:grpSpPr>
+      <p:sp>
+        <p:nvSpPr>
+          <p:cNvPr id="2" name="タイトル 1"/>
+          <p:cNvSpPr>
+            <a:spLocks noGrp="1"/>
+          </p:cNvSpPr>
+          <p:nvPr>
+            <p:ph type="title"/>
+          </p:nvPr>
+        </p:nvSpPr>
+        <p:spPr/>
+        <p:txBody>
+          <a:bodyPr/>
+          <a:lstStyle/>
+          <a:p>
+            <a:r>
+              <a:rPr lang="en-US" altLang="ja-JP" smtClean="0"/>
+              <a:t>sshd shuldn't use 22/tcp?</a:t>
+            </a:r>
+            <a:endParaRPr kumimoji="1" lang="ja-JP" altLang="en-US"/>
+          </a:p>
+        </p:txBody>
+      </p:sp>
+      <p:sp>
+        <p:nvSpPr>
+          <p:cNvPr id="3" name="コンテンツ プレースホルダー 2"/>
+          <p:cNvSpPr>
+            <a:spLocks noGrp="1"/>
+          </p:cNvSpPr>
+          <p:nvPr>
+            <p:ph idx="1"/>
+          </p:nvPr>
+        </p:nvSpPr>
+        <p:spPr/>
+        <p:txBody>
+          <a:bodyPr/>
+          <a:lstStyle/>
+          <a:p>
+            <a:r>
+              <a:rPr lang="ja-JP" altLang="en-US"/>
+              <a:t>変えても意味ない</a:t>
+            </a:r>
+            <a:r>
+              <a:rPr lang="ja-JP" altLang="en-US"/>
+              <a:t>よ</a:t>
+            </a:r>
+            <a:r>
+              <a:rPr lang="ja-JP" altLang="en-US" smtClean="0"/>
+              <a:t>派</a:t>
+            </a:r>
+            <a:endParaRPr lang="en-US" altLang="ja-JP" smtClean="0"/>
+          </a:p>
+          <a:p>
+            <a:pPr lvl="1"/>
+            <a:r>
+              <a:rPr lang="ja-JP" altLang="en-US" b="1">
+                <a:solidFill>
+                  <a:srgbClr val="FF0000"/>
+                </a:solidFill>
+              </a:rPr>
+              <a:t>ポートスキャンすれば一発で</a:t>
+            </a:r>
+            <a:r>
+              <a:rPr lang="en-US" altLang="ja-JP" b="1">
+                <a:solidFill>
+                  <a:srgbClr val="FF0000"/>
+                </a:solidFill>
+              </a:rPr>
+              <a:t>ssh</a:t>
+            </a:r>
+            <a:r>
+              <a:rPr lang="ja-JP" altLang="en-US" b="1">
+                <a:solidFill>
+                  <a:srgbClr val="FF0000"/>
+                </a:solidFill>
+              </a:rPr>
+              <a:t>のポートは分かるんだからムダ</a:t>
+            </a:r>
+            <a:r>
+              <a:rPr lang="ja-JP" altLang="en-US" b="1">
+                <a:solidFill>
+                  <a:srgbClr val="FF0000"/>
+                </a:solidFill>
+              </a:rPr>
+              <a:t>だ</a:t>
+            </a:r>
+            <a:r>
+              <a:rPr lang="ja-JP" altLang="en-US" b="1" smtClean="0">
+                <a:solidFill>
+                  <a:srgbClr val="FF0000"/>
+                </a:solidFill>
+              </a:rPr>
+              <a:t>よ</a:t>
+            </a:r>
+            <a:endParaRPr lang="en-US" altLang="ja-JP" b="1" smtClean="0">
+              <a:solidFill>
+                <a:srgbClr val="FF0000"/>
+              </a:solidFill>
+            </a:endParaRPr>
+          </a:p>
+          <a:p>
+            <a:pPr lvl="1"/>
+            <a:r>
+              <a:rPr lang="ja-JP" altLang="en-US"/>
+              <a:t>ポートを変えるだけでセキュリティ対策しているつもりになっちゃうからダメ</a:t>
+            </a:r>
+            <a:r>
+              <a:rPr lang="ja-JP" altLang="en-US"/>
+              <a:t>だ</a:t>
+            </a:r>
+            <a:r>
+              <a:rPr lang="ja-JP" altLang="en-US" smtClean="0"/>
+              <a:t>よ</a:t>
+            </a:r>
+            <a:r>
+              <a:rPr lang="en-US" altLang="ja-JP" smtClean="0"/>
+              <a:t>(?)</a:t>
+            </a:r>
+            <a:endParaRPr kumimoji="1" lang="ja-JP" altLang="en-US"/>
+          </a:p>
+        </p:txBody>
+      </p:sp>
+    </p:spTree>
+    <p:extLst>
+      <p:ext uri="{BB962C8B-B14F-4D97-AF65-F5344CB8AC3E}">
+        <p14:creationId xmlns:p14="http://schemas.microsoft.com/office/powerpoint/2010/main" val="2554317840"/>
+      </p:ext>
+    </p:extLst>
+  </p:cSld>
+  <p:clrMapOvr>
+    <a:masterClrMapping/>
+  </p:clrMapOvr>
+  <p:timing>
+    <p:tnLst>
+      <p:par>
+        <p:cTn id="1" dur="indefinite" restart="never" nodeType="tmRoot"/>
+      </p:par>
+    </p:tnLst>
+  </p:timing>
+</p:sld>
+</file>
+
+<file path=ppt/slides/slide22.xml><?xml version="1.0" encoding="utf-8"?>
+<p:sld xmlns:a="http://schemas.openxmlformats.org/drawingml/2006/main" xmlns:r="http://schemas.openxmlformats.org/officeDocument/2006/relationships" xmlns:p="http://schemas.openxmlformats.org/presentationml/2006/main">
+  <p:cSld>
+    <p:spTree>
+      <p:nvGrpSpPr>
+        <p:cNvPr id="1" name=""/>
+        <p:cNvGrpSpPr/>
+        <p:nvPr/>
+      </p:nvGrpSpPr>
+      <p:grpSpPr>
+        <a:xfrm>
+          <a:off x="0" y="0"/>
+          <a:ext cx="0" cy="0"/>
+          <a:chOff x="0" y="0"/>
+          <a:chExt cx="0" cy="0"/>
+        </a:xfrm>
+      </p:grpSpPr>
+      <p:pic>
+        <p:nvPicPr>
+          <p:cNvPr id="4" name="図 3"/>
+          <p:cNvPicPr>
+            <a:picLocks noChangeAspect="1"/>
+          </p:cNvPicPr>
+          <p:nvPr/>
+        </p:nvPicPr>
+        <p:blipFill rotWithShape="1">
+          <a:blip r:embed="rId2" cstate="print">
+            <a:extLst>
+              <a:ext uri="{28A0092B-C50C-407E-A947-70E740481C1C}">
+                <a14:useLocalDpi xmlns:a14="http://schemas.microsoft.com/office/drawing/2010/main" val="0"/>
+              </a:ext>
+            </a:extLst>
+          </a:blip>
+          <a:srcRect/>
+          <a:stretch/>
+        </p:blipFill>
+        <p:spPr>
+          <a:xfrm>
+            <a:off x="11575" y="-115747"/>
+            <a:ext cx="9306046" cy="7106856"/>
+          </a:xfrm>
+          <a:prstGeom prst="rect">
+            <a:avLst/>
+          </a:prstGeom>
+          <a:effectLst>
+            <a:outerShdw blurRad="50800" dist="50800" dir="5400000" algn="ctr" rotWithShape="0">
+              <a:srgbClr val="000000"/>
+            </a:outerShdw>
+          </a:effectLst>
+        </p:spPr>
+      </p:pic>
+      <p:sp>
+        <p:nvSpPr>
+          <p:cNvPr id="5" name="テキスト ボックス 4"/>
+          <p:cNvSpPr txBox="1"/>
+          <p:nvPr/>
+        </p:nvSpPr>
+        <p:spPr>
+          <a:xfrm>
+            <a:off x="679461" y="876843"/>
+            <a:ext cx="7299973" cy="923330"/>
+          </a:xfrm>
+          <a:prstGeom prst="rect">
+            <a:avLst/>
+          </a:prstGeom>
+          <a:noFill/>
+        </p:spPr>
+        <p:txBody>
+          <a:bodyPr wrap="square" rtlCol="0">
+            <a:spAutoFit/>
+          </a:bodyPr>
+          <a:lstStyle/>
+          <a:p>
+            <a:r>
+              <a:rPr lang="ja-JP" altLang="en-US" sz="5400" smtClean="0">
+                <a:ln>
+                  <a:solidFill>
+                    <a:schemeClr val="bg1">
+                      <a:lumMod val="50000"/>
+                    </a:schemeClr>
+                  </a:solidFill>
+                </a:ln>
+                <a:latin typeface="Tahoma" panose="020B0604030504040204" pitchFamily="34" charset="0"/>
+                <a:cs typeface="Tahoma" panose="020B0604030504040204" pitchFamily="34" charset="0"/>
+              </a:rPr>
+              <a:t>科学忍法</a:t>
+            </a:r>
+            <a:r>
+              <a:rPr lang="ja-JP" altLang="en-US" sz="5400">
+                <a:ln>
+                  <a:solidFill>
+                    <a:schemeClr val="bg1">
+                      <a:lumMod val="50000"/>
+                    </a:schemeClr>
+                  </a:solidFill>
+                </a:ln>
+                <a:latin typeface="Tahoma" panose="020B0604030504040204" pitchFamily="34" charset="0"/>
+                <a:cs typeface="Tahoma" panose="020B0604030504040204" pitchFamily="34" charset="0"/>
+              </a:rPr>
+              <a:t>・</a:t>
+            </a:r>
+            <a:r>
+              <a:rPr lang="en-US" altLang="ja-JP" sz="5400" smtClean="0">
+                <a:ln>
+                  <a:solidFill>
+                    <a:schemeClr val="bg1">
+                      <a:lumMod val="50000"/>
+                    </a:schemeClr>
+                  </a:solidFill>
+                </a:ln>
+                <a:latin typeface="Tahoma" panose="020B0604030504040204" pitchFamily="34" charset="0"/>
+                <a:cs typeface="Tahoma" panose="020B0604030504040204" pitchFamily="34" charset="0"/>
+              </a:rPr>
+              <a:t>ssh</a:t>
+            </a:r>
+            <a:r>
+              <a:rPr lang="ja-JP" altLang="en-US" sz="5400" smtClean="0">
+                <a:ln>
+                  <a:solidFill>
+                    <a:schemeClr val="bg1">
+                      <a:lumMod val="50000"/>
+                    </a:schemeClr>
+                  </a:solidFill>
+                </a:ln>
+                <a:latin typeface="Tahoma" panose="020B0604030504040204" pitchFamily="34" charset="0"/>
+                <a:cs typeface="Tahoma" panose="020B0604030504040204" pitchFamily="34" charset="0"/>
+              </a:rPr>
+              <a:t>分身の術</a:t>
+            </a:r>
+            <a:endParaRPr lang="en-US" altLang="ja-JP" sz="5400">
+              <a:ln>
+                <a:solidFill>
+                  <a:schemeClr val="bg1">
+                    <a:lumMod val="50000"/>
+                  </a:schemeClr>
+                </a:solidFill>
+              </a:ln>
+              <a:latin typeface="Tahoma" panose="020B0604030504040204" pitchFamily="34" charset="0"/>
+              <a:cs typeface="Tahoma" panose="020B0604030504040204" pitchFamily="34" charset="0"/>
+            </a:endParaRPr>
+          </a:p>
+        </p:txBody>
+      </p:sp>
+    </p:spTree>
+    <p:extLst>
+      <p:ext uri="{BB962C8B-B14F-4D97-AF65-F5344CB8AC3E}">
+        <p14:creationId xmlns:p14="http://schemas.microsoft.com/office/powerpoint/2010/main" val="2142194488"/>
+      </p:ext>
+    </p:extLst>
+  </p:cSld>
+  <p:clrMapOvr>
+    <a:masterClrMapping/>
+  </p:clrMapOvr>
+  <p:timing>
+    <p:tnLst>
+      <p:par>
+        <p:cTn id="1" dur="indefinite" restart="never" nodeType="tmRoot"/>
+      </p:par>
+    </p:tnLst>
+  </p:timing>
+</p:sld>
+</file>
+
+<file path=ppt/slides/slide23.xml><?xml version="1.0" encoding="utf-8"?>
+<p:sld xmlns:a="http://schemas.openxmlformats.org/drawingml/2006/main" xmlns:r="http://schemas.openxmlformats.org/officeDocument/2006/relationships" xmlns:p="http://schemas.openxmlformats.org/presentationml/2006/main">
+  <p:cSld>
+    <p:spTree>
+      <p:nvGrpSpPr>
+        <p:cNvPr id="1" name=""/>
+        <p:cNvGrpSpPr/>
+        <p:nvPr/>
+      </p:nvGrpSpPr>
+      <p:grpSpPr>
+        <a:xfrm>
+          <a:off x="0" y="0"/>
+          <a:ext cx="0" cy="0"/>
+          <a:chOff x="0" y="0"/>
+          <a:chExt cx="0" cy="0"/>
+        </a:xfrm>
+      </p:grpSpPr>
+      <p:sp>
+        <p:nvSpPr>
+          <p:cNvPr id="4" name="正方形/長方形 3"/>
+          <p:cNvSpPr/>
+          <p:nvPr/>
+        </p:nvSpPr>
+        <p:spPr>
+          <a:xfrm>
+            <a:off x="224286" y="189781"/>
+            <a:ext cx="9144000" cy="6858000"/>
+          </a:xfrm>
+          <a:prstGeom prst="rect">
+            <a:avLst/>
+          </a:prstGeom>
+        </p:spPr>
+        <p:style>
+          <a:lnRef idx="2">
+            <a:schemeClr val="accent1">
+              <a:shade val="50000"/>
+            </a:schemeClr>
+          </a:lnRef>
+          <a:fillRef idx="1">
+            <a:schemeClr val="accent1"/>
+          </a:fillRef>
+          <a:effectRef idx="0">
+            <a:schemeClr val="accent1"/>
+          </a:effectRef>
+          <a:fontRef idx="minor">
+            <a:schemeClr val="lt1"/>
+          </a:fontRef>
+        </p:style>
+        <p:txBody>
+          <a:bodyPr rtlCol="0" anchor="ctr"/>
+          <a:lstStyle/>
+          <a:p>
+            <a:r>
+              <a:rPr lang="en-US" altLang="ja-JP" sz="2400" smtClean="0">
+                <a:latin typeface="Consolas" panose="020B0609020204030204" pitchFamily="49" charset="0"/>
+                <a:cs typeface="Consolas" panose="020B0609020204030204" pitchFamily="49" charset="0"/>
+              </a:rPr>
+              <a:t>PORT     </a:t>
+            </a:r>
+            <a:r>
+              <a:rPr lang="en-US" altLang="ja-JP" sz="2400">
+                <a:latin typeface="Consolas" panose="020B0609020204030204" pitchFamily="49" charset="0"/>
+                <a:cs typeface="Consolas" panose="020B0609020204030204" pitchFamily="49" charset="0"/>
+              </a:rPr>
+              <a:t>STATE SERVICE VERSION</a:t>
+            </a:r>
+          </a:p>
+          <a:p>
+            <a:r>
+              <a:rPr lang="en-US" altLang="ja-JP" sz="2400">
+                <a:latin typeface="Consolas" panose="020B0609020204030204" pitchFamily="49" charset="0"/>
+                <a:cs typeface="Consolas" panose="020B0609020204030204" pitchFamily="49" charset="0"/>
+              </a:rPr>
+              <a:t>22/tcp   open  ssh     OpenSSH 5.3 (protocol 2.0)</a:t>
+            </a:r>
+          </a:p>
+          <a:p>
+            <a:r>
+              <a:rPr lang="en-US" altLang="ja-JP" sz="2400">
+                <a:latin typeface="Consolas" panose="020B0609020204030204" pitchFamily="49" charset="0"/>
+                <a:cs typeface="Consolas" panose="020B0609020204030204" pitchFamily="49" charset="0"/>
+              </a:rPr>
+              <a:t>2200/tcp open  ssh     OpenSSH 5.3 (protocol 2.0)</a:t>
+            </a:r>
+          </a:p>
+          <a:p>
+            <a:r>
+              <a:rPr lang="en-US" altLang="ja-JP" sz="2400">
+                <a:latin typeface="Consolas" panose="020B0609020204030204" pitchFamily="49" charset="0"/>
+                <a:cs typeface="Consolas" panose="020B0609020204030204" pitchFamily="49" charset="0"/>
+              </a:rPr>
+              <a:t>2201/tcp open  ssh     OpenSSH 5.3 (protocol 2.0)</a:t>
+            </a:r>
+          </a:p>
+          <a:p>
+            <a:r>
+              <a:rPr lang="en-US" altLang="ja-JP" sz="2400">
+                <a:latin typeface="Consolas" panose="020B0609020204030204" pitchFamily="49" charset="0"/>
+                <a:cs typeface="Consolas" panose="020B0609020204030204" pitchFamily="49" charset="0"/>
+              </a:rPr>
+              <a:t>2202/tcp open  ssh     OpenSSH 5.3 (protocol 2.0)</a:t>
+            </a:r>
+          </a:p>
+          <a:p>
+            <a:r>
+              <a:rPr lang="en-US" altLang="ja-JP" sz="2400">
+                <a:latin typeface="Consolas" panose="020B0609020204030204" pitchFamily="49" charset="0"/>
+                <a:cs typeface="Consolas" panose="020B0609020204030204" pitchFamily="49" charset="0"/>
+              </a:rPr>
+              <a:t>2203/tcp open  ssh     OpenSSH 5.3 (protocol 2.0)</a:t>
+            </a:r>
+          </a:p>
+          <a:p>
+            <a:r>
+              <a:rPr lang="en-US" altLang="ja-JP" sz="2400">
+                <a:latin typeface="Consolas" panose="020B0609020204030204" pitchFamily="49" charset="0"/>
+                <a:cs typeface="Consolas" panose="020B0609020204030204" pitchFamily="49" charset="0"/>
+              </a:rPr>
+              <a:t>2204/tcp open  ssh     OpenSSH 5.3 (protocol 2.0)</a:t>
+            </a:r>
+          </a:p>
+          <a:p>
+            <a:r>
+              <a:rPr lang="en-US" altLang="ja-JP" sz="2400">
+                <a:latin typeface="Consolas" panose="020B0609020204030204" pitchFamily="49" charset="0"/>
+                <a:cs typeface="Consolas" panose="020B0609020204030204" pitchFamily="49" charset="0"/>
+              </a:rPr>
+              <a:t>2205/tcp open  ssh     OpenSSH 5.3 (protocol 2.0)</a:t>
+            </a:r>
+          </a:p>
+          <a:p>
+            <a:r>
+              <a:rPr lang="en-US" altLang="ja-JP" sz="2400">
+                <a:latin typeface="Consolas" panose="020B0609020204030204" pitchFamily="49" charset="0"/>
+                <a:cs typeface="Consolas" panose="020B0609020204030204" pitchFamily="49" charset="0"/>
+              </a:rPr>
+              <a:t>2206/tcp open  ssh     OpenSSH 5.3 (protocol 2.0)</a:t>
+            </a:r>
+          </a:p>
+          <a:p>
+            <a:r>
+              <a:rPr lang="en-US" altLang="ja-JP" sz="2400">
+                <a:latin typeface="Consolas" panose="020B0609020204030204" pitchFamily="49" charset="0"/>
+                <a:cs typeface="Consolas" panose="020B0609020204030204" pitchFamily="49" charset="0"/>
+              </a:rPr>
+              <a:t>2207/tcp open  ssh     OpenSSH 5.3 (protocol 2.0)</a:t>
+            </a:r>
+          </a:p>
+          <a:p>
+            <a:r>
+              <a:rPr lang="en-US" altLang="ja-JP" sz="2400">
+                <a:latin typeface="Consolas" panose="020B0609020204030204" pitchFamily="49" charset="0"/>
+                <a:cs typeface="Consolas" panose="020B0609020204030204" pitchFamily="49" charset="0"/>
+              </a:rPr>
+              <a:t>2208/tcp open  ssh     OpenSSH 5.3 (protocol 2.0)</a:t>
+            </a:r>
+          </a:p>
+          <a:p>
+            <a:r>
+              <a:rPr lang="en-US" altLang="ja-JP" sz="2400">
+                <a:latin typeface="Consolas" panose="020B0609020204030204" pitchFamily="49" charset="0"/>
+                <a:cs typeface="Consolas" panose="020B0609020204030204" pitchFamily="49" charset="0"/>
+              </a:rPr>
+              <a:t>2209/tcp open  ssh     OpenSSH 5.3 (protocol 2.0)</a:t>
+            </a:r>
+          </a:p>
+          <a:p>
+            <a:r>
+              <a:rPr lang="en-US" altLang="ja-JP" sz="2400">
+                <a:latin typeface="Consolas" panose="020B0609020204030204" pitchFamily="49" charset="0"/>
+                <a:cs typeface="Consolas" panose="020B0609020204030204" pitchFamily="49" charset="0"/>
+              </a:rPr>
+              <a:t>2210/tcp open  ssh     OpenSSH 5.3 (protocol 2.0)</a:t>
+            </a:r>
+          </a:p>
+          <a:p>
+            <a:r>
+              <a:rPr lang="en-US" altLang="ja-JP" sz="2400">
+                <a:latin typeface="Consolas" panose="020B0609020204030204" pitchFamily="49" charset="0"/>
+                <a:cs typeface="Consolas" panose="020B0609020204030204" pitchFamily="49" charset="0"/>
+              </a:rPr>
+              <a:t>2211/tcp open  ssh     OpenSSH 5.3 (protocol 2.0)</a:t>
+            </a:r>
+          </a:p>
+          <a:p>
+            <a:r>
+              <a:rPr lang="en-US" altLang="ja-JP" sz="2400">
+                <a:latin typeface="Consolas" panose="020B0609020204030204" pitchFamily="49" charset="0"/>
+                <a:cs typeface="Consolas" panose="020B0609020204030204" pitchFamily="49" charset="0"/>
+              </a:rPr>
+              <a:t>2212/tcp open  ssh     OpenSSH 5.3 (protocol 2.0)</a:t>
+            </a:r>
+          </a:p>
+          <a:p>
+            <a:r>
+              <a:rPr lang="en-US" altLang="ja-JP" sz="2400">
+                <a:latin typeface="Consolas" panose="020B0609020204030204" pitchFamily="49" charset="0"/>
+                <a:cs typeface="Consolas" panose="020B0609020204030204" pitchFamily="49" charset="0"/>
+              </a:rPr>
+              <a:t>2213/tcp open  ssh     OpenSSH 5.3 (protocol 2.0)</a:t>
+            </a:r>
+          </a:p>
+          <a:p>
+            <a:r>
+              <a:rPr lang="en-US" altLang="ja-JP" sz="2400">
+                <a:latin typeface="Consolas" panose="020B0609020204030204" pitchFamily="49" charset="0"/>
+                <a:cs typeface="Consolas" panose="020B0609020204030204" pitchFamily="49" charset="0"/>
+              </a:rPr>
+              <a:t>2214/tcp open  ssh     OpenSSH 5.3 (protocol 2.0)</a:t>
+            </a:r>
+          </a:p>
+          <a:p>
+            <a:r>
+              <a:rPr lang="en-US" altLang="ja-JP" sz="2400">
+                <a:latin typeface="Consolas" panose="020B0609020204030204" pitchFamily="49" charset="0"/>
+                <a:cs typeface="Consolas" panose="020B0609020204030204" pitchFamily="49" charset="0"/>
+              </a:rPr>
+              <a:t>2215/tcp open  ssh     OpenSSH 5.3 (protocol </a:t>
+            </a:r>
+            <a:r>
+              <a:rPr lang="en-US" altLang="ja-JP" sz="2400">
+                <a:latin typeface="Consolas" panose="020B0609020204030204" pitchFamily="49" charset="0"/>
+                <a:cs typeface="Consolas" panose="020B0609020204030204" pitchFamily="49" charset="0"/>
+              </a:rPr>
+              <a:t>2.0</a:t>
+            </a:r>
+            <a:r>
+              <a:rPr lang="en-US" altLang="ja-JP" sz="2400" smtClean="0">
+                <a:latin typeface="Consolas" panose="020B0609020204030204" pitchFamily="49" charset="0"/>
+                <a:cs typeface="Consolas" panose="020B0609020204030204" pitchFamily="49" charset="0"/>
+              </a:rPr>
+              <a:t>)</a:t>
+            </a:r>
+            <a:endParaRPr lang="en-US" altLang="ja-JP" sz="2400">
+              <a:latin typeface="Consolas" panose="020B0609020204030204" pitchFamily="49" charset="0"/>
+              <a:cs typeface="Consolas" panose="020B0609020204030204" pitchFamily="49" charset="0"/>
+            </a:endParaRPr>
+          </a:p>
+        </p:txBody>
+      </p:sp>
+    </p:spTree>
+    <p:extLst>
+      <p:ext uri="{BB962C8B-B14F-4D97-AF65-F5344CB8AC3E}">
+        <p14:creationId xmlns:p14="http://schemas.microsoft.com/office/powerpoint/2010/main" val="3529535026"/>
+      </p:ext>
+    </p:extLst>
+  </p:cSld>
+  <p:clrMapOvr>
+    <a:masterClrMapping/>
+  </p:clrMapOvr>
+  <p:timing>
+    <p:tnLst>
+      <p:par>
+        <p:cTn id="1" dur="indefinite" restart="never" nodeType="tmRoot"/>
+      </p:par>
+    </p:tnLst>
+  </p:timing>
+</p:sld>
+</file>
+
+<file path=ppt/slides/slide24.xml><?xml version="1.0" encoding="utf-8"?>
+<p:sld xmlns:a="http://schemas.openxmlformats.org/drawingml/2006/main" xmlns:r="http://schemas.openxmlformats.org/officeDocument/2006/relationships" xmlns:p="http://schemas.openxmlformats.org/presentationml/2006/main">
+  <p:cSld>
+    <p:spTree>
+      <p:nvGrpSpPr>
+        <p:cNvPr id="1" name=""/>
+        <p:cNvGrpSpPr/>
+        <p:nvPr/>
+      </p:nvGrpSpPr>
+      <p:grpSpPr>
+        <a:xfrm>
+          <a:off x="0" y="0"/>
+          <a:ext cx="0" cy="0"/>
+          <a:chOff x="0" y="0"/>
+          <a:chExt cx="0" cy="0"/>
+        </a:xfrm>
+      </p:grpSpPr>
+      <p:sp>
+        <p:nvSpPr>
+          <p:cNvPr id="6" name="角丸四角形 5"/>
+          <p:cNvSpPr/>
+          <p:nvPr/>
+        </p:nvSpPr>
+        <p:spPr>
+          <a:xfrm>
+            <a:off x="327805" y="327805"/>
+            <a:ext cx="5055079" cy="2760453"/>
+          </a:xfrm>
+          <a:prstGeom prst="roundRect">
+            <a:avLst/>
+          </a:prstGeom>
+          <a:solidFill>
+            <a:schemeClr val="accent5">
+              <a:lumMod val="50000"/>
+            </a:schemeClr>
+          </a:solidFill>
+        </p:spPr>
+        <p:style>
+          <a:lnRef idx="2">
+            <a:schemeClr val="accent1">
+              <a:shade val="50000"/>
+            </a:schemeClr>
+          </a:lnRef>
+          <a:fillRef idx="1">
+            <a:schemeClr val="accent1"/>
+          </a:fillRef>
+          <a:effectRef idx="0">
+            <a:schemeClr val="accent1"/>
+          </a:effectRef>
+          <a:fontRef idx="minor">
+            <a:schemeClr val="lt1"/>
+          </a:fontRef>
+        </p:style>
+        <p:txBody>
+          <a:bodyPr rtlCol="0" anchor="ctr"/>
+          <a:lstStyle/>
+          <a:p>
+            <a:pPr algn="ctr"/>
+            <a:r>
+              <a:rPr lang="ja-JP" altLang="en-US" sz="3600"/>
+              <a:t>「</a:t>
+            </a:r>
+            <a:r>
+              <a:rPr lang="ja-JP" altLang="en-US" sz="3600"/>
+              <a:t>ポートスキャン</a:t>
+            </a:r>
+            <a:r>
+              <a:rPr lang="ja-JP" altLang="en-US" sz="3600" smtClean="0"/>
+              <a:t>すれば一発で</a:t>
+            </a:r>
+            <a:r>
+              <a:rPr lang="en-US" altLang="ja-JP" sz="3600" smtClean="0"/>
+              <a:t>ssh</a:t>
+            </a:r>
+            <a:r>
+              <a:rPr lang="ja-JP" altLang="en-US" sz="3600"/>
+              <a:t>のポートは分かるんだからムダだよ」</a:t>
+            </a:r>
+            <a:endParaRPr kumimoji="1" lang="ja-JP" altLang="en-US" sz="3600"/>
+          </a:p>
+        </p:txBody>
+      </p:sp>
+      <p:pic>
+        <p:nvPicPr>
+          <p:cNvPr id="7" name="図 6"/>
+          <p:cNvPicPr>
+            <a:picLocks noChangeAspect="1"/>
+          </p:cNvPicPr>
+          <p:nvPr/>
+        </p:nvPicPr>
+        <p:blipFill>
+          <a:blip r:embed="rId2"/>
+          <a:stretch>
+            <a:fillRect/>
+          </a:stretch>
+        </p:blipFill>
+        <p:spPr>
+          <a:xfrm>
+            <a:off x="5581291" y="839535"/>
+            <a:ext cx="3278038" cy="5548023"/>
+          </a:xfrm>
+          <a:prstGeom prst="rect">
+            <a:avLst/>
+          </a:prstGeom>
+        </p:spPr>
+      </p:pic>
+    </p:spTree>
+    <p:extLst>
+      <p:ext uri="{BB962C8B-B14F-4D97-AF65-F5344CB8AC3E}">
+        <p14:creationId xmlns:p14="http://schemas.microsoft.com/office/powerpoint/2010/main" val="2399038984"/>
+      </p:ext>
+    </p:extLst>
+  </p:cSld>
+  <p:clrMapOvr>
+    <a:masterClrMapping/>
+  </p:clrMapOvr>
+  <p:timing>
+    <p:tnLst>
+      <p:par>
+        <p:cTn id="1" dur="indefinite" restart="never" nodeType="tmRoot"/>
+      </p:par>
+    </p:tnLst>
+  </p:timing>
+</p:sld>
+</file>
+
+<file path=ppt/slides/slide25.xml><?xml version="1.0" encoding="utf-8"?>
+<p:sld xmlns:a="http://schemas.openxmlformats.org/drawingml/2006/main" xmlns:r="http://schemas.openxmlformats.org/officeDocument/2006/relationships" xmlns:p="http://schemas.openxmlformats.org/presentationml/2006/main">
+  <p:cSld>
+    <p:spTree>
+      <p:nvGrpSpPr>
+        <p:cNvPr id="1" name=""/>
+        <p:cNvGrpSpPr/>
+        <p:nvPr/>
+      </p:nvGrpSpPr>
+      <p:grpSpPr>
+        <a:xfrm>
+          <a:off x="0" y="0"/>
+          <a:ext cx="0" cy="0"/>
+          <a:chOff x="0" y="0"/>
+          <a:chExt cx="0" cy="0"/>
+        </a:xfrm>
+      </p:grpSpPr>
+      <p:sp>
+        <p:nvSpPr>
+          <p:cNvPr id="4" name="正方形/長方形 3"/>
+          <p:cNvSpPr/>
+          <p:nvPr/>
+        </p:nvSpPr>
+        <p:spPr>
+          <a:xfrm>
+            <a:off x="224286" y="189781"/>
+            <a:ext cx="9144000" cy="6858000"/>
+          </a:xfrm>
+          <a:prstGeom prst="rect">
+            <a:avLst/>
+          </a:prstGeom>
+        </p:spPr>
+        <p:style>
+          <a:lnRef idx="2">
+            <a:schemeClr val="accent1">
+              <a:shade val="50000"/>
+            </a:schemeClr>
+          </a:lnRef>
+          <a:fillRef idx="1">
+            <a:schemeClr val="accent1"/>
+          </a:fillRef>
+          <a:effectRef idx="0">
+            <a:schemeClr val="accent1"/>
+          </a:effectRef>
+          <a:fontRef idx="minor">
+            <a:schemeClr val="lt1"/>
+          </a:fontRef>
+        </p:style>
+        <p:txBody>
+          <a:bodyPr rtlCol="0" anchor="ctr"/>
+          <a:lstStyle/>
+          <a:p>
+            <a:r>
+              <a:rPr lang="en-US" altLang="ja-JP" sz="2000" smtClean="0">
+                <a:latin typeface="Consolas" panose="020B0609020204030204" pitchFamily="49" charset="0"/>
+                <a:cs typeface="Consolas" panose="020B0609020204030204" pitchFamily="49" charset="0"/>
+              </a:rPr>
+              <a:t>PORT     </a:t>
+            </a:r>
+            <a:r>
+              <a:rPr lang="en-US" altLang="ja-JP" sz="2000">
+                <a:latin typeface="Consolas" panose="020B0609020204030204" pitchFamily="49" charset="0"/>
+                <a:cs typeface="Consolas" panose="020B0609020204030204" pitchFamily="49" charset="0"/>
+              </a:rPr>
+              <a:t>STATE SERVICE VERSION</a:t>
+            </a:r>
+          </a:p>
+          <a:p>
+            <a:r>
+              <a:rPr lang="en-US" altLang="ja-JP" sz="2000">
+                <a:latin typeface="Consolas" panose="020B0609020204030204" pitchFamily="49" charset="0"/>
+                <a:cs typeface="Consolas" panose="020B0609020204030204" pitchFamily="49" charset="0"/>
+              </a:rPr>
+              <a:t>22/tcp   open  ssh     OpenSSH 5.3 (protocol 2.0)</a:t>
+            </a:r>
+          </a:p>
+          <a:p>
+            <a:r>
+              <a:rPr lang="en-US" altLang="ja-JP" sz="2000">
+                <a:latin typeface="Consolas" panose="020B0609020204030204" pitchFamily="49" charset="0"/>
+                <a:cs typeface="Consolas" panose="020B0609020204030204" pitchFamily="49" charset="0"/>
+              </a:rPr>
+              <a:t>| ssh-hostkey: </a:t>
+            </a:r>
+          </a:p>
+          <a:p>
+            <a:r>
+              <a:rPr lang="en-US" altLang="ja-JP" sz="2000">
+                <a:latin typeface="Consolas" panose="020B0609020204030204" pitchFamily="49" charset="0"/>
+                <a:cs typeface="Consolas" panose="020B0609020204030204" pitchFamily="49" charset="0"/>
+              </a:rPr>
+              <a:t>|   1024 bc:92:50:82:82:bc:d0:ab:b8:a2:6f:34:bb:f7:fd:bd (DSA)</a:t>
+            </a:r>
+          </a:p>
+          <a:p>
+            <a:r>
+              <a:rPr lang="en-US" altLang="ja-JP" sz="2000">
+                <a:latin typeface="Consolas" panose="020B0609020204030204" pitchFamily="49" charset="0"/>
+                <a:cs typeface="Consolas" panose="020B0609020204030204" pitchFamily="49" charset="0"/>
+              </a:rPr>
+              <a:t>|_  2048 ea:63:6a:de:44:98:c3:c9:35:88:d7:e9:81:cc:f7:47 (RSA)</a:t>
+            </a:r>
+          </a:p>
+          <a:p>
+            <a:r>
+              <a:rPr lang="en-US" altLang="ja-JP" sz="2000">
+                <a:latin typeface="Consolas" panose="020B0609020204030204" pitchFamily="49" charset="0"/>
+                <a:cs typeface="Consolas" panose="020B0609020204030204" pitchFamily="49" charset="0"/>
+              </a:rPr>
+              <a:t>2200/tcp open  ssh     OpenSSH 5.3 (protocol 2.0)</a:t>
+            </a:r>
+          </a:p>
+          <a:p>
+            <a:r>
+              <a:rPr lang="en-US" altLang="ja-JP" sz="2000">
+                <a:latin typeface="Consolas" panose="020B0609020204030204" pitchFamily="49" charset="0"/>
+                <a:cs typeface="Consolas" panose="020B0609020204030204" pitchFamily="49" charset="0"/>
+              </a:rPr>
+              <a:t>| ssh-hostkey: </a:t>
+            </a:r>
+          </a:p>
+          <a:p>
+            <a:r>
+              <a:rPr lang="en-US" altLang="ja-JP" sz="2000">
+                <a:latin typeface="Consolas" panose="020B0609020204030204" pitchFamily="49" charset="0"/>
+                <a:cs typeface="Consolas" panose="020B0609020204030204" pitchFamily="49" charset="0"/>
+              </a:rPr>
+              <a:t>|   1024 bc:92:50:82:82:bc:d0:ab:b8:a2:6f:34:bb:f7:fd:bd (DSA)</a:t>
+            </a:r>
+          </a:p>
+          <a:p>
+            <a:r>
+              <a:rPr lang="en-US" altLang="ja-JP" sz="2000">
+                <a:latin typeface="Consolas" panose="020B0609020204030204" pitchFamily="49" charset="0"/>
+                <a:cs typeface="Consolas" panose="020B0609020204030204" pitchFamily="49" charset="0"/>
+              </a:rPr>
+              <a:t>|_  2048 ea:63:6a:de:44:98:c3:c9:35:88:d7:e9:81:cc:f7:47 (RSA)</a:t>
+            </a:r>
+          </a:p>
+          <a:p>
+            <a:r>
+              <a:rPr lang="en-US" altLang="ja-JP" sz="2000">
+                <a:latin typeface="Consolas" panose="020B0609020204030204" pitchFamily="49" charset="0"/>
+                <a:cs typeface="Consolas" panose="020B0609020204030204" pitchFamily="49" charset="0"/>
+              </a:rPr>
+              <a:t>2201/tcp open  ssh     OpenSSH 5.3 (protocol 2.0)</a:t>
+            </a:r>
+          </a:p>
+          <a:p>
+            <a:r>
+              <a:rPr lang="en-US" altLang="ja-JP" sz="2000">
+                <a:latin typeface="Consolas" panose="020B0609020204030204" pitchFamily="49" charset="0"/>
+                <a:cs typeface="Consolas" panose="020B0609020204030204" pitchFamily="49" charset="0"/>
+              </a:rPr>
+              <a:t>| ssh-hostkey: </a:t>
+            </a:r>
+          </a:p>
+          <a:p>
+            <a:r>
+              <a:rPr lang="en-US" altLang="ja-JP" sz="2000">
+                <a:latin typeface="Consolas" panose="020B0609020204030204" pitchFamily="49" charset="0"/>
+                <a:cs typeface="Consolas" panose="020B0609020204030204" pitchFamily="49" charset="0"/>
+              </a:rPr>
+              <a:t>|   1024 bc:92:50:82:82:bc:d0:ab:b8:a2:6f:34:bb:f7:fd:bd (DSA)</a:t>
+            </a:r>
+          </a:p>
+          <a:p>
+            <a:r>
+              <a:rPr lang="en-US" altLang="ja-JP" sz="2000">
+                <a:latin typeface="Consolas" panose="020B0609020204030204" pitchFamily="49" charset="0"/>
+                <a:cs typeface="Consolas" panose="020B0609020204030204" pitchFamily="49" charset="0"/>
+              </a:rPr>
+              <a:t>|_  2048 ea:63:6a:de:44:98:c3:c9:35:88:d7:e9:81:cc:f7:47 (RSA)</a:t>
+            </a:r>
+          </a:p>
+          <a:p>
+            <a:r>
+              <a:rPr lang="en-US" altLang="ja-JP" sz="2000">
+                <a:latin typeface="Consolas" panose="020B0609020204030204" pitchFamily="49" charset="0"/>
+                <a:cs typeface="Consolas" panose="020B0609020204030204" pitchFamily="49" charset="0"/>
+              </a:rPr>
+              <a:t>2202/tcp open  ssh     OpenSSH 5.3 (protocol 2.0)</a:t>
+            </a:r>
+          </a:p>
+          <a:p>
+            <a:r>
+              <a:rPr lang="en-US" altLang="ja-JP" sz="2000">
+                <a:latin typeface="Consolas" panose="020B0609020204030204" pitchFamily="49" charset="0"/>
+                <a:cs typeface="Consolas" panose="020B0609020204030204" pitchFamily="49" charset="0"/>
+              </a:rPr>
+              <a:t>| ssh-hostkey: </a:t>
+            </a:r>
+          </a:p>
+          <a:p>
+            <a:r>
+              <a:rPr lang="en-US" altLang="ja-JP" sz="2000">
+                <a:latin typeface="Consolas" panose="020B0609020204030204" pitchFamily="49" charset="0"/>
+                <a:cs typeface="Consolas" panose="020B0609020204030204" pitchFamily="49" charset="0"/>
+              </a:rPr>
+              <a:t>|   1024 bc:92:50:82:82:bc:d0:ab:b8:a2:6f:34:bb:f7:fd:bd (DSA)</a:t>
+            </a:r>
+          </a:p>
+          <a:p>
+            <a:r>
+              <a:rPr lang="en-US" altLang="ja-JP" sz="2000">
+                <a:latin typeface="Consolas" panose="020B0609020204030204" pitchFamily="49" charset="0"/>
+                <a:cs typeface="Consolas" panose="020B0609020204030204" pitchFamily="49" charset="0"/>
+              </a:rPr>
+              <a:t>|_  2048 ea:63:6a:de:44:98:c3:c9:35:88:d7:e9:81:cc:f7:47 (</a:t>
+            </a:r>
+            <a:r>
+              <a:rPr lang="en-US" altLang="ja-JP" sz="2000">
+                <a:latin typeface="Consolas" panose="020B0609020204030204" pitchFamily="49" charset="0"/>
+                <a:cs typeface="Consolas" panose="020B0609020204030204" pitchFamily="49" charset="0"/>
+              </a:rPr>
+              <a:t>RSA</a:t>
+            </a:r>
+            <a:r>
+              <a:rPr lang="en-US" altLang="ja-JP" sz="2000" smtClean="0">
+                <a:latin typeface="Consolas" panose="020B0609020204030204" pitchFamily="49" charset="0"/>
+                <a:cs typeface="Consolas" panose="020B0609020204030204" pitchFamily="49" charset="0"/>
+              </a:rPr>
+              <a:t>)</a:t>
+            </a:r>
+          </a:p>
+          <a:p>
+            <a:r>
+              <a:rPr lang="en-US" altLang="ja-JP" sz="2000" smtClean="0">
+                <a:latin typeface="Consolas" panose="020B0609020204030204" pitchFamily="49" charset="0"/>
+                <a:cs typeface="Consolas" panose="020B0609020204030204" pitchFamily="49" charset="0"/>
+              </a:rPr>
+              <a:t>2203/tcp open  ssh     OpenSSH 5.3 (protocol 2.0)</a:t>
+            </a:r>
+          </a:p>
+          <a:p>
+            <a:r>
+              <a:rPr lang="en-US" altLang="ja-JP" sz="2000" smtClean="0">
+                <a:latin typeface="Consolas" panose="020B0609020204030204" pitchFamily="49" charset="0"/>
+                <a:cs typeface="Consolas" panose="020B0609020204030204" pitchFamily="49" charset="0"/>
+              </a:rPr>
+              <a:t>| ssh-hostkey: </a:t>
+            </a:r>
+          </a:p>
+          <a:p>
+            <a:r>
+              <a:rPr lang="en-US" altLang="ja-JP" sz="2000" smtClean="0">
+                <a:latin typeface="Consolas" panose="020B0609020204030204" pitchFamily="49" charset="0"/>
+                <a:cs typeface="Consolas" panose="020B0609020204030204" pitchFamily="49" charset="0"/>
+              </a:rPr>
+              <a:t>|   1024 bc:92:50:82:82:bc:d0:ab:b8:a2:6f:34:bb:f7:fd:bd (DSA)</a:t>
+            </a:r>
+          </a:p>
+          <a:p>
+            <a:r>
+              <a:rPr lang="en-US" altLang="ja-JP" sz="2000" smtClean="0">
+                <a:latin typeface="Consolas" panose="020B0609020204030204" pitchFamily="49" charset="0"/>
+                <a:cs typeface="Consolas" panose="020B0609020204030204" pitchFamily="49" charset="0"/>
+              </a:rPr>
+              <a:t>|_  2048 ea:63:6a:de:44:98:c3:c9:35:88:d7:e9:81:cc:f7:47 (RSA)</a:t>
+            </a:r>
+          </a:p>
+          <a:p>
+            <a:endParaRPr kumimoji="1" lang="ja-JP" altLang="en-US" sz="2000">
+              <a:latin typeface="Consolas" panose="020B0609020204030204" pitchFamily="49" charset="0"/>
+              <a:cs typeface="Consolas" panose="020B0609020204030204" pitchFamily="49" charset="0"/>
+            </a:endParaRPr>
+          </a:p>
+        </p:txBody>
+      </p:sp>
+    </p:spTree>
+    <p:extLst>
+      <p:ext uri="{BB962C8B-B14F-4D97-AF65-F5344CB8AC3E}">
+        <p14:creationId xmlns:p14="http://schemas.microsoft.com/office/powerpoint/2010/main" val="840825377"/>
+      </p:ext>
+    </p:extLst>
+  </p:cSld>
+  <p:clrMapOvr>
+    <a:masterClrMapping/>
+  </p:clrMapOvr>
+  <p:timing>
+    <p:tnLst>
+      <p:par>
+        <p:cTn id="1" dur="indefinite" restart="never" nodeType="tmRoot"/>
+      </p:par>
+    </p:tnLst>
+  </p:timing>
+</p:sld>
+</file>
+
 <file path=ppt/slides/slide3.xml><?xml version="1.0" encoding="utf-8"?>
 <p:sld xmlns:a="http://schemas.openxmlformats.org/drawingml/2006/main" xmlns:r="http://schemas.openxmlformats.org/officeDocument/2006/relationships" xmlns:p="http://schemas.openxmlformats.org/presentationml/2006/main">
   <p:cSld>
@@ -7025,43 +8460,31 @@
             </a:r>
             <a:r>
               <a:rPr kumimoji="1" lang="ja-JP" altLang="en-US" smtClean="0"/>
-              <a:t>攻撃</a:t>
-            </a:r>
+              <a:t>攻撃を「隠す」</a:t>
+            </a:r>
+            <a:endParaRPr kumimoji="1" lang="en-US" altLang="ja-JP" smtClean="0"/>
+          </a:p>
+          <a:p>
+            <a:pPr lvl="1"/>
+            <a:r>
+              <a:rPr lang="ja-JP" altLang="en-US" smtClean="0"/>
+              <a:t>ポートスキャン等を</a:t>
+            </a:r>
+            <a:r>
+              <a:rPr lang="ja-JP" altLang="en-US"/>
+              <a:t>気づかれないように実行</a:t>
+            </a:r>
+            <a:r>
+              <a:rPr lang="ja-JP" altLang="en-US" smtClean="0"/>
+              <a:t>する</a:t>
+            </a:r>
+            <a:endParaRPr lang="en-US" altLang="ja-JP" smtClean="0"/>
+          </a:p>
+          <a:p>
+            <a:pPr lvl="1"/>
             <a:r>
               <a:rPr kumimoji="1" lang="ja-JP" altLang="en-US" smtClean="0"/>
-              <a:t>を「隠す」</a:t>
-            </a:r>
-            <a:endParaRPr kumimoji="1" lang="en-US" altLang="ja-JP" smtClean="0"/>
-          </a:p>
-          <a:p>
-            <a:pPr lvl="1"/>
-            <a:r>
-              <a:rPr lang="ja-JP" altLang="en-US" smtClean="0"/>
-              <a:t>ポートスキャン等を</a:t>
-            </a:r>
-            <a:r>
-              <a:rPr lang="ja-JP" altLang="en-US"/>
-              <a:t>気づかれないように</a:t>
-            </a:r>
-            <a:r>
-              <a:rPr lang="ja-JP" altLang="en-US"/>
-              <a:t>実行</a:t>
-            </a:r>
-            <a:r>
-              <a:rPr lang="ja-JP" altLang="en-US" smtClean="0"/>
-              <a:t>する</a:t>
-            </a:r>
-            <a:endParaRPr lang="en-US" altLang="ja-JP" smtClean="0"/>
-          </a:p>
-          <a:p>
-            <a:pPr lvl="1"/>
-            <a:r>
-              <a:rPr kumimoji="1" lang="ja-JP" altLang="en-US" smtClean="0"/>
-              <a:t>セキュリティポリシを</a:t>
-            </a:r>
-            <a:r>
-              <a:rPr kumimoji="1" lang="ja-JP" altLang="en-US" smtClean="0"/>
-              <a:t>かいくぐって通信する</a:t>
+              <a:t>セキュリティポリシをかいくぐって通信する</a:t>
             </a:r>
             <a:endParaRPr kumimoji="1" lang="en-US" altLang="ja-JP" smtClean="0"/>
           </a:p>
@@ -7078,11 +8501,7 @@
             </a:r>
             <a:r>
               <a:rPr kumimoji="1" lang="ja-JP" altLang="en-US" smtClean="0"/>
-              <a:t>攻撃</a:t>
-            </a:r>
-            <a:r>
-              <a:rPr kumimoji="1" lang="ja-JP" altLang="en-US" smtClean="0"/>
-              <a:t>から「隠れる」</a:t>
+              <a:t>攻撃から「隠れる」</a:t>
             </a:r>
             <a:endParaRPr kumimoji="1" lang="en-US" altLang="ja-JP" smtClean="0"/>
           </a:p>
@@ -7144,15 +8563,7 @@
                   <a:srgbClr val="FF0000"/>
                 </a:solidFill>
               </a:rPr>
-              <a:t>  　→ 科学</a:t>
-            </a:r>
-            <a:r>
-              <a:rPr lang="ja-JP" altLang="en-US" sz="2800" b="1" smtClean="0">
-                <a:solidFill>
-                  <a:srgbClr val="FF0000"/>
-                </a:solidFill>
-              </a:rPr>
-              <a:t>忍法・</a:t>
+              <a:t>  　→ 科学忍法・</a:t>
             </a:r>
             <a:r>
               <a:rPr lang="en-US" altLang="ja-JP" sz="2800" b="1" smtClean="0">
@@ -7409,11 +8820,7 @@
             </a:r>
             <a:r>
               <a:rPr lang="ja-JP" altLang="en-US" smtClean="0"/>
-              <a:t>だけ</a:t>
-            </a:r>
-            <a:r>
-              <a:rPr lang="ja-JP" altLang="en-US" smtClean="0"/>
-              <a:t>インターネットに到達する</a:t>
+              <a:t>だけインターネットに到達する</a:t>
             </a:r>
             <a:r>
               <a:rPr lang="en-US" altLang="ja-JP" smtClean="0"/>
@@ -7549,11 +8956,7 @@
             </a:r>
             <a:r>
               <a:rPr lang="ja-JP" altLang="en-US" smtClean="0"/>
-              <a:t>だけ</a:t>
-            </a:r>
-            <a:r>
-              <a:rPr lang="ja-JP" altLang="en-US" smtClean="0"/>
-              <a:t>インターネットに到達する</a:t>
+              <a:t>だけインターネットに到達する</a:t>
             </a:r>
             <a:r>
               <a:rPr lang="en-US" altLang="ja-JP" smtClean="0"/>
@@ -7587,11 +8990,7 @@
             </a:r>
             <a:r>
               <a:rPr kumimoji="1" lang="ja-JP" altLang="en-US" smtClean="0"/>
-              <a:t>アドレスは分かっている（なんだそれ</a:t>
-            </a:r>
-            <a:r>
-              <a:rPr kumimoji="1" lang="ja-JP" altLang="en-US" smtClean="0"/>
-              <a:t>）</a:t>
+              <a:t>アドレスは分かっている（なんだそれ）</a:t>
             </a:r>
             <a:endParaRPr kumimoji="1" lang="en-US" altLang="ja-JP" smtClean="0"/>
           </a:p>

--- a/2015-no.2/ppt/00_ozuma.pptx
+++ b/2015-no.2/ppt/00_ozuma.pptx
@@ -5,7 +5,7 @@
     <p:sldMasterId id="2147483690" r:id="rId1"/>
   </p:sldMasterIdLst>
   <p:notesMasterIdLst>
-    <p:notesMasterId r:id="rId27"/>
+    <p:notesMasterId r:id="rId34"/>
   </p:notesMasterIdLst>
   <p:sldIdLst>
     <p:sldId id="257" r:id="rId2"/>
@@ -17,22 +17,29 @@
     <p:sldId id="259" r:id="rId8"/>
     <p:sldId id="260" r:id="rId9"/>
     <p:sldId id="263" r:id="rId10"/>
-    <p:sldId id="273" r:id="rId11"/>
-    <p:sldId id="271" r:id="rId12"/>
-    <p:sldId id="272" r:id="rId13"/>
+    <p:sldId id="271" r:id="rId11"/>
+    <p:sldId id="272" r:id="rId12"/>
+    <p:sldId id="289" r:id="rId13"/>
     <p:sldId id="270" r:id="rId14"/>
-    <p:sldId id="265" r:id="rId15"/>
-    <p:sldId id="267" r:id="rId16"/>
-    <p:sldId id="266" r:id="rId17"/>
-    <p:sldId id="264" r:id="rId18"/>
-    <p:sldId id="274" r:id="rId19"/>
-    <p:sldId id="275" r:id="rId20"/>
-    <p:sldId id="276" r:id="rId21"/>
-    <p:sldId id="277" r:id="rId22"/>
-    <p:sldId id="278" r:id="rId23"/>
-    <p:sldId id="279" r:id="rId24"/>
-    <p:sldId id="281" r:id="rId25"/>
-    <p:sldId id="280" r:id="rId26"/>
+    <p:sldId id="290" r:id="rId15"/>
+    <p:sldId id="265" r:id="rId16"/>
+    <p:sldId id="267" r:id="rId17"/>
+    <p:sldId id="282" r:id="rId18"/>
+    <p:sldId id="266" r:id="rId19"/>
+    <p:sldId id="264" r:id="rId20"/>
+    <p:sldId id="284" r:id="rId21"/>
+    <p:sldId id="285" r:id="rId22"/>
+    <p:sldId id="287" r:id="rId23"/>
+    <p:sldId id="288" r:id="rId24"/>
+    <p:sldId id="274" r:id="rId25"/>
+    <p:sldId id="275" r:id="rId26"/>
+    <p:sldId id="276" r:id="rId27"/>
+    <p:sldId id="277" r:id="rId28"/>
+    <p:sldId id="278" r:id="rId29"/>
+    <p:sldId id="279" r:id="rId30"/>
+    <p:sldId id="281" r:id="rId31"/>
+    <p:sldId id="280" r:id="rId32"/>
+    <p:sldId id="283" r:id="rId33"/>
   </p:sldIdLst>
   <p:sldSz cx="9144000" cy="6858000" type="screen4x3"/>
   <p:notesSz cx="6858000" cy="9144000"/>
@@ -232,7 +239,7 @@
           <a:p>
             <a:fld id="{227E3AE5-EB08-419F-97DD-14530EE7F784}" type="datetimeFigureOut">
               <a:rPr kumimoji="1" lang="ja-JP" altLang="en-US" smtClean="0"/>
-              <a:t>2015/8/19</a:t>
+              <a:t>2015/8/20</a:t>
             </a:fld>
             <a:endParaRPr kumimoji="1" lang="ja-JP" altLang="en-US"/>
           </a:p>
@@ -655,6 +662,202 @@
 </p:notes>
 </file>
 
+<file path=ppt/notesSlides/notesSlide10.xml><?xml version="1.0" encoding="utf-8"?>
+<p:notes xmlns:a="http://schemas.openxmlformats.org/drawingml/2006/main" xmlns:r="http://schemas.openxmlformats.org/officeDocument/2006/relationships" xmlns:p="http://schemas.openxmlformats.org/presentationml/2006/main">
+  <p:cSld>
+    <p:spTree>
+      <p:nvGrpSpPr>
+        <p:cNvPr id="1" name=""/>
+        <p:cNvGrpSpPr/>
+        <p:nvPr/>
+      </p:nvGrpSpPr>
+      <p:grpSpPr>
+        <a:xfrm>
+          <a:off x="0" y="0"/>
+          <a:ext cx="0" cy="0"/>
+          <a:chOff x="0" y="0"/>
+          <a:chExt cx="0" cy="0"/>
+        </a:xfrm>
+      </p:grpSpPr>
+      <p:sp>
+        <p:nvSpPr>
+          <p:cNvPr id="2" name="スライド イメージ プレースホルダー 1"/>
+          <p:cNvSpPr>
+            <a:spLocks noGrp="1" noRot="1" noChangeAspect="1"/>
+          </p:cNvSpPr>
+          <p:nvPr>
+            <p:ph type="sldImg"/>
+          </p:nvPr>
+        </p:nvSpPr>
+        <p:spPr/>
+      </p:sp>
+      <p:sp>
+        <p:nvSpPr>
+          <p:cNvPr id="3" name="ノート プレースホルダー 2"/>
+          <p:cNvSpPr>
+            <a:spLocks noGrp="1"/>
+          </p:cNvSpPr>
+          <p:nvPr>
+            <p:ph type="body" idx="1"/>
+          </p:nvPr>
+        </p:nvSpPr>
+        <p:spPr/>
+        <p:txBody>
+          <a:bodyPr/>
+          <a:lstStyle/>
+          <a:p>
+            <a:r>
+              <a:rPr kumimoji="1" lang="ja-JP" altLang="en-US" smtClean="0"/>
+              <a:t>たとえば、</a:t>
+            </a:r>
+            <a:r>
+              <a:rPr kumimoji="1" lang="en-US" altLang="ja-JP" smtClean="0"/>
+              <a:t>50%</a:t>
+            </a:r>
+            <a:r>
+              <a:rPr kumimoji="1" lang="ja-JP" altLang="en-US" smtClean="0"/>
+              <a:t>のカバレッジを出すには、</a:t>
+            </a:r>
+            <a:r>
+              <a:rPr kumimoji="1" lang="en-US" altLang="ja-JP" smtClean="0"/>
+              <a:t>10</a:t>
+            </a:r>
+            <a:r>
+              <a:rPr kumimoji="1" lang="ja-JP" altLang="en-US" smtClean="0"/>
+              <a:t>個のポートをスキャンするだけで良いわけです。</a:t>
+            </a:r>
+            <a:endParaRPr kumimoji="1" lang="en-US" altLang="ja-JP" smtClean="0"/>
+          </a:p>
+          <a:p>
+            <a:r>
+              <a:rPr kumimoji="1" lang="en-US" altLang="ja-JP" smtClean="0"/>
+              <a:t>90%</a:t>
+            </a:r>
+            <a:r>
+              <a:rPr kumimoji="1" lang="ja-JP" altLang="en-US" smtClean="0"/>
+              <a:t>のカバレッジを出すにも、</a:t>
+            </a:r>
+            <a:r>
+              <a:rPr kumimoji="1" lang="en-US" altLang="ja-JP" smtClean="0"/>
+              <a:t>500</a:t>
+            </a:r>
+            <a:r>
+              <a:rPr kumimoji="1" lang="ja-JP" altLang="en-US" smtClean="0"/>
+              <a:t>個ちょっとスキャンすれば十分です。このようによく使われるポートは非常に「偏り」がありますから、必要最小限のポートのみに絞ってスキャンしましょう。探査行為が少なければ少ないほど、攻撃が検知される可能性も低くなります。</a:t>
+            </a:r>
+            <a:endParaRPr kumimoji="1" lang="en-US" altLang="ja-JP" smtClean="0"/>
+          </a:p>
+          <a:p>
+            <a:endParaRPr kumimoji="1" lang="en-US" altLang="ja-JP" smtClean="0"/>
+          </a:p>
+          <a:p>
+            <a:r>
+              <a:rPr kumimoji="1" lang="ja-JP" altLang="en-US" smtClean="0"/>
+              <a:t>また、</a:t>
+            </a:r>
+            <a:r>
+              <a:rPr kumimoji="1" lang="en-US" altLang="ja-JP" smtClean="0"/>
+              <a:t>99%</a:t>
+            </a:r>
+            <a:r>
+              <a:rPr kumimoji="1" lang="ja-JP" altLang="en-US" smtClean="0"/>
+              <a:t>のカバレッジを出すには</a:t>
+            </a:r>
+            <a:r>
+              <a:rPr kumimoji="1" lang="en-US" altLang="ja-JP" smtClean="0"/>
+              <a:t>3000</a:t>
+            </a:r>
+            <a:r>
+              <a:rPr kumimoji="1" lang="ja-JP" altLang="en-US" smtClean="0"/>
+              <a:t>個ちょっとのポートをスキャンすればいいのに、そこからさらにカバレッジ</a:t>
+            </a:r>
+            <a:r>
+              <a:rPr kumimoji="1" lang="en-US" altLang="ja-JP" smtClean="0"/>
+              <a:t>100%</a:t>
+            </a:r>
+            <a:r>
+              <a:rPr kumimoji="1" lang="ja-JP" altLang="en-US" smtClean="0"/>
+              <a:t>を目指すには、当然のことながら全</a:t>
+            </a:r>
+            <a:r>
+              <a:rPr kumimoji="1" lang="en-US" altLang="ja-JP" smtClean="0"/>
+              <a:t>TCP</a:t>
+            </a:r>
+            <a:r>
+              <a:rPr kumimoji="1" lang="ja-JP" altLang="en-US" smtClean="0"/>
+              <a:t>ポート</a:t>
+            </a:r>
+            <a:r>
+              <a:rPr kumimoji="1" lang="en-US" altLang="ja-JP" smtClean="0"/>
+              <a:t>(0-65535)</a:t>
+            </a:r>
+            <a:r>
+              <a:rPr kumimoji="1" lang="ja-JP" altLang="en-US" smtClean="0"/>
+              <a:t>の</a:t>
+            </a:r>
+            <a:r>
+              <a:rPr kumimoji="1" lang="en-US" altLang="ja-JP" smtClean="0"/>
+              <a:t>65536</a:t>
+            </a:r>
+            <a:r>
+              <a:rPr kumimoji="1" lang="ja-JP" altLang="en-US" smtClean="0"/>
+              <a:t>個をスキャンしなければいけません。</a:t>
+            </a:r>
+            <a:endParaRPr kumimoji="1" lang="en-US" altLang="ja-JP" smtClean="0"/>
+          </a:p>
+          <a:p>
+            <a:r>
+              <a:rPr kumimoji="1" lang="ja-JP" altLang="en-US" smtClean="0"/>
+              <a:t>ここから、全ポートのスキャンはいかに非効率的であるかが分かります。</a:t>
+            </a:r>
+            <a:r>
+              <a:rPr kumimoji="1" lang="en-US" altLang="ja-JP" smtClean="0"/>
+              <a:t>--top-ports</a:t>
+            </a:r>
+            <a:r>
+              <a:rPr kumimoji="1" lang="ja-JP" altLang="en-US" smtClean="0"/>
+              <a:t>を積極的に使って、最小限のスキャンで攻撃しましょう（するなよ）。</a:t>
+            </a:r>
+            <a:endParaRPr kumimoji="1" lang="ja-JP" altLang="en-US"/>
+          </a:p>
+        </p:txBody>
+      </p:sp>
+      <p:sp>
+        <p:nvSpPr>
+          <p:cNvPr id="4" name="スライド番号プレースホルダー 3"/>
+          <p:cNvSpPr>
+            <a:spLocks noGrp="1"/>
+          </p:cNvSpPr>
+          <p:nvPr>
+            <p:ph type="sldNum" sz="quarter" idx="10"/>
+          </p:nvPr>
+        </p:nvSpPr>
+        <p:spPr/>
+        <p:txBody>
+          <a:bodyPr/>
+          <a:lstStyle/>
+          <a:p>
+            <a:fld id="{DB9CD991-4847-4EC6-8E3A-1C6DA9348A2B}" type="slidenum">
+              <a:rPr kumimoji="1" lang="ja-JP" altLang="en-US" smtClean="0"/>
+              <a:t>23</a:t>
+            </a:fld>
+            <a:endParaRPr kumimoji="1" lang="ja-JP" altLang="en-US"/>
+          </a:p>
+        </p:txBody>
+      </p:sp>
+    </p:spTree>
+    <p:extLst>
+      <p:ext uri="{BB962C8B-B14F-4D97-AF65-F5344CB8AC3E}">
+        <p14:creationId xmlns:p14="http://schemas.microsoft.com/office/powerpoint/2010/main" val="2200297126"/>
+      </p:ext>
+    </p:extLst>
+  </p:cSld>
+  <p:clrMapOvr>
+    <a:masterClrMapping/>
+  </p:clrMapOvr>
+</p:notes>
+</file>
+
 <file path=ppt/notesSlides/notesSlide2.xml><?xml version="1.0" encoding="utf-8"?>
 <p:notes xmlns:a="http://schemas.openxmlformats.org/drawingml/2006/main" xmlns:r="http://schemas.openxmlformats.org/officeDocument/2006/relationships" xmlns:p="http://schemas.openxmlformats.org/presentationml/2006/main">
   <p:cSld>
@@ -1174,7 +1377,7 @@
           <a:p>
             <a:fld id="{DB9CD991-4847-4EC6-8E3A-1C6DA9348A2B}" type="slidenum">
               <a:rPr kumimoji="1" lang="ja-JP" altLang="en-US" smtClean="0"/>
-              <a:t>11</a:t>
+              <a:t>10</a:t>
             </a:fld>
             <a:endParaRPr kumimoji="1" lang="ja-JP" altLang="en-US"/>
           </a:p>
@@ -1258,7 +1461,7 @@
           <a:p>
             <a:fld id="{DB9CD991-4847-4EC6-8E3A-1C6DA9348A2B}" type="slidenum">
               <a:rPr kumimoji="1" lang="ja-JP" altLang="en-US" smtClean="0"/>
-              <a:t>12</a:t>
+              <a:t>11</a:t>
             </a:fld>
             <a:endParaRPr kumimoji="1" lang="ja-JP" altLang="en-US"/>
           </a:p>
@@ -1401,7 +1604,7 @@
           <a:p>
             <a:fld id="{DB9CD991-4847-4EC6-8E3A-1C6DA9348A2B}" type="slidenum">
               <a:rPr kumimoji="1" lang="ja-JP" altLang="en-US" smtClean="0"/>
-              <a:t>17</a:t>
+              <a:t>19</a:t>
             </a:fld>
             <a:endParaRPr kumimoji="1" lang="ja-JP" altLang="en-US"/>
           </a:p>
@@ -1411,6 +1614,444 @@
     <p:extLst>
       <p:ext uri="{BB962C8B-B14F-4D97-AF65-F5344CB8AC3E}">
         <p14:creationId xmlns:p14="http://schemas.microsoft.com/office/powerpoint/2010/main" val="2504593760"/>
+      </p:ext>
+    </p:extLst>
+  </p:cSld>
+  <p:clrMapOvr>
+    <a:masterClrMapping/>
+  </p:clrMapOvr>
+</p:notes>
+</file>
+
+<file path=ppt/notesSlides/notesSlide8.xml><?xml version="1.0" encoding="utf-8"?>
+<p:notes xmlns:a="http://schemas.openxmlformats.org/drawingml/2006/main" xmlns:r="http://schemas.openxmlformats.org/officeDocument/2006/relationships" xmlns:p="http://schemas.openxmlformats.org/presentationml/2006/main">
+  <p:cSld>
+    <p:spTree>
+      <p:nvGrpSpPr>
+        <p:cNvPr id="1" name=""/>
+        <p:cNvGrpSpPr/>
+        <p:nvPr/>
+      </p:nvGrpSpPr>
+      <p:grpSpPr>
+        <a:xfrm>
+          <a:off x="0" y="0"/>
+          <a:ext cx="0" cy="0"/>
+          <a:chOff x="0" y="0"/>
+          <a:chExt cx="0" cy="0"/>
+        </a:xfrm>
+      </p:grpSpPr>
+      <p:sp>
+        <p:nvSpPr>
+          <p:cNvPr id="2" name="スライド イメージ プレースホルダー 1"/>
+          <p:cNvSpPr>
+            <a:spLocks noGrp="1" noRot="1" noChangeAspect="1"/>
+          </p:cNvSpPr>
+          <p:nvPr>
+            <p:ph type="sldImg"/>
+          </p:nvPr>
+        </p:nvSpPr>
+        <p:spPr/>
+      </p:sp>
+      <p:sp>
+        <p:nvSpPr>
+          <p:cNvPr id="3" name="ノート プレースホルダー 2"/>
+          <p:cNvSpPr>
+            <a:spLocks noGrp="1"/>
+          </p:cNvSpPr>
+          <p:nvPr>
+            <p:ph type="body" idx="1"/>
+          </p:nvPr>
+        </p:nvSpPr>
+        <p:spPr/>
+        <p:txBody>
+          <a:bodyPr/>
+          <a:lstStyle/>
+          <a:p>
+            <a:r>
+              <a:rPr kumimoji="1" lang="ja-JP" altLang="en-US" smtClean="0"/>
+              <a:t>ちなみに、ランキングは、</a:t>
+            </a:r>
+            <a:endParaRPr kumimoji="1" lang="en-US" altLang="ja-JP" smtClean="0"/>
+          </a:p>
+          <a:p>
+            <a:r>
+              <a:rPr kumimoji="1" lang="en-US" altLang="ja-JP" smtClean="0"/>
+              <a:t>1</a:t>
+            </a:r>
+            <a:r>
+              <a:rPr kumimoji="1" lang="ja-JP" altLang="en-US" smtClean="0"/>
+              <a:t>位 </a:t>
+            </a:r>
+            <a:r>
+              <a:rPr kumimoji="1" lang="en-US" altLang="ja-JP" smtClean="0"/>
+              <a:t>80/tcp (http)</a:t>
+            </a:r>
+          </a:p>
+          <a:p>
+            <a:r>
+              <a:rPr kumimoji="1" lang="en-US" altLang="ja-JP" smtClean="0"/>
+              <a:t>2</a:t>
+            </a:r>
+            <a:r>
+              <a:rPr kumimoji="1" lang="ja-JP" altLang="en-US" smtClean="0"/>
+              <a:t>位 </a:t>
+            </a:r>
+            <a:r>
+              <a:rPr kumimoji="1" lang="en-US" altLang="ja-JP" smtClean="0"/>
+              <a:t>23/tcp (telnet)</a:t>
+            </a:r>
+          </a:p>
+          <a:p>
+            <a:pPr marL="0" marR="0" indent="0" algn="l" defTabSz="914400" rtl="0" eaLnBrk="1" fontAlgn="auto" latinLnBrk="0" hangingPunct="1">
+              <a:lnSpc>
+                <a:spcPct val="100000"/>
+              </a:lnSpc>
+              <a:spcBef>
+                <a:spcPts val="0"/>
+              </a:spcBef>
+              <a:spcAft>
+                <a:spcPts val="0"/>
+              </a:spcAft>
+              <a:buClrTx/>
+              <a:buSzTx/>
+              <a:buFontTx/>
+              <a:buNone/>
+              <a:tabLst/>
+              <a:defRPr/>
+            </a:pPr>
+            <a:r>
+              <a:rPr kumimoji="1" lang="en-US" altLang="ja-JP" smtClean="0"/>
+              <a:t>3</a:t>
+            </a:r>
+            <a:r>
+              <a:rPr kumimoji="1" lang="ja-JP" altLang="en-US" smtClean="0"/>
+              <a:t>位 </a:t>
+            </a:r>
+            <a:r>
+              <a:rPr kumimoji="1" lang="en-US" altLang="ja-JP" smtClean="0"/>
+              <a:t>443/tcp (https)</a:t>
+            </a:r>
+          </a:p>
+          <a:p>
+            <a:pPr marL="0" marR="0" indent="0" algn="l" defTabSz="914400" rtl="0" eaLnBrk="1" fontAlgn="auto" latinLnBrk="0" hangingPunct="1">
+              <a:lnSpc>
+                <a:spcPct val="100000"/>
+              </a:lnSpc>
+              <a:spcBef>
+                <a:spcPts val="0"/>
+              </a:spcBef>
+              <a:spcAft>
+                <a:spcPts val="0"/>
+              </a:spcAft>
+              <a:buClrTx/>
+              <a:buSzTx/>
+              <a:buFontTx/>
+              <a:buNone/>
+              <a:tabLst/>
+              <a:defRPr/>
+            </a:pPr>
+            <a:r>
+              <a:rPr kumimoji="1" lang="en-US" altLang="ja-JP" smtClean="0"/>
+              <a:t>4</a:t>
+            </a:r>
+            <a:r>
+              <a:rPr kumimoji="1" lang="ja-JP" altLang="en-US" smtClean="0"/>
+              <a:t>位 </a:t>
+            </a:r>
+            <a:r>
+              <a:rPr kumimoji="1" lang="en-US" altLang="ja-JP" smtClean="0"/>
+              <a:t>21/tcp (ftp)</a:t>
+            </a:r>
+          </a:p>
+          <a:p>
+            <a:r>
+              <a:rPr kumimoji="1" lang="en-US" altLang="ja-JP" smtClean="0"/>
+              <a:t>5</a:t>
+            </a:r>
+            <a:r>
+              <a:rPr kumimoji="1" lang="ja-JP" altLang="en-US" smtClean="0"/>
+              <a:t>位 </a:t>
+            </a:r>
+            <a:r>
+              <a:rPr kumimoji="1" lang="en-US" altLang="ja-JP" smtClean="0"/>
+              <a:t>22/tcp (ssh)</a:t>
+            </a:r>
+          </a:p>
+          <a:p>
+            <a:r>
+              <a:rPr kumimoji="1" lang="en-US" altLang="ja-JP" smtClean="0"/>
+              <a:t>6</a:t>
+            </a:r>
+            <a:r>
+              <a:rPr kumimoji="1" lang="ja-JP" altLang="en-US" smtClean="0"/>
+              <a:t>位 </a:t>
+            </a:r>
+            <a:r>
+              <a:rPr kumimoji="1" lang="en-US" altLang="ja-JP" smtClean="0"/>
+              <a:t>25/tcp</a:t>
+            </a:r>
+            <a:r>
+              <a:rPr kumimoji="1" lang="en-US" altLang="ja-JP" baseline="0" smtClean="0"/>
+              <a:t> (smtp)</a:t>
+            </a:r>
+          </a:p>
+          <a:p>
+            <a:r>
+              <a:rPr kumimoji="1" lang="en-US" altLang="ja-JP" baseline="0" smtClean="0"/>
+              <a:t>7</a:t>
+            </a:r>
+            <a:r>
+              <a:rPr kumimoji="1" lang="ja-JP" altLang="en-US" baseline="0" smtClean="0"/>
+              <a:t>位 </a:t>
+            </a:r>
+            <a:r>
+              <a:rPr kumimoji="1" lang="en-US" altLang="ja-JP" baseline="0" smtClean="0"/>
+              <a:t>3389/tcp (rdp)</a:t>
+            </a:r>
+          </a:p>
+          <a:p>
+            <a:r>
+              <a:rPr kumimoji="1" lang="en-US" altLang="ja-JP" smtClean="0"/>
+              <a:t>8</a:t>
+            </a:r>
+            <a:r>
+              <a:rPr kumimoji="1" lang="ja-JP" altLang="en-US" smtClean="0"/>
+              <a:t>位 </a:t>
+            </a:r>
+            <a:r>
+              <a:rPr kumimoji="1" lang="en-US" altLang="ja-JP" smtClean="0"/>
+              <a:t>110/tcp (pop3)</a:t>
+            </a:r>
+          </a:p>
+          <a:p>
+            <a:r>
+              <a:rPr kumimoji="1" lang="en-US" altLang="ja-JP" smtClean="0"/>
+              <a:t>9</a:t>
+            </a:r>
+            <a:r>
+              <a:rPr kumimoji="1" lang="ja-JP" altLang="en-US" smtClean="0"/>
+              <a:t>位 </a:t>
+            </a:r>
+            <a:r>
+              <a:rPr kumimoji="1" lang="en-US" altLang="ja-JP" smtClean="0"/>
+              <a:t>445/tcp (smb)</a:t>
+            </a:r>
+          </a:p>
+          <a:p>
+            <a:r>
+              <a:rPr kumimoji="1" lang="en-US" altLang="ja-JP" smtClean="0"/>
+              <a:t>10</a:t>
+            </a:r>
+            <a:r>
+              <a:rPr kumimoji="1" lang="ja-JP" altLang="en-US" smtClean="0"/>
+              <a:t>位 </a:t>
+            </a:r>
+            <a:r>
+              <a:rPr kumimoji="1" lang="en-US" altLang="ja-JP" smtClean="0"/>
+              <a:t>139/tcp</a:t>
+            </a:r>
+            <a:r>
+              <a:rPr kumimoji="1" lang="en-US" altLang="ja-JP" baseline="0" smtClean="0"/>
+              <a:t> (netbios)</a:t>
+            </a:r>
+            <a:endParaRPr kumimoji="1" lang="en-US" altLang="ja-JP" smtClean="0"/>
+          </a:p>
+        </p:txBody>
+      </p:sp>
+      <p:sp>
+        <p:nvSpPr>
+          <p:cNvPr id="4" name="スライド番号プレースホルダー 3"/>
+          <p:cNvSpPr>
+            <a:spLocks noGrp="1"/>
+          </p:cNvSpPr>
+          <p:nvPr>
+            <p:ph type="sldNum" sz="quarter" idx="10"/>
+          </p:nvPr>
+        </p:nvSpPr>
+        <p:spPr/>
+        <p:txBody>
+          <a:bodyPr/>
+          <a:lstStyle/>
+          <a:p>
+            <a:fld id="{DB9CD991-4847-4EC6-8E3A-1C6DA9348A2B}" type="slidenum">
+              <a:rPr kumimoji="1" lang="ja-JP" altLang="en-US" smtClean="0"/>
+              <a:t>21</a:t>
+            </a:fld>
+            <a:endParaRPr kumimoji="1" lang="ja-JP" altLang="en-US"/>
+          </a:p>
+        </p:txBody>
+      </p:sp>
+    </p:spTree>
+    <p:extLst>
+      <p:ext uri="{BB962C8B-B14F-4D97-AF65-F5344CB8AC3E}">
+        <p14:creationId xmlns:p14="http://schemas.microsoft.com/office/powerpoint/2010/main" val="3105100023"/>
+      </p:ext>
+    </p:extLst>
+  </p:cSld>
+  <p:clrMapOvr>
+    <a:masterClrMapping/>
+  </p:clrMapOvr>
+</p:notes>
+</file>
+
+<file path=ppt/notesSlides/notesSlide9.xml><?xml version="1.0" encoding="utf-8"?>
+<p:notes xmlns:a="http://schemas.openxmlformats.org/drawingml/2006/main" xmlns:r="http://schemas.openxmlformats.org/officeDocument/2006/relationships" xmlns:p="http://schemas.openxmlformats.org/presentationml/2006/main">
+  <p:cSld>
+    <p:spTree>
+      <p:nvGrpSpPr>
+        <p:cNvPr id="1" name=""/>
+        <p:cNvGrpSpPr/>
+        <p:nvPr/>
+      </p:nvGrpSpPr>
+      <p:grpSpPr>
+        <a:xfrm>
+          <a:off x="0" y="0"/>
+          <a:ext cx="0" cy="0"/>
+          <a:chOff x="0" y="0"/>
+          <a:chExt cx="0" cy="0"/>
+        </a:xfrm>
+      </p:grpSpPr>
+      <p:sp>
+        <p:nvSpPr>
+          <p:cNvPr id="2" name="スライド イメージ プレースホルダー 1"/>
+          <p:cNvSpPr>
+            <a:spLocks noGrp="1" noRot="1" noChangeAspect="1"/>
+          </p:cNvSpPr>
+          <p:nvPr>
+            <p:ph type="sldImg"/>
+          </p:nvPr>
+        </p:nvSpPr>
+        <p:spPr/>
+      </p:sp>
+      <p:sp>
+        <p:nvSpPr>
+          <p:cNvPr id="3" name="ノート プレースホルダー 2"/>
+          <p:cNvSpPr>
+            <a:spLocks noGrp="1"/>
+          </p:cNvSpPr>
+          <p:nvPr>
+            <p:ph type="body" idx="1"/>
+          </p:nvPr>
+        </p:nvSpPr>
+        <p:spPr/>
+        <p:txBody>
+          <a:bodyPr/>
+          <a:lstStyle/>
+          <a:p>
+            <a:r>
+              <a:rPr kumimoji="1" lang="ja-JP" altLang="en-US" smtClean="0"/>
+              <a:t>これは、</a:t>
+            </a:r>
+            <a:r>
+              <a:rPr kumimoji="1" lang="en-US" altLang="ja-JP" smtClean="0"/>
+              <a:t>Nmap</a:t>
+            </a:r>
+            <a:r>
+              <a:rPr kumimoji="1" lang="ja-JP" altLang="en-US" smtClean="0"/>
+              <a:t>のガイドブック（いわゆる目ん玉本）に載っている、いかに効率的にスキャンをするか？ というデータです。</a:t>
+            </a:r>
+            <a:endParaRPr kumimoji="1" lang="en-US" altLang="ja-JP" smtClean="0"/>
+          </a:p>
+          <a:p>
+            <a:r>
+              <a:rPr kumimoji="1" lang="en-US" altLang="ja-JP" smtClean="0"/>
+              <a:t>2008</a:t>
+            </a:r>
+            <a:r>
+              <a:rPr kumimoji="1" lang="ja-JP" altLang="en-US" smtClean="0"/>
+              <a:t>年のものなので現在は細かい数字は違ってくるでしょうが、言いたい結論は変わらないはずです。</a:t>
+            </a:r>
+            <a:endParaRPr kumimoji="1" lang="en-US" altLang="ja-JP" smtClean="0"/>
+          </a:p>
+          <a:p>
+            <a:endParaRPr kumimoji="1" lang="en-US" altLang="ja-JP" smtClean="0"/>
+          </a:p>
+          <a:p>
+            <a:r>
+              <a:rPr kumimoji="1" lang="ja-JP" altLang="en-US" smtClean="0"/>
+              <a:t>このグラフは、横軸がスキャンする</a:t>
+            </a:r>
+            <a:r>
+              <a:rPr kumimoji="1" lang="en-US" altLang="ja-JP" smtClean="0"/>
+              <a:t>TCP</a:t>
+            </a:r>
+            <a:r>
+              <a:rPr kumimoji="1" lang="ja-JP" altLang="en-US" smtClean="0"/>
+              <a:t>のポート数（個数）、縦軸がカバレッジです。（</a:t>
+            </a:r>
+            <a:r>
+              <a:rPr kumimoji="1" lang="en-US" altLang="ja-JP" smtClean="0"/>
+              <a:t>Nmap</a:t>
+            </a:r>
+            <a:r>
+              <a:rPr kumimoji="1" lang="ja-JP" altLang="en-US" smtClean="0"/>
+              <a:t>本では</a:t>
+            </a:r>
+            <a:r>
+              <a:rPr kumimoji="1" lang="en-US" altLang="ja-JP" smtClean="0"/>
+              <a:t>Effectiveness</a:t>
+            </a:r>
+            <a:r>
+              <a:rPr kumimoji="1" lang="ja-JP" altLang="en-US" smtClean="0"/>
+              <a:t>という単語を使っていますが、ここではカバレッジとしました）。</a:t>
+            </a:r>
+            <a:endParaRPr kumimoji="1" lang="en-US" altLang="ja-JP" smtClean="0"/>
+          </a:p>
+          <a:p>
+            <a:r>
+              <a:rPr kumimoji="1" lang="ja-JP" altLang="en-US" smtClean="0"/>
+              <a:t>ここでいうカバレッジは網羅率、つまり対象ホスト上で開放している全てのポートがスキャンできたときが</a:t>
+            </a:r>
+            <a:r>
+              <a:rPr kumimoji="1" lang="en-US" altLang="ja-JP" smtClean="0"/>
+              <a:t>100</a:t>
+            </a:r>
+            <a:r>
+              <a:rPr kumimoji="1" lang="ja-JP" altLang="en-US" smtClean="0"/>
+              <a:t>％としたときの、実際にスキャンできるポート数の割合です。</a:t>
+            </a:r>
+            <a:endParaRPr kumimoji="1" lang="en-US" altLang="ja-JP" smtClean="0"/>
+          </a:p>
+          <a:p>
+            <a:r>
+              <a:rPr kumimoji="1" lang="en-US" altLang="ja-JP" smtClean="0"/>
+              <a:t>Nmap</a:t>
+            </a:r>
+            <a:r>
+              <a:rPr kumimoji="1" lang="ja-JP" altLang="en-US" smtClean="0"/>
+              <a:t>ガイドブックでは、多くのホストをスキャンしてポートごとの存在確率を統計的に計算し、それよりこのようなカバレッジを計算してみせています。</a:t>
+            </a:r>
+            <a:endParaRPr kumimoji="1" lang="en-US" altLang="ja-JP" smtClean="0"/>
+          </a:p>
+        </p:txBody>
+      </p:sp>
+      <p:sp>
+        <p:nvSpPr>
+          <p:cNvPr id="4" name="スライド番号プレースホルダー 3"/>
+          <p:cNvSpPr>
+            <a:spLocks noGrp="1"/>
+          </p:cNvSpPr>
+          <p:nvPr>
+            <p:ph type="sldNum" sz="quarter" idx="10"/>
+          </p:nvPr>
+        </p:nvSpPr>
+        <p:spPr/>
+        <p:txBody>
+          <a:bodyPr/>
+          <a:lstStyle/>
+          <a:p>
+            <a:fld id="{DB9CD991-4847-4EC6-8E3A-1C6DA9348A2B}" type="slidenum">
+              <a:rPr kumimoji="1" lang="ja-JP" altLang="en-US" smtClean="0"/>
+              <a:t>22</a:t>
+            </a:fld>
+            <a:endParaRPr kumimoji="1" lang="ja-JP" altLang="en-US"/>
+          </a:p>
+        </p:txBody>
+      </p:sp>
+    </p:spTree>
+    <p:extLst>
+      <p:ext uri="{BB962C8B-B14F-4D97-AF65-F5344CB8AC3E}">
+        <p14:creationId xmlns:p14="http://schemas.microsoft.com/office/powerpoint/2010/main" val="535652338"/>
       </p:ext>
     </p:extLst>
   </p:cSld>
@@ -1551,7 +2192,7 @@
           <a:p>
             <a:fld id="{018867A7-436E-4462-89C8-DCFE313C3DBA}" type="datetimeFigureOut">
               <a:rPr kumimoji="1" lang="ja-JP" altLang="en-US" smtClean="0"/>
-              <a:t>2015/8/19</a:t>
+              <a:t>2015/8/20</a:t>
             </a:fld>
             <a:endParaRPr kumimoji="1" lang="ja-JP" altLang="en-US"/>
           </a:p>
@@ -1753,7 +2394,7 @@
           <a:p>
             <a:fld id="{018867A7-436E-4462-89C8-DCFE313C3DBA}" type="datetimeFigureOut">
               <a:rPr kumimoji="1" lang="ja-JP" altLang="en-US" smtClean="0"/>
-              <a:t>2015/8/19</a:t>
+              <a:t>2015/8/20</a:t>
             </a:fld>
             <a:endParaRPr kumimoji="1" lang="ja-JP" altLang="en-US"/>
           </a:p>
@@ -1965,7 +2606,7 @@
           <a:p>
             <a:fld id="{018867A7-436E-4462-89C8-DCFE313C3DBA}" type="datetimeFigureOut">
               <a:rPr kumimoji="1" lang="ja-JP" altLang="en-US" smtClean="0"/>
-              <a:t>2015/8/19</a:t>
+              <a:t>2015/8/20</a:t>
             </a:fld>
             <a:endParaRPr kumimoji="1" lang="ja-JP" altLang="en-US"/>
           </a:p>
@@ -2167,7 +2808,7 @@
           <a:p>
             <a:fld id="{018867A7-436E-4462-89C8-DCFE313C3DBA}" type="datetimeFigureOut">
               <a:rPr kumimoji="1" lang="ja-JP" altLang="en-US" smtClean="0"/>
-              <a:t>2015/8/19</a:t>
+              <a:t>2015/8/20</a:t>
             </a:fld>
             <a:endParaRPr kumimoji="1" lang="ja-JP" altLang="en-US"/>
           </a:p>
@@ -2411,7 +3052,7 @@
           <a:p>
             <a:fld id="{018867A7-436E-4462-89C8-DCFE313C3DBA}" type="datetimeFigureOut">
               <a:rPr kumimoji="1" lang="ja-JP" altLang="en-US" smtClean="0"/>
-              <a:t>2015/8/19</a:t>
+              <a:t>2015/8/20</a:t>
             </a:fld>
             <a:endParaRPr kumimoji="1" lang="ja-JP" altLang="en-US"/>
           </a:p>
@@ -2707,7 +3348,7 @@
           <a:p>
             <a:fld id="{018867A7-436E-4462-89C8-DCFE313C3DBA}" type="datetimeFigureOut">
               <a:rPr kumimoji="1" lang="ja-JP" altLang="en-US" smtClean="0"/>
-              <a:t>2015/8/19</a:t>
+              <a:t>2015/8/20</a:t>
             </a:fld>
             <a:endParaRPr kumimoji="1" lang="ja-JP" altLang="en-US"/>
           </a:p>
@@ -3138,7 +3779,7 @@
           <a:p>
             <a:fld id="{018867A7-436E-4462-89C8-DCFE313C3DBA}" type="datetimeFigureOut">
               <a:rPr kumimoji="1" lang="ja-JP" altLang="en-US" smtClean="0"/>
-              <a:t>2015/8/19</a:t>
+              <a:t>2015/8/20</a:t>
             </a:fld>
             <a:endParaRPr kumimoji="1" lang="ja-JP" altLang="en-US"/>
           </a:p>
@@ -3256,7 +3897,7 @@
           <a:p>
             <a:fld id="{018867A7-436E-4462-89C8-DCFE313C3DBA}" type="datetimeFigureOut">
               <a:rPr kumimoji="1" lang="ja-JP" altLang="en-US" smtClean="0"/>
-              <a:t>2015/8/19</a:t>
+              <a:t>2015/8/20</a:t>
             </a:fld>
             <a:endParaRPr kumimoji="1" lang="ja-JP" altLang="en-US"/>
           </a:p>
@@ -3351,7 +3992,7 @@
           <a:p>
             <a:fld id="{018867A7-436E-4462-89C8-DCFE313C3DBA}" type="datetimeFigureOut">
               <a:rPr kumimoji="1" lang="ja-JP" altLang="en-US" smtClean="0"/>
-              <a:t>2015/8/19</a:t>
+              <a:t>2015/8/20</a:t>
             </a:fld>
             <a:endParaRPr kumimoji="1" lang="ja-JP" altLang="en-US"/>
           </a:p>
@@ -3660,7 +4301,7 @@
           <a:p>
             <a:fld id="{018867A7-436E-4462-89C8-DCFE313C3DBA}" type="datetimeFigureOut">
               <a:rPr kumimoji="1" lang="ja-JP" altLang="en-US" smtClean="0"/>
-              <a:t>2015/8/19</a:t>
+              <a:t>2015/8/20</a:t>
             </a:fld>
             <a:endParaRPr kumimoji="1" lang="ja-JP" altLang="en-US"/>
           </a:p>
@@ -3917,7 +4558,7 @@
           <a:p>
             <a:fld id="{018867A7-436E-4462-89C8-DCFE313C3DBA}" type="datetimeFigureOut">
               <a:rPr kumimoji="1" lang="ja-JP" altLang="en-US" smtClean="0"/>
-              <a:t>2015/8/19</a:t>
+              <a:t>2015/8/20</a:t>
             </a:fld>
             <a:endParaRPr kumimoji="1" lang="ja-JP" altLang="en-US"/>
           </a:p>
@@ -4162,7 +4803,7 @@
           <a:p>
             <a:fld id="{018867A7-436E-4462-89C8-DCFE313C3DBA}" type="datetimeFigureOut">
               <a:rPr kumimoji="1" lang="ja-JP" altLang="en-US" smtClean="0"/>
-              <a:t>2015/8/19</a:t>
+              <a:t>2015/8/20</a:t>
             </a:fld>
             <a:endParaRPr kumimoji="1" lang="ja-JP" altLang="en-US"/>
           </a:p>
@@ -4734,97 +5375,6 @@
             <p:ph type="title"/>
           </p:nvPr>
         </p:nvSpPr>
-        <p:spPr/>
-        <p:txBody>
-          <a:bodyPr/>
-          <a:lstStyle/>
-          <a:p>
-            <a:r>
-              <a:rPr kumimoji="1" lang="en-US" altLang="ja-JP" smtClean="0"/>
-              <a:t>TCP</a:t>
-            </a:r>
-            <a:r>
-              <a:rPr kumimoji="1" lang="ja-JP" altLang="en-US" smtClean="0"/>
-              <a:t>パケットの例</a:t>
-            </a:r>
-            <a:endParaRPr kumimoji="1" lang="ja-JP" altLang="en-US"/>
-          </a:p>
-        </p:txBody>
-      </p:sp>
-      <p:sp>
-        <p:nvSpPr>
-          <p:cNvPr id="3" name="コンテンツ プレースホルダー 2"/>
-          <p:cNvSpPr>
-            <a:spLocks noGrp="1"/>
-          </p:cNvSpPr>
-          <p:nvPr>
-            <p:ph idx="1"/>
-          </p:nvPr>
-        </p:nvSpPr>
-        <p:spPr/>
-        <p:txBody>
-          <a:bodyPr/>
-          <a:lstStyle/>
-          <a:p>
-            <a:r>
-              <a:rPr kumimoji="1" lang="en-US" altLang="ja-JP" smtClean="0"/>
-              <a:t>OPTIONS</a:t>
-            </a:r>
-            <a:r>
-              <a:rPr kumimoji="1" lang="ja-JP" altLang="en-US" smtClean="0"/>
-              <a:t>があるけど誰も使っていないところに隠せる</a:t>
-            </a:r>
-            <a:endParaRPr kumimoji="1" lang="ja-JP" altLang="en-US"/>
-          </a:p>
-        </p:txBody>
-      </p:sp>
-    </p:spTree>
-    <p:extLst>
-      <p:ext uri="{BB962C8B-B14F-4D97-AF65-F5344CB8AC3E}">
-        <p14:creationId xmlns:p14="http://schemas.microsoft.com/office/powerpoint/2010/main" val="2898318254"/>
-      </p:ext>
-    </p:extLst>
-  </p:cSld>
-  <p:clrMapOvr>
-    <a:masterClrMapping/>
-  </p:clrMapOvr>
-  <p:timing>
-    <p:tnLst>
-      <p:par>
-        <p:cTn id="1" dur="indefinite" restart="never" nodeType="tmRoot"/>
-      </p:par>
-    </p:tnLst>
-  </p:timing>
-</p:sld>
-</file>
-
-<file path=ppt/slides/slide11.xml><?xml version="1.0" encoding="utf-8"?>
-<p:sld xmlns:a="http://schemas.openxmlformats.org/drawingml/2006/main" xmlns:r="http://schemas.openxmlformats.org/officeDocument/2006/relationships" xmlns:p="http://schemas.openxmlformats.org/presentationml/2006/main">
-  <p:cSld>
-    <p:spTree>
-      <p:nvGrpSpPr>
-        <p:cNvPr id="1" name=""/>
-        <p:cNvGrpSpPr/>
-        <p:nvPr/>
-      </p:nvGrpSpPr>
-      <p:grpSpPr>
-        <a:xfrm>
-          <a:off x="0" y="0"/>
-          <a:ext cx="0" cy="0"/>
-          <a:chOff x="0" y="0"/>
-          <a:chExt cx="0" cy="0"/>
-        </a:xfrm>
-      </p:grpSpPr>
-      <p:sp>
-        <p:nvSpPr>
-          <p:cNvPr id="2" name="タイトル 1"/>
-          <p:cNvSpPr>
-            <a:spLocks noGrp="1"/>
-          </p:cNvSpPr>
-          <p:nvPr>
-            <p:ph type="title"/>
-          </p:nvPr>
-        </p:nvSpPr>
         <p:spPr>
           <a:xfrm>
             <a:off x="628650" y="365126"/>
@@ -5028,6 +5578,131 @@
 </p:sld>
 </file>
 
+<file path=ppt/slides/slide11.xml><?xml version="1.0" encoding="utf-8"?>
+<p:sld xmlns:a="http://schemas.openxmlformats.org/drawingml/2006/main" xmlns:r="http://schemas.openxmlformats.org/officeDocument/2006/relationships" xmlns:p="http://schemas.openxmlformats.org/presentationml/2006/main">
+  <p:cSld>
+    <p:spTree>
+      <p:nvGrpSpPr>
+        <p:cNvPr id="1" name=""/>
+        <p:cNvGrpSpPr/>
+        <p:nvPr/>
+      </p:nvGrpSpPr>
+      <p:grpSpPr>
+        <a:xfrm>
+          <a:off x="0" y="0"/>
+          <a:ext cx="0" cy="0"/>
+          <a:chOff x="0" y="0"/>
+          <a:chExt cx="0" cy="0"/>
+        </a:xfrm>
+      </p:grpSpPr>
+      <p:sp>
+        <p:nvSpPr>
+          <p:cNvPr id="2" name="タイトル 1"/>
+          <p:cNvSpPr>
+            <a:spLocks noGrp="1"/>
+          </p:cNvSpPr>
+          <p:nvPr>
+            <p:ph type="title"/>
+          </p:nvPr>
+        </p:nvSpPr>
+        <p:spPr/>
+        <p:txBody>
+          <a:bodyPr/>
+          <a:lstStyle/>
+          <a:p>
+            <a:endParaRPr kumimoji="1" lang="ja-JP" altLang="en-US"/>
+          </a:p>
+        </p:txBody>
+      </p:sp>
+      <p:sp>
+        <p:nvSpPr>
+          <p:cNvPr id="3" name="コンテンツ プレースホルダー 2"/>
+          <p:cNvSpPr>
+            <a:spLocks noGrp="1"/>
+          </p:cNvSpPr>
+          <p:nvPr>
+            <p:ph idx="1"/>
+          </p:nvPr>
+        </p:nvSpPr>
+        <p:spPr/>
+        <p:txBody>
+          <a:bodyPr/>
+          <a:lstStyle/>
+          <a:p>
+            <a:endParaRPr kumimoji="1" lang="en-US" altLang="ja-JP" smtClean="0"/>
+          </a:p>
+          <a:p>
+            <a:r>
+              <a:rPr lang="ja-JP" altLang="en-US"/>
+              <a:t>インターネット</a:t>
+            </a:r>
+            <a:r>
+              <a:rPr lang="ja-JP" altLang="en-US" smtClean="0"/>
+              <a:t>のプロトコルには「すき間」がいっぱいあるので、そこに色々突っ込むことができる</a:t>
+            </a:r>
+            <a:endParaRPr lang="en-US" altLang="ja-JP" smtClean="0"/>
+          </a:p>
+          <a:p>
+            <a:r>
+              <a:rPr kumimoji="1" lang="ja-JP" altLang="en-US" smtClean="0"/>
+              <a:t>これらのすき間は、悪い人にも使いやすい</a:t>
+            </a:r>
+            <a:endParaRPr kumimoji="1" lang="en-US" altLang="ja-JP" smtClean="0"/>
+          </a:p>
+          <a:p>
+            <a:pPr lvl="1"/>
+            <a:r>
+              <a:rPr lang="ja-JP" altLang="en-US"/>
+              <a:t>秘密</a:t>
+            </a:r>
+            <a:r>
+              <a:rPr lang="ja-JP" altLang="en-US" smtClean="0"/>
+              <a:t>の</a:t>
+            </a:r>
+            <a:r>
+              <a:rPr lang="ja-JP" altLang="en-US"/>
+              <a:t>メッセージ</a:t>
+            </a:r>
+            <a:r>
+              <a:rPr lang="ja-JP" altLang="en-US" smtClean="0"/>
+              <a:t>を送ったり</a:t>
+            </a:r>
+            <a:endParaRPr lang="en-US" altLang="ja-JP" smtClean="0"/>
+          </a:p>
+          <a:p>
+            <a:pPr lvl="1"/>
+            <a:r>
+              <a:rPr kumimoji="1" lang="ja-JP" altLang="en-US"/>
+              <a:t>悪意</a:t>
+            </a:r>
+            <a:r>
+              <a:rPr kumimoji="1" lang="ja-JP" altLang="en-US" smtClean="0"/>
+              <a:t>のあるコードを突っ込んだり</a:t>
+            </a:r>
+            <a:endParaRPr kumimoji="1" lang="ja-JP" altLang="en-US"/>
+          </a:p>
+        </p:txBody>
+      </p:sp>
+    </p:spTree>
+    <p:extLst>
+      <p:ext uri="{BB962C8B-B14F-4D97-AF65-F5344CB8AC3E}">
+        <p14:creationId xmlns:p14="http://schemas.microsoft.com/office/powerpoint/2010/main" val="3650125372"/>
+      </p:ext>
+    </p:extLst>
+  </p:cSld>
+  <p:clrMapOvr>
+    <a:masterClrMapping/>
+  </p:clrMapOvr>
+  <p:timing>
+    <p:tnLst>
+      <p:par>
+        <p:cTn id="1" dur="indefinite" restart="never" nodeType="tmRoot"/>
+      </p:par>
+    </p:tnLst>
+  </p:timing>
+</p:sld>
+</file>
+
 <file path=ppt/slides/slide12.xml><?xml version="1.0" encoding="utf-8"?>
 <p:sld xmlns:a="http://schemas.openxmlformats.org/drawingml/2006/main" xmlns:r="http://schemas.openxmlformats.org/officeDocument/2006/relationships" xmlns:p="http://schemas.openxmlformats.org/presentationml/2006/main">
   <p:cSld>
@@ -5060,6 +5735,18 @@
           <a:bodyPr/>
           <a:lstStyle/>
           <a:p>
+            <a:r>
+              <a:rPr lang="ja-JP" altLang="en-US" smtClean="0"/>
+              <a:t>ここからしばらく</a:t>
+            </a:r>
+            <a:r>
+              <a:rPr lang="en-US" altLang="ja-JP" smtClean="0"/>
+              <a:t>nmap</a:t>
+            </a:r>
+            <a:r>
+              <a:rPr lang="ja-JP" altLang="en-US" smtClean="0"/>
+              <a:t>の話</a:t>
+            </a:r>
             <a:endParaRPr kumimoji="1" lang="ja-JP" altLang="en-US"/>
           </a:p>
         </p:txBody>
@@ -5079,56 +5766,6 @@
           <a:bodyPr/>
           <a:lstStyle/>
           <a:p>
-            <a:endParaRPr kumimoji="1" lang="en-US" altLang="ja-JP" smtClean="0"/>
-          </a:p>
-          <a:p>
-            <a:r>
-              <a:rPr lang="ja-JP" altLang="en-US"/>
-              <a:t>インターネット</a:t>
-            </a:r>
-            <a:r>
-              <a:rPr lang="ja-JP" altLang="en-US" smtClean="0"/>
-              <a:t>のプロトコルには「すき間」がいっぱいあるので、そこに色々突っ込むことができる</a:t>
-            </a:r>
-            <a:endParaRPr lang="en-US" altLang="ja-JP" smtClean="0"/>
-          </a:p>
-          <a:p>
-            <a:r>
-              <a:rPr kumimoji="1" lang="ja-JP" altLang="en-US" smtClean="0"/>
-              <a:t>これらのすき間は、悪い人にも使いやすい</a:t>
-            </a:r>
-            <a:endParaRPr kumimoji="1" lang="en-US" altLang="ja-JP" smtClean="0"/>
-          </a:p>
-          <a:p>
-            <a:pPr lvl="1"/>
-            <a:r>
-              <a:rPr lang="ja-JP" altLang="en-US"/>
-              <a:t>秘密</a:t>
-            </a:r>
-            <a:r>
-              <a:rPr lang="ja-JP" altLang="en-US" smtClean="0"/>
-              <a:t>の</a:t>
-            </a:r>
-            <a:r>
-              <a:rPr lang="ja-JP" altLang="en-US"/>
-              <a:t>メッセージ</a:t>
-            </a:r>
-            <a:r>
-              <a:rPr lang="ja-JP" altLang="en-US" smtClean="0"/>
-              <a:t>を送ったり</a:t>
-            </a:r>
-            <a:endParaRPr lang="en-US" altLang="ja-JP" smtClean="0"/>
-          </a:p>
-          <a:p>
-            <a:pPr lvl="1"/>
-            <a:r>
-              <a:rPr kumimoji="1" lang="ja-JP" altLang="en-US"/>
-              <a:t>悪意</a:t>
-            </a:r>
-            <a:r>
-              <a:rPr kumimoji="1" lang="ja-JP" altLang="en-US" smtClean="0"/>
-              <a:t>のあるコードを突っ込んだり</a:t>
-            </a:r>
             <a:endParaRPr kumimoji="1" lang="ja-JP" altLang="en-US"/>
           </a:p>
         </p:txBody>
@@ -5136,7 +5773,7 @@
     </p:spTree>
     <p:extLst>
       <p:ext uri="{BB962C8B-B14F-4D97-AF65-F5344CB8AC3E}">
-        <p14:creationId xmlns:p14="http://schemas.microsoft.com/office/powerpoint/2010/main" val="3650125372"/>
+        <p14:creationId xmlns:p14="http://schemas.microsoft.com/office/powerpoint/2010/main" val="742552759"/>
       </p:ext>
     </p:extLst>
   </p:cSld>
@@ -5212,8 +5849,8 @@
         </p:nvSpPr>
         <p:spPr>
           <a:xfrm>
-            <a:off x="1594323" y="1204646"/>
-            <a:ext cx="6140549" cy="923330"/>
+            <a:off x="2023532" y="1456573"/>
+            <a:ext cx="4638526" cy="923330"/>
           </a:xfrm>
           <a:prstGeom prst="rect">
             <a:avLst/>
@@ -5227,7 +5864,7 @@
           <a:lstStyle/>
           <a:p>
             <a:r>
-              <a:rPr kumimoji="1" lang="en-US" altLang="ja-JP" sz="5400" smtClean="0">
+              <a:rPr lang="en-US" altLang="ja-JP" sz="5400" smtClean="0">
                 <a:ln>
                   <a:solidFill>
                     <a:schemeClr val="bg1">
@@ -5238,7 +5875,7 @@
                 <a:latin typeface="Tahoma" panose="020B0604030504040204" pitchFamily="34" charset="0"/>
                 <a:cs typeface="Tahoma" panose="020B0604030504040204" pitchFamily="34" charset="0"/>
               </a:rPr>
-              <a:t>Too slow to detect.</a:t>
+              <a:t>stealth scan</a:t>
             </a:r>
             <a:endParaRPr kumimoji="1" lang="ja-JP" altLang="en-US" sz="5400">
               <a:ln>
@@ -5291,52 +5928,94 @@
           <a:chExt cx="0" cy="0"/>
         </a:xfrm>
       </p:grpSpPr>
-      <p:sp>
-        <p:nvSpPr>
-          <p:cNvPr id="2" name="タイトル 1"/>
-          <p:cNvSpPr>
-            <a:spLocks noGrp="1"/>
-          </p:cNvSpPr>
-          <p:nvPr>
-            <p:ph type="title"/>
-          </p:nvPr>
-        </p:nvSpPr>
-        <p:spPr/>
-        <p:txBody>
-          <a:bodyPr/>
-          <a:lstStyle/>
-          <a:p>
-            <a:r>
-              <a:rPr kumimoji="1" lang="ja-JP" altLang="en-US" smtClean="0"/>
-              <a:t>ゆっくりしていってね！！！！！</a:t>
-            </a:r>
-            <a:endParaRPr kumimoji="1" lang="ja-JP" altLang="en-US"/>
-          </a:p>
-        </p:txBody>
-      </p:sp>
-      <p:sp>
-        <p:nvSpPr>
-          <p:cNvPr id="4" name="コンテンツ プレースホルダー 3"/>
-          <p:cNvSpPr>
-            <a:spLocks noGrp="1"/>
-          </p:cNvSpPr>
-          <p:nvPr>
-            <p:ph idx="1"/>
-          </p:nvPr>
-        </p:nvSpPr>
-        <p:spPr/>
-        <p:txBody>
-          <a:bodyPr/>
-          <a:lstStyle/>
-          <a:p>
-            <a:endParaRPr kumimoji="1" lang="ja-JP" altLang="en-US"/>
+      <p:pic>
+        <p:nvPicPr>
+          <p:cNvPr id="4" name="図 3"/>
+          <p:cNvPicPr>
+            <a:picLocks noChangeAspect="1"/>
+          </p:cNvPicPr>
+          <p:nvPr/>
+        </p:nvPicPr>
+        <p:blipFill rotWithShape="1">
+          <a:blip r:embed="rId2" cstate="print">
+            <a:extLst>
+              <a:ext uri="{28A0092B-C50C-407E-A947-70E740481C1C}">
+                <a14:useLocalDpi xmlns:a14="http://schemas.microsoft.com/office/drawing/2010/main" val="0"/>
+              </a:ext>
+            </a:extLst>
+          </a:blip>
+          <a:srcRect/>
+          <a:stretch/>
+        </p:blipFill>
+        <p:spPr>
+          <a:xfrm>
+            <a:off x="11575" y="-115747"/>
+            <a:ext cx="9306046" cy="7106856"/>
+          </a:xfrm>
+          <a:prstGeom prst="rect">
+            <a:avLst/>
+          </a:prstGeom>
+          <a:effectLst>
+            <a:outerShdw blurRad="50800" dist="50800" dir="5400000" algn="ctr" rotWithShape="0">
+              <a:srgbClr val="000000"/>
+            </a:outerShdw>
+          </a:effectLst>
+        </p:spPr>
+      </p:pic>
+      <p:sp>
+        <p:nvSpPr>
+          <p:cNvPr id="5" name="テキスト ボックス 4"/>
+          <p:cNvSpPr txBox="1"/>
+          <p:nvPr/>
+        </p:nvSpPr>
+        <p:spPr>
+          <a:xfrm>
+            <a:off x="1594323" y="1204646"/>
+            <a:ext cx="6140549" cy="923330"/>
+          </a:xfrm>
+          <a:prstGeom prst="rect">
+            <a:avLst/>
+          </a:prstGeom>
+          <a:noFill/>
+        </p:spPr>
+        <p:txBody>
+          <a:bodyPr wrap="square" rtlCol="0">
+            <a:spAutoFit/>
+          </a:bodyPr>
+          <a:lstStyle/>
+          <a:p>
+            <a:r>
+              <a:rPr kumimoji="1" lang="en-US" altLang="ja-JP" sz="5400" smtClean="0">
+                <a:ln>
+                  <a:solidFill>
+                    <a:schemeClr val="bg1">
+                      <a:lumMod val="50000"/>
+                    </a:schemeClr>
+                  </a:solidFill>
+                </a:ln>
+                <a:latin typeface="Tahoma" panose="020B0604030504040204" pitchFamily="34" charset="0"/>
+                <a:cs typeface="Tahoma" panose="020B0604030504040204" pitchFamily="34" charset="0"/>
+              </a:rPr>
+              <a:t>Too slow to detect.</a:t>
+            </a:r>
+            <a:endParaRPr kumimoji="1" lang="ja-JP" altLang="en-US" sz="5400">
+              <a:ln>
+                <a:solidFill>
+                  <a:schemeClr val="bg1">
+                    <a:lumMod val="50000"/>
+                  </a:schemeClr>
+                </a:solidFill>
+              </a:ln>
+              <a:latin typeface="Tahoma" panose="020B0604030504040204" pitchFamily="34" charset="0"/>
+              <a:cs typeface="Tahoma" panose="020B0604030504040204" pitchFamily="34" charset="0"/>
+            </a:endParaRPr>
           </a:p>
         </p:txBody>
       </p:sp>
     </p:spTree>
     <p:extLst>
       <p:ext uri="{BB962C8B-B14F-4D97-AF65-F5344CB8AC3E}">
-        <p14:creationId xmlns:p14="http://schemas.microsoft.com/office/powerpoint/2010/main" val="3118375049"/>
+        <p14:creationId xmlns:p14="http://schemas.microsoft.com/office/powerpoint/2010/main" val="881172435"/>
       </p:ext>
     </p:extLst>
   </p:cSld>
@@ -5395,6 +6074,85 @@
       </p:sp>
       <p:sp>
         <p:nvSpPr>
+          <p:cNvPr id="4" name="コンテンツ プレースホルダー 3"/>
+          <p:cNvSpPr>
+            <a:spLocks noGrp="1"/>
+          </p:cNvSpPr>
+          <p:nvPr>
+            <p:ph idx="1"/>
+          </p:nvPr>
+        </p:nvSpPr>
+        <p:spPr/>
+        <p:txBody>
+          <a:bodyPr/>
+          <a:lstStyle/>
+          <a:p>
+            <a:endParaRPr kumimoji="1" lang="ja-JP" altLang="en-US"/>
+          </a:p>
+        </p:txBody>
+      </p:sp>
+    </p:spTree>
+    <p:extLst>
+      <p:ext uri="{BB962C8B-B14F-4D97-AF65-F5344CB8AC3E}">
+        <p14:creationId xmlns:p14="http://schemas.microsoft.com/office/powerpoint/2010/main" val="3118375049"/>
+      </p:ext>
+    </p:extLst>
+  </p:cSld>
+  <p:clrMapOvr>
+    <a:masterClrMapping/>
+  </p:clrMapOvr>
+  <p:timing>
+    <p:tnLst>
+      <p:par>
+        <p:cTn id="1" dur="indefinite" restart="never" nodeType="tmRoot"/>
+      </p:par>
+    </p:tnLst>
+  </p:timing>
+</p:sld>
+</file>
+
+<file path=ppt/slides/slide16.xml><?xml version="1.0" encoding="utf-8"?>
+<p:sld xmlns:a="http://schemas.openxmlformats.org/drawingml/2006/main" xmlns:r="http://schemas.openxmlformats.org/officeDocument/2006/relationships" xmlns:p="http://schemas.openxmlformats.org/presentationml/2006/main">
+  <p:cSld>
+    <p:spTree>
+      <p:nvGrpSpPr>
+        <p:cNvPr id="1" name=""/>
+        <p:cNvGrpSpPr/>
+        <p:nvPr/>
+      </p:nvGrpSpPr>
+      <p:grpSpPr>
+        <a:xfrm>
+          <a:off x="0" y="0"/>
+          <a:ext cx="0" cy="0"/>
+          <a:chOff x="0" y="0"/>
+          <a:chExt cx="0" cy="0"/>
+        </a:xfrm>
+      </p:grpSpPr>
+      <p:sp>
+        <p:nvSpPr>
+          <p:cNvPr id="2" name="タイトル 1"/>
+          <p:cNvSpPr>
+            <a:spLocks noGrp="1"/>
+          </p:cNvSpPr>
+          <p:nvPr>
+            <p:ph type="title"/>
+          </p:nvPr>
+        </p:nvSpPr>
+        <p:spPr/>
+        <p:txBody>
+          <a:bodyPr/>
+          <a:lstStyle/>
+          <a:p>
+            <a:r>
+              <a:rPr kumimoji="1" lang="ja-JP" altLang="en-US" smtClean="0"/>
+              <a:t>ゆっくりしていってね！！！！！</a:t>
+            </a:r>
+            <a:endParaRPr kumimoji="1" lang="ja-JP" altLang="en-US"/>
+          </a:p>
+        </p:txBody>
+      </p:sp>
+      <p:sp>
+        <p:nvSpPr>
           <p:cNvPr id="3" name="コンテンツ プレースホルダー 2"/>
           <p:cNvSpPr>
             <a:spLocks noGrp="1"/>
@@ -5459,7 +6217,94 @@
 </p:sld>
 </file>
 
-<file path=ppt/slides/slide16.xml><?xml version="1.0" encoding="utf-8"?>
+<file path=ppt/slides/slide17.xml><?xml version="1.0" encoding="utf-8"?>
+<p:sld xmlns:a="http://schemas.openxmlformats.org/drawingml/2006/main" xmlns:r="http://schemas.openxmlformats.org/officeDocument/2006/relationships" xmlns:p="http://schemas.openxmlformats.org/presentationml/2006/main">
+  <p:cSld>
+    <p:spTree>
+      <p:nvGrpSpPr>
+        <p:cNvPr id="1" name=""/>
+        <p:cNvGrpSpPr/>
+        <p:nvPr/>
+      </p:nvGrpSpPr>
+      <p:grpSpPr>
+        <a:xfrm>
+          <a:off x="0" y="0"/>
+          <a:ext cx="0" cy="0"/>
+          <a:chOff x="0" y="0"/>
+          <a:chExt cx="0" cy="0"/>
+        </a:xfrm>
+      </p:grpSpPr>
+      <p:sp>
+        <p:nvSpPr>
+          <p:cNvPr id="2" name="タイトル 1"/>
+          <p:cNvSpPr>
+            <a:spLocks noGrp="1"/>
+          </p:cNvSpPr>
+          <p:nvPr>
+            <p:ph type="title"/>
+          </p:nvPr>
+        </p:nvSpPr>
+        <p:spPr/>
+        <p:txBody>
+          <a:bodyPr/>
+          <a:lstStyle/>
+          <a:p>
+            <a:r>
+              <a:rPr kumimoji="1" lang="en-US" altLang="ja-JP" smtClean="0"/>
+              <a:t>Situation.</a:t>
+            </a:r>
+            <a:endParaRPr kumimoji="1" lang="ja-JP" altLang="en-US"/>
+          </a:p>
+        </p:txBody>
+      </p:sp>
+      <p:sp>
+        <p:nvSpPr>
+          <p:cNvPr id="3" name="コンテンツ プレースホルダー 2"/>
+          <p:cNvSpPr>
+            <a:spLocks noGrp="1"/>
+          </p:cNvSpPr>
+          <p:nvPr>
+            <p:ph idx="1"/>
+          </p:nvPr>
+        </p:nvSpPr>
+        <p:spPr/>
+        <p:txBody>
+          <a:bodyPr/>
+          <a:lstStyle/>
+          <a:p>
+            <a:r>
+              <a:rPr lang="en-US" altLang="ja-JP" smtClean="0"/>
+              <a:t>nmap</a:t>
+            </a:r>
+            <a:r>
+              <a:rPr lang="ja-JP" altLang="en-US" smtClean="0"/>
+              <a:t>によるポートスキャンで、なるたけ相手に気づかれないようにスキャンする</a:t>
+            </a:r>
+            <a:endParaRPr kumimoji="1" lang="ja-JP" altLang="en-US"/>
+          </a:p>
+        </p:txBody>
+      </p:sp>
+    </p:spTree>
+    <p:extLst>
+      <p:ext uri="{BB962C8B-B14F-4D97-AF65-F5344CB8AC3E}">
+        <p14:creationId xmlns:p14="http://schemas.microsoft.com/office/powerpoint/2010/main" val="1043460440"/>
+      </p:ext>
+    </p:extLst>
+  </p:cSld>
+  <p:clrMapOvr>
+    <a:masterClrMapping/>
+  </p:clrMapOvr>
+  <p:timing>
+    <p:tnLst>
+      <p:par>
+        <p:cTn id="1" dur="indefinite" restart="never" nodeType="tmRoot"/>
+      </p:par>
+    </p:tnLst>
+  </p:timing>
+</p:sld>
+</file>
+
+<file path=ppt/slides/slide18.xml><?xml version="1.0" encoding="utf-8"?>
 <p:sld xmlns:a="http://schemas.openxmlformats.org/drawingml/2006/main" xmlns:r="http://schemas.openxmlformats.org/officeDocument/2006/relationships" xmlns:p="http://schemas.openxmlformats.org/presentationml/2006/main">
   <p:cSld>
     <p:spTree>
@@ -5994,7 +6839,7 @@
 </p:sld>
 </file>
 
-<file path=ppt/slides/slide17.xml><?xml version="1.0" encoding="utf-8"?>
+<file path=ppt/slides/slide19.xml><?xml version="1.0" encoding="utf-8"?>
 <p:sld xmlns:a="http://schemas.openxmlformats.org/drawingml/2006/main" xmlns:r="http://schemas.openxmlformats.org/officeDocument/2006/relationships" xmlns:p="http://schemas.openxmlformats.org/presentationml/2006/main">
   <p:cSld>
     <p:spTree>
@@ -6413,7 +7258,7 @@
           <a:p>
             <a:pPr algn="ctr"/>
             <a:r>
-              <a:rPr kumimoji="1" lang="en-US" altLang="ja-JP" sz="2400" smtClean="0">
+              <a:rPr kumimoji="1" lang="en-US" altLang="ja-JP" sz="2800" smtClean="0">
                 <a:solidFill>
                   <a:schemeClr val="accent2">
                     <a:lumMod val="20000"/>
@@ -6426,7 +7271,7 @@
               <a:t>1</a:t>
             </a:r>
             <a:r>
-              <a:rPr kumimoji="1" lang="ja-JP" altLang="en-US" sz="2400" smtClean="0">
+              <a:rPr kumimoji="1" lang="ja-JP" altLang="en-US" sz="2800" smtClean="0">
                 <a:solidFill>
                   <a:schemeClr val="accent2">
                     <a:lumMod val="20000"/>
@@ -6439,7 +7284,7 @@
               <a:t>つの</a:t>
             </a:r>
             <a:r>
-              <a:rPr kumimoji="1" lang="en-US" altLang="ja-JP" sz="2400" smtClean="0">
+              <a:rPr kumimoji="1" lang="en-US" altLang="ja-JP" sz="2800" smtClean="0">
                 <a:solidFill>
                   <a:schemeClr val="accent2">
                     <a:lumMod val="20000"/>
@@ -6452,7 +7297,7 @@
               <a:t>TCP</a:t>
             </a:r>
             <a:r>
-              <a:rPr kumimoji="1" lang="ja-JP" altLang="en-US" sz="2400" smtClean="0">
+              <a:rPr kumimoji="1" lang="ja-JP" altLang="en-US" sz="2800" smtClean="0">
                 <a:solidFill>
                   <a:schemeClr val="accent2">
                     <a:lumMod val="20000"/>
@@ -6462,10 +7307,10 @@
                 <a:latin typeface="Helvetica"/>
                 <a:cs typeface="Helvetica"/>
               </a:rPr>
-              <a:t>ポートをスキャンする</a:t>
-            </a:r>
-            <a:r>
-              <a:rPr lang="ja-JP" altLang="en-US" sz="2400" smtClean="0">
+              <a:t>ポートをスキャン</a:t>
+            </a:r>
+            <a:r>
+              <a:rPr kumimoji="1" lang="ja-JP" altLang="en-US" sz="2800" smtClean="0">
                 <a:solidFill>
                   <a:schemeClr val="accent2">
                     <a:lumMod val="20000"/>
@@ -6475,10 +7320,10 @@
                 <a:latin typeface="Helvetica"/>
                 <a:cs typeface="Helvetica"/>
               </a:rPr>
-              <a:t>ご</a:t>
-            </a:r>
-            <a:r>
-              <a:rPr lang="ja-JP" altLang="en-US" sz="2400">
+              <a:t>する</a:t>
+            </a:r>
+            <a:r>
+              <a:rPr lang="ja-JP" altLang="en-US" sz="2800" smtClean="0">
                 <a:solidFill>
                   <a:schemeClr val="accent2">
                     <a:lumMod val="20000"/>
@@ -6488,10 +7333,10 @@
                 <a:latin typeface="Helvetica"/>
                 <a:cs typeface="Helvetica"/>
               </a:rPr>
-              <a:t>と</a:t>
-            </a:r>
-            <a:r>
-              <a:rPr kumimoji="1" lang="ja-JP" altLang="en-US" sz="2400" smtClean="0">
+              <a:t>の</a:t>
+            </a:r>
+            <a:r>
+              <a:rPr kumimoji="1" lang="ja-JP" altLang="en-US" sz="2800" smtClean="0">
                 <a:solidFill>
                   <a:schemeClr val="accent2">
                     <a:lumMod val="20000"/>
@@ -6503,7 +7348,33 @@
               </a:rPr>
               <a:t>に</a:t>
             </a:r>
-            <a:endParaRPr kumimoji="1" lang="en-US" altLang="ja-JP" sz="2400" smtClean="0">
+            <a:r>
+              <a:rPr kumimoji="1" lang="en-US" altLang="ja-JP" sz="2800" smtClean="0">
+                <a:solidFill>
+                  <a:schemeClr val="accent2">
+                    <a:lumMod val="20000"/>
+                    <a:lumOff val="80000"/>
+                  </a:schemeClr>
+                </a:solidFill>
+                <a:latin typeface="Helvetica"/>
+                <a:cs typeface="Helvetica"/>
+              </a:rPr>
+              <a:t>5</a:t>
+            </a:r>
+            <a:r>
+              <a:rPr kumimoji="1" lang="ja-JP" altLang="en-US" sz="2800" smtClean="0">
+                <a:solidFill>
+                  <a:schemeClr val="accent2">
+                    <a:lumMod val="20000"/>
+                    <a:lumOff val="80000"/>
+                  </a:schemeClr>
+                </a:solidFill>
+                <a:latin typeface="Helvetica"/>
+                <a:cs typeface="Helvetica"/>
+              </a:rPr>
+              <a:t>分</a:t>
+            </a:r>
+            <a:endParaRPr kumimoji="1" lang="ja-JP" altLang="en-US" sz="2800">
               <a:solidFill>
                 <a:schemeClr val="accent2">
                   <a:lumMod val="20000"/>
@@ -6514,363 +7385,12 @@
               <a:cs typeface="Helvetica"/>
             </a:endParaRPr>
           </a:p>
-          <a:p>
-            <a:pPr algn="ctr"/>
-            <a:r>
-              <a:rPr kumimoji="1" lang="en-US" altLang="ja-JP" sz="2400" smtClean="0">
-                <a:solidFill>
-                  <a:schemeClr val="accent2">
-                    <a:lumMod val="20000"/>
-                    <a:lumOff val="80000"/>
-                  </a:schemeClr>
-                </a:solidFill>
-                <a:latin typeface="Helvetica"/>
-                <a:cs typeface="Helvetica"/>
-              </a:rPr>
-              <a:t>5</a:t>
-            </a:r>
-            <a:r>
-              <a:rPr kumimoji="1" lang="ja-JP" altLang="en-US" sz="2400" smtClean="0">
-                <a:solidFill>
-                  <a:schemeClr val="accent2">
-                    <a:lumMod val="20000"/>
-                    <a:lumOff val="80000"/>
-                  </a:schemeClr>
-                </a:solidFill>
-                <a:latin typeface="Helvetica"/>
-                <a:cs typeface="Helvetica"/>
-              </a:rPr>
-              <a:t>分かかる</a:t>
-            </a:r>
-            <a:endParaRPr kumimoji="1" lang="ja-JP" altLang="en-US" sz="2400">
-              <a:solidFill>
-                <a:schemeClr val="accent2">
-                  <a:lumMod val="20000"/>
-                  <a:lumOff val="80000"/>
-                </a:schemeClr>
-              </a:solidFill>
-              <a:latin typeface="Helvetica"/>
-              <a:cs typeface="Helvetica"/>
-            </a:endParaRPr>
-          </a:p>
         </p:txBody>
       </p:sp>
     </p:spTree>
     <p:extLst>
       <p:ext uri="{BB962C8B-B14F-4D97-AF65-F5344CB8AC3E}">
         <p14:creationId xmlns:p14="http://schemas.microsoft.com/office/powerpoint/2010/main" val="1447535175"/>
-      </p:ext>
-    </p:extLst>
-  </p:cSld>
-  <p:clrMapOvr>
-    <a:masterClrMapping/>
-  </p:clrMapOvr>
-  <p:timing>
-    <p:tnLst>
-      <p:par>
-        <p:cTn id="1" dur="indefinite" restart="never" nodeType="tmRoot"/>
-      </p:par>
-    </p:tnLst>
-  </p:timing>
-</p:sld>
-</file>
-
-<file path=ppt/slides/slide18.xml><?xml version="1.0" encoding="utf-8"?>
-<p:sld xmlns:a="http://schemas.openxmlformats.org/drawingml/2006/main" xmlns:r="http://schemas.openxmlformats.org/officeDocument/2006/relationships" xmlns:p="http://schemas.openxmlformats.org/presentationml/2006/main">
-  <p:cSld>
-    <p:spTree>
-      <p:nvGrpSpPr>
-        <p:cNvPr id="1" name=""/>
-        <p:cNvGrpSpPr/>
-        <p:nvPr/>
-      </p:nvGrpSpPr>
-      <p:grpSpPr>
-        <a:xfrm>
-          <a:off x="0" y="0"/>
-          <a:ext cx="0" cy="0"/>
-          <a:chOff x="0" y="0"/>
-          <a:chExt cx="0" cy="0"/>
-        </a:xfrm>
-      </p:grpSpPr>
-      <p:pic>
-        <p:nvPicPr>
-          <p:cNvPr id="4" name="図 3"/>
-          <p:cNvPicPr>
-            <a:picLocks noChangeAspect="1"/>
-          </p:cNvPicPr>
-          <p:nvPr/>
-        </p:nvPicPr>
-        <p:blipFill rotWithShape="1">
-          <a:blip r:embed="rId2" cstate="print">
-            <a:extLst>
-              <a:ext uri="{28A0092B-C50C-407E-A947-70E740481C1C}">
-                <a14:useLocalDpi xmlns:a14="http://schemas.microsoft.com/office/drawing/2010/main" val="0"/>
-              </a:ext>
-            </a:extLst>
-          </a:blip>
-          <a:srcRect/>
-          <a:stretch/>
-        </p:blipFill>
-        <p:spPr>
-          <a:xfrm>
-            <a:off x="11575" y="-115747"/>
-            <a:ext cx="9306046" cy="7106856"/>
-          </a:xfrm>
-          <a:prstGeom prst="rect">
-            <a:avLst/>
-          </a:prstGeom>
-          <a:effectLst>
-            <a:outerShdw blurRad="50800" dist="50800" dir="5400000" algn="ctr" rotWithShape="0">
-              <a:srgbClr val="000000"/>
-            </a:outerShdw>
-          </a:effectLst>
-        </p:spPr>
-      </p:pic>
-      <p:sp>
-        <p:nvSpPr>
-          <p:cNvPr id="5" name="テキスト ボックス 4"/>
-          <p:cNvSpPr txBox="1"/>
-          <p:nvPr/>
-        </p:nvSpPr>
-        <p:spPr>
-          <a:xfrm>
-            <a:off x="1524850" y="963107"/>
-            <a:ext cx="7299973" cy="1754326"/>
-          </a:xfrm>
-          <a:prstGeom prst="rect">
-            <a:avLst/>
-          </a:prstGeom>
-          <a:noFill/>
-        </p:spPr>
-        <p:txBody>
-          <a:bodyPr wrap="square" rtlCol="0">
-            <a:spAutoFit/>
-          </a:bodyPr>
-          <a:lstStyle/>
-          <a:p>
-            <a:r>
-              <a:rPr lang="en-US" altLang="ja-JP" sz="5400">
-                <a:ln>
-                  <a:solidFill>
-                    <a:schemeClr val="bg1">
-                      <a:lumMod val="50000"/>
-                    </a:schemeClr>
-                  </a:solidFill>
-                </a:ln>
-                <a:latin typeface="Tahoma" panose="020B0604030504040204" pitchFamily="34" charset="0"/>
-                <a:cs typeface="Tahoma" panose="020B0604030504040204" pitchFamily="34" charset="0"/>
-              </a:rPr>
-              <a:t>Religious </a:t>
-            </a:r>
-            <a:r>
-              <a:rPr lang="en-US" altLang="ja-JP" sz="5400" smtClean="0">
-                <a:ln>
-                  <a:solidFill>
-                    <a:schemeClr val="bg1">
-                      <a:lumMod val="50000"/>
-                    </a:schemeClr>
-                  </a:solidFill>
-                </a:ln>
-                <a:latin typeface="Tahoma" panose="020B0604030504040204" pitchFamily="34" charset="0"/>
-                <a:cs typeface="Tahoma" panose="020B0604030504040204" pitchFamily="34" charset="0"/>
-              </a:rPr>
-              <a:t>War:</a:t>
-            </a:r>
-          </a:p>
-          <a:p>
-            <a:r>
-              <a:rPr lang="en-US" altLang="ja-JP" sz="5400">
-                <a:ln>
-                  <a:solidFill>
-                    <a:schemeClr val="bg1">
-                      <a:lumMod val="50000"/>
-                    </a:schemeClr>
-                  </a:solidFill>
-                </a:ln>
-                <a:latin typeface="Tahoma" panose="020B0604030504040204" pitchFamily="34" charset="0"/>
-                <a:cs typeface="Tahoma" panose="020B0604030504040204" pitchFamily="34" charset="0"/>
-              </a:rPr>
-              <a:t> </a:t>
-            </a:r>
-            <a:r>
-              <a:rPr lang="en-US" altLang="ja-JP" sz="5400" smtClean="0">
-                <a:ln>
-                  <a:solidFill>
-                    <a:schemeClr val="bg1">
-                      <a:lumMod val="50000"/>
-                    </a:schemeClr>
-                  </a:solidFill>
-                </a:ln>
-                <a:latin typeface="Tahoma" panose="020B0604030504040204" pitchFamily="34" charset="0"/>
-                <a:cs typeface="Tahoma" panose="020B0604030504040204" pitchFamily="34" charset="0"/>
-              </a:rPr>
-              <a:t> SSH =&gt; 22/tcp?</a:t>
-            </a:r>
-            <a:endParaRPr lang="en-US" altLang="ja-JP" sz="5400">
-              <a:ln>
-                <a:solidFill>
-                  <a:schemeClr val="bg1">
-                    <a:lumMod val="50000"/>
-                  </a:schemeClr>
-                </a:solidFill>
-              </a:ln>
-              <a:latin typeface="Tahoma" panose="020B0604030504040204" pitchFamily="34" charset="0"/>
-              <a:cs typeface="Tahoma" panose="020B0604030504040204" pitchFamily="34" charset="0"/>
-            </a:endParaRPr>
-          </a:p>
-        </p:txBody>
-      </p:sp>
-    </p:spTree>
-    <p:extLst>
-      <p:ext uri="{BB962C8B-B14F-4D97-AF65-F5344CB8AC3E}">
-        <p14:creationId xmlns:p14="http://schemas.microsoft.com/office/powerpoint/2010/main" val="2122976183"/>
-      </p:ext>
-    </p:extLst>
-  </p:cSld>
-  <p:clrMapOvr>
-    <a:masterClrMapping/>
-  </p:clrMapOvr>
-  <p:timing>
-    <p:tnLst>
-      <p:par>
-        <p:cTn id="1" dur="indefinite" restart="never" nodeType="tmRoot"/>
-      </p:par>
-    </p:tnLst>
-  </p:timing>
-</p:sld>
-</file>
-
-<file path=ppt/slides/slide19.xml><?xml version="1.0" encoding="utf-8"?>
-<p:sld xmlns:a="http://schemas.openxmlformats.org/drawingml/2006/main" xmlns:r="http://schemas.openxmlformats.org/officeDocument/2006/relationships" xmlns:p="http://schemas.openxmlformats.org/presentationml/2006/main">
-  <p:cSld>
-    <p:spTree>
-      <p:nvGrpSpPr>
-        <p:cNvPr id="1" name=""/>
-        <p:cNvGrpSpPr/>
-        <p:nvPr/>
-      </p:nvGrpSpPr>
-      <p:grpSpPr>
-        <a:xfrm>
-          <a:off x="0" y="0"/>
-          <a:ext cx="0" cy="0"/>
-          <a:chOff x="0" y="0"/>
-          <a:chExt cx="0" cy="0"/>
-        </a:xfrm>
-      </p:grpSpPr>
-      <p:sp>
-        <p:nvSpPr>
-          <p:cNvPr id="2" name="タイトル 1"/>
-          <p:cNvSpPr>
-            <a:spLocks noGrp="1"/>
-          </p:cNvSpPr>
-          <p:nvPr>
-            <p:ph type="title"/>
-          </p:nvPr>
-        </p:nvSpPr>
-        <p:spPr/>
-        <p:txBody>
-          <a:bodyPr/>
-          <a:lstStyle/>
-          <a:p>
-            <a:r>
-              <a:rPr lang="en-US" altLang="ja-JP" smtClean="0"/>
-              <a:t>sshd shuldn't use 22/tcp?</a:t>
-            </a:r>
-            <a:endParaRPr kumimoji="1" lang="ja-JP" altLang="en-US"/>
-          </a:p>
-        </p:txBody>
-      </p:sp>
-      <p:sp>
-        <p:nvSpPr>
-          <p:cNvPr id="3" name="コンテンツ プレースホルダー 2"/>
-          <p:cNvSpPr>
-            <a:spLocks noGrp="1"/>
-          </p:cNvSpPr>
-          <p:nvPr>
-            <p:ph idx="1"/>
-          </p:nvPr>
-        </p:nvSpPr>
-        <p:spPr/>
-        <p:txBody>
-          <a:bodyPr/>
-          <a:lstStyle/>
-          <a:p>
-            <a:r>
-              <a:rPr kumimoji="1" lang="ja-JP" altLang="en-US" smtClean="0"/>
-              <a:t>変えるべき派</a:t>
-            </a:r>
-            <a:endParaRPr kumimoji="1" lang="en-US" altLang="ja-JP" smtClean="0"/>
-          </a:p>
-          <a:p>
-            <a:pPr lvl="1"/>
-            <a:r>
-              <a:rPr lang="ja-JP" altLang="en-US" smtClean="0"/>
-              <a:t>攻撃</a:t>
-            </a:r>
-            <a:r>
-              <a:rPr lang="ja-JP" altLang="en-US"/>
-              <a:t>されにくい</a:t>
-            </a:r>
-            <a:r>
-              <a:rPr lang="ja-JP" altLang="en-US" smtClean="0"/>
-              <a:t>、攻撃</a:t>
-            </a:r>
-            <a:r>
-              <a:rPr lang="ja-JP" altLang="en-US"/>
-              <a:t>対象として</a:t>
-            </a:r>
-            <a:r>
-              <a:rPr lang="ja-JP" altLang="en-US"/>
-              <a:t>選定</a:t>
-            </a:r>
-            <a:r>
-              <a:rPr lang="ja-JP" altLang="en-US" smtClean="0"/>
-              <a:t>されにくい</a:t>
-            </a:r>
-            <a:endParaRPr lang="en-US" altLang="ja-JP" smtClean="0"/>
-          </a:p>
-          <a:p>
-            <a:pPr lvl="1"/>
-            <a:r>
-              <a:rPr lang="ja-JP" altLang="en-US"/>
-              <a:t>ログ監視などしている際、劇的にアタックログが減るからやった方</a:t>
-            </a:r>
-            <a:r>
-              <a:rPr lang="ja-JP" altLang="en-US"/>
-              <a:t>が</a:t>
-            </a:r>
-            <a:r>
-              <a:rPr lang="ja-JP" altLang="en-US" smtClean="0"/>
-              <a:t>良い</a:t>
-            </a:r>
-            <a:endParaRPr lang="en-US" altLang="ja-JP" smtClean="0"/>
-          </a:p>
-          <a:p>
-            <a:pPr lvl="1"/>
-            <a:r>
-              <a:rPr lang="ja-JP" altLang="en-US"/>
-              <a:t>多くのドキュメントで変えることが推奨されているから変えたほうがいい</a:t>
-            </a:r>
-            <a:r>
-              <a:rPr lang="en-US" altLang="ja-JP"/>
-              <a:t>(</a:t>
-            </a:r>
-            <a:r>
-              <a:rPr lang="ja-JP" altLang="en-US"/>
-              <a:t>消極的派</a:t>
-            </a:r>
-            <a:r>
-              <a:rPr lang="en-US" altLang="ja-JP"/>
-              <a:t>)</a:t>
-            </a:r>
-            <a:endParaRPr kumimoji="1" lang="ja-JP" altLang="en-US"/>
-          </a:p>
-        </p:txBody>
-      </p:sp>
-    </p:spTree>
-    <p:extLst>
-      <p:ext uri="{BB962C8B-B14F-4D97-AF65-F5344CB8AC3E}">
-        <p14:creationId xmlns:p14="http://schemas.microsoft.com/office/powerpoint/2010/main" val="3575517561"/>
       </p:ext>
     </p:extLst>
   </p:cSld>
@@ -7278,108 +7798,113 @@
           <a:chExt cx="0" cy="0"/>
         </a:xfrm>
       </p:grpSpPr>
-      <p:sp>
-        <p:nvSpPr>
-          <p:cNvPr id="2" name="タイトル 1"/>
-          <p:cNvSpPr>
-            <a:spLocks noGrp="1"/>
-          </p:cNvSpPr>
-          <p:nvPr>
-            <p:ph type="title"/>
-          </p:nvPr>
-        </p:nvSpPr>
-        <p:spPr/>
-        <p:txBody>
-          <a:bodyPr/>
-          <a:lstStyle/>
-          <a:p>
-            <a:r>
-              <a:rPr lang="en-US" altLang="ja-JP" smtClean="0"/>
-              <a:t>sshd shuldn't use 22/tcp?</a:t>
-            </a:r>
-            <a:endParaRPr kumimoji="1" lang="ja-JP" altLang="en-US"/>
-          </a:p>
-        </p:txBody>
-      </p:sp>
-      <p:sp>
-        <p:nvSpPr>
-          <p:cNvPr id="3" name="コンテンツ プレースホルダー 2"/>
-          <p:cNvSpPr>
-            <a:spLocks noGrp="1"/>
-          </p:cNvSpPr>
-          <p:nvPr>
-            <p:ph idx="1"/>
-          </p:nvPr>
-        </p:nvSpPr>
-        <p:spPr/>
-        <p:txBody>
-          <a:bodyPr/>
-          <a:lstStyle/>
-          <a:p>
-            <a:r>
-              <a:rPr lang="ja-JP" altLang="en-US"/>
-              <a:t>変えても意味ない</a:t>
-            </a:r>
-            <a:r>
-              <a:rPr lang="ja-JP" altLang="en-US"/>
-              <a:t>よ</a:t>
-            </a:r>
-            <a:r>
-              <a:rPr lang="ja-JP" altLang="en-US" smtClean="0"/>
-              <a:t>派</a:t>
-            </a:r>
-            <a:endParaRPr lang="en-US" altLang="ja-JP" smtClean="0"/>
-          </a:p>
-          <a:p>
-            <a:pPr lvl="1"/>
-            <a:r>
-              <a:rPr lang="ja-JP" altLang="en-US"/>
-              <a:t>ポートスキャンすれば一発で</a:t>
-            </a:r>
-            <a:r>
-              <a:rPr lang="en-US" altLang="ja-JP"/>
-              <a:t>ssh</a:t>
-            </a:r>
-            <a:r>
-              <a:rPr lang="ja-JP" altLang="en-US"/>
-              <a:t>のポートは分かるんだからムダ</a:t>
-            </a:r>
-            <a:r>
-              <a:rPr lang="ja-JP" altLang="en-US"/>
-              <a:t>だ</a:t>
-            </a:r>
-            <a:r>
-              <a:rPr lang="ja-JP" altLang="en-US" smtClean="0"/>
-              <a:t>よ</a:t>
-            </a:r>
-            <a:endParaRPr lang="en-US" altLang="ja-JP" smtClean="0"/>
-          </a:p>
-          <a:p>
-            <a:pPr lvl="1"/>
-            <a:r>
-              <a:rPr lang="ja-JP" altLang="en-US"/>
-              <a:t>ポートを変えるだけでセキュリティ対策しているつもりになっちゃうからダメ</a:t>
-            </a:r>
-            <a:r>
-              <a:rPr lang="ja-JP" altLang="en-US"/>
-              <a:t>だ</a:t>
-            </a:r>
-            <a:r>
-              <a:rPr lang="ja-JP" altLang="en-US" smtClean="0"/>
-              <a:t>よ</a:t>
-            </a:r>
-            <a:r>
-              <a:rPr lang="en-US" altLang="ja-JP" smtClean="0"/>
-              <a:t>(?)</a:t>
-            </a:r>
-            <a:endParaRPr kumimoji="1" lang="ja-JP" altLang="en-US"/>
+      <p:pic>
+        <p:nvPicPr>
+          <p:cNvPr id="4" name="図 3"/>
+          <p:cNvPicPr>
+            <a:picLocks noChangeAspect="1"/>
+          </p:cNvPicPr>
+          <p:nvPr/>
+        </p:nvPicPr>
+        <p:blipFill rotWithShape="1">
+          <a:blip r:embed="rId2" cstate="print">
+            <a:extLst>
+              <a:ext uri="{28A0092B-C50C-407E-A947-70E740481C1C}">
+                <a14:useLocalDpi xmlns:a14="http://schemas.microsoft.com/office/drawing/2010/main" val="0"/>
+              </a:ext>
+            </a:extLst>
+          </a:blip>
+          <a:srcRect/>
+          <a:stretch/>
+        </p:blipFill>
+        <p:spPr>
+          <a:xfrm>
+            <a:off x="11575" y="-115747"/>
+            <a:ext cx="9306046" cy="7106856"/>
+          </a:xfrm>
+          <a:prstGeom prst="rect">
+            <a:avLst/>
+          </a:prstGeom>
+          <a:effectLst>
+            <a:outerShdw blurRad="50800" dist="50800" dir="5400000" algn="ctr" rotWithShape="0">
+              <a:srgbClr val="000000"/>
+            </a:outerShdw>
+          </a:effectLst>
+        </p:spPr>
+      </p:pic>
+      <p:sp>
+        <p:nvSpPr>
+          <p:cNvPr id="5" name="テキスト ボックス 4"/>
+          <p:cNvSpPr txBox="1"/>
+          <p:nvPr/>
+        </p:nvSpPr>
+        <p:spPr>
+          <a:xfrm>
+            <a:off x="1740972" y="790579"/>
+            <a:ext cx="6140549" cy="1600438"/>
+          </a:xfrm>
+          <a:prstGeom prst="rect">
+            <a:avLst/>
+          </a:prstGeom>
+          <a:noFill/>
+        </p:spPr>
+        <p:txBody>
+          <a:bodyPr wrap="square" rtlCol="0">
+            <a:spAutoFit/>
+          </a:bodyPr>
+          <a:lstStyle/>
+          <a:p>
+            <a:r>
+              <a:rPr kumimoji="1" lang="en-US" altLang="ja-JP" sz="5400" smtClean="0">
+                <a:ln>
+                  <a:solidFill>
+                    <a:schemeClr val="bg1">
+                      <a:lumMod val="50000"/>
+                    </a:schemeClr>
+                  </a:solidFill>
+                </a:ln>
+                <a:solidFill>
+                  <a:schemeClr val="accent2">
+                    <a:lumMod val="50000"/>
+                  </a:schemeClr>
+                </a:solidFill>
+                <a:latin typeface="Tahoma" panose="020B0604030504040204" pitchFamily="34" charset="0"/>
+                <a:cs typeface="Tahoma" panose="020B0604030504040204" pitchFamily="34" charset="0"/>
+              </a:rPr>
+              <a:t>Minimize</a:t>
+            </a:r>
+            <a:r>
+              <a:rPr kumimoji="1" lang="en-US" altLang="ja-JP" sz="4400" smtClean="0">
+                <a:ln>
+                  <a:solidFill>
+                    <a:schemeClr val="bg1">
+                      <a:lumMod val="50000"/>
+                    </a:schemeClr>
+                  </a:solidFill>
+                </a:ln>
+                <a:latin typeface="Tahoma" panose="020B0604030504040204" pitchFamily="34" charset="0"/>
+                <a:cs typeface="Tahoma" panose="020B0604030504040204" pitchFamily="34" charset="0"/>
+              </a:rPr>
+              <a:t> the number of ports to scan.</a:t>
+            </a:r>
+            <a:endParaRPr kumimoji="1" lang="ja-JP" altLang="en-US" sz="4400">
+              <a:ln>
+                <a:solidFill>
+                  <a:schemeClr val="bg1">
+                    <a:lumMod val="50000"/>
+                  </a:schemeClr>
+                </a:solidFill>
+              </a:ln>
+              <a:latin typeface="Tahoma" panose="020B0604030504040204" pitchFamily="34" charset="0"/>
+              <a:cs typeface="Tahoma" panose="020B0604030504040204" pitchFamily="34" charset="0"/>
+            </a:endParaRPr>
           </a:p>
         </p:txBody>
       </p:sp>
     </p:spTree>
     <p:extLst>
       <p:ext uri="{BB962C8B-B14F-4D97-AF65-F5344CB8AC3E}">
-        <p14:creationId xmlns:p14="http://schemas.microsoft.com/office/powerpoint/2010/main" val="3571136695"/>
+        <p14:creationId xmlns:p14="http://schemas.microsoft.com/office/powerpoint/2010/main" val="1127820023"/>
       </p:ext>
     </p:extLst>
   </p:cSld>
@@ -7423,14 +7948,29 @@
             <p:ph type="title"/>
           </p:nvPr>
         </p:nvSpPr>
-        <p:spPr/>
-        <p:txBody>
-          <a:bodyPr/>
-          <a:lstStyle/>
-          <a:p>
+        <p:spPr>
+          <a:xfrm>
+            <a:off x="224285" y="132214"/>
+            <a:ext cx="8488393" cy="885704"/>
+          </a:xfrm>
+        </p:spPr>
+        <p:txBody>
+          <a:bodyPr>
+            <a:normAutofit/>
+          </a:bodyPr>
+          <a:lstStyle/>
+          <a:p>
+            <a:r>
+              <a:rPr lang="ja-JP" altLang="en-US" smtClean="0"/>
+              <a:t>よくある上位</a:t>
+            </a:r>
             <a:r>
               <a:rPr lang="en-US" altLang="ja-JP" smtClean="0"/>
-              <a:t>sshd shuldn't use 22/tcp?</a:t>
+              <a:t>10</a:t>
+            </a:r>
+            <a:r>
+              <a:rPr lang="ja-JP" altLang="en-US" smtClean="0"/>
+              <a:t>ポートのみスキャン</a:t>
             </a:r>
             <a:endParaRPr kumimoji="1" lang="ja-JP" altLang="en-US"/>
           </a:p>
@@ -7438,107 +7978,372 @@
       </p:sp>
       <p:sp>
         <p:nvSpPr>
-          <p:cNvPr id="3" name="コンテンツ プレースホルダー 2"/>
-          <p:cNvSpPr>
-            <a:spLocks noGrp="1"/>
-          </p:cNvSpPr>
-          <p:nvPr>
-            <p:ph idx="1"/>
-          </p:nvPr>
-        </p:nvSpPr>
-        <p:spPr/>
-        <p:txBody>
-          <a:bodyPr/>
-          <a:lstStyle/>
-          <a:p>
-            <a:r>
-              <a:rPr lang="ja-JP" altLang="en-US"/>
-              <a:t>変えても意味ない</a:t>
-            </a:r>
-            <a:r>
-              <a:rPr lang="ja-JP" altLang="en-US"/>
-              <a:t>よ</a:t>
-            </a:r>
-            <a:r>
-              <a:rPr lang="ja-JP" altLang="en-US" smtClean="0"/>
-              <a:t>派</a:t>
-            </a:r>
-            <a:endParaRPr lang="en-US" altLang="ja-JP" smtClean="0"/>
-          </a:p>
-          <a:p>
-            <a:pPr lvl="1"/>
-            <a:r>
-              <a:rPr lang="ja-JP" altLang="en-US" b="1">
+          <p:cNvPr id="4" name="正方形/長方形 3"/>
+          <p:cNvSpPr/>
+          <p:nvPr/>
+        </p:nvSpPr>
+        <p:spPr>
+          <a:xfrm>
+            <a:off x="224286" y="957532"/>
+            <a:ext cx="7746522" cy="5762445"/>
+          </a:xfrm>
+          <a:prstGeom prst="rect">
+            <a:avLst/>
+          </a:prstGeom>
+          <a:solidFill>
+            <a:schemeClr val="accent1">
+              <a:lumMod val="50000"/>
+            </a:schemeClr>
+          </a:solidFill>
+        </p:spPr>
+        <p:style>
+          <a:lnRef idx="2">
+            <a:schemeClr val="accent1">
+              <a:shade val="50000"/>
+            </a:schemeClr>
+          </a:lnRef>
+          <a:fillRef idx="1">
+            <a:schemeClr val="accent1"/>
+          </a:fillRef>
+          <a:effectRef idx="0">
+            <a:schemeClr val="accent1"/>
+          </a:effectRef>
+          <a:fontRef idx="minor">
+            <a:schemeClr val="lt1"/>
+          </a:fontRef>
+        </p:style>
+        <p:txBody>
+          <a:bodyPr rtlCol="0" anchor="ctr"/>
+          <a:lstStyle/>
+          <a:p>
+            <a:r>
+              <a:rPr lang="en-US" altLang="ja-JP" sz="2400" smtClean="0">
+                <a:latin typeface="Consolas" panose="020B0609020204030204" pitchFamily="49" charset="0"/>
+                <a:cs typeface="Consolas" panose="020B0609020204030204" pitchFamily="49" charset="0"/>
+              </a:rPr>
+              <a:t># </a:t>
+            </a:r>
+            <a:r>
+              <a:rPr lang="en-US" altLang="ja-JP" sz="2400" b="1" smtClean="0">
                 <a:solidFill>
-                  <a:srgbClr val="FF0000"/>
+                  <a:schemeClr val="accent2">
+                    <a:lumMod val="20000"/>
+                    <a:lumOff val="80000"/>
+                  </a:schemeClr>
                 </a:solidFill>
-              </a:rPr>
-              <a:t>ポートスキャンすれば一発で</a:t>
-            </a:r>
-            <a:r>
-              <a:rPr lang="en-US" altLang="ja-JP" b="1">
+                <a:latin typeface="Consolas" panose="020B0609020204030204" pitchFamily="49" charset="0"/>
+                <a:cs typeface="Consolas" panose="020B0609020204030204" pitchFamily="49" charset="0"/>
+              </a:rPr>
+              <a:t>nmap </a:t>
+            </a:r>
+            <a:r>
+              <a:rPr lang="en-US" altLang="ja-JP" sz="2400" b="1">
                 <a:solidFill>
-                  <a:srgbClr val="FF0000"/>
+                  <a:schemeClr val="accent2">
+                    <a:lumMod val="20000"/>
+                    <a:lumOff val="80000"/>
+                  </a:schemeClr>
                 </a:solidFill>
-              </a:rPr>
-              <a:t>ssh</a:t>
-            </a:r>
-            <a:r>
-              <a:rPr lang="ja-JP" altLang="en-US" b="1">
+                <a:latin typeface="Consolas" panose="020B0609020204030204" pitchFamily="49" charset="0"/>
+                <a:cs typeface="Consolas" panose="020B0609020204030204" pitchFamily="49" charset="0"/>
+              </a:rPr>
+              <a:t>-</a:t>
+            </a:r>
+            <a:r>
+              <a:rPr lang="en-US" altLang="ja-JP" sz="2400" b="1">
                 <a:solidFill>
-                  <a:srgbClr val="FF0000"/>
+                  <a:schemeClr val="accent2">
+                    <a:lumMod val="20000"/>
+                    <a:lumOff val="80000"/>
+                  </a:schemeClr>
                 </a:solidFill>
-              </a:rPr>
-              <a:t>のポートは分かるんだからムダ</a:t>
-            </a:r>
-            <a:r>
-              <a:rPr lang="ja-JP" altLang="en-US" b="1">
+                <a:latin typeface="Consolas" panose="020B0609020204030204" pitchFamily="49" charset="0"/>
+                <a:cs typeface="Consolas" panose="020B0609020204030204" pitchFamily="49" charset="0"/>
+              </a:rPr>
+              <a:t>n </a:t>
+            </a:r>
+            <a:r>
+              <a:rPr lang="en-US" altLang="ja-JP" sz="2400" b="1" smtClean="0">
                 <a:solidFill>
-                  <a:srgbClr val="FF0000"/>
+                  <a:schemeClr val="accent2">
+                    <a:lumMod val="20000"/>
+                    <a:lumOff val="80000"/>
+                  </a:schemeClr>
                 </a:solidFill>
-              </a:rPr>
-              <a:t>だ</a:t>
-            </a:r>
-            <a:r>
-              <a:rPr lang="ja-JP" altLang="en-US" b="1" smtClean="0">
+                <a:latin typeface="Consolas" panose="020B0609020204030204" pitchFamily="49" charset="0"/>
+                <a:cs typeface="Consolas" panose="020B0609020204030204" pitchFamily="49" charset="0"/>
+              </a:rPr>
+              <a:t>--</a:t>
+            </a:r>
+            <a:r>
+              <a:rPr lang="en-US" altLang="ja-JP" sz="2400" b="1">
                 <a:solidFill>
-                  <a:srgbClr val="FF0000"/>
+                  <a:schemeClr val="accent2">
+                    <a:lumMod val="20000"/>
+                    <a:lumOff val="80000"/>
+                  </a:schemeClr>
                 </a:solidFill>
-              </a:rPr>
-              <a:t>よ</a:t>
-            </a:r>
-            <a:endParaRPr lang="en-US" altLang="ja-JP" b="1" smtClean="0">
+                <a:latin typeface="Consolas" panose="020B0609020204030204" pitchFamily="49" charset="0"/>
+                <a:cs typeface="Consolas" panose="020B0609020204030204" pitchFamily="49" charset="0"/>
+              </a:rPr>
+              <a:t>top-ports 10 192.168.2.66</a:t>
+            </a:r>
+          </a:p>
+          <a:p>
+            <a:r>
+              <a:rPr lang="en-US" altLang="ja-JP" sz="2400" smtClean="0">
+                <a:latin typeface="Consolas" panose="020B0609020204030204" pitchFamily="49" charset="0"/>
+                <a:cs typeface="Consolas" panose="020B0609020204030204" pitchFamily="49" charset="0"/>
+              </a:rPr>
+              <a:t>......(</a:t>
+            </a:r>
+            <a:r>
+              <a:rPr lang="ja-JP" altLang="en-US" sz="2400" smtClean="0">
+                <a:latin typeface="Consolas" panose="020B0609020204030204" pitchFamily="49" charset="0"/>
+                <a:cs typeface="Consolas" panose="020B0609020204030204" pitchFamily="49" charset="0"/>
+              </a:rPr>
+              <a:t>省略</a:t>
+            </a:r>
+            <a:r>
+              <a:rPr lang="en-US" altLang="ja-JP" sz="2400" smtClean="0">
+                <a:latin typeface="Consolas" panose="020B0609020204030204" pitchFamily="49" charset="0"/>
+                <a:cs typeface="Consolas" panose="020B0609020204030204" pitchFamily="49" charset="0"/>
+              </a:rPr>
+              <a:t>).....</a:t>
+            </a:r>
+          </a:p>
+          <a:p>
+            <a:r>
+              <a:rPr lang="en-US" altLang="ja-JP" sz="2400" smtClean="0">
+                <a:latin typeface="Consolas" panose="020B0609020204030204" pitchFamily="49" charset="0"/>
+                <a:cs typeface="Consolas" panose="020B0609020204030204" pitchFamily="49" charset="0"/>
+              </a:rPr>
+              <a:t>Host </a:t>
+            </a:r>
+            <a:r>
+              <a:rPr lang="en-US" altLang="ja-JP" sz="2400">
+                <a:latin typeface="Consolas" panose="020B0609020204030204" pitchFamily="49" charset="0"/>
+                <a:cs typeface="Consolas" panose="020B0609020204030204" pitchFamily="49" charset="0"/>
+              </a:rPr>
+              <a:t>is up (0.00014s latency).</a:t>
+            </a:r>
+          </a:p>
+          <a:p>
+            <a:r>
+              <a:rPr lang="en-US" altLang="ja-JP" sz="2400">
+                <a:latin typeface="Consolas" panose="020B0609020204030204" pitchFamily="49" charset="0"/>
+                <a:cs typeface="Consolas" panose="020B0609020204030204" pitchFamily="49" charset="0"/>
+              </a:rPr>
+              <a:t>PORT     STATE    SERVICE</a:t>
+            </a:r>
+          </a:p>
+          <a:p>
+            <a:r>
+              <a:rPr lang="en-US" altLang="ja-JP" sz="2400">
+                <a:latin typeface="Consolas" panose="020B0609020204030204" pitchFamily="49" charset="0"/>
+                <a:cs typeface="Consolas" panose="020B0609020204030204" pitchFamily="49" charset="0"/>
+              </a:rPr>
+              <a:t>21/tcp   filtered ftp</a:t>
+            </a:r>
+          </a:p>
+          <a:p>
+            <a:r>
+              <a:rPr lang="en-US" altLang="ja-JP" sz="2400">
+                <a:latin typeface="Consolas" panose="020B0609020204030204" pitchFamily="49" charset="0"/>
+                <a:cs typeface="Consolas" panose="020B0609020204030204" pitchFamily="49" charset="0"/>
+              </a:rPr>
+              <a:t>22/tcp   closed   ssh</a:t>
+            </a:r>
+          </a:p>
+          <a:p>
+            <a:r>
+              <a:rPr lang="en-US" altLang="ja-JP" sz="2400">
+                <a:latin typeface="Consolas" panose="020B0609020204030204" pitchFamily="49" charset="0"/>
+                <a:cs typeface="Consolas" panose="020B0609020204030204" pitchFamily="49" charset="0"/>
+              </a:rPr>
+              <a:t>23/tcp   filtered telnet</a:t>
+            </a:r>
+          </a:p>
+          <a:p>
+            <a:r>
+              <a:rPr lang="en-US" altLang="ja-JP" sz="2400">
+                <a:latin typeface="Consolas" panose="020B0609020204030204" pitchFamily="49" charset="0"/>
+                <a:cs typeface="Consolas" panose="020B0609020204030204" pitchFamily="49" charset="0"/>
+              </a:rPr>
+              <a:t>25/tcp   filtered smtp</a:t>
+            </a:r>
+          </a:p>
+          <a:p>
+            <a:r>
+              <a:rPr lang="en-US" altLang="ja-JP" sz="2400">
+                <a:latin typeface="Consolas" panose="020B0609020204030204" pitchFamily="49" charset="0"/>
+                <a:cs typeface="Consolas" panose="020B0609020204030204" pitchFamily="49" charset="0"/>
+              </a:rPr>
+              <a:t>80/tcp   filtered http</a:t>
+            </a:r>
+          </a:p>
+          <a:p>
+            <a:r>
+              <a:rPr lang="en-US" altLang="ja-JP" sz="2400">
+                <a:latin typeface="Consolas" panose="020B0609020204030204" pitchFamily="49" charset="0"/>
+                <a:cs typeface="Consolas" panose="020B0609020204030204" pitchFamily="49" charset="0"/>
+              </a:rPr>
+              <a:t>110/tcp  filtered pop3</a:t>
+            </a:r>
+          </a:p>
+          <a:p>
+            <a:r>
+              <a:rPr lang="en-US" altLang="ja-JP" sz="2400">
+                <a:latin typeface="Consolas" panose="020B0609020204030204" pitchFamily="49" charset="0"/>
+                <a:cs typeface="Consolas" panose="020B0609020204030204" pitchFamily="49" charset="0"/>
+              </a:rPr>
+              <a:t>139/tcp  filtered netbios-ssn</a:t>
+            </a:r>
+          </a:p>
+          <a:p>
+            <a:r>
+              <a:rPr lang="en-US" altLang="ja-JP" sz="2400">
+                <a:latin typeface="Consolas" panose="020B0609020204030204" pitchFamily="49" charset="0"/>
+                <a:cs typeface="Consolas" panose="020B0609020204030204" pitchFamily="49" charset="0"/>
+              </a:rPr>
+              <a:t>443/tcp  filtered https</a:t>
+            </a:r>
+          </a:p>
+          <a:p>
+            <a:r>
+              <a:rPr lang="en-US" altLang="ja-JP" sz="2400">
+                <a:latin typeface="Consolas" panose="020B0609020204030204" pitchFamily="49" charset="0"/>
+                <a:cs typeface="Consolas" panose="020B0609020204030204" pitchFamily="49" charset="0"/>
+              </a:rPr>
+              <a:t>445/tcp  filtered microsoft-ds</a:t>
+            </a:r>
+          </a:p>
+          <a:p>
+            <a:r>
+              <a:rPr lang="en-US" altLang="ja-JP" sz="2400">
+                <a:latin typeface="Consolas" panose="020B0609020204030204" pitchFamily="49" charset="0"/>
+                <a:cs typeface="Consolas" panose="020B0609020204030204" pitchFamily="49" charset="0"/>
+              </a:rPr>
+              <a:t>3389/tcp filtered ms-wbt-server</a:t>
+            </a:r>
+          </a:p>
+          <a:p>
+            <a:r>
+              <a:rPr lang="en-US" altLang="ja-JP" sz="2400">
+                <a:latin typeface="Consolas" panose="020B0609020204030204" pitchFamily="49" charset="0"/>
+                <a:cs typeface="Consolas" panose="020B0609020204030204" pitchFamily="49" charset="0"/>
+              </a:rPr>
+              <a:t>MAC Address: 00:0C:29:8D:99:C1 (</a:t>
+            </a:r>
+            <a:r>
+              <a:rPr lang="en-US" altLang="ja-JP" sz="2400">
+                <a:latin typeface="Consolas" panose="020B0609020204030204" pitchFamily="49" charset="0"/>
+                <a:cs typeface="Consolas" panose="020B0609020204030204" pitchFamily="49" charset="0"/>
+              </a:rPr>
+              <a:t>VMware</a:t>
+            </a:r>
+            <a:r>
+              <a:rPr lang="en-US" altLang="ja-JP" sz="2400" smtClean="0">
+                <a:latin typeface="Consolas" panose="020B0609020204030204" pitchFamily="49" charset="0"/>
+                <a:cs typeface="Consolas" panose="020B0609020204030204" pitchFamily="49" charset="0"/>
+              </a:rPr>
+              <a:t>)</a:t>
+            </a:r>
+            <a:endParaRPr lang="en-US" altLang="ja-JP" sz="2400">
+              <a:latin typeface="Consolas" panose="020B0609020204030204" pitchFamily="49" charset="0"/>
+              <a:cs typeface="Consolas" panose="020B0609020204030204" pitchFamily="49" charset="0"/>
+            </a:endParaRPr>
+          </a:p>
+        </p:txBody>
+      </p:sp>
+      <p:sp>
+        <p:nvSpPr>
+          <p:cNvPr id="5" name="正方形/長方形 4"/>
+          <p:cNvSpPr/>
+          <p:nvPr/>
+        </p:nvSpPr>
+        <p:spPr>
+          <a:xfrm>
+            <a:off x="3838753" y="1506675"/>
+            <a:ext cx="4977443" cy="673122"/>
+          </a:xfrm>
+          <a:prstGeom prst="rect">
+            <a:avLst/>
+          </a:prstGeom>
+          <a:solidFill>
+            <a:schemeClr val="accent2">
+              <a:lumMod val="50000"/>
+            </a:schemeClr>
+          </a:solidFill>
+          <a:ln w="28575" cmpd="sng">
+            <a:solidFill>
+              <a:schemeClr val="accent4">
+                <a:lumMod val="20000"/>
+                <a:lumOff val="80000"/>
+              </a:schemeClr>
+            </a:solidFill>
+          </a:ln>
+          <a:effectLst>
+            <a:glow rad="101600">
+              <a:schemeClr val="tx1">
+                <a:alpha val="22000"/>
+              </a:schemeClr>
+            </a:glow>
+            <a:outerShdw blurRad="50800" dist="38100" dir="2700000" algn="tl" rotWithShape="0">
+              <a:srgbClr val="000000">
+                <a:alpha val="43000"/>
+              </a:srgbClr>
+            </a:outerShdw>
+          </a:effectLst>
+        </p:spPr>
+        <p:style>
+          <a:lnRef idx="1">
+            <a:schemeClr val="accent1"/>
+          </a:lnRef>
+          <a:fillRef idx="3">
+            <a:schemeClr val="accent1"/>
+          </a:fillRef>
+          <a:effectRef idx="2">
+            <a:schemeClr val="accent1"/>
+          </a:effectRef>
+          <a:fontRef idx="minor">
+            <a:schemeClr val="lt1"/>
+          </a:fontRef>
+        </p:style>
+        <p:txBody>
+          <a:bodyPr rtlCol="0" anchor="ctr"/>
+          <a:lstStyle/>
+          <a:p>
+            <a:r>
+              <a:rPr lang="en-US" altLang="ja-JP" sz="3200" b="1" smtClean="0">
+                <a:solidFill>
+                  <a:schemeClr val="accent2">
+                    <a:lumMod val="20000"/>
+                    <a:lumOff val="80000"/>
+                  </a:schemeClr>
+                </a:solidFill>
+                <a:latin typeface="Consolas" panose="020B0609020204030204" pitchFamily="49" charset="0"/>
+                <a:cs typeface="Consolas" panose="020B0609020204030204" pitchFamily="49" charset="0"/>
+              </a:rPr>
+              <a:t> --top-ports &lt;number&gt;</a:t>
+            </a:r>
+            <a:endParaRPr kumimoji="1" lang="ja-JP" altLang="en-US" sz="3200" b="1">
               <a:solidFill>
-                <a:srgbClr val="FF0000"/>
+                <a:schemeClr val="accent2">
+                  <a:lumMod val="20000"/>
+                  <a:lumOff val="80000"/>
+                </a:schemeClr>
               </a:solidFill>
+              <a:latin typeface="Consolas" panose="020B0609020204030204" pitchFamily="49" charset="0"/>
+              <a:cs typeface="Consolas" panose="020B0609020204030204" pitchFamily="49" charset="0"/>
             </a:endParaRPr>
-          </a:p>
-          <a:p>
-            <a:pPr lvl="1"/>
-            <a:r>
-              <a:rPr lang="ja-JP" altLang="en-US"/>
-              <a:t>ポートを変えるだけでセキュリティ対策しているつもりになっちゃうからダメ</a:t>
-            </a:r>
-            <a:r>
-              <a:rPr lang="ja-JP" altLang="en-US"/>
-              <a:t>だ</a:t>
-            </a:r>
-            <a:r>
-              <a:rPr lang="ja-JP" altLang="en-US" smtClean="0"/>
-              <a:t>よ</a:t>
-            </a:r>
-            <a:r>
-              <a:rPr lang="en-US" altLang="ja-JP" smtClean="0"/>
-              <a:t>(?)</a:t>
-            </a:r>
-            <a:endParaRPr kumimoji="1" lang="ja-JP" altLang="en-US"/>
           </a:p>
         </p:txBody>
       </p:sp>
     </p:spTree>
     <p:extLst>
       <p:ext uri="{BB962C8B-B14F-4D97-AF65-F5344CB8AC3E}">
-        <p14:creationId xmlns:p14="http://schemas.microsoft.com/office/powerpoint/2010/main" val="2554317840"/>
+        <p14:creationId xmlns:p14="http://schemas.microsoft.com/office/powerpoint/2010/main" val="1570198615"/>
       </p:ext>
     </p:extLst>
   </p:cSld>
@@ -7556,6 +8361,872 @@
 </file>
 
 <file path=ppt/slides/slide22.xml><?xml version="1.0" encoding="utf-8"?>
+<p:sld xmlns:a="http://schemas.openxmlformats.org/drawingml/2006/main" xmlns:r="http://schemas.openxmlformats.org/officeDocument/2006/relationships" xmlns:p="http://schemas.openxmlformats.org/presentationml/2006/main">
+  <p:cSld>
+    <p:spTree>
+      <p:nvGrpSpPr>
+        <p:cNvPr id="1" name=""/>
+        <p:cNvGrpSpPr/>
+        <p:nvPr/>
+      </p:nvGrpSpPr>
+      <p:grpSpPr>
+        <a:xfrm>
+          <a:off x="0" y="0"/>
+          <a:ext cx="0" cy="0"/>
+          <a:chOff x="0" y="0"/>
+          <a:chExt cx="0" cy="0"/>
+        </a:xfrm>
+      </p:grpSpPr>
+      <p:pic>
+        <p:nvPicPr>
+          <p:cNvPr id="9" name="図 8"/>
+          <p:cNvPicPr>
+            <a:picLocks noChangeAspect="1"/>
+          </p:cNvPicPr>
+          <p:nvPr/>
+        </p:nvPicPr>
+        <p:blipFill>
+          <a:blip r:embed="rId3"/>
+          <a:stretch>
+            <a:fillRect/>
+          </a:stretch>
+        </p:blipFill>
+        <p:spPr>
+          <a:xfrm>
+            <a:off x="0" y="-1"/>
+            <a:ext cx="9161610" cy="6046237"/>
+          </a:xfrm>
+          <a:prstGeom prst="rect">
+            <a:avLst/>
+          </a:prstGeom>
+        </p:spPr>
+      </p:pic>
+      <p:sp>
+        <p:nvSpPr>
+          <p:cNvPr id="11" name="正方形/長方形 10"/>
+          <p:cNvSpPr/>
+          <p:nvPr/>
+        </p:nvSpPr>
+        <p:spPr>
+          <a:xfrm>
+            <a:off x="2030466" y="6242181"/>
+            <a:ext cx="6997960" cy="369332"/>
+          </a:xfrm>
+          <a:prstGeom prst="rect">
+            <a:avLst/>
+          </a:prstGeom>
+        </p:spPr>
+        <p:txBody>
+          <a:bodyPr wrap="square">
+            <a:spAutoFit/>
+          </a:bodyPr>
+          <a:lstStyle/>
+          <a:p>
+            <a:r>
+              <a:rPr lang="ja-JP" altLang="en-US" smtClean="0"/>
+              <a:t>「NMAP </a:t>
+            </a:r>
+            <a:r>
+              <a:rPr lang="ja-JP" altLang="en-US"/>
+              <a:t>NETWORK </a:t>
+            </a:r>
+            <a:r>
+              <a:rPr lang="ja-JP" altLang="en-US" smtClean="0"/>
+              <a:t>SCANNING」, </a:t>
+            </a:r>
+            <a:r>
+              <a:rPr lang="ja-JP" altLang="en-US"/>
+              <a:t>Gordon "Fyodor" Lyon (</a:t>
+            </a:r>
+            <a:r>
+              <a:rPr lang="ja-JP" altLang="en-US"/>
+              <a:t>2008</a:t>
+            </a:r>
+            <a:r>
+              <a:rPr lang="ja-JP" altLang="en-US" smtClean="0"/>
+              <a:t>) より引用</a:t>
+            </a:r>
+            <a:endParaRPr lang="ja-JP" altLang="en-US"/>
+          </a:p>
+        </p:txBody>
+      </p:sp>
+      <p:graphicFrame>
+        <p:nvGraphicFramePr>
+          <p:cNvPr id="4" name="表 3"/>
+          <p:cNvGraphicFramePr>
+            <a:graphicFrameLocks noGrp="1"/>
+          </p:cNvGraphicFramePr>
+          <p:nvPr>
+            <p:extLst>
+              <p:ext uri="{D42A27DB-BD31-4B8C-83A1-F6EECF244321}">
+                <p14:modId xmlns:p14="http://schemas.microsoft.com/office/powerpoint/2010/main" val="4290637992"/>
+              </p:ext>
+            </p:extLst>
+          </p:nvPr>
+        </p:nvGraphicFramePr>
+        <p:xfrm>
+          <a:off x="4848514" y="1394614"/>
+          <a:ext cx="3605021" cy="3078480"/>
+        </p:xfrm>
+        <a:graphic>
+          <a:graphicData uri="http://schemas.openxmlformats.org/drawingml/2006/table">
+            <a:tbl>
+              <a:tblPr firstRow="1" bandRow="1">
+                <a:effectLst>
+                  <a:outerShdw blurRad="50800" dist="38100" dir="2700000" algn="tl" rotWithShape="0">
+                    <a:prstClr val="black">
+                      <a:alpha val="40000"/>
+                    </a:prstClr>
+                  </a:outerShdw>
+                </a:effectLst>
+                <a:tableStyleId>{5C22544A-7EE6-4342-B048-85BDC9FD1C3A}</a:tableStyleId>
+              </a:tblPr>
+              <a:tblGrid>
+                <a:gridCol w="1486972"/>
+                <a:gridCol w="2118049"/>
+              </a:tblGrid>
+              <a:tr h="370840">
+                <a:tc>
+                  <a:txBody>
+                    <a:bodyPr/>
+                    <a:lstStyle/>
+                    <a:p>
+                      <a:pPr algn="ctr"/>
+                      <a:r>
+                        <a:rPr kumimoji="1" lang="ja-JP" altLang="en-US" sz="2000" smtClean="0"/>
+                        <a:t>カバレッジ</a:t>
+                      </a:r>
+                      <a:endParaRPr kumimoji="1" lang="ja-JP" altLang="en-US" sz="2000"/>
+                    </a:p>
+                  </a:txBody>
+                  <a:tcPr anchor="ctr"/>
+                </a:tc>
+                <a:tc>
+                  <a:txBody>
+                    <a:bodyPr/>
+                    <a:lstStyle/>
+                    <a:p>
+                      <a:pPr algn="ctr"/>
+                      <a:r>
+                        <a:rPr kumimoji="1" lang="ja-JP" altLang="en-US" sz="2000" smtClean="0"/>
+                        <a:t>スキャンする</a:t>
+                      </a:r>
+                      <a:endParaRPr kumimoji="1" lang="en-US" altLang="ja-JP" sz="2000" smtClean="0"/>
+                    </a:p>
+                    <a:p>
+                      <a:pPr algn="ctr"/>
+                      <a:r>
+                        <a:rPr kumimoji="1" lang="en-US" altLang="ja-JP" sz="2000" smtClean="0"/>
+                        <a:t>TCP</a:t>
+                      </a:r>
+                      <a:r>
+                        <a:rPr kumimoji="1" lang="ja-JP" altLang="en-US" sz="2000" smtClean="0"/>
+                        <a:t>ポート数</a:t>
+                      </a:r>
+                      <a:endParaRPr kumimoji="1" lang="ja-JP" altLang="en-US" sz="2000"/>
+                    </a:p>
+                  </a:txBody>
+                  <a:tcPr/>
+                </a:tc>
+              </a:tr>
+              <a:tr h="370840">
+                <a:tc>
+                  <a:txBody>
+                    <a:bodyPr/>
+                    <a:lstStyle/>
+                    <a:p>
+                      <a:pPr algn="ctr"/>
+                      <a:r>
+                        <a:rPr kumimoji="1" lang="en-US" altLang="ja-JP" sz="2000" smtClean="0"/>
+                        <a:t>50%</a:t>
+                      </a:r>
+                      <a:endParaRPr kumimoji="1" lang="ja-JP" altLang="en-US" sz="2000"/>
+                    </a:p>
+                  </a:txBody>
+                  <a:tcPr/>
+                </a:tc>
+                <a:tc>
+                  <a:txBody>
+                    <a:bodyPr/>
+                    <a:lstStyle/>
+                    <a:p>
+                      <a:pPr algn="ctr"/>
+                      <a:r>
+                        <a:rPr kumimoji="1" lang="en-US" altLang="ja-JP" sz="2000" smtClean="0"/>
+                        <a:t>10</a:t>
+                      </a:r>
+                      <a:endParaRPr kumimoji="1" lang="ja-JP" altLang="en-US" sz="2000"/>
+                    </a:p>
+                  </a:txBody>
+                  <a:tcPr/>
+                </a:tc>
+              </a:tr>
+              <a:tr h="370840">
+                <a:tc>
+                  <a:txBody>
+                    <a:bodyPr/>
+                    <a:lstStyle/>
+                    <a:p>
+                      <a:pPr algn="ctr"/>
+                      <a:r>
+                        <a:rPr kumimoji="1" lang="en-US" altLang="ja-JP" sz="2000" smtClean="0"/>
+                        <a:t>70%</a:t>
+                      </a:r>
+                      <a:endParaRPr kumimoji="1" lang="ja-JP" altLang="en-US" sz="2000"/>
+                    </a:p>
+                  </a:txBody>
+                  <a:tcPr/>
+                </a:tc>
+                <a:tc>
+                  <a:txBody>
+                    <a:bodyPr/>
+                    <a:lstStyle/>
+                    <a:p>
+                      <a:pPr algn="ctr"/>
+                      <a:r>
+                        <a:rPr kumimoji="1" lang="en-US" altLang="ja-JP" sz="2000" smtClean="0"/>
+                        <a:t>44</a:t>
+                      </a:r>
+                      <a:endParaRPr kumimoji="1" lang="ja-JP" altLang="en-US" sz="2000"/>
+                    </a:p>
+                  </a:txBody>
+                  <a:tcPr/>
+                </a:tc>
+              </a:tr>
+              <a:tr h="370840">
+                <a:tc>
+                  <a:txBody>
+                    <a:bodyPr/>
+                    <a:lstStyle/>
+                    <a:p>
+                      <a:pPr algn="ctr"/>
+                      <a:r>
+                        <a:rPr kumimoji="1" lang="en-US" altLang="ja-JP" sz="2000" smtClean="0"/>
+                        <a:t>80%</a:t>
+                      </a:r>
+                      <a:endParaRPr kumimoji="1" lang="ja-JP" altLang="en-US" sz="2000"/>
+                    </a:p>
+                  </a:txBody>
+                  <a:tcPr/>
+                </a:tc>
+                <a:tc>
+                  <a:txBody>
+                    <a:bodyPr/>
+                    <a:lstStyle/>
+                    <a:p>
+                      <a:pPr algn="ctr"/>
+                      <a:r>
+                        <a:rPr kumimoji="1" lang="en-US" altLang="ja-JP" sz="2000" smtClean="0"/>
+                        <a:t>122</a:t>
+                      </a:r>
+                      <a:endParaRPr kumimoji="1" lang="ja-JP" altLang="en-US" sz="2000"/>
+                    </a:p>
+                  </a:txBody>
+                  <a:tcPr/>
+                </a:tc>
+              </a:tr>
+              <a:tr h="370840">
+                <a:tc>
+                  <a:txBody>
+                    <a:bodyPr/>
+                    <a:lstStyle/>
+                    <a:p>
+                      <a:pPr algn="ctr"/>
+                      <a:r>
+                        <a:rPr kumimoji="1" lang="en-US" altLang="ja-JP" sz="2000" smtClean="0"/>
+                        <a:t>90%</a:t>
+                      </a:r>
+                      <a:endParaRPr kumimoji="1" lang="ja-JP" altLang="en-US" sz="2000"/>
+                    </a:p>
+                  </a:txBody>
+                  <a:tcPr>
+                    <a:solidFill>
+                      <a:schemeClr val="accent1">
+                        <a:lumMod val="20000"/>
+                        <a:lumOff val="80000"/>
+                      </a:schemeClr>
+                    </a:solidFill>
+                  </a:tcPr>
+                </a:tc>
+                <a:tc>
+                  <a:txBody>
+                    <a:bodyPr/>
+                    <a:lstStyle/>
+                    <a:p>
+                      <a:pPr algn="ctr"/>
+                      <a:r>
+                        <a:rPr kumimoji="1" lang="en-US" altLang="ja-JP" sz="2000" smtClean="0"/>
+                        <a:t>576</a:t>
+                      </a:r>
+                      <a:endParaRPr kumimoji="1" lang="ja-JP" altLang="en-US" sz="2000"/>
+                    </a:p>
+                  </a:txBody>
+                  <a:tcPr>
+                    <a:solidFill>
+                      <a:schemeClr val="accent1">
+                        <a:lumMod val="20000"/>
+                        <a:lumOff val="80000"/>
+                      </a:schemeClr>
+                    </a:solidFill>
+                  </a:tcPr>
+                </a:tc>
+              </a:tr>
+              <a:tr h="370840">
+                <a:tc>
+                  <a:txBody>
+                    <a:bodyPr/>
+                    <a:lstStyle/>
+                    <a:p>
+                      <a:pPr algn="ctr"/>
+                      <a:r>
+                        <a:rPr kumimoji="1" lang="en-US" altLang="ja-JP" sz="2000" smtClean="0"/>
+                        <a:t>99%</a:t>
+                      </a:r>
+                      <a:endParaRPr kumimoji="1" lang="ja-JP" altLang="en-US" sz="2000"/>
+                    </a:p>
+                  </a:txBody>
+                  <a:tcPr/>
+                </a:tc>
+                <a:tc>
+                  <a:txBody>
+                    <a:bodyPr/>
+                    <a:lstStyle/>
+                    <a:p>
+                      <a:pPr algn="ctr"/>
+                      <a:r>
+                        <a:rPr kumimoji="1" lang="en-US" altLang="ja-JP" sz="2000" smtClean="0"/>
+                        <a:t>3328</a:t>
+                      </a:r>
+                      <a:endParaRPr kumimoji="1" lang="ja-JP" altLang="en-US" sz="2000"/>
+                    </a:p>
+                  </a:txBody>
+                  <a:tcPr/>
+                </a:tc>
+              </a:tr>
+              <a:tr h="370840">
+                <a:tc>
+                  <a:txBody>
+                    <a:bodyPr/>
+                    <a:lstStyle/>
+                    <a:p>
+                      <a:pPr algn="ctr"/>
+                      <a:r>
+                        <a:rPr kumimoji="1" lang="en-US" altLang="ja-JP" sz="2000" smtClean="0"/>
+                        <a:t>100%</a:t>
+                      </a:r>
+                      <a:endParaRPr kumimoji="1" lang="ja-JP" altLang="en-US" sz="2000"/>
+                    </a:p>
+                  </a:txBody>
+                  <a:tcPr/>
+                </a:tc>
+                <a:tc>
+                  <a:txBody>
+                    <a:bodyPr/>
+                    <a:lstStyle/>
+                    <a:p>
+                      <a:pPr algn="ctr"/>
+                      <a:r>
+                        <a:rPr kumimoji="1" lang="en-US" altLang="ja-JP" sz="2000" smtClean="0"/>
+                        <a:t>65536</a:t>
+                      </a:r>
+                      <a:endParaRPr kumimoji="1" lang="ja-JP" altLang="en-US" sz="2000"/>
+                    </a:p>
+                  </a:txBody>
+                  <a:tcPr/>
+                </a:tc>
+              </a:tr>
+            </a:tbl>
+          </a:graphicData>
+        </a:graphic>
+      </p:graphicFrame>
+    </p:spTree>
+    <p:extLst>
+      <p:ext uri="{BB962C8B-B14F-4D97-AF65-F5344CB8AC3E}">
+        <p14:creationId xmlns:p14="http://schemas.microsoft.com/office/powerpoint/2010/main" val="3193422726"/>
+      </p:ext>
+    </p:extLst>
+  </p:cSld>
+  <p:clrMapOvr>
+    <a:masterClrMapping/>
+  </p:clrMapOvr>
+  <p:timing>
+    <p:tnLst>
+      <p:par>
+        <p:cTn id="1" dur="indefinite" restart="never" nodeType="tmRoot"/>
+      </p:par>
+    </p:tnLst>
+  </p:timing>
+</p:sld>
+</file>
+
+<file path=ppt/slides/slide23.xml><?xml version="1.0" encoding="utf-8"?>
+<p:sld xmlns:a="http://schemas.openxmlformats.org/drawingml/2006/main" xmlns:r="http://schemas.openxmlformats.org/officeDocument/2006/relationships" xmlns:p="http://schemas.openxmlformats.org/presentationml/2006/main">
+  <p:cSld>
+    <p:spTree>
+      <p:nvGrpSpPr>
+        <p:cNvPr id="1" name=""/>
+        <p:cNvGrpSpPr/>
+        <p:nvPr/>
+      </p:nvGrpSpPr>
+      <p:grpSpPr>
+        <a:xfrm>
+          <a:off x="0" y="0"/>
+          <a:ext cx="0" cy="0"/>
+          <a:chOff x="0" y="0"/>
+          <a:chExt cx="0" cy="0"/>
+        </a:xfrm>
+      </p:grpSpPr>
+      <p:pic>
+        <p:nvPicPr>
+          <p:cNvPr id="9" name="図 8"/>
+          <p:cNvPicPr>
+            <a:picLocks noChangeAspect="1"/>
+          </p:cNvPicPr>
+          <p:nvPr/>
+        </p:nvPicPr>
+        <p:blipFill>
+          <a:blip r:embed="rId3"/>
+          <a:stretch>
+            <a:fillRect/>
+          </a:stretch>
+        </p:blipFill>
+        <p:spPr>
+          <a:xfrm>
+            <a:off x="0" y="-1"/>
+            <a:ext cx="9161610" cy="6046237"/>
+          </a:xfrm>
+          <a:prstGeom prst="rect">
+            <a:avLst/>
+          </a:prstGeom>
+        </p:spPr>
+      </p:pic>
+      <p:sp>
+        <p:nvSpPr>
+          <p:cNvPr id="11" name="正方形/長方形 10"/>
+          <p:cNvSpPr/>
+          <p:nvPr/>
+        </p:nvSpPr>
+        <p:spPr>
+          <a:xfrm>
+            <a:off x="2030466" y="6242181"/>
+            <a:ext cx="6997960" cy="369332"/>
+          </a:xfrm>
+          <a:prstGeom prst="rect">
+            <a:avLst/>
+          </a:prstGeom>
+        </p:spPr>
+        <p:txBody>
+          <a:bodyPr wrap="square">
+            <a:spAutoFit/>
+          </a:bodyPr>
+          <a:lstStyle/>
+          <a:p>
+            <a:r>
+              <a:rPr lang="ja-JP" altLang="en-US" smtClean="0"/>
+              <a:t>「NMAP </a:t>
+            </a:r>
+            <a:r>
+              <a:rPr lang="ja-JP" altLang="en-US"/>
+              <a:t>NETWORK </a:t>
+            </a:r>
+            <a:r>
+              <a:rPr lang="ja-JP" altLang="en-US" smtClean="0"/>
+              <a:t>SCANNING」, </a:t>
+            </a:r>
+            <a:r>
+              <a:rPr lang="ja-JP" altLang="en-US"/>
+              <a:t>Gordon "Fyodor" Lyon (</a:t>
+            </a:r>
+            <a:r>
+              <a:rPr lang="ja-JP" altLang="en-US"/>
+              <a:t>2008</a:t>
+            </a:r>
+            <a:r>
+              <a:rPr lang="ja-JP" altLang="en-US" smtClean="0"/>
+              <a:t>) より引用</a:t>
+            </a:r>
+            <a:endParaRPr lang="ja-JP" altLang="en-US"/>
+          </a:p>
+        </p:txBody>
+      </p:sp>
+      <p:graphicFrame>
+        <p:nvGraphicFramePr>
+          <p:cNvPr id="4" name="表 3"/>
+          <p:cNvGraphicFramePr>
+            <a:graphicFrameLocks noGrp="1"/>
+          </p:cNvGraphicFramePr>
+          <p:nvPr>
+            <p:extLst/>
+          </p:nvPr>
+        </p:nvGraphicFramePr>
+        <p:xfrm>
+          <a:off x="4848514" y="1394614"/>
+          <a:ext cx="3605021" cy="3078480"/>
+        </p:xfrm>
+        <a:graphic>
+          <a:graphicData uri="http://schemas.openxmlformats.org/drawingml/2006/table">
+            <a:tbl>
+              <a:tblPr firstRow="1" bandRow="1">
+                <a:effectLst>
+                  <a:outerShdw blurRad="50800" dist="38100" dir="2700000" algn="tl" rotWithShape="0">
+                    <a:prstClr val="black">
+                      <a:alpha val="40000"/>
+                    </a:prstClr>
+                  </a:outerShdw>
+                </a:effectLst>
+                <a:tableStyleId>{5C22544A-7EE6-4342-B048-85BDC9FD1C3A}</a:tableStyleId>
+              </a:tblPr>
+              <a:tblGrid>
+                <a:gridCol w="1486972"/>
+                <a:gridCol w="2118049"/>
+              </a:tblGrid>
+              <a:tr h="370840">
+                <a:tc>
+                  <a:txBody>
+                    <a:bodyPr/>
+                    <a:lstStyle/>
+                    <a:p>
+                      <a:pPr algn="ctr"/>
+                      <a:r>
+                        <a:rPr kumimoji="1" lang="ja-JP" altLang="en-US" sz="2000" smtClean="0"/>
+                        <a:t>カバレッジ</a:t>
+                      </a:r>
+                      <a:endParaRPr kumimoji="1" lang="ja-JP" altLang="en-US" sz="2000"/>
+                    </a:p>
+                  </a:txBody>
+                  <a:tcPr anchor="ctr"/>
+                </a:tc>
+                <a:tc>
+                  <a:txBody>
+                    <a:bodyPr/>
+                    <a:lstStyle/>
+                    <a:p>
+                      <a:pPr algn="ctr"/>
+                      <a:r>
+                        <a:rPr kumimoji="1" lang="ja-JP" altLang="en-US" sz="2000" smtClean="0"/>
+                        <a:t>スキャンする</a:t>
+                      </a:r>
+                      <a:endParaRPr kumimoji="1" lang="en-US" altLang="ja-JP" sz="2000" smtClean="0"/>
+                    </a:p>
+                    <a:p>
+                      <a:pPr algn="ctr"/>
+                      <a:r>
+                        <a:rPr kumimoji="1" lang="en-US" altLang="ja-JP" sz="2000" smtClean="0"/>
+                        <a:t>TCP</a:t>
+                      </a:r>
+                      <a:r>
+                        <a:rPr kumimoji="1" lang="ja-JP" altLang="en-US" sz="2000" smtClean="0"/>
+                        <a:t>ポート数</a:t>
+                      </a:r>
+                      <a:endParaRPr kumimoji="1" lang="ja-JP" altLang="en-US" sz="2000"/>
+                    </a:p>
+                  </a:txBody>
+                  <a:tcPr/>
+                </a:tc>
+              </a:tr>
+              <a:tr h="370840">
+                <a:tc>
+                  <a:txBody>
+                    <a:bodyPr/>
+                    <a:lstStyle/>
+                    <a:p>
+                      <a:pPr algn="ctr"/>
+                      <a:r>
+                        <a:rPr kumimoji="1" lang="en-US" altLang="ja-JP" sz="2000" smtClean="0"/>
+                        <a:t>50%</a:t>
+                      </a:r>
+                      <a:endParaRPr kumimoji="1" lang="ja-JP" altLang="en-US" sz="2000"/>
+                    </a:p>
+                  </a:txBody>
+                  <a:tcPr/>
+                </a:tc>
+                <a:tc>
+                  <a:txBody>
+                    <a:bodyPr/>
+                    <a:lstStyle/>
+                    <a:p>
+                      <a:pPr algn="ctr"/>
+                      <a:r>
+                        <a:rPr kumimoji="1" lang="en-US" altLang="ja-JP" sz="2000" smtClean="0"/>
+                        <a:t>10</a:t>
+                      </a:r>
+                      <a:endParaRPr kumimoji="1" lang="ja-JP" altLang="en-US" sz="2000"/>
+                    </a:p>
+                  </a:txBody>
+                  <a:tcPr/>
+                </a:tc>
+              </a:tr>
+              <a:tr h="370840">
+                <a:tc>
+                  <a:txBody>
+                    <a:bodyPr/>
+                    <a:lstStyle/>
+                    <a:p>
+                      <a:pPr algn="ctr"/>
+                      <a:r>
+                        <a:rPr kumimoji="1" lang="en-US" altLang="ja-JP" sz="2000" smtClean="0"/>
+                        <a:t>70%</a:t>
+                      </a:r>
+                      <a:endParaRPr kumimoji="1" lang="ja-JP" altLang="en-US" sz="2000"/>
+                    </a:p>
+                  </a:txBody>
+                  <a:tcPr/>
+                </a:tc>
+                <a:tc>
+                  <a:txBody>
+                    <a:bodyPr/>
+                    <a:lstStyle/>
+                    <a:p>
+                      <a:pPr algn="ctr"/>
+                      <a:r>
+                        <a:rPr kumimoji="1" lang="en-US" altLang="ja-JP" sz="2000" smtClean="0"/>
+                        <a:t>44</a:t>
+                      </a:r>
+                      <a:endParaRPr kumimoji="1" lang="ja-JP" altLang="en-US" sz="2000"/>
+                    </a:p>
+                  </a:txBody>
+                  <a:tcPr/>
+                </a:tc>
+              </a:tr>
+              <a:tr h="370840">
+                <a:tc>
+                  <a:txBody>
+                    <a:bodyPr/>
+                    <a:lstStyle/>
+                    <a:p>
+                      <a:pPr algn="ctr"/>
+                      <a:r>
+                        <a:rPr kumimoji="1" lang="en-US" altLang="ja-JP" sz="2000" smtClean="0"/>
+                        <a:t>80%</a:t>
+                      </a:r>
+                      <a:endParaRPr kumimoji="1" lang="ja-JP" altLang="en-US" sz="2000"/>
+                    </a:p>
+                  </a:txBody>
+                  <a:tcPr/>
+                </a:tc>
+                <a:tc>
+                  <a:txBody>
+                    <a:bodyPr/>
+                    <a:lstStyle/>
+                    <a:p>
+                      <a:pPr algn="ctr"/>
+                      <a:r>
+                        <a:rPr kumimoji="1" lang="en-US" altLang="ja-JP" sz="2000" smtClean="0"/>
+                        <a:t>122</a:t>
+                      </a:r>
+                      <a:endParaRPr kumimoji="1" lang="ja-JP" altLang="en-US" sz="2000"/>
+                    </a:p>
+                  </a:txBody>
+                  <a:tcPr/>
+                </a:tc>
+              </a:tr>
+              <a:tr h="370840">
+                <a:tc>
+                  <a:txBody>
+                    <a:bodyPr/>
+                    <a:lstStyle/>
+                    <a:p>
+                      <a:pPr algn="ctr"/>
+                      <a:r>
+                        <a:rPr kumimoji="1" lang="en-US" altLang="ja-JP" sz="2000" smtClean="0"/>
+                        <a:t>90%</a:t>
+                      </a:r>
+                      <a:endParaRPr kumimoji="1" lang="ja-JP" altLang="en-US" sz="2000"/>
+                    </a:p>
+                  </a:txBody>
+                  <a:tcPr>
+                    <a:solidFill>
+                      <a:schemeClr val="accent1">
+                        <a:lumMod val="20000"/>
+                        <a:lumOff val="80000"/>
+                      </a:schemeClr>
+                    </a:solidFill>
+                  </a:tcPr>
+                </a:tc>
+                <a:tc>
+                  <a:txBody>
+                    <a:bodyPr/>
+                    <a:lstStyle/>
+                    <a:p>
+                      <a:pPr algn="ctr"/>
+                      <a:r>
+                        <a:rPr kumimoji="1" lang="en-US" altLang="ja-JP" sz="2000" smtClean="0"/>
+                        <a:t>576</a:t>
+                      </a:r>
+                      <a:endParaRPr kumimoji="1" lang="ja-JP" altLang="en-US" sz="2000"/>
+                    </a:p>
+                  </a:txBody>
+                  <a:tcPr>
+                    <a:solidFill>
+                      <a:schemeClr val="accent1">
+                        <a:lumMod val="20000"/>
+                        <a:lumOff val="80000"/>
+                      </a:schemeClr>
+                    </a:solidFill>
+                  </a:tcPr>
+                </a:tc>
+              </a:tr>
+              <a:tr h="370840">
+                <a:tc>
+                  <a:txBody>
+                    <a:bodyPr/>
+                    <a:lstStyle/>
+                    <a:p>
+                      <a:pPr algn="ctr"/>
+                      <a:r>
+                        <a:rPr kumimoji="1" lang="en-US" altLang="ja-JP" sz="2000" smtClean="0"/>
+                        <a:t>99%</a:t>
+                      </a:r>
+                      <a:endParaRPr kumimoji="1" lang="ja-JP" altLang="en-US" sz="2000"/>
+                    </a:p>
+                  </a:txBody>
+                  <a:tcPr/>
+                </a:tc>
+                <a:tc>
+                  <a:txBody>
+                    <a:bodyPr/>
+                    <a:lstStyle/>
+                    <a:p>
+                      <a:pPr algn="ctr"/>
+                      <a:r>
+                        <a:rPr kumimoji="1" lang="en-US" altLang="ja-JP" sz="2000" smtClean="0"/>
+                        <a:t>3328</a:t>
+                      </a:r>
+                      <a:endParaRPr kumimoji="1" lang="ja-JP" altLang="en-US" sz="2000"/>
+                    </a:p>
+                  </a:txBody>
+                  <a:tcPr/>
+                </a:tc>
+              </a:tr>
+              <a:tr h="370840">
+                <a:tc>
+                  <a:txBody>
+                    <a:bodyPr/>
+                    <a:lstStyle/>
+                    <a:p>
+                      <a:pPr algn="ctr"/>
+                      <a:r>
+                        <a:rPr kumimoji="1" lang="en-US" altLang="ja-JP" sz="2000" smtClean="0"/>
+                        <a:t>100%</a:t>
+                      </a:r>
+                      <a:endParaRPr kumimoji="1" lang="ja-JP" altLang="en-US" sz="2000"/>
+                    </a:p>
+                  </a:txBody>
+                  <a:tcPr/>
+                </a:tc>
+                <a:tc>
+                  <a:txBody>
+                    <a:bodyPr/>
+                    <a:lstStyle/>
+                    <a:p>
+                      <a:pPr algn="ctr"/>
+                      <a:r>
+                        <a:rPr kumimoji="1" lang="en-US" altLang="ja-JP" sz="2000" smtClean="0"/>
+                        <a:t>65536</a:t>
+                      </a:r>
+                      <a:endParaRPr kumimoji="1" lang="ja-JP" altLang="en-US" sz="2000"/>
+                    </a:p>
+                  </a:txBody>
+                  <a:tcPr/>
+                </a:tc>
+              </a:tr>
+            </a:tbl>
+          </a:graphicData>
+        </a:graphic>
+      </p:graphicFrame>
+      <p:cxnSp>
+        <p:nvCxnSpPr>
+          <p:cNvPr id="5" name="直線矢印コネクタ 4"/>
+          <p:cNvCxnSpPr/>
+          <p:nvPr/>
+        </p:nvCxnSpPr>
+        <p:spPr>
+          <a:xfrm flipH="1" flipV="1">
+            <a:off x="1278294" y="2904987"/>
+            <a:ext cx="830073" cy="118130"/>
+          </a:xfrm>
+          <a:prstGeom prst="straightConnector1">
+            <a:avLst/>
+          </a:prstGeom>
+          <a:ln w="57150" cmpd="sng">
+            <a:solidFill>
+              <a:srgbClr val="FF0000"/>
+            </a:solidFill>
+            <a:tailEnd type="arrow"/>
+          </a:ln>
+        </p:spPr>
+        <p:style>
+          <a:lnRef idx="2">
+            <a:schemeClr val="accent1"/>
+          </a:lnRef>
+          <a:fillRef idx="0">
+            <a:schemeClr val="accent1"/>
+          </a:fillRef>
+          <a:effectRef idx="1">
+            <a:schemeClr val="accent1"/>
+          </a:effectRef>
+          <a:fontRef idx="minor">
+            <a:schemeClr val="tx1"/>
+          </a:fontRef>
+        </p:style>
+      </p:cxnSp>
+      <p:cxnSp>
+        <p:nvCxnSpPr>
+          <p:cNvPr id="7" name="直線矢印コネクタ 6"/>
+          <p:cNvCxnSpPr/>
+          <p:nvPr/>
+        </p:nvCxnSpPr>
+        <p:spPr>
+          <a:xfrm flipH="1" flipV="1">
+            <a:off x="2419739" y="1200595"/>
+            <a:ext cx="547396" cy="460254"/>
+          </a:xfrm>
+          <a:prstGeom prst="straightConnector1">
+            <a:avLst/>
+          </a:prstGeom>
+          <a:ln w="57150" cmpd="sng">
+            <a:solidFill>
+              <a:srgbClr val="FF0000"/>
+            </a:solidFill>
+            <a:tailEnd type="arrow"/>
+          </a:ln>
+        </p:spPr>
+        <p:style>
+          <a:lnRef idx="2">
+            <a:schemeClr val="accent1"/>
+          </a:lnRef>
+          <a:fillRef idx="0">
+            <a:schemeClr val="accent1"/>
+          </a:fillRef>
+          <a:effectRef idx="1">
+            <a:schemeClr val="accent1"/>
+          </a:effectRef>
+          <a:fontRef idx="minor">
+            <a:schemeClr val="tx1"/>
+          </a:fontRef>
+        </p:style>
+      </p:cxnSp>
+    </p:spTree>
+    <p:extLst>
+      <p:ext uri="{BB962C8B-B14F-4D97-AF65-F5344CB8AC3E}">
+        <p14:creationId xmlns:p14="http://schemas.microsoft.com/office/powerpoint/2010/main" val="142409682"/>
+      </p:ext>
+    </p:extLst>
+  </p:cSld>
+  <p:clrMapOvr>
+    <a:masterClrMapping/>
+  </p:clrMapOvr>
+  <p:timing>
+    <p:tnLst>
+      <p:par>
+        <p:cTn id="1" dur="indefinite" restart="never" nodeType="tmRoot"/>
+      </p:par>
+    </p:tnLst>
+  </p:timing>
+</p:sld>
+</file>
+
+<file path=ppt/slides/slide24.xml><?xml version="1.0" encoding="utf-8"?>
 <p:sld xmlns:a="http://schemas.openxmlformats.org/drawingml/2006/main" xmlns:r="http://schemas.openxmlformats.org/officeDocument/2006/relationships" xmlns:p="http://schemas.openxmlformats.org/presentationml/2006/main">
   <p:cSld>
     <p:spTree>
@@ -7614,8 +9285,8 @@
         </p:nvSpPr>
         <p:spPr>
           <a:xfrm>
-            <a:off x="679461" y="876843"/>
-            <a:ext cx="7299973" cy="923330"/>
+            <a:off x="1524850" y="963107"/>
+            <a:ext cx="7299973" cy="1754326"/>
           </a:xfrm>
           <a:prstGeom prst="rect">
             <a:avLst/>
@@ -7629,7 +9300,7 @@
           <a:lstStyle/>
           <a:p>
             <a:r>
-              <a:rPr lang="ja-JP" altLang="en-US" sz="5400" smtClean="0">
+              <a:rPr lang="en-US" altLang="ja-JP" sz="5400">
                 <a:ln>
                   <a:solidFill>
                     <a:schemeClr val="bg1">
@@ -7640,21 +9311,7 @@
                 <a:latin typeface="Tahoma" panose="020B0604030504040204" pitchFamily="34" charset="0"/>
                 <a:cs typeface="Tahoma" panose="020B0604030504040204" pitchFamily="34" charset="0"/>
               </a:rPr>
-              <a:t>科学忍法</a:t>
-            </a:r>
-            <a:r>
-              <a:rPr lang="ja-JP" altLang="en-US" sz="5400">
-                <a:ln>
-                  <a:solidFill>
-                    <a:schemeClr val="bg1">
-                      <a:lumMod val="50000"/>
-                    </a:schemeClr>
-                  </a:solidFill>
-                </a:ln>
-                <a:latin typeface="Tahoma" panose="020B0604030504040204" pitchFamily="34" charset="0"/>
-                <a:cs typeface="Tahoma" panose="020B0604030504040204" pitchFamily="34" charset="0"/>
-              </a:rPr>
-              <a:t>・</a:t>
+              <a:t>Religious </a:t>
             </a:r>
             <a:r>
               <a:rPr lang="en-US" altLang="ja-JP" sz="5400" smtClean="0">
@@ -7668,10 +9325,12 @@
                 <a:latin typeface="Tahoma" panose="020B0604030504040204" pitchFamily="34" charset="0"/>
                 <a:cs typeface="Tahoma" panose="020B0604030504040204" pitchFamily="34" charset="0"/>
               </a:rPr>
-              <a:t>ssh</a:t>
-            </a:r>
-            <a:r>
-              <a:rPr lang="ja-JP" altLang="en-US" sz="5400" smtClean="0">
+              <a:t>War:</a:t>
+            </a:r>
+          </a:p>
+          <a:p>
+            <a:r>
+              <a:rPr lang="en-US" altLang="ja-JP" sz="5400">
                 <a:ln>
                   <a:solidFill>
                     <a:schemeClr val="bg1">
@@ -7682,7 +9341,21 @@
                 <a:latin typeface="Tahoma" panose="020B0604030504040204" pitchFamily="34" charset="0"/>
                 <a:cs typeface="Tahoma" panose="020B0604030504040204" pitchFamily="34" charset="0"/>
               </a:rPr>
-              <a:t>分身の術</a:t>
+              <a:t> </a:t>
+            </a:r>
+            <a:r>
+              <a:rPr lang="en-US" altLang="ja-JP" sz="5400" smtClean="0">
+                <a:ln>
+                  <a:solidFill>
+                    <a:schemeClr val="bg1">
+                      <a:lumMod val="50000"/>
+                    </a:schemeClr>
+                  </a:solidFill>
+                </a:ln>
+                <a:latin typeface="Tahoma" panose="020B0604030504040204" pitchFamily="34" charset="0"/>
+                <a:cs typeface="Tahoma" panose="020B0604030504040204" pitchFamily="34" charset="0"/>
+              </a:rPr>
+              <a:t> SSH =&gt; 22/tcp?</a:t>
             </a:r>
             <a:endParaRPr lang="en-US" altLang="ja-JP" sz="5400">
               <a:ln>
@@ -7701,393 +9374,7 @@
     </p:spTree>
     <p:extLst>
       <p:ext uri="{BB962C8B-B14F-4D97-AF65-F5344CB8AC3E}">
-        <p14:creationId xmlns:p14="http://schemas.microsoft.com/office/powerpoint/2010/main" val="2142194488"/>
-      </p:ext>
-    </p:extLst>
-  </p:cSld>
-  <p:clrMapOvr>
-    <a:masterClrMapping/>
-  </p:clrMapOvr>
-  <p:timing>
-    <p:tnLst>
-      <p:par>
-        <p:cTn id="1" dur="indefinite" restart="never" nodeType="tmRoot"/>
-      </p:par>
-    </p:tnLst>
-  </p:timing>
-</p:sld>
-</file>
-
-<file path=ppt/slides/slide23.xml><?xml version="1.0" encoding="utf-8"?>
-<p:sld xmlns:a="http://schemas.openxmlformats.org/drawingml/2006/main" xmlns:r="http://schemas.openxmlformats.org/officeDocument/2006/relationships" xmlns:p="http://schemas.openxmlformats.org/presentationml/2006/main">
-  <p:cSld>
-    <p:spTree>
-      <p:nvGrpSpPr>
-        <p:cNvPr id="1" name=""/>
-        <p:cNvGrpSpPr/>
-        <p:nvPr/>
-      </p:nvGrpSpPr>
-      <p:grpSpPr>
-        <a:xfrm>
-          <a:off x="0" y="0"/>
-          <a:ext cx="0" cy="0"/>
-          <a:chOff x="0" y="0"/>
-          <a:chExt cx="0" cy="0"/>
-        </a:xfrm>
-      </p:grpSpPr>
-      <p:sp>
-        <p:nvSpPr>
-          <p:cNvPr id="4" name="正方形/長方形 3"/>
-          <p:cNvSpPr/>
-          <p:nvPr/>
-        </p:nvSpPr>
-        <p:spPr>
-          <a:xfrm>
-            <a:off x="224286" y="189781"/>
-            <a:ext cx="9144000" cy="6858000"/>
-          </a:xfrm>
-          <a:prstGeom prst="rect">
-            <a:avLst/>
-          </a:prstGeom>
-        </p:spPr>
-        <p:style>
-          <a:lnRef idx="2">
-            <a:schemeClr val="accent1">
-              <a:shade val="50000"/>
-            </a:schemeClr>
-          </a:lnRef>
-          <a:fillRef idx="1">
-            <a:schemeClr val="accent1"/>
-          </a:fillRef>
-          <a:effectRef idx="0">
-            <a:schemeClr val="accent1"/>
-          </a:effectRef>
-          <a:fontRef idx="minor">
-            <a:schemeClr val="lt1"/>
-          </a:fontRef>
-        </p:style>
-        <p:txBody>
-          <a:bodyPr rtlCol="0" anchor="ctr"/>
-          <a:lstStyle/>
-          <a:p>
-            <a:r>
-              <a:rPr lang="en-US" altLang="ja-JP" sz="2400" smtClean="0">
-                <a:latin typeface="Consolas" panose="020B0609020204030204" pitchFamily="49" charset="0"/>
-                <a:cs typeface="Consolas" panose="020B0609020204030204" pitchFamily="49" charset="0"/>
-              </a:rPr>
-              <a:t>PORT     </a:t>
-            </a:r>
-            <a:r>
-              <a:rPr lang="en-US" altLang="ja-JP" sz="2400">
-                <a:latin typeface="Consolas" panose="020B0609020204030204" pitchFamily="49" charset="0"/>
-                <a:cs typeface="Consolas" panose="020B0609020204030204" pitchFamily="49" charset="0"/>
-              </a:rPr>
-              <a:t>STATE SERVICE VERSION</a:t>
-            </a:r>
-          </a:p>
-          <a:p>
-            <a:r>
-              <a:rPr lang="en-US" altLang="ja-JP" sz="2400">
-                <a:latin typeface="Consolas" panose="020B0609020204030204" pitchFamily="49" charset="0"/>
-                <a:cs typeface="Consolas" panose="020B0609020204030204" pitchFamily="49" charset="0"/>
-              </a:rPr>
-              <a:t>22/tcp   open  ssh     OpenSSH 5.3 (protocol 2.0)</a:t>
-            </a:r>
-          </a:p>
-          <a:p>
-            <a:r>
-              <a:rPr lang="en-US" altLang="ja-JP" sz="2400">
-                <a:latin typeface="Consolas" panose="020B0609020204030204" pitchFamily="49" charset="0"/>
-                <a:cs typeface="Consolas" panose="020B0609020204030204" pitchFamily="49" charset="0"/>
-              </a:rPr>
-              <a:t>2200/tcp open  ssh     OpenSSH 5.3 (protocol 2.0)</a:t>
-            </a:r>
-          </a:p>
-          <a:p>
-            <a:r>
-              <a:rPr lang="en-US" altLang="ja-JP" sz="2400">
-                <a:latin typeface="Consolas" panose="020B0609020204030204" pitchFamily="49" charset="0"/>
-                <a:cs typeface="Consolas" panose="020B0609020204030204" pitchFamily="49" charset="0"/>
-              </a:rPr>
-              <a:t>2201/tcp open  ssh     OpenSSH 5.3 (protocol 2.0)</a:t>
-            </a:r>
-          </a:p>
-          <a:p>
-            <a:r>
-              <a:rPr lang="en-US" altLang="ja-JP" sz="2400">
-                <a:latin typeface="Consolas" panose="020B0609020204030204" pitchFamily="49" charset="0"/>
-                <a:cs typeface="Consolas" panose="020B0609020204030204" pitchFamily="49" charset="0"/>
-              </a:rPr>
-              <a:t>2202/tcp open  ssh     OpenSSH 5.3 (protocol 2.0)</a:t>
-            </a:r>
-          </a:p>
-          <a:p>
-            <a:r>
-              <a:rPr lang="en-US" altLang="ja-JP" sz="2400">
-                <a:latin typeface="Consolas" panose="020B0609020204030204" pitchFamily="49" charset="0"/>
-                <a:cs typeface="Consolas" panose="020B0609020204030204" pitchFamily="49" charset="0"/>
-              </a:rPr>
-              <a:t>2203/tcp open  ssh     OpenSSH 5.3 (protocol 2.0)</a:t>
-            </a:r>
-          </a:p>
-          <a:p>
-            <a:r>
-              <a:rPr lang="en-US" altLang="ja-JP" sz="2400">
-                <a:latin typeface="Consolas" panose="020B0609020204030204" pitchFamily="49" charset="0"/>
-                <a:cs typeface="Consolas" panose="020B0609020204030204" pitchFamily="49" charset="0"/>
-              </a:rPr>
-              <a:t>2204/tcp open  ssh     OpenSSH 5.3 (protocol 2.0)</a:t>
-            </a:r>
-          </a:p>
-          <a:p>
-            <a:r>
-              <a:rPr lang="en-US" altLang="ja-JP" sz="2400">
-                <a:latin typeface="Consolas" panose="020B0609020204030204" pitchFamily="49" charset="0"/>
-                <a:cs typeface="Consolas" panose="020B0609020204030204" pitchFamily="49" charset="0"/>
-              </a:rPr>
-              <a:t>2205/tcp open  ssh     OpenSSH 5.3 (protocol 2.0)</a:t>
-            </a:r>
-          </a:p>
-          <a:p>
-            <a:r>
-              <a:rPr lang="en-US" altLang="ja-JP" sz="2400">
-                <a:latin typeface="Consolas" panose="020B0609020204030204" pitchFamily="49" charset="0"/>
-                <a:cs typeface="Consolas" panose="020B0609020204030204" pitchFamily="49" charset="0"/>
-              </a:rPr>
-              <a:t>2206/tcp open  ssh     OpenSSH 5.3 (protocol 2.0)</a:t>
-            </a:r>
-          </a:p>
-          <a:p>
-            <a:r>
-              <a:rPr lang="en-US" altLang="ja-JP" sz="2400">
-                <a:latin typeface="Consolas" panose="020B0609020204030204" pitchFamily="49" charset="0"/>
-                <a:cs typeface="Consolas" panose="020B0609020204030204" pitchFamily="49" charset="0"/>
-              </a:rPr>
-              <a:t>2207/tcp open  ssh     OpenSSH 5.3 (protocol 2.0)</a:t>
-            </a:r>
-          </a:p>
-          <a:p>
-            <a:r>
-              <a:rPr lang="en-US" altLang="ja-JP" sz="2400">
-                <a:latin typeface="Consolas" panose="020B0609020204030204" pitchFamily="49" charset="0"/>
-                <a:cs typeface="Consolas" panose="020B0609020204030204" pitchFamily="49" charset="0"/>
-              </a:rPr>
-              <a:t>2208/tcp open  ssh     OpenSSH 5.3 (protocol 2.0)</a:t>
-            </a:r>
-          </a:p>
-          <a:p>
-            <a:r>
-              <a:rPr lang="en-US" altLang="ja-JP" sz="2400">
-                <a:latin typeface="Consolas" panose="020B0609020204030204" pitchFamily="49" charset="0"/>
-                <a:cs typeface="Consolas" panose="020B0609020204030204" pitchFamily="49" charset="0"/>
-              </a:rPr>
-              <a:t>2209/tcp open  ssh     OpenSSH 5.3 (protocol 2.0)</a:t>
-            </a:r>
-          </a:p>
-          <a:p>
-            <a:r>
-              <a:rPr lang="en-US" altLang="ja-JP" sz="2400">
-                <a:latin typeface="Consolas" panose="020B0609020204030204" pitchFamily="49" charset="0"/>
-                <a:cs typeface="Consolas" panose="020B0609020204030204" pitchFamily="49" charset="0"/>
-              </a:rPr>
-              <a:t>2210/tcp open  ssh     OpenSSH 5.3 (protocol 2.0)</a:t>
-            </a:r>
-          </a:p>
-          <a:p>
-            <a:r>
-              <a:rPr lang="en-US" altLang="ja-JP" sz="2400">
-                <a:latin typeface="Consolas" panose="020B0609020204030204" pitchFamily="49" charset="0"/>
-                <a:cs typeface="Consolas" panose="020B0609020204030204" pitchFamily="49" charset="0"/>
-              </a:rPr>
-              <a:t>2211/tcp open  ssh     OpenSSH 5.3 (protocol 2.0)</a:t>
-            </a:r>
-          </a:p>
-          <a:p>
-            <a:r>
-              <a:rPr lang="en-US" altLang="ja-JP" sz="2400">
-                <a:latin typeface="Consolas" panose="020B0609020204030204" pitchFamily="49" charset="0"/>
-                <a:cs typeface="Consolas" panose="020B0609020204030204" pitchFamily="49" charset="0"/>
-              </a:rPr>
-              <a:t>2212/tcp open  ssh     OpenSSH 5.3 (protocol 2.0)</a:t>
-            </a:r>
-          </a:p>
-          <a:p>
-            <a:r>
-              <a:rPr lang="en-US" altLang="ja-JP" sz="2400">
-                <a:latin typeface="Consolas" panose="020B0609020204030204" pitchFamily="49" charset="0"/>
-                <a:cs typeface="Consolas" panose="020B0609020204030204" pitchFamily="49" charset="0"/>
-              </a:rPr>
-              <a:t>2213/tcp open  ssh     OpenSSH 5.3 (protocol 2.0)</a:t>
-            </a:r>
-          </a:p>
-          <a:p>
-            <a:r>
-              <a:rPr lang="en-US" altLang="ja-JP" sz="2400">
-                <a:latin typeface="Consolas" panose="020B0609020204030204" pitchFamily="49" charset="0"/>
-                <a:cs typeface="Consolas" panose="020B0609020204030204" pitchFamily="49" charset="0"/>
-              </a:rPr>
-              <a:t>2214/tcp open  ssh     OpenSSH 5.3 (protocol 2.0)</a:t>
-            </a:r>
-          </a:p>
-          <a:p>
-            <a:r>
-              <a:rPr lang="en-US" altLang="ja-JP" sz="2400">
-                <a:latin typeface="Consolas" panose="020B0609020204030204" pitchFamily="49" charset="0"/>
-                <a:cs typeface="Consolas" panose="020B0609020204030204" pitchFamily="49" charset="0"/>
-              </a:rPr>
-              <a:t>2215/tcp open  ssh     OpenSSH 5.3 (protocol </a:t>
-            </a:r>
-            <a:r>
-              <a:rPr lang="en-US" altLang="ja-JP" sz="2400">
-                <a:latin typeface="Consolas" panose="020B0609020204030204" pitchFamily="49" charset="0"/>
-                <a:cs typeface="Consolas" panose="020B0609020204030204" pitchFamily="49" charset="0"/>
-              </a:rPr>
-              <a:t>2.0</a:t>
-            </a:r>
-            <a:r>
-              <a:rPr lang="en-US" altLang="ja-JP" sz="2400" smtClean="0">
-                <a:latin typeface="Consolas" panose="020B0609020204030204" pitchFamily="49" charset="0"/>
-                <a:cs typeface="Consolas" panose="020B0609020204030204" pitchFamily="49" charset="0"/>
-              </a:rPr>
-              <a:t>)</a:t>
-            </a:r>
-            <a:endParaRPr lang="en-US" altLang="ja-JP" sz="2400">
-              <a:latin typeface="Consolas" panose="020B0609020204030204" pitchFamily="49" charset="0"/>
-              <a:cs typeface="Consolas" panose="020B0609020204030204" pitchFamily="49" charset="0"/>
-            </a:endParaRPr>
-          </a:p>
-        </p:txBody>
-      </p:sp>
-    </p:spTree>
-    <p:extLst>
-      <p:ext uri="{BB962C8B-B14F-4D97-AF65-F5344CB8AC3E}">
-        <p14:creationId xmlns:p14="http://schemas.microsoft.com/office/powerpoint/2010/main" val="3529535026"/>
-      </p:ext>
-    </p:extLst>
-  </p:cSld>
-  <p:clrMapOvr>
-    <a:masterClrMapping/>
-  </p:clrMapOvr>
-  <p:timing>
-    <p:tnLst>
-      <p:par>
-        <p:cTn id="1" dur="indefinite" restart="never" nodeType="tmRoot"/>
-      </p:par>
-    </p:tnLst>
-  </p:timing>
-</p:sld>
-</file>
-
-<file path=ppt/slides/slide24.xml><?xml version="1.0" encoding="utf-8"?>
-<p:sld xmlns:a="http://schemas.openxmlformats.org/drawingml/2006/main" xmlns:r="http://schemas.openxmlformats.org/officeDocument/2006/relationships" xmlns:p="http://schemas.openxmlformats.org/presentationml/2006/main">
-  <p:cSld>
-    <p:spTree>
-      <p:nvGrpSpPr>
-        <p:cNvPr id="1" name=""/>
-        <p:cNvGrpSpPr/>
-        <p:nvPr/>
-      </p:nvGrpSpPr>
-      <p:grpSpPr>
-        <a:xfrm>
-          <a:off x="0" y="0"/>
-          <a:ext cx="0" cy="0"/>
-          <a:chOff x="0" y="0"/>
-          <a:chExt cx="0" cy="0"/>
-        </a:xfrm>
-      </p:grpSpPr>
-      <p:sp>
-        <p:nvSpPr>
-          <p:cNvPr id="6" name="角丸四角形 5"/>
-          <p:cNvSpPr/>
-          <p:nvPr/>
-        </p:nvSpPr>
-        <p:spPr>
-          <a:xfrm>
-            <a:off x="327805" y="327805"/>
-            <a:ext cx="5055079" cy="2760453"/>
-          </a:xfrm>
-          <a:prstGeom prst="roundRect">
-            <a:avLst/>
-          </a:prstGeom>
-          <a:solidFill>
-            <a:schemeClr val="accent5">
-              <a:lumMod val="50000"/>
-            </a:schemeClr>
-          </a:solidFill>
-        </p:spPr>
-        <p:style>
-          <a:lnRef idx="2">
-            <a:schemeClr val="accent1">
-              <a:shade val="50000"/>
-            </a:schemeClr>
-          </a:lnRef>
-          <a:fillRef idx="1">
-            <a:schemeClr val="accent1"/>
-          </a:fillRef>
-          <a:effectRef idx="0">
-            <a:schemeClr val="accent1"/>
-          </a:effectRef>
-          <a:fontRef idx="minor">
-            <a:schemeClr val="lt1"/>
-          </a:fontRef>
-        </p:style>
-        <p:txBody>
-          <a:bodyPr rtlCol="0" anchor="ctr"/>
-          <a:lstStyle/>
-          <a:p>
-            <a:pPr algn="ctr"/>
-            <a:r>
-              <a:rPr lang="ja-JP" altLang="en-US" sz="3600"/>
-              <a:t>「</a:t>
-            </a:r>
-            <a:r>
-              <a:rPr lang="ja-JP" altLang="en-US" sz="3600"/>
-              <a:t>ポートスキャン</a:t>
-            </a:r>
-            <a:r>
-              <a:rPr lang="ja-JP" altLang="en-US" sz="3600" smtClean="0"/>
-              <a:t>すれば一発で</a:t>
-            </a:r>
-            <a:r>
-              <a:rPr lang="en-US" altLang="ja-JP" sz="3600" smtClean="0"/>
-              <a:t>ssh</a:t>
-            </a:r>
-            <a:r>
-              <a:rPr lang="ja-JP" altLang="en-US" sz="3600"/>
-              <a:t>のポートは分かるんだからムダだよ」</a:t>
-            </a:r>
-            <a:endParaRPr kumimoji="1" lang="ja-JP" altLang="en-US" sz="3600"/>
-          </a:p>
-        </p:txBody>
-      </p:sp>
-      <p:pic>
-        <p:nvPicPr>
-          <p:cNvPr id="7" name="図 6"/>
-          <p:cNvPicPr>
-            <a:picLocks noChangeAspect="1"/>
-          </p:cNvPicPr>
-          <p:nvPr/>
-        </p:nvPicPr>
-        <p:blipFill>
-          <a:blip r:embed="rId2"/>
-          <a:stretch>
-            <a:fillRect/>
-          </a:stretch>
-        </p:blipFill>
-        <p:spPr>
-          <a:xfrm>
-            <a:off x="5581291" y="839535"/>
-            <a:ext cx="3278038" cy="5548023"/>
-          </a:xfrm>
-          <a:prstGeom prst="rect">
-            <a:avLst/>
-          </a:prstGeom>
-        </p:spPr>
-      </p:pic>
-    </p:spTree>
-    <p:extLst>
-      <p:ext uri="{BB962C8B-B14F-4D97-AF65-F5344CB8AC3E}">
-        <p14:creationId xmlns:p14="http://schemas.microsoft.com/office/powerpoint/2010/main" val="2399038984"/>
+        <p14:creationId xmlns:p14="http://schemas.microsoft.com/office/powerpoint/2010/main" val="2122976183"/>
       </p:ext>
     </p:extLst>
   </p:cSld>
@@ -8123,6 +9410,598 @@
       </p:grpSpPr>
       <p:sp>
         <p:nvSpPr>
+          <p:cNvPr id="2" name="タイトル 1"/>
+          <p:cNvSpPr>
+            <a:spLocks noGrp="1"/>
+          </p:cNvSpPr>
+          <p:nvPr>
+            <p:ph type="title"/>
+          </p:nvPr>
+        </p:nvSpPr>
+        <p:spPr/>
+        <p:txBody>
+          <a:bodyPr/>
+          <a:lstStyle/>
+          <a:p>
+            <a:r>
+              <a:rPr lang="en-US" altLang="ja-JP" smtClean="0"/>
+              <a:t>sshd </a:t>
+            </a:r>
+            <a:r>
+              <a:rPr lang="en-US" altLang="ja-JP" smtClean="0"/>
+              <a:t>shouldn't </a:t>
+            </a:r>
+            <a:r>
+              <a:rPr lang="en-US" altLang="ja-JP" smtClean="0"/>
+              <a:t>use 22/tcp?</a:t>
+            </a:r>
+            <a:endParaRPr kumimoji="1" lang="ja-JP" altLang="en-US"/>
+          </a:p>
+        </p:txBody>
+      </p:sp>
+      <p:sp>
+        <p:nvSpPr>
+          <p:cNvPr id="3" name="コンテンツ プレースホルダー 2"/>
+          <p:cNvSpPr>
+            <a:spLocks noGrp="1"/>
+          </p:cNvSpPr>
+          <p:nvPr>
+            <p:ph idx="1"/>
+          </p:nvPr>
+        </p:nvSpPr>
+        <p:spPr/>
+        <p:txBody>
+          <a:bodyPr/>
+          <a:lstStyle/>
+          <a:p>
+            <a:r>
+              <a:rPr kumimoji="1" lang="ja-JP" altLang="en-US" smtClean="0"/>
+              <a:t>変えるべき派</a:t>
+            </a:r>
+            <a:endParaRPr kumimoji="1" lang="en-US" altLang="ja-JP" smtClean="0"/>
+          </a:p>
+          <a:p>
+            <a:pPr lvl="1"/>
+            <a:r>
+              <a:rPr lang="ja-JP" altLang="en-US" smtClean="0"/>
+              <a:t>攻撃</a:t>
+            </a:r>
+            <a:r>
+              <a:rPr lang="ja-JP" altLang="en-US"/>
+              <a:t>されにくい</a:t>
+            </a:r>
+            <a:r>
+              <a:rPr lang="ja-JP" altLang="en-US" smtClean="0"/>
+              <a:t>、攻撃</a:t>
+            </a:r>
+            <a:r>
+              <a:rPr lang="ja-JP" altLang="en-US"/>
+              <a:t>対象として選定</a:t>
+            </a:r>
+            <a:r>
+              <a:rPr lang="ja-JP" altLang="en-US" smtClean="0"/>
+              <a:t>されにくい</a:t>
+            </a:r>
+            <a:endParaRPr lang="en-US" altLang="ja-JP" smtClean="0"/>
+          </a:p>
+          <a:p>
+            <a:pPr lvl="1"/>
+            <a:r>
+              <a:rPr lang="ja-JP" altLang="en-US"/>
+              <a:t>ログ監視などしている際、劇的にアタックログが減るからやった方が</a:t>
+            </a:r>
+            <a:r>
+              <a:rPr lang="ja-JP" altLang="en-US" smtClean="0"/>
+              <a:t>良い</a:t>
+            </a:r>
+            <a:endParaRPr lang="en-US" altLang="ja-JP" smtClean="0"/>
+          </a:p>
+          <a:p>
+            <a:pPr lvl="1"/>
+            <a:r>
+              <a:rPr lang="ja-JP" altLang="en-US"/>
+              <a:t>多くのドキュメントで変えることが推奨されているから変えたほうがいい</a:t>
+            </a:r>
+            <a:r>
+              <a:rPr lang="en-US" altLang="ja-JP"/>
+              <a:t>(</a:t>
+            </a:r>
+            <a:r>
+              <a:rPr lang="ja-JP" altLang="en-US"/>
+              <a:t>消極的派</a:t>
+            </a:r>
+            <a:r>
+              <a:rPr lang="en-US" altLang="ja-JP"/>
+              <a:t>)</a:t>
+            </a:r>
+            <a:endParaRPr kumimoji="1" lang="ja-JP" altLang="en-US"/>
+          </a:p>
+        </p:txBody>
+      </p:sp>
+    </p:spTree>
+    <p:extLst>
+      <p:ext uri="{BB962C8B-B14F-4D97-AF65-F5344CB8AC3E}">
+        <p14:creationId xmlns:p14="http://schemas.microsoft.com/office/powerpoint/2010/main" val="3575517561"/>
+      </p:ext>
+    </p:extLst>
+  </p:cSld>
+  <p:clrMapOvr>
+    <a:masterClrMapping/>
+  </p:clrMapOvr>
+  <p:timing>
+    <p:tnLst>
+      <p:par>
+        <p:cTn id="1" dur="indefinite" restart="never" nodeType="tmRoot"/>
+      </p:par>
+    </p:tnLst>
+  </p:timing>
+</p:sld>
+</file>
+
+<file path=ppt/slides/slide26.xml><?xml version="1.0" encoding="utf-8"?>
+<p:sld xmlns:a="http://schemas.openxmlformats.org/drawingml/2006/main" xmlns:r="http://schemas.openxmlformats.org/officeDocument/2006/relationships" xmlns:p="http://schemas.openxmlformats.org/presentationml/2006/main">
+  <p:cSld>
+    <p:spTree>
+      <p:nvGrpSpPr>
+        <p:cNvPr id="1" name=""/>
+        <p:cNvGrpSpPr/>
+        <p:nvPr/>
+      </p:nvGrpSpPr>
+      <p:grpSpPr>
+        <a:xfrm>
+          <a:off x="0" y="0"/>
+          <a:ext cx="0" cy="0"/>
+          <a:chOff x="0" y="0"/>
+          <a:chExt cx="0" cy="0"/>
+        </a:xfrm>
+      </p:grpSpPr>
+      <p:sp>
+        <p:nvSpPr>
+          <p:cNvPr id="2" name="タイトル 1"/>
+          <p:cNvSpPr>
+            <a:spLocks noGrp="1"/>
+          </p:cNvSpPr>
+          <p:nvPr>
+            <p:ph type="title"/>
+          </p:nvPr>
+        </p:nvSpPr>
+        <p:spPr/>
+        <p:txBody>
+          <a:bodyPr/>
+          <a:lstStyle/>
+          <a:p>
+            <a:r>
+              <a:rPr lang="en-US" altLang="ja-JP" smtClean="0"/>
+              <a:t>sshd </a:t>
+            </a:r>
+            <a:r>
+              <a:rPr lang="en-US" altLang="ja-JP" smtClean="0"/>
+              <a:t>shouldn't </a:t>
+            </a:r>
+            <a:r>
+              <a:rPr lang="en-US" altLang="ja-JP" smtClean="0"/>
+              <a:t>use 22/tcp?</a:t>
+            </a:r>
+            <a:endParaRPr kumimoji="1" lang="ja-JP" altLang="en-US"/>
+          </a:p>
+        </p:txBody>
+      </p:sp>
+      <p:sp>
+        <p:nvSpPr>
+          <p:cNvPr id="3" name="コンテンツ プレースホルダー 2"/>
+          <p:cNvSpPr>
+            <a:spLocks noGrp="1"/>
+          </p:cNvSpPr>
+          <p:nvPr>
+            <p:ph idx="1"/>
+          </p:nvPr>
+        </p:nvSpPr>
+        <p:spPr/>
+        <p:txBody>
+          <a:bodyPr/>
+          <a:lstStyle/>
+          <a:p>
+            <a:r>
+              <a:rPr lang="ja-JP" altLang="en-US"/>
+              <a:t>変えても意味ないよ</a:t>
+            </a:r>
+            <a:r>
+              <a:rPr lang="ja-JP" altLang="en-US" smtClean="0"/>
+              <a:t>派</a:t>
+            </a:r>
+            <a:endParaRPr lang="en-US" altLang="ja-JP" smtClean="0"/>
+          </a:p>
+          <a:p>
+            <a:pPr lvl="1"/>
+            <a:r>
+              <a:rPr lang="ja-JP" altLang="en-US"/>
+              <a:t>ポートスキャンすれば一発で</a:t>
+            </a:r>
+            <a:r>
+              <a:rPr lang="en-US" altLang="ja-JP"/>
+              <a:t>ssh</a:t>
+            </a:r>
+            <a:r>
+              <a:rPr lang="ja-JP" altLang="en-US"/>
+              <a:t>のポートは分かるんだからムダだ</a:t>
+            </a:r>
+            <a:r>
+              <a:rPr lang="ja-JP" altLang="en-US" smtClean="0"/>
+              <a:t>よ</a:t>
+            </a:r>
+            <a:endParaRPr lang="en-US" altLang="ja-JP" smtClean="0"/>
+          </a:p>
+          <a:p>
+            <a:pPr lvl="1"/>
+            <a:r>
+              <a:rPr lang="ja-JP" altLang="en-US"/>
+              <a:t>ポートを変えるだけでセキュリティ対策しているつもりになっちゃうからダメだ</a:t>
+            </a:r>
+            <a:r>
+              <a:rPr lang="ja-JP" altLang="en-US" smtClean="0"/>
+              <a:t>よ</a:t>
+            </a:r>
+            <a:r>
+              <a:rPr lang="en-US" altLang="ja-JP" smtClean="0"/>
+              <a:t>(?)</a:t>
+            </a:r>
+            <a:endParaRPr kumimoji="1" lang="ja-JP" altLang="en-US"/>
+          </a:p>
+        </p:txBody>
+      </p:sp>
+    </p:spTree>
+    <p:extLst>
+      <p:ext uri="{BB962C8B-B14F-4D97-AF65-F5344CB8AC3E}">
+        <p14:creationId xmlns:p14="http://schemas.microsoft.com/office/powerpoint/2010/main" val="3571136695"/>
+      </p:ext>
+    </p:extLst>
+  </p:cSld>
+  <p:clrMapOvr>
+    <a:masterClrMapping/>
+  </p:clrMapOvr>
+  <p:timing>
+    <p:tnLst>
+      <p:par>
+        <p:cTn id="1" dur="indefinite" restart="never" nodeType="tmRoot"/>
+      </p:par>
+    </p:tnLst>
+  </p:timing>
+</p:sld>
+</file>
+
+<file path=ppt/slides/slide27.xml><?xml version="1.0" encoding="utf-8"?>
+<p:sld xmlns:a="http://schemas.openxmlformats.org/drawingml/2006/main" xmlns:r="http://schemas.openxmlformats.org/officeDocument/2006/relationships" xmlns:p="http://schemas.openxmlformats.org/presentationml/2006/main">
+  <p:cSld>
+    <p:spTree>
+      <p:nvGrpSpPr>
+        <p:cNvPr id="1" name=""/>
+        <p:cNvGrpSpPr/>
+        <p:nvPr/>
+      </p:nvGrpSpPr>
+      <p:grpSpPr>
+        <a:xfrm>
+          <a:off x="0" y="0"/>
+          <a:ext cx="0" cy="0"/>
+          <a:chOff x="0" y="0"/>
+          <a:chExt cx="0" cy="0"/>
+        </a:xfrm>
+      </p:grpSpPr>
+      <p:sp>
+        <p:nvSpPr>
+          <p:cNvPr id="2" name="タイトル 1"/>
+          <p:cNvSpPr>
+            <a:spLocks noGrp="1"/>
+          </p:cNvSpPr>
+          <p:nvPr>
+            <p:ph type="title"/>
+          </p:nvPr>
+        </p:nvSpPr>
+        <p:spPr/>
+        <p:txBody>
+          <a:bodyPr/>
+          <a:lstStyle/>
+          <a:p>
+            <a:r>
+              <a:rPr lang="en-US" altLang="ja-JP" smtClean="0"/>
+              <a:t>sshd </a:t>
+            </a:r>
+            <a:r>
+              <a:rPr lang="en-US" altLang="ja-JP" smtClean="0"/>
+              <a:t>shouldn't </a:t>
+            </a:r>
+            <a:r>
+              <a:rPr lang="en-US" altLang="ja-JP" smtClean="0"/>
+              <a:t>use 22/tcp?</a:t>
+            </a:r>
+            <a:endParaRPr kumimoji="1" lang="ja-JP" altLang="en-US"/>
+          </a:p>
+        </p:txBody>
+      </p:sp>
+      <p:sp>
+        <p:nvSpPr>
+          <p:cNvPr id="3" name="コンテンツ プレースホルダー 2"/>
+          <p:cNvSpPr>
+            <a:spLocks noGrp="1"/>
+          </p:cNvSpPr>
+          <p:nvPr>
+            <p:ph idx="1"/>
+          </p:nvPr>
+        </p:nvSpPr>
+        <p:spPr/>
+        <p:txBody>
+          <a:bodyPr/>
+          <a:lstStyle/>
+          <a:p>
+            <a:r>
+              <a:rPr lang="ja-JP" altLang="en-US"/>
+              <a:t>変えても意味ないよ</a:t>
+            </a:r>
+            <a:r>
+              <a:rPr lang="ja-JP" altLang="en-US" smtClean="0"/>
+              <a:t>派</a:t>
+            </a:r>
+            <a:endParaRPr lang="en-US" altLang="ja-JP" smtClean="0"/>
+          </a:p>
+          <a:p>
+            <a:pPr lvl="1"/>
+            <a:r>
+              <a:rPr lang="ja-JP" altLang="en-US" b="1">
+                <a:solidFill>
+                  <a:srgbClr val="FF0000"/>
+                </a:solidFill>
+              </a:rPr>
+              <a:t>ポートスキャンすれば一発で</a:t>
+            </a:r>
+            <a:r>
+              <a:rPr lang="en-US" altLang="ja-JP" b="1">
+                <a:solidFill>
+                  <a:srgbClr val="FF0000"/>
+                </a:solidFill>
+              </a:rPr>
+              <a:t>ssh</a:t>
+            </a:r>
+            <a:r>
+              <a:rPr lang="ja-JP" altLang="en-US" b="1">
+                <a:solidFill>
+                  <a:srgbClr val="FF0000"/>
+                </a:solidFill>
+              </a:rPr>
+              <a:t>のポートは分かるんだからムダだ</a:t>
+            </a:r>
+            <a:r>
+              <a:rPr lang="ja-JP" altLang="en-US" b="1" smtClean="0">
+                <a:solidFill>
+                  <a:srgbClr val="FF0000"/>
+                </a:solidFill>
+              </a:rPr>
+              <a:t>よ</a:t>
+            </a:r>
+            <a:endParaRPr lang="en-US" altLang="ja-JP" b="1" smtClean="0">
+              <a:solidFill>
+                <a:srgbClr val="FF0000"/>
+              </a:solidFill>
+            </a:endParaRPr>
+          </a:p>
+          <a:p>
+            <a:pPr lvl="1"/>
+            <a:r>
+              <a:rPr lang="ja-JP" altLang="en-US"/>
+              <a:t>ポートを変えるだけでセキュリティ対策しているつもりになっちゃうからダメだ</a:t>
+            </a:r>
+            <a:r>
+              <a:rPr lang="ja-JP" altLang="en-US" smtClean="0"/>
+              <a:t>よ</a:t>
+            </a:r>
+            <a:r>
+              <a:rPr lang="en-US" altLang="ja-JP" smtClean="0"/>
+              <a:t>(?)</a:t>
+            </a:r>
+            <a:endParaRPr kumimoji="1" lang="ja-JP" altLang="en-US"/>
+          </a:p>
+        </p:txBody>
+      </p:sp>
+    </p:spTree>
+    <p:extLst>
+      <p:ext uri="{BB962C8B-B14F-4D97-AF65-F5344CB8AC3E}">
+        <p14:creationId xmlns:p14="http://schemas.microsoft.com/office/powerpoint/2010/main" val="2554317840"/>
+      </p:ext>
+    </p:extLst>
+  </p:cSld>
+  <p:clrMapOvr>
+    <a:masterClrMapping/>
+  </p:clrMapOvr>
+  <p:timing>
+    <p:tnLst>
+      <p:par>
+        <p:cTn id="1" dur="indefinite" restart="never" nodeType="tmRoot"/>
+      </p:par>
+    </p:tnLst>
+  </p:timing>
+</p:sld>
+</file>
+
+<file path=ppt/slides/slide28.xml><?xml version="1.0" encoding="utf-8"?>
+<p:sld xmlns:a="http://schemas.openxmlformats.org/drawingml/2006/main" xmlns:r="http://schemas.openxmlformats.org/officeDocument/2006/relationships" xmlns:p="http://schemas.openxmlformats.org/presentationml/2006/main">
+  <p:cSld>
+    <p:spTree>
+      <p:nvGrpSpPr>
+        <p:cNvPr id="1" name=""/>
+        <p:cNvGrpSpPr/>
+        <p:nvPr/>
+      </p:nvGrpSpPr>
+      <p:grpSpPr>
+        <a:xfrm>
+          <a:off x="0" y="0"/>
+          <a:ext cx="0" cy="0"/>
+          <a:chOff x="0" y="0"/>
+          <a:chExt cx="0" cy="0"/>
+        </a:xfrm>
+      </p:grpSpPr>
+      <p:pic>
+        <p:nvPicPr>
+          <p:cNvPr id="4" name="図 3"/>
+          <p:cNvPicPr>
+            <a:picLocks noChangeAspect="1"/>
+          </p:cNvPicPr>
+          <p:nvPr/>
+        </p:nvPicPr>
+        <p:blipFill rotWithShape="1">
+          <a:blip r:embed="rId2" cstate="print">
+            <a:extLst>
+              <a:ext uri="{28A0092B-C50C-407E-A947-70E740481C1C}">
+                <a14:useLocalDpi xmlns:a14="http://schemas.microsoft.com/office/drawing/2010/main" val="0"/>
+              </a:ext>
+            </a:extLst>
+          </a:blip>
+          <a:srcRect/>
+          <a:stretch/>
+        </p:blipFill>
+        <p:spPr>
+          <a:xfrm>
+            <a:off x="11575" y="-115747"/>
+            <a:ext cx="9306046" cy="7106856"/>
+          </a:xfrm>
+          <a:prstGeom prst="rect">
+            <a:avLst/>
+          </a:prstGeom>
+          <a:effectLst>
+            <a:outerShdw blurRad="50800" dist="50800" dir="5400000" algn="ctr" rotWithShape="0">
+              <a:srgbClr val="000000"/>
+            </a:outerShdw>
+          </a:effectLst>
+        </p:spPr>
+      </p:pic>
+      <p:sp>
+        <p:nvSpPr>
+          <p:cNvPr id="5" name="テキスト ボックス 4"/>
+          <p:cNvSpPr txBox="1"/>
+          <p:nvPr/>
+        </p:nvSpPr>
+        <p:spPr>
+          <a:xfrm>
+            <a:off x="679461" y="876843"/>
+            <a:ext cx="7299973" cy="923330"/>
+          </a:xfrm>
+          <a:prstGeom prst="rect">
+            <a:avLst/>
+          </a:prstGeom>
+          <a:noFill/>
+        </p:spPr>
+        <p:txBody>
+          <a:bodyPr wrap="square" rtlCol="0">
+            <a:spAutoFit/>
+          </a:bodyPr>
+          <a:lstStyle/>
+          <a:p>
+            <a:r>
+              <a:rPr lang="ja-JP" altLang="en-US" sz="5400" smtClean="0">
+                <a:ln>
+                  <a:solidFill>
+                    <a:schemeClr val="bg1">
+                      <a:lumMod val="50000"/>
+                    </a:schemeClr>
+                  </a:solidFill>
+                </a:ln>
+                <a:latin typeface="Tahoma" panose="020B0604030504040204" pitchFamily="34" charset="0"/>
+                <a:cs typeface="Tahoma" panose="020B0604030504040204" pitchFamily="34" charset="0"/>
+              </a:rPr>
+              <a:t>科学忍法</a:t>
+            </a:r>
+            <a:r>
+              <a:rPr lang="ja-JP" altLang="en-US" sz="5400">
+                <a:ln>
+                  <a:solidFill>
+                    <a:schemeClr val="bg1">
+                      <a:lumMod val="50000"/>
+                    </a:schemeClr>
+                  </a:solidFill>
+                </a:ln>
+                <a:latin typeface="Tahoma" panose="020B0604030504040204" pitchFamily="34" charset="0"/>
+                <a:cs typeface="Tahoma" panose="020B0604030504040204" pitchFamily="34" charset="0"/>
+              </a:rPr>
+              <a:t>・</a:t>
+            </a:r>
+            <a:r>
+              <a:rPr lang="en-US" altLang="ja-JP" sz="5400" smtClean="0">
+                <a:ln>
+                  <a:solidFill>
+                    <a:schemeClr val="bg1">
+                      <a:lumMod val="50000"/>
+                    </a:schemeClr>
+                  </a:solidFill>
+                </a:ln>
+                <a:latin typeface="Tahoma" panose="020B0604030504040204" pitchFamily="34" charset="0"/>
+                <a:cs typeface="Tahoma" panose="020B0604030504040204" pitchFamily="34" charset="0"/>
+              </a:rPr>
+              <a:t>ssh</a:t>
+            </a:r>
+            <a:r>
+              <a:rPr lang="ja-JP" altLang="en-US" sz="5400" smtClean="0">
+                <a:ln>
+                  <a:solidFill>
+                    <a:schemeClr val="bg1">
+                      <a:lumMod val="50000"/>
+                    </a:schemeClr>
+                  </a:solidFill>
+                </a:ln>
+                <a:latin typeface="Tahoma" panose="020B0604030504040204" pitchFamily="34" charset="0"/>
+                <a:cs typeface="Tahoma" panose="020B0604030504040204" pitchFamily="34" charset="0"/>
+              </a:rPr>
+              <a:t>分身の術</a:t>
+            </a:r>
+            <a:endParaRPr lang="en-US" altLang="ja-JP" sz="5400">
+              <a:ln>
+                <a:solidFill>
+                  <a:schemeClr val="bg1">
+                    <a:lumMod val="50000"/>
+                  </a:schemeClr>
+                </a:solidFill>
+              </a:ln>
+              <a:latin typeface="Tahoma" panose="020B0604030504040204" pitchFamily="34" charset="0"/>
+              <a:cs typeface="Tahoma" panose="020B0604030504040204" pitchFamily="34" charset="0"/>
+            </a:endParaRPr>
+          </a:p>
+        </p:txBody>
+      </p:sp>
+    </p:spTree>
+    <p:extLst>
+      <p:ext uri="{BB962C8B-B14F-4D97-AF65-F5344CB8AC3E}">
+        <p14:creationId xmlns:p14="http://schemas.microsoft.com/office/powerpoint/2010/main" val="2142194488"/>
+      </p:ext>
+    </p:extLst>
+  </p:cSld>
+  <p:clrMapOvr>
+    <a:masterClrMapping/>
+  </p:clrMapOvr>
+  <p:timing>
+    <p:tnLst>
+      <p:par>
+        <p:cTn id="1" dur="indefinite" restart="never" nodeType="tmRoot"/>
+      </p:par>
+    </p:tnLst>
+  </p:timing>
+</p:sld>
+</file>
+
+<file path=ppt/slides/slide29.xml><?xml version="1.0" encoding="utf-8"?>
+<p:sld xmlns:a="http://schemas.openxmlformats.org/drawingml/2006/main" xmlns:r="http://schemas.openxmlformats.org/officeDocument/2006/relationships" xmlns:p="http://schemas.openxmlformats.org/presentationml/2006/main">
+  <p:cSld>
+    <p:spTree>
+      <p:nvGrpSpPr>
+        <p:cNvPr id="1" name=""/>
+        <p:cNvGrpSpPr/>
+        <p:nvPr/>
+      </p:nvGrpSpPr>
+      <p:grpSpPr>
+        <a:xfrm>
+          <a:off x="0" y="0"/>
+          <a:ext cx="0" cy="0"/>
+          <a:chOff x="0" y="0"/>
+          <a:chExt cx="0" cy="0"/>
+        </a:xfrm>
+      </p:grpSpPr>
+      <p:sp>
+        <p:nvSpPr>
           <p:cNvPr id="4" name="正方形/長方形 3"/>
           <p:cNvSpPr/>
           <p:nvPr/>
@@ -8135,6 +10014,11 @@
           <a:prstGeom prst="rect">
             <a:avLst/>
           </a:prstGeom>
+          <a:solidFill>
+            <a:schemeClr val="accent1">
+              <a:lumMod val="50000"/>
+            </a:schemeClr>
+          </a:solidFill>
         </p:spPr>
         <p:style>
           <a:lnRef idx="2">
@@ -8157,14 +10041,14 @@
           <a:lstStyle/>
           <a:p>
             <a:r>
-              <a:rPr lang="en-US" altLang="ja-JP" sz="2000" smtClean="0">
+              <a:rPr lang="en-US" altLang="ja-JP" sz="2400" smtClean="0">
                 <a:latin typeface="Consolas" panose="020B0609020204030204" pitchFamily="49" charset="0"/>
                 <a:cs typeface="Consolas" panose="020B0609020204030204" pitchFamily="49" charset="0"/>
               </a:rPr>
               <a:t>PORT     </a:t>
             </a:r>
             <a:r>
-              <a:rPr lang="en-US" altLang="ja-JP" sz="2000">
+              <a:rPr lang="en-US" altLang="ja-JP" sz="2400">
                 <a:latin typeface="Consolas" panose="020B0609020204030204" pitchFamily="49" charset="0"/>
                 <a:cs typeface="Consolas" panose="020B0609020204030204" pitchFamily="49" charset="0"/>
               </a:rPr>
@@ -8173,7 +10057,7 @@
           </a:p>
           <a:p>
             <a:r>
-              <a:rPr lang="en-US" altLang="ja-JP" sz="2000">
+              <a:rPr lang="en-US" altLang="ja-JP" sz="2400">
                 <a:latin typeface="Consolas" panose="020B0609020204030204" pitchFamily="49" charset="0"/>
                 <a:cs typeface="Consolas" panose="020B0609020204030204" pitchFamily="49" charset="0"/>
               </a:rPr>
@@ -8182,201 +10066,262 @@
           </a:p>
           <a:p>
             <a:r>
-              <a:rPr lang="en-US" altLang="ja-JP" sz="2000">
+              <a:rPr lang="en-US" altLang="ja-JP" sz="2400">
                 <a:latin typeface="Consolas" panose="020B0609020204030204" pitchFamily="49" charset="0"/>
                 <a:cs typeface="Consolas" panose="020B0609020204030204" pitchFamily="49" charset="0"/>
               </a:rPr>
-              <a:t>| ssh-hostkey: </a:t>
-            </a:r>
-          </a:p>
-          <a:p>
-            <a:r>
-              <a:rPr lang="en-US" altLang="ja-JP" sz="2000">
+              <a:t>2200/tcp open  ssh     OpenSSH 5.3 (protocol 2.0)</a:t>
+            </a:r>
+          </a:p>
+          <a:p>
+            <a:r>
+              <a:rPr lang="en-US" altLang="ja-JP" sz="2400">
                 <a:latin typeface="Consolas" panose="020B0609020204030204" pitchFamily="49" charset="0"/>
                 <a:cs typeface="Consolas" panose="020B0609020204030204" pitchFamily="49" charset="0"/>
               </a:rPr>
-              <a:t>|   1024 bc:92:50:82:82:bc:d0:ab:b8:a2:6f:34:bb:f7:fd:bd (DSA)</a:t>
-            </a:r>
-          </a:p>
-          <a:p>
-            <a:r>
-              <a:rPr lang="en-US" altLang="ja-JP" sz="2000">
+              <a:t>2201/tcp open  ssh     OpenSSH 5.3 (protocol 2.0)</a:t>
+            </a:r>
+          </a:p>
+          <a:p>
+            <a:r>
+              <a:rPr lang="en-US" altLang="ja-JP" sz="2400">
                 <a:latin typeface="Consolas" panose="020B0609020204030204" pitchFamily="49" charset="0"/>
                 <a:cs typeface="Consolas" panose="020B0609020204030204" pitchFamily="49" charset="0"/>
               </a:rPr>
-              <a:t>|_  2048 ea:63:6a:de:44:98:c3:c9:35:88:d7:e9:81:cc:f7:47 (RSA)</a:t>
-            </a:r>
-          </a:p>
-          <a:p>
-            <a:r>
-              <a:rPr lang="en-US" altLang="ja-JP" sz="2000">
+              <a:t>2202/tcp open  ssh     OpenSSH 5.3 (protocol 2.0)</a:t>
+            </a:r>
+          </a:p>
+          <a:p>
+            <a:r>
+              <a:rPr lang="en-US" altLang="ja-JP" sz="2400">
                 <a:latin typeface="Consolas" panose="020B0609020204030204" pitchFamily="49" charset="0"/>
                 <a:cs typeface="Consolas" panose="020B0609020204030204" pitchFamily="49" charset="0"/>
               </a:rPr>
-              <a:t>2200/tcp open  ssh     OpenSSH 5.3 (protocol 2.0)</a:t>
-            </a:r>
-          </a:p>
-          <a:p>
-            <a:r>
-              <a:rPr lang="en-US" altLang="ja-JP" sz="2000">
+              <a:t>2203/tcp open  ssh     OpenSSH 5.3 (protocol 2.0)</a:t>
+            </a:r>
+          </a:p>
+          <a:p>
+            <a:r>
+              <a:rPr lang="en-US" altLang="ja-JP" sz="2400">
                 <a:latin typeface="Consolas" panose="020B0609020204030204" pitchFamily="49" charset="0"/>
                 <a:cs typeface="Consolas" panose="020B0609020204030204" pitchFamily="49" charset="0"/>
               </a:rPr>
-              <a:t>| ssh-hostkey: </a:t>
-            </a:r>
-          </a:p>
-          <a:p>
-            <a:r>
-              <a:rPr lang="en-US" altLang="ja-JP" sz="2000">
+              <a:t>2204/tcp open  ssh     OpenSSH 5.3 (protocol 2.0)</a:t>
+            </a:r>
+          </a:p>
+          <a:p>
+            <a:r>
+              <a:rPr lang="en-US" altLang="ja-JP" sz="2400">
                 <a:latin typeface="Consolas" panose="020B0609020204030204" pitchFamily="49" charset="0"/>
                 <a:cs typeface="Consolas" panose="020B0609020204030204" pitchFamily="49" charset="0"/>
               </a:rPr>
-              <a:t>|   1024 bc:92:50:82:82:bc:d0:ab:b8:a2:6f:34:bb:f7:fd:bd (DSA)</a:t>
-            </a:r>
-          </a:p>
-          <a:p>
-            <a:r>
-              <a:rPr lang="en-US" altLang="ja-JP" sz="2000">
+              <a:t>2205/tcp open  ssh     OpenSSH 5.3 (protocol 2.0)</a:t>
+            </a:r>
+          </a:p>
+          <a:p>
+            <a:r>
+              <a:rPr lang="en-US" altLang="ja-JP" sz="2400">
                 <a:latin typeface="Consolas" panose="020B0609020204030204" pitchFamily="49" charset="0"/>
                 <a:cs typeface="Consolas" panose="020B0609020204030204" pitchFamily="49" charset="0"/>
               </a:rPr>
-              <a:t>|_  2048 ea:63:6a:de:44:98:c3:c9:35:88:d7:e9:81:cc:f7:47 (RSA)</a:t>
-            </a:r>
-          </a:p>
-          <a:p>
-            <a:r>
-              <a:rPr lang="en-US" altLang="ja-JP" sz="2000">
+              <a:t>2206/tcp open  ssh     OpenSSH 5.3 (protocol 2.0)</a:t>
+            </a:r>
+          </a:p>
+          <a:p>
+            <a:r>
+              <a:rPr lang="en-US" altLang="ja-JP" sz="2400">
                 <a:latin typeface="Consolas" panose="020B0609020204030204" pitchFamily="49" charset="0"/>
                 <a:cs typeface="Consolas" panose="020B0609020204030204" pitchFamily="49" charset="0"/>
               </a:rPr>
-              <a:t>2201/tcp open  ssh     OpenSSH 5.3 (protocol 2.0)</a:t>
-            </a:r>
-          </a:p>
-          <a:p>
-            <a:r>
-              <a:rPr lang="en-US" altLang="ja-JP" sz="2000">
+              <a:t>2207/tcp open  ssh     OpenSSH 5.3 (protocol 2.0)</a:t>
+            </a:r>
+          </a:p>
+          <a:p>
+            <a:r>
+              <a:rPr lang="en-US" altLang="ja-JP" sz="2400">
                 <a:latin typeface="Consolas" panose="020B0609020204030204" pitchFamily="49" charset="0"/>
                 <a:cs typeface="Consolas" panose="020B0609020204030204" pitchFamily="49" charset="0"/>
               </a:rPr>
-              <a:t>| ssh-hostkey: </a:t>
-            </a:r>
-          </a:p>
-          <a:p>
-            <a:r>
-              <a:rPr lang="en-US" altLang="ja-JP" sz="2000">
+              <a:t>2208/tcp open  ssh     OpenSSH 5.3 (protocol 2.0)</a:t>
+            </a:r>
+          </a:p>
+          <a:p>
+            <a:r>
+              <a:rPr lang="en-US" altLang="ja-JP" sz="2400">
                 <a:latin typeface="Consolas" panose="020B0609020204030204" pitchFamily="49" charset="0"/>
                 <a:cs typeface="Consolas" panose="020B0609020204030204" pitchFamily="49" charset="0"/>
               </a:rPr>
-              <a:t>|   1024 bc:92:50:82:82:bc:d0:ab:b8:a2:6f:34:bb:f7:fd:bd (DSA)</a:t>
-            </a:r>
-          </a:p>
-          <a:p>
-            <a:r>
-              <a:rPr lang="en-US" altLang="ja-JP" sz="2000">
+              <a:t>2209/tcp open  ssh     OpenSSH 5.3 (protocol 2.0)</a:t>
+            </a:r>
+          </a:p>
+          <a:p>
+            <a:r>
+              <a:rPr lang="en-US" altLang="ja-JP" sz="2400">
                 <a:latin typeface="Consolas" panose="020B0609020204030204" pitchFamily="49" charset="0"/>
                 <a:cs typeface="Consolas" panose="020B0609020204030204" pitchFamily="49" charset="0"/>
               </a:rPr>
-              <a:t>|_  2048 ea:63:6a:de:44:98:c3:c9:35:88:d7:e9:81:cc:f7:47 (RSA)</a:t>
-            </a:r>
-          </a:p>
-          <a:p>
-            <a:r>
-              <a:rPr lang="en-US" altLang="ja-JP" sz="2000">
+              <a:t>2210/tcp open  ssh     OpenSSH 5.3 (protocol 2.0)</a:t>
+            </a:r>
+          </a:p>
+          <a:p>
+            <a:r>
+              <a:rPr lang="en-US" altLang="ja-JP" sz="2400">
                 <a:latin typeface="Consolas" panose="020B0609020204030204" pitchFamily="49" charset="0"/>
                 <a:cs typeface="Consolas" panose="020B0609020204030204" pitchFamily="49" charset="0"/>
               </a:rPr>
-              <a:t>2202/tcp open  ssh     OpenSSH 5.3 (protocol 2.0)</a:t>
-            </a:r>
-          </a:p>
-          <a:p>
-            <a:r>
-              <a:rPr lang="en-US" altLang="ja-JP" sz="2000">
+              <a:t>2211/tcp open  ssh     OpenSSH 5.3 (protocol 2.0)</a:t>
+            </a:r>
+          </a:p>
+          <a:p>
+            <a:r>
+              <a:rPr lang="en-US" altLang="ja-JP" sz="2400">
                 <a:latin typeface="Consolas" panose="020B0609020204030204" pitchFamily="49" charset="0"/>
                 <a:cs typeface="Consolas" panose="020B0609020204030204" pitchFamily="49" charset="0"/>
               </a:rPr>
-              <a:t>| ssh-hostkey: </a:t>
-            </a:r>
-          </a:p>
-          <a:p>
-            <a:r>
-              <a:rPr lang="en-US" altLang="ja-JP" sz="2000">
+              <a:t>2212/tcp open  ssh     OpenSSH 5.3 (protocol 2.0)</a:t>
+            </a:r>
+          </a:p>
+          <a:p>
+            <a:r>
+              <a:rPr lang="en-US" altLang="ja-JP" sz="2400">
                 <a:latin typeface="Consolas" panose="020B0609020204030204" pitchFamily="49" charset="0"/>
                 <a:cs typeface="Consolas" panose="020B0609020204030204" pitchFamily="49" charset="0"/>
               </a:rPr>
-              <a:t>|   1024 bc:92:50:82:82:bc:d0:ab:b8:a2:6f:34:bb:f7:fd:bd (DSA)</a:t>
-            </a:r>
-          </a:p>
-          <a:p>
-            <a:r>
-              <a:rPr lang="en-US" altLang="ja-JP" sz="2000">
+              <a:t>2213/tcp open  ssh     OpenSSH 5.3 (protocol 2.0)</a:t>
+            </a:r>
+          </a:p>
+          <a:p>
+            <a:r>
+              <a:rPr lang="en-US" altLang="ja-JP" sz="2400">
                 <a:latin typeface="Consolas" panose="020B0609020204030204" pitchFamily="49" charset="0"/>
                 <a:cs typeface="Consolas" panose="020B0609020204030204" pitchFamily="49" charset="0"/>
               </a:rPr>
-              <a:t>|_  2048 ea:63:6a:de:44:98:c3:c9:35:88:d7:e9:81:cc:f7:47 (</a:t>
-            </a:r>
-            <a:r>
-              <a:rPr lang="en-US" altLang="ja-JP" sz="2000">
+              <a:t>2214/tcp open  ssh     OpenSSH 5.3 (protocol 2.0)</a:t>
+            </a:r>
+          </a:p>
+          <a:p>
+            <a:r>
+              <a:rPr lang="en-US" altLang="ja-JP" sz="2400">
                 <a:latin typeface="Consolas" panose="020B0609020204030204" pitchFamily="49" charset="0"/>
                 <a:cs typeface="Consolas" panose="020B0609020204030204" pitchFamily="49" charset="0"/>
               </a:rPr>
-              <a:t>RSA</a:t>
-            </a:r>
-            <a:r>
-              <a:rPr lang="en-US" altLang="ja-JP" sz="2000" smtClean="0">
+              <a:t>2215/tcp open  ssh     OpenSSH 5.3 (protocol 2.0</a:t>
+            </a:r>
+            <a:r>
+              <a:rPr lang="en-US" altLang="ja-JP" sz="2400" smtClean="0">
                 <a:latin typeface="Consolas" panose="020B0609020204030204" pitchFamily="49" charset="0"/>
                 <a:cs typeface="Consolas" panose="020B0609020204030204" pitchFamily="49" charset="0"/>
               </a:rPr>
               <a:t>)</a:t>
             </a:r>
-          </a:p>
-          <a:p>
-            <a:r>
-              <a:rPr lang="en-US" altLang="ja-JP" sz="2000" smtClean="0">
-                <a:latin typeface="Consolas" panose="020B0609020204030204" pitchFamily="49" charset="0"/>
-                <a:cs typeface="Consolas" panose="020B0609020204030204" pitchFamily="49" charset="0"/>
-              </a:rPr>
-              <a:t>2203/tcp open  ssh     OpenSSH 5.3 (protocol 2.0)</a:t>
-            </a:r>
-          </a:p>
-          <a:p>
-            <a:r>
-              <a:rPr lang="en-US" altLang="ja-JP" sz="2000" smtClean="0">
-                <a:latin typeface="Consolas" panose="020B0609020204030204" pitchFamily="49" charset="0"/>
-                <a:cs typeface="Consolas" panose="020B0609020204030204" pitchFamily="49" charset="0"/>
-              </a:rPr>
-              <a:t>| ssh-hostkey: </a:t>
-            </a:r>
-          </a:p>
-          <a:p>
-            <a:r>
-              <a:rPr lang="en-US" altLang="ja-JP" sz="2000" smtClean="0">
-                <a:latin typeface="Consolas" panose="020B0609020204030204" pitchFamily="49" charset="0"/>
-                <a:cs typeface="Consolas" panose="020B0609020204030204" pitchFamily="49" charset="0"/>
-              </a:rPr>
-              <a:t>|   1024 bc:92:50:82:82:bc:d0:ab:b8:a2:6f:34:bb:f7:fd:bd (DSA)</a:t>
-            </a:r>
-          </a:p>
-          <a:p>
-            <a:r>
-              <a:rPr lang="en-US" altLang="ja-JP" sz="2000" smtClean="0">
-                <a:latin typeface="Consolas" panose="020B0609020204030204" pitchFamily="49" charset="0"/>
-                <a:cs typeface="Consolas" panose="020B0609020204030204" pitchFamily="49" charset="0"/>
-              </a:rPr>
-              <a:t>|_  2048 ea:63:6a:de:44:98:c3:c9:35:88:d7:e9:81:cc:f7:47 (RSA)</a:t>
-            </a:r>
-          </a:p>
-          <a:p>
-            <a:endParaRPr kumimoji="1" lang="ja-JP" altLang="en-US" sz="2000">
+            <a:endParaRPr lang="en-US" altLang="ja-JP" sz="2400">
               <a:latin typeface="Consolas" panose="020B0609020204030204" pitchFamily="49" charset="0"/>
               <a:cs typeface="Consolas" panose="020B0609020204030204" pitchFamily="49" charset="0"/>
             </a:endParaRPr>
           </a:p>
         </p:txBody>
       </p:sp>
+      <p:sp>
+        <p:nvSpPr>
+          <p:cNvPr id="5" name="正方形/長方形 4"/>
+          <p:cNvSpPr/>
+          <p:nvPr/>
+        </p:nvSpPr>
+        <p:spPr>
+          <a:xfrm>
+            <a:off x="534836" y="1466230"/>
+            <a:ext cx="8609164" cy="673122"/>
+          </a:xfrm>
+          <a:prstGeom prst="rect">
+            <a:avLst/>
+          </a:prstGeom>
+          <a:solidFill>
+            <a:schemeClr val="accent2">
+              <a:lumMod val="50000"/>
+            </a:schemeClr>
+          </a:solidFill>
+          <a:ln w="28575" cmpd="sng">
+            <a:solidFill>
+              <a:schemeClr val="accent4">
+                <a:lumMod val="20000"/>
+                <a:lumOff val="80000"/>
+              </a:schemeClr>
+            </a:solidFill>
+          </a:ln>
+          <a:effectLst>
+            <a:glow rad="101600">
+              <a:schemeClr val="tx1">
+                <a:alpha val="22000"/>
+              </a:schemeClr>
+            </a:glow>
+            <a:outerShdw blurRad="50800" dist="38100" dir="2700000" algn="tl" rotWithShape="0">
+              <a:srgbClr val="000000">
+                <a:alpha val="43000"/>
+              </a:srgbClr>
+            </a:outerShdw>
+          </a:effectLst>
+        </p:spPr>
+        <p:style>
+          <a:lnRef idx="1">
+            <a:schemeClr val="accent1"/>
+          </a:lnRef>
+          <a:fillRef idx="3">
+            <a:schemeClr val="accent1"/>
+          </a:fillRef>
+          <a:effectRef idx="2">
+            <a:schemeClr val="accent1"/>
+          </a:effectRef>
+          <a:fontRef idx="minor">
+            <a:schemeClr val="lt1"/>
+          </a:fontRef>
+        </p:style>
+        <p:txBody>
+          <a:bodyPr rtlCol="0" anchor="ctr"/>
+          <a:lstStyle/>
+          <a:p>
+            <a:r>
+              <a:rPr lang="en-US" altLang="ja-JP" sz="3200" b="1" smtClean="0">
+                <a:solidFill>
+                  <a:schemeClr val="accent2">
+                    <a:lumMod val="20000"/>
+                    <a:lumOff val="80000"/>
+                  </a:schemeClr>
+                </a:solidFill>
+                <a:latin typeface="Consolas" panose="020B0609020204030204" pitchFamily="49" charset="0"/>
+                <a:cs typeface="Consolas" panose="020B0609020204030204" pitchFamily="49" charset="0"/>
+              </a:rPr>
+              <a:t> # nmap </a:t>
+            </a:r>
+            <a:r>
+              <a:rPr lang="en-US" altLang="ja-JP" sz="3200" b="1">
+                <a:solidFill>
+                  <a:schemeClr val="accent2">
+                    <a:lumMod val="20000"/>
+                    <a:lumOff val="80000"/>
+                  </a:schemeClr>
+                </a:solidFill>
+                <a:latin typeface="Consolas" panose="020B0609020204030204" pitchFamily="49" charset="0"/>
+                <a:cs typeface="Consolas" panose="020B0609020204030204" pitchFamily="49" charset="0"/>
+              </a:rPr>
+              <a:t>-sV -p0-65535 192.168.2.66</a:t>
+            </a:r>
+            <a:endParaRPr kumimoji="1" lang="ja-JP" altLang="en-US" sz="3200" b="1">
+              <a:solidFill>
+                <a:schemeClr val="accent2">
+                  <a:lumMod val="20000"/>
+                  <a:lumOff val="80000"/>
+                </a:schemeClr>
+              </a:solidFill>
+              <a:latin typeface="Consolas" panose="020B0609020204030204" pitchFamily="49" charset="0"/>
+              <a:cs typeface="Consolas" panose="020B0609020204030204" pitchFamily="49" charset="0"/>
+            </a:endParaRPr>
+          </a:p>
+        </p:txBody>
+      </p:sp>
     </p:spTree>
     <p:extLst>
       <p:ext uri="{BB962C8B-B14F-4D97-AF65-F5344CB8AC3E}">
-        <p14:creationId xmlns:p14="http://schemas.microsoft.com/office/powerpoint/2010/main" val="840825377"/>
+        <p14:creationId xmlns:p14="http://schemas.microsoft.com/office/powerpoint/2010/main" val="3529535026"/>
       </p:ext>
     </p:extLst>
   </p:cSld>
@@ -8445,7 +10390,9 @@
         </p:nvSpPr>
         <p:spPr/>
         <p:txBody>
-          <a:bodyPr/>
+          <a:bodyPr>
+            <a:normAutofit/>
+          </a:bodyPr>
           <a:lstStyle/>
           <a:p>
             <a:r>
@@ -8467,8 +10414,32 @@
           <a:p>
             <a:pPr lvl="1"/>
             <a:r>
-              <a:rPr lang="ja-JP" altLang="en-US" smtClean="0"/>
-              <a:t>ポートスキャン等を</a:t>
+              <a:rPr lang="ja-JP" altLang="en-US"/>
+              <a:t>セキュリティポリシをかいくぐって</a:t>
+            </a:r>
+            <a:r>
+              <a:rPr lang="ja-JP" altLang="en-US"/>
+              <a:t>通信</a:t>
+            </a:r>
+            <a:r>
+              <a:rPr lang="ja-JP" altLang="en-US" smtClean="0"/>
+              <a:t>するには</a:t>
+            </a:r>
+            <a:endParaRPr lang="en-US" altLang="ja-JP"/>
+          </a:p>
+          <a:p>
+            <a:pPr lvl="1"/>
+            <a:r>
+              <a:rPr lang="ja-JP" altLang="en-US" smtClean="0"/>
+              <a:t>ポートスキャン</a:t>
+            </a:r>
+            <a:r>
+              <a:rPr lang="en-US" altLang="ja-JP" smtClean="0"/>
+              <a:t>(nmap)</a:t>
+            </a:r>
+            <a:r>
+              <a:rPr lang="ja-JP" altLang="en-US" smtClean="0"/>
+              <a:t>を</a:t>
             </a:r>
             <a:r>
               <a:rPr lang="ja-JP" altLang="en-US"/>
@@ -8481,12 +10452,13 @@
             <a:endParaRPr lang="en-US" altLang="ja-JP" smtClean="0"/>
           </a:p>
           <a:p>
-            <a:pPr lvl="1"/>
-            <a:r>
-              <a:rPr kumimoji="1" lang="ja-JP" altLang="en-US" smtClean="0"/>
-              <a:t>セキュリティポリシをかいくぐって通信する</a:t>
-            </a:r>
-            <a:endParaRPr kumimoji="1" lang="en-US" altLang="ja-JP" smtClean="0"/>
+            <a:endParaRPr kumimoji="1" lang="en-US" altLang="ja-JP" b="1" smtClean="0">
+              <a:solidFill>
+                <a:schemeClr val="accent5">
+                  <a:lumMod val="75000"/>
+                </a:schemeClr>
+              </a:solidFill>
+            </a:endParaRPr>
           </a:p>
           <a:p>
             <a:r>
@@ -8497,7 +10469,17 @@
                   </a:schemeClr>
                 </a:solidFill>
               </a:rPr>
-              <a:t>防御側視点：</a:t>
+              <a:t>防御側</a:t>
+            </a:r>
+            <a:r>
+              <a:rPr kumimoji="1" lang="ja-JP" altLang="en-US" b="1" smtClean="0">
+                <a:solidFill>
+                  <a:schemeClr val="accent5">
+                    <a:lumMod val="75000"/>
+                  </a:schemeClr>
+                </a:solidFill>
+              </a:rPr>
+              <a:t>視点：</a:t>
             </a:r>
             <a:r>
               <a:rPr kumimoji="1" lang="ja-JP" altLang="en-US" smtClean="0"/>
@@ -8509,39 +10491,11 @@
             <a:pPr lvl="1"/>
             <a:r>
               <a:rPr lang="ja-JP" altLang="en-US" smtClean="0"/>
-              <a:t>リソースを隠す（開放ポートやホストの存在自体）</a:t>
-            </a:r>
-            <a:endParaRPr lang="en-US" altLang="ja-JP" smtClean="0"/>
-          </a:p>
-          <a:p>
-            <a:pPr lvl="1"/>
-            <a:r>
-              <a:rPr lang="ja-JP" altLang="en-US" smtClean="0"/>
-              <a:t>ソフトウェア</a:t>
-            </a:r>
-            <a:r>
-              <a:rPr lang="ja-JP" altLang="en-US"/>
-              <a:t>情報</a:t>
-            </a:r>
-            <a:r>
-              <a:rPr lang="ja-JP" altLang="en-US" smtClean="0"/>
-              <a:t>を隠す（バナー隠蔽、デバッグモードの</a:t>
-            </a:r>
-            <a:r>
-              <a:rPr lang="en-US" altLang="ja-JP" smtClean="0"/>
-              <a:t>OFF</a:t>
-            </a:r>
-            <a:r>
-              <a:rPr lang="ja-JP" altLang="en-US" smtClean="0"/>
-              <a:t>、エラーメッセージは寡黙に）</a:t>
-            </a:r>
-            <a:endParaRPr lang="en-US" altLang="ja-JP" smtClean="0"/>
-          </a:p>
-          <a:p>
-            <a:pPr lvl="1"/>
-            <a:r>
-              <a:rPr lang="ja-JP" altLang="en-US" smtClean="0"/>
-              <a:t>ホンモノの開放</a:t>
+              <a:t>ホンモノ</a:t>
+            </a:r>
+            <a:r>
+              <a:rPr lang="ja-JP" altLang="en-US" smtClean="0"/>
+              <a:t>の開放</a:t>
             </a:r>
             <a:r>
               <a:rPr lang="ja-JP" altLang="en-US"/>
@@ -8593,6 +10547,531 @@
     <p:extLst>
       <p:ext uri="{BB962C8B-B14F-4D97-AF65-F5344CB8AC3E}">
         <p14:creationId xmlns:p14="http://schemas.microsoft.com/office/powerpoint/2010/main" val="2790500367"/>
+      </p:ext>
+    </p:extLst>
+  </p:cSld>
+  <p:clrMapOvr>
+    <a:masterClrMapping/>
+  </p:clrMapOvr>
+  <p:timing>
+    <p:tnLst>
+      <p:par>
+        <p:cTn id="1" dur="indefinite" restart="never" nodeType="tmRoot"/>
+      </p:par>
+    </p:tnLst>
+  </p:timing>
+</p:sld>
+</file>
+
+<file path=ppt/slides/slide30.xml><?xml version="1.0" encoding="utf-8"?>
+<p:sld xmlns:a="http://schemas.openxmlformats.org/drawingml/2006/main" xmlns:r="http://schemas.openxmlformats.org/officeDocument/2006/relationships" xmlns:p="http://schemas.openxmlformats.org/presentationml/2006/main">
+  <p:cSld>
+    <p:spTree>
+      <p:nvGrpSpPr>
+        <p:cNvPr id="1" name=""/>
+        <p:cNvGrpSpPr/>
+        <p:nvPr/>
+      </p:nvGrpSpPr>
+      <p:grpSpPr>
+        <a:xfrm>
+          <a:off x="0" y="0"/>
+          <a:ext cx="0" cy="0"/>
+          <a:chOff x="0" y="0"/>
+          <a:chExt cx="0" cy="0"/>
+        </a:xfrm>
+      </p:grpSpPr>
+      <p:sp>
+        <p:nvSpPr>
+          <p:cNvPr id="6" name="角丸四角形 5"/>
+          <p:cNvSpPr/>
+          <p:nvPr/>
+        </p:nvSpPr>
+        <p:spPr>
+          <a:xfrm>
+            <a:off x="327805" y="327805"/>
+            <a:ext cx="5055079" cy="2760453"/>
+          </a:xfrm>
+          <a:prstGeom prst="roundRect">
+            <a:avLst/>
+          </a:prstGeom>
+          <a:solidFill>
+            <a:schemeClr val="accent5">
+              <a:lumMod val="50000"/>
+            </a:schemeClr>
+          </a:solidFill>
+        </p:spPr>
+        <p:style>
+          <a:lnRef idx="2">
+            <a:schemeClr val="accent1">
+              <a:shade val="50000"/>
+            </a:schemeClr>
+          </a:lnRef>
+          <a:fillRef idx="1">
+            <a:schemeClr val="accent1"/>
+          </a:fillRef>
+          <a:effectRef idx="0">
+            <a:schemeClr val="accent1"/>
+          </a:effectRef>
+          <a:fontRef idx="minor">
+            <a:schemeClr val="lt1"/>
+          </a:fontRef>
+        </p:style>
+        <p:txBody>
+          <a:bodyPr rtlCol="0" anchor="ctr"/>
+          <a:lstStyle/>
+          <a:p>
+            <a:pPr algn="ctr"/>
+            <a:r>
+              <a:rPr lang="ja-JP" altLang="en-US" sz="3600"/>
+              <a:t>「ポートスキャン</a:t>
+            </a:r>
+            <a:r>
+              <a:rPr lang="ja-JP" altLang="en-US" sz="3600" smtClean="0"/>
+              <a:t>すれば一発で</a:t>
+            </a:r>
+            <a:r>
+              <a:rPr lang="en-US" altLang="ja-JP" sz="3600" smtClean="0"/>
+              <a:t>ssh</a:t>
+            </a:r>
+            <a:r>
+              <a:rPr lang="ja-JP" altLang="en-US" sz="3600"/>
+              <a:t>のポートは分かるんだからムダだよ」</a:t>
+            </a:r>
+            <a:endParaRPr kumimoji="1" lang="ja-JP" altLang="en-US" sz="3600"/>
+          </a:p>
+        </p:txBody>
+      </p:sp>
+      <p:pic>
+        <p:nvPicPr>
+          <p:cNvPr id="7" name="図 6"/>
+          <p:cNvPicPr>
+            <a:picLocks noChangeAspect="1"/>
+          </p:cNvPicPr>
+          <p:nvPr/>
+        </p:nvPicPr>
+        <p:blipFill>
+          <a:blip r:embed="rId2"/>
+          <a:stretch>
+            <a:fillRect/>
+          </a:stretch>
+        </p:blipFill>
+        <p:spPr>
+          <a:xfrm>
+            <a:off x="5529531" y="736019"/>
+            <a:ext cx="3381555" cy="5723224"/>
+          </a:xfrm>
+          <a:prstGeom prst="rect">
+            <a:avLst/>
+          </a:prstGeom>
+        </p:spPr>
+      </p:pic>
+    </p:spTree>
+    <p:extLst>
+      <p:ext uri="{BB962C8B-B14F-4D97-AF65-F5344CB8AC3E}">
+        <p14:creationId xmlns:p14="http://schemas.microsoft.com/office/powerpoint/2010/main" val="2399038984"/>
+      </p:ext>
+    </p:extLst>
+  </p:cSld>
+  <p:clrMapOvr>
+    <a:masterClrMapping/>
+  </p:clrMapOvr>
+  <p:timing>
+    <p:tnLst>
+      <p:par>
+        <p:cTn id="1" dur="indefinite" restart="never" nodeType="tmRoot"/>
+      </p:par>
+    </p:tnLst>
+  </p:timing>
+</p:sld>
+</file>
+
+<file path=ppt/slides/slide31.xml><?xml version="1.0" encoding="utf-8"?>
+<p:sld xmlns:a="http://schemas.openxmlformats.org/drawingml/2006/main" xmlns:r="http://schemas.openxmlformats.org/officeDocument/2006/relationships" xmlns:p="http://schemas.openxmlformats.org/presentationml/2006/main">
+  <p:cSld>
+    <p:spTree>
+      <p:nvGrpSpPr>
+        <p:cNvPr id="1" name=""/>
+        <p:cNvGrpSpPr/>
+        <p:nvPr/>
+      </p:nvGrpSpPr>
+      <p:grpSpPr>
+        <a:xfrm>
+          <a:off x="0" y="0"/>
+          <a:ext cx="0" cy="0"/>
+          <a:chOff x="0" y="0"/>
+          <a:chExt cx="0" cy="0"/>
+        </a:xfrm>
+      </p:grpSpPr>
+      <p:sp>
+        <p:nvSpPr>
+          <p:cNvPr id="4" name="正方形/長方形 3"/>
+          <p:cNvSpPr/>
+          <p:nvPr/>
+        </p:nvSpPr>
+        <p:spPr>
+          <a:xfrm>
+            <a:off x="224286" y="189781"/>
+            <a:ext cx="9144000" cy="6858000"/>
+          </a:xfrm>
+          <a:prstGeom prst="rect">
+            <a:avLst/>
+          </a:prstGeom>
+        </p:spPr>
+        <p:style>
+          <a:lnRef idx="2">
+            <a:schemeClr val="accent1">
+              <a:shade val="50000"/>
+            </a:schemeClr>
+          </a:lnRef>
+          <a:fillRef idx="1">
+            <a:schemeClr val="accent1"/>
+          </a:fillRef>
+          <a:effectRef idx="0">
+            <a:schemeClr val="accent1"/>
+          </a:effectRef>
+          <a:fontRef idx="minor">
+            <a:schemeClr val="lt1"/>
+          </a:fontRef>
+        </p:style>
+        <p:txBody>
+          <a:bodyPr rtlCol="0" anchor="ctr"/>
+          <a:lstStyle/>
+          <a:p>
+            <a:r>
+              <a:rPr lang="en-US" altLang="ja-JP" sz="2000" smtClean="0">
+                <a:latin typeface="Consolas" panose="020B0609020204030204" pitchFamily="49" charset="0"/>
+                <a:cs typeface="Consolas" panose="020B0609020204030204" pitchFamily="49" charset="0"/>
+              </a:rPr>
+              <a:t>PORT     </a:t>
+            </a:r>
+            <a:r>
+              <a:rPr lang="en-US" altLang="ja-JP" sz="2000">
+                <a:latin typeface="Consolas" panose="020B0609020204030204" pitchFamily="49" charset="0"/>
+                <a:cs typeface="Consolas" panose="020B0609020204030204" pitchFamily="49" charset="0"/>
+              </a:rPr>
+              <a:t>STATE SERVICE VERSION</a:t>
+            </a:r>
+          </a:p>
+          <a:p>
+            <a:r>
+              <a:rPr lang="en-US" altLang="ja-JP" sz="2000">
+                <a:latin typeface="Consolas" panose="020B0609020204030204" pitchFamily="49" charset="0"/>
+                <a:cs typeface="Consolas" panose="020B0609020204030204" pitchFamily="49" charset="0"/>
+              </a:rPr>
+              <a:t>22/tcp   open  ssh     OpenSSH 5.3 (protocol 2.0)</a:t>
+            </a:r>
+          </a:p>
+          <a:p>
+            <a:r>
+              <a:rPr lang="en-US" altLang="ja-JP" sz="2000">
+                <a:latin typeface="Consolas" panose="020B0609020204030204" pitchFamily="49" charset="0"/>
+                <a:cs typeface="Consolas" panose="020B0609020204030204" pitchFamily="49" charset="0"/>
+              </a:rPr>
+              <a:t>| ssh-hostkey: </a:t>
+            </a:r>
+          </a:p>
+          <a:p>
+            <a:r>
+              <a:rPr lang="en-US" altLang="ja-JP" sz="2000">
+                <a:latin typeface="Consolas" panose="020B0609020204030204" pitchFamily="49" charset="0"/>
+                <a:cs typeface="Consolas" panose="020B0609020204030204" pitchFamily="49" charset="0"/>
+              </a:rPr>
+              <a:t>|   1024 bc:92:50:82:82:bc:d0:ab:b8:a2:6f:34:bb:f7:fd:bd (DSA)</a:t>
+            </a:r>
+          </a:p>
+          <a:p>
+            <a:r>
+              <a:rPr lang="en-US" altLang="ja-JP" sz="2000">
+                <a:latin typeface="Consolas" panose="020B0609020204030204" pitchFamily="49" charset="0"/>
+                <a:cs typeface="Consolas" panose="020B0609020204030204" pitchFamily="49" charset="0"/>
+              </a:rPr>
+              <a:t>|_  2048 ea:63:6a:de:44:98:c3:c9:35:88:d7:e9:81:cc:f7:47 (RSA)</a:t>
+            </a:r>
+          </a:p>
+          <a:p>
+            <a:r>
+              <a:rPr lang="en-US" altLang="ja-JP" sz="2000">
+                <a:latin typeface="Consolas" panose="020B0609020204030204" pitchFamily="49" charset="0"/>
+                <a:cs typeface="Consolas" panose="020B0609020204030204" pitchFamily="49" charset="0"/>
+              </a:rPr>
+              <a:t>2200/tcp open  ssh     OpenSSH 5.3 (protocol 2.0)</a:t>
+            </a:r>
+          </a:p>
+          <a:p>
+            <a:r>
+              <a:rPr lang="en-US" altLang="ja-JP" sz="2000">
+                <a:latin typeface="Consolas" panose="020B0609020204030204" pitchFamily="49" charset="0"/>
+                <a:cs typeface="Consolas" panose="020B0609020204030204" pitchFamily="49" charset="0"/>
+              </a:rPr>
+              <a:t>| ssh-hostkey: </a:t>
+            </a:r>
+          </a:p>
+          <a:p>
+            <a:r>
+              <a:rPr lang="en-US" altLang="ja-JP" sz="2000">
+                <a:latin typeface="Consolas" panose="020B0609020204030204" pitchFamily="49" charset="0"/>
+                <a:cs typeface="Consolas" panose="020B0609020204030204" pitchFamily="49" charset="0"/>
+              </a:rPr>
+              <a:t>|   1024 bc:92:50:82:82:bc:d0:ab:b8:a2:6f:34:bb:f7:fd:bd (DSA)</a:t>
+            </a:r>
+          </a:p>
+          <a:p>
+            <a:r>
+              <a:rPr lang="en-US" altLang="ja-JP" sz="2000">
+                <a:latin typeface="Consolas" panose="020B0609020204030204" pitchFamily="49" charset="0"/>
+                <a:cs typeface="Consolas" panose="020B0609020204030204" pitchFamily="49" charset="0"/>
+              </a:rPr>
+              <a:t>|_  2048 ea:63:6a:de:44:98:c3:c9:35:88:d7:e9:81:cc:f7:47 (RSA)</a:t>
+            </a:r>
+          </a:p>
+          <a:p>
+            <a:r>
+              <a:rPr lang="en-US" altLang="ja-JP" sz="2000">
+                <a:latin typeface="Consolas" panose="020B0609020204030204" pitchFamily="49" charset="0"/>
+                <a:cs typeface="Consolas" panose="020B0609020204030204" pitchFamily="49" charset="0"/>
+              </a:rPr>
+              <a:t>2201/tcp open  ssh     OpenSSH 5.3 (protocol 2.0)</a:t>
+            </a:r>
+          </a:p>
+          <a:p>
+            <a:r>
+              <a:rPr lang="en-US" altLang="ja-JP" sz="2000">
+                <a:latin typeface="Consolas" panose="020B0609020204030204" pitchFamily="49" charset="0"/>
+                <a:cs typeface="Consolas" panose="020B0609020204030204" pitchFamily="49" charset="0"/>
+              </a:rPr>
+              <a:t>| ssh-hostkey: </a:t>
+            </a:r>
+          </a:p>
+          <a:p>
+            <a:r>
+              <a:rPr lang="en-US" altLang="ja-JP" sz="2000">
+                <a:latin typeface="Consolas" panose="020B0609020204030204" pitchFamily="49" charset="0"/>
+                <a:cs typeface="Consolas" panose="020B0609020204030204" pitchFamily="49" charset="0"/>
+              </a:rPr>
+              <a:t>|   1024 bc:92:50:82:82:bc:d0:ab:b8:a2:6f:34:bb:f7:fd:bd (DSA)</a:t>
+            </a:r>
+          </a:p>
+          <a:p>
+            <a:r>
+              <a:rPr lang="en-US" altLang="ja-JP" sz="2000">
+                <a:latin typeface="Consolas" panose="020B0609020204030204" pitchFamily="49" charset="0"/>
+                <a:cs typeface="Consolas" panose="020B0609020204030204" pitchFamily="49" charset="0"/>
+              </a:rPr>
+              <a:t>|_  2048 ea:63:6a:de:44:98:c3:c9:35:88:d7:e9:81:cc:f7:47 (RSA)</a:t>
+            </a:r>
+          </a:p>
+          <a:p>
+            <a:r>
+              <a:rPr lang="en-US" altLang="ja-JP" sz="2000">
+                <a:latin typeface="Consolas" panose="020B0609020204030204" pitchFamily="49" charset="0"/>
+                <a:cs typeface="Consolas" panose="020B0609020204030204" pitchFamily="49" charset="0"/>
+              </a:rPr>
+              <a:t>2202/tcp open  ssh     OpenSSH 5.3 (protocol 2.0)</a:t>
+            </a:r>
+          </a:p>
+          <a:p>
+            <a:r>
+              <a:rPr lang="en-US" altLang="ja-JP" sz="2000">
+                <a:latin typeface="Consolas" panose="020B0609020204030204" pitchFamily="49" charset="0"/>
+                <a:cs typeface="Consolas" panose="020B0609020204030204" pitchFamily="49" charset="0"/>
+              </a:rPr>
+              <a:t>| ssh-hostkey: </a:t>
+            </a:r>
+          </a:p>
+          <a:p>
+            <a:r>
+              <a:rPr lang="en-US" altLang="ja-JP" sz="2000">
+                <a:latin typeface="Consolas" panose="020B0609020204030204" pitchFamily="49" charset="0"/>
+                <a:cs typeface="Consolas" panose="020B0609020204030204" pitchFamily="49" charset="0"/>
+              </a:rPr>
+              <a:t>|   1024 bc:92:50:82:82:bc:d0:ab:b8:a2:6f:34:bb:f7:fd:bd (DSA)</a:t>
+            </a:r>
+          </a:p>
+          <a:p>
+            <a:r>
+              <a:rPr lang="en-US" altLang="ja-JP" sz="2000">
+                <a:latin typeface="Consolas" panose="020B0609020204030204" pitchFamily="49" charset="0"/>
+                <a:cs typeface="Consolas" panose="020B0609020204030204" pitchFamily="49" charset="0"/>
+              </a:rPr>
+              <a:t>|_  2048 ea:63:6a:de:44:98:c3:c9:35:88:d7:e9:81:cc:f7:47 (RSA</a:t>
+            </a:r>
+            <a:r>
+              <a:rPr lang="en-US" altLang="ja-JP" sz="2000" smtClean="0">
+                <a:latin typeface="Consolas" panose="020B0609020204030204" pitchFamily="49" charset="0"/>
+                <a:cs typeface="Consolas" panose="020B0609020204030204" pitchFamily="49" charset="0"/>
+              </a:rPr>
+              <a:t>)</a:t>
+            </a:r>
+          </a:p>
+          <a:p>
+            <a:r>
+              <a:rPr lang="en-US" altLang="ja-JP" sz="2000" smtClean="0">
+                <a:latin typeface="Consolas" panose="020B0609020204030204" pitchFamily="49" charset="0"/>
+                <a:cs typeface="Consolas" panose="020B0609020204030204" pitchFamily="49" charset="0"/>
+              </a:rPr>
+              <a:t>2203/tcp open  ssh     OpenSSH 5.3 (protocol 2.0)</a:t>
+            </a:r>
+          </a:p>
+          <a:p>
+            <a:r>
+              <a:rPr lang="en-US" altLang="ja-JP" sz="2000" smtClean="0">
+                <a:latin typeface="Consolas" panose="020B0609020204030204" pitchFamily="49" charset="0"/>
+                <a:cs typeface="Consolas" panose="020B0609020204030204" pitchFamily="49" charset="0"/>
+              </a:rPr>
+              <a:t>| ssh-hostkey: </a:t>
+            </a:r>
+          </a:p>
+          <a:p>
+            <a:r>
+              <a:rPr lang="en-US" altLang="ja-JP" sz="2000" smtClean="0">
+                <a:latin typeface="Consolas" panose="020B0609020204030204" pitchFamily="49" charset="0"/>
+                <a:cs typeface="Consolas" panose="020B0609020204030204" pitchFamily="49" charset="0"/>
+              </a:rPr>
+              <a:t>|   1024 bc:92:50:82:82:bc:d0:ab:b8:a2:6f:34:bb:f7:fd:bd (DSA)</a:t>
+            </a:r>
+          </a:p>
+          <a:p>
+            <a:r>
+              <a:rPr lang="en-US" altLang="ja-JP" sz="2000" smtClean="0">
+                <a:latin typeface="Consolas" panose="020B0609020204030204" pitchFamily="49" charset="0"/>
+                <a:cs typeface="Consolas" panose="020B0609020204030204" pitchFamily="49" charset="0"/>
+              </a:rPr>
+              <a:t>|_  2048 ea:63:6a:de:44:98:c3:c9:35:88:d7:e9:81:cc:f7:47 (RSA)</a:t>
+            </a:r>
+          </a:p>
+          <a:p>
+            <a:endParaRPr kumimoji="1" lang="ja-JP" altLang="en-US" sz="2000">
+              <a:latin typeface="Consolas" panose="020B0609020204030204" pitchFamily="49" charset="0"/>
+              <a:cs typeface="Consolas" panose="020B0609020204030204" pitchFamily="49" charset="0"/>
+            </a:endParaRPr>
+          </a:p>
+        </p:txBody>
+      </p:sp>
+    </p:spTree>
+    <p:extLst>
+      <p:ext uri="{BB962C8B-B14F-4D97-AF65-F5344CB8AC3E}">
+        <p14:creationId xmlns:p14="http://schemas.microsoft.com/office/powerpoint/2010/main" val="840825377"/>
+      </p:ext>
+    </p:extLst>
+  </p:cSld>
+  <p:clrMapOvr>
+    <a:masterClrMapping/>
+  </p:clrMapOvr>
+  <p:timing>
+    <p:tnLst>
+      <p:par>
+        <p:cTn id="1" dur="indefinite" restart="never" nodeType="tmRoot"/>
+      </p:par>
+    </p:tnLst>
+  </p:timing>
+</p:sld>
+</file>
+
+<file path=ppt/slides/slide32.xml><?xml version="1.0" encoding="utf-8"?>
+<p:sld xmlns:a="http://schemas.openxmlformats.org/drawingml/2006/main" xmlns:r="http://schemas.openxmlformats.org/officeDocument/2006/relationships" xmlns:p="http://schemas.openxmlformats.org/presentationml/2006/main">
+  <p:cSld>
+    <p:spTree>
+      <p:nvGrpSpPr>
+        <p:cNvPr id="1" name=""/>
+        <p:cNvGrpSpPr/>
+        <p:nvPr/>
+      </p:nvGrpSpPr>
+      <p:grpSpPr>
+        <a:xfrm>
+          <a:off x="0" y="0"/>
+          <a:ext cx="0" cy="0"/>
+          <a:chOff x="0" y="0"/>
+          <a:chExt cx="0" cy="0"/>
+        </a:xfrm>
+      </p:grpSpPr>
+      <p:sp>
+        <p:nvSpPr>
+          <p:cNvPr id="2" name="タイトル 1"/>
+          <p:cNvSpPr>
+            <a:spLocks noGrp="1"/>
+          </p:cNvSpPr>
+          <p:nvPr>
+            <p:ph type="title"/>
+          </p:nvPr>
+        </p:nvSpPr>
+        <p:spPr>
+          <a:xfrm>
+            <a:off x="128317" y="149470"/>
+            <a:ext cx="8454965" cy="1075482"/>
+          </a:xfrm>
+        </p:spPr>
+        <p:txBody>
+          <a:bodyPr>
+            <a:normAutofit/>
+          </a:bodyPr>
+          <a:lstStyle/>
+          <a:p>
+            <a:r>
+              <a:rPr kumimoji="1" lang="ja-JP" altLang="en-US" sz="2800" smtClean="0"/>
+              <a:t>宣伝： </a:t>
+            </a:r>
+            <a:r>
+              <a:rPr lang="ja-JP" altLang="en-US" sz="2800" smtClean="0"/>
+              <a:t>三宅英明、大角祐介</a:t>
+            </a:r>
+            <a:r>
+              <a:rPr kumimoji="1" lang="ja-JP" altLang="en-US" sz="2800" smtClean="0"/>
+              <a:t>「新しい</a:t>
+            </a:r>
+            <a:r>
+              <a:rPr kumimoji="1" lang="en-US" altLang="ja-JP" sz="2800" smtClean="0"/>
+              <a:t>Linux</a:t>
+            </a:r>
+            <a:r>
+              <a:rPr kumimoji="1" lang="ja-JP" altLang="en-US" sz="2800" smtClean="0"/>
+              <a:t>の教科書」 </a:t>
+            </a:r>
+            <a:r>
+              <a:rPr kumimoji="1" lang="en-US" altLang="ja-JP" sz="2800" smtClean="0"/>
+              <a:t/>
+            </a:r>
+            <a:br>
+              <a:rPr kumimoji="1" lang="en-US" altLang="ja-JP" sz="2800" smtClean="0"/>
+            </a:br>
+            <a:r>
+              <a:rPr kumimoji="1" lang="en-US" altLang="ja-JP" sz="2800" smtClean="0"/>
+              <a:t>            SB</a:t>
+            </a:r>
+            <a:r>
+              <a:rPr kumimoji="1" lang="ja-JP" altLang="en-US" sz="2800" smtClean="0"/>
+              <a:t>クリエイティブ</a:t>
+            </a:r>
+            <a:endParaRPr kumimoji="1" lang="ja-JP" altLang="en-US" sz="2800"/>
+          </a:p>
+        </p:txBody>
+      </p:sp>
+      <p:pic>
+        <p:nvPicPr>
+          <p:cNvPr id="4" name="図 3"/>
+          <p:cNvPicPr>
+            <a:picLocks noChangeAspect="1"/>
+          </p:cNvPicPr>
+          <p:nvPr/>
+        </p:nvPicPr>
+        <p:blipFill rotWithShape="1">
+          <a:blip r:embed="rId2"/>
+          <a:srcRect t="5343"/>
+          <a:stretch/>
+        </p:blipFill>
+        <p:spPr>
+          <a:xfrm>
+            <a:off x="128317" y="1155940"/>
+            <a:ext cx="9084694" cy="5807414"/>
+          </a:xfrm>
+          <a:prstGeom prst="rect">
+            <a:avLst/>
+          </a:prstGeom>
+        </p:spPr>
+      </p:pic>
+    </p:spTree>
+    <p:extLst>
+      <p:ext uri="{BB962C8B-B14F-4D97-AF65-F5344CB8AC3E}">
+        <p14:creationId xmlns:p14="http://schemas.microsoft.com/office/powerpoint/2010/main" val="2888440918"/>
       </p:ext>
     </p:extLst>
   </p:cSld>

--- a/2015-no.2/ppt/00_ozuma.pptx
+++ b/2015-no.2/ppt/00_ozuma.pptx
@@ -5,7 +5,7 @@
     <p:sldMasterId id="2147483690" r:id="rId1"/>
   </p:sldMasterIdLst>
   <p:notesMasterIdLst>
-    <p:notesMasterId r:id="rId34"/>
+    <p:notesMasterId r:id="rId40"/>
   </p:notesMasterIdLst>
   <p:sldIdLst>
     <p:sldId id="257" r:id="rId2"/>
@@ -37,9 +37,15 @@
     <p:sldId id="277" r:id="rId28"/>
     <p:sldId id="278" r:id="rId29"/>
     <p:sldId id="279" r:id="rId30"/>
-    <p:sldId id="281" r:id="rId31"/>
-    <p:sldId id="280" r:id="rId32"/>
-    <p:sldId id="283" r:id="rId33"/>
+    <p:sldId id="295" r:id="rId31"/>
+    <p:sldId id="296" r:id="rId32"/>
+    <p:sldId id="281" r:id="rId33"/>
+    <p:sldId id="292" r:id="rId34"/>
+    <p:sldId id="291" r:id="rId35"/>
+    <p:sldId id="293" r:id="rId36"/>
+    <p:sldId id="294" r:id="rId37"/>
+    <p:sldId id="280" r:id="rId38"/>
+    <p:sldId id="283" r:id="rId39"/>
   </p:sldIdLst>
   <p:sldSz cx="9144000" cy="6858000" type="screen4x3"/>
   <p:notesSz cx="6858000" cy="9144000"/>
@@ -140,7 +146,7 @@
   </p:defaultTextStyle>
   <p:extLst>
     <p:ext uri="{EFAFB233-063F-42B5-8137-9DF3F51BA10A}">
-      <p15:sldGuideLst xmlns:p15="http://schemas.microsoft.com/office/powerpoint/2012/main">
+      <p15:sldGuideLst xmlns:p15="http://schemas.microsoft.com/office/powerpoint/2012/main" xmlns="">
         <p15:guide id="1" orient="horz" pos="2160">
           <p15:clr>
             <a:srgbClr val="A4A3A4"/>
@@ -239,7 +245,7 @@
           <a:p>
             <a:fld id="{227E3AE5-EB08-419F-97DD-14530EE7F784}" type="datetimeFigureOut">
               <a:rPr kumimoji="1" lang="ja-JP" altLang="en-US" smtClean="0"/>
-              <a:t>2015/8/20</a:t>
+              <a:t>15/08/21</a:t>
             </a:fld>
             <a:endParaRPr kumimoji="1" lang="ja-JP" altLang="en-US"/>
           </a:p>
@@ -2192,7 +2198,7 @@
           <a:p>
             <a:fld id="{018867A7-436E-4462-89C8-DCFE313C3DBA}" type="datetimeFigureOut">
               <a:rPr kumimoji="1" lang="ja-JP" altLang="en-US" smtClean="0"/>
-              <a:t>2015/8/20</a:t>
+              <a:t>15/08/21</a:t>
             </a:fld>
             <a:endParaRPr kumimoji="1" lang="ja-JP" altLang="en-US"/>
           </a:p>
@@ -2394,7 +2400,7 @@
           <a:p>
             <a:fld id="{018867A7-436E-4462-89C8-DCFE313C3DBA}" type="datetimeFigureOut">
               <a:rPr kumimoji="1" lang="ja-JP" altLang="en-US" smtClean="0"/>
-              <a:t>2015/8/20</a:t>
+              <a:t>15/08/21</a:t>
             </a:fld>
             <a:endParaRPr kumimoji="1" lang="ja-JP" altLang="en-US"/>
           </a:p>
@@ -2606,7 +2612,7 @@
           <a:p>
             <a:fld id="{018867A7-436E-4462-89C8-DCFE313C3DBA}" type="datetimeFigureOut">
               <a:rPr kumimoji="1" lang="ja-JP" altLang="en-US" smtClean="0"/>
-              <a:t>2015/8/20</a:t>
+              <a:t>15/08/21</a:t>
             </a:fld>
             <a:endParaRPr kumimoji="1" lang="ja-JP" altLang="en-US"/>
           </a:p>
@@ -2808,7 +2814,7 @@
           <a:p>
             <a:fld id="{018867A7-436E-4462-89C8-DCFE313C3DBA}" type="datetimeFigureOut">
               <a:rPr kumimoji="1" lang="ja-JP" altLang="en-US" smtClean="0"/>
-              <a:t>2015/8/20</a:t>
+              <a:t>15/08/21</a:t>
             </a:fld>
             <a:endParaRPr kumimoji="1" lang="ja-JP" altLang="en-US"/>
           </a:p>
@@ -3052,7 +3058,7 @@
           <a:p>
             <a:fld id="{018867A7-436E-4462-89C8-DCFE313C3DBA}" type="datetimeFigureOut">
               <a:rPr kumimoji="1" lang="ja-JP" altLang="en-US" smtClean="0"/>
-              <a:t>2015/8/20</a:t>
+              <a:t>15/08/21</a:t>
             </a:fld>
             <a:endParaRPr kumimoji="1" lang="ja-JP" altLang="en-US"/>
           </a:p>
@@ -3348,7 +3354,7 @@
           <a:p>
             <a:fld id="{018867A7-436E-4462-89C8-DCFE313C3DBA}" type="datetimeFigureOut">
               <a:rPr kumimoji="1" lang="ja-JP" altLang="en-US" smtClean="0"/>
-              <a:t>2015/8/20</a:t>
+              <a:t>15/08/21</a:t>
             </a:fld>
             <a:endParaRPr kumimoji="1" lang="ja-JP" altLang="en-US"/>
           </a:p>
@@ -3779,7 +3785,7 @@
           <a:p>
             <a:fld id="{018867A7-436E-4462-89C8-DCFE313C3DBA}" type="datetimeFigureOut">
               <a:rPr kumimoji="1" lang="ja-JP" altLang="en-US" smtClean="0"/>
-              <a:t>2015/8/20</a:t>
+              <a:t>15/08/21</a:t>
             </a:fld>
             <a:endParaRPr kumimoji="1" lang="ja-JP" altLang="en-US"/>
           </a:p>
@@ -3897,7 +3903,7 @@
           <a:p>
             <a:fld id="{018867A7-436E-4462-89C8-DCFE313C3DBA}" type="datetimeFigureOut">
               <a:rPr kumimoji="1" lang="ja-JP" altLang="en-US" smtClean="0"/>
-              <a:t>2015/8/20</a:t>
+              <a:t>15/08/21</a:t>
             </a:fld>
             <a:endParaRPr kumimoji="1" lang="ja-JP" altLang="en-US"/>
           </a:p>
@@ -3992,7 +3998,7 @@
           <a:p>
             <a:fld id="{018867A7-436E-4462-89C8-DCFE313C3DBA}" type="datetimeFigureOut">
               <a:rPr kumimoji="1" lang="ja-JP" altLang="en-US" smtClean="0"/>
-              <a:t>2015/8/20</a:t>
+              <a:t>15/08/21</a:t>
             </a:fld>
             <a:endParaRPr kumimoji="1" lang="ja-JP" altLang="en-US"/>
           </a:p>
@@ -4301,7 +4307,7 @@
           <a:p>
             <a:fld id="{018867A7-436E-4462-89C8-DCFE313C3DBA}" type="datetimeFigureOut">
               <a:rPr kumimoji="1" lang="ja-JP" altLang="en-US" smtClean="0"/>
-              <a:t>2015/8/20</a:t>
+              <a:t>15/08/21</a:t>
             </a:fld>
             <a:endParaRPr kumimoji="1" lang="ja-JP" altLang="en-US"/>
           </a:p>
@@ -4558,7 +4564,7 @@
           <a:p>
             <a:fld id="{018867A7-436E-4462-89C8-DCFE313C3DBA}" type="datetimeFigureOut">
               <a:rPr kumimoji="1" lang="ja-JP" altLang="en-US" smtClean="0"/>
-              <a:t>2015/8/20</a:t>
+              <a:t>15/08/21</a:t>
             </a:fld>
             <a:endParaRPr kumimoji="1" lang="ja-JP" altLang="en-US"/>
           </a:p>
@@ -4803,7 +4809,7 @@
           <a:p>
             <a:fld id="{018867A7-436E-4462-89C8-DCFE313C3DBA}" type="datetimeFigureOut">
               <a:rPr kumimoji="1" lang="ja-JP" altLang="en-US" smtClean="0"/>
-              <a:t>2015/8/20</a:t>
+              <a:t>15/08/21</a:t>
             </a:fld>
             <a:endParaRPr kumimoji="1" lang="ja-JP" altLang="en-US"/>
           </a:p>
@@ -5246,7 +5252,7 @@
         <p:spPr>
           <a:xfrm>
             <a:off x="603848" y="629728"/>
-            <a:ext cx="3959526" cy="1200329"/>
+            <a:ext cx="4565052" cy="1200329"/>
           </a:xfrm>
           <a:prstGeom prst="rect">
             <a:avLst/>
@@ -5264,21 +5270,41 @@
           <a:lstStyle/>
           <a:p>
             <a:r>
-              <a:rPr lang="ja-JP" altLang="en-US" sz="3600"/>
+              <a:rPr lang="ja-JP" altLang="en-US" sz="3600">
+                <a:latin typeface="メイリオ"/>
+                <a:ea typeface="メイリオ"/>
+                <a:cs typeface="メイリオ"/>
+              </a:rPr>
               <a:t>攻撃</a:t>
             </a:r>
             <a:r>
-              <a:rPr lang="ja-JP" altLang="en-US" sz="3600" smtClean="0"/>
+              <a:rPr lang="ja-JP" altLang="en-US" sz="3600" smtClean="0">
+                <a:latin typeface="メイリオ"/>
+                <a:ea typeface="メイリオ"/>
+                <a:cs typeface="メイリオ"/>
+              </a:rPr>
               <a:t>を「隠す」、</a:t>
             </a:r>
-            <a:endParaRPr lang="en-US" altLang="ja-JP" sz="3600" smtClean="0"/>
-          </a:p>
-          <a:p>
-            <a:r>
-              <a:rPr kumimoji="1" lang="ja-JP" altLang="en-US" sz="3600" smtClean="0"/>
+            <a:endParaRPr lang="en-US" altLang="ja-JP" sz="3600" smtClean="0">
+              <a:latin typeface="メイリオ"/>
+              <a:ea typeface="メイリオ"/>
+              <a:cs typeface="メイリオ"/>
+            </a:endParaRPr>
+          </a:p>
+          <a:p>
+            <a:r>
+              <a:rPr kumimoji="1" lang="ja-JP" altLang="en-US" sz="3600" smtClean="0">
+                <a:latin typeface="メイリオ"/>
+                <a:ea typeface="メイリオ"/>
+                <a:cs typeface="メイリオ"/>
+              </a:rPr>
               <a:t>攻撃から「隠れる」</a:t>
             </a:r>
-            <a:endParaRPr kumimoji="1" lang="ja-JP" altLang="en-US" sz="3600"/>
+            <a:endParaRPr kumimoji="1" lang="ja-JP" altLang="en-US" sz="3600">
+              <a:latin typeface="メイリオ"/>
+              <a:ea typeface="メイリオ"/>
+              <a:cs typeface="メイリオ"/>
+            </a:endParaRPr>
           </a:p>
         </p:txBody>
       </p:sp>
@@ -5341,7 +5367,7 @@
   <p:timing>
     <p:tnLst>
       <p:par>
-        <p:cTn id="1" dur="indefinite" restart="never" nodeType="tmRoot"/>
+        <p:cTn xmlns:p14="http://schemas.microsoft.com/office/powerpoint/2010/main" id="1" dur="indefinite" restart="never" nodeType="tmRoot"/>
       </p:par>
     </p:tnLst>
   </p:timing>
@@ -5571,7 +5597,7 @@
   <p:timing>
     <p:tnLst>
       <p:par>
-        <p:cTn id="1" dur="indefinite" restart="never" nodeType="tmRoot"/>
+        <p:cTn xmlns:p14="http://schemas.microsoft.com/office/powerpoint/2010/main" id="1" dur="indefinite" restart="never" nodeType="tmRoot"/>
       </p:par>
     </p:tnLst>
   </p:timing>
@@ -5696,7 +5722,7 @@
   <p:timing>
     <p:tnLst>
       <p:par>
-        <p:cTn id="1" dur="indefinite" restart="never" nodeType="tmRoot"/>
+        <p:cTn xmlns:p14="http://schemas.microsoft.com/office/powerpoint/2010/main" id="1" dur="indefinite" restart="never" nodeType="tmRoot"/>
       </p:par>
     </p:tnLst>
   </p:timing>
@@ -5783,7 +5809,7 @@
   <p:timing>
     <p:tnLst>
       <p:par>
-        <p:cTn id="1" dur="indefinite" restart="never" nodeType="tmRoot"/>
+        <p:cTn xmlns:p14="http://schemas.microsoft.com/office/powerpoint/2010/main" id="1" dur="indefinite" restart="never" nodeType="tmRoot"/>
       </p:par>
     </p:tnLst>
   </p:timing>
@@ -5904,7 +5930,7 @@
   <p:timing>
     <p:tnLst>
       <p:par>
-        <p:cTn id="1" dur="indefinite" restart="never" nodeType="tmRoot"/>
+        <p:cTn xmlns:p14="http://schemas.microsoft.com/office/powerpoint/2010/main" id="1" dur="indefinite" restart="never" nodeType="tmRoot"/>
       </p:par>
     </p:tnLst>
   </p:timing>
@@ -6025,7 +6051,7 @@
   <p:timing>
     <p:tnLst>
       <p:par>
-        <p:cTn id="1" dur="indefinite" restart="never" nodeType="tmRoot"/>
+        <p:cTn xmlns:p14="http://schemas.microsoft.com/office/powerpoint/2010/main" id="1" dur="indefinite" restart="never" nodeType="tmRoot"/>
       </p:par>
     </p:tnLst>
   </p:timing>
@@ -6104,7 +6130,7 @@
   <p:timing>
     <p:tnLst>
       <p:par>
-        <p:cTn id="1" dur="indefinite" restart="never" nodeType="tmRoot"/>
+        <p:cTn xmlns:p14="http://schemas.microsoft.com/office/powerpoint/2010/main" id="1" dur="indefinite" restart="never" nodeType="tmRoot"/>
       </p:par>
     </p:tnLst>
   </p:timing>
@@ -6210,7 +6236,7 @@
   <p:timing>
     <p:tnLst>
       <p:par>
-        <p:cTn id="1" dur="indefinite" restart="never" nodeType="tmRoot"/>
+        <p:cTn xmlns:p14="http://schemas.microsoft.com/office/powerpoint/2010/main" id="1" dur="indefinite" restart="never" nodeType="tmRoot"/>
       </p:par>
     </p:tnLst>
   </p:timing>
@@ -6297,7 +6323,7 @@
   <p:timing>
     <p:tnLst>
       <p:par>
-        <p:cTn id="1" dur="indefinite" restart="never" nodeType="tmRoot"/>
+        <p:cTn xmlns:p14="http://schemas.microsoft.com/office/powerpoint/2010/main" id="1" dur="indefinite" restart="never" nodeType="tmRoot"/>
       </p:par>
     </p:tnLst>
   </p:timing>
@@ -6388,7 +6414,7 @@
         </p:nvGraphicFramePr>
         <p:xfrm>
           <a:off x="1489494" y="1906347"/>
-          <a:ext cx="6921260" cy="3627120"/>
+          <a:ext cx="6921260" cy="3627119"/>
         </p:xfrm>
         <a:graphic>
           <a:graphicData uri="http://schemas.openxmlformats.org/drawingml/2006/table">
@@ -6832,7 +6858,7 @@
   <p:timing>
     <p:tnLst>
       <p:par>
-        <p:cTn id="1" dur="indefinite" restart="never" nodeType="tmRoot"/>
+        <p:cTn xmlns:p14="http://schemas.microsoft.com/office/powerpoint/2010/main" id="1" dur="indefinite" restart="never" nodeType="tmRoot"/>
       </p:par>
     </p:tnLst>
   </p:timing>
@@ -7307,20 +7333,7 @@
                 <a:latin typeface="Helvetica"/>
                 <a:cs typeface="Helvetica"/>
               </a:rPr>
-              <a:t>ポートをスキャン</a:t>
-            </a:r>
-            <a:r>
-              <a:rPr kumimoji="1" lang="ja-JP" altLang="en-US" sz="2800" smtClean="0">
-                <a:solidFill>
-                  <a:schemeClr val="accent2">
-                    <a:lumMod val="20000"/>
-                    <a:lumOff val="80000"/>
-                  </a:schemeClr>
-                </a:solidFill>
-                <a:latin typeface="Helvetica"/>
-                <a:cs typeface="Helvetica"/>
-              </a:rPr>
-              <a:t>する</a:t>
+              <a:t>ポートをスキャンする</a:t>
             </a:r>
             <a:r>
               <a:rPr lang="ja-JP" altLang="en-US" sz="2800" smtClean="0">
@@ -7400,7 +7413,7 @@
   <p:timing>
     <p:tnLst>
       <p:par>
-        <p:cTn id="1" dur="indefinite" restart="never" nodeType="tmRoot"/>
+        <p:cTn xmlns:p14="http://schemas.microsoft.com/office/powerpoint/2010/main" id="1" dur="indefinite" restart="never" nodeType="tmRoot"/>
       </p:par>
     </p:tnLst>
   </p:timing>
@@ -7774,7 +7787,7 @@
   <p:timing>
     <p:tnLst>
       <p:par>
-        <p:cTn id="1" dur="indefinite" restart="never" nodeType="tmRoot"/>
+        <p:cTn xmlns:p14="http://schemas.microsoft.com/office/powerpoint/2010/main" id="1" dur="indefinite" restart="never" nodeType="tmRoot"/>
       </p:par>
     </p:tnLst>
   </p:timing>
@@ -7914,7 +7927,7 @@
   <p:timing>
     <p:tnLst>
       <p:par>
-        <p:cTn id="1" dur="indefinite" restart="never" nodeType="tmRoot"/>
+        <p:cTn xmlns:p14="http://schemas.microsoft.com/office/powerpoint/2010/main" id="1" dur="indefinite" restart="never" nodeType="tmRoot"/>
       </p:par>
     </p:tnLst>
   </p:timing>
@@ -8047,7 +8060,20 @@
                 <a:latin typeface="Consolas" panose="020B0609020204030204" pitchFamily="49" charset="0"/>
                 <a:cs typeface="Consolas" panose="020B0609020204030204" pitchFamily="49" charset="0"/>
               </a:rPr>
-              <a:t>-</a:t>
+              <a:t>-n </a:t>
+            </a:r>
+            <a:r>
+              <a:rPr lang="en-US" altLang="ja-JP" sz="2400" b="1" smtClean="0">
+                <a:solidFill>
+                  <a:schemeClr val="accent2">
+                    <a:lumMod val="20000"/>
+                    <a:lumOff val="80000"/>
+                  </a:schemeClr>
+                </a:solidFill>
+                <a:latin typeface="Consolas" panose="020B0609020204030204" pitchFamily="49" charset="0"/>
+                <a:cs typeface="Consolas" panose="020B0609020204030204" pitchFamily="49" charset="0"/>
+              </a:rPr>
+              <a:t>--</a:t>
             </a:r>
             <a:r>
               <a:rPr lang="en-US" altLang="ja-JP" sz="2400" b="1">
@@ -8060,32 +8086,6 @@
                 <a:latin typeface="Consolas" panose="020B0609020204030204" pitchFamily="49" charset="0"/>
                 <a:cs typeface="Consolas" panose="020B0609020204030204" pitchFamily="49" charset="0"/>
               </a:rPr>
-              <a:t>n </a:t>
-            </a:r>
-            <a:r>
-              <a:rPr lang="en-US" altLang="ja-JP" sz="2400" b="1" smtClean="0">
-                <a:solidFill>
-                  <a:schemeClr val="accent2">
-                    <a:lumMod val="20000"/>
-                    <a:lumOff val="80000"/>
-                  </a:schemeClr>
-                </a:solidFill>
-                <a:latin typeface="Consolas" panose="020B0609020204030204" pitchFamily="49" charset="0"/>
-                <a:cs typeface="Consolas" panose="020B0609020204030204" pitchFamily="49" charset="0"/>
-              </a:rPr>
-              <a:t>--</a:t>
-            </a:r>
-            <a:r>
-              <a:rPr lang="en-US" altLang="ja-JP" sz="2400" b="1">
-                <a:solidFill>
-                  <a:schemeClr val="accent2">
-                    <a:lumMod val="20000"/>
-                    <a:lumOff val="80000"/>
-                  </a:schemeClr>
-                </a:solidFill>
-                <a:latin typeface="Consolas" panose="020B0609020204030204" pitchFamily="49" charset="0"/>
-                <a:cs typeface="Consolas" panose="020B0609020204030204" pitchFamily="49" charset="0"/>
-              </a:rPr>
               <a:t>top-ports 10 192.168.2.66</a:t>
             </a:r>
           </a:p>
@@ -8233,14 +8233,7 @@
                 <a:latin typeface="Consolas" panose="020B0609020204030204" pitchFamily="49" charset="0"/>
                 <a:cs typeface="Consolas" panose="020B0609020204030204" pitchFamily="49" charset="0"/>
               </a:rPr>
-              <a:t>MAC Address: 00:0C:29:8D:99:C1 (</a:t>
-            </a:r>
-            <a:r>
-              <a:rPr lang="en-US" altLang="ja-JP" sz="2400">
-                <a:latin typeface="Consolas" panose="020B0609020204030204" pitchFamily="49" charset="0"/>
-                <a:cs typeface="Consolas" panose="020B0609020204030204" pitchFamily="49" charset="0"/>
-              </a:rPr>
-              <a:t>VMware</a:t>
+              <a:t>MAC Address: 00:0C:29:8D:99:C1 (VMware</a:t>
             </a:r>
             <a:r>
               <a:rPr lang="en-US" altLang="ja-JP" sz="2400" smtClean="0">
@@ -8353,7 +8346,7 @@
   <p:timing>
     <p:tnLst>
       <p:par>
-        <p:cTn id="1" dur="indefinite" restart="never" nodeType="tmRoot"/>
+        <p:cTn xmlns:p14="http://schemas.microsoft.com/office/powerpoint/2010/main" id="1" dur="indefinite" restart="never" nodeType="tmRoot"/>
       </p:par>
     </p:tnLst>
   </p:timing>
@@ -8409,8 +8402,8 @@
         </p:nvSpPr>
         <p:spPr>
           <a:xfrm>
-            <a:off x="2030466" y="6242181"/>
-            <a:ext cx="6997960" cy="369332"/>
+            <a:off x="1704578" y="6242181"/>
+            <a:ext cx="7323848" cy="369332"/>
           </a:xfrm>
           <a:prstGeom prst="rect">
             <a:avLst/>
@@ -8436,11 +8429,7 @@
             </a:r>
             <a:r>
               <a:rPr lang="ja-JP" altLang="en-US"/>
-              <a:t>Gordon "Fyodor" Lyon (</a:t>
-            </a:r>
-            <a:r>
-              <a:rPr lang="ja-JP" altLang="en-US"/>
-              <a:t>2008</a:t>
+              <a:t>Gordon "Fyodor" Lyon (2008</a:t>
             </a:r>
             <a:r>
               <a:rPr lang="ja-JP" altLang="en-US" smtClean="0"/>
@@ -8752,7 +8741,7 @@
   <p:timing>
     <p:tnLst>
       <p:par>
-        <p:cTn id="1" dur="indefinite" restart="never" nodeType="tmRoot"/>
+        <p:cTn xmlns:p14="http://schemas.microsoft.com/office/powerpoint/2010/main" id="1" dur="indefinite" restart="never" nodeType="tmRoot"/>
       </p:par>
     </p:tnLst>
   </p:timing>
@@ -8808,8 +8797,8 @@
         </p:nvSpPr>
         <p:spPr>
           <a:xfrm>
-            <a:off x="2030466" y="6242181"/>
-            <a:ext cx="6997960" cy="369332"/>
+            <a:off x="1793706" y="6242181"/>
+            <a:ext cx="7212438" cy="369332"/>
           </a:xfrm>
           <a:prstGeom prst="rect">
             <a:avLst/>
@@ -8835,11 +8824,7 @@
             </a:r>
             <a:r>
               <a:rPr lang="ja-JP" altLang="en-US"/>
-              <a:t>Gordon "Fyodor" Lyon (</a:t>
-            </a:r>
-            <a:r>
-              <a:rPr lang="ja-JP" altLang="en-US"/>
-              <a:t>2008</a:t>
+              <a:t>Gordon "Fyodor" Lyon (2008</a:t>
             </a:r>
             <a:r>
               <a:rPr lang="ja-JP" altLang="en-US" smtClean="0"/>
@@ -9219,7 +9204,7 @@
   <p:timing>
     <p:tnLst>
       <p:par>
-        <p:cTn id="1" dur="indefinite" restart="never" nodeType="tmRoot"/>
+        <p:cTn xmlns:p14="http://schemas.microsoft.com/office/powerpoint/2010/main" id="1" dur="indefinite" restart="never" nodeType="tmRoot"/>
       </p:par>
     </p:tnLst>
   </p:timing>
@@ -9384,7 +9369,7 @@
   <p:timing>
     <p:tnLst>
       <p:par>
-        <p:cTn id="1" dur="indefinite" restart="never" nodeType="tmRoot"/>
+        <p:cTn xmlns:p14="http://schemas.microsoft.com/office/powerpoint/2010/main" id="1" dur="indefinite" restart="never" nodeType="tmRoot"/>
       </p:par>
     </p:tnLst>
   </p:timing>
@@ -9425,15 +9410,7 @@
           <a:p>
             <a:r>
               <a:rPr lang="en-US" altLang="ja-JP" smtClean="0"/>
-              <a:t>sshd </a:t>
-            </a:r>
-            <a:r>
-              <a:rPr lang="en-US" altLang="ja-JP" smtClean="0"/>
-              <a:t>shouldn't </a:t>
-            </a:r>
-            <a:r>
-              <a:rPr lang="en-US" altLang="ja-JP" smtClean="0"/>
-              <a:t>use 22/tcp?</a:t>
+              <a:t>sshd shouldn't use 22/tcp?</a:t>
             </a:r>
             <a:endParaRPr kumimoji="1" lang="ja-JP" altLang="en-US"/>
           </a:p>
@@ -9531,7 +9508,7 @@
   <p:timing>
     <p:tnLst>
       <p:par>
-        <p:cTn id="1" dur="indefinite" restart="never" nodeType="tmRoot"/>
+        <p:cTn xmlns:p14="http://schemas.microsoft.com/office/powerpoint/2010/main" id="1" dur="indefinite" restart="never" nodeType="tmRoot"/>
       </p:par>
     </p:tnLst>
   </p:timing>
@@ -9572,15 +9549,7 @@
           <a:p>
             <a:r>
               <a:rPr lang="en-US" altLang="ja-JP" smtClean="0"/>
-              <a:t>sshd </a:t>
-            </a:r>
-            <a:r>
-              <a:rPr lang="en-US" altLang="ja-JP" smtClean="0"/>
-              <a:t>shouldn't </a:t>
-            </a:r>
-            <a:r>
-              <a:rPr lang="en-US" altLang="ja-JP" smtClean="0"/>
-              <a:t>use 22/tcp?</a:t>
+              <a:t>sshd shouldn't use 22/tcp?</a:t>
             </a:r>
             <a:endParaRPr kumimoji="1" lang="ja-JP" altLang="en-US"/>
           </a:p>
@@ -9662,7 +9631,7 @@
   <p:timing>
     <p:tnLst>
       <p:par>
-        <p:cTn id="1" dur="indefinite" restart="never" nodeType="tmRoot"/>
+        <p:cTn xmlns:p14="http://schemas.microsoft.com/office/powerpoint/2010/main" id="1" dur="indefinite" restart="never" nodeType="tmRoot"/>
       </p:par>
     </p:tnLst>
   </p:timing>
@@ -9703,15 +9672,7 @@
           <a:p>
             <a:r>
               <a:rPr lang="en-US" altLang="ja-JP" smtClean="0"/>
-              <a:t>sshd </a:t>
-            </a:r>
-            <a:r>
-              <a:rPr lang="en-US" altLang="ja-JP" smtClean="0"/>
-              <a:t>shouldn't </a:t>
-            </a:r>
-            <a:r>
-              <a:rPr lang="en-US" altLang="ja-JP" smtClean="0"/>
-              <a:t>use 22/tcp?</a:t>
+              <a:t>sshd shouldn't use 22/tcp?</a:t>
             </a:r>
             <a:endParaRPr kumimoji="1" lang="ja-JP" altLang="en-US"/>
           </a:p>
@@ -9813,7 +9774,7 @@
   <p:timing>
     <p:tnLst>
       <p:par>
-        <p:cTn id="1" dur="indefinite" restart="never" nodeType="tmRoot"/>
+        <p:cTn xmlns:p14="http://schemas.microsoft.com/office/powerpoint/2010/main" id="1" dur="indefinite" restart="never" nodeType="tmRoot"/>
       </p:par>
     </p:tnLst>
   </p:timing>
@@ -9976,7 +9937,7 @@
   <p:timing>
     <p:tnLst>
       <p:par>
-        <p:cTn id="1" dur="indefinite" restart="never" nodeType="tmRoot"/>
+        <p:cTn xmlns:p14="http://schemas.microsoft.com/office/powerpoint/2010/main" id="1" dur="indefinite" restart="never" nodeType="tmRoot"/>
       </p:par>
     </p:tnLst>
   </p:timing>
@@ -10002,235 +9963,14 @@
       </p:grpSpPr>
       <p:sp>
         <p:nvSpPr>
-          <p:cNvPr id="4" name="正方形/長方形 3"/>
-          <p:cNvSpPr/>
-          <p:nvPr/>
-        </p:nvSpPr>
-        <p:spPr>
-          <a:xfrm>
-            <a:off x="224286" y="189781"/>
-            <a:ext cx="9144000" cy="6858000"/>
-          </a:xfrm>
-          <a:prstGeom prst="rect">
-            <a:avLst/>
-          </a:prstGeom>
-          <a:solidFill>
-            <a:schemeClr val="accent1">
-              <a:lumMod val="50000"/>
-            </a:schemeClr>
-          </a:solidFill>
-        </p:spPr>
-        <p:style>
-          <a:lnRef idx="2">
-            <a:schemeClr val="accent1">
-              <a:shade val="50000"/>
-            </a:schemeClr>
-          </a:lnRef>
-          <a:fillRef idx="1">
-            <a:schemeClr val="accent1"/>
-          </a:fillRef>
-          <a:effectRef idx="0">
-            <a:schemeClr val="accent1"/>
-          </a:effectRef>
-          <a:fontRef idx="minor">
-            <a:schemeClr val="lt1"/>
-          </a:fontRef>
-        </p:style>
-        <p:txBody>
-          <a:bodyPr rtlCol="0" anchor="ctr"/>
-          <a:lstStyle/>
-          <a:p>
-            <a:r>
-              <a:rPr lang="en-US" altLang="ja-JP" sz="2400" smtClean="0">
-                <a:latin typeface="Consolas" panose="020B0609020204030204" pitchFamily="49" charset="0"/>
-                <a:cs typeface="Consolas" panose="020B0609020204030204" pitchFamily="49" charset="0"/>
-              </a:rPr>
-              <a:t>PORT     </a:t>
-            </a:r>
-            <a:r>
-              <a:rPr lang="en-US" altLang="ja-JP" sz="2400">
-                <a:latin typeface="Consolas" panose="020B0609020204030204" pitchFamily="49" charset="0"/>
-                <a:cs typeface="Consolas" panose="020B0609020204030204" pitchFamily="49" charset="0"/>
-              </a:rPr>
-              <a:t>STATE SERVICE VERSION</a:t>
-            </a:r>
-          </a:p>
-          <a:p>
-            <a:r>
-              <a:rPr lang="en-US" altLang="ja-JP" sz="2400">
-                <a:latin typeface="Consolas" panose="020B0609020204030204" pitchFamily="49" charset="0"/>
-                <a:cs typeface="Consolas" panose="020B0609020204030204" pitchFamily="49" charset="0"/>
-              </a:rPr>
-              <a:t>22/tcp   open  ssh     OpenSSH 5.3 (protocol 2.0)</a:t>
-            </a:r>
-          </a:p>
-          <a:p>
-            <a:r>
-              <a:rPr lang="en-US" altLang="ja-JP" sz="2400">
-                <a:latin typeface="Consolas" panose="020B0609020204030204" pitchFamily="49" charset="0"/>
-                <a:cs typeface="Consolas" panose="020B0609020204030204" pitchFamily="49" charset="0"/>
-              </a:rPr>
-              <a:t>2200/tcp open  ssh     OpenSSH 5.3 (protocol 2.0)</a:t>
-            </a:r>
-          </a:p>
-          <a:p>
-            <a:r>
-              <a:rPr lang="en-US" altLang="ja-JP" sz="2400">
-                <a:latin typeface="Consolas" panose="020B0609020204030204" pitchFamily="49" charset="0"/>
-                <a:cs typeface="Consolas" panose="020B0609020204030204" pitchFamily="49" charset="0"/>
-              </a:rPr>
-              <a:t>2201/tcp open  ssh     OpenSSH 5.3 (protocol 2.0)</a:t>
-            </a:r>
-          </a:p>
-          <a:p>
-            <a:r>
-              <a:rPr lang="en-US" altLang="ja-JP" sz="2400">
-                <a:latin typeface="Consolas" panose="020B0609020204030204" pitchFamily="49" charset="0"/>
-                <a:cs typeface="Consolas" panose="020B0609020204030204" pitchFamily="49" charset="0"/>
-              </a:rPr>
-              <a:t>2202/tcp open  ssh     OpenSSH 5.3 (protocol 2.0)</a:t>
-            </a:r>
-          </a:p>
-          <a:p>
-            <a:r>
-              <a:rPr lang="en-US" altLang="ja-JP" sz="2400">
-                <a:latin typeface="Consolas" panose="020B0609020204030204" pitchFamily="49" charset="0"/>
-                <a:cs typeface="Consolas" panose="020B0609020204030204" pitchFamily="49" charset="0"/>
-              </a:rPr>
-              <a:t>2203/tcp open  ssh     OpenSSH 5.3 (protocol 2.0)</a:t>
-            </a:r>
-          </a:p>
-          <a:p>
-            <a:r>
-              <a:rPr lang="en-US" altLang="ja-JP" sz="2400">
-                <a:latin typeface="Consolas" panose="020B0609020204030204" pitchFamily="49" charset="0"/>
-                <a:cs typeface="Consolas" panose="020B0609020204030204" pitchFamily="49" charset="0"/>
-              </a:rPr>
-              <a:t>2204/tcp open  ssh     OpenSSH 5.3 (protocol 2.0)</a:t>
-            </a:r>
-          </a:p>
-          <a:p>
-            <a:r>
-              <a:rPr lang="en-US" altLang="ja-JP" sz="2400">
-                <a:latin typeface="Consolas" panose="020B0609020204030204" pitchFamily="49" charset="0"/>
-                <a:cs typeface="Consolas" panose="020B0609020204030204" pitchFamily="49" charset="0"/>
-              </a:rPr>
-              <a:t>2205/tcp open  ssh     OpenSSH 5.3 (protocol 2.0)</a:t>
-            </a:r>
-          </a:p>
-          <a:p>
-            <a:r>
-              <a:rPr lang="en-US" altLang="ja-JP" sz="2400">
-                <a:latin typeface="Consolas" panose="020B0609020204030204" pitchFamily="49" charset="0"/>
-                <a:cs typeface="Consolas" panose="020B0609020204030204" pitchFamily="49" charset="0"/>
-              </a:rPr>
-              <a:t>2206/tcp open  ssh     OpenSSH 5.3 (protocol 2.0)</a:t>
-            </a:r>
-          </a:p>
-          <a:p>
-            <a:r>
-              <a:rPr lang="en-US" altLang="ja-JP" sz="2400">
-                <a:latin typeface="Consolas" panose="020B0609020204030204" pitchFamily="49" charset="0"/>
-                <a:cs typeface="Consolas" panose="020B0609020204030204" pitchFamily="49" charset="0"/>
-              </a:rPr>
-              <a:t>2207/tcp open  ssh     OpenSSH 5.3 (protocol 2.0)</a:t>
-            </a:r>
-          </a:p>
-          <a:p>
-            <a:r>
-              <a:rPr lang="en-US" altLang="ja-JP" sz="2400">
-                <a:latin typeface="Consolas" panose="020B0609020204030204" pitchFamily="49" charset="0"/>
-                <a:cs typeface="Consolas" panose="020B0609020204030204" pitchFamily="49" charset="0"/>
-              </a:rPr>
-              <a:t>2208/tcp open  ssh     OpenSSH 5.3 (protocol 2.0)</a:t>
-            </a:r>
-          </a:p>
-          <a:p>
-            <a:r>
-              <a:rPr lang="en-US" altLang="ja-JP" sz="2400">
-                <a:latin typeface="Consolas" panose="020B0609020204030204" pitchFamily="49" charset="0"/>
-                <a:cs typeface="Consolas" panose="020B0609020204030204" pitchFamily="49" charset="0"/>
-              </a:rPr>
-              <a:t>2209/tcp open  ssh     OpenSSH 5.3 (protocol 2.0)</a:t>
-            </a:r>
-          </a:p>
-          <a:p>
-            <a:r>
-              <a:rPr lang="en-US" altLang="ja-JP" sz="2400">
-                <a:latin typeface="Consolas" panose="020B0609020204030204" pitchFamily="49" charset="0"/>
-                <a:cs typeface="Consolas" panose="020B0609020204030204" pitchFamily="49" charset="0"/>
-              </a:rPr>
-              <a:t>2210/tcp open  ssh     OpenSSH 5.3 (protocol 2.0)</a:t>
-            </a:r>
-          </a:p>
-          <a:p>
-            <a:r>
-              <a:rPr lang="en-US" altLang="ja-JP" sz="2400">
-                <a:latin typeface="Consolas" panose="020B0609020204030204" pitchFamily="49" charset="0"/>
-                <a:cs typeface="Consolas" panose="020B0609020204030204" pitchFamily="49" charset="0"/>
-              </a:rPr>
-              <a:t>2211/tcp open  ssh     OpenSSH 5.3 (protocol 2.0)</a:t>
-            </a:r>
-          </a:p>
-          <a:p>
-            <a:r>
-              <a:rPr lang="en-US" altLang="ja-JP" sz="2400">
-                <a:latin typeface="Consolas" panose="020B0609020204030204" pitchFamily="49" charset="0"/>
-                <a:cs typeface="Consolas" panose="020B0609020204030204" pitchFamily="49" charset="0"/>
-              </a:rPr>
-              <a:t>2212/tcp open  ssh     OpenSSH 5.3 (protocol 2.0)</a:t>
-            </a:r>
-          </a:p>
-          <a:p>
-            <a:r>
-              <a:rPr lang="en-US" altLang="ja-JP" sz="2400">
-                <a:latin typeface="Consolas" panose="020B0609020204030204" pitchFamily="49" charset="0"/>
-                <a:cs typeface="Consolas" panose="020B0609020204030204" pitchFamily="49" charset="0"/>
-              </a:rPr>
-              <a:t>2213/tcp open  ssh     OpenSSH 5.3 (protocol 2.0)</a:t>
-            </a:r>
-          </a:p>
-          <a:p>
-            <a:r>
-              <a:rPr lang="en-US" altLang="ja-JP" sz="2400">
-                <a:latin typeface="Consolas" panose="020B0609020204030204" pitchFamily="49" charset="0"/>
-                <a:cs typeface="Consolas" panose="020B0609020204030204" pitchFamily="49" charset="0"/>
-              </a:rPr>
-              <a:t>2214/tcp open  ssh     OpenSSH 5.3 (protocol 2.0)</a:t>
-            </a:r>
-          </a:p>
-          <a:p>
-            <a:r>
-              <a:rPr lang="en-US" altLang="ja-JP" sz="2400">
-                <a:latin typeface="Consolas" panose="020B0609020204030204" pitchFamily="49" charset="0"/>
-                <a:cs typeface="Consolas" panose="020B0609020204030204" pitchFamily="49" charset="0"/>
-              </a:rPr>
-              <a:t>2215/tcp open  ssh     OpenSSH 5.3 (protocol 2.0</a:t>
-            </a:r>
-            <a:r>
-              <a:rPr lang="en-US" altLang="ja-JP" sz="2400" smtClean="0">
-                <a:latin typeface="Consolas" panose="020B0609020204030204" pitchFamily="49" charset="0"/>
-                <a:cs typeface="Consolas" panose="020B0609020204030204" pitchFamily="49" charset="0"/>
-              </a:rPr>
-              <a:t>)</a:t>
-            </a:r>
-            <a:endParaRPr lang="en-US" altLang="ja-JP" sz="2400">
-              <a:latin typeface="Consolas" panose="020B0609020204030204" pitchFamily="49" charset="0"/>
-              <a:cs typeface="Consolas" panose="020B0609020204030204" pitchFamily="49" charset="0"/>
-            </a:endParaRPr>
-          </a:p>
-        </p:txBody>
-      </p:sp>
-      <p:sp>
-        <p:nvSpPr>
           <p:cNvPr id="5" name="正方形/長方形 4"/>
           <p:cNvSpPr/>
           <p:nvPr/>
         </p:nvSpPr>
         <p:spPr>
           <a:xfrm>
-            <a:off x="534836" y="1466230"/>
-            <a:ext cx="8609164" cy="673122"/>
+            <a:off x="144833" y="1521929"/>
+            <a:ext cx="8999167" cy="673122"/>
           </a:xfrm>
           <a:prstGeom prst="rect">
             <a:avLst/>
@@ -10238,6 +9978,7 @@
           <a:solidFill>
             <a:schemeClr val="accent2">
               <a:lumMod val="50000"/>
+              <a:alpha val="89000"/>
             </a:schemeClr>
           </a:solidFill>
           <a:ln w="28575" cmpd="sng">
@@ -10280,7 +10021,7 @@
           <a:lstStyle/>
           <a:p>
             <a:r>
-              <a:rPr lang="en-US" altLang="ja-JP" sz="3200" b="1" smtClean="0">
+              <a:rPr lang="en-US" altLang="ja-JP" sz="3600" b="1" smtClean="0">
                 <a:solidFill>
                   <a:schemeClr val="accent2">
                     <a:lumMod val="20000"/>
@@ -10293,7 +10034,7 @@
               <a:t> # nmap </a:t>
             </a:r>
             <a:r>
-              <a:rPr lang="en-US" altLang="ja-JP" sz="3200" b="1">
+              <a:rPr lang="en-US" altLang="ja-JP" sz="3600" b="1">
                 <a:solidFill>
                   <a:schemeClr val="accent2">
                     <a:lumMod val="20000"/>
@@ -10305,7 +10046,7 @@
               </a:rPr>
               <a:t>-sV -p0-65535 192.168.2.66</a:t>
             </a:r>
-            <a:endParaRPr kumimoji="1" lang="ja-JP" altLang="en-US" sz="3200" b="1">
+            <a:endParaRPr kumimoji="1" lang="ja-JP" altLang="en-US" sz="3600" b="1">
               <a:solidFill>
                 <a:schemeClr val="accent2">
                   <a:lumMod val="20000"/>
@@ -10331,7 +10072,7 @@
   <p:timing>
     <p:tnLst>
       <p:par>
-        <p:cTn id="1" dur="indefinite" restart="never" nodeType="tmRoot"/>
+        <p:cTn xmlns:p14="http://schemas.microsoft.com/office/powerpoint/2010/main" id="1" dur="indefinite" restart="never" nodeType="tmRoot"/>
       </p:par>
     </p:tnLst>
   </p:timing>
@@ -10365,7 +10106,12 @@
             <p:ph type="title"/>
           </p:nvPr>
         </p:nvSpPr>
-        <p:spPr/>
+        <p:spPr>
+          <a:xfrm>
+            <a:off x="628650" y="365127"/>
+            <a:ext cx="7886700" cy="777874"/>
+          </a:xfrm>
+        </p:spPr>
         <p:txBody>
           <a:bodyPr/>
           <a:lstStyle/>
@@ -10388,15 +10134,20 @@
             <p:ph idx="1"/>
           </p:nvPr>
         </p:nvSpPr>
-        <p:spPr/>
+        <p:spPr>
+          <a:xfrm>
+            <a:off x="330200" y="1495424"/>
+            <a:ext cx="8483600" cy="4994275"/>
+          </a:xfrm>
+        </p:spPr>
         <p:txBody>
           <a:bodyPr>
-            <a:normAutofit/>
+            <a:noAutofit/>
           </a:bodyPr>
           <a:lstStyle/>
           <a:p>
             <a:r>
-              <a:rPr kumimoji="1" lang="ja-JP" altLang="en-US" b="1" smtClean="0">
+              <a:rPr kumimoji="1" lang="ja-JP" altLang="en-US" sz="3000" b="1" smtClean="0">
                 <a:solidFill>
                   <a:schemeClr val="accent5">
                     <a:lumMod val="75000"/>
@@ -10406,53 +10157,49 @@
               <a:t>攻撃者視点：</a:t>
             </a:r>
             <a:r>
-              <a:rPr kumimoji="1" lang="ja-JP" altLang="en-US" smtClean="0"/>
+              <a:rPr kumimoji="1" lang="ja-JP" altLang="en-US" sz="3000" smtClean="0"/>
               <a:t>攻撃を「隠す」</a:t>
             </a:r>
-            <a:endParaRPr kumimoji="1" lang="en-US" altLang="ja-JP" smtClean="0"/>
+            <a:endParaRPr kumimoji="1" lang="en-US" altLang="ja-JP" sz="3000" smtClean="0"/>
           </a:p>
           <a:p>
             <a:pPr lvl="1"/>
             <a:r>
-              <a:rPr lang="ja-JP" altLang="en-US"/>
-              <a:t>セキュリティポリシをかいくぐって</a:t>
-            </a:r>
-            <a:r>
-              <a:rPr lang="ja-JP" altLang="en-US"/>
-              <a:t>通信</a:t>
-            </a:r>
-            <a:r>
-              <a:rPr lang="ja-JP" altLang="en-US" smtClean="0"/>
+              <a:rPr lang="ja-JP" altLang="en-US" sz="3000"/>
+              <a:t>セキュリティポリシをかいくぐって通信</a:t>
+            </a:r>
+            <a:r>
+              <a:rPr lang="ja-JP" altLang="en-US" sz="3000" smtClean="0"/>
               <a:t>するには</a:t>
             </a:r>
-            <a:endParaRPr lang="en-US" altLang="ja-JP"/>
+            <a:endParaRPr lang="en-US" altLang="ja-JP" sz="3000"/>
           </a:p>
           <a:p>
             <a:pPr lvl="1"/>
             <a:r>
-              <a:rPr lang="ja-JP" altLang="en-US" smtClean="0"/>
+              <a:rPr lang="ja-JP" altLang="en-US" sz="3000" smtClean="0"/>
               <a:t>ポートスキャン</a:t>
             </a:r>
             <a:r>
-              <a:rPr lang="en-US" altLang="ja-JP" smtClean="0"/>
+              <a:rPr lang="en-US" altLang="ja-JP" sz="3000" smtClean="0"/>
               <a:t>(nmap)</a:t>
             </a:r>
             <a:r>
-              <a:rPr lang="ja-JP" altLang="en-US" smtClean="0"/>
+              <a:rPr lang="ja-JP" altLang="en-US" sz="3000" smtClean="0"/>
               <a:t>を</a:t>
             </a:r>
             <a:r>
-              <a:rPr lang="ja-JP" altLang="en-US"/>
+              <a:rPr lang="ja-JP" altLang="en-US" sz="3000"/>
               <a:t>気づかれないように実行</a:t>
             </a:r>
             <a:r>
-              <a:rPr lang="ja-JP" altLang="en-US" smtClean="0"/>
+              <a:rPr lang="ja-JP" altLang="en-US" sz="3000" smtClean="0"/>
               <a:t>する</a:t>
             </a:r>
-            <a:endParaRPr lang="en-US" altLang="ja-JP" smtClean="0"/>
-          </a:p>
-          <a:p>
-            <a:endParaRPr kumimoji="1" lang="en-US" altLang="ja-JP" b="1" smtClean="0">
+            <a:endParaRPr lang="en-US" altLang="ja-JP" sz="3000" smtClean="0"/>
+          </a:p>
+          <a:p>
+            <a:endParaRPr kumimoji="1" lang="en-US" altLang="ja-JP" sz="3000" b="1" smtClean="0">
               <a:solidFill>
                 <a:schemeClr val="accent5">
                   <a:lumMod val="75000"/>
@@ -10462,84 +10209,36 @@
           </a:p>
           <a:p>
             <a:r>
-              <a:rPr kumimoji="1" lang="ja-JP" altLang="en-US" b="1" smtClean="0">
+              <a:rPr kumimoji="1" lang="ja-JP" altLang="en-US" sz="3000" b="1" smtClean="0">
                 <a:solidFill>
                   <a:schemeClr val="accent5">
                     <a:lumMod val="75000"/>
                   </a:schemeClr>
                 </a:solidFill>
               </a:rPr>
-              <a:t>防御側</a:t>
-            </a:r>
-            <a:r>
-              <a:rPr kumimoji="1" lang="ja-JP" altLang="en-US" b="1" smtClean="0">
-                <a:solidFill>
-                  <a:schemeClr val="accent5">
-                    <a:lumMod val="75000"/>
-                  </a:schemeClr>
-                </a:solidFill>
-              </a:rPr>
-              <a:t>視点：</a:t>
-            </a:r>
-            <a:r>
-              <a:rPr kumimoji="1" lang="ja-JP" altLang="en-US" smtClean="0"/>
+              <a:t>防御側視点：</a:t>
+            </a:r>
+            <a:r>
+              <a:rPr kumimoji="1" lang="ja-JP" altLang="en-US" sz="3000" smtClean="0"/>
               <a:t>攻撃から「隠れる」</a:t>
             </a:r>
-            <a:endParaRPr kumimoji="1" lang="en-US" altLang="ja-JP" smtClean="0"/>
+            <a:endParaRPr kumimoji="1" lang="en-US" altLang="ja-JP" sz="3000" smtClean="0"/>
           </a:p>
           <a:p>
             <a:pPr lvl="1"/>
             <a:r>
-              <a:rPr lang="ja-JP" altLang="en-US" smtClean="0"/>
-              <a:t>ホンモノ</a:t>
-            </a:r>
-            <a:r>
-              <a:rPr lang="ja-JP" altLang="en-US" smtClean="0"/>
-              <a:t>の開放</a:t>
-            </a:r>
-            <a:r>
-              <a:rPr lang="ja-JP" altLang="en-US"/>
-              <a:t>ポート</a:t>
-            </a:r>
-            <a:r>
-              <a:rPr lang="ja-JP" altLang="en-US" smtClean="0"/>
-              <a:t>の存在を、大量のデコイを利用して隠す</a:t>
-            </a:r>
-            <a:endParaRPr lang="en-US" altLang="ja-JP" smtClean="0"/>
-          </a:p>
-          <a:p>
-            <a:pPr marL="457200" lvl="1" indent="0">
-              <a:buNone/>
-            </a:pPr>
-            <a:r>
-              <a:rPr lang="ja-JP" altLang="en-US" sz="2800" b="1" smtClean="0">
-                <a:solidFill>
-                  <a:srgbClr val="FF0000"/>
-                </a:solidFill>
-              </a:rPr>
-              <a:t>  　→ 科学忍法・</a:t>
-            </a:r>
-            <a:r>
-              <a:rPr lang="en-US" altLang="ja-JP" sz="2800" b="1" smtClean="0">
-                <a:solidFill>
-                  <a:srgbClr val="FF0000"/>
-                </a:solidFill>
-              </a:rPr>
+              <a:rPr lang="ja-JP" altLang="en-US" sz="3000" smtClean="0"/>
+              <a:t>科学忍法・</a:t>
+            </a:r>
+            <a:r>
+              <a:rPr lang="en-US" altLang="ja-JP" sz="3000" smtClean="0"/>
               <a:t>ssh</a:t>
             </a:r>
             <a:r>
-              <a:rPr lang="ja-JP" altLang="en-US" sz="2800" b="1" smtClean="0">
-                <a:solidFill>
-                  <a:srgbClr val="FF0000"/>
-                </a:solidFill>
-              </a:rPr>
+              <a:rPr lang="ja-JP" altLang="en-US" sz="3000" smtClean="0"/>
               <a:t>分身の術</a:t>
             </a:r>
-            <a:endParaRPr lang="en-US" altLang="ja-JP" sz="2800" b="1" smtClean="0">
-              <a:solidFill>
-                <a:srgbClr val="FF0000"/>
-              </a:solidFill>
-            </a:endParaRPr>
+            <a:endParaRPr lang="en-US" altLang="ja-JP" sz="3000" smtClean="0"/>
           </a:p>
         </p:txBody>
       </p:sp>
@@ -10556,7 +10255,7 @@
   <p:timing>
     <p:tnLst>
       <p:par>
-        <p:cTn id="1" dur="indefinite" restart="never" nodeType="tmRoot"/>
+        <p:cTn xmlns:p14="http://schemas.microsoft.com/office/powerpoint/2010/main" id="1" dur="indefinite" restart="never" nodeType="tmRoot"/>
       </p:par>
     </p:tnLst>
   </p:timing>
@@ -10564,6 +10263,742 @@
 </file>
 
 <file path=ppt/slides/slide30.xml><?xml version="1.0" encoding="utf-8"?>
+<p:sld xmlns:a="http://schemas.openxmlformats.org/drawingml/2006/main" xmlns:r="http://schemas.openxmlformats.org/officeDocument/2006/relationships" xmlns:p="http://schemas.openxmlformats.org/presentationml/2006/main">
+  <p:cSld>
+    <p:spTree>
+      <p:nvGrpSpPr>
+        <p:cNvPr id="1" name=""/>
+        <p:cNvGrpSpPr/>
+        <p:nvPr/>
+      </p:nvGrpSpPr>
+      <p:grpSpPr>
+        <a:xfrm>
+          <a:off x="0" y="0"/>
+          <a:ext cx="0" cy="0"/>
+          <a:chOff x="0" y="0"/>
+          <a:chExt cx="0" cy="0"/>
+        </a:xfrm>
+      </p:grpSpPr>
+      <p:sp>
+        <p:nvSpPr>
+          <p:cNvPr id="4" name="正方形/長方形 3"/>
+          <p:cNvSpPr/>
+          <p:nvPr/>
+        </p:nvSpPr>
+        <p:spPr>
+          <a:xfrm>
+            <a:off x="224286" y="189781"/>
+            <a:ext cx="9144000" cy="6858000"/>
+          </a:xfrm>
+          <a:prstGeom prst="rect">
+            <a:avLst/>
+          </a:prstGeom>
+          <a:solidFill>
+            <a:schemeClr val="accent1">
+              <a:lumMod val="50000"/>
+            </a:schemeClr>
+          </a:solidFill>
+        </p:spPr>
+        <p:style>
+          <a:lnRef idx="2">
+            <a:schemeClr val="accent1">
+              <a:shade val="50000"/>
+            </a:schemeClr>
+          </a:lnRef>
+          <a:fillRef idx="1">
+            <a:schemeClr val="accent1"/>
+          </a:fillRef>
+          <a:effectRef idx="0">
+            <a:schemeClr val="accent1"/>
+          </a:effectRef>
+          <a:fontRef idx="minor">
+            <a:schemeClr val="lt1"/>
+          </a:fontRef>
+        </p:style>
+        <p:txBody>
+          <a:bodyPr rtlCol="0" anchor="ctr"/>
+          <a:lstStyle/>
+          <a:p>
+            <a:r>
+              <a:rPr lang="en-US" altLang="ja-JP" sz="2400" smtClean="0">
+                <a:latin typeface="Consolas" panose="020B0609020204030204" pitchFamily="49" charset="0"/>
+                <a:cs typeface="Consolas" panose="020B0609020204030204" pitchFamily="49" charset="0"/>
+              </a:rPr>
+              <a:t>PORT     </a:t>
+            </a:r>
+            <a:r>
+              <a:rPr lang="en-US" altLang="ja-JP" sz="2400">
+                <a:latin typeface="Consolas" panose="020B0609020204030204" pitchFamily="49" charset="0"/>
+                <a:cs typeface="Consolas" panose="020B0609020204030204" pitchFamily="49" charset="0"/>
+              </a:rPr>
+              <a:t>STATE SERVICE VERSION</a:t>
+            </a:r>
+          </a:p>
+          <a:p>
+            <a:r>
+              <a:rPr lang="en-US" altLang="ja-JP" sz="2400">
+                <a:latin typeface="Consolas" panose="020B0609020204030204" pitchFamily="49" charset="0"/>
+                <a:cs typeface="Consolas" panose="020B0609020204030204" pitchFamily="49" charset="0"/>
+              </a:rPr>
+              <a:t>22/tcp   open  ssh     OpenSSH 5.3 (protocol 2.0)</a:t>
+            </a:r>
+          </a:p>
+          <a:p>
+            <a:r>
+              <a:rPr lang="en-US" altLang="ja-JP" sz="2400">
+                <a:latin typeface="Consolas" panose="020B0609020204030204" pitchFamily="49" charset="0"/>
+                <a:cs typeface="Consolas" panose="020B0609020204030204" pitchFamily="49" charset="0"/>
+              </a:rPr>
+              <a:t>2200/tcp open  ssh     OpenSSH 5.3 (protocol 2.0)</a:t>
+            </a:r>
+          </a:p>
+          <a:p>
+            <a:r>
+              <a:rPr lang="en-US" altLang="ja-JP" sz="2400">
+                <a:latin typeface="Consolas" panose="020B0609020204030204" pitchFamily="49" charset="0"/>
+                <a:cs typeface="Consolas" panose="020B0609020204030204" pitchFamily="49" charset="0"/>
+              </a:rPr>
+              <a:t>2201/tcp open  ssh     OpenSSH 5.3 (protocol 2.0)</a:t>
+            </a:r>
+          </a:p>
+          <a:p>
+            <a:r>
+              <a:rPr lang="en-US" altLang="ja-JP" sz="2400">
+                <a:latin typeface="Consolas" panose="020B0609020204030204" pitchFamily="49" charset="0"/>
+                <a:cs typeface="Consolas" panose="020B0609020204030204" pitchFamily="49" charset="0"/>
+              </a:rPr>
+              <a:t>2202/tcp open  ssh     OpenSSH 5.3 (protocol 2.0)</a:t>
+            </a:r>
+          </a:p>
+          <a:p>
+            <a:r>
+              <a:rPr lang="en-US" altLang="ja-JP" sz="2400">
+                <a:latin typeface="Consolas" panose="020B0609020204030204" pitchFamily="49" charset="0"/>
+                <a:cs typeface="Consolas" panose="020B0609020204030204" pitchFamily="49" charset="0"/>
+              </a:rPr>
+              <a:t>2203/tcp open  ssh     OpenSSH 5.3 (protocol 2.0)</a:t>
+            </a:r>
+          </a:p>
+          <a:p>
+            <a:r>
+              <a:rPr lang="en-US" altLang="ja-JP" sz="2400">
+                <a:latin typeface="Consolas" panose="020B0609020204030204" pitchFamily="49" charset="0"/>
+                <a:cs typeface="Consolas" panose="020B0609020204030204" pitchFamily="49" charset="0"/>
+              </a:rPr>
+              <a:t>2204/tcp open  ssh     OpenSSH 5.3 (protocol 2.0)</a:t>
+            </a:r>
+          </a:p>
+          <a:p>
+            <a:r>
+              <a:rPr lang="en-US" altLang="ja-JP" sz="2400">
+                <a:latin typeface="Consolas" panose="020B0609020204030204" pitchFamily="49" charset="0"/>
+                <a:cs typeface="Consolas" panose="020B0609020204030204" pitchFamily="49" charset="0"/>
+              </a:rPr>
+              <a:t>2205/tcp open  ssh     OpenSSH 5.3 (protocol 2.0)</a:t>
+            </a:r>
+          </a:p>
+          <a:p>
+            <a:r>
+              <a:rPr lang="en-US" altLang="ja-JP" sz="2400">
+                <a:latin typeface="Consolas" panose="020B0609020204030204" pitchFamily="49" charset="0"/>
+                <a:cs typeface="Consolas" panose="020B0609020204030204" pitchFamily="49" charset="0"/>
+              </a:rPr>
+              <a:t>2206/tcp open  ssh     OpenSSH 5.3 (protocol 2.0)</a:t>
+            </a:r>
+          </a:p>
+          <a:p>
+            <a:r>
+              <a:rPr lang="en-US" altLang="ja-JP" sz="2400">
+                <a:latin typeface="Consolas" panose="020B0609020204030204" pitchFamily="49" charset="0"/>
+                <a:cs typeface="Consolas" panose="020B0609020204030204" pitchFamily="49" charset="0"/>
+              </a:rPr>
+              <a:t>2207/tcp open  ssh     OpenSSH 5.3 (protocol 2.0)</a:t>
+            </a:r>
+          </a:p>
+          <a:p>
+            <a:r>
+              <a:rPr lang="en-US" altLang="ja-JP" sz="2400">
+                <a:latin typeface="Consolas" panose="020B0609020204030204" pitchFamily="49" charset="0"/>
+                <a:cs typeface="Consolas" panose="020B0609020204030204" pitchFamily="49" charset="0"/>
+              </a:rPr>
+              <a:t>2208/tcp open  ssh     OpenSSH 5.3 (protocol 2.0)</a:t>
+            </a:r>
+          </a:p>
+          <a:p>
+            <a:r>
+              <a:rPr lang="en-US" altLang="ja-JP" sz="2400">
+                <a:latin typeface="Consolas" panose="020B0609020204030204" pitchFamily="49" charset="0"/>
+                <a:cs typeface="Consolas" panose="020B0609020204030204" pitchFamily="49" charset="0"/>
+              </a:rPr>
+              <a:t>2209/tcp open  ssh     OpenSSH 5.3 (protocol 2.0)</a:t>
+            </a:r>
+          </a:p>
+          <a:p>
+            <a:r>
+              <a:rPr lang="en-US" altLang="ja-JP" sz="2400">
+                <a:latin typeface="Consolas" panose="020B0609020204030204" pitchFamily="49" charset="0"/>
+                <a:cs typeface="Consolas" panose="020B0609020204030204" pitchFamily="49" charset="0"/>
+              </a:rPr>
+              <a:t>2210/tcp open  ssh     OpenSSH 5.3 (protocol 2.0)</a:t>
+            </a:r>
+          </a:p>
+          <a:p>
+            <a:r>
+              <a:rPr lang="en-US" altLang="ja-JP" sz="2400">
+                <a:latin typeface="Consolas" panose="020B0609020204030204" pitchFamily="49" charset="0"/>
+                <a:cs typeface="Consolas" panose="020B0609020204030204" pitchFamily="49" charset="0"/>
+              </a:rPr>
+              <a:t>2211/tcp open  ssh     OpenSSH 5.3 (protocol 2.0)</a:t>
+            </a:r>
+          </a:p>
+          <a:p>
+            <a:r>
+              <a:rPr lang="en-US" altLang="ja-JP" sz="2400">
+                <a:latin typeface="Consolas" panose="020B0609020204030204" pitchFamily="49" charset="0"/>
+                <a:cs typeface="Consolas" panose="020B0609020204030204" pitchFamily="49" charset="0"/>
+              </a:rPr>
+              <a:t>2212/tcp open  ssh     OpenSSH 5.3 (protocol 2.0)</a:t>
+            </a:r>
+          </a:p>
+          <a:p>
+            <a:r>
+              <a:rPr lang="en-US" altLang="ja-JP" sz="2400">
+                <a:latin typeface="Consolas" panose="020B0609020204030204" pitchFamily="49" charset="0"/>
+                <a:cs typeface="Consolas" panose="020B0609020204030204" pitchFamily="49" charset="0"/>
+              </a:rPr>
+              <a:t>2213/tcp open  ssh     OpenSSH 5.3 (protocol 2.0)</a:t>
+            </a:r>
+          </a:p>
+          <a:p>
+            <a:r>
+              <a:rPr lang="en-US" altLang="ja-JP" sz="2400">
+                <a:latin typeface="Consolas" panose="020B0609020204030204" pitchFamily="49" charset="0"/>
+                <a:cs typeface="Consolas" panose="020B0609020204030204" pitchFamily="49" charset="0"/>
+              </a:rPr>
+              <a:t>2214/tcp open  ssh     OpenSSH 5.3 (protocol 2.0)</a:t>
+            </a:r>
+          </a:p>
+          <a:p>
+            <a:r>
+              <a:rPr lang="en-US" altLang="ja-JP" sz="2400">
+                <a:latin typeface="Consolas" panose="020B0609020204030204" pitchFamily="49" charset="0"/>
+                <a:cs typeface="Consolas" panose="020B0609020204030204" pitchFamily="49" charset="0"/>
+              </a:rPr>
+              <a:t>2215/tcp open  ssh     OpenSSH 5.3 (protocol 2.0</a:t>
+            </a:r>
+            <a:r>
+              <a:rPr lang="en-US" altLang="ja-JP" sz="2400" smtClean="0">
+                <a:latin typeface="Consolas" panose="020B0609020204030204" pitchFamily="49" charset="0"/>
+                <a:cs typeface="Consolas" panose="020B0609020204030204" pitchFamily="49" charset="0"/>
+              </a:rPr>
+              <a:t>)</a:t>
+            </a:r>
+            <a:endParaRPr lang="en-US" altLang="ja-JP" sz="2400">
+              <a:latin typeface="Consolas" panose="020B0609020204030204" pitchFamily="49" charset="0"/>
+              <a:cs typeface="Consolas" panose="020B0609020204030204" pitchFamily="49" charset="0"/>
+            </a:endParaRPr>
+          </a:p>
+        </p:txBody>
+      </p:sp>
+      <p:sp>
+        <p:nvSpPr>
+          <p:cNvPr id="5" name="正方形/長方形 4"/>
+          <p:cNvSpPr/>
+          <p:nvPr/>
+        </p:nvSpPr>
+        <p:spPr>
+          <a:xfrm>
+            <a:off x="144833" y="1521929"/>
+            <a:ext cx="8999167" cy="673122"/>
+          </a:xfrm>
+          <a:prstGeom prst="rect">
+            <a:avLst/>
+          </a:prstGeom>
+          <a:solidFill>
+            <a:schemeClr val="accent2">
+              <a:lumMod val="50000"/>
+              <a:alpha val="89000"/>
+            </a:schemeClr>
+          </a:solidFill>
+          <a:ln w="28575" cmpd="sng">
+            <a:solidFill>
+              <a:schemeClr val="accent4">
+                <a:lumMod val="20000"/>
+                <a:lumOff val="80000"/>
+              </a:schemeClr>
+            </a:solidFill>
+          </a:ln>
+          <a:effectLst>
+            <a:glow rad="101600">
+              <a:schemeClr val="tx1">
+                <a:alpha val="22000"/>
+              </a:schemeClr>
+            </a:glow>
+            <a:outerShdw blurRad="50800" dist="38100" dir="2700000" algn="tl" rotWithShape="0">
+              <a:srgbClr val="000000">
+                <a:alpha val="43000"/>
+              </a:srgbClr>
+            </a:outerShdw>
+          </a:effectLst>
+        </p:spPr>
+        <p:style>
+          <a:lnRef idx="1">
+            <a:schemeClr val="accent1"/>
+          </a:lnRef>
+          <a:fillRef idx="3">
+            <a:schemeClr val="accent1"/>
+          </a:fillRef>
+          <a:effectRef idx="2">
+            <a:schemeClr val="accent1"/>
+          </a:effectRef>
+          <a:fontRef idx="minor">
+            <a:schemeClr val="lt1"/>
+          </a:fontRef>
+        </p:style>
+        <p:txBody>
+          <a:bodyPr rtlCol="0" anchor="ctr"/>
+          <a:lstStyle/>
+          <a:p>
+            <a:r>
+              <a:rPr lang="en-US" altLang="ja-JP" sz="3600" b="1" smtClean="0">
+                <a:solidFill>
+                  <a:schemeClr val="accent2">
+                    <a:lumMod val="20000"/>
+                    <a:lumOff val="80000"/>
+                  </a:schemeClr>
+                </a:solidFill>
+                <a:latin typeface="Consolas" panose="020B0609020204030204" pitchFamily="49" charset="0"/>
+                <a:cs typeface="Consolas" panose="020B0609020204030204" pitchFamily="49" charset="0"/>
+              </a:rPr>
+              <a:t> # nmap </a:t>
+            </a:r>
+            <a:r>
+              <a:rPr lang="en-US" altLang="ja-JP" sz="3600" b="1">
+                <a:solidFill>
+                  <a:schemeClr val="accent2">
+                    <a:lumMod val="20000"/>
+                    <a:lumOff val="80000"/>
+                  </a:schemeClr>
+                </a:solidFill>
+                <a:latin typeface="Consolas" panose="020B0609020204030204" pitchFamily="49" charset="0"/>
+                <a:cs typeface="Consolas" panose="020B0609020204030204" pitchFamily="49" charset="0"/>
+              </a:rPr>
+              <a:t>-sV -p0-65535 192.168.2.66</a:t>
+            </a:r>
+            <a:endParaRPr kumimoji="1" lang="ja-JP" altLang="en-US" sz="3600" b="1">
+              <a:solidFill>
+                <a:schemeClr val="accent2">
+                  <a:lumMod val="20000"/>
+                  <a:lumOff val="80000"/>
+                </a:schemeClr>
+              </a:solidFill>
+              <a:latin typeface="Consolas" panose="020B0609020204030204" pitchFamily="49" charset="0"/>
+              <a:cs typeface="Consolas" panose="020B0609020204030204" pitchFamily="49" charset="0"/>
+            </a:endParaRPr>
+          </a:p>
+        </p:txBody>
+      </p:sp>
+    </p:spTree>
+    <p:extLst>
+      <p:ext uri="{BB962C8B-B14F-4D97-AF65-F5344CB8AC3E}">
+        <p14:creationId xmlns:p14="http://schemas.microsoft.com/office/powerpoint/2010/main" val="2991684915"/>
+      </p:ext>
+    </p:extLst>
+  </p:cSld>
+  <p:clrMapOvr>
+    <a:masterClrMapping/>
+  </p:clrMapOvr>
+  <p:timing>
+    <p:tnLst>
+      <p:par>
+        <p:cTn xmlns:p14="http://schemas.microsoft.com/office/powerpoint/2010/main" id="1" dur="indefinite" restart="never" nodeType="tmRoot"/>
+      </p:par>
+    </p:tnLst>
+  </p:timing>
+</p:sld>
+</file>
+
+<file path=ppt/slides/slide31.xml><?xml version="1.0" encoding="utf-8"?>
+<p:sld xmlns:a="http://schemas.openxmlformats.org/drawingml/2006/main" xmlns:r="http://schemas.openxmlformats.org/officeDocument/2006/relationships" xmlns:p="http://schemas.openxmlformats.org/presentationml/2006/main">
+  <p:cSld>
+    <p:spTree>
+      <p:nvGrpSpPr>
+        <p:cNvPr id="1" name=""/>
+        <p:cNvGrpSpPr/>
+        <p:nvPr/>
+      </p:nvGrpSpPr>
+      <p:grpSpPr>
+        <a:xfrm>
+          <a:off x="0" y="0"/>
+          <a:ext cx="0" cy="0"/>
+          <a:chOff x="0" y="0"/>
+          <a:chExt cx="0" cy="0"/>
+        </a:xfrm>
+      </p:grpSpPr>
+      <p:sp>
+        <p:nvSpPr>
+          <p:cNvPr id="4" name="正方形/長方形 3"/>
+          <p:cNvSpPr/>
+          <p:nvPr/>
+        </p:nvSpPr>
+        <p:spPr>
+          <a:xfrm>
+            <a:off x="224286" y="189781"/>
+            <a:ext cx="9144000" cy="6858000"/>
+          </a:xfrm>
+          <a:prstGeom prst="rect">
+            <a:avLst/>
+          </a:prstGeom>
+          <a:solidFill>
+            <a:schemeClr val="accent1">
+              <a:lumMod val="50000"/>
+            </a:schemeClr>
+          </a:solidFill>
+        </p:spPr>
+        <p:style>
+          <a:lnRef idx="2">
+            <a:schemeClr val="accent1">
+              <a:shade val="50000"/>
+            </a:schemeClr>
+          </a:lnRef>
+          <a:fillRef idx="1">
+            <a:schemeClr val="accent1"/>
+          </a:fillRef>
+          <a:effectRef idx="0">
+            <a:schemeClr val="accent1"/>
+          </a:effectRef>
+          <a:fontRef idx="minor">
+            <a:schemeClr val="lt1"/>
+          </a:fontRef>
+        </p:style>
+        <p:txBody>
+          <a:bodyPr rtlCol="0" anchor="ctr"/>
+          <a:lstStyle/>
+          <a:p>
+            <a:r>
+              <a:rPr lang="en-US" altLang="ja-JP" sz="2400" smtClean="0">
+                <a:latin typeface="Consolas" panose="020B0609020204030204" pitchFamily="49" charset="0"/>
+                <a:cs typeface="Consolas" panose="020B0609020204030204" pitchFamily="49" charset="0"/>
+              </a:rPr>
+              <a:t>PORT     </a:t>
+            </a:r>
+            <a:r>
+              <a:rPr lang="en-US" altLang="ja-JP" sz="2400">
+                <a:latin typeface="Consolas" panose="020B0609020204030204" pitchFamily="49" charset="0"/>
+                <a:cs typeface="Consolas" panose="020B0609020204030204" pitchFamily="49" charset="0"/>
+              </a:rPr>
+              <a:t>STATE SERVICE VERSION</a:t>
+            </a:r>
+          </a:p>
+          <a:p>
+            <a:r>
+              <a:rPr lang="en-US" altLang="ja-JP" sz="2400">
+                <a:latin typeface="Consolas" panose="020B0609020204030204" pitchFamily="49" charset="0"/>
+                <a:cs typeface="Consolas" panose="020B0609020204030204" pitchFamily="49" charset="0"/>
+              </a:rPr>
+              <a:t>22/tcp   open  ssh     OpenSSH 5.3 (protocol 2.0)</a:t>
+            </a:r>
+          </a:p>
+          <a:p>
+            <a:r>
+              <a:rPr lang="en-US" altLang="ja-JP" sz="2400">
+                <a:latin typeface="Consolas" panose="020B0609020204030204" pitchFamily="49" charset="0"/>
+                <a:cs typeface="Consolas" panose="020B0609020204030204" pitchFamily="49" charset="0"/>
+              </a:rPr>
+              <a:t>2200/tcp open  ssh     OpenSSH 5.3 (protocol 2.0)</a:t>
+            </a:r>
+          </a:p>
+          <a:p>
+            <a:r>
+              <a:rPr lang="en-US" altLang="ja-JP" sz="2400">
+                <a:latin typeface="Consolas" panose="020B0609020204030204" pitchFamily="49" charset="0"/>
+                <a:cs typeface="Consolas" panose="020B0609020204030204" pitchFamily="49" charset="0"/>
+              </a:rPr>
+              <a:t>2201/tcp open  ssh     OpenSSH 5.3 (protocol 2.0)</a:t>
+            </a:r>
+          </a:p>
+          <a:p>
+            <a:r>
+              <a:rPr lang="en-US" altLang="ja-JP" sz="2400">
+                <a:latin typeface="Consolas" panose="020B0609020204030204" pitchFamily="49" charset="0"/>
+                <a:cs typeface="Consolas" panose="020B0609020204030204" pitchFamily="49" charset="0"/>
+              </a:rPr>
+              <a:t>2202/tcp open  ssh     OpenSSH 5.3 (protocol 2.0)</a:t>
+            </a:r>
+          </a:p>
+          <a:p>
+            <a:r>
+              <a:rPr lang="en-US" altLang="ja-JP" sz="2400">
+                <a:latin typeface="Consolas" panose="020B0609020204030204" pitchFamily="49" charset="0"/>
+                <a:cs typeface="Consolas" panose="020B0609020204030204" pitchFamily="49" charset="0"/>
+              </a:rPr>
+              <a:t>2203/tcp open  ssh     OpenSSH 5.3 (protocol 2.0)</a:t>
+            </a:r>
+          </a:p>
+          <a:p>
+            <a:r>
+              <a:rPr lang="en-US" altLang="ja-JP" sz="2400">
+                <a:latin typeface="Consolas" panose="020B0609020204030204" pitchFamily="49" charset="0"/>
+                <a:cs typeface="Consolas" panose="020B0609020204030204" pitchFamily="49" charset="0"/>
+              </a:rPr>
+              <a:t>2204/tcp open  ssh     OpenSSH 5.3 (protocol 2.0)</a:t>
+            </a:r>
+          </a:p>
+          <a:p>
+            <a:r>
+              <a:rPr lang="en-US" altLang="ja-JP" sz="2400">
+                <a:latin typeface="Consolas" panose="020B0609020204030204" pitchFamily="49" charset="0"/>
+                <a:cs typeface="Consolas" panose="020B0609020204030204" pitchFamily="49" charset="0"/>
+              </a:rPr>
+              <a:t>2205/tcp open  ssh     OpenSSH 5.3 (protocol 2.0)</a:t>
+            </a:r>
+          </a:p>
+          <a:p>
+            <a:r>
+              <a:rPr lang="en-US" altLang="ja-JP" sz="2400">
+                <a:latin typeface="Consolas" panose="020B0609020204030204" pitchFamily="49" charset="0"/>
+                <a:cs typeface="Consolas" panose="020B0609020204030204" pitchFamily="49" charset="0"/>
+              </a:rPr>
+              <a:t>2206/tcp open  ssh     OpenSSH 5.3 (protocol 2.0)</a:t>
+            </a:r>
+          </a:p>
+          <a:p>
+            <a:r>
+              <a:rPr lang="en-US" altLang="ja-JP" sz="2400">
+                <a:latin typeface="Consolas" panose="020B0609020204030204" pitchFamily="49" charset="0"/>
+                <a:cs typeface="Consolas" panose="020B0609020204030204" pitchFamily="49" charset="0"/>
+              </a:rPr>
+              <a:t>2207/tcp open  ssh     OpenSSH 5.3 (protocol 2.0)</a:t>
+            </a:r>
+          </a:p>
+          <a:p>
+            <a:r>
+              <a:rPr lang="en-US" altLang="ja-JP" sz="2400">
+                <a:latin typeface="Consolas" panose="020B0609020204030204" pitchFamily="49" charset="0"/>
+                <a:cs typeface="Consolas" panose="020B0609020204030204" pitchFamily="49" charset="0"/>
+              </a:rPr>
+              <a:t>2208/tcp open  ssh     OpenSSH 5.3 (protocol 2.0)</a:t>
+            </a:r>
+          </a:p>
+          <a:p>
+            <a:r>
+              <a:rPr lang="en-US" altLang="ja-JP" sz="2400">
+                <a:latin typeface="Consolas" panose="020B0609020204030204" pitchFamily="49" charset="0"/>
+                <a:cs typeface="Consolas" panose="020B0609020204030204" pitchFamily="49" charset="0"/>
+              </a:rPr>
+              <a:t>2209/tcp open  ssh     OpenSSH 5.3 (protocol 2.0)</a:t>
+            </a:r>
+          </a:p>
+          <a:p>
+            <a:r>
+              <a:rPr lang="en-US" altLang="ja-JP" sz="2400">
+                <a:latin typeface="Consolas" panose="020B0609020204030204" pitchFamily="49" charset="0"/>
+                <a:cs typeface="Consolas" panose="020B0609020204030204" pitchFamily="49" charset="0"/>
+              </a:rPr>
+              <a:t>2210/tcp open  ssh     OpenSSH 5.3 (protocol 2.0)</a:t>
+            </a:r>
+          </a:p>
+          <a:p>
+            <a:r>
+              <a:rPr lang="en-US" altLang="ja-JP" sz="2400">
+                <a:latin typeface="Consolas" panose="020B0609020204030204" pitchFamily="49" charset="0"/>
+                <a:cs typeface="Consolas" panose="020B0609020204030204" pitchFamily="49" charset="0"/>
+              </a:rPr>
+              <a:t>2211/tcp open  ssh     OpenSSH 5.3 (protocol 2.0)</a:t>
+            </a:r>
+          </a:p>
+          <a:p>
+            <a:r>
+              <a:rPr lang="en-US" altLang="ja-JP" sz="2400">
+                <a:latin typeface="Consolas" panose="020B0609020204030204" pitchFamily="49" charset="0"/>
+                <a:cs typeface="Consolas" panose="020B0609020204030204" pitchFamily="49" charset="0"/>
+              </a:rPr>
+              <a:t>2212/tcp open  ssh     OpenSSH 5.3 (protocol 2.0)</a:t>
+            </a:r>
+          </a:p>
+          <a:p>
+            <a:r>
+              <a:rPr lang="en-US" altLang="ja-JP" sz="2400">
+                <a:latin typeface="Consolas" panose="020B0609020204030204" pitchFamily="49" charset="0"/>
+                <a:cs typeface="Consolas" panose="020B0609020204030204" pitchFamily="49" charset="0"/>
+              </a:rPr>
+              <a:t>2213/tcp open  ssh     OpenSSH 5.3 (protocol 2.0)</a:t>
+            </a:r>
+          </a:p>
+          <a:p>
+            <a:r>
+              <a:rPr lang="en-US" altLang="ja-JP" sz="2400">
+                <a:latin typeface="Consolas" panose="020B0609020204030204" pitchFamily="49" charset="0"/>
+                <a:cs typeface="Consolas" panose="020B0609020204030204" pitchFamily="49" charset="0"/>
+              </a:rPr>
+              <a:t>2214/tcp open  ssh     OpenSSH 5.3 (protocol 2.0)</a:t>
+            </a:r>
+          </a:p>
+          <a:p>
+            <a:r>
+              <a:rPr lang="en-US" altLang="ja-JP" sz="2400">
+                <a:latin typeface="Consolas" panose="020B0609020204030204" pitchFamily="49" charset="0"/>
+                <a:cs typeface="Consolas" panose="020B0609020204030204" pitchFamily="49" charset="0"/>
+              </a:rPr>
+              <a:t>2215/tcp open  ssh     OpenSSH 5.3 (protocol 2.0</a:t>
+            </a:r>
+            <a:r>
+              <a:rPr lang="en-US" altLang="ja-JP" sz="2400" smtClean="0">
+                <a:latin typeface="Consolas" panose="020B0609020204030204" pitchFamily="49" charset="0"/>
+                <a:cs typeface="Consolas" panose="020B0609020204030204" pitchFamily="49" charset="0"/>
+              </a:rPr>
+              <a:t>)</a:t>
+            </a:r>
+            <a:endParaRPr lang="en-US" altLang="ja-JP" sz="2400">
+              <a:latin typeface="Consolas" panose="020B0609020204030204" pitchFamily="49" charset="0"/>
+              <a:cs typeface="Consolas" panose="020B0609020204030204" pitchFamily="49" charset="0"/>
+            </a:endParaRPr>
+          </a:p>
+        </p:txBody>
+      </p:sp>
+      <p:sp>
+        <p:nvSpPr>
+          <p:cNvPr id="5" name="正方形/長方形 4"/>
+          <p:cNvSpPr/>
+          <p:nvPr/>
+        </p:nvSpPr>
+        <p:spPr>
+          <a:xfrm>
+            <a:off x="144833" y="1521929"/>
+            <a:ext cx="8999167" cy="673122"/>
+          </a:xfrm>
+          <a:prstGeom prst="rect">
+            <a:avLst/>
+          </a:prstGeom>
+          <a:solidFill>
+            <a:schemeClr val="accent2">
+              <a:lumMod val="50000"/>
+              <a:alpha val="89000"/>
+            </a:schemeClr>
+          </a:solidFill>
+          <a:ln w="28575" cmpd="sng">
+            <a:solidFill>
+              <a:schemeClr val="accent4">
+                <a:lumMod val="20000"/>
+                <a:lumOff val="80000"/>
+              </a:schemeClr>
+            </a:solidFill>
+          </a:ln>
+          <a:effectLst>
+            <a:glow rad="101600">
+              <a:schemeClr val="tx1">
+                <a:alpha val="22000"/>
+              </a:schemeClr>
+            </a:glow>
+            <a:outerShdw blurRad="50800" dist="38100" dir="2700000" algn="tl" rotWithShape="0">
+              <a:srgbClr val="000000">
+                <a:alpha val="43000"/>
+              </a:srgbClr>
+            </a:outerShdw>
+          </a:effectLst>
+        </p:spPr>
+        <p:style>
+          <a:lnRef idx="1">
+            <a:schemeClr val="accent1"/>
+          </a:lnRef>
+          <a:fillRef idx="3">
+            <a:schemeClr val="accent1"/>
+          </a:fillRef>
+          <a:effectRef idx="2">
+            <a:schemeClr val="accent1"/>
+          </a:effectRef>
+          <a:fontRef idx="minor">
+            <a:schemeClr val="lt1"/>
+          </a:fontRef>
+        </p:style>
+        <p:txBody>
+          <a:bodyPr rtlCol="0" anchor="ctr"/>
+          <a:lstStyle/>
+          <a:p>
+            <a:r>
+              <a:rPr lang="en-US" altLang="ja-JP" sz="3600" b="1" smtClean="0">
+                <a:solidFill>
+                  <a:schemeClr val="accent2">
+                    <a:lumMod val="20000"/>
+                    <a:lumOff val="80000"/>
+                  </a:schemeClr>
+                </a:solidFill>
+                <a:latin typeface="Consolas" panose="020B0609020204030204" pitchFamily="49" charset="0"/>
+                <a:cs typeface="Consolas" panose="020B0609020204030204" pitchFamily="49" charset="0"/>
+              </a:rPr>
+              <a:t> # nmap </a:t>
+            </a:r>
+            <a:r>
+              <a:rPr lang="en-US" altLang="ja-JP" sz="3600" b="1">
+                <a:solidFill>
+                  <a:schemeClr val="accent2">
+                    <a:lumMod val="20000"/>
+                    <a:lumOff val="80000"/>
+                  </a:schemeClr>
+                </a:solidFill>
+                <a:latin typeface="Consolas" panose="020B0609020204030204" pitchFamily="49" charset="0"/>
+                <a:cs typeface="Consolas" panose="020B0609020204030204" pitchFamily="49" charset="0"/>
+              </a:rPr>
+              <a:t>-sV -p0-65535 192.168.2.66</a:t>
+            </a:r>
+            <a:endParaRPr kumimoji="1" lang="ja-JP" altLang="en-US" sz="3600" b="1">
+              <a:solidFill>
+                <a:schemeClr val="accent2">
+                  <a:lumMod val="20000"/>
+                  <a:lumOff val="80000"/>
+                </a:schemeClr>
+              </a:solidFill>
+              <a:latin typeface="Consolas" panose="020B0609020204030204" pitchFamily="49" charset="0"/>
+              <a:cs typeface="Consolas" panose="020B0609020204030204" pitchFamily="49" charset="0"/>
+            </a:endParaRPr>
+          </a:p>
+        </p:txBody>
+      </p:sp>
+      <p:pic>
+        <p:nvPicPr>
+          <p:cNvPr id="2" name="図 1"/>
+          <p:cNvPicPr>
+            <a:picLocks noChangeAspect="1"/>
+          </p:cNvPicPr>
+          <p:nvPr/>
+        </p:nvPicPr>
+        <p:blipFill>
+          <a:blip r:embed="rId2"/>
+          <a:stretch>
+            <a:fillRect/>
+          </a:stretch>
+        </p:blipFill>
+        <p:spPr>
+          <a:xfrm>
+            <a:off x="1511300" y="2895600"/>
+            <a:ext cx="6667500" cy="2209800"/>
+          </a:xfrm>
+          <a:prstGeom prst="rect">
+            <a:avLst/>
+          </a:prstGeom>
+        </p:spPr>
+      </p:pic>
+    </p:spTree>
+    <p:extLst>
+      <p:ext uri="{BB962C8B-B14F-4D97-AF65-F5344CB8AC3E}">
+        <p14:creationId xmlns:p14="http://schemas.microsoft.com/office/powerpoint/2010/main" val="311579348"/>
+      </p:ext>
+    </p:extLst>
+  </p:cSld>
+  <p:clrMapOvr>
+    <a:masterClrMapping/>
+  </p:clrMapOvr>
+  <p:timing>
+    <p:tnLst>
+      <p:par>
+        <p:cTn xmlns:p14="http://schemas.microsoft.com/office/powerpoint/2010/main" id="1" dur="indefinite" restart="never" nodeType="tmRoot"/>
+      </p:par>
+    </p:tnLst>
+  </p:timing>
+</p:sld>
+</file>
+
+<file path=ppt/slides/slide32.xml><?xml version="1.0" encoding="utf-8"?>
 <p:sld xmlns:a="http://schemas.openxmlformats.org/drawingml/2006/main" xmlns:r="http://schemas.openxmlformats.org/officeDocument/2006/relationships" xmlns:p="http://schemas.openxmlformats.org/presentationml/2006/main">
   <p:cSld>
     <p:spTree>
@@ -10678,14 +11113,895 @@
   <p:timing>
     <p:tnLst>
       <p:par>
-        <p:cTn id="1" dur="indefinite" restart="never" nodeType="tmRoot"/>
+        <p:cTn xmlns:p14="http://schemas.microsoft.com/office/powerpoint/2010/main" id="1" dur="indefinite" restart="never" nodeType="tmRoot"/>
       </p:par>
     </p:tnLst>
   </p:timing>
 </p:sld>
 </file>
 
-<file path=ppt/slides/slide31.xml><?xml version="1.0" encoding="utf-8"?>
+<file path=ppt/slides/slide33.xml><?xml version="1.0" encoding="utf-8"?>
+<p:sld xmlns:a="http://schemas.openxmlformats.org/drawingml/2006/main" xmlns:r="http://schemas.openxmlformats.org/officeDocument/2006/relationships" xmlns:p="http://schemas.openxmlformats.org/presentationml/2006/main">
+  <p:cSld>
+    <p:spTree>
+      <p:nvGrpSpPr>
+        <p:cNvPr id="1" name=""/>
+        <p:cNvGrpSpPr/>
+        <p:nvPr/>
+      </p:nvGrpSpPr>
+      <p:grpSpPr>
+        <a:xfrm>
+          <a:off x="0" y="0"/>
+          <a:ext cx="0" cy="0"/>
+          <a:chOff x="0" y="0"/>
+          <a:chExt cx="0" cy="0"/>
+        </a:xfrm>
+      </p:grpSpPr>
+      <p:sp>
+        <p:nvSpPr>
+          <p:cNvPr id="2" name="タイトル 1"/>
+          <p:cNvSpPr>
+            <a:spLocks noGrp="1"/>
+          </p:cNvSpPr>
+          <p:nvPr>
+            <p:ph type="title"/>
+          </p:nvPr>
+        </p:nvSpPr>
+        <p:spPr>
+          <a:xfrm>
+            <a:off x="628650" y="365126"/>
+            <a:ext cx="7886700" cy="815703"/>
+          </a:xfrm>
+        </p:spPr>
+        <p:txBody>
+          <a:bodyPr>
+            <a:normAutofit/>
+          </a:bodyPr>
+          <a:lstStyle/>
+          <a:p>
+            <a:r>
+              <a:rPr kumimoji="1" lang="en-US" altLang="ja-JP" sz="4800"/>
+              <a:t>Decoy (</a:t>
+            </a:r>
+            <a:r>
+              <a:rPr kumimoji="1" lang="ja-JP" altLang="en-US" sz="4800"/>
+              <a:t>囮</a:t>
+            </a:r>
+            <a:r>
+              <a:rPr kumimoji="1" lang="en-US" altLang="ja-JP" sz="4800"/>
+              <a:t>)</a:t>
+            </a:r>
+            <a:endParaRPr kumimoji="1" lang="ja-JP" altLang="en-US" sz="4800"/>
+          </a:p>
+        </p:txBody>
+      </p:sp>
+      <p:sp>
+        <p:nvSpPr>
+          <p:cNvPr id="3" name="コンテンツ プレースホルダー 2"/>
+          <p:cNvSpPr>
+            <a:spLocks noGrp="1"/>
+          </p:cNvSpPr>
+          <p:nvPr>
+            <p:ph idx="1"/>
+          </p:nvPr>
+        </p:nvSpPr>
+        <p:spPr>
+          <a:xfrm>
+            <a:off x="617508" y="1647387"/>
+            <a:ext cx="8069291" cy="1817122"/>
+          </a:xfrm>
+        </p:spPr>
+        <p:txBody>
+          <a:bodyPr>
+            <a:noAutofit/>
+          </a:bodyPr>
+          <a:lstStyle/>
+          <a:p>
+            <a:r>
+              <a:rPr lang="en-US" altLang="ja-JP" sz="4000"/>
+              <a:t>"Decoys are </a:t>
+            </a:r>
+            <a:r>
+              <a:rPr lang="en-US" altLang="ja-JP" sz="4000" b="1">
+                <a:solidFill>
+                  <a:srgbClr val="FF0000"/>
+                </a:solidFill>
+              </a:rPr>
+              <a:t>fake</a:t>
+            </a:r>
+            <a:r>
+              <a:rPr lang="en-US" altLang="ja-JP" sz="4000"/>
+              <a:t> military equipment that are intended to </a:t>
+            </a:r>
+            <a:r>
+              <a:rPr lang="en-US" altLang="ja-JP" sz="4000" b="1">
+                <a:solidFill>
+                  <a:srgbClr val="FF0000"/>
+                </a:solidFill>
+              </a:rPr>
+              <a:t>deceive</a:t>
+            </a:r>
+            <a:r>
+              <a:rPr lang="en-US" altLang="ja-JP" sz="4000"/>
+              <a:t> the enemy."</a:t>
+            </a:r>
+          </a:p>
+          <a:p>
+            <a:pPr lvl="1"/>
+            <a:r>
+              <a:rPr lang="en-US" altLang="ja-JP" sz="2800"/>
+              <a:t>Wikipedia [Decoy] </a:t>
+            </a:r>
+            <a:r>
+              <a:rPr lang="ja-JP" altLang="en-US" sz="2800"/>
+              <a:t>より引用</a:t>
+            </a:r>
+            <a:endParaRPr lang="en-US" altLang="ja-JP" sz="2800"/>
+          </a:p>
+        </p:txBody>
+      </p:sp>
+    </p:spTree>
+    <p:extLst>
+      <p:ext uri="{BB962C8B-B14F-4D97-AF65-F5344CB8AC3E}">
+        <p14:creationId xmlns:p14="http://schemas.microsoft.com/office/powerpoint/2010/main" val="4014586209"/>
+      </p:ext>
+    </p:extLst>
+  </p:cSld>
+  <p:clrMapOvr>
+    <a:masterClrMapping/>
+  </p:clrMapOvr>
+  <p:timing>
+    <p:tnLst>
+      <p:par>
+        <p:cTn xmlns:p14="http://schemas.microsoft.com/office/powerpoint/2010/main" id="1" dur="indefinite" restart="never" nodeType="tmRoot"/>
+      </p:par>
+    </p:tnLst>
+  </p:timing>
+</p:sld>
+</file>
+
+<file path=ppt/slides/slide34.xml><?xml version="1.0" encoding="utf-8"?>
+<p:sld xmlns:a="http://schemas.openxmlformats.org/drawingml/2006/main" xmlns:r="http://schemas.openxmlformats.org/officeDocument/2006/relationships" xmlns:p="http://schemas.openxmlformats.org/presentationml/2006/main">
+  <p:cSld>
+    <p:bg>
+      <p:bgPr>
+        <a:solidFill>
+          <a:schemeClr val="tx1"/>
+        </a:solidFill>
+        <a:effectLst/>
+      </p:bgPr>
+    </p:bg>
+    <p:spTree>
+      <p:nvGrpSpPr>
+        <p:cNvPr id="1" name=""/>
+        <p:cNvGrpSpPr/>
+        <p:nvPr/>
+      </p:nvGrpSpPr>
+      <p:grpSpPr>
+        <a:xfrm>
+          <a:off x="0" y="0"/>
+          <a:ext cx="0" cy="0"/>
+          <a:chOff x="0" y="0"/>
+          <a:chExt cx="0" cy="0"/>
+        </a:xfrm>
+      </p:grpSpPr>
+      <p:pic>
+        <p:nvPicPr>
+          <p:cNvPr id="4" name="図 3"/>
+          <p:cNvPicPr>
+            <a:picLocks noChangeAspect="1"/>
+          </p:cNvPicPr>
+          <p:nvPr/>
+        </p:nvPicPr>
+        <p:blipFill>
+          <a:blip r:embed="rId2"/>
+          <a:stretch>
+            <a:fillRect/>
+          </a:stretch>
+        </p:blipFill>
+        <p:spPr>
+          <a:xfrm>
+            <a:off x="0" y="0"/>
+            <a:ext cx="9144000" cy="7360920"/>
+          </a:xfrm>
+          <a:prstGeom prst="rect">
+            <a:avLst/>
+          </a:prstGeom>
+        </p:spPr>
+      </p:pic>
+      <p:sp>
+        <p:nvSpPr>
+          <p:cNvPr id="5" name="正方形/長方形 4"/>
+          <p:cNvSpPr/>
+          <p:nvPr/>
+        </p:nvSpPr>
+        <p:spPr>
+          <a:xfrm>
+            <a:off x="982133" y="4467684"/>
+            <a:ext cx="7789334" cy="1065283"/>
+          </a:xfrm>
+          <a:prstGeom prst="rect">
+            <a:avLst/>
+          </a:prstGeom>
+          <a:solidFill>
+            <a:schemeClr val="bg2">
+              <a:lumMod val="10000"/>
+            </a:schemeClr>
+          </a:solidFill>
+          <a:ln w="28575" cmpd="sng">
+            <a:noFill/>
+          </a:ln>
+          <a:effectLst>
+            <a:glow rad="101600">
+              <a:schemeClr val="tx1">
+                <a:alpha val="22000"/>
+              </a:schemeClr>
+            </a:glow>
+            <a:outerShdw blurRad="50800" dist="38100" dir="2700000" algn="tl" rotWithShape="0">
+              <a:srgbClr val="000000">
+                <a:alpha val="43000"/>
+              </a:srgbClr>
+            </a:outerShdw>
+          </a:effectLst>
+        </p:spPr>
+        <p:style>
+          <a:lnRef idx="1">
+            <a:schemeClr val="accent1"/>
+          </a:lnRef>
+          <a:fillRef idx="3">
+            <a:schemeClr val="accent1"/>
+          </a:fillRef>
+          <a:effectRef idx="2">
+            <a:schemeClr val="accent1"/>
+          </a:effectRef>
+          <a:fontRef idx="minor">
+            <a:schemeClr val="lt1"/>
+          </a:fontRef>
+        </p:style>
+        <p:txBody>
+          <a:bodyPr lIns="180000" rIns="180000" rtlCol="0" anchor="ctr"/>
+          <a:lstStyle/>
+          <a:p>
+            <a:r>
+              <a:rPr kumimoji="1" lang="ja-JP" altLang="en-US" sz="2800">
+                <a:solidFill>
+                  <a:schemeClr val="bg1">
+                    <a:lumMod val="85000"/>
+                  </a:schemeClr>
+                </a:solidFill>
+                <a:latin typeface="メイリオ"/>
+                <a:ea typeface="メイリオ"/>
+                <a:cs typeface="メイリオ"/>
+              </a:rPr>
+              <a:t>フレア：</a:t>
+            </a:r>
+            <a:endParaRPr kumimoji="1" lang="en-US" altLang="ja-JP" sz="2800">
+              <a:solidFill>
+                <a:schemeClr val="bg1">
+                  <a:lumMod val="85000"/>
+                </a:schemeClr>
+              </a:solidFill>
+              <a:latin typeface="メイリオ"/>
+              <a:ea typeface="メイリオ"/>
+              <a:cs typeface="メイリオ"/>
+            </a:endParaRPr>
+          </a:p>
+          <a:p>
+            <a:r>
+              <a:rPr kumimoji="1" lang="ja-JP" altLang="en-US" sz="2800">
+                <a:solidFill>
+                  <a:schemeClr val="bg1">
+                    <a:lumMod val="85000"/>
+                  </a:schemeClr>
+                </a:solidFill>
+                <a:latin typeface="メイリオ"/>
+                <a:ea typeface="メイリオ"/>
+                <a:cs typeface="メイリオ"/>
+              </a:rPr>
+              <a:t>赤外線誘導ミサイルへのアクティブ・デコイ</a:t>
+            </a:r>
+            <a:endParaRPr kumimoji="1" lang="ja-JP" altLang="en-US" sz="2800">
+              <a:solidFill>
+                <a:schemeClr val="bg1">
+                  <a:lumMod val="85000"/>
+                </a:schemeClr>
+              </a:solidFill>
+              <a:latin typeface="メイリオ"/>
+              <a:ea typeface="メイリオ"/>
+              <a:cs typeface="メイリオ"/>
+            </a:endParaRPr>
+          </a:p>
+        </p:txBody>
+      </p:sp>
+      <p:sp>
+        <p:nvSpPr>
+          <p:cNvPr id="6" name="正方形/長方形 5"/>
+          <p:cNvSpPr/>
+          <p:nvPr/>
+        </p:nvSpPr>
+        <p:spPr>
+          <a:xfrm>
+            <a:off x="5350933" y="111585"/>
+            <a:ext cx="3793067" cy="421816"/>
+          </a:xfrm>
+          <a:prstGeom prst="rect">
+            <a:avLst/>
+          </a:prstGeom>
+          <a:solidFill>
+            <a:schemeClr val="bg2">
+              <a:lumMod val="10000"/>
+            </a:schemeClr>
+          </a:solidFill>
+          <a:ln w="28575" cmpd="sng">
+            <a:noFill/>
+          </a:ln>
+          <a:effectLst>
+            <a:glow rad="101600">
+              <a:schemeClr val="tx1">
+                <a:alpha val="22000"/>
+              </a:schemeClr>
+            </a:glow>
+            <a:outerShdw blurRad="50800" dist="38100" dir="2700000" algn="tl" rotWithShape="0">
+              <a:srgbClr val="000000">
+                <a:alpha val="43000"/>
+              </a:srgbClr>
+            </a:outerShdw>
+          </a:effectLst>
+        </p:spPr>
+        <p:style>
+          <a:lnRef idx="1">
+            <a:schemeClr val="accent1"/>
+          </a:lnRef>
+          <a:fillRef idx="3">
+            <a:schemeClr val="accent1"/>
+          </a:fillRef>
+          <a:effectRef idx="2">
+            <a:schemeClr val="accent1"/>
+          </a:effectRef>
+          <a:fontRef idx="minor">
+            <a:schemeClr val="lt1"/>
+          </a:fontRef>
+        </p:style>
+        <p:txBody>
+          <a:bodyPr lIns="180000" rIns="180000" rtlCol="0" anchor="ctr"/>
+          <a:lstStyle/>
+          <a:p>
+            <a:r>
+              <a:rPr lang="en-US" altLang="ja-JP" sz="1100">
+                <a:solidFill>
+                  <a:schemeClr val="bg1">
+                    <a:lumMod val="85000"/>
+                  </a:schemeClr>
+                </a:solidFill>
+                <a:latin typeface="メイリオ"/>
+                <a:ea typeface="メイリオ"/>
+                <a:cs typeface="メイリオ"/>
+              </a:rPr>
+              <a:t>Wikipedia "Lockheed C-130 Hercules" </a:t>
+            </a:r>
+            <a:r>
+              <a:rPr lang="ja-JP" altLang="en-US" sz="1100">
+                <a:solidFill>
+                  <a:schemeClr val="bg1">
+                    <a:lumMod val="85000"/>
+                  </a:schemeClr>
+                </a:solidFill>
+                <a:latin typeface="メイリオ"/>
+                <a:ea typeface="メイリオ"/>
+                <a:cs typeface="メイリオ"/>
+              </a:rPr>
+              <a:t>より引用</a:t>
+            </a:r>
+            <a:endParaRPr kumimoji="1" lang="ja-JP" altLang="en-US" sz="1100">
+              <a:solidFill>
+                <a:schemeClr val="bg1">
+                  <a:lumMod val="85000"/>
+                </a:schemeClr>
+              </a:solidFill>
+              <a:latin typeface="メイリオ"/>
+              <a:ea typeface="メイリオ"/>
+              <a:cs typeface="メイリオ"/>
+            </a:endParaRPr>
+          </a:p>
+        </p:txBody>
+      </p:sp>
+    </p:spTree>
+    <p:extLst>
+      <p:ext uri="{BB962C8B-B14F-4D97-AF65-F5344CB8AC3E}">
+        <p14:creationId xmlns:p14="http://schemas.microsoft.com/office/powerpoint/2010/main" val="846265346"/>
+      </p:ext>
+    </p:extLst>
+  </p:cSld>
+  <p:clrMapOvr>
+    <a:masterClrMapping/>
+  </p:clrMapOvr>
+  <p:timing>
+    <p:tnLst>
+      <p:par>
+        <p:cTn xmlns:p14="http://schemas.microsoft.com/office/powerpoint/2010/main" id="1" dur="indefinite" restart="never" nodeType="tmRoot"/>
+      </p:par>
+    </p:tnLst>
+  </p:timing>
+</p:sld>
+</file>
+
+<file path=ppt/slides/slide35.xml><?xml version="1.0" encoding="utf-8"?>
+<p:sld xmlns:a="http://schemas.openxmlformats.org/drawingml/2006/main" xmlns:r="http://schemas.openxmlformats.org/officeDocument/2006/relationships" xmlns:p="http://schemas.openxmlformats.org/presentationml/2006/main">
+  <p:cSld>
+    <p:spTree>
+      <p:nvGrpSpPr>
+        <p:cNvPr id="1" name=""/>
+        <p:cNvGrpSpPr/>
+        <p:nvPr/>
+      </p:nvGrpSpPr>
+      <p:grpSpPr>
+        <a:xfrm>
+          <a:off x="0" y="0"/>
+          <a:ext cx="0" cy="0"/>
+          <a:chOff x="0" y="0"/>
+          <a:chExt cx="0" cy="0"/>
+        </a:xfrm>
+      </p:grpSpPr>
+      <p:sp>
+        <p:nvSpPr>
+          <p:cNvPr id="4" name="正方形/長方形 3"/>
+          <p:cNvSpPr/>
+          <p:nvPr/>
+        </p:nvSpPr>
+        <p:spPr>
+          <a:xfrm>
+            <a:off x="224286" y="189781"/>
+            <a:ext cx="9144000" cy="6858000"/>
+          </a:xfrm>
+          <a:prstGeom prst="rect">
+            <a:avLst/>
+          </a:prstGeom>
+          <a:solidFill>
+            <a:schemeClr val="accent1">
+              <a:lumMod val="50000"/>
+            </a:schemeClr>
+          </a:solidFill>
+        </p:spPr>
+        <p:style>
+          <a:lnRef idx="2">
+            <a:schemeClr val="accent1">
+              <a:shade val="50000"/>
+            </a:schemeClr>
+          </a:lnRef>
+          <a:fillRef idx="1">
+            <a:schemeClr val="accent1"/>
+          </a:fillRef>
+          <a:effectRef idx="0">
+            <a:schemeClr val="accent1"/>
+          </a:effectRef>
+          <a:fontRef idx="minor">
+            <a:schemeClr val="lt1"/>
+          </a:fontRef>
+        </p:style>
+        <p:txBody>
+          <a:bodyPr rtlCol="0" anchor="ctr"/>
+          <a:lstStyle/>
+          <a:p>
+            <a:r>
+              <a:rPr lang="en-US" altLang="ja-JP" sz="2400" smtClean="0">
+                <a:latin typeface="Consolas" panose="020B0609020204030204" pitchFamily="49" charset="0"/>
+                <a:cs typeface="Consolas" panose="020B0609020204030204" pitchFamily="49" charset="0"/>
+              </a:rPr>
+              <a:t>PORT     </a:t>
+            </a:r>
+            <a:r>
+              <a:rPr lang="en-US" altLang="ja-JP" sz="2400">
+                <a:latin typeface="Consolas" panose="020B0609020204030204" pitchFamily="49" charset="0"/>
+                <a:cs typeface="Consolas" panose="020B0609020204030204" pitchFamily="49" charset="0"/>
+              </a:rPr>
+              <a:t>STATE SERVICE VERSION</a:t>
+            </a:r>
+          </a:p>
+          <a:p>
+            <a:r>
+              <a:rPr lang="en-US" altLang="ja-JP" sz="2400">
+                <a:latin typeface="Consolas" panose="020B0609020204030204" pitchFamily="49" charset="0"/>
+                <a:cs typeface="Consolas" panose="020B0609020204030204" pitchFamily="49" charset="0"/>
+              </a:rPr>
+              <a:t>22/tcp   open  ssh     OpenSSH 5.3 (protocol 2.0)</a:t>
+            </a:r>
+          </a:p>
+          <a:p>
+            <a:r>
+              <a:rPr lang="en-US" altLang="ja-JP" sz="2400">
+                <a:latin typeface="Consolas" panose="020B0609020204030204" pitchFamily="49" charset="0"/>
+                <a:cs typeface="Consolas" panose="020B0609020204030204" pitchFamily="49" charset="0"/>
+              </a:rPr>
+              <a:t>2200/tcp open  ssh     OpenSSH 5.3 (protocol 2.0)</a:t>
+            </a:r>
+          </a:p>
+          <a:p>
+            <a:r>
+              <a:rPr lang="en-US" altLang="ja-JP" sz="2400">
+                <a:latin typeface="Consolas" panose="020B0609020204030204" pitchFamily="49" charset="0"/>
+                <a:cs typeface="Consolas" panose="020B0609020204030204" pitchFamily="49" charset="0"/>
+              </a:rPr>
+              <a:t>2201/tcp open  ssh     OpenSSH 5.3 (protocol 2.0)</a:t>
+            </a:r>
+          </a:p>
+          <a:p>
+            <a:r>
+              <a:rPr lang="en-US" altLang="ja-JP" sz="2400">
+                <a:latin typeface="Consolas" panose="020B0609020204030204" pitchFamily="49" charset="0"/>
+                <a:cs typeface="Consolas" panose="020B0609020204030204" pitchFamily="49" charset="0"/>
+              </a:rPr>
+              <a:t>2202/tcp open  ssh     OpenSSH 5.3 (protocol 2.0)</a:t>
+            </a:r>
+          </a:p>
+          <a:p>
+            <a:r>
+              <a:rPr lang="en-US" altLang="ja-JP" sz="2400">
+                <a:latin typeface="Consolas" panose="020B0609020204030204" pitchFamily="49" charset="0"/>
+                <a:cs typeface="Consolas" panose="020B0609020204030204" pitchFamily="49" charset="0"/>
+              </a:rPr>
+              <a:t>2203/tcp open  ssh     OpenSSH 5.3 (protocol 2.0)</a:t>
+            </a:r>
+          </a:p>
+          <a:p>
+            <a:r>
+              <a:rPr lang="en-US" altLang="ja-JP" sz="2400">
+                <a:latin typeface="Consolas" panose="020B0609020204030204" pitchFamily="49" charset="0"/>
+                <a:cs typeface="Consolas" panose="020B0609020204030204" pitchFamily="49" charset="0"/>
+              </a:rPr>
+              <a:t>2204/tcp open  ssh     OpenSSH 5.3 (protocol 2.0)</a:t>
+            </a:r>
+          </a:p>
+          <a:p>
+            <a:r>
+              <a:rPr lang="en-US" altLang="ja-JP" sz="2400">
+                <a:latin typeface="Consolas" panose="020B0609020204030204" pitchFamily="49" charset="0"/>
+                <a:cs typeface="Consolas" panose="020B0609020204030204" pitchFamily="49" charset="0"/>
+              </a:rPr>
+              <a:t>2205/tcp open  ssh     OpenSSH 5.3 (protocol 2.0)</a:t>
+            </a:r>
+          </a:p>
+          <a:p>
+            <a:r>
+              <a:rPr lang="en-US" altLang="ja-JP" sz="2400">
+                <a:latin typeface="Consolas" panose="020B0609020204030204" pitchFamily="49" charset="0"/>
+                <a:cs typeface="Consolas" panose="020B0609020204030204" pitchFamily="49" charset="0"/>
+              </a:rPr>
+              <a:t>2206/tcp open  ssh     OpenSSH 5.3 (protocol 2.0)</a:t>
+            </a:r>
+          </a:p>
+          <a:p>
+            <a:r>
+              <a:rPr lang="en-US" altLang="ja-JP" sz="2400">
+                <a:latin typeface="Consolas" panose="020B0609020204030204" pitchFamily="49" charset="0"/>
+                <a:cs typeface="Consolas" panose="020B0609020204030204" pitchFamily="49" charset="0"/>
+              </a:rPr>
+              <a:t>2207/tcp open  ssh     OpenSSH 5.3 (protocol 2.0)</a:t>
+            </a:r>
+          </a:p>
+          <a:p>
+            <a:r>
+              <a:rPr lang="en-US" altLang="ja-JP" sz="2400">
+                <a:latin typeface="Consolas" panose="020B0609020204030204" pitchFamily="49" charset="0"/>
+                <a:cs typeface="Consolas" panose="020B0609020204030204" pitchFamily="49" charset="0"/>
+              </a:rPr>
+              <a:t>2208/tcp open  ssh     OpenSSH 5.3 (protocol 2.0)</a:t>
+            </a:r>
+          </a:p>
+          <a:p>
+            <a:r>
+              <a:rPr lang="en-US" altLang="ja-JP" sz="2400">
+                <a:latin typeface="Consolas" panose="020B0609020204030204" pitchFamily="49" charset="0"/>
+                <a:cs typeface="Consolas" panose="020B0609020204030204" pitchFamily="49" charset="0"/>
+              </a:rPr>
+              <a:t>2209/tcp open  ssh     OpenSSH 5.3 (protocol 2.0)</a:t>
+            </a:r>
+          </a:p>
+          <a:p>
+            <a:r>
+              <a:rPr lang="en-US" altLang="ja-JP" sz="2400">
+                <a:latin typeface="Consolas" panose="020B0609020204030204" pitchFamily="49" charset="0"/>
+                <a:cs typeface="Consolas" panose="020B0609020204030204" pitchFamily="49" charset="0"/>
+              </a:rPr>
+              <a:t>2210/tcp open  ssh     OpenSSH 5.3 (protocol 2.0)</a:t>
+            </a:r>
+          </a:p>
+          <a:p>
+            <a:r>
+              <a:rPr lang="en-US" altLang="ja-JP" sz="2400">
+                <a:latin typeface="Consolas" panose="020B0609020204030204" pitchFamily="49" charset="0"/>
+                <a:cs typeface="Consolas" panose="020B0609020204030204" pitchFamily="49" charset="0"/>
+              </a:rPr>
+              <a:t>2211/tcp open  ssh     OpenSSH 5.3 (protocol 2.0)</a:t>
+            </a:r>
+          </a:p>
+          <a:p>
+            <a:r>
+              <a:rPr lang="en-US" altLang="ja-JP" sz="2400">
+                <a:latin typeface="Consolas" panose="020B0609020204030204" pitchFamily="49" charset="0"/>
+                <a:cs typeface="Consolas" panose="020B0609020204030204" pitchFamily="49" charset="0"/>
+              </a:rPr>
+              <a:t>2212/tcp open  ssh     OpenSSH 5.3 (protocol 2.0)</a:t>
+            </a:r>
+          </a:p>
+          <a:p>
+            <a:r>
+              <a:rPr lang="en-US" altLang="ja-JP" sz="2400">
+                <a:latin typeface="Consolas" panose="020B0609020204030204" pitchFamily="49" charset="0"/>
+                <a:cs typeface="Consolas" panose="020B0609020204030204" pitchFamily="49" charset="0"/>
+              </a:rPr>
+              <a:t>2213/tcp open  ssh     OpenSSH 5.3 (protocol 2.0)</a:t>
+            </a:r>
+          </a:p>
+          <a:p>
+            <a:r>
+              <a:rPr lang="en-US" altLang="ja-JP" sz="2400">
+                <a:latin typeface="Consolas" panose="020B0609020204030204" pitchFamily="49" charset="0"/>
+                <a:cs typeface="Consolas" panose="020B0609020204030204" pitchFamily="49" charset="0"/>
+              </a:rPr>
+              <a:t>2214/tcp open  ssh     OpenSSH 5.3 (protocol 2.0)</a:t>
+            </a:r>
+          </a:p>
+          <a:p>
+            <a:r>
+              <a:rPr lang="en-US" altLang="ja-JP" sz="2400">
+                <a:latin typeface="Consolas" panose="020B0609020204030204" pitchFamily="49" charset="0"/>
+                <a:cs typeface="Consolas" panose="020B0609020204030204" pitchFamily="49" charset="0"/>
+              </a:rPr>
+              <a:t>2215/tcp open  ssh     OpenSSH 5.3 (protocol 2.0</a:t>
+            </a:r>
+            <a:r>
+              <a:rPr lang="en-US" altLang="ja-JP" sz="2400" smtClean="0">
+                <a:latin typeface="Consolas" panose="020B0609020204030204" pitchFamily="49" charset="0"/>
+                <a:cs typeface="Consolas" panose="020B0609020204030204" pitchFamily="49" charset="0"/>
+              </a:rPr>
+              <a:t>)</a:t>
+            </a:r>
+            <a:endParaRPr lang="en-US" altLang="ja-JP" sz="2400">
+              <a:latin typeface="Consolas" panose="020B0609020204030204" pitchFamily="49" charset="0"/>
+              <a:cs typeface="Consolas" panose="020B0609020204030204" pitchFamily="49" charset="0"/>
+            </a:endParaRPr>
+          </a:p>
+        </p:txBody>
+      </p:sp>
+    </p:spTree>
+    <p:extLst>
+      <p:ext uri="{BB962C8B-B14F-4D97-AF65-F5344CB8AC3E}">
+        <p14:creationId xmlns:p14="http://schemas.microsoft.com/office/powerpoint/2010/main" val="733360992"/>
+      </p:ext>
+    </p:extLst>
+  </p:cSld>
+  <p:clrMapOvr>
+    <a:masterClrMapping/>
+  </p:clrMapOvr>
+  <p:timing>
+    <p:tnLst>
+      <p:par>
+        <p:cTn xmlns:p14="http://schemas.microsoft.com/office/powerpoint/2010/main" id="1" dur="indefinite" restart="never" nodeType="tmRoot"/>
+      </p:par>
+    </p:tnLst>
+  </p:timing>
+</p:sld>
+</file>
+
+<file path=ppt/slides/slide36.xml><?xml version="1.0" encoding="utf-8"?>
+<p:sld xmlns:a="http://schemas.openxmlformats.org/drawingml/2006/main" xmlns:r="http://schemas.openxmlformats.org/officeDocument/2006/relationships" xmlns:p="http://schemas.openxmlformats.org/presentationml/2006/main">
+  <p:cSld>
+    <p:spTree>
+      <p:nvGrpSpPr>
+        <p:cNvPr id="1" name=""/>
+        <p:cNvGrpSpPr/>
+        <p:nvPr/>
+      </p:nvGrpSpPr>
+      <p:grpSpPr>
+        <a:xfrm>
+          <a:off x="0" y="0"/>
+          <a:ext cx="0" cy="0"/>
+          <a:chOff x="0" y="0"/>
+          <a:chExt cx="0" cy="0"/>
+        </a:xfrm>
+      </p:grpSpPr>
+      <p:pic>
+        <p:nvPicPr>
+          <p:cNvPr id="4" name="図 3"/>
+          <p:cNvPicPr>
+            <a:picLocks noChangeAspect="1"/>
+          </p:cNvPicPr>
+          <p:nvPr/>
+        </p:nvPicPr>
+        <p:blipFill rotWithShape="1">
+          <a:blip r:embed="rId2" cstate="print">
+            <a:extLst>
+              <a:ext uri="{28A0092B-C50C-407E-A947-70E740481C1C}">
+                <a14:useLocalDpi xmlns:a14="http://schemas.microsoft.com/office/drawing/2010/main" val="0"/>
+              </a:ext>
+            </a:extLst>
+          </a:blip>
+          <a:srcRect/>
+          <a:stretch/>
+        </p:blipFill>
+        <p:spPr>
+          <a:xfrm>
+            <a:off x="11575" y="-115747"/>
+            <a:ext cx="9306046" cy="7106856"/>
+          </a:xfrm>
+          <a:prstGeom prst="rect">
+            <a:avLst/>
+          </a:prstGeom>
+          <a:effectLst>
+            <a:outerShdw blurRad="50800" dist="50800" dir="5400000" algn="ctr" rotWithShape="0">
+              <a:srgbClr val="000000"/>
+            </a:outerShdw>
+          </a:effectLst>
+        </p:spPr>
+      </p:pic>
+      <p:sp>
+        <p:nvSpPr>
+          <p:cNvPr id="5" name="テキスト ボックス 4"/>
+          <p:cNvSpPr txBox="1"/>
+          <p:nvPr/>
+        </p:nvSpPr>
+        <p:spPr>
+          <a:xfrm>
+            <a:off x="679461" y="876843"/>
+            <a:ext cx="7299973" cy="1754327"/>
+          </a:xfrm>
+          <a:prstGeom prst="rect">
+            <a:avLst/>
+          </a:prstGeom>
+          <a:noFill/>
+        </p:spPr>
+        <p:txBody>
+          <a:bodyPr wrap="square" rtlCol="0">
+            <a:spAutoFit/>
+          </a:bodyPr>
+          <a:lstStyle/>
+          <a:p>
+            <a:r>
+              <a:rPr lang="ja-JP" altLang="en-US" sz="5400" smtClean="0">
+                <a:ln>
+                  <a:solidFill>
+                    <a:schemeClr val="bg1">
+                      <a:lumMod val="50000"/>
+                    </a:schemeClr>
+                  </a:solidFill>
+                </a:ln>
+                <a:latin typeface="Tahoma" panose="020B0604030504040204" pitchFamily="34" charset="0"/>
+                <a:cs typeface="Tahoma" panose="020B0604030504040204" pitchFamily="34" charset="0"/>
+              </a:rPr>
+              <a:t>科学忍法</a:t>
+            </a:r>
+            <a:r>
+              <a:rPr lang="ja-JP" altLang="en-US" sz="5400">
+                <a:ln>
+                  <a:solidFill>
+                    <a:schemeClr val="bg1">
+                      <a:lumMod val="50000"/>
+                    </a:schemeClr>
+                  </a:solidFill>
+                </a:ln>
+                <a:latin typeface="Tahoma" panose="020B0604030504040204" pitchFamily="34" charset="0"/>
+                <a:cs typeface="Tahoma" panose="020B0604030504040204" pitchFamily="34" charset="0"/>
+              </a:rPr>
+              <a:t>・</a:t>
+            </a:r>
+            <a:r>
+              <a:rPr lang="en-US" altLang="ja-JP" sz="5400" smtClean="0">
+                <a:ln>
+                  <a:solidFill>
+                    <a:schemeClr val="bg1">
+                      <a:lumMod val="50000"/>
+                    </a:schemeClr>
+                  </a:solidFill>
+                </a:ln>
+                <a:latin typeface="Tahoma" panose="020B0604030504040204" pitchFamily="34" charset="0"/>
+                <a:cs typeface="Tahoma" panose="020B0604030504040204" pitchFamily="34" charset="0"/>
+              </a:rPr>
+              <a:t>ssh</a:t>
+            </a:r>
+            <a:r>
+              <a:rPr lang="ja-JP" altLang="en-US" sz="5400" smtClean="0">
+                <a:ln>
+                  <a:solidFill>
+                    <a:schemeClr val="bg1">
+                      <a:lumMod val="50000"/>
+                    </a:schemeClr>
+                  </a:solidFill>
+                </a:ln>
+                <a:latin typeface="Tahoma" panose="020B0604030504040204" pitchFamily="34" charset="0"/>
+                <a:cs typeface="Tahoma" panose="020B0604030504040204" pitchFamily="34" charset="0"/>
+              </a:rPr>
+              <a:t>分身の術</a:t>
+            </a:r>
+            <a:endParaRPr lang="en-US" altLang="ja-JP" sz="5400" smtClean="0">
+              <a:ln>
+                <a:solidFill>
+                  <a:schemeClr val="bg1">
+                    <a:lumMod val="50000"/>
+                  </a:schemeClr>
+                </a:solidFill>
+              </a:ln>
+              <a:latin typeface="Tahoma" panose="020B0604030504040204" pitchFamily="34" charset="0"/>
+              <a:cs typeface="Tahoma" panose="020B0604030504040204" pitchFamily="34" charset="0"/>
+            </a:endParaRPr>
+          </a:p>
+          <a:p>
+            <a:r>
+              <a:rPr lang="en-US" altLang="ja-JP" sz="5400">
+                <a:ln>
+                  <a:solidFill>
+                    <a:schemeClr val="bg1">
+                      <a:lumMod val="50000"/>
+                    </a:schemeClr>
+                  </a:solidFill>
+                </a:ln>
+                <a:latin typeface="Tahoma" panose="020B0604030504040204" pitchFamily="34" charset="0"/>
+                <a:cs typeface="Tahoma" panose="020B0604030504040204" pitchFamily="34" charset="0"/>
+              </a:rPr>
+              <a:t> (</a:t>
+            </a:r>
+            <a:r>
+              <a:rPr lang="ja-JP" altLang="en-US" sz="5400">
+                <a:ln>
+                  <a:solidFill>
+                    <a:schemeClr val="bg1">
+                      <a:lumMod val="50000"/>
+                    </a:schemeClr>
+                  </a:solidFill>
+                </a:ln>
+                <a:latin typeface="Tahoma" panose="020B0604030504040204" pitchFamily="34" charset="0"/>
+                <a:cs typeface="Tahoma" panose="020B0604030504040204" pitchFamily="34" charset="0"/>
+              </a:rPr>
+              <a:t>つくりかた</a:t>
+            </a:r>
+            <a:r>
+              <a:rPr lang="en-US" altLang="ja-JP" sz="5400">
+                <a:ln>
+                  <a:solidFill>
+                    <a:schemeClr val="bg1">
+                      <a:lumMod val="50000"/>
+                    </a:schemeClr>
+                  </a:solidFill>
+                </a:ln>
+                <a:latin typeface="Tahoma" panose="020B0604030504040204" pitchFamily="34" charset="0"/>
+                <a:cs typeface="Tahoma" panose="020B0604030504040204" pitchFamily="34" charset="0"/>
+              </a:rPr>
+              <a:t>)</a:t>
+            </a:r>
+            <a:endParaRPr lang="en-US" altLang="ja-JP" sz="5400">
+              <a:ln>
+                <a:solidFill>
+                  <a:schemeClr val="bg1">
+                    <a:lumMod val="50000"/>
+                  </a:schemeClr>
+                </a:solidFill>
+              </a:ln>
+              <a:latin typeface="Tahoma" panose="020B0604030504040204" pitchFamily="34" charset="0"/>
+              <a:cs typeface="Tahoma" panose="020B0604030504040204" pitchFamily="34" charset="0"/>
+            </a:endParaRPr>
+          </a:p>
+        </p:txBody>
+      </p:sp>
+    </p:spTree>
+    <p:extLst>
+      <p:ext uri="{BB962C8B-B14F-4D97-AF65-F5344CB8AC3E}">
+        <p14:creationId xmlns:p14="http://schemas.microsoft.com/office/powerpoint/2010/main" val="2078586375"/>
+      </p:ext>
+    </p:extLst>
+  </p:cSld>
+  <p:clrMapOvr>
+    <a:masterClrMapping/>
+  </p:clrMapOvr>
+  <p:timing>
+    <p:tnLst>
+      <p:par>
+        <p:cTn xmlns:p14="http://schemas.microsoft.com/office/powerpoint/2010/main" id="1" dur="indefinite" restart="never" nodeType="tmRoot"/>
+      </p:par>
+    </p:tnLst>
+  </p:timing>
+</p:sld>
+</file>
+
+<file path=ppt/slides/slide37.xml><?xml version="1.0" encoding="utf-8"?>
 <p:sld xmlns:a="http://schemas.openxmlformats.org/drawingml/2006/main" xmlns:r="http://schemas.openxmlformats.org/officeDocument/2006/relationships" xmlns:p="http://schemas.openxmlformats.org/presentationml/2006/main">
   <p:cSld>
     <p:spTree>
@@ -10960,14 +12276,14 @@
   <p:timing>
     <p:tnLst>
       <p:par>
-        <p:cTn id="1" dur="indefinite" restart="never" nodeType="tmRoot"/>
+        <p:cTn xmlns:p14="http://schemas.microsoft.com/office/powerpoint/2010/main" id="1" dur="indefinite" restart="never" nodeType="tmRoot"/>
       </p:par>
     </p:tnLst>
   </p:timing>
 </p:sld>
 </file>
 
-<file path=ppt/slides/slide32.xml><?xml version="1.0" encoding="utf-8"?>
+<file path=ppt/slides/slide38.xml><?xml version="1.0" encoding="utf-8"?>
 <p:sld xmlns:a="http://schemas.openxmlformats.org/drawingml/2006/main" xmlns:r="http://schemas.openxmlformats.org/officeDocument/2006/relationships" xmlns:p="http://schemas.openxmlformats.org/presentationml/2006/main">
   <p:cSld>
     <p:spTree>
@@ -11081,7 +12397,7 @@
   <p:timing>
     <p:tnLst>
       <p:par>
-        <p:cTn id="1" dur="indefinite" restart="never" nodeType="tmRoot"/>
+        <p:cTn xmlns:p14="http://schemas.microsoft.com/office/powerpoint/2010/main" id="1" dur="indefinite" restart="never" nodeType="tmRoot"/>
       </p:par>
     </p:tnLst>
   </p:timing>
@@ -11216,7 +12532,7 @@
   <p:timing>
     <p:tnLst>
       <p:par>
-        <p:cTn id="1" dur="indefinite" restart="never" nodeType="tmRoot"/>
+        <p:cTn xmlns:p14="http://schemas.microsoft.com/office/powerpoint/2010/main" id="1" dur="indefinite" restart="never" nodeType="tmRoot"/>
       </p:par>
     </p:tnLst>
   </p:timing>
@@ -11275,67 +12591,54 @@
         </p:nvSpPr>
         <p:spPr/>
         <p:txBody>
-          <a:bodyPr/>
+          <a:bodyPr>
+            <a:normAutofit/>
+          </a:bodyPr>
           <a:lstStyle/>
           <a:p>
             <a:r>
-              <a:rPr lang="en-US" altLang="en-US"/>
+              <a:rPr lang="en-US" altLang="en-US" sz="3200"/>
               <a:t>犯人(YASU)</a:t>
             </a:r>
             <a:r>
-              <a:rPr kumimoji="1" lang="ja-JP" altLang="en-US" smtClean="0"/>
+              <a:rPr kumimoji="1" lang="ja-JP" altLang="en-US" sz="3200" smtClean="0"/>
               <a:t>により閉じ込められた密室</a:t>
             </a:r>
-            <a:endParaRPr kumimoji="1" lang="en-US" altLang="ja-JP" smtClean="0"/>
-          </a:p>
-          <a:p>
-            <a:r>
-              <a:rPr lang="ja-JP" altLang="en-US" smtClean="0"/>
+            <a:endParaRPr kumimoji="1" lang="en-US" altLang="ja-JP" sz="3200" smtClean="0"/>
+          </a:p>
+          <a:p>
+            <a:r>
+              <a:rPr lang="ja-JP" altLang="en-US" sz="3200" smtClean="0"/>
               <a:t>なぜか</a:t>
             </a:r>
             <a:r>
-              <a:rPr lang="en-US" altLang="ja-JP" smtClean="0"/>
+              <a:rPr lang="en-US" altLang="ja-JP" sz="3200" smtClean="0"/>
               <a:t>ICMP(ping)</a:t>
             </a:r>
             <a:r>
-              <a:rPr lang="ja-JP" altLang="en-US" smtClean="0"/>
+              <a:rPr lang="ja-JP" altLang="en-US" sz="3200" smtClean="0"/>
               <a:t>だけインターネットに到達する</a:t>
             </a:r>
             <a:r>
-              <a:rPr lang="en-US" altLang="ja-JP" smtClean="0"/>
+              <a:rPr lang="en-US" altLang="ja-JP" sz="3200" smtClean="0"/>
               <a:t>PC</a:t>
             </a:r>
             <a:r>
-              <a:rPr lang="ja-JP" altLang="en-US" smtClean="0"/>
+              <a:rPr lang="ja-JP" altLang="en-US" sz="3200" smtClean="0"/>
               <a:t>が置いてある（</a:t>
             </a:r>
             <a:r>
-              <a:rPr lang="ja-JP" altLang="en-US"/>
+              <a:rPr lang="ja-JP" altLang="en-US" sz="3200"/>
               <a:t>なんだそれ）</a:t>
             </a:r>
-            <a:endParaRPr lang="en-US" altLang="ja-JP" smtClean="0"/>
-          </a:p>
-          <a:p>
-            <a:r>
-              <a:rPr kumimoji="1" lang="ja-JP" altLang="en-US" smtClean="0"/>
+            <a:endParaRPr lang="en-US" altLang="ja-JP" sz="3200" smtClean="0"/>
+          </a:p>
+          <a:p>
+            <a:r>
+              <a:rPr kumimoji="1" lang="ja-JP" altLang="en-US" sz="3200" smtClean="0"/>
               <a:t>この状況で、犯人を外部になんとしてでも伝えたい</a:t>
             </a:r>
-            <a:endParaRPr kumimoji="1" lang="en-US" altLang="ja-JP" smtClean="0"/>
-          </a:p>
-          <a:p>
-            <a:r>
-              <a:rPr kumimoji="1" lang="ja-JP" altLang="en-US" smtClean="0"/>
-              <a:t>外部の協力者の</a:t>
-            </a:r>
-            <a:r>
-              <a:rPr kumimoji="1" lang="en-US" altLang="ja-JP" smtClean="0"/>
-              <a:t>IP</a:t>
-            </a:r>
-            <a:r>
-              <a:rPr kumimoji="1" lang="ja-JP" altLang="en-US" smtClean="0"/>
-              <a:t>アドレスは分かっている（なんだそれ）</a:t>
-            </a:r>
-            <a:endParaRPr kumimoji="1" lang="ja-JP" altLang="en-US"/>
+            <a:endParaRPr kumimoji="1" lang="en-US" altLang="ja-JP" sz="3200" smtClean="0"/>
           </a:p>
         </p:txBody>
       </p:sp>
@@ -11352,7 +12655,7 @@
   <p:timing>
     <p:tnLst>
       <p:par>
-        <p:cTn id="1" dur="indefinite" restart="never" nodeType="tmRoot"/>
+        <p:cTn xmlns:p14="http://schemas.microsoft.com/office/powerpoint/2010/main" id="1" dur="indefinite" restart="never" nodeType="tmRoot"/>
       </p:par>
     </p:tnLst>
   </p:timing>
@@ -11411,71 +12714,58 @@
         </p:nvSpPr>
         <p:spPr/>
         <p:txBody>
-          <a:bodyPr/>
+          <a:bodyPr>
+            <a:normAutofit/>
+          </a:bodyPr>
           <a:lstStyle/>
           <a:p>
             <a:r>
-              <a:rPr lang="en-US" altLang="en-US"/>
+              <a:rPr lang="en-US" altLang="en-US" sz="3200"/>
               <a:t>犯人(YASU)</a:t>
             </a:r>
             <a:r>
-              <a:rPr kumimoji="1" lang="ja-JP" altLang="en-US" smtClean="0"/>
+              <a:rPr kumimoji="1" lang="ja-JP" altLang="en-US" sz="3200" smtClean="0"/>
               <a:t>により閉じ込められた密室</a:t>
             </a:r>
-            <a:endParaRPr kumimoji="1" lang="en-US" altLang="ja-JP" smtClean="0"/>
-          </a:p>
-          <a:p>
-            <a:r>
-              <a:rPr lang="ja-JP" altLang="en-US" smtClean="0"/>
+            <a:endParaRPr kumimoji="1" lang="en-US" altLang="ja-JP" sz="3200" smtClean="0"/>
+          </a:p>
+          <a:p>
+            <a:r>
+              <a:rPr lang="ja-JP" altLang="en-US" sz="3200" smtClean="0"/>
               <a:t>なぜか</a:t>
             </a:r>
             <a:r>
-              <a:rPr lang="en-US" altLang="ja-JP" smtClean="0"/>
+              <a:rPr lang="en-US" altLang="ja-JP" sz="3200" smtClean="0"/>
               <a:t>ICMP(ping)</a:t>
             </a:r>
             <a:r>
-              <a:rPr lang="ja-JP" altLang="en-US" smtClean="0"/>
+              <a:rPr lang="ja-JP" altLang="en-US" sz="3200" smtClean="0"/>
               <a:t>だけインターネットに到達する</a:t>
             </a:r>
             <a:r>
-              <a:rPr lang="en-US" altLang="ja-JP" smtClean="0"/>
+              <a:rPr lang="en-US" altLang="ja-JP" sz="3200" smtClean="0"/>
               <a:t>PC</a:t>
             </a:r>
             <a:r>
-              <a:rPr lang="ja-JP" altLang="en-US" smtClean="0"/>
+              <a:rPr lang="ja-JP" altLang="en-US" sz="3200" smtClean="0"/>
               <a:t>が置いてある（</a:t>
             </a:r>
             <a:r>
-              <a:rPr lang="ja-JP" altLang="en-US"/>
+              <a:rPr lang="ja-JP" altLang="en-US" sz="3200"/>
               <a:t>なんだそれ）</a:t>
             </a:r>
-            <a:endParaRPr lang="en-US" altLang="ja-JP" smtClean="0"/>
-          </a:p>
-          <a:p>
-            <a:r>
-              <a:rPr kumimoji="1" lang="ja-JP" altLang="en-US" smtClean="0"/>
+            <a:endParaRPr lang="en-US" altLang="ja-JP" sz="3200" smtClean="0"/>
+          </a:p>
+          <a:p>
+            <a:r>
+              <a:rPr kumimoji="1" lang="ja-JP" altLang="en-US" sz="3200" smtClean="0"/>
               <a:t>この状況で、犯人を外部になんとしてでも伝えたい</a:t>
             </a:r>
-            <a:endParaRPr kumimoji="1" lang="en-US" altLang="ja-JP" smtClean="0"/>
-          </a:p>
-          <a:p>
-            <a:r>
-              <a:rPr kumimoji="1" lang="ja-JP" altLang="en-US" smtClean="0"/>
-              <a:t>外部の協力者の</a:t>
-            </a:r>
-            <a:r>
-              <a:rPr kumimoji="1" lang="en-US" altLang="ja-JP" smtClean="0"/>
-              <a:t>IP</a:t>
-            </a:r>
-            <a:r>
-              <a:rPr kumimoji="1" lang="ja-JP" altLang="en-US" smtClean="0"/>
-              <a:t>アドレスは分かっている（なんだそれ）</a:t>
-            </a:r>
-            <a:endParaRPr kumimoji="1" lang="en-US" altLang="ja-JP" smtClean="0"/>
-          </a:p>
-          <a:p>
-            <a:r>
-              <a:rPr lang="ja-JP" altLang="en-US" b="1" smtClean="0">
+            <a:endParaRPr kumimoji="1" lang="en-US" altLang="ja-JP" sz="3200" smtClean="0"/>
+          </a:p>
+          <a:p>
+            <a:r>
+              <a:rPr lang="ja-JP" altLang="en-US" sz="3200" b="1" smtClean="0">
                 <a:solidFill>
                   <a:srgbClr val="FF0000"/>
                 </a:solidFill>
@@ -11483,7 +12773,7 @@
               <a:t>→ </a:t>
             </a:r>
             <a:r>
-              <a:rPr lang="en-US" altLang="ja-JP" b="1" smtClean="0">
+              <a:rPr lang="en-US" altLang="ja-JP" sz="3200" b="1" smtClean="0">
                 <a:solidFill>
                   <a:srgbClr val="FF0000"/>
                 </a:solidFill>
@@ -11491,14 +12781,14 @@
               <a:t>ICMP</a:t>
             </a:r>
             <a:r>
-              <a:rPr lang="ja-JP" altLang="en-US" b="1" smtClean="0">
+              <a:rPr lang="ja-JP" altLang="en-US" sz="3200" b="1" smtClean="0">
                 <a:solidFill>
                   <a:srgbClr val="FF0000"/>
                 </a:solidFill>
               </a:rPr>
               <a:t>だけでメッセージを外部に伝えよう！</a:t>
             </a:r>
-            <a:endParaRPr kumimoji="1" lang="ja-JP" altLang="en-US" b="1">
+            <a:endParaRPr kumimoji="1" lang="ja-JP" altLang="en-US" sz="3200" b="1">
               <a:solidFill>
                 <a:srgbClr val="FF0000"/>
               </a:solidFill>
@@ -11519,7 +12809,7 @@
   <p:timing>
     <p:tnLst>
       <p:par>
-        <p:cTn id="1" dur="indefinite" restart="never" nodeType="tmRoot"/>
+        <p:cTn xmlns:p14="http://schemas.microsoft.com/office/powerpoint/2010/main" id="1" dur="indefinite" restart="never" nodeType="tmRoot"/>
       </p:par>
     </p:tnLst>
   </p:timing>
@@ -11813,7 +13103,7 @@
   <p:timing>
     <p:tnLst>
       <p:par>
-        <p:cTn id="1" dur="indefinite" restart="never" nodeType="tmRoot"/>
+        <p:cTn xmlns:p14="http://schemas.microsoft.com/office/powerpoint/2010/main" id="1" dur="indefinite" restart="never" nodeType="tmRoot"/>
       </p:par>
     </p:tnLst>
   </p:timing>
@@ -11959,7 +13249,7 @@
   <p:timing>
     <p:tnLst>
       <p:par>
-        <p:cTn id="1" dur="indefinite" restart="never" nodeType="tmRoot"/>
+        <p:cTn xmlns:p14="http://schemas.microsoft.com/office/powerpoint/2010/main" id="1" dur="indefinite" restart="never" nodeType="tmRoot"/>
       </p:par>
     </p:tnLst>
   </p:timing>
@@ -12294,7 +13584,7 @@
   <p:timing>
     <p:tnLst>
       <p:par>
-        <p:cTn id="1" dur="indefinite" restart="never" nodeType="tmRoot"/>
+        <p:cTn xmlns:p14="http://schemas.microsoft.com/office/powerpoint/2010/main" id="1" dur="indefinite" restart="never" nodeType="tmRoot"/>
       </p:par>
     </p:tnLst>
   </p:timing>
@@ -12556,7 +13846,7 @@
   <a:extraClrSchemeLst/>
   <a:extLst>
     <a:ext uri="{05A4C25C-085E-4340-85A3-A5531E510DB2}">
-      <thm15:themeFamily xmlns:thm15="http://schemas.microsoft.com/office/thememl/2012/main" name="Office Theme" id="{62F939B6-93AF-4DB8-9C6B-D6C7DFDC589F}" vid="{4A3C46E8-61CC-4603-A589-7422A47A8E4A}"/>
+      <thm15:themeFamily xmlns:thm15="http://schemas.microsoft.com/office/thememl/2012/main" xmlns="" name="Office Theme" id="{62F939B6-93AF-4DB8-9C6B-D6C7DFDC589F}" vid="{4A3C46E8-61CC-4603-A589-7422A47A8E4A}"/>
     </a:ext>
   </a:extLst>
 </a:theme>
@@ -12817,7 +14107,7 @@
   <a:extraClrSchemeLst/>
   <a:extLst>
     <a:ext uri="{05A4C25C-085E-4340-85A3-A5531E510DB2}">
-      <thm15:themeFamily xmlns:thm15="http://schemas.microsoft.com/office/thememl/2012/main" name="Office Theme" id="{62F939B6-93AF-4DB8-9C6B-D6C7DFDC589F}" vid="{4A3C46E8-61CC-4603-A589-7422A47A8E4A}"/>
+      <thm15:themeFamily xmlns:thm15="http://schemas.microsoft.com/office/thememl/2012/main" xmlns="" name="Office Theme" id="{62F939B6-93AF-4DB8-9C6B-D6C7DFDC589F}" vid="{4A3C46E8-61CC-4603-A589-7422A47A8E4A}"/>
     </a:ext>
   </a:extLst>
 </a:theme>

--- a/2015-no.2/ppt/00_ozuma.pptx
+++ b/2015-no.2/ppt/00_ozuma.pptx
@@ -5,47 +5,49 @@
     <p:sldMasterId id="2147483690" r:id="rId1"/>
   </p:sldMasterIdLst>
   <p:notesMasterIdLst>
-    <p:notesMasterId r:id="rId40"/>
+    <p:notesMasterId r:id="rId42"/>
   </p:notesMasterIdLst>
   <p:sldIdLst>
     <p:sldId id="257" r:id="rId2"/>
     <p:sldId id="261" r:id="rId3"/>
     <p:sldId id="262" r:id="rId4"/>
-    <p:sldId id="268" r:id="rId5"/>
-    <p:sldId id="258" r:id="rId6"/>
-    <p:sldId id="269" r:id="rId7"/>
-    <p:sldId id="259" r:id="rId8"/>
-    <p:sldId id="260" r:id="rId9"/>
-    <p:sldId id="263" r:id="rId10"/>
-    <p:sldId id="271" r:id="rId11"/>
-    <p:sldId id="272" r:id="rId12"/>
-    <p:sldId id="289" r:id="rId13"/>
-    <p:sldId id="270" r:id="rId14"/>
-    <p:sldId id="290" r:id="rId15"/>
-    <p:sldId id="265" r:id="rId16"/>
-    <p:sldId id="267" r:id="rId17"/>
-    <p:sldId id="282" r:id="rId18"/>
-    <p:sldId id="266" r:id="rId19"/>
-    <p:sldId id="264" r:id="rId20"/>
-    <p:sldId id="284" r:id="rId21"/>
-    <p:sldId id="285" r:id="rId22"/>
-    <p:sldId id="287" r:id="rId23"/>
-    <p:sldId id="288" r:id="rId24"/>
-    <p:sldId id="274" r:id="rId25"/>
-    <p:sldId id="275" r:id="rId26"/>
-    <p:sldId id="276" r:id="rId27"/>
-    <p:sldId id="277" r:id="rId28"/>
-    <p:sldId id="278" r:id="rId29"/>
-    <p:sldId id="279" r:id="rId30"/>
-    <p:sldId id="295" r:id="rId31"/>
-    <p:sldId id="296" r:id="rId32"/>
-    <p:sldId id="281" r:id="rId33"/>
-    <p:sldId id="292" r:id="rId34"/>
-    <p:sldId id="291" r:id="rId35"/>
-    <p:sldId id="293" r:id="rId36"/>
-    <p:sldId id="294" r:id="rId37"/>
-    <p:sldId id="280" r:id="rId38"/>
-    <p:sldId id="283" r:id="rId39"/>
+    <p:sldId id="289" r:id="rId5"/>
+    <p:sldId id="270" r:id="rId6"/>
+    <p:sldId id="290" r:id="rId7"/>
+    <p:sldId id="265" r:id="rId8"/>
+    <p:sldId id="267" r:id="rId9"/>
+    <p:sldId id="282" r:id="rId10"/>
+    <p:sldId id="266" r:id="rId11"/>
+    <p:sldId id="264" r:id="rId12"/>
+    <p:sldId id="284" r:id="rId13"/>
+    <p:sldId id="285" r:id="rId14"/>
+    <p:sldId id="287" r:id="rId15"/>
+    <p:sldId id="288" r:id="rId16"/>
+    <p:sldId id="297" r:id="rId17"/>
+    <p:sldId id="298" r:id="rId18"/>
+    <p:sldId id="299" r:id="rId19"/>
+    <p:sldId id="300" r:id="rId20"/>
+    <p:sldId id="301" r:id="rId21"/>
+    <p:sldId id="302" r:id="rId22"/>
+    <p:sldId id="303" r:id="rId23"/>
+    <p:sldId id="304" r:id="rId24"/>
+    <p:sldId id="305" r:id="rId25"/>
+    <p:sldId id="306" r:id="rId26"/>
+    <p:sldId id="274" r:id="rId27"/>
+    <p:sldId id="275" r:id="rId28"/>
+    <p:sldId id="276" r:id="rId29"/>
+    <p:sldId id="277" r:id="rId30"/>
+    <p:sldId id="278" r:id="rId31"/>
+    <p:sldId id="279" r:id="rId32"/>
+    <p:sldId id="295" r:id="rId33"/>
+    <p:sldId id="296" r:id="rId34"/>
+    <p:sldId id="281" r:id="rId35"/>
+    <p:sldId id="292" r:id="rId36"/>
+    <p:sldId id="291" r:id="rId37"/>
+    <p:sldId id="293" r:id="rId38"/>
+    <p:sldId id="294" r:id="rId39"/>
+    <p:sldId id="280" r:id="rId40"/>
+    <p:sldId id="283" r:id="rId41"/>
   </p:sldIdLst>
   <p:sldSz cx="9144000" cy="6858000" type="screen4x3"/>
   <p:notesSz cx="6858000" cy="9144000"/>
@@ -146,7 +148,7 @@
   </p:defaultTextStyle>
   <p:extLst>
     <p:ext uri="{EFAFB233-063F-42B5-8137-9DF3F51BA10A}">
-      <p15:sldGuideLst xmlns:p15="http://schemas.microsoft.com/office/powerpoint/2012/main" xmlns="">
+      <p15:sldGuideLst xmlns="" xmlns:p15="http://schemas.microsoft.com/office/powerpoint/2012/main">
         <p15:guide id="1" orient="horz" pos="2160">
           <p15:clr>
             <a:srgbClr val="A4A3A4"/>
@@ -245,7 +247,8 @@
           <a:p>
             <a:fld id="{227E3AE5-EB08-419F-97DD-14530EE7F784}" type="datetimeFigureOut">
               <a:rPr kumimoji="1" lang="ja-JP" altLang="en-US" smtClean="0"/>
-              <a:t>15/08/21</a:t>
+              <a:pPr/>
+              <a:t>2015/8/22</a:t>
             </a:fld>
             <a:endParaRPr kumimoji="1" lang="ja-JP" altLang="en-US"/>
           </a:p>
@@ -436,7 +439,8 @@
           <a:p>
             <a:fld id="{DB9CD991-4847-4EC6-8E3A-1C6DA9348A2B}" type="slidenum">
               <a:rPr kumimoji="1" lang="ja-JP" altLang="en-US" smtClean="0"/>
-              <a:t>‹#›</a:t>
+              <a:pPr/>
+              <a:t>&lt;#&gt;</a:t>
             </a:fld>
             <a:endParaRPr kumimoji="1" lang="ja-JP" altLang="en-US"/>
           </a:p>
@@ -445,7 +449,7 @@
     </p:spTree>
     <p:extLst>
       <p:ext uri="{BB962C8B-B14F-4D97-AF65-F5344CB8AC3E}">
-        <p14:creationId xmlns:p14="http://schemas.microsoft.com/office/powerpoint/2010/main" val="1216048216"/>
+        <p14:creationId xmlns:p14="http://schemas.microsoft.com/office/powerpoint/2010/main" xmlns="" val="1216048216"/>
       </p:ext>
     </p:extLst>
   </p:cSld>
@@ -658,7 +662,7 @@
     </p:spTree>
     <p:extLst>
       <p:ext uri="{BB962C8B-B14F-4D97-AF65-F5344CB8AC3E}">
-        <p14:creationId xmlns:p14="http://schemas.microsoft.com/office/powerpoint/2010/main" val="64985783"/>
+        <p14:creationId xmlns:p14="http://schemas.microsoft.com/office/powerpoint/2010/main" xmlns="" val="64985783"/>
       </p:ext>
     </p:extLst>
   </p:cSld>
@@ -712,118 +716,6 @@
           <a:bodyPr/>
           <a:lstStyle/>
           <a:p>
-            <a:r>
-              <a:rPr kumimoji="1" lang="ja-JP" altLang="en-US" smtClean="0"/>
-              <a:t>たとえば、</a:t>
-            </a:r>
-            <a:r>
-              <a:rPr kumimoji="1" lang="en-US" altLang="ja-JP" smtClean="0"/>
-              <a:t>50%</a:t>
-            </a:r>
-            <a:r>
-              <a:rPr kumimoji="1" lang="ja-JP" altLang="en-US" smtClean="0"/>
-              <a:t>のカバレッジを出すには、</a:t>
-            </a:r>
-            <a:r>
-              <a:rPr kumimoji="1" lang="en-US" altLang="ja-JP" smtClean="0"/>
-              <a:t>10</a:t>
-            </a:r>
-            <a:r>
-              <a:rPr kumimoji="1" lang="ja-JP" altLang="en-US" smtClean="0"/>
-              <a:t>個のポートをスキャンするだけで良いわけです。</a:t>
-            </a:r>
-            <a:endParaRPr kumimoji="1" lang="en-US" altLang="ja-JP" smtClean="0"/>
-          </a:p>
-          <a:p>
-            <a:r>
-              <a:rPr kumimoji="1" lang="en-US" altLang="ja-JP" smtClean="0"/>
-              <a:t>90%</a:t>
-            </a:r>
-            <a:r>
-              <a:rPr kumimoji="1" lang="ja-JP" altLang="en-US" smtClean="0"/>
-              <a:t>のカバレッジを出すにも、</a:t>
-            </a:r>
-            <a:r>
-              <a:rPr kumimoji="1" lang="en-US" altLang="ja-JP" smtClean="0"/>
-              <a:t>500</a:t>
-            </a:r>
-            <a:r>
-              <a:rPr kumimoji="1" lang="ja-JP" altLang="en-US" smtClean="0"/>
-              <a:t>個ちょっとスキャンすれば十分です。このようによく使われるポートは非常に「偏り」がありますから、必要最小限のポートのみに絞ってスキャンしましょう。探査行為が少なければ少ないほど、攻撃が検知される可能性も低くなります。</a:t>
-            </a:r>
-            <a:endParaRPr kumimoji="1" lang="en-US" altLang="ja-JP" smtClean="0"/>
-          </a:p>
-          <a:p>
-            <a:endParaRPr kumimoji="1" lang="en-US" altLang="ja-JP" smtClean="0"/>
-          </a:p>
-          <a:p>
-            <a:r>
-              <a:rPr kumimoji="1" lang="ja-JP" altLang="en-US" smtClean="0"/>
-              <a:t>また、</a:t>
-            </a:r>
-            <a:r>
-              <a:rPr kumimoji="1" lang="en-US" altLang="ja-JP" smtClean="0"/>
-              <a:t>99%</a:t>
-            </a:r>
-            <a:r>
-              <a:rPr kumimoji="1" lang="ja-JP" altLang="en-US" smtClean="0"/>
-              <a:t>のカバレッジを出すには</a:t>
-            </a:r>
-            <a:r>
-              <a:rPr kumimoji="1" lang="en-US" altLang="ja-JP" smtClean="0"/>
-              <a:t>3000</a:t>
-            </a:r>
-            <a:r>
-              <a:rPr kumimoji="1" lang="ja-JP" altLang="en-US" smtClean="0"/>
-              <a:t>個ちょっとのポートをスキャンすればいいのに、そこからさらにカバレッジ</a:t>
-            </a:r>
-            <a:r>
-              <a:rPr kumimoji="1" lang="en-US" altLang="ja-JP" smtClean="0"/>
-              <a:t>100%</a:t>
-            </a:r>
-            <a:r>
-              <a:rPr kumimoji="1" lang="ja-JP" altLang="en-US" smtClean="0"/>
-              <a:t>を目指すには、当然のことながら全</a:t>
-            </a:r>
-            <a:r>
-              <a:rPr kumimoji="1" lang="en-US" altLang="ja-JP" smtClean="0"/>
-              <a:t>TCP</a:t>
-            </a:r>
-            <a:r>
-              <a:rPr kumimoji="1" lang="ja-JP" altLang="en-US" smtClean="0"/>
-              <a:t>ポート</a:t>
-            </a:r>
-            <a:r>
-              <a:rPr kumimoji="1" lang="en-US" altLang="ja-JP" smtClean="0"/>
-              <a:t>(0-65535)</a:t>
-            </a:r>
-            <a:r>
-              <a:rPr kumimoji="1" lang="ja-JP" altLang="en-US" smtClean="0"/>
-              <a:t>の</a:t>
-            </a:r>
-            <a:r>
-              <a:rPr kumimoji="1" lang="en-US" altLang="ja-JP" smtClean="0"/>
-              <a:t>65536</a:t>
-            </a:r>
-            <a:r>
-              <a:rPr kumimoji="1" lang="ja-JP" altLang="en-US" smtClean="0"/>
-              <a:t>個をスキャンしなければいけません。</a:t>
-            </a:r>
-            <a:endParaRPr kumimoji="1" lang="en-US" altLang="ja-JP" smtClean="0"/>
-          </a:p>
-          <a:p>
-            <a:r>
-              <a:rPr kumimoji="1" lang="ja-JP" altLang="en-US" smtClean="0"/>
-              <a:t>ここから、全ポートのスキャンはいかに非効率的であるかが分かります。</a:t>
-            </a:r>
-            <a:r>
-              <a:rPr kumimoji="1" lang="en-US" altLang="ja-JP" smtClean="0"/>
-              <a:t>--top-ports</a:t>
-            </a:r>
-            <a:r>
-              <a:rPr kumimoji="1" lang="ja-JP" altLang="en-US" smtClean="0"/>
-              <a:t>を積極的に使って、最小限のスキャンで攻撃しましょう（するなよ）。</a:t>
-            </a:r>
             <a:endParaRPr kumimoji="1" lang="ja-JP" altLang="en-US"/>
           </a:p>
         </p:txBody>
@@ -845,7 +737,8 @@
           <a:p>
             <a:fld id="{DB9CD991-4847-4EC6-8E3A-1C6DA9348A2B}" type="slidenum">
               <a:rPr kumimoji="1" lang="ja-JP" altLang="en-US" smtClean="0"/>
-              <a:t>23</a:t>
+              <a:pPr/>
+              <a:t>25</a:t>
             </a:fld>
             <a:endParaRPr kumimoji="1" lang="ja-JP" altLang="en-US"/>
           </a:p>
@@ -854,7 +747,7 @@
     </p:spTree>
     <p:extLst>
       <p:ext uri="{BB962C8B-B14F-4D97-AF65-F5344CB8AC3E}">
-        <p14:creationId xmlns:p14="http://schemas.microsoft.com/office/powerpoint/2010/main" val="2200297126"/>
+        <p14:creationId xmlns:p14="http://schemas.microsoft.com/office/powerpoint/2010/main" xmlns="" val="2754438294"/>
       </p:ext>
     </p:extLst>
   </p:cSld>
@@ -943,6 +836,7 @@
           <a:p>
             <a:fld id="{DB9CD991-4847-4EC6-8E3A-1C6DA9348A2B}" type="slidenum">
               <a:rPr kumimoji="1" lang="ja-JP" altLang="en-US" smtClean="0"/>
+              <a:pPr/>
               <a:t>3</a:t>
             </a:fld>
             <a:endParaRPr kumimoji="1" lang="ja-JP" altLang="en-US"/>
@@ -952,7 +846,7 @@
     </p:spTree>
     <p:extLst>
       <p:ext uri="{BB962C8B-B14F-4D97-AF65-F5344CB8AC3E}">
-        <p14:creationId xmlns:p14="http://schemas.microsoft.com/office/powerpoint/2010/main" val="1679522813"/>
+        <p14:creationId xmlns:p14="http://schemas.microsoft.com/office/powerpoint/2010/main" xmlns="" val="1679522813"/>
       </p:ext>
     </p:extLst>
   </p:cSld>
@@ -1008,11 +902,19 @@
           <a:p>
             <a:r>
               <a:rPr kumimoji="1" lang="ja-JP" altLang="en-US" smtClean="0"/>
-              <a:t>通常、</a:t>
+              <a:t>これは、</a:t>
             </a:r>
             <a:r>
               <a:rPr kumimoji="1" lang="en-US" altLang="ja-JP" smtClean="0"/>
-              <a:t>ICMP</a:t>
+              <a:t>-T0</a:t>
+            </a:r>
+            <a:r>
+              <a:rPr kumimoji="1" lang="ja-JP" altLang="en-US" smtClean="0"/>
+              <a:t>をつけてポートスキャンをした際のパケットキャプチャです。ここでは</a:t>
+            </a:r>
+            <a:r>
+              <a:rPr kumimoji="1" lang="en-US" altLang="ja-JP" smtClean="0"/>
+              <a:t>TCP</a:t>
             </a:r>
             <a:r>
               <a:rPr kumimoji="1" lang="ja-JP" altLang="en-US" smtClean="0"/>
@@ -1020,51 +922,19 @@
             </a:r>
             <a:r>
               <a:rPr kumimoji="1" lang="en-US" altLang="ja-JP" smtClean="0"/>
-              <a:t>echo</a:t>
+              <a:t>0</a:t>
             </a:r>
             <a:r>
               <a:rPr kumimoji="1" lang="ja-JP" altLang="en-US" smtClean="0"/>
-              <a:t>リクエストは、リプライが変えるかどうかだけが重要です。そのためペイロードには誰も注意を払いません。そのためか</a:t>
+              <a:t>番から</a:t>
             </a:r>
             <a:r>
               <a:rPr kumimoji="1" lang="en-US" altLang="ja-JP" smtClean="0"/>
-              <a:t>(?)</a:t>
+              <a:t>4</a:t>
             </a:r>
             <a:r>
               <a:rPr kumimoji="1" lang="ja-JP" altLang="en-US" smtClean="0"/>
-              <a:t>、</a:t>
-            </a:r>
-            <a:r>
-              <a:rPr kumimoji="1" lang="en-US" altLang="ja-JP" smtClean="0"/>
-              <a:t>Windows</a:t>
-            </a:r>
-            <a:r>
-              <a:rPr kumimoji="1" lang="ja-JP" altLang="en-US" smtClean="0"/>
-              <a:t>の</a:t>
-            </a:r>
-            <a:r>
-              <a:rPr kumimoji="1" lang="en-US" altLang="ja-JP" smtClean="0"/>
-              <a:t>ping</a:t>
-            </a:r>
-            <a:r>
-              <a:rPr kumimoji="1" lang="ja-JP" altLang="en-US" smtClean="0"/>
-              <a:t>コマンドではこのように</a:t>
-            </a:r>
-            <a:r>
-              <a:rPr kumimoji="1" lang="en-US" altLang="ja-JP" smtClean="0"/>
-              <a:t>[abcdefg...]</a:t>
-            </a:r>
-            <a:r>
-              <a:rPr kumimoji="1" lang="ja-JP" altLang="en-US" smtClean="0"/>
-              <a:t>というテキトーなペイロードが埋め込まれています。（なぜ</a:t>
-            </a:r>
-            <a:r>
-              <a:rPr kumimoji="1" lang="en-US" altLang="ja-JP" smtClean="0"/>
-              <a:t>xyz</a:t>
-            </a:r>
-            <a:r>
-              <a:rPr kumimoji="1" lang="ja-JP" altLang="en-US" smtClean="0"/>
-              <a:t>が抜けているのかが謎なんですけど</a:t>
+              <a:t>番までスキャンしていますが</a:t>
             </a:r>
             <a:r>
               <a:rPr kumimoji="1" lang="en-US" altLang="ja-JP" smtClean="0"/>
@@ -1072,33 +942,22 @@
             </a:r>
             <a:r>
               <a:rPr kumimoji="1" lang="ja-JP" altLang="en-US" smtClean="0"/>
-              <a:t>知ってる人います</a:t>
+              <a:t>。</a:t>
+            </a:r>
+            <a:endParaRPr kumimoji="1" lang="en-US" altLang="ja-JP" smtClean="0"/>
+          </a:p>
+          <a:p>
+            <a:r>
+              <a:rPr kumimoji="1" lang="ja-JP" altLang="en-US" smtClean="0"/>
+              <a:t>見ての通り、なんとひとつのポートをスキャンするのに</a:t>
             </a:r>
             <a:r>
               <a:rPr kumimoji="1" lang="en-US" altLang="ja-JP" smtClean="0"/>
-              <a:t>?)</a:t>
-            </a:r>
-          </a:p>
-          <a:p>
+              <a:t>5</a:t>
+            </a:r>
             <a:r>
               <a:rPr kumimoji="1" lang="ja-JP" altLang="en-US" smtClean="0"/>
-              <a:t>ちなみに</a:t>
-            </a:r>
-            <a:r>
-              <a:rPr kumimoji="1" lang="en-US" altLang="ja-JP" smtClean="0"/>
-              <a:t>Linux</a:t>
-            </a:r>
-            <a:r>
-              <a:rPr kumimoji="1" lang="ja-JP" altLang="en-US" smtClean="0"/>
-              <a:t>の</a:t>
-            </a:r>
-            <a:r>
-              <a:rPr kumimoji="1" lang="en-US" altLang="ja-JP" smtClean="0"/>
-              <a:t>ping</a:t>
-            </a:r>
-            <a:r>
-              <a:rPr kumimoji="1" lang="ja-JP" altLang="en-US" smtClean="0"/>
-              <a:t>コマンドは、また全然別のテキトーなペイロードが埋めこれます</a:t>
+              <a:t>分間隔を開けています。これほどゆっくりスキャンされては、相手もスキャンされていると気が付くことはおそらく無いでしょう。</a:t>
             </a:r>
             <a:endParaRPr kumimoji="1" lang="ja-JP" altLang="en-US"/>
           </a:p>
@@ -1121,7 +980,8 @@
           <a:p>
             <a:fld id="{DB9CD991-4847-4EC6-8E3A-1C6DA9348A2B}" type="slidenum">
               <a:rPr kumimoji="1" lang="ja-JP" altLang="en-US" smtClean="0"/>
-              <a:t>7</a:t>
+              <a:pPr/>
+              <a:t>11</a:t>
             </a:fld>
             <a:endParaRPr kumimoji="1" lang="ja-JP" altLang="en-US"/>
           </a:p>
@@ -1130,7 +990,7 @@
     </p:spTree>
     <p:extLst>
       <p:ext uri="{BB962C8B-B14F-4D97-AF65-F5344CB8AC3E}">
-        <p14:creationId xmlns:p14="http://schemas.microsoft.com/office/powerpoint/2010/main" val="1645015722"/>
+        <p14:creationId xmlns:p14="http://schemas.microsoft.com/office/powerpoint/2010/main" xmlns="" val="2504593760"/>
       </p:ext>
     </p:extLst>
   </p:cSld>
@@ -1186,40 +1046,192 @@
           <a:p>
             <a:r>
               <a:rPr kumimoji="1" lang="ja-JP" altLang="en-US" smtClean="0"/>
-              <a:t>さて、そうなるとここに好きなペイロードを突っ込むことで、外部と隠れてコソコソ通信できるな～ということになります。</a:t>
+              <a:t>ちなみに、ランキングは、</a:t>
             </a:r>
             <a:endParaRPr kumimoji="1" lang="en-US" altLang="ja-JP" smtClean="0"/>
           </a:p>
           <a:p>
             <a:r>
+              <a:rPr kumimoji="1" lang="en-US" altLang="ja-JP" smtClean="0"/>
+              <a:t>1</a:t>
+            </a:r>
+            <a:r>
               <a:rPr kumimoji="1" lang="ja-JP" altLang="en-US" smtClean="0"/>
-              <a:t>やり方は色々あると思いますが、ここでは</a:t>
+              <a:t>位 </a:t>
             </a:r>
             <a:r>
               <a:rPr kumimoji="1" lang="en-US" altLang="ja-JP" smtClean="0"/>
-              <a:t>nping</a:t>
+              <a:t>80/tcp (http)</a:t>
+            </a:r>
+          </a:p>
+          <a:p>
+            <a:r>
+              <a:rPr kumimoji="1" lang="en-US" altLang="ja-JP" smtClean="0"/>
+              <a:t>2</a:t>
             </a:r>
             <a:r>
               <a:rPr kumimoji="1" lang="ja-JP" altLang="en-US" smtClean="0"/>
-              <a:t>コマンドを使いましょう。これはポートスキャナ</a:t>
+              <a:t>位 </a:t>
             </a:r>
             <a:r>
               <a:rPr kumimoji="1" lang="en-US" altLang="ja-JP" smtClean="0"/>
-              <a:t>nmap</a:t>
+              <a:t>23/tcp (telnet)</a:t>
+            </a:r>
+          </a:p>
+          <a:p>
+            <a:pPr marL="0" marR="0" indent="0" algn="l" defTabSz="914400" rtl="0" eaLnBrk="1" fontAlgn="auto" latinLnBrk="0" hangingPunct="1">
+              <a:lnSpc>
+                <a:spcPct val="100000"/>
+              </a:lnSpc>
+              <a:spcBef>
+                <a:spcPts val="0"/>
+              </a:spcBef>
+              <a:spcAft>
+                <a:spcPts val="0"/>
+              </a:spcAft>
+              <a:buClrTx/>
+              <a:buSzTx/>
+              <a:buFontTx/>
+              <a:buNone/>
+              <a:tabLst/>
+              <a:defRPr/>
+            </a:pPr>
+            <a:r>
+              <a:rPr kumimoji="1" lang="en-US" altLang="ja-JP" smtClean="0"/>
+              <a:t>3</a:t>
             </a:r>
             <a:r>
               <a:rPr kumimoji="1" lang="ja-JP" altLang="en-US" smtClean="0"/>
-              <a:t>に付属しているので、普通に</a:t>
+              <a:t>位 </a:t>
             </a:r>
             <a:r>
               <a:rPr kumimoji="1" lang="en-US" altLang="ja-JP" smtClean="0"/>
-              <a:t>nmap</a:t>
+              <a:t>443/tcp (https)</a:t>
+            </a:r>
+          </a:p>
+          <a:p>
+            <a:pPr marL="0" marR="0" indent="0" algn="l" defTabSz="914400" rtl="0" eaLnBrk="1" fontAlgn="auto" latinLnBrk="0" hangingPunct="1">
+              <a:lnSpc>
+                <a:spcPct val="100000"/>
+              </a:lnSpc>
+              <a:spcBef>
+                <a:spcPts val="0"/>
+              </a:spcBef>
+              <a:spcAft>
+                <a:spcPts val="0"/>
+              </a:spcAft>
+              <a:buClrTx/>
+              <a:buSzTx/>
+              <a:buFontTx/>
+              <a:buNone/>
+              <a:tabLst/>
+              <a:defRPr/>
+            </a:pPr>
+            <a:r>
+              <a:rPr kumimoji="1" lang="en-US" altLang="ja-JP" smtClean="0"/>
+              <a:t>4</a:t>
             </a:r>
             <a:r>
               <a:rPr kumimoji="1" lang="ja-JP" altLang="en-US" smtClean="0"/>
-              <a:t>を入れれば入っています。</a:t>
-            </a:r>
-            <a:endParaRPr kumimoji="1" lang="ja-JP" altLang="en-US"/>
+              <a:t>位 </a:t>
+            </a:r>
+            <a:r>
+              <a:rPr kumimoji="1" lang="en-US" altLang="ja-JP" smtClean="0"/>
+              <a:t>21/tcp (ftp)</a:t>
+            </a:r>
+          </a:p>
+          <a:p>
+            <a:r>
+              <a:rPr kumimoji="1" lang="en-US" altLang="ja-JP" smtClean="0"/>
+              <a:t>5</a:t>
+            </a:r>
+            <a:r>
+              <a:rPr kumimoji="1" lang="ja-JP" altLang="en-US" smtClean="0"/>
+              <a:t>位 </a:t>
+            </a:r>
+            <a:r>
+              <a:rPr kumimoji="1" lang="en-US" altLang="ja-JP" smtClean="0"/>
+              <a:t>22/tcp (ssh)</a:t>
+            </a:r>
+          </a:p>
+          <a:p>
+            <a:r>
+              <a:rPr kumimoji="1" lang="en-US" altLang="ja-JP" smtClean="0"/>
+              <a:t>6</a:t>
+            </a:r>
+            <a:r>
+              <a:rPr kumimoji="1" lang="ja-JP" altLang="en-US" smtClean="0"/>
+              <a:t>位 </a:t>
+            </a:r>
+            <a:r>
+              <a:rPr kumimoji="1" lang="en-US" altLang="ja-JP" smtClean="0"/>
+              <a:t>25/tcp</a:t>
+            </a:r>
+            <a:r>
+              <a:rPr kumimoji="1" lang="en-US" altLang="ja-JP" baseline="0" smtClean="0"/>
+              <a:t> (smtp)</a:t>
+            </a:r>
+          </a:p>
+          <a:p>
+            <a:r>
+              <a:rPr kumimoji="1" lang="en-US" altLang="ja-JP" baseline="0" smtClean="0"/>
+              <a:t>7</a:t>
+            </a:r>
+            <a:r>
+              <a:rPr kumimoji="1" lang="ja-JP" altLang="en-US" baseline="0" smtClean="0"/>
+              <a:t>位 </a:t>
+            </a:r>
+            <a:r>
+              <a:rPr kumimoji="1" lang="en-US" altLang="ja-JP" baseline="0" smtClean="0"/>
+              <a:t>3389/tcp (rdp)</a:t>
+            </a:r>
+          </a:p>
+          <a:p>
+            <a:r>
+              <a:rPr kumimoji="1" lang="en-US" altLang="ja-JP" smtClean="0"/>
+              <a:t>8</a:t>
+            </a:r>
+            <a:r>
+              <a:rPr kumimoji="1" lang="ja-JP" altLang="en-US" smtClean="0"/>
+              <a:t>位 </a:t>
+            </a:r>
+            <a:r>
+              <a:rPr kumimoji="1" lang="en-US" altLang="ja-JP" smtClean="0"/>
+              <a:t>110/tcp (pop3)</a:t>
+            </a:r>
+          </a:p>
+          <a:p>
+            <a:r>
+              <a:rPr kumimoji="1" lang="en-US" altLang="ja-JP" smtClean="0"/>
+              <a:t>9</a:t>
+            </a:r>
+            <a:r>
+              <a:rPr kumimoji="1" lang="ja-JP" altLang="en-US" smtClean="0"/>
+              <a:t>位 </a:t>
+            </a:r>
+            <a:r>
+              <a:rPr kumimoji="1" lang="en-US" altLang="ja-JP" smtClean="0"/>
+              <a:t>445/tcp (smb)</a:t>
+            </a:r>
+          </a:p>
+          <a:p>
+            <a:r>
+              <a:rPr kumimoji="1" lang="en-US" altLang="ja-JP" smtClean="0"/>
+              <a:t>10</a:t>
+            </a:r>
+            <a:r>
+              <a:rPr kumimoji="1" lang="ja-JP" altLang="en-US" smtClean="0"/>
+              <a:t>位 </a:t>
+            </a:r>
+            <a:r>
+              <a:rPr kumimoji="1" lang="en-US" altLang="ja-JP" smtClean="0"/>
+              <a:t>139/tcp</a:t>
+            </a:r>
+            <a:r>
+              <a:rPr kumimoji="1" lang="en-US" altLang="ja-JP" baseline="0" smtClean="0"/>
+              <a:t> (netbios)</a:t>
+            </a:r>
+            <a:endParaRPr kumimoji="1" lang="en-US" altLang="ja-JP" smtClean="0"/>
           </a:p>
         </p:txBody>
       </p:sp>
@@ -1240,7 +1252,8 @@
           <a:p>
             <a:fld id="{DB9CD991-4847-4EC6-8E3A-1C6DA9348A2B}" type="slidenum">
               <a:rPr kumimoji="1" lang="ja-JP" altLang="en-US" smtClean="0"/>
-              <a:t>8</a:t>
+              <a:pPr/>
+              <a:t>13</a:t>
             </a:fld>
             <a:endParaRPr kumimoji="1" lang="ja-JP" altLang="en-US"/>
           </a:p>
@@ -1249,7 +1262,7 @@
     </p:spTree>
     <p:extLst>
       <p:ext uri="{BB962C8B-B14F-4D97-AF65-F5344CB8AC3E}">
-        <p14:creationId xmlns:p14="http://schemas.microsoft.com/office/powerpoint/2010/main" val="4088891792"/>
+        <p14:creationId xmlns:p14="http://schemas.microsoft.com/office/powerpoint/2010/main" xmlns="" val="3105100023"/>
       </p:ext>
     </p:extLst>
   </p:cSld>
@@ -1305,64 +1318,88 @@
           <a:p>
             <a:r>
               <a:rPr kumimoji="1" lang="ja-JP" altLang="en-US" smtClean="0"/>
-              <a:t>通常、</a:t>
+              <a:t>これは、</a:t>
             </a:r>
             <a:r>
               <a:rPr kumimoji="1" lang="en-US" altLang="ja-JP" smtClean="0"/>
-              <a:t>POST</a:t>
+              <a:t>Nmap</a:t>
             </a:r>
             <a:r>
               <a:rPr kumimoji="1" lang="ja-JP" altLang="en-US" smtClean="0"/>
-              <a:t>メソッドのフィルタや、</a:t>
-            </a:r>
+              <a:t>のガイドブック（いわゆる目ん玉本）に載っている、いかに効率的にスキャンをするか？ というデータです。</a:t>
+            </a:r>
+            <a:endParaRPr kumimoji="1" lang="en-US" altLang="ja-JP" smtClean="0"/>
+          </a:p>
+          <a:p>
             <a:r>
               <a:rPr kumimoji="1" lang="en-US" altLang="ja-JP" smtClean="0"/>
-              <a:t>GET</a:t>
+              <a:t>2008</a:t>
             </a:r>
             <a:r>
               <a:rPr kumimoji="1" lang="ja-JP" altLang="en-US" smtClean="0"/>
-              <a:t>メソッドでもリクエストパラメタなどは</a:t>
+              <a:t>年のものなので現在は細かい数字は違ってくるでしょうが、言いたい結論は変わらないはずです。</a:t>
+            </a:r>
+            <a:endParaRPr kumimoji="1" lang="en-US" altLang="ja-JP" smtClean="0"/>
+          </a:p>
+          <a:p>
+            <a:endParaRPr kumimoji="1" lang="en-US" altLang="ja-JP" smtClean="0"/>
+          </a:p>
+          <a:p>
+            <a:r>
+              <a:rPr kumimoji="1" lang="ja-JP" altLang="en-US" smtClean="0"/>
+              <a:t>このグラフは、横軸がスキャンする</a:t>
             </a:r>
             <a:r>
               <a:rPr kumimoji="1" lang="en-US" altLang="ja-JP" smtClean="0"/>
-              <a:t>Proxy</a:t>
+              <a:t>TCP</a:t>
             </a:r>
             <a:r>
               <a:rPr kumimoji="1" lang="ja-JP" altLang="en-US" smtClean="0"/>
-              <a:t>でチェックしている企業も多いでしょう。</a:t>
+              <a:t>のポート数（個数）、縦軸がカバレッジです。（</a:t>
+            </a:r>
+            <a:r>
+              <a:rPr kumimoji="1" lang="en-US" altLang="ja-JP" smtClean="0"/>
+              <a:t>Nmap</a:t>
+            </a:r>
+            <a:r>
+              <a:rPr kumimoji="1" lang="ja-JP" altLang="en-US" smtClean="0"/>
+              <a:t>本では</a:t>
+            </a:r>
+            <a:r>
+              <a:rPr kumimoji="1" lang="en-US" altLang="ja-JP" smtClean="0"/>
+              <a:t>Effectiveness</a:t>
+            </a:r>
+            <a:r>
+              <a:rPr kumimoji="1" lang="ja-JP" altLang="en-US" smtClean="0"/>
+              <a:t>という単語を使っていますが、ここではカバレッジとしました）。</a:t>
             </a:r>
             <a:endParaRPr kumimoji="1" lang="en-US" altLang="ja-JP" smtClean="0"/>
           </a:p>
           <a:p>
             <a:r>
               <a:rPr kumimoji="1" lang="ja-JP" altLang="en-US" smtClean="0"/>
-              <a:t>でも、このようにリクエストヘッダに埋め込む形でデータを送信すれば。。。</a:t>
+              <a:t>ここでいうカバレッジは網羅率、つまり対象ホスト上で開放している全てのポートがスキャンできたときが</a:t>
             </a:r>
             <a:r>
               <a:rPr kumimoji="1" lang="en-US" altLang="ja-JP" smtClean="0"/>
-              <a:t>Proxy</a:t>
+              <a:t>100</a:t>
             </a:r>
             <a:r>
               <a:rPr kumimoji="1" lang="ja-JP" altLang="en-US" smtClean="0"/>
-              <a:t>ごしの</a:t>
-            </a:r>
+              <a:t>％としたときの、実際にスキャンできるポート数の割合です。</a:t>
+            </a:r>
+            <a:endParaRPr kumimoji="1" lang="en-US" altLang="ja-JP" smtClean="0"/>
+          </a:p>
+          <a:p>
             <a:r>
               <a:rPr kumimoji="1" lang="en-US" altLang="ja-JP" smtClean="0"/>
-              <a:t>HTTP</a:t>
+              <a:t>Nmap</a:t>
             </a:r>
             <a:r>
               <a:rPr kumimoji="1" lang="ja-JP" altLang="en-US" smtClean="0"/>
-              <a:t>の通信しか許さず、</a:t>
-            </a:r>
-            <a:r>
-              <a:rPr kumimoji="1" lang="en-US" altLang="ja-JP" smtClean="0"/>
-              <a:t>POST</a:t>
-            </a:r>
-            <a:r>
-              <a:rPr kumimoji="1" lang="ja-JP" altLang="en-US" smtClean="0"/>
-              <a:t>禁止の環境でも、結構</a:t>
-            </a:r>
-            <a:endParaRPr kumimoji="1" lang="ja-JP" altLang="en-US"/>
+              <a:t>ガイドブックでは、多くのホストをスキャンしてポートごとの存在確率を統計的に計算し、それよりこのようなカバレッジを計算してみせています。</a:t>
+            </a:r>
+            <a:endParaRPr kumimoji="1" lang="en-US" altLang="ja-JP" smtClean="0"/>
           </a:p>
         </p:txBody>
       </p:sp>
@@ -1383,7 +1420,8 @@
           <a:p>
             <a:fld id="{DB9CD991-4847-4EC6-8E3A-1C6DA9348A2B}" type="slidenum">
               <a:rPr kumimoji="1" lang="ja-JP" altLang="en-US" smtClean="0"/>
-              <a:t>10</a:t>
+              <a:pPr/>
+              <a:t>14</a:t>
             </a:fld>
             <a:endParaRPr kumimoji="1" lang="ja-JP" altLang="en-US"/>
           </a:p>
@@ -1392,7 +1430,7 @@
     </p:spTree>
     <p:extLst>
       <p:ext uri="{BB962C8B-B14F-4D97-AF65-F5344CB8AC3E}">
-        <p14:creationId xmlns:p14="http://schemas.microsoft.com/office/powerpoint/2010/main" val="1322130280"/>
+        <p14:creationId xmlns:p14="http://schemas.microsoft.com/office/powerpoint/2010/main" xmlns="" val="535652338"/>
       </p:ext>
     </p:extLst>
   </p:cSld>
@@ -1446,6 +1484,118 @@
           <a:bodyPr/>
           <a:lstStyle/>
           <a:p>
+            <a:r>
+              <a:rPr kumimoji="1" lang="ja-JP" altLang="en-US" smtClean="0"/>
+              <a:t>たとえば、</a:t>
+            </a:r>
+            <a:r>
+              <a:rPr kumimoji="1" lang="en-US" altLang="ja-JP" smtClean="0"/>
+              <a:t>50%</a:t>
+            </a:r>
+            <a:r>
+              <a:rPr kumimoji="1" lang="ja-JP" altLang="en-US" smtClean="0"/>
+              <a:t>のカバレッジを出すには、</a:t>
+            </a:r>
+            <a:r>
+              <a:rPr kumimoji="1" lang="en-US" altLang="ja-JP" smtClean="0"/>
+              <a:t>10</a:t>
+            </a:r>
+            <a:r>
+              <a:rPr kumimoji="1" lang="ja-JP" altLang="en-US" smtClean="0"/>
+              <a:t>個のポートをスキャンするだけで良いわけです。</a:t>
+            </a:r>
+            <a:endParaRPr kumimoji="1" lang="en-US" altLang="ja-JP" smtClean="0"/>
+          </a:p>
+          <a:p>
+            <a:r>
+              <a:rPr kumimoji="1" lang="en-US" altLang="ja-JP" smtClean="0"/>
+              <a:t>90%</a:t>
+            </a:r>
+            <a:r>
+              <a:rPr kumimoji="1" lang="ja-JP" altLang="en-US" smtClean="0"/>
+              <a:t>のカバレッジを出すにも、</a:t>
+            </a:r>
+            <a:r>
+              <a:rPr kumimoji="1" lang="en-US" altLang="ja-JP" smtClean="0"/>
+              <a:t>500</a:t>
+            </a:r>
+            <a:r>
+              <a:rPr kumimoji="1" lang="ja-JP" altLang="en-US" smtClean="0"/>
+              <a:t>個ちょっとスキャンすれば十分です。このようによく使われるポートは非常に「偏り」がありますから、必要最小限のポートのみに絞ってスキャンしましょう。探査行為が少なければ少ないほど、攻撃が検知される可能性も低くなります。</a:t>
+            </a:r>
+            <a:endParaRPr kumimoji="1" lang="en-US" altLang="ja-JP" smtClean="0"/>
+          </a:p>
+          <a:p>
+            <a:endParaRPr kumimoji="1" lang="en-US" altLang="ja-JP" smtClean="0"/>
+          </a:p>
+          <a:p>
+            <a:r>
+              <a:rPr kumimoji="1" lang="ja-JP" altLang="en-US" smtClean="0"/>
+              <a:t>また、</a:t>
+            </a:r>
+            <a:r>
+              <a:rPr kumimoji="1" lang="en-US" altLang="ja-JP" smtClean="0"/>
+              <a:t>99%</a:t>
+            </a:r>
+            <a:r>
+              <a:rPr kumimoji="1" lang="ja-JP" altLang="en-US" smtClean="0"/>
+              <a:t>のカバレッジを出すには</a:t>
+            </a:r>
+            <a:r>
+              <a:rPr kumimoji="1" lang="en-US" altLang="ja-JP" smtClean="0"/>
+              <a:t>3000</a:t>
+            </a:r>
+            <a:r>
+              <a:rPr kumimoji="1" lang="ja-JP" altLang="en-US" smtClean="0"/>
+              <a:t>個ちょっとのポートをスキャンすればいいのに、そこからさらにカバレッジ</a:t>
+            </a:r>
+            <a:r>
+              <a:rPr kumimoji="1" lang="en-US" altLang="ja-JP" smtClean="0"/>
+              <a:t>100%</a:t>
+            </a:r>
+            <a:r>
+              <a:rPr kumimoji="1" lang="ja-JP" altLang="en-US" smtClean="0"/>
+              <a:t>を目指すには、当然のことながら全</a:t>
+            </a:r>
+            <a:r>
+              <a:rPr kumimoji="1" lang="en-US" altLang="ja-JP" smtClean="0"/>
+              <a:t>TCP</a:t>
+            </a:r>
+            <a:r>
+              <a:rPr kumimoji="1" lang="ja-JP" altLang="en-US" smtClean="0"/>
+              <a:t>ポート</a:t>
+            </a:r>
+            <a:r>
+              <a:rPr kumimoji="1" lang="en-US" altLang="ja-JP" smtClean="0"/>
+              <a:t>(0-65535)</a:t>
+            </a:r>
+            <a:r>
+              <a:rPr kumimoji="1" lang="ja-JP" altLang="en-US" smtClean="0"/>
+              <a:t>の</a:t>
+            </a:r>
+            <a:r>
+              <a:rPr kumimoji="1" lang="en-US" altLang="ja-JP" smtClean="0"/>
+              <a:t>65536</a:t>
+            </a:r>
+            <a:r>
+              <a:rPr kumimoji="1" lang="ja-JP" altLang="en-US" smtClean="0"/>
+              <a:t>個をスキャンしなければいけません。</a:t>
+            </a:r>
+            <a:endParaRPr kumimoji="1" lang="en-US" altLang="ja-JP" smtClean="0"/>
+          </a:p>
+          <a:p>
+            <a:r>
+              <a:rPr kumimoji="1" lang="ja-JP" altLang="en-US" smtClean="0"/>
+              <a:t>ここから、全ポートのスキャンはいかに非効率的であるかが分かります。</a:t>
+            </a:r>
+            <a:r>
+              <a:rPr kumimoji="1" lang="en-US" altLang="ja-JP" smtClean="0"/>
+              <a:t>--top-ports</a:t>
+            </a:r>
+            <a:r>
+              <a:rPr kumimoji="1" lang="ja-JP" altLang="en-US" smtClean="0"/>
+              <a:t>を積極的に使って、最小限のスキャンで攻撃しましょう（するなよ）。</a:t>
+            </a:r>
             <a:endParaRPr kumimoji="1" lang="ja-JP" altLang="en-US"/>
           </a:p>
         </p:txBody>
@@ -1467,7 +1617,8 @@
           <a:p>
             <a:fld id="{DB9CD991-4847-4EC6-8E3A-1C6DA9348A2B}" type="slidenum">
               <a:rPr kumimoji="1" lang="ja-JP" altLang="en-US" smtClean="0"/>
-              <a:t>11</a:t>
+              <a:pPr/>
+              <a:t>15</a:t>
             </a:fld>
             <a:endParaRPr kumimoji="1" lang="ja-JP" altLang="en-US"/>
           </a:p>
@@ -1476,7 +1627,7 @@
     </p:spTree>
     <p:extLst>
       <p:ext uri="{BB962C8B-B14F-4D97-AF65-F5344CB8AC3E}">
-        <p14:creationId xmlns:p14="http://schemas.microsoft.com/office/powerpoint/2010/main" val="2754438294"/>
+        <p14:creationId xmlns:p14="http://schemas.microsoft.com/office/powerpoint/2010/main" xmlns="" val="2200297126"/>
       </p:ext>
     </p:extLst>
   </p:cSld>
@@ -1532,19 +1683,11 @@
           <a:p>
             <a:r>
               <a:rPr kumimoji="1" lang="ja-JP" altLang="en-US" smtClean="0"/>
-              <a:t>これは、</a:t>
+              <a:t>通常、</a:t>
             </a:r>
             <a:r>
               <a:rPr kumimoji="1" lang="en-US" altLang="ja-JP" smtClean="0"/>
-              <a:t>-T0</a:t>
-            </a:r>
-            <a:r>
-              <a:rPr kumimoji="1" lang="ja-JP" altLang="en-US" smtClean="0"/>
-              <a:t>をつけてポートスキャンをした際のパケットキャプチャです。ここでは</a:t>
-            </a:r>
-            <a:r>
-              <a:rPr kumimoji="1" lang="en-US" altLang="ja-JP" smtClean="0"/>
-              <a:t>TCP</a:t>
+              <a:t>ICMP</a:t>
             </a:r>
             <a:r>
               <a:rPr kumimoji="1" lang="ja-JP" altLang="en-US" smtClean="0"/>
@@ -1552,19 +1695,51 @@
             </a:r>
             <a:r>
               <a:rPr kumimoji="1" lang="en-US" altLang="ja-JP" smtClean="0"/>
-              <a:t>0</a:t>
+              <a:t>echo</a:t>
             </a:r>
             <a:r>
               <a:rPr kumimoji="1" lang="ja-JP" altLang="en-US" smtClean="0"/>
-              <a:t>番から</a:t>
+              <a:t>リクエストは、リプライが変えるかどうかだけが重要です。そのためペイロードには誰も注意を払いません。そのためか</a:t>
             </a:r>
             <a:r>
               <a:rPr kumimoji="1" lang="en-US" altLang="ja-JP" smtClean="0"/>
-              <a:t>4</a:t>
+              <a:t>(?)</a:t>
             </a:r>
             <a:r>
               <a:rPr kumimoji="1" lang="ja-JP" altLang="en-US" smtClean="0"/>
-              <a:t>番までスキャンしていますが</a:t>
+              <a:t>、</a:t>
+            </a:r>
+            <a:r>
+              <a:rPr kumimoji="1" lang="en-US" altLang="ja-JP" smtClean="0"/>
+              <a:t>Windows</a:t>
+            </a:r>
+            <a:r>
+              <a:rPr kumimoji="1" lang="ja-JP" altLang="en-US" smtClean="0"/>
+              <a:t>の</a:t>
+            </a:r>
+            <a:r>
+              <a:rPr kumimoji="1" lang="en-US" altLang="ja-JP" smtClean="0"/>
+              <a:t>ping</a:t>
+            </a:r>
+            <a:r>
+              <a:rPr kumimoji="1" lang="ja-JP" altLang="en-US" smtClean="0"/>
+              <a:t>コマンドではこのように</a:t>
+            </a:r>
+            <a:r>
+              <a:rPr kumimoji="1" lang="en-US" altLang="ja-JP" smtClean="0"/>
+              <a:t>[abcdefg...]</a:t>
+            </a:r>
+            <a:r>
+              <a:rPr kumimoji="1" lang="ja-JP" altLang="en-US" smtClean="0"/>
+              <a:t>というテキトーなペイロードが埋め込まれています。（なぜ</a:t>
+            </a:r>
+            <a:r>
+              <a:rPr kumimoji="1" lang="en-US" altLang="ja-JP" smtClean="0"/>
+              <a:t>xyz</a:t>
+            </a:r>
+            <a:r>
+              <a:rPr kumimoji="1" lang="ja-JP" altLang="en-US" smtClean="0"/>
+              <a:t>が抜けているのかが謎なんですけど</a:t>
             </a:r>
             <a:r>
               <a:rPr kumimoji="1" lang="en-US" altLang="ja-JP" smtClean="0"/>
@@ -1572,22 +1747,33 @@
             </a:r>
             <a:r>
               <a:rPr kumimoji="1" lang="ja-JP" altLang="en-US" smtClean="0"/>
-              <a:t>。</a:t>
-            </a:r>
-            <a:endParaRPr kumimoji="1" lang="en-US" altLang="ja-JP" smtClean="0"/>
+              <a:t>知ってる人います</a:t>
+            </a:r>
+            <a:r>
+              <a:rPr kumimoji="1" lang="en-US" altLang="ja-JP" smtClean="0"/>
+              <a:t>?)</a:t>
+            </a:r>
           </a:p>
           <a:p>
             <a:r>
               <a:rPr kumimoji="1" lang="ja-JP" altLang="en-US" smtClean="0"/>
-              <a:t>見ての通り、なんとひとつのポートをスキャンするのに</a:t>
+              <a:t>ちなみに</a:t>
             </a:r>
             <a:r>
               <a:rPr kumimoji="1" lang="en-US" altLang="ja-JP" smtClean="0"/>
-              <a:t>5</a:t>
+              <a:t>Linux</a:t>
             </a:r>
             <a:r>
               <a:rPr kumimoji="1" lang="ja-JP" altLang="en-US" smtClean="0"/>
-              <a:t>分間隔を開けています。これほどゆっくりスキャンされては、相手もスキャンされていると気が付くことはおそらく無いでしょう。</a:t>
+              <a:t>の</a:t>
+            </a:r>
+            <a:r>
+              <a:rPr kumimoji="1" lang="en-US" altLang="ja-JP" smtClean="0"/>
+              <a:t>ping</a:t>
+            </a:r>
+            <a:r>
+              <a:rPr kumimoji="1" lang="ja-JP" altLang="en-US" smtClean="0"/>
+              <a:t>コマンドは、また全然別のテキトーなペイロードが埋めこれます</a:t>
             </a:r>
             <a:endParaRPr kumimoji="1" lang="ja-JP" altLang="en-US"/>
           </a:p>
@@ -1610,7 +1796,8 @@
           <a:p>
             <a:fld id="{DB9CD991-4847-4EC6-8E3A-1C6DA9348A2B}" type="slidenum">
               <a:rPr kumimoji="1" lang="ja-JP" altLang="en-US" smtClean="0"/>
-              <a:t>19</a:t>
+              <a:pPr/>
+              <a:t>20</a:t>
             </a:fld>
             <a:endParaRPr kumimoji="1" lang="ja-JP" altLang="en-US"/>
           </a:p>
@@ -1619,7 +1806,7 @@
     </p:spTree>
     <p:extLst>
       <p:ext uri="{BB962C8B-B14F-4D97-AF65-F5344CB8AC3E}">
-        <p14:creationId xmlns:p14="http://schemas.microsoft.com/office/powerpoint/2010/main" val="2504593760"/>
+        <p14:creationId xmlns:p14="http://schemas.microsoft.com/office/powerpoint/2010/main" xmlns="" val="1645015722"/>
       </p:ext>
     </p:extLst>
   </p:cSld>
@@ -1675,192 +1862,40 @@
           <a:p>
             <a:r>
               <a:rPr kumimoji="1" lang="ja-JP" altLang="en-US" smtClean="0"/>
-              <a:t>ちなみに、ランキングは、</a:t>
+              <a:t>さて、そうなるとここに好きなペイロードを突っ込むことで、外部と隠れてコソコソ通信できるな～ということになります。</a:t>
             </a:r>
             <a:endParaRPr kumimoji="1" lang="en-US" altLang="ja-JP" smtClean="0"/>
           </a:p>
           <a:p>
             <a:r>
+              <a:rPr kumimoji="1" lang="ja-JP" altLang="en-US" smtClean="0"/>
+              <a:t>やり方は色々あると思いますが、ここでは</a:t>
+            </a:r>
+            <a:r>
               <a:rPr kumimoji="1" lang="en-US" altLang="ja-JP" smtClean="0"/>
-              <a:t>1</a:t>
+              <a:t>nping</a:t>
             </a:r>
             <a:r>
               <a:rPr kumimoji="1" lang="ja-JP" altLang="en-US" smtClean="0"/>
-              <a:t>位 </a:t>
+              <a:t>コマンドを使いましょう。これはポートスキャナ</a:t>
             </a:r>
             <a:r>
               <a:rPr kumimoji="1" lang="en-US" altLang="ja-JP" smtClean="0"/>
-              <a:t>80/tcp (http)</a:t>
-            </a:r>
-          </a:p>
-          <a:p>
+              <a:t>nmap</a:t>
+            </a:r>
+            <a:r>
+              <a:rPr kumimoji="1" lang="ja-JP" altLang="en-US" smtClean="0"/>
+              <a:t>に付属しているので、普通に</a:t>
+            </a:r>
             <a:r>
               <a:rPr kumimoji="1" lang="en-US" altLang="ja-JP" smtClean="0"/>
-              <a:t>2</a:t>
+              <a:t>nmap</a:t>
             </a:r>
             <a:r>
               <a:rPr kumimoji="1" lang="ja-JP" altLang="en-US" smtClean="0"/>
-              <a:t>位 </a:t>
-            </a:r>
-            <a:r>
-              <a:rPr kumimoji="1" lang="en-US" altLang="ja-JP" smtClean="0"/>
-              <a:t>23/tcp (telnet)</a:t>
-            </a:r>
-          </a:p>
-          <a:p>
-            <a:pPr marL="0" marR="0" indent="0" algn="l" defTabSz="914400" rtl="0" eaLnBrk="1" fontAlgn="auto" latinLnBrk="0" hangingPunct="1">
-              <a:lnSpc>
-                <a:spcPct val="100000"/>
-              </a:lnSpc>
-              <a:spcBef>
-                <a:spcPts val="0"/>
-              </a:spcBef>
-              <a:spcAft>
-                <a:spcPts val="0"/>
-              </a:spcAft>
-              <a:buClrTx/>
-              <a:buSzTx/>
-              <a:buFontTx/>
-              <a:buNone/>
-              <a:tabLst/>
-              <a:defRPr/>
-            </a:pPr>
-            <a:r>
-              <a:rPr kumimoji="1" lang="en-US" altLang="ja-JP" smtClean="0"/>
-              <a:t>3</a:t>
-            </a:r>
-            <a:r>
-              <a:rPr kumimoji="1" lang="ja-JP" altLang="en-US" smtClean="0"/>
-              <a:t>位 </a:t>
-            </a:r>
-            <a:r>
-              <a:rPr kumimoji="1" lang="en-US" altLang="ja-JP" smtClean="0"/>
-              <a:t>443/tcp (https)</a:t>
-            </a:r>
-          </a:p>
-          <a:p>
-            <a:pPr marL="0" marR="0" indent="0" algn="l" defTabSz="914400" rtl="0" eaLnBrk="1" fontAlgn="auto" latinLnBrk="0" hangingPunct="1">
-              <a:lnSpc>
-                <a:spcPct val="100000"/>
-              </a:lnSpc>
-              <a:spcBef>
-                <a:spcPts val="0"/>
-              </a:spcBef>
-              <a:spcAft>
-                <a:spcPts val="0"/>
-              </a:spcAft>
-              <a:buClrTx/>
-              <a:buSzTx/>
-              <a:buFontTx/>
-              <a:buNone/>
-              <a:tabLst/>
-              <a:defRPr/>
-            </a:pPr>
-            <a:r>
-              <a:rPr kumimoji="1" lang="en-US" altLang="ja-JP" smtClean="0"/>
-              <a:t>4</a:t>
-            </a:r>
-            <a:r>
-              <a:rPr kumimoji="1" lang="ja-JP" altLang="en-US" smtClean="0"/>
-              <a:t>位 </a:t>
-            </a:r>
-            <a:r>
-              <a:rPr kumimoji="1" lang="en-US" altLang="ja-JP" smtClean="0"/>
-              <a:t>21/tcp (ftp)</a:t>
-            </a:r>
-          </a:p>
-          <a:p>
-            <a:r>
-              <a:rPr kumimoji="1" lang="en-US" altLang="ja-JP" smtClean="0"/>
-              <a:t>5</a:t>
-            </a:r>
-            <a:r>
-              <a:rPr kumimoji="1" lang="ja-JP" altLang="en-US" smtClean="0"/>
-              <a:t>位 </a:t>
-            </a:r>
-            <a:r>
-              <a:rPr kumimoji="1" lang="en-US" altLang="ja-JP" smtClean="0"/>
-              <a:t>22/tcp (ssh)</a:t>
-            </a:r>
-          </a:p>
-          <a:p>
-            <a:r>
-              <a:rPr kumimoji="1" lang="en-US" altLang="ja-JP" smtClean="0"/>
-              <a:t>6</a:t>
-            </a:r>
-            <a:r>
-              <a:rPr kumimoji="1" lang="ja-JP" altLang="en-US" smtClean="0"/>
-              <a:t>位 </a:t>
-            </a:r>
-            <a:r>
-              <a:rPr kumimoji="1" lang="en-US" altLang="ja-JP" smtClean="0"/>
-              <a:t>25/tcp</a:t>
-            </a:r>
-            <a:r>
-              <a:rPr kumimoji="1" lang="en-US" altLang="ja-JP" baseline="0" smtClean="0"/>
-              <a:t> (smtp)</a:t>
-            </a:r>
-          </a:p>
-          <a:p>
-            <a:r>
-              <a:rPr kumimoji="1" lang="en-US" altLang="ja-JP" baseline="0" smtClean="0"/>
-              <a:t>7</a:t>
-            </a:r>
-            <a:r>
-              <a:rPr kumimoji="1" lang="ja-JP" altLang="en-US" baseline="0" smtClean="0"/>
-              <a:t>位 </a:t>
-            </a:r>
-            <a:r>
-              <a:rPr kumimoji="1" lang="en-US" altLang="ja-JP" baseline="0" smtClean="0"/>
-              <a:t>3389/tcp (rdp)</a:t>
-            </a:r>
-          </a:p>
-          <a:p>
-            <a:r>
-              <a:rPr kumimoji="1" lang="en-US" altLang="ja-JP" smtClean="0"/>
-              <a:t>8</a:t>
-            </a:r>
-            <a:r>
-              <a:rPr kumimoji="1" lang="ja-JP" altLang="en-US" smtClean="0"/>
-              <a:t>位 </a:t>
-            </a:r>
-            <a:r>
-              <a:rPr kumimoji="1" lang="en-US" altLang="ja-JP" smtClean="0"/>
-              <a:t>110/tcp (pop3)</a:t>
-            </a:r>
-          </a:p>
-          <a:p>
-            <a:r>
-              <a:rPr kumimoji="1" lang="en-US" altLang="ja-JP" smtClean="0"/>
-              <a:t>9</a:t>
-            </a:r>
-            <a:r>
-              <a:rPr kumimoji="1" lang="ja-JP" altLang="en-US" smtClean="0"/>
-              <a:t>位 </a:t>
-            </a:r>
-            <a:r>
-              <a:rPr kumimoji="1" lang="en-US" altLang="ja-JP" smtClean="0"/>
-              <a:t>445/tcp (smb)</a:t>
-            </a:r>
-          </a:p>
-          <a:p>
-            <a:r>
-              <a:rPr kumimoji="1" lang="en-US" altLang="ja-JP" smtClean="0"/>
-              <a:t>10</a:t>
-            </a:r>
-            <a:r>
-              <a:rPr kumimoji="1" lang="ja-JP" altLang="en-US" smtClean="0"/>
-              <a:t>位 </a:t>
-            </a:r>
-            <a:r>
-              <a:rPr kumimoji="1" lang="en-US" altLang="ja-JP" smtClean="0"/>
-              <a:t>139/tcp</a:t>
-            </a:r>
-            <a:r>
-              <a:rPr kumimoji="1" lang="en-US" altLang="ja-JP" baseline="0" smtClean="0"/>
-              <a:t> (netbios)</a:t>
-            </a:r>
-            <a:endParaRPr kumimoji="1" lang="en-US" altLang="ja-JP" smtClean="0"/>
+              <a:t>を入れれば入っています。</a:t>
+            </a:r>
+            <a:endParaRPr kumimoji="1" lang="ja-JP" altLang="en-US"/>
           </a:p>
         </p:txBody>
       </p:sp>
@@ -1881,6 +1916,7 @@
           <a:p>
             <a:fld id="{DB9CD991-4847-4EC6-8E3A-1C6DA9348A2B}" type="slidenum">
               <a:rPr kumimoji="1" lang="ja-JP" altLang="en-US" smtClean="0"/>
+              <a:pPr/>
               <a:t>21</a:t>
             </a:fld>
             <a:endParaRPr kumimoji="1" lang="ja-JP" altLang="en-US"/>
@@ -1890,7 +1926,7 @@
     </p:spTree>
     <p:extLst>
       <p:ext uri="{BB962C8B-B14F-4D97-AF65-F5344CB8AC3E}">
-        <p14:creationId xmlns:p14="http://schemas.microsoft.com/office/powerpoint/2010/main" val="3105100023"/>
+        <p14:creationId xmlns:p14="http://schemas.microsoft.com/office/powerpoint/2010/main" xmlns="" val="4088891792"/>
       </p:ext>
     </p:extLst>
   </p:cSld>
@@ -1946,88 +1982,64 @@
           <a:p>
             <a:r>
               <a:rPr kumimoji="1" lang="ja-JP" altLang="en-US" smtClean="0"/>
-              <a:t>これは、</a:t>
+              <a:t>通常、</a:t>
             </a:r>
             <a:r>
               <a:rPr kumimoji="1" lang="en-US" altLang="ja-JP" smtClean="0"/>
-              <a:t>Nmap</a:t>
+              <a:t>POST</a:t>
             </a:r>
             <a:r>
               <a:rPr kumimoji="1" lang="ja-JP" altLang="en-US" smtClean="0"/>
-              <a:t>のガイドブック（いわゆる目ん玉本）に載っている、いかに効率的にスキャンをするか？ というデータです。</a:t>
+              <a:t>メソッドのフィルタや、</a:t>
+            </a:r>
+            <a:r>
+              <a:rPr kumimoji="1" lang="en-US" altLang="ja-JP" smtClean="0"/>
+              <a:t>GET</a:t>
+            </a:r>
+            <a:r>
+              <a:rPr kumimoji="1" lang="ja-JP" altLang="en-US" smtClean="0"/>
+              <a:t>メソッドでもリクエストパラメタなどは</a:t>
+            </a:r>
+            <a:r>
+              <a:rPr kumimoji="1" lang="en-US" altLang="ja-JP" smtClean="0"/>
+              <a:t>Proxy</a:t>
+            </a:r>
+            <a:r>
+              <a:rPr kumimoji="1" lang="ja-JP" altLang="en-US" smtClean="0"/>
+              <a:t>でチェックしている企業も多いでしょう。</a:t>
             </a:r>
             <a:endParaRPr kumimoji="1" lang="en-US" altLang="ja-JP" smtClean="0"/>
           </a:p>
           <a:p>
             <a:r>
+              <a:rPr kumimoji="1" lang="ja-JP" altLang="en-US" smtClean="0"/>
+              <a:t>でも、このようにリクエストヘッダに埋め込む形でデータを送信すれば。。。</a:t>
+            </a:r>
+            <a:r>
               <a:rPr kumimoji="1" lang="en-US" altLang="ja-JP" smtClean="0"/>
-              <a:t>2008</a:t>
+              <a:t>Proxy</a:t>
             </a:r>
             <a:r>
               <a:rPr kumimoji="1" lang="ja-JP" altLang="en-US" smtClean="0"/>
-              <a:t>年のものなので現在は細かい数字は違ってくるでしょうが、言いたい結論は変わらないはずです。</a:t>
-            </a:r>
-            <a:endParaRPr kumimoji="1" lang="en-US" altLang="ja-JP" smtClean="0"/>
-          </a:p>
-          <a:p>
-            <a:endParaRPr kumimoji="1" lang="en-US" altLang="ja-JP" smtClean="0"/>
-          </a:p>
-          <a:p>
+              <a:t>ごしの</a:t>
+            </a:r>
+            <a:r>
+              <a:rPr kumimoji="1" lang="en-US" altLang="ja-JP" smtClean="0"/>
+              <a:t>HTTP</a:t>
+            </a:r>
             <a:r>
               <a:rPr kumimoji="1" lang="ja-JP" altLang="en-US" smtClean="0"/>
-              <a:t>このグラフは、横軸がスキャンする</a:t>
+              <a:t>の通信しか許さず、</a:t>
             </a:r>
             <a:r>
               <a:rPr kumimoji="1" lang="en-US" altLang="ja-JP" smtClean="0"/>
-              <a:t>TCP</a:t>
+              <a:t>POST</a:t>
             </a:r>
             <a:r>
               <a:rPr kumimoji="1" lang="ja-JP" altLang="en-US" smtClean="0"/>
-              <a:t>のポート数（個数）、縦軸がカバレッジです。（</a:t>
-            </a:r>
-            <a:r>
-              <a:rPr kumimoji="1" lang="en-US" altLang="ja-JP" smtClean="0"/>
-              <a:t>Nmap</a:t>
-            </a:r>
-            <a:r>
-              <a:rPr kumimoji="1" lang="ja-JP" altLang="en-US" smtClean="0"/>
-              <a:t>本では</a:t>
-            </a:r>
-            <a:r>
-              <a:rPr kumimoji="1" lang="en-US" altLang="ja-JP" smtClean="0"/>
-              <a:t>Effectiveness</a:t>
-            </a:r>
-            <a:r>
-              <a:rPr kumimoji="1" lang="ja-JP" altLang="en-US" smtClean="0"/>
-              <a:t>という単語を使っていますが、ここではカバレッジとしました）。</a:t>
-            </a:r>
-            <a:endParaRPr kumimoji="1" lang="en-US" altLang="ja-JP" smtClean="0"/>
-          </a:p>
-          <a:p>
-            <a:r>
-              <a:rPr kumimoji="1" lang="ja-JP" altLang="en-US" smtClean="0"/>
-              <a:t>ここでいうカバレッジは網羅率、つまり対象ホスト上で開放している全てのポートがスキャンできたときが</a:t>
-            </a:r>
-            <a:r>
-              <a:rPr kumimoji="1" lang="en-US" altLang="ja-JP" smtClean="0"/>
-              <a:t>100</a:t>
-            </a:r>
-            <a:r>
-              <a:rPr kumimoji="1" lang="ja-JP" altLang="en-US" smtClean="0"/>
-              <a:t>％としたときの、実際にスキャンできるポート数の割合です。</a:t>
-            </a:r>
-            <a:endParaRPr kumimoji="1" lang="en-US" altLang="ja-JP" smtClean="0"/>
-          </a:p>
-          <a:p>
-            <a:r>
-              <a:rPr kumimoji="1" lang="en-US" altLang="ja-JP" smtClean="0"/>
-              <a:t>Nmap</a:t>
-            </a:r>
-            <a:r>
-              <a:rPr kumimoji="1" lang="ja-JP" altLang="en-US" smtClean="0"/>
-              <a:t>ガイドブックでは、多くのホストをスキャンしてポートごとの存在確率を統計的に計算し、それよりこのようなカバレッジを計算してみせています。</a:t>
-            </a:r>
-            <a:endParaRPr kumimoji="1" lang="en-US" altLang="ja-JP" smtClean="0"/>
+              <a:t>禁止の環境でも、結構</a:t>
+            </a:r>
+            <a:endParaRPr kumimoji="1" lang="ja-JP" altLang="en-US"/>
           </a:p>
         </p:txBody>
       </p:sp>
@@ -2048,7 +2060,8 @@
           <a:p>
             <a:fld id="{DB9CD991-4847-4EC6-8E3A-1C6DA9348A2B}" type="slidenum">
               <a:rPr kumimoji="1" lang="ja-JP" altLang="en-US" smtClean="0"/>
-              <a:t>22</a:t>
+              <a:pPr/>
+              <a:t>24</a:t>
             </a:fld>
             <a:endParaRPr kumimoji="1" lang="ja-JP" altLang="en-US"/>
           </a:p>
@@ -2057,7 +2070,7 @@
     </p:spTree>
     <p:extLst>
       <p:ext uri="{BB962C8B-B14F-4D97-AF65-F5344CB8AC3E}">
-        <p14:creationId xmlns:p14="http://schemas.microsoft.com/office/powerpoint/2010/main" val="535652338"/>
+        <p14:creationId xmlns:p14="http://schemas.microsoft.com/office/powerpoint/2010/main" xmlns="" val="1322130280"/>
       </p:ext>
     </p:extLst>
   </p:cSld>
@@ -2198,7 +2211,8 @@
           <a:p>
             <a:fld id="{018867A7-436E-4462-89C8-DCFE313C3DBA}" type="datetimeFigureOut">
               <a:rPr kumimoji="1" lang="ja-JP" altLang="en-US" smtClean="0"/>
-              <a:t>15/08/21</a:t>
+              <a:pPr/>
+              <a:t>2015/8/22</a:t>
             </a:fld>
             <a:endParaRPr kumimoji="1" lang="ja-JP" altLang="en-US"/>
           </a:p>
@@ -2240,7 +2254,8 @@
           <a:p>
             <a:fld id="{1268F7E2-09DB-4258-A030-729CAB5B2FD4}" type="slidenum">
               <a:rPr kumimoji="1" lang="ja-JP" altLang="en-US" smtClean="0"/>
-              <a:t>‹#›</a:t>
+              <a:pPr/>
+              <a:t>&lt;#&gt;</a:t>
             </a:fld>
             <a:endParaRPr kumimoji="1" lang="ja-JP" altLang="en-US"/>
           </a:p>
@@ -2249,7 +2264,7 @@
     </p:spTree>
     <p:extLst>
       <p:ext uri="{BB962C8B-B14F-4D97-AF65-F5344CB8AC3E}">
-        <p14:creationId xmlns:p14="http://schemas.microsoft.com/office/powerpoint/2010/main" val="1863472321"/>
+        <p14:creationId xmlns:p14="http://schemas.microsoft.com/office/powerpoint/2010/main" xmlns="" val="1863472321"/>
       </p:ext>
     </p:extLst>
   </p:cSld>
@@ -2400,7 +2415,8 @@
           <a:p>
             <a:fld id="{018867A7-436E-4462-89C8-DCFE313C3DBA}" type="datetimeFigureOut">
               <a:rPr kumimoji="1" lang="ja-JP" altLang="en-US" smtClean="0"/>
-              <a:t>15/08/21</a:t>
+              <a:pPr/>
+              <a:t>2015/8/22</a:t>
             </a:fld>
             <a:endParaRPr kumimoji="1" lang="ja-JP" altLang="en-US"/>
           </a:p>
@@ -2442,7 +2458,8 @@
           <a:p>
             <a:fld id="{1268F7E2-09DB-4258-A030-729CAB5B2FD4}" type="slidenum">
               <a:rPr kumimoji="1" lang="ja-JP" altLang="en-US" smtClean="0"/>
-              <a:t>‹#›</a:t>
+              <a:pPr/>
+              <a:t>&lt;#&gt;</a:t>
             </a:fld>
             <a:endParaRPr kumimoji="1" lang="ja-JP" altLang="en-US"/>
           </a:p>
@@ -2451,7 +2468,7 @@
     </p:spTree>
     <p:extLst>
       <p:ext uri="{BB962C8B-B14F-4D97-AF65-F5344CB8AC3E}">
-        <p14:creationId xmlns:p14="http://schemas.microsoft.com/office/powerpoint/2010/main" val="4012234509"/>
+        <p14:creationId xmlns:p14="http://schemas.microsoft.com/office/powerpoint/2010/main" xmlns="" val="4012234509"/>
       </p:ext>
     </p:extLst>
   </p:cSld>
@@ -2612,7 +2629,8 @@
           <a:p>
             <a:fld id="{018867A7-436E-4462-89C8-DCFE313C3DBA}" type="datetimeFigureOut">
               <a:rPr kumimoji="1" lang="ja-JP" altLang="en-US" smtClean="0"/>
-              <a:t>15/08/21</a:t>
+              <a:pPr/>
+              <a:t>2015/8/22</a:t>
             </a:fld>
             <a:endParaRPr kumimoji="1" lang="ja-JP" altLang="en-US"/>
           </a:p>
@@ -2654,7 +2672,8 @@
           <a:p>
             <a:fld id="{1268F7E2-09DB-4258-A030-729CAB5B2FD4}" type="slidenum">
               <a:rPr kumimoji="1" lang="ja-JP" altLang="en-US" smtClean="0"/>
-              <a:t>‹#›</a:t>
+              <a:pPr/>
+              <a:t>&lt;#&gt;</a:t>
             </a:fld>
             <a:endParaRPr kumimoji="1" lang="ja-JP" altLang="en-US"/>
           </a:p>
@@ -2663,7 +2682,7 @@
     </p:spTree>
     <p:extLst>
       <p:ext uri="{BB962C8B-B14F-4D97-AF65-F5344CB8AC3E}">
-        <p14:creationId xmlns:p14="http://schemas.microsoft.com/office/powerpoint/2010/main" val="525144367"/>
+        <p14:creationId xmlns:p14="http://schemas.microsoft.com/office/powerpoint/2010/main" xmlns="" val="525144367"/>
       </p:ext>
     </p:extLst>
   </p:cSld>
@@ -2814,7 +2833,8 @@
           <a:p>
             <a:fld id="{018867A7-436E-4462-89C8-DCFE313C3DBA}" type="datetimeFigureOut">
               <a:rPr kumimoji="1" lang="ja-JP" altLang="en-US" smtClean="0"/>
-              <a:t>15/08/21</a:t>
+              <a:pPr/>
+              <a:t>2015/8/22</a:t>
             </a:fld>
             <a:endParaRPr kumimoji="1" lang="ja-JP" altLang="en-US"/>
           </a:p>
@@ -2856,7 +2876,8 @@
           <a:p>
             <a:fld id="{1268F7E2-09DB-4258-A030-729CAB5B2FD4}" type="slidenum">
               <a:rPr kumimoji="1" lang="ja-JP" altLang="en-US" smtClean="0"/>
-              <a:t>‹#›</a:t>
+              <a:pPr/>
+              <a:t>&lt;#&gt;</a:t>
             </a:fld>
             <a:endParaRPr kumimoji="1" lang="ja-JP" altLang="en-US"/>
           </a:p>
@@ -2865,7 +2886,7 @@
     </p:spTree>
     <p:extLst>
       <p:ext uri="{BB962C8B-B14F-4D97-AF65-F5344CB8AC3E}">
-        <p14:creationId xmlns:p14="http://schemas.microsoft.com/office/powerpoint/2010/main" val="3101500846"/>
+        <p14:creationId xmlns:p14="http://schemas.microsoft.com/office/powerpoint/2010/main" xmlns="" val="3101500846"/>
       </p:ext>
     </p:extLst>
   </p:cSld>
@@ -3058,7 +3079,8 @@
           <a:p>
             <a:fld id="{018867A7-436E-4462-89C8-DCFE313C3DBA}" type="datetimeFigureOut">
               <a:rPr kumimoji="1" lang="ja-JP" altLang="en-US" smtClean="0"/>
-              <a:t>15/08/21</a:t>
+              <a:pPr/>
+              <a:t>2015/8/22</a:t>
             </a:fld>
             <a:endParaRPr kumimoji="1" lang="ja-JP" altLang="en-US"/>
           </a:p>
@@ -3100,7 +3122,8 @@
           <a:p>
             <a:fld id="{1268F7E2-09DB-4258-A030-729CAB5B2FD4}" type="slidenum">
               <a:rPr kumimoji="1" lang="ja-JP" altLang="en-US" smtClean="0"/>
-              <a:t>‹#›</a:t>
+              <a:pPr/>
+              <a:t>&lt;#&gt;</a:t>
             </a:fld>
             <a:endParaRPr kumimoji="1" lang="ja-JP" altLang="en-US"/>
           </a:p>
@@ -3109,7 +3132,7 @@
     </p:spTree>
     <p:extLst>
       <p:ext uri="{BB962C8B-B14F-4D97-AF65-F5344CB8AC3E}">
-        <p14:creationId xmlns:p14="http://schemas.microsoft.com/office/powerpoint/2010/main" val="2607024047"/>
+        <p14:creationId xmlns:p14="http://schemas.microsoft.com/office/powerpoint/2010/main" xmlns="" val="2607024047"/>
       </p:ext>
     </p:extLst>
   </p:cSld>
@@ -3354,7 +3377,8 @@
           <a:p>
             <a:fld id="{018867A7-436E-4462-89C8-DCFE313C3DBA}" type="datetimeFigureOut">
               <a:rPr kumimoji="1" lang="ja-JP" altLang="en-US" smtClean="0"/>
-              <a:t>15/08/21</a:t>
+              <a:pPr/>
+              <a:t>2015/8/22</a:t>
             </a:fld>
             <a:endParaRPr kumimoji="1" lang="ja-JP" altLang="en-US"/>
           </a:p>
@@ -3396,7 +3420,8 @@
           <a:p>
             <a:fld id="{1268F7E2-09DB-4258-A030-729CAB5B2FD4}" type="slidenum">
               <a:rPr kumimoji="1" lang="ja-JP" altLang="en-US" smtClean="0"/>
-              <a:t>‹#›</a:t>
+              <a:pPr/>
+              <a:t>&lt;#&gt;</a:t>
             </a:fld>
             <a:endParaRPr kumimoji="1" lang="ja-JP" altLang="en-US"/>
           </a:p>
@@ -3405,7 +3430,7 @@
     </p:spTree>
     <p:extLst>
       <p:ext uri="{BB962C8B-B14F-4D97-AF65-F5344CB8AC3E}">
-        <p14:creationId xmlns:p14="http://schemas.microsoft.com/office/powerpoint/2010/main" val="1010007558"/>
+        <p14:creationId xmlns:p14="http://schemas.microsoft.com/office/powerpoint/2010/main" xmlns="" val="1010007558"/>
       </p:ext>
     </p:extLst>
   </p:cSld>
@@ -3785,7 +3810,8 @@
           <a:p>
             <a:fld id="{018867A7-436E-4462-89C8-DCFE313C3DBA}" type="datetimeFigureOut">
               <a:rPr kumimoji="1" lang="ja-JP" altLang="en-US" smtClean="0"/>
-              <a:t>15/08/21</a:t>
+              <a:pPr/>
+              <a:t>2015/8/22</a:t>
             </a:fld>
             <a:endParaRPr kumimoji="1" lang="ja-JP" altLang="en-US"/>
           </a:p>
@@ -3827,7 +3853,8 @@
           <a:p>
             <a:fld id="{1268F7E2-09DB-4258-A030-729CAB5B2FD4}" type="slidenum">
               <a:rPr kumimoji="1" lang="ja-JP" altLang="en-US" smtClean="0"/>
-              <a:t>‹#›</a:t>
+              <a:pPr/>
+              <a:t>&lt;#&gt;</a:t>
             </a:fld>
             <a:endParaRPr kumimoji="1" lang="ja-JP" altLang="en-US"/>
           </a:p>
@@ -3836,7 +3863,7 @@
     </p:spTree>
     <p:extLst>
       <p:ext uri="{BB962C8B-B14F-4D97-AF65-F5344CB8AC3E}">
-        <p14:creationId xmlns:p14="http://schemas.microsoft.com/office/powerpoint/2010/main" val="3250309388"/>
+        <p14:creationId xmlns:p14="http://schemas.microsoft.com/office/powerpoint/2010/main" xmlns="" val="3250309388"/>
       </p:ext>
     </p:extLst>
   </p:cSld>
@@ -3903,7 +3930,8 @@
           <a:p>
             <a:fld id="{018867A7-436E-4462-89C8-DCFE313C3DBA}" type="datetimeFigureOut">
               <a:rPr kumimoji="1" lang="ja-JP" altLang="en-US" smtClean="0"/>
-              <a:t>15/08/21</a:t>
+              <a:pPr/>
+              <a:t>2015/8/22</a:t>
             </a:fld>
             <a:endParaRPr kumimoji="1" lang="ja-JP" altLang="en-US"/>
           </a:p>
@@ -3945,7 +3973,8 @@
           <a:p>
             <a:fld id="{1268F7E2-09DB-4258-A030-729CAB5B2FD4}" type="slidenum">
               <a:rPr kumimoji="1" lang="ja-JP" altLang="en-US" smtClean="0"/>
-              <a:t>‹#›</a:t>
+              <a:pPr/>
+              <a:t>&lt;#&gt;</a:t>
             </a:fld>
             <a:endParaRPr kumimoji="1" lang="ja-JP" altLang="en-US"/>
           </a:p>
@@ -3954,7 +3983,7 @@
     </p:spTree>
     <p:extLst>
       <p:ext uri="{BB962C8B-B14F-4D97-AF65-F5344CB8AC3E}">
-        <p14:creationId xmlns:p14="http://schemas.microsoft.com/office/powerpoint/2010/main" val="3038965904"/>
+        <p14:creationId xmlns:p14="http://schemas.microsoft.com/office/powerpoint/2010/main" xmlns="" val="3038965904"/>
       </p:ext>
     </p:extLst>
   </p:cSld>
@@ -3998,7 +4027,8 @@
           <a:p>
             <a:fld id="{018867A7-436E-4462-89C8-DCFE313C3DBA}" type="datetimeFigureOut">
               <a:rPr kumimoji="1" lang="ja-JP" altLang="en-US" smtClean="0"/>
-              <a:t>15/08/21</a:t>
+              <a:pPr/>
+              <a:t>2015/8/22</a:t>
             </a:fld>
             <a:endParaRPr kumimoji="1" lang="ja-JP" altLang="en-US"/>
           </a:p>
@@ -4040,7 +4070,8 @@
           <a:p>
             <a:fld id="{1268F7E2-09DB-4258-A030-729CAB5B2FD4}" type="slidenum">
               <a:rPr kumimoji="1" lang="ja-JP" altLang="en-US" smtClean="0"/>
-              <a:t>‹#›</a:t>
+              <a:pPr/>
+              <a:t>&lt;#&gt;</a:t>
             </a:fld>
             <a:endParaRPr kumimoji="1" lang="ja-JP" altLang="en-US"/>
           </a:p>
@@ -4049,7 +4080,7 @@
     </p:spTree>
     <p:extLst>
       <p:ext uri="{BB962C8B-B14F-4D97-AF65-F5344CB8AC3E}">
-        <p14:creationId xmlns:p14="http://schemas.microsoft.com/office/powerpoint/2010/main" val="1685908978"/>
+        <p14:creationId xmlns:p14="http://schemas.microsoft.com/office/powerpoint/2010/main" xmlns="" val="1685908978"/>
       </p:ext>
     </p:extLst>
   </p:cSld>
@@ -4307,7 +4338,8 @@
           <a:p>
             <a:fld id="{018867A7-436E-4462-89C8-DCFE313C3DBA}" type="datetimeFigureOut">
               <a:rPr kumimoji="1" lang="ja-JP" altLang="en-US" smtClean="0"/>
-              <a:t>15/08/21</a:t>
+              <a:pPr/>
+              <a:t>2015/8/22</a:t>
             </a:fld>
             <a:endParaRPr kumimoji="1" lang="ja-JP" altLang="en-US"/>
           </a:p>
@@ -4349,7 +4381,8 @@
           <a:p>
             <a:fld id="{1268F7E2-09DB-4258-A030-729CAB5B2FD4}" type="slidenum">
               <a:rPr kumimoji="1" lang="ja-JP" altLang="en-US" smtClean="0"/>
-              <a:t>‹#›</a:t>
+              <a:pPr/>
+              <a:t>&lt;#&gt;</a:t>
             </a:fld>
             <a:endParaRPr kumimoji="1" lang="ja-JP" altLang="en-US"/>
           </a:p>
@@ -4358,7 +4391,7 @@
     </p:spTree>
     <p:extLst>
       <p:ext uri="{BB962C8B-B14F-4D97-AF65-F5344CB8AC3E}">
-        <p14:creationId xmlns:p14="http://schemas.microsoft.com/office/powerpoint/2010/main" val="551049879"/>
+        <p14:creationId xmlns:p14="http://schemas.microsoft.com/office/powerpoint/2010/main" xmlns="" val="551049879"/>
       </p:ext>
     </p:extLst>
   </p:cSld>
@@ -4564,7 +4597,8 @@
           <a:p>
             <a:fld id="{018867A7-436E-4462-89C8-DCFE313C3DBA}" type="datetimeFigureOut">
               <a:rPr kumimoji="1" lang="ja-JP" altLang="en-US" smtClean="0"/>
-              <a:t>15/08/21</a:t>
+              <a:pPr/>
+              <a:t>2015/8/22</a:t>
             </a:fld>
             <a:endParaRPr kumimoji="1" lang="ja-JP" altLang="en-US"/>
           </a:p>
@@ -4606,7 +4640,8 @@
           <a:p>
             <a:fld id="{1268F7E2-09DB-4258-A030-729CAB5B2FD4}" type="slidenum">
               <a:rPr kumimoji="1" lang="ja-JP" altLang="en-US" smtClean="0"/>
-              <a:t>‹#›</a:t>
+              <a:pPr/>
+              <a:t>&lt;#&gt;</a:t>
             </a:fld>
             <a:endParaRPr kumimoji="1" lang="ja-JP" altLang="en-US"/>
           </a:p>
@@ -4615,7 +4650,7 @@
     </p:spTree>
     <p:extLst>
       <p:ext uri="{BB962C8B-B14F-4D97-AF65-F5344CB8AC3E}">
-        <p14:creationId xmlns:p14="http://schemas.microsoft.com/office/powerpoint/2010/main" val="2633962770"/>
+        <p14:creationId xmlns:p14="http://schemas.microsoft.com/office/powerpoint/2010/main" xmlns="" val="2633962770"/>
       </p:ext>
     </p:extLst>
   </p:cSld>
@@ -4809,7 +4844,8 @@
           <a:p>
             <a:fld id="{018867A7-436E-4462-89C8-DCFE313C3DBA}" type="datetimeFigureOut">
               <a:rPr kumimoji="1" lang="ja-JP" altLang="en-US" smtClean="0"/>
-              <a:t>15/08/21</a:t>
+              <a:pPr/>
+              <a:t>2015/8/22</a:t>
             </a:fld>
             <a:endParaRPr kumimoji="1" lang="ja-JP" altLang="en-US"/>
           </a:p>
@@ -4887,7 +4923,8 @@
           <a:p>
             <a:fld id="{1268F7E2-09DB-4258-A030-729CAB5B2FD4}" type="slidenum">
               <a:rPr kumimoji="1" lang="ja-JP" altLang="en-US" smtClean="0"/>
-              <a:t>‹#›</a:t>
+              <a:pPr/>
+              <a:t>&lt;#&gt;</a:t>
             </a:fld>
             <a:endParaRPr kumimoji="1" lang="ja-JP" altLang="en-US"/>
           </a:p>
@@ -4896,7 +4933,7 @@
     </p:spTree>
     <p:extLst>
       <p:ext uri="{BB962C8B-B14F-4D97-AF65-F5344CB8AC3E}">
-        <p14:creationId xmlns:p14="http://schemas.microsoft.com/office/powerpoint/2010/main" val="158630497"/>
+        <p14:creationId xmlns:p14="http://schemas.microsoft.com/office/powerpoint/2010/main" xmlns="" val="158630497"/>
       </p:ext>
     </p:extLst>
   </p:cSld>
@@ -5226,7 +5263,7 @@
           <a:blip r:embed="rId2" cstate="print">
             <a:extLst>
               <a:ext uri="{28A0092B-C50C-407E-A947-70E740481C1C}">
-                <a14:useLocalDpi xmlns:a14="http://schemas.microsoft.com/office/drawing/2010/main" val="0"/>
+                <a14:useLocalDpi xmlns:a14="http://schemas.microsoft.com/office/drawing/2010/main" xmlns="" val="0"/>
               </a:ext>
             </a:extLst>
           </a:blip>
@@ -5316,8 +5353,8 @@
         </p:nvSpPr>
         <p:spPr>
           <a:xfrm>
-            <a:off x="319607" y="5009072"/>
-            <a:ext cx="2991621" cy="1015663"/>
+            <a:off x="142240" y="5019232"/>
+            <a:ext cx="3277033" cy="1015663"/>
           </a:xfrm>
           <a:prstGeom prst="rect">
             <a:avLst/>
@@ -5357,7 +5394,7 @@
     </p:spTree>
     <p:extLst>
       <p:ext uri="{BB962C8B-B14F-4D97-AF65-F5344CB8AC3E}">
-        <p14:creationId xmlns:p14="http://schemas.microsoft.com/office/powerpoint/2010/main" val="802749041"/>
+        <p14:creationId xmlns:p14="http://schemas.microsoft.com/office/powerpoint/2010/main" xmlns="" val="802749041"/>
       </p:ext>
     </p:extLst>
   </p:cSld>
@@ -5367,7 +5404,7 @@
   <p:timing>
     <p:tnLst>
       <p:par>
-        <p:cTn xmlns:p14="http://schemas.microsoft.com/office/powerpoint/2010/main" id="1" dur="indefinite" restart="never" nodeType="tmRoot"/>
+        <p:cTn id="1" dur="indefinite" restart="never" nodeType="tmRoot"/>
       </p:par>
     </p:tnLst>
   </p:timing>
@@ -5403,962 +5440,6 @@
         </p:nvSpPr>
         <p:spPr>
           <a:xfrm>
-            <a:off x="628650" y="365126"/>
-            <a:ext cx="7886700" cy="911583"/>
-          </a:xfrm>
-        </p:spPr>
-        <p:txBody>
-          <a:bodyPr/>
-          <a:lstStyle/>
-          <a:p>
-            <a:r>
-              <a:rPr kumimoji="1" lang="ja-JP" altLang="en-US" smtClean="0"/>
-              <a:t>もうちょっと高いレイヤで隠す</a:t>
-            </a:r>
-            <a:endParaRPr kumimoji="1" lang="ja-JP" altLang="en-US"/>
-          </a:p>
-        </p:txBody>
-      </p:sp>
-      <p:sp>
-        <p:nvSpPr>
-          <p:cNvPr id="4" name="正方形/長方形 3"/>
-          <p:cNvSpPr/>
-          <p:nvPr/>
-        </p:nvSpPr>
-        <p:spPr>
-          <a:xfrm>
-            <a:off x="184639" y="1422331"/>
-            <a:ext cx="15158105" cy="3765131"/>
-          </a:xfrm>
-          <a:prstGeom prst="rect">
-            <a:avLst/>
-          </a:prstGeom>
-          <a:solidFill>
-            <a:schemeClr val="tx1"/>
-          </a:solidFill>
-          <a:ln>
-            <a:solidFill>
-              <a:schemeClr val="accent4">
-                <a:lumMod val="20000"/>
-                <a:lumOff val="80000"/>
-              </a:schemeClr>
-            </a:solidFill>
-          </a:ln>
-        </p:spPr>
-        <p:style>
-          <a:lnRef idx="1">
-            <a:schemeClr val="accent1"/>
-          </a:lnRef>
-          <a:fillRef idx="3">
-            <a:schemeClr val="accent1"/>
-          </a:fillRef>
-          <a:effectRef idx="2">
-            <a:schemeClr val="accent1"/>
-          </a:effectRef>
-          <a:fontRef idx="minor">
-            <a:schemeClr val="lt1"/>
-          </a:fontRef>
-        </p:style>
-        <p:txBody>
-          <a:bodyPr rtlCol="0" anchor="ctr"/>
-          <a:lstStyle/>
-          <a:p>
-            <a:r>
-              <a:rPr lang="en-US" altLang="ja-JP" sz="2400">
-                <a:latin typeface="Consolas"/>
-                <a:cs typeface="Consolas"/>
-              </a:rPr>
-              <a:t>GET / HTTP/1.1</a:t>
-            </a:r>
-          </a:p>
-          <a:p>
-            <a:r>
-              <a:rPr lang="en-US" altLang="ja-JP" sz="2400">
-                <a:latin typeface="Consolas"/>
-                <a:cs typeface="Consolas"/>
-              </a:rPr>
-              <a:t>Host: ozuma.sakura.ne.jp</a:t>
-            </a:r>
-          </a:p>
-          <a:p>
-            <a:r>
-              <a:rPr lang="en-US" altLang="ja-JP" sz="2400">
-                <a:latin typeface="Consolas"/>
-                <a:cs typeface="Consolas"/>
-              </a:rPr>
-              <a:t>User-Agent: Mozilla/5.0 (Windows NT 6.1; WOW64; rv:40.0) Gecko/20100101 Firefox/40.0</a:t>
-            </a:r>
-          </a:p>
-          <a:p>
-            <a:r>
-              <a:rPr lang="en-US" altLang="ja-JP" sz="2400">
-                <a:latin typeface="Consolas"/>
-                <a:cs typeface="Consolas"/>
-              </a:rPr>
-              <a:t>Accept: text/html,application/xhtml+xml,application/xml;q=0.9,*/*;q=0.8</a:t>
-            </a:r>
-          </a:p>
-          <a:p>
-            <a:r>
-              <a:rPr lang="en-US" altLang="ja-JP" sz="2400">
-                <a:latin typeface="Consolas"/>
-                <a:cs typeface="Consolas"/>
-              </a:rPr>
-              <a:t>Accept-Language: ja,en-US;q=0.7,en;q=0.3</a:t>
-            </a:r>
-          </a:p>
-          <a:p>
-            <a:r>
-              <a:rPr lang="en-US" altLang="ja-JP" sz="2400">
-                <a:latin typeface="Consolas"/>
-                <a:cs typeface="Consolas"/>
-              </a:rPr>
-              <a:t>Accept-Encoding: gzip, deflate</a:t>
-            </a:r>
-          </a:p>
-          <a:p>
-            <a:r>
-              <a:rPr lang="en-US" altLang="ja-JP" sz="2400">
-                <a:latin typeface="Consolas"/>
-                <a:cs typeface="Consolas"/>
-              </a:rPr>
-              <a:t>Connection: keep-alive</a:t>
-            </a:r>
-          </a:p>
-          <a:p>
-            <a:r>
-              <a:rPr lang="en-US" altLang="ja-JP" sz="2400">
-                <a:solidFill>
-                  <a:schemeClr val="accent2">
-                    <a:lumMod val="40000"/>
-                    <a:lumOff val="60000"/>
-                  </a:schemeClr>
-                </a:solidFill>
-                <a:latin typeface="Consolas"/>
-                <a:cs typeface="Consolas"/>
-              </a:rPr>
-              <a:t>X-oreore-message: Hannin wa YASU.</a:t>
-            </a:r>
-          </a:p>
-          <a:p>
-            <a:endParaRPr lang="en-US" altLang="ja-JP" sz="2400">
-              <a:latin typeface="Consolas"/>
-              <a:cs typeface="Consolas"/>
-            </a:endParaRPr>
-          </a:p>
-        </p:txBody>
-      </p:sp>
-      <p:cxnSp>
-        <p:nvCxnSpPr>
-          <p:cNvPr id="5" name="直線矢印コネクタ 4"/>
-          <p:cNvCxnSpPr/>
-          <p:nvPr/>
-        </p:nvCxnSpPr>
-        <p:spPr>
-          <a:xfrm flipH="1">
-            <a:off x="5974374" y="4079631"/>
-            <a:ext cx="1340826" cy="338163"/>
-          </a:xfrm>
-          <a:prstGeom prst="straightConnector1">
-            <a:avLst/>
-          </a:prstGeom>
-          <a:ln w="76200" cmpd="sng">
-            <a:solidFill>
-              <a:srgbClr val="FF0000"/>
-            </a:solidFill>
-            <a:tailEnd type="arrow"/>
-          </a:ln>
-        </p:spPr>
-        <p:style>
-          <a:lnRef idx="2">
-            <a:schemeClr val="accent1"/>
-          </a:lnRef>
-          <a:fillRef idx="0">
-            <a:schemeClr val="accent1"/>
-          </a:fillRef>
-          <a:effectRef idx="1">
-            <a:schemeClr val="accent1"/>
-          </a:effectRef>
-          <a:fontRef idx="minor">
-            <a:schemeClr val="tx1"/>
-          </a:fontRef>
-        </p:style>
-      </p:cxnSp>
-    </p:spTree>
-    <p:extLst>
-      <p:ext uri="{BB962C8B-B14F-4D97-AF65-F5344CB8AC3E}">
-        <p14:creationId xmlns:p14="http://schemas.microsoft.com/office/powerpoint/2010/main" val="2304079971"/>
-      </p:ext>
-    </p:extLst>
-  </p:cSld>
-  <p:clrMapOvr>
-    <a:masterClrMapping/>
-  </p:clrMapOvr>
-  <p:timing>
-    <p:tnLst>
-      <p:par>
-        <p:cTn xmlns:p14="http://schemas.microsoft.com/office/powerpoint/2010/main" id="1" dur="indefinite" restart="never" nodeType="tmRoot"/>
-      </p:par>
-    </p:tnLst>
-  </p:timing>
-</p:sld>
-</file>
-
-<file path=ppt/slides/slide11.xml><?xml version="1.0" encoding="utf-8"?>
-<p:sld xmlns:a="http://schemas.openxmlformats.org/drawingml/2006/main" xmlns:r="http://schemas.openxmlformats.org/officeDocument/2006/relationships" xmlns:p="http://schemas.openxmlformats.org/presentationml/2006/main">
-  <p:cSld>
-    <p:spTree>
-      <p:nvGrpSpPr>
-        <p:cNvPr id="1" name=""/>
-        <p:cNvGrpSpPr/>
-        <p:nvPr/>
-      </p:nvGrpSpPr>
-      <p:grpSpPr>
-        <a:xfrm>
-          <a:off x="0" y="0"/>
-          <a:ext cx="0" cy="0"/>
-          <a:chOff x="0" y="0"/>
-          <a:chExt cx="0" cy="0"/>
-        </a:xfrm>
-      </p:grpSpPr>
-      <p:sp>
-        <p:nvSpPr>
-          <p:cNvPr id="2" name="タイトル 1"/>
-          <p:cNvSpPr>
-            <a:spLocks noGrp="1"/>
-          </p:cNvSpPr>
-          <p:nvPr>
-            <p:ph type="title"/>
-          </p:nvPr>
-        </p:nvSpPr>
-        <p:spPr/>
-        <p:txBody>
-          <a:bodyPr/>
-          <a:lstStyle/>
-          <a:p>
-            <a:endParaRPr kumimoji="1" lang="ja-JP" altLang="en-US"/>
-          </a:p>
-        </p:txBody>
-      </p:sp>
-      <p:sp>
-        <p:nvSpPr>
-          <p:cNvPr id="3" name="コンテンツ プレースホルダー 2"/>
-          <p:cNvSpPr>
-            <a:spLocks noGrp="1"/>
-          </p:cNvSpPr>
-          <p:nvPr>
-            <p:ph idx="1"/>
-          </p:nvPr>
-        </p:nvSpPr>
-        <p:spPr/>
-        <p:txBody>
-          <a:bodyPr/>
-          <a:lstStyle/>
-          <a:p>
-            <a:endParaRPr kumimoji="1" lang="en-US" altLang="ja-JP" smtClean="0"/>
-          </a:p>
-          <a:p>
-            <a:r>
-              <a:rPr lang="ja-JP" altLang="en-US"/>
-              <a:t>インターネット</a:t>
-            </a:r>
-            <a:r>
-              <a:rPr lang="ja-JP" altLang="en-US" smtClean="0"/>
-              <a:t>のプロトコルには「すき間」がいっぱいあるので、そこに色々突っ込むことができる</a:t>
-            </a:r>
-            <a:endParaRPr lang="en-US" altLang="ja-JP" smtClean="0"/>
-          </a:p>
-          <a:p>
-            <a:r>
-              <a:rPr kumimoji="1" lang="ja-JP" altLang="en-US" smtClean="0"/>
-              <a:t>これらのすき間は、悪い人にも使いやすい</a:t>
-            </a:r>
-            <a:endParaRPr kumimoji="1" lang="en-US" altLang="ja-JP" smtClean="0"/>
-          </a:p>
-          <a:p>
-            <a:pPr lvl="1"/>
-            <a:r>
-              <a:rPr lang="ja-JP" altLang="en-US"/>
-              <a:t>秘密</a:t>
-            </a:r>
-            <a:r>
-              <a:rPr lang="ja-JP" altLang="en-US" smtClean="0"/>
-              <a:t>の</a:t>
-            </a:r>
-            <a:r>
-              <a:rPr lang="ja-JP" altLang="en-US"/>
-              <a:t>メッセージ</a:t>
-            </a:r>
-            <a:r>
-              <a:rPr lang="ja-JP" altLang="en-US" smtClean="0"/>
-              <a:t>を送ったり</a:t>
-            </a:r>
-            <a:endParaRPr lang="en-US" altLang="ja-JP" smtClean="0"/>
-          </a:p>
-          <a:p>
-            <a:pPr lvl="1"/>
-            <a:r>
-              <a:rPr kumimoji="1" lang="ja-JP" altLang="en-US"/>
-              <a:t>悪意</a:t>
-            </a:r>
-            <a:r>
-              <a:rPr kumimoji="1" lang="ja-JP" altLang="en-US" smtClean="0"/>
-              <a:t>のあるコードを突っ込んだり</a:t>
-            </a:r>
-            <a:endParaRPr kumimoji="1" lang="ja-JP" altLang="en-US"/>
-          </a:p>
-        </p:txBody>
-      </p:sp>
-    </p:spTree>
-    <p:extLst>
-      <p:ext uri="{BB962C8B-B14F-4D97-AF65-F5344CB8AC3E}">
-        <p14:creationId xmlns:p14="http://schemas.microsoft.com/office/powerpoint/2010/main" val="3650125372"/>
-      </p:ext>
-    </p:extLst>
-  </p:cSld>
-  <p:clrMapOvr>
-    <a:masterClrMapping/>
-  </p:clrMapOvr>
-  <p:timing>
-    <p:tnLst>
-      <p:par>
-        <p:cTn xmlns:p14="http://schemas.microsoft.com/office/powerpoint/2010/main" id="1" dur="indefinite" restart="never" nodeType="tmRoot"/>
-      </p:par>
-    </p:tnLst>
-  </p:timing>
-</p:sld>
-</file>
-
-<file path=ppt/slides/slide12.xml><?xml version="1.0" encoding="utf-8"?>
-<p:sld xmlns:a="http://schemas.openxmlformats.org/drawingml/2006/main" xmlns:r="http://schemas.openxmlformats.org/officeDocument/2006/relationships" xmlns:p="http://schemas.openxmlformats.org/presentationml/2006/main">
-  <p:cSld>
-    <p:spTree>
-      <p:nvGrpSpPr>
-        <p:cNvPr id="1" name=""/>
-        <p:cNvGrpSpPr/>
-        <p:nvPr/>
-      </p:nvGrpSpPr>
-      <p:grpSpPr>
-        <a:xfrm>
-          <a:off x="0" y="0"/>
-          <a:ext cx="0" cy="0"/>
-          <a:chOff x="0" y="0"/>
-          <a:chExt cx="0" cy="0"/>
-        </a:xfrm>
-      </p:grpSpPr>
-      <p:sp>
-        <p:nvSpPr>
-          <p:cNvPr id="2" name="タイトル 1"/>
-          <p:cNvSpPr>
-            <a:spLocks noGrp="1"/>
-          </p:cNvSpPr>
-          <p:nvPr>
-            <p:ph type="title"/>
-          </p:nvPr>
-        </p:nvSpPr>
-        <p:spPr/>
-        <p:txBody>
-          <a:bodyPr/>
-          <a:lstStyle/>
-          <a:p>
-            <a:r>
-              <a:rPr lang="ja-JP" altLang="en-US" smtClean="0"/>
-              <a:t>ここからしばらく</a:t>
-            </a:r>
-            <a:r>
-              <a:rPr lang="en-US" altLang="ja-JP" smtClean="0"/>
-              <a:t>nmap</a:t>
-            </a:r>
-            <a:r>
-              <a:rPr lang="ja-JP" altLang="en-US" smtClean="0"/>
-              <a:t>の話</a:t>
-            </a:r>
-            <a:endParaRPr kumimoji="1" lang="ja-JP" altLang="en-US"/>
-          </a:p>
-        </p:txBody>
-      </p:sp>
-      <p:sp>
-        <p:nvSpPr>
-          <p:cNvPr id="3" name="コンテンツ プレースホルダー 2"/>
-          <p:cNvSpPr>
-            <a:spLocks noGrp="1"/>
-          </p:cNvSpPr>
-          <p:nvPr>
-            <p:ph idx="1"/>
-          </p:nvPr>
-        </p:nvSpPr>
-        <p:spPr/>
-        <p:txBody>
-          <a:bodyPr/>
-          <a:lstStyle/>
-          <a:p>
-            <a:endParaRPr kumimoji="1" lang="ja-JP" altLang="en-US"/>
-          </a:p>
-        </p:txBody>
-      </p:sp>
-    </p:spTree>
-    <p:extLst>
-      <p:ext uri="{BB962C8B-B14F-4D97-AF65-F5344CB8AC3E}">
-        <p14:creationId xmlns:p14="http://schemas.microsoft.com/office/powerpoint/2010/main" val="742552759"/>
-      </p:ext>
-    </p:extLst>
-  </p:cSld>
-  <p:clrMapOvr>
-    <a:masterClrMapping/>
-  </p:clrMapOvr>
-  <p:timing>
-    <p:tnLst>
-      <p:par>
-        <p:cTn xmlns:p14="http://schemas.microsoft.com/office/powerpoint/2010/main" id="1" dur="indefinite" restart="never" nodeType="tmRoot"/>
-      </p:par>
-    </p:tnLst>
-  </p:timing>
-</p:sld>
-</file>
-
-<file path=ppt/slides/slide13.xml><?xml version="1.0" encoding="utf-8"?>
-<p:sld xmlns:a="http://schemas.openxmlformats.org/drawingml/2006/main" xmlns:r="http://schemas.openxmlformats.org/officeDocument/2006/relationships" xmlns:p="http://schemas.openxmlformats.org/presentationml/2006/main">
-  <p:cSld>
-    <p:spTree>
-      <p:nvGrpSpPr>
-        <p:cNvPr id="1" name=""/>
-        <p:cNvGrpSpPr/>
-        <p:nvPr/>
-      </p:nvGrpSpPr>
-      <p:grpSpPr>
-        <a:xfrm>
-          <a:off x="0" y="0"/>
-          <a:ext cx="0" cy="0"/>
-          <a:chOff x="0" y="0"/>
-          <a:chExt cx="0" cy="0"/>
-        </a:xfrm>
-      </p:grpSpPr>
-      <p:pic>
-        <p:nvPicPr>
-          <p:cNvPr id="4" name="図 3"/>
-          <p:cNvPicPr>
-            <a:picLocks noChangeAspect="1"/>
-          </p:cNvPicPr>
-          <p:nvPr/>
-        </p:nvPicPr>
-        <p:blipFill rotWithShape="1">
-          <a:blip r:embed="rId2" cstate="print">
-            <a:extLst>
-              <a:ext uri="{28A0092B-C50C-407E-A947-70E740481C1C}">
-                <a14:useLocalDpi xmlns:a14="http://schemas.microsoft.com/office/drawing/2010/main" val="0"/>
-              </a:ext>
-            </a:extLst>
-          </a:blip>
-          <a:srcRect/>
-          <a:stretch/>
-        </p:blipFill>
-        <p:spPr>
-          <a:xfrm>
-            <a:off x="11575" y="-115747"/>
-            <a:ext cx="9306046" cy="7106856"/>
-          </a:xfrm>
-          <a:prstGeom prst="rect">
-            <a:avLst/>
-          </a:prstGeom>
-          <a:effectLst>
-            <a:outerShdw blurRad="50800" dist="50800" dir="5400000" algn="ctr" rotWithShape="0">
-              <a:srgbClr val="000000"/>
-            </a:outerShdw>
-          </a:effectLst>
-        </p:spPr>
-      </p:pic>
-      <p:sp>
-        <p:nvSpPr>
-          <p:cNvPr id="5" name="テキスト ボックス 4"/>
-          <p:cNvSpPr txBox="1"/>
-          <p:nvPr/>
-        </p:nvSpPr>
-        <p:spPr>
-          <a:xfrm>
-            <a:off x="2023532" y="1456573"/>
-            <a:ext cx="4638526" cy="923330"/>
-          </a:xfrm>
-          <a:prstGeom prst="rect">
-            <a:avLst/>
-          </a:prstGeom>
-          <a:noFill/>
-        </p:spPr>
-        <p:txBody>
-          <a:bodyPr wrap="square" rtlCol="0">
-            <a:spAutoFit/>
-          </a:bodyPr>
-          <a:lstStyle/>
-          <a:p>
-            <a:r>
-              <a:rPr lang="en-US" altLang="ja-JP" sz="5400" smtClean="0">
-                <a:ln>
-                  <a:solidFill>
-                    <a:schemeClr val="bg1">
-                      <a:lumMod val="50000"/>
-                    </a:schemeClr>
-                  </a:solidFill>
-                </a:ln>
-                <a:latin typeface="Tahoma" panose="020B0604030504040204" pitchFamily="34" charset="0"/>
-                <a:cs typeface="Tahoma" panose="020B0604030504040204" pitchFamily="34" charset="0"/>
-              </a:rPr>
-              <a:t>stealth scan</a:t>
-            </a:r>
-            <a:endParaRPr kumimoji="1" lang="ja-JP" altLang="en-US" sz="5400">
-              <a:ln>
-                <a:solidFill>
-                  <a:schemeClr val="bg1">
-                    <a:lumMod val="50000"/>
-                  </a:schemeClr>
-                </a:solidFill>
-              </a:ln>
-              <a:latin typeface="Tahoma" panose="020B0604030504040204" pitchFamily="34" charset="0"/>
-              <a:cs typeface="Tahoma" panose="020B0604030504040204" pitchFamily="34" charset="0"/>
-            </a:endParaRPr>
-          </a:p>
-        </p:txBody>
-      </p:sp>
-    </p:spTree>
-    <p:extLst>
-      <p:ext uri="{BB962C8B-B14F-4D97-AF65-F5344CB8AC3E}">
-        <p14:creationId xmlns:p14="http://schemas.microsoft.com/office/powerpoint/2010/main" val="2711273333"/>
-      </p:ext>
-    </p:extLst>
-  </p:cSld>
-  <p:clrMapOvr>
-    <a:masterClrMapping/>
-  </p:clrMapOvr>
-  <p:timing>
-    <p:tnLst>
-      <p:par>
-        <p:cTn xmlns:p14="http://schemas.microsoft.com/office/powerpoint/2010/main" id="1" dur="indefinite" restart="never" nodeType="tmRoot"/>
-      </p:par>
-    </p:tnLst>
-  </p:timing>
-</p:sld>
-</file>
-
-<file path=ppt/slides/slide14.xml><?xml version="1.0" encoding="utf-8"?>
-<p:sld xmlns:a="http://schemas.openxmlformats.org/drawingml/2006/main" xmlns:r="http://schemas.openxmlformats.org/officeDocument/2006/relationships" xmlns:p="http://schemas.openxmlformats.org/presentationml/2006/main">
-  <p:cSld>
-    <p:spTree>
-      <p:nvGrpSpPr>
-        <p:cNvPr id="1" name=""/>
-        <p:cNvGrpSpPr/>
-        <p:nvPr/>
-      </p:nvGrpSpPr>
-      <p:grpSpPr>
-        <a:xfrm>
-          <a:off x="0" y="0"/>
-          <a:ext cx="0" cy="0"/>
-          <a:chOff x="0" y="0"/>
-          <a:chExt cx="0" cy="0"/>
-        </a:xfrm>
-      </p:grpSpPr>
-      <p:pic>
-        <p:nvPicPr>
-          <p:cNvPr id="4" name="図 3"/>
-          <p:cNvPicPr>
-            <a:picLocks noChangeAspect="1"/>
-          </p:cNvPicPr>
-          <p:nvPr/>
-        </p:nvPicPr>
-        <p:blipFill rotWithShape="1">
-          <a:blip r:embed="rId2" cstate="print">
-            <a:extLst>
-              <a:ext uri="{28A0092B-C50C-407E-A947-70E740481C1C}">
-                <a14:useLocalDpi xmlns:a14="http://schemas.microsoft.com/office/drawing/2010/main" val="0"/>
-              </a:ext>
-            </a:extLst>
-          </a:blip>
-          <a:srcRect/>
-          <a:stretch/>
-        </p:blipFill>
-        <p:spPr>
-          <a:xfrm>
-            <a:off x="11575" y="-115747"/>
-            <a:ext cx="9306046" cy="7106856"/>
-          </a:xfrm>
-          <a:prstGeom prst="rect">
-            <a:avLst/>
-          </a:prstGeom>
-          <a:effectLst>
-            <a:outerShdw blurRad="50800" dist="50800" dir="5400000" algn="ctr" rotWithShape="0">
-              <a:srgbClr val="000000"/>
-            </a:outerShdw>
-          </a:effectLst>
-        </p:spPr>
-      </p:pic>
-      <p:sp>
-        <p:nvSpPr>
-          <p:cNvPr id="5" name="テキスト ボックス 4"/>
-          <p:cNvSpPr txBox="1"/>
-          <p:nvPr/>
-        </p:nvSpPr>
-        <p:spPr>
-          <a:xfrm>
-            <a:off x="1594323" y="1204646"/>
-            <a:ext cx="6140549" cy="923330"/>
-          </a:xfrm>
-          <a:prstGeom prst="rect">
-            <a:avLst/>
-          </a:prstGeom>
-          <a:noFill/>
-        </p:spPr>
-        <p:txBody>
-          <a:bodyPr wrap="square" rtlCol="0">
-            <a:spAutoFit/>
-          </a:bodyPr>
-          <a:lstStyle/>
-          <a:p>
-            <a:r>
-              <a:rPr kumimoji="1" lang="en-US" altLang="ja-JP" sz="5400" smtClean="0">
-                <a:ln>
-                  <a:solidFill>
-                    <a:schemeClr val="bg1">
-                      <a:lumMod val="50000"/>
-                    </a:schemeClr>
-                  </a:solidFill>
-                </a:ln>
-                <a:latin typeface="Tahoma" panose="020B0604030504040204" pitchFamily="34" charset="0"/>
-                <a:cs typeface="Tahoma" panose="020B0604030504040204" pitchFamily="34" charset="0"/>
-              </a:rPr>
-              <a:t>Too slow to detect.</a:t>
-            </a:r>
-            <a:endParaRPr kumimoji="1" lang="ja-JP" altLang="en-US" sz="5400">
-              <a:ln>
-                <a:solidFill>
-                  <a:schemeClr val="bg1">
-                    <a:lumMod val="50000"/>
-                  </a:schemeClr>
-                </a:solidFill>
-              </a:ln>
-              <a:latin typeface="Tahoma" panose="020B0604030504040204" pitchFamily="34" charset="0"/>
-              <a:cs typeface="Tahoma" panose="020B0604030504040204" pitchFamily="34" charset="0"/>
-            </a:endParaRPr>
-          </a:p>
-        </p:txBody>
-      </p:sp>
-    </p:spTree>
-    <p:extLst>
-      <p:ext uri="{BB962C8B-B14F-4D97-AF65-F5344CB8AC3E}">
-        <p14:creationId xmlns:p14="http://schemas.microsoft.com/office/powerpoint/2010/main" val="881172435"/>
-      </p:ext>
-    </p:extLst>
-  </p:cSld>
-  <p:clrMapOvr>
-    <a:masterClrMapping/>
-  </p:clrMapOvr>
-  <p:timing>
-    <p:tnLst>
-      <p:par>
-        <p:cTn xmlns:p14="http://schemas.microsoft.com/office/powerpoint/2010/main" id="1" dur="indefinite" restart="never" nodeType="tmRoot"/>
-      </p:par>
-    </p:tnLst>
-  </p:timing>
-</p:sld>
-</file>
-
-<file path=ppt/slides/slide15.xml><?xml version="1.0" encoding="utf-8"?>
-<p:sld xmlns:a="http://schemas.openxmlformats.org/drawingml/2006/main" xmlns:r="http://schemas.openxmlformats.org/officeDocument/2006/relationships" xmlns:p="http://schemas.openxmlformats.org/presentationml/2006/main">
-  <p:cSld>
-    <p:spTree>
-      <p:nvGrpSpPr>
-        <p:cNvPr id="1" name=""/>
-        <p:cNvGrpSpPr/>
-        <p:nvPr/>
-      </p:nvGrpSpPr>
-      <p:grpSpPr>
-        <a:xfrm>
-          <a:off x="0" y="0"/>
-          <a:ext cx="0" cy="0"/>
-          <a:chOff x="0" y="0"/>
-          <a:chExt cx="0" cy="0"/>
-        </a:xfrm>
-      </p:grpSpPr>
-      <p:sp>
-        <p:nvSpPr>
-          <p:cNvPr id="2" name="タイトル 1"/>
-          <p:cNvSpPr>
-            <a:spLocks noGrp="1"/>
-          </p:cNvSpPr>
-          <p:nvPr>
-            <p:ph type="title"/>
-          </p:nvPr>
-        </p:nvSpPr>
-        <p:spPr/>
-        <p:txBody>
-          <a:bodyPr/>
-          <a:lstStyle/>
-          <a:p>
-            <a:r>
-              <a:rPr kumimoji="1" lang="ja-JP" altLang="en-US" smtClean="0"/>
-              <a:t>ゆっくりしていってね！！！！！</a:t>
-            </a:r>
-            <a:endParaRPr kumimoji="1" lang="ja-JP" altLang="en-US"/>
-          </a:p>
-        </p:txBody>
-      </p:sp>
-      <p:sp>
-        <p:nvSpPr>
-          <p:cNvPr id="4" name="コンテンツ プレースホルダー 3"/>
-          <p:cNvSpPr>
-            <a:spLocks noGrp="1"/>
-          </p:cNvSpPr>
-          <p:nvPr>
-            <p:ph idx="1"/>
-          </p:nvPr>
-        </p:nvSpPr>
-        <p:spPr/>
-        <p:txBody>
-          <a:bodyPr/>
-          <a:lstStyle/>
-          <a:p>
-            <a:endParaRPr kumimoji="1" lang="ja-JP" altLang="en-US"/>
-          </a:p>
-        </p:txBody>
-      </p:sp>
-    </p:spTree>
-    <p:extLst>
-      <p:ext uri="{BB962C8B-B14F-4D97-AF65-F5344CB8AC3E}">
-        <p14:creationId xmlns:p14="http://schemas.microsoft.com/office/powerpoint/2010/main" val="3118375049"/>
-      </p:ext>
-    </p:extLst>
-  </p:cSld>
-  <p:clrMapOvr>
-    <a:masterClrMapping/>
-  </p:clrMapOvr>
-  <p:timing>
-    <p:tnLst>
-      <p:par>
-        <p:cTn xmlns:p14="http://schemas.microsoft.com/office/powerpoint/2010/main" id="1" dur="indefinite" restart="never" nodeType="tmRoot"/>
-      </p:par>
-    </p:tnLst>
-  </p:timing>
-</p:sld>
-</file>
-
-<file path=ppt/slides/slide16.xml><?xml version="1.0" encoding="utf-8"?>
-<p:sld xmlns:a="http://schemas.openxmlformats.org/drawingml/2006/main" xmlns:r="http://schemas.openxmlformats.org/officeDocument/2006/relationships" xmlns:p="http://schemas.openxmlformats.org/presentationml/2006/main">
-  <p:cSld>
-    <p:spTree>
-      <p:nvGrpSpPr>
-        <p:cNvPr id="1" name=""/>
-        <p:cNvGrpSpPr/>
-        <p:nvPr/>
-      </p:nvGrpSpPr>
-      <p:grpSpPr>
-        <a:xfrm>
-          <a:off x="0" y="0"/>
-          <a:ext cx="0" cy="0"/>
-          <a:chOff x="0" y="0"/>
-          <a:chExt cx="0" cy="0"/>
-        </a:xfrm>
-      </p:grpSpPr>
-      <p:sp>
-        <p:nvSpPr>
-          <p:cNvPr id="2" name="タイトル 1"/>
-          <p:cNvSpPr>
-            <a:spLocks noGrp="1"/>
-          </p:cNvSpPr>
-          <p:nvPr>
-            <p:ph type="title"/>
-          </p:nvPr>
-        </p:nvSpPr>
-        <p:spPr/>
-        <p:txBody>
-          <a:bodyPr/>
-          <a:lstStyle/>
-          <a:p>
-            <a:r>
-              <a:rPr kumimoji="1" lang="ja-JP" altLang="en-US" smtClean="0"/>
-              <a:t>ゆっくりしていってね！！！！！</a:t>
-            </a:r>
-            <a:endParaRPr kumimoji="1" lang="ja-JP" altLang="en-US"/>
-          </a:p>
-        </p:txBody>
-      </p:sp>
-      <p:sp>
-        <p:nvSpPr>
-          <p:cNvPr id="3" name="コンテンツ プレースホルダー 2"/>
-          <p:cNvSpPr>
-            <a:spLocks noGrp="1"/>
-          </p:cNvSpPr>
-          <p:nvPr>
-            <p:ph idx="1"/>
-          </p:nvPr>
-        </p:nvSpPr>
-        <p:spPr/>
-        <p:txBody>
-          <a:bodyPr/>
-          <a:lstStyle/>
-          <a:p>
-            <a:r>
-              <a:rPr lang="ja-JP" altLang="en-US" smtClean="0"/>
-              <a:t>スキャンなどの探査行為は、ゆっくり行えば行うほど相手に気づかれにくい</a:t>
-            </a:r>
-            <a:endParaRPr lang="en-US" altLang="ja-JP" smtClean="0"/>
-          </a:p>
-          <a:p>
-            <a:r>
-              <a:rPr lang="ja-JP" altLang="en-US" smtClean="0"/>
-              <a:t>その他、</a:t>
-            </a:r>
-            <a:r>
-              <a:rPr lang="en-US" altLang="ja-JP" smtClean="0"/>
-              <a:t>IDS(</a:t>
-            </a:r>
-            <a:r>
-              <a:rPr lang="ja-JP" altLang="en-US" smtClean="0"/>
-              <a:t>侵入検知システム</a:t>
-            </a:r>
-            <a:r>
-              <a:rPr lang="en-US" altLang="ja-JP" smtClean="0"/>
-              <a:t>)</a:t>
-            </a:r>
-            <a:r>
-              <a:rPr lang="ja-JP" altLang="en-US" smtClean="0"/>
-              <a:t>などにも対抗するためによく使われる手法</a:t>
-            </a:r>
-            <a:endParaRPr lang="en-US" altLang="ja-JP" smtClean="0"/>
-          </a:p>
-        </p:txBody>
-      </p:sp>
-    </p:spTree>
-    <p:extLst>
-      <p:ext uri="{BB962C8B-B14F-4D97-AF65-F5344CB8AC3E}">
-        <p14:creationId xmlns:p14="http://schemas.microsoft.com/office/powerpoint/2010/main" val="569350094"/>
-      </p:ext>
-    </p:extLst>
-  </p:cSld>
-  <p:clrMapOvr>
-    <a:masterClrMapping/>
-  </p:clrMapOvr>
-  <p:timing>
-    <p:tnLst>
-      <p:par>
-        <p:cTn xmlns:p14="http://schemas.microsoft.com/office/powerpoint/2010/main" id="1" dur="indefinite" restart="never" nodeType="tmRoot"/>
-      </p:par>
-    </p:tnLst>
-  </p:timing>
-</p:sld>
-</file>
-
-<file path=ppt/slides/slide17.xml><?xml version="1.0" encoding="utf-8"?>
-<p:sld xmlns:a="http://schemas.openxmlformats.org/drawingml/2006/main" xmlns:r="http://schemas.openxmlformats.org/officeDocument/2006/relationships" xmlns:p="http://schemas.openxmlformats.org/presentationml/2006/main">
-  <p:cSld>
-    <p:spTree>
-      <p:nvGrpSpPr>
-        <p:cNvPr id="1" name=""/>
-        <p:cNvGrpSpPr/>
-        <p:nvPr/>
-      </p:nvGrpSpPr>
-      <p:grpSpPr>
-        <a:xfrm>
-          <a:off x="0" y="0"/>
-          <a:ext cx="0" cy="0"/>
-          <a:chOff x="0" y="0"/>
-          <a:chExt cx="0" cy="0"/>
-        </a:xfrm>
-      </p:grpSpPr>
-      <p:sp>
-        <p:nvSpPr>
-          <p:cNvPr id="2" name="タイトル 1"/>
-          <p:cNvSpPr>
-            <a:spLocks noGrp="1"/>
-          </p:cNvSpPr>
-          <p:nvPr>
-            <p:ph type="title"/>
-          </p:nvPr>
-        </p:nvSpPr>
-        <p:spPr/>
-        <p:txBody>
-          <a:bodyPr/>
-          <a:lstStyle/>
-          <a:p>
-            <a:r>
-              <a:rPr kumimoji="1" lang="en-US" altLang="ja-JP" smtClean="0"/>
-              <a:t>Situation.</a:t>
-            </a:r>
-            <a:endParaRPr kumimoji="1" lang="ja-JP" altLang="en-US"/>
-          </a:p>
-        </p:txBody>
-      </p:sp>
-      <p:sp>
-        <p:nvSpPr>
-          <p:cNvPr id="3" name="コンテンツ プレースホルダー 2"/>
-          <p:cNvSpPr>
-            <a:spLocks noGrp="1"/>
-          </p:cNvSpPr>
-          <p:nvPr>
-            <p:ph idx="1"/>
-          </p:nvPr>
-        </p:nvSpPr>
-        <p:spPr/>
-        <p:txBody>
-          <a:bodyPr/>
-          <a:lstStyle/>
-          <a:p>
-            <a:r>
-              <a:rPr lang="en-US" altLang="ja-JP" smtClean="0"/>
-              <a:t>nmap</a:t>
-            </a:r>
-            <a:r>
-              <a:rPr lang="ja-JP" altLang="en-US" smtClean="0"/>
-              <a:t>によるポートスキャンで、なるたけ相手に気づかれないようにスキャンする</a:t>
-            </a:r>
-            <a:endParaRPr kumimoji="1" lang="ja-JP" altLang="en-US"/>
-          </a:p>
-        </p:txBody>
-      </p:sp>
-    </p:spTree>
-    <p:extLst>
-      <p:ext uri="{BB962C8B-B14F-4D97-AF65-F5344CB8AC3E}">
-        <p14:creationId xmlns:p14="http://schemas.microsoft.com/office/powerpoint/2010/main" val="1043460440"/>
-      </p:ext>
-    </p:extLst>
-  </p:cSld>
-  <p:clrMapOvr>
-    <a:masterClrMapping/>
-  </p:clrMapOvr>
-  <p:timing>
-    <p:tnLst>
-      <p:par>
-        <p:cTn xmlns:p14="http://schemas.microsoft.com/office/powerpoint/2010/main" id="1" dur="indefinite" restart="never" nodeType="tmRoot"/>
-      </p:par>
-    </p:tnLst>
-  </p:timing>
-</p:sld>
-</file>
-
-<file path=ppt/slides/slide18.xml><?xml version="1.0" encoding="utf-8"?>
-<p:sld xmlns:a="http://schemas.openxmlformats.org/drawingml/2006/main" xmlns:r="http://schemas.openxmlformats.org/officeDocument/2006/relationships" xmlns:p="http://schemas.openxmlformats.org/presentationml/2006/main">
-  <p:cSld>
-    <p:spTree>
-      <p:nvGrpSpPr>
-        <p:cNvPr id="1" name=""/>
-        <p:cNvGrpSpPr/>
-        <p:nvPr/>
-      </p:nvGrpSpPr>
-      <p:grpSpPr>
-        <a:xfrm>
-          <a:off x="0" y="0"/>
-          <a:ext cx="0" cy="0"/>
-          <a:chOff x="0" y="0"/>
-          <a:chExt cx="0" cy="0"/>
-        </a:xfrm>
-      </p:grpSpPr>
-      <p:sp>
-        <p:nvSpPr>
-          <p:cNvPr id="2" name="タイトル 1"/>
-          <p:cNvSpPr>
-            <a:spLocks noGrp="1"/>
-          </p:cNvSpPr>
-          <p:nvPr>
-            <p:ph type="title"/>
-          </p:nvPr>
-        </p:nvSpPr>
-        <p:spPr>
-          <a:xfrm>
             <a:off x="628650" y="358685"/>
             <a:ext cx="7886700" cy="1325563"/>
           </a:xfrm>
@@ -6407,14 +5488,14 @@
           <p:nvPr>
             <p:extLst>
               <p:ext uri="{D42A27DB-BD31-4B8C-83A1-F6EECF244321}">
-                <p14:modId xmlns:p14="http://schemas.microsoft.com/office/powerpoint/2010/main" val="2279140518"/>
+                <p14:modId xmlns:p14="http://schemas.microsoft.com/office/powerpoint/2010/main" xmlns="" val="2279140518"/>
               </p:ext>
             </p:extLst>
           </p:nvPr>
         </p:nvGraphicFramePr>
         <p:xfrm>
           <a:off x="1489494" y="1906347"/>
-          <a:ext cx="6921260" cy="3627119"/>
+          <a:ext cx="6921260" cy="4480560"/>
         </p:xfrm>
         <a:graphic>
           <a:graphicData uri="http://schemas.openxmlformats.org/drawingml/2006/table">
@@ -6848,7 +5929,7 @@
     </p:spTree>
     <p:extLst>
       <p:ext uri="{BB962C8B-B14F-4D97-AF65-F5344CB8AC3E}">
-        <p14:creationId xmlns:p14="http://schemas.microsoft.com/office/powerpoint/2010/main" val="3333878178"/>
+        <p14:creationId xmlns:p14="http://schemas.microsoft.com/office/powerpoint/2010/main" xmlns="" val="3333878178"/>
       </p:ext>
     </p:extLst>
   </p:cSld>
@@ -6858,14 +5939,14 @@
   <p:timing>
     <p:tnLst>
       <p:par>
-        <p:cTn xmlns:p14="http://schemas.microsoft.com/office/powerpoint/2010/main" id="1" dur="indefinite" restart="never" nodeType="tmRoot"/>
+        <p:cTn id="1" dur="indefinite" restart="never" nodeType="tmRoot"/>
       </p:par>
     </p:tnLst>
   </p:timing>
 </p:sld>
 </file>
 
-<file path=ppt/slides/slide19.xml><?xml version="1.0" encoding="utf-8"?>
+<file path=ppt/slides/slide11.xml><?xml version="1.0" encoding="utf-8"?>
 <p:sld xmlns:a="http://schemas.openxmlformats.org/drawingml/2006/main" xmlns:r="http://schemas.openxmlformats.org/officeDocument/2006/relationships" xmlns:p="http://schemas.openxmlformats.org/presentationml/2006/main">
   <p:cSld>
     <p:spTree>
@@ -6891,7 +5972,7 @@
           <p:nvPr/>
         </p:nvPicPr>
         <p:blipFill>
-          <a:blip r:embed="rId3"/>
+          <a:blip r:embed="rId3" cstate="print"/>
           <a:stretch>
             <a:fillRect/>
           </a:stretch>
@@ -7403,7 +6484,7 @@
     </p:spTree>
     <p:extLst>
       <p:ext uri="{BB962C8B-B14F-4D97-AF65-F5344CB8AC3E}">
-        <p14:creationId xmlns:p14="http://schemas.microsoft.com/office/powerpoint/2010/main" val="1447535175"/>
+        <p14:creationId xmlns:p14="http://schemas.microsoft.com/office/powerpoint/2010/main" xmlns="" val="1447535175"/>
       </p:ext>
     </p:extLst>
   </p:cSld>
@@ -7413,388 +6494,14 @@
   <p:timing>
     <p:tnLst>
       <p:par>
-        <p:cTn xmlns:p14="http://schemas.microsoft.com/office/powerpoint/2010/main" id="1" dur="indefinite" restart="never" nodeType="tmRoot"/>
+        <p:cTn id="1" dur="indefinite" restart="never" nodeType="tmRoot"/>
       </p:par>
     </p:tnLst>
   </p:timing>
 </p:sld>
 </file>
 
-<file path=ppt/slides/slide2.xml><?xml version="1.0" encoding="utf-8"?>
-<p:sld xmlns:a="http://schemas.openxmlformats.org/drawingml/2006/main" xmlns:r="http://schemas.openxmlformats.org/officeDocument/2006/relationships" xmlns:p="http://schemas.openxmlformats.org/presentationml/2006/main">
-  <p:cSld>
-    <p:bg>
-      <p:bgPr>
-        <a:solidFill>
-          <a:schemeClr val="tx1"/>
-        </a:solidFill>
-        <a:effectLst/>
-      </p:bgPr>
-    </p:bg>
-    <p:spTree>
-      <p:nvGrpSpPr>
-        <p:cNvPr id="1" name=""/>
-        <p:cNvGrpSpPr/>
-        <p:nvPr/>
-      </p:nvGrpSpPr>
-      <p:grpSpPr>
-        <a:xfrm>
-          <a:off x="0" y="0"/>
-          <a:ext cx="0" cy="0"/>
-          <a:chOff x="0" y="0"/>
-          <a:chExt cx="0" cy="0"/>
-        </a:xfrm>
-      </p:grpSpPr>
-      <p:pic>
-        <p:nvPicPr>
-          <p:cNvPr id="9" name="図 8" descr="7556111472_b933b2ec64_h.jpg"/>
-          <p:cNvPicPr>
-            <a:picLocks noChangeAspect="1"/>
-          </p:cNvPicPr>
-          <p:nvPr/>
-        </p:nvPicPr>
-        <p:blipFill>
-          <a:blip r:embed="rId3" cstate="print">
-            <a:extLst>
-              <a:ext uri="{28A0092B-C50C-407E-A947-70E740481C1C}">
-                <a14:useLocalDpi xmlns:a14="http://schemas.microsoft.com/office/drawing/2010/main" val="0"/>
-              </a:ext>
-            </a:extLst>
-          </a:blip>
-          <a:stretch>
-            <a:fillRect/>
-          </a:stretch>
-        </p:blipFill>
-        <p:spPr>
-          <a:xfrm>
-            <a:off x="728113" y="1492427"/>
-            <a:ext cx="8686799" cy="6104335"/>
-          </a:xfrm>
-          <a:prstGeom prst="rect">
-            <a:avLst/>
-          </a:prstGeom>
-        </p:spPr>
-      </p:pic>
-      <p:sp>
-        <p:nvSpPr>
-          <p:cNvPr id="5" name="スライド番号プレースホルダー 4"/>
-          <p:cNvSpPr>
-            <a:spLocks noGrp="1"/>
-          </p:cNvSpPr>
-          <p:nvPr>
-            <p:ph type="sldNum" sz="quarter" idx="12"/>
-          </p:nvPr>
-        </p:nvSpPr>
-        <p:spPr/>
-        <p:txBody>
-          <a:bodyPr/>
-          <a:lstStyle/>
-          <a:p>
-            <a:fld id="{DF28FB93-0A08-4E7D-8E63-9EFA29F1E093}" type="slidenum">
-              <a:rPr lang="en-US" smtClean="0"/>
-              <a:pPr/>
-              <a:t>2</a:t>
-            </a:fld>
-            <a:endParaRPr lang="en-US"/>
-          </a:p>
-        </p:txBody>
-      </p:sp>
-      <p:sp>
-        <p:nvSpPr>
-          <p:cNvPr id="7" name="コンテンツ プレースホルダー 2"/>
-          <p:cNvSpPr>
-            <a:spLocks noGrp="1"/>
-          </p:cNvSpPr>
-          <p:nvPr>
-            <p:ph idx="1"/>
-          </p:nvPr>
-        </p:nvSpPr>
-        <p:spPr>
-          <a:xfrm>
-            <a:off x="304800" y="1181102"/>
-            <a:ext cx="8559800" cy="2832100"/>
-          </a:xfrm>
-        </p:spPr>
-        <p:txBody>
-          <a:bodyPr>
-            <a:normAutofit/>
-          </a:bodyPr>
-          <a:lstStyle/>
-          <a:p>
-            <a:pPr>
-              <a:lnSpc>
-                <a:spcPct val="120000"/>
-              </a:lnSpc>
-            </a:pPr>
-            <a:r>
-              <a:rPr kumimoji="1" lang="ja-JP" altLang="en-US" dirty="0" smtClean="0">
-                <a:solidFill>
-                  <a:srgbClr val="FFFFFF"/>
-                </a:solidFill>
-              </a:rPr>
-              <a:t>セキュリティっぽい</a:t>
-            </a:r>
-            <a:r>
-              <a:rPr kumimoji="1" lang="en-US" altLang="ja-JP" dirty="0" smtClean="0">
-                <a:solidFill>
-                  <a:srgbClr val="FFFFFF"/>
-                </a:solidFill>
-                <a:latin typeface="Tahoma"/>
-                <a:cs typeface="Tahoma"/>
-              </a:rPr>
-              <a:t>IT</a:t>
-            </a:r>
-            <a:r>
-              <a:rPr kumimoji="1" lang="ja-JP" altLang="en-US" dirty="0" smtClean="0">
-                <a:solidFill>
-                  <a:srgbClr val="FFFFFF"/>
-                </a:solidFill>
-              </a:rPr>
-              <a:t>エンジニア</a:t>
-            </a:r>
-            <a:r>
-              <a:rPr kumimoji="1" lang="en-US" altLang="ja-JP" dirty="0" smtClean="0">
-                <a:solidFill>
-                  <a:srgbClr val="FFFFFF"/>
-                </a:solidFill>
-                <a:latin typeface="Tahoma"/>
-                <a:cs typeface="Tahoma"/>
-              </a:rPr>
-              <a:t>(pentester)</a:t>
-            </a:r>
-            <a:endParaRPr kumimoji="1" lang="en-US" altLang="ja-JP" dirty="0">
-              <a:solidFill>
-                <a:srgbClr val="FFFFFF"/>
-              </a:solidFill>
-              <a:latin typeface="Tahoma"/>
-              <a:cs typeface="Tahoma"/>
-            </a:endParaRPr>
-          </a:p>
-          <a:p>
-            <a:pPr>
-              <a:lnSpc>
-                <a:spcPct val="120000"/>
-              </a:lnSpc>
-            </a:pPr>
-            <a:r>
-              <a:rPr lang="en-US" altLang="ja-JP" dirty="0" smtClean="0">
-                <a:solidFill>
-                  <a:srgbClr val="FFFFFF"/>
-                </a:solidFill>
-                <a:latin typeface="Tahoma"/>
-                <a:cs typeface="Tahoma"/>
-              </a:rPr>
-              <a:t>Blog </a:t>
-            </a:r>
-            <a:r>
-              <a:rPr lang="en-US" altLang="ja-JP" dirty="0" smtClean="0">
-                <a:solidFill>
-                  <a:srgbClr val="FFFFFF"/>
-                </a:solidFill>
-              </a:rPr>
-              <a:t>: </a:t>
-            </a:r>
-            <a:r>
-              <a:rPr lang="ja-JP" altLang="en-US" dirty="0" smtClean="0">
-                <a:solidFill>
-                  <a:srgbClr val="FFFFFF"/>
-                </a:solidFill>
-              </a:rPr>
-              <a:t>ろば電子が詰まっている</a:t>
-            </a:r>
-            <a:endParaRPr lang="en-US" altLang="ja-JP" dirty="0" smtClean="0">
-              <a:solidFill>
-                <a:srgbClr val="FFFFFF"/>
-              </a:solidFill>
-            </a:endParaRPr>
-          </a:p>
-          <a:p>
-            <a:pPr lvl="1">
-              <a:lnSpc>
-                <a:spcPct val="120000"/>
-              </a:lnSpc>
-            </a:pPr>
-            <a:r>
-              <a:rPr lang="en-US" altLang="ja-JP" dirty="0" smtClean="0">
-                <a:solidFill>
-                  <a:srgbClr val="FFFFFF"/>
-                </a:solidFill>
-                <a:latin typeface="Tahoma"/>
-                <a:cs typeface="Tahoma"/>
-              </a:rPr>
-              <a:t>http</a:t>
-            </a:r>
-            <a:r>
-              <a:rPr lang="en-US" altLang="ja-JP" dirty="0">
-                <a:solidFill>
-                  <a:srgbClr val="FFFFFF"/>
-                </a:solidFill>
-                <a:latin typeface="Tahoma"/>
-                <a:cs typeface="Tahoma"/>
-              </a:rPr>
-              <a:t>://</a:t>
-            </a:r>
-            <a:r>
-              <a:rPr lang="en-US" altLang="ja-JP" dirty="0" err="1">
-                <a:solidFill>
-                  <a:srgbClr val="FFFFFF"/>
-                </a:solidFill>
-                <a:latin typeface="Tahoma"/>
-                <a:cs typeface="Tahoma"/>
-              </a:rPr>
-              <a:t>d.hatena.ne.jp</a:t>
-            </a:r>
-            <a:r>
-              <a:rPr lang="en-US" altLang="ja-JP" dirty="0">
-                <a:solidFill>
-                  <a:srgbClr val="FFFFFF"/>
-                </a:solidFill>
-                <a:latin typeface="Tahoma"/>
-                <a:cs typeface="Tahoma"/>
-              </a:rPr>
-              <a:t>/ozuma/</a:t>
-            </a:r>
-          </a:p>
-          <a:p>
-            <a:pPr>
-              <a:lnSpc>
-                <a:spcPct val="120000"/>
-              </a:lnSpc>
-            </a:pPr>
-            <a:r>
-              <a:rPr kumimoji="1" lang="ja-JP" altLang="en-US" dirty="0">
-                <a:solidFill>
-                  <a:srgbClr val="FFFFFF"/>
-                </a:solidFill>
-              </a:rPr>
-              <a:t>科学写真家</a:t>
-            </a:r>
-            <a:r>
-              <a:rPr kumimoji="1" lang="en-US" altLang="ja-JP" dirty="0">
-                <a:solidFill>
-                  <a:srgbClr val="FFFFFF"/>
-                </a:solidFill>
-              </a:rPr>
-              <a:t>(</a:t>
-            </a:r>
-            <a:r>
-              <a:rPr kumimoji="1" lang="ja-JP" altLang="en-US" dirty="0">
-                <a:solidFill>
-                  <a:srgbClr val="FFFFFF"/>
-                </a:solidFill>
-              </a:rPr>
-              <a:t>と名乗っている</a:t>
-            </a:r>
-            <a:r>
-              <a:rPr kumimoji="1" lang="en-US" altLang="ja-JP" dirty="0">
-                <a:solidFill>
-                  <a:srgbClr val="FFFFFF"/>
-                </a:solidFill>
-              </a:rPr>
-              <a:t>)</a:t>
-            </a:r>
-            <a:endParaRPr kumimoji="1" lang="ja-JP" altLang="en-US" dirty="0">
-              <a:solidFill>
-                <a:srgbClr val="FFFFFF"/>
-              </a:solidFill>
-            </a:endParaRPr>
-          </a:p>
-        </p:txBody>
-      </p:sp>
-      <p:sp>
-        <p:nvSpPr>
-          <p:cNvPr id="3" name="テキスト ボックス 2"/>
-          <p:cNvSpPr txBox="1"/>
-          <p:nvPr/>
-        </p:nvSpPr>
-        <p:spPr>
-          <a:xfrm>
-            <a:off x="304800" y="38102"/>
-            <a:ext cx="3898900" cy="646331"/>
-          </a:xfrm>
-          <a:prstGeom prst="rect">
-            <a:avLst/>
-          </a:prstGeom>
-          <a:noFill/>
-        </p:spPr>
-        <p:txBody>
-          <a:bodyPr wrap="square" rtlCol="0">
-            <a:spAutoFit/>
-          </a:bodyPr>
-          <a:lstStyle/>
-          <a:p>
-            <a:r>
-              <a:rPr kumimoji="1" lang="en-US" altLang="ja-JP" sz="3600" dirty="0" smtClean="0">
-                <a:solidFill>
-                  <a:schemeClr val="bg1"/>
-                </a:solidFill>
-              </a:rPr>
-              <a:t>@ozuma5119</a:t>
-            </a:r>
-            <a:endParaRPr kumimoji="1" lang="ja-JP" altLang="en-US" sz="3600" dirty="0">
-              <a:solidFill>
-                <a:schemeClr val="bg1"/>
-              </a:solidFill>
-            </a:endParaRPr>
-          </a:p>
-        </p:txBody>
-      </p:sp>
-      <p:cxnSp>
-        <p:nvCxnSpPr>
-          <p:cNvPr id="10" name="直線コネクタ 9"/>
-          <p:cNvCxnSpPr/>
-          <p:nvPr/>
-        </p:nvCxnSpPr>
-        <p:spPr>
-          <a:xfrm>
-            <a:off x="419100" y="787400"/>
-            <a:ext cx="8267700" cy="0"/>
-          </a:xfrm>
-          <a:prstGeom prst="line">
-            <a:avLst/>
-          </a:prstGeom>
-          <a:ln w="57150" cmpd="sng">
-            <a:solidFill>
-              <a:srgbClr val="FFF2CC"/>
-            </a:solidFill>
-          </a:ln>
-        </p:spPr>
-        <p:style>
-          <a:lnRef idx="2">
-            <a:schemeClr val="accent1"/>
-          </a:lnRef>
-          <a:fillRef idx="0">
-            <a:schemeClr val="accent1"/>
-          </a:fillRef>
-          <a:effectRef idx="1">
-            <a:schemeClr val="accent1"/>
-          </a:effectRef>
-          <a:fontRef idx="minor">
-            <a:schemeClr val="tx1"/>
-          </a:fontRef>
-        </p:style>
-      </p:cxnSp>
-    </p:spTree>
-    <p:extLst>
-      <p:ext uri="{BB962C8B-B14F-4D97-AF65-F5344CB8AC3E}">
-        <p14:creationId xmlns:p14="http://schemas.microsoft.com/office/powerpoint/2010/main" val="4038990212"/>
-      </p:ext>
-    </p:extLst>
-  </p:cSld>
-  <p:clrMapOvr>
-    <a:masterClrMapping/>
-  </p:clrMapOvr>
-  <p:timing>
-    <p:tnLst>
-      <p:par>
-        <p:cTn xmlns:p14="http://schemas.microsoft.com/office/powerpoint/2010/main" id="1" dur="indefinite" restart="never" nodeType="tmRoot"/>
-      </p:par>
-    </p:tnLst>
-  </p:timing>
-</p:sld>
-</file>
-
-<file path=ppt/slides/slide20.xml><?xml version="1.0" encoding="utf-8"?>
+<file path=ppt/slides/slide12.xml><?xml version="1.0" encoding="utf-8"?>
 <p:sld xmlns:a="http://schemas.openxmlformats.org/drawingml/2006/main" xmlns:r="http://schemas.openxmlformats.org/officeDocument/2006/relationships" xmlns:p="http://schemas.openxmlformats.org/presentationml/2006/main">
   <p:cSld>
     <p:spTree>
@@ -7823,7 +6530,7 @@
           <a:blip r:embed="rId2" cstate="print">
             <a:extLst>
               <a:ext uri="{28A0092B-C50C-407E-A947-70E740481C1C}">
-                <a14:useLocalDpi xmlns:a14="http://schemas.microsoft.com/office/drawing/2010/main" val="0"/>
+                <a14:useLocalDpi xmlns:a14="http://schemas.microsoft.com/office/drawing/2010/main" xmlns="" val="0"/>
               </a:ext>
             </a:extLst>
           </a:blip>
@@ -7917,7 +6624,7 @@
     </p:spTree>
     <p:extLst>
       <p:ext uri="{BB962C8B-B14F-4D97-AF65-F5344CB8AC3E}">
-        <p14:creationId xmlns:p14="http://schemas.microsoft.com/office/powerpoint/2010/main" val="1127820023"/>
+        <p14:creationId xmlns:p14="http://schemas.microsoft.com/office/powerpoint/2010/main" xmlns="" val="1127820023"/>
       </p:ext>
     </p:extLst>
   </p:cSld>
@@ -7927,14 +6634,14 @@
   <p:timing>
     <p:tnLst>
       <p:par>
-        <p:cTn xmlns:p14="http://schemas.microsoft.com/office/powerpoint/2010/main" id="1" dur="indefinite" restart="never" nodeType="tmRoot"/>
+        <p:cTn id="1" dur="indefinite" restart="never" nodeType="tmRoot"/>
       </p:par>
     </p:tnLst>
   </p:timing>
 </p:sld>
 </file>
 
-<file path=ppt/slides/slide21.xml><?xml version="1.0" encoding="utf-8"?>
+<file path=ppt/slides/slide13.xml><?xml version="1.0" encoding="utf-8"?>
 <p:sld xmlns:a="http://schemas.openxmlformats.org/drawingml/2006/main" xmlns:r="http://schemas.openxmlformats.org/officeDocument/2006/relationships" xmlns:p="http://schemas.openxmlformats.org/presentationml/2006/main">
   <p:cSld>
     <p:spTree>
@@ -7969,7 +6676,7 @@
         </p:spPr>
         <p:txBody>
           <a:bodyPr>
-            <a:normAutofit/>
+            <a:normAutofit fontScale="90000"/>
           </a:bodyPr>
           <a:lstStyle/>
           <a:p>
@@ -8336,7 +7043,7 @@
     </p:spTree>
     <p:extLst>
       <p:ext uri="{BB962C8B-B14F-4D97-AF65-F5344CB8AC3E}">
-        <p14:creationId xmlns:p14="http://schemas.microsoft.com/office/powerpoint/2010/main" val="1570198615"/>
+        <p14:creationId xmlns:p14="http://schemas.microsoft.com/office/powerpoint/2010/main" xmlns="" val="1570198615"/>
       </p:ext>
     </p:extLst>
   </p:cSld>
@@ -8346,14 +7053,14 @@
   <p:timing>
     <p:tnLst>
       <p:par>
-        <p:cTn xmlns:p14="http://schemas.microsoft.com/office/powerpoint/2010/main" id="1" dur="indefinite" restart="never" nodeType="tmRoot"/>
+        <p:cTn id="1" dur="indefinite" restart="never" nodeType="tmRoot"/>
       </p:par>
     </p:tnLst>
   </p:timing>
 </p:sld>
 </file>
 
-<file path=ppt/slides/slide22.xml><?xml version="1.0" encoding="utf-8"?>
+<file path=ppt/slides/slide14.xml><?xml version="1.0" encoding="utf-8"?>
 <p:sld xmlns:a="http://schemas.openxmlformats.org/drawingml/2006/main" xmlns:r="http://schemas.openxmlformats.org/officeDocument/2006/relationships" xmlns:p="http://schemas.openxmlformats.org/presentationml/2006/main">
   <p:cSld>
     <p:spTree>
@@ -8379,7 +7086,7 @@
           <p:nvPr/>
         </p:nvPicPr>
         <p:blipFill>
-          <a:blip r:embed="rId3"/>
+          <a:blip r:embed="rId3" cstate="print"/>
           <a:stretch>
             <a:fillRect/>
           </a:stretch>
@@ -8448,7 +7155,7 @@
           <p:nvPr>
             <p:extLst>
               <p:ext uri="{D42A27DB-BD31-4B8C-83A1-F6EECF244321}">
-                <p14:modId xmlns:p14="http://schemas.microsoft.com/office/powerpoint/2010/main" val="4290637992"/>
+                <p14:modId xmlns:p14="http://schemas.microsoft.com/office/powerpoint/2010/main" xmlns="" val="4290637992"/>
               </p:ext>
             </p:extLst>
           </p:nvPr>
@@ -8731,7 +7438,7 @@
     </p:spTree>
     <p:extLst>
       <p:ext uri="{BB962C8B-B14F-4D97-AF65-F5344CB8AC3E}">
-        <p14:creationId xmlns:p14="http://schemas.microsoft.com/office/powerpoint/2010/main" val="3193422726"/>
+        <p14:creationId xmlns:p14="http://schemas.microsoft.com/office/powerpoint/2010/main" xmlns="" val="3193422726"/>
       </p:ext>
     </p:extLst>
   </p:cSld>
@@ -8741,14 +7448,14 @@
   <p:timing>
     <p:tnLst>
       <p:par>
-        <p:cTn xmlns:p14="http://schemas.microsoft.com/office/powerpoint/2010/main" id="1" dur="indefinite" restart="never" nodeType="tmRoot"/>
+        <p:cTn id="1" dur="indefinite" restart="never" nodeType="tmRoot"/>
       </p:par>
     </p:tnLst>
   </p:timing>
 </p:sld>
 </file>
 
-<file path=ppt/slides/slide23.xml><?xml version="1.0" encoding="utf-8"?>
+<file path=ppt/slides/slide15.xml><?xml version="1.0" encoding="utf-8"?>
 <p:sld xmlns:a="http://schemas.openxmlformats.org/drawingml/2006/main" xmlns:r="http://schemas.openxmlformats.org/officeDocument/2006/relationships" xmlns:p="http://schemas.openxmlformats.org/presentationml/2006/main">
   <p:cSld>
     <p:spTree>
@@ -8774,7 +7481,7 @@
           <p:nvPr/>
         </p:nvPicPr>
         <p:blipFill>
-          <a:blip r:embed="rId3"/>
+          <a:blip r:embed="rId3" cstate="print"/>
           <a:stretch>
             <a:fillRect/>
           </a:stretch>
@@ -9194,7 +7901,7 @@
     </p:spTree>
     <p:extLst>
       <p:ext uri="{BB962C8B-B14F-4D97-AF65-F5344CB8AC3E}">
-        <p14:creationId xmlns:p14="http://schemas.microsoft.com/office/powerpoint/2010/main" val="142409682"/>
+        <p14:creationId xmlns:p14="http://schemas.microsoft.com/office/powerpoint/2010/main" xmlns="" val="142409682"/>
       </p:ext>
     </p:extLst>
   </p:cSld>
@@ -9204,14 +7911,14 @@
   <p:timing>
     <p:tnLst>
       <p:par>
-        <p:cTn xmlns:p14="http://schemas.microsoft.com/office/powerpoint/2010/main" id="1" dur="indefinite" restart="never" nodeType="tmRoot"/>
+        <p:cTn id="1" dur="indefinite" restart="never" nodeType="tmRoot"/>
       </p:par>
     </p:tnLst>
   </p:timing>
 </p:sld>
 </file>
 
-<file path=ppt/slides/slide24.xml><?xml version="1.0" encoding="utf-8"?>
+<file path=ppt/slides/slide16.xml><?xml version="1.0" encoding="utf-8"?>
 <p:sld xmlns:a="http://schemas.openxmlformats.org/drawingml/2006/main" xmlns:r="http://schemas.openxmlformats.org/officeDocument/2006/relationships" xmlns:p="http://schemas.openxmlformats.org/presentationml/2006/main">
   <p:cSld>
     <p:spTree>
@@ -9240,7 +7947,7 @@
           <a:blip r:embed="rId2" cstate="print">
             <a:extLst>
               <a:ext uri="{28A0092B-C50C-407E-A947-70E740481C1C}">
-                <a14:useLocalDpi xmlns:a14="http://schemas.microsoft.com/office/drawing/2010/main" val="0"/>
+                <a14:useLocalDpi xmlns:a14="http://schemas.microsoft.com/office/drawing/2010/main" xmlns="" val="0"/>
               </a:ext>
             </a:extLst>
           </a:blip>
@@ -9270,8 +7977,8 @@
         </p:nvSpPr>
         <p:spPr>
           <a:xfrm>
-            <a:off x="1524850" y="963107"/>
-            <a:ext cx="7299973" cy="1754326"/>
+            <a:off x="1904412" y="712941"/>
+            <a:ext cx="6140549" cy="1754326"/>
           </a:xfrm>
           <a:prstGeom prst="rect">
             <a:avLst/>
@@ -9285,7 +7992,7 @@
           <a:lstStyle/>
           <a:p>
             <a:r>
-              <a:rPr lang="en-US" altLang="ja-JP" sz="5400">
+              <a:rPr kumimoji="1" lang="en-US" altLang="ja-JP" sz="5400" smtClean="0">
                 <a:ln>
                   <a:solidFill>
                     <a:schemeClr val="bg1">
@@ -9296,7 +8003,7 @@
                 <a:latin typeface="Tahoma" panose="020B0604030504040204" pitchFamily="34" charset="0"/>
                 <a:cs typeface="Tahoma" panose="020B0604030504040204" pitchFamily="34" charset="0"/>
               </a:rPr>
-              <a:t>Religious </a:t>
+              <a:t>something </a:t>
             </a:r>
             <a:r>
               <a:rPr lang="en-US" altLang="ja-JP" sz="5400" smtClean="0">
@@ -9310,39 +8017,9 @@
                 <a:latin typeface="Tahoma" panose="020B0604030504040204" pitchFamily="34" charset="0"/>
                 <a:cs typeface="Tahoma" panose="020B0604030504040204" pitchFamily="34" charset="0"/>
               </a:rPr>
-              <a:t>War:</a:t>
-            </a:r>
-          </a:p>
-          <a:p>
-            <a:r>
-              <a:rPr lang="en-US" altLang="ja-JP" sz="5400">
-                <a:ln>
-                  <a:solidFill>
-                    <a:schemeClr val="bg1">
-                      <a:lumMod val="50000"/>
-                    </a:schemeClr>
-                  </a:solidFill>
-                </a:ln>
-                <a:latin typeface="Tahoma" panose="020B0604030504040204" pitchFamily="34" charset="0"/>
-                <a:cs typeface="Tahoma" panose="020B0604030504040204" pitchFamily="34" charset="0"/>
-              </a:rPr>
-              <a:t> </a:t>
-            </a:r>
-            <a:r>
-              <a:rPr lang="en-US" altLang="ja-JP" sz="5400" smtClean="0">
-                <a:ln>
-                  <a:solidFill>
-                    <a:schemeClr val="bg1">
-                      <a:lumMod val="50000"/>
-                    </a:schemeClr>
-                  </a:solidFill>
-                </a:ln>
-                <a:latin typeface="Tahoma" panose="020B0604030504040204" pitchFamily="34" charset="0"/>
-                <a:cs typeface="Tahoma" panose="020B0604030504040204" pitchFamily="34" charset="0"/>
-              </a:rPr>
-              <a:t> SSH =&gt; 22/tcp?</a:t>
-            </a:r>
-            <a:endParaRPr lang="en-US" altLang="ja-JP" sz="5400">
+              <a:t>in the traffic...</a:t>
+            </a:r>
+            <a:endParaRPr kumimoji="1" lang="ja-JP" altLang="en-US" sz="5400">
               <a:ln>
                 <a:solidFill>
                   <a:schemeClr val="bg1">
@@ -9359,7 +8036,7 @@
     </p:spTree>
     <p:extLst>
       <p:ext uri="{BB962C8B-B14F-4D97-AF65-F5344CB8AC3E}">
-        <p14:creationId xmlns:p14="http://schemas.microsoft.com/office/powerpoint/2010/main" val="2122976183"/>
+        <p14:creationId xmlns:p14="http://schemas.microsoft.com/office/powerpoint/2010/main" xmlns="" val="1093681869"/>
       </p:ext>
     </p:extLst>
   </p:cSld>
@@ -9369,7 +8046,1878 @@
   <p:timing>
     <p:tnLst>
       <p:par>
-        <p:cTn xmlns:p14="http://schemas.microsoft.com/office/powerpoint/2010/main" id="1" dur="indefinite" restart="never" nodeType="tmRoot"/>
+        <p:cTn id="1" dur="indefinite" restart="never" nodeType="tmRoot"/>
+      </p:par>
+    </p:tnLst>
+  </p:timing>
+</p:sld>
+</file>
+
+<file path=ppt/slides/slide17.xml><?xml version="1.0" encoding="utf-8"?>
+<p:sld xmlns:a="http://schemas.openxmlformats.org/drawingml/2006/main" xmlns:r="http://schemas.openxmlformats.org/officeDocument/2006/relationships" xmlns:p="http://schemas.openxmlformats.org/presentationml/2006/main">
+  <p:cSld>
+    <p:spTree>
+      <p:nvGrpSpPr>
+        <p:cNvPr id="1" name=""/>
+        <p:cNvGrpSpPr/>
+        <p:nvPr/>
+      </p:nvGrpSpPr>
+      <p:grpSpPr>
+        <a:xfrm>
+          <a:off x="0" y="0"/>
+          <a:ext cx="0" cy="0"/>
+          <a:chOff x="0" y="0"/>
+          <a:chExt cx="0" cy="0"/>
+        </a:xfrm>
+      </p:grpSpPr>
+      <p:sp>
+        <p:nvSpPr>
+          <p:cNvPr id="2" name="タイトル 1"/>
+          <p:cNvSpPr>
+            <a:spLocks noGrp="1"/>
+          </p:cNvSpPr>
+          <p:nvPr>
+            <p:ph type="title"/>
+          </p:nvPr>
+        </p:nvSpPr>
+        <p:spPr/>
+        <p:txBody>
+          <a:bodyPr/>
+          <a:lstStyle/>
+          <a:p>
+            <a:r>
+              <a:rPr kumimoji="1" lang="en-US" altLang="ja-JP" smtClean="0"/>
+              <a:t>Situation.</a:t>
+            </a:r>
+            <a:endParaRPr kumimoji="1" lang="ja-JP" altLang="en-US"/>
+          </a:p>
+        </p:txBody>
+      </p:sp>
+      <p:sp>
+        <p:nvSpPr>
+          <p:cNvPr id="3" name="コンテンツ プレースホルダー 2"/>
+          <p:cNvSpPr>
+            <a:spLocks noGrp="1"/>
+          </p:cNvSpPr>
+          <p:nvPr>
+            <p:ph idx="1"/>
+          </p:nvPr>
+        </p:nvSpPr>
+        <p:spPr/>
+        <p:txBody>
+          <a:bodyPr>
+            <a:normAutofit/>
+          </a:bodyPr>
+          <a:lstStyle/>
+          <a:p>
+            <a:r>
+              <a:rPr lang="en-US" altLang="en-US" sz="3200"/>
+              <a:t>犯人(YASU)</a:t>
+            </a:r>
+            <a:r>
+              <a:rPr kumimoji="1" lang="ja-JP" altLang="en-US" sz="3200" smtClean="0"/>
+              <a:t>により閉じ込められた密室</a:t>
+            </a:r>
+            <a:endParaRPr kumimoji="1" lang="en-US" altLang="ja-JP" sz="3200" smtClean="0"/>
+          </a:p>
+          <a:p>
+            <a:r>
+              <a:rPr lang="ja-JP" altLang="en-US" sz="3200" smtClean="0"/>
+              <a:t>なぜか</a:t>
+            </a:r>
+            <a:r>
+              <a:rPr lang="en-US" altLang="ja-JP" sz="3200" smtClean="0"/>
+              <a:t>ICMP(ping)</a:t>
+            </a:r>
+            <a:r>
+              <a:rPr lang="ja-JP" altLang="en-US" sz="3200" smtClean="0"/>
+              <a:t>だけインターネットに到達する</a:t>
+            </a:r>
+            <a:r>
+              <a:rPr lang="en-US" altLang="ja-JP" sz="3200" smtClean="0"/>
+              <a:t>PC</a:t>
+            </a:r>
+            <a:r>
+              <a:rPr lang="ja-JP" altLang="en-US" sz="3200" smtClean="0"/>
+              <a:t>が置いてある（</a:t>
+            </a:r>
+            <a:r>
+              <a:rPr lang="ja-JP" altLang="en-US" sz="3200"/>
+              <a:t>なんだそれ）</a:t>
+            </a:r>
+            <a:endParaRPr lang="en-US" altLang="ja-JP" sz="3200" smtClean="0"/>
+          </a:p>
+          <a:p>
+            <a:r>
+              <a:rPr kumimoji="1" lang="ja-JP" altLang="en-US" sz="3200" smtClean="0"/>
+              <a:t>この状況で</a:t>
+            </a:r>
+            <a:r>
+              <a:rPr kumimoji="1" lang="ja-JP" altLang="en-US" sz="3200" smtClean="0"/>
+              <a:t>、外部</a:t>
+            </a:r>
+            <a:r>
+              <a:rPr kumimoji="1" lang="ja-JP" altLang="en-US" sz="3200" smtClean="0"/>
+              <a:t>になんとして</a:t>
+            </a:r>
+            <a:r>
+              <a:rPr kumimoji="1" lang="ja-JP" altLang="en-US" sz="3200" smtClean="0"/>
+              <a:t>でも</a:t>
+            </a:r>
+            <a:r>
+              <a:rPr lang="ja-JP" altLang="en-US" sz="3200" smtClean="0"/>
+              <a:t>犯人を</a:t>
+            </a:r>
+            <a:r>
+              <a:rPr kumimoji="1" lang="ja-JP" altLang="en-US" sz="3200" smtClean="0"/>
+              <a:t>伝えたい</a:t>
+            </a:r>
+            <a:endParaRPr kumimoji="1" lang="en-US" altLang="ja-JP" sz="3200" smtClean="0"/>
+          </a:p>
+        </p:txBody>
+      </p:sp>
+    </p:spTree>
+    <p:extLst>
+      <p:ext uri="{BB962C8B-B14F-4D97-AF65-F5344CB8AC3E}">
+        <p14:creationId xmlns:p14="http://schemas.microsoft.com/office/powerpoint/2010/main" xmlns="" val="1708929833"/>
+      </p:ext>
+    </p:extLst>
+  </p:cSld>
+  <p:clrMapOvr>
+    <a:masterClrMapping/>
+  </p:clrMapOvr>
+  <p:timing>
+    <p:tnLst>
+      <p:par>
+        <p:cTn id="1" dur="indefinite" restart="never" nodeType="tmRoot"/>
+      </p:par>
+    </p:tnLst>
+  </p:timing>
+</p:sld>
+</file>
+
+<file path=ppt/slides/slide18.xml><?xml version="1.0" encoding="utf-8"?>
+<p:sld xmlns:a="http://schemas.openxmlformats.org/drawingml/2006/main" xmlns:r="http://schemas.openxmlformats.org/officeDocument/2006/relationships" xmlns:p="http://schemas.openxmlformats.org/presentationml/2006/main">
+  <p:cSld>
+    <p:spTree>
+      <p:nvGrpSpPr>
+        <p:cNvPr id="1" name=""/>
+        <p:cNvGrpSpPr/>
+        <p:nvPr/>
+      </p:nvGrpSpPr>
+      <p:grpSpPr>
+        <a:xfrm>
+          <a:off x="0" y="0"/>
+          <a:ext cx="0" cy="0"/>
+          <a:chOff x="0" y="0"/>
+          <a:chExt cx="0" cy="0"/>
+        </a:xfrm>
+      </p:grpSpPr>
+      <p:sp>
+        <p:nvSpPr>
+          <p:cNvPr id="2" name="タイトル 1"/>
+          <p:cNvSpPr>
+            <a:spLocks noGrp="1"/>
+          </p:cNvSpPr>
+          <p:nvPr>
+            <p:ph type="title"/>
+          </p:nvPr>
+        </p:nvSpPr>
+        <p:spPr/>
+        <p:txBody>
+          <a:bodyPr/>
+          <a:lstStyle/>
+          <a:p>
+            <a:r>
+              <a:rPr kumimoji="1" lang="en-US" altLang="ja-JP" smtClean="0"/>
+              <a:t>Situation.</a:t>
+            </a:r>
+            <a:endParaRPr kumimoji="1" lang="ja-JP" altLang="en-US"/>
+          </a:p>
+        </p:txBody>
+      </p:sp>
+      <p:sp>
+        <p:nvSpPr>
+          <p:cNvPr id="3" name="コンテンツ プレースホルダー 2"/>
+          <p:cNvSpPr>
+            <a:spLocks noGrp="1"/>
+          </p:cNvSpPr>
+          <p:nvPr>
+            <p:ph idx="1"/>
+          </p:nvPr>
+        </p:nvSpPr>
+        <p:spPr/>
+        <p:txBody>
+          <a:bodyPr>
+            <a:normAutofit/>
+          </a:bodyPr>
+          <a:lstStyle/>
+          <a:p>
+            <a:r>
+              <a:rPr lang="en-US" altLang="en-US" sz="3200"/>
+              <a:t>犯人(YASU)</a:t>
+            </a:r>
+            <a:r>
+              <a:rPr kumimoji="1" lang="ja-JP" altLang="en-US" sz="3200" smtClean="0"/>
+              <a:t>により閉じ込められた密室</a:t>
+            </a:r>
+            <a:endParaRPr kumimoji="1" lang="en-US" altLang="ja-JP" sz="3200" smtClean="0"/>
+          </a:p>
+          <a:p>
+            <a:r>
+              <a:rPr lang="ja-JP" altLang="en-US" sz="3200" smtClean="0"/>
+              <a:t>なぜか</a:t>
+            </a:r>
+            <a:r>
+              <a:rPr lang="en-US" altLang="ja-JP" sz="3200" smtClean="0"/>
+              <a:t>ICMP(ping)</a:t>
+            </a:r>
+            <a:r>
+              <a:rPr lang="ja-JP" altLang="en-US" sz="3200" smtClean="0"/>
+              <a:t>だけインターネットに到達する</a:t>
+            </a:r>
+            <a:r>
+              <a:rPr lang="en-US" altLang="ja-JP" sz="3200" smtClean="0"/>
+              <a:t>PC</a:t>
+            </a:r>
+            <a:r>
+              <a:rPr lang="ja-JP" altLang="en-US" sz="3200" smtClean="0"/>
+              <a:t>が置いてある（</a:t>
+            </a:r>
+            <a:r>
+              <a:rPr lang="ja-JP" altLang="en-US" sz="3200"/>
+              <a:t>なんだそれ）</a:t>
+            </a:r>
+            <a:endParaRPr lang="en-US" altLang="ja-JP" sz="3200" smtClean="0"/>
+          </a:p>
+          <a:p>
+            <a:r>
+              <a:rPr kumimoji="1" lang="ja-JP" altLang="en-US" sz="3200" smtClean="0"/>
+              <a:t>この状況で</a:t>
+            </a:r>
+            <a:r>
+              <a:rPr kumimoji="1" lang="ja-JP" altLang="en-US" sz="3200" smtClean="0"/>
+              <a:t>、外部</a:t>
+            </a:r>
+            <a:r>
+              <a:rPr kumimoji="1" lang="ja-JP" altLang="en-US" sz="3200" smtClean="0"/>
+              <a:t>になんとして</a:t>
+            </a:r>
+            <a:r>
+              <a:rPr kumimoji="1" lang="ja-JP" altLang="en-US" sz="3200" smtClean="0"/>
+              <a:t>でも犯人を伝えたい</a:t>
+            </a:r>
+            <a:endParaRPr kumimoji="1" lang="en-US" altLang="ja-JP" sz="3200" smtClean="0"/>
+          </a:p>
+          <a:p>
+            <a:r>
+              <a:rPr lang="ja-JP" altLang="en-US" sz="3200" b="1" smtClean="0">
+                <a:solidFill>
+                  <a:srgbClr val="FF0000"/>
+                </a:solidFill>
+              </a:rPr>
+              <a:t>→ </a:t>
+            </a:r>
+            <a:r>
+              <a:rPr lang="en-US" altLang="ja-JP" sz="3200" b="1" smtClean="0">
+                <a:solidFill>
+                  <a:srgbClr val="FF0000"/>
+                </a:solidFill>
+              </a:rPr>
+              <a:t>ICMP</a:t>
+            </a:r>
+            <a:r>
+              <a:rPr lang="ja-JP" altLang="en-US" sz="3200" b="1" smtClean="0">
+                <a:solidFill>
+                  <a:srgbClr val="FF0000"/>
+                </a:solidFill>
+              </a:rPr>
+              <a:t>だけでメッセージを外部に伝えよう！</a:t>
+            </a:r>
+            <a:endParaRPr kumimoji="1" lang="ja-JP" altLang="en-US" sz="3200" b="1">
+              <a:solidFill>
+                <a:srgbClr val="FF0000"/>
+              </a:solidFill>
+            </a:endParaRPr>
+          </a:p>
+        </p:txBody>
+      </p:sp>
+    </p:spTree>
+    <p:extLst>
+      <p:ext uri="{BB962C8B-B14F-4D97-AF65-F5344CB8AC3E}">
+        <p14:creationId xmlns:p14="http://schemas.microsoft.com/office/powerpoint/2010/main" xmlns="" val="285120714"/>
+      </p:ext>
+    </p:extLst>
+  </p:cSld>
+  <p:clrMapOvr>
+    <a:masterClrMapping/>
+  </p:clrMapOvr>
+  <p:timing>
+    <p:tnLst>
+      <p:par>
+        <p:cTn id="1" dur="indefinite" restart="never" nodeType="tmRoot"/>
+      </p:par>
+    </p:tnLst>
+  </p:timing>
+</p:sld>
+</file>
+
+<file path=ppt/slides/slide19.xml><?xml version="1.0" encoding="utf-8"?>
+<p:sld xmlns:a="http://schemas.openxmlformats.org/drawingml/2006/main" xmlns:r="http://schemas.openxmlformats.org/officeDocument/2006/relationships" xmlns:p="http://schemas.openxmlformats.org/presentationml/2006/main">
+  <p:cSld>
+    <p:spTree>
+      <p:nvGrpSpPr>
+        <p:cNvPr id="1" name=""/>
+        <p:cNvGrpSpPr/>
+        <p:nvPr/>
+      </p:nvGrpSpPr>
+      <p:grpSpPr>
+        <a:xfrm>
+          <a:off x="0" y="0"/>
+          <a:ext cx="0" cy="0"/>
+          <a:chOff x="0" y="0"/>
+          <a:chExt cx="0" cy="0"/>
+        </a:xfrm>
+      </p:grpSpPr>
+      <p:pic>
+        <p:nvPicPr>
+          <p:cNvPr id="1026" name="Picture 2"/>
+          <p:cNvPicPr>
+            <a:picLocks noChangeAspect="1" noChangeArrowheads="1"/>
+          </p:cNvPicPr>
+          <p:nvPr/>
+        </p:nvPicPr>
+        <p:blipFill>
+          <a:blip r:embed="rId2" cstate="print"/>
+          <a:srcRect/>
+          <a:stretch>
+            <a:fillRect/>
+          </a:stretch>
+        </p:blipFill>
+        <p:spPr bwMode="auto">
+          <a:xfrm>
+            <a:off x="132080" y="403860"/>
+            <a:ext cx="10912834" cy="5377180"/>
+          </a:xfrm>
+          <a:prstGeom prst="rect">
+            <a:avLst/>
+          </a:prstGeom>
+          <a:noFill/>
+          <a:ln w="9525">
+            <a:noFill/>
+            <a:miter lim="800000"/>
+            <a:headEnd/>
+            <a:tailEnd/>
+          </a:ln>
+        </p:spPr>
+      </p:pic>
+    </p:spTree>
+  </p:cSld>
+  <p:clrMapOvr>
+    <a:masterClrMapping/>
+  </p:clrMapOvr>
+  <p:timing>
+    <p:tnLst>
+      <p:par>
+        <p:cTn id="1" dur="indefinite" restart="never" nodeType="tmRoot"/>
+      </p:par>
+    </p:tnLst>
+  </p:timing>
+</p:sld>
+</file>
+
+<file path=ppt/slides/slide2.xml><?xml version="1.0" encoding="utf-8"?>
+<p:sld xmlns:a="http://schemas.openxmlformats.org/drawingml/2006/main" xmlns:r="http://schemas.openxmlformats.org/officeDocument/2006/relationships" xmlns:p="http://schemas.openxmlformats.org/presentationml/2006/main">
+  <p:cSld>
+    <p:bg>
+      <p:bgPr>
+        <a:solidFill>
+          <a:schemeClr val="tx1"/>
+        </a:solidFill>
+        <a:effectLst/>
+      </p:bgPr>
+    </p:bg>
+    <p:spTree>
+      <p:nvGrpSpPr>
+        <p:cNvPr id="1" name=""/>
+        <p:cNvGrpSpPr/>
+        <p:nvPr/>
+      </p:nvGrpSpPr>
+      <p:grpSpPr>
+        <a:xfrm>
+          <a:off x="0" y="0"/>
+          <a:ext cx="0" cy="0"/>
+          <a:chOff x="0" y="0"/>
+          <a:chExt cx="0" cy="0"/>
+        </a:xfrm>
+      </p:grpSpPr>
+      <p:pic>
+        <p:nvPicPr>
+          <p:cNvPr id="9" name="図 8" descr="7556111472_b933b2ec64_h.jpg"/>
+          <p:cNvPicPr>
+            <a:picLocks noChangeAspect="1"/>
+          </p:cNvPicPr>
+          <p:nvPr/>
+        </p:nvPicPr>
+        <p:blipFill>
+          <a:blip r:embed="rId3" cstate="print">
+            <a:extLst>
+              <a:ext uri="{28A0092B-C50C-407E-A947-70E740481C1C}">
+                <a14:useLocalDpi xmlns:a14="http://schemas.microsoft.com/office/drawing/2010/main" xmlns="" val="0"/>
+              </a:ext>
+            </a:extLst>
+          </a:blip>
+          <a:stretch>
+            <a:fillRect/>
+          </a:stretch>
+        </p:blipFill>
+        <p:spPr>
+          <a:xfrm>
+            <a:off x="728113" y="1492427"/>
+            <a:ext cx="8686799" cy="6104335"/>
+          </a:xfrm>
+          <a:prstGeom prst="rect">
+            <a:avLst/>
+          </a:prstGeom>
+        </p:spPr>
+      </p:pic>
+      <p:sp>
+        <p:nvSpPr>
+          <p:cNvPr id="5" name="スライド番号プレースホルダー 4"/>
+          <p:cNvSpPr>
+            <a:spLocks noGrp="1"/>
+          </p:cNvSpPr>
+          <p:nvPr>
+            <p:ph type="sldNum" sz="quarter" idx="12"/>
+          </p:nvPr>
+        </p:nvSpPr>
+        <p:spPr/>
+        <p:txBody>
+          <a:bodyPr/>
+          <a:lstStyle/>
+          <a:p>
+            <a:fld id="{DF28FB93-0A08-4E7D-8E63-9EFA29F1E093}" type="slidenum">
+              <a:rPr lang="en-US" smtClean="0"/>
+              <a:pPr/>
+              <a:t>2</a:t>
+            </a:fld>
+            <a:endParaRPr lang="en-US"/>
+          </a:p>
+        </p:txBody>
+      </p:sp>
+      <p:sp>
+        <p:nvSpPr>
+          <p:cNvPr id="7" name="コンテンツ プレースホルダー 2"/>
+          <p:cNvSpPr>
+            <a:spLocks noGrp="1"/>
+          </p:cNvSpPr>
+          <p:nvPr>
+            <p:ph idx="1"/>
+          </p:nvPr>
+        </p:nvSpPr>
+        <p:spPr>
+          <a:xfrm>
+            <a:off x="304800" y="1181102"/>
+            <a:ext cx="8559800" cy="2832100"/>
+          </a:xfrm>
+        </p:spPr>
+        <p:txBody>
+          <a:bodyPr>
+            <a:normAutofit/>
+          </a:bodyPr>
+          <a:lstStyle/>
+          <a:p>
+            <a:pPr>
+              <a:lnSpc>
+                <a:spcPct val="120000"/>
+              </a:lnSpc>
+            </a:pPr>
+            <a:r>
+              <a:rPr kumimoji="1" lang="ja-JP" altLang="en-US" dirty="0" smtClean="0">
+                <a:solidFill>
+                  <a:srgbClr val="FFFFFF"/>
+                </a:solidFill>
+              </a:rPr>
+              <a:t>セキュリティっぽい</a:t>
+            </a:r>
+            <a:r>
+              <a:rPr kumimoji="1" lang="en-US" altLang="ja-JP" dirty="0" smtClean="0">
+                <a:solidFill>
+                  <a:srgbClr val="FFFFFF"/>
+                </a:solidFill>
+                <a:latin typeface="Tahoma"/>
+                <a:cs typeface="Tahoma"/>
+              </a:rPr>
+              <a:t>IT</a:t>
+            </a:r>
+            <a:r>
+              <a:rPr kumimoji="1" lang="ja-JP" altLang="en-US" dirty="0" smtClean="0">
+                <a:solidFill>
+                  <a:srgbClr val="FFFFFF"/>
+                </a:solidFill>
+              </a:rPr>
+              <a:t>エンジニア</a:t>
+            </a:r>
+            <a:r>
+              <a:rPr kumimoji="1" lang="en-US" altLang="ja-JP" dirty="0" smtClean="0">
+                <a:solidFill>
+                  <a:srgbClr val="FFFFFF"/>
+                </a:solidFill>
+                <a:latin typeface="Tahoma"/>
+                <a:cs typeface="Tahoma"/>
+              </a:rPr>
+              <a:t>(pentester)</a:t>
+            </a:r>
+            <a:endParaRPr kumimoji="1" lang="en-US" altLang="ja-JP" dirty="0">
+              <a:solidFill>
+                <a:srgbClr val="FFFFFF"/>
+              </a:solidFill>
+              <a:latin typeface="Tahoma"/>
+              <a:cs typeface="Tahoma"/>
+            </a:endParaRPr>
+          </a:p>
+          <a:p>
+            <a:pPr>
+              <a:lnSpc>
+                <a:spcPct val="120000"/>
+              </a:lnSpc>
+            </a:pPr>
+            <a:r>
+              <a:rPr lang="en-US" altLang="ja-JP" dirty="0" smtClean="0">
+                <a:solidFill>
+                  <a:srgbClr val="FFFFFF"/>
+                </a:solidFill>
+                <a:latin typeface="Tahoma"/>
+                <a:cs typeface="Tahoma"/>
+              </a:rPr>
+              <a:t>Blog </a:t>
+            </a:r>
+            <a:r>
+              <a:rPr lang="en-US" altLang="ja-JP" dirty="0" smtClean="0">
+                <a:solidFill>
+                  <a:srgbClr val="FFFFFF"/>
+                </a:solidFill>
+              </a:rPr>
+              <a:t>: </a:t>
+            </a:r>
+            <a:r>
+              <a:rPr lang="ja-JP" altLang="en-US" dirty="0" smtClean="0">
+                <a:solidFill>
+                  <a:srgbClr val="FFFFFF"/>
+                </a:solidFill>
+              </a:rPr>
+              <a:t>ろば電子が詰まっている</a:t>
+            </a:r>
+            <a:endParaRPr lang="en-US" altLang="ja-JP" dirty="0" smtClean="0">
+              <a:solidFill>
+                <a:srgbClr val="FFFFFF"/>
+              </a:solidFill>
+            </a:endParaRPr>
+          </a:p>
+          <a:p>
+            <a:pPr lvl="1">
+              <a:lnSpc>
+                <a:spcPct val="120000"/>
+              </a:lnSpc>
+            </a:pPr>
+            <a:r>
+              <a:rPr lang="en-US" altLang="ja-JP" dirty="0" smtClean="0">
+                <a:solidFill>
+                  <a:srgbClr val="FFFFFF"/>
+                </a:solidFill>
+                <a:latin typeface="Tahoma"/>
+                <a:cs typeface="Tahoma"/>
+              </a:rPr>
+              <a:t>http</a:t>
+            </a:r>
+            <a:r>
+              <a:rPr lang="en-US" altLang="ja-JP" dirty="0">
+                <a:solidFill>
+                  <a:srgbClr val="FFFFFF"/>
+                </a:solidFill>
+                <a:latin typeface="Tahoma"/>
+                <a:cs typeface="Tahoma"/>
+              </a:rPr>
+              <a:t>://</a:t>
+            </a:r>
+            <a:r>
+              <a:rPr lang="en-US" altLang="ja-JP" dirty="0" err="1">
+                <a:solidFill>
+                  <a:srgbClr val="FFFFFF"/>
+                </a:solidFill>
+                <a:latin typeface="Tahoma"/>
+                <a:cs typeface="Tahoma"/>
+              </a:rPr>
+              <a:t>d.hatena.ne.jp</a:t>
+            </a:r>
+            <a:r>
+              <a:rPr lang="en-US" altLang="ja-JP" dirty="0">
+                <a:solidFill>
+                  <a:srgbClr val="FFFFFF"/>
+                </a:solidFill>
+                <a:latin typeface="Tahoma"/>
+                <a:cs typeface="Tahoma"/>
+              </a:rPr>
+              <a:t>/ozuma/</a:t>
+            </a:r>
+          </a:p>
+          <a:p>
+            <a:pPr>
+              <a:lnSpc>
+                <a:spcPct val="120000"/>
+              </a:lnSpc>
+            </a:pPr>
+            <a:r>
+              <a:rPr kumimoji="1" lang="ja-JP" altLang="en-US" dirty="0">
+                <a:solidFill>
+                  <a:srgbClr val="FFFFFF"/>
+                </a:solidFill>
+              </a:rPr>
+              <a:t>科学写真家</a:t>
+            </a:r>
+            <a:r>
+              <a:rPr kumimoji="1" lang="en-US" altLang="ja-JP" dirty="0">
+                <a:solidFill>
+                  <a:srgbClr val="FFFFFF"/>
+                </a:solidFill>
+              </a:rPr>
+              <a:t>(</a:t>
+            </a:r>
+            <a:r>
+              <a:rPr kumimoji="1" lang="ja-JP" altLang="en-US" dirty="0">
+                <a:solidFill>
+                  <a:srgbClr val="FFFFFF"/>
+                </a:solidFill>
+              </a:rPr>
+              <a:t>と名乗っている</a:t>
+            </a:r>
+            <a:r>
+              <a:rPr kumimoji="1" lang="en-US" altLang="ja-JP" dirty="0">
+                <a:solidFill>
+                  <a:srgbClr val="FFFFFF"/>
+                </a:solidFill>
+              </a:rPr>
+              <a:t>)</a:t>
+            </a:r>
+            <a:endParaRPr kumimoji="1" lang="ja-JP" altLang="en-US" dirty="0">
+              <a:solidFill>
+                <a:srgbClr val="FFFFFF"/>
+              </a:solidFill>
+            </a:endParaRPr>
+          </a:p>
+        </p:txBody>
+      </p:sp>
+      <p:sp>
+        <p:nvSpPr>
+          <p:cNvPr id="3" name="テキスト ボックス 2"/>
+          <p:cNvSpPr txBox="1"/>
+          <p:nvPr/>
+        </p:nvSpPr>
+        <p:spPr>
+          <a:xfrm>
+            <a:off x="304800" y="38102"/>
+            <a:ext cx="3898900" cy="646331"/>
+          </a:xfrm>
+          <a:prstGeom prst="rect">
+            <a:avLst/>
+          </a:prstGeom>
+          <a:noFill/>
+        </p:spPr>
+        <p:txBody>
+          <a:bodyPr wrap="square" rtlCol="0">
+            <a:spAutoFit/>
+          </a:bodyPr>
+          <a:lstStyle/>
+          <a:p>
+            <a:r>
+              <a:rPr kumimoji="1" lang="en-US" altLang="ja-JP" sz="3600" dirty="0" smtClean="0">
+                <a:solidFill>
+                  <a:schemeClr val="bg1"/>
+                </a:solidFill>
+              </a:rPr>
+              <a:t>@ozuma5119</a:t>
+            </a:r>
+            <a:endParaRPr kumimoji="1" lang="ja-JP" altLang="en-US" sz="3600" dirty="0">
+              <a:solidFill>
+                <a:schemeClr val="bg1"/>
+              </a:solidFill>
+            </a:endParaRPr>
+          </a:p>
+        </p:txBody>
+      </p:sp>
+      <p:cxnSp>
+        <p:nvCxnSpPr>
+          <p:cNvPr id="10" name="直線コネクタ 9"/>
+          <p:cNvCxnSpPr/>
+          <p:nvPr/>
+        </p:nvCxnSpPr>
+        <p:spPr>
+          <a:xfrm>
+            <a:off x="419100" y="787400"/>
+            <a:ext cx="8267700" cy="0"/>
+          </a:xfrm>
+          <a:prstGeom prst="line">
+            <a:avLst/>
+          </a:prstGeom>
+          <a:ln w="57150" cmpd="sng">
+            <a:solidFill>
+              <a:srgbClr val="FFF2CC"/>
+            </a:solidFill>
+          </a:ln>
+        </p:spPr>
+        <p:style>
+          <a:lnRef idx="2">
+            <a:schemeClr val="accent1"/>
+          </a:lnRef>
+          <a:fillRef idx="0">
+            <a:schemeClr val="accent1"/>
+          </a:fillRef>
+          <a:effectRef idx="1">
+            <a:schemeClr val="accent1"/>
+          </a:effectRef>
+          <a:fontRef idx="minor">
+            <a:schemeClr val="tx1"/>
+          </a:fontRef>
+        </p:style>
+      </p:cxnSp>
+    </p:spTree>
+    <p:extLst>
+      <p:ext uri="{BB962C8B-B14F-4D97-AF65-F5344CB8AC3E}">
+        <p14:creationId xmlns:p14="http://schemas.microsoft.com/office/powerpoint/2010/main" xmlns="" val="4038990212"/>
+      </p:ext>
+    </p:extLst>
+  </p:cSld>
+  <p:clrMapOvr>
+    <a:masterClrMapping/>
+  </p:clrMapOvr>
+  <p:timing>
+    <p:tnLst>
+      <p:par>
+        <p:cTn id="1" dur="indefinite" restart="never" nodeType="tmRoot"/>
+      </p:par>
+    </p:tnLst>
+  </p:timing>
+</p:sld>
+</file>
+
+<file path=ppt/slides/slide20.xml><?xml version="1.0" encoding="utf-8"?>
+<p:sld xmlns:a="http://schemas.openxmlformats.org/drawingml/2006/main" xmlns:r="http://schemas.openxmlformats.org/officeDocument/2006/relationships" xmlns:p="http://schemas.openxmlformats.org/presentationml/2006/main">
+  <p:cSld>
+    <p:spTree>
+      <p:nvGrpSpPr>
+        <p:cNvPr id="1" name=""/>
+        <p:cNvGrpSpPr/>
+        <p:nvPr/>
+      </p:nvGrpSpPr>
+      <p:grpSpPr>
+        <a:xfrm>
+          <a:off x="0" y="0"/>
+          <a:ext cx="0" cy="0"/>
+          <a:chOff x="0" y="0"/>
+          <a:chExt cx="0" cy="0"/>
+        </a:xfrm>
+      </p:grpSpPr>
+      <p:pic>
+        <p:nvPicPr>
+          <p:cNvPr id="4" name="図 3"/>
+          <p:cNvPicPr>
+            <a:picLocks noChangeAspect="1"/>
+          </p:cNvPicPr>
+          <p:nvPr/>
+        </p:nvPicPr>
+        <p:blipFill>
+          <a:blip r:embed="rId3" cstate="print"/>
+          <a:stretch>
+            <a:fillRect/>
+          </a:stretch>
+        </p:blipFill>
+        <p:spPr>
+          <a:xfrm>
+            <a:off x="-1" y="-598338"/>
+            <a:ext cx="9207645" cy="5947578"/>
+          </a:xfrm>
+          <a:prstGeom prst="rect">
+            <a:avLst/>
+          </a:prstGeom>
+        </p:spPr>
+      </p:pic>
+      <p:sp>
+        <p:nvSpPr>
+          <p:cNvPr id="2" name="円/楕円 1"/>
+          <p:cNvSpPr/>
+          <p:nvPr/>
+        </p:nvSpPr>
+        <p:spPr>
+          <a:xfrm>
+            <a:off x="6876142" y="4109357"/>
+            <a:ext cx="2177143" cy="1034144"/>
+          </a:xfrm>
+          <a:prstGeom prst="ellipse">
+            <a:avLst/>
+          </a:prstGeom>
+          <a:noFill/>
+          <a:ln w="57150" cmpd="sng">
+            <a:solidFill>
+              <a:srgbClr val="FF0000"/>
+            </a:solidFill>
+          </a:ln>
+        </p:spPr>
+        <p:style>
+          <a:lnRef idx="1">
+            <a:schemeClr val="accent1"/>
+          </a:lnRef>
+          <a:fillRef idx="3">
+            <a:schemeClr val="accent1"/>
+          </a:fillRef>
+          <a:effectRef idx="2">
+            <a:schemeClr val="accent1"/>
+          </a:effectRef>
+          <a:fontRef idx="minor">
+            <a:schemeClr val="lt1"/>
+          </a:fontRef>
+        </p:style>
+        <p:txBody>
+          <a:bodyPr rtlCol="0" anchor="ctr"/>
+          <a:lstStyle/>
+          <a:p>
+            <a:pPr algn="ctr"/>
+            <a:endParaRPr kumimoji="1" lang="ja-JP" altLang="en-US"/>
+          </a:p>
+        </p:txBody>
+      </p:sp>
+      <p:cxnSp>
+        <p:nvCxnSpPr>
+          <p:cNvPr id="6" name="直線矢印コネクタ 5"/>
+          <p:cNvCxnSpPr/>
+          <p:nvPr/>
+        </p:nvCxnSpPr>
+        <p:spPr>
+          <a:xfrm>
+            <a:off x="6740071" y="2643634"/>
+            <a:ext cx="789214" cy="1474795"/>
+          </a:xfrm>
+          <a:prstGeom prst="straightConnector1">
+            <a:avLst/>
+          </a:prstGeom>
+          <a:ln w="57150" cmpd="sng">
+            <a:solidFill>
+              <a:srgbClr val="FF0000"/>
+            </a:solidFill>
+            <a:tailEnd type="arrow"/>
+          </a:ln>
+        </p:spPr>
+        <p:style>
+          <a:lnRef idx="2">
+            <a:schemeClr val="accent1"/>
+          </a:lnRef>
+          <a:fillRef idx="0">
+            <a:schemeClr val="accent1"/>
+          </a:fillRef>
+          <a:effectRef idx="1">
+            <a:schemeClr val="accent1"/>
+          </a:effectRef>
+          <a:fontRef idx="minor">
+            <a:schemeClr val="tx1"/>
+          </a:fontRef>
+        </p:style>
+      </p:cxnSp>
+      <p:sp>
+        <p:nvSpPr>
+          <p:cNvPr id="8" name="正方形/長方形 7"/>
+          <p:cNvSpPr/>
+          <p:nvPr/>
+        </p:nvSpPr>
+        <p:spPr>
+          <a:xfrm>
+            <a:off x="1899920" y="1641929"/>
+            <a:ext cx="6350000" cy="1213031"/>
+          </a:xfrm>
+          <a:prstGeom prst="rect">
+            <a:avLst/>
+          </a:prstGeom>
+          <a:solidFill>
+            <a:schemeClr val="accent2">
+              <a:lumMod val="50000"/>
+            </a:schemeClr>
+          </a:solidFill>
+          <a:ln w="28575" cmpd="sng">
+            <a:solidFill>
+              <a:schemeClr val="accent4">
+                <a:lumMod val="20000"/>
+                <a:lumOff val="80000"/>
+              </a:schemeClr>
+            </a:solidFill>
+          </a:ln>
+          <a:effectLst>
+            <a:glow rad="101600">
+              <a:schemeClr val="tx1">
+                <a:alpha val="22000"/>
+              </a:schemeClr>
+            </a:glow>
+            <a:outerShdw blurRad="50800" dist="38100" dir="2700000" algn="tl" rotWithShape="0">
+              <a:srgbClr val="000000">
+                <a:alpha val="43000"/>
+              </a:srgbClr>
+            </a:outerShdw>
+          </a:effectLst>
+        </p:spPr>
+        <p:style>
+          <a:lnRef idx="1">
+            <a:schemeClr val="accent1"/>
+          </a:lnRef>
+          <a:fillRef idx="3">
+            <a:schemeClr val="accent1"/>
+          </a:fillRef>
+          <a:effectRef idx="2">
+            <a:schemeClr val="accent1"/>
+          </a:effectRef>
+          <a:fontRef idx="minor">
+            <a:schemeClr val="lt1"/>
+          </a:fontRef>
+        </p:style>
+        <p:txBody>
+          <a:bodyPr rtlCol="0" anchor="ctr"/>
+          <a:lstStyle/>
+          <a:p>
+            <a:r>
+              <a:rPr kumimoji="1" lang="en-US" altLang="ja-JP" sz="2400">
+                <a:solidFill>
+                  <a:schemeClr val="accent2">
+                    <a:lumMod val="20000"/>
+                    <a:lumOff val="80000"/>
+                  </a:schemeClr>
+                </a:solidFill>
+                <a:latin typeface="メイリオ"/>
+                <a:ea typeface="メイリオ"/>
+                <a:cs typeface="メイリオ"/>
+              </a:rPr>
+              <a:t>Windows</a:t>
+            </a:r>
+            <a:r>
+              <a:rPr kumimoji="1" lang="ja-JP" altLang="en-US" sz="2400">
+                <a:solidFill>
+                  <a:schemeClr val="accent2">
+                    <a:lumMod val="20000"/>
+                    <a:lumOff val="80000"/>
+                  </a:schemeClr>
+                </a:solidFill>
+                <a:latin typeface="メイリオ"/>
+                <a:ea typeface="メイリオ"/>
+                <a:cs typeface="メイリオ"/>
+              </a:rPr>
+              <a:t>の</a:t>
+            </a:r>
+            <a:r>
+              <a:rPr kumimoji="1" lang="en-US" altLang="ja-JP" sz="2400">
+                <a:solidFill>
+                  <a:schemeClr val="accent2">
+                    <a:lumMod val="20000"/>
+                    <a:lumOff val="80000"/>
+                  </a:schemeClr>
+                </a:solidFill>
+                <a:latin typeface="メイリオ"/>
+                <a:ea typeface="メイリオ"/>
+                <a:cs typeface="メイリオ"/>
+              </a:rPr>
+              <a:t>ping</a:t>
+            </a:r>
+            <a:r>
+              <a:rPr kumimoji="1" lang="ja-JP" altLang="en-US" sz="2400">
+                <a:solidFill>
+                  <a:schemeClr val="accent2">
+                    <a:lumMod val="20000"/>
+                    <a:lumOff val="80000"/>
+                  </a:schemeClr>
+                </a:solidFill>
+                <a:latin typeface="メイリオ"/>
+                <a:ea typeface="メイリオ"/>
+                <a:cs typeface="メイリオ"/>
+              </a:rPr>
+              <a:t>コマンドのペイロード：</a:t>
+            </a:r>
+            <a:endParaRPr kumimoji="1" lang="en-US" altLang="ja-JP" sz="2400">
+              <a:solidFill>
+                <a:schemeClr val="accent2">
+                  <a:lumMod val="20000"/>
+                  <a:lumOff val="80000"/>
+                </a:schemeClr>
+              </a:solidFill>
+              <a:latin typeface="メイリオ"/>
+              <a:ea typeface="メイリオ"/>
+              <a:cs typeface="メイリオ"/>
+            </a:endParaRPr>
+          </a:p>
+          <a:p>
+            <a:r>
+              <a:rPr lang="en-US" altLang="ja-JP" sz="2400" b="1">
+                <a:solidFill>
+                  <a:schemeClr val="accent2">
+                    <a:lumMod val="20000"/>
+                    <a:lumOff val="80000"/>
+                  </a:schemeClr>
+                </a:solidFill>
+                <a:latin typeface="Helvetica"/>
+                <a:cs typeface="Helvetica"/>
+              </a:rPr>
+              <a:t>abcdefghijklmnopqrstuvwabcdefghi</a:t>
+            </a:r>
+            <a:endParaRPr kumimoji="1" lang="ja-JP" altLang="en-US" sz="2400" b="1">
+              <a:solidFill>
+                <a:schemeClr val="accent2">
+                  <a:lumMod val="20000"/>
+                  <a:lumOff val="80000"/>
+                </a:schemeClr>
+              </a:solidFill>
+              <a:latin typeface="Helvetica"/>
+              <a:cs typeface="Helvetica"/>
+            </a:endParaRPr>
+          </a:p>
+        </p:txBody>
+      </p:sp>
+    </p:spTree>
+    <p:extLst>
+      <p:ext uri="{BB962C8B-B14F-4D97-AF65-F5344CB8AC3E}">
+        <p14:creationId xmlns:p14="http://schemas.microsoft.com/office/powerpoint/2010/main" xmlns="" val="251935292"/>
+      </p:ext>
+    </p:extLst>
+  </p:cSld>
+  <p:clrMapOvr>
+    <a:masterClrMapping/>
+  </p:clrMapOvr>
+  <p:timing>
+    <p:tnLst>
+      <p:par>
+        <p:cTn id="1" dur="indefinite" restart="never" nodeType="tmRoot"/>
+      </p:par>
+    </p:tnLst>
+  </p:timing>
+</p:sld>
+</file>
+
+<file path=ppt/slides/slide21.xml><?xml version="1.0" encoding="utf-8"?>
+<p:sld xmlns:a="http://schemas.openxmlformats.org/drawingml/2006/main" xmlns:r="http://schemas.openxmlformats.org/officeDocument/2006/relationships" xmlns:p="http://schemas.openxmlformats.org/presentationml/2006/main">
+  <p:cSld>
+    <p:spTree>
+      <p:nvGrpSpPr>
+        <p:cNvPr id="1" name=""/>
+        <p:cNvGrpSpPr/>
+        <p:nvPr/>
+      </p:nvGrpSpPr>
+      <p:grpSpPr>
+        <a:xfrm>
+          <a:off x="0" y="0"/>
+          <a:ext cx="0" cy="0"/>
+          <a:chOff x="0" y="0"/>
+          <a:chExt cx="0" cy="0"/>
+        </a:xfrm>
+      </p:grpSpPr>
+      <p:sp>
+        <p:nvSpPr>
+          <p:cNvPr id="5" name="正方形/長方形 4"/>
+          <p:cNvSpPr/>
+          <p:nvPr/>
+        </p:nvSpPr>
+        <p:spPr>
+          <a:xfrm>
+            <a:off x="190500" y="1605643"/>
+            <a:ext cx="8790215" cy="798285"/>
+          </a:xfrm>
+          <a:prstGeom prst="rect">
+            <a:avLst/>
+          </a:prstGeom>
+          <a:solidFill>
+            <a:schemeClr val="tx1"/>
+          </a:solidFill>
+          <a:ln>
+            <a:solidFill>
+              <a:schemeClr val="accent4">
+                <a:lumMod val="20000"/>
+                <a:lumOff val="80000"/>
+              </a:schemeClr>
+            </a:solidFill>
+          </a:ln>
+        </p:spPr>
+        <p:style>
+          <a:lnRef idx="1">
+            <a:schemeClr val="accent1"/>
+          </a:lnRef>
+          <a:fillRef idx="3">
+            <a:schemeClr val="accent1"/>
+          </a:fillRef>
+          <a:effectRef idx="2">
+            <a:schemeClr val="accent1"/>
+          </a:effectRef>
+          <a:fontRef idx="minor">
+            <a:schemeClr val="lt1"/>
+          </a:fontRef>
+        </p:style>
+        <p:txBody>
+          <a:bodyPr rtlCol="0" anchor="ctr"/>
+          <a:lstStyle/>
+          <a:p>
+            <a:r>
+              <a:rPr lang="en-US" altLang="ja-JP" sz="2800">
+                <a:latin typeface="Consolas"/>
+                <a:cs typeface="Consolas"/>
+              </a:rPr>
+              <a:t># nping --data-string &lt;string&gt; </a:t>
+            </a:r>
+            <a:r>
+              <a:rPr lang="en-US" altLang="ja-JP" sz="2800" smtClean="0">
+                <a:latin typeface="Consolas"/>
+                <a:cs typeface="Consolas"/>
+              </a:rPr>
+              <a:t>&lt;IPaddr&gt;</a:t>
+            </a:r>
+            <a:endParaRPr lang="en-US" altLang="ja-JP" sz="2800">
+              <a:latin typeface="Consolas"/>
+              <a:cs typeface="Consolas"/>
+            </a:endParaRPr>
+          </a:p>
+        </p:txBody>
+      </p:sp>
+      <p:sp>
+        <p:nvSpPr>
+          <p:cNvPr id="6" name="タイトル 1"/>
+          <p:cNvSpPr>
+            <a:spLocks noGrp="1"/>
+          </p:cNvSpPr>
+          <p:nvPr>
+            <p:ph type="title"/>
+          </p:nvPr>
+        </p:nvSpPr>
+        <p:spPr>
+          <a:xfrm>
+            <a:off x="637722" y="201841"/>
+            <a:ext cx="7886700" cy="913945"/>
+          </a:xfrm>
+        </p:spPr>
+        <p:txBody>
+          <a:bodyPr/>
+          <a:lstStyle/>
+          <a:p>
+            <a:r>
+              <a:rPr kumimoji="1" lang="en-US" altLang="ja-JP" smtClean="0"/>
+              <a:t>nping (Nmap</a:t>
+            </a:r>
+            <a:r>
+              <a:rPr kumimoji="1" lang="ja-JP" altLang="en-US" smtClean="0">
+                <a:latin typeface="メイリオ"/>
+                <a:ea typeface="メイリオ"/>
+                <a:cs typeface="メイリオ"/>
+              </a:rPr>
+              <a:t>付属</a:t>
+            </a:r>
+            <a:r>
+              <a:rPr lang="en-US" altLang="ja-JP"/>
+              <a:t>)</a:t>
+            </a:r>
+            <a:endParaRPr kumimoji="1" lang="ja-JP" altLang="en-US">
+              <a:latin typeface="メイリオ"/>
+              <a:ea typeface="メイリオ"/>
+              <a:cs typeface="メイリオ"/>
+            </a:endParaRPr>
+          </a:p>
+        </p:txBody>
+      </p:sp>
+    </p:spTree>
+    <p:extLst>
+      <p:ext uri="{BB962C8B-B14F-4D97-AF65-F5344CB8AC3E}">
+        <p14:creationId xmlns:p14="http://schemas.microsoft.com/office/powerpoint/2010/main" xmlns="" val="629575943"/>
+      </p:ext>
+    </p:extLst>
+  </p:cSld>
+  <p:clrMapOvr>
+    <a:masterClrMapping/>
+  </p:clrMapOvr>
+  <p:timing>
+    <p:tnLst>
+      <p:par>
+        <p:cTn id="1" dur="indefinite" restart="never" nodeType="tmRoot"/>
+      </p:par>
+    </p:tnLst>
+  </p:timing>
+</p:sld>
+</file>
+
+<file path=ppt/slides/slide22.xml><?xml version="1.0" encoding="utf-8"?>
+<p:sld xmlns:a="http://schemas.openxmlformats.org/drawingml/2006/main" xmlns:r="http://schemas.openxmlformats.org/officeDocument/2006/relationships" xmlns:p="http://schemas.openxmlformats.org/presentationml/2006/main">
+  <p:cSld>
+    <p:spTree>
+      <p:nvGrpSpPr>
+        <p:cNvPr id="1" name=""/>
+        <p:cNvGrpSpPr/>
+        <p:nvPr/>
+      </p:nvGrpSpPr>
+      <p:grpSpPr>
+        <a:xfrm>
+          <a:off x="0" y="0"/>
+          <a:ext cx="0" cy="0"/>
+          <a:chOff x="0" y="0"/>
+          <a:chExt cx="0" cy="0"/>
+        </a:xfrm>
+      </p:grpSpPr>
+      <p:pic>
+        <p:nvPicPr>
+          <p:cNvPr id="4" name="図 3"/>
+          <p:cNvPicPr>
+            <a:picLocks noChangeAspect="1"/>
+          </p:cNvPicPr>
+          <p:nvPr/>
+        </p:nvPicPr>
+        <p:blipFill>
+          <a:blip r:embed="rId2" cstate="print"/>
+          <a:stretch>
+            <a:fillRect/>
+          </a:stretch>
+        </p:blipFill>
+        <p:spPr>
+          <a:xfrm>
+            <a:off x="0" y="-1"/>
+            <a:ext cx="8160589" cy="5240645"/>
+          </a:xfrm>
+          <a:prstGeom prst="rect">
+            <a:avLst/>
+          </a:prstGeom>
+        </p:spPr>
+      </p:pic>
+      <p:sp>
+        <p:nvSpPr>
+          <p:cNvPr id="5" name="円/楕円 4"/>
+          <p:cNvSpPr/>
+          <p:nvPr/>
+        </p:nvSpPr>
+        <p:spPr>
+          <a:xfrm>
+            <a:off x="6349931" y="4206500"/>
+            <a:ext cx="2177143" cy="1034144"/>
+          </a:xfrm>
+          <a:prstGeom prst="ellipse">
+            <a:avLst/>
+          </a:prstGeom>
+          <a:noFill/>
+          <a:ln w="57150" cmpd="sng">
+            <a:solidFill>
+              <a:srgbClr val="FF0000"/>
+            </a:solidFill>
+          </a:ln>
+        </p:spPr>
+        <p:style>
+          <a:lnRef idx="1">
+            <a:schemeClr val="accent1"/>
+          </a:lnRef>
+          <a:fillRef idx="3">
+            <a:schemeClr val="accent1"/>
+          </a:fillRef>
+          <a:effectRef idx="2">
+            <a:schemeClr val="accent1"/>
+          </a:effectRef>
+          <a:fontRef idx="minor">
+            <a:schemeClr val="lt1"/>
+          </a:fontRef>
+        </p:style>
+        <p:txBody>
+          <a:bodyPr rtlCol="0" anchor="ctr"/>
+          <a:lstStyle/>
+          <a:p>
+            <a:pPr algn="ctr"/>
+            <a:endParaRPr kumimoji="1" lang="ja-JP" altLang="en-US"/>
+          </a:p>
+        </p:txBody>
+      </p:sp>
+      <p:cxnSp>
+        <p:nvCxnSpPr>
+          <p:cNvPr id="6" name="直線矢印コネクタ 5"/>
+          <p:cNvCxnSpPr/>
+          <p:nvPr/>
+        </p:nvCxnSpPr>
+        <p:spPr>
+          <a:xfrm>
+            <a:off x="6358262" y="3010619"/>
+            <a:ext cx="644812" cy="1204953"/>
+          </a:xfrm>
+          <a:prstGeom prst="straightConnector1">
+            <a:avLst/>
+          </a:prstGeom>
+          <a:ln w="57150" cmpd="sng">
+            <a:solidFill>
+              <a:srgbClr val="FF0000"/>
+            </a:solidFill>
+            <a:tailEnd type="arrow"/>
+          </a:ln>
+        </p:spPr>
+        <p:style>
+          <a:lnRef idx="2">
+            <a:schemeClr val="accent1"/>
+          </a:lnRef>
+          <a:fillRef idx="0">
+            <a:schemeClr val="accent1"/>
+          </a:fillRef>
+          <a:effectRef idx="1">
+            <a:schemeClr val="accent1"/>
+          </a:effectRef>
+          <a:fontRef idx="minor">
+            <a:schemeClr val="tx1"/>
+          </a:fontRef>
+        </p:style>
+      </p:cxnSp>
+      <p:sp>
+        <p:nvSpPr>
+          <p:cNvPr id="7" name="正方形/長方形 6"/>
+          <p:cNvSpPr/>
+          <p:nvPr/>
+        </p:nvSpPr>
+        <p:spPr>
+          <a:xfrm>
+            <a:off x="1239520" y="2130463"/>
+            <a:ext cx="7518400" cy="1069937"/>
+          </a:xfrm>
+          <a:prstGeom prst="rect">
+            <a:avLst/>
+          </a:prstGeom>
+          <a:solidFill>
+            <a:schemeClr val="accent2">
+              <a:lumMod val="50000"/>
+            </a:schemeClr>
+          </a:solidFill>
+          <a:ln w="28575" cmpd="sng">
+            <a:solidFill>
+              <a:schemeClr val="accent4">
+                <a:lumMod val="20000"/>
+                <a:lumOff val="80000"/>
+              </a:schemeClr>
+            </a:solidFill>
+          </a:ln>
+          <a:effectLst>
+            <a:glow rad="101600">
+              <a:schemeClr val="tx1">
+                <a:alpha val="22000"/>
+              </a:schemeClr>
+            </a:glow>
+            <a:outerShdw blurRad="50800" dist="38100" dir="2700000" algn="tl" rotWithShape="0">
+              <a:srgbClr val="000000">
+                <a:alpha val="43000"/>
+              </a:srgbClr>
+            </a:outerShdw>
+          </a:effectLst>
+        </p:spPr>
+        <p:style>
+          <a:lnRef idx="1">
+            <a:schemeClr val="accent1"/>
+          </a:lnRef>
+          <a:fillRef idx="3">
+            <a:schemeClr val="accent1"/>
+          </a:fillRef>
+          <a:effectRef idx="2">
+            <a:schemeClr val="accent1"/>
+          </a:effectRef>
+          <a:fontRef idx="minor">
+            <a:schemeClr val="lt1"/>
+          </a:fontRef>
+        </p:style>
+        <p:txBody>
+          <a:bodyPr rtlCol="0" anchor="ctr"/>
+          <a:lstStyle/>
+          <a:p>
+            <a:r>
+              <a:rPr kumimoji="1" lang="en-US" altLang="ja-JP" sz="2400" smtClean="0">
+                <a:solidFill>
+                  <a:schemeClr val="accent2">
+                    <a:lumMod val="20000"/>
+                    <a:lumOff val="80000"/>
+                  </a:schemeClr>
+                </a:solidFill>
+                <a:latin typeface="メイリオ"/>
+                <a:ea typeface="メイリオ"/>
+                <a:cs typeface="メイリオ"/>
+              </a:rPr>
+              <a:t>nping</a:t>
+            </a:r>
+            <a:r>
+              <a:rPr kumimoji="1" lang="ja-JP" altLang="en-US" sz="2400" smtClean="0">
+                <a:solidFill>
+                  <a:schemeClr val="accent2">
+                    <a:lumMod val="20000"/>
+                    <a:lumOff val="80000"/>
+                  </a:schemeClr>
+                </a:solidFill>
+                <a:latin typeface="メイリオ"/>
+                <a:ea typeface="メイリオ"/>
+                <a:cs typeface="メイリオ"/>
+              </a:rPr>
+              <a:t>で</a:t>
+            </a:r>
+            <a:r>
+              <a:rPr kumimoji="1" lang="en-US" altLang="ja-JP" sz="2400" smtClean="0">
+                <a:solidFill>
+                  <a:schemeClr val="accent2">
+                    <a:lumMod val="20000"/>
+                    <a:lumOff val="80000"/>
+                  </a:schemeClr>
+                </a:solidFill>
+                <a:latin typeface="メイリオ"/>
+                <a:ea typeface="メイリオ"/>
+                <a:cs typeface="メイリオ"/>
+              </a:rPr>
+              <a:t>ICMP</a:t>
+            </a:r>
+            <a:r>
+              <a:rPr lang="ja-JP" altLang="en-US" sz="2400" smtClean="0">
+                <a:solidFill>
+                  <a:schemeClr val="accent2">
+                    <a:lumMod val="20000"/>
+                    <a:lumOff val="80000"/>
+                  </a:schemeClr>
+                </a:solidFill>
+                <a:latin typeface="メイリオ"/>
+                <a:ea typeface="メイリオ"/>
+                <a:cs typeface="メイリオ"/>
+              </a:rPr>
+              <a:t>パケットに埋め込んだ</a:t>
+            </a:r>
+            <a:r>
+              <a:rPr kumimoji="1" lang="ja-JP" altLang="en-US" sz="2400" smtClean="0">
+                <a:solidFill>
+                  <a:schemeClr val="accent2">
+                    <a:lumMod val="20000"/>
+                    <a:lumOff val="80000"/>
+                  </a:schemeClr>
+                </a:solidFill>
+                <a:latin typeface="メイリオ"/>
+                <a:ea typeface="メイリオ"/>
+                <a:cs typeface="メイリオ"/>
+              </a:rPr>
+              <a:t>ペイロード</a:t>
+            </a:r>
+            <a:r>
+              <a:rPr kumimoji="1" lang="ja-JP" altLang="en-US" sz="2400">
+                <a:solidFill>
+                  <a:schemeClr val="accent2">
+                    <a:lumMod val="20000"/>
+                    <a:lumOff val="80000"/>
+                  </a:schemeClr>
+                </a:solidFill>
+                <a:latin typeface="メイリオ"/>
+                <a:ea typeface="メイリオ"/>
+                <a:cs typeface="メイリオ"/>
+              </a:rPr>
+              <a:t>：</a:t>
+            </a:r>
+            <a:endParaRPr kumimoji="1" lang="en-US" altLang="ja-JP" sz="2400">
+              <a:solidFill>
+                <a:schemeClr val="accent2">
+                  <a:lumMod val="20000"/>
+                  <a:lumOff val="80000"/>
+                </a:schemeClr>
+              </a:solidFill>
+              <a:latin typeface="メイリオ"/>
+              <a:ea typeface="メイリオ"/>
+              <a:cs typeface="メイリオ"/>
+            </a:endParaRPr>
+          </a:p>
+          <a:p>
+            <a:r>
+              <a:rPr lang="en-US" altLang="ja-JP" sz="2400" b="1">
+                <a:solidFill>
+                  <a:schemeClr val="accent2">
+                    <a:lumMod val="20000"/>
+                    <a:lumOff val="80000"/>
+                  </a:schemeClr>
+                </a:solidFill>
+                <a:latin typeface="Helvetica"/>
+                <a:cs typeface="Helvetica"/>
+              </a:rPr>
+              <a:t> </a:t>
+            </a:r>
+            <a:r>
+              <a:rPr lang="ja-JP" altLang="en-US" sz="2400" b="1" smtClean="0">
+                <a:solidFill>
+                  <a:schemeClr val="accent2">
+                    <a:lumMod val="20000"/>
+                    <a:lumOff val="80000"/>
+                  </a:schemeClr>
+                </a:solidFill>
+                <a:latin typeface="Helvetica"/>
+                <a:cs typeface="Helvetica"/>
+              </a:rPr>
+              <a:t> </a:t>
+            </a:r>
+            <a:r>
+              <a:rPr lang="ja-JP" altLang="en-US" sz="2400" b="1" smtClean="0">
+                <a:solidFill>
+                  <a:schemeClr val="accent2">
+                    <a:lumMod val="20000"/>
+                    <a:lumOff val="80000"/>
+                  </a:schemeClr>
+                </a:solidFill>
+                <a:latin typeface="Helvetica"/>
+                <a:cs typeface="Helvetica"/>
+              </a:rPr>
+              <a:t>→ </a:t>
+            </a:r>
+            <a:r>
+              <a:rPr lang="en-US" altLang="ja-JP" sz="2400" b="1" smtClean="0">
+                <a:solidFill>
+                  <a:schemeClr val="accent2">
+                    <a:lumMod val="20000"/>
+                    <a:lumOff val="80000"/>
+                  </a:schemeClr>
+                </a:solidFill>
+                <a:latin typeface="Helvetica"/>
+                <a:cs typeface="Helvetica"/>
+              </a:rPr>
+              <a:t>Hannin </a:t>
+            </a:r>
+            <a:r>
+              <a:rPr lang="en-US" altLang="ja-JP" sz="2400" b="1" smtClean="0">
+                <a:solidFill>
+                  <a:schemeClr val="accent2">
+                    <a:lumMod val="20000"/>
+                    <a:lumOff val="80000"/>
+                  </a:schemeClr>
+                </a:solidFill>
+                <a:latin typeface="Helvetica"/>
+                <a:cs typeface="Helvetica"/>
+              </a:rPr>
+              <a:t>wa YASU.</a:t>
+            </a:r>
+            <a:endParaRPr kumimoji="1" lang="ja-JP" altLang="en-US" sz="2400" b="1">
+              <a:solidFill>
+                <a:schemeClr val="accent2">
+                  <a:lumMod val="20000"/>
+                  <a:lumOff val="80000"/>
+                </a:schemeClr>
+              </a:solidFill>
+              <a:latin typeface="Helvetica"/>
+              <a:cs typeface="Helvetica"/>
+            </a:endParaRPr>
+          </a:p>
+        </p:txBody>
+      </p:sp>
+    </p:spTree>
+    <p:extLst>
+      <p:ext uri="{BB962C8B-B14F-4D97-AF65-F5344CB8AC3E}">
+        <p14:creationId xmlns:p14="http://schemas.microsoft.com/office/powerpoint/2010/main" xmlns="" val="3008246913"/>
+      </p:ext>
+    </p:extLst>
+  </p:cSld>
+  <p:clrMapOvr>
+    <a:masterClrMapping/>
+  </p:clrMapOvr>
+  <p:timing>
+    <p:tnLst>
+      <p:par>
+        <p:cTn id="1" dur="indefinite" restart="never" nodeType="tmRoot"/>
+      </p:par>
+    </p:tnLst>
+  </p:timing>
+</p:sld>
+</file>
+
+<file path=ppt/slides/slide23.xml><?xml version="1.0" encoding="utf-8"?>
+<p:sld xmlns:a="http://schemas.openxmlformats.org/drawingml/2006/main" xmlns:r="http://schemas.openxmlformats.org/officeDocument/2006/relationships" xmlns:p="http://schemas.openxmlformats.org/presentationml/2006/main">
+  <p:cSld>
+    <p:spTree>
+      <p:nvGrpSpPr>
+        <p:cNvPr id="1" name=""/>
+        <p:cNvGrpSpPr/>
+        <p:nvPr/>
+      </p:nvGrpSpPr>
+      <p:grpSpPr>
+        <a:xfrm>
+          <a:off x="0" y="0"/>
+          <a:ext cx="0" cy="0"/>
+          <a:chOff x="0" y="0"/>
+          <a:chExt cx="0" cy="0"/>
+        </a:xfrm>
+      </p:grpSpPr>
+      <p:sp>
+        <p:nvSpPr>
+          <p:cNvPr id="2" name="タイトル 1"/>
+          <p:cNvSpPr>
+            <a:spLocks noGrp="1"/>
+          </p:cNvSpPr>
+          <p:nvPr>
+            <p:ph type="title"/>
+          </p:nvPr>
+        </p:nvSpPr>
+        <p:spPr/>
+        <p:txBody>
+          <a:bodyPr/>
+          <a:lstStyle/>
+          <a:p>
+            <a:r>
+              <a:rPr kumimoji="1" lang="ja-JP" altLang="en-US" smtClean="0"/>
+              <a:t>もっと低レイヤで隠そう</a:t>
+            </a:r>
+            <a:endParaRPr kumimoji="1" lang="ja-JP" altLang="en-US"/>
+          </a:p>
+        </p:txBody>
+      </p:sp>
+      <p:sp>
+        <p:nvSpPr>
+          <p:cNvPr id="3" name="コンテンツ プレースホルダ 2"/>
+          <p:cNvSpPr>
+            <a:spLocks noGrp="1"/>
+          </p:cNvSpPr>
+          <p:nvPr>
+            <p:ph idx="1"/>
+          </p:nvPr>
+        </p:nvSpPr>
+        <p:spPr/>
+        <p:txBody>
+          <a:bodyPr/>
+          <a:lstStyle/>
+          <a:p>
+            <a:endParaRPr kumimoji="1" lang="ja-JP" altLang="en-US"/>
+          </a:p>
+        </p:txBody>
+      </p:sp>
+    </p:spTree>
+  </p:cSld>
+  <p:clrMapOvr>
+    <a:masterClrMapping/>
+  </p:clrMapOvr>
+</p:sld>
+</file>
+
+<file path=ppt/slides/slide24.xml><?xml version="1.0" encoding="utf-8"?>
+<p:sld xmlns:a="http://schemas.openxmlformats.org/drawingml/2006/main" xmlns:r="http://schemas.openxmlformats.org/officeDocument/2006/relationships" xmlns:p="http://schemas.openxmlformats.org/presentationml/2006/main">
+  <p:cSld>
+    <p:spTree>
+      <p:nvGrpSpPr>
+        <p:cNvPr id="1" name=""/>
+        <p:cNvGrpSpPr/>
+        <p:nvPr/>
+      </p:nvGrpSpPr>
+      <p:grpSpPr>
+        <a:xfrm>
+          <a:off x="0" y="0"/>
+          <a:ext cx="0" cy="0"/>
+          <a:chOff x="0" y="0"/>
+          <a:chExt cx="0" cy="0"/>
+        </a:xfrm>
+      </p:grpSpPr>
+      <p:sp>
+        <p:nvSpPr>
+          <p:cNvPr id="2" name="タイトル 1"/>
+          <p:cNvSpPr>
+            <a:spLocks noGrp="1"/>
+          </p:cNvSpPr>
+          <p:nvPr>
+            <p:ph type="title"/>
+          </p:nvPr>
+        </p:nvSpPr>
+        <p:spPr>
+          <a:xfrm>
+            <a:off x="628650" y="365126"/>
+            <a:ext cx="7886700" cy="911583"/>
+          </a:xfrm>
+        </p:spPr>
+        <p:txBody>
+          <a:bodyPr>
+            <a:normAutofit fontScale="90000"/>
+          </a:bodyPr>
+          <a:lstStyle/>
+          <a:p>
+            <a:r>
+              <a:rPr kumimoji="1" lang="ja-JP" altLang="en-US" smtClean="0"/>
+              <a:t>もうちょっと高いレイヤで隠す</a:t>
+            </a:r>
+            <a:endParaRPr kumimoji="1" lang="ja-JP" altLang="en-US"/>
+          </a:p>
+        </p:txBody>
+      </p:sp>
+      <p:sp>
+        <p:nvSpPr>
+          <p:cNvPr id="4" name="正方形/長方形 3"/>
+          <p:cNvSpPr/>
+          <p:nvPr/>
+        </p:nvSpPr>
+        <p:spPr>
+          <a:xfrm>
+            <a:off x="184639" y="1422331"/>
+            <a:ext cx="15158105" cy="3765131"/>
+          </a:xfrm>
+          <a:prstGeom prst="rect">
+            <a:avLst/>
+          </a:prstGeom>
+          <a:solidFill>
+            <a:schemeClr val="tx1"/>
+          </a:solidFill>
+          <a:ln>
+            <a:solidFill>
+              <a:schemeClr val="accent4">
+                <a:lumMod val="20000"/>
+                <a:lumOff val="80000"/>
+              </a:schemeClr>
+            </a:solidFill>
+          </a:ln>
+        </p:spPr>
+        <p:style>
+          <a:lnRef idx="1">
+            <a:schemeClr val="accent1"/>
+          </a:lnRef>
+          <a:fillRef idx="3">
+            <a:schemeClr val="accent1"/>
+          </a:fillRef>
+          <a:effectRef idx="2">
+            <a:schemeClr val="accent1"/>
+          </a:effectRef>
+          <a:fontRef idx="minor">
+            <a:schemeClr val="lt1"/>
+          </a:fontRef>
+        </p:style>
+        <p:txBody>
+          <a:bodyPr rtlCol="0" anchor="ctr"/>
+          <a:lstStyle/>
+          <a:p>
+            <a:r>
+              <a:rPr lang="en-US" altLang="ja-JP" sz="2400">
+                <a:latin typeface="Consolas"/>
+                <a:cs typeface="Consolas"/>
+              </a:rPr>
+              <a:t>GET / HTTP/1.1</a:t>
+            </a:r>
+          </a:p>
+          <a:p>
+            <a:r>
+              <a:rPr lang="en-US" altLang="ja-JP" sz="2400">
+                <a:latin typeface="Consolas"/>
+                <a:cs typeface="Consolas"/>
+              </a:rPr>
+              <a:t>Host: </a:t>
+            </a:r>
+            <a:r>
+              <a:rPr lang="en-US" altLang="ja-JP" sz="2400" smtClean="0">
+                <a:latin typeface="Consolas"/>
+                <a:cs typeface="Consolas"/>
+              </a:rPr>
+              <a:t>www.example.com</a:t>
+            </a:r>
+            <a:endParaRPr lang="en-US" altLang="ja-JP" sz="2400">
+              <a:latin typeface="Consolas"/>
+              <a:cs typeface="Consolas"/>
+            </a:endParaRPr>
+          </a:p>
+          <a:p>
+            <a:r>
+              <a:rPr lang="en-US" altLang="ja-JP" sz="2400">
+                <a:latin typeface="Consolas"/>
+                <a:cs typeface="Consolas"/>
+              </a:rPr>
+              <a:t>User-Agent: Mozilla/5.0 (Windows NT 6.1; WOW64; rv:40.0) Gecko/20100101 Firefox/40.0</a:t>
+            </a:r>
+          </a:p>
+          <a:p>
+            <a:r>
+              <a:rPr lang="en-US" altLang="ja-JP" sz="2400">
+                <a:latin typeface="Consolas"/>
+                <a:cs typeface="Consolas"/>
+              </a:rPr>
+              <a:t>Accept: text/html,application/xhtml+xml,application/xml;q=0.9,*/*;q=0.8</a:t>
+            </a:r>
+          </a:p>
+          <a:p>
+            <a:r>
+              <a:rPr lang="en-US" altLang="ja-JP" sz="2400">
+                <a:latin typeface="Consolas"/>
+                <a:cs typeface="Consolas"/>
+              </a:rPr>
+              <a:t>Accept-Language: ja,en-US;q=0.7,en;q=0.3</a:t>
+            </a:r>
+          </a:p>
+          <a:p>
+            <a:r>
+              <a:rPr lang="en-US" altLang="ja-JP" sz="2400">
+                <a:latin typeface="Consolas"/>
+                <a:cs typeface="Consolas"/>
+              </a:rPr>
+              <a:t>Accept-Encoding: gzip, deflate</a:t>
+            </a:r>
+          </a:p>
+          <a:p>
+            <a:r>
+              <a:rPr lang="en-US" altLang="ja-JP" sz="2400">
+                <a:latin typeface="Consolas"/>
+                <a:cs typeface="Consolas"/>
+              </a:rPr>
+              <a:t>Connection: keep-alive</a:t>
+            </a:r>
+          </a:p>
+          <a:p>
+            <a:r>
+              <a:rPr lang="en-US" altLang="ja-JP" sz="2400">
+                <a:solidFill>
+                  <a:schemeClr val="accent2">
+                    <a:lumMod val="40000"/>
+                    <a:lumOff val="60000"/>
+                  </a:schemeClr>
+                </a:solidFill>
+                <a:latin typeface="Consolas"/>
+                <a:cs typeface="Consolas"/>
+              </a:rPr>
+              <a:t>X-oreore-message: Hannin wa YASU.</a:t>
+            </a:r>
+          </a:p>
+          <a:p>
+            <a:endParaRPr lang="en-US" altLang="ja-JP" sz="2400">
+              <a:latin typeface="Consolas"/>
+              <a:cs typeface="Consolas"/>
+            </a:endParaRPr>
+          </a:p>
+        </p:txBody>
+      </p:sp>
+      <p:cxnSp>
+        <p:nvCxnSpPr>
+          <p:cNvPr id="5" name="直線矢印コネクタ 4"/>
+          <p:cNvCxnSpPr/>
+          <p:nvPr/>
+        </p:nvCxnSpPr>
+        <p:spPr>
+          <a:xfrm flipH="1">
+            <a:off x="5974374" y="4079631"/>
+            <a:ext cx="1340826" cy="338163"/>
+          </a:xfrm>
+          <a:prstGeom prst="straightConnector1">
+            <a:avLst/>
+          </a:prstGeom>
+          <a:ln w="76200" cmpd="sng">
+            <a:solidFill>
+              <a:srgbClr val="FF0000"/>
+            </a:solidFill>
+            <a:tailEnd type="arrow"/>
+          </a:ln>
+        </p:spPr>
+        <p:style>
+          <a:lnRef idx="2">
+            <a:schemeClr val="accent1"/>
+          </a:lnRef>
+          <a:fillRef idx="0">
+            <a:schemeClr val="accent1"/>
+          </a:fillRef>
+          <a:effectRef idx="1">
+            <a:schemeClr val="accent1"/>
+          </a:effectRef>
+          <a:fontRef idx="minor">
+            <a:schemeClr val="tx1"/>
+          </a:fontRef>
+        </p:style>
+      </p:cxnSp>
+    </p:spTree>
+    <p:extLst>
+      <p:ext uri="{BB962C8B-B14F-4D97-AF65-F5344CB8AC3E}">
+        <p14:creationId xmlns:p14="http://schemas.microsoft.com/office/powerpoint/2010/main" xmlns="" val="2304079971"/>
+      </p:ext>
+    </p:extLst>
+  </p:cSld>
+  <p:clrMapOvr>
+    <a:masterClrMapping/>
+  </p:clrMapOvr>
+  <p:timing>
+    <p:tnLst>
+      <p:par>
+        <p:cTn id="1" dur="indefinite" restart="never" nodeType="tmRoot"/>
       </p:par>
     </p:tnLst>
   </p:timing>
@@ -9408,10 +9956,6 @@
           <a:bodyPr/>
           <a:lstStyle/>
           <a:p>
-            <a:r>
-              <a:rPr lang="en-US" altLang="ja-JP" smtClean="0"/>
-              <a:t>sshd shouldn't use 22/tcp?</a:t>
-            </a:r>
             <a:endParaRPr kumimoji="1" lang="ja-JP" altLang="en-US"/>
           </a:p>
         </p:txBody>
@@ -9431,65 +9975,55 @@
           <a:bodyPr/>
           <a:lstStyle/>
           <a:p>
+            <a:endParaRPr kumimoji="1" lang="en-US" altLang="ja-JP" smtClean="0"/>
+          </a:p>
+          <a:p>
+            <a:r>
+              <a:rPr lang="ja-JP" altLang="en-US"/>
+              <a:t>インターネット</a:t>
+            </a:r>
+            <a:r>
+              <a:rPr lang="ja-JP" altLang="en-US" smtClean="0"/>
+              <a:t>のプロトコルには「すき間」がいっぱいあるので、そこに色々突っ込むことができる</a:t>
+            </a:r>
+            <a:endParaRPr lang="en-US" altLang="ja-JP" smtClean="0"/>
+          </a:p>
+          <a:p>
             <a:r>
               <a:rPr kumimoji="1" lang="ja-JP" altLang="en-US" smtClean="0"/>
-              <a:t>変えるべき派</a:t>
+              <a:t>これらのすき間は、悪い人にも使いやすい</a:t>
             </a:r>
             <a:endParaRPr kumimoji="1" lang="en-US" altLang="ja-JP" smtClean="0"/>
           </a:p>
           <a:p>
             <a:pPr lvl="1"/>
             <a:r>
+              <a:rPr lang="ja-JP" altLang="en-US"/>
+              <a:t>秘密</a:t>
+            </a:r>
+            <a:r>
               <a:rPr lang="ja-JP" altLang="en-US" smtClean="0"/>
-              <a:t>攻撃</a:t>
+              <a:t>の</a:t>
             </a:r>
             <a:r>
               <a:rPr lang="ja-JP" altLang="en-US"/>
-              <a:t>されにくい</a:t>
+              <a:t>メッセージ</a:t>
             </a:r>
             <a:r>
               <a:rPr lang="ja-JP" altLang="en-US" smtClean="0"/>
-              <a:t>、攻撃</a:t>
-            </a:r>
-            <a:r>
-              <a:rPr lang="ja-JP" altLang="en-US"/>
-              <a:t>対象として選定</a:t>
-            </a:r>
-            <a:r>
-              <a:rPr lang="ja-JP" altLang="en-US" smtClean="0"/>
-              <a:t>されにくい</a:t>
+              <a:t>を送ったり</a:t>
             </a:r>
             <a:endParaRPr lang="en-US" altLang="ja-JP" smtClean="0"/>
           </a:p>
           <a:p>
             <a:pPr lvl="1"/>
             <a:r>
-              <a:rPr lang="ja-JP" altLang="en-US"/>
-              <a:t>ログ監視などしている際、劇的にアタックログが減るからやった方が</a:t>
-            </a:r>
-            <a:r>
-              <a:rPr lang="ja-JP" altLang="en-US" smtClean="0"/>
-              <a:t>良い</a:t>
-            </a:r>
-            <a:endParaRPr lang="en-US" altLang="ja-JP" smtClean="0"/>
-          </a:p>
-          <a:p>
-            <a:pPr lvl="1"/>
-            <a:r>
-              <a:rPr lang="ja-JP" altLang="en-US"/>
-              <a:t>多くのドキュメントで変えることが推奨されているから変えたほうがいい</a:t>
-            </a:r>
-            <a:r>
-              <a:rPr lang="en-US" altLang="ja-JP"/>
-              <a:t>(</a:t>
-            </a:r>
-            <a:r>
-              <a:rPr lang="ja-JP" altLang="en-US"/>
-              <a:t>消極的派</a:t>
-            </a:r>
-            <a:r>
-              <a:rPr lang="en-US" altLang="ja-JP"/>
-              <a:t>)</a:t>
+              <a:rPr kumimoji="1" lang="ja-JP" altLang="en-US"/>
+              <a:t>悪意</a:t>
+            </a:r>
+            <a:r>
+              <a:rPr kumimoji="1" lang="ja-JP" altLang="en-US" smtClean="0"/>
+              <a:t>のあるコードを突っ込んだり</a:t>
             </a:r>
             <a:endParaRPr kumimoji="1" lang="ja-JP" altLang="en-US"/>
           </a:p>
@@ -9498,7 +10032,7 @@
     </p:spTree>
     <p:extLst>
       <p:ext uri="{BB962C8B-B14F-4D97-AF65-F5344CB8AC3E}">
-        <p14:creationId xmlns:p14="http://schemas.microsoft.com/office/powerpoint/2010/main" val="3575517561"/>
+        <p14:creationId xmlns:p14="http://schemas.microsoft.com/office/powerpoint/2010/main" xmlns="" val="3650125372"/>
       </p:ext>
     </p:extLst>
   </p:cSld>
@@ -9508,7 +10042,7 @@
   <p:timing>
     <p:tnLst>
       <p:par>
-        <p:cTn xmlns:p14="http://schemas.microsoft.com/office/powerpoint/2010/main" id="1" dur="indefinite" restart="never" nodeType="tmRoot"/>
+        <p:cTn id="1" dur="indefinite" restart="never" nodeType="tmRoot"/>
       </p:par>
     </p:tnLst>
   </p:timing>
@@ -9516,272 +10050,6 @@
 </file>
 
 <file path=ppt/slides/slide26.xml><?xml version="1.0" encoding="utf-8"?>
-<p:sld xmlns:a="http://schemas.openxmlformats.org/drawingml/2006/main" xmlns:r="http://schemas.openxmlformats.org/officeDocument/2006/relationships" xmlns:p="http://schemas.openxmlformats.org/presentationml/2006/main">
-  <p:cSld>
-    <p:spTree>
-      <p:nvGrpSpPr>
-        <p:cNvPr id="1" name=""/>
-        <p:cNvGrpSpPr/>
-        <p:nvPr/>
-      </p:nvGrpSpPr>
-      <p:grpSpPr>
-        <a:xfrm>
-          <a:off x="0" y="0"/>
-          <a:ext cx="0" cy="0"/>
-          <a:chOff x="0" y="0"/>
-          <a:chExt cx="0" cy="0"/>
-        </a:xfrm>
-      </p:grpSpPr>
-      <p:sp>
-        <p:nvSpPr>
-          <p:cNvPr id="2" name="タイトル 1"/>
-          <p:cNvSpPr>
-            <a:spLocks noGrp="1"/>
-          </p:cNvSpPr>
-          <p:nvPr>
-            <p:ph type="title"/>
-          </p:nvPr>
-        </p:nvSpPr>
-        <p:spPr/>
-        <p:txBody>
-          <a:bodyPr/>
-          <a:lstStyle/>
-          <a:p>
-            <a:r>
-              <a:rPr lang="en-US" altLang="ja-JP" smtClean="0"/>
-              <a:t>sshd shouldn't use 22/tcp?</a:t>
-            </a:r>
-            <a:endParaRPr kumimoji="1" lang="ja-JP" altLang="en-US"/>
-          </a:p>
-        </p:txBody>
-      </p:sp>
-      <p:sp>
-        <p:nvSpPr>
-          <p:cNvPr id="3" name="コンテンツ プレースホルダー 2"/>
-          <p:cNvSpPr>
-            <a:spLocks noGrp="1"/>
-          </p:cNvSpPr>
-          <p:nvPr>
-            <p:ph idx="1"/>
-          </p:nvPr>
-        </p:nvSpPr>
-        <p:spPr/>
-        <p:txBody>
-          <a:bodyPr/>
-          <a:lstStyle/>
-          <a:p>
-            <a:r>
-              <a:rPr lang="ja-JP" altLang="en-US"/>
-              <a:t>変えても意味ないよ</a:t>
-            </a:r>
-            <a:r>
-              <a:rPr lang="ja-JP" altLang="en-US" smtClean="0"/>
-              <a:t>派</a:t>
-            </a:r>
-            <a:endParaRPr lang="en-US" altLang="ja-JP" smtClean="0"/>
-          </a:p>
-          <a:p>
-            <a:pPr lvl="1"/>
-            <a:r>
-              <a:rPr lang="ja-JP" altLang="en-US"/>
-              <a:t>ポートスキャンすれば一発で</a:t>
-            </a:r>
-            <a:r>
-              <a:rPr lang="en-US" altLang="ja-JP"/>
-              <a:t>ssh</a:t>
-            </a:r>
-            <a:r>
-              <a:rPr lang="ja-JP" altLang="en-US"/>
-              <a:t>のポートは分かるんだからムダだ</a:t>
-            </a:r>
-            <a:r>
-              <a:rPr lang="ja-JP" altLang="en-US" smtClean="0"/>
-              <a:t>よ</a:t>
-            </a:r>
-            <a:endParaRPr lang="en-US" altLang="ja-JP" smtClean="0"/>
-          </a:p>
-          <a:p>
-            <a:pPr lvl="1"/>
-            <a:r>
-              <a:rPr lang="ja-JP" altLang="en-US"/>
-              <a:t>ポートを変えるだけでセキュリティ対策しているつもりになっちゃうからダメだ</a:t>
-            </a:r>
-            <a:r>
-              <a:rPr lang="ja-JP" altLang="en-US" smtClean="0"/>
-              <a:t>よ</a:t>
-            </a:r>
-            <a:r>
-              <a:rPr lang="en-US" altLang="ja-JP" smtClean="0"/>
-              <a:t>(?)</a:t>
-            </a:r>
-            <a:endParaRPr kumimoji="1" lang="ja-JP" altLang="en-US"/>
-          </a:p>
-        </p:txBody>
-      </p:sp>
-    </p:spTree>
-    <p:extLst>
-      <p:ext uri="{BB962C8B-B14F-4D97-AF65-F5344CB8AC3E}">
-        <p14:creationId xmlns:p14="http://schemas.microsoft.com/office/powerpoint/2010/main" val="3571136695"/>
-      </p:ext>
-    </p:extLst>
-  </p:cSld>
-  <p:clrMapOvr>
-    <a:masterClrMapping/>
-  </p:clrMapOvr>
-  <p:timing>
-    <p:tnLst>
-      <p:par>
-        <p:cTn xmlns:p14="http://schemas.microsoft.com/office/powerpoint/2010/main" id="1" dur="indefinite" restart="never" nodeType="tmRoot"/>
-      </p:par>
-    </p:tnLst>
-  </p:timing>
-</p:sld>
-</file>
-
-<file path=ppt/slides/slide27.xml><?xml version="1.0" encoding="utf-8"?>
-<p:sld xmlns:a="http://schemas.openxmlformats.org/drawingml/2006/main" xmlns:r="http://schemas.openxmlformats.org/officeDocument/2006/relationships" xmlns:p="http://schemas.openxmlformats.org/presentationml/2006/main">
-  <p:cSld>
-    <p:spTree>
-      <p:nvGrpSpPr>
-        <p:cNvPr id="1" name=""/>
-        <p:cNvGrpSpPr/>
-        <p:nvPr/>
-      </p:nvGrpSpPr>
-      <p:grpSpPr>
-        <a:xfrm>
-          <a:off x="0" y="0"/>
-          <a:ext cx="0" cy="0"/>
-          <a:chOff x="0" y="0"/>
-          <a:chExt cx="0" cy="0"/>
-        </a:xfrm>
-      </p:grpSpPr>
-      <p:sp>
-        <p:nvSpPr>
-          <p:cNvPr id="2" name="タイトル 1"/>
-          <p:cNvSpPr>
-            <a:spLocks noGrp="1"/>
-          </p:cNvSpPr>
-          <p:nvPr>
-            <p:ph type="title"/>
-          </p:nvPr>
-        </p:nvSpPr>
-        <p:spPr/>
-        <p:txBody>
-          <a:bodyPr/>
-          <a:lstStyle/>
-          <a:p>
-            <a:r>
-              <a:rPr lang="en-US" altLang="ja-JP" smtClean="0"/>
-              <a:t>sshd shouldn't use 22/tcp?</a:t>
-            </a:r>
-            <a:endParaRPr kumimoji="1" lang="ja-JP" altLang="en-US"/>
-          </a:p>
-        </p:txBody>
-      </p:sp>
-      <p:sp>
-        <p:nvSpPr>
-          <p:cNvPr id="3" name="コンテンツ プレースホルダー 2"/>
-          <p:cNvSpPr>
-            <a:spLocks noGrp="1"/>
-          </p:cNvSpPr>
-          <p:nvPr>
-            <p:ph idx="1"/>
-          </p:nvPr>
-        </p:nvSpPr>
-        <p:spPr/>
-        <p:txBody>
-          <a:bodyPr/>
-          <a:lstStyle/>
-          <a:p>
-            <a:r>
-              <a:rPr lang="ja-JP" altLang="en-US"/>
-              <a:t>変えても意味ないよ</a:t>
-            </a:r>
-            <a:r>
-              <a:rPr lang="ja-JP" altLang="en-US" smtClean="0"/>
-              <a:t>派</a:t>
-            </a:r>
-            <a:endParaRPr lang="en-US" altLang="ja-JP" smtClean="0"/>
-          </a:p>
-          <a:p>
-            <a:pPr lvl="1"/>
-            <a:r>
-              <a:rPr lang="ja-JP" altLang="en-US" b="1">
-                <a:solidFill>
-                  <a:srgbClr val="FF0000"/>
-                </a:solidFill>
-              </a:rPr>
-              <a:t>ポートスキャンすれば一発で</a:t>
-            </a:r>
-            <a:r>
-              <a:rPr lang="en-US" altLang="ja-JP" b="1">
-                <a:solidFill>
-                  <a:srgbClr val="FF0000"/>
-                </a:solidFill>
-              </a:rPr>
-              <a:t>ssh</a:t>
-            </a:r>
-            <a:r>
-              <a:rPr lang="ja-JP" altLang="en-US" b="1">
-                <a:solidFill>
-                  <a:srgbClr val="FF0000"/>
-                </a:solidFill>
-              </a:rPr>
-              <a:t>のポートは分かるんだからムダだ</a:t>
-            </a:r>
-            <a:r>
-              <a:rPr lang="ja-JP" altLang="en-US" b="1" smtClean="0">
-                <a:solidFill>
-                  <a:srgbClr val="FF0000"/>
-                </a:solidFill>
-              </a:rPr>
-              <a:t>よ</a:t>
-            </a:r>
-            <a:endParaRPr lang="en-US" altLang="ja-JP" b="1" smtClean="0">
-              <a:solidFill>
-                <a:srgbClr val="FF0000"/>
-              </a:solidFill>
-            </a:endParaRPr>
-          </a:p>
-          <a:p>
-            <a:pPr lvl="1"/>
-            <a:r>
-              <a:rPr lang="ja-JP" altLang="en-US"/>
-              <a:t>ポートを変えるだけでセキュリティ対策しているつもりになっちゃうからダメだ</a:t>
-            </a:r>
-            <a:r>
-              <a:rPr lang="ja-JP" altLang="en-US" smtClean="0"/>
-              <a:t>よ</a:t>
-            </a:r>
-            <a:r>
-              <a:rPr lang="en-US" altLang="ja-JP" smtClean="0"/>
-              <a:t>(?)</a:t>
-            </a:r>
-            <a:endParaRPr kumimoji="1" lang="ja-JP" altLang="en-US"/>
-          </a:p>
-        </p:txBody>
-      </p:sp>
-    </p:spTree>
-    <p:extLst>
-      <p:ext uri="{BB962C8B-B14F-4D97-AF65-F5344CB8AC3E}">
-        <p14:creationId xmlns:p14="http://schemas.microsoft.com/office/powerpoint/2010/main" val="2554317840"/>
-      </p:ext>
-    </p:extLst>
-  </p:cSld>
-  <p:clrMapOvr>
-    <a:masterClrMapping/>
-  </p:clrMapOvr>
-  <p:timing>
-    <p:tnLst>
-      <p:par>
-        <p:cTn xmlns:p14="http://schemas.microsoft.com/office/powerpoint/2010/main" id="1" dur="indefinite" restart="never" nodeType="tmRoot"/>
-      </p:par>
-    </p:tnLst>
-  </p:timing>
-</p:sld>
-</file>
-
-<file path=ppt/slides/slide28.xml><?xml version="1.0" encoding="utf-8"?>
 <p:sld xmlns:a="http://schemas.openxmlformats.org/drawingml/2006/main" xmlns:r="http://schemas.openxmlformats.org/officeDocument/2006/relationships" xmlns:p="http://schemas.openxmlformats.org/presentationml/2006/main">
   <p:cSld>
     <p:spTree>
@@ -9810,7 +10078,7 @@
           <a:blip r:embed="rId2" cstate="print">
             <a:extLst>
               <a:ext uri="{28A0092B-C50C-407E-A947-70E740481C1C}">
-                <a14:useLocalDpi xmlns:a14="http://schemas.microsoft.com/office/drawing/2010/main" val="0"/>
+                <a14:useLocalDpi xmlns:a14="http://schemas.microsoft.com/office/drawing/2010/main" xmlns="" val="0"/>
               </a:ext>
             </a:extLst>
           </a:blip>
@@ -9840,8 +10108,8 @@
         </p:nvSpPr>
         <p:spPr>
           <a:xfrm>
-            <a:off x="679461" y="876843"/>
-            <a:ext cx="7299973" cy="923330"/>
+            <a:off x="1524850" y="963107"/>
+            <a:ext cx="7299973" cy="1754326"/>
           </a:xfrm>
           <a:prstGeom prst="rect">
             <a:avLst/>
@@ -9855,7 +10123,7 @@
           <a:lstStyle/>
           <a:p>
             <a:r>
-              <a:rPr lang="ja-JP" altLang="en-US" sz="5400" smtClean="0">
+              <a:rPr lang="en-US" altLang="ja-JP" sz="5400">
                 <a:ln>
                   <a:solidFill>
                     <a:schemeClr val="bg1">
@@ -9866,21 +10134,7 @@
                 <a:latin typeface="Tahoma" panose="020B0604030504040204" pitchFamily="34" charset="0"/>
                 <a:cs typeface="Tahoma" panose="020B0604030504040204" pitchFamily="34" charset="0"/>
               </a:rPr>
-              <a:t>科学忍法</a:t>
-            </a:r>
-            <a:r>
-              <a:rPr lang="ja-JP" altLang="en-US" sz="5400">
-                <a:ln>
-                  <a:solidFill>
-                    <a:schemeClr val="bg1">
-                      <a:lumMod val="50000"/>
-                    </a:schemeClr>
-                  </a:solidFill>
-                </a:ln>
-                <a:latin typeface="Tahoma" panose="020B0604030504040204" pitchFamily="34" charset="0"/>
-                <a:cs typeface="Tahoma" panose="020B0604030504040204" pitchFamily="34" charset="0"/>
-              </a:rPr>
-              <a:t>・</a:t>
+              <a:t>Religious </a:t>
             </a:r>
             <a:r>
               <a:rPr lang="en-US" altLang="ja-JP" sz="5400" smtClean="0">
@@ -9894,10 +10148,12 @@
                 <a:latin typeface="Tahoma" panose="020B0604030504040204" pitchFamily="34" charset="0"/>
                 <a:cs typeface="Tahoma" panose="020B0604030504040204" pitchFamily="34" charset="0"/>
               </a:rPr>
-              <a:t>ssh</a:t>
-            </a:r>
-            <a:r>
-              <a:rPr lang="ja-JP" altLang="en-US" sz="5400" smtClean="0">
+              <a:t>War:</a:t>
+            </a:r>
+          </a:p>
+          <a:p>
+            <a:r>
+              <a:rPr lang="en-US" altLang="ja-JP" sz="5400">
                 <a:ln>
                   <a:solidFill>
                     <a:schemeClr val="bg1">
@@ -9908,7 +10164,21 @@
                 <a:latin typeface="Tahoma" panose="020B0604030504040204" pitchFamily="34" charset="0"/>
                 <a:cs typeface="Tahoma" panose="020B0604030504040204" pitchFamily="34" charset="0"/>
               </a:rPr>
-              <a:t>分身の術</a:t>
+              <a:t> </a:t>
+            </a:r>
+            <a:r>
+              <a:rPr lang="en-US" altLang="ja-JP" sz="5400" smtClean="0">
+                <a:ln>
+                  <a:solidFill>
+                    <a:schemeClr val="bg1">
+                      <a:lumMod val="50000"/>
+                    </a:schemeClr>
+                  </a:solidFill>
+                </a:ln>
+                <a:latin typeface="Tahoma" panose="020B0604030504040204" pitchFamily="34" charset="0"/>
+                <a:cs typeface="Tahoma" panose="020B0604030504040204" pitchFamily="34" charset="0"/>
+              </a:rPr>
+              <a:t> SSH =&gt; 22/tcp?</a:t>
             </a:r>
             <a:endParaRPr lang="en-US" altLang="ja-JP" sz="5400">
               <a:ln>
@@ -9927,7 +10197,7 @@
     </p:spTree>
     <p:extLst>
       <p:ext uri="{BB962C8B-B14F-4D97-AF65-F5344CB8AC3E}">
-        <p14:creationId xmlns:p14="http://schemas.microsoft.com/office/powerpoint/2010/main" val="2142194488"/>
+        <p14:creationId xmlns:p14="http://schemas.microsoft.com/office/powerpoint/2010/main" xmlns="" val="2122976183"/>
       </p:ext>
     </p:extLst>
   </p:cSld>
@@ -9937,7 +10207,269 @@
   <p:timing>
     <p:tnLst>
       <p:par>
-        <p:cTn xmlns:p14="http://schemas.microsoft.com/office/powerpoint/2010/main" id="1" dur="indefinite" restart="never" nodeType="tmRoot"/>
+        <p:cTn id="1" dur="indefinite" restart="never" nodeType="tmRoot"/>
+      </p:par>
+    </p:tnLst>
+  </p:timing>
+</p:sld>
+</file>
+
+<file path=ppt/slides/slide27.xml><?xml version="1.0" encoding="utf-8"?>
+<p:sld xmlns:a="http://schemas.openxmlformats.org/drawingml/2006/main" xmlns:r="http://schemas.openxmlformats.org/officeDocument/2006/relationships" xmlns:p="http://schemas.openxmlformats.org/presentationml/2006/main">
+  <p:cSld>
+    <p:spTree>
+      <p:nvGrpSpPr>
+        <p:cNvPr id="1" name=""/>
+        <p:cNvGrpSpPr/>
+        <p:nvPr/>
+      </p:nvGrpSpPr>
+      <p:grpSpPr>
+        <a:xfrm>
+          <a:off x="0" y="0"/>
+          <a:ext cx="0" cy="0"/>
+          <a:chOff x="0" y="0"/>
+          <a:chExt cx="0" cy="0"/>
+        </a:xfrm>
+      </p:grpSpPr>
+      <p:sp>
+        <p:nvSpPr>
+          <p:cNvPr id="2" name="タイトル 1"/>
+          <p:cNvSpPr>
+            <a:spLocks noGrp="1"/>
+          </p:cNvSpPr>
+          <p:nvPr>
+            <p:ph type="title"/>
+          </p:nvPr>
+        </p:nvSpPr>
+        <p:spPr/>
+        <p:txBody>
+          <a:bodyPr/>
+          <a:lstStyle/>
+          <a:p>
+            <a:r>
+              <a:rPr lang="en-US" altLang="ja-JP" smtClean="0"/>
+              <a:t>sshd shouldn't use 22/tcp?</a:t>
+            </a:r>
+            <a:endParaRPr kumimoji="1" lang="ja-JP" altLang="en-US"/>
+          </a:p>
+        </p:txBody>
+      </p:sp>
+      <p:sp>
+        <p:nvSpPr>
+          <p:cNvPr id="3" name="コンテンツ プレースホルダー 2"/>
+          <p:cNvSpPr>
+            <a:spLocks noGrp="1"/>
+          </p:cNvSpPr>
+          <p:nvPr>
+            <p:ph idx="1"/>
+          </p:nvPr>
+        </p:nvSpPr>
+        <p:spPr/>
+        <p:txBody>
+          <a:bodyPr/>
+          <a:lstStyle/>
+          <a:p>
+            <a:r>
+              <a:rPr kumimoji="1" lang="ja-JP" altLang="en-US" smtClean="0"/>
+              <a:t>変えるべき派</a:t>
+            </a:r>
+            <a:endParaRPr kumimoji="1" lang="en-US" altLang="ja-JP" smtClean="0"/>
+          </a:p>
+          <a:p>
+            <a:pPr lvl="1"/>
+            <a:r>
+              <a:rPr lang="ja-JP" altLang="en-US" smtClean="0"/>
+              <a:t>攻撃</a:t>
+            </a:r>
+            <a:r>
+              <a:rPr lang="ja-JP" altLang="en-US"/>
+              <a:t>されにくい</a:t>
+            </a:r>
+            <a:r>
+              <a:rPr lang="ja-JP" altLang="en-US" smtClean="0"/>
+              <a:t>、攻撃</a:t>
+            </a:r>
+            <a:r>
+              <a:rPr lang="ja-JP" altLang="en-US"/>
+              <a:t>対象として選定</a:t>
+            </a:r>
+            <a:r>
+              <a:rPr lang="ja-JP" altLang="en-US" smtClean="0"/>
+              <a:t>されにくい</a:t>
+            </a:r>
+            <a:endParaRPr lang="en-US" altLang="ja-JP" smtClean="0"/>
+          </a:p>
+          <a:p>
+            <a:pPr lvl="1"/>
+            <a:r>
+              <a:rPr lang="ja-JP" altLang="en-US"/>
+              <a:t>ログ監視などしている際、劇的にアタックログが減るからやった方が</a:t>
+            </a:r>
+            <a:r>
+              <a:rPr lang="ja-JP" altLang="en-US" smtClean="0"/>
+              <a:t>良い</a:t>
+            </a:r>
+            <a:endParaRPr lang="en-US" altLang="ja-JP" smtClean="0"/>
+          </a:p>
+          <a:p>
+            <a:pPr lvl="1"/>
+            <a:r>
+              <a:rPr lang="ja-JP" altLang="en-US"/>
+              <a:t>多くのドキュメントで変えることが推奨されているから変えたほうがいい</a:t>
+            </a:r>
+            <a:r>
+              <a:rPr lang="en-US" altLang="ja-JP"/>
+              <a:t>(</a:t>
+            </a:r>
+            <a:r>
+              <a:rPr lang="ja-JP" altLang="en-US"/>
+              <a:t>消極的派</a:t>
+            </a:r>
+            <a:r>
+              <a:rPr lang="en-US" altLang="ja-JP"/>
+              <a:t>)</a:t>
+            </a:r>
+            <a:endParaRPr kumimoji="1" lang="ja-JP" altLang="en-US"/>
+          </a:p>
+        </p:txBody>
+      </p:sp>
+    </p:spTree>
+    <p:extLst>
+      <p:ext uri="{BB962C8B-B14F-4D97-AF65-F5344CB8AC3E}">
+        <p14:creationId xmlns:p14="http://schemas.microsoft.com/office/powerpoint/2010/main" xmlns="" val="3575517561"/>
+      </p:ext>
+    </p:extLst>
+  </p:cSld>
+  <p:clrMapOvr>
+    <a:masterClrMapping/>
+  </p:clrMapOvr>
+  <p:timing>
+    <p:tnLst>
+      <p:par>
+        <p:cTn id="1" dur="indefinite" restart="never" nodeType="tmRoot"/>
+      </p:par>
+    </p:tnLst>
+  </p:timing>
+</p:sld>
+</file>
+
+<file path=ppt/slides/slide28.xml><?xml version="1.0" encoding="utf-8"?>
+<p:sld xmlns:a="http://schemas.openxmlformats.org/drawingml/2006/main" xmlns:r="http://schemas.openxmlformats.org/officeDocument/2006/relationships" xmlns:p="http://schemas.openxmlformats.org/presentationml/2006/main">
+  <p:cSld>
+    <p:spTree>
+      <p:nvGrpSpPr>
+        <p:cNvPr id="1" name=""/>
+        <p:cNvGrpSpPr/>
+        <p:nvPr/>
+      </p:nvGrpSpPr>
+      <p:grpSpPr>
+        <a:xfrm>
+          <a:off x="0" y="0"/>
+          <a:ext cx="0" cy="0"/>
+          <a:chOff x="0" y="0"/>
+          <a:chExt cx="0" cy="0"/>
+        </a:xfrm>
+      </p:grpSpPr>
+      <p:sp>
+        <p:nvSpPr>
+          <p:cNvPr id="2" name="タイトル 1"/>
+          <p:cNvSpPr>
+            <a:spLocks noGrp="1"/>
+          </p:cNvSpPr>
+          <p:nvPr>
+            <p:ph type="title"/>
+          </p:nvPr>
+        </p:nvSpPr>
+        <p:spPr/>
+        <p:txBody>
+          <a:bodyPr/>
+          <a:lstStyle/>
+          <a:p>
+            <a:r>
+              <a:rPr lang="en-US" altLang="ja-JP" smtClean="0"/>
+              <a:t>sshd shouldn't use 22/tcp?</a:t>
+            </a:r>
+            <a:endParaRPr kumimoji="1" lang="ja-JP" altLang="en-US"/>
+          </a:p>
+        </p:txBody>
+      </p:sp>
+      <p:sp>
+        <p:nvSpPr>
+          <p:cNvPr id="3" name="コンテンツ プレースホルダー 2"/>
+          <p:cNvSpPr>
+            <a:spLocks noGrp="1"/>
+          </p:cNvSpPr>
+          <p:nvPr>
+            <p:ph idx="1"/>
+          </p:nvPr>
+        </p:nvSpPr>
+        <p:spPr/>
+        <p:txBody>
+          <a:bodyPr/>
+          <a:lstStyle/>
+          <a:p>
+            <a:r>
+              <a:rPr lang="ja-JP" altLang="en-US"/>
+              <a:t>変えても意味ないよ</a:t>
+            </a:r>
+            <a:r>
+              <a:rPr lang="ja-JP" altLang="en-US" smtClean="0"/>
+              <a:t>派</a:t>
+            </a:r>
+            <a:endParaRPr lang="en-US" altLang="ja-JP" smtClean="0"/>
+          </a:p>
+          <a:p>
+            <a:pPr lvl="1"/>
+            <a:r>
+              <a:rPr lang="ja-JP" altLang="en-US"/>
+              <a:t>ポートスキャンすれば一発で</a:t>
+            </a:r>
+            <a:r>
+              <a:rPr lang="en-US" altLang="ja-JP"/>
+              <a:t>ssh</a:t>
+            </a:r>
+            <a:r>
+              <a:rPr lang="ja-JP" altLang="en-US"/>
+              <a:t>のポートは分かるんだからムダだ</a:t>
+            </a:r>
+            <a:r>
+              <a:rPr lang="ja-JP" altLang="en-US" smtClean="0"/>
+              <a:t>よ</a:t>
+            </a:r>
+            <a:endParaRPr lang="en-US" altLang="ja-JP" smtClean="0"/>
+          </a:p>
+          <a:p>
+            <a:pPr lvl="1"/>
+            <a:r>
+              <a:rPr lang="ja-JP" altLang="en-US"/>
+              <a:t>ポートを変えるだけでセキュリティ対策しているつもりになっちゃうからダメだ</a:t>
+            </a:r>
+            <a:r>
+              <a:rPr lang="ja-JP" altLang="en-US" smtClean="0"/>
+              <a:t>よ</a:t>
+            </a:r>
+            <a:r>
+              <a:rPr lang="en-US" altLang="ja-JP" smtClean="0"/>
+              <a:t>(?)</a:t>
+            </a:r>
+            <a:endParaRPr kumimoji="1" lang="ja-JP" altLang="en-US"/>
+          </a:p>
+        </p:txBody>
+      </p:sp>
+    </p:spTree>
+    <p:extLst>
+      <p:ext uri="{BB962C8B-B14F-4D97-AF65-F5344CB8AC3E}">
+        <p14:creationId xmlns:p14="http://schemas.microsoft.com/office/powerpoint/2010/main" xmlns="" val="3571136695"/>
+      </p:ext>
+    </p:extLst>
+  </p:cSld>
+  <p:clrMapOvr>
+    <a:masterClrMapping/>
+  </p:clrMapOvr>
+  <p:timing>
+    <p:tnLst>
+      <p:par>
+        <p:cTn id="1" dur="indefinite" restart="never" nodeType="tmRoot"/>
       </p:par>
     </p:tnLst>
   </p:timing>
@@ -9945,6 +10477,499 @@
 </file>
 
 <file path=ppt/slides/slide29.xml><?xml version="1.0" encoding="utf-8"?>
+<p:sld xmlns:a="http://schemas.openxmlformats.org/drawingml/2006/main" xmlns:r="http://schemas.openxmlformats.org/officeDocument/2006/relationships" xmlns:p="http://schemas.openxmlformats.org/presentationml/2006/main">
+  <p:cSld>
+    <p:spTree>
+      <p:nvGrpSpPr>
+        <p:cNvPr id="1" name=""/>
+        <p:cNvGrpSpPr/>
+        <p:nvPr/>
+      </p:nvGrpSpPr>
+      <p:grpSpPr>
+        <a:xfrm>
+          <a:off x="0" y="0"/>
+          <a:ext cx="0" cy="0"/>
+          <a:chOff x="0" y="0"/>
+          <a:chExt cx="0" cy="0"/>
+        </a:xfrm>
+      </p:grpSpPr>
+      <p:sp>
+        <p:nvSpPr>
+          <p:cNvPr id="2" name="タイトル 1"/>
+          <p:cNvSpPr>
+            <a:spLocks noGrp="1"/>
+          </p:cNvSpPr>
+          <p:nvPr>
+            <p:ph type="title"/>
+          </p:nvPr>
+        </p:nvSpPr>
+        <p:spPr/>
+        <p:txBody>
+          <a:bodyPr/>
+          <a:lstStyle/>
+          <a:p>
+            <a:r>
+              <a:rPr lang="en-US" altLang="ja-JP" smtClean="0"/>
+              <a:t>sshd shouldn't use 22/tcp?</a:t>
+            </a:r>
+            <a:endParaRPr kumimoji="1" lang="ja-JP" altLang="en-US"/>
+          </a:p>
+        </p:txBody>
+      </p:sp>
+      <p:sp>
+        <p:nvSpPr>
+          <p:cNvPr id="3" name="コンテンツ プレースホルダー 2"/>
+          <p:cNvSpPr>
+            <a:spLocks noGrp="1"/>
+          </p:cNvSpPr>
+          <p:nvPr>
+            <p:ph idx="1"/>
+          </p:nvPr>
+        </p:nvSpPr>
+        <p:spPr/>
+        <p:txBody>
+          <a:bodyPr/>
+          <a:lstStyle/>
+          <a:p>
+            <a:r>
+              <a:rPr lang="ja-JP" altLang="en-US"/>
+              <a:t>変えても意味ないよ</a:t>
+            </a:r>
+            <a:r>
+              <a:rPr lang="ja-JP" altLang="en-US" smtClean="0"/>
+              <a:t>派</a:t>
+            </a:r>
+            <a:endParaRPr lang="en-US" altLang="ja-JP" smtClean="0"/>
+          </a:p>
+          <a:p>
+            <a:pPr lvl="1"/>
+            <a:r>
+              <a:rPr lang="ja-JP" altLang="en-US" b="1">
+                <a:solidFill>
+                  <a:srgbClr val="FF0000"/>
+                </a:solidFill>
+              </a:rPr>
+              <a:t>ポートスキャンすれば一発で</a:t>
+            </a:r>
+            <a:r>
+              <a:rPr lang="en-US" altLang="ja-JP" b="1">
+                <a:solidFill>
+                  <a:srgbClr val="FF0000"/>
+                </a:solidFill>
+              </a:rPr>
+              <a:t>ssh</a:t>
+            </a:r>
+            <a:r>
+              <a:rPr lang="ja-JP" altLang="en-US" b="1">
+                <a:solidFill>
+                  <a:srgbClr val="FF0000"/>
+                </a:solidFill>
+              </a:rPr>
+              <a:t>のポートは分かるんだからムダだ</a:t>
+            </a:r>
+            <a:r>
+              <a:rPr lang="ja-JP" altLang="en-US" b="1" smtClean="0">
+                <a:solidFill>
+                  <a:srgbClr val="FF0000"/>
+                </a:solidFill>
+              </a:rPr>
+              <a:t>よ</a:t>
+            </a:r>
+            <a:endParaRPr lang="en-US" altLang="ja-JP" b="1" smtClean="0">
+              <a:solidFill>
+                <a:srgbClr val="FF0000"/>
+              </a:solidFill>
+            </a:endParaRPr>
+          </a:p>
+          <a:p>
+            <a:pPr lvl="1"/>
+            <a:r>
+              <a:rPr lang="ja-JP" altLang="en-US"/>
+              <a:t>ポートを変えるだけでセキュリティ対策しているつもりになっちゃうからダメだ</a:t>
+            </a:r>
+            <a:r>
+              <a:rPr lang="ja-JP" altLang="en-US" smtClean="0"/>
+              <a:t>よ</a:t>
+            </a:r>
+            <a:r>
+              <a:rPr lang="en-US" altLang="ja-JP" smtClean="0"/>
+              <a:t>(?)</a:t>
+            </a:r>
+            <a:endParaRPr kumimoji="1" lang="ja-JP" altLang="en-US"/>
+          </a:p>
+        </p:txBody>
+      </p:sp>
+    </p:spTree>
+    <p:extLst>
+      <p:ext uri="{BB962C8B-B14F-4D97-AF65-F5344CB8AC3E}">
+        <p14:creationId xmlns:p14="http://schemas.microsoft.com/office/powerpoint/2010/main" xmlns="" val="2554317840"/>
+      </p:ext>
+    </p:extLst>
+  </p:cSld>
+  <p:clrMapOvr>
+    <a:masterClrMapping/>
+  </p:clrMapOvr>
+  <p:timing>
+    <p:tnLst>
+      <p:par>
+        <p:cTn id="1" dur="indefinite" restart="never" nodeType="tmRoot"/>
+      </p:par>
+    </p:tnLst>
+  </p:timing>
+</p:sld>
+</file>
+
+<file path=ppt/slides/slide3.xml><?xml version="1.0" encoding="utf-8"?>
+<p:sld xmlns:a="http://schemas.openxmlformats.org/drawingml/2006/main" xmlns:r="http://schemas.openxmlformats.org/officeDocument/2006/relationships" xmlns:p="http://schemas.openxmlformats.org/presentationml/2006/main">
+  <p:cSld>
+    <p:spTree>
+      <p:nvGrpSpPr>
+        <p:cNvPr id="1" name=""/>
+        <p:cNvGrpSpPr/>
+        <p:nvPr/>
+      </p:nvGrpSpPr>
+      <p:grpSpPr>
+        <a:xfrm>
+          <a:off x="0" y="0"/>
+          <a:ext cx="0" cy="0"/>
+          <a:chOff x="0" y="0"/>
+          <a:chExt cx="0" cy="0"/>
+        </a:xfrm>
+      </p:grpSpPr>
+      <p:sp>
+        <p:nvSpPr>
+          <p:cNvPr id="2" name="タイトル 1"/>
+          <p:cNvSpPr>
+            <a:spLocks noGrp="1"/>
+          </p:cNvSpPr>
+          <p:nvPr>
+            <p:ph type="title"/>
+          </p:nvPr>
+        </p:nvSpPr>
+        <p:spPr>
+          <a:xfrm>
+            <a:off x="628650" y="365127"/>
+            <a:ext cx="7886700" cy="777874"/>
+          </a:xfrm>
+        </p:spPr>
+        <p:txBody>
+          <a:bodyPr/>
+          <a:lstStyle/>
+          <a:p>
+            <a:r>
+              <a:rPr kumimoji="1" lang="en-US" altLang="ja-JP" smtClean="0"/>
+              <a:t>Agenda.</a:t>
+            </a:r>
+            <a:endParaRPr kumimoji="1" lang="ja-JP" altLang="en-US"/>
+          </a:p>
+        </p:txBody>
+      </p:sp>
+      <p:sp>
+        <p:nvSpPr>
+          <p:cNvPr id="3" name="コンテンツ プレースホルダー 2"/>
+          <p:cNvSpPr>
+            <a:spLocks noGrp="1"/>
+          </p:cNvSpPr>
+          <p:nvPr>
+            <p:ph idx="1"/>
+          </p:nvPr>
+        </p:nvSpPr>
+        <p:spPr>
+          <a:xfrm>
+            <a:off x="330200" y="1495424"/>
+            <a:ext cx="8483600" cy="4994275"/>
+          </a:xfrm>
+        </p:spPr>
+        <p:txBody>
+          <a:bodyPr>
+            <a:noAutofit/>
+          </a:bodyPr>
+          <a:lstStyle/>
+          <a:p>
+            <a:r>
+              <a:rPr kumimoji="1" lang="ja-JP" altLang="en-US" sz="3000" b="1" smtClean="0">
+                <a:solidFill>
+                  <a:schemeClr val="accent5">
+                    <a:lumMod val="75000"/>
+                  </a:schemeClr>
+                </a:solidFill>
+              </a:rPr>
+              <a:t>攻撃者視点：</a:t>
+            </a:r>
+            <a:r>
+              <a:rPr kumimoji="1" lang="ja-JP" altLang="en-US" sz="3000" smtClean="0"/>
+              <a:t>攻撃を「隠す」</a:t>
+            </a:r>
+            <a:endParaRPr kumimoji="1" lang="en-US" altLang="ja-JP" sz="3000" smtClean="0"/>
+          </a:p>
+          <a:p>
+            <a:pPr lvl="1"/>
+            <a:r>
+              <a:rPr lang="ja-JP" altLang="en-US" sz="3000" smtClean="0"/>
+              <a:t>ポートスキャン</a:t>
+            </a:r>
+            <a:r>
+              <a:rPr lang="en-US" altLang="ja-JP" sz="3000" smtClean="0"/>
+              <a:t>(nmap)</a:t>
+            </a:r>
+            <a:r>
+              <a:rPr lang="ja-JP" altLang="en-US" sz="3000" smtClean="0"/>
+              <a:t>を</a:t>
+            </a:r>
+            <a:r>
+              <a:rPr lang="ja-JP" altLang="en-US" sz="3000"/>
+              <a:t>気づかれないように実行</a:t>
+            </a:r>
+            <a:r>
+              <a:rPr lang="ja-JP" altLang="en-US" sz="3000" smtClean="0"/>
+              <a:t>する</a:t>
+            </a:r>
+            <a:endParaRPr lang="en-US" altLang="ja-JP" sz="3000" smtClean="0"/>
+          </a:p>
+          <a:p>
+            <a:pPr lvl="1"/>
+            <a:r>
+              <a:rPr lang="ja-JP" altLang="en-US" sz="3000" smtClean="0"/>
+              <a:t>セキュリティポリシをかいくぐって通信する</a:t>
+            </a:r>
+            <a:r>
+              <a:rPr lang="ja-JP" altLang="en-US" sz="3000" smtClean="0"/>
+              <a:t>に</a:t>
+            </a:r>
+            <a:r>
+              <a:rPr lang="ja-JP" altLang="en-US" sz="3000" smtClean="0"/>
+              <a:t>は</a:t>
+            </a:r>
+            <a:endParaRPr lang="en-US" altLang="ja-JP" sz="3000" smtClean="0"/>
+          </a:p>
+          <a:p>
+            <a:endParaRPr kumimoji="1" lang="en-US" altLang="ja-JP" sz="3000" b="1" smtClean="0">
+              <a:solidFill>
+                <a:schemeClr val="accent5">
+                  <a:lumMod val="75000"/>
+                </a:schemeClr>
+              </a:solidFill>
+            </a:endParaRPr>
+          </a:p>
+          <a:p>
+            <a:r>
+              <a:rPr kumimoji="1" lang="ja-JP" altLang="en-US" sz="3000" b="1" smtClean="0">
+                <a:solidFill>
+                  <a:schemeClr val="accent5">
+                    <a:lumMod val="75000"/>
+                  </a:schemeClr>
+                </a:solidFill>
+              </a:rPr>
+              <a:t>防御側視点：</a:t>
+            </a:r>
+            <a:r>
+              <a:rPr kumimoji="1" lang="ja-JP" altLang="en-US" sz="3000" smtClean="0"/>
+              <a:t>攻撃から「隠れる」</a:t>
+            </a:r>
+            <a:endParaRPr kumimoji="1" lang="en-US" altLang="ja-JP" sz="3000" smtClean="0"/>
+          </a:p>
+          <a:p>
+            <a:pPr lvl="1"/>
+            <a:r>
+              <a:rPr lang="ja-JP" altLang="en-US" sz="3000" smtClean="0"/>
+              <a:t>科学忍法・</a:t>
+            </a:r>
+            <a:r>
+              <a:rPr lang="en-US" altLang="ja-JP" sz="3000" smtClean="0"/>
+              <a:t>ssh</a:t>
+            </a:r>
+            <a:r>
+              <a:rPr lang="ja-JP" altLang="en-US" sz="3000" smtClean="0"/>
+              <a:t>分身の術</a:t>
+            </a:r>
+            <a:endParaRPr lang="en-US" altLang="ja-JP" sz="3000" smtClean="0"/>
+          </a:p>
+        </p:txBody>
+      </p:sp>
+    </p:spTree>
+    <p:extLst>
+      <p:ext uri="{BB962C8B-B14F-4D97-AF65-F5344CB8AC3E}">
+        <p14:creationId xmlns:p14="http://schemas.microsoft.com/office/powerpoint/2010/main" xmlns="" val="2790500367"/>
+      </p:ext>
+    </p:extLst>
+  </p:cSld>
+  <p:clrMapOvr>
+    <a:masterClrMapping/>
+  </p:clrMapOvr>
+  <p:timing>
+    <p:tnLst>
+      <p:par>
+        <p:cTn id="1" dur="indefinite" restart="never" nodeType="tmRoot"/>
+      </p:par>
+    </p:tnLst>
+  </p:timing>
+</p:sld>
+</file>
+
+<file path=ppt/slides/slide30.xml><?xml version="1.0" encoding="utf-8"?>
+<p:sld xmlns:a="http://schemas.openxmlformats.org/drawingml/2006/main" xmlns:r="http://schemas.openxmlformats.org/officeDocument/2006/relationships" xmlns:p="http://schemas.openxmlformats.org/presentationml/2006/main">
+  <p:cSld>
+    <p:spTree>
+      <p:nvGrpSpPr>
+        <p:cNvPr id="1" name=""/>
+        <p:cNvGrpSpPr/>
+        <p:nvPr/>
+      </p:nvGrpSpPr>
+      <p:grpSpPr>
+        <a:xfrm>
+          <a:off x="0" y="0"/>
+          <a:ext cx="0" cy="0"/>
+          <a:chOff x="0" y="0"/>
+          <a:chExt cx="0" cy="0"/>
+        </a:xfrm>
+      </p:grpSpPr>
+      <p:pic>
+        <p:nvPicPr>
+          <p:cNvPr id="4" name="図 3"/>
+          <p:cNvPicPr>
+            <a:picLocks noChangeAspect="1"/>
+          </p:cNvPicPr>
+          <p:nvPr/>
+        </p:nvPicPr>
+        <p:blipFill rotWithShape="1">
+          <a:blip r:embed="rId2" cstate="print">
+            <a:extLst>
+              <a:ext uri="{28A0092B-C50C-407E-A947-70E740481C1C}">
+                <a14:useLocalDpi xmlns:a14="http://schemas.microsoft.com/office/drawing/2010/main" xmlns="" val="0"/>
+              </a:ext>
+            </a:extLst>
+          </a:blip>
+          <a:srcRect/>
+          <a:stretch/>
+        </p:blipFill>
+        <p:spPr>
+          <a:xfrm>
+            <a:off x="11575" y="-115747"/>
+            <a:ext cx="9306046" cy="7106856"/>
+          </a:xfrm>
+          <a:prstGeom prst="rect">
+            <a:avLst/>
+          </a:prstGeom>
+          <a:effectLst>
+            <a:outerShdw blurRad="50800" dist="50800" dir="5400000" algn="ctr" rotWithShape="0">
+              <a:srgbClr val="000000"/>
+            </a:outerShdw>
+          </a:effectLst>
+        </p:spPr>
+      </p:pic>
+      <p:sp>
+        <p:nvSpPr>
+          <p:cNvPr id="5" name="テキスト ボックス 4"/>
+          <p:cNvSpPr txBox="1"/>
+          <p:nvPr/>
+        </p:nvSpPr>
+        <p:spPr>
+          <a:xfrm>
+            <a:off x="679461" y="876843"/>
+            <a:ext cx="7299973" cy="923330"/>
+          </a:xfrm>
+          <a:prstGeom prst="rect">
+            <a:avLst/>
+          </a:prstGeom>
+          <a:noFill/>
+        </p:spPr>
+        <p:txBody>
+          <a:bodyPr wrap="square" rtlCol="0">
+            <a:spAutoFit/>
+          </a:bodyPr>
+          <a:lstStyle/>
+          <a:p>
+            <a:r>
+              <a:rPr lang="ja-JP" altLang="en-US" sz="5400" smtClean="0">
+                <a:ln>
+                  <a:solidFill>
+                    <a:schemeClr val="bg1">
+                      <a:lumMod val="50000"/>
+                    </a:schemeClr>
+                  </a:solidFill>
+                </a:ln>
+                <a:latin typeface="Tahoma" panose="020B0604030504040204" pitchFamily="34" charset="0"/>
+                <a:cs typeface="Tahoma" panose="020B0604030504040204" pitchFamily="34" charset="0"/>
+              </a:rPr>
+              <a:t>科学忍法</a:t>
+            </a:r>
+            <a:r>
+              <a:rPr lang="ja-JP" altLang="en-US" sz="5400">
+                <a:ln>
+                  <a:solidFill>
+                    <a:schemeClr val="bg1">
+                      <a:lumMod val="50000"/>
+                    </a:schemeClr>
+                  </a:solidFill>
+                </a:ln>
+                <a:latin typeface="Tahoma" panose="020B0604030504040204" pitchFamily="34" charset="0"/>
+                <a:cs typeface="Tahoma" panose="020B0604030504040204" pitchFamily="34" charset="0"/>
+              </a:rPr>
+              <a:t>・</a:t>
+            </a:r>
+            <a:r>
+              <a:rPr lang="en-US" altLang="ja-JP" sz="5400" smtClean="0">
+                <a:ln>
+                  <a:solidFill>
+                    <a:schemeClr val="bg1">
+                      <a:lumMod val="50000"/>
+                    </a:schemeClr>
+                  </a:solidFill>
+                </a:ln>
+                <a:latin typeface="Tahoma" panose="020B0604030504040204" pitchFamily="34" charset="0"/>
+                <a:cs typeface="Tahoma" panose="020B0604030504040204" pitchFamily="34" charset="0"/>
+              </a:rPr>
+              <a:t>ssh</a:t>
+            </a:r>
+            <a:r>
+              <a:rPr lang="ja-JP" altLang="en-US" sz="5400" smtClean="0">
+                <a:ln>
+                  <a:solidFill>
+                    <a:schemeClr val="bg1">
+                      <a:lumMod val="50000"/>
+                    </a:schemeClr>
+                  </a:solidFill>
+                </a:ln>
+                <a:latin typeface="Tahoma" panose="020B0604030504040204" pitchFamily="34" charset="0"/>
+                <a:cs typeface="Tahoma" panose="020B0604030504040204" pitchFamily="34" charset="0"/>
+              </a:rPr>
+              <a:t>分身の術</a:t>
+            </a:r>
+            <a:endParaRPr lang="en-US" altLang="ja-JP" sz="5400">
+              <a:ln>
+                <a:solidFill>
+                  <a:schemeClr val="bg1">
+                    <a:lumMod val="50000"/>
+                  </a:schemeClr>
+                </a:solidFill>
+              </a:ln>
+              <a:latin typeface="Tahoma" panose="020B0604030504040204" pitchFamily="34" charset="0"/>
+              <a:cs typeface="Tahoma" panose="020B0604030504040204" pitchFamily="34" charset="0"/>
+            </a:endParaRPr>
+          </a:p>
+        </p:txBody>
+      </p:sp>
+    </p:spTree>
+    <p:extLst>
+      <p:ext uri="{BB962C8B-B14F-4D97-AF65-F5344CB8AC3E}">
+        <p14:creationId xmlns:p14="http://schemas.microsoft.com/office/powerpoint/2010/main" xmlns="" val="2142194488"/>
+      </p:ext>
+    </p:extLst>
+  </p:cSld>
+  <p:clrMapOvr>
+    <a:masterClrMapping/>
+  </p:clrMapOvr>
+  <p:timing>
+    <p:tnLst>
+      <p:par>
+        <p:cTn id="1" dur="indefinite" restart="never" nodeType="tmRoot"/>
+      </p:par>
+    </p:tnLst>
+  </p:timing>
+</p:sld>
+</file>
+
+<file path=ppt/slides/slide31.xml><?xml version="1.0" encoding="utf-8"?>
 <p:sld xmlns:a="http://schemas.openxmlformats.org/drawingml/2006/main" xmlns:r="http://schemas.openxmlformats.org/officeDocument/2006/relationships" xmlns:p="http://schemas.openxmlformats.org/presentationml/2006/main">
   <p:cSld>
     <p:spTree>
@@ -10062,7 +11087,7 @@
     </p:spTree>
     <p:extLst>
       <p:ext uri="{BB962C8B-B14F-4D97-AF65-F5344CB8AC3E}">
-        <p14:creationId xmlns:p14="http://schemas.microsoft.com/office/powerpoint/2010/main" val="3529535026"/>
+        <p14:creationId xmlns:p14="http://schemas.microsoft.com/office/powerpoint/2010/main" xmlns="" val="3529535026"/>
       </p:ext>
     </p:extLst>
   </p:cSld>
@@ -10072,197 +11097,14 @@
   <p:timing>
     <p:tnLst>
       <p:par>
-        <p:cTn xmlns:p14="http://schemas.microsoft.com/office/powerpoint/2010/main" id="1" dur="indefinite" restart="never" nodeType="tmRoot"/>
+        <p:cTn id="1" dur="indefinite" restart="never" nodeType="tmRoot"/>
       </p:par>
     </p:tnLst>
   </p:timing>
 </p:sld>
 </file>
 
-<file path=ppt/slides/slide3.xml><?xml version="1.0" encoding="utf-8"?>
-<p:sld xmlns:a="http://schemas.openxmlformats.org/drawingml/2006/main" xmlns:r="http://schemas.openxmlformats.org/officeDocument/2006/relationships" xmlns:p="http://schemas.openxmlformats.org/presentationml/2006/main">
-  <p:cSld>
-    <p:spTree>
-      <p:nvGrpSpPr>
-        <p:cNvPr id="1" name=""/>
-        <p:cNvGrpSpPr/>
-        <p:nvPr/>
-      </p:nvGrpSpPr>
-      <p:grpSpPr>
-        <a:xfrm>
-          <a:off x="0" y="0"/>
-          <a:ext cx="0" cy="0"/>
-          <a:chOff x="0" y="0"/>
-          <a:chExt cx="0" cy="0"/>
-        </a:xfrm>
-      </p:grpSpPr>
-      <p:sp>
-        <p:nvSpPr>
-          <p:cNvPr id="2" name="タイトル 1"/>
-          <p:cNvSpPr>
-            <a:spLocks noGrp="1"/>
-          </p:cNvSpPr>
-          <p:nvPr>
-            <p:ph type="title"/>
-          </p:nvPr>
-        </p:nvSpPr>
-        <p:spPr>
-          <a:xfrm>
-            <a:off x="628650" y="365127"/>
-            <a:ext cx="7886700" cy="777874"/>
-          </a:xfrm>
-        </p:spPr>
-        <p:txBody>
-          <a:bodyPr/>
-          <a:lstStyle/>
-          <a:p>
-            <a:r>
-              <a:rPr kumimoji="1" lang="en-US" altLang="ja-JP" smtClean="0"/>
-              <a:t>Agenda.</a:t>
-            </a:r>
-            <a:endParaRPr kumimoji="1" lang="ja-JP" altLang="en-US"/>
-          </a:p>
-        </p:txBody>
-      </p:sp>
-      <p:sp>
-        <p:nvSpPr>
-          <p:cNvPr id="3" name="コンテンツ プレースホルダー 2"/>
-          <p:cNvSpPr>
-            <a:spLocks noGrp="1"/>
-          </p:cNvSpPr>
-          <p:nvPr>
-            <p:ph idx="1"/>
-          </p:nvPr>
-        </p:nvSpPr>
-        <p:spPr>
-          <a:xfrm>
-            <a:off x="330200" y="1495424"/>
-            <a:ext cx="8483600" cy="4994275"/>
-          </a:xfrm>
-        </p:spPr>
-        <p:txBody>
-          <a:bodyPr>
-            <a:noAutofit/>
-          </a:bodyPr>
-          <a:lstStyle/>
-          <a:p>
-            <a:r>
-              <a:rPr kumimoji="1" lang="ja-JP" altLang="en-US" sz="3000" b="1" smtClean="0">
-                <a:solidFill>
-                  <a:schemeClr val="accent5">
-                    <a:lumMod val="75000"/>
-                  </a:schemeClr>
-                </a:solidFill>
-              </a:rPr>
-              <a:t>攻撃者視点：</a:t>
-            </a:r>
-            <a:r>
-              <a:rPr kumimoji="1" lang="ja-JP" altLang="en-US" sz="3000" smtClean="0"/>
-              <a:t>攻撃を「隠す」</a:t>
-            </a:r>
-            <a:endParaRPr kumimoji="1" lang="en-US" altLang="ja-JP" sz="3000" smtClean="0"/>
-          </a:p>
-          <a:p>
-            <a:pPr lvl="1"/>
-            <a:r>
-              <a:rPr lang="ja-JP" altLang="en-US" sz="3000"/>
-              <a:t>セキュリティポリシをかいくぐって通信</a:t>
-            </a:r>
-            <a:r>
-              <a:rPr lang="ja-JP" altLang="en-US" sz="3000" smtClean="0"/>
-              <a:t>するには</a:t>
-            </a:r>
-            <a:endParaRPr lang="en-US" altLang="ja-JP" sz="3000"/>
-          </a:p>
-          <a:p>
-            <a:pPr lvl="1"/>
-            <a:r>
-              <a:rPr lang="ja-JP" altLang="en-US" sz="3000" smtClean="0"/>
-              <a:t>ポートスキャン</a:t>
-            </a:r>
-            <a:r>
-              <a:rPr lang="en-US" altLang="ja-JP" sz="3000" smtClean="0"/>
-              <a:t>(nmap)</a:t>
-            </a:r>
-            <a:r>
-              <a:rPr lang="ja-JP" altLang="en-US" sz="3000" smtClean="0"/>
-              <a:t>を</a:t>
-            </a:r>
-            <a:r>
-              <a:rPr lang="ja-JP" altLang="en-US" sz="3000"/>
-              <a:t>気づかれないように実行</a:t>
-            </a:r>
-            <a:r>
-              <a:rPr lang="ja-JP" altLang="en-US" sz="3000" smtClean="0"/>
-              <a:t>する</a:t>
-            </a:r>
-            <a:endParaRPr lang="en-US" altLang="ja-JP" sz="3000" smtClean="0"/>
-          </a:p>
-          <a:p>
-            <a:endParaRPr kumimoji="1" lang="en-US" altLang="ja-JP" sz="3000" b="1" smtClean="0">
-              <a:solidFill>
-                <a:schemeClr val="accent5">
-                  <a:lumMod val="75000"/>
-                </a:schemeClr>
-              </a:solidFill>
-            </a:endParaRPr>
-          </a:p>
-          <a:p>
-            <a:r>
-              <a:rPr kumimoji="1" lang="ja-JP" altLang="en-US" sz="3000" b="1" smtClean="0">
-                <a:solidFill>
-                  <a:schemeClr val="accent5">
-                    <a:lumMod val="75000"/>
-                  </a:schemeClr>
-                </a:solidFill>
-              </a:rPr>
-              <a:t>防御側視点：</a:t>
-            </a:r>
-            <a:r>
-              <a:rPr kumimoji="1" lang="ja-JP" altLang="en-US" sz="3000" smtClean="0"/>
-              <a:t>攻撃から「隠れる」</a:t>
-            </a:r>
-            <a:endParaRPr kumimoji="1" lang="en-US" altLang="ja-JP" sz="3000" smtClean="0"/>
-          </a:p>
-          <a:p>
-            <a:pPr lvl="1"/>
-            <a:r>
-              <a:rPr lang="ja-JP" altLang="en-US" sz="3000" smtClean="0"/>
-              <a:t>科学忍法・</a:t>
-            </a:r>
-            <a:r>
-              <a:rPr lang="en-US" altLang="ja-JP" sz="3000" smtClean="0"/>
-              <a:t>ssh</a:t>
-            </a:r>
-            <a:r>
-              <a:rPr lang="ja-JP" altLang="en-US" sz="3000" smtClean="0"/>
-              <a:t>分身の術</a:t>
-            </a:r>
-            <a:endParaRPr lang="en-US" altLang="ja-JP" sz="3000" smtClean="0"/>
-          </a:p>
-        </p:txBody>
-      </p:sp>
-    </p:spTree>
-    <p:extLst>
-      <p:ext uri="{BB962C8B-B14F-4D97-AF65-F5344CB8AC3E}">
-        <p14:creationId xmlns:p14="http://schemas.microsoft.com/office/powerpoint/2010/main" val="2790500367"/>
-      </p:ext>
-    </p:extLst>
-  </p:cSld>
-  <p:clrMapOvr>
-    <a:masterClrMapping/>
-  </p:clrMapOvr>
-  <p:timing>
-    <p:tnLst>
-      <p:par>
-        <p:cTn xmlns:p14="http://schemas.microsoft.com/office/powerpoint/2010/main" id="1" dur="indefinite" restart="never" nodeType="tmRoot"/>
-      </p:par>
-    </p:tnLst>
-  </p:timing>
-</p:sld>
-</file>
-
-<file path=ppt/slides/slide30.xml><?xml version="1.0" encoding="utf-8"?>
+<file path=ppt/slides/slide32.xml><?xml version="1.0" encoding="utf-8"?>
 <p:sld xmlns:a="http://schemas.openxmlformats.org/drawingml/2006/main" xmlns:r="http://schemas.openxmlformats.org/officeDocument/2006/relationships" xmlns:p="http://schemas.openxmlformats.org/presentationml/2006/main">
   <p:cSld>
     <p:spTree>
@@ -10601,7 +11443,7 @@
     </p:spTree>
     <p:extLst>
       <p:ext uri="{BB962C8B-B14F-4D97-AF65-F5344CB8AC3E}">
-        <p14:creationId xmlns:p14="http://schemas.microsoft.com/office/powerpoint/2010/main" val="2991684915"/>
+        <p14:creationId xmlns:p14="http://schemas.microsoft.com/office/powerpoint/2010/main" xmlns="" val="2991684915"/>
       </p:ext>
     </p:extLst>
   </p:cSld>
@@ -10611,14 +11453,14 @@
   <p:timing>
     <p:tnLst>
       <p:par>
-        <p:cTn xmlns:p14="http://schemas.microsoft.com/office/powerpoint/2010/main" id="1" dur="indefinite" restart="never" nodeType="tmRoot"/>
+        <p:cTn id="1" dur="indefinite" restart="never" nodeType="tmRoot"/>
       </p:par>
     </p:tnLst>
   </p:timing>
 </p:sld>
 </file>
 
-<file path=ppt/slides/slide31.xml><?xml version="1.0" encoding="utf-8"?>
+<file path=ppt/slides/slide33.xml><?xml version="1.0" encoding="utf-8"?>
 <p:sld xmlns:a="http://schemas.openxmlformats.org/drawingml/2006/main" xmlns:r="http://schemas.openxmlformats.org/officeDocument/2006/relationships" xmlns:p="http://schemas.openxmlformats.org/presentationml/2006/main">
   <p:cSld>
     <p:spTree>
@@ -10963,7 +11805,7 @@
           <p:nvPr/>
         </p:nvPicPr>
         <p:blipFill>
-          <a:blip r:embed="rId2"/>
+          <a:blip r:embed="rId2" cstate="print"/>
           <a:stretch>
             <a:fillRect/>
           </a:stretch>
@@ -10981,7 +11823,7 @@
     </p:spTree>
     <p:extLst>
       <p:ext uri="{BB962C8B-B14F-4D97-AF65-F5344CB8AC3E}">
-        <p14:creationId xmlns:p14="http://schemas.microsoft.com/office/powerpoint/2010/main" val="311579348"/>
+        <p14:creationId xmlns:p14="http://schemas.microsoft.com/office/powerpoint/2010/main" xmlns="" val="311579348"/>
       </p:ext>
     </p:extLst>
   </p:cSld>
@@ -10991,14 +11833,14 @@
   <p:timing>
     <p:tnLst>
       <p:par>
-        <p:cTn xmlns:p14="http://schemas.microsoft.com/office/powerpoint/2010/main" id="1" dur="indefinite" restart="never" nodeType="tmRoot"/>
+        <p:cTn id="1" dur="indefinite" restart="never" nodeType="tmRoot"/>
       </p:par>
     </p:tnLst>
   </p:timing>
 </p:sld>
 </file>
 
-<file path=ppt/slides/slide32.xml><?xml version="1.0" encoding="utf-8"?>
+<file path=ppt/slides/slide34.xml><?xml version="1.0" encoding="utf-8"?>
 <p:sld xmlns:a="http://schemas.openxmlformats.org/drawingml/2006/main" xmlns:r="http://schemas.openxmlformats.org/officeDocument/2006/relationships" xmlns:p="http://schemas.openxmlformats.org/presentationml/2006/main">
   <p:cSld>
     <p:spTree>
@@ -11085,7 +11927,7 @@
           <p:nvPr/>
         </p:nvPicPr>
         <p:blipFill>
-          <a:blip r:embed="rId2"/>
+          <a:blip r:embed="rId2" cstate="print"/>
           <a:stretch>
             <a:fillRect/>
           </a:stretch>
@@ -11103,7 +11945,7 @@
     </p:spTree>
     <p:extLst>
       <p:ext uri="{BB962C8B-B14F-4D97-AF65-F5344CB8AC3E}">
-        <p14:creationId xmlns:p14="http://schemas.microsoft.com/office/powerpoint/2010/main" val="2399038984"/>
+        <p14:creationId xmlns:p14="http://schemas.microsoft.com/office/powerpoint/2010/main" xmlns="" val="2399038984"/>
       </p:ext>
     </p:extLst>
   </p:cSld>
@@ -11113,14 +11955,14 @@
   <p:timing>
     <p:tnLst>
       <p:par>
-        <p:cTn xmlns:p14="http://schemas.microsoft.com/office/powerpoint/2010/main" id="1" dur="indefinite" restart="never" nodeType="tmRoot"/>
+        <p:cTn id="1" dur="indefinite" restart="never" nodeType="tmRoot"/>
       </p:par>
     </p:tnLst>
   </p:timing>
 </p:sld>
 </file>
 
-<file path=ppt/slides/slide33.xml><?xml version="1.0" encoding="utf-8"?>
+<file path=ppt/slides/slide35.xml><?xml version="1.0" encoding="utf-8"?>
 <p:sld xmlns:a="http://schemas.openxmlformats.org/drawingml/2006/main" xmlns:r="http://schemas.openxmlformats.org/officeDocument/2006/relationships" xmlns:p="http://schemas.openxmlformats.org/presentationml/2006/main">
   <p:cSld>
     <p:spTree>
@@ -11243,7 +12085,7 @@
     </p:spTree>
     <p:extLst>
       <p:ext uri="{BB962C8B-B14F-4D97-AF65-F5344CB8AC3E}">
-        <p14:creationId xmlns:p14="http://schemas.microsoft.com/office/powerpoint/2010/main" val="4014586209"/>
+        <p14:creationId xmlns:p14="http://schemas.microsoft.com/office/powerpoint/2010/main" xmlns="" val="4014586209"/>
       </p:ext>
     </p:extLst>
   </p:cSld>
@@ -11253,14 +12095,14 @@
   <p:timing>
     <p:tnLst>
       <p:par>
-        <p:cTn xmlns:p14="http://schemas.microsoft.com/office/powerpoint/2010/main" id="1" dur="indefinite" restart="never" nodeType="tmRoot"/>
+        <p:cTn id="1" dur="indefinite" restart="never" nodeType="tmRoot"/>
       </p:par>
     </p:tnLst>
   </p:timing>
 </p:sld>
 </file>
 
-<file path=ppt/slides/slide34.xml><?xml version="1.0" encoding="utf-8"?>
+<file path=ppt/slides/slide36.xml><?xml version="1.0" encoding="utf-8"?>
 <p:sld xmlns:a="http://schemas.openxmlformats.org/drawingml/2006/main" xmlns:r="http://schemas.openxmlformats.org/officeDocument/2006/relationships" xmlns:p="http://schemas.openxmlformats.org/presentationml/2006/main">
   <p:cSld>
     <p:bg>
@@ -11294,7 +12136,7 @@
           <p:nvPr/>
         </p:nvPicPr>
         <p:blipFill>
-          <a:blip r:embed="rId2"/>
+          <a:blip r:embed="rId2" cstate="print"/>
           <a:stretch>
             <a:fillRect/>
           </a:stretch>
@@ -11400,16 +12242,6 @@
               </a:rPr>
               <a:t>赤外線誘導ミサイルへのアクティブ・デコイ</a:t>
             </a:r>
-            <a:endParaRPr kumimoji="1" lang="ja-JP" altLang="en-US" sz="2800">
-              <a:solidFill>
-                <a:schemeClr val="bg1">
-                  <a:lumMod val="85000"/>
-                </a:schemeClr>
-              </a:solidFill>
-              <a:latin typeface="メイリオ"/>
-              <a:ea typeface="メイリオ"/>
-              <a:cs typeface="メイリオ"/>
-            </a:endParaRPr>
           </a:p>
         </p:txBody>
       </p:sp>
@@ -11508,7 +12340,7 @@
     </p:spTree>
     <p:extLst>
       <p:ext uri="{BB962C8B-B14F-4D97-AF65-F5344CB8AC3E}">
-        <p14:creationId xmlns:p14="http://schemas.microsoft.com/office/powerpoint/2010/main" val="846265346"/>
+        <p14:creationId xmlns:p14="http://schemas.microsoft.com/office/powerpoint/2010/main" xmlns="" val="846265346"/>
       </p:ext>
     </p:extLst>
   </p:cSld>
@@ -11518,14 +12350,14 @@
   <p:timing>
     <p:tnLst>
       <p:par>
-        <p:cTn xmlns:p14="http://schemas.microsoft.com/office/powerpoint/2010/main" id="1" dur="indefinite" restart="never" nodeType="tmRoot"/>
+        <p:cTn id="1" dur="indefinite" restart="never" nodeType="tmRoot"/>
       </p:par>
     </p:tnLst>
   </p:timing>
 </p:sld>
 </file>
 
-<file path=ppt/slides/slide35.xml><?xml version="1.0" encoding="utf-8"?>
+<file path=ppt/slides/slide37.xml><?xml version="1.0" encoding="utf-8"?>
 <p:sld xmlns:a="http://schemas.openxmlformats.org/drawingml/2006/main" xmlns:r="http://schemas.openxmlformats.org/officeDocument/2006/relationships" xmlns:p="http://schemas.openxmlformats.org/presentationml/2006/main">
   <p:cSld>
     <p:spTree>
@@ -11766,7 +12598,7 @@
     </p:spTree>
     <p:extLst>
       <p:ext uri="{BB962C8B-B14F-4D97-AF65-F5344CB8AC3E}">
-        <p14:creationId xmlns:p14="http://schemas.microsoft.com/office/powerpoint/2010/main" val="733360992"/>
+        <p14:creationId xmlns:p14="http://schemas.microsoft.com/office/powerpoint/2010/main" xmlns="" val="733360992"/>
       </p:ext>
     </p:extLst>
   </p:cSld>
@@ -11776,14 +12608,14 @@
   <p:timing>
     <p:tnLst>
       <p:par>
-        <p:cTn xmlns:p14="http://schemas.microsoft.com/office/powerpoint/2010/main" id="1" dur="indefinite" restart="never" nodeType="tmRoot"/>
+        <p:cTn id="1" dur="indefinite" restart="never" nodeType="tmRoot"/>
       </p:par>
     </p:tnLst>
   </p:timing>
 </p:sld>
 </file>
 
-<file path=ppt/slides/slide36.xml><?xml version="1.0" encoding="utf-8"?>
+<file path=ppt/slides/slide38.xml><?xml version="1.0" encoding="utf-8"?>
 <p:sld xmlns:a="http://schemas.openxmlformats.org/drawingml/2006/main" xmlns:r="http://schemas.openxmlformats.org/officeDocument/2006/relationships" xmlns:p="http://schemas.openxmlformats.org/presentationml/2006/main">
   <p:cSld>
     <p:spTree>
@@ -11812,7 +12644,7 @@
           <a:blip r:embed="rId2" cstate="print">
             <a:extLst>
               <a:ext uri="{28A0092B-C50C-407E-A947-70E740481C1C}">
-                <a14:useLocalDpi xmlns:a14="http://schemas.microsoft.com/office/drawing/2010/main" val="0"/>
+                <a14:useLocalDpi xmlns:a14="http://schemas.microsoft.com/office/drawing/2010/main" xmlns="" val="0"/>
               </a:ext>
             </a:extLst>
           </a:blip>
@@ -11967,24 +12799,13 @@
               </a:rPr>
               <a:t>)</a:t>
             </a:r>
-            <a:endParaRPr lang="en-US" altLang="ja-JP" sz="5400">
-              <a:ln>
-                <a:solidFill>
-                  <a:schemeClr val="bg1">
-                    <a:lumMod val="50000"/>
-                  </a:schemeClr>
-                </a:solidFill>
-              </a:ln>
-              <a:latin typeface="Tahoma" panose="020B0604030504040204" pitchFamily="34" charset="0"/>
-              <a:cs typeface="Tahoma" panose="020B0604030504040204" pitchFamily="34" charset="0"/>
-            </a:endParaRPr>
           </a:p>
         </p:txBody>
       </p:sp>
     </p:spTree>
     <p:extLst>
       <p:ext uri="{BB962C8B-B14F-4D97-AF65-F5344CB8AC3E}">
-        <p14:creationId xmlns:p14="http://schemas.microsoft.com/office/powerpoint/2010/main" val="2078586375"/>
+        <p14:creationId xmlns:p14="http://schemas.microsoft.com/office/powerpoint/2010/main" xmlns="" val="2078586375"/>
       </p:ext>
     </p:extLst>
   </p:cSld>
@@ -11994,14 +12815,14 @@
   <p:timing>
     <p:tnLst>
       <p:par>
-        <p:cTn xmlns:p14="http://schemas.microsoft.com/office/powerpoint/2010/main" id="1" dur="indefinite" restart="never" nodeType="tmRoot"/>
+        <p:cTn id="1" dur="indefinite" restart="never" nodeType="tmRoot"/>
       </p:par>
     </p:tnLst>
   </p:timing>
 </p:sld>
 </file>
 
-<file path=ppt/slides/slide37.xml><?xml version="1.0" encoding="utf-8"?>
+<file path=ppt/slides/slide39.xml><?xml version="1.0" encoding="utf-8"?>
 <p:sld xmlns:a="http://schemas.openxmlformats.org/drawingml/2006/main" xmlns:r="http://schemas.openxmlformats.org/officeDocument/2006/relationships" xmlns:p="http://schemas.openxmlformats.org/presentationml/2006/main">
   <p:cSld>
     <p:spTree>
@@ -12266,7 +13087,7 @@
     </p:spTree>
     <p:extLst>
       <p:ext uri="{BB962C8B-B14F-4D97-AF65-F5344CB8AC3E}">
-        <p14:creationId xmlns:p14="http://schemas.microsoft.com/office/powerpoint/2010/main" val="840825377"/>
+        <p14:creationId xmlns:p14="http://schemas.microsoft.com/office/powerpoint/2010/main" xmlns="" val="840825377"/>
       </p:ext>
     </p:extLst>
   </p:cSld>
@@ -12276,14 +13097,14 @@
   <p:timing>
     <p:tnLst>
       <p:par>
-        <p:cTn xmlns:p14="http://schemas.microsoft.com/office/powerpoint/2010/main" id="1" dur="indefinite" restart="never" nodeType="tmRoot"/>
+        <p:cTn id="1" dur="indefinite" restart="never" nodeType="tmRoot"/>
       </p:par>
     </p:tnLst>
   </p:timing>
 </p:sld>
 </file>
 
-<file path=ppt/slides/slide38.xml><?xml version="1.0" encoding="utf-8"?>
+<file path=ppt/slides/slide4.xml><?xml version="1.0" encoding="utf-8"?>
 <p:sld xmlns:a="http://schemas.openxmlformats.org/drawingml/2006/main" xmlns:r="http://schemas.openxmlformats.org/officeDocument/2006/relationships" xmlns:p="http://schemas.openxmlformats.org/presentationml/2006/main">
   <p:cSld>
     <p:spTree>
@@ -12310,6 +13131,93 @@
             <p:ph type="title"/>
           </p:nvPr>
         </p:nvSpPr>
+        <p:spPr/>
+        <p:txBody>
+          <a:bodyPr/>
+          <a:lstStyle/>
+          <a:p>
+            <a:r>
+              <a:rPr lang="ja-JP" altLang="en-US" smtClean="0"/>
+              <a:t>ここからしばらく</a:t>
+            </a:r>
+            <a:r>
+              <a:rPr lang="en-US" altLang="ja-JP" smtClean="0"/>
+              <a:t>nmap</a:t>
+            </a:r>
+            <a:r>
+              <a:rPr lang="ja-JP" altLang="en-US" smtClean="0"/>
+              <a:t>の話</a:t>
+            </a:r>
+            <a:endParaRPr kumimoji="1" lang="ja-JP" altLang="en-US"/>
+          </a:p>
+        </p:txBody>
+      </p:sp>
+      <p:sp>
+        <p:nvSpPr>
+          <p:cNvPr id="3" name="コンテンツ プレースホルダー 2"/>
+          <p:cNvSpPr>
+            <a:spLocks noGrp="1"/>
+          </p:cNvSpPr>
+          <p:nvPr>
+            <p:ph idx="1"/>
+          </p:nvPr>
+        </p:nvSpPr>
+        <p:spPr/>
+        <p:txBody>
+          <a:bodyPr/>
+          <a:lstStyle/>
+          <a:p>
+            <a:endParaRPr kumimoji="1" lang="ja-JP" altLang="en-US"/>
+          </a:p>
+        </p:txBody>
+      </p:sp>
+    </p:spTree>
+    <p:extLst>
+      <p:ext uri="{BB962C8B-B14F-4D97-AF65-F5344CB8AC3E}">
+        <p14:creationId xmlns:p14="http://schemas.microsoft.com/office/powerpoint/2010/main" xmlns="" val="742552759"/>
+      </p:ext>
+    </p:extLst>
+  </p:cSld>
+  <p:clrMapOvr>
+    <a:masterClrMapping/>
+  </p:clrMapOvr>
+  <p:timing>
+    <p:tnLst>
+      <p:par>
+        <p:cTn id="1" dur="indefinite" restart="never" nodeType="tmRoot"/>
+      </p:par>
+    </p:tnLst>
+  </p:timing>
+</p:sld>
+</file>
+
+<file path=ppt/slides/slide40.xml><?xml version="1.0" encoding="utf-8"?>
+<p:sld xmlns:a="http://schemas.openxmlformats.org/drawingml/2006/main" xmlns:r="http://schemas.openxmlformats.org/officeDocument/2006/relationships" xmlns:p="http://schemas.openxmlformats.org/presentationml/2006/main">
+  <p:cSld>
+    <p:spTree>
+      <p:nvGrpSpPr>
+        <p:cNvPr id="1" name=""/>
+        <p:cNvGrpSpPr/>
+        <p:nvPr/>
+      </p:nvGrpSpPr>
+      <p:grpSpPr>
+        <a:xfrm>
+          <a:off x="0" y="0"/>
+          <a:ext cx="0" cy="0"/>
+          <a:chOff x="0" y="0"/>
+          <a:chExt cx="0" cy="0"/>
+        </a:xfrm>
+      </p:grpSpPr>
+      <p:sp>
+        <p:nvSpPr>
+          <p:cNvPr id="2" name="タイトル 1"/>
+          <p:cNvSpPr>
+            <a:spLocks noGrp="1"/>
+          </p:cNvSpPr>
+          <p:nvPr>
+            <p:ph type="title"/>
+          </p:nvPr>
+        </p:nvSpPr>
         <p:spPr>
           <a:xfrm>
             <a:off x="128317" y="149470"/>
@@ -12370,7 +13278,7 @@
           <p:nvPr/>
         </p:nvPicPr>
         <p:blipFill rotWithShape="1">
-          <a:blip r:embed="rId2"/>
+          <a:blip r:embed="rId2" cstate="print"/>
           <a:srcRect t="5343"/>
           <a:stretch/>
         </p:blipFill>
@@ -12387,7 +13295,7 @@
     </p:spTree>
     <p:extLst>
       <p:ext uri="{BB962C8B-B14F-4D97-AF65-F5344CB8AC3E}">
-        <p14:creationId xmlns:p14="http://schemas.microsoft.com/office/powerpoint/2010/main" val="2888440918"/>
+        <p14:creationId xmlns:p14="http://schemas.microsoft.com/office/powerpoint/2010/main" xmlns="" val="2888440918"/>
       </p:ext>
     </p:extLst>
   </p:cSld>
@@ -12397,14 +13305,14 @@
   <p:timing>
     <p:tnLst>
       <p:par>
-        <p:cTn xmlns:p14="http://schemas.microsoft.com/office/powerpoint/2010/main" id="1" dur="indefinite" restart="never" nodeType="tmRoot"/>
+        <p:cTn id="1" dur="indefinite" restart="never" nodeType="tmRoot"/>
       </p:par>
     </p:tnLst>
   </p:timing>
 </p:sld>
 </file>
 
-<file path=ppt/slides/slide4.xml><?xml version="1.0" encoding="utf-8"?>
+<file path=ppt/slides/slide5.xml><?xml version="1.0" encoding="utf-8"?>
 <p:sld xmlns:a="http://schemas.openxmlformats.org/drawingml/2006/main" xmlns:r="http://schemas.openxmlformats.org/officeDocument/2006/relationships" xmlns:p="http://schemas.openxmlformats.org/presentationml/2006/main">
   <p:cSld>
     <p:spTree>
@@ -12433,7 +13341,7 @@
           <a:blip r:embed="rId2" cstate="print">
             <a:extLst>
               <a:ext uri="{28A0092B-C50C-407E-A947-70E740481C1C}">
-                <a14:useLocalDpi xmlns:a14="http://schemas.microsoft.com/office/drawing/2010/main" val="0"/>
+                <a14:useLocalDpi xmlns:a14="http://schemas.microsoft.com/office/drawing/2010/main" xmlns="" val="0"/>
               </a:ext>
             </a:extLst>
           </a:blip>
@@ -12463,8 +13371,8 @@
         </p:nvSpPr>
         <p:spPr>
           <a:xfrm>
-            <a:off x="1904412" y="712941"/>
-            <a:ext cx="6140549" cy="1754326"/>
+            <a:off x="2023532" y="1456573"/>
+            <a:ext cx="4638526" cy="923330"/>
           </a:xfrm>
           <a:prstGeom prst="rect">
             <a:avLst/>
@@ -12477,20 +13385,6 @@
           </a:bodyPr>
           <a:lstStyle/>
           <a:p>
-            <a:r>
-              <a:rPr kumimoji="1" lang="en-US" altLang="ja-JP" sz="5400" smtClean="0">
-                <a:ln>
-                  <a:solidFill>
-                    <a:schemeClr val="bg1">
-                      <a:lumMod val="50000"/>
-                    </a:schemeClr>
-                  </a:solidFill>
-                </a:ln>
-                <a:latin typeface="Tahoma" panose="020B0604030504040204" pitchFamily="34" charset="0"/>
-                <a:cs typeface="Tahoma" panose="020B0604030504040204" pitchFamily="34" charset="0"/>
-              </a:rPr>
-              <a:t>something </a:t>
-            </a:r>
             <a:r>
               <a:rPr lang="en-US" altLang="ja-JP" sz="5400" smtClean="0">
                 <a:ln>
@@ -12503,7 +13397,7 @@
                 <a:latin typeface="Tahoma" panose="020B0604030504040204" pitchFamily="34" charset="0"/>
                 <a:cs typeface="Tahoma" panose="020B0604030504040204" pitchFamily="34" charset="0"/>
               </a:rPr>
-              <a:t>in the traffic...</a:t>
+              <a:t>stealth scan</a:t>
             </a:r>
             <a:endParaRPr kumimoji="1" lang="ja-JP" altLang="en-US" sz="5400">
               <a:ln>
@@ -12522,7 +13416,7 @@
     </p:spTree>
     <p:extLst>
       <p:ext uri="{BB962C8B-B14F-4D97-AF65-F5344CB8AC3E}">
-        <p14:creationId xmlns:p14="http://schemas.microsoft.com/office/powerpoint/2010/main" val="1093681869"/>
+        <p14:creationId xmlns:p14="http://schemas.microsoft.com/office/powerpoint/2010/main" xmlns="" val="2711273333"/>
       </p:ext>
     </p:extLst>
   </p:cSld>
@@ -12532,130 +13426,7 @@
   <p:timing>
     <p:tnLst>
       <p:par>
-        <p:cTn xmlns:p14="http://schemas.microsoft.com/office/powerpoint/2010/main" id="1" dur="indefinite" restart="never" nodeType="tmRoot"/>
-      </p:par>
-    </p:tnLst>
-  </p:timing>
-</p:sld>
-</file>
-
-<file path=ppt/slides/slide5.xml><?xml version="1.0" encoding="utf-8"?>
-<p:sld xmlns:a="http://schemas.openxmlformats.org/drawingml/2006/main" xmlns:r="http://schemas.openxmlformats.org/officeDocument/2006/relationships" xmlns:p="http://schemas.openxmlformats.org/presentationml/2006/main">
-  <p:cSld>
-    <p:spTree>
-      <p:nvGrpSpPr>
-        <p:cNvPr id="1" name=""/>
-        <p:cNvGrpSpPr/>
-        <p:nvPr/>
-      </p:nvGrpSpPr>
-      <p:grpSpPr>
-        <a:xfrm>
-          <a:off x="0" y="0"/>
-          <a:ext cx="0" cy="0"/>
-          <a:chOff x="0" y="0"/>
-          <a:chExt cx="0" cy="0"/>
-        </a:xfrm>
-      </p:grpSpPr>
-      <p:sp>
-        <p:nvSpPr>
-          <p:cNvPr id="2" name="タイトル 1"/>
-          <p:cNvSpPr>
-            <a:spLocks noGrp="1"/>
-          </p:cNvSpPr>
-          <p:nvPr>
-            <p:ph type="title"/>
-          </p:nvPr>
-        </p:nvSpPr>
-        <p:spPr/>
-        <p:txBody>
-          <a:bodyPr/>
-          <a:lstStyle/>
-          <a:p>
-            <a:r>
-              <a:rPr kumimoji="1" lang="en-US" altLang="ja-JP" smtClean="0"/>
-              <a:t>Situation.</a:t>
-            </a:r>
-            <a:endParaRPr kumimoji="1" lang="ja-JP" altLang="en-US"/>
-          </a:p>
-        </p:txBody>
-      </p:sp>
-      <p:sp>
-        <p:nvSpPr>
-          <p:cNvPr id="3" name="コンテンツ プレースホルダー 2"/>
-          <p:cNvSpPr>
-            <a:spLocks noGrp="1"/>
-          </p:cNvSpPr>
-          <p:nvPr>
-            <p:ph idx="1"/>
-          </p:nvPr>
-        </p:nvSpPr>
-        <p:spPr/>
-        <p:txBody>
-          <a:bodyPr>
-            <a:normAutofit/>
-          </a:bodyPr>
-          <a:lstStyle/>
-          <a:p>
-            <a:r>
-              <a:rPr lang="en-US" altLang="en-US" sz="3200"/>
-              <a:t>犯人(YASU)</a:t>
-            </a:r>
-            <a:r>
-              <a:rPr kumimoji="1" lang="ja-JP" altLang="en-US" sz="3200" smtClean="0"/>
-              <a:t>により閉じ込められた密室</a:t>
-            </a:r>
-            <a:endParaRPr kumimoji="1" lang="en-US" altLang="ja-JP" sz="3200" smtClean="0"/>
-          </a:p>
-          <a:p>
-            <a:r>
-              <a:rPr lang="ja-JP" altLang="en-US" sz="3200" smtClean="0"/>
-              <a:t>なぜか</a:t>
-            </a:r>
-            <a:r>
-              <a:rPr lang="en-US" altLang="ja-JP" sz="3200" smtClean="0"/>
-              <a:t>ICMP(ping)</a:t>
-            </a:r>
-            <a:r>
-              <a:rPr lang="ja-JP" altLang="en-US" sz="3200" smtClean="0"/>
-              <a:t>だけインターネットに到達する</a:t>
-            </a:r>
-            <a:r>
-              <a:rPr lang="en-US" altLang="ja-JP" sz="3200" smtClean="0"/>
-              <a:t>PC</a:t>
-            </a:r>
-            <a:r>
-              <a:rPr lang="ja-JP" altLang="en-US" sz="3200" smtClean="0"/>
-              <a:t>が置いてある（</a:t>
-            </a:r>
-            <a:r>
-              <a:rPr lang="ja-JP" altLang="en-US" sz="3200"/>
-              <a:t>なんだそれ）</a:t>
-            </a:r>
-            <a:endParaRPr lang="en-US" altLang="ja-JP" sz="3200" smtClean="0"/>
-          </a:p>
-          <a:p>
-            <a:r>
-              <a:rPr kumimoji="1" lang="ja-JP" altLang="en-US" sz="3200" smtClean="0"/>
-              <a:t>この状況で、犯人を外部になんとしてでも伝えたい</a:t>
-            </a:r>
-            <a:endParaRPr kumimoji="1" lang="en-US" altLang="ja-JP" sz="3200" smtClean="0"/>
-          </a:p>
-        </p:txBody>
-      </p:sp>
-    </p:spTree>
-    <p:extLst>
-      <p:ext uri="{BB962C8B-B14F-4D97-AF65-F5344CB8AC3E}">
-        <p14:creationId xmlns:p14="http://schemas.microsoft.com/office/powerpoint/2010/main" val="1708929833"/>
-      </p:ext>
-    </p:extLst>
-  </p:cSld>
-  <p:clrMapOvr>
-    <a:masterClrMapping/>
-  </p:clrMapOvr>
-  <p:timing>
-    <p:tnLst>
-      <p:par>
-        <p:cTn xmlns:p14="http://schemas.microsoft.com/office/powerpoint/2010/main" id="1" dur="indefinite" restart="never" nodeType="tmRoot"/>
+        <p:cTn id="1" dur="indefinite" restart="never" nodeType="tmRoot"/>
       </p:par>
     </p:tnLst>
   </p:timing>
@@ -12663,160 +13434,6 @@
 </file>
 
 <file path=ppt/slides/slide6.xml><?xml version="1.0" encoding="utf-8"?>
-<p:sld xmlns:a="http://schemas.openxmlformats.org/drawingml/2006/main" xmlns:r="http://schemas.openxmlformats.org/officeDocument/2006/relationships" xmlns:p="http://schemas.openxmlformats.org/presentationml/2006/main">
-  <p:cSld>
-    <p:spTree>
-      <p:nvGrpSpPr>
-        <p:cNvPr id="1" name=""/>
-        <p:cNvGrpSpPr/>
-        <p:nvPr/>
-      </p:nvGrpSpPr>
-      <p:grpSpPr>
-        <a:xfrm>
-          <a:off x="0" y="0"/>
-          <a:ext cx="0" cy="0"/>
-          <a:chOff x="0" y="0"/>
-          <a:chExt cx="0" cy="0"/>
-        </a:xfrm>
-      </p:grpSpPr>
-      <p:sp>
-        <p:nvSpPr>
-          <p:cNvPr id="2" name="タイトル 1"/>
-          <p:cNvSpPr>
-            <a:spLocks noGrp="1"/>
-          </p:cNvSpPr>
-          <p:nvPr>
-            <p:ph type="title"/>
-          </p:nvPr>
-        </p:nvSpPr>
-        <p:spPr/>
-        <p:txBody>
-          <a:bodyPr/>
-          <a:lstStyle/>
-          <a:p>
-            <a:r>
-              <a:rPr kumimoji="1" lang="en-US" altLang="ja-JP" smtClean="0"/>
-              <a:t>Situation.</a:t>
-            </a:r>
-            <a:endParaRPr kumimoji="1" lang="ja-JP" altLang="en-US"/>
-          </a:p>
-        </p:txBody>
-      </p:sp>
-      <p:sp>
-        <p:nvSpPr>
-          <p:cNvPr id="3" name="コンテンツ プレースホルダー 2"/>
-          <p:cNvSpPr>
-            <a:spLocks noGrp="1"/>
-          </p:cNvSpPr>
-          <p:nvPr>
-            <p:ph idx="1"/>
-          </p:nvPr>
-        </p:nvSpPr>
-        <p:spPr/>
-        <p:txBody>
-          <a:bodyPr>
-            <a:normAutofit/>
-          </a:bodyPr>
-          <a:lstStyle/>
-          <a:p>
-            <a:r>
-              <a:rPr lang="en-US" altLang="en-US" sz="3200"/>
-              <a:t>犯人(YASU)</a:t>
-            </a:r>
-            <a:r>
-              <a:rPr kumimoji="1" lang="ja-JP" altLang="en-US" sz="3200" smtClean="0"/>
-              <a:t>により閉じ込められた密室</a:t>
-            </a:r>
-            <a:endParaRPr kumimoji="1" lang="en-US" altLang="ja-JP" sz="3200" smtClean="0"/>
-          </a:p>
-          <a:p>
-            <a:r>
-              <a:rPr lang="ja-JP" altLang="en-US" sz="3200" smtClean="0"/>
-              <a:t>なぜか</a:t>
-            </a:r>
-            <a:r>
-              <a:rPr lang="en-US" altLang="ja-JP" sz="3200" smtClean="0"/>
-              <a:t>ICMP(ping)</a:t>
-            </a:r>
-            <a:r>
-              <a:rPr lang="ja-JP" altLang="en-US" sz="3200" smtClean="0"/>
-              <a:t>だけインターネットに到達する</a:t>
-            </a:r>
-            <a:r>
-              <a:rPr lang="en-US" altLang="ja-JP" sz="3200" smtClean="0"/>
-              <a:t>PC</a:t>
-            </a:r>
-            <a:r>
-              <a:rPr lang="ja-JP" altLang="en-US" sz="3200" smtClean="0"/>
-              <a:t>が置いてある（</a:t>
-            </a:r>
-            <a:r>
-              <a:rPr lang="ja-JP" altLang="en-US" sz="3200"/>
-              <a:t>なんだそれ）</a:t>
-            </a:r>
-            <a:endParaRPr lang="en-US" altLang="ja-JP" sz="3200" smtClean="0"/>
-          </a:p>
-          <a:p>
-            <a:r>
-              <a:rPr kumimoji="1" lang="ja-JP" altLang="en-US" sz="3200" smtClean="0"/>
-              <a:t>この状況で、犯人を外部になんとしてでも伝えたい</a:t>
-            </a:r>
-            <a:endParaRPr kumimoji="1" lang="en-US" altLang="ja-JP" sz="3200" smtClean="0"/>
-          </a:p>
-          <a:p>
-            <a:r>
-              <a:rPr lang="ja-JP" altLang="en-US" sz="3200" b="1" smtClean="0">
-                <a:solidFill>
-                  <a:srgbClr val="FF0000"/>
-                </a:solidFill>
-              </a:rPr>
-              <a:t>→ </a:t>
-            </a:r>
-            <a:r>
-              <a:rPr lang="en-US" altLang="ja-JP" sz="3200" b="1" smtClean="0">
-                <a:solidFill>
-                  <a:srgbClr val="FF0000"/>
-                </a:solidFill>
-              </a:rPr>
-              <a:t>ICMP</a:t>
-            </a:r>
-            <a:r>
-              <a:rPr lang="ja-JP" altLang="en-US" sz="3200" b="1" smtClean="0">
-                <a:solidFill>
-                  <a:srgbClr val="FF0000"/>
-                </a:solidFill>
-              </a:rPr>
-              <a:t>だけでメッセージを外部に伝えよう！</a:t>
-            </a:r>
-            <a:endParaRPr kumimoji="1" lang="ja-JP" altLang="en-US" sz="3200" b="1">
-              <a:solidFill>
-                <a:srgbClr val="FF0000"/>
-              </a:solidFill>
-            </a:endParaRPr>
-          </a:p>
-        </p:txBody>
-      </p:sp>
-    </p:spTree>
-    <p:extLst>
-      <p:ext uri="{BB962C8B-B14F-4D97-AF65-F5344CB8AC3E}">
-        <p14:creationId xmlns:p14="http://schemas.microsoft.com/office/powerpoint/2010/main" val="285120714"/>
-      </p:ext>
-    </p:extLst>
-  </p:cSld>
-  <p:clrMapOvr>
-    <a:masterClrMapping/>
-  </p:clrMapOvr>
-  <p:timing>
-    <p:tnLst>
-      <p:par>
-        <p:cTn xmlns:p14="http://schemas.microsoft.com/office/powerpoint/2010/main" id="1" dur="indefinite" restart="never" nodeType="tmRoot"/>
-      </p:par>
-    </p:tnLst>
-  </p:timing>
-</p:sld>
-</file>
-
-<file path=ppt/slides/slide7.xml><?xml version="1.0" encoding="utf-8"?>
 <p:sld xmlns:a="http://schemas.openxmlformats.org/drawingml/2006/main" xmlns:r="http://schemas.openxmlformats.org/officeDocument/2006/relationships" xmlns:p="http://schemas.openxmlformats.org/presentationml/2006/main">
   <p:cSld>
     <p:spTree>
@@ -12841,251 +13458,78 @@
           </p:cNvPicPr>
           <p:nvPr/>
         </p:nvPicPr>
-        <p:blipFill>
-          <a:blip r:embed="rId3"/>
-          <a:stretch>
-            <a:fillRect/>
-          </a:stretch>
+        <p:blipFill rotWithShape="1">
+          <a:blip r:embed="rId2" cstate="print">
+            <a:extLst>
+              <a:ext uri="{28A0092B-C50C-407E-A947-70E740481C1C}">
+                <a14:useLocalDpi xmlns:a14="http://schemas.microsoft.com/office/drawing/2010/main" xmlns="" val="0"/>
+              </a:ext>
+            </a:extLst>
+          </a:blip>
+          <a:srcRect/>
+          <a:stretch/>
         </p:blipFill>
         <p:spPr>
           <a:xfrm>
-            <a:off x="-1" y="-598338"/>
-            <a:ext cx="9207645" cy="5947578"/>
+            <a:off x="11575" y="-115747"/>
+            <a:ext cx="9306046" cy="7106856"/>
           </a:xfrm>
           <a:prstGeom prst="rect">
             <a:avLst/>
           </a:prstGeom>
+          <a:effectLst>
+            <a:outerShdw blurRad="50800" dist="50800" dir="5400000" algn="ctr" rotWithShape="0">
+              <a:srgbClr val="000000"/>
+            </a:outerShdw>
+          </a:effectLst>
         </p:spPr>
       </p:pic>
       <p:sp>
         <p:nvSpPr>
-          <p:cNvPr id="2" name="円/楕円 1"/>
-          <p:cNvSpPr/>
+          <p:cNvPr id="5" name="テキスト ボックス 4"/>
+          <p:cNvSpPr txBox="1"/>
           <p:nvPr/>
         </p:nvSpPr>
         <p:spPr>
           <a:xfrm>
-            <a:off x="6876142" y="4109357"/>
-            <a:ext cx="2177143" cy="1034144"/>
-          </a:xfrm>
-          <a:prstGeom prst="ellipse">
-            <a:avLst/>
-          </a:prstGeom>
-          <a:noFill/>
-          <a:ln w="57150" cmpd="sng">
-            <a:solidFill>
-              <a:srgbClr val="FF0000"/>
-            </a:solidFill>
-          </a:ln>
-        </p:spPr>
-        <p:style>
-          <a:lnRef idx="1">
-            <a:schemeClr val="accent1"/>
-          </a:lnRef>
-          <a:fillRef idx="3">
-            <a:schemeClr val="accent1"/>
-          </a:fillRef>
-          <a:effectRef idx="2">
-            <a:schemeClr val="accent1"/>
-          </a:effectRef>
-          <a:fontRef idx="minor">
-            <a:schemeClr val="lt1"/>
-          </a:fontRef>
-        </p:style>
-        <p:txBody>
-          <a:bodyPr rtlCol="0" anchor="ctr"/>
-          <a:lstStyle/>
-          <a:p>
-            <a:pPr algn="ctr"/>
-            <a:endParaRPr kumimoji="1" lang="ja-JP" altLang="en-US"/>
-          </a:p>
-        </p:txBody>
-      </p:sp>
-      <p:cxnSp>
-        <p:nvCxnSpPr>
-          <p:cNvPr id="6" name="直線矢印コネクタ 5"/>
-          <p:cNvCxnSpPr/>
-          <p:nvPr/>
-        </p:nvCxnSpPr>
-        <p:spPr>
-          <a:xfrm>
-            <a:off x="6740071" y="2643634"/>
-            <a:ext cx="789214" cy="1474795"/>
-          </a:xfrm>
-          <a:prstGeom prst="straightConnector1">
-            <a:avLst/>
-          </a:prstGeom>
-          <a:ln w="57150" cmpd="sng">
-            <a:solidFill>
-              <a:srgbClr val="FF0000"/>
-            </a:solidFill>
-            <a:tailEnd type="arrow"/>
-          </a:ln>
-        </p:spPr>
-        <p:style>
-          <a:lnRef idx="2">
-            <a:schemeClr val="accent1"/>
-          </a:lnRef>
-          <a:fillRef idx="0">
-            <a:schemeClr val="accent1"/>
-          </a:fillRef>
-          <a:effectRef idx="1">
-            <a:schemeClr val="accent1"/>
-          </a:effectRef>
-          <a:fontRef idx="minor">
-            <a:schemeClr val="tx1"/>
-          </a:fontRef>
-        </p:style>
-      </p:cxnSp>
-      <p:sp>
-        <p:nvSpPr>
-          <p:cNvPr id="8" name="正方形/長方形 7"/>
-          <p:cNvSpPr/>
-          <p:nvPr/>
-        </p:nvSpPr>
-        <p:spPr>
-          <a:xfrm>
-            <a:off x="3084286" y="1641929"/>
-            <a:ext cx="4953000" cy="979715"/>
+            <a:off x="1594323" y="1204646"/>
+            <a:ext cx="6140549" cy="923330"/>
           </a:xfrm>
           <a:prstGeom prst="rect">
             <a:avLst/>
           </a:prstGeom>
-          <a:solidFill>
-            <a:schemeClr val="accent2">
-              <a:lumMod val="50000"/>
-            </a:schemeClr>
-          </a:solidFill>
-          <a:ln w="28575" cmpd="sng">
-            <a:solidFill>
-              <a:schemeClr val="accent4">
-                <a:lumMod val="20000"/>
-                <a:lumOff val="80000"/>
-              </a:schemeClr>
-            </a:solidFill>
-          </a:ln>
-          <a:effectLst>
-            <a:glow rad="101600">
-              <a:schemeClr val="tx1">
-                <a:alpha val="22000"/>
-              </a:schemeClr>
-            </a:glow>
-            <a:outerShdw blurRad="50800" dist="38100" dir="2700000" algn="tl" rotWithShape="0">
-              <a:srgbClr val="000000">
-                <a:alpha val="43000"/>
-              </a:srgbClr>
-            </a:outerShdw>
-          </a:effectLst>
+          <a:noFill/>
         </p:spPr>
-        <p:style>
-          <a:lnRef idx="1">
-            <a:schemeClr val="accent1"/>
-          </a:lnRef>
-          <a:fillRef idx="3">
-            <a:schemeClr val="accent1"/>
-          </a:fillRef>
-          <a:effectRef idx="2">
-            <a:schemeClr val="accent1"/>
-          </a:effectRef>
-          <a:fontRef idx="minor">
-            <a:schemeClr val="lt1"/>
-          </a:fontRef>
-        </p:style>
-        <p:txBody>
-          <a:bodyPr rtlCol="0" anchor="ctr"/>
-          <a:lstStyle/>
-          <a:p>
-            <a:r>
-              <a:rPr kumimoji="1" lang="en-US" altLang="ja-JP">
+        <p:txBody>
+          <a:bodyPr wrap="square" rtlCol="0">
+            <a:spAutoFit/>
+          </a:bodyPr>
+          <a:lstStyle/>
+          <a:p>
+            <a:r>
+              <a:rPr kumimoji="1" lang="en-US" altLang="ja-JP" sz="5400" smtClean="0">
+                <a:ln>
+                  <a:solidFill>
+                    <a:schemeClr val="bg1">
+                      <a:lumMod val="50000"/>
+                    </a:schemeClr>
+                  </a:solidFill>
+                </a:ln>
+                <a:latin typeface="Tahoma" panose="020B0604030504040204" pitchFamily="34" charset="0"/>
+                <a:cs typeface="Tahoma" panose="020B0604030504040204" pitchFamily="34" charset="0"/>
+              </a:rPr>
+              <a:t>Too slow to detect.</a:t>
+            </a:r>
+            <a:endParaRPr kumimoji="1" lang="ja-JP" altLang="en-US" sz="5400">
+              <a:ln>
                 <a:solidFill>
-                  <a:schemeClr val="accent2">
-                    <a:lumMod val="20000"/>
-                    <a:lumOff val="80000"/>
+                  <a:schemeClr val="bg1">
+                    <a:lumMod val="50000"/>
                   </a:schemeClr>
                 </a:solidFill>
-                <a:latin typeface="メイリオ"/>
-                <a:ea typeface="メイリオ"/>
-                <a:cs typeface="メイリオ"/>
-              </a:rPr>
-              <a:t>Windows</a:t>
-            </a:r>
-            <a:r>
-              <a:rPr kumimoji="1" lang="ja-JP" altLang="en-US">
-                <a:solidFill>
-                  <a:schemeClr val="accent2">
-                    <a:lumMod val="20000"/>
-                    <a:lumOff val="80000"/>
-                  </a:schemeClr>
-                </a:solidFill>
-                <a:latin typeface="メイリオ"/>
-                <a:ea typeface="メイリオ"/>
-                <a:cs typeface="メイリオ"/>
-              </a:rPr>
-              <a:t>の</a:t>
-            </a:r>
-            <a:r>
-              <a:rPr kumimoji="1" lang="en-US" altLang="ja-JP">
-                <a:solidFill>
-                  <a:schemeClr val="accent2">
-                    <a:lumMod val="20000"/>
-                    <a:lumOff val="80000"/>
-                  </a:schemeClr>
-                </a:solidFill>
-                <a:latin typeface="メイリオ"/>
-                <a:ea typeface="メイリオ"/>
-                <a:cs typeface="メイリオ"/>
-              </a:rPr>
-              <a:t>ping</a:t>
-            </a:r>
-            <a:r>
-              <a:rPr kumimoji="1" lang="ja-JP" altLang="en-US">
-                <a:solidFill>
-                  <a:schemeClr val="accent2">
-                    <a:lumMod val="20000"/>
-                    <a:lumOff val="80000"/>
-                  </a:schemeClr>
-                </a:solidFill>
-                <a:latin typeface="メイリオ"/>
-                <a:ea typeface="メイリオ"/>
-                <a:cs typeface="メイリオ"/>
-              </a:rPr>
-              <a:t>コマンドのペイロード：</a:t>
-            </a:r>
-            <a:endParaRPr kumimoji="1" lang="en-US" altLang="ja-JP">
-              <a:solidFill>
-                <a:schemeClr val="accent2">
-                  <a:lumMod val="20000"/>
-                  <a:lumOff val="80000"/>
-                </a:schemeClr>
-              </a:solidFill>
-              <a:latin typeface="メイリオ"/>
-              <a:ea typeface="メイリオ"/>
-              <a:cs typeface="メイリオ"/>
-            </a:endParaRPr>
-          </a:p>
-          <a:p>
-            <a:r>
-              <a:rPr lang="en-US" altLang="ja-JP" b="1">
-                <a:solidFill>
-                  <a:schemeClr val="accent2">
-                    <a:lumMod val="20000"/>
-                    <a:lumOff val="80000"/>
-                  </a:schemeClr>
-                </a:solidFill>
-                <a:latin typeface="Helvetica"/>
-                <a:cs typeface="Helvetica"/>
-              </a:rPr>
-              <a:t>abcdefghijklmnopqrstuvwabcdefghi</a:t>
-            </a:r>
-            <a:endParaRPr kumimoji="1" lang="ja-JP" altLang="en-US" b="1">
-              <a:solidFill>
-                <a:schemeClr val="accent2">
-                  <a:lumMod val="20000"/>
-                  <a:lumOff val="80000"/>
-                </a:schemeClr>
-              </a:solidFill>
-              <a:latin typeface="Helvetica"/>
-              <a:cs typeface="Helvetica"/>
+              </a:ln>
+              <a:latin typeface="Tahoma" panose="020B0604030504040204" pitchFamily="34" charset="0"/>
+              <a:cs typeface="Tahoma" panose="020B0604030504040204" pitchFamily="34" charset="0"/>
             </a:endParaRPr>
           </a:p>
         </p:txBody>
@@ -13093,7 +13537,7 @@
     </p:spTree>
     <p:extLst>
       <p:ext uri="{BB962C8B-B14F-4D97-AF65-F5344CB8AC3E}">
-        <p14:creationId xmlns:p14="http://schemas.microsoft.com/office/powerpoint/2010/main" val="251935292"/>
+        <p14:creationId xmlns:p14="http://schemas.microsoft.com/office/powerpoint/2010/main" xmlns="" val="881172435"/>
       </p:ext>
     </p:extLst>
   </p:cSld>
@@ -13103,7 +13547,86 @@
   <p:timing>
     <p:tnLst>
       <p:par>
-        <p:cTn xmlns:p14="http://schemas.microsoft.com/office/powerpoint/2010/main" id="1" dur="indefinite" restart="never" nodeType="tmRoot"/>
+        <p:cTn id="1" dur="indefinite" restart="never" nodeType="tmRoot"/>
+      </p:par>
+    </p:tnLst>
+  </p:timing>
+</p:sld>
+</file>
+
+<file path=ppt/slides/slide7.xml><?xml version="1.0" encoding="utf-8"?>
+<p:sld xmlns:a="http://schemas.openxmlformats.org/drawingml/2006/main" xmlns:r="http://schemas.openxmlformats.org/officeDocument/2006/relationships" xmlns:p="http://schemas.openxmlformats.org/presentationml/2006/main">
+  <p:cSld>
+    <p:spTree>
+      <p:nvGrpSpPr>
+        <p:cNvPr id="1" name=""/>
+        <p:cNvGrpSpPr/>
+        <p:nvPr/>
+      </p:nvGrpSpPr>
+      <p:grpSpPr>
+        <a:xfrm>
+          <a:off x="0" y="0"/>
+          <a:ext cx="0" cy="0"/>
+          <a:chOff x="0" y="0"/>
+          <a:chExt cx="0" cy="0"/>
+        </a:xfrm>
+      </p:grpSpPr>
+      <p:sp>
+        <p:nvSpPr>
+          <p:cNvPr id="2" name="タイトル 1"/>
+          <p:cNvSpPr>
+            <a:spLocks noGrp="1"/>
+          </p:cNvSpPr>
+          <p:nvPr>
+            <p:ph type="title"/>
+          </p:nvPr>
+        </p:nvSpPr>
+        <p:spPr/>
+        <p:txBody>
+          <a:bodyPr/>
+          <a:lstStyle/>
+          <a:p>
+            <a:r>
+              <a:rPr kumimoji="1" lang="ja-JP" altLang="en-US" smtClean="0"/>
+              <a:t>ゆっくりしていってね！！！！！</a:t>
+            </a:r>
+            <a:endParaRPr kumimoji="1" lang="ja-JP" altLang="en-US"/>
+          </a:p>
+        </p:txBody>
+      </p:sp>
+      <p:sp>
+        <p:nvSpPr>
+          <p:cNvPr id="4" name="コンテンツ プレースホルダー 3"/>
+          <p:cNvSpPr>
+            <a:spLocks noGrp="1"/>
+          </p:cNvSpPr>
+          <p:nvPr>
+            <p:ph idx="1"/>
+          </p:nvPr>
+        </p:nvSpPr>
+        <p:spPr/>
+        <p:txBody>
+          <a:bodyPr/>
+          <a:lstStyle/>
+          <a:p>
+            <a:endParaRPr kumimoji="1" lang="ja-JP" altLang="en-US"/>
+          </a:p>
+        </p:txBody>
+      </p:sp>
+    </p:spTree>
+    <p:extLst>
+      <p:ext uri="{BB962C8B-B14F-4D97-AF65-F5344CB8AC3E}">
+        <p14:creationId xmlns:p14="http://schemas.microsoft.com/office/powerpoint/2010/main" xmlns="" val="3118375049"/>
+      </p:ext>
+    </p:extLst>
+  </p:cSld>
+  <p:clrMapOvr>
+    <a:masterClrMapping/>
+  </p:clrMapOvr>
+  <p:timing>
+    <p:tnLst>
+      <p:par>
+        <p:cTn id="1" dur="indefinite" restart="never" nodeType="tmRoot"/>
       </p:par>
     </p:tnLst>
   </p:timing>
@@ -13129,72 +13652,7 @@
       </p:grpSpPr>
       <p:sp>
         <p:nvSpPr>
-          <p:cNvPr id="5" name="正方形/長方形 4"/>
-          <p:cNvSpPr/>
-          <p:nvPr/>
-        </p:nvSpPr>
-        <p:spPr>
-          <a:xfrm>
-            <a:off x="190500" y="1605643"/>
-            <a:ext cx="8790215" cy="798285"/>
-          </a:xfrm>
-          <a:prstGeom prst="rect">
-            <a:avLst/>
-          </a:prstGeom>
-          <a:solidFill>
-            <a:schemeClr val="tx1"/>
-          </a:solidFill>
-          <a:ln>
-            <a:solidFill>
-              <a:schemeClr val="accent4">
-                <a:lumMod val="20000"/>
-                <a:lumOff val="80000"/>
-              </a:schemeClr>
-            </a:solidFill>
-          </a:ln>
-        </p:spPr>
-        <p:style>
-          <a:lnRef idx="1">
-            <a:schemeClr val="accent1"/>
-          </a:lnRef>
-          <a:fillRef idx="3">
-            <a:schemeClr val="accent1"/>
-          </a:fillRef>
-          <a:effectRef idx="2">
-            <a:schemeClr val="accent1"/>
-          </a:effectRef>
-          <a:fontRef idx="minor">
-            <a:schemeClr val="lt1"/>
-          </a:fontRef>
-        </p:style>
-        <p:txBody>
-          <a:bodyPr rtlCol="0" anchor="ctr"/>
-          <a:lstStyle/>
-          <a:p>
-            <a:r>
-              <a:rPr lang="en-US" altLang="ja-JP" sz="2800">
-                <a:latin typeface="Consolas"/>
-                <a:cs typeface="Consolas"/>
-              </a:rPr>
-              <a:t># nping --data-string &lt;string&gt; </a:t>
-            </a:r>
-            <a:r>
-              <a:rPr lang="en-US" altLang="ja-JP" sz="2800" smtClean="0">
-                <a:latin typeface="Consolas"/>
-                <a:cs typeface="Consolas"/>
-              </a:rPr>
-              <a:t>&lt;IPaddr&gt;</a:t>
-            </a:r>
-            <a:endParaRPr lang="en-US" altLang="ja-JP" sz="2800">
-              <a:latin typeface="Consolas"/>
-              <a:cs typeface="Consolas"/>
-            </a:endParaRPr>
-          </a:p>
-        </p:txBody>
-      </p:sp>
-      <p:sp>
-        <p:nvSpPr>
-          <p:cNvPr id="6" name="タイトル 1"/>
+          <p:cNvPr id="2" name="タイトル 1"/>
           <p:cNvSpPr>
             <a:spLocks noGrp="1"/>
           </p:cNvSpPr>
@@ -13202,44 +13660,69 @@
             <p:ph type="title"/>
           </p:nvPr>
         </p:nvSpPr>
-        <p:spPr>
-          <a:xfrm>
-            <a:off x="637722" y="201841"/>
-            <a:ext cx="7886700" cy="913945"/>
-          </a:xfrm>
-        </p:spPr>
+        <p:spPr/>
         <p:txBody>
           <a:bodyPr/>
           <a:lstStyle/>
           <a:p>
             <a:r>
-              <a:rPr kumimoji="1" lang="en-US" altLang="ja-JP" smtClean="0"/>
-              <a:t>nping (Nmap</a:t>
-            </a:r>
-            <a:r>
-              <a:rPr kumimoji="1" lang="ja-JP" altLang="en-US" smtClean="0">
-                <a:latin typeface="メイリオ"/>
-                <a:ea typeface="メイリオ"/>
-                <a:cs typeface="メイリオ"/>
-              </a:rPr>
-              <a:t>付属</a:t>
-            </a:r>
-            <a:r>
-              <a:rPr lang="en-US" altLang="ja-JP"/>
+              <a:rPr kumimoji="1" lang="ja-JP" altLang="en-US" smtClean="0"/>
+              <a:t>ゆっくりしていってね！！！！！</a:t>
+            </a:r>
+            <a:endParaRPr kumimoji="1" lang="ja-JP" altLang="en-US"/>
+          </a:p>
+        </p:txBody>
+      </p:sp>
+      <p:sp>
+        <p:nvSpPr>
+          <p:cNvPr id="3" name="コンテンツ プレースホルダー 2"/>
+          <p:cNvSpPr>
+            <a:spLocks noGrp="1"/>
+          </p:cNvSpPr>
+          <p:nvPr>
+            <p:ph idx="1"/>
+          </p:nvPr>
+        </p:nvSpPr>
+        <p:spPr/>
+        <p:txBody>
+          <a:bodyPr/>
+          <a:lstStyle/>
+          <a:p>
+            <a:r>
+              <a:rPr lang="ja-JP" altLang="en-US" smtClean="0"/>
+              <a:t>スキャンなどの探査行為は、ゆっくり行えば行うほど相手に気づかれにくい</a:t>
+            </a:r>
+            <a:endParaRPr lang="en-US" altLang="ja-JP" smtClean="0"/>
+          </a:p>
+          <a:p>
+            <a:r>
+              <a:rPr lang="ja-JP" altLang="en-US" smtClean="0"/>
+              <a:t>その他、</a:t>
+            </a:r>
+            <a:r>
+              <a:rPr lang="en-US" altLang="ja-JP" smtClean="0"/>
+              <a:t>IDS(</a:t>
+            </a:r>
+            <a:r>
+              <a:rPr lang="ja-JP" altLang="en-US" smtClean="0"/>
+              <a:t>侵入検知システム</a:t>
+            </a:r>
+            <a:r>
+              <a:rPr lang="en-US" altLang="ja-JP" smtClean="0"/>
               <a:t>)</a:t>
             </a:r>
-            <a:endParaRPr kumimoji="1" lang="ja-JP" altLang="en-US">
-              <a:latin typeface="メイリオ"/>
-              <a:ea typeface="メイリオ"/>
-              <a:cs typeface="メイリオ"/>
-            </a:endParaRPr>
+            <a:r>
+              <a:rPr lang="ja-JP" altLang="en-US" smtClean="0"/>
+              <a:t>などにも対抗するためによく使われる手法</a:t>
+            </a:r>
+            <a:endParaRPr lang="en-US" altLang="ja-JP" smtClean="0"/>
           </a:p>
         </p:txBody>
       </p:sp>
     </p:spTree>
     <p:extLst>
       <p:ext uri="{BB962C8B-B14F-4D97-AF65-F5344CB8AC3E}">
-        <p14:creationId xmlns:p14="http://schemas.microsoft.com/office/powerpoint/2010/main" val="629575943"/>
+        <p14:creationId xmlns:p14="http://schemas.microsoft.com/office/powerpoint/2010/main" xmlns="" val="569350094"/>
       </p:ext>
     </p:extLst>
   </p:cSld>
@@ -13249,7 +13732,7 @@
   <p:timing>
     <p:tnLst>
       <p:par>
-        <p:cTn xmlns:p14="http://schemas.microsoft.com/office/powerpoint/2010/main" id="1" dur="indefinite" restart="never" nodeType="tmRoot"/>
+        <p:cTn id="1" dur="indefinite" restart="never" nodeType="tmRoot"/>
       </p:par>
     </p:tnLst>
   </p:timing>
@@ -13273,308 +13756,60 @@
           <a:chExt cx="0" cy="0"/>
         </a:xfrm>
       </p:grpSpPr>
-      <p:pic>
-        <p:nvPicPr>
-          <p:cNvPr id="4" name="図 3"/>
-          <p:cNvPicPr>
-            <a:picLocks noChangeAspect="1"/>
-          </p:cNvPicPr>
-          <p:nvPr/>
-        </p:nvPicPr>
-        <p:blipFill>
-          <a:blip r:embed="rId2"/>
-          <a:stretch>
-            <a:fillRect/>
-          </a:stretch>
-        </p:blipFill>
-        <p:spPr>
-          <a:xfrm>
-            <a:off x="0" y="-1"/>
-            <a:ext cx="8160589" cy="5240645"/>
-          </a:xfrm>
-          <a:prstGeom prst="rect">
-            <a:avLst/>
-          </a:prstGeom>
-        </p:spPr>
-      </p:pic>
-      <p:sp>
-        <p:nvSpPr>
-          <p:cNvPr id="5" name="円/楕円 4"/>
-          <p:cNvSpPr/>
-          <p:nvPr/>
-        </p:nvSpPr>
-        <p:spPr>
-          <a:xfrm>
-            <a:off x="6349931" y="4206500"/>
-            <a:ext cx="2177143" cy="1034144"/>
-          </a:xfrm>
-          <a:prstGeom prst="ellipse">
-            <a:avLst/>
-          </a:prstGeom>
-          <a:noFill/>
-          <a:ln w="57150" cmpd="sng">
-            <a:solidFill>
-              <a:srgbClr val="FF0000"/>
-            </a:solidFill>
-          </a:ln>
-        </p:spPr>
-        <p:style>
-          <a:lnRef idx="1">
-            <a:schemeClr val="accent1"/>
-          </a:lnRef>
-          <a:fillRef idx="3">
-            <a:schemeClr val="accent1"/>
-          </a:fillRef>
-          <a:effectRef idx="2">
-            <a:schemeClr val="accent1"/>
-          </a:effectRef>
-          <a:fontRef idx="minor">
-            <a:schemeClr val="lt1"/>
-          </a:fontRef>
-        </p:style>
-        <p:txBody>
-          <a:bodyPr rtlCol="0" anchor="ctr"/>
-          <a:lstStyle/>
-          <a:p>
-            <a:pPr algn="ctr"/>
+      <p:sp>
+        <p:nvSpPr>
+          <p:cNvPr id="2" name="タイトル 1"/>
+          <p:cNvSpPr>
+            <a:spLocks noGrp="1"/>
+          </p:cNvSpPr>
+          <p:nvPr>
+            <p:ph type="title"/>
+          </p:nvPr>
+        </p:nvSpPr>
+        <p:spPr/>
+        <p:txBody>
+          <a:bodyPr/>
+          <a:lstStyle/>
+          <a:p>
+            <a:r>
+              <a:rPr kumimoji="1" lang="en-US" altLang="ja-JP" smtClean="0"/>
+              <a:t>Situation.</a:t>
+            </a:r>
             <a:endParaRPr kumimoji="1" lang="ja-JP" altLang="en-US"/>
           </a:p>
         </p:txBody>
       </p:sp>
-      <p:cxnSp>
-        <p:nvCxnSpPr>
-          <p:cNvPr id="6" name="直線矢印コネクタ 5"/>
-          <p:cNvCxnSpPr/>
-          <p:nvPr/>
-        </p:nvCxnSpPr>
-        <p:spPr>
-          <a:xfrm>
-            <a:off x="6358262" y="3010619"/>
-            <a:ext cx="644812" cy="1204953"/>
-          </a:xfrm>
-          <a:prstGeom prst="straightConnector1">
-            <a:avLst/>
-          </a:prstGeom>
-          <a:ln w="57150" cmpd="sng">
-            <a:solidFill>
-              <a:srgbClr val="FF0000"/>
-            </a:solidFill>
-            <a:tailEnd type="arrow"/>
-          </a:ln>
-        </p:spPr>
-        <p:style>
-          <a:lnRef idx="2">
-            <a:schemeClr val="accent1"/>
-          </a:lnRef>
-          <a:fillRef idx="0">
-            <a:schemeClr val="accent1"/>
-          </a:fillRef>
-          <a:effectRef idx="1">
-            <a:schemeClr val="accent1"/>
-          </a:effectRef>
-          <a:fontRef idx="minor">
-            <a:schemeClr val="tx1"/>
-          </a:fontRef>
-        </p:style>
-      </p:cxnSp>
-      <p:sp>
-        <p:nvSpPr>
-          <p:cNvPr id="7" name="正方形/長方形 6"/>
-          <p:cNvSpPr/>
-          <p:nvPr/>
-        </p:nvSpPr>
-        <p:spPr>
-          <a:xfrm>
-            <a:off x="2941607" y="2130463"/>
-            <a:ext cx="5710688" cy="979715"/>
-          </a:xfrm>
-          <a:prstGeom prst="rect">
-            <a:avLst/>
-          </a:prstGeom>
-          <a:solidFill>
-            <a:schemeClr val="accent2">
-              <a:lumMod val="50000"/>
-            </a:schemeClr>
-          </a:solidFill>
-          <a:ln w="28575" cmpd="sng">
-            <a:solidFill>
-              <a:schemeClr val="accent4">
-                <a:lumMod val="20000"/>
-                <a:lumOff val="80000"/>
-              </a:schemeClr>
-            </a:solidFill>
-          </a:ln>
-          <a:effectLst>
-            <a:glow rad="101600">
-              <a:schemeClr val="tx1">
-                <a:alpha val="22000"/>
-              </a:schemeClr>
-            </a:glow>
-            <a:outerShdw blurRad="50800" dist="38100" dir="2700000" algn="tl" rotWithShape="0">
-              <a:srgbClr val="000000">
-                <a:alpha val="43000"/>
-              </a:srgbClr>
-            </a:outerShdw>
-          </a:effectLst>
-        </p:spPr>
-        <p:style>
-          <a:lnRef idx="1">
-            <a:schemeClr val="accent1"/>
-          </a:lnRef>
-          <a:fillRef idx="3">
-            <a:schemeClr val="accent1"/>
-          </a:fillRef>
-          <a:effectRef idx="2">
-            <a:schemeClr val="accent1"/>
-          </a:effectRef>
-          <a:fontRef idx="minor">
-            <a:schemeClr val="lt1"/>
-          </a:fontRef>
-        </p:style>
-        <p:txBody>
-          <a:bodyPr rtlCol="0" anchor="ctr"/>
-          <a:lstStyle/>
-          <a:p>
-            <a:r>
-              <a:rPr kumimoji="1" lang="en-US" altLang="ja-JP" smtClean="0">
-                <a:solidFill>
-                  <a:schemeClr val="accent2">
-                    <a:lumMod val="20000"/>
-                    <a:lumOff val="80000"/>
-                  </a:schemeClr>
-                </a:solidFill>
-                <a:latin typeface="メイリオ"/>
-                <a:ea typeface="メイリオ"/>
-                <a:cs typeface="メイリオ"/>
-              </a:rPr>
-              <a:t>nping</a:t>
-            </a:r>
-            <a:r>
-              <a:rPr kumimoji="1" lang="ja-JP" altLang="en-US" smtClean="0">
-                <a:solidFill>
-                  <a:schemeClr val="accent2">
-                    <a:lumMod val="20000"/>
-                    <a:lumOff val="80000"/>
-                  </a:schemeClr>
-                </a:solidFill>
-                <a:latin typeface="メイリオ"/>
-                <a:ea typeface="メイリオ"/>
-                <a:cs typeface="メイリオ"/>
-              </a:rPr>
-              <a:t>で</a:t>
-            </a:r>
-            <a:r>
-              <a:rPr kumimoji="1" lang="en-US" altLang="ja-JP" smtClean="0">
-                <a:solidFill>
-                  <a:schemeClr val="accent2">
-                    <a:lumMod val="20000"/>
-                    <a:lumOff val="80000"/>
-                  </a:schemeClr>
-                </a:solidFill>
-                <a:latin typeface="メイリオ"/>
-                <a:ea typeface="メイリオ"/>
-                <a:cs typeface="メイリオ"/>
-              </a:rPr>
-              <a:t>ICMP</a:t>
-            </a:r>
-            <a:r>
-              <a:rPr lang="ja-JP" altLang="en-US" smtClean="0">
-                <a:solidFill>
-                  <a:schemeClr val="accent2">
-                    <a:lumMod val="20000"/>
-                    <a:lumOff val="80000"/>
-                  </a:schemeClr>
-                </a:solidFill>
-                <a:latin typeface="メイリオ"/>
-                <a:ea typeface="メイリオ"/>
-                <a:cs typeface="メイリオ"/>
-              </a:rPr>
-              <a:t>パケットに埋め込んだ</a:t>
-            </a:r>
-            <a:r>
-              <a:rPr kumimoji="1" lang="ja-JP" altLang="en-US" smtClean="0">
-                <a:solidFill>
-                  <a:schemeClr val="accent2">
-                    <a:lumMod val="20000"/>
-                    <a:lumOff val="80000"/>
-                  </a:schemeClr>
-                </a:solidFill>
-                <a:latin typeface="メイリオ"/>
-                <a:ea typeface="メイリオ"/>
-                <a:cs typeface="メイリオ"/>
-              </a:rPr>
-              <a:t>ペイロード</a:t>
-            </a:r>
-            <a:r>
-              <a:rPr kumimoji="1" lang="ja-JP" altLang="en-US">
-                <a:solidFill>
-                  <a:schemeClr val="accent2">
-                    <a:lumMod val="20000"/>
-                    <a:lumOff val="80000"/>
-                  </a:schemeClr>
-                </a:solidFill>
-                <a:latin typeface="メイリオ"/>
-                <a:ea typeface="メイリオ"/>
-                <a:cs typeface="メイリオ"/>
-              </a:rPr>
-              <a:t>：</a:t>
-            </a:r>
-            <a:endParaRPr kumimoji="1" lang="en-US" altLang="ja-JP">
-              <a:solidFill>
-                <a:schemeClr val="accent2">
-                  <a:lumMod val="20000"/>
-                  <a:lumOff val="80000"/>
-                </a:schemeClr>
-              </a:solidFill>
-              <a:latin typeface="メイリオ"/>
-              <a:ea typeface="メイリオ"/>
-              <a:cs typeface="メイリオ"/>
-            </a:endParaRPr>
-          </a:p>
-          <a:p>
-            <a:r>
-              <a:rPr lang="en-US" altLang="ja-JP" b="1">
-                <a:solidFill>
-                  <a:schemeClr val="accent2">
-                    <a:lumMod val="20000"/>
-                    <a:lumOff val="80000"/>
-                  </a:schemeClr>
-                </a:solidFill>
-                <a:latin typeface="Helvetica"/>
-                <a:cs typeface="Helvetica"/>
-              </a:rPr>
-              <a:t> </a:t>
-            </a:r>
-            <a:r>
-              <a:rPr lang="en-US" altLang="ja-JP" b="1" smtClean="0">
-                <a:solidFill>
-                  <a:schemeClr val="accent2">
-                    <a:lumMod val="20000"/>
-                    <a:lumOff val="80000"/>
-                  </a:schemeClr>
-                </a:solidFill>
-                <a:latin typeface="Helvetica"/>
-                <a:cs typeface="Helvetica"/>
-              </a:rPr>
-              <a:t>Hannin wa YASU.</a:t>
-            </a:r>
-            <a:endParaRPr kumimoji="1" lang="ja-JP" altLang="en-US" b="1">
-              <a:solidFill>
-                <a:schemeClr val="accent2">
-                  <a:lumMod val="20000"/>
-                  <a:lumOff val="80000"/>
-                </a:schemeClr>
-              </a:solidFill>
-              <a:latin typeface="Helvetica"/>
-              <a:cs typeface="Helvetica"/>
-            </a:endParaRPr>
+      <p:sp>
+        <p:nvSpPr>
+          <p:cNvPr id="3" name="コンテンツ プレースホルダー 2"/>
+          <p:cNvSpPr>
+            <a:spLocks noGrp="1"/>
+          </p:cNvSpPr>
+          <p:nvPr>
+            <p:ph idx="1"/>
+          </p:nvPr>
+        </p:nvSpPr>
+        <p:spPr/>
+        <p:txBody>
+          <a:bodyPr/>
+          <a:lstStyle/>
+          <a:p>
+            <a:r>
+              <a:rPr lang="en-US" altLang="ja-JP" smtClean="0"/>
+              <a:t>nmap</a:t>
+            </a:r>
+            <a:r>
+              <a:rPr lang="ja-JP" altLang="en-US" smtClean="0"/>
+              <a:t>によるポートスキャンで、なるたけ相手に気づかれないようにスキャンする</a:t>
+            </a:r>
+            <a:endParaRPr kumimoji="1" lang="ja-JP" altLang="en-US"/>
           </a:p>
         </p:txBody>
       </p:sp>
     </p:spTree>
     <p:extLst>
       <p:ext uri="{BB962C8B-B14F-4D97-AF65-F5344CB8AC3E}">
-        <p14:creationId xmlns:p14="http://schemas.microsoft.com/office/powerpoint/2010/main" val="3008246913"/>
+        <p14:creationId xmlns:p14="http://schemas.microsoft.com/office/powerpoint/2010/main" xmlns="" val="1043460440"/>
       </p:ext>
     </p:extLst>
   </p:cSld>
@@ -13584,7 +13819,7 @@
   <p:timing>
     <p:tnLst>
       <p:par>
-        <p:cTn xmlns:p14="http://schemas.microsoft.com/office/powerpoint/2010/main" id="1" dur="indefinite" restart="never" nodeType="tmRoot"/>
+        <p:cTn id="1" dur="indefinite" restart="never" nodeType="tmRoot"/>
       </p:par>
     </p:tnLst>
   </p:timing>
@@ -13632,76 +13867,16 @@
         <a:srgbClr val="954F72"/>
       </a:folHlink>
     </a:clrScheme>
-    <a:fontScheme name="Office テーマ">
+    <a:fontScheme name="design-default">
       <a:majorFont>
-        <a:latin typeface="Calibri Light"/>
-        <a:ea typeface=""/>
+        <a:latin typeface="Segoe UI"/>
+        <a:ea typeface="メイリオ"/>
         <a:cs typeface=""/>
-        <a:font script="Jpan" typeface="ＭＳ Ｐゴシック"/>
-        <a:font script="Hang" typeface="맑은 고딕"/>
-        <a:font script="Hans" typeface="宋体"/>
-        <a:font script="Hant" typeface="新細明體"/>
-        <a:font script="Arab" typeface="Times New Roman"/>
-        <a:font script="Hebr" typeface="Times New Roman"/>
-        <a:font script="Thai" typeface="Angsana New"/>
-        <a:font script="Ethi" typeface="Nyala"/>
-        <a:font script="Beng" typeface="Vrinda"/>
-        <a:font script="Gujr" typeface="Shruti"/>
-        <a:font script="Khmr" typeface="MoolBoran"/>
-        <a:font script="Knda" typeface="Tunga"/>
-        <a:font script="Guru" typeface="Raavi"/>
-        <a:font script="Cans" typeface="Euphemia"/>
-        <a:font script="Cher" typeface="Plantagenet Cherokee"/>
-        <a:font script="Yiii" typeface="Microsoft Yi Baiti"/>
-        <a:font script="Tibt" typeface="Microsoft Himalaya"/>
-        <a:font script="Thaa" typeface="MV Boli"/>
-        <a:font script="Deva" typeface="Mangal"/>
-        <a:font script="Telu" typeface="Gautami"/>
-        <a:font script="Taml" typeface="Latha"/>
-        <a:font script="Syrc" typeface="Estrangelo Edessa"/>
-        <a:font script="Orya" typeface="Kalinga"/>
-        <a:font script="Mlym" typeface="Kartika"/>
-        <a:font script="Laoo" typeface="DokChampa"/>
-        <a:font script="Sinh" typeface="Iskoola Pota"/>
-        <a:font script="Mong" typeface="Mongolian Baiti"/>
-        <a:font script="Viet" typeface="Times New Roman"/>
-        <a:font script="Uigh" typeface="Microsoft Uighur"/>
-        <a:font script="Geor" typeface="Sylfaen"/>
       </a:majorFont>
       <a:minorFont>
-        <a:latin typeface="Calibri"/>
-        <a:ea typeface=""/>
+        <a:latin typeface="Segoe UI"/>
+        <a:ea typeface="メイリオ"/>
         <a:cs typeface=""/>
-        <a:font script="Jpan" typeface="ＭＳ Ｐゴシック"/>
-        <a:font script="Hang" typeface="맑은 고딕"/>
-        <a:font script="Hans" typeface="宋体"/>
-        <a:font script="Hant" typeface="新細明體"/>
-        <a:font script="Arab" typeface="Arial"/>
-        <a:font script="Hebr" typeface="Arial"/>
-        <a:font script="Thai" typeface="Cordia New"/>
-        <a:font script="Ethi" typeface="Nyala"/>
-        <a:font script="Beng" typeface="Vrinda"/>
-        <a:font script="Gujr" typeface="Shruti"/>
-        <a:font script="Khmr" typeface="DaunPenh"/>
-        <a:font script="Knda" typeface="Tunga"/>
-        <a:font script="Guru" typeface="Raavi"/>
-        <a:font script="Cans" typeface="Euphemia"/>
-        <a:font script="Cher" typeface="Plantagenet Cherokee"/>
-        <a:font script="Yiii" typeface="Microsoft Yi Baiti"/>
-        <a:font script="Tibt" typeface="Microsoft Himalaya"/>
-        <a:font script="Thaa" typeface="MV Boli"/>
-        <a:font script="Deva" typeface="Mangal"/>
-        <a:font script="Telu" typeface="Gautami"/>
-        <a:font script="Taml" typeface="Latha"/>
-        <a:font script="Syrc" typeface="Estrangelo Edessa"/>
-        <a:font script="Orya" typeface="Kalinga"/>
-        <a:font script="Mlym" typeface="Kartika"/>
-        <a:font script="Laoo" typeface="DokChampa"/>
-        <a:font script="Sinh" typeface="Iskoola Pota"/>
-        <a:font script="Mong" typeface="Mongolian Baiti"/>
-        <a:font script="Viet" typeface="Arial"/>
-        <a:font script="Uigh" typeface="Microsoft Uighur"/>
-        <a:font script="Geor" typeface="Sylfaen"/>
       </a:minorFont>
     </a:fontScheme>
     <a:fmtScheme name="Office テーマ">
@@ -13846,7 +14021,7 @@
   <a:extraClrSchemeLst/>
   <a:extLst>
     <a:ext uri="{05A4C25C-085E-4340-85A3-A5531E510DB2}">
-      <thm15:themeFamily xmlns:thm15="http://schemas.microsoft.com/office/thememl/2012/main" xmlns="" name="Office Theme" id="{62F939B6-93AF-4DB8-9C6B-D6C7DFDC589F}" vid="{4A3C46E8-61CC-4603-A589-7422A47A8E4A}"/>
+      <thm15:themeFamily xmlns="" xmlns:thm15="http://schemas.microsoft.com/office/thememl/2012/main" name="Office Theme" id="{62F939B6-93AF-4DB8-9C6B-D6C7DFDC589F}" vid="{4A3C46E8-61CC-4603-A589-7422A47A8E4A}"/>
     </a:ext>
   </a:extLst>
 </a:theme>
@@ -14107,7 +14282,7 @@
   <a:extraClrSchemeLst/>
   <a:extLst>
     <a:ext uri="{05A4C25C-085E-4340-85A3-A5531E510DB2}">
-      <thm15:themeFamily xmlns:thm15="http://schemas.microsoft.com/office/thememl/2012/main" xmlns="" name="Office Theme" id="{62F939B6-93AF-4DB8-9C6B-D6C7DFDC589F}" vid="{4A3C46E8-61CC-4603-A589-7422A47A8E4A}"/>
+      <thm15:themeFamily xmlns="" xmlns:thm15="http://schemas.microsoft.com/office/thememl/2012/main" name="Office Theme" id="{62F939B6-93AF-4DB8-9C6B-D6C7DFDC589F}" vid="{4A3C46E8-61CC-4603-A589-7422A47A8E4A}"/>
     </a:ext>
   </a:extLst>
 </a:theme>

--- a/2015-no.2/ppt/00_ozuma.pptx
+++ b/2015-no.2/ppt/00_ozuma.pptx
@@ -21,8 +21,8 @@
     <p:sldId id="264" r:id="rId12"/>
     <p:sldId id="284" r:id="rId13"/>
     <p:sldId id="285" r:id="rId14"/>
-    <p:sldId id="287" r:id="rId15"/>
-    <p:sldId id="288" r:id="rId16"/>
+    <p:sldId id="307" r:id="rId15"/>
+    <p:sldId id="308" r:id="rId16"/>
     <p:sldId id="297" r:id="rId17"/>
     <p:sldId id="298" r:id="rId18"/>
     <p:sldId id="299" r:id="rId19"/>
@@ -148,7 +148,7 @@
   </p:defaultTextStyle>
   <p:extLst>
     <p:ext uri="{EFAFB233-063F-42B5-8137-9DF3F51BA10A}">
-      <p15:sldGuideLst xmlns="" xmlns:p15="http://schemas.microsoft.com/office/powerpoint/2012/main">
+      <p15:sldGuideLst xmlns:p15="http://schemas.microsoft.com/office/powerpoint/2012/main" xmlns="">
         <p15:guide id="1" orient="horz" pos="2160">
           <p15:clr>
             <a:srgbClr val="A4A3A4"/>
@@ -248,7 +248,7 @@
             <a:fld id="{227E3AE5-EB08-419F-97DD-14530EE7F784}" type="datetimeFigureOut">
               <a:rPr kumimoji="1" lang="ja-JP" altLang="en-US" smtClean="0"/>
               <a:pPr/>
-              <a:t>2015/8/22</a:t>
+              <a:t>2015/8/23</a:t>
             </a:fld>
             <a:endParaRPr kumimoji="1" lang="ja-JP" altLang="en-US"/>
           </a:p>
@@ -449,7 +449,7 @@
     </p:spTree>
     <p:extLst>
       <p:ext uri="{BB962C8B-B14F-4D97-AF65-F5344CB8AC3E}">
-        <p14:creationId xmlns:p14="http://schemas.microsoft.com/office/powerpoint/2010/main" xmlns="" val="1216048216"/>
+        <p14:creationId xmlns="" xmlns:p14="http://schemas.microsoft.com/office/powerpoint/2010/main" val="1216048216"/>
       </p:ext>
     </p:extLst>
   </p:cSld>
@@ -662,7 +662,7 @@
     </p:spTree>
     <p:extLst>
       <p:ext uri="{BB962C8B-B14F-4D97-AF65-F5344CB8AC3E}">
-        <p14:creationId xmlns:p14="http://schemas.microsoft.com/office/powerpoint/2010/main" xmlns="" val="64985783"/>
+        <p14:creationId xmlns="" xmlns:p14="http://schemas.microsoft.com/office/powerpoint/2010/main" val="64985783"/>
       </p:ext>
     </p:extLst>
   </p:cSld>
@@ -747,7 +747,7 @@
     </p:spTree>
     <p:extLst>
       <p:ext uri="{BB962C8B-B14F-4D97-AF65-F5344CB8AC3E}">
-        <p14:creationId xmlns:p14="http://schemas.microsoft.com/office/powerpoint/2010/main" xmlns="" val="2754438294"/>
+        <p14:creationId xmlns="" xmlns:p14="http://schemas.microsoft.com/office/powerpoint/2010/main" val="2754438294"/>
       </p:ext>
     </p:extLst>
   </p:cSld>
@@ -846,7 +846,7 @@
     </p:spTree>
     <p:extLst>
       <p:ext uri="{BB962C8B-B14F-4D97-AF65-F5344CB8AC3E}">
-        <p14:creationId xmlns:p14="http://schemas.microsoft.com/office/powerpoint/2010/main" xmlns="" val="1679522813"/>
+        <p14:creationId xmlns="" xmlns:p14="http://schemas.microsoft.com/office/powerpoint/2010/main" val="1679522813"/>
       </p:ext>
     </p:extLst>
   </p:cSld>
@@ -990,7 +990,7 @@
     </p:spTree>
     <p:extLst>
       <p:ext uri="{BB962C8B-B14F-4D97-AF65-F5344CB8AC3E}">
-        <p14:creationId xmlns:p14="http://schemas.microsoft.com/office/powerpoint/2010/main" xmlns="" val="2504593760"/>
+        <p14:creationId xmlns="" xmlns:p14="http://schemas.microsoft.com/office/powerpoint/2010/main" val="2504593760"/>
       </p:ext>
     </p:extLst>
   </p:cSld>
@@ -1262,7 +1262,7 @@
     </p:spTree>
     <p:extLst>
       <p:ext uri="{BB962C8B-B14F-4D97-AF65-F5344CB8AC3E}">
-        <p14:creationId xmlns:p14="http://schemas.microsoft.com/office/powerpoint/2010/main" xmlns="" val="3105100023"/>
+        <p14:creationId xmlns="" xmlns:p14="http://schemas.microsoft.com/office/powerpoint/2010/main" val="3105100023"/>
       </p:ext>
     </p:extLst>
   </p:cSld>
@@ -1326,11 +1326,22 @@
             </a:r>
             <a:r>
               <a:rPr kumimoji="1" lang="ja-JP" altLang="en-US" smtClean="0"/>
-              <a:t>のガイドブック（いわゆる目ん玉本）に載っている、いかに効率的にスキャンをするか？ というデータです。</a:t>
-            </a:r>
-            <a:endParaRPr kumimoji="1" lang="en-US" altLang="ja-JP" smtClean="0"/>
-          </a:p>
-          <a:p>
+              <a:t>のガイドブック（いわゆる目ん玉本）に載っている、いかに効率的にスキャンをするか？ という</a:t>
+            </a:r>
+            <a:r>
+              <a:rPr kumimoji="1" lang="en-US" altLang="ja-JP" smtClean="0"/>
+              <a:t>section</a:t>
+            </a:r>
+            <a:r>
+              <a:rPr kumimoji="1" lang="ja-JP" altLang="en-US" smtClean="0"/>
+              <a:t>に登場するデータです。</a:t>
+            </a:r>
+          </a:p>
+          <a:p>
+            <a:r>
+              <a:rPr kumimoji="1" lang="ja-JP" altLang="en-US" smtClean="0"/>
+              <a:t>この書籍は</a:t>
+            </a:r>
             <a:r>
               <a:rPr kumimoji="1" lang="en-US" altLang="ja-JP" smtClean="0"/>
               <a:t>2008</a:t>
@@ -1339,10 +1350,9 @@
               <a:rPr kumimoji="1" lang="ja-JP" altLang="en-US" smtClean="0"/>
               <a:t>年のものなので現在は細かい数字は違ってくるでしょうが、言いたい結論は変わらないはずです。</a:t>
             </a:r>
-            <a:endParaRPr kumimoji="1" lang="en-US" altLang="ja-JP" smtClean="0"/>
-          </a:p>
-          <a:p>
-            <a:endParaRPr kumimoji="1" lang="en-US" altLang="ja-JP" smtClean="0"/>
+          </a:p>
+          <a:p>
+            <a:endParaRPr kumimoji="1" lang="ja-JP" altLang="en-US" smtClean="0"/>
           </a:p>
           <a:p>
             <a:r>
@@ -1373,12 +1383,11 @@
               <a:rPr kumimoji="1" lang="ja-JP" altLang="en-US" smtClean="0"/>
               <a:t>という単語を使っていますが、ここではカバレッジとしました）。</a:t>
             </a:r>
-            <a:endParaRPr kumimoji="1" lang="en-US" altLang="ja-JP" smtClean="0"/>
           </a:p>
           <a:p>
             <a:r>
               <a:rPr kumimoji="1" lang="ja-JP" altLang="en-US" smtClean="0"/>
-              <a:t>ここでいうカバレッジは網羅率、つまり対象ホスト上で開放している全てのポートがスキャンできたときが</a:t>
+              <a:t>ここでいうカバレッジは網羅率、つまり対象ホスト上で開放している全てのポートがスキャンできたときを</a:t>
             </a:r>
             <a:r>
               <a:rPr kumimoji="1" lang="en-US" altLang="ja-JP" smtClean="0"/>
@@ -1386,9 +1395,8 @@
             </a:r>
             <a:r>
               <a:rPr kumimoji="1" lang="ja-JP" altLang="en-US" smtClean="0"/>
-              <a:t>％としたときの、実際にスキャンできるポート数の割合です。</a:t>
-            </a:r>
-            <a:endParaRPr kumimoji="1" lang="en-US" altLang="ja-JP" smtClean="0"/>
+              <a:t>％としたときの、実際にスキャンされるポートの割合です。</a:t>
+            </a:r>
           </a:p>
           <a:p>
             <a:r>
@@ -1399,7 +1407,9 @@
               <a:rPr kumimoji="1" lang="ja-JP" altLang="en-US" smtClean="0"/>
               <a:t>ガイドブックでは、多くのホストをスキャンしてポートごとの存在確率を統計的に計算し、それよりこのようなカバレッジを計算してみせています。</a:t>
             </a:r>
-            <a:endParaRPr kumimoji="1" lang="en-US" altLang="ja-JP" smtClean="0"/>
+          </a:p>
+          <a:p>
+            <a:endParaRPr kumimoji="1" lang="ja-JP" altLang="en-US"/>
           </a:p>
         </p:txBody>
       </p:sp>
@@ -1430,7 +1440,7 @@
     </p:spTree>
     <p:extLst>
       <p:ext uri="{BB962C8B-B14F-4D97-AF65-F5344CB8AC3E}">
-        <p14:creationId xmlns:p14="http://schemas.microsoft.com/office/powerpoint/2010/main" xmlns="" val="535652338"/>
+        <p14:creationId xmlns="" xmlns:p14="http://schemas.microsoft.com/office/powerpoint/2010/main" val="2200297126"/>
       </p:ext>
     </p:extLst>
   </p:cSld>
@@ -1521,7 +1531,31 @@
             </a:r>
             <a:r>
               <a:rPr kumimoji="1" lang="ja-JP" altLang="en-US" smtClean="0"/>
-              <a:t>個ちょっとスキャンすれば十分です。このようによく使われるポートは非常に「偏り」がありますから、必要最小限のポートのみに絞ってスキャンしましょう。探査行為が少なければ少ないほど、攻撃が検知される可能性も低くなります。</a:t>
+              <a:t>個</a:t>
+            </a:r>
+            <a:r>
+              <a:rPr kumimoji="1" lang="ja-JP" altLang="en-US" smtClean="0"/>
+              <a:t>ちょっとのポートをスキャン</a:t>
+            </a:r>
+            <a:r>
+              <a:rPr kumimoji="1" lang="ja-JP" altLang="en-US" smtClean="0"/>
+              <a:t>すれば十分です。このよう</a:t>
+            </a:r>
+            <a:r>
+              <a:rPr kumimoji="1" lang="ja-JP" altLang="en-US" smtClean="0"/>
+              <a:t>に、よく</a:t>
+            </a:r>
+            <a:r>
+              <a:rPr kumimoji="1" lang="ja-JP" altLang="en-US" smtClean="0"/>
+              <a:t>使われるポートは非常に「偏り」がありますから</a:t>
+            </a:r>
+            <a:r>
+              <a:rPr kumimoji="1" lang="ja-JP" altLang="en-US" smtClean="0"/>
+              <a:t>、必要</a:t>
+            </a:r>
+            <a:r>
+              <a:rPr kumimoji="1" lang="ja-JP" altLang="en-US" smtClean="0"/>
+              <a:t>最小限のポートのみに絞ってスキャンしましょう。探査行為が少なければ少ないほど、攻撃が検知される可能性も低くなります。</a:t>
             </a:r>
             <a:endParaRPr kumimoji="1" lang="en-US" altLang="ja-JP" smtClean="0"/>
           </a:p>
@@ -1627,7 +1661,7 @@
     </p:spTree>
     <p:extLst>
       <p:ext uri="{BB962C8B-B14F-4D97-AF65-F5344CB8AC3E}">
-        <p14:creationId xmlns:p14="http://schemas.microsoft.com/office/powerpoint/2010/main" xmlns="" val="2200297126"/>
+        <p14:creationId xmlns="" xmlns:p14="http://schemas.microsoft.com/office/powerpoint/2010/main" val="2200297126"/>
       </p:ext>
     </p:extLst>
   </p:cSld>
@@ -1806,7 +1840,7 @@
     </p:spTree>
     <p:extLst>
       <p:ext uri="{BB962C8B-B14F-4D97-AF65-F5344CB8AC3E}">
-        <p14:creationId xmlns:p14="http://schemas.microsoft.com/office/powerpoint/2010/main" xmlns="" val="1645015722"/>
+        <p14:creationId xmlns="" xmlns:p14="http://schemas.microsoft.com/office/powerpoint/2010/main" val="1645015722"/>
       </p:ext>
     </p:extLst>
   </p:cSld>
@@ -1926,7 +1960,7 @@
     </p:spTree>
     <p:extLst>
       <p:ext uri="{BB962C8B-B14F-4D97-AF65-F5344CB8AC3E}">
-        <p14:creationId xmlns:p14="http://schemas.microsoft.com/office/powerpoint/2010/main" xmlns="" val="4088891792"/>
+        <p14:creationId xmlns="" xmlns:p14="http://schemas.microsoft.com/office/powerpoint/2010/main" val="4088891792"/>
       </p:ext>
     </p:extLst>
   </p:cSld>
@@ -2070,7 +2104,7 @@
     </p:spTree>
     <p:extLst>
       <p:ext uri="{BB962C8B-B14F-4D97-AF65-F5344CB8AC3E}">
-        <p14:creationId xmlns:p14="http://schemas.microsoft.com/office/powerpoint/2010/main" xmlns="" val="1322130280"/>
+        <p14:creationId xmlns="" xmlns:p14="http://schemas.microsoft.com/office/powerpoint/2010/main" val="1322130280"/>
       </p:ext>
     </p:extLst>
   </p:cSld>
@@ -2212,7 +2246,7 @@
             <a:fld id="{018867A7-436E-4462-89C8-DCFE313C3DBA}" type="datetimeFigureOut">
               <a:rPr kumimoji="1" lang="ja-JP" altLang="en-US" smtClean="0"/>
               <a:pPr/>
-              <a:t>2015/8/22</a:t>
+              <a:t>2015/8/23</a:t>
             </a:fld>
             <a:endParaRPr kumimoji="1" lang="ja-JP" altLang="en-US"/>
           </a:p>
@@ -2264,7 +2298,7 @@
     </p:spTree>
     <p:extLst>
       <p:ext uri="{BB962C8B-B14F-4D97-AF65-F5344CB8AC3E}">
-        <p14:creationId xmlns:p14="http://schemas.microsoft.com/office/powerpoint/2010/main" xmlns="" val="1863472321"/>
+        <p14:creationId xmlns="" xmlns:p14="http://schemas.microsoft.com/office/powerpoint/2010/main" val="1863472321"/>
       </p:ext>
     </p:extLst>
   </p:cSld>
@@ -2416,7 +2450,7 @@
             <a:fld id="{018867A7-436E-4462-89C8-DCFE313C3DBA}" type="datetimeFigureOut">
               <a:rPr kumimoji="1" lang="ja-JP" altLang="en-US" smtClean="0"/>
               <a:pPr/>
-              <a:t>2015/8/22</a:t>
+              <a:t>2015/8/23</a:t>
             </a:fld>
             <a:endParaRPr kumimoji="1" lang="ja-JP" altLang="en-US"/>
           </a:p>
@@ -2468,7 +2502,7 @@
     </p:spTree>
     <p:extLst>
       <p:ext uri="{BB962C8B-B14F-4D97-AF65-F5344CB8AC3E}">
-        <p14:creationId xmlns:p14="http://schemas.microsoft.com/office/powerpoint/2010/main" xmlns="" val="4012234509"/>
+        <p14:creationId xmlns="" xmlns:p14="http://schemas.microsoft.com/office/powerpoint/2010/main" val="4012234509"/>
       </p:ext>
     </p:extLst>
   </p:cSld>
@@ -2630,7 +2664,7 @@
             <a:fld id="{018867A7-436E-4462-89C8-DCFE313C3DBA}" type="datetimeFigureOut">
               <a:rPr kumimoji="1" lang="ja-JP" altLang="en-US" smtClean="0"/>
               <a:pPr/>
-              <a:t>2015/8/22</a:t>
+              <a:t>2015/8/23</a:t>
             </a:fld>
             <a:endParaRPr kumimoji="1" lang="ja-JP" altLang="en-US"/>
           </a:p>
@@ -2682,7 +2716,7 @@
     </p:spTree>
     <p:extLst>
       <p:ext uri="{BB962C8B-B14F-4D97-AF65-F5344CB8AC3E}">
-        <p14:creationId xmlns:p14="http://schemas.microsoft.com/office/powerpoint/2010/main" xmlns="" val="525144367"/>
+        <p14:creationId xmlns="" xmlns:p14="http://schemas.microsoft.com/office/powerpoint/2010/main" val="525144367"/>
       </p:ext>
     </p:extLst>
   </p:cSld>
@@ -2834,7 +2868,7 @@
             <a:fld id="{018867A7-436E-4462-89C8-DCFE313C3DBA}" type="datetimeFigureOut">
               <a:rPr kumimoji="1" lang="ja-JP" altLang="en-US" smtClean="0"/>
               <a:pPr/>
-              <a:t>2015/8/22</a:t>
+              <a:t>2015/8/23</a:t>
             </a:fld>
             <a:endParaRPr kumimoji="1" lang="ja-JP" altLang="en-US"/>
           </a:p>
@@ -2886,7 +2920,7 @@
     </p:spTree>
     <p:extLst>
       <p:ext uri="{BB962C8B-B14F-4D97-AF65-F5344CB8AC3E}">
-        <p14:creationId xmlns:p14="http://schemas.microsoft.com/office/powerpoint/2010/main" xmlns="" val="3101500846"/>
+        <p14:creationId xmlns="" xmlns:p14="http://schemas.microsoft.com/office/powerpoint/2010/main" val="3101500846"/>
       </p:ext>
     </p:extLst>
   </p:cSld>
@@ -3080,7 +3114,7 @@
             <a:fld id="{018867A7-436E-4462-89C8-DCFE313C3DBA}" type="datetimeFigureOut">
               <a:rPr kumimoji="1" lang="ja-JP" altLang="en-US" smtClean="0"/>
               <a:pPr/>
-              <a:t>2015/8/22</a:t>
+              <a:t>2015/8/23</a:t>
             </a:fld>
             <a:endParaRPr kumimoji="1" lang="ja-JP" altLang="en-US"/>
           </a:p>
@@ -3132,7 +3166,7 @@
     </p:spTree>
     <p:extLst>
       <p:ext uri="{BB962C8B-B14F-4D97-AF65-F5344CB8AC3E}">
-        <p14:creationId xmlns:p14="http://schemas.microsoft.com/office/powerpoint/2010/main" xmlns="" val="2607024047"/>
+        <p14:creationId xmlns="" xmlns:p14="http://schemas.microsoft.com/office/powerpoint/2010/main" val="2607024047"/>
       </p:ext>
     </p:extLst>
   </p:cSld>
@@ -3378,7 +3412,7 @@
             <a:fld id="{018867A7-436E-4462-89C8-DCFE313C3DBA}" type="datetimeFigureOut">
               <a:rPr kumimoji="1" lang="ja-JP" altLang="en-US" smtClean="0"/>
               <a:pPr/>
-              <a:t>2015/8/22</a:t>
+              <a:t>2015/8/23</a:t>
             </a:fld>
             <a:endParaRPr kumimoji="1" lang="ja-JP" altLang="en-US"/>
           </a:p>
@@ -3430,7 +3464,7 @@
     </p:spTree>
     <p:extLst>
       <p:ext uri="{BB962C8B-B14F-4D97-AF65-F5344CB8AC3E}">
-        <p14:creationId xmlns:p14="http://schemas.microsoft.com/office/powerpoint/2010/main" xmlns="" val="1010007558"/>
+        <p14:creationId xmlns="" xmlns:p14="http://schemas.microsoft.com/office/powerpoint/2010/main" val="1010007558"/>
       </p:ext>
     </p:extLst>
   </p:cSld>
@@ -3811,7 +3845,7 @@
             <a:fld id="{018867A7-436E-4462-89C8-DCFE313C3DBA}" type="datetimeFigureOut">
               <a:rPr kumimoji="1" lang="ja-JP" altLang="en-US" smtClean="0"/>
               <a:pPr/>
-              <a:t>2015/8/22</a:t>
+              <a:t>2015/8/23</a:t>
             </a:fld>
             <a:endParaRPr kumimoji="1" lang="ja-JP" altLang="en-US"/>
           </a:p>
@@ -3863,7 +3897,7 @@
     </p:spTree>
     <p:extLst>
       <p:ext uri="{BB962C8B-B14F-4D97-AF65-F5344CB8AC3E}">
-        <p14:creationId xmlns:p14="http://schemas.microsoft.com/office/powerpoint/2010/main" xmlns="" val="3250309388"/>
+        <p14:creationId xmlns="" xmlns:p14="http://schemas.microsoft.com/office/powerpoint/2010/main" val="3250309388"/>
       </p:ext>
     </p:extLst>
   </p:cSld>
@@ -3931,7 +3965,7 @@
             <a:fld id="{018867A7-436E-4462-89C8-DCFE313C3DBA}" type="datetimeFigureOut">
               <a:rPr kumimoji="1" lang="ja-JP" altLang="en-US" smtClean="0"/>
               <a:pPr/>
-              <a:t>2015/8/22</a:t>
+              <a:t>2015/8/23</a:t>
             </a:fld>
             <a:endParaRPr kumimoji="1" lang="ja-JP" altLang="en-US"/>
           </a:p>
@@ -3983,7 +4017,7 @@
     </p:spTree>
     <p:extLst>
       <p:ext uri="{BB962C8B-B14F-4D97-AF65-F5344CB8AC3E}">
-        <p14:creationId xmlns:p14="http://schemas.microsoft.com/office/powerpoint/2010/main" xmlns="" val="3038965904"/>
+        <p14:creationId xmlns="" xmlns:p14="http://schemas.microsoft.com/office/powerpoint/2010/main" val="3038965904"/>
       </p:ext>
     </p:extLst>
   </p:cSld>
@@ -4028,7 +4062,7 @@
             <a:fld id="{018867A7-436E-4462-89C8-DCFE313C3DBA}" type="datetimeFigureOut">
               <a:rPr kumimoji="1" lang="ja-JP" altLang="en-US" smtClean="0"/>
               <a:pPr/>
-              <a:t>2015/8/22</a:t>
+              <a:t>2015/8/23</a:t>
             </a:fld>
             <a:endParaRPr kumimoji="1" lang="ja-JP" altLang="en-US"/>
           </a:p>
@@ -4080,7 +4114,7 @@
     </p:spTree>
     <p:extLst>
       <p:ext uri="{BB962C8B-B14F-4D97-AF65-F5344CB8AC3E}">
-        <p14:creationId xmlns:p14="http://schemas.microsoft.com/office/powerpoint/2010/main" xmlns="" val="1685908978"/>
+        <p14:creationId xmlns="" xmlns:p14="http://schemas.microsoft.com/office/powerpoint/2010/main" val="1685908978"/>
       </p:ext>
     </p:extLst>
   </p:cSld>
@@ -4339,7 +4373,7 @@
             <a:fld id="{018867A7-436E-4462-89C8-DCFE313C3DBA}" type="datetimeFigureOut">
               <a:rPr kumimoji="1" lang="ja-JP" altLang="en-US" smtClean="0"/>
               <a:pPr/>
-              <a:t>2015/8/22</a:t>
+              <a:t>2015/8/23</a:t>
             </a:fld>
             <a:endParaRPr kumimoji="1" lang="ja-JP" altLang="en-US"/>
           </a:p>
@@ -4391,7 +4425,7 @@
     </p:spTree>
     <p:extLst>
       <p:ext uri="{BB962C8B-B14F-4D97-AF65-F5344CB8AC3E}">
-        <p14:creationId xmlns:p14="http://schemas.microsoft.com/office/powerpoint/2010/main" xmlns="" val="551049879"/>
+        <p14:creationId xmlns="" xmlns:p14="http://schemas.microsoft.com/office/powerpoint/2010/main" val="551049879"/>
       </p:ext>
     </p:extLst>
   </p:cSld>
@@ -4598,7 +4632,7 @@
             <a:fld id="{018867A7-436E-4462-89C8-DCFE313C3DBA}" type="datetimeFigureOut">
               <a:rPr kumimoji="1" lang="ja-JP" altLang="en-US" smtClean="0"/>
               <a:pPr/>
-              <a:t>2015/8/22</a:t>
+              <a:t>2015/8/23</a:t>
             </a:fld>
             <a:endParaRPr kumimoji="1" lang="ja-JP" altLang="en-US"/>
           </a:p>
@@ -4650,7 +4684,7 @@
     </p:spTree>
     <p:extLst>
       <p:ext uri="{BB962C8B-B14F-4D97-AF65-F5344CB8AC3E}">
-        <p14:creationId xmlns:p14="http://schemas.microsoft.com/office/powerpoint/2010/main" xmlns="" val="2633962770"/>
+        <p14:creationId xmlns="" xmlns:p14="http://schemas.microsoft.com/office/powerpoint/2010/main" val="2633962770"/>
       </p:ext>
     </p:extLst>
   </p:cSld>
@@ -4845,7 +4879,7 @@
             <a:fld id="{018867A7-436E-4462-89C8-DCFE313C3DBA}" type="datetimeFigureOut">
               <a:rPr kumimoji="1" lang="ja-JP" altLang="en-US" smtClean="0"/>
               <a:pPr/>
-              <a:t>2015/8/22</a:t>
+              <a:t>2015/8/23</a:t>
             </a:fld>
             <a:endParaRPr kumimoji="1" lang="ja-JP" altLang="en-US"/>
           </a:p>
@@ -4933,7 +4967,7 @@
     </p:spTree>
     <p:extLst>
       <p:ext uri="{BB962C8B-B14F-4D97-AF65-F5344CB8AC3E}">
-        <p14:creationId xmlns:p14="http://schemas.microsoft.com/office/powerpoint/2010/main" xmlns="" val="158630497"/>
+        <p14:creationId xmlns="" xmlns:p14="http://schemas.microsoft.com/office/powerpoint/2010/main" val="158630497"/>
       </p:ext>
     </p:extLst>
   </p:cSld>
@@ -5263,7 +5297,7 @@
           <a:blip r:embed="rId2" cstate="print">
             <a:extLst>
               <a:ext uri="{28A0092B-C50C-407E-A947-70E740481C1C}">
-                <a14:useLocalDpi xmlns:a14="http://schemas.microsoft.com/office/drawing/2010/main" xmlns="" val="0"/>
+                <a14:useLocalDpi xmlns="" xmlns:a14="http://schemas.microsoft.com/office/drawing/2010/main" val="0"/>
               </a:ext>
             </a:extLst>
           </a:blip>
@@ -5394,7 +5428,7 @@
     </p:spTree>
     <p:extLst>
       <p:ext uri="{BB962C8B-B14F-4D97-AF65-F5344CB8AC3E}">
-        <p14:creationId xmlns:p14="http://schemas.microsoft.com/office/powerpoint/2010/main" xmlns="" val="802749041"/>
+        <p14:creationId xmlns="" xmlns:p14="http://schemas.microsoft.com/office/powerpoint/2010/main" val="802749041"/>
       </p:ext>
     </p:extLst>
   </p:cSld>
@@ -5488,14 +5522,14 @@
           <p:nvPr>
             <p:extLst>
               <p:ext uri="{D42A27DB-BD31-4B8C-83A1-F6EECF244321}">
-                <p14:modId xmlns:p14="http://schemas.microsoft.com/office/powerpoint/2010/main" xmlns="" val="2279140518"/>
+                <p14:modId xmlns="" xmlns:p14="http://schemas.microsoft.com/office/powerpoint/2010/main" val="2279140518"/>
               </p:ext>
             </p:extLst>
           </p:nvPr>
         </p:nvGraphicFramePr>
         <p:xfrm>
-          <a:off x="1489494" y="1906347"/>
-          <a:ext cx="6921260" cy="4480560"/>
+          <a:off x="1670255" y="1906347"/>
+          <a:ext cx="7165408" cy="3627120"/>
         </p:xfrm>
         <a:graphic>
           <a:graphicData uri="http://schemas.openxmlformats.org/drawingml/2006/table">
@@ -5504,8 +5538,8 @@
                 <a:tableStyleId>{5C22544A-7EE6-4342-B048-85BDC9FD1C3A}</a:tableStyleId>
               </a:tblPr>
               <a:tblGrid>
-                <a:gridCol w="1935192"/>
-                <a:gridCol w="4986068"/>
+                <a:gridCol w="2051148"/>
+                <a:gridCol w="5114260"/>
               </a:tblGrid>
               <a:tr h="370840">
                 <a:tc>
@@ -5870,8 +5904,8 @@
         </p:nvSpPr>
         <p:spPr>
           <a:xfrm>
-            <a:off x="314235" y="2350544"/>
-            <a:ext cx="1281652" cy="461665"/>
+            <a:off x="159488" y="2350544"/>
+            <a:ext cx="1436399" cy="461665"/>
           </a:xfrm>
           <a:prstGeom prst="rect">
             <a:avLst/>
@@ -5929,7 +5963,7 @@
     </p:spTree>
     <p:extLst>
       <p:ext uri="{BB962C8B-B14F-4D97-AF65-F5344CB8AC3E}">
-        <p14:creationId xmlns:p14="http://schemas.microsoft.com/office/powerpoint/2010/main" xmlns="" val="3333878178"/>
+        <p14:creationId xmlns="" xmlns:p14="http://schemas.microsoft.com/office/powerpoint/2010/main" val="3333878178"/>
       </p:ext>
     </p:extLst>
   </p:cSld>
@@ -6313,8 +6347,8 @@
         </p:nvSpPr>
         <p:spPr>
           <a:xfrm>
-            <a:off x="1949570" y="4979917"/>
-            <a:ext cx="6564702" cy="979715"/>
+            <a:off x="1531088" y="4979917"/>
+            <a:ext cx="6983184" cy="979715"/>
           </a:xfrm>
           <a:prstGeom prst="rect">
             <a:avLst/>
@@ -6484,7 +6518,7 @@
     </p:spTree>
     <p:extLst>
       <p:ext uri="{BB962C8B-B14F-4D97-AF65-F5344CB8AC3E}">
-        <p14:creationId xmlns:p14="http://schemas.microsoft.com/office/powerpoint/2010/main" xmlns="" val="1447535175"/>
+        <p14:creationId xmlns="" xmlns:p14="http://schemas.microsoft.com/office/powerpoint/2010/main" val="1447535175"/>
       </p:ext>
     </p:extLst>
   </p:cSld>
@@ -6530,7 +6564,7 @@
           <a:blip r:embed="rId2" cstate="print">
             <a:extLst>
               <a:ext uri="{28A0092B-C50C-407E-A947-70E740481C1C}">
-                <a14:useLocalDpi xmlns:a14="http://schemas.microsoft.com/office/drawing/2010/main" xmlns="" val="0"/>
+                <a14:useLocalDpi xmlns="" xmlns:a14="http://schemas.microsoft.com/office/drawing/2010/main" val="0"/>
               </a:ext>
             </a:extLst>
           </a:blip>
@@ -6624,7 +6658,7 @@
     </p:spTree>
     <p:extLst>
       <p:ext uri="{BB962C8B-B14F-4D97-AF65-F5344CB8AC3E}">
-        <p14:creationId xmlns:p14="http://schemas.microsoft.com/office/powerpoint/2010/main" xmlns="" val="1127820023"/>
+        <p14:creationId xmlns="" xmlns:p14="http://schemas.microsoft.com/office/powerpoint/2010/main" val="1127820023"/>
       </p:ext>
     </p:extLst>
   </p:cSld>
@@ -6825,129 +6859,115 @@
                 <a:latin typeface="Consolas" panose="020B0609020204030204" pitchFamily="49" charset="0"/>
                 <a:cs typeface="Consolas" panose="020B0609020204030204" pitchFamily="49" charset="0"/>
               </a:rPr>
-              <a:t>Host </a:t>
-            </a:r>
-            <a:r>
-              <a:rPr lang="en-US" altLang="ja-JP" sz="2400">
-                <a:latin typeface="Consolas" panose="020B0609020204030204" pitchFamily="49" charset="0"/>
-                <a:cs typeface="Consolas" panose="020B0609020204030204" pitchFamily="49" charset="0"/>
-              </a:rPr>
-              <a:t>is up (0.00014s latency).</a:t>
-            </a:r>
-          </a:p>
-          <a:p>
-            <a:r>
-              <a:rPr lang="en-US" altLang="ja-JP" sz="2400">
-                <a:latin typeface="Consolas" panose="020B0609020204030204" pitchFamily="49" charset="0"/>
-                <a:cs typeface="Consolas" panose="020B0609020204030204" pitchFamily="49" charset="0"/>
-              </a:rPr>
-              <a:t>PORT     STATE    SERVICE</a:t>
-            </a:r>
-          </a:p>
-          <a:p>
-            <a:r>
-              <a:rPr lang="en-US" altLang="ja-JP" sz="2400">
-                <a:latin typeface="Consolas" panose="020B0609020204030204" pitchFamily="49" charset="0"/>
-                <a:cs typeface="Consolas" panose="020B0609020204030204" pitchFamily="49" charset="0"/>
-              </a:rPr>
-              <a:t>21/tcp   filtered ftp</a:t>
-            </a:r>
-          </a:p>
-          <a:p>
-            <a:r>
-              <a:rPr lang="en-US" altLang="ja-JP" sz="2400">
-                <a:latin typeface="Consolas" panose="020B0609020204030204" pitchFamily="49" charset="0"/>
-                <a:cs typeface="Consolas" panose="020B0609020204030204" pitchFamily="49" charset="0"/>
-              </a:rPr>
-              <a:t>22/tcp   closed   ssh</a:t>
-            </a:r>
-          </a:p>
-          <a:p>
-            <a:r>
-              <a:rPr lang="en-US" altLang="ja-JP" sz="2400">
-                <a:latin typeface="Consolas" panose="020B0609020204030204" pitchFamily="49" charset="0"/>
-                <a:cs typeface="Consolas" panose="020B0609020204030204" pitchFamily="49" charset="0"/>
-              </a:rPr>
-              <a:t>23/tcp   filtered telnet</a:t>
-            </a:r>
-          </a:p>
-          <a:p>
-            <a:r>
-              <a:rPr lang="en-US" altLang="ja-JP" sz="2400">
-                <a:latin typeface="Consolas" panose="020B0609020204030204" pitchFamily="49" charset="0"/>
-                <a:cs typeface="Consolas" panose="020B0609020204030204" pitchFamily="49" charset="0"/>
-              </a:rPr>
-              <a:t>25/tcp   filtered smtp</a:t>
-            </a:r>
-          </a:p>
-          <a:p>
-            <a:r>
-              <a:rPr lang="en-US" altLang="ja-JP" sz="2400">
-                <a:latin typeface="Consolas" panose="020B0609020204030204" pitchFamily="49" charset="0"/>
-                <a:cs typeface="Consolas" panose="020B0609020204030204" pitchFamily="49" charset="0"/>
-              </a:rPr>
-              <a:t>80/tcp   filtered http</a:t>
-            </a:r>
-          </a:p>
-          <a:p>
-            <a:r>
-              <a:rPr lang="en-US" altLang="ja-JP" sz="2400">
-                <a:latin typeface="Consolas" panose="020B0609020204030204" pitchFamily="49" charset="0"/>
-                <a:cs typeface="Consolas" panose="020B0609020204030204" pitchFamily="49" charset="0"/>
-              </a:rPr>
-              <a:t>110/tcp  filtered pop3</a:t>
-            </a:r>
-          </a:p>
-          <a:p>
-            <a:r>
-              <a:rPr lang="en-US" altLang="ja-JP" sz="2400">
-                <a:latin typeface="Consolas" panose="020B0609020204030204" pitchFamily="49" charset="0"/>
-                <a:cs typeface="Consolas" panose="020B0609020204030204" pitchFamily="49" charset="0"/>
-              </a:rPr>
-              <a:t>139/tcp  filtered netbios-ssn</a:t>
-            </a:r>
-          </a:p>
-          <a:p>
-            <a:r>
-              <a:rPr lang="en-US" altLang="ja-JP" sz="2400">
-                <a:latin typeface="Consolas" panose="020B0609020204030204" pitchFamily="49" charset="0"/>
-                <a:cs typeface="Consolas" panose="020B0609020204030204" pitchFamily="49" charset="0"/>
-              </a:rPr>
-              <a:t>443/tcp  filtered https</a:t>
-            </a:r>
-          </a:p>
-          <a:p>
-            <a:r>
-              <a:rPr lang="en-US" altLang="ja-JP" sz="2400">
-                <a:latin typeface="Consolas" panose="020B0609020204030204" pitchFamily="49" charset="0"/>
-                <a:cs typeface="Consolas" panose="020B0609020204030204" pitchFamily="49" charset="0"/>
-              </a:rPr>
-              <a:t>445/tcp  filtered microsoft-ds</a:t>
-            </a:r>
-          </a:p>
-          <a:p>
-            <a:r>
-              <a:rPr lang="en-US" altLang="ja-JP" sz="2400">
-                <a:latin typeface="Consolas" panose="020B0609020204030204" pitchFamily="49" charset="0"/>
-                <a:cs typeface="Consolas" panose="020B0609020204030204" pitchFamily="49" charset="0"/>
-              </a:rPr>
-              <a:t>3389/tcp filtered ms-wbt-server</a:t>
-            </a:r>
-          </a:p>
-          <a:p>
-            <a:r>
-              <a:rPr lang="en-US" altLang="ja-JP" sz="2400">
-                <a:latin typeface="Consolas" panose="020B0609020204030204" pitchFamily="49" charset="0"/>
-                <a:cs typeface="Consolas" panose="020B0609020204030204" pitchFamily="49" charset="0"/>
-              </a:rPr>
-              <a:t>MAC Address: 00:0C:29:8D:99:C1 (VMware</a:t>
-            </a:r>
+              <a:t>Host is up (0.00029s latency).</a:t>
+            </a:r>
+          </a:p>
+          <a:p>
             <a:r>
               <a:rPr lang="en-US" altLang="ja-JP" sz="2400" smtClean="0">
                 <a:latin typeface="Consolas" panose="020B0609020204030204" pitchFamily="49" charset="0"/>
                 <a:cs typeface="Consolas" panose="020B0609020204030204" pitchFamily="49" charset="0"/>
               </a:rPr>
-              <a:t>)</a:t>
+              <a:t>PORT     STATE  SERVICE</a:t>
+            </a:r>
+          </a:p>
+          <a:p>
+            <a:r>
+              <a:rPr lang="en-US" altLang="ja-JP" sz="2400" smtClean="0">
+                <a:latin typeface="Consolas" panose="020B0609020204030204" pitchFamily="49" charset="0"/>
+                <a:cs typeface="Consolas" panose="020B0609020204030204" pitchFamily="49" charset="0"/>
+              </a:rPr>
+              <a:t>21/tcp   open   ftp</a:t>
+            </a:r>
+          </a:p>
+          <a:p>
+            <a:r>
+              <a:rPr lang="en-US" altLang="ja-JP" sz="2400" smtClean="0">
+                <a:latin typeface="Consolas" panose="020B0609020204030204" pitchFamily="49" charset="0"/>
+                <a:cs typeface="Consolas" panose="020B0609020204030204" pitchFamily="49" charset="0"/>
+              </a:rPr>
+              <a:t>22/tcp   open   ssh</a:t>
+            </a:r>
+          </a:p>
+          <a:p>
+            <a:r>
+              <a:rPr lang="en-US" altLang="ja-JP" sz="2400" smtClean="0">
+                <a:latin typeface="Consolas" panose="020B0609020204030204" pitchFamily="49" charset="0"/>
+                <a:cs typeface="Consolas" panose="020B0609020204030204" pitchFamily="49" charset="0"/>
+              </a:rPr>
+              <a:t>23/tcp   closed telnet</a:t>
+            </a:r>
+          </a:p>
+          <a:p>
+            <a:r>
+              <a:rPr lang="en-US" altLang="ja-JP" sz="2400" smtClean="0">
+                <a:latin typeface="Consolas" panose="020B0609020204030204" pitchFamily="49" charset="0"/>
+                <a:cs typeface="Consolas" panose="020B0609020204030204" pitchFamily="49" charset="0"/>
+              </a:rPr>
+              <a:t>25/tcp   closed smtp</a:t>
+            </a:r>
+          </a:p>
+          <a:p>
+            <a:r>
+              <a:rPr lang="en-US" altLang="ja-JP" sz="2400" smtClean="0">
+                <a:latin typeface="Consolas" panose="020B0609020204030204" pitchFamily="49" charset="0"/>
+                <a:cs typeface="Consolas" panose="020B0609020204030204" pitchFamily="49" charset="0"/>
+              </a:rPr>
+              <a:t>80/tcp   open   http</a:t>
+            </a:r>
+          </a:p>
+          <a:p>
+            <a:r>
+              <a:rPr lang="en-US" altLang="ja-JP" sz="2400" smtClean="0">
+                <a:latin typeface="Consolas" panose="020B0609020204030204" pitchFamily="49" charset="0"/>
+                <a:cs typeface="Consolas" panose="020B0609020204030204" pitchFamily="49" charset="0"/>
+              </a:rPr>
+              <a:t>110/tcp  closed pop3</a:t>
+            </a:r>
+          </a:p>
+          <a:p>
+            <a:r>
+              <a:rPr lang="en-US" altLang="ja-JP" sz="2400" smtClean="0">
+                <a:latin typeface="Consolas" panose="020B0609020204030204" pitchFamily="49" charset="0"/>
+                <a:cs typeface="Consolas" panose="020B0609020204030204" pitchFamily="49" charset="0"/>
+              </a:rPr>
+              <a:t>139/tcp  closed netbios-ssn</a:t>
+            </a:r>
+          </a:p>
+          <a:p>
+            <a:r>
+              <a:rPr lang="en-US" altLang="ja-JP" sz="2400" smtClean="0">
+                <a:latin typeface="Consolas" panose="020B0609020204030204" pitchFamily="49" charset="0"/>
+                <a:cs typeface="Consolas" panose="020B0609020204030204" pitchFamily="49" charset="0"/>
+              </a:rPr>
+              <a:t>443/tcp  open   https</a:t>
+            </a:r>
+          </a:p>
+          <a:p>
+            <a:r>
+              <a:rPr lang="en-US" altLang="ja-JP" sz="2400" smtClean="0">
+                <a:latin typeface="Consolas" panose="020B0609020204030204" pitchFamily="49" charset="0"/>
+                <a:cs typeface="Consolas" panose="020B0609020204030204" pitchFamily="49" charset="0"/>
+              </a:rPr>
+              <a:t>445/tcp  closed microsoft-ds</a:t>
+            </a:r>
+          </a:p>
+          <a:p>
+            <a:r>
+              <a:rPr lang="en-US" altLang="ja-JP" sz="2400" smtClean="0">
+                <a:latin typeface="Consolas" panose="020B0609020204030204" pitchFamily="49" charset="0"/>
+                <a:cs typeface="Consolas" panose="020B0609020204030204" pitchFamily="49" charset="0"/>
+              </a:rPr>
+              <a:t>3389/tcp closed ms-wbt-server</a:t>
+            </a:r>
+          </a:p>
+          <a:p>
+            <a:r>
+              <a:rPr lang="en-US" altLang="ja-JP" sz="2400" smtClean="0">
+                <a:latin typeface="Consolas" panose="020B0609020204030204" pitchFamily="49" charset="0"/>
+                <a:cs typeface="Consolas" panose="020B0609020204030204" pitchFamily="49" charset="0"/>
+              </a:rPr>
+              <a:t>MAC Address: 00:0C:29:59:63:7E (VMware)</a:t>
             </a:r>
             <a:endParaRPr lang="en-US" altLang="ja-JP" sz="2400">
               <a:latin typeface="Consolas" panose="020B0609020204030204" pitchFamily="49" charset="0"/>
@@ -7043,7 +7063,7 @@
     </p:spTree>
     <p:extLst>
       <p:ext uri="{BB962C8B-B14F-4D97-AF65-F5344CB8AC3E}">
-        <p14:creationId xmlns:p14="http://schemas.microsoft.com/office/powerpoint/2010/main" xmlns="" val="1570198615"/>
+        <p14:creationId xmlns="" xmlns:p14="http://schemas.microsoft.com/office/powerpoint/2010/main" val="1570198615"/>
       </p:ext>
     </p:extLst>
   </p:cSld>
@@ -7109,8 +7129,8 @@
         </p:nvSpPr>
         <p:spPr>
           <a:xfrm>
-            <a:off x="1704578" y="6242181"/>
-            <a:ext cx="7323848" cy="369332"/>
+            <a:off x="1793706" y="6242181"/>
+            <a:ext cx="7212438" cy="369332"/>
           </a:xfrm>
           <a:prstGeom prst="rect">
             <a:avLst/>
@@ -7153,16 +7173,12 @@
             <a:graphicFrameLocks noGrp="1"/>
           </p:cNvGraphicFramePr>
           <p:nvPr>
-            <p:extLst>
-              <p:ext uri="{D42A27DB-BD31-4B8C-83A1-F6EECF244321}">
-                <p14:modId xmlns:p14="http://schemas.microsoft.com/office/powerpoint/2010/main" xmlns="" val="4290637992"/>
-              </p:ext>
-            </p:extLst>
+            <p:extLst/>
           </p:nvPr>
         </p:nvGraphicFramePr>
         <p:xfrm>
           <a:off x="4848514" y="1394614"/>
-          <a:ext cx="3605021" cy="3078480"/>
+          <a:ext cx="3646900" cy="3078480"/>
         </p:xfrm>
         <a:graphic>
           <a:graphicData uri="http://schemas.openxmlformats.org/drawingml/2006/table">
@@ -7178,25 +7194,10 @@
                 <a:tableStyleId>{5C22544A-7EE6-4342-B048-85BDC9FD1C3A}</a:tableStyleId>
               </a:tblPr>
               <a:tblGrid>
-                <a:gridCol w="1486972"/>
-                <a:gridCol w="2118049"/>
+                <a:gridCol w="1871263"/>
+                <a:gridCol w="1775637"/>
               </a:tblGrid>
               <a:tr h="370840">
-                <a:tc>
-                  <a:txBody>
-                    <a:bodyPr/>
-                    <a:lstStyle/>
-                    <a:p>
-                      <a:pPr algn="ctr"/>
-                      <a:r>
-                        <a:rPr kumimoji="1" lang="ja-JP" altLang="en-US" sz="2000" smtClean="0"/>
-                        <a:t>カバレッジ</a:t>
-                      </a:r>
-                      <a:endParaRPr kumimoji="1" lang="ja-JP" altLang="en-US" sz="2000"/>
-                    </a:p>
-                  </a:txBody>
-                  <a:tcPr anchor="ctr"/>
-                </a:tc>
                 <a:tc>
                   <a:txBody>
                     <a:bodyPr/>
@@ -7224,6 +7225,37 @@
                   </a:txBody>
                   <a:tcPr/>
                 </a:tc>
+                <a:tc>
+                  <a:txBody>
+                    <a:bodyPr/>
+                    <a:lstStyle/>
+                    <a:p>
+                      <a:pPr algn="ctr"/>
+                      <a:r>
+                        <a:rPr kumimoji="1" lang="ja-JP" altLang="en-US" sz="2000" smtClean="0"/>
+                        <a:t>カバレッジ</a:t>
+                      </a:r>
+                      <a:endParaRPr kumimoji="1" lang="en-US" altLang="ja-JP" sz="2000" smtClean="0"/>
+                    </a:p>
+                    <a:p>
+                      <a:pPr algn="ctr"/>
+                      <a:r>
+                        <a:rPr kumimoji="1" lang="en-US" altLang="ja-JP" sz="2000" smtClean="0"/>
+                        <a:t>(</a:t>
+                      </a:r>
+                      <a:r>
+                        <a:rPr kumimoji="1" lang="ja-JP" altLang="en-US" sz="2000" smtClean="0"/>
+                        <a:t>網羅率</a:t>
+                      </a:r>
+                      <a:r>
+                        <a:rPr kumimoji="1" lang="en-US" altLang="ja-JP" sz="2000" smtClean="0"/>
+                        <a:t>)</a:t>
+                      </a:r>
+                      <a:endParaRPr kumimoji="1" lang="ja-JP" altLang="en-US" sz="2000"/>
+                    </a:p>
+                  </a:txBody>
+                  <a:tcPr anchor="ctr"/>
+                </a:tc>
               </a:tr>
               <a:tr h="370840">
                 <a:tc>
@@ -7234,7 +7266,7 @@
                       <a:pPr algn="ctr"/>
                       <a:r>
                         <a:rPr kumimoji="1" lang="en-US" altLang="ja-JP" sz="2000" smtClean="0"/>
-                        <a:t>50%</a:t>
+                        <a:t>10</a:t>
                       </a:r>
                       <a:endParaRPr kumimoji="1" lang="ja-JP" altLang="en-US" sz="2000"/>
                     </a:p>
@@ -7249,7 +7281,7 @@
                       <a:pPr algn="ctr"/>
                       <a:r>
                         <a:rPr kumimoji="1" lang="en-US" altLang="ja-JP" sz="2000" smtClean="0"/>
-                        <a:t>10</a:t>
+                        <a:t>50%</a:t>
                       </a:r>
                       <a:endParaRPr kumimoji="1" lang="ja-JP" altLang="en-US" sz="2000"/>
                     </a:p>
@@ -7266,7 +7298,7 @@
                       <a:pPr algn="ctr"/>
                       <a:r>
                         <a:rPr kumimoji="1" lang="en-US" altLang="ja-JP" sz="2000" smtClean="0"/>
-                        <a:t>70%</a:t>
+                        <a:t>44</a:t>
                       </a:r>
                       <a:endParaRPr kumimoji="1" lang="ja-JP" altLang="en-US" sz="2000"/>
                     </a:p>
@@ -7281,7 +7313,7 @@
                       <a:pPr algn="ctr"/>
                       <a:r>
                         <a:rPr kumimoji="1" lang="en-US" altLang="ja-JP" sz="2000" smtClean="0"/>
-                        <a:t>44</a:t>
+                        <a:t>70%</a:t>
                       </a:r>
                       <a:endParaRPr kumimoji="1" lang="ja-JP" altLang="en-US" sz="2000"/>
                     </a:p>
@@ -7298,7 +7330,7 @@
                       <a:pPr algn="ctr"/>
                       <a:r>
                         <a:rPr kumimoji="1" lang="en-US" altLang="ja-JP" sz="2000" smtClean="0"/>
-                        <a:t>80%</a:t>
+                        <a:t>122</a:t>
                       </a:r>
                       <a:endParaRPr kumimoji="1" lang="ja-JP" altLang="en-US" sz="2000"/>
                     </a:p>
@@ -7313,7 +7345,7 @@
                       <a:pPr algn="ctr"/>
                       <a:r>
                         <a:rPr kumimoji="1" lang="en-US" altLang="ja-JP" sz="2000" smtClean="0"/>
-                        <a:t>122</a:t>
+                        <a:t>80%</a:t>
                       </a:r>
                       <a:endParaRPr kumimoji="1" lang="ja-JP" altLang="en-US" sz="2000"/>
                     </a:p>
@@ -7330,7 +7362,7 @@
                       <a:pPr algn="ctr"/>
                       <a:r>
                         <a:rPr kumimoji="1" lang="en-US" altLang="ja-JP" sz="2000" smtClean="0"/>
-                        <a:t>90%</a:t>
+                        <a:t>576</a:t>
                       </a:r>
                       <a:endParaRPr kumimoji="1" lang="ja-JP" altLang="en-US" sz="2000"/>
                     </a:p>
@@ -7352,7 +7384,7 @@
                       <a:pPr algn="ctr"/>
                       <a:r>
                         <a:rPr kumimoji="1" lang="en-US" altLang="ja-JP" sz="2000" smtClean="0"/>
-                        <a:t>576</a:t>
+                        <a:t>90%</a:t>
                       </a:r>
                       <a:endParaRPr kumimoji="1" lang="ja-JP" altLang="en-US" sz="2000"/>
                     </a:p>
@@ -7376,7 +7408,7 @@
                       <a:pPr algn="ctr"/>
                       <a:r>
                         <a:rPr kumimoji="1" lang="en-US" altLang="ja-JP" sz="2000" smtClean="0"/>
-                        <a:t>99%</a:t>
+                        <a:t>3328</a:t>
                       </a:r>
                       <a:endParaRPr kumimoji="1" lang="ja-JP" altLang="en-US" sz="2000"/>
                     </a:p>
@@ -7391,7 +7423,7 @@
                       <a:pPr algn="ctr"/>
                       <a:r>
                         <a:rPr kumimoji="1" lang="en-US" altLang="ja-JP" sz="2000" smtClean="0"/>
-                        <a:t>3328</a:t>
+                        <a:t>99%</a:t>
                       </a:r>
                       <a:endParaRPr kumimoji="1" lang="ja-JP" altLang="en-US" sz="2000"/>
                     </a:p>
@@ -7408,7 +7440,7 @@
                       <a:pPr algn="ctr"/>
                       <a:r>
                         <a:rPr kumimoji="1" lang="en-US" altLang="ja-JP" sz="2000" smtClean="0"/>
-                        <a:t>100%</a:t>
+                        <a:t>65536</a:t>
                       </a:r>
                       <a:endParaRPr kumimoji="1" lang="ja-JP" altLang="en-US" sz="2000"/>
                     </a:p>
@@ -7423,7 +7455,7 @@
                       <a:pPr algn="ctr"/>
                       <a:r>
                         <a:rPr kumimoji="1" lang="en-US" altLang="ja-JP" sz="2000" smtClean="0"/>
-                        <a:t>65536</a:t>
+                        <a:t>100%</a:t>
                       </a:r>
                       <a:endParaRPr kumimoji="1" lang="ja-JP" altLang="en-US" sz="2000"/>
                     </a:p>
@@ -7438,7 +7470,7 @@
     </p:spTree>
     <p:extLst>
       <p:ext uri="{BB962C8B-B14F-4D97-AF65-F5344CB8AC3E}">
-        <p14:creationId xmlns:p14="http://schemas.microsoft.com/office/powerpoint/2010/main" xmlns="" val="3193422726"/>
+        <p14:creationId xmlns="" xmlns:p14="http://schemas.microsoft.com/office/powerpoint/2010/main" val="142409682"/>
       </p:ext>
     </p:extLst>
   </p:cSld>
@@ -7553,7 +7585,7 @@
         </p:nvGraphicFramePr>
         <p:xfrm>
           <a:off x="4848514" y="1394614"/>
-          <a:ext cx="3605021" cy="3078480"/>
+          <a:ext cx="3646900" cy="3078480"/>
         </p:xfrm>
         <a:graphic>
           <a:graphicData uri="http://schemas.openxmlformats.org/drawingml/2006/table">
@@ -7569,25 +7601,10 @@
                 <a:tableStyleId>{5C22544A-7EE6-4342-B048-85BDC9FD1C3A}</a:tableStyleId>
               </a:tblPr>
               <a:tblGrid>
-                <a:gridCol w="1486972"/>
-                <a:gridCol w="2118049"/>
+                <a:gridCol w="1871263"/>
+                <a:gridCol w="1775637"/>
               </a:tblGrid>
               <a:tr h="370840">
-                <a:tc>
-                  <a:txBody>
-                    <a:bodyPr/>
-                    <a:lstStyle/>
-                    <a:p>
-                      <a:pPr algn="ctr"/>
-                      <a:r>
-                        <a:rPr kumimoji="1" lang="ja-JP" altLang="en-US" sz="2000" smtClean="0"/>
-                        <a:t>カバレッジ</a:t>
-                      </a:r>
-                      <a:endParaRPr kumimoji="1" lang="ja-JP" altLang="en-US" sz="2000"/>
-                    </a:p>
-                  </a:txBody>
-                  <a:tcPr anchor="ctr"/>
-                </a:tc>
                 <a:tc>
                   <a:txBody>
                     <a:bodyPr/>
@@ -7615,6 +7632,37 @@
                   </a:txBody>
                   <a:tcPr/>
                 </a:tc>
+                <a:tc>
+                  <a:txBody>
+                    <a:bodyPr/>
+                    <a:lstStyle/>
+                    <a:p>
+                      <a:pPr algn="ctr"/>
+                      <a:r>
+                        <a:rPr kumimoji="1" lang="ja-JP" altLang="en-US" sz="2000" smtClean="0"/>
+                        <a:t>カバレッジ</a:t>
+                      </a:r>
+                      <a:endParaRPr kumimoji="1" lang="en-US" altLang="ja-JP" sz="2000" smtClean="0"/>
+                    </a:p>
+                    <a:p>
+                      <a:pPr algn="ctr"/>
+                      <a:r>
+                        <a:rPr kumimoji="1" lang="en-US" altLang="ja-JP" sz="2000" smtClean="0"/>
+                        <a:t>(</a:t>
+                      </a:r>
+                      <a:r>
+                        <a:rPr kumimoji="1" lang="ja-JP" altLang="en-US" sz="2000" smtClean="0"/>
+                        <a:t>網羅率</a:t>
+                      </a:r>
+                      <a:r>
+                        <a:rPr kumimoji="1" lang="en-US" altLang="ja-JP" sz="2000" smtClean="0"/>
+                        <a:t>)</a:t>
+                      </a:r>
+                      <a:endParaRPr kumimoji="1" lang="ja-JP" altLang="en-US" sz="2000"/>
+                    </a:p>
+                  </a:txBody>
+                  <a:tcPr anchor="ctr"/>
+                </a:tc>
               </a:tr>
               <a:tr h="370840">
                 <a:tc>
@@ -7625,7 +7673,7 @@
                       <a:pPr algn="ctr"/>
                       <a:r>
                         <a:rPr kumimoji="1" lang="en-US" altLang="ja-JP" sz="2000" smtClean="0"/>
-                        <a:t>50%</a:t>
+                        <a:t>10</a:t>
                       </a:r>
                       <a:endParaRPr kumimoji="1" lang="ja-JP" altLang="en-US" sz="2000"/>
                     </a:p>
@@ -7640,7 +7688,7 @@
                       <a:pPr algn="ctr"/>
                       <a:r>
                         <a:rPr kumimoji="1" lang="en-US" altLang="ja-JP" sz="2000" smtClean="0"/>
-                        <a:t>10</a:t>
+                        <a:t>50%</a:t>
                       </a:r>
                       <a:endParaRPr kumimoji="1" lang="ja-JP" altLang="en-US" sz="2000"/>
                     </a:p>
@@ -7657,7 +7705,7 @@
                       <a:pPr algn="ctr"/>
                       <a:r>
                         <a:rPr kumimoji="1" lang="en-US" altLang="ja-JP" sz="2000" smtClean="0"/>
-                        <a:t>70%</a:t>
+                        <a:t>44</a:t>
                       </a:r>
                       <a:endParaRPr kumimoji="1" lang="ja-JP" altLang="en-US" sz="2000"/>
                     </a:p>
@@ -7672,7 +7720,7 @@
                       <a:pPr algn="ctr"/>
                       <a:r>
                         <a:rPr kumimoji="1" lang="en-US" altLang="ja-JP" sz="2000" smtClean="0"/>
-                        <a:t>44</a:t>
+                        <a:t>70%</a:t>
                       </a:r>
                       <a:endParaRPr kumimoji="1" lang="ja-JP" altLang="en-US" sz="2000"/>
                     </a:p>
@@ -7689,7 +7737,7 @@
                       <a:pPr algn="ctr"/>
                       <a:r>
                         <a:rPr kumimoji="1" lang="en-US" altLang="ja-JP" sz="2000" smtClean="0"/>
-                        <a:t>80%</a:t>
+                        <a:t>122</a:t>
                       </a:r>
                       <a:endParaRPr kumimoji="1" lang="ja-JP" altLang="en-US" sz="2000"/>
                     </a:p>
@@ -7704,7 +7752,7 @@
                       <a:pPr algn="ctr"/>
                       <a:r>
                         <a:rPr kumimoji="1" lang="en-US" altLang="ja-JP" sz="2000" smtClean="0"/>
-                        <a:t>122</a:t>
+                        <a:t>80%</a:t>
                       </a:r>
                       <a:endParaRPr kumimoji="1" lang="ja-JP" altLang="en-US" sz="2000"/>
                     </a:p>
@@ -7721,7 +7769,7 @@
                       <a:pPr algn="ctr"/>
                       <a:r>
                         <a:rPr kumimoji="1" lang="en-US" altLang="ja-JP" sz="2000" smtClean="0"/>
-                        <a:t>90%</a:t>
+                        <a:t>576</a:t>
                       </a:r>
                       <a:endParaRPr kumimoji="1" lang="ja-JP" altLang="en-US" sz="2000"/>
                     </a:p>
@@ -7743,7 +7791,7 @@
                       <a:pPr algn="ctr"/>
                       <a:r>
                         <a:rPr kumimoji="1" lang="en-US" altLang="ja-JP" sz="2000" smtClean="0"/>
-                        <a:t>576</a:t>
+                        <a:t>90%</a:t>
                       </a:r>
                       <a:endParaRPr kumimoji="1" lang="ja-JP" altLang="en-US" sz="2000"/>
                     </a:p>
@@ -7767,7 +7815,7 @@
                       <a:pPr algn="ctr"/>
                       <a:r>
                         <a:rPr kumimoji="1" lang="en-US" altLang="ja-JP" sz="2000" smtClean="0"/>
-                        <a:t>99%</a:t>
+                        <a:t>3328</a:t>
                       </a:r>
                       <a:endParaRPr kumimoji="1" lang="ja-JP" altLang="en-US" sz="2000"/>
                     </a:p>
@@ -7782,7 +7830,7 @@
                       <a:pPr algn="ctr"/>
                       <a:r>
                         <a:rPr kumimoji="1" lang="en-US" altLang="ja-JP" sz="2000" smtClean="0"/>
-                        <a:t>3328</a:t>
+                        <a:t>99%</a:t>
                       </a:r>
                       <a:endParaRPr kumimoji="1" lang="ja-JP" altLang="en-US" sz="2000"/>
                     </a:p>
@@ -7799,7 +7847,7 @@
                       <a:pPr algn="ctr"/>
                       <a:r>
                         <a:rPr kumimoji="1" lang="en-US" altLang="ja-JP" sz="2000" smtClean="0"/>
-                        <a:t>100%</a:t>
+                        <a:t>65536</a:t>
                       </a:r>
                       <a:endParaRPr kumimoji="1" lang="ja-JP" altLang="en-US" sz="2000"/>
                     </a:p>
@@ -7814,7 +7862,7 @@
                       <a:pPr algn="ctr"/>
                       <a:r>
                         <a:rPr kumimoji="1" lang="en-US" altLang="ja-JP" sz="2000" smtClean="0"/>
-                        <a:t>65536</a:t>
+                        <a:t>100%</a:t>
                       </a:r>
                       <a:endParaRPr kumimoji="1" lang="ja-JP" altLang="en-US" sz="2000"/>
                     </a:p>
@@ -7901,7 +7949,7 @@
     </p:spTree>
     <p:extLst>
       <p:ext uri="{BB962C8B-B14F-4D97-AF65-F5344CB8AC3E}">
-        <p14:creationId xmlns:p14="http://schemas.microsoft.com/office/powerpoint/2010/main" xmlns="" val="142409682"/>
+        <p14:creationId xmlns="" xmlns:p14="http://schemas.microsoft.com/office/powerpoint/2010/main" val="142409682"/>
       </p:ext>
     </p:extLst>
   </p:cSld>
@@ -7947,7 +7995,7 @@
           <a:blip r:embed="rId2" cstate="print">
             <a:extLst>
               <a:ext uri="{28A0092B-C50C-407E-A947-70E740481C1C}">
-                <a14:useLocalDpi xmlns:a14="http://schemas.microsoft.com/office/drawing/2010/main" xmlns="" val="0"/>
+                <a14:useLocalDpi xmlns="" xmlns:a14="http://schemas.microsoft.com/office/drawing/2010/main" val="0"/>
               </a:ext>
             </a:extLst>
           </a:blip>
@@ -8036,7 +8084,7 @@
     </p:spTree>
     <p:extLst>
       <p:ext uri="{BB962C8B-B14F-4D97-AF65-F5344CB8AC3E}">
-        <p14:creationId xmlns:p14="http://schemas.microsoft.com/office/powerpoint/2010/main" xmlns="" val="1093681869"/>
+        <p14:creationId xmlns="" xmlns:p14="http://schemas.microsoft.com/office/powerpoint/2010/main" val="1093681869"/>
       </p:ext>
     </p:extLst>
   </p:cSld>
@@ -8150,19 +8198,7 @@
           <a:p>
             <a:r>
               <a:rPr kumimoji="1" lang="ja-JP" altLang="en-US" sz="3200" smtClean="0"/>
-              <a:t>この状況で</a:t>
-            </a:r>
-            <a:r>
-              <a:rPr kumimoji="1" lang="ja-JP" altLang="en-US" sz="3200" smtClean="0"/>
-              <a:t>、外部</a:t>
-            </a:r>
-            <a:r>
-              <a:rPr kumimoji="1" lang="ja-JP" altLang="en-US" sz="3200" smtClean="0"/>
-              <a:t>になんとして</a:t>
-            </a:r>
-            <a:r>
-              <a:rPr kumimoji="1" lang="ja-JP" altLang="en-US" sz="3200" smtClean="0"/>
-              <a:t>でも</a:t>
+              <a:t>この状況で、外部になんとしてでも</a:t>
             </a:r>
             <a:r>
               <a:rPr lang="ja-JP" altLang="en-US" sz="3200" smtClean="0"/>
@@ -8179,7 +8215,7 @@
     </p:spTree>
     <p:extLst>
       <p:ext uri="{BB962C8B-B14F-4D97-AF65-F5344CB8AC3E}">
-        <p14:creationId xmlns:p14="http://schemas.microsoft.com/office/powerpoint/2010/main" xmlns="" val="1708929833"/>
+        <p14:creationId xmlns="" xmlns:p14="http://schemas.microsoft.com/office/powerpoint/2010/main" val="1708929833"/>
       </p:ext>
     </p:extLst>
   </p:cSld>
@@ -8293,19 +8329,7 @@
           <a:p>
             <a:r>
               <a:rPr kumimoji="1" lang="ja-JP" altLang="en-US" sz="3200" smtClean="0"/>
-              <a:t>この状況で</a:t>
-            </a:r>
-            <a:r>
-              <a:rPr kumimoji="1" lang="ja-JP" altLang="en-US" sz="3200" smtClean="0"/>
-              <a:t>、外部</a:t>
-            </a:r>
-            <a:r>
-              <a:rPr kumimoji="1" lang="ja-JP" altLang="en-US" sz="3200" smtClean="0"/>
-              <a:t>になんとして</a:t>
-            </a:r>
-            <a:r>
-              <a:rPr kumimoji="1" lang="ja-JP" altLang="en-US" sz="3200" smtClean="0"/>
-              <a:t>でも犯人を伝えたい</a:t>
+              <a:t>この状況で、外部になんとしてでも犯人を伝えたい</a:t>
             </a:r>
             <a:endParaRPr kumimoji="1" lang="en-US" altLang="ja-JP" sz="3200" smtClean="0"/>
           </a:p>
@@ -8345,7 +8369,7 @@
     </p:spTree>
     <p:extLst>
       <p:ext uri="{BB962C8B-B14F-4D97-AF65-F5344CB8AC3E}">
-        <p14:creationId xmlns:p14="http://schemas.microsoft.com/office/powerpoint/2010/main" xmlns="" val="285120714"/>
+        <p14:creationId xmlns="" xmlns:p14="http://schemas.microsoft.com/office/powerpoint/2010/main" val="285120714"/>
       </p:ext>
     </p:extLst>
   </p:cSld>
@@ -8463,7 +8487,7 @@
           <a:blip r:embed="rId3" cstate="print">
             <a:extLst>
               <a:ext uri="{28A0092B-C50C-407E-A947-70E740481C1C}">
-                <a14:useLocalDpi xmlns:a14="http://schemas.microsoft.com/office/drawing/2010/main" xmlns="" val="0"/>
+                <a14:useLocalDpi xmlns="" xmlns:a14="http://schemas.microsoft.com/office/drawing/2010/main" val="0"/>
               </a:ext>
             </a:extLst>
           </a:blip>
@@ -8783,7 +8807,7 @@
     </p:spTree>
     <p:extLst>
       <p:ext uri="{BB962C8B-B14F-4D97-AF65-F5344CB8AC3E}">
-        <p14:creationId xmlns:p14="http://schemas.microsoft.com/office/powerpoint/2010/main" xmlns="" val="4038990212"/>
+        <p14:creationId xmlns="" xmlns:p14="http://schemas.microsoft.com/office/powerpoint/2010/main" val="4038990212"/>
       </p:ext>
     </p:extLst>
   </p:cSld>
@@ -9077,7 +9101,7 @@
     </p:spTree>
     <p:extLst>
       <p:ext uri="{BB962C8B-B14F-4D97-AF65-F5344CB8AC3E}">
-        <p14:creationId xmlns:p14="http://schemas.microsoft.com/office/powerpoint/2010/main" xmlns="" val="251935292"/>
+        <p14:creationId xmlns="" xmlns:p14="http://schemas.microsoft.com/office/powerpoint/2010/main" val="251935292"/>
       </p:ext>
     </p:extLst>
   </p:cSld>
@@ -9223,7 +9247,7 @@
     </p:spTree>
     <p:extLst>
       <p:ext uri="{BB962C8B-B14F-4D97-AF65-F5344CB8AC3E}">
-        <p14:creationId xmlns:p14="http://schemas.microsoft.com/office/powerpoint/2010/main" xmlns="" val="629575943"/>
+        <p14:creationId xmlns="" xmlns:p14="http://schemas.microsoft.com/office/powerpoint/2010/main" val="629575943"/>
       </p:ext>
     </p:extLst>
   </p:cSld>
@@ -9540,20 +9564,7 @@
                 <a:latin typeface="Helvetica"/>
                 <a:cs typeface="Helvetica"/>
               </a:rPr>
-              <a:t> </a:t>
-            </a:r>
-            <a:r>
-              <a:rPr lang="ja-JP" altLang="en-US" sz="2400" b="1" smtClean="0">
-                <a:solidFill>
-                  <a:schemeClr val="accent2">
-                    <a:lumMod val="20000"/>
-                    <a:lumOff val="80000"/>
-                  </a:schemeClr>
-                </a:solidFill>
-                <a:latin typeface="Helvetica"/>
-                <a:cs typeface="Helvetica"/>
-              </a:rPr>
-              <a:t>→ </a:t>
+              <a:t> → </a:t>
             </a:r>
             <a:r>
               <a:rPr lang="en-US" altLang="ja-JP" sz="2400" b="1" smtClean="0">
@@ -9566,20 +9577,7 @@
                 <a:latin typeface="Helvetica"/>
                 <a:cs typeface="Helvetica"/>
               </a:rPr>
-              <a:t>Hannin </a:t>
-            </a:r>
-            <a:r>
-              <a:rPr lang="en-US" altLang="ja-JP" sz="2400" b="1" smtClean="0">
-                <a:solidFill>
-                  <a:schemeClr val="accent2">
-                    <a:lumMod val="20000"/>
-                    <a:lumOff val="80000"/>
-                  </a:schemeClr>
-                </a:solidFill>
-                <a:latin typeface="Helvetica"/>
-                <a:cs typeface="Helvetica"/>
-              </a:rPr>
-              <a:t>wa YASU.</a:t>
+              <a:t>Hannin wa YASU.</a:t>
             </a:r>
             <a:endParaRPr kumimoji="1" lang="ja-JP" altLang="en-US" sz="2400" b="1">
               <a:solidFill>
@@ -9597,7 +9595,7 @@
     </p:spTree>
     <p:extLst>
       <p:ext uri="{BB962C8B-B14F-4D97-AF65-F5344CB8AC3E}">
-        <p14:creationId xmlns:p14="http://schemas.microsoft.com/office/powerpoint/2010/main" xmlns="" val="3008246913"/>
+        <p14:creationId xmlns="" xmlns:p14="http://schemas.microsoft.com/office/powerpoint/2010/main" val="3008246913"/>
       </p:ext>
     </p:extLst>
   </p:cSld>
@@ -9907,7 +9905,7 @@
     </p:spTree>
     <p:extLst>
       <p:ext uri="{BB962C8B-B14F-4D97-AF65-F5344CB8AC3E}">
-        <p14:creationId xmlns:p14="http://schemas.microsoft.com/office/powerpoint/2010/main" xmlns="" val="2304079971"/>
+        <p14:creationId xmlns="" xmlns:p14="http://schemas.microsoft.com/office/powerpoint/2010/main" val="2304079971"/>
       </p:ext>
     </p:extLst>
   </p:cSld>
@@ -10032,7 +10030,7 @@
     </p:spTree>
     <p:extLst>
       <p:ext uri="{BB962C8B-B14F-4D97-AF65-F5344CB8AC3E}">
-        <p14:creationId xmlns:p14="http://schemas.microsoft.com/office/powerpoint/2010/main" xmlns="" val="3650125372"/>
+        <p14:creationId xmlns="" xmlns:p14="http://schemas.microsoft.com/office/powerpoint/2010/main" val="3650125372"/>
       </p:ext>
     </p:extLst>
   </p:cSld>
@@ -10078,7 +10076,7 @@
           <a:blip r:embed="rId2" cstate="print">
             <a:extLst>
               <a:ext uri="{28A0092B-C50C-407E-A947-70E740481C1C}">
-                <a14:useLocalDpi xmlns:a14="http://schemas.microsoft.com/office/drawing/2010/main" xmlns="" val="0"/>
+                <a14:useLocalDpi xmlns="" xmlns:a14="http://schemas.microsoft.com/office/drawing/2010/main" val="0"/>
               </a:ext>
             </a:extLst>
           </a:blip>
@@ -10197,7 +10195,7 @@
     </p:spTree>
     <p:extLst>
       <p:ext uri="{BB962C8B-B14F-4D97-AF65-F5344CB8AC3E}">
-        <p14:creationId xmlns:p14="http://schemas.microsoft.com/office/powerpoint/2010/main" xmlns="" val="2122976183"/>
+        <p14:creationId xmlns="" xmlns:p14="http://schemas.microsoft.com/office/powerpoint/2010/main" val="2122976183"/>
       </p:ext>
     </p:extLst>
   </p:cSld>
@@ -10336,7 +10334,7 @@
     </p:spTree>
     <p:extLst>
       <p:ext uri="{BB962C8B-B14F-4D97-AF65-F5344CB8AC3E}">
-        <p14:creationId xmlns:p14="http://schemas.microsoft.com/office/powerpoint/2010/main" xmlns="" val="3575517561"/>
+        <p14:creationId xmlns="" xmlns:p14="http://schemas.microsoft.com/office/powerpoint/2010/main" val="3575517561"/>
       </p:ext>
     </p:extLst>
   </p:cSld>
@@ -10459,7 +10457,7 @@
     </p:spTree>
     <p:extLst>
       <p:ext uri="{BB962C8B-B14F-4D97-AF65-F5344CB8AC3E}">
-        <p14:creationId xmlns:p14="http://schemas.microsoft.com/office/powerpoint/2010/main" xmlns="" val="3571136695"/>
+        <p14:creationId xmlns="" xmlns:p14="http://schemas.microsoft.com/office/powerpoint/2010/main" val="3571136695"/>
       </p:ext>
     </p:extLst>
   </p:cSld>
@@ -10602,7 +10600,7 @@
     </p:spTree>
     <p:extLst>
       <p:ext uri="{BB962C8B-B14F-4D97-AF65-F5344CB8AC3E}">
-        <p14:creationId xmlns:p14="http://schemas.microsoft.com/office/powerpoint/2010/main" xmlns="" val="2554317840"/>
+        <p14:creationId xmlns="" xmlns:p14="http://schemas.microsoft.com/office/powerpoint/2010/main" val="2554317840"/>
       </p:ext>
     </p:extLst>
   </p:cSld>
@@ -10730,15 +10728,11 @@
             <a:pPr lvl="1"/>
             <a:r>
               <a:rPr lang="ja-JP" altLang="en-US" sz="3000" smtClean="0"/>
-              <a:t>セキュリティポリシをかいくぐって通信する</a:t>
+              <a:t>セキュリティポリシをかいくぐって通信</a:t>
             </a:r>
             <a:r>
               <a:rPr lang="ja-JP" altLang="en-US" sz="3000" smtClean="0"/>
-              <a:t>に</a:t>
-            </a:r>
-            <a:r>
-              <a:rPr lang="ja-JP" altLang="en-US" sz="3000" smtClean="0"/>
-              <a:t>は</a:t>
+              <a:t>する</a:t>
             </a:r>
             <a:endParaRPr lang="en-US" altLang="ja-JP" sz="3000" smtClean="0"/>
           </a:p>
@@ -10789,7 +10783,7 @@
     </p:spTree>
     <p:extLst>
       <p:ext uri="{BB962C8B-B14F-4D97-AF65-F5344CB8AC3E}">
-        <p14:creationId xmlns:p14="http://schemas.microsoft.com/office/powerpoint/2010/main" xmlns="" val="2790500367"/>
+        <p14:creationId xmlns="" xmlns:p14="http://schemas.microsoft.com/office/powerpoint/2010/main" val="2790500367"/>
       </p:ext>
     </p:extLst>
   </p:cSld>
@@ -10835,7 +10829,7 @@
           <a:blip r:embed="rId2" cstate="print">
             <a:extLst>
               <a:ext uri="{28A0092B-C50C-407E-A947-70E740481C1C}">
-                <a14:useLocalDpi xmlns:a14="http://schemas.microsoft.com/office/drawing/2010/main" xmlns="" val="0"/>
+                <a14:useLocalDpi xmlns="" xmlns:a14="http://schemas.microsoft.com/office/drawing/2010/main" val="0"/>
               </a:ext>
             </a:extLst>
           </a:blip>
@@ -10952,7 +10946,7 @@
     </p:spTree>
     <p:extLst>
       <p:ext uri="{BB962C8B-B14F-4D97-AF65-F5344CB8AC3E}">
-        <p14:creationId xmlns:p14="http://schemas.microsoft.com/office/powerpoint/2010/main" xmlns="" val="2142194488"/>
+        <p14:creationId xmlns="" xmlns:p14="http://schemas.microsoft.com/office/powerpoint/2010/main" val="2142194488"/>
       </p:ext>
     </p:extLst>
   </p:cSld>
@@ -11087,7 +11081,7 @@
     </p:spTree>
     <p:extLst>
       <p:ext uri="{BB962C8B-B14F-4D97-AF65-F5344CB8AC3E}">
-        <p14:creationId xmlns:p14="http://schemas.microsoft.com/office/powerpoint/2010/main" xmlns="" val="3529535026"/>
+        <p14:creationId xmlns="" xmlns:p14="http://schemas.microsoft.com/office/powerpoint/2010/main" val="3529535026"/>
       </p:ext>
     </p:extLst>
   </p:cSld>
@@ -11443,7 +11437,7 @@
     </p:spTree>
     <p:extLst>
       <p:ext uri="{BB962C8B-B14F-4D97-AF65-F5344CB8AC3E}">
-        <p14:creationId xmlns:p14="http://schemas.microsoft.com/office/powerpoint/2010/main" xmlns="" val="2991684915"/>
+        <p14:creationId xmlns="" xmlns:p14="http://schemas.microsoft.com/office/powerpoint/2010/main" val="2991684915"/>
       </p:ext>
     </p:extLst>
   </p:cSld>
@@ -11823,7 +11817,7 @@
     </p:spTree>
     <p:extLst>
       <p:ext uri="{BB962C8B-B14F-4D97-AF65-F5344CB8AC3E}">
-        <p14:creationId xmlns:p14="http://schemas.microsoft.com/office/powerpoint/2010/main" xmlns="" val="311579348"/>
+        <p14:creationId xmlns="" xmlns:p14="http://schemas.microsoft.com/office/powerpoint/2010/main" val="311579348"/>
       </p:ext>
     </p:extLst>
   </p:cSld>
@@ -11945,7 +11939,7 @@
     </p:spTree>
     <p:extLst>
       <p:ext uri="{BB962C8B-B14F-4D97-AF65-F5344CB8AC3E}">
-        <p14:creationId xmlns:p14="http://schemas.microsoft.com/office/powerpoint/2010/main" xmlns="" val="2399038984"/>
+        <p14:creationId xmlns="" xmlns:p14="http://schemas.microsoft.com/office/powerpoint/2010/main" val="2399038984"/>
       </p:ext>
     </p:extLst>
   </p:cSld>
@@ -12085,7 +12079,7 @@
     </p:spTree>
     <p:extLst>
       <p:ext uri="{BB962C8B-B14F-4D97-AF65-F5344CB8AC3E}">
-        <p14:creationId xmlns:p14="http://schemas.microsoft.com/office/powerpoint/2010/main" xmlns="" val="4014586209"/>
+        <p14:creationId xmlns="" xmlns:p14="http://schemas.microsoft.com/office/powerpoint/2010/main" val="4014586209"/>
       </p:ext>
     </p:extLst>
   </p:cSld>
@@ -12340,7 +12334,7 @@
     </p:spTree>
     <p:extLst>
       <p:ext uri="{BB962C8B-B14F-4D97-AF65-F5344CB8AC3E}">
-        <p14:creationId xmlns:p14="http://schemas.microsoft.com/office/powerpoint/2010/main" xmlns="" val="846265346"/>
+        <p14:creationId xmlns="" xmlns:p14="http://schemas.microsoft.com/office/powerpoint/2010/main" val="846265346"/>
       </p:ext>
     </p:extLst>
   </p:cSld>
@@ -12598,7 +12592,7 @@
     </p:spTree>
     <p:extLst>
       <p:ext uri="{BB962C8B-B14F-4D97-AF65-F5344CB8AC3E}">
-        <p14:creationId xmlns:p14="http://schemas.microsoft.com/office/powerpoint/2010/main" xmlns="" val="733360992"/>
+        <p14:creationId xmlns="" xmlns:p14="http://schemas.microsoft.com/office/powerpoint/2010/main" val="733360992"/>
       </p:ext>
     </p:extLst>
   </p:cSld>
@@ -12644,7 +12638,7 @@
           <a:blip r:embed="rId2" cstate="print">
             <a:extLst>
               <a:ext uri="{28A0092B-C50C-407E-A947-70E740481C1C}">
-                <a14:useLocalDpi xmlns:a14="http://schemas.microsoft.com/office/drawing/2010/main" xmlns="" val="0"/>
+                <a14:useLocalDpi xmlns="" xmlns:a14="http://schemas.microsoft.com/office/drawing/2010/main" val="0"/>
               </a:ext>
             </a:extLst>
           </a:blip>
@@ -12805,7 +12799,7 @@
     </p:spTree>
     <p:extLst>
       <p:ext uri="{BB962C8B-B14F-4D97-AF65-F5344CB8AC3E}">
-        <p14:creationId xmlns:p14="http://schemas.microsoft.com/office/powerpoint/2010/main" xmlns="" val="2078586375"/>
+        <p14:creationId xmlns="" xmlns:p14="http://schemas.microsoft.com/office/powerpoint/2010/main" val="2078586375"/>
       </p:ext>
     </p:extLst>
   </p:cSld>
@@ -13087,7 +13081,7 @@
     </p:spTree>
     <p:extLst>
       <p:ext uri="{BB962C8B-B14F-4D97-AF65-F5344CB8AC3E}">
-        <p14:creationId xmlns:p14="http://schemas.microsoft.com/office/powerpoint/2010/main" xmlns="" val="840825377"/>
+        <p14:creationId xmlns="" xmlns:p14="http://schemas.microsoft.com/office/powerpoint/2010/main" val="840825377"/>
       </p:ext>
     </p:extLst>
   </p:cSld>
@@ -13174,7 +13168,7 @@
     </p:spTree>
     <p:extLst>
       <p:ext uri="{BB962C8B-B14F-4D97-AF65-F5344CB8AC3E}">
-        <p14:creationId xmlns:p14="http://schemas.microsoft.com/office/powerpoint/2010/main" xmlns="" val="742552759"/>
+        <p14:creationId xmlns="" xmlns:p14="http://schemas.microsoft.com/office/powerpoint/2010/main" val="742552759"/>
       </p:ext>
     </p:extLst>
   </p:cSld>
@@ -13295,7 +13289,7 @@
     </p:spTree>
     <p:extLst>
       <p:ext uri="{BB962C8B-B14F-4D97-AF65-F5344CB8AC3E}">
-        <p14:creationId xmlns:p14="http://schemas.microsoft.com/office/powerpoint/2010/main" xmlns="" val="2888440918"/>
+        <p14:creationId xmlns="" xmlns:p14="http://schemas.microsoft.com/office/powerpoint/2010/main" val="2888440918"/>
       </p:ext>
     </p:extLst>
   </p:cSld>
@@ -13341,7 +13335,7 @@
           <a:blip r:embed="rId2" cstate="print">
             <a:extLst>
               <a:ext uri="{28A0092B-C50C-407E-A947-70E740481C1C}">
-                <a14:useLocalDpi xmlns:a14="http://schemas.microsoft.com/office/drawing/2010/main" xmlns="" val="0"/>
+                <a14:useLocalDpi xmlns="" xmlns:a14="http://schemas.microsoft.com/office/drawing/2010/main" val="0"/>
               </a:ext>
             </a:extLst>
           </a:blip>
@@ -13416,7 +13410,7 @@
     </p:spTree>
     <p:extLst>
       <p:ext uri="{BB962C8B-B14F-4D97-AF65-F5344CB8AC3E}">
-        <p14:creationId xmlns:p14="http://schemas.microsoft.com/office/powerpoint/2010/main" xmlns="" val="2711273333"/>
+        <p14:creationId xmlns="" xmlns:p14="http://schemas.microsoft.com/office/powerpoint/2010/main" val="2711273333"/>
       </p:ext>
     </p:extLst>
   </p:cSld>
@@ -13462,7 +13456,7 @@
           <a:blip r:embed="rId2" cstate="print">
             <a:extLst>
               <a:ext uri="{28A0092B-C50C-407E-A947-70E740481C1C}">
-                <a14:useLocalDpi xmlns:a14="http://schemas.microsoft.com/office/drawing/2010/main" xmlns="" val="0"/>
+                <a14:useLocalDpi xmlns="" xmlns:a14="http://schemas.microsoft.com/office/drawing/2010/main" val="0"/>
               </a:ext>
             </a:extLst>
           </a:blip>
@@ -13537,7 +13531,7 @@
     </p:spTree>
     <p:extLst>
       <p:ext uri="{BB962C8B-B14F-4D97-AF65-F5344CB8AC3E}">
-        <p14:creationId xmlns:p14="http://schemas.microsoft.com/office/powerpoint/2010/main" xmlns="" val="881172435"/>
+        <p14:creationId xmlns="" xmlns:p14="http://schemas.microsoft.com/office/powerpoint/2010/main" val="881172435"/>
       </p:ext>
     </p:extLst>
   </p:cSld>
@@ -13616,7 +13610,7 @@
     </p:spTree>
     <p:extLst>
       <p:ext uri="{BB962C8B-B14F-4D97-AF65-F5344CB8AC3E}">
-        <p14:creationId xmlns:p14="http://schemas.microsoft.com/office/powerpoint/2010/main" xmlns="" val="3118375049"/>
+        <p14:creationId xmlns="" xmlns:p14="http://schemas.microsoft.com/office/powerpoint/2010/main" val="3118375049"/>
       </p:ext>
     </p:extLst>
   </p:cSld>
@@ -13722,7 +13716,7 @@
     </p:spTree>
     <p:extLst>
       <p:ext uri="{BB962C8B-B14F-4D97-AF65-F5344CB8AC3E}">
-        <p14:creationId xmlns:p14="http://schemas.microsoft.com/office/powerpoint/2010/main" xmlns="" val="569350094"/>
+        <p14:creationId xmlns="" xmlns:p14="http://schemas.microsoft.com/office/powerpoint/2010/main" val="569350094"/>
       </p:ext>
     </p:extLst>
   </p:cSld>
@@ -13809,7 +13803,7 @@
     </p:spTree>
     <p:extLst>
       <p:ext uri="{BB962C8B-B14F-4D97-AF65-F5344CB8AC3E}">
-        <p14:creationId xmlns:p14="http://schemas.microsoft.com/office/powerpoint/2010/main" xmlns="" val="1043460440"/>
+        <p14:creationId xmlns="" xmlns:p14="http://schemas.microsoft.com/office/powerpoint/2010/main" val="1043460440"/>
       </p:ext>
     </p:extLst>
   </p:cSld>
@@ -14021,7 +14015,7 @@
   <a:extraClrSchemeLst/>
   <a:extLst>
     <a:ext uri="{05A4C25C-085E-4340-85A3-A5531E510DB2}">
-      <thm15:themeFamily xmlns="" xmlns:thm15="http://schemas.microsoft.com/office/thememl/2012/main" name="Office Theme" id="{62F939B6-93AF-4DB8-9C6B-D6C7DFDC589F}" vid="{4A3C46E8-61CC-4603-A589-7422A47A8E4A}"/>
+      <thm15:themeFamily xmlns:thm15="http://schemas.microsoft.com/office/thememl/2012/main" xmlns="" name="Office Theme" id="{62F939B6-93AF-4DB8-9C6B-D6C7DFDC589F}" vid="{4A3C46E8-61CC-4603-A589-7422A47A8E4A}"/>
     </a:ext>
   </a:extLst>
 </a:theme>
@@ -14282,7 +14276,7 @@
   <a:extraClrSchemeLst/>
   <a:extLst>
     <a:ext uri="{05A4C25C-085E-4340-85A3-A5531E510DB2}">
-      <thm15:themeFamily xmlns="" xmlns:thm15="http://schemas.microsoft.com/office/thememl/2012/main" name="Office Theme" id="{62F939B6-93AF-4DB8-9C6B-D6C7DFDC589F}" vid="{4A3C46E8-61CC-4603-A589-7422A47A8E4A}"/>
+      <thm15:themeFamily xmlns:thm15="http://schemas.microsoft.com/office/thememl/2012/main" xmlns="" name="Office Theme" id="{62F939B6-93AF-4DB8-9C6B-D6C7DFDC589F}" vid="{4A3C46E8-61CC-4603-A589-7422A47A8E4A}"/>
     </a:ext>
   </a:extLst>
 </a:theme>

--- a/2015-no.2/ppt/00_ozuma.pptx
+++ b/2015-no.2/ppt/00_ozuma.pptx
@@ -5,49 +5,53 @@
     <p:sldMasterId id="2147483690" r:id="rId1"/>
   </p:sldMasterIdLst>
   <p:notesMasterIdLst>
-    <p:notesMasterId r:id="rId42"/>
+    <p:notesMasterId r:id="rId46"/>
   </p:notesMasterIdLst>
   <p:sldIdLst>
     <p:sldId id="257" r:id="rId2"/>
     <p:sldId id="261" r:id="rId3"/>
     <p:sldId id="262" r:id="rId4"/>
-    <p:sldId id="289" r:id="rId5"/>
+    <p:sldId id="311" r:id="rId5"/>
     <p:sldId id="270" r:id="rId6"/>
-    <p:sldId id="290" r:id="rId7"/>
-    <p:sldId id="265" r:id="rId8"/>
-    <p:sldId id="267" r:id="rId9"/>
-    <p:sldId id="282" r:id="rId10"/>
-    <p:sldId id="266" r:id="rId11"/>
-    <p:sldId id="264" r:id="rId12"/>
-    <p:sldId id="284" r:id="rId13"/>
-    <p:sldId id="285" r:id="rId14"/>
-    <p:sldId id="307" r:id="rId15"/>
-    <p:sldId id="308" r:id="rId16"/>
-    <p:sldId id="297" r:id="rId17"/>
-    <p:sldId id="298" r:id="rId18"/>
-    <p:sldId id="299" r:id="rId19"/>
-    <p:sldId id="300" r:id="rId20"/>
-    <p:sldId id="301" r:id="rId21"/>
-    <p:sldId id="302" r:id="rId22"/>
-    <p:sldId id="303" r:id="rId23"/>
-    <p:sldId id="304" r:id="rId24"/>
-    <p:sldId id="305" r:id="rId25"/>
-    <p:sldId id="306" r:id="rId26"/>
-    <p:sldId id="274" r:id="rId27"/>
-    <p:sldId id="275" r:id="rId28"/>
-    <p:sldId id="276" r:id="rId29"/>
-    <p:sldId id="277" r:id="rId30"/>
-    <p:sldId id="278" r:id="rId31"/>
-    <p:sldId id="279" r:id="rId32"/>
-    <p:sldId id="295" r:id="rId33"/>
-    <p:sldId id="296" r:id="rId34"/>
-    <p:sldId id="281" r:id="rId35"/>
-    <p:sldId id="292" r:id="rId36"/>
-    <p:sldId id="291" r:id="rId37"/>
-    <p:sldId id="293" r:id="rId38"/>
-    <p:sldId id="294" r:id="rId39"/>
-    <p:sldId id="280" r:id="rId40"/>
-    <p:sldId id="283" r:id="rId41"/>
+    <p:sldId id="314" r:id="rId7"/>
+    <p:sldId id="315" r:id="rId8"/>
+    <p:sldId id="309" r:id="rId9"/>
+    <p:sldId id="312" r:id="rId10"/>
+    <p:sldId id="313" r:id="rId11"/>
+    <p:sldId id="290" r:id="rId12"/>
+    <p:sldId id="267" r:id="rId13"/>
+    <p:sldId id="265" r:id="rId14"/>
+    <p:sldId id="266" r:id="rId15"/>
+    <p:sldId id="264" r:id="rId16"/>
+    <p:sldId id="284" r:id="rId17"/>
+    <p:sldId id="285" r:id="rId18"/>
+    <p:sldId id="307" r:id="rId19"/>
+    <p:sldId id="308" r:id="rId20"/>
+    <p:sldId id="297" r:id="rId21"/>
+    <p:sldId id="298" r:id="rId22"/>
+    <p:sldId id="299" r:id="rId23"/>
+    <p:sldId id="300" r:id="rId24"/>
+    <p:sldId id="301" r:id="rId25"/>
+    <p:sldId id="302" r:id="rId26"/>
+    <p:sldId id="303" r:id="rId27"/>
+    <p:sldId id="305" r:id="rId28"/>
+    <p:sldId id="306" r:id="rId29"/>
+    <p:sldId id="316" r:id="rId30"/>
+    <p:sldId id="274" r:id="rId31"/>
+    <p:sldId id="275" r:id="rId32"/>
+    <p:sldId id="276" r:id="rId33"/>
+    <p:sldId id="277" r:id="rId34"/>
+    <p:sldId id="278" r:id="rId35"/>
+    <p:sldId id="279" r:id="rId36"/>
+    <p:sldId id="295" r:id="rId37"/>
+    <p:sldId id="296" r:id="rId38"/>
+    <p:sldId id="281" r:id="rId39"/>
+    <p:sldId id="292" r:id="rId40"/>
+    <p:sldId id="291" r:id="rId41"/>
+    <p:sldId id="293" r:id="rId42"/>
+    <p:sldId id="294" r:id="rId43"/>
+    <p:sldId id="280" r:id="rId44"/>
+    <p:sldId id="283" r:id="rId45"/>
   </p:sldIdLst>
   <p:sldSz cx="9144000" cy="6858000" type="screen4x3"/>
   <p:notesSz cx="6858000" cy="9144000"/>
@@ -148,7 +152,7 @@
   </p:defaultTextStyle>
   <p:extLst>
     <p:ext uri="{EFAFB233-063F-42B5-8137-9DF3F51BA10A}">
-      <p15:sldGuideLst xmlns:p15="http://schemas.microsoft.com/office/powerpoint/2012/main" xmlns="">
+      <p15:sldGuideLst xmlns:p15="http://schemas.microsoft.com/office/powerpoint/2012/main">
         <p15:guide id="1" orient="horz" pos="2160">
           <p15:clr>
             <a:srgbClr val="A4A3A4"/>
@@ -440,7 +444,7 @@
             <a:fld id="{DB9CD991-4847-4EC6-8E3A-1C6DA9348A2B}" type="slidenum">
               <a:rPr kumimoji="1" lang="ja-JP" altLang="en-US" smtClean="0"/>
               <a:pPr/>
-              <a:t>&lt;#&gt;</a:t>
+              <a:t>‹#›</a:t>
             </a:fld>
             <a:endParaRPr kumimoji="1" lang="ja-JP" altLang="en-US"/>
           </a:p>
@@ -449,7 +453,7 @@
     </p:spTree>
     <p:extLst>
       <p:ext uri="{BB962C8B-B14F-4D97-AF65-F5344CB8AC3E}">
-        <p14:creationId xmlns="" xmlns:p14="http://schemas.microsoft.com/office/powerpoint/2010/main" val="1216048216"/>
+        <p14:creationId xmlns:p14="http://schemas.microsoft.com/office/powerpoint/2010/main" val="1216048216"/>
       </p:ext>
     </p:extLst>
   </p:cSld>
@@ -662,7 +666,7 @@
     </p:spTree>
     <p:extLst>
       <p:ext uri="{BB962C8B-B14F-4D97-AF65-F5344CB8AC3E}">
-        <p14:creationId xmlns="" xmlns:p14="http://schemas.microsoft.com/office/powerpoint/2010/main" val="64985783"/>
+        <p14:creationId xmlns:p14="http://schemas.microsoft.com/office/powerpoint/2010/main" val="64985783"/>
       </p:ext>
     </p:extLst>
   </p:cSld>
@@ -716,6 +720,100 @@
           <a:bodyPr/>
           <a:lstStyle/>
           <a:p>
+            <a:r>
+              <a:rPr kumimoji="1" lang="ja-JP" altLang="en-US" smtClean="0"/>
+              <a:t>通常、</a:t>
+            </a:r>
+            <a:r>
+              <a:rPr kumimoji="1" lang="en-US" altLang="ja-JP" smtClean="0"/>
+              <a:t>ICMP</a:t>
+            </a:r>
+            <a:r>
+              <a:rPr kumimoji="1" lang="ja-JP" altLang="en-US" smtClean="0"/>
+              <a:t>の</a:t>
+            </a:r>
+            <a:r>
+              <a:rPr kumimoji="1" lang="en-US" altLang="ja-JP" smtClean="0"/>
+              <a:t>echo</a:t>
+            </a:r>
+            <a:r>
+              <a:rPr kumimoji="1" lang="ja-JP" altLang="en-US" smtClean="0"/>
+              <a:t>リクエストは、リプライが変えるかどうかだけが重要です。そのためペイロードには誰も注意を払いません。そのためか</a:t>
+            </a:r>
+            <a:r>
+              <a:rPr kumimoji="1" lang="en-US" altLang="ja-JP" smtClean="0"/>
+              <a:t>(?)</a:t>
+            </a:r>
+            <a:r>
+              <a:rPr kumimoji="1" lang="ja-JP" altLang="en-US" smtClean="0"/>
+              <a:t>、</a:t>
+            </a:r>
+            <a:r>
+              <a:rPr kumimoji="1" lang="en-US" altLang="ja-JP" smtClean="0"/>
+              <a:t>Windows</a:t>
+            </a:r>
+            <a:r>
+              <a:rPr kumimoji="1" lang="ja-JP" altLang="en-US" smtClean="0"/>
+              <a:t>の</a:t>
+            </a:r>
+            <a:r>
+              <a:rPr kumimoji="1" lang="en-US" altLang="ja-JP" smtClean="0"/>
+              <a:t>ping</a:t>
+            </a:r>
+            <a:r>
+              <a:rPr kumimoji="1" lang="ja-JP" altLang="en-US" smtClean="0"/>
+              <a:t>コマンドではこのように</a:t>
+            </a:r>
+            <a:r>
+              <a:rPr kumimoji="1" lang="en-US" altLang="ja-JP" smtClean="0"/>
+              <a:t>[abcdefg...]</a:t>
+            </a:r>
+            <a:r>
+              <a:rPr kumimoji="1" lang="ja-JP" altLang="en-US" smtClean="0"/>
+              <a:t>というテキトーなペイロードが埋め込まれています。（なぜ</a:t>
+            </a:r>
+            <a:r>
+              <a:rPr kumimoji="1" lang="en-US" altLang="ja-JP" smtClean="0"/>
+              <a:t>xyz</a:t>
+            </a:r>
+            <a:r>
+              <a:rPr kumimoji="1" lang="ja-JP" altLang="en-US" smtClean="0"/>
+              <a:t>が抜けているのかが謎なんですけど</a:t>
+            </a:r>
+            <a:r>
+              <a:rPr kumimoji="1" lang="en-US" altLang="ja-JP" smtClean="0"/>
+              <a:t>……</a:t>
+            </a:r>
+            <a:r>
+              <a:rPr kumimoji="1" lang="ja-JP" altLang="en-US" smtClean="0"/>
+              <a:t>知ってる人います</a:t>
+            </a:r>
+            <a:r>
+              <a:rPr kumimoji="1" lang="en-US" altLang="ja-JP" smtClean="0"/>
+              <a:t>?)</a:t>
+            </a:r>
+          </a:p>
+          <a:p>
+            <a:r>
+              <a:rPr kumimoji="1" lang="ja-JP" altLang="en-US" smtClean="0"/>
+              <a:t>ちなみに</a:t>
+            </a:r>
+            <a:r>
+              <a:rPr kumimoji="1" lang="en-US" altLang="ja-JP" smtClean="0"/>
+              <a:t>Linux</a:t>
+            </a:r>
+            <a:r>
+              <a:rPr kumimoji="1" lang="ja-JP" altLang="en-US" smtClean="0"/>
+              <a:t>の</a:t>
+            </a:r>
+            <a:r>
+              <a:rPr kumimoji="1" lang="en-US" altLang="ja-JP" smtClean="0"/>
+              <a:t>ping</a:t>
+            </a:r>
+            <a:r>
+              <a:rPr kumimoji="1" lang="ja-JP" altLang="en-US" smtClean="0"/>
+              <a:t>コマンドは、また全然別のテキトーなペイロードが埋めこれます</a:t>
+            </a:r>
             <a:endParaRPr kumimoji="1" lang="ja-JP" altLang="en-US"/>
           </a:p>
         </p:txBody>
@@ -738,6 +836,126 @@
             <a:fld id="{DB9CD991-4847-4EC6-8E3A-1C6DA9348A2B}" type="slidenum">
               <a:rPr kumimoji="1" lang="ja-JP" altLang="en-US" smtClean="0"/>
               <a:pPr/>
+              <a:t>24</a:t>
+            </a:fld>
+            <a:endParaRPr kumimoji="1" lang="ja-JP" altLang="en-US"/>
+          </a:p>
+        </p:txBody>
+      </p:sp>
+    </p:spTree>
+    <p:extLst>
+      <p:ext uri="{BB962C8B-B14F-4D97-AF65-F5344CB8AC3E}">
+        <p14:creationId xmlns:p14="http://schemas.microsoft.com/office/powerpoint/2010/main" val="1645015722"/>
+      </p:ext>
+    </p:extLst>
+  </p:cSld>
+  <p:clrMapOvr>
+    <a:masterClrMapping/>
+  </p:clrMapOvr>
+</p:notes>
+</file>
+
+<file path=ppt/notesSlides/notesSlide11.xml><?xml version="1.0" encoding="utf-8"?>
+<p:notes xmlns:a="http://schemas.openxmlformats.org/drawingml/2006/main" xmlns:r="http://schemas.openxmlformats.org/officeDocument/2006/relationships" xmlns:p="http://schemas.openxmlformats.org/presentationml/2006/main">
+  <p:cSld>
+    <p:spTree>
+      <p:nvGrpSpPr>
+        <p:cNvPr id="1" name=""/>
+        <p:cNvGrpSpPr/>
+        <p:nvPr/>
+      </p:nvGrpSpPr>
+      <p:grpSpPr>
+        <a:xfrm>
+          <a:off x="0" y="0"/>
+          <a:ext cx="0" cy="0"/>
+          <a:chOff x="0" y="0"/>
+          <a:chExt cx="0" cy="0"/>
+        </a:xfrm>
+      </p:grpSpPr>
+      <p:sp>
+        <p:nvSpPr>
+          <p:cNvPr id="2" name="スライド イメージ プレースホルダー 1"/>
+          <p:cNvSpPr>
+            <a:spLocks noGrp="1" noRot="1" noChangeAspect="1"/>
+          </p:cNvSpPr>
+          <p:nvPr>
+            <p:ph type="sldImg"/>
+          </p:nvPr>
+        </p:nvSpPr>
+        <p:spPr/>
+      </p:sp>
+      <p:sp>
+        <p:nvSpPr>
+          <p:cNvPr id="3" name="ノート プレースホルダー 2"/>
+          <p:cNvSpPr>
+            <a:spLocks noGrp="1"/>
+          </p:cNvSpPr>
+          <p:nvPr>
+            <p:ph type="body" idx="1"/>
+          </p:nvPr>
+        </p:nvSpPr>
+        <p:spPr/>
+        <p:txBody>
+          <a:bodyPr/>
+          <a:lstStyle/>
+          <a:p>
+            <a:r>
+              <a:rPr kumimoji="1" lang="ja-JP" altLang="en-US" smtClean="0"/>
+              <a:t>さて、そうなるとここに好きなペイロードを突っ込むことで、外部と隠れてコソコソ通信できるな～ということになります。</a:t>
+            </a:r>
+            <a:endParaRPr kumimoji="1" lang="en-US" altLang="ja-JP" smtClean="0"/>
+          </a:p>
+          <a:p>
+            <a:r>
+              <a:rPr kumimoji="1" lang="ja-JP" altLang="en-US" smtClean="0"/>
+              <a:t>やり方は色々あると思いますが、ここでは</a:t>
+            </a:r>
+            <a:r>
+              <a:rPr kumimoji="1" lang="en-US" altLang="ja-JP" smtClean="0"/>
+              <a:t>nping</a:t>
+            </a:r>
+            <a:r>
+              <a:rPr kumimoji="1" lang="ja-JP" altLang="en-US" smtClean="0"/>
+              <a:t>コマンドを使いましょう。これはポートスキャナ</a:t>
+            </a:r>
+            <a:r>
+              <a:rPr kumimoji="1" lang="en-US" altLang="ja-JP" smtClean="0"/>
+              <a:t>nmap</a:t>
+            </a:r>
+            <a:r>
+              <a:rPr kumimoji="1" lang="ja-JP" altLang="en-US" smtClean="0"/>
+              <a:t>に付属しているので、普通に</a:t>
+            </a:r>
+            <a:r>
+              <a:rPr kumimoji="1" lang="en-US" altLang="ja-JP" smtClean="0"/>
+              <a:t>nmap</a:t>
+            </a:r>
+            <a:r>
+              <a:rPr kumimoji="1" lang="ja-JP" altLang="en-US" smtClean="0"/>
+              <a:t>を入れれば入っています。</a:t>
+            </a:r>
+            <a:endParaRPr kumimoji="1" lang="ja-JP" altLang="en-US"/>
+          </a:p>
+        </p:txBody>
+      </p:sp>
+      <p:sp>
+        <p:nvSpPr>
+          <p:cNvPr id="4" name="スライド番号プレースホルダー 3"/>
+          <p:cNvSpPr>
+            <a:spLocks noGrp="1"/>
+          </p:cNvSpPr>
+          <p:nvPr>
+            <p:ph type="sldNum" sz="quarter" idx="10"/>
+          </p:nvPr>
+        </p:nvSpPr>
+        <p:spPr/>
+        <p:txBody>
+          <a:bodyPr/>
+          <a:lstStyle/>
+          <a:p>
+            <a:fld id="{DB9CD991-4847-4EC6-8E3A-1C6DA9348A2B}" type="slidenum">
+              <a:rPr kumimoji="1" lang="ja-JP" altLang="en-US" smtClean="0"/>
+              <a:pPr/>
               <a:t>25</a:t>
             </a:fld>
             <a:endParaRPr kumimoji="1" lang="ja-JP" altLang="en-US"/>
@@ -747,7 +965,236 @@
     </p:spTree>
     <p:extLst>
       <p:ext uri="{BB962C8B-B14F-4D97-AF65-F5344CB8AC3E}">
-        <p14:creationId xmlns="" xmlns:p14="http://schemas.microsoft.com/office/powerpoint/2010/main" val="2754438294"/>
+        <p14:creationId xmlns:p14="http://schemas.microsoft.com/office/powerpoint/2010/main" val="4088891792"/>
+      </p:ext>
+    </p:extLst>
+  </p:cSld>
+  <p:clrMapOvr>
+    <a:masterClrMapping/>
+  </p:clrMapOvr>
+</p:notes>
+</file>
+
+<file path=ppt/notesSlides/notesSlide12.xml><?xml version="1.0" encoding="utf-8"?>
+<p:notes xmlns:a="http://schemas.openxmlformats.org/drawingml/2006/main" xmlns:r="http://schemas.openxmlformats.org/officeDocument/2006/relationships" xmlns:p="http://schemas.openxmlformats.org/presentationml/2006/main">
+  <p:cSld>
+    <p:spTree>
+      <p:nvGrpSpPr>
+        <p:cNvPr id="1" name=""/>
+        <p:cNvGrpSpPr/>
+        <p:nvPr/>
+      </p:nvGrpSpPr>
+      <p:grpSpPr>
+        <a:xfrm>
+          <a:off x="0" y="0"/>
+          <a:ext cx="0" cy="0"/>
+          <a:chOff x="0" y="0"/>
+          <a:chExt cx="0" cy="0"/>
+        </a:xfrm>
+      </p:grpSpPr>
+      <p:sp>
+        <p:nvSpPr>
+          <p:cNvPr id="2" name="スライド イメージ プレースホルダー 1"/>
+          <p:cNvSpPr>
+            <a:spLocks noGrp="1" noRot="1" noChangeAspect="1"/>
+          </p:cNvSpPr>
+          <p:nvPr>
+            <p:ph type="sldImg"/>
+          </p:nvPr>
+        </p:nvSpPr>
+        <p:spPr/>
+      </p:sp>
+      <p:sp>
+        <p:nvSpPr>
+          <p:cNvPr id="3" name="ノート プレースホルダー 2"/>
+          <p:cNvSpPr>
+            <a:spLocks noGrp="1"/>
+          </p:cNvSpPr>
+          <p:nvPr>
+            <p:ph type="body" idx="1"/>
+          </p:nvPr>
+        </p:nvSpPr>
+        <p:spPr/>
+        <p:txBody>
+          <a:bodyPr/>
+          <a:lstStyle/>
+          <a:p>
+            <a:r>
+              <a:rPr kumimoji="1" lang="ja-JP" altLang="en-US" smtClean="0"/>
+              <a:t>通常、</a:t>
+            </a:r>
+            <a:r>
+              <a:rPr kumimoji="1" lang="en-US" altLang="ja-JP" smtClean="0"/>
+              <a:t>POST</a:t>
+            </a:r>
+            <a:r>
+              <a:rPr kumimoji="1" lang="ja-JP" altLang="en-US" smtClean="0"/>
+              <a:t>メソッドのフィルタや、</a:t>
+            </a:r>
+            <a:r>
+              <a:rPr kumimoji="1" lang="en-US" altLang="ja-JP" smtClean="0"/>
+              <a:t>GET</a:t>
+            </a:r>
+            <a:r>
+              <a:rPr kumimoji="1" lang="ja-JP" altLang="en-US" smtClean="0"/>
+              <a:t>メソッドでもリクエストパラメタなどは</a:t>
+            </a:r>
+            <a:r>
+              <a:rPr kumimoji="1" lang="en-US" altLang="ja-JP" smtClean="0"/>
+              <a:t>Proxy</a:t>
+            </a:r>
+            <a:r>
+              <a:rPr kumimoji="1" lang="ja-JP" altLang="en-US" smtClean="0"/>
+              <a:t>でチェックしている企業も多いでしょう。</a:t>
+            </a:r>
+            <a:endParaRPr kumimoji="1" lang="en-US" altLang="ja-JP" smtClean="0"/>
+          </a:p>
+          <a:p>
+            <a:r>
+              <a:rPr kumimoji="1" lang="ja-JP" altLang="en-US" smtClean="0"/>
+              <a:t>でも、このようにリクエストヘッダに埋め込む形でデータを送信すれば。。。</a:t>
+            </a:r>
+            <a:r>
+              <a:rPr kumimoji="1" lang="en-US" altLang="ja-JP" smtClean="0"/>
+              <a:t>Proxy</a:t>
+            </a:r>
+            <a:r>
+              <a:rPr kumimoji="1" lang="ja-JP" altLang="en-US" smtClean="0"/>
+              <a:t>ごしの</a:t>
+            </a:r>
+            <a:r>
+              <a:rPr kumimoji="1" lang="en-US" altLang="ja-JP" smtClean="0"/>
+              <a:t>HTTP</a:t>
+            </a:r>
+            <a:r>
+              <a:rPr kumimoji="1" lang="ja-JP" altLang="en-US" smtClean="0"/>
+              <a:t>の通信しか許さず、</a:t>
+            </a:r>
+            <a:r>
+              <a:rPr kumimoji="1" lang="en-US" altLang="ja-JP" smtClean="0"/>
+              <a:t>POST</a:t>
+            </a:r>
+            <a:r>
+              <a:rPr kumimoji="1" lang="ja-JP" altLang="en-US" smtClean="0"/>
+              <a:t>禁止の環境でも、結構</a:t>
+            </a:r>
+            <a:endParaRPr kumimoji="1" lang="ja-JP" altLang="en-US"/>
+          </a:p>
+        </p:txBody>
+      </p:sp>
+      <p:sp>
+        <p:nvSpPr>
+          <p:cNvPr id="4" name="スライド番号プレースホルダー 3"/>
+          <p:cNvSpPr>
+            <a:spLocks noGrp="1"/>
+          </p:cNvSpPr>
+          <p:nvPr>
+            <p:ph type="sldNum" sz="quarter" idx="10"/>
+          </p:nvPr>
+        </p:nvSpPr>
+        <p:spPr/>
+        <p:txBody>
+          <a:bodyPr/>
+          <a:lstStyle/>
+          <a:p>
+            <a:fld id="{DB9CD991-4847-4EC6-8E3A-1C6DA9348A2B}" type="slidenum">
+              <a:rPr kumimoji="1" lang="ja-JP" altLang="en-US" smtClean="0"/>
+              <a:pPr/>
+              <a:t>27</a:t>
+            </a:fld>
+            <a:endParaRPr kumimoji="1" lang="ja-JP" altLang="en-US"/>
+          </a:p>
+        </p:txBody>
+      </p:sp>
+    </p:spTree>
+    <p:extLst>
+      <p:ext uri="{BB962C8B-B14F-4D97-AF65-F5344CB8AC3E}">
+        <p14:creationId xmlns:p14="http://schemas.microsoft.com/office/powerpoint/2010/main" val="1322130280"/>
+      </p:ext>
+    </p:extLst>
+  </p:cSld>
+  <p:clrMapOvr>
+    <a:masterClrMapping/>
+  </p:clrMapOvr>
+</p:notes>
+</file>
+
+<file path=ppt/notesSlides/notesSlide13.xml><?xml version="1.0" encoding="utf-8"?>
+<p:notes xmlns:a="http://schemas.openxmlformats.org/drawingml/2006/main" xmlns:r="http://schemas.openxmlformats.org/officeDocument/2006/relationships" xmlns:p="http://schemas.openxmlformats.org/presentationml/2006/main">
+  <p:cSld>
+    <p:spTree>
+      <p:nvGrpSpPr>
+        <p:cNvPr id="1" name=""/>
+        <p:cNvGrpSpPr/>
+        <p:nvPr/>
+      </p:nvGrpSpPr>
+      <p:grpSpPr>
+        <a:xfrm>
+          <a:off x="0" y="0"/>
+          <a:ext cx="0" cy="0"/>
+          <a:chOff x="0" y="0"/>
+          <a:chExt cx="0" cy="0"/>
+        </a:xfrm>
+      </p:grpSpPr>
+      <p:sp>
+        <p:nvSpPr>
+          <p:cNvPr id="2" name="スライド イメージ プレースホルダー 1"/>
+          <p:cNvSpPr>
+            <a:spLocks noGrp="1" noRot="1" noChangeAspect="1"/>
+          </p:cNvSpPr>
+          <p:nvPr>
+            <p:ph type="sldImg"/>
+          </p:nvPr>
+        </p:nvSpPr>
+        <p:spPr/>
+      </p:sp>
+      <p:sp>
+        <p:nvSpPr>
+          <p:cNvPr id="3" name="ノート プレースホルダー 2"/>
+          <p:cNvSpPr>
+            <a:spLocks noGrp="1"/>
+          </p:cNvSpPr>
+          <p:nvPr>
+            <p:ph type="body" idx="1"/>
+          </p:nvPr>
+        </p:nvSpPr>
+        <p:spPr/>
+        <p:txBody>
+          <a:bodyPr/>
+          <a:lstStyle/>
+          <a:p>
+            <a:endParaRPr kumimoji="1" lang="ja-JP" altLang="en-US"/>
+          </a:p>
+        </p:txBody>
+      </p:sp>
+      <p:sp>
+        <p:nvSpPr>
+          <p:cNvPr id="4" name="スライド番号プレースホルダー 3"/>
+          <p:cNvSpPr>
+            <a:spLocks noGrp="1"/>
+          </p:cNvSpPr>
+          <p:nvPr>
+            <p:ph type="sldNum" sz="quarter" idx="10"/>
+          </p:nvPr>
+        </p:nvSpPr>
+        <p:spPr/>
+        <p:txBody>
+          <a:bodyPr/>
+          <a:lstStyle/>
+          <a:p>
+            <a:fld id="{DB9CD991-4847-4EC6-8E3A-1C6DA9348A2B}" type="slidenum">
+              <a:rPr kumimoji="1" lang="ja-JP" altLang="en-US" smtClean="0"/>
+              <a:pPr/>
+              <a:t>28</a:t>
+            </a:fld>
+            <a:endParaRPr kumimoji="1" lang="ja-JP" altLang="en-US"/>
+          </a:p>
+        </p:txBody>
+      </p:sp>
+    </p:spTree>
+    <p:extLst>
+      <p:ext uri="{BB962C8B-B14F-4D97-AF65-F5344CB8AC3E}">
+        <p14:creationId xmlns:p14="http://schemas.microsoft.com/office/powerpoint/2010/main" val="2754438294"/>
       </p:ext>
     </p:extLst>
   </p:cSld>
@@ -801,20 +1248,6 @@
           <a:bodyPr/>
           <a:lstStyle/>
           <a:p>
-            <a:r>
-              <a:rPr kumimoji="1" lang="ja-JP" altLang="en-US" smtClean="0"/>
-              <a:t>この他にも、ファイルの見えない領域に隠すとか、暗号化で隠すとか深堀りすると色々あるのですが、キリが無いので今日はこのくらいに絞って。</a:t>
-            </a:r>
-            <a:endParaRPr kumimoji="1" lang="en-US" altLang="ja-JP" smtClean="0"/>
-          </a:p>
-          <a:p>
-            <a:r>
-              <a:rPr kumimoji="1" lang="ja-JP" altLang="en-US" smtClean="0"/>
-              <a:t>全体の流れというよりは、トピックの小ネタ集という感じでお話します。</a:t>
-            </a:r>
-            <a:endParaRPr kumimoji="1" lang="en-US" altLang="ja-JP" smtClean="0"/>
-          </a:p>
-          <a:p>
             <a:endParaRPr kumimoji="1" lang="ja-JP" altLang="en-US"/>
           </a:p>
         </p:txBody>
@@ -846,7 +1279,7 @@
     </p:spTree>
     <p:extLst>
       <p:ext uri="{BB962C8B-B14F-4D97-AF65-F5344CB8AC3E}">
-        <p14:creationId xmlns="" xmlns:p14="http://schemas.microsoft.com/office/powerpoint/2010/main" val="1679522813"/>
+        <p14:creationId xmlns:p14="http://schemas.microsoft.com/office/powerpoint/2010/main" val="1679522813"/>
       </p:ext>
     </p:extLst>
   </p:cSld>
@@ -902,63 +1335,22 @@
           <a:p>
             <a:r>
               <a:rPr kumimoji="1" lang="ja-JP" altLang="en-US" smtClean="0"/>
-              <a:t>これは、</a:t>
-            </a:r>
-            <a:r>
-              <a:rPr kumimoji="1" lang="en-US" altLang="ja-JP" smtClean="0"/>
-              <a:t>-T0</a:t>
-            </a:r>
+              <a:t>この他にも、ファイルの見えない領域に隠すとか、暗号化で隠すとか深堀りすると色々あるのですが、キリが無いので今日はこのくらいに絞って。</a:t>
+            </a:r>
+            <a:endParaRPr kumimoji="1" lang="en-US" altLang="ja-JP" smtClean="0"/>
+          </a:p>
+          <a:p>
             <a:r>
               <a:rPr kumimoji="1" lang="ja-JP" altLang="en-US" smtClean="0"/>
-              <a:t>をつけてポートスキャンをした際のパケットキャプチャです。ここでは</a:t>
-            </a:r>
-            <a:r>
-              <a:rPr kumimoji="1" lang="en-US" altLang="ja-JP" smtClean="0"/>
-              <a:t>TCP</a:t>
+              <a:t>各トピック</a:t>
             </a:r>
             <a:r>
               <a:rPr kumimoji="1" lang="ja-JP" altLang="en-US" smtClean="0"/>
-              <a:t>の</a:t>
-            </a:r>
-            <a:r>
-              <a:rPr kumimoji="1" lang="en-US" altLang="ja-JP" smtClean="0"/>
-              <a:t>0</a:t>
-            </a:r>
-            <a:r>
-              <a:rPr kumimoji="1" lang="ja-JP" altLang="en-US" smtClean="0"/>
-              <a:t>番から</a:t>
-            </a:r>
-            <a:r>
-              <a:rPr kumimoji="1" lang="en-US" altLang="ja-JP" smtClean="0"/>
-              <a:t>4</a:t>
-            </a:r>
-            <a:r>
-              <a:rPr kumimoji="1" lang="ja-JP" altLang="en-US" smtClean="0"/>
-              <a:t>番までスキャンしていますが</a:t>
-            </a:r>
-            <a:r>
-              <a:rPr kumimoji="1" lang="en-US" altLang="ja-JP" smtClean="0"/>
-              <a:t>……</a:t>
-            </a:r>
-            <a:r>
-              <a:rPr kumimoji="1" lang="ja-JP" altLang="en-US" smtClean="0"/>
-              <a:t>。</a:t>
+              <a:t>の小ネタ集という感じでお話します。</a:t>
             </a:r>
             <a:endParaRPr kumimoji="1" lang="en-US" altLang="ja-JP" smtClean="0"/>
           </a:p>
           <a:p>
-            <a:r>
-              <a:rPr kumimoji="1" lang="ja-JP" altLang="en-US" smtClean="0"/>
-              <a:t>見ての通り、なんとひとつのポートをスキャンするのに</a:t>
-            </a:r>
-            <a:r>
-              <a:rPr kumimoji="1" lang="en-US" altLang="ja-JP" smtClean="0"/>
-              <a:t>5</a:t>
-            </a:r>
-            <a:r>
-              <a:rPr kumimoji="1" lang="ja-JP" altLang="en-US" smtClean="0"/>
-              <a:t>分間隔を開けています。これほどゆっくりスキャンされては、相手もスキャンされていると気が付くことはおそらく無いでしょう。</a:t>
-            </a:r>
             <a:endParaRPr kumimoji="1" lang="ja-JP" altLang="en-US"/>
           </a:p>
         </p:txBody>
@@ -981,7 +1373,7 @@
             <a:fld id="{DB9CD991-4847-4EC6-8E3A-1C6DA9348A2B}" type="slidenum">
               <a:rPr kumimoji="1" lang="ja-JP" altLang="en-US" smtClean="0"/>
               <a:pPr/>
-              <a:t>11</a:t>
+              <a:t>4</a:t>
             </a:fld>
             <a:endParaRPr kumimoji="1" lang="ja-JP" altLang="en-US"/>
           </a:p>
@@ -990,7 +1382,7 @@
     </p:spTree>
     <p:extLst>
       <p:ext uri="{BB962C8B-B14F-4D97-AF65-F5344CB8AC3E}">
-        <p14:creationId xmlns="" xmlns:p14="http://schemas.microsoft.com/office/powerpoint/2010/main" val="2504593760"/>
+        <p14:creationId xmlns:p14="http://schemas.microsoft.com/office/powerpoint/2010/main" val="1134451781"/>
       </p:ext>
     </p:extLst>
   </p:cSld>
@@ -1044,194 +1436,7 @@
           <a:bodyPr/>
           <a:lstStyle/>
           <a:p>
-            <a:r>
-              <a:rPr kumimoji="1" lang="ja-JP" altLang="en-US" smtClean="0"/>
-              <a:t>ちなみに、ランキングは、</a:t>
-            </a:r>
-            <a:endParaRPr kumimoji="1" lang="en-US" altLang="ja-JP" smtClean="0"/>
-          </a:p>
-          <a:p>
-            <a:r>
-              <a:rPr kumimoji="1" lang="en-US" altLang="ja-JP" smtClean="0"/>
-              <a:t>1</a:t>
-            </a:r>
-            <a:r>
-              <a:rPr kumimoji="1" lang="ja-JP" altLang="en-US" smtClean="0"/>
-              <a:t>位 </a:t>
-            </a:r>
-            <a:r>
-              <a:rPr kumimoji="1" lang="en-US" altLang="ja-JP" smtClean="0"/>
-              <a:t>80/tcp (http)</a:t>
-            </a:r>
-          </a:p>
-          <a:p>
-            <a:r>
-              <a:rPr kumimoji="1" lang="en-US" altLang="ja-JP" smtClean="0"/>
-              <a:t>2</a:t>
-            </a:r>
-            <a:r>
-              <a:rPr kumimoji="1" lang="ja-JP" altLang="en-US" smtClean="0"/>
-              <a:t>位 </a:t>
-            </a:r>
-            <a:r>
-              <a:rPr kumimoji="1" lang="en-US" altLang="ja-JP" smtClean="0"/>
-              <a:t>23/tcp (telnet)</a:t>
-            </a:r>
-          </a:p>
-          <a:p>
-            <a:pPr marL="0" marR="0" indent="0" algn="l" defTabSz="914400" rtl="0" eaLnBrk="1" fontAlgn="auto" latinLnBrk="0" hangingPunct="1">
-              <a:lnSpc>
-                <a:spcPct val="100000"/>
-              </a:lnSpc>
-              <a:spcBef>
-                <a:spcPts val="0"/>
-              </a:spcBef>
-              <a:spcAft>
-                <a:spcPts val="0"/>
-              </a:spcAft>
-              <a:buClrTx/>
-              <a:buSzTx/>
-              <a:buFontTx/>
-              <a:buNone/>
-              <a:tabLst/>
-              <a:defRPr/>
-            </a:pPr>
-            <a:r>
-              <a:rPr kumimoji="1" lang="en-US" altLang="ja-JP" smtClean="0"/>
-              <a:t>3</a:t>
-            </a:r>
-            <a:r>
-              <a:rPr kumimoji="1" lang="ja-JP" altLang="en-US" smtClean="0"/>
-              <a:t>位 </a:t>
-            </a:r>
-            <a:r>
-              <a:rPr kumimoji="1" lang="en-US" altLang="ja-JP" smtClean="0"/>
-              <a:t>443/tcp (https)</a:t>
-            </a:r>
-          </a:p>
-          <a:p>
-            <a:pPr marL="0" marR="0" indent="0" algn="l" defTabSz="914400" rtl="0" eaLnBrk="1" fontAlgn="auto" latinLnBrk="0" hangingPunct="1">
-              <a:lnSpc>
-                <a:spcPct val="100000"/>
-              </a:lnSpc>
-              <a:spcBef>
-                <a:spcPts val="0"/>
-              </a:spcBef>
-              <a:spcAft>
-                <a:spcPts val="0"/>
-              </a:spcAft>
-              <a:buClrTx/>
-              <a:buSzTx/>
-              <a:buFontTx/>
-              <a:buNone/>
-              <a:tabLst/>
-              <a:defRPr/>
-            </a:pPr>
-            <a:r>
-              <a:rPr kumimoji="1" lang="en-US" altLang="ja-JP" smtClean="0"/>
-              <a:t>4</a:t>
-            </a:r>
-            <a:r>
-              <a:rPr kumimoji="1" lang="ja-JP" altLang="en-US" smtClean="0"/>
-              <a:t>位 </a:t>
-            </a:r>
-            <a:r>
-              <a:rPr kumimoji="1" lang="en-US" altLang="ja-JP" smtClean="0"/>
-              <a:t>21/tcp (ftp)</a:t>
-            </a:r>
-          </a:p>
-          <a:p>
-            <a:r>
-              <a:rPr kumimoji="1" lang="en-US" altLang="ja-JP" smtClean="0"/>
-              <a:t>5</a:t>
-            </a:r>
-            <a:r>
-              <a:rPr kumimoji="1" lang="ja-JP" altLang="en-US" smtClean="0"/>
-              <a:t>位 </a:t>
-            </a:r>
-            <a:r>
-              <a:rPr kumimoji="1" lang="en-US" altLang="ja-JP" smtClean="0"/>
-              <a:t>22/tcp (ssh)</a:t>
-            </a:r>
-          </a:p>
-          <a:p>
-            <a:r>
-              <a:rPr kumimoji="1" lang="en-US" altLang="ja-JP" smtClean="0"/>
-              <a:t>6</a:t>
-            </a:r>
-            <a:r>
-              <a:rPr kumimoji="1" lang="ja-JP" altLang="en-US" smtClean="0"/>
-              <a:t>位 </a:t>
-            </a:r>
-            <a:r>
-              <a:rPr kumimoji="1" lang="en-US" altLang="ja-JP" smtClean="0"/>
-              <a:t>25/tcp</a:t>
-            </a:r>
-            <a:r>
-              <a:rPr kumimoji="1" lang="en-US" altLang="ja-JP" baseline="0" smtClean="0"/>
-              <a:t> (smtp)</a:t>
-            </a:r>
-          </a:p>
-          <a:p>
-            <a:r>
-              <a:rPr kumimoji="1" lang="en-US" altLang="ja-JP" baseline="0" smtClean="0"/>
-              <a:t>7</a:t>
-            </a:r>
-            <a:r>
-              <a:rPr kumimoji="1" lang="ja-JP" altLang="en-US" baseline="0" smtClean="0"/>
-              <a:t>位 </a:t>
-            </a:r>
-            <a:r>
-              <a:rPr kumimoji="1" lang="en-US" altLang="ja-JP" baseline="0" smtClean="0"/>
-              <a:t>3389/tcp (rdp)</a:t>
-            </a:r>
-          </a:p>
-          <a:p>
-            <a:r>
-              <a:rPr kumimoji="1" lang="en-US" altLang="ja-JP" smtClean="0"/>
-              <a:t>8</a:t>
-            </a:r>
-            <a:r>
-              <a:rPr kumimoji="1" lang="ja-JP" altLang="en-US" smtClean="0"/>
-              <a:t>位 </a:t>
-            </a:r>
-            <a:r>
-              <a:rPr kumimoji="1" lang="en-US" altLang="ja-JP" smtClean="0"/>
-              <a:t>110/tcp (pop3)</a:t>
-            </a:r>
-          </a:p>
-          <a:p>
-            <a:r>
-              <a:rPr kumimoji="1" lang="en-US" altLang="ja-JP" smtClean="0"/>
-              <a:t>9</a:t>
-            </a:r>
-            <a:r>
-              <a:rPr kumimoji="1" lang="ja-JP" altLang="en-US" smtClean="0"/>
-              <a:t>位 </a:t>
-            </a:r>
-            <a:r>
-              <a:rPr kumimoji="1" lang="en-US" altLang="ja-JP" smtClean="0"/>
-              <a:t>445/tcp (smb)</a:t>
-            </a:r>
-          </a:p>
-          <a:p>
-            <a:r>
-              <a:rPr kumimoji="1" lang="en-US" altLang="ja-JP" smtClean="0"/>
-              <a:t>10</a:t>
-            </a:r>
-            <a:r>
-              <a:rPr kumimoji="1" lang="ja-JP" altLang="en-US" smtClean="0"/>
-              <a:t>位 </a:t>
-            </a:r>
-            <a:r>
-              <a:rPr kumimoji="1" lang="en-US" altLang="ja-JP" smtClean="0"/>
-              <a:t>139/tcp</a:t>
-            </a:r>
-            <a:r>
-              <a:rPr kumimoji="1" lang="en-US" altLang="ja-JP" baseline="0" smtClean="0"/>
-              <a:t> (netbios)</a:t>
-            </a:r>
-            <a:endParaRPr kumimoji="1" lang="en-US" altLang="ja-JP" smtClean="0"/>
+            <a:endParaRPr kumimoji="1" lang="ja-JP" altLang="en-US"/>
           </a:p>
         </p:txBody>
       </p:sp>
@@ -1253,7 +1458,7 @@
             <a:fld id="{DB9CD991-4847-4EC6-8E3A-1C6DA9348A2B}" type="slidenum">
               <a:rPr kumimoji="1" lang="ja-JP" altLang="en-US" smtClean="0"/>
               <a:pPr/>
-              <a:t>13</a:t>
+              <a:t>8</a:t>
             </a:fld>
             <a:endParaRPr kumimoji="1" lang="ja-JP" altLang="en-US"/>
           </a:p>
@@ -1262,7 +1467,7 @@
     </p:spTree>
     <p:extLst>
       <p:ext uri="{BB962C8B-B14F-4D97-AF65-F5344CB8AC3E}">
-        <p14:creationId xmlns="" xmlns:p14="http://schemas.microsoft.com/office/powerpoint/2010/main" val="3105100023"/>
+        <p14:creationId xmlns:p14="http://schemas.microsoft.com/office/powerpoint/2010/main" val="3817752135"/>
       </p:ext>
     </p:extLst>
   </p:cSld>
@@ -1316,99 +1521,6 @@
           <a:bodyPr/>
           <a:lstStyle/>
           <a:p>
-            <a:r>
-              <a:rPr kumimoji="1" lang="ja-JP" altLang="en-US" smtClean="0"/>
-              <a:t>これは、</a:t>
-            </a:r>
-            <a:r>
-              <a:rPr kumimoji="1" lang="en-US" altLang="ja-JP" smtClean="0"/>
-              <a:t>Nmap</a:t>
-            </a:r>
-            <a:r>
-              <a:rPr kumimoji="1" lang="ja-JP" altLang="en-US" smtClean="0"/>
-              <a:t>のガイドブック（いわゆる目ん玉本）に載っている、いかに効率的にスキャンをするか？ という</a:t>
-            </a:r>
-            <a:r>
-              <a:rPr kumimoji="1" lang="en-US" altLang="ja-JP" smtClean="0"/>
-              <a:t>section</a:t>
-            </a:r>
-            <a:r>
-              <a:rPr kumimoji="1" lang="ja-JP" altLang="en-US" smtClean="0"/>
-              <a:t>に登場するデータです。</a:t>
-            </a:r>
-          </a:p>
-          <a:p>
-            <a:r>
-              <a:rPr kumimoji="1" lang="ja-JP" altLang="en-US" smtClean="0"/>
-              <a:t>この書籍は</a:t>
-            </a:r>
-            <a:r>
-              <a:rPr kumimoji="1" lang="en-US" altLang="ja-JP" smtClean="0"/>
-              <a:t>2008</a:t>
-            </a:r>
-            <a:r>
-              <a:rPr kumimoji="1" lang="ja-JP" altLang="en-US" smtClean="0"/>
-              <a:t>年のものなので現在は細かい数字は違ってくるでしょうが、言いたい結論は変わらないはずです。</a:t>
-            </a:r>
-          </a:p>
-          <a:p>
-            <a:endParaRPr kumimoji="1" lang="ja-JP" altLang="en-US" smtClean="0"/>
-          </a:p>
-          <a:p>
-            <a:r>
-              <a:rPr kumimoji="1" lang="ja-JP" altLang="en-US" smtClean="0"/>
-              <a:t>このグラフは、横軸がスキャンする</a:t>
-            </a:r>
-            <a:r>
-              <a:rPr kumimoji="1" lang="en-US" altLang="ja-JP" smtClean="0"/>
-              <a:t>TCP</a:t>
-            </a:r>
-            <a:r>
-              <a:rPr kumimoji="1" lang="ja-JP" altLang="en-US" smtClean="0"/>
-              <a:t>のポート数（個数）、縦軸がカバレッジです。（</a:t>
-            </a:r>
-            <a:r>
-              <a:rPr kumimoji="1" lang="en-US" altLang="ja-JP" smtClean="0"/>
-              <a:t>Nmap</a:t>
-            </a:r>
-            <a:r>
-              <a:rPr kumimoji="1" lang="ja-JP" altLang="en-US" smtClean="0"/>
-              <a:t>本では</a:t>
-            </a:r>
-            <a:r>
-              <a:rPr kumimoji="1" lang="en-US" altLang="ja-JP" smtClean="0"/>
-              <a:t>Effectiveness</a:t>
-            </a:r>
-            <a:r>
-              <a:rPr kumimoji="1" lang="ja-JP" altLang="en-US" smtClean="0"/>
-              <a:t>という単語を使っていますが、ここではカバレッジとしました）。</a:t>
-            </a:r>
-          </a:p>
-          <a:p>
-            <a:r>
-              <a:rPr kumimoji="1" lang="ja-JP" altLang="en-US" smtClean="0"/>
-              <a:t>ここでいうカバレッジは網羅率、つまり対象ホスト上で開放している全てのポートがスキャンできたときを</a:t>
-            </a:r>
-            <a:r>
-              <a:rPr kumimoji="1" lang="en-US" altLang="ja-JP" smtClean="0"/>
-              <a:t>100</a:t>
-            </a:r>
-            <a:r>
-              <a:rPr kumimoji="1" lang="ja-JP" altLang="en-US" smtClean="0"/>
-              <a:t>％としたときの、実際にスキャンされるポートの割合です。</a:t>
-            </a:r>
-          </a:p>
-          <a:p>
-            <a:r>
-              <a:rPr kumimoji="1" lang="en-US" altLang="ja-JP" smtClean="0"/>
-              <a:t>Nmap</a:t>
-            </a:r>
-            <a:r>
-              <a:rPr kumimoji="1" lang="ja-JP" altLang="en-US" smtClean="0"/>
-              <a:t>ガイドブックでは、多くのホストをスキャンしてポートごとの存在確率を統計的に計算し、それよりこのようなカバレッジを計算してみせています。</a:t>
-            </a:r>
-          </a:p>
-          <a:p>
             <a:endParaRPr kumimoji="1" lang="ja-JP" altLang="en-US"/>
           </a:p>
         </p:txBody>
@@ -1431,7 +1543,7 @@
             <a:fld id="{DB9CD991-4847-4EC6-8E3A-1C6DA9348A2B}" type="slidenum">
               <a:rPr kumimoji="1" lang="ja-JP" altLang="en-US" smtClean="0"/>
               <a:pPr/>
-              <a:t>14</a:t>
+              <a:t>9</a:t>
             </a:fld>
             <a:endParaRPr kumimoji="1" lang="ja-JP" altLang="en-US"/>
           </a:p>
@@ -1440,7 +1552,7 @@
     </p:spTree>
     <p:extLst>
       <p:ext uri="{BB962C8B-B14F-4D97-AF65-F5344CB8AC3E}">
-        <p14:creationId xmlns="" xmlns:p14="http://schemas.microsoft.com/office/powerpoint/2010/main" val="2200297126"/>
+        <p14:creationId xmlns:p14="http://schemas.microsoft.com/office/powerpoint/2010/main" val="247449553"/>
       </p:ext>
     </p:extLst>
   </p:cSld>
@@ -1496,100 +1608,15 @@
           <a:p>
             <a:r>
               <a:rPr kumimoji="1" lang="ja-JP" altLang="en-US" smtClean="0"/>
-              <a:t>たとえば、</a:t>
+              <a:t>これは、</a:t>
             </a:r>
             <a:r>
               <a:rPr kumimoji="1" lang="en-US" altLang="ja-JP" smtClean="0"/>
-              <a:t>50%</a:t>
+              <a:t>-T0</a:t>
             </a:r>
             <a:r>
               <a:rPr kumimoji="1" lang="ja-JP" altLang="en-US" smtClean="0"/>
-              <a:t>のカバレッジを出すには、</a:t>
-            </a:r>
-            <a:r>
-              <a:rPr kumimoji="1" lang="en-US" altLang="ja-JP" smtClean="0"/>
-              <a:t>10</a:t>
-            </a:r>
-            <a:r>
-              <a:rPr kumimoji="1" lang="ja-JP" altLang="en-US" smtClean="0"/>
-              <a:t>個のポートをスキャンするだけで良いわけです。</a:t>
-            </a:r>
-            <a:endParaRPr kumimoji="1" lang="en-US" altLang="ja-JP" smtClean="0"/>
-          </a:p>
-          <a:p>
-            <a:r>
-              <a:rPr kumimoji="1" lang="en-US" altLang="ja-JP" smtClean="0"/>
-              <a:t>90%</a:t>
-            </a:r>
-            <a:r>
-              <a:rPr kumimoji="1" lang="ja-JP" altLang="en-US" smtClean="0"/>
-              <a:t>のカバレッジを出すにも、</a:t>
-            </a:r>
-            <a:r>
-              <a:rPr kumimoji="1" lang="en-US" altLang="ja-JP" smtClean="0"/>
-              <a:t>500</a:t>
-            </a:r>
-            <a:r>
-              <a:rPr kumimoji="1" lang="ja-JP" altLang="en-US" smtClean="0"/>
-              <a:t>個</a:t>
-            </a:r>
-            <a:r>
-              <a:rPr kumimoji="1" lang="ja-JP" altLang="en-US" smtClean="0"/>
-              <a:t>ちょっとのポートをスキャン</a:t>
-            </a:r>
-            <a:r>
-              <a:rPr kumimoji="1" lang="ja-JP" altLang="en-US" smtClean="0"/>
-              <a:t>すれば十分です。このよう</a:t>
-            </a:r>
-            <a:r>
-              <a:rPr kumimoji="1" lang="ja-JP" altLang="en-US" smtClean="0"/>
-              <a:t>に、よく</a:t>
-            </a:r>
-            <a:r>
-              <a:rPr kumimoji="1" lang="ja-JP" altLang="en-US" smtClean="0"/>
-              <a:t>使われるポートは非常に「偏り」がありますから</a:t>
-            </a:r>
-            <a:r>
-              <a:rPr kumimoji="1" lang="ja-JP" altLang="en-US" smtClean="0"/>
-              <a:t>、必要</a:t>
-            </a:r>
-            <a:r>
-              <a:rPr kumimoji="1" lang="ja-JP" altLang="en-US" smtClean="0"/>
-              <a:t>最小限のポートのみに絞ってスキャンしましょう。探査行為が少なければ少ないほど、攻撃が検知される可能性も低くなります。</a:t>
-            </a:r>
-            <a:endParaRPr kumimoji="1" lang="en-US" altLang="ja-JP" smtClean="0"/>
-          </a:p>
-          <a:p>
-            <a:endParaRPr kumimoji="1" lang="en-US" altLang="ja-JP" smtClean="0"/>
-          </a:p>
-          <a:p>
-            <a:r>
-              <a:rPr kumimoji="1" lang="ja-JP" altLang="en-US" smtClean="0"/>
-              <a:t>また、</a:t>
-            </a:r>
-            <a:r>
-              <a:rPr kumimoji="1" lang="en-US" altLang="ja-JP" smtClean="0"/>
-              <a:t>99%</a:t>
-            </a:r>
-            <a:r>
-              <a:rPr kumimoji="1" lang="ja-JP" altLang="en-US" smtClean="0"/>
-              <a:t>のカバレッジを出すには</a:t>
-            </a:r>
-            <a:r>
-              <a:rPr kumimoji="1" lang="en-US" altLang="ja-JP" smtClean="0"/>
-              <a:t>3000</a:t>
-            </a:r>
-            <a:r>
-              <a:rPr kumimoji="1" lang="ja-JP" altLang="en-US" smtClean="0"/>
-              <a:t>個ちょっとのポートをスキャンすればいいのに、そこからさらにカバレッジ</a:t>
-            </a:r>
-            <a:r>
-              <a:rPr kumimoji="1" lang="en-US" altLang="ja-JP" smtClean="0"/>
-              <a:t>100%</a:t>
-            </a:r>
-            <a:r>
-              <a:rPr kumimoji="1" lang="ja-JP" altLang="en-US" smtClean="0"/>
-              <a:t>を目指すには、当然のことながら全</a:t>
+              <a:t>をつけてポートスキャンをした際のパケットキャプチャです。ここでは</a:t>
             </a:r>
             <a:r>
               <a:rPr kumimoji="1" lang="en-US" altLang="ja-JP" smtClean="0"/>
@@ -1597,38 +1624,46 @@
             </a:r>
             <a:r>
               <a:rPr kumimoji="1" lang="ja-JP" altLang="en-US" smtClean="0"/>
-              <a:t>ポート</a:t>
+              <a:t>の</a:t>
             </a:r>
             <a:r>
               <a:rPr kumimoji="1" lang="en-US" altLang="ja-JP" smtClean="0"/>
-              <a:t>(0-65535)</a:t>
+              <a:t>0</a:t>
             </a:r>
             <a:r>
               <a:rPr kumimoji="1" lang="ja-JP" altLang="en-US" smtClean="0"/>
-              <a:t>の</a:t>
+              <a:t>番から</a:t>
             </a:r>
             <a:r>
               <a:rPr kumimoji="1" lang="en-US" altLang="ja-JP" smtClean="0"/>
-              <a:t>65536</a:t>
+              <a:t>4</a:t>
             </a:r>
             <a:r>
               <a:rPr kumimoji="1" lang="ja-JP" altLang="en-US" smtClean="0"/>
-              <a:t>個をスキャンしなければいけません。</a:t>
+              <a:t>番までスキャンしていますが</a:t>
+            </a:r>
+            <a:r>
+              <a:rPr kumimoji="1" lang="en-US" altLang="ja-JP" smtClean="0"/>
+              <a:t>……</a:t>
+            </a:r>
+            <a:r>
+              <a:rPr kumimoji="1" lang="ja-JP" altLang="en-US" smtClean="0"/>
+              <a:t>。</a:t>
             </a:r>
             <a:endParaRPr kumimoji="1" lang="en-US" altLang="ja-JP" smtClean="0"/>
           </a:p>
           <a:p>
             <a:r>
               <a:rPr kumimoji="1" lang="ja-JP" altLang="en-US" smtClean="0"/>
-              <a:t>ここから、全ポートのスキャンはいかに非効率的であるかが分かります。</a:t>
+              <a:t>見ての通り、なんとひとつのポートをスキャンするのに</a:t>
             </a:r>
             <a:r>
               <a:rPr kumimoji="1" lang="en-US" altLang="ja-JP" smtClean="0"/>
-              <a:t>--top-ports</a:t>
+              <a:t>5</a:t>
             </a:r>
             <a:r>
               <a:rPr kumimoji="1" lang="ja-JP" altLang="en-US" smtClean="0"/>
-              <a:t>を積極的に使って、最小限のスキャンで攻撃しましょう（するなよ）。</a:t>
+              <a:t>分間隔を開けています。これほどゆっくりスキャンされては、相手もスキャンされていると気が付くことはおそらく無いでしょう。</a:t>
             </a:r>
             <a:endParaRPr kumimoji="1" lang="ja-JP" altLang="en-US"/>
           </a:p>
@@ -1661,7 +1696,7 @@
     </p:spTree>
     <p:extLst>
       <p:ext uri="{BB962C8B-B14F-4D97-AF65-F5344CB8AC3E}">
-        <p14:creationId xmlns="" xmlns:p14="http://schemas.microsoft.com/office/powerpoint/2010/main" val="2200297126"/>
+        <p14:creationId xmlns:p14="http://schemas.microsoft.com/office/powerpoint/2010/main" val="2504593760"/>
       </p:ext>
     </p:extLst>
   </p:cSld>
@@ -1717,99 +1752,192 @@
           <a:p>
             <a:r>
               <a:rPr kumimoji="1" lang="ja-JP" altLang="en-US" smtClean="0"/>
-              <a:t>通常、</a:t>
-            </a:r>
+              <a:t>ちなみに、ランキングは、</a:t>
+            </a:r>
+            <a:endParaRPr kumimoji="1" lang="en-US" altLang="ja-JP" smtClean="0"/>
+          </a:p>
+          <a:p>
             <a:r>
               <a:rPr kumimoji="1" lang="en-US" altLang="ja-JP" smtClean="0"/>
-              <a:t>ICMP</a:t>
+              <a:t>1</a:t>
             </a:r>
             <a:r>
               <a:rPr kumimoji="1" lang="ja-JP" altLang="en-US" smtClean="0"/>
-              <a:t>の</a:t>
+              <a:t>位 </a:t>
             </a:r>
             <a:r>
               <a:rPr kumimoji="1" lang="en-US" altLang="ja-JP" smtClean="0"/>
-              <a:t>echo</a:t>
+              <a:t>80/tcp (http)</a:t>
+            </a:r>
+          </a:p>
+          <a:p>
+            <a:r>
+              <a:rPr kumimoji="1" lang="en-US" altLang="ja-JP" smtClean="0"/>
+              <a:t>2</a:t>
             </a:r>
             <a:r>
               <a:rPr kumimoji="1" lang="ja-JP" altLang="en-US" smtClean="0"/>
-              <a:t>リクエストは、リプライが変えるかどうかだけが重要です。そのためペイロードには誰も注意を払いません。そのためか</a:t>
+              <a:t>位 </a:t>
             </a:r>
             <a:r>
               <a:rPr kumimoji="1" lang="en-US" altLang="ja-JP" smtClean="0"/>
-              <a:t>(?)</a:t>
+              <a:t>23/tcp (telnet)</a:t>
+            </a:r>
+          </a:p>
+          <a:p>
+            <a:pPr marL="0" marR="0" indent="0" algn="l" defTabSz="914400" rtl="0" eaLnBrk="1" fontAlgn="auto" latinLnBrk="0" hangingPunct="1">
+              <a:lnSpc>
+                <a:spcPct val="100000"/>
+              </a:lnSpc>
+              <a:spcBef>
+                <a:spcPts val="0"/>
+              </a:spcBef>
+              <a:spcAft>
+                <a:spcPts val="0"/>
+              </a:spcAft>
+              <a:buClrTx/>
+              <a:buSzTx/>
+              <a:buFontTx/>
+              <a:buNone/>
+              <a:tabLst/>
+              <a:defRPr/>
+            </a:pPr>
+            <a:r>
+              <a:rPr kumimoji="1" lang="en-US" altLang="ja-JP" smtClean="0"/>
+              <a:t>3</a:t>
             </a:r>
             <a:r>
               <a:rPr kumimoji="1" lang="ja-JP" altLang="en-US" smtClean="0"/>
-              <a:t>、</a:t>
+              <a:t>位 </a:t>
             </a:r>
             <a:r>
               <a:rPr kumimoji="1" lang="en-US" altLang="ja-JP" smtClean="0"/>
-              <a:t>Windows</a:t>
+              <a:t>443/tcp (https)</a:t>
+            </a:r>
+          </a:p>
+          <a:p>
+            <a:pPr marL="0" marR="0" indent="0" algn="l" defTabSz="914400" rtl="0" eaLnBrk="1" fontAlgn="auto" latinLnBrk="0" hangingPunct="1">
+              <a:lnSpc>
+                <a:spcPct val="100000"/>
+              </a:lnSpc>
+              <a:spcBef>
+                <a:spcPts val="0"/>
+              </a:spcBef>
+              <a:spcAft>
+                <a:spcPts val="0"/>
+              </a:spcAft>
+              <a:buClrTx/>
+              <a:buSzTx/>
+              <a:buFontTx/>
+              <a:buNone/>
+              <a:tabLst/>
+              <a:defRPr/>
+            </a:pPr>
+            <a:r>
+              <a:rPr kumimoji="1" lang="en-US" altLang="ja-JP" smtClean="0"/>
+              <a:t>4</a:t>
             </a:r>
             <a:r>
               <a:rPr kumimoji="1" lang="ja-JP" altLang="en-US" smtClean="0"/>
-              <a:t>の</a:t>
+              <a:t>位 </a:t>
             </a:r>
             <a:r>
               <a:rPr kumimoji="1" lang="en-US" altLang="ja-JP" smtClean="0"/>
-              <a:t>ping</a:t>
+              <a:t>21/tcp (ftp)</a:t>
+            </a:r>
+          </a:p>
+          <a:p>
+            <a:r>
+              <a:rPr kumimoji="1" lang="en-US" altLang="ja-JP" smtClean="0"/>
+              <a:t>5</a:t>
             </a:r>
             <a:r>
               <a:rPr kumimoji="1" lang="ja-JP" altLang="en-US" smtClean="0"/>
-              <a:t>コマンドではこのように</a:t>
+              <a:t>位 </a:t>
             </a:r>
             <a:r>
               <a:rPr kumimoji="1" lang="en-US" altLang="ja-JP" smtClean="0"/>
-              <a:t>[abcdefg...]</a:t>
+              <a:t>22/tcp (ssh)</a:t>
+            </a:r>
+          </a:p>
+          <a:p>
+            <a:r>
+              <a:rPr kumimoji="1" lang="en-US" altLang="ja-JP" smtClean="0"/>
+              <a:t>6</a:t>
             </a:r>
             <a:r>
               <a:rPr kumimoji="1" lang="ja-JP" altLang="en-US" smtClean="0"/>
-              <a:t>というテキトーなペイロードが埋め込まれています。（なぜ</a:t>
+              <a:t>位 </a:t>
             </a:r>
             <a:r>
               <a:rPr kumimoji="1" lang="en-US" altLang="ja-JP" smtClean="0"/>
-              <a:t>xyz</a:t>
+              <a:t>25/tcp</a:t>
+            </a:r>
+            <a:r>
+              <a:rPr kumimoji="1" lang="en-US" altLang="ja-JP" baseline="0" smtClean="0"/>
+              <a:t> (smtp)</a:t>
+            </a:r>
+          </a:p>
+          <a:p>
+            <a:r>
+              <a:rPr kumimoji="1" lang="en-US" altLang="ja-JP" baseline="0" smtClean="0"/>
+              <a:t>7</a:t>
+            </a:r>
+            <a:r>
+              <a:rPr kumimoji="1" lang="ja-JP" altLang="en-US" baseline="0" smtClean="0"/>
+              <a:t>位 </a:t>
+            </a:r>
+            <a:r>
+              <a:rPr kumimoji="1" lang="en-US" altLang="ja-JP" baseline="0" smtClean="0"/>
+              <a:t>3389/tcp (rdp)</a:t>
+            </a:r>
+          </a:p>
+          <a:p>
+            <a:r>
+              <a:rPr kumimoji="1" lang="en-US" altLang="ja-JP" smtClean="0"/>
+              <a:t>8</a:t>
             </a:r>
             <a:r>
               <a:rPr kumimoji="1" lang="ja-JP" altLang="en-US" smtClean="0"/>
-              <a:t>が抜けているのかが謎なんですけど</a:t>
+              <a:t>位 </a:t>
             </a:r>
             <a:r>
               <a:rPr kumimoji="1" lang="en-US" altLang="ja-JP" smtClean="0"/>
-              <a:t>……</a:t>
+              <a:t>110/tcp (pop3)</a:t>
+            </a:r>
+          </a:p>
+          <a:p>
+            <a:r>
+              <a:rPr kumimoji="1" lang="en-US" altLang="ja-JP" smtClean="0"/>
+              <a:t>9</a:t>
             </a:r>
             <a:r>
               <a:rPr kumimoji="1" lang="ja-JP" altLang="en-US" smtClean="0"/>
-              <a:t>知ってる人います</a:t>
+              <a:t>位 </a:t>
             </a:r>
             <a:r>
               <a:rPr kumimoji="1" lang="en-US" altLang="ja-JP" smtClean="0"/>
-              <a:t>?)</a:t>
-            </a:r>
-          </a:p>
-          <a:p>
+              <a:t>445/tcp (smb)</a:t>
+            </a:r>
+          </a:p>
+          <a:p>
+            <a:r>
+              <a:rPr kumimoji="1" lang="en-US" altLang="ja-JP" smtClean="0"/>
+              <a:t>10</a:t>
+            </a:r>
             <a:r>
               <a:rPr kumimoji="1" lang="ja-JP" altLang="en-US" smtClean="0"/>
-              <a:t>ちなみに</a:t>
+              <a:t>位 </a:t>
             </a:r>
             <a:r>
               <a:rPr kumimoji="1" lang="en-US" altLang="ja-JP" smtClean="0"/>
-              <a:t>Linux</a:t>
-            </a:r>
-            <a:r>
-              <a:rPr kumimoji="1" lang="ja-JP" altLang="en-US" smtClean="0"/>
-              <a:t>の</a:t>
-            </a:r>
-            <a:r>
-              <a:rPr kumimoji="1" lang="en-US" altLang="ja-JP" smtClean="0"/>
-              <a:t>ping</a:t>
-            </a:r>
-            <a:r>
-              <a:rPr kumimoji="1" lang="ja-JP" altLang="en-US" smtClean="0"/>
-              <a:t>コマンドは、また全然別のテキトーなペイロードが埋めこれます</a:t>
-            </a:r>
-            <a:endParaRPr kumimoji="1" lang="ja-JP" altLang="en-US"/>
+              <a:t>139/tcp</a:t>
+            </a:r>
+            <a:r>
+              <a:rPr kumimoji="1" lang="en-US" altLang="ja-JP" baseline="0" smtClean="0"/>
+              <a:t> (netbios)</a:t>
+            </a:r>
+            <a:endParaRPr kumimoji="1" lang="en-US" altLang="ja-JP" smtClean="0"/>
           </a:p>
         </p:txBody>
       </p:sp>
@@ -1831,7 +1959,7 @@
             <a:fld id="{DB9CD991-4847-4EC6-8E3A-1C6DA9348A2B}" type="slidenum">
               <a:rPr kumimoji="1" lang="ja-JP" altLang="en-US" smtClean="0"/>
               <a:pPr/>
-              <a:t>20</a:t>
+              <a:t>17</a:t>
             </a:fld>
             <a:endParaRPr kumimoji="1" lang="ja-JP" altLang="en-US"/>
           </a:p>
@@ -1840,7 +1968,7 @@
     </p:spTree>
     <p:extLst>
       <p:ext uri="{BB962C8B-B14F-4D97-AF65-F5344CB8AC3E}">
-        <p14:creationId xmlns="" xmlns:p14="http://schemas.microsoft.com/office/powerpoint/2010/main" val="1645015722"/>
+        <p14:creationId xmlns:p14="http://schemas.microsoft.com/office/powerpoint/2010/main" val="3105100023"/>
       </p:ext>
     </p:extLst>
   </p:cSld>
@@ -1896,39 +2024,97 @@
           <a:p>
             <a:r>
               <a:rPr kumimoji="1" lang="ja-JP" altLang="en-US" smtClean="0"/>
-              <a:t>さて、そうなるとここに好きなペイロードを突っ込むことで、外部と隠れてコソコソ通信できるな～ということになります。</a:t>
-            </a:r>
-            <a:endParaRPr kumimoji="1" lang="en-US" altLang="ja-JP" smtClean="0"/>
-          </a:p>
-          <a:p>
+              <a:t>これは、</a:t>
+            </a:r>
+            <a:r>
+              <a:rPr kumimoji="1" lang="en-US" altLang="ja-JP" smtClean="0"/>
+              <a:t>Nmap</a:t>
+            </a:r>
             <a:r>
               <a:rPr kumimoji="1" lang="ja-JP" altLang="en-US" smtClean="0"/>
-              <a:t>やり方は色々あると思いますが、ここでは</a:t>
+              <a:t>のガイドブック（いわゆる目ん玉本）に載っている、いかに効率的にスキャンをするか？ という</a:t>
             </a:r>
             <a:r>
               <a:rPr kumimoji="1" lang="en-US" altLang="ja-JP" smtClean="0"/>
-              <a:t>nping</a:t>
+              <a:t>section</a:t>
             </a:r>
             <a:r>
               <a:rPr kumimoji="1" lang="ja-JP" altLang="en-US" smtClean="0"/>
-              <a:t>コマンドを使いましょう。これはポートスキャナ</a:t>
+              <a:t>に登場するデータです。</a:t>
+            </a:r>
+          </a:p>
+          <a:p>
+            <a:r>
+              <a:rPr kumimoji="1" lang="ja-JP" altLang="en-US" smtClean="0"/>
+              <a:t>この書籍は</a:t>
             </a:r>
             <a:r>
               <a:rPr kumimoji="1" lang="en-US" altLang="ja-JP" smtClean="0"/>
-              <a:t>nmap</a:t>
+              <a:t>2008</a:t>
             </a:r>
             <a:r>
               <a:rPr kumimoji="1" lang="ja-JP" altLang="en-US" smtClean="0"/>
-              <a:t>に付属しているので、普通に</a:t>
+              <a:t>年のものなので現在は細かい数字は違ってくるでしょうが、言いたい結論は変わらないはずです。</a:t>
+            </a:r>
+          </a:p>
+          <a:p>
+            <a:endParaRPr kumimoji="1" lang="ja-JP" altLang="en-US" smtClean="0"/>
+          </a:p>
+          <a:p>
+            <a:r>
+              <a:rPr kumimoji="1" lang="ja-JP" altLang="en-US" smtClean="0"/>
+              <a:t>このグラフは、横軸がスキャンする</a:t>
             </a:r>
             <a:r>
               <a:rPr kumimoji="1" lang="en-US" altLang="ja-JP" smtClean="0"/>
-              <a:t>nmap</a:t>
+              <a:t>TCP</a:t>
             </a:r>
             <a:r>
               <a:rPr kumimoji="1" lang="ja-JP" altLang="en-US" smtClean="0"/>
-              <a:t>を入れれば入っています。</a:t>
-            </a:r>
+              <a:t>のポート数（個数）、縦軸がカバレッジです。（</a:t>
+            </a:r>
+            <a:r>
+              <a:rPr kumimoji="1" lang="en-US" altLang="ja-JP" smtClean="0"/>
+              <a:t>Nmap</a:t>
+            </a:r>
+            <a:r>
+              <a:rPr kumimoji="1" lang="ja-JP" altLang="en-US" smtClean="0"/>
+              <a:t>本では</a:t>
+            </a:r>
+            <a:r>
+              <a:rPr kumimoji="1" lang="en-US" altLang="ja-JP" smtClean="0"/>
+              <a:t>Effectiveness</a:t>
+            </a:r>
+            <a:r>
+              <a:rPr kumimoji="1" lang="ja-JP" altLang="en-US" smtClean="0"/>
+              <a:t>という単語を使っていますが、ここではカバレッジとしました）。</a:t>
+            </a:r>
+          </a:p>
+          <a:p>
+            <a:r>
+              <a:rPr kumimoji="1" lang="ja-JP" altLang="en-US" smtClean="0"/>
+              <a:t>ここでいうカバレッジは網羅率、つまり対象ホスト上で開放している全てのポートがスキャンできたときを</a:t>
+            </a:r>
+            <a:r>
+              <a:rPr kumimoji="1" lang="en-US" altLang="ja-JP" smtClean="0"/>
+              <a:t>100</a:t>
+            </a:r>
+            <a:r>
+              <a:rPr kumimoji="1" lang="ja-JP" altLang="en-US" smtClean="0"/>
+              <a:t>％としたときの、実際にスキャンされるポートの割合です。</a:t>
+            </a:r>
+          </a:p>
+          <a:p>
+            <a:r>
+              <a:rPr kumimoji="1" lang="en-US" altLang="ja-JP" smtClean="0"/>
+              <a:t>Nmap</a:t>
+            </a:r>
+            <a:r>
+              <a:rPr kumimoji="1" lang="ja-JP" altLang="en-US" smtClean="0"/>
+              <a:t>ガイドブックでは、多くのホストをスキャンしてポートごとの存在確率を統計的に計算し、それよりこのようなカバレッジを計算してみせています。</a:t>
+            </a:r>
+          </a:p>
+          <a:p>
             <a:endParaRPr kumimoji="1" lang="ja-JP" altLang="en-US"/>
           </a:p>
         </p:txBody>
@@ -1951,7 +2137,7 @@
             <a:fld id="{DB9CD991-4847-4EC6-8E3A-1C6DA9348A2B}" type="slidenum">
               <a:rPr kumimoji="1" lang="ja-JP" altLang="en-US" smtClean="0"/>
               <a:pPr/>
-              <a:t>21</a:t>
+              <a:t>18</a:t>
             </a:fld>
             <a:endParaRPr kumimoji="1" lang="ja-JP" altLang="en-US"/>
           </a:p>
@@ -1960,7 +2146,7 @@
     </p:spTree>
     <p:extLst>
       <p:ext uri="{BB962C8B-B14F-4D97-AF65-F5344CB8AC3E}">
-        <p14:creationId xmlns="" xmlns:p14="http://schemas.microsoft.com/office/powerpoint/2010/main" val="4088891792"/>
+        <p14:creationId xmlns:p14="http://schemas.microsoft.com/office/powerpoint/2010/main" val="2200297126"/>
       </p:ext>
     </p:extLst>
   </p:cSld>
@@ -2016,62 +2202,115 @@
           <a:p>
             <a:r>
               <a:rPr kumimoji="1" lang="ja-JP" altLang="en-US" smtClean="0"/>
-              <a:t>通常、</a:t>
+              <a:t>たとえば、</a:t>
             </a:r>
             <a:r>
               <a:rPr kumimoji="1" lang="en-US" altLang="ja-JP" smtClean="0"/>
-              <a:t>POST</a:t>
+              <a:t>50%</a:t>
             </a:r>
             <a:r>
               <a:rPr kumimoji="1" lang="ja-JP" altLang="en-US" smtClean="0"/>
-              <a:t>メソッドのフィルタや、</a:t>
+              <a:t>のカバレッジを出すには、</a:t>
             </a:r>
             <a:r>
               <a:rPr kumimoji="1" lang="en-US" altLang="ja-JP" smtClean="0"/>
-              <a:t>GET</a:t>
+              <a:t>10</a:t>
             </a:r>
             <a:r>
               <a:rPr kumimoji="1" lang="ja-JP" altLang="en-US" smtClean="0"/>
-              <a:t>メソッドでもリクエストパラメタなどは</a:t>
-            </a:r>
+              <a:t>個のポートをスキャンするだけで良いわけです。</a:t>
+            </a:r>
+            <a:endParaRPr kumimoji="1" lang="en-US" altLang="ja-JP" smtClean="0"/>
+          </a:p>
+          <a:p>
             <a:r>
               <a:rPr kumimoji="1" lang="en-US" altLang="ja-JP" smtClean="0"/>
-              <a:t>Proxy</a:t>
+              <a:t>90%</a:t>
             </a:r>
             <a:r>
               <a:rPr kumimoji="1" lang="ja-JP" altLang="en-US" smtClean="0"/>
-              <a:t>でチェックしている企業も多いでしょう。</a:t>
+              <a:t>のカバレッジを出すにも、</a:t>
+            </a:r>
+            <a:r>
+              <a:rPr kumimoji="1" lang="en-US" altLang="ja-JP" smtClean="0"/>
+              <a:t>500</a:t>
+            </a:r>
+            <a:r>
+              <a:rPr kumimoji="1" lang="ja-JP" altLang="en-US" smtClean="0"/>
+              <a:t>個ちょっとのポートをスキャンすれば十分です。このように、よく使われるポートは非常に「偏り」がありますから、必要最小限のポートのみに絞ってスキャンしましょう。探査行為が少なければ少ないほど、攻撃が検知される可能性も低くなります。</a:t>
             </a:r>
             <a:endParaRPr kumimoji="1" lang="en-US" altLang="ja-JP" smtClean="0"/>
           </a:p>
           <a:p>
+            <a:endParaRPr kumimoji="1" lang="en-US" altLang="ja-JP" smtClean="0"/>
+          </a:p>
+          <a:p>
             <a:r>
               <a:rPr kumimoji="1" lang="ja-JP" altLang="en-US" smtClean="0"/>
-              <a:t>でも、このようにリクエストヘッダに埋め込む形でデータを送信すれば。。。</a:t>
+              <a:t>また、</a:t>
             </a:r>
             <a:r>
               <a:rPr kumimoji="1" lang="en-US" altLang="ja-JP" smtClean="0"/>
-              <a:t>Proxy</a:t>
+              <a:t>99%</a:t>
             </a:r>
             <a:r>
               <a:rPr kumimoji="1" lang="ja-JP" altLang="en-US" smtClean="0"/>
-              <a:t>ごしの</a:t>
+              <a:t>のカバレッジを出すには</a:t>
             </a:r>
             <a:r>
               <a:rPr kumimoji="1" lang="en-US" altLang="ja-JP" smtClean="0"/>
-              <a:t>HTTP</a:t>
+              <a:t>3000</a:t>
             </a:r>
             <a:r>
               <a:rPr kumimoji="1" lang="ja-JP" altLang="en-US" smtClean="0"/>
-              <a:t>の通信しか許さず、</a:t>
+              <a:t>個ちょっとのポートをスキャンすればいいのに、そこからさらにカバレッジ</a:t>
             </a:r>
             <a:r>
               <a:rPr kumimoji="1" lang="en-US" altLang="ja-JP" smtClean="0"/>
-              <a:t>POST</a:t>
+              <a:t>100%</a:t>
             </a:r>
             <a:r>
               <a:rPr kumimoji="1" lang="ja-JP" altLang="en-US" smtClean="0"/>
-              <a:t>禁止の環境でも、結構</a:t>
+              <a:t>を目指すには、当然のことながら全</a:t>
+            </a:r>
+            <a:r>
+              <a:rPr kumimoji="1" lang="en-US" altLang="ja-JP" smtClean="0"/>
+              <a:t>TCP</a:t>
+            </a:r>
+            <a:r>
+              <a:rPr kumimoji="1" lang="ja-JP" altLang="en-US" smtClean="0"/>
+              <a:t>ポート</a:t>
+            </a:r>
+            <a:r>
+              <a:rPr kumimoji="1" lang="en-US" altLang="ja-JP" smtClean="0"/>
+              <a:t>(0-65535)</a:t>
+            </a:r>
+            <a:r>
+              <a:rPr kumimoji="1" lang="ja-JP" altLang="en-US" smtClean="0"/>
+              <a:t>の</a:t>
+            </a:r>
+            <a:r>
+              <a:rPr kumimoji="1" lang="en-US" altLang="ja-JP" smtClean="0"/>
+              <a:t>65536</a:t>
+            </a:r>
+            <a:r>
+              <a:rPr kumimoji="1" lang="ja-JP" altLang="en-US" smtClean="0"/>
+              <a:t>個をスキャンしなければいけません。</a:t>
+            </a:r>
+            <a:endParaRPr kumimoji="1" lang="en-US" altLang="ja-JP" smtClean="0"/>
+          </a:p>
+          <a:p>
+            <a:r>
+              <a:rPr kumimoji="1" lang="ja-JP" altLang="en-US" smtClean="0"/>
+              <a:t>ここから、全ポートのスキャンはいかに非効率的であるかが分かります。</a:t>
+            </a:r>
+            <a:r>
+              <a:rPr kumimoji="1" lang="en-US" altLang="ja-JP" smtClean="0"/>
+              <a:t>--top-ports</a:t>
+            </a:r>
+            <a:r>
+              <a:rPr kumimoji="1" lang="ja-JP" altLang="en-US" smtClean="0"/>
+              <a:t>を積極的に使って、最小限のスキャンで攻撃しましょう（するなよ）。</a:t>
             </a:r>
             <a:endParaRPr kumimoji="1" lang="ja-JP" altLang="en-US"/>
           </a:p>
@@ -2095,7 +2334,7 @@
             <a:fld id="{DB9CD991-4847-4EC6-8E3A-1C6DA9348A2B}" type="slidenum">
               <a:rPr kumimoji="1" lang="ja-JP" altLang="en-US" smtClean="0"/>
               <a:pPr/>
-              <a:t>24</a:t>
+              <a:t>19</a:t>
             </a:fld>
             <a:endParaRPr kumimoji="1" lang="ja-JP" altLang="en-US"/>
           </a:p>
@@ -2104,7 +2343,7 @@
     </p:spTree>
     <p:extLst>
       <p:ext uri="{BB962C8B-B14F-4D97-AF65-F5344CB8AC3E}">
-        <p14:creationId xmlns="" xmlns:p14="http://schemas.microsoft.com/office/powerpoint/2010/main" val="1322130280"/>
+        <p14:creationId xmlns:p14="http://schemas.microsoft.com/office/powerpoint/2010/main" val="2200297126"/>
       </p:ext>
     </p:extLst>
   </p:cSld>
@@ -2289,7 +2528,7 @@
             <a:fld id="{1268F7E2-09DB-4258-A030-729CAB5B2FD4}" type="slidenum">
               <a:rPr kumimoji="1" lang="ja-JP" altLang="en-US" smtClean="0"/>
               <a:pPr/>
-              <a:t>&lt;#&gt;</a:t>
+              <a:t>‹#›</a:t>
             </a:fld>
             <a:endParaRPr kumimoji="1" lang="ja-JP" altLang="en-US"/>
           </a:p>
@@ -2298,7 +2537,7 @@
     </p:spTree>
     <p:extLst>
       <p:ext uri="{BB962C8B-B14F-4D97-AF65-F5344CB8AC3E}">
-        <p14:creationId xmlns="" xmlns:p14="http://schemas.microsoft.com/office/powerpoint/2010/main" val="1863472321"/>
+        <p14:creationId xmlns:p14="http://schemas.microsoft.com/office/powerpoint/2010/main" val="1863472321"/>
       </p:ext>
     </p:extLst>
   </p:cSld>
@@ -2493,7 +2732,7 @@
             <a:fld id="{1268F7E2-09DB-4258-A030-729CAB5B2FD4}" type="slidenum">
               <a:rPr kumimoji="1" lang="ja-JP" altLang="en-US" smtClean="0"/>
               <a:pPr/>
-              <a:t>&lt;#&gt;</a:t>
+              <a:t>‹#›</a:t>
             </a:fld>
             <a:endParaRPr kumimoji="1" lang="ja-JP" altLang="en-US"/>
           </a:p>
@@ -2502,7 +2741,7 @@
     </p:spTree>
     <p:extLst>
       <p:ext uri="{BB962C8B-B14F-4D97-AF65-F5344CB8AC3E}">
-        <p14:creationId xmlns="" xmlns:p14="http://schemas.microsoft.com/office/powerpoint/2010/main" val="4012234509"/>
+        <p14:creationId xmlns:p14="http://schemas.microsoft.com/office/powerpoint/2010/main" val="4012234509"/>
       </p:ext>
     </p:extLst>
   </p:cSld>
@@ -2707,7 +2946,7 @@
             <a:fld id="{1268F7E2-09DB-4258-A030-729CAB5B2FD4}" type="slidenum">
               <a:rPr kumimoji="1" lang="ja-JP" altLang="en-US" smtClean="0"/>
               <a:pPr/>
-              <a:t>&lt;#&gt;</a:t>
+              <a:t>‹#›</a:t>
             </a:fld>
             <a:endParaRPr kumimoji="1" lang="ja-JP" altLang="en-US"/>
           </a:p>
@@ -2716,7 +2955,7 @@
     </p:spTree>
     <p:extLst>
       <p:ext uri="{BB962C8B-B14F-4D97-AF65-F5344CB8AC3E}">
-        <p14:creationId xmlns="" xmlns:p14="http://schemas.microsoft.com/office/powerpoint/2010/main" val="525144367"/>
+        <p14:creationId xmlns:p14="http://schemas.microsoft.com/office/powerpoint/2010/main" val="525144367"/>
       </p:ext>
     </p:extLst>
   </p:cSld>
@@ -2778,8 +3017,26 @@
         </p:nvSpPr>
         <p:spPr/>
         <p:txBody>
-          <a:bodyPr/>
-          <a:lstStyle/>
+          <a:bodyPr>
+            <a:normAutofit/>
+          </a:bodyPr>
+          <a:lstStyle>
+            <a:lvl1pPr>
+              <a:defRPr sz="3600"/>
+            </a:lvl1pPr>
+            <a:lvl2pPr>
+              <a:defRPr sz="3200"/>
+            </a:lvl2pPr>
+            <a:lvl3pPr>
+              <a:defRPr sz="2800"/>
+            </a:lvl3pPr>
+            <a:lvl4pPr>
+              <a:defRPr sz="2400"/>
+            </a:lvl4pPr>
+            <a:lvl5pPr>
+              <a:defRPr sz="2400"/>
+            </a:lvl5pPr>
+          </a:lstStyle>
           <a:p>
             <a:pPr lvl="0"/>
             <a:r>
@@ -2911,7 +3168,7 @@
             <a:fld id="{1268F7E2-09DB-4258-A030-729CAB5B2FD4}" type="slidenum">
               <a:rPr kumimoji="1" lang="ja-JP" altLang="en-US" smtClean="0"/>
               <a:pPr/>
-              <a:t>&lt;#&gt;</a:t>
+              <a:t>‹#›</a:t>
             </a:fld>
             <a:endParaRPr kumimoji="1" lang="ja-JP" altLang="en-US"/>
           </a:p>
@@ -2920,13 +3177,20 @@
     </p:spTree>
     <p:extLst>
       <p:ext uri="{BB962C8B-B14F-4D97-AF65-F5344CB8AC3E}">
-        <p14:creationId xmlns="" xmlns:p14="http://schemas.microsoft.com/office/powerpoint/2010/main" val="3101500846"/>
+        <p14:creationId xmlns:p14="http://schemas.microsoft.com/office/powerpoint/2010/main" val="3101500846"/>
       </p:ext>
     </p:extLst>
   </p:cSld>
   <p:clrMapOvr>
     <a:masterClrMapping/>
   </p:clrMapOvr>
+  <p:timing>
+    <p:tnLst>
+      <p:par>
+        <p:cTn id="1" dur="indefinite" restart="never" nodeType="tmRoot"/>
+      </p:par>
+    </p:tnLst>
+  </p:timing>
 </p:sldLayout>
 </file>
 
@@ -3157,7 +3421,7 @@
             <a:fld id="{1268F7E2-09DB-4258-A030-729CAB5B2FD4}" type="slidenum">
               <a:rPr kumimoji="1" lang="ja-JP" altLang="en-US" smtClean="0"/>
               <a:pPr/>
-              <a:t>&lt;#&gt;</a:t>
+              <a:t>‹#›</a:t>
             </a:fld>
             <a:endParaRPr kumimoji="1" lang="ja-JP" altLang="en-US"/>
           </a:p>
@@ -3166,7 +3430,7 @@
     </p:spTree>
     <p:extLst>
       <p:ext uri="{BB962C8B-B14F-4D97-AF65-F5344CB8AC3E}">
-        <p14:creationId xmlns="" xmlns:p14="http://schemas.microsoft.com/office/powerpoint/2010/main" val="2607024047"/>
+        <p14:creationId xmlns:p14="http://schemas.microsoft.com/office/powerpoint/2010/main" val="2607024047"/>
       </p:ext>
     </p:extLst>
   </p:cSld>
@@ -3455,7 +3719,7 @@
             <a:fld id="{1268F7E2-09DB-4258-A030-729CAB5B2FD4}" type="slidenum">
               <a:rPr kumimoji="1" lang="ja-JP" altLang="en-US" smtClean="0"/>
               <a:pPr/>
-              <a:t>&lt;#&gt;</a:t>
+              <a:t>‹#›</a:t>
             </a:fld>
             <a:endParaRPr kumimoji="1" lang="ja-JP" altLang="en-US"/>
           </a:p>
@@ -3464,7 +3728,7 @@
     </p:spTree>
     <p:extLst>
       <p:ext uri="{BB962C8B-B14F-4D97-AF65-F5344CB8AC3E}">
-        <p14:creationId xmlns="" xmlns:p14="http://schemas.microsoft.com/office/powerpoint/2010/main" val="1010007558"/>
+        <p14:creationId xmlns:p14="http://schemas.microsoft.com/office/powerpoint/2010/main" val="1010007558"/>
       </p:ext>
     </p:extLst>
   </p:cSld>
@@ -3888,7 +4152,7 @@
             <a:fld id="{1268F7E2-09DB-4258-A030-729CAB5B2FD4}" type="slidenum">
               <a:rPr kumimoji="1" lang="ja-JP" altLang="en-US" smtClean="0"/>
               <a:pPr/>
-              <a:t>&lt;#&gt;</a:t>
+              <a:t>‹#›</a:t>
             </a:fld>
             <a:endParaRPr kumimoji="1" lang="ja-JP" altLang="en-US"/>
           </a:p>
@@ -3897,7 +4161,7 @@
     </p:spTree>
     <p:extLst>
       <p:ext uri="{BB962C8B-B14F-4D97-AF65-F5344CB8AC3E}">
-        <p14:creationId xmlns="" xmlns:p14="http://schemas.microsoft.com/office/powerpoint/2010/main" val="3250309388"/>
+        <p14:creationId xmlns:p14="http://schemas.microsoft.com/office/powerpoint/2010/main" val="3250309388"/>
       </p:ext>
     </p:extLst>
   </p:cSld>
@@ -4008,7 +4272,7 @@
             <a:fld id="{1268F7E2-09DB-4258-A030-729CAB5B2FD4}" type="slidenum">
               <a:rPr kumimoji="1" lang="ja-JP" altLang="en-US" smtClean="0"/>
               <a:pPr/>
-              <a:t>&lt;#&gt;</a:t>
+              <a:t>‹#›</a:t>
             </a:fld>
             <a:endParaRPr kumimoji="1" lang="ja-JP" altLang="en-US"/>
           </a:p>
@@ -4017,7 +4281,7 @@
     </p:spTree>
     <p:extLst>
       <p:ext uri="{BB962C8B-B14F-4D97-AF65-F5344CB8AC3E}">
-        <p14:creationId xmlns="" xmlns:p14="http://schemas.microsoft.com/office/powerpoint/2010/main" val="3038965904"/>
+        <p14:creationId xmlns:p14="http://schemas.microsoft.com/office/powerpoint/2010/main" val="3038965904"/>
       </p:ext>
     </p:extLst>
   </p:cSld>
@@ -4105,7 +4369,7 @@
             <a:fld id="{1268F7E2-09DB-4258-A030-729CAB5B2FD4}" type="slidenum">
               <a:rPr kumimoji="1" lang="ja-JP" altLang="en-US" smtClean="0"/>
               <a:pPr/>
-              <a:t>&lt;#&gt;</a:t>
+              <a:t>‹#›</a:t>
             </a:fld>
             <a:endParaRPr kumimoji="1" lang="ja-JP" altLang="en-US"/>
           </a:p>
@@ -4114,7 +4378,7 @@
     </p:spTree>
     <p:extLst>
       <p:ext uri="{BB962C8B-B14F-4D97-AF65-F5344CB8AC3E}">
-        <p14:creationId xmlns="" xmlns:p14="http://schemas.microsoft.com/office/powerpoint/2010/main" val="1685908978"/>
+        <p14:creationId xmlns:p14="http://schemas.microsoft.com/office/powerpoint/2010/main" val="1685908978"/>
       </p:ext>
     </p:extLst>
   </p:cSld>
@@ -4416,7 +4680,7 @@
             <a:fld id="{1268F7E2-09DB-4258-A030-729CAB5B2FD4}" type="slidenum">
               <a:rPr kumimoji="1" lang="ja-JP" altLang="en-US" smtClean="0"/>
               <a:pPr/>
-              <a:t>&lt;#&gt;</a:t>
+              <a:t>‹#›</a:t>
             </a:fld>
             <a:endParaRPr kumimoji="1" lang="ja-JP" altLang="en-US"/>
           </a:p>
@@ -4425,7 +4689,7 @@
     </p:spTree>
     <p:extLst>
       <p:ext uri="{BB962C8B-B14F-4D97-AF65-F5344CB8AC3E}">
-        <p14:creationId xmlns="" xmlns:p14="http://schemas.microsoft.com/office/powerpoint/2010/main" val="551049879"/>
+        <p14:creationId xmlns:p14="http://schemas.microsoft.com/office/powerpoint/2010/main" val="551049879"/>
       </p:ext>
     </p:extLst>
   </p:cSld>
@@ -4675,7 +4939,7 @@
             <a:fld id="{1268F7E2-09DB-4258-A030-729CAB5B2FD4}" type="slidenum">
               <a:rPr kumimoji="1" lang="ja-JP" altLang="en-US" smtClean="0"/>
               <a:pPr/>
-              <a:t>&lt;#&gt;</a:t>
+              <a:t>‹#›</a:t>
             </a:fld>
             <a:endParaRPr kumimoji="1" lang="ja-JP" altLang="en-US"/>
           </a:p>
@@ -4684,7 +4948,7 @@
     </p:spTree>
     <p:extLst>
       <p:ext uri="{BB962C8B-B14F-4D97-AF65-F5344CB8AC3E}">
-        <p14:creationId xmlns="" xmlns:p14="http://schemas.microsoft.com/office/powerpoint/2010/main" val="2633962770"/>
+        <p14:creationId xmlns:p14="http://schemas.microsoft.com/office/powerpoint/2010/main" val="2633962770"/>
       </p:ext>
     </p:extLst>
   </p:cSld>
@@ -4958,7 +5222,7 @@
             <a:fld id="{1268F7E2-09DB-4258-A030-729CAB5B2FD4}" type="slidenum">
               <a:rPr kumimoji="1" lang="ja-JP" altLang="en-US" smtClean="0"/>
               <a:pPr/>
-              <a:t>&lt;#&gt;</a:t>
+              <a:t>‹#›</a:t>
             </a:fld>
             <a:endParaRPr kumimoji="1" lang="ja-JP" altLang="en-US"/>
           </a:p>
@@ -4967,7 +5231,7 @@
     </p:spTree>
     <p:extLst>
       <p:ext uri="{BB962C8B-B14F-4D97-AF65-F5344CB8AC3E}">
-        <p14:creationId xmlns="" xmlns:p14="http://schemas.microsoft.com/office/powerpoint/2010/main" val="158630497"/>
+        <p14:creationId xmlns:p14="http://schemas.microsoft.com/office/powerpoint/2010/main" val="158630497"/>
       </p:ext>
     </p:extLst>
   </p:cSld>
@@ -5297,7 +5561,7 @@
           <a:blip r:embed="rId2" cstate="print">
             <a:extLst>
               <a:ext uri="{28A0092B-C50C-407E-A947-70E740481C1C}">
-                <a14:useLocalDpi xmlns="" xmlns:a14="http://schemas.microsoft.com/office/drawing/2010/main" val="0"/>
+                <a14:useLocalDpi xmlns:a14="http://schemas.microsoft.com/office/drawing/2010/main" val="0"/>
               </a:ext>
             </a:extLst>
           </a:blip>
@@ -5428,7 +5692,7 @@
     </p:spTree>
     <p:extLst>
       <p:ext uri="{BB962C8B-B14F-4D97-AF65-F5344CB8AC3E}">
-        <p14:creationId xmlns="" xmlns:p14="http://schemas.microsoft.com/office/powerpoint/2010/main" val="802749041"/>
+        <p14:creationId xmlns:p14="http://schemas.microsoft.com/office/powerpoint/2010/main" val="802749041"/>
       </p:ext>
     </p:extLst>
   </p:cSld>
@@ -5474,6 +5738,448 @@
         </p:nvSpPr>
         <p:spPr>
           <a:xfrm>
+            <a:off x="628650" y="196960"/>
+            <a:ext cx="7886700" cy="1325563"/>
+          </a:xfrm>
+        </p:spPr>
+        <p:txBody>
+          <a:bodyPr/>
+          <a:lstStyle/>
+          <a:p>
+            <a:r>
+              <a:rPr kumimoji="1" lang="en-US" altLang="ja-JP" smtClean="0"/>
+              <a:t>SYN</a:t>
+            </a:r>
+            <a:r>
+              <a:rPr kumimoji="1" lang="ja-JP" altLang="en-US" smtClean="0"/>
+              <a:t>スキャンは、</a:t>
+            </a:r>
+            <a:r>
+              <a:rPr kumimoji="1" lang="en-US" altLang="ja-JP" smtClean="0"/>
+              <a:t/>
+            </a:r>
+            <a:br>
+              <a:rPr kumimoji="1" lang="en-US" altLang="ja-JP" smtClean="0"/>
+            </a:br>
+            <a:r>
+              <a:rPr kumimoji="1" lang="ja-JP" altLang="en-US" smtClean="0"/>
+              <a:t>何を「隠して」いるのか</a:t>
+            </a:r>
+            <a:endParaRPr kumimoji="1" lang="ja-JP" altLang="en-US"/>
+          </a:p>
+        </p:txBody>
+      </p:sp>
+      <p:sp>
+        <p:nvSpPr>
+          <p:cNvPr id="3" name="コンテンツ プレースホルダー 2"/>
+          <p:cNvSpPr>
+            <a:spLocks noGrp="1"/>
+          </p:cNvSpPr>
+          <p:nvPr>
+            <p:ph idx="1"/>
+          </p:nvPr>
+        </p:nvSpPr>
+        <p:spPr>
+          <a:xfrm>
+            <a:off x="628650" y="1933903"/>
+            <a:ext cx="7886700" cy="4078014"/>
+          </a:xfrm>
+        </p:spPr>
+        <p:txBody>
+          <a:bodyPr>
+            <a:normAutofit/>
+          </a:bodyPr>
+          <a:lstStyle/>
+          <a:p>
+            <a:r>
+              <a:rPr lang="ja-JP" altLang="en-US"/>
+              <a:t>通常</a:t>
+            </a:r>
+            <a:r>
+              <a:rPr lang="ja-JP" altLang="en-US" smtClean="0"/>
+              <a:t>の手順</a:t>
+            </a:r>
+            <a:r>
+              <a:rPr lang="en-US" altLang="ja-JP" smtClean="0"/>
+              <a:t>(3WAY</a:t>
+            </a:r>
+            <a:r>
+              <a:rPr lang="ja-JP" altLang="en-US" smtClean="0"/>
+              <a:t>ハンドシェイク</a:t>
+            </a:r>
+            <a:r>
+              <a:rPr lang="en-US" altLang="ja-JP" smtClean="0"/>
+              <a:t>)</a:t>
+            </a:r>
+            <a:r>
+              <a:rPr lang="ja-JP" altLang="en-US" smtClean="0"/>
+              <a:t>を介さないで、</a:t>
+            </a:r>
+            <a:endParaRPr lang="en-US" altLang="ja-JP" smtClean="0"/>
+          </a:p>
+          <a:p>
+            <a:pPr lvl="1"/>
+            <a:r>
+              <a:rPr lang="ja-JP" altLang="en-US" smtClean="0"/>
+              <a:t>ログに</a:t>
+            </a:r>
+            <a:r>
+              <a:rPr lang="ja-JP" altLang="en-US"/>
+              <a:t>残</a:t>
+            </a:r>
+            <a:r>
+              <a:rPr lang="ja-JP" altLang="en-US" smtClean="0"/>
+              <a:t>るのを隠す</a:t>
+            </a:r>
+            <a:endParaRPr lang="en-US" altLang="ja-JP" smtClean="0"/>
+          </a:p>
+          <a:p>
+            <a:pPr lvl="1"/>
+            <a:r>
+              <a:rPr lang="ja-JP" altLang="en-US" smtClean="0"/>
+              <a:t>「プロトコル通りに動いてい</a:t>
+            </a:r>
+            <a:r>
+              <a:rPr lang="ja-JP" altLang="en-US"/>
+              <a:t>る</a:t>
+            </a:r>
+            <a:r>
+              <a:rPr lang="ja-JP" altLang="en-US" smtClean="0"/>
+              <a:t>」ことを前提とし</a:t>
+            </a:r>
+            <a:r>
+              <a:rPr lang="ja-JP" altLang="en-US"/>
+              <a:t>た</a:t>
+            </a:r>
+            <a:r>
+              <a:rPr lang="ja-JP" altLang="en-US" smtClean="0"/>
+              <a:t>検知から攻撃を隠す</a:t>
+            </a:r>
+            <a:endParaRPr lang="en-US" altLang="ja-JP" smtClean="0"/>
+          </a:p>
+          <a:p>
+            <a:r>
+              <a:rPr lang="ja-JP" altLang="en-US" smtClean="0"/>
+              <a:t>行為自体を隠しているわけではない</a:t>
+            </a:r>
+            <a:endParaRPr lang="en-US" altLang="ja-JP" smtClean="0"/>
+          </a:p>
+        </p:txBody>
+      </p:sp>
+    </p:spTree>
+    <p:extLst>
+      <p:ext uri="{BB962C8B-B14F-4D97-AF65-F5344CB8AC3E}">
+        <p14:creationId xmlns:p14="http://schemas.microsoft.com/office/powerpoint/2010/main" val="4009739411"/>
+      </p:ext>
+    </p:extLst>
+  </p:cSld>
+  <p:clrMapOvr>
+    <a:masterClrMapping/>
+  </p:clrMapOvr>
+  <p:timing>
+    <p:tnLst>
+      <p:par>
+        <p:cTn id="1" dur="indefinite" restart="never" nodeType="tmRoot"/>
+      </p:par>
+    </p:tnLst>
+  </p:timing>
+</p:sld>
+</file>
+
+<file path=ppt/slides/slide11.xml><?xml version="1.0" encoding="utf-8"?>
+<p:sld xmlns:a="http://schemas.openxmlformats.org/drawingml/2006/main" xmlns:r="http://schemas.openxmlformats.org/officeDocument/2006/relationships" xmlns:p="http://schemas.openxmlformats.org/presentationml/2006/main">
+  <p:cSld>
+    <p:spTree>
+      <p:nvGrpSpPr>
+        <p:cNvPr id="1" name=""/>
+        <p:cNvGrpSpPr/>
+        <p:nvPr/>
+      </p:nvGrpSpPr>
+      <p:grpSpPr>
+        <a:xfrm>
+          <a:off x="0" y="0"/>
+          <a:ext cx="0" cy="0"/>
+          <a:chOff x="0" y="0"/>
+          <a:chExt cx="0" cy="0"/>
+        </a:xfrm>
+      </p:grpSpPr>
+      <p:pic>
+        <p:nvPicPr>
+          <p:cNvPr id="4" name="図 3"/>
+          <p:cNvPicPr>
+            <a:picLocks noChangeAspect="1"/>
+          </p:cNvPicPr>
+          <p:nvPr/>
+        </p:nvPicPr>
+        <p:blipFill rotWithShape="1">
+          <a:blip r:embed="rId2" cstate="print">
+            <a:extLst>
+              <a:ext uri="{28A0092B-C50C-407E-A947-70E740481C1C}">
+                <a14:useLocalDpi xmlns:a14="http://schemas.microsoft.com/office/drawing/2010/main" val="0"/>
+              </a:ext>
+            </a:extLst>
+          </a:blip>
+          <a:srcRect/>
+          <a:stretch/>
+        </p:blipFill>
+        <p:spPr>
+          <a:xfrm>
+            <a:off x="11575" y="-115747"/>
+            <a:ext cx="9306046" cy="7106856"/>
+          </a:xfrm>
+          <a:prstGeom prst="rect">
+            <a:avLst/>
+          </a:prstGeom>
+          <a:effectLst>
+            <a:outerShdw blurRad="50800" dist="50800" dir="5400000" algn="ctr" rotWithShape="0">
+              <a:srgbClr val="000000"/>
+            </a:outerShdw>
+          </a:effectLst>
+        </p:spPr>
+      </p:pic>
+      <p:sp>
+        <p:nvSpPr>
+          <p:cNvPr id="5" name="テキスト ボックス 4"/>
+          <p:cNvSpPr txBox="1"/>
+          <p:nvPr/>
+        </p:nvSpPr>
+        <p:spPr>
+          <a:xfrm>
+            <a:off x="1594323" y="1204646"/>
+            <a:ext cx="6140549" cy="923330"/>
+          </a:xfrm>
+          <a:prstGeom prst="rect">
+            <a:avLst/>
+          </a:prstGeom>
+          <a:noFill/>
+        </p:spPr>
+        <p:txBody>
+          <a:bodyPr wrap="square" rtlCol="0">
+            <a:spAutoFit/>
+          </a:bodyPr>
+          <a:lstStyle/>
+          <a:p>
+            <a:r>
+              <a:rPr kumimoji="1" lang="en-US" altLang="ja-JP" sz="5400" smtClean="0">
+                <a:ln>
+                  <a:solidFill>
+                    <a:schemeClr val="bg1">
+                      <a:lumMod val="50000"/>
+                    </a:schemeClr>
+                  </a:solidFill>
+                </a:ln>
+                <a:latin typeface="Tahoma" panose="020B0604030504040204" pitchFamily="34" charset="0"/>
+                <a:cs typeface="Tahoma" panose="020B0604030504040204" pitchFamily="34" charset="0"/>
+              </a:rPr>
+              <a:t>Too slow to detect.</a:t>
+            </a:r>
+            <a:endParaRPr kumimoji="1" lang="ja-JP" altLang="en-US" sz="5400">
+              <a:ln>
+                <a:solidFill>
+                  <a:schemeClr val="bg1">
+                    <a:lumMod val="50000"/>
+                  </a:schemeClr>
+                </a:solidFill>
+              </a:ln>
+              <a:latin typeface="Tahoma" panose="020B0604030504040204" pitchFamily="34" charset="0"/>
+              <a:cs typeface="Tahoma" panose="020B0604030504040204" pitchFamily="34" charset="0"/>
+            </a:endParaRPr>
+          </a:p>
+        </p:txBody>
+      </p:sp>
+    </p:spTree>
+    <p:extLst>
+      <p:ext uri="{BB962C8B-B14F-4D97-AF65-F5344CB8AC3E}">
+        <p14:creationId xmlns:p14="http://schemas.microsoft.com/office/powerpoint/2010/main" val="881172435"/>
+      </p:ext>
+    </p:extLst>
+  </p:cSld>
+  <p:clrMapOvr>
+    <a:masterClrMapping/>
+  </p:clrMapOvr>
+  <p:timing>
+    <p:tnLst>
+      <p:par>
+        <p:cTn id="1" dur="indefinite" restart="never" nodeType="tmRoot"/>
+      </p:par>
+    </p:tnLst>
+  </p:timing>
+</p:sld>
+</file>
+
+<file path=ppt/slides/slide12.xml><?xml version="1.0" encoding="utf-8"?>
+<p:sld xmlns:a="http://schemas.openxmlformats.org/drawingml/2006/main" xmlns:r="http://schemas.openxmlformats.org/officeDocument/2006/relationships" xmlns:p="http://schemas.openxmlformats.org/presentationml/2006/main">
+  <p:cSld>
+    <p:spTree>
+      <p:nvGrpSpPr>
+        <p:cNvPr id="1" name=""/>
+        <p:cNvGrpSpPr/>
+        <p:nvPr/>
+      </p:nvGrpSpPr>
+      <p:grpSpPr>
+        <a:xfrm>
+          <a:off x="0" y="0"/>
+          <a:ext cx="0" cy="0"/>
+          <a:chOff x="0" y="0"/>
+          <a:chExt cx="0" cy="0"/>
+        </a:xfrm>
+      </p:grpSpPr>
+      <p:sp>
+        <p:nvSpPr>
+          <p:cNvPr id="2" name="タイトル 1"/>
+          <p:cNvSpPr>
+            <a:spLocks noGrp="1"/>
+          </p:cNvSpPr>
+          <p:nvPr>
+            <p:ph type="title"/>
+          </p:nvPr>
+        </p:nvSpPr>
+        <p:spPr/>
+        <p:txBody>
+          <a:bodyPr/>
+          <a:lstStyle/>
+          <a:p>
+            <a:r>
+              <a:rPr kumimoji="1" lang="en-US" altLang="ja-JP" smtClean="0"/>
+              <a:t>Too Slow</a:t>
+            </a:r>
+            <a:endParaRPr kumimoji="1" lang="ja-JP" altLang="en-US"/>
+          </a:p>
+        </p:txBody>
+      </p:sp>
+      <p:sp>
+        <p:nvSpPr>
+          <p:cNvPr id="3" name="コンテンツ プレースホルダー 2"/>
+          <p:cNvSpPr>
+            <a:spLocks noGrp="1"/>
+          </p:cNvSpPr>
+          <p:nvPr>
+            <p:ph idx="1"/>
+          </p:nvPr>
+        </p:nvSpPr>
+        <p:spPr/>
+        <p:txBody>
+          <a:bodyPr/>
+          <a:lstStyle/>
+          <a:p>
+            <a:r>
+              <a:rPr lang="ja-JP" altLang="en-US" smtClean="0"/>
+              <a:t>ポートスキャンをゆっくり行うと、攻撃行為自体を隠すことができる</a:t>
+            </a:r>
+            <a:endParaRPr lang="en-US" altLang="ja-JP" smtClean="0"/>
+          </a:p>
+        </p:txBody>
+      </p:sp>
+    </p:spTree>
+    <p:extLst>
+      <p:ext uri="{BB962C8B-B14F-4D97-AF65-F5344CB8AC3E}">
+        <p14:creationId xmlns:p14="http://schemas.microsoft.com/office/powerpoint/2010/main" val="569350094"/>
+      </p:ext>
+    </p:extLst>
+  </p:cSld>
+  <p:clrMapOvr>
+    <a:masterClrMapping/>
+  </p:clrMapOvr>
+  <p:timing>
+    <p:tnLst>
+      <p:par>
+        <p:cTn id="1" dur="indefinite" restart="never" nodeType="tmRoot"/>
+      </p:par>
+    </p:tnLst>
+  </p:timing>
+</p:sld>
+</file>
+
+<file path=ppt/slides/slide13.xml><?xml version="1.0" encoding="utf-8"?>
+<p:sld xmlns:a="http://schemas.openxmlformats.org/drawingml/2006/main" xmlns:r="http://schemas.openxmlformats.org/officeDocument/2006/relationships" xmlns:p="http://schemas.openxmlformats.org/presentationml/2006/main">
+  <p:cSld>
+    <p:spTree>
+      <p:nvGrpSpPr>
+        <p:cNvPr id="1" name=""/>
+        <p:cNvGrpSpPr/>
+        <p:nvPr/>
+      </p:nvGrpSpPr>
+      <p:grpSpPr>
+        <a:xfrm>
+          <a:off x="0" y="0"/>
+          <a:ext cx="0" cy="0"/>
+          <a:chOff x="0" y="0"/>
+          <a:chExt cx="0" cy="0"/>
+        </a:xfrm>
+      </p:grpSpPr>
+      <p:pic>
+        <p:nvPicPr>
+          <p:cNvPr id="3" name="図 2"/>
+          <p:cNvPicPr>
+            <a:picLocks noChangeAspect="1"/>
+          </p:cNvPicPr>
+          <p:nvPr/>
+        </p:nvPicPr>
+        <p:blipFill>
+          <a:blip r:embed="rId2"/>
+          <a:stretch>
+            <a:fillRect/>
+          </a:stretch>
+        </p:blipFill>
+        <p:spPr>
+          <a:xfrm>
+            <a:off x="158643" y="612141"/>
+            <a:ext cx="8869746" cy="5316022"/>
+          </a:xfrm>
+          <a:prstGeom prst="rect">
+            <a:avLst/>
+          </a:prstGeom>
+        </p:spPr>
+      </p:pic>
+    </p:spTree>
+    <p:extLst>
+      <p:ext uri="{BB962C8B-B14F-4D97-AF65-F5344CB8AC3E}">
+        <p14:creationId xmlns:p14="http://schemas.microsoft.com/office/powerpoint/2010/main" val="3118375049"/>
+      </p:ext>
+    </p:extLst>
+  </p:cSld>
+  <p:clrMapOvr>
+    <a:masterClrMapping/>
+  </p:clrMapOvr>
+  <p:timing>
+    <p:tnLst>
+      <p:par>
+        <p:cTn id="1" dur="indefinite" restart="never" nodeType="tmRoot"/>
+      </p:par>
+    </p:tnLst>
+  </p:timing>
+</p:sld>
+</file>
+
+<file path=ppt/slides/slide14.xml><?xml version="1.0" encoding="utf-8"?>
+<p:sld xmlns:a="http://schemas.openxmlformats.org/drawingml/2006/main" xmlns:r="http://schemas.openxmlformats.org/officeDocument/2006/relationships" xmlns:p="http://schemas.openxmlformats.org/presentationml/2006/main">
+  <p:cSld>
+    <p:spTree>
+      <p:nvGrpSpPr>
+        <p:cNvPr id="1" name=""/>
+        <p:cNvGrpSpPr/>
+        <p:nvPr/>
+      </p:nvGrpSpPr>
+      <p:grpSpPr>
+        <a:xfrm>
+          <a:off x="0" y="0"/>
+          <a:ext cx="0" cy="0"/>
+          <a:chOff x="0" y="0"/>
+          <a:chExt cx="0" cy="0"/>
+        </a:xfrm>
+      </p:grpSpPr>
+      <p:sp>
+        <p:nvSpPr>
+          <p:cNvPr id="2" name="タイトル 1"/>
+          <p:cNvSpPr>
+            <a:spLocks noGrp="1"/>
+          </p:cNvSpPr>
+          <p:nvPr>
+            <p:ph type="title"/>
+          </p:nvPr>
+        </p:nvSpPr>
+        <p:spPr>
+          <a:xfrm>
             <a:off x="628650" y="358685"/>
             <a:ext cx="7886700" cy="1325563"/>
           </a:xfrm>
@@ -5522,7 +6228,7 @@
           <p:nvPr>
             <p:extLst>
               <p:ext uri="{D42A27DB-BD31-4B8C-83A1-F6EECF244321}">
-                <p14:modId xmlns="" xmlns:p14="http://schemas.microsoft.com/office/powerpoint/2010/main" val="2279140518"/>
+                <p14:modId xmlns:p14="http://schemas.microsoft.com/office/powerpoint/2010/main" val="2279140518"/>
               </p:ext>
             </p:extLst>
           </p:nvPr>
@@ -5963,7 +6669,7 @@
     </p:spTree>
     <p:extLst>
       <p:ext uri="{BB962C8B-B14F-4D97-AF65-F5344CB8AC3E}">
-        <p14:creationId xmlns="" xmlns:p14="http://schemas.microsoft.com/office/powerpoint/2010/main" val="3333878178"/>
+        <p14:creationId xmlns:p14="http://schemas.microsoft.com/office/powerpoint/2010/main" val="3333878178"/>
       </p:ext>
     </p:extLst>
   </p:cSld>
@@ -5980,7 +6686,7 @@
 </p:sld>
 </file>
 
-<file path=ppt/slides/slide11.xml><?xml version="1.0" encoding="utf-8"?>
+<file path=ppt/slides/slide15.xml><?xml version="1.0" encoding="utf-8"?>
 <p:sld xmlns:a="http://schemas.openxmlformats.org/drawingml/2006/main" xmlns:r="http://schemas.openxmlformats.org/officeDocument/2006/relationships" xmlns:p="http://schemas.openxmlformats.org/presentationml/2006/main">
   <p:cSld>
     <p:spTree>
@@ -6518,7 +7224,7 @@
     </p:spTree>
     <p:extLst>
       <p:ext uri="{BB962C8B-B14F-4D97-AF65-F5344CB8AC3E}">
-        <p14:creationId xmlns="" xmlns:p14="http://schemas.microsoft.com/office/powerpoint/2010/main" val="1447535175"/>
+        <p14:creationId xmlns:p14="http://schemas.microsoft.com/office/powerpoint/2010/main" val="1447535175"/>
       </p:ext>
     </p:extLst>
   </p:cSld>
@@ -6535,7 +7241,7 @@
 </p:sld>
 </file>
 
-<file path=ppt/slides/slide12.xml><?xml version="1.0" encoding="utf-8"?>
+<file path=ppt/slides/slide16.xml><?xml version="1.0" encoding="utf-8"?>
 <p:sld xmlns:a="http://schemas.openxmlformats.org/drawingml/2006/main" xmlns:r="http://schemas.openxmlformats.org/officeDocument/2006/relationships" xmlns:p="http://schemas.openxmlformats.org/presentationml/2006/main">
   <p:cSld>
     <p:spTree>
@@ -6564,7 +7270,7 @@
           <a:blip r:embed="rId2" cstate="print">
             <a:extLst>
               <a:ext uri="{28A0092B-C50C-407E-A947-70E740481C1C}">
-                <a14:useLocalDpi xmlns="" xmlns:a14="http://schemas.microsoft.com/office/drawing/2010/main" val="0"/>
+                <a14:useLocalDpi xmlns:a14="http://schemas.microsoft.com/office/drawing/2010/main" val="0"/>
               </a:ext>
             </a:extLst>
           </a:blip>
@@ -6658,7 +7364,7 @@
     </p:spTree>
     <p:extLst>
       <p:ext uri="{BB962C8B-B14F-4D97-AF65-F5344CB8AC3E}">
-        <p14:creationId xmlns="" xmlns:p14="http://schemas.microsoft.com/office/powerpoint/2010/main" val="1127820023"/>
+        <p14:creationId xmlns:p14="http://schemas.microsoft.com/office/powerpoint/2010/main" val="1127820023"/>
       </p:ext>
     </p:extLst>
   </p:cSld>
@@ -6675,7 +7381,7 @@
 </p:sld>
 </file>
 
-<file path=ppt/slides/slide13.xml><?xml version="1.0" encoding="utf-8"?>
+<file path=ppt/slides/slide17.xml><?xml version="1.0" encoding="utf-8"?>
 <p:sld xmlns:a="http://schemas.openxmlformats.org/drawingml/2006/main" xmlns:r="http://schemas.openxmlformats.org/officeDocument/2006/relationships" xmlns:p="http://schemas.openxmlformats.org/presentationml/2006/main">
   <p:cSld>
     <p:spTree>
@@ -7063,7 +7769,7 @@
     </p:spTree>
     <p:extLst>
       <p:ext uri="{BB962C8B-B14F-4D97-AF65-F5344CB8AC3E}">
-        <p14:creationId xmlns="" xmlns:p14="http://schemas.microsoft.com/office/powerpoint/2010/main" val="1570198615"/>
+        <p14:creationId xmlns:p14="http://schemas.microsoft.com/office/powerpoint/2010/main" val="1570198615"/>
       </p:ext>
     </p:extLst>
   </p:cSld>
@@ -7080,7 +7786,7 @@
 </p:sld>
 </file>
 
-<file path=ppt/slides/slide14.xml><?xml version="1.0" encoding="utf-8"?>
+<file path=ppt/slides/slide18.xml><?xml version="1.0" encoding="utf-8"?>
 <p:sld xmlns:a="http://schemas.openxmlformats.org/drawingml/2006/main" xmlns:r="http://schemas.openxmlformats.org/officeDocument/2006/relationships" xmlns:p="http://schemas.openxmlformats.org/presentationml/2006/main">
   <p:cSld>
     <p:spTree>
@@ -7470,7 +8176,7 @@
     </p:spTree>
     <p:extLst>
       <p:ext uri="{BB962C8B-B14F-4D97-AF65-F5344CB8AC3E}">
-        <p14:creationId xmlns="" xmlns:p14="http://schemas.microsoft.com/office/powerpoint/2010/main" val="142409682"/>
+        <p14:creationId xmlns:p14="http://schemas.microsoft.com/office/powerpoint/2010/main" val="142409682"/>
       </p:ext>
     </p:extLst>
   </p:cSld>
@@ -7487,7 +8193,7 @@
 </p:sld>
 </file>
 
-<file path=ppt/slides/slide15.xml><?xml version="1.0" encoding="utf-8"?>
+<file path=ppt/slides/slide19.xml><?xml version="1.0" encoding="utf-8"?>
 <p:sld xmlns:a="http://schemas.openxmlformats.org/drawingml/2006/main" xmlns:r="http://schemas.openxmlformats.org/officeDocument/2006/relationships" xmlns:p="http://schemas.openxmlformats.org/presentationml/2006/main">
   <p:cSld>
     <p:spTree>
@@ -7949,7 +8655,7 @@
     </p:spTree>
     <p:extLst>
       <p:ext uri="{BB962C8B-B14F-4D97-AF65-F5344CB8AC3E}">
-        <p14:creationId xmlns="" xmlns:p14="http://schemas.microsoft.com/office/powerpoint/2010/main" val="142409682"/>
+        <p14:creationId xmlns:p14="http://schemas.microsoft.com/office/powerpoint/2010/main" val="142409682"/>
       </p:ext>
     </p:extLst>
   </p:cSld>
@@ -7966,7 +8672,381 @@
 </p:sld>
 </file>
 
-<file path=ppt/slides/slide16.xml><?xml version="1.0" encoding="utf-8"?>
+<file path=ppt/slides/slide2.xml><?xml version="1.0" encoding="utf-8"?>
+<p:sld xmlns:a="http://schemas.openxmlformats.org/drawingml/2006/main" xmlns:r="http://schemas.openxmlformats.org/officeDocument/2006/relationships" xmlns:p="http://schemas.openxmlformats.org/presentationml/2006/main">
+  <p:cSld>
+    <p:bg>
+      <p:bgPr>
+        <a:solidFill>
+          <a:schemeClr val="tx1"/>
+        </a:solidFill>
+        <a:effectLst/>
+      </p:bgPr>
+    </p:bg>
+    <p:spTree>
+      <p:nvGrpSpPr>
+        <p:cNvPr id="1" name=""/>
+        <p:cNvGrpSpPr/>
+        <p:nvPr/>
+      </p:nvGrpSpPr>
+      <p:grpSpPr>
+        <a:xfrm>
+          <a:off x="0" y="0"/>
+          <a:ext cx="0" cy="0"/>
+          <a:chOff x="0" y="0"/>
+          <a:chExt cx="0" cy="0"/>
+        </a:xfrm>
+      </p:grpSpPr>
+      <p:pic>
+        <p:nvPicPr>
+          <p:cNvPr id="9" name="図 8" descr="7556111472_b933b2ec64_h.jpg"/>
+          <p:cNvPicPr>
+            <a:picLocks noChangeAspect="1"/>
+          </p:cNvPicPr>
+          <p:nvPr/>
+        </p:nvPicPr>
+        <p:blipFill>
+          <a:blip r:embed="rId3" cstate="print">
+            <a:extLst>
+              <a:ext uri="{28A0092B-C50C-407E-A947-70E740481C1C}">
+                <a14:useLocalDpi xmlns:a14="http://schemas.microsoft.com/office/drawing/2010/main" val="0"/>
+              </a:ext>
+            </a:extLst>
+          </a:blip>
+          <a:stretch>
+            <a:fillRect/>
+          </a:stretch>
+        </p:blipFill>
+        <p:spPr>
+          <a:xfrm>
+            <a:off x="728113" y="1492427"/>
+            <a:ext cx="8686799" cy="6104335"/>
+          </a:xfrm>
+          <a:prstGeom prst="rect">
+            <a:avLst/>
+          </a:prstGeom>
+        </p:spPr>
+      </p:pic>
+      <p:sp>
+        <p:nvSpPr>
+          <p:cNvPr id="5" name="スライド番号プレースホルダー 4"/>
+          <p:cNvSpPr>
+            <a:spLocks noGrp="1"/>
+          </p:cNvSpPr>
+          <p:nvPr>
+            <p:ph type="sldNum" sz="quarter" idx="12"/>
+          </p:nvPr>
+        </p:nvSpPr>
+        <p:spPr/>
+        <p:txBody>
+          <a:bodyPr/>
+          <a:lstStyle/>
+          <a:p>
+            <a:fld id="{DF28FB93-0A08-4E7D-8E63-9EFA29F1E093}" type="slidenum">
+              <a:rPr lang="en-US" smtClean="0"/>
+              <a:pPr/>
+              <a:t>2</a:t>
+            </a:fld>
+            <a:endParaRPr lang="en-US"/>
+          </a:p>
+        </p:txBody>
+      </p:sp>
+      <p:sp>
+        <p:nvSpPr>
+          <p:cNvPr id="7" name="コンテンツ プレースホルダー 2"/>
+          <p:cNvSpPr>
+            <a:spLocks noGrp="1"/>
+          </p:cNvSpPr>
+          <p:nvPr>
+            <p:ph idx="1"/>
+          </p:nvPr>
+        </p:nvSpPr>
+        <p:spPr>
+          <a:xfrm>
+            <a:off x="304800" y="1181102"/>
+            <a:ext cx="8559800" cy="2832100"/>
+          </a:xfrm>
+        </p:spPr>
+        <p:txBody>
+          <a:bodyPr>
+            <a:normAutofit fontScale="85000" lnSpcReduction="10000"/>
+          </a:bodyPr>
+          <a:lstStyle/>
+          <a:p>
+            <a:pPr>
+              <a:lnSpc>
+                <a:spcPct val="120000"/>
+              </a:lnSpc>
+            </a:pPr>
+            <a:r>
+              <a:rPr kumimoji="1" lang="ja-JP" altLang="en-US" dirty="0" smtClean="0">
+                <a:solidFill>
+                  <a:srgbClr val="FFFFFF"/>
+                </a:solidFill>
+              </a:rPr>
+              <a:t>セキュリティっぽい</a:t>
+            </a:r>
+            <a:r>
+              <a:rPr kumimoji="1" lang="en-US" altLang="ja-JP" dirty="0" smtClean="0">
+                <a:solidFill>
+                  <a:srgbClr val="FFFFFF"/>
+                </a:solidFill>
+                <a:latin typeface="Tahoma"/>
+                <a:cs typeface="Tahoma"/>
+              </a:rPr>
+              <a:t>IT</a:t>
+            </a:r>
+            <a:r>
+              <a:rPr kumimoji="1" lang="ja-JP" altLang="en-US" dirty="0" smtClean="0">
+                <a:solidFill>
+                  <a:srgbClr val="FFFFFF"/>
+                </a:solidFill>
+              </a:rPr>
+              <a:t>エンジニア</a:t>
+            </a:r>
+            <a:r>
+              <a:rPr kumimoji="1" lang="en-US" altLang="ja-JP" dirty="0" smtClean="0">
+                <a:solidFill>
+                  <a:srgbClr val="FFFFFF"/>
+                </a:solidFill>
+                <a:latin typeface="Tahoma"/>
+                <a:cs typeface="Tahoma"/>
+              </a:rPr>
+              <a:t>(pentester)</a:t>
+            </a:r>
+            <a:endParaRPr kumimoji="1" lang="en-US" altLang="ja-JP" dirty="0">
+              <a:solidFill>
+                <a:srgbClr val="FFFFFF"/>
+              </a:solidFill>
+              <a:latin typeface="Tahoma"/>
+              <a:cs typeface="Tahoma"/>
+            </a:endParaRPr>
+          </a:p>
+          <a:p>
+            <a:pPr>
+              <a:lnSpc>
+                <a:spcPct val="120000"/>
+              </a:lnSpc>
+            </a:pPr>
+            <a:r>
+              <a:rPr lang="en-US" altLang="ja-JP" dirty="0" smtClean="0">
+                <a:solidFill>
+                  <a:srgbClr val="FFFFFF"/>
+                </a:solidFill>
+                <a:latin typeface="Tahoma"/>
+                <a:cs typeface="Tahoma"/>
+              </a:rPr>
+              <a:t>Blog </a:t>
+            </a:r>
+            <a:r>
+              <a:rPr lang="en-US" altLang="ja-JP" dirty="0" smtClean="0">
+                <a:solidFill>
+                  <a:srgbClr val="FFFFFF"/>
+                </a:solidFill>
+              </a:rPr>
+              <a:t>: </a:t>
+            </a:r>
+            <a:r>
+              <a:rPr lang="ja-JP" altLang="en-US" dirty="0" smtClean="0">
+                <a:solidFill>
+                  <a:srgbClr val="FFFFFF"/>
+                </a:solidFill>
+              </a:rPr>
+              <a:t>ろば電子が詰まっている</a:t>
+            </a:r>
+            <a:endParaRPr lang="en-US" altLang="ja-JP" dirty="0" smtClean="0">
+              <a:solidFill>
+                <a:srgbClr val="FFFFFF"/>
+              </a:solidFill>
+            </a:endParaRPr>
+          </a:p>
+          <a:p>
+            <a:pPr lvl="1">
+              <a:lnSpc>
+                <a:spcPct val="120000"/>
+              </a:lnSpc>
+            </a:pPr>
+            <a:r>
+              <a:rPr lang="en-US" altLang="ja-JP" dirty="0" smtClean="0">
+                <a:solidFill>
+                  <a:srgbClr val="FFFFFF"/>
+                </a:solidFill>
+                <a:latin typeface="Tahoma"/>
+                <a:cs typeface="Tahoma"/>
+              </a:rPr>
+              <a:t>http</a:t>
+            </a:r>
+            <a:r>
+              <a:rPr lang="en-US" altLang="ja-JP" dirty="0">
+                <a:solidFill>
+                  <a:srgbClr val="FFFFFF"/>
+                </a:solidFill>
+                <a:latin typeface="Tahoma"/>
+                <a:cs typeface="Tahoma"/>
+              </a:rPr>
+              <a:t>://</a:t>
+            </a:r>
+            <a:r>
+              <a:rPr lang="en-US" altLang="ja-JP" dirty="0" err="1">
+                <a:solidFill>
+                  <a:srgbClr val="FFFFFF"/>
+                </a:solidFill>
+                <a:latin typeface="Tahoma"/>
+                <a:cs typeface="Tahoma"/>
+              </a:rPr>
+              <a:t>d.hatena.ne.jp</a:t>
+            </a:r>
+            <a:r>
+              <a:rPr lang="en-US" altLang="ja-JP" dirty="0">
+                <a:solidFill>
+                  <a:srgbClr val="FFFFFF"/>
+                </a:solidFill>
+                <a:latin typeface="Tahoma"/>
+                <a:cs typeface="Tahoma"/>
+              </a:rPr>
+              <a:t>/ozuma/</a:t>
+            </a:r>
+          </a:p>
+          <a:p>
+            <a:pPr>
+              <a:lnSpc>
+                <a:spcPct val="120000"/>
+              </a:lnSpc>
+            </a:pPr>
+            <a:r>
+              <a:rPr kumimoji="1" lang="ja-JP" altLang="en-US" dirty="0">
+                <a:solidFill>
+                  <a:srgbClr val="FFFFFF"/>
+                </a:solidFill>
+              </a:rPr>
+              <a:t>科学写真家</a:t>
+            </a:r>
+            <a:r>
+              <a:rPr kumimoji="1" lang="en-US" altLang="ja-JP" dirty="0">
+                <a:solidFill>
+                  <a:srgbClr val="FFFFFF"/>
+                </a:solidFill>
+              </a:rPr>
+              <a:t>(</a:t>
+            </a:r>
+            <a:r>
+              <a:rPr kumimoji="1" lang="ja-JP" altLang="en-US" dirty="0">
+                <a:solidFill>
+                  <a:srgbClr val="FFFFFF"/>
+                </a:solidFill>
+              </a:rPr>
+              <a:t>と名乗っている</a:t>
+            </a:r>
+            <a:r>
+              <a:rPr kumimoji="1" lang="en-US" altLang="ja-JP" dirty="0">
+                <a:solidFill>
+                  <a:srgbClr val="FFFFFF"/>
+                </a:solidFill>
+              </a:rPr>
+              <a:t>)</a:t>
+            </a:r>
+            <a:endParaRPr kumimoji="1" lang="ja-JP" altLang="en-US" dirty="0">
+              <a:solidFill>
+                <a:srgbClr val="FFFFFF"/>
+              </a:solidFill>
+            </a:endParaRPr>
+          </a:p>
+        </p:txBody>
+      </p:sp>
+      <p:sp>
+        <p:nvSpPr>
+          <p:cNvPr id="3" name="テキスト ボックス 2"/>
+          <p:cNvSpPr txBox="1"/>
+          <p:nvPr/>
+        </p:nvSpPr>
+        <p:spPr>
+          <a:xfrm>
+            <a:off x="304800" y="38102"/>
+            <a:ext cx="3898900" cy="646331"/>
+          </a:xfrm>
+          <a:prstGeom prst="rect">
+            <a:avLst/>
+          </a:prstGeom>
+          <a:noFill/>
+        </p:spPr>
+        <p:txBody>
+          <a:bodyPr wrap="square" rtlCol="0">
+            <a:spAutoFit/>
+          </a:bodyPr>
+          <a:lstStyle/>
+          <a:p>
+            <a:r>
+              <a:rPr kumimoji="1" lang="en-US" altLang="ja-JP" sz="3600" dirty="0" smtClean="0">
+                <a:solidFill>
+                  <a:schemeClr val="bg1"/>
+                </a:solidFill>
+              </a:rPr>
+              <a:t>@ozuma5119</a:t>
+            </a:r>
+            <a:endParaRPr kumimoji="1" lang="ja-JP" altLang="en-US" sz="3600" dirty="0">
+              <a:solidFill>
+                <a:schemeClr val="bg1"/>
+              </a:solidFill>
+            </a:endParaRPr>
+          </a:p>
+        </p:txBody>
+      </p:sp>
+      <p:cxnSp>
+        <p:nvCxnSpPr>
+          <p:cNvPr id="10" name="直線コネクタ 9"/>
+          <p:cNvCxnSpPr/>
+          <p:nvPr/>
+        </p:nvCxnSpPr>
+        <p:spPr>
+          <a:xfrm>
+            <a:off x="419100" y="787400"/>
+            <a:ext cx="8267700" cy="0"/>
+          </a:xfrm>
+          <a:prstGeom prst="line">
+            <a:avLst/>
+          </a:prstGeom>
+          <a:ln w="57150" cmpd="sng">
+            <a:solidFill>
+              <a:srgbClr val="FFF2CC"/>
+            </a:solidFill>
+          </a:ln>
+        </p:spPr>
+        <p:style>
+          <a:lnRef idx="2">
+            <a:schemeClr val="accent1"/>
+          </a:lnRef>
+          <a:fillRef idx="0">
+            <a:schemeClr val="accent1"/>
+          </a:fillRef>
+          <a:effectRef idx="1">
+            <a:schemeClr val="accent1"/>
+          </a:effectRef>
+          <a:fontRef idx="minor">
+            <a:schemeClr val="tx1"/>
+          </a:fontRef>
+        </p:style>
+      </p:cxnSp>
+    </p:spTree>
+    <p:extLst>
+      <p:ext uri="{BB962C8B-B14F-4D97-AF65-F5344CB8AC3E}">
+        <p14:creationId xmlns:p14="http://schemas.microsoft.com/office/powerpoint/2010/main" val="4038990212"/>
+      </p:ext>
+    </p:extLst>
+  </p:cSld>
+  <p:clrMapOvr>
+    <a:masterClrMapping/>
+  </p:clrMapOvr>
+  <p:timing>
+    <p:tnLst>
+      <p:par>
+        <p:cTn id="1" dur="indefinite" restart="never" nodeType="tmRoot"/>
+      </p:par>
+    </p:tnLst>
+  </p:timing>
+</p:sld>
+</file>
+
+<file path=ppt/slides/slide20.xml><?xml version="1.0" encoding="utf-8"?>
 <p:sld xmlns:a="http://schemas.openxmlformats.org/drawingml/2006/main" xmlns:r="http://schemas.openxmlformats.org/officeDocument/2006/relationships" xmlns:p="http://schemas.openxmlformats.org/presentationml/2006/main">
   <p:cSld>
     <p:spTree>
@@ -7995,7 +9075,7 @@
           <a:blip r:embed="rId2" cstate="print">
             <a:extLst>
               <a:ext uri="{28A0092B-C50C-407E-A947-70E740481C1C}">
-                <a14:useLocalDpi xmlns="" xmlns:a14="http://schemas.microsoft.com/office/drawing/2010/main" val="0"/>
+                <a14:useLocalDpi xmlns:a14="http://schemas.microsoft.com/office/drawing/2010/main" val="0"/>
               </a:ext>
             </a:extLst>
           </a:blip>
@@ -8084,7 +9164,7 @@
     </p:spTree>
     <p:extLst>
       <p:ext uri="{BB962C8B-B14F-4D97-AF65-F5344CB8AC3E}">
-        <p14:creationId xmlns="" xmlns:p14="http://schemas.microsoft.com/office/powerpoint/2010/main" val="1093681869"/>
+        <p14:creationId xmlns:p14="http://schemas.microsoft.com/office/powerpoint/2010/main" val="1093681869"/>
       </p:ext>
     </p:extLst>
   </p:cSld>
@@ -8101,7 +9181,7 @@
 </p:sld>
 </file>
 
-<file path=ppt/slides/slide17.xml><?xml version="1.0" encoding="utf-8"?>
+<file path=ppt/slides/slide21.xml><?xml version="1.0" encoding="utf-8"?>
 <p:sld xmlns:a="http://schemas.openxmlformats.org/drawingml/2006/main" xmlns:r="http://schemas.openxmlformats.org/officeDocument/2006/relationships" xmlns:p="http://schemas.openxmlformats.org/presentationml/2006/main">
   <p:cSld>
     <p:spTree>
@@ -8215,7 +9295,7 @@
     </p:spTree>
     <p:extLst>
       <p:ext uri="{BB962C8B-B14F-4D97-AF65-F5344CB8AC3E}">
-        <p14:creationId xmlns="" xmlns:p14="http://schemas.microsoft.com/office/powerpoint/2010/main" val="1708929833"/>
+        <p14:creationId xmlns:p14="http://schemas.microsoft.com/office/powerpoint/2010/main" val="1708929833"/>
       </p:ext>
     </p:extLst>
   </p:cSld>
@@ -8232,7 +9312,7 @@
 </p:sld>
 </file>
 
-<file path=ppt/slides/slide18.xml><?xml version="1.0" encoding="utf-8"?>
+<file path=ppt/slides/slide22.xml><?xml version="1.0" encoding="utf-8"?>
 <p:sld xmlns:a="http://schemas.openxmlformats.org/drawingml/2006/main" xmlns:r="http://schemas.openxmlformats.org/officeDocument/2006/relationships" xmlns:p="http://schemas.openxmlformats.org/presentationml/2006/main">
   <p:cSld>
     <p:spTree>
@@ -8369,7 +9449,7 @@
     </p:spTree>
     <p:extLst>
       <p:ext uri="{BB962C8B-B14F-4D97-AF65-F5344CB8AC3E}">
-        <p14:creationId xmlns="" xmlns:p14="http://schemas.microsoft.com/office/powerpoint/2010/main" val="285120714"/>
+        <p14:creationId xmlns:p14="http://schemas.microsoft.com/office/powerpoint/2010/main" val="285120714"/>
       </p:ext>
     </p:extLst>
   </p:cSld>
@@ -8386,7 +9466,7 @@
 </p:sld>
 </file>
 
-<file path=ppt/slides/slide19.xml><?xml version="1.0" encoding="utf-8"?>
+<file path=ppt/slides/slide23.xml><?xml version="1.0" encoding="utf-8"?>
 <p:sld xmlns:a="http://schemas.openxmlformats.org/drawingml/2006/main" xmlns:r="http://schemas.openxmlformats.org/officeDocument/2006/relationships" xmlns:p="http://schemas.openxmlformats.org/presentationml/2006/main">
   <p:cSld>
     <p:spTree>
@@ -8450,381 +9530,7 @@
 </p:sld>
 </file>
 
-<file path=ppt/slides/slide2.xml><?xml version="1.0" encoding="utf-8"?>
-<p:sld xmlns:a="http://schemas.openxmlformats.org/drawingml/2006/main" xmlns:r="http://schemas.openxmlformats.org/officeDocument/2006/relationships" xmlns:p="http://schemas.openxmlformats.org/presentationml/2006/main">
-  <p:cSld>
-    <p:bg>
-      <p:bgPr>
-        <a:solidFill>
-          <a:schemeClr val="tx1"/>
-        </a:solidFill>
-        <a:effectLst/>
-      </p:bgPr>
-    </p:bg>
-    <p:spTree>
-      <p:nvGrpSpPr>
-        <p:cNvPr id="1" name=""/>
-        <p:cNvGrpSpPr/>
-        <p:nvPr/>
-      </p:nvGrpSpPr>
-      <p:grpSpPr>
-        <a:xfrm>
-          <a:off x="0" y="0"/>
-          <a:ext cx="0" cy="0"/>
-          <a:chOff x="0" y="0"/>
-          <a:chExt cx="0" cy="0"/>
-        </a:xfrm>
-      </p:grpSpPr>
-      <p:pic>
-        <p:nvPicPr>
-          <p:cNvPr id="9" name="図 8" descr="7556111472_b933b2ec64_h.jpg"/>
-          <p:cNvPicPr>
-            <a:picLocks noChangeAspect="1"/>
-          </p:cNvPicPr>
-          <p:nvPr/>
-        </p:nvPicPr>
-        <p:blipFill>
-          <a:blip r:embed="rId3" cstate="print">
-            <a:extLst>
-              <a:ext uri="{28A0092B-C50C-407E-A947-70E740481C1C}">
-                <a14:useLocalDpi xmlns="" xmlns:a14="http://schemas.microsoft.com/office/drawing/2010/main" val="0"/>
-              </a:ext>
-            </a:extLst>
-          </a:blip>
-          <a:stretch>
-            <a:fillRect/>
-          </a:stretch>
-        </p:blipFill>
-        <p:spPr>
-          <a:xfrm>
-            <a:off x="728113" y="1492427"/>
-            <a:ext cx="8686799" cy="6104335"/>
-          </a:xfrm>
-          <a:prstGeom prst="rect">
-            <a:avLst/>
-          </a:prstGeom>
-        </p:spPr>
-      </p:pic>
-      <p:sp>
-        <p:nvSpPr>
-          <p:cNvPr id="5" name="スライド番号プレースホルダー 4"/>
-          <p:cNvSpPr>
-            <a:spLocks noGrp="1"/>
-          </p:cNvSpPr>
-          <p:nvPr>
-            <p:ph type="sldNum" sz="quarter" idx="12"/>
-          </p:nvPr>
-        </p:nvSpPr>
-        <p:spPr/>
-        <p:txBody>
-          <a:bodyPr/>
-          <a:lstStyle/>
-          <a:p>
-            <a:fld id="{DF28FB93-0A08-4E7D-8E63-9EFA29F1E093}" type="slidenum">
-              <a:rPr lang="en-US" smtClean="0"/>
-              <a:pPr/>
-              <a:t>2</a:t>
-            </a:fld>
-            <a:endParaRPr lang="en-US"/>
-          </a:p>
-        </p:txBody>
-      </p:sp>
-      <p:sp>
-        <p:nvSpPr>
-          <p:cNvPr id="7" name="コンテンツ プレースホルダー 2"/>
-          <p:cNvSpPr>
-            <a:spLocks noGrp="1"/>
-          </p:cNvSpPr>
-          <p:nvPr>
-            <p:ph idx="1"/>
-          </p:nvPr>
-        </p:nvSpPr>
-        <p:spPr>
-          <a:xfrm>
-            <a:off x="304800" y="1181102"/>
-            <a:ext cx="8559800" cy="2832100"/>
-          </a:xfrm>
-        </p:spPr>
-        <p:txBody>
-          <a:bodyPr>
-            <a:normAutofit/>
-          </a:bodyPr>
-          <a:lstStyle/>
-          <a:p>
-            <a:pPr>
-              <a:lnSpc>
-                <a:spcPct val="120000"/>
-              </a:lnSpc>
-            </a:pPr>
-            <a:r>
-              <a:rPr kumimoji="1" lang="ja-JP" altLang="en-US" dirty="0" smtClean="0">
-                <a:solidFill>
-                  <a:srgbClr val="FFFFFF"/>
-                </a:solidFill>
-              </a:rPr>
-              <a:t>セキュリティっぽい</a:t>
-            </a:r>
-            <a:r>
-              <a:rPr kumimoji="1" lang="en-US" altLang="ja-JP" dirty="0" smtClean="0">
-                <a:solidFill>
-                  <a:srgbClr val="FFFFFF"/>
-                </a:solidFill>
-                <a:latin typeface="Tahoma"/>
-                <a:cs typeface="Tahoma"/>
-              </a:rPr>
-              <a:t>IT</a:t>
-            </a:r>
-            <a:r>
-              <a:rPr kumimoji="1" lang="ja-JP" altLang="en-US" dirty="0" smtClean="0">
-                <a:solidFill>
-                  <a:srgbClr val="FFFFFF"/>
-                </a:solidFill>
-              </a:rPr>
-              <a:t>エンジニア</a:t>
-            </a:r>
-            <a:r>
-              <a:rPr kumimoji="1" lang="en-US" altLang="ja-JP" dirty="0" smtClean="0">
-                <a:solidFill>
-                  <a:srgbClr val="FFFFFF"/>
-                </a:solidFill>
-                <a:latin typeface="Tahoma"/>
-                <a:cs typeface="Tahoma"/>
-              </a:rPr>
-              <a:t>(pentester)</a:t>
-            </a:r>
-            <a:endParaRPr kumimoji="1" lang="en-US" altLang="ja-JP" dirty="0">
-              <a:solidFill>
-                <a:srgbClr val="FFFFFF"/>
-              </a:solidFill>
-              <a:latin typeface="Tahoma"/>
-              <a:cs typeface="Tahoma"/>
-            </a:endParaRPr>
-          </a:p>
-          <a:p>
-            <a:pPr>
-              <a:lnSpc>
-                <a:spcPct val="120000"/>
-              </a:lnSpc>
-            </a:pPr>
-            <a:r>
-              <a:rPr lang="en-US" altLang="ja-JP" dirty="0" smtClean="0">
-                <a:solidFill>
-                  <a:srgbClr val="FFFFFF"/>
-                </a:solidFill>
-                <a:latin typeface="Tahoma"/>
-                <a:cs typeface="Tahoma"/>
-              </a:rPr>
-              <a:t>Blog </a:t>
-            </a:r>
-            <a:r>
-              <a:rPr lang="en-US" altLang="ja-JP" dirty="0" smtClean="0">
-                <a:solidFill>
-                  <a:srgbClr val="FFFFFF"/>
-                </a:solidFill>
-              </a:rPr>
-              <a:t>: </a:t>
-            </a:r>
-            <a:r>
-              <a:rPr lang="ja-JP" altLang="en-US" dirty="0" smtClean="0">
-                <a:solidFill>
-                  <a:srgbClr val="FFFFFF"/>
-                </a:solidFill>
-              </a:rPr>
-              <a:t>ろば電子が詰まっている</a:t>
-            </a:r>
-            <a:endParaRPr lang="en-US" altLang="ja-JP" dirty="0" smtClean="0">
-              <a:solidFill>
-                <a:srgbClr val="FFFFFF"/>
-              </a:solidFill>
-            </a:endParaRPr>
-          </a:p>
-          <a:p>
-            <a:pPr lvl="1">
-              <a:lnSpc>
-                <a:spcPct val="120000"/>
-              </a:lnSpc>
-            </a:pPr>
-            <a:r>
-              <a:rPr lang="en-US" altLang="ja-JP" dirty="0" smtClean="0">
-                <a:solidFill>
-                  <a:srgbClr val="FFFFFF"/>
-                </a:solidFill>
-                <a:latin typeface="Tahoma"/>
-                <a:cs typeface="Tahoma"/>
-              </a:rPr>
-              <a:t>http</a:t>
-            </a:r>
-            <a:r>
-              <a:rPr lang="en-US" altLang="ja-JP" dirty="0">
-                <a:solidFill>
-                  <a:srgbClr val="FFFFFF"/>
-                </a:solidFill>
-                <a:latin typeface="Tahoma"/>
-                <a:cs typeface="Tahoma"/>
-              </a:rPr>
-              <a:t>://</a:t>
-            </a:r>
-            <a:r>
-              <a:rPr lang="en-US" altLang="ja-JP" dirty="0" err="1">
-                <a:solidFill>
-                  <a:srgbClr val="FFFFFF"/>
-                </a:solidFill>
-                <a:latin typeface="Tahoma"/>
-                <a:cs typeface="Tahoma"/>
-              </a:rPr>
-              <a:t>d.hatena.ne.jp</a:t>
-            </a:r>
-            <a:r>
-              <a:rPr lang="en-US" altLang="ja-JP" dirty="0">
-                <a:solidFill>
-                  <a:srgbClr val="FFFFFF"/>
-                </a:solidFill>
-                <a:latin typeface="Tahoma"/>
-                <a:cs typeface="Tahoma"/>
-              </a:rPr>
-              <a:t>/ozuma/</a:t>
-            </a:r>
-          </a:p>
-          <a:p>
-            <a:pPr>
-              <a:lnSpc>
-                <a:spcPct val="120000"/>
-              </a:lnSpc>
-            </a:pPr>
-            <a:r>
-              <a:rPr kumimoji="1" lang="ja-JP" altLang="en-US" dirty="0">
-                <a:solidFill>
-                  <a:srgbClr val="FFFFFF"/>
-                </a:solidFill>
-              </a:rPr>
-              <a:t>科学写真家</a:t>
-            </a:r>
-            <a:r>
-              <a:rPr kumimoji="1" lang="en-US" altLang="ja-JP" dirty="0">
-                <a:solidFill>
-                  <a:srgbClr val="FFFFFF"/>
-                </a:solidFill>
-              </a:rPr>
-              <a:t>(</a:t>
-            </a:r>
-            <a:r>
-              <a:rPr kumimoji="1" lang="ja-JP" altLang="en-US" dirty="0">
-                <a:solidFill>
-                  <a:srgbClr val="FFFFFF"/>
-                </a:solidFill>
-              </a:rPr>
-              <a:t>と名乗っている</a:t>
-            </a:r>
-            <a:r>
-              <a:rPr kumimoji="1" lang="en-US" altLang="ja-JP" dirty="0">
-                <a:solidFill>
-                  <a:srgbClr val="FFFFFF"/>
-                </a:solidFill>
-              </a:rPr>
-              <a:t>)</a:t>
-            </a:r>
-            <a:endParaRPr kumimoji="1" lang="ja-JP" altLang="en-US" dirty="0">
-              <a:solidFill>
-                <a:srgbClr val="FFFFFF"/>
-              </a:solidFill>
-            </a:endParaRPr>
-          </a:p>
-        </p:txBody>
-      </p:sp>
-      <p:sp>
-        <p:nvSpPr>
-          <p:cNvPr id="3" name="テキスト ボックス 2"/>
-          <p:cNvSpPr txBox="1"/>
-          <p:nvPr/>
-        </p:nvSpPr>
-        <p:spPr>
-          <a:xfrm>
-            <a:off x="304800" y="38102"/>
-            <a:ext cx="3898900" cy="646331"/>
-          </a:xfrm>
-          <a:prstGeom prst="rect">
-            <a:avLst/>
-          </a:prstGeom>
-          <a:noFill/>
-        </p:spPr>
-        <p:txBody>
-          <a:bodyPr wrap="square" rtlCol="0">
-            <a:spAutoFit/>
-          </a:bodyPr>
-          <a:lstStyle/>
-          <a:p>
-            <a:r>
-              <a:rPr kumimoji="1" lang="en-US" altLang="ja-JP" sz="3600" dirty="0" smtClean="0">
-                <a:solidFill>
-                  <a:schemeClr val="bg1"/>
-                </a:solidFill>
-              </a:rPr>
-              <a:t>@ozuma5119</a:t>
-            </a:r>
-            <a:endParaRPr kumimoji="1" lang="ja-JP" altLang="en-US" sz="3600" dirty="0">
-              <a:solidFill>
-                <a:schemeClr val="bg1"/>
-              </a:solidFill>
-            </a:endParaRPr>
-          </a:p>
-        </p:txBody>
-      </p:sp>
-      <p:cxnSp>
-        <p:nvCxnSpPr>
-          <p:cNvPr id="10" name="直線コネクタ 9"/>
-          <p:cNvCxnSpPr/>
-          <p:nvPr/>
-        </p:nvCxnSpPr>
-        <p:spPr>
-          <a:xfrm>
-            <a:off x="419100" y="787400"/>
-            <a:ext cx="8267700" cy="0"/>
-          </a:xfrm>
-          <a:prstGeom prst="line">
-            <a:avLst/>
-          </a:prstGeom>
-          <a:ln w="57150" cmpd="sng">
-            <a:solidFill>
-              <a:srgbClr val="FFF2CC"/>
-            </a:solidFill>
-          </a:ln>
-        </p:spPr>
-        <p:style>
-          <a:lnRef idx="2">
-            <a:schemeClr val="accent1"/>
-          </a:lnRef>
-          <a:fillRef idx="0">
-            <a:schemeClr val="accent1"/>
-          </a:fillRef>
-          <a:effectRef idx="1">
-            <a:schemeClr val="accent1"/>
-          </a:effectRef>
-          <a:fontRef idx="minor">
-            <a:schemeClr val="tx1"/>
-          </a:fontRef>
-        </p:style>
-      </p:cxnSp>
-    </p:spTree>
-    <p:extLst>
-      <p:ext uri="{BB962C8B-B14F-4D97-AF65-F5344CB8AC3E}">
-        <p14:creationId xmlns="" xmlns:p14="http://schemas.microsoft.com/office/powerpoint/2010/main" val="4038990212"/>
-      </p:ext>
-    </p:extLst>
-  </p:cSld>
-  <p:clrMapOvr>
-    <a:masterClrMapping/>
-  </p:clrMapOvr>
-  <p:timing>
-    <p:tnLst>
-      <p:par>
-        <p:cTn id="1" dur="indefinite" restart="never" nodeType="tmRoot"/>
-      </p:par>
-    </p:tnLst>
-  </p:timing>
-</p:sld>
-</file>
-
-<file path=ppt/slides/slide20.xml><?xml version="1.0" encoding="utf-8"?>
+<file path=ppt/slides/slide24.xml><?xml version="1.0" encoding="utf-8"?>
 <p:sld xmlns:a="http://schemas.openxmlformats.org/drawingml/2006/main" xmlns:r="http://schemas.openxmlformats.org/officeDocument/2006/relationships" xmlns:p="http://schemas.openxmlformats.org/presentationml/2006/main">
   <p:cSld>
     <p:spTree>
@@ -9101,7 +9807,7 @@
     </p:spTree>
     <p:extLst>
       <p:ext uri="{BB962C8B-B14F-4D97-AF65-F5344CB8AC3E}">
-        <p14:creationId xmlns="" xmlns:p14="http://schemas.microsoft.com/office/powerpoint/2010/main" val="251935292"/>
+        <p14:creationId xmlns:p14="http://schemas.microsoft.com/office/powerpoint/2010/main" val="251935292"/>
       </p:ext>
     </p:extLst>
   </p:cSld>
@@ -9118,7 +9824,7 @@
 </p:sld>
 </file>
 
-<file path=ppt/slides/slide21.xml><?xml version="1.0" encoding="utf-8"?>
+<file path=ppt/slides/slide25.xml><?xml version="1.0" encoding="utf-8"?>
 <p:sld xmlns:a="http://schemas.openxmlformats.org/drawingml/2006/main" xmlns:r="http://schemas.openxmlformats.org/officeDocument/2006/relationships" xmlns:p="http://schemas.openxmlformats.org/presentationml/2006/main">
   <p:cSld>
     <p:spTree>
@@ -9247,7 +9953,7 @@
     </p:spTree>
     <p:extLst>
       <p:ext uri="{BB962C8B-B14F-4D97-AF65-F5344CB8AC3E}">
-        <p14:creationId xmlns="" xmlns:p14="http://schemas.microsoft.com/office/powerpoint/2010/main" val="629575943"/>
+        <p14:creationId xmlns:p14="http://schemas.microsoft.com/office/powerpoint/2010/main" val="629575943"/>
       </p:ext>
     </p:extLst>
   </p:cSld>
@@ -9264,7 +9970,7 @@
 </p:sld>
 </file>
 
-<file path=ppt/slides/slide22.xml><?xml version="1.0" encoding="utf-8"?>
+<file path=ppt/slides/slide26.xml><?xml version="1.0" encoding="utf-8"?>
 <p:sld xmlns:a="http://schemas.openxmlformats.org/drawingml/2006/main" xmlns:r="http://schemas.openxmlformats.org/officeDocument/2006/relationships" xmlns:p="http://schemas.openxmlformats.org/presentationml/2006/main">
   <p:cSld>
     <p:spTree>
@@ -9595,7 +10301,7 @@
     </p:spTree>
     <p:extLst>
       <p:ext uri="{BB962C8B-B14F-4D97-AF65-F5344CB8AC3E}">
-        <p14:creationId xmlns="" xmlns:p14="http://schemas.microsoft.com/office/powerpoint/2010/main" val="3008246913"/>
+        <p14:creationId xmlns:p14="http://schemas.microsoft.com/office/powerpoint/2010/main" val="3008246913"/>
       </p:ext>
     </p:extLst>
   </p:cSld>
@@ -9612,74 +10318,7 @@
 </p:sld>
 </file>
 
-<file path=ppt/slides/slide23.xml><?xml version="1.0" encoding="utf-8"?>
-<p:sld xmlns:a="http://schemas.openxmlformats.org/drawingml/2006/main" xmlns:r="http://schemas.openxmlformats.org/officeDocument/2006/relationships" xmlns:p="http://schemas.openxmlformats.org/presentationml/2006/main">
-  <p:cSld>
-    <p:spTree>
-      <p:nvGrpSpPr>
-        <p:cNvPr id="1" name=""/>
-        <p:cNvGrpSpPr/>
-        <p:nvPr/>
-      </p:nvGrpSpPr>
-      <p:grpSpPr>
-        <a:xfrm>
-          <a:off x="0" y="0"/>
-          <a:ext cx="0" cy="0"/>
-          <a:chOff x="0" y="0"/>
-          <a:chExt cx="0" cy="0"/>
-        </a:xfrm>
-      </p:grpSpPr>
-      <p:sp>
-        <p:nvSpPr>
-          <p:cNvPr id="2" name="タイトル 1"/>
-          <p:cNvSpPr>
-            <a:spLocks noGrp="1"/>
-          </p:cNvSpPr>
-          <p:nvPr>
-            <p:ph type="title"/>
-          </p:nvPr>
-        </p:nvSpPr>
-        <p:spPr/>
-        <p:txBody>
-          <a:bodyPr/>
-          <a:lstStyle/>
-          <a:p>
-            <a:r>
-              <a:rPr kumimoji="1" lang="ja-JP" altLang="en-US" smtClean="0"/>
-              <a:t>もっと低レイヤで隠そう</a:t>
-            </a:r>
-            <a:endParaRPr kumimoji="1" lang="ja-JP" altLang="en-US"/>
-          </a:p>
-        </p:txBody>
-      </p:sp>
-      <p:sp>
-        <p:nvSpPr>
-          <p:cNvPr id="3" name="コンテンツ プレースホルダ 2"/>
-          <p:cNvSpPr>
-            <a:spLocks noGrp="1"/>
-          </p:cNvSpPr>
-          <p:nvPr>
-            <p:ph idx="1"/>
-          </p:nvPr>
-        </p:nvSpPr>
-        <p:spPr/>
-        <p:txBody>
-          <a:bodyPr/>
-          <a:lstStyle/>
-          <a:p>
-            <a:endParaRPr kumimoji="1" lang="ja-JP" altLang="en-US"/>
-          </a:p>
-        </p:txBody>
-      </p:sp>
-    </p:spTree>
-  </p:cSld>
-  <p:clrMapOvr>
-    <a:masterClrMapping/>
-  </p:clrMapOvr>
-</p:sld>
-</file>
-
-<file path=ppt/slides/slide24.xml><?xml version="1.0" encoding="utf-8"?>
+<file path=ppt/slides/slide27.xml><?xml version="1.0" encoding="utf-8"?>
 <p:sld xmlns:a="http://schemas.openxmlformats.org/drawingml/2006/main" xmlns:r="http://schemas.openxmlformats.org/officeDocument/2006/relationships" xmlns:p="http://schemas.openxmlformats.org/presentationml/2006/main">
   <p:cSld>
     <p:spTree>
@@ -9905,436 +10544,7 @@
     </p:spTree>
     <p:extLst>
       <p:ext uri="{BB962C8B-B14F-4D97-AF65-F5344CB8AC3E}">
-        <p14:creationId xmlns="" xmlns:p14="http://schemas.microsoft.com/office/powerpoint/2010/main" val="2304079971"/>
-      </p:ext>
-    </p:extLst>
-  </p:cSld>
-  <p:clrMapOvr>
-    <a:masterClrMapping/>
-  </p:clrMapOvr>
-  <p:timing>
-    <p:tnLst>
-      <p:par>
-        <p:cTn id="1" dur="indefinite" restart="never" nodeType="tmRoot"/>
-      </p:par>
-    </p:tnLst>
-  </p:timing>
-</p:sld>
-</file>
-
-<file path=ppt/slides/slide25.xml><?xml version="1.0" encoding="utf-8"?>
-<p:sld xmlns:a="http://schemas.openxmlformats.org/drawingml/2006/main" xmlns:r="http://schemas.openxmlformats.org/officeDocument/2006/relationships" xmlns:p="http://schemas.openxmlformats.org/presentationml/2006/main">
-  <p:cSld>
-    <p:spTree>
-      <p:nvGrpSpPr>
-        <p:cNvPr id="1" name=""/>
-        <p:cNvGrpSpPr/>
-        <p:nvPr/>
-      </p:nvGrpSpPr>
-      <p:grpSpPr>
-        <a:xfrm>
-          <a:off x="0" y="0"/>
-          <a:ext cx="0" cy="0"/>
-          <a:chOff x="0" y="0"/>
-          <a:chExt cx="0" cy="0"/>
-        </a:xfrm>
-      </p:grpSpPr>
-      <p:sp>
-        <p:nvSpPr>
-          <p:cNvPr id="2" name="タイトル 1"/>
-          <p:cNvSpPr>
-            <a:spLocks noGrp="1"/>
-          </p:cNvSpPr>
-          <p:nvPr>
-            <p:ph type="title"/>
-          </p:nvPr>
-        </p:nvSpPr>
-        <p:spPr/>
-        <p:txBody>
-          <a:bodyPr/>
-          <a:lstStyle/>
-          <a:p>
-            <a:endParaRPr kumimoji="1" lang="ja-JP" altLang="en-US"/>
-          </a:p>
-        </p:txBody>
-      </p:sp>
-      <p:sp>
-        <p:nvSpPr>
-          <p:cNvPr id="3" name="コンテンツ プレースホルダー 2"/>
-          <p:cNvSpPr>
-            <a:spLocks noGrp="1"/>
-          </p:cNvSpPr>
-          <p:nvPr>
-            <p:ph idx="1"/>
-          </p:nvPr>
-        </p:nvSpPr>
-        <p:spPr/>
-        <p:txBody>
-          <a:bodyPr/>
-          <a:lstStyle/>
-          <a:p>
-            <a:endParaRPr kumimoji="1" lang="en-US" altLang="ja-JP" smtClean="0"/>
-          </a:p>
-          <a:p>
-            <a:r>
-              <a:rPr lang="ja-JP" altLang="en-US"/>
-              <a:t>インターネット</a:t>
-            </a:r>
-            <a:r>
-              <a:rPr lang="ja-JP" altLang="en-US" smtClean="0"/>
-              <a:t>のプロトコルには「すき間」がいっぱいあるので、そこに色々突っ込むことができる</a:t>
-            </a:r>
-            <a:endParaRPr lang="en-US" altLang="ja-JP" smtClean="0"/>
-          </a:p>
-          <a:p>
-            <a:r>
-              <a:rPr kumimoji="1" lang="ja-JP" altLang="en-US" smtClean="0"/>
-              <a:t>これらのすき間は、悪い人にも使いやすい</a:t>
-            </a:r>
-            <a:endParaRPr kumimoji="1" lang="en-US" altLang="ja-JP" smtClean="0"/>
-          </a:p>
-          <a:p>
-            <a:pPr lvl="1"/>
-            <a:r>
-              <a:rPr lang="ja-JP" altLang="en-US"/>
-              <a:t>秘密</a:t>
-            </a:r>
-            <a:r>
-              <a:rPr lang="ja-JP" altLang="en-US" smtClean="0"/>
-              <a:t>の</a:t>
-            </a:r>
-            <a:r>
-              <a:rPr lang="ja-JP" altLang="en-US"/>
-              <a:t>メッセージ</a:t>
-            </a:r>
-            <a:r>
-              <a:rPr lang="ja-JP" altLang="en-US" smtClean="0"/>
-              <a:t>を送ったり</a:t>
-            </a:r>
-            <a:endParaRPr lang="en-US" altLang="ja-JP" smtClean="0"/>
-          </a:p>
-          <a:p>
-            <a:pPr lvl="1"/>
-            <a:r>
-              <a:rPr kumimoji="1" lang="ja-JP" altLang="en-US"/>
-              <a:t>悪意</a:t>
-            </a:r>
-            <a:r>
-              <a:rPr kumimoji="1" lang="ja-JP" altLang="en-US" smtClean="0"/>
-              <a:t>のあるコードを突っ込んだり</a:t>
-            </a:r>
-            <a:endParaRPr kumimoji="1" lang="ja-JP" altLang="en-US"/>
-          </a:p>
-        </p:txBody>
-      </p:sp>
-    </p:spTree>
-    <p:extLst>
-      <p:ext uri="{BB962C8B-B14F-4D97-AF65-F5344CB8AC3E}">
-        <p14:creationId xmlns="" xmlns:p14="http://schemas.microsoft.com/office/powerpoint/2010/main" val="3650125372"/>
-      </p:ext>
-    </p:extLst>
-  </p:cSld>
-  <p:clrMapOvr>
-    <a:masterClrMapping/>
-  </p:clrMapOvr>
-  <p:timing>
-    <p:tnLst>
-      <p:par>
-        <p:cTn id="1" dur="indefinite" restart="never" nodeType="tmRoot"/>
-      </p:par>
-    </p:tnLst>
-  </p:timing>
-</p:sld>
-</file>
-
-<file path=ppt/slides/slide26.xml><?xml version="1.0" encoding="utf-8"?>
-<p:sld xmlns:a="http://schemas.openxmlformats.org/drawingml/2006/main" xmlns:r="http://schemas.openxmlformats.org/officeDocument/2006/relationships" xmlns:p="http://schemas.openxmlformats.org/presentationml/2006/main">
-  <p:cSld>
-    <p:spTree>
-      <p:nvGrpSpPr>
-        <p:cNvPr id="1" name=""/>
-        <p:cNvGrpSpPr/>
-        <p:nvPr/>
-      </p:nvGrpSpPr>
-      <p:grpSpPr>
-        <a:xfrm>
-          <a:off x="0" y="0"/>
-          <a:ext cx="0" cy="0"/>
-          <a:chOff x="0" y="0"/>
-          <a:chExt cx="0" cy="0"/>
-        </a:xfrm>
-      </p:grpSpPr>
-      <p:pic>
-        <p:nvPicPr>
-          <p:cNvPr id="4" name="図 3"/>
-          <p:cNvPicPr>
-            <a:picLocks noChangeAspect="1"/>
-          </p:cNvPicPr>
-          <p:nvPr/>
-        </p:nvPicPr>
-        <p:blipFill rotWithShape="1">
-          <a:blip r:embed="rId2" cstate="print">
-            <a:extLst>
-              <a:ext uri="{28A0092B-C50C-407E-A947-70E740481C1C}">
-                <a14:useLocalDpi xmlns="" xmlns:a14="http://schemas.microsoft.com/office/drawing/2010/main" val="0"/>
-              </a:ext>
-            </a:extLst>
-          </a:blip>
-          <a:srcRect/>
-          <a:stretch/>
-        </p:blipFill>
-        <p:spPr>
-          <a:xfrm>
-            <a:off x="11575" y="-115747"/>
-            <a:ext cx="9306046" cy="7106856"/>
-          </a:xfrm>
-          <a:prstGeom prst="rect">
-            <a:avLst/>
-          </a:prstGeom>
-          <a:effectLst>
-            <a:outerShdw blurRad="50800" dist="50800" dir="5400000" algn="ctr" rotWithShape="0">
-              <a:srgbClr val="000000"/>
-            </a:outerShdw>
-          </a:effectLst>
-        </p:spPr>
-      </p:pic>
-      <p:sp>
-        <p:nvSpPr>
-          <p:cNvPr id="5" name="テキスト ボックス 4"/>
-          <p:cNvSpPr txBox="1"/>
-          <p:nvPr/>
-        </p:nvSpPr>
-        <p:spPr>
-          <a:xfrm>
-            <a:off x="1524850" y="963107"/>
-            <a:ext cx="7299973" cy="1754326"/>
-          </a:xfrm>
-          <a:prstGeom prst="rect">
-            <a:avLst/>
-          </a:prstGeom>
-          <a:noFill/>
-        </p:spPr>
-        <p:txBody>
-          <a:bodyPr wrap="square" rtlCol="0">
-            <a:spAutoFit/>
-          </a:bodyPr>
-          <a:lstStyle/>
-          <a:p>
-            <a:r>
-              <a:rPr lang="en-US" altLang="ja-JP" sz="5400">
-                <a:ln>
-                  <a:solidFill>
-                    <a:schemeClr val="bg1">
-                      <a:lumMod val="50000"/>
-                    </a:schemeClr>
-                  </a:solidFill>
-                </a:ln>
-                <a:latin typeface="Tahoma" panose="020B0604030504040204" pitchFamily="34" charset="0"/>
-                <a:cs typeface="Tahoma" panose="020B0604030504040204" pitchFamily="34" charset="0"/>
-              </a:rPr>
-              <a:t>Religious </a:t>
-            </a:r>
-            <a:r>
-              <a:rPr lang="en-US" altLang="ja-JP" sz="5400" smtClean="0">
-                <a:ln>
-                  <a:solidFill>
-                    <a:schemeClr val="bg1">
-                      <a:lumMod val="50000"/>
-                    </a:schemeClr>
-                  </a:solidFill>
-                </a:ln>
-                <a:latin typeface="Tahoma" panose="020B0604030504040204" pitchFamily="34" charset="0"/>
-                <a:cs typeface="Tahoma" panose="020B0604030504040204" pitchFamily="34" charset="0"/>
-              </a:rPr>
-              <a:t>War:</a:t>
-            </a:r>
-          </a:p>
-          <a:p>
-            <a:r>
-              <a:rPr lang="en-US" altLang="ja-JP" sz="5400">
-                <a:ln>
-                  <a:solidFill>
-                    <a:schemeClr val="bg1">
-                      <a:lumMod val="50000"/>
-                    </a:schemeClr>
-                  </a:solidFill>
-                </a:ln>
-                <a:latin typeface="Tahoma" panose="020B0604030504040204" pitchFamily="34" charset="0"/>
-                <a:cs typeface="Tahoma" panose="020B0604030504040204" pitchFamily="34" charset="0"/>
-              </a:rPr>
-              <a:t> </a:t>
-            </a:r>
-            <a:r>
-              <a:rPr lang="en-US" altLang="ja-JP" sz="5400" smtClean="0">
-                <a:ln>
-                  <a:solidFill>
-                    <a:schemeClr val="bg1">
-                      <a:lumMod val="50000"/>
-                    </a:schemeClr>
-                  </a:solidFill>
-                </a:ln>
-                <a:latin typeface="Tahoma" panose="020B0604030504040204" pitchFamily="34" charset="0"/>
-                <a:cs typeface="Tahoma" panose="020B0604030504040204" pitchFamily="34" charset="0"/>
-              </a:rPr>
-              <a:t> SSH =&gt; 22/tcp?</a:t>
-            </a:r>
-            <a:endParaRPr lang="en-US" altLang="ja-JP" sz="5400">
-              <a:ln>
-                <a:solidFill>
-                  <a:schemeClr val="bg1">
-                    <a:lumMod val="50000"/>
-                  </a:schemeClr>
-                </a:solidFill>
-              </a:ln>
-              <a:latin typeface="Tahoma" panose="020B0604030504040204" pitchFamily="34" charset="0"/>
-              <a:cs typeface="Tahoma" panose="020B0604030504040204" pitchFamily="34" charset="0"/>
-            </a:endParaRPr>
-          </a:p>
-        </p:txBody>
-      </p:sp>
-    </p:spTree>
-    <p:extLst>
-      <p:ext uri="{BB962C8B-B14F-4D97-AF65-F5344CB8AC3E}">
-        <p14:creationId xmlns="" xmlns:p14="http://schemas.microsoft.com/office/powerpoint/2010/main" val="2122976183"/>
-      </p:ext>
-    </p:extLst>
-  </p:cSld>
-  <p:clrMapOvr>
-    <a:masterClrMapping/>
-  </p:clrMapOvr>
-  <p:timing>
-    <p:tnLst>
-      <p:par>
-        <p:cTn id="1" dur="indefinite" restart="never" nodeType="tmRoot"/>
-      </p:par>
-    </p:tnLst>
-  </p:timing>
-</p:sld>
-</file>
-
-<file path=ppt/slides/slide27.xml><?xml version="1.0" encoding="utf-8"?>
-<p:sld xmlns:a="http://schemas.openxmlformats.org/drawingml/2006/main" xmlns:r="http://schemas.openxmlformats.org/officeDocument/2006/relationships" xmlns:p="http://schemas.openxmlformats.org/presentationml/2006/main">
-  <p:cSld>
-    <p:spTree>
-      <p:nvGrpSpPr>
-        <p:cNvPr id="1" name=""/>
-        <p:cNvGrpSpPr/>
-        <p:nvPr/>
-      </p:nvGrpSpPr>
-      <p:grpSpPr>
-        <a:xfrm>
-          <a:off x="0" y="0"/>
-          <a:ext cx="0" cy="0"/>
-          <a:chOff x="0" y="0"/>
-          <a:chExt cx="0" cy="0"/>
-        </a:xfrm>
-      </p:grpSpPr>
-      <p:sp>
-        <p:nvSpPr>
-          <p:cNvPr id="2" name="タイトル 1"/>
-          <p:cNvSpPr>
-            <a:spLocks noGrp="1"/>
-          </p:cNvSpPr>
-          <p:nvPr>
-            <p:ph type="title"/>
-          </p:nvPr>
-        </p:nvSpPr>
-        <p:spPr/>
-        <p:txBody>
-          <a:bodyPr/>
-          <a:lstStyle/>
-          <a:p>
-            <a:r>
-              <a:rPr lang="en-US" altLang="ja-JP" smtClean="0"/>
-              <a:t>sshd shouldn't use 22/tcp?</a:t>
-            </a:r>
-            <a:endParaRPr kumimoji="1" lang="ja-JP" altLang="en-US"/>
-          </a:p>
-        </p:txBody>
-      </p:sp>
-      <p:sp>
-        <p:nvSpPr>
-          <p:cNvPr id="3" name="コンテンツ プレースホルダー 2"/>
-          <p:cNvSpPr>
-            <a:spLocks noGrp="1"/>
-          </p:cNvSpPr>
-          <p:nvPr>
-            <p:ph idx="1"/>
-          </p:nvPr>
-        </p:nvSpPr>
-        <p:spPr/>
-        <p:txBody>
-          <a:bodyPr/>
-          <a:lstStyle/>
-          <a:p>
-            <a:r>
-              <a:rPr kumimoji="1" lang="ja-JP" altLang="en-US" smtClean="0"/>
-              <a:t>変えるべき派</a:t>
-            </a:r>
-            <a:endParaRPr kumimoji="1" lang="en-US" altLang="ja-JP" smtClean="0"/>
-          </a:p>
-          <a:p>
-            <a:pPr lvl="1"/>
-            <a:r>
-              <a:rPr lang="ja-JP" altLang="en-US" smtClean="0"/>
-              <a:t>攻撃</a:t>
-            </a:r>
-            <a:r>
-              <a:rPr lang="ja-JP" altLang="en-US"/>
-              <a:t>されにくい</a:t>
-            </a:r>
-            <a:r>
-              <a:rPr lang="ja-JP" altLang="en-US" smtClean="0"/>
-              <a:t>、攻撃</a:t>
-            </a:r>
-            <a:r>
-              <a:rPr lang="ja-JP" altLang="en-US"/>
-              <a:t>対象として選定</a:t>
-            </a:r>
-            <a:r>
-              <a:rPr lang="ja-JP" altLang="en-US" smtClean="0"/>
-              <a:t>されにくい</a:t>
-            </a:r>
-            <a:endParaRPr lang="en-US" altLang="ja-JP" smtClean="0"/>
-          </a:p>
-          <a:p>
-            <a:pPr lvl="1"/>
-            <a:r>
-              <a:rPr lang="ja-JP" altLang="en-US"/>
-              <a:t>ログ監視などしている際、劇的にアタックログが減るからやった方が</a:t>
-            </a:r>
-            <a:r>
-              <a:rPr lang="ja-JP" altLang="en-US" smtClean="0"/>
-              <a:t>良い</a:t>
-            </a:r>
-            <a:endParaRPr lang="en-US" altLang="ja-JP" smtClean="0"/>
-          </a:p>
-          <a:p>
-            <a:pPr lvl="1"/>
-            <a:r>
-              <a:rPr lang="ja-JP" altLang="en-US"/>
-              <a:t>多くのドキュメントで変えることが推奨されているから変えたほうがいい</a:t>
-            </a:r>
-            <a:r>
-              <a:rPr lang="en-US" altLang="ja-JP"/>
-              <a:t>(</a:t>
-            </a:r>
-            <a:r>
-              <a:rPr lang="ja-JP" altLang="en-US"/>
-              <a:t>消極的派</a:t>
-            </a:r>
-            <a:r>
-              <a:rPr lang="en-US" altLang="ja-JP"/>
-              <a:t>)</a:t>
-            </a:r>
-            <a:endParaRPr kumimoji="1" lang="ja-JP" altLang="en-US"/>
-          </a:p>
-        </p:txBody>
-      </p:sp>
-    </p:spTree>
-    <p:extLst>
-      <p:ext uri="{BB962C8B-B14F-4D97-AF65-F5344CB8AC3E}">
-        <p14:creationId xmlns="" xmlns:p14="http://schemas.microsoft.com/office/powerpoint/2010/main" val="3575517561"/>
+        <p14:creationId xmlns:p14="http://schemas.microsoft.com/office/powerpoint/2010/main" val="2304079971"/>
       </p:ext>
     </p:extLst>
   </p:cSld>
@@ -10385,7 +10595,19 @@
           <a:p>
             <a:r>
               <a:rPr lang="en-US" altLang="ja-JP" smtClean="0"/>
-              <a:t>sshd shouldn't use 22/tcp?</a:t>
+              <a:t>(</a:t>
+            </a:r>
+            <a:r>
+              <a:rPr lang="ja-JP" altLang="en-US" smtClean="0"/>
+              <a:t>中途半端だけど</a:t>
+            </a:r>
+            <a:r>
+              <a:rPr lang="en-US" altLang="ja-JP" smtClean="0"/>
+              <a:t>)</a:t>
+            </a:r>
+            <a:r>
+              <a:rPr lang="ja-JP" altLang="en-US" smtClean="0"/>
+              <a:t>何が言いたかったか</a:t>
             </a:r>
             <a:endParaRPr kumimoji="1" lang="ja-JP" altLang="en-US"/>
           </a:p>
@@ -10401,54 +10623,96 @@
             <p:ph idx="1"/>
           </p:nvPr>
         </p:nvSpPr>
-        <p:spPr/>
-        <p:txBody>
-          <a:bodyPr/>
-          <a:lstStyle/>
-          <a:p>
+        <p:spPr>
+          <a:xfrm>
+            <a:off x="628650" y="1825625"/>
+            <a:ext cx="8347184" cy="4543644"/>
+          </a:xfrm>
+        </p:spPr>
+        <p:txBody>
+          <a:bodyPr>
+            <a:normAutofit lnSpcReduction="10000"/>
+          </a:bodyPr>
+          <a:lstStyle/>
+          <a:p>
+            <a:r>
+              <a:rPr lang="ja-JP" altLang="en-US" smtClean="0"/>
+              <a:t>インターネット</a:t>
+            </a:r>
+            <a:r>
+              <a:rPr lang="ja-JP" altLang="en-US" smtClean="0"/>
+              <a:t>のプロトコルには「すき間」がいっぱいあるので、そこに色々突っ込むことが</a:t>
+            </a:r>
+            <a:r>
+              <a:rPr lang="ja-JP" altLang="en-US" smtClean="0"/>
+              <a:t>できる</a:t>
+            </a:r>
+            <a:endParaRPr lang="en-US" altLang="ja-JP" smtClean="0"/>
+          </a:p>
+          <a:p>
+            <a:pPr lvl="1"/>
             <a:r>
               <a:rPr lang="ja-JP" altLang="en-US"/>
-              <a:t>変えても意味ないよ</a:t>
+              <a:t>他</a:t>
             </a:r>
             <a:r>
               <a:rPr lang="ja-JP" altLang="en-US" smtClean="0"/>
-              <a:t>派</a:t>
+              <a:t>の例）</a:t>
+            </a:r>
+            <a:r>
+              <a:rPr lang="en-US" altLang="ja-JP" smtClean="0"/>
+              <a:t>80/tcp</a:t>
+            </a:r>
+            <a:r>
+              <a:rPr lang="ja-JP" altLang="en-US" smtClean="0"/>
+              <a:t>で</a:t>
+            </a:r>
+            <a:r>
+              <a:rPr lang="en-US" altLang="ja-JP" smtClean="0"/>
+              <a:t>https</a:t>
+            </a:r>
+            <a:r>
+              <a:rPr lang="ja-JP" altLang="en-US" smtClean="0"/>
+              <a:t>など、非標準ポートのサービスを利用、なども</a:t>
             </a:r>
             <a:endParaRPr lang="en-US" altLang="ja-JP" smtClean="0"/>
           </a:p>
           <a:p>
+            <a:r>
+              <a:rPr kumimoji="1" lang="ja-JP" altLang="en-US" smtClean="0"/>
+              <a:t>これらのすき間は、悪い人にも使いやすい</a:t>
+            </a:r>
+            <a:endParaRPr kumimoji="1" lang="en-US" altLang="ja-JP" smtClean="0"/>
+          </a:p>
+          <a:p>
             <a:pPr lvl="1"/>
             <a:r>
               <a:rPr lang="ja-JP" altLang="en-US"/>
-              <a:t>ポートスキャンすれば一発で</a:t>
-            </a:r>
-            <a:r>
-              <a:rPr lang="en-US" altLang="ja-JP"/>
-              <a:t>ssh</a:t>
+              <a:t>秘密</a:t>
+            </a:r>
+            <a:r>
+              <a:rPr lang="ja-JP" altLang="en-US" smtClean="0"/>
+              <a:t>の</a:t>
             </a:r>
             <a:r>
               <a:rPr lang="ja-JP" altLang="en-US"/>
-              <a:t>のポートは分かるんだからムダだ</a:t>
+              <a:t>メッセージ</a:t>
             </a:r>
             <a:r>
               <a:rPr lang="ja-JP" altLang="en-US" smtClean="0"/>
-              <a:t>よ</a:t>
+              <a:t>を送ったり</a:t>
             </a:r>
             <a:endParaRPr lang="en-US" altLang="ja-JP" smtClean="0"/>
           </a:p>
           <a:p>
             <a:pPr lvl="1"/>
             <a:r>
-              <a:rPr lang="ja-JP" altLang="en-US"/>
-              <a:t>ポートを変えるだけでセキュリティ対策しているつもりになっちゃうからダメだ</a:t>
-            </a:r>
-            <a:r>
-              <a:rPr lang="ja-JP" altLang="en-US" smtClean="0"/>
-              <a:t>よ</a:t>
-            </a:r>
-            <a:r>
-              <a:rPr lang="en-US" altLang="ja-JP" smtClean="0"/>
-              <a:t>(?)</a:t>
+              <a:rPr kumimoji="1" lang="ja-JP" altLang="en-US"/>
+              <a:t>悪意</a:t>
+            </a:r>
+            <a:r>
+              <a:rPr kumimoji="1" lang="ja-JP" altLang="en-US" smtClean="0"/>
+              <a:t>のあるコードを突っ込んだり</a:t>
             </a:r>
             <a:endParaRPr kumimoji="1" lang="ja-JP" altLang="en-US"/>
           </a:p>
@@ -10457,7 +10721,7 @@
     </p:spTree>
     <p:extLst>
       <p:ext uri="{BB962C8B-B14F-4D97-AF65-F5344CB8AC3E}">
-        <p14:creationId xmlns="" xmlns:p14="http://schemas.microsoft.com/office/powerpoint/2010/main" val="3571136695"/>
+        <p14:creationId xmlns:p14="http://schemas.microsoft.com/office/powerpoint/2010/main" val="3650125372"/>
       </p:ext>
     </p:extLst>
   </p:cSld>
@@ -10493,30 +10757,7 @@
       </p:grpSpPr>
       <p:sp>
         <p:nvSpPr>
-          <p:cNvPr id="2" name="タイトル 1"/>
-          <p:cNvSpPr>
-            <a:spLocks noGrp="1"/>
-          </p:cNvSpPr>
-          <p:nvPr>
-            <p:ph type="title"/>
-          </p:nvPr>
-        </p:nvSpPr>
-        <p:spPr/>
-        <p:txBody>
-          <a:bodyPr/>
-          <a:lstStyle/>
-          <a:p>
-            <a:r>
-              <a:rPr lang="en-US" altLang="ja-JP" smtClean="0"/>
-              <a:t>sshd shouldn't use 22/tcp?</a:t>
-            </a:r>
-            <a:endParaRPr kumimoji="1" lang="ja-JP" altLang="en-US"/>
-          </a:p>
-        </p:txBody>
-      </p:sp>
-      <p:sp>
-        <p:nvSpPr>
-          <p:cNvPr id="3" name="コンテンツ プレースホルダー 2"/>
+          <p:cNvPr id="4" name="コンテンツ プレースホルダー 2"/>
           <p:cNvSpPr>
             <a:spLocks noGrp="1"/>
           </p:cNvSpPr>
@@ -10524,83 +10765,79 @@
             <p:ph idx="1"/>
           </p:nvPr>
         </p:nvSpPr>
-        <p:spPr/>
-        <p:txBody>
-          <a:bodyPr/>
-          <a:lstStyle/>
-          <a:p>
-            <a:r>
-              <a:rPr lang="ja-JP" altLang="en-US"/>
-              <a:t>変えても意味ないよ</a:t>
-            </a:r>
-            <a:r>
-              <a:rPr lang="ja-JP" altLang="en-US" smtClean="0"/>
-              <a:t>派</a:t>
-            </a:r>
-            <a:endParaRPr lang="en-US" altLang="ja-JP" smtClean="0"/>
-          </a:p>
-          <a:p>
-            <a:pPr lvl="1"/>
-            <a:r>
-              <a:rPr lang="ja-JP" altLang="en-US" b="1">
+        <p:spPr>
+          <a:xfrm>
+            <a:off x="304800" y="1181102"/>
+            <a:ext cx="8559800" cy="2832100"/>
+          </a:xfrm>
+        </p:spPr>
+        <p:txBody>
+          <a:bodyPr>
+            <a:normAutofit/>
+          </a:bodyPr>
+          <a:lstStyle/>
+          <a:p>
+            <a:pPr>
+              <a:lnSpc>
+                <a:spcPct val="120000"/>
+              </a:lnSpc>
+            </a:pPr>
+            <a:r>
+              <a:rPr lang="ja-JP" altLang="en-US" smtClean="0">
                 <a:solidFill>
                   <a:srgbClr val="FF0000"/>
                 </a:solidFill>
               </a:rPr>
-              <a:t>ポートスキャンすれば一発で</a:t>
-            </a:r>
-            <a:r>
-              <a:rPr lang="en-US" altLang="ja-JP" b="1">
-                <a:solidFill>
-                  <a:srgbClr val="FF0000"/>
-                </a:solidFill>
-              </a:rPr>
-              <a:t>ssh</a:t>
-            </a:r>
-            <a:r>
-              <a:rPr lang="ja-JP" altLang="en-US" b="1">
-                <a:solidFill>
-                  <a:srgbClr val="FF0000"/>
-                </a:solidFill>
-              </a:rPr>
-              <a:t>のポートは分かるんだからムダだ</a:t>
-            </a:r>
-            <a:r>
-              <a:rPr lang="ja-JP" altLang="en-US" b="1" smtClean="0">
-                <a:solidFill>
-                  <a:srgbClr val="FF0000"/>
-                </a:solidFill>
-              </a:rPr>
-              <a:t>よ</a:t>
-            </a:r>
-            <a:endParaRPr lang="en-US" altLang="ja-JP" b="1" smtClean="0">
+              <a:t>ここから第二部</a:t>
+            </a:r>
+            <a:endParaRPr lang="en-US" altLang="ja-JP" smtClean="0">
               <a:solidFill>
                 <a:srgbClr val="FF0000"/>
               </a:solidFill>
             </a:endParaRPr>
           </a:p>
           <a:p>
-            <a:pPr lvl="1"/>
-            <a:r>
-              <a:rPr lang="ja-JP" altLang="en-US"/>
-              <a:t>ポートを変えるだけでセキュリティ対策しているつもりになっちゃうからダメだ</a:t>
-            </a:r>
-            <a:r>
-              <a:rPr lang="ja-JP" altLang="en-US" smtClean="0"/>
-              <a:t>よ</a:t>
-            </a:r>
-            <a:r>
-              <a:rPr lang="en-US" altLang="ja-JP" smtClean="0"/>
-              <a:t>(?)</a:t>
-            </a:r>
-            <a:endParaRPr kumimoji="1" lang="ja-JP" altLang="en-US"/>
+            <a:pPr>
+              <a:lnSpc>
+                <a:spcPct val="120000"/>
+              </a:lnSpc>
+            </a:pPr>
+            <a:r>
+              <a:rPr kumimoji="1" lang="ja-JP" altLang="en-US" smtClean="0">
+                <a:solidFill>
+                  <a:srgbClr val="FF0000"/>
+                </a:solidFill>
+              </a:rPr>
+              <a:t>科学忍法・</a:t>
+            </a:r>
+            <a:r>
+              <a:rPr kumimoji="1" lang="en-US" altLang="ja-JP" smtClean="0">
+                <a:solidFill>
+                  <a:srgbClr val="FF0000"/>
+                </a:solidFill>
+              </a:rPr>
+              <a:t>ssh</a:t>
+            </a:r>
+            <a:r>
+              <a:rPr kumimoji="1" lang="ja-JP" altLang="en-US" smtClean="0">
+                <a:solidFill>
+                  <a:srgbClr val="FF0000"/>
+                </a:solidFill>
+              </a:rPr>
+              <a:t>分身の術</a:t>
+            </a:r>
+            <a:endParaRPr kumimoji="1" lang="ja-JP" altLang="en-US" dirty="0">
+              <a:solidFill>
+                <a:srgbClr val="FFFFFF"/>
+              </a:solidFill>
+            </a:endParaRPr>
           </a:p>
         </p:txBody>
       </p:sp>
     </p:spTree>
     <p:extLst>
       <p:ext uri="{BB962C8B-B14F-4D97-AF65-F5344CB8AC3E}">
-        <p14:creationId xmlns="" xmlns:p14="http://schemas.microsoft.com/office/powerpoint/2010/main" val="2554317840"/>
+        <p14:creationId xmlns:p14="http://schemas.microsoft.com/office/powerpoint/2010/main" val="1590367856"/>
       </p:ext>
     </p:extLst>
   </p:cSld>
@@ -10701,42 +10938,6 @@
             <a:endParaRPr kumimoji="1" lang="en-US" altLang="ja-JP" sz="3000" smtClean="0"/>
           </a:p>
           <a:p>
-            <a:pPr lvl="1"/>
-            <a:r>
-              <a:rPr lang="ja-JP" altLang="en-US" sz="3000" smtClean="0"/>
-              <a:t>ポートスキャン</a:t>
-            </a:r>
-            <a:r>
-              <a:rPr lang="en-US" altLang="ja-JP" sz="3000" smtClean="0"/>
-              <a:t>(nmap)</a:t>
-            </a:r>
-            <a:r>
-              <a:rPr lang="ja-JP" altLang="en-US" sz="3000" smtClean="0"/>
-              <a:t>を</a:t>
-            </a:r>
-            <a:r>
-              <a:rPr lang="ja-JP" altLang="en-US" sz="3000"/>
-              <a:t>気づかれないように実行</a:t>
-            </a:r>
-            <a:r>
-              <a:rPr lang="ja-JP" altLang="en-US" sz="3000" smtClean="0"/>
-              <a:t>する</a:t>
-            </a:r>
-            <a:endParaRPr lang="en-US" altLang="ja-JP" sz="3000" smtClean="0"/>
-          </a:p>
-          <a:p>
-            <a:pPr lvl="1"/>
-            <a:r>
-              <a:rPr lang="ja-JP" altLang="en-US" sz="3000" smtClean="0"/>
-              <a:t>セキュリティポリシをかいくぐって通信</a:t>
-            </a:r>
-            <a:r>
-              <a:rPr lang="ja-JP" altLang="en-US" sz="3000" smtClean="0"/>
-              <a:t>する</a:t>
-            </a:r>
-            <a:endParaRPr lang="en-US" altLang="ja-JP" sz="3000" smtClean="0"/>
-          </a:p>
-          <a:p>
             <a:endParaRPr kumimoji="1" lang="en-US" altLang="ja-JP" sz="3000" b="1" smtClean="0">
               <a:solidFill>
                 <a:schemeClr val="accent5">
@@ -10758,32 +10959,20 @@
             </a:r>
             <a:r>
               <a:rPr kumimoji="1" lang="ja-JP" altLang="en-US" sz="3000" smtClean="0"/>
-              <a:t>攻撃から「隠れる」</a:t>
+              <a:t>攻撃から「隠れる</a:t>
+            </a:r>
+            <a:r>
+              <a:rPr kumimoji="1" lang="ja-JP" altLang="en-US" sz="3000" smtClean="0"/>
+              <a:t>」</a:t>
             </a:r>
             <a:endParaRPr kumimoji="1" lang="en-US" altLang="ja-JP" sz="3000" smtClean="0"/>
-          </a:p>
-          <a:p>
-            <a:pPr lvl="1"/>
-            <a:r>
-              <a:rPr lang="ja-JP" altLang="en-US" sz="3000" smtClean="0"/>
-              <a:t>科学忍法・</a:t>
-            </a:r>
-            <a:r>
-              <a:rPr lang="en-US" altLang="ja-JP" sz="3000" smtClean="0"/>
-              <a:t>ssh</a:t>
-            </a:r>
-            <a:r>
-              <a:rPr lang="ja-JP" altLang="en-US" sz="3000" smtClean="0"/>
-              <a:t>分身の術</a:t>
-            </a:r>
-            <a:endParaRPr lang="en-US" altLang="ja-JP" sz="3000" smtClean="0"/>
           </a:p>
         </p:txBody>
       </p:sp>
     </p:spTree>
     <p:extLst>
       <p:ext uri="{BB962C8B-B14F-4D97-AF65-F5344CB8AC3E}">
-        <p14:creationId xmlns="" xmlns:p14="http://schemas.microsoft.com/office/powerpoint/2010/main" val="2790500367"/>
+        <p14:creationId xmlns:p14="http://schemas.microsoft.com/office/powerpoint/2010/main" val="2790500367"/>
       </p:ext>
     </p:extLst>
   </p:cSld>
@@ -10829,7 +11018,7 @@
           <a:blip r:embed="rId2" cstate="print">
             <a:extLst>
               <a:ext uri="{28A0092B-C50C-407E-A947-70E740481C1C}">
-                <a14:useLocalDpi xmlns="" xmlns:a14="http://schemas.microsoft.com/office/drawing/2010/main" val="0"/>
+                <a14:useLocalDpi xmlns:a14="http://schemas.microsoft.com/office/drawing/2010/main" val="0"/>
               </a:ext>
             </a:extLst>
           </a:blip>
@@ -10859,8 +11048,8 @@
         </p:nvSpPr>
         <p:spPr>
           <a:xfrm>
-            <a:off x="679461" y="876843"/>
-            <a:ext cx="7299973" cy="923330"/>
+            <a:off x="1524850" y="963107"/>
+            <a:ext cx="7299973" cy="1754326"/>
           </a:xfrm>
           <a:prstGeom prst="rect">
             <a:avLst/>
@@ -10874,7 +11063,7 @@
           <a:lstStyle/>
           <a:p>
             <a:r>
-              <a:rPr lang="ja-JP" altLang="en-US" sz="5400" smtClean="0">
+              <a:rPr lang="en-US" altLang="ja-JP" sz="5400">
                 <a:ln>
                   <a:solidFill>
                     <a:schemeClr val="bg1">
@@ -10885,21 +11074,7 @@
                 <a:latin typeface="Tahoma" panose="020B0604030504040204" pitchFamily="34" charset="0"/>
                 <a:cs typeface="Tahoma" panose="020B0604030504040204" pitchFamily="34" charset="0"/>
               </a:rPr>
-              <a:t>科学忍法</a:t>
-            </a:r>
-            <a:r>
-              <a:rPr lang="ja-JP" altLang="en-US" sz="5400">
-                <a:ln>
-                  <a:solidFill>
-                    <a:schemeClr val="bg1">
-                      <a:lumMod val="50000"/>
-                    </a:schemeClr>
-                  </a:solidFill>
-                </a:ln>
-                <a:latin typeface="Tahoma" panose="020B0604030504040204" pitchFamily="34" charset="0"/>
-                <a:cs typeface="Tahoma" panose="020B0604030504040204" pitchFamily="34" charset="0"/>
-              </a:rPr>
-              <a:t>・</a:t>
+              <a:t>Religious </a:t>
             </a:r>
             <a:r>
               <a:rPr lang="en-US" altLang="ja-JP" sz="5400" smtClean="0">
@@ -10913,10 +11088,12 @@
                 <a:latin typeface="Tahoma" panose="020B0604030504040204" pitchFamily="34" charset="0"/>
                 <a:cs typeface="Tahoma" panose="020B0604030504040204" pitchFamily="34" charset="0"/>
               </a:rPr>
-              <a:t>ssh</a:t>
-            </a:r>
-            <a:r>
-              <a:rPr lang="ja-JP" altLang="en-US" sz="5400" smtClean="0">
+              <a:t>War:</a:t>
+            </a:r>
+          </a:p>
+          <a:p>
+            <a:r>
+              <a:rPr lang="en-US" altLang="ja-JP" sz="5400">
                 <a:ln>
                   <a:solidFill>
                     <a:schemeClr val="bg1">
@@ -10927,7 +11104,21 @@
                 <a:latin typeface="Tahoma" panose="020B0604030504040204" pitchFamily="34" charset="0"/>
                 <a:cs typeface="Tahoma" panose="020B0604030504040204" pitchFamily="34" charset="0"/>
               </a:rPr>
-              <a:t>分身の術</a:t>
+              <a:t> </a:t>
+            </a:r>
+            <a:r>
+              <a:rPr lang="en-US" altLang="ja-JP" sz="5400" smtClean="0">
+                <a:ln>
+                  <a:solidFill>
+                    <a:schemeClr val="bg1">
+                      <a:lumMod val="50000"/>
+                    </a:schemeClr>
+                  </a:solidFill>
+                </a:ln>
+                <a:latin typeface="Tahoma" panose="020B0604030504040204" pitchFamily="34" charset="0"/>
+                <a:cs typeface="Tahoma" panose="020B0604030504040204" pitchFamily="34" charset="0"/>
+              </a:rPr>
+              <a:t> SSH =&gt; 22/tcp?</a:t>
             </a:r>
             <a:endParaRPr lang="en-US" altLang="ja-JP" sz="5400">
               <a:ln>
@@ -10946,7 +11137,7 @@
     </p:spTree>
     <p:extLst>
       <p:ext uri="{BB962C8B-B14F-4D97-AF65-F5344CB8AC3E}">
-        <p14:creationId xmlns="" xmlns:p14="http://schemas.microsoft.com/office/powerpoint/2010/main" val="2142194488"/>
+        <p14:creationId xmlns:p14="http://schemas.microsoft.com/office/powerpoint/2010/main" val="2122976183"/>
       </p:ext>
     </p:extLst>
   </p:cSld>
@@ -10964,6 +11155,574 @@
 </file>
 
 <file path=ppt/slides/slide31.xml><?xml version="1.0" encoding="utf-8"?>
+<p:sld xmlns:a="http://schemas.openxmlformats.org/drawingml/2006/main" xmlns:r="http://schemas.openxmlformats.org/officeDocument/2006/relationships" xmlns:p="http://schemas.openxmlformats.org/presentationml/2006/main">
+  <p:cSld>
+    <p:spTree>
+      <p:nvGrpSpPr>
+        <p:cNvPr id="1" name=""/>
+        <p:cNvGrpSpPr/>
+        <p:nvPr/>
+      </p:nvGrpSpPr>
+      <p:grpSpPr>
+        <a:xfrm>
+          <a:off x="0" y="0"/>
+          <a:ext cx="0" cy="0"/>
+          <a:chOff x="0" y="0"/>
+          <a:chExt cx="0" cy="0"/>
+        </a:xfrm>
+      </p:grpSpPr>
+      <p:sp>
+        <p:nvSpPr>
+          <p:cNvPr id="2" name="タイトル 1"/>
+          <p:cNvSpPr>
+            <a:spLocks noGrp="1"/>
+          </p:cNvSpPr>
+          <p:nvPr>
+            <p:ph type="title"/>
+          </p:nvPr>
+        </p:nvSpPr>
+        <p:spPr/>
+        <p:txBody>
+          <a:bodyPr/>
+          <a:lstStyle/>
+          <a:p>
+            <a:r>
+              <a:rPr lang="en-US" altLang="ja-JP" smtClean="0"/>
+              <a:t>sshd shouldn't use 22/tcp?</a:t>
+            </a:r>
+            <a:endParaRPr kumimoji="1" lang="ja-JP" altLang="en-US"/>
+          </a:p>
+        </p:txBody>
+      </p:sp>
+      <p:sp>
+        <p:nvSpPr>
+          <p:cNvPr id="3" name="コンテンツ プレースホルダー 2"/>
+          <p:cNvSpPr>
+            <a:spLocks noGrp="1"/>
+          </p:cNvSpPr>
+          <p:nvPr>
+            <p:ph idx="1"/>
+          </p:nvPr>
+        </p:nvSpPr>
+        <p:spPr/>
+        <p:txBody>
+          <a:bodyPr/>
+          <a:lstStyle/>
+          <a:p>
+            <a:r>
+              <a:rPr kumimoji="1" lang="ja-JP" altLang="en-US" smtClean="0"/>
+              <a:t>変えるべき派</a:t>
+            </a:r>
+            <a:endParaRPr kumimoji="1" lang="en-US" altLang="ja-JP" smtClean="0"/>
+          </a:p>
+          <a:p>
+            <a:pPr lvl="1"/>
+            <a:r>
+              <a:rPr lang="ja-JP" altLang="en-US" smtClean="0"/>
+              <a:t>攻撃</a:t>
+            </a:r>
+            <a:r>
+              <a:rPr lang="ja-JP" altLang="en-US"/>
+              <a:t>されにくい</a:t>
+            </a:r>
+            <a:r>
+              <a:rPr lang="ja-JP" altLang="en-US" smtClean="0"/>
+              <a:t>、攻撃</a:t>
+            </a:r>
+            <a:r>
+              <a:rPr lang="ja-JP" altLang="en-US"/>
+              <a:t>対象として選定</a:t>
+            </a:r>
+            <a:r>
+              <a:rPr lang="ja-JP" altLang="en-US" smtClean="0"/>
+              <a:t>されにくい</a:t>
+            </a:r>
+            <a:endParaRPr lang="en-US" altLang="ja-JP" smtClean="0"/>
+          </a:p>
+          <a:p>
+            <a:pPr lvl="1"/>
+            <a:r>
+              <a:rPr lang="ja-JP" altLang="en-US"/>
+              <a:t>ログ監視などしている際、劇的にアタックログが減るからやった方が</a:t>
+            </a:r>
+            <a:r>
+              <a:rPr lang="ja-JP" altLang="en-US" smtClean="0"/>
+              <a:t>良い</a:t>
+            </a:r>
+            <a:endParaRPr lang="en-US" altLang="ja-JP" smtClean="0"/>
+          </a:p>
+          <a:p>
+            <a:pPr lvl="1"/>
+            <a:r>
+              <a:rPr lang="ja-JP" altLang="en-US"/>
+              <a:t>多くのドキュメントで変えることが推奨されているから変えたほうがいい</a:t>
+            </a:r>
+            <a:r>
+              <a:rPr lang="en-US" altLang="ja-JP"/>
+              <a:t>(</a:t>
+            </a:r>
+            <a:r>
+              <a:rPr lang="ja-JP" altLang="en-US"/>
+              <a:t>消極的派</a:t>
+            </a:r>
+            <a:r>
+              <a:rPr lang="en-US" altLang="ja-JP"/>
+              <a:t>)</a:t>
+            </a:r>
+            <a:endParaRPr kumimoji="1" lang="ja-JP" altLang="en-US"/>
+          </a:p>
+        </p:txBody>
+      </p:sp>
+    </p:spTree>
+    <p:extLst>
+      <p:ext uri="{BB962C8B-B14F-4D97-AF65-F5344CB8AC3E}">
+        <p14:creationId xmlns:p14="http://schemas.microsoft.com/office/powerpoint/2010/main" val="3575517561"/>
+      </p:ext>
+    </p:extLst>
+  </p:cSld>
+  <p:clrMapOvr>
+    <a:masterClrMapping/>
+  </p:clrMapOvr>
+  <p:timing>
+    <p:tnLst>
+      <p:par>
+        <p:cTn id="1" dur="indefinite" restart="never" nodeType="tmRoot"/>
+      </p:par>
+    </p:tnLst>
+  </p:timing>
+</p:sld>
+</file>
+
+<file path=ppt/slides/slide32.xml><?xml version="1.0" encoding="utf-8"?>
+<p:sld xmlns:a="http://schemas.openxmlformats.org/drawingml/2006/main" xmlns:r="http://schemas.openxmlformats.org/officeDocument/2006/relationships" xmlns:p="http://schemas.openxmlformats.org/presentationml/2006/main">
+  <p:cSld>
+    <p:spTree>
+      <p:nvGrpSpPr>
+        <p:cNvPr id="1" name=""/>
+        <p:cNvGrpSpPr/>
+        <p:nvPr/>
+      </p:nvGrpSpPr>
+      <p:grpSpPr>
+        <a:xfrm>
+          <a:off x="0" y="0"/>
+          <a:ext cx="0" cy="0"/>
+          <a:chOff x="0" y="0"/>
+          <a:chExt cx="0" cy="0"/>
+        </a:xfrm>
+      </p:grpSpPr>
+      <p:sp>
+        <p:nvSpPr>
+          <p:cNvPr id="2" name="タイトル 1"/>
+          <p:cNvSpPr>
+            <a:spLocks noGrp="1"/>
+          </p:cNvSpPr>
+          <p:nvPr>
+            <p:ph type="title"/>
+          </p:nvPr>
+        </p:nvSpPr>
+        <p:spPr/>
+        <p:txBody>
+          <a:bodyPr/>
+          <a:lstStyle/>
+          <a:p>
+            <a:r>
+              <a:rPr lang="en-US" altLang="ja-JP" smtClean="0"/>
+              <a:t>sshd shouldn't use 22/tcp?</a:t>
+            </a:r>
+            <a:endParaRPr kumimoji="1" lang="ja-JP" altLang="en-US"/>
+          </a:p>
+        </p:txBody>
+      </p:sp>
+      <p:sp>
+        <p:nvSpPr>
+          <p:cNvPr id="3" name="コンテンツ プレースホルダー 2"/>
+          <p:cNvSpPr>
+            <a:spLocks noGrp="1"/>
+          </p:cNvSpPr>
+          <p:nvPr>
+            <p:ph idx="1"/>
+          </p:nvPr>
+        </p:nvSpPr>
+        <p:spPr/>
+        <p:txBody>
+          <a:bodyPr/>
+          <a:lstStyle/>
+          <a:p>
+            <a:r>
+              <a:rPr lang="ja-JP" altLang="en-US"/>
+              <a:t>変えても意味ないよ</a:t>
+            </a:r>
+            <a:r>
+              <a:rPr lang="ja-JP" altLang="en-US" smtClean="0"/>
+              <a:t>派</a:t>
+            </a:r>
+            <a:endParaRPr lang="en-US" altLang="ja-JP" smtClean="0"/>
+          </a:p>
+          <a:p>
+            <a:pPr lvl="1"/>
+            <a:r>
+              <a:rPr lang="ja-JP" altLang="en-US"/>
+              <a:t>ポートスキャンすれば一発で</a:t>
+            </a:r>
+            <a:r>
+              <a:rPr lang="en-US" altLang="ja-JP"/>
+              <a:t>ssh</a:t>
+            </a:r>
+            <a:r>
+              <a:rPr lang="ja-JP" altLang="en-US"/>
+              <a:t>のポートは分かるんだからムダだ</a:t>
+            </a:r>
+            <a:r>
+              <a:rPr lang="ja-JP" altLang="en-US" smtClean="0"/>
+              <a:t>よ</a:t>
+            </a:r>
+            <a:endParaRPr lang="en-US" altLang="ja-JP" smtClean="0"/>
+          </a:p>
+          <a:p>
+            <a:pPr lvl="1"/>
+            <a:r>
+              <a:rPr lang="ja-JP" altLang="en-US"/>
+              <a:t>ポートを変えるだけでセキュリティ対策しているつもりになっちゃうからダメだ</a:t>
+            </a:r>
+            <a:r>
+              <a:rPr lang="ja-JP" altLang="en-US" smtClean="0"/>
+              <a:t>よ</a:t>
+            </a:r>
+            <a:r>
+              <a:rPr lang="en-US" altLang="ja-JP" smtClean="0"/>
+              <a:t>(?)</a:t>
+            </a:r>
+            <a:endParaRPr kumimoji="1" lang="ja-JP" altLang="en-US"/>
+          </a:p>
+        </p:txBody>
+      </p:sp>
+    </p:spTree>
+    <p:extLst>
+      <p:ext uri="{BB962C8B-B14F-4D97-AF65-F5344CB8AC3E}">
+        <p14:creationId xmlns:p14="http://schemas.microsoft.com/office/powerpoint/2010/main" val="3571136695"/>
+      </p:ext>
+    </p:extLst>
+  </p:cSld>
+  <p:clrMapOvr>
+    <a:masterClrMapping/>
+  </p:clrMapOvr>
+  <p:timing>
+    <p:tnLst>
+      <p:par>
+        <p:cTn id="1" dur="indefinite" restart="never" nodeType="tmRoot"/>
+      </p:par>
+    </p:tnLst>
+  </p:timing>
+</p:sld>
+</file>
+
+<file path=ppt/slides/slide33.xml><?xml version="1.0" encoding="utf-8"?>
+<p:sld xmlns:a="http://schemas.openxmlformats.org/drawingml/2006/main" xmlns:r="http://schemas.openxmlformats.org/officeDocument/2006/relationships" xmlns:p="http://schemas.openxmlformats.org/presentationml/2006/main">
+  <p:cSld>
+    <p:spTree>
+      <p:nvGrpSpPr>
+        <p:cNvPr id="1" name=""/>
+        <p:cNvGrpSpPr/>
+        <p:nvPr/>
+      </p:nvGrpSpPr>
+      <p:grpSpPr>
+        <a:xfrm>
+          <a:off x="0" y="0"/>
+          <a:ext cx="0" cy="0"/>
+          <a:chOff x="0" y="0"/>
+          <a:chExt cx="0" cy="0"/>
+        </a:xfrm>
+      </p:grpSpPr>
+      <p:sp>
+        <p:nvSpPr>
+          <p:cNvPr id="2" name="タイトル 1"/>
+          <p:cNvSpPr>
+            <a:spLocks noGrp="1"/>
+          </p:cNvSpPr>
+          <p:nvPr>
+            <p:ph type="title"/>
+          </p:nvPr>
+        </p:nvSpPr>
+        <p:spPr/>
+        <p:txBody>
+          <a:bodyPr/>
+          <a:lstStyle/>
+          <a:p>
+            <a:r>
+              <a:rPr lang="en-US" altLang="ja-JP" smtClean="0"/>
+              <a:t>sshd shouldn't use 22/tcp?</a:t>
+            </a:r>
+            <a:endParaRPr kumimoji="1" lang="ja-JP" altLang="en-US"/>
+          </a:p>
+        </p:txBody>
+      </p:sp>
+      <p:sp>
+        <p:nvSpPr>
+          <p:cNvPr id="3" name="コンテンツ プレースホルダー 2"/>
+          <p:cNvSpPr>
+            <a:spLocks noGrp="1"/>
+          </p:cNvSpPr>
+          <p:nvPr>
+            <p:ph idx="1"/>
+          </p:nvPr>
+        </p:nvSpPr>
+        <p:spPr/>
+        <p:txBody>
+          <a:bodyPr/>
+          <a:lstStyle/>
+          <a:p>
+            <a:r>
+              <a:rPr lang="ja-JP" altLang="en-US"/>
+              <a:t>変えても意味ないよ</a:t>
+            </a:r>
+            <a:r>
+              <a:rPr lang="ja-JP" altLang="en-US" smtClean="0"/>
+              <a:t>派</a:t>
+            </a:r>
+            <a:endParaRPr lang="en-US" altLang="ja-JP" smtClean="0"/>
+          </a:p>
+          <a:p>
+            <a:pPr lvl="1"/>
+            <a:r>
+              <a:rPr lang="ja-JP" altLang="en-US" b="1">
+                <a:solidFill>
+                  <a:srgbClr val="FF0000"/>
+                </a:solidFill>
+              </a:rPr>
+              <a:t>ポートスキャンすれば一発で</a:t>
+            </a:r>
+            <a:r>
+              <a:rPr lang="en-US" altLang="ja-JP" b="1">
+                <a:solidFill>
+                  <a:srgbClr val="FF0000"/>
+                </a:solidFill>
+              </a:rPr>
+              <a:t>ssh</a:t>
+            </a:r>
+            <a:r>
+              <a:rPr lang="ja-JP" altLang="en-US" b="1">
+                <a:solidFill>
+                  <a:srgbClr val="FF0000"/>
+                </a:solidFill>
+              </a:rPr>
+              <a:t>のポートは分かるんだからムダだ</a:t>
+            </a:r>
+            <a:r>
+              <a:rPr lang="ja-JP" altLang="en-US" b="1" smtClean="0">
+                <a:solidFill>
+                  <a:srgbClr val="FF0000"/>
+                </a:solidFill>
+              </a:rPr>
+              <a:t>よ</a:t>
+            </a:r>
+            <a:endParaRPr lang="en-US" altLang="ja-JP" b="1" smtClean="0">
+              <a:solidFill>
+                <a:srgbClr val="FF0000"/>
+              </a:solidFill>
+            </a:endParaRPr>
+          </a:p>
+          <a:p>
+            <a:pPr lvl="1"/>
+            <a:r>
+              <a:rPr lang="ja-JP" altLang="en-US"/>
+              <a:t>ポートを変えるだけでセキュリティ対策しているつもりになっちゃうからダメだ</a:t>
+            </a:r>
+            <a:r>
+              <a:rPr lang="ja-JP" altLang="en-US" smtClean="0"/>
+              <a:t>よ</a:t>
+            </a:r>
+            <a:r>
+              <a:rPr lang="en-US" altLang="ja-JP" smtClean="0"/>
+              <a:t>(?)</a:t>
+            </a:r>
+            <a:endParaRPr kumimoji="1" lang="ja-JP" altLang="en-US"/>
+          </a:p>
+        </p:txBody>
+      </p:sp>
+    </p:spTree>
+    <p:extLst>
+      <p:ext uri="{BB962C8B-B14F-4D97-AF65-F5344CB8AC3E}">
+        <p14:creationId xmlns:p14="http://schemas.microsoft.com/office/powerpoint/2010/main" val="2554317840"/>
+      </p:ext>
+    </p:extLst>
+  </p:cSld>
+  <p:clrMapOvr>
+    <a:masterClrMapping/>
+  </p:clrMapOvr>
+  <p:timing>
+    <p:tnLst>
+      <p:par>
+        <p:cTn id="1" dur="indefinite" restart="never" nodeType="tmRoot"/>
+      </p:par>
+    </p:tnLst>
+  </p:timing>
+</p:sld>
+</file>
+
+<file path=ppt/slides/slide34.xml><?xml version="1.0" encoding="utf-8"?>
+<p:sld xmlns:a="http://schemas.openxmlformats.org/drawingml/2006/main" xmlns:r="http://schemas.openxmlformats.org/officeDocument/2006/relationships" xmlns:p="http://schemas.openxmlformats.org/presentationml/2006/main">
+  <p:cSld>
+    <p:spTree>
+      <p:nvGrpSpPr>
+        <p:cNvPr id="1" name=""/>
+        <p:cNvGrpSpPr/>
+        <p:nvPr/>
+      </p:nvGrpSpPr>
+      <p:grpSpPr>
+        <a:xfrm>
+          <a:off x="0" y="0"/>
+          <a:ext cx="0" cy="0"/>
+          <a:chOff x="0" y="0"/>
+          <a:chExt cx="0" cy="0"/>
+        </a:xfrm>
+      </p:grpSpPr>
+      <p:pic>
+        <p:nvPicPr>
+          <p:cNvPr id="4" name="図 3"/>
+          <p:cNvPicPr>
+            <a:picLocks noChangeAspect="1"/>
+          </p:cNvPicPr>
+          <p:nvPr/>
+        </p:nvPicPr>
+        <p:blipFill rotWithShape="1">
+          <a:blip r:embed="rId2" cstate="print">
+            <a:extLst>
+              <a:ext uri="{28A0092B-C50C-407E-A947-70E740481C1C}">
+                <a14:useLocalDpi xmlns:a14="http://schemas.microsoft.com/office/drawing/2010/main" val="0"/>
+              </a:ext>
+            </a:extLst>
+          </a:blip>
+          <a:srcRect/>
+          <a:stretch/>
+        </p:blipFill>
+        <p:spPr>
+          <a:xfrm>
+            <a:off x="11575" y="-115747"/>
+            <a:ext cx="9306046" cy="7106856"/>
+          </a:xfrm>
+          <a:prstGeom prst="rect">
+            <a:avLst/>
+          </a:prstGeom>
+          <a:effectLst>
+            <a:outerShdw blurRad="50800" dist="50800" dir="5400000" algn="ctr" rotWithShape="0">
+              <a:srgbClr val="000000"/>
+            </a:outerShdw>
+          </a:effectLst>
+        </p:spPr>
+      </p:pic>
+      <p:sp>
+        <p:nvSpPr>
+          <p:cNvPr id="5" name="テキスト ボックス 4"/>
+          <p:cNvSpPr txBox="1"/>
+          <p:nvPr/>
+        </p:nvSpPr>
+        <p:spPr>
+          <a:xfrm>
+            <a:off x="679461" y="876843"/>
+            <a:ext cx="7299973" cy="923330"/>
+          </a:xfrm>
+          <a:prstGeom prst="rect">
+            <a:avLst/>
+          </a:prstGeom>
+          <a:noFill/>
+        </p:spPr>
+        <p:txBody>
+          <a:bodyPr wrap="square" rtlCol="0">
+            <a:spAutoFit/>
+          </a:bodyPr>
+          <a:lstStyle/>
+          <a:p>
+            <a:r>
+              <a:rPr lang="ja-JP" altLang="en-US" sz="5400" smtClean="0">
+                <a:ln>
+                  <a:solidFill>
+                    <a:schemeClr val="bg1">
+                      <a:lumMod val="50000"/>
+                    </a:schemeClr>
+                  </a:solidFill>
+                </a:ln>
+                <a:latin typeface="Tahoma" panose="020B0604030504040204" pitchFamily="34" charset="0"/>
+                <a:cs typeface="Tahoma" panose="020B0604030504040204" pitchFamily="34" charset="0"/>
+              </a:rPr>
+              <a:t>科学忍法</a:t>
+            </a:r>
+            <a:r>
+              <a:rPr lang="ja-JP" altLang="en-US" sz="5400">
+                <a:ln>
+                  <a:solidFill>
+                    <a:schemeClr val="bg1">
+                      <a:lumMod val="50000"/>
+                    </a:schemeClr>
+                  </a:solidFill>
+                </a:ln>
+                <a:latin typeface="Tahoma" panose="020B0604030504040204" pitchFamily="34" charset="0"/>
+                <a:cs typeface="Tahoma" panose="020B0604030504040204" pitchFamily="34" charset="0"/>
+              </a:rPr>
+              <a:t>・</a:t>
+            </a:r>
+            <a:r>
+              <a:rPr lang="en-US" altLang="ja-JP" sz="5400" smtClean="0">
+                <a:ln>
+                  <a:solidFill>
+                    <a:schemeClr val="bg1">
+                      <a:lumMod val="50000"/>
+                    </a:schemeClr>
+                  </a:solidFill>
+                </a:ln>
+                <a:latin typeface="Tahoma" panose="020B0604030504040204" pitchFamily="34" charset="0"/>
+                <a:cs typeface="Tahoma" panose="020B0604030504040204" pitchFamily="34" charset="0"/>
+              </a:rPr>
+              <a:t>ssh</a:t>
+            </a:r>
+            <a:r>
+              <a:rPr lang="ja-JP" altLang="en-US" sz="5400" smtClean="0">
+                <a:ln>
+                  <a:solidFill>
+                    <a:schemeClr val="bg1">
+                      <a:lumMod val="50000"/>
+                    </a:schemeClr>
+                  </a:solidFill>
+                </a:ln>
+                <a:latin typeface="Tahoma" panose="020B0604030504040204" pitchFamily="34" charset="0"/>
+                <a:cs typeface="Tahoma" panose="020B0604030504040204" pitchFamily="34" charset="0"/>
+              </a:rPr>
+              <a:t>分身の術</a:t>
+            </a:r>
+            <a:endParaRPr lang="en-US" altLang="ja-JP" sz="5400">
+              <a:ln>
+                <a:solidFill>
+                  <a:schemeClr val="bg1">
+                    <a:lumMod val="50000"/>
+                  </a:schemeClr>
+                </a:solidFill>
+              </a:ln>
+              <a:latin typeface="Tahoma" panose="020B0604030504040204" pitchFamily="34" charset="0"/>
+              <a:cs typeface="Tahoma" panose="020B0604030504040204" pitchFamily="34" charset="0"/>
+            </a:endParaRPr>
+          </a:p>
+        </p:txBody>
+      </p:sp>
+    </p:spTree>
+    <p:extLst>
+      <p:ext uri="{BB962C8B-B14F-4D97-AF65-F5344CB8AC3E}">
+        <p14:creationId xmlns:p14="http://schemas.microsoft.com/office/powerpoint/2010/main" val="2142194488"/>
+      </p:ext>
+    </p:extLst>
+  </p:cSld>
+  <p:clrMapOvr>
+    <a:masterClrMapping/>
+  </p:clrMapOvr>
+  <p:timing>
+    <p:tnLst>
+      <p:par>
+        <p:cTn id="1" dur="indefinite" restart="never" nodeType="tmRoot"/>
+      </p:par>
+    </p:tnLst>
+  </p:timing>
+</p:sld>
+</file>
+
+<file path=ppt/slides/slide35.xml><?xml version="1.0" encoding="utf-8"?>
 <p:sld xmlns:a="http://schemas.openxmlformats.org/drawingml/2006/main" xmlns:r="http://schemas.openxmlformats.org/officeDocument/2006/relationships" xmlns:p="http://schemas.openxmlformats.org/presentationml/2006/main">
   <p:cSld>
     <p:spTree>
@@ -11081,7 +11840,7 @@
     </p:spTree>
     <p:extLst>
       <p:ext uri="{BB962C8B-B14F-4D97-AF65-F5344CB8AC3E}">
-        <p14:creationId xmlns="" xmlns:p14="http://schemas.microsoft.com/office/powerpoint/2010/main" val="3529535026"/>
+        <p14:creationId xmlns:p14="http://schemas.microsoft.com/office/powerpoint/2010/main" val="3529535026"/>
       </p:ext>
     </p:extLst>
   </p:cSld>
@@ -11098,7 +11857,7 @@
 </p:sld>
 </file>
 
-<file path=ppt/slides/slide32.xml><?xml version="1.0" encoding="utf-8"?>
+<file path=ppt/slides/slide36.xml><?xml version="1.0" encoding="utf-8"?>
 <p:sld xmlns:a="http://schemas.openxmlformats.org/drawingml/2006/main" xmlns:r="http://schemas.openxmlformats.org/officeDocument/2006/relationships" xmlns:p="http://schemas.openxmlformats.org/presentationml/2006/main">
   <p:cSld>
     <p:spTree>
@@ -11437,7 +12196,7 @@
     </p:spTree>
     <p:extLst>
       <p:ext uri="{BB962C8B-B14F-4D97-AF65-F5344CB8AC3E}">
-        <p14:creationId xmlns="" xmlns:p14="http://schemas.microsoft.com/office/powerpoint/2010/main" val="2991684915"/>
+        <p14:creationId xmlns:p14="http://schemas.microsoft.com/office/powerpoint/2010/main" val="2991684915"/>
       </p:ext>
     </p:extLst>
   </p:cSld>
@@ -11454,7 +12213,7 @@
 </p:sld>
 </file>
 
-<file path=ppt/slides/slide33.xml><?xml version="1.0" encoding="utf-8"?>
+<file path=ppt/slides/slide37.xml><?xml version="1.0" encoding="utf-8"?>
 <p:sld xmlns:a="http://schemas.openxmlformats.org/drawingml/2006/main" xmlns:r="http://schemas.openxmlformats.org/officeDocument/2006/relationships" xmlns:p="http://schemas.openxmlformats.org/presentationml/2006/main">
   <p:cSld>
     <p:spTree>
@@ -11817,7 +12576,7 @@
     </p:spTree>
     <p:extLst>
       <p:ext uri="{BB962C8B-B14F-4D97-AF65-F5344CB8AC3E}">
-        <p14:creationId xmlns="" xmlns:p14="http://schemas.microsoft.com/office/powerpoint/2010/main" val="311579348"/>
+        <p14:creationId xmlns:p14="http://schemas.microsoft.com/office/powerpoint/2010/main" val="311579348"/>
       </p:ext>
     </p:extLst>
   </p:cSld>
@@ -11834,7 +12593,7 @@
 </p:sld>
 </file>
 
-<file path=ppt/slides/slide34.xml><?xml version="1.0" encoding="utf-8"?>
+<file path=ppt/slides/slide38.xml><?xml version="1.0" encoding="utf-8"?>
 <p:sld xmlns:a="http://schemas.openxmlformats.org/drawingml/2006/main" xmlns:r="http://schemas.openxmlformats.org/officeDocument/2006/relationships" xmlns:p="http://schemas.openxmlformats.org/presentationml/2006/main">
   <p:cSld>
     <p:spTree>
@@ -11939,7 +12698,7 @@
     </p:spTree>
     <p:extLst>
       <p:ext uri="{BB962C8B-B14F-4D97-AF65-F5344CB8AC3E}">
-        <p14:creationId xmlns="" xmlns:p14="http://schemas.microsoft.com/office/powerpoint/2010/main" val="2399038984"/>
+        <p14:creationId xmlns:p14="http://schemas.microsoft.com/office/powerpoint/2010/main" val="2399038984"/>
       </p:ext>
     </p:extLst>
   </p:cSld>
@@ -11956,7 +12715,7 @@
 </p:sld>
 </file>
 
-<file path=ppt/slides/slide35.xml><?xml version="1.0" encoding="utf-8"?>
+<file path=ppt/slides/slide39.xml><?xml version="1.0" encoding="utf-8"?>
 <p:sld xmlns:a="http://schemas.openxmlformats.org/drawingml/2006/main" xmlns:r="http://schemas.openxmlformats.org/officeDocument/2006/relationships" xmlns:p="http://schemas.openxmlformats.org/presentationml/2006/main">
   <p:cSld>
     <p:spTree>
@@ -12079,7 +12838,7 @@
     </p:spTree>
     <p:extLst>
       <p:ext uri="{BB962C8B-B14F-4D97-AF65-F5344CB8AC3E}">
-        <p14:creationId xmlns="" xmlns:p14="http://schemas.microsoft.com/office/powerpoint/2010/main" val="4014586209"/>
+        <p14:creationId xmlns:p14="http://schemas.microsoft.com/office/powerpoint/2010/main" val="4014586209"/>
       </p:ext>
     </p:extLst>
   </p:cSld>
@@ -12096,7 +12855,186 @@
 </p:sld>
 </file>
 
-<file path=ppt/slides/slide36.xml><?xml version="1.0" encoding="utf-8"?>
+<file path=ppt/slides/slide4.xml><?xml version="1.0" encoding="utf-8"?>
+<p:sld xmlns:a="http://schemas.openxmlformats.org/drawingml/2006/main" xmlns:r="http://schemas.openxmlformats.org/officeDocument/2006/relationships" xmlns:p="http://schemas.openxmlformats.org/presentationml/2006/main">
+  <p:cSld>
+    <p:spTree>
+      <p:nvGrpSpPr>
+        <p:cNvPr id="1" name=""/>
+        <p:cNvGrpSpPr/>
+        <p:nvPr/>
+      </p:nvGrpSpPr>
+      <p:grpSpPr>
+        <a:xfrm>
+          <a:off x="0" y="0"/>
+          <a:ext cx="0" cy="0"/>
+          <a:chOff x="0" y="0"/>
+          <a:chExt cx="0" cy="0"/>
+        </a:xfrm>
+      </p:grpSpPr>
+      <p:sp>
+        <p:nvSpPr>
+          <p:cNvPr id="2" name="タイトル 1"/>
+          <p:cNvSpPr>
+            <a:spLocks noGrp="1"/>
+          </p:cNvSpPr>
+          <p:nvPr>
+            <p:ph type="title"/>
+          </p:nvPr>
+        </p:nvSpPr>
+        <p:spPr>
+          <a:xfrm>
+            <a:off x="628650" y="365127"/>
+            <a:ext cx="7886700" cy="777874"/>
+          </a:xfrm>
+        </p:spPr>
+        <p:txBody>
+          <a:bodyPr/>
+          <a:lstStyle/>
+          <a:p>
+            <a:r>
+              <a:rPr kumimoji="1" lang="en-US" altLang="ja-JP" smtClean="0"/>
+              <a:t>Agenda.</a:t>
+            </a:r>
+            <a:endParaRPr kumimoji="1" lang="ja-JP" altLang="en-US"/>
+          </a:p>
+        </p:txBody>
+      </p:sp>
+      <p:sp>
+        <p:nvSpPr>
+          <p:cNvPr id="3" name="コンテンツ プレースホルダー 2"/>
+          <p:cNvSpPr>
+            <a:spLocks noGrp="1"/>
+          </p:cNvSpPr>
+          <p:nvPr>
+            <p:ph idx="1"/>
+          </p:nvPr>
+        </p:nvSpPr>
+        <p:spPr>
+          <a:xfrm>
+            <a:off x="330200" y="1495424"/>
+            <a:ext cx="8483600" cy="4994275"/>
+          </a:xfrm>
+        </p:spPr>
+        <p:txBody>
+          <a:bodyPr>
+            <a:noAutofit/>
+          </a:bodyPr>
+          <a:lstStyle/>
+          <a:p>
+            <a:r>
+              <a:rPr kumimoji="1" lang="ja-JP" altLang="en-US" sz="3000" b="1" smtClean="0">
+                <a:solidFill>
+                  <a:schemeClr val="accent5">
+                    <a:lumMod val="75000"/>
+                  </a:schemeClr>
+                </a:solidFill>
+              </a:rPr>
+              <a:t>攻撃者視点：</a:t>
+            </a:r>
+            <a:r>
+              <a:rPr kumimoji="1" lang="ja-JP" altLang="en-US" sz="3000" smtClean="0"/>
+              <a:t>攻撃を「隠す」</a:t>
+            </a:r>
+            <a:endParaRPr kumimoji="1" lang="en-US" altLang="ja-JP" sz="3000" smtClean="0"/>
+          </a:p>
+          <a:p>
+            <a:pPr lvl="1"/>
+            <a:r>
+              <a:rPr lang="ja-JP" altLang="en-US" sz="3000" smtClean="0"/>
+              <a:t>ポートスキャン</a:t>
+            </a:r>
+            <a:r>
+              <a:rPr lang="en-US" altLang="ja-JP" sz="3000" smtClean="0"/>
+              <a:t>(nmap)</a:t>
+            </a:r>
+            <a:r>
+              <a:rPr lang="ja-JP" altLang="en-US" sz="3000" smtClean="0"/>
+              <a:t>を</a:t>
+            </a:r>
+            <a:r>
+              <a:rPr lang="ja-JP" altLang="en-US" sz="3000"/>
+              <a:t>気づかれないように実行</a:t>
+            </a:r>
+            <a:r>
+              <a:rPr lang="ja-JP" altLang="en-US" sz="3000" smtClean="0"/>
+              <a:t>する</a:t>
+            </a:r>
+            <a:endParaRPr lang="en-US" altLang="ja-JP" sz="3000" smtClean="0"/>
+          </a:p>
+          <a:p>
+            <a:pPr lvl="1"/>
+            <a:r>
+              <a:rPr lang="ja-JP" altLang="en-US" sz="3000" smtClean="0"/>
+              <a:t>セキュリティポリシをかいくぐって通信する</a:t>
+            </a:r>
+            <a:endParaRPr lang="en-US" altLang="ja-JP" sz="3000" smtClean="0"/>
+          </a:p>
+          <a:p>
+            <a:endParaRPr kumimoji="1" lang="en-US" altLang="ja-JP" sz="3000" b="1" smtClean="0">
+              <a:solidFill>
+                <a:schemeClr val="accent5">
+                  <a:lumMod val="75000"/>
+                </a:schemeClr>
+              </a:solidFill>
+            </a:endParaRPr>
+          </a:p>
+          <a:p>
+            <a:r>
+              <a:rPr kumimoji="1" lang="ja-JP" altLang="en-US" sz="3000" b="1" smtClean="0">
+                <a:solidFill>
+                  <a:schemeClr val="accent5">
+                    <a:lumMod val="75000"/>
+                  </a:schemeClr>
+                </a:solidFill>
+              </a:rPr>
+              <a:t>防御側視点：</a:t>
+            </a:r>
+            <a:r>
+              <a:rPr kumimoji="1" lang="ja-JP" altLang="en-US" sz="3000" smtClean="0"/>
+              <a:t>攻撃から「隠れる」</a:t>
+            </a:r>
+            <a:endParaRPr kumimoji="1" lang="en-US" altLang="ja-JP" sz="3000" smtClean="0"/>
+          </a:p>
+          <a:p>
+            <a:pPr lvl="1"/>
+            <a:r>
+              <a:rPr lang="ja-JP" altLang="en-US" sz="3000" smtClean="0"/>
+              <a:t>科学忍法・</a:t>
+            </a:r>
+            <a:r>
+              <a:rPr lang="en-US" altLang="ja-JP" sz="3000" smtClean="0"/>
+              <a:t>ssh</a:t>
+            </a:r>
+            <a:r>
+              <a:rPr lang="ja-JP" altLang="en-US" sz="3000" smtClean="0"/>
+              <a:t>分身の術</a:t>
+            </a:r>
+            <a:endParaRPr lang="en-US" altLang="ja-JP" sz="3000" smtClean="0"/>
+          </a:p>
+        </p:txBody>
+      </p:sp>
+    </p:spTree>
+    <p:extLst>
+      <p:ext uri="{BB962C8B-B14F-4D97-AF65-F5344CB8AC3E}">
+        <p14:creationId xmlns:p14="http://schemas.microsoft.com/office/powerpoint/2010/main" val="302998058"/>
+      </p:ext>
+    </p:extLst>
+  </p:cSld>
+  <p:clrMapOvr>
+    <a:masterClrMapping/>
+  </p:clrMapOvr>
+  <p:timing>
+    <p:tnLst>
+      <p:par>
+        <p:cTn id="1" dur="indefinite" restart="never" nodeType="tmRoot"/>
+      </p:par>
+    </p:tnLst>
+  </p:timing>
+</p:sld>
+</file>
+
+<file path=ppt/slides/slide40.xml><?xml version="1.0" encoding="utf-8"?>
 <p:sld xmlns:a="http://schemas.openxmlformats.org/drawingml/2006/main" xmlns:r="http://schemas.openxmlformats.org/officeDocument/2006/relationships" xmlns:p="http://schemas.openxmlformats.org/presentationml/2006/main">
   <p:cSld>
     <p:bg>
@@ -12334,7 +13272,7 @@
     </p:spTree>
     <p:extLst>
       <p:ext uri="{BB962C8B-B14F-4D97-AF65-F5344CB8AC3E}">
-        <p14:creationId xmlns="" xmlns:p14="http://schemas.microsoft.com/office/powerpoint/2010/main" val="846265346"/>
+        <p14:creationId xmlns:p14="http://schemas.microsoft.com/office/powerpoint/2010/main" val="846265346"/>
       </p:ext>
     </p:extLst>
   </p:cSld>
@@ -12351,7 +13289,7 @@
 </p:sld>
 </file>
 
-<file path=ppt/slides/slide37.xml><?xml version="1.0" encoding="utf-8"?>
+<file path=ppt/slides/slide41.xml><?xml version="1.0" encoding="utf-8"?>
 <p:sld xmlns:a="http://schemas.openxmlformats.org/drawingml/2006/main" xmlns:r="http://schemas.openxmlformats.org/officeDocument/2006/relationships" xmlns:p="http://schemas.openxmlformats.org/presentationml/2006/main">
   <p:cSld>
     <p:spTree>
@@ -12592,7 +13530,7 @@
     </p:spTree>
     <p:extLst>
       <p:ext uri="{BB962C8B-B14F-4D97-AF65-F5344CB8AC3E}">
-        <p14:creationId xmlns="" xmlns:p14="http://schemas.microsoft.com/office/powerpoint/2010/main" val="733360992"/>
+        <p14:creationId xmlns:p14="http://schemas.microsoft.com/office/powerpoint/2010/main" val="733360992"/>
       </p:ext>
     </p:extLst>
   </p:cSld>
@@ -12609,7 +13547,7 @@
 </p:sld>
 </file>
 
-<file path=ppt/slides/slide38.xml><?xml version="1.0" encoding="utf-8"?>
+<file path=ppt/slides/slide42.xml><?xml version="1.0" encoding="utf-8"?>
 <p:sld xmlns:a="http://schemas.openxmlformats.org/drawingml/2006/main" xmlns:r="http://schemas.openxmlformats.org/officeDocument/2006/relationships" xmlns:p="http://schemas.openxmlformats.org/presentationml/2006/main">
   <p:cSld>
     <p:spTree>
@@ -12638,7 +13576,7 @@
           <a:blip r:embed="rId2" cstate="print">
             <a:extLst>
               <a:ext uri="{28A0092B-C50C-407E-A947-70E740481C1C}">
-                <a14:useLocalDpi xmlns="" xmlns:a14="http://schemas.microsoft.com/office/drawing/2010/main" val="0"/>
+                <a14:useLocalDpi xmlns:a14="http://schemas.microsoft.com/office/drawing/2010/main" val="0"/>
               </a:ext>
             </a:extLst>
           </a:blip>
@@ -12799,7 +13737,7 @@
     </p:spTree>
     <p:extLst>
       <p:ext uri="{BB962C8B-B14F-4D97-AF65-F5344CB8AC3E}">
-        <p14:creationId xmlns="" xmlns:p14="http://schemas.microsoft.com/office/powerpoint/2010/main" val="2078586375"/>
+        <p14:creationId xmlns:p14="http://schemas.microsoft.com/office/powerpoint/2010/main" val="2078586375"/>
       </p:ext>
     </p:extLst>
   </p:cSld>
@@ -12816,7 +13754,7 @@
 </p:sld>
 </file>
 
-<file path=ppt/slides/slide39.xml><?xml version="1.0" encoding="utf-8"?>
+<file path=ppt/slides/slide43.xml><?xml version="1.0" encoding="utf-8"?>
 <p:sld xmlns:a="http://schemas.openxmlformats.org/drawingml/2006/main" xmlns:r="http://schemas.openxmlformats.org/officeDocument/2006/relationships" xmlns:p="http://schemas.openxmlformats.org/presentationml/2006/main">
   <p:cSld>
     <p:spTree>
@@ -13081,7 +14019,7 @@
     </p:spTree>
     <p:extLst>
       <p:ext uri="{BB962C8B-B14F-4D97-AF65-F5344CB8AC3E}">
-        <p14:creationId xmlns="" xmlns:p14="http://schemas.microsoft.com/office/powerpoint/2010/main" val="840825377"/>
+        <p14:creationId xmlns:p14="http://schemas.microsoft.com/office/powerpoint/2010/main" val="840825377"/>
       </p:ext>
     </p:extLst>
   </p:cSld>
@@ -13098,7 +14036,7 @@
 </p:sld>
 </file>
 
-<file path=ppt/slides/slide4.xml><?xml version="1.0" encoding="utf-8"?>
+<file path=ppt/slides/slide44.xml><?xml version="1.0" encoding="utf-8"?>
 <p:sld xmlns:a="http://schemas.openxmlformats.org/drawingml/2006/main" xmlns:r="http://schemas.openxmlformats.org/officeDocument/2006/relationships" xmlns:p="http://schemas.openxmlformats.org/presentationml/2006/main">
   <p:cSld>
     <p:spTree>
@@ -13125,93 +14063,6 @@
             <p:ph type="title"/>
           </p:nvPr>
         </p:nvSpPr>
-        <p:spPr/>
-        <p:txBody>
-          <a:bodyPr/>
-          <a:lstStyle/>
-          <a:p>
-            <a:r>
-              <a:rPr lang="ja-JP" altLang="en-US" smtClean="0"/>
-              <a:t>ここからしばらく</a:t>
-            </a:r>
-            <a:r>
-              <a:rPr lang="en-US" altLang="ja-JP" smtClean="0"/>
-              <a:t>nmap</a:t>
-            </a:r>
-            <a:r>
-              <a:rPr lang="ja-JP" altLang="en-US" smtClean="0"/>
-              <a:t>の話</a:t>
-            </a:r>
-            <a:endParaRPr kumimoji="1" lang="ja-JP" altLang="en-US"/>
-          </a:p>
-        </p:txBody>
-      </p:sp>
-      <p:sp>
-        <p:nvSpPr>
-          <p:cNvPr id="3" name="コンテンツ プレースホルダー 2"/>
-          <p:cNvSpPr>
-            <a:spLocks noGrp="1"/>
-          </p:cNvSpPr>
-          <p:nvPr>
-            <p:ph idx="1"/>
-          </p:nvPr>
-        </p:nvSpPr>
-        <p:spPr/>
-        <p:txBody>
-          <a:bodyPr/>
-          <a:lstStyle/>
-          <a:p>
-            <a:endParaRPr kumimoji="1" lang="ja-JP" altLang="en-US"/>
-          </a:p>
-        </p:txBody>
-      </p:sp>
-    </p:spTree>
-    <p:extLst>
-      <p:ext uri="{BB962C8B-B14F-4D97-AF65-F5344CB8AC3E}">
-        <p14:creationId xmlns="" xmlns:p14="http://schemas.microsoft.com/office/powerpoint/2010/main" val="742552759"/>
-      </p:ext>
-    </p:extLst>
-  </p:cSld>
-  <p:clrMapOvr>
-    <a:masterClrMapping/>
-  </p:clrMapOvr>
-  <p:timing>
-    <p:tnLst>
-      <p:par>
-        <p:cTn id="1" dur="indefinite" restart="never" nodeType="tmRoot"/>
-      </p:par>
-    </p:tnLst>
-  </p:timing>
-</p:sld>
-</file>
-
-<file path=ppt/slides/slide40.xml><?xml version="1.0" encoding="utf-8"?>
-<p:sld xmlns:a="http://schemas.openxmlformats.org/drawingml/2006/main" xmlns:r="http://schemas.openxmlformats.org/officeDocument/2006/relationships" xmlns:p="http://schemas.openxmlformats.org/presentationml/2006/main">
-  <p:cSld>
-    <p:spTree>
-      <p:nvGrpSpPr>
-        <p:cNvPr id="1" name=""/>
-        <p:cNvGrpSpPr/>
-        <p:nvPr/>
-      </p:nvGrpSpPr>
-      <p:grpSpPr>
-        <a:xfrm>
-          <a:off x="0" y="0"/>
-          <a:ext cx="0" cy="0"/>
-          <a:chOff x="0" y="0"/>
-          <a:chExt cx="0" cy="0"/>
-        </a:xfrm>
-      </p:grpSpPr>
-      <p:sp>
-        <p:nvSpPr>
-          <p:cNvPr id="2" name="タイトル 1"/>
-          <p:cNvSpPr>
-            <a:spLocks noGrp="1"/>
-          </p:cNvSpPr>
-          <p:nvPr>
-            <p:ph type="title"/>
-          </p:nvPr>
-        </p:nvSpPr>
         <p:spPr>
           <a:xfrm>
             <a:off x="128317" y="149470"/>
@@ -13220,7 +14071,7 @@
         </p:spPr>
         <p:txBody>
           <a:bodyPr>
-            <a:normAutofit/>
+            <a:normAutofit fontScale="90000"/>
           </a:bodyPr>
           <a:lstStyle/>
           <a:p>
@@ -13289,7 +14140,7 @@
     </p:spTree>
     <p:extLst>
       <p:ext uri="{BB962C8B-B14F-4D97-AF65-F5344CB8AC3E}">
-        <p14:creationId xmlns="" xmlns:p14="http://schemas.microsoft.com/office/powerpoint/2010/main" val="2888440918"/>
+        <p14:creationId xmlns:p14="http://schemas.microsoft.com/office/powerpoint/2010/main" val="2888440918"/>
       </p:ext>
     </p:extLst>
   </p:cSld>
@@ -13335,7 +14186,7 @@
           <a:blip r:embed="rId2" cstate="print">
             <a:extLst>
               <a:ext uri="{28A0092B-C50C-407E-A947-70E740481C1C}">
-                <a14:useLocalDpi xmlns="" xmlns:a14="http://schemas.microsoft.com/office/drawing/2010/main" val="0"/>
+                <a14:useLocalDpi xmlns:a14="http://schemas.microsoft.com/office/drawing/2010/main" val="0"/>
               </a:ext>
             </a:extLst>
           </a:blip>
@@ -13410,7 +14261,7 @@
     </p:spTree>
     <p:extLst>
       <p:ext uri="{BB962C8B-B14F-4D97-AF65-F5344CB8AC3E}">
-        <p14:creationId xmlns="" xmlns:p14="http://schemas.microsoft.com/office/powerpoint/2010/main" val="2711273333"/>
+        <p14:creationId xmlns:p14="http://schemas.microsoft.com/office/powerpoint/2010/main" val="2711273333"/>
       </p:ext>
     </p:extLst>
   </p:cSld>
@@ -13444,94 +14295,171 @@
           <a:chExt cx="0" cy="0"/>
         </a:xfrm>
       </p:grpSpPr>
-      <p:pic>
-        <p:nvPicPr>
-          <p:cNvPr id="4" name="図 3"/>
-          <p:cNvPicPr>
-            <a:picLocks noChangeAspect="1"/>
-          </p:cNvPicPr>
-          <p:nvPr/>
-        </p:nvPicPr>
-        <p:blipFill rotWithShape="1">
-          <a:blip r:embed="rId2" cstate="print">
-            <a:extLst>
-              <a:ext uri="{28A0092B-C50C-407E-A947-70E740481C1C}">
-                <a14:useLocalDpi xmlns="" xmlns:a14="http://schemas.microsoft.com/office/drawing/2010/main" val="0"/>
-              </a:ext>
-            </a:extLst>
-          </a:blip>
-          <a:srcRect/>
-          <a:stretch/>
-        </p:blipFill>
+      <p:sp>
+        <p:nvSpPr>
+          <p:cNvPr id="2" name="タイトル 1"/>
+          <p:cNvSpPr>
+            <a:spLocks noGrp="1"/>
+          </p:cNvSpPr>
+          <p:nvPr>
+            <p:ph type="title"/>
+          </p:nvPr>
+        </p:nvSpPr>
         <p:spPr>
           <a:xfrm>
-            <a:off x="11575" y="-115747"/>
-            <a:ext cx="9306046" cy="7106856"/>
+            <a:off x="628650" y="365126"/>
+            <a:ext cx="7886700" cy="866515"/>
           </a:xfrm>
-          <a:prstGeom prst="rect">
-            <a:avLst/>
-          </a:prstGeom>
-          <a:effectLst>
-            <a:outerShdw blurRad="50800" dist="50800" dir="5400000" algn="ctr" rotWithShape="0">
-              <a:srgbClr val="000000"/>
-            </a:outerShdw>
-          </a:effectLst>
         </p:spPr>
-      </p:pic>
-      <p:sp>
-        <p:nvSpPr>
-          <p:cNvPr id="5" name="テキスト ボックス 4"/>
-          <p:cNvSpPr txBox="1"/>
-          <p:nvPr/>
+        <p:txBody>
+          <a:bodyPr/>
+          <a:lstStyle/>
+          <a:p>
+            <a:r>
+              <a:rPr kumimoji="1" lang="ja-JP" altLang="en-US" smtClean="0"/>
+              <a:t>復習</a:t>
+            </a:r>
+            <a:r>
+              <a:rPr kumimoji="1" lang="en-US" altLang="ja-JP" smtClean="0"/>
+              <a:t>: nmap</a:t>
+            </a:r>
+            <a:r>
+              <a:rPr kumimoji="1" lang="ja-JP" altLang="en-US" smtClean="0"/>
+              <a:t>のオプション指定</a:t>
+            </a:r>
+            <a:endParaRPr kumimoji="1" lang="ja-JP" altLang="en-US"/>
+          </a:p>
+        </p:txBody>
+      </p:sp>
+      <p:sp>
+        <p:nvSpPr>
+          <p:cNvPr id="3" name="コンテンツ プレースホルダー 2"/>
+          <p:cNvSpPr>
+            <a:spLocks noGrp="1"/>
+          </p:cNvSpPr>
+          <p:nvPr>
+            <p:ph idx="1"/>
+          </p:nvPr>
         </p:nvSpPr>
         <p:spPr>
           <a:xfrm>
-            <a:off x="1594323" y="1204646"/>
-            <a:ext cx="6140549" cy="923330"/>
+            <a:off x="628649" y="1573377"/>
+            <a:ext cx="8105447" cy="4351338"/>
           </a:xfrm>
-          <a:prstGeom prst="rect">
-            <a:avLst/>
-          </a:prstGeom>
-          <a:noFill/>
         </p:spPr>
         <p:txBody>
-          <a:bodyPr wrap="square" rtlCol="0">
-            <a:spAutoFit/>
-          </a:bodyPr>
-          <a:lstStyle/>
-          <a:p>
-            <a:r>
-              <a:rPr kumimoji="1" lang="en-US" altLang="ja-JP" sz="5400" smtClean="0">
-                <a:ln>
-                  <a:solidFill>
-                    <a:schemeClr val="bg1">
-                      <a:lumMod val="50000"/>
-                    </a:schemeClr>
-                  </a:solidFill>
-                </a:ln>
-                <a:latin typeface="Tahoma" panose="020B0604030504040204" pitchFamily="34" charset="0"/>
-                <a:cs typeface="Tahoma" panose="020B0604030504040204" pitchFamily="34" charset="0"/>
-              </a:rPr>
-              <a:t>Too slow to detect.</a:t>
-            </a:r>
-            <a:endParaRPr kumimoji="1" lang="ja-JP" altLang="en-US" sz="5400">
-              <a:ln>
+          <a:bodyPr/>
+          <a:lstStyle/>
+          <a:p>
+            <a:pPr>
+              <a:lnSpc>
+                <a:spcPct val="100000"/>
+              </a:lnSpc>
+            </a:pPr>
+            <a:r>
+              <a:rPr kumimoji="1" lang="ja-JP" altLang="en-US" smtClean="0"/>
+              <a:t>一般的な</a:t>
+            </a:r>
+            <a:r>
+              <a:rPr lang="en-US" altLang="ja-JP" smtClean="0"/>
+              <a:t>UNIX/Linux</a:t>
+            </a:r>
+            <a:r>
+              <a:rPr lang="ja-JP" altLang="en-US" smtClean="0"/>
+              <a:t>のコマンドとチョット異なる。。。</a:t>
+            </a:r>
+            <a:endParaRPr kumimoji="1" lang="en-US" altLang="ja-JP" smtClean="0"/>
+          </a:p>
+          <a:p>
+            <a:pPr lvl="1">
+              <a:lnSpc>
+                <a:spcPct val="100000"/>
+              </a:lnSpc>
+            </a:pPr>
+            <a:r>
+              <a:rPr lang="en-US" altLang="ja-JP" smtClean="0"/>
+              <a:t>1</a:t>
+            </a:r>
+            <a:r>
+              <a:rPr lang="ja-JP" altLang="en-US" smtClean="0"/>
+              <a:t>文字オプション</a:t>
+            </a:r>
+            <a:r>
+              <a:rPr lang="en-US" altLang="ja-JP" smtClean="0"/>
+              <a:t>or</a:t>
+            </a:r>
+            <a:r>
+              <a:rPr lang="ja-JP" altLang="en-US" smtClean="0"/>
+              <a:t>ロングオプションは、普通の</a:t>
+            </a:r>
+            <a:r>
+              <a:rPr lang="en-US" altLang="ja-JP" smtClean="0"/>
+              <a:t>UNIX/Linux</a:t>
+            </a:r>
+            <a:r>
+              <a:rPr lang="ja-JP" altLang="en-US" smtClean="0"/>
+              <a:t>コマンドぽく。</a:t>
+            </a:r>
+            <a:endParaRPr lang="en-US" altLang="ja-JP" smtClean="0"/>
+          </a:p>
+          <a:p>
+            <a:pPr lvl="1">
+              <a:lnSpc>
+                <a:spcPct val="100000"/>
+              </a:lnSpc>
+            </a:pPr>
+            <a:r>
+              <a:rPr lang="en-US" altLang="ja-JP" b="1" smtClean="0">
                 <a:solidFill>
-                  <a:schemeClr val="bg1">
-                    <a:lumMod val="50000"/>
-                  </a:schemeClr>
+                  <a:srgbClr val="FF0000"/>
                 </a:solidFill>
-              </a:ln>
-              <a:latin typeface="Tahoma" panose="020B0604030504040204" pitchFamily="34" charset="0"/>
-              <a:cs typeface="Tahoma" panose="020B0604030504040204" pitchFamily="34" charset="0"/>
-            </a:endParaRPr>
+              </a:rPr>
+              <a:t>2</a:t>
+            </a:r>
+            <a:r>
+              <a:rPr lang="ja-JP" altLang="en-US" b="1">
+                <a:solidFill>
+                  <a:srgbClr val="FF0000"/>
+                </a:solidFill>
+              </a:rPr>
+              <a:t>文字</a:t>
+            </a:r>
+            <a:r>
+              <a:rPr lang="ja-JP" altLang="en-US" b="1" smtClean="0">
+                <a:solidFill>
+                  <a:srgbClr val="FF0000"/>
+                </a:solidFill>
+              </a:rPr>
+              <a:t>のオプション</a:t>
+            </a:r>
+            <a:r>
+              <a:rPr lang="ja-JP" altLang="en-US" smtClean="0"/>
+              <a:t>は、「</a:t>
+            </a:r>
+            <a:r>
+              <a:rPr lang="en-US" altLang="ja-JP" smtClean="0"/>
+              <a:t>1</a:t>
+            </a:r>
+            <a:r>
+              <a:rPr lang="ja-JP" altLang="en-US" smtClean="0"/>
+              <a:t>文字目が機能種別、</a:t>
+            </a:r>
+            <a:r>
+              <a:rPr lang="en-US" altLang="ja-JP" smtClean="0"/>
+              <a:t>2</a:t>
+            </a:r>
+            <a:r>
+              <a:rPr lang="ja-JP" altLang="en-US" smtClean="0"/>
+              <a:t>文字目がその指定値」</a:t>
+            </a:r>
+            <a:endParaRPr lang="en-US" altLang="ja-JP" smtClean="0"/>
           </a:p>
         </p:txBody>
       </p:sp>
     </p:spTree>
     <p:extLst>
       <p:ext uri="{BB962C8B-B14F-4D97-AF65-F5344CB8AC3E}">
-        <p14:creationId xmlns="" xmlns:p14="http://schemas.microsoft.com/office/powerpoint/2010/main" val="881172435"/>
+        <p14:creationId xmlns:p14="http://schemas.microsoft.com/office/powerpoint/2010/main" val="592033528"/>
       </p:ext>
     </p:extLst>
   </p:cSld>
@@ -13567,50 +14495,540 @@
       </p:grpSpPr>
       <p:sp>
         <p:nvSpPr>
-          <p:cNvPr id="2" name="タイトル 1"/>
-          <p:cNvSpPr>
-            <a:spLocks noGrp="1"/>
-          </p:cNvSpPr>
-          <p:nvPr>
-            <p:ph type="title"/>
-          </p:nvPr>
-        </p:nvSpPr>
-        <p:spPr/>
-        <p:txBody>
-          <a:bodyPr/>
-          <a:lstStyle/>
-          <a:p>
-            <a:r>
-              <a:rPr kumimoji="1" lang="ja-JP" altLang="en-US" smtClean="0"/>
-              <a:t>ゆっくりしていってね！！！！！</a:t>
-            </a:r>
+          <p:cNvPr id="4" name="正方形/長方形 3"/>
+          <p:cNvSpPr/>
+          <p:nvPr/>
+        </p:nvSpPr>
+        <p:spPr>
+          <a:xfrm>
+            <a:off x="189186" y="327510"/>
+            <a:ext cx="8744607" cy="798285"/>
+          </a:xfrm>
+          <a:prstGeom prst="rect">
+            <a:avLst/>
+          </a:prstGeom>
+          <a:solidFill>
+            <a:schemeClr val="tx1"/>
+          </a:solidFill>
+          <a:ln>
+            <a:solidFill>
+              <a:schemeClr val="accent4">
+                <a:lumMod val="20000"/>
+                <a:lumOff val="80000"/>
+              </a:schemeClr>
+            </a:solidFill>
+          </a:ln>
+        </p:spPr>
+        <p:style>
+          <a:lnRef idx="1">
+            <a:schemeClr val="accent1"/>
+          </a:lnRef>
+          <a:fillRef idx="3">
+            <a:schemeClr val="accent1"/>
+          </a:fillRef>
+          <a:effectRef idx="2">
+            <a:schemeClr val="accent1"/>
+          </a:effectRef>
+          <a:fontRef idx="minor">
+            <a:schemeClr val="lt1"/>
+          </a:fontRef>
+        </p:style>
+        <p:txBody>
+          <a:bodyPr rtlCol="0" anchor="ctr"/>
+          <a:lstStyle/>
+          <a:p>
+            <a:r>
+              <a:rPr lang="en-US" altLang="ja-JP" sz="3200">
+                <a:latin typeface="Consolas"/>
+                <a:cs typeface="Consolas"/>
+              </a:rPr>
+              <a:t># </a:t>
+            </a:r>
+            <a:r>
+              <a:rPr lang="en-US" altLang="ja-JP" sz="3200" smtClean="0">
+                <a:latin typeface="Consolas"/>
+                <a:cs typeface="Consolas"/>
+              </a:rPr>
+              <a:t>nmap -sS -n --top-ports 10 10.1.1.1</a:t>
+            </a:r>
+            <a:endParaRPr lang="en-US" altLang="ja-JP" sz="3200">
+              <a:latin typeface="Consolas"/>
+              <a:cs typeface="Consolas"/>
+            </a:endParaRPr>
+          </a:p>
+        </p:txBody>
+      </p:sp>
+      <p:sp>
+        <p:nvSpPr>
+          <p:cNvPr id="5" name="正方形/長方形 4"/>
+          <p:cNvSpPr/>
+          <p:nvPr/>
+        </p:nvSpPr>
+        <p:spPr>
+          <a:xfrm>
+            <a:off x="344061" y="2105765"/>
+            <a:ext cx="1311315" cy="858152"/>
+          </a:xfrm>
+          <a:prstGeom prst="rect">
+            <a:avLst/>
+          </a:prstGeom>
+          <a:solidFill>
+            <a:schemeClr val="accent2">
+              <a:lumMod val="50000"/>
+            </a:schemeClr>
+          </a:solidFill>
+          <a:ln w="28575" cmpd="sng">
+            <a:solidFill>
+              <a:schemeClr val="accent4">
+                <a:lumMod val="20000"/>
+                <a:lumOff val="80000"/>
+              </a:schemeClr>
+            </a:solidFill>
+          </a:ln>
+          <a:effectLst>
+            <a:glow rad="101600">
+              <a:schemeClr val="tx1">
+                <a:alpha val="22000"/>
+              </a:schemeClr>
+            </a:glow>
+            <a:outerShdw blurRad="50800" dist="38100" dir="2700000" algn="tl" rotWithShape="0">
+              <a:srgbClr val="000000">
+                <a:alpha val="43000"/>
+              </a:srgbClr>
+            </a:outerShdw>
+          </a:effectLst>
+        </p:spPr>
+        <p:style>
+          <a:lnRef idx="1">
+            <a:schemeClr val="accent1"/>
+          </a:lnRef>
+          <a:fillRef idx="3">
+            <a:schemeClr val="accent1"/>
+          </a:fillRef>
+          <a:effectRef idx="2">
+            <a:schemeClr val="accent1"/>
+          </a:effectRef>
+          <a:fontRef idx="minor">
+            <a:schemeClr val="lt1"/>
+          </a:fontRef>
+        </p:style>
+        <p:txBody>
+          <a:bodyPr rtlCol="0" anchor="ctr"/>
+          <a:lstStyle/>
+          <a:p>
+            <a:r>
+              <a:rPr lang="en-US" altLang="ja-JP" sz="4000" b="1" smtClean="0">
+                <a:solidFill>
+                  <a:schemeClr val="accent2">
+                    <a:lumMod val="20000"/>
+                    <a:lumOff val="80000"/>
+                  </a:schemeClr>
+                </a:solidFill>
+                <a:latin typeface="Consolas" panose="020B0609020204030204" pitchFamily="49" charset="0"/>
+                <a:cs typeface="Consolas" panose="020B0609020204030204" pitchFamily="49" charset="0"/>
+              </a:rPr>
+              <a:t>-sS</a:t>
+            </a:r>
+            <a:endParaRPr kumimoji="1" lang="ja-JP" altLang="en-US" sz="4000" b="1">
+              <a:solidFill>
+                <a:schemeClr val="accent2">
+                  <a:lumMod val="20000"/>
+                  <a:lumOff val="80000"/>
+                </a:schemeClr>
+              </a:solidFill>
+              <a:latin typeface="Consolas" panose="020B0609020204030204" pitchFamily="49" charset="0"/>
+              <a:cs typeface="Consolas" panose="020B0609020204030204" pitchFamily="49" charset="0"/>
+            </a:endParaRPr>
+          </a:p>
+        </p:txBody>
+      </p:sp>
+      <p:sp>
+        <p:nvSpPr>
+          <p:cNvPr id="6" name="テキスト ボックス 5"/>
+          <p:cNvSpPr txBox="1"/>
+          <p:nvPr/>
+        </p:nvSpPr>
+        <p:spPr>
+          <a:xfrm>
+            <a:off x="2207173" y="1548717"/>
+            <a:ext cx="6758151" cy="2246769"/>
+          </a:xfrm>
+          <a:prstGeom prst="rect">
+            <a:avLst/>
+          </a:prstGeom>
+          <a:noFill/>
+        </p:spPr>
+        <p:txBody>
+          <a:bodyPr wrap="square" rtlCol="0">
+            <a:spAutoFit/>
+          </a:bodyPr>
+          <a:lstStyle/>
+          <a:p>
+            <a:r>
+              <a:rPr lang="en-US" altLang="ja-JP" sz="2800" smtClean="0"/>
+              <a:t>2</a:t>
+            </a:r>
+            <a:r>
+              <a:rPr lang="ja-JP" altLang="en-US" sz="2800" smtClean="0"/>
+              <a:t>文字のオプションなので、</a:t>
+            </a:r>
+            <a:endParaRPr lang="en-US" altLang="ja-JP" sz="2800" smtClean="0"/>
+          </a:p>
+          <a:p>
+            <a:pPr marL="285750" indent="-285750">
+              <a:buFont typeface="Arial" panose="020B0604020202020204" pitchFamily="34" charset="0"/>
+              <a:buChar char="•"/>
+            </a:pPr>
+            <a:r>
+              <a:rPr kumimoji="1" lang="en-US" altLang="ja-JP" sz="2800" smtClean="0"/>
+              <a:t>1</a:t>
+            </a:r>
+            <a:r>
+              <a:rPr kumimoji="1" lang="ja-JP" altLang="en-US" sz="2800" smtClean="0"/>
+              <a:t>文字目の「</a:t>
+            </a:r>
+            <a:r>
+              <a:rPr kumimoji="1" lang="en-US" altLang="ja-JP" sz="2800" smtClean="0"/>
+              <a:t>s</a:t>
+            </a:r>
+            <a:r>
+              <a:rPr kumimoji="1" lang="ja-JP" altLang="en-US" sz="2800" smtClean="0"/>
+              <a:t>」は「スキャンモードを指定する」ことを意味する</a:t>
+            </a:r>
+            <a:endParaRPr kumimoji="1" lang="en-US" altLang="ja-JP" sz="2800" smtClean="0"/>
+          </a:p>
+          <a:p>
+            <a:pPr marL="285750" indent="-285750">
+              <a:buFont typeface="Arial" panose="020B0604020202020204" pitchFamily="34" charset="0"/>
+              <a:buChar char="•"/>
+            </a:pPr>
+            <a:r>
+              <a:rPr lang="en-US" altLang="ja-JP" sz="2800" smtClean="0"/>
+              <a:t>2</a:t>
+            </a:r>
+            <a:r>
+              <a:rPr lang="ja-JP" altLang="en-US" sz="2800"/>
+              <a:t>文字目</a:t>
+            </a:r>
+            <a:r>
+              <a:rPr lang="ja-JP" altLang="en-US" sz="2800" smtClean="0"/>
+              <a:t>の「</a:t>
+            </a:r>
+            <a:r>
+              <a:rPr lang="en-US" altLang="ja-JP" sz="2800" smtClean="0"/>
+              <a:t>T</a:t>
+            </a:r>
+            <a:r>
+              <a:rPr lang="ja-JP" altLang="en-US" sz="2800" smtClean="0"/>
+              <a:t>」は、「スキャンモードに</a:t>
+            </a:r>
+            <a:r>
+              <a:rPr lang="en-US" altLang="ja-JP" sz="2800" smtClean="0"/>
+              <a:t>SYN</a:t>
+            </a:r>
+            <a:r>
+              <a:rPr lang="ja-JP" altLang="en-US" sz="2800" smtClean="0"/>
+              <a:t>スキャン」を指定している</a:t>
+            </a:r>
+            <a:endParaRPr kumimoji="1" lang="ja-JP" altLang="en-US" sz="2800"/>
+          </a:p>
+        </p:txBody>
+      </p:sp>
+      <p:sp>
+        <p:nvSpPr>
+          <p:cNvPr id="7" name="正方形/長方形 6"/>
+          <p:cNvSpPr/>
+          <p:nvPr/>
+        </p:nvSpPr>
+        <p:spPr>
+          <a:xfrm>
+            <a:off x="344062" y="4218408"/>
+            <a:ext cx="1311315" cy="858152"/>
+          </a:xfrm>
+          <a:prstGeom prst="rect">
+            <a:avLst/>
+          </a:prstGeom>
+          <a:solidFill>
+            <a:schemeClr val="accent1">
+              <a:lumMod val="50000"/>
+            </a:schemeClr>
+          </a:solidFill>
+          <a:ln w="28575" cmpd="sng">
+            <a:solidFill>
+              <a:schemeClr val="accent4">
+                <a:lumMod val="20000"/>
+                <a:lumOff val="80000"/>
+              </a:schemeClr>
+            </a:solidFill>
+          </a:ln>
+          <a:effectLst>
+            <a:glow rad="101600">
+              <a:schemeClr val="tx1">
+                <a:alpha val="22000"/>
+              </a:schemeClr>
+            </a:glow>
+            <a:outerShdw blurRad="50800" dist="38100" dir="2700000" algn="tl" rotWithShape="0">
+              <a:srgbClr val="000000">
+                <a:alpha val="43000"/>
+              </a:srgbClr>
+            </a:outerShdw>
+          </a:effectLst>
+        </p:spPr>
+        <p:style>
+          <a:lnRef idx="1">
+            <a:schemeClr val="accent1"/>
+          </a:lnRef>
+          <a:fillRef idx="3">
+            <a:schemeClr val="accent1"/>
+          </a:fillRef>
+          <a:effectRef idx="2">
+            <a:schemeClr val="accent1"/>
+          </a:effectRef>
+          <a:fontRef idx="minor">
+            <a:schemeClr val="lt1"/>
+          </a:fontRef>
+        </p:style>
+        <p:txBody>
+          <a:bodyPr rtlCol="0" anchor="ctr"/>
+          <a:lstStyle/>
+          <a:p>
+            <a:r>
+              <a:rPr lang="en-US" altLang="ja-JP" sz="4000" b="1" smtClean="0">
+                <a:solidFill>
+                  <a:schemeClr val="accent2">
+                    <a:lumMod val="20000"/>
+                    <a:lumOff val="80000"/>
+                  </a:schemeClr>
+                </a:solidFill>
+                <a:latin typeface="Consolas" panose="020B0609020204030204" pitchFamily="49" charset="0"/>
+                <a:cs typeface="Consolas" panose="020B0609020204030204" pitchFamily="49" charset="0"/>
+              </a:rPr>
+              <a:t>-sT</a:t>
+            </a:r>
+            <a:endParaRPr kumimoji="1" lang="ja-JP" altLang="en-US" sz="4000" b="1">
+              <a:solidFill>
+                <a:schemeClr val="accent2">
+                  <a:lumMod val="20000"/>
+                  <a:lumOff val="80000"/>
+                </a:schemeClr>
+              </a:solidFill>
+              <a:latin typeface="Consolas" panose="020B0609020204030204" pitchFamily="49" charset="0"/>
+              <a:cs typeface="Consolas" panose="020B0609020204030204" pitchFamily="49" charset="0"/>
+            </a:endParaRPr>
+          </a:p>
+        </p:txBody>
+      </p:sp>
+      <p:sp>
+        <p:nvSpPr>
+          <p:cNvPr id="8" name="テキスト ボックス 7"/>
+          <p:cNvSpPr txBox="1"/>
+          <p:nvPr/>
+        </p:nvSpPr>
+        <p:spPr>
+          <a:xfrm>
+            <a:off x="2002221" y="4170430"/>
+            <a:ext cx="6758151" cy="954107"/>
+          </a:xfrm>
+          <a:prstGeom prst="rect">
+            <a:avLst/>
+          </a:prstGeom>
+          <a:noFill/>
+        </p:spPr>
+        <p:txBody>
+          <a:bodyPr wrap="square" rtlCol="0">
+            <a:spAutoFit/>
+          </a:bodyPr>
+          <a:lstStyle/>
+          <a:p>
+            <a:r>
+              <a:rPr lang="ja-JP" altLang="en-US" sz="2800" smtClean="0"/>
+              <a:t>スキャン</a:t>
+            </a:r>
+            <a:r>
+              <a:rPr lang="ja-JP" altLang="en-US" sz="2800"/>
+              <a:t>モード</a:t>
+            </a:r>
+            <a:r>
+              <a:rPr lang="ja-JP" altLang="en-US" sz="2800" smtClean="0"/>
+              <a:t>に</a:t>
+            </a:r>
+            <a:r>
+              <a:rPr lang="en-US" altLang="ja-JP" sz="2800" smtClean="0"/>
+              <a:t>TCP connect()</a:t>
+            </a:r>
+            <a:r>
+              <a:rPr lang="ja-JP" altLang="en-US" sz="2800" smtClean="0"/>
+              <a:t>スキャンを指定</a:t>
+            </a:r>
+            <a:endParaRPr lang="en-US" altLang="ja-JP" sz="2800" smtClean="0"/>
+          </a:p>
+        </p:txBody>
+      </p:sp>
+      <p:sp>
+        <p:nvSpPr>
+          <p:cNvPr id="9" name="左中かっこ 8"/>
+          <p:cNvSpPr/>
+          <p:nvPr/>
+        </p:nvSpPr>
+        <p:spPr>
+          <a:xfrm>
+            <a:off x="1797269" y="1439917"/>
+            <a:ext cx="409904" cy="2355569"/>
+          </a:xfrm>
+          <a:prstGeom prst="leftBrace">
+            <a:avLst/>
+          </a:prstGeom>
+          <a:ln w="28575"/>
+        </p:spPr>
+        <p:style>
+          <a:lnRef idx="1">
+            <a:schemeClr val="accent1"/>
+          </a:lnRef>
+          <a:fillRef idx="0">
+            <a:schemeClr val="accent1"/>
+          </a:fillRef>
+          <a:effectRef idx="0">
+            <a:schemeClr val="accent1"/>
+          </a:effectRef>
+          <a:fontRef idx="minor">
+            <a:schemeClr val="tx1"/>
+          </a:fontRef>
+        </p:style>
+        <p:txBody>
+          <a:bodyPr rtlCol="0" anchor="ctr"/>
+          <a:lstStyle/>
+          <a:p>
+            <a:pPr algn="ctr"/>
             <a:endParaRPr kumimoji="1" lang="ja-JP" altLang="en-US"/>
           </a:p>
         </p:txBody>
       </p:sp>
       <p:sp>
         <p:nvSpPr>
-          <p:cNvPr id="4" name="コンテンツ プレースホルダー 3"/>
-          <p:cNvSpPr>
-            <a:spLocks noGrp="1"/>
-          </p:cNvSpPr>
-          <p:nvPr>
-            <p:ph idx="1"/>
-          </p:nvPr>
-        </p:nvSpPr>
-        <p:spPr/>
-        <p:txBody>
-          <a:bodyPr/>
-          <a:lstStyle/>
-          <a:p>
-            <a:endParaRPr kumimoji="1" lang="ja-JP" altLang="en-US"/>
+          <p:cNvPr id="10" name="正方形/長方形 9"/>
+          <p:cNvSpPr/>
+          <p:nvPr/>
+        </p:nvSpPr>
+        <p:spPr>
+          <a:xfrm>
+            <a:off x="344061" y="5198378"/>
+            <a:ext cx="1311315" cy="858152"/>
+          </a:xfrm>
+          <a:prstGeom prst="rect">
+            <a:avLst/>
+          </a:prstGeom>
+          <a:solidFill>
+            <a:schemeClr val="accent1">
+              <a:lumMod val="50000"/>
+            </a:schemeClr>
+          </a:solidFill>
+          <a:ln w="28575" cmpd="sng">
+            <a:solidFill>
+              <a:schemeClr val="accent4">
+                <a:lumMod val="20000"/>
+                <a:lumOff val="80000"/>
+              </a:schemeClr>
+            </a:solidFill>
+          </a:ln>
+          <a:effectLst>
+            <a:glow rad="101600">
+              <a:schemeClr val="tx1">
+                <a:alpha val="22000"/>
+              </a:schemeClr>
+            </a:glow>
+            <a:outerShdw blurRad="50800" dist="38100" dir="2700000" algn="tl" rotWithShape="0">
+              <a:srgbClr val="000000">
+                <a:alpha val="43000"/>
+              </a:srgbClr>
+            </a:outerShdw>
+          </a:effectLst>
+        </p:spPr>
+        <p:style>
+          <a:lnRef idx="1">
+            <a:schemeClr val="accent1"/>
+          </a:lnRef>
+          <a:fillRef idx="3">
+            <a:schemeClr val="accent1"/>
+          </a:fillRef>
+          <a:effectRef idx="2">
+            <a:schemeClr val="accent1"/>
+          </a:effectRef>
+          <a:fontRef idx="minor">
+            <a:schemeClr val="lt1"/>
+          </a:fontRef>
+        </p:style>
+        <p:txBody>
+          <a:bodyPr rtlCol="0" anchor="ctr"/>
+          <a:lstStyle/>
+          <a:p>
+            <a:r>
+              <a:rPr lang="en-US" altLang="ja-JP" sz="4000" b="1" smtClean="0">
+                <a:solidFill>
+                  <a:schemeClr val="accent2">
+                    <a:lumMod val="20000"/>
+                    <a:lumOff val="80000"/>
+                  </a:schemeClr>
+                </a:solidFill>
+                <a:latin typeface="Consolas" panose="020B0609020204030204" pitchFamily="49" charset="0"/>
+                <a:cs typeface="Consolas" panose="020B0609020204030204" pitchFamily="49" charset="0"/>
+              </a:rPr>
+              <a:t>-sX</a:t>
+            </a:r>
+            <a:endParaRPr kumimoji="1" lang="ja-JP" altLang="en-US" sz="4000" b="1">
+              <a:solidFill>
+                <a:schemeClr val="accent2">
+                  <a:lumMod val="20000"/>
+                  <a:lumOff val="80000"/>
+                </a:schemeClr>
+              </a:solidFill>
+              <a:latin typeface="Consolas" panose="020B0609020204030204" pitchFamily="49" charset="0"/>
+              <a:cs typeface="Consolas" panose="020B0609020204030204" pitchFamily="49" charset="0"/>
+            </a:endParaRPr>
+          </a:p>
+        </p:txBody>
+      </p:sp>
+      <p:sp>
+        <p:nvSpPr>
+          <p:cNvPr id="11" name="テキスト ボックス 10"/>
+          <p:cNvSpPr txBox="1"/>
+          <p:nvPr/>
+        </p:nvSpPr>
+        <p:spPr>
+          <a:xfrm>
+            <a:off x="2002220" y="5198378"/>
+            <a:ext cx="6758151" cy="523220"/>
+          </a:xfrm>
+          <a:prstGeom prst="rect">
+            <a:avLst/>
+          </a:prstGeom>
+          <a:noFill/>
+        </p:spPr>
+        <p:txBody>
+          <a:bodyPr wrap="square" rtlCol="0">
+            <a:spAutoFit/>
+          </a:bodyPr>
+          <a:lstStyle/>
+          <a:p>
+            <a:r>
+              <a:rPr lang="ja-JP" altLang="en-US" sz="2800" smtClean="0"/>
+              <a:t>スキャンモードに</a:t>
+            </a:r>
+            <a:r>
+              <a:rPr lang="en-US" altLang="ja-JP" sz="2800" smtClean="0"/>
+              <a:t>Xmas</a:t>
+            </a:r>
+            <a:r>
+              <a:rPr lang="ja-JP" altLang="en-US" sz="2800" smtClean="0"/>
+              <a:t>スキャンを指定</a:t>
+            </a:r>
+            <a:endParaRPr lang="en-US" altLang="ja-JP" sz="2800" smtClean="0"/>
           </a:p>
         </p:txBody>
       </p:sp>
     </p:spTree>
     <p:extLst>
       <p:ext uri="{BB962C8B-B14F-4D97-AF65-F5344CB8AC3E}">
-        <p14:creationId xmlns="" xmlns:p14="http://schemas.microsoft.com/office/powerpoint/2010/main" val="3118375049"/>
+        <p14:creationId xmlns:p14="http://schemas.microsoft.com/office/powerpoint/2010/main" val="1185846493"/>
       </p:ext>
     </p:extLst>
   </p:cSld>
@@ -13646,7 +15064,72 @@
       </p:grpSpPr>
       <p:sp>
         <p:nvSpPr>
-          <p:cNvPr id="2" name="タイトル 1"/>
+          <p:cNvPr id="5" name="正方形/長方形 4"/>
+          <p:cNvSpPr/>
+          <p:nvPr/>
+        </p:nvSpPr>
+        <p:spPr>
+          <a:xfrm>
+            <a:off x="379687" y="1273441"/>
+            <a:ext cx="5795142" cy="798285"/>
+          </a:xfrm>
+          <a:prstGeom prst="rect">
+            <a:avLst/>
+          </a:prstGeom>
+          <a:solidFill>
+            <a:schemeClr val="tx1"/>
+          </a:solidFill>
+          <a:ln>
+            <a:solidFill>
+              <a:schemeClr val="accent4">
+                <a:lumMod val="20000"/>
+                <a:lumOff val="80000"/>
+              </a:schemeClr>
+            </a:solidFill>
+          </a:ln>
+        </p:spPr>
+        <p:style>
+          <a:lnRef idx="1">
+            <a:schemeClr val="accent1"/>
+          </a:lnRef>
+          <a:fillRef idx="3">
+            <a:schemeClr val="accent1"/>
+          </a:fillRef>
+          <a:effectRef idx="2">
+            <a:schemeClr val="accent1"/>
+          </a:effectRef>
+          <a:fontRef idx="minor">
+            <a:schemeClr val="lt1"/>
+          </a:fontRef>
+        </p:style>
+        <p:txBody>
+          <a:bodyPr rtlCol="0" anchor="ctr"/>
+          <a:lstStyle/>
+          <a:p>
+            <a:r>
+              <a:rPr lang="en-US" altLang="ja-JP" sz="2800">
+                <a:latin typeface="Consolas"/>
+                <a:cs typeface="Consolas"/>
+              </a:rPr>
+              <a:t># </a:t>
+            </a:r>
+            <a:r>
+              <a:rPr lang="en-US" altLang="ja-JP" sz="2800" smtClean="0">
+                <a:latin typeface="Consolas"/>
+                <a:cs typeface="Consolas"/>
+              </a:rPr>
+              <a:t>nmap -sT &lt;ipaddr&gt;</a:t>
+            </a:r>
+            <a:endParaRPr lang="en-US" altLang="ja-JP" sz="2800">
+              <a:latin typeface="Consolas"/>
+              <a:cs typeface="Consolas"/>
+            </a:endParaRPr>
+          </a:p>
+        </p:txBody>
+      </p:sp>
+      <p:sp>
+        <p:nvSpPr>
+          <p:cNvPr id="6" name="タイトル 1"/>
           <p:cNvSpPr>
             <a:spLocks noGrp="1"/>
           </p:cNvSpPr>
@@ -13654,69 +15137,411 @@
             <p:ph type="title"/>
           </p:nvPr>
         </p:nvSpPr>
-        <p:spPr/>
+        <p:spPr>
+          <a:xfrm>
+            <a:off x="637722" y="201841"/>
+            <a:ext cx="7886700" cy="913945"/>
+          </a:xfrm>
+        </p:spPr>
         <p:txBody>
           <a:bodyPr/>
           <a:lstStyle/>
           <a:p>
             <a:r>
-              <a:rPr kumimoji="1" lang="ja-JP" altLang="en-US" smtClean="0"/>
-              <a:t>ゆっくりしていってね！！！！！</a:t>
-            </a:r>
-            <a:endParaRPr kumimoji="1" lang="ja-JP" altLang="en-US"/>
-          </a:p>
-        </p:txBody>
-      </p:sp>
-      <p:sp>
-        <p:nvSpPr>
-          <p:cNvPr id="3" name="コンテンツ プレースホルダー 2"/>
-          <p:cNvSpPr>
-            <a:spLocks noGrp="1"/>
-          </p:cNvSpPr>
-          <p:nvPr>
-            <p:ph idx="1"/>
-          </p:nvPr>
-        </p:nvSpPr>
-        <p:spPr/>
-        <p:txBody>
-          <a:bodyPr/>
-          <a:lstStyle/>
-          <a:p>
-            <a:r>
-              <a:rPr lang="ja-JP" altLang="en-US" smtClean="0"/>
-              <a:t>スキャンなどの探査行為は、ゆっくり行えば行うほど相手に気づかれにくい</a:t>
-            </a:r>
-            <a:endParaRPr lang="en-US" altLang="ja-JP" smtClean="0"/>
-          </a:p>
-          <a:p>
-            <a:r>
-              <a:rPr lang="ja-JP" altLang="en-US" smtClean="0"/>
-              <a:t>その他、</a:t>
-            </a:r>
-            <a:r>
-              <a:rPr lang="en-US" altLang="ja-JP" smtClean="0"/>
-              <a:t>IDS(</a:t>
-            </a:r>
-            <a:r>
-              <a:rPr lang="ja-JP" altLang="en-US" smtClean="0"/>
-              <a:t>侵入検知システム</a:t>
-            </a:r>
-            <a:r>
-              <a:rPr lang="en-US" altLang="ja-JP" smtClean="0"/>
-              <a:t>)</a:t>
-            </a:r>
-            <a:r>
-              <a:rPr lang="ja-JP" altLang="en-US" smtClean="0"/>
-              <a:t>などにも対抗するためによく使われる手法</a:t>
-            </a:r>
-            <a:endParaRPr lang="en-US" altLang="ja-JP" smtClean="0"/>
+              <a:rPr kumimoji="1" lang="en-US" altLang="ja-JP" smtClean="0"/>
+              <a:t>TCP connect() scan</a:t>
+            </a:r>
+            <a:endParaRPr kumimoji="1" lang="ja-JP" altLang="en-US">
+              <a:latin typeface="メイリオ"/>
+              <a:ea typeface="メイリオ"/>
+              <a:cs typeface="メイリオ"/>
+            </a:endParaRPr>
+          </a:p>
+        </p:txBody>
+      </p:sp>
+      <p:pic>
+        <p:nvPicPr>
+          <p:cNvPr id="3" name="図 2"/>
+          <p:cNvPicPr>
+            <a:picLocks noChangeAspect="1"/>
+          </p:cNvPicPr>
+          <p:nvPr/>
+        </p:nvPicPr>
+        <p:blipFill>
+          <a:blip r:embed="rId3"/>
+          <a:stretch>
+            <a:fillRect/>
+          </a:stretch>
+        </p:blipFill>
+        <p:spPr>
+          <a:xfrm>
+            <a:off x="6728384" y="3079531"/>
+            <a:ext cx="1597425" cy="2462312"/>
+          </a:xfrm>
+          <a:prstGeom prst="rect">
+            <a:avLst/>
+          </a:prstGeom>
+        </p:spPr>
+      </p:pic>
+      <p:pic>
+        <p:nvPicPr>
+          <p:cNvPr id="7" name="図 6"/>
+          <p:cNvPicPr>
+            <a:picLocks noChangeAspect="1"/>
+          </p:cNvPicPr>
+          <p:nvPr/>
+        </p:nvPicPr>
+        <p:blipFill>
+          <a:blip r:embed="rId4"/>
+          <a:stretch>
+            <a:fillRect/>
+          </a:stretch>
+        </p:blipFill>
+        <p:spPr>
+          <a:xfrm flipH="1">
+            <a:off x="231227" y="3668110"/>
+            <a:ext cx="2101329" cy="1914835"/>
+          </a:xfrm>
+          <a:prstGeom prst="rect">
+            <a:avLst/>
+          </a:prstGeom>
+        </p:spPr>
+      </p:pic>
+      <p:cxnSp>
+        <p:nvCxnSpPr>
+          <p:cNvPr id="10" name="直線矢印コネクタ 9"/>
+          <p:cNvCxnSpPr/>
+          <p:nvPr/>
+        </p:nvCxnSpPr>
+        <p:spPr>
+          <a:xfrm>
+            <a:off x="2585545" y="3111063"/>
+            <a:ext cx="3816635" cy="0"/>
+          </a:xfrm>
+          <a:prstGeom prst="straightConnector1">
+            <a:avLst/>
+          </a:prstGeom>
+          <a:ln w="76200">
+            <a:solidFill>
+              <a:schemeClr val="accent2">
+                <a:lumMod val="50000"/>
+              </a:schemeClr>
+            </a:solidFill>
+            <a:tailEnd type="triangle"/>
+          </a:ln>
+        </p:spPr>
+        <p:style>
+          <a:lnRef idx="1">
+            <a:schemeClr val="accent1"/>
+          </a:lnRef>
+          <a:fillRef idx="0">
+            <a:schemeClr val="accent1"/>
+          </a:fillRef>
+          <a:effectRef idx="0">
+            <a:schemeClr val="accent1"/>
+          </a:effectRef>
+          <a:fontRef idx="minor">
+            <a:schemeClr val="tx1"/>
+          </a:fontRef>
+        </p:style>
+      </p:cxnSp>
+      <p:cxnSp>
+        <p:nvCxnSpPr>
+          <p:cNvPr id="14" name="直線矢印コネクタ 13"/>
+          <p:cNvCxnSpPr/>
+          <p:nvPr/>
+        </p:nvCxnSpPr>
+        <p:spPr>
+          <a:xfrm flipH="1">
+            <a:off x="2548068" y="3995378"/>
+            <a:ext cx="3816636" cy="0"/>
+          </a:xfrm>
+          <a:prstGeom prst="straightConnector1">
+            <a:avLst/>
+          </a:prstGeom>
+          <a:ln w="76200">
+            <a:solidFill>
+              <a:schemeClr val="accent2">
+                <a:lumMod val="50000"/>
+              </a:schemeClr>
+            </a:solidFill>
+            <a:tailEnd type="triangle"/>
+          </a:ln>
+        </p:spPr>
+        <p:style>
+          <a:lnRef idx="1">
+            <a:schemeClr val="accent1"/>
+          </a:lnRef>
+          <a:fillRef idx="0">
+            <a:schemeClr val="accent1"/>
+          </a:fillRef>
+          <a:effectRef idx="0">
+            <a:schemeClr val="accent1"/>
+          </a:effectRef>
+          <a:fontRef idx="minor">
+            <a:schemeClr val="tx1"/>
+          </a:fontRef>
+        </p:style>
+      </p:cxnSp>
+      <p:sp>
+        <p:nvSpPr>
+          <p:cNvPr id="17" name="正方形/長方形 16"/>
+          <p:cNvSpPr/>
+          <p:nvPr/>
+        </p:nvSpPr>
+        <p:spPr>
+          <a:xfrm>
+            <a:off x="3059533" y="2516870"/>
+            <a:ext cx="1124607" cy="524789"/>
+          </a:xfrm>
+          <a:prstGeom prst="rect">
+            <a:avLst/>
+          </a:prstGeom>
+        </p:spPr>
+        <p:style>
+          <a:lnRef idx="2">
+            <a:schemeClr val="accent1">
+              <a:shade val="50000"/>
+            </a:schemeClr>
+          </a:lnRef>
+          <a:fillRef idx="1">
+            <a:schemeClr val="accent1"/>
+          </a:fillRef>
+          <a:effectRef idx="0">
+            <a:schemeClr val="accent1"/>
+          </a:effectRef>
+          <a:fontRef idx="minor">
+            <a:schemeClr val="lt1"/>
+          </a:fontRef>
+        </p:style>
+        <p:txBody>
+          <a:bodyPr rtlCol="0" anchor="ctr"/>
+          <a:lstStyle/>
+          <a:p>
+            <a:pPr algn="ctr"/>
+            <a:r>
+              <a:rPr kumimoji="1" lang="en-US" altLang="ja-JP" sz="2400" smtClean="0"/>
+              <a:t>SYN</a:t>
+            </a:r>
+            <a:endParaRPr kumimoji="1" lang="ja-JP" altLang="en-US" sz="2400"/>
+          </a:p>
+        </p:txBody>
+      </p:sp>
+      <p:sp>
+        <p:nvSpPr>
+          <p:cNvPr id="18" name="正方形/長方形 17"/>
+          <p:cNvSpPr/>
+          <p:nvPr/>
+        </p:nvSpPr>
+        <p:spPr>
+          <a:xfrm>
+            <a:off x="4456387" y="3407526"/>
+            <a:ext cx="1718442" cy="524789"/>
+          </a:xfrm>
+          <a:prstGeom prst="rect">
+            <a:avLst/>
+          </a:prstGeom>
+        </p:spPr>
+        <p:style>
+          <a:lnRef idx="2">
+            <a:schemeClr val="accent1">
+              <a:shade val="50000"/>
+            </a:schemeClr>
+          </a:lnRef>
+          <a:fillRef idx="1">
+            <a:schemeClr val="accent1"/>
+          </a:fillRef>
+          <a:effectRef idx="0">
+            <a:schemeClr val="accent1"/>
+          </a:effectRef>
+          <a:fontRef idx="minor">
+            <a:schemeClr val="lt1"/>
+          </a:fontRef>
+        </p:style>
+        <p:txBody>
+          <a:bodyPr rtlCol="0" anchor="ctr"/>
+          <a:lstStyle/>
+          <a:p>
+            <a:pPr algn="ctr"/>
+            <a:r>
+              <a:rPr kumimoji="1" lang="en-US" altLang="ja-JP" sz="2400" smtClean="0"/>
+              <a:t>SYN, ACK</a:t>
+            </a:r>
+            <a:endParaRPr kumimoji="1" lang="ja-JP" altLang="en-US" sz="2400"/>
+          </a:p>
+        </p:txBody>
+      </p:sp>
+      <p:cxnSp>
+        <p:nvCxnSpPr>
+          <p:cNvPr id="20" name="直線矢印コネクタ 19"/>
+          <p:cNvCxnSpPr/>
+          <p:nvPr/>
+        </p:nvCxnSpPr>
+        <p:spPr>
+          <a:xfrm>
+            <a:off x="2548069" y="5876177"/>
+            <a:ext cx="3816635" cy="0"/>
+          </a:xfrm>
+          <a:prstGeom prst="straightConnector1">
+            <a:avLst/>
+          </a:prstGeom>
+          <a:ln w="76200">
+            <a:solidFill>
+              <a:schemeClr val="accent2">
+                <a:lumMod val="50000"/>
+              </a:schemeClr>
+            </a:solidFill>
+            <a:tailEnd type="triangle"/>
+          </a:ln>
+        </p:spPr>
+        <p:style>
+          <a:lnRef idx="1">
+            <a:schemeClr val="accent1"/>
+          </a:lnRef>
+          <a:fillRef idx="0">
+            <a:schemeClr val="accent1"/>
+          </a:fillRef>
+          <a:effectRef idx="0">
+            <a:schemeClr val="accent1"/>
+          </a:effectRef>
+          <a:fontRef idx="minor">
+            <a:schemeClr val="tx1"/>
+          </a:fontRef>
+        </p:style>
+      </p:cxnSp>
+      <p:sp>
+        <p:nvSpPr>
+          <p:cNvPr id="21" name="正方形/長方形 20"/>
+          <p:cNvSpPr/>
+          <p:nvPr/>
+        </p:nvSpPr>
+        <p:spPr>
+          <a:xfrm>
+            <a:off x="3022057" y="5281984"/>
+            <a:ext cx="1124607" cy="524789"/>
+          </a:xfrm>
+          <a:prstGeom prst="rect">
+            <a:avLst/>
+          </a:prstGeom>
+          <a:solidFill>
+            <a:srgbClr val="CC0000"/>
+          </a:solidFill>
+        </p:spPr>
+        <p:style>
+          <a:lnRef idx="2">
+            <a:schemeClr val="accent1">
+              <a:shade val="50000"/>
+            </a:schemeClr>
+          </a:lnRef>
+          <a:fillRef idx="1">
+            <a:schemeClr val="accent1"/>
+          </a:fillRef>
+          <a:effectRef idx="0">
+            <a:schemeClr val="accent1"/>
+          </a:effectRef>
+          <a:fontRef idx="minor">
+            <a:schemeClr val="lt1"/>
+          </a:fontRef>
+        </p:style>
+        <p:txBody>
+          <a:bodyPr rtlCol="0" anchor="ctr"/>
+          <a:lstStyle/>
+          <a:p>
+            <a:pPr algn="ctr"/>
+            <a:r>
+              <a:rPr kumimoji="1" lang="en-US" altLang="ja-JP" sz="2400" smtClean="0"/>
+              <a:t>RST</a:t>
+            </a:r>
+            <a:endParaRPr kumimoji="1" lang="ja-JP" altLang="en-US" sz="2400"/>
+          </a:p>
+        </p:txBody>
+      </p:sp>
+      <p:cxnSp>
+        <p:nvCxnSpPr>
+          <p:cNvPr id="22" name="直線矢印コネクタ 21"/>
+          <p:cNvCxnSpPr/>
+          <p:nvPr/>
+        </p:nvCxnSpPr>
+        <p:spPr>
+          <a:xfrm>
+            <a:off x="2585545" y="4913036"/>
+            <a:ext cx="3816635" cy="0"/>
+          </a:xfrm>
+          <a:prstGeom prst="straightConnector1">
+            <a:avLst/>
+          </a:prstGeom>
+          <a:ln w="76200">
+            <a:solidFill>
+              <a:schemeClr val="accent2">
+                <a:lumMod val="50000"/>
+              </a:schemeClr>
+            </a:solidFill>
+            <a:tailEnd type="triangle"/>
+          </a:ln>
+        </p:spPr>
+        <p:style>
+          <a:lnRef idx="1">
+            <a:schemeClr val="accent1"/>
+          </a:lnRef>
+          <a:fillRef idx="0">
+            <a:schemeClr val="accent1"/>
+          </a:fillRef>
+          <a:effectRef idx="0">
+            <a:schemeClr val="accent1"/>
+          </a:effectRef>
+          <a:fontRef idx="minor">
+            <a:schemeClr val="tx1"/>
+          </a:fontRef>
+        </p:style>
+      </p:cxnSp>
+      <p:sp>
+        <p:nvSpPr>
+          <p:cNvPr id="23" name="正方形/長方形 22"/>
+          <p:cNvSpPr/>
+          <p:nvPr/>
+        </p:nvSpPr>
+        <p:spPr>
+          <a:xfrm>
+            <a:off x="3059533" y="4318843"/>
+            <a:ext cx="1124607" cy="524789"/>
+          </a:xfrm>
+          <a:prstGeom prst="rect">
+            <a:avLst/>
+          </a:prstGeom>
+        </p:spPr>
+        <p:style>
+          <a:lnRef idx="2">
+            <a:schemeClr val="accent1">
+              <a:shade val="50000"/>
+            </a:schemeClr>
+          </a:lnRef>
+          <a:fillRef idx="1">
+            <a:schemeClr val="accent1"/>
+          </a:fillRef>
+          <a:effectRef idx="0">
+            <a:schemeClr val="accent1"/>
+          </a:effectRef>
+          <a:fontRef idx="minor">
+            <a:schemeClr val="lt1"/>
+          </a:fontRef>
+        </p:style>
+        <p:txBody>
+          <a:bodyPr rtlCol="0" anchor="ctr"/>
+          <a:lstStyle/>
+          <a:p>
+            <a:pPr algn="ctr"/>
+            <a:r>
+              <a:rPr lang="en-US" altLang="ja-JP" sz="2400" smtClean="0"/>
+              <a:t>ACK</a:t>
+            </a:r>
+            <a:endParaRPr kumimoji="1" lang="ja-JP" altLang="en-US" sz="2400"/>
           </a:p>
         </p:txBody>
       </p:sp>
     </p:spTree>
     <p:extLst>
       <p:ext uri="{BB962C8B-B14F-4D97-AF65-F5344CB8AC3E}">
-        <p14:creationId xmlns="" xmlns:p14="http://schemas.microsoft.com/office/powerpoint/2010/main" val="569350094"/>
+        <p14:creationId xmlns:p14="http://schemas.microsoft.com/office/powerpoint/2010/main" val="1440364816"/>
       </p:ext>
     </p:extLst>
   </p:cSld>
@@ -13752,7 +15577,72 @@
       </p:grpSpPr>
       <p:sp>
         <p:nvSpPr>
-          <p:cNvPr id="2" name="タイトル 1"/>
+          <p:cNvPr id="5" name="正方形/長方形 4"/>
+          <p:cNvSpPr/>
+          <p:nvPr/>
+        </p:nvSpPr>
+        <p:spPr>
+          <a:xfrm>
+            <a:off x="379687" y="1273441"/>
+            <a:ext cx="4076699" cy="798285"/>
+          </a:xfrm>
+          <a:prstGeom prst="rect">
+            <a:avLst/>
+          </a:prstGeom>
+          <a:solidFill>
+            <a:schemeClr val="tx1"/>
+          </a:solidFill>
+          <a:ln>
+            <a:solidFill>
+              <a:schemeClr val="accent4">
+                <a:lumMod val="20000"/>
+                <a:lumOff val="80000"/>
+              </a:schemeClr>
+            </a:solidFill>
+          </a:ln>
+        </p:spPr>
+        <p:style>
+          <a:lnRef idx="1">
+            <a:schemeClr val="accent1"/>
+          </a:lnRef>
+          <a:fillRef idx="3">
+            <a:schemeClr val="accent1"/>
+          </a:fillRef>
+          <a:effectRef idx="2">
+            <a:schemeClr val="accent1"/>
+          </a:effectRef>
+          <a:fontRef idx="minor">
+            <a:schemeClr val="lt1"/>
+          </a:fontRef>
+        </p:style>
+        <p:txBody>
+          <a:bodyPr rtlCol="0" anchor="ctr"/>
+          <a:lstStyle/>
+          <a:p>
+            <a:r>
+              <a:rPr lang="en-US" altLang="ja-JP" sz="2800">
+                <a:latin typeface="Consolas"/>
+                <a:cs typeface="Consolas"/>
+              </a:rPr>
+              <a:t># </a:t>
+            </a:r>
+            <a:r>
+              <a:rPr lang="en-US" altLang="ja-JP" sz="2800" smtClean="0">
+                <a:latin typeface="Consolas"/>
+                <a:cs typeface="Consolas"/>
+              </a:rPr>
+              <a:t>nmap -sS &lt;ipaddr&gt;</a:t>
+            </a:r>
+            <a:endParaRPr lang="en-US" altLang="ja-JP" sz="2800">
+              <a:latin typeface="Consolas"/>
+              <a:cs typeface="Consolas"/>
+            </a:endParaRPr>
+          </a:p>
+        </p:txBody>
+      </p:sp>
+      <p:sp>
+        <p:nvSpPr>
+          <p:cNvPr id="6" name="タイトル 1"/>
           <p:cNvSpPr>
             <a:spLocks noGrp="1"/>
           </p:cNvSpPr>
@@ -13760,50 +15650,424 @@
             <p:ph type="title"/>
           </p:nvPr>
         </p:nvSpPr>
-        <p:spPr/>
+        <p:spPr>
+          <a:xfrm>
+            <a:off x="637722" y="201841"/>
+            <a:ext cx="7886700" cy="913945"/>
+          </a:xfrm>
+        </p:spPr>
         <p:txBody>
           <a:bodyPr/>
           <a:lstStyle/>
           <a:p>
             <a:r>
               <a:rPr kumimoji="1" lang="en-US" altLang="ja-JP" smtClean="0"/>
-              <a:t>Situation.</a:t>
-            </a:r>
-            <a:endParaRPr kumimoji="1" lang="ja-JP" altLang="en-US"/>
-          </a:p>
-        </p:txBody>
-      </p:sp>
-      <p:sp>
-        <p:nvSpPr>
-          <p:cNvPr id="3" name="コンテンツ プレースホルダー 2"/>
-          <p:cNvSpPr>
-            <a:spLocks noGrp="1"/>
-          </p:cNvSpPr>
-          <p:nvPr>
-            <p:ph idx="1"/>
-          </p:nvPr>
-        </p:nvSpPr>
-        <p:spPr/>
-        <p:txBody>
-          <a:bodyPr/>
-          <a:lstStyle/>
-          <a:p>
-            <a:r>
-              <a:rPr lang="en-US" altLang="ja-JP" smtClean="0"/>
-              <a:t>nmap</a:t>
-            </a:r>
-            <a:r>
-              <a:rPr lang="ja-JP" altLang="en-US" smtClean="0"/>
-              <a:t>によるポートスキャンで、なるたけ相手に気づかれないようにスキャンする</a:t>
-            </a:r>
-            <a:endParaRPr kumimoji="1" lang="ja-JP" altLang="en-US"/>
+              <a:t>SYN scan (stealth scan)</a:t>
+            </a:r>
+            <a:endParaRPr kumimoji="1" lang="ja-JP" altLang="en-US">
+              <a:latin typeface="メイリオ"/>
+              <a:ea typeface="メイリオ"/>
+              <a:cs typeface="メイリオ"/>
+            </a:endParaRPr>
+          </a:p>
+        </p:txBody>
+      </p:sp>
+      <p:sp>
+        <p:nvSpPr>
+          <p:cNvPr id="4" name="正方形/長方形 3"/>
+          <p:cNvSpPr/>
+          <p:nvPr/>
+        </p:nvSpPr>
+        <p:spPr>
+          <a:xfrm>
+            <a:off x="5404163" y="1273441"/>
+            <a:ext cx="3309445" cy="798285"/>
+          </a:xfrm>
+          <a:prstGeom prst="rect">
+            <a:avLst/>
+          </a:prstGeom>
+          <a:solidFill>
+            <a:schemeClr val="tx1"/>
+          </a:solidFill>
+          <a:ln>
+            <a:solidFill>
+              <a:schemeClr val="accent4">
+                <a:lumMod val="20000"/>
+                <a:lumOff val="80000"/>
+              </a:schemeClr>
+            </a:solidFill>
+          </a:ln>
+        </p:spPr>
+        <p:style>
+          <a:lnRef idx="1">
+            <a:schemeClr val="accent1"/>
+          </a:lnRef>
+          <a:fillRef idx="3">
+            <a:schemeClr val="accent1"/>
+          </a:fillRef>
+          <a:effectRef idx="2">
+            <a:schemeClr val="accent1"/>
+          </a:effectRef>
+          <a:fontRef idx="minor">
+            <a:schemeClr val="lt1"/>
+          </a:fontRef>
+        </p:style>
+        <p:txBody>
+          <a:bodyPr rtlCol="0" anchor="ctr"/>
+          <a:lstStyle/>
+          <a:p>
+            <a:r>
+              <a:rPr lang="en-US" altLang="ja-JP" sz="2800">
+                <a:latin typeface="Consolas"/>
+                <a:cs typeface="Consolas"/>
+              </a:rPr>
+              <a:t># </a:t>
+            </a:r>
+            <a:r>
+              <a:rPr lang="en-US" altLang="ja-JP" sz="2800" smtClean="0">
+                <a:latin typeface="Consolas"/>
+                <a:cs typeface="Consolas"/>
+              </a:rPr>
+              <a:t>nmap &lt;ipaddr&gt;</a:t>
+            </a:r>
+            <a:endParaRPr lang="en-US" altLang="ja-JP" sz="2800">
+              <a:latin typeface="Consolas"/>
+              <a:cs typeface="Consolas"/>
+            </a:endParaRPr>
+          </a:p>
+        </p:txBody>
+      </p:sp>
+      <p:sp>
+        <p:nvSpPr>
+          <p:cNvPr id="2" name="テキスト ボックス 1"/>
+          <p:cNvSpPr txBox="1"/>
+          <p:nvPr/>
+        </p:nvSpPr>
+        <p:spPr>
+          <a:xfrm>
+            <a:off x="4572000" y="1548506"/>
+            <a:ext cx="956442" cy="523220"/>
+          </a:xfrm>
+          <a:prstGeom prst="rect">
+            <a:avLst/>
+          </a:prstGeom>
+          <a:noFill/>
+        </p:spPr>
+        <p:txBody>
+          <a:bodyPr wrap="square" rtlCol="0">
+            <a:spAutoFit/>
+          </a:bodyPr>
+          <a:lstStyle/>
+          <a:p>
+            <a:r>
+              <a:rPr kumimoji="1" lang="en-US" altLang="ja-JP" sz="2800" smtClean="0"/>
+              <a:t>OR</a:t>
+            </a:r>
+            <a:endParaRPr kumimoji="1" lang="ja-JP" altLang="en-US" sz="2800"/>
+          </a:p>
+        </p:txBody>
+      </p:sp>
+      <p:pic>
+        <p:nvPicPr>
+          <p:cNvPr id="3" name="図 2"/>
+          <p:cNvPicPr>
+            <a:picLocks noChangeAspect="1"/>
+          </p:cNvPicPr>
+          <p:nvPr/>
+        </p:nvPicPr>
+        <p:blipFill>
+          <a:blip r:embed="rId3"/>
+          <a:stretch>
+            <a:fillRect/>
+          </a:stretch>
+        </p:blipFill>
+        <p:spPr>
+          <a:xfrm>
+            <a:off x="6728384" y="3079531"/>
+            <a:ext cx="1597425" cy="2462312"/>
+          </a:xfrm>
+          <a:prstGeom prst="rect">
+            <a:avLst/>
+          </a:prstGeom>
+        </p:spPr>
+      </p:pic>
+      <p:pic>
+        <p:nvPicPr>
+          <p:cNvPr id="7" name="図 6"/>
+          <p:cNvPicPr>
+            <a:picLocks noChangeAspect="1"/>
+          </p:cNvPicPr>
+          <p:nvPr/>
+        </p:nvPicPr>
+        <p:blipFill>
+          <a:blip r:embed="rId4"/>
+          <a:stretch>
+            <a:fillRect/>
+          </a:stretch>
+        </p:blipFill>
+        <p:spPr>
+          <a:xfrm flipH="1">
+            <a:off x="231227" y="3668110"/>
+            <a:ext cx="2101329" cy="1914835"/>
+          </a:xfrm>
+          <a:prstGeom prst="rect">
+            <a:avLst/>
+          </a:prstGeom>
+        </p:spPr>
+      </p:pic>
+      <p:cxnSp>
+        <p:nvCxnSpPr>
+          <p:cNvPr id="10" name="直線矢印コネクタ 9"/>
+          <p:cNvCxnSpPr/>
+          <p:nvPr/>
+        </p:nvCxnSpPr>
+        <p:spPr>
+          <a:xfrm>
+            <a:off x="2585545" y="3510456"/>
+            <a:ext cx="3816635" cy="0"/>
+          </a:xfrm>
+          <a:prstGeom prst="straightConnector1">
+            <a:avLst/>
+          </a:prstGeom>
+          <a:ln w="76200">
+            <a:solidFill>
+              <a:schemeClr val="accent2">
+                <a:lumMod val="50000"/>
+              </a:schemeClr>
+            </a:solidFill>
+            <a:tailEnd type="triangle"/>
+          </a:ln>
+        </p:spPr>
+        <p:style>
+          <a:lnRef idx="1">
+            <a:schemeClr val="accent1"/>
+          </a:lnRef>
+          <a:fillRef idx="0">
+            <a:schemeClr val="accent1"/>
+          </a:fillRef>
+          <a:effectRef idx="0">
+            <a:schemeClr val="accent1"/>
+          </a:effectRef>
+          <a:fontRef idx="minor">
+            <a:schemeClr val="tx1"/>
+          </a:fontRef>
+        </p:style>
+      </p:cxnSp>
+      <p:cxnSp>
+        <p:nvCxnSpPr>
+          <p:cNvPr id="14" name="直線矢印コネクタ 13"/>
+          <p:cNvCxnSpPr/>
+          <p:nvPr/>
+        </p:nvCxnSpPr>
+        <p:spPr>
+          <a:xfrm flipH="1">
+            <a:off x="2548068" y="4394771"/>
+            <a:ext cx="3816636" cy="0"/>
+          </a:xfrm>
+          <a:prstGeom prst="straightConnector1">
+            <a:avLst/>
+          </a:prstGeom>
+          <a:ln w="76200">
+            <a:solidFill>
+              <a:schemeClr val="accent2">
+                <a:lumMod val="50000"/>
+              </a:schemeClr>
+            </a:solidFill>
+            <a:tailEnd type="triangle"/>
+          </a:ln>
+        </p:spPr>
+        <p:style>
+          <a:lnRef idx="1">
+            <a:schemeClr val="accent1"/>
+          </a:lnRef>
+          <a:fillRef idx="0">
+            <a:schemeClr val="accent1"/>
+          </a:fillRef>
+          <a:effectRef idx="0">
+            <a:schemeClr val="accent1"/>
+          </a:effectRef>
+          <a:fontRef idx="minor">
+            <a:schemeClr val="tx1"/>
+          </a:fontRef>
+        </p:style>
+      </p:cxnSp>
+      <p:sp>
+        <p:nvSpPr>
+          <p:cNvPr id="17" name="正方形/長方形 16"/>
+          <p:cNvSpPr/>
+          <p:nvPr/>
+        </p:nvSpPr>
+        <p:spPr>
+          <a:xfrm>
+            <a:off x="3059533" y="2916263"/>
+            <a:ext cx="1124607" cy="524789"/>
+          </a:xfrm>
+          <a:prstGeom prst="rect">
+            <a:avLst/>
+          </a:prstGeom>
+        </p:spPr>
+        <p:style>
+          <a:lnRef idx="2">
+            <a:schemeClr val="accent1">
+              <a:shade val="50000"/>
+            </a:schemeClr>
+          </a:lnRef>
+          <a:fillRef idx="1">
+            <a:schemeClr val="accent1"/>
+          </a:fillRef>
+          <a:effectRef idx="0">
+            <a:schemeClr val="accent1"/>
+          </a:effectRef>
+          <a:fontRef idx="minor">
+            <a:schemeClr val="lt1"/>
+          </a:fontRef>
+        </p:style>
+        <p:txBody>
+          <a:bodyPr rtlCol="0" anchor="ctr"/>
+          <a:lstStyle/>
+          <a:p>
+            <a:pPr algn="ctr"/>
+            <a:r>
+              <a:rPr kumimoji="1" lang="en-US" altLang="ja-JP" sz="2400" smtClean="0"/>
+              <a:t>SYN</a:t>
+            </a:r>
+            <a:endParaRPr kumimoji="1" lang="ja-JP" altLang="en-US" sz="2400"/>
+          </a:p>
+        </p:txBody>
+      </p:sp>
+      <p:sp>
+        <p:nvSpPr>
+          <p:cNvPr id="18" name="正方形/長方形 17"/>
+          <p:cNvSpPr/>
+          <p:nvPr/>
+        </p:nvSpPr>
+        <p:spPr>
+          <a:xfrm>
+            <a:off x="4456387" y="3806919"/>
+            <a:ext cx="1718442" cy="524789"/>
+          </a:xfrm>
+          <a:prstGeom prst="rect">
+            <a:avLst/>
+          </a:prstGeom>
+        </p:spPr>
+        <p:style>
+          <a:lnRef idx="2">
+            <a:schemeClr val="accent1">
+              <a:shade val="50000"/>
+            </a:schemeClr>
+          </a:lnRef>
+          <a:fillRef idx="1">
+            <a:schemeClr val="accent1"/>
+          </a:fillRef>
+          <a:effectRef idx="0">
+            <a:schemeClr val="accent1"/>
+          </a:effectRef>
+          <a:fontRef idx="minor">
+            <a:schemeClr val="lt1"/>
+          </a:fontRef>
+        </p:style>
+        <p:txBody>
+          <a:bodyPr rtlCol="0" anchor="ctr"/>
+          <a:lstStyle/>
+          <a:p>
+            <a:pPr algn="ctr"/>
+            <a:r>
+              <a:rPr kumimoji="1" lang="en-US" altLang="ja-JP" sz="2400" smtClean="0"/>
+              <a:t>SYN, ACK</a:t>
+            </a:r>
+            <a:endParaRPr kumimoji="1" lang="ja-JP" altLang="en-US" sz="2400"/>
+          </a:p>
+        </p:txBody>
+      </p:sp>
+      <p:cxnSp>
+        <p:nvCxnSpPr>
+          <p:cNvPr id="20" name="直線矢印コネクタ 19"/>
+          <p:cNvCxnSpPr/>
+          <p:nvPr/>
+        </p:nvCxnSpPr>
+        <p:spPr>
+          <a:xfrm>
+            <a:off x="2548069" y="5361173"/>
+            <a:ext cx="3816635" cy="0"/>
+          </a:xfrm>
+          <a:prstGeom prst="straightConnector1">
+            <a:avLst/>
+          </a:prstGeom>
+          <a:ln w="76200">
+            <a:solidFill>
+              <a:schemeClr val="accent2">
+                <a:lumMod val="50000"/>
+              </a:schemeClr>
+            </a:solidFill>
+            <a:tailEnd type="triangle"/>
+          </a:ln>
+        </p:spPr>
+        <p:style>
+          <a:lnRef idx="1">
+            <a:schemeClr val="accent1"/>
+          </a:lnRef>
+          <a:fillRef idx="0">
+            <a:schemeClr val="accent1"/>
+          </a:fillRef>
+          <a:effectRef idx="0">
+            <a:schemeClr val="accent1"/>
+          </a:effectRef>
+          <a:fontRef idx="minor">
+            <a:schemeClr val="tx1"/>
+          </a:fontRef>
+        </p:style>
+      </p:cxnSp>
+      <p:sp>
+        <p:nvSpPr>
+          <p:cNvPr id="21" name="正方形/長方形 20"/>
+          <p:cNvSpPr/>
+          <p:nvPr/>
+        </p:nvSpPr>
+        <p:spPr>
+          <a:xfrm>
+            <a:off x="3022057" y="4766980"/>
+            <a:ext cx="1124607" cy="524789"/>
+          </a:xfrm>
+          <a:prstGeom prst="rect">
+            <a:avLst/>
+          </a:prstGeom>
+          <a:solidFill>
+            <a:srgbClr val="CC0000"/>
+          </a:solidFill>
+        </p:spPr>
+        <p:style>
+          <a:lnRef idx="2">
+            <a:schemeClr val="accent1">
+              <a:shade val="50000"/>
+            </a:schemeClr>
+          </a:lnRef>
+          <a:fillRef idx="1">
+            <a:schemeClr val="accent1"/>
+          </a:fillRef>
+          <a:effectRef idx="0">
+            <a:schemeClr val="accent1"/>
+          </a:effectRef>
+          <a:fontRef idx="minor">
+            <a:schemeClr val="lt1"/>
+          </a:fontRef>
+        </p:style>
+        <p:txBody>
+          <a:bodyPr rtlCol="0" anchor="ctr"/>
+          <a:lstStyle/>
+          <a:p>
+            <a:pPr algn="ctr"/>
+            <a:r>
+              <a:rPr kumimoji="1" lang="en-US" altLang="ja-JP" sz="2400" smtClean="0"/>
+              <a:t>RST</a:t>
+            </a:r>
+            <a:endParaRPr kumimoji="1" lang="ja-JP" altLang="en-US" sz="2400"/>
           </a:p>
         </p:txBody>
       </p:sp>
     </p:spTree>
     <p:extLst>
       <p:ext uri="{BB962C8B-B14F-4D97-AF65-F5344CB8AC3E}">
-        <p14:creationId xmlns="" xmlns:p14="http://schemas.microsoft.com/office/powerpoint/2010/main" val="1043460440"/>
+        <p14:creationId xmlns:p14="http://schemas.microsoft.com/office/powerpoint/2010/main" val="868401463"/>
       </p:ext>
     </p:extLst>
   </p:cSld>
@@ -14015,7 +16279,7 @@
   <a:extraClrSchemeLst/>
   <a:extLst>
     <a:ext uri="{05A4C25C-085E-4340-85A3-A5531E510DB2}">
-      <thm15:themeFamily xmlns:thm15="http://schemas.microsoft.com/office/thememl/2012/main" xmlns="" name="Office Theme" id="{62F939B6-93AF-4DB8-9C6B-D6C7DFDC589F}" vid="{4A3C46E8-61CC-4603-A589-7422A47A8E4A}"/>
+      <thm15:themeFamily xmlns:thm15="http://schemas.microsoft.com/office/thememl/2012/main" name="Office Theme" id="{62F939B6-93AF-4DB8-9C6B-D6C7DFDC589F}" vid="{4A3C46E8-61CC-4603-A589-7422A47A8E4A}"/>
     </a:ext>
   </a:extLst>
 </a:theme>
@@ -14276,7 +16540,7 @@
   <a:extraClrSchemeLst/>
   <a:extLst>
     <a:ext uri="{05A4C25C-085E-4340-85A3-A5531E510DB2}">
-      <thm15:themeFamily xmlns:thm15="http://schemas.microsoft.com/office/thememl/2012/main" xmlns="" name="Office Theme" id="{62F939B6-93AF-4DB8-9C6B-D6C7DFDC589F}" vid="{4A3C46E8-61CC-4603-A589-7422A47A8E4A}"/>
+      <thm15:themeFamily xmlns:thm15="http://schemas.microsoft.com/office/thememl/2012/main" name="Office Theme" id="{62F939B6-93AF-4DB8-9C6B-D6C7DFDC589F}" vid="{4A3C46E8-61CC-4603-A589-7422A47A8E4A}"/>
     </a:ext>
   </a:extLst>
 </a:theme>

--- a/2015-no.2/ppt/00_ozuma.pptx
+++ b/2015-no.2/ppt/00_ozuma.pptx
@@ -13,11 +13,11 @@
     <p:sldId id="262" r:id="rId4"/>
     <p:sldId id="311" r:id="rId5"/>
     <p:sldId id="270" r:id="rId6"/>
-    <p:sldId id="314" r:id="rId7"/>
-    <p:sldId id="315" r:id="rId8"/>
-    <p:sldId id="309" r:id="rId9"/>
-    <p:sldId id="312" r:id="rId10"/>
-    <p:sldId id="313" r:id="rId11"/>
+    <p:sldId id="309" r:id="rId7"/>
+    <p:sldId id="312" r:id="rId8"/>
+    <p:sldId id="313" r:id="rId9"/>
+    <p:sldId id="317" r:id="rId10"/>
+    <p:sldId id="318" r:id="rId11"/>
     <p:sldId id="290" r:id="rId12"/>
     <p:sldId id="267" r:id="rId13"/>
     <p:sldId id="265" r:id="rId14"/>
@@ -152,7 +152,7 @@
   </p:defaultTextStyle>
   <p:extLst>
     <p:ext uri="{EFAFB233-063F-42B5-8137-9DF3F51BA10A}">
-      <p15:sldGuideLst xmlns:p15="http://schemas.microsoft.com/office/powerpoint/2012/main">
+      <p15:sldGuideLst xmlns:p15="http://schemas.microsoft.com/office/powerpoint/2012/main" xmlns="">
         <p15:guide id="1" orient="horz" pos="2160">
           <p15:clr>
             <a:srgbClr val="A4A3A4"/>
@@ -444,7 +444,7 @@
             <a:fld id="{DB9CD991-4847-4EC6-8E3A-1C6DA9348A2B}" type="slidenum">
               <a:rPr kumimoji="1" lang="ja-JP" altLang="en-US" smtClean="0"/>
               <a:pPr/>
-              <a:t>‹#›</a:t>
+              <a:t>&lt;#&gt;</a:t>
             </a:fld>
             <a:endParaRPr kumimoji="1" lang="ja-JP" altLang="en-US"/>
           </a:p>
@@ -453,7 +453,7 @@
     </p:spTree>
     <p:extLst>
       <p:ext uri="{BB962C8B-B14F-4D97-AF65-F5344CB8AC3E}">
-        <p14:creationId xmlns:p14="http://schemas.microsoft.com/office/powerpoint/2010/main" val="1216048216"/>
+        <p14:creationId xmlns:p14="http://schemas.microsoft.com/office/powerpoint/2010/main" xmlns="" val="1216048216"/>
       </p:ext>
     </p:extLst>
   </p:cSld>
@@ -666,7 +666,7 @@
     </p:spTree>
     <p:extLst>
       <p:ext uri="{BB962C8B-B14F-4D97-AF65-F5344CB8AC3E}">
-        <p14:creationId xmlns:p14="http://schemas.microsoft.com/office/powerpoint/2010/main" val="64985783"/>
+        <p14:creationId xmlns:p14="http://schemas.microsoft.com/office/powerpoint/2010/main" xmlns="" val="64985783"/>
       </p:ext>
     </p:extLst>
   </p:cSld>
@@ -845,7 +845,7 @@
     </p:spTree>
     <p:extLst>
       <p:ext uri="{BB962C8B-B14F-4D97-AF65-F5344CB8AC3E}">
-        <p14:creationId xmlns:p14="http://schemas.microsoft.com/office/powerpoint/2010/main" val="1645015722"/>
+        <p14:creationId xmlns:p14="http://schemas.microsoft.com/office/powerpoint/2010/main" xmlns="" val="1645015722"/>
       </p:ext>
     </p:extLst>
   </p:cSld>
@@ -965,7 +965,7 @@
     </p:spTree>
     <p:extLst>
       <p:ext uri="{BB962C8B-B14F-4D97-AF65-F5344CB8AC3E}">
-        <p14:creationId xmlns:p14="http://schemas.microsoft.com/office/powerpoint/2010/main" val="4088891792"/>
+        <p14:creationId xmlns:p14="http://schemas.microsoft.com/office/powerpoint/2010/main" xmlns="" val="4088891792"/>
       </p:ext>
     </p:extLst>
   </p:cSld>
@@ -1109,7 +1109,7 @@
     </p:spTree>
     <p:extLst>
       <p:ext uri="{BB962C8B-B14F-4D97-AF65-F5344CB8AC3E}">
-        <p14:creationId xmlns:p14="http://schemas.microsoft.com/office/powerpoint/2010/main" val="1322130280"/>
+        <p14:creationId xmlns:p14="http://schemas.microsoft.com/office/powerpoint/2010/main" xmlns="" val="1322130280"/>
       </p:ext>
     </p:extLst>
   </p:cSld>
@@ -1194,7 +1194,7 @@
     </p:spTree>
     <p:extLst>
       <p:ext uri="{BB962C8B-B14F-4D97-AF65-F5344CB8AC3E}">
-        <p14:creationId xmlns:p14="http://schemas.microsoft.com/office/powerpoint/2010/main" val="2754438294"/>
+        <p14:creationId xmlns:p14="http://schemas.microsoft.com/office/powerpoint/2010/main" xmlns="" val="2754438294"/>
       </p:ext>
     </p:extLst>
   </p:cSld>
@@ -1279,7 +1279,7 @@
     </p:spTree>
     <p:extLst>
       <p:ext uri="{BB962C8B-B14F-4D97-AF65-F5344CB8AC3E}">
-        <p14:creationId xmlns:p14="http://schemas.microsoft.com/office/powerpoint/2010/main" val="1679522813"/>
+        <p14:creationId xmlns:p14="http://schemas.microsoft.com/office/powerpoint/2010/main" xmlns="" val="1679522813"/>
       </p:ext>
     </p:extLst>
   </p:cSld>
@@ -1342,11 +1342,7 @@
           <a:p>
             <a:r>
               <a:rPr kumimoji="1" lang="ja-JP" altLang="en-US" smtClean="0"/>
-              <a:t>各トピック</a:t>
-            </a:r>
-            <a:r>
-              <a:rPr kumimoji="1" lang="ja-JP" altLang="en-US" smtClean="0"/>
-              <a:t>の小ネタ集という感じでお話します。</a:t>
+              <a:t>各トピックの小ネタ集という感じでお話します。</a:t>
             </a:r>
             <a:endParaRPr kumimoji="1" lang="en-US" altLang="ja-JP" smtClean="0"/>
           </a:p>
@@ -1382,7 +1378,7 @@
     </p:spTree>
     <p:extLst>
       <p:ext uri="{BB962C8B-B14F-4D97-AF65-F5344CB8AC3E}">
-        <p14:creationId xmlns:p14="http://schemas.microsoft.com/office/powerpoint/2010/main" val="1134451781"/>
+        <p14:creationId xmlns:p14="http://schemas.microsoft.com/office/powerpoint/2010/main" xmlns="" val="1134451781"/>
       </p:ext>
     </p:extLst>
   </p:cSld>
@@ -1458,7 +1454,7 @@
             <a:fld id="{DB9CD991-4847-4EC6-8E3A-1C6DA9348A2B}" type="slidenum">
               <a:rPr kumimoji="1" lang="ja-JP" altLang="en-US" smtClean="0"/>
               <a:pPr/>
-              <a:t>8</a:t>
+              <a:t>6</a:t>
             </a:fld>
             <a:endParaRPr kumimoji="1" lang="ja-JP" altLang="en-US"/>
           </a:p>
@@ -1467,7 +1463,7 @@
     </p:spTree>
     <p:extLst>
       <p:ext uri="{BB962C8B-B14F-4D97-AF65-F5344CB8AC3E}">
-        <p14:creationId xmlns:p14="http://schemas.microsoft.com/office/powerpoint/2010/main" val="3817752135"/>
+        <p14:creationId xmlns:p14="http://schemas.microsoft.com/office/powerpoint/2010/main" xmlns="" val="3817752135"/>
       </p:ext>
     </p:extLst>
   </p:cSld>
@@ -1543,7 +1539,7 @@
             <a:fld id="{DB9CD991-4847-4EC6-8E3A-1C6DA9348A2B}" type="slidenum">
               <a:rPr kumimoji="1" lang="ja-JP" altLang="en-US" smtClean="0"/>
               <a:pPr/>
-              <a:t>9</a:t>
+              <a:t>7</a:t>
             </a:fld>
             <a:endParaRPr kumimoji="1" lang="ja-JP" altLang="en-US"/>
           </a:p>
@@ -1552,7 +1548,7 @@
     </p:spTree>
     <p:extLst>
       <p:ext uri="{BB962C8B-B14F-4D97-AF65-F5344CB8AC3E}">
-        <p14:creationId xmlns:p14="http://schemas.microsoft.com/office/powerpoint/2010/main" val="247449553"/>
+        <p14:creationId xmlns:p14="http://schemas.microsoft.com/office/powerpoint/2010/main" xmlns="" val="247449553"/>
       </p:ext>
     </p:extLst>
   </p:cSld>
@@ -1696,7 +1692,7 @@
     </p:spTree>
     <p:extLst>
       <p:ext uri="{BB962C8B-B14F-4D97-AF65-F5344CB8AC3E}">
-        <p14:creationId xmlns:p14="http://schemas.microsoft.com/office/powerpoint/2010/main" val="2504593760"/>
+        <p14:creationId xmlns:p14="http://schemas.microsoft.com/office/powerpoint/2010/main" xmlns="" val="2504593760"/>
       </p:ext>
     </p:extLst>
   </p:cSld>
@@ -1968,7 +1964,7 @@
     </p:spTree>
     <p:extLst>
       <p:ext uri="{BB962C8B-B14F-4D97-AF65-F5344CB8AC3E}">
-        <p14:creationId xmlns:p14="http://schemas.microsoft.com/office/powerpoint/2010/main" val="3105100023"/>
+        <p14:creationId xmlns:p14="http://schemas.microsoft.com/office/powerpoint/2010/main" xmlns="" val="3105100023"/>
       </p:ext>
     </p:extLst>
   </p:cSld>
@@ -2146,7 +2142,7 @@
     </p:spTree>
     <p:extLst>
       <p:ext uri="{BB962C8B-B14F-4D97-AF65-F5344CB8AC3E}">
-        <p14:creationId xmlns:p14="http://schemas.microsoft.com/office/powerpoint/2010/main" val="2200297126"/>
+        <p14:creationId xmlns:p14="http://schemas.microsoft.com/office/powerpoint/2010/main" xmlns="" val="2200297126"/>
       </p:ext>
     </p:extLst>
   </p:cSld>
@@ -2343,7 +2339,7 @@
     </p:spTree>
     <p:extLst>
       <p:ext uri="{BB962C8B-B14F-4D97-AF65-F5344CB8AC3E}">
-        <p14:creationId xmlns:p14="http://schemas.microsoft.com/office/powerpoint/2010/main" val="2200297126"/>
+        <p14:creationId xmlns:p14="http://schemas.microsoft.com/office/powerpoint/2010/main" xmlns="" val="2200297126"/>
       </p:ext>
     </p:extLst>
   </p:cSld>
@@ -2528,7 +2524,7 @@
             <a:fld id="{1268F7E2-09DB-4258-A030-729CAB5B2FD4}" type="slidenum">
               <a:rPr kumimoji="1" lang="ja-JP" altLang="en-US" smtClean="0"/>
               <a:pPr/>
-              <a:t>‹#›</a:t>
+              <a:t>&lt;#&gt;</a:t>
             </a:fld>
             <a:endParaRPr kumimoji="1" lang="ja-JP" altLang="en-US"/>
           </a:p>
@@ -2537,7 +2533,7 @@
     </p:spTree>
     <p:extLst>
       <p:ext uri="{BB962C8B-B14F-4D97-AF65-F5344CB8AC3E}">
-        <p14:creationId xmlns:p14="http://schemas.microsoft.com/office/powerpoint/2010/main" val="1863472321"/>
+        <p14:creationId xmlns:p14="http://schemas.microsoft.com/office/powerpoint/2010/main" xmlns="" val="1863472321"/>
       </p:ext>
     </p:extLst>
   </p:cSld>
@@ -2732,7 +2728,7 @@
             <a:fld id="{1268F7E2-09DB-4258-A030-729CAB5B2FD4}" type="slidenum">
               <a:rPr kumimoji="1" lang="ja-JP" altLang="en-US" smtClean="0"/>
               <a:pPr/>
-              <a:t>‹#›</a:t>
+              <a:t>&lt;#&gt;</a:t>
             </a:fld>
             <a:endParaRPr kumimoji="1" lang="ja-JP" altLang="en-US"/>
           </a:p>
@@ -2741,7 +2737,7 @@
     </p:spTree>
     <p:extLst>
       <p:ext uri="{BB962C8B-B14F-4D97-AF65-F5344CB8AC3E}">
-        <p14:creationId xmlns:p14="http://schemas.microsoft.com/office/powerpoint/2010/main" val="4012234509"/>
+        <p14:creationId xmlns:p14="http://schemas.microsoft.com/office/powerpoint/2010/main" xmlns="" val="4012234509"/>
       </p:ext>
     </p:extLst>
   </p:cSld>
@@ -2946,7 +2942,7 @@
             <a:fld id="{1268F7E2-09DB-4258-A030-729CAB5B2FD4}" type="slidenum">
               <a:rPr kumimoji="1" lang="ja-JP" altLang="en-US" smtClean="0"/>
               <a:pPr/>
-              <a:t>‹#›</a:t>
+              <a:t>&lt;#&gt;</a:t>
             </a:fld>
             <a:endParaRPr kumimoji="1" lang="ja-JP" altLang="en-US"/>
           </a:p>
@@ -2955,7 +2951,7 @@
     </p:spTree>
     <p:extLst>
       <p:ext uri="{BB962C8B-B14F-4D97-AF65-F5344CB8AC3E}">
-        <p14:creationId xmlns:p14="http://schemas.microsoft.com/office/powerpoint/2010/main" val="525144367"/>
+        <p14:creationId xmlns:p14="http://schemas.microsoft.com/office/powerpoint/2010/main" xmlns="" val="525144367"/>
       </p:ext>
     </p:extLst>
   </p:cSld>
@@ -3168,7 +3164,7 @@
             <a:fld id="{1268F7E2-09DB-4258-A030-729CAB5B2FD4}" type="slidenum">
               <a:rPr kumimoji="1" lang="ja-JP" altLang="en-US" smtClean="0"/>
               <a:pPr/>
-              <a:t>‹#›</a:t>
+              <a:t>&lt;#&gt;</a:t>
             </a:fld>
             <a:endParaRPr kumimoji="1" lang="ja-JP" altLang="en-US"/>
           </a:p>
@@ -3177,7 +3173,7 @@
     </p:spTree>
     <p:extLst>
       <p:ext uri="{BB962C8B-B14F-4D97-AF65-F5344CB8AC3E}">
-        <p14:creationId xmlns:p14="http://schemas.microsoft.com/office/powerpoint/2010/main" val="3101500846"/>
+        <p14:creationId xmlns:p14="http://schemas.microsoft.com/office/powerpoint/2010/main" xmlns="" val="3101500846"/>
       </p:ext>
     </p:extLst>
   </p:cSld>
@@ -3421,7 +3417,7 @@
             <a:fld id="{1268F7E2-09DB-4258-A030-729CAB5B2FD4}" type="slidenum">
               <a:rPr kumimoji="1" lang="ja-JP" altLang="en-US" smtClean="0"/>
               <a:pPr/>
-              <a:t>‹#›</a:t>
+              <a:t>&lt;#&gt;</a:t>
             </a:fld>
             <a:endParaRPr kumimoji="1" lang="ja-JP" altLang="en-US"/>
           </a:p>
@@ -3430,7 +3426,7 @@
     </p:spTree>
     <p:extLst>
       <p:ext uri="{BB962C8B-B14F-4D97-AF65-F5344CB8AC3E}">
-        <p14:creationId xmlns:p14="http://schemas.microsoft.com/office/powerpoint/2010/main" val="2607024047"/>
+        <p14:creationId xmlns:p14="http://schemas.microsoft.com/office/powerpoint/2010/main" xmlns="" val="2607024047"/>
       </p:ext>
     </p:extLst>
   </p:cSld>
@@ -3719,7 +3715,7 @@
             <a:fld id="{1268F7E2-09DB-4258-A030-729CAB5B2FD4}" type="slidenum">
               <a:rPr kumimoji="1" lang="ja-JP" altLang="en-US" smtClean="0"/>
               <a:pPr/>
-              <a:t>‹#›</a:t>
+              <a:t>&lt;#&gt;</a:t>
             </a:fld>
             <a:endParaRPr kumimoji="1" lang="ja-JP" altLang="en-US"/>
           </a:p>
@@ -3728,7 +3724,7 @@
     </p:spTree>
     <p:extLst>
       <p:ext uri="{BB962C8B-B14F-4D97-AF65-F5344CB8AC3E}">
-        <p14:creationId xmlns:p14="http://schemas.microsoft.com/office/powerpoint/2010/main" val="1010007558"/>
+        <p14:creationId xmlns:p14="http://schemas.microsoft.com/office/powerpoint/2010/main" xmlns="" val="1010007558"/>
       </p:ext>
     </p:extLst>
   </p:cSld>
@@ -4152,7 +4148,7 @@
             <a:fld id="{1268F7E2-09DB-4258-A030-729CAB5B2FD4}" type="slidenum">
               <a:rPr kumimoji="1" lang="ja-JP" altLang="en-US" smtClean="0"/>
               <a:pPr/>
-              <a:t>‹#›</a:t>
+              <a:t>&lt;#&gt;</a:t>
             </a:fld>
             <a:endParaRPr kumimoji="1" lang="ja-JP" altLang="en-US"/>
           </a:p>
@@ -4161,7 +4157,7 @@
     </p:spTree>
     <p:extLst>
       <p:ext uri="{BB962C8B-B14F-4D97-AF65-F5344CB8AC3E}">
-        <p14:creationId xmlns:p14="http://schemas.microsoft.com/office/powerpoint/2010/main" val="3250309388"/>
+        <p14:creationId xmlns:p14="http://schemas.microsoft.com/office/powerpoint/2010/main" xmlns="" val="3250309388"/>
       </p:ext>
     </p:extLst>
   </p:cSld>
@@ -4272,7 +4268,7 @@
             <a:fld id="{1268F7E2-09DB-4258-A030-729CAB5B2FD4}" type="slidenum">
               <a:rPr kumimoji="1" lang="ja-JP" altLang="en-US" smtClean="0"/>
               <a:pPr/>
-              <a:t>‹#›</a:t>
+              <a:t>&lt;#&gt;</a:t>
             </a:fld>
             <a:endParaRPr kumimoji="1" lang="ja-JP" altLang="en-US"/>
           </a:p>
@@ -4281,7 +4277,7 @@
     </p:spTree>
     <p:extLst>
       <p:ext uri="{BB962C8B-B14F-4D97-AF65-F5344CB8AC3E}">
-        <p14:creationId xmlns:p14="http://schemas.microsoft.com/office/powerpoint/2010/main" val="3038965904"/>
+        <p14:creationId xmlns:p14="http://schemas.microsoft.com/office/powerpoint/2010/main" xmlns="" val="3038965904"/>
       </p:ext>
     </p:extLst>
   </p:cSld>
@@ -4369,7 +4365,7 @@
             <a:fld id="{1268F7E2-09DB-4258-A030-729CAB5B2FD4}" type="slidenum">
               <a:rPr kumimoji="1" lang="ja-JP" altLang="en-US" smtClean="0"/>
               <a:pPr/>
-              <a:t>‹#›</a:t>
+              <a:t>&lt;#&gt;</a:t>
             </a:fld>
             <a:endParaRPr kumimoji="1" lang="ja-JP" altLang="en-US"/>
           </a:p>
@@ -4378,7 +4374,7 @@
     </p:spTree>
     <p:extLst>
       <p:ext uri="{BB962C8B-B14F-4D97-AF65-F5344CB8AC3E}">
-        <p14:creationId xmlns:p14="http://schemas.microsoft.com/office/powerpoint/2010/main" val="1685908978"/>
+        <p14:creationId xmlns:p14="http://schemas.microsoft.com/office/powerpoint/2010/main" xmlns="" val="1685908978"/>
       </p:ext>
     </p:extLst>
   </p:cSld>
@@ -4680,7 +4676,7 @@
             <a:fld id="{1268F7E2-09DB-4258-A030-729CAB5B2FD4}" type="slidenum">
               <a:rPr kumimoji="1" lang="ja-JP" altLang="en-US" smtClean="0"/>
               <a:pPr/>
-              <a:t>‹#›</a:t>
+              <a:t>&lt;#&gt;</a:t>
             </a:fld>
             <a:endParaRPr kumimoji="1" lang="ja-JP" altLang="en-US"/>
           </a:p>
@@ -4689,7 +4685,7 @@
     </p:spTree>
     <p:extLst>
       <p:ext uri="{BB962C8B-B14F-4D97-AF65-F5344CB8AC3E}">
-        <p14:creationId xmlns:p14="http://schemas.microsoft.com/office/powerpoint/2010/main" val="551049879"/>
+        <p14:creationId xmlns:p14="http://schemas.microsoft.com/office/powerpoint/2010/main" xmlns="" val="551049879"/>
       </p:ext>
     </p:extLst>
   </p:cSld>
@@ -4939,7 +4935,7 @@
             <a:fld id="{1268F7E2-09DB-4258-A030-729CAB5B2FD4}" type="slidenum">
               <a:rPr kumimoji="1" lang="ja-JP" altLang="en-US" smtClean="0"/>
               <a:pPr/>
-              <a:t>‹#›</a:t>
+              <a:t>&lt;#&gt;</a:t>
             </a:fld>
             <a:endParaRPr kumimoji="1" lang="ja-JP" altLang="en-US"/>
           </a:p>
@@ -4948,7 +4944,7 @@
     </p:spTree>
     <p:extLst>
       <p:ext uri="{BB962C8B-B14F-4D97-AF65-F5344CB8AC3E}">
-        <p14:creationId xmlns:p14="http://schemas.microsoft.com/office/powerpoint/2010/main" val="2633962770"/>
+        <p14:creationId xmlns:p14="http://schemas.microsoft.com/office/powerpoint/2010/main" xmlns="" val="2633962770"/>
       </p:ext>
     </p:extLst>
   </p:cSld>
@@ -5222,7 +5218,7 @@
             <a:fld id="{1268F7E2-09DB-4258-A030-729CAB5B2FD4}" type="slidenum">
               <a:rPr kumimoji="1" lang="ja-JP" altLang="en-US" smtClean="0"/>
               <a:pPr/>
-              <a:t>‹#›</a:t>
+              <a:t>&lt;#&gt;</a:t>
             </a:fld>
             <a:endParaRPr kumimoji="1" lang="ja-JP" altLang="en-US"/>
           </a:p>
@@ -5231,7 +5227,7 @@
     </p:spTree>
     <p:extLst>
       <p:ext uri="{BB962C8B-B14F-4D97-AF65-F5344CB8AC3E}">
-        <p14:creationId xmlns:p14="http://schemas.microsoft.com/office/powerpoint/2010/main" val="158630497"/>
+        <p14:creationId xmlns:p14="http://schemas.microsoft.com/office/powerpoint/2010/main" xmlns="" val="158630497"/>
       </p:ext>
     </p:extLst>
   </p:cSld>
@@ -5561,7 +5557,7 @@
           <a:blip r:embed="rId2" cstate="print">
             <a:extLst>
               <a:ext uri="{28A0092B-C50C-407E-A947-70E740481C1C}">
-                <a14:useLocalDpi xmlns:a14="http://schemas.microsoft.com/office/drawing/2010/main" val="0"/>
+                <a14:useLocalDpi xmlns:a14="http://schemas.microsoft.com/office/drawing/2010/main" xmlns="" val="0"/>
               </a:ext>
             </a:extLst>
           </a:blip>
@@ -5692,7 +5688,7 @@
     </p:spTree>
     <p:extLst>
       <p:ext uri="{BB962C8B-B14F-4D97-AF65-F5344CB8AC3E}">
-        <p14:creationId xmlns:p14="http://schemas.microsoft.com/office/powerpoint/2010/main" val="802749041"/>
+        <p14:creationId xmlns:p14="http://schemas.microsoft.com/office/powerpoint/2010/main" xmlns="" val="802749041"/>
       </p:ext>
     </p:extLst>
   </p:cSld>
@@ -5728,148 +5724,705 @@
       </p:grpSpPr>
       <p:sp>
         <p:nvSpPr>
-          <p:cNvPr id="2" name="タイトル 1"/>
-          <p:cNvSpPr>
-            <a:spLocks noGrp="1"/>
-          </p:cNvSpPr>
-          <p:nvPr>
-            <p:ph type="title"/>
-          </p:nvPr>
+          <p:cNvPr id="4" name="正方形/長方形 3"/>
+          <p:cNvSpPr/>
+          <p:nvPr/>
         </p:nvSpPr>
         <p:spPr>
           <a:xfrm>
-            <a:off x="628650" y="196960"/>
-            <a:ext cx="7886700" cy="1325563"/>
+            <a:off x="157288" y="497632"/>
+            <a:ext cx="8744607" cy="798285"/>
           </a:xfrm>
+          <a:prstGeom prst="rect">
+            <a:avLst/>
+          </a:prstGeom>
+          <a:solidFill>
+            <a:schemeClr val="tx1"/>
+          </a:solidFill>
+          <a:ln>
+            <a:solidFill>
+              <a:schemeClr val="accent4">
+                <a:lumMod val="20000"/>
+                <a:lumOff val="80000"/>
+              </a:schemeClr>
+            </a:solidFill>
+          </a:ln>
         </p:spPr>
-        <p:txBody>
-          <a:bodyPr/>
-          <a:lstStyle/>
-          <a:p>
-            <a:r>
-              <a:rPr kumimoji="1" lang="en-US" altLang="ja-JP" smtClean="0"/>
-              <a:t>SYN</a:t>
-            </a:r>
-            <a:r>
-              <a:rPr kumimoji="1" lang="ja-JP" altLang="en-US" smtClean="0"/>
-              <a:t>スキャンは、</a:t>
-            </a:r>
-            <a:r>
-              <a:rPr kumimoji="1" lang="en-US" altLang="ja-JP" smtClean="0"/>
-              <a:t/>
-            </a:r>
-            <a:br>
-              <a:rPr kumimoji="1" lang="en-US" altLang="ja-JP" smtClean="0"/>
-            </a:br>
-            <a:r>
-              <a:rPr kumimoji="1" lang="ja-JP" altLang="en-US" smtClean="0"/>
-              <a:t>何を「隠して」いるのか</a:t>
-            </a:r>
-            <a:endParaRPr kumimoji="1" lang="ja-JP" altLang="en-US"/>
-          </a:p>
-        </p:txBody>
-      </p:sp>
-      <p:sp>
-        <p:nvSpPr>
-          <p:cNvPr id="3" name="コンテンツ プレースホルダー 2"/>
-          <p:cNvSpPr>
-            <a:spLocks noGrp="1"/>
-          </p:cNvSpPr>
-          <p:nvPr>
-            <p:ph idx="1"/>
-          </p:nvPr>
+        <p:style>
+          <a:lnRef idx="1">
+            <a:schemeClr val="accent1"/>
+          </a:lnRef>
+          <a:fillRef idx="3">
+            <a:schemeClr val="accent1"/>
+          </a:fillRef>
+          <a:effectRef idx="2">
+            <a:schemeClr val="accent1"/>
+          </a:effectRef>
+          <a:fontRef idx="minor">
+            <a:schemeClr val="lt1"/>
+          </a:fontRef>
+        </p:style>
+        <p:txBody>
+          <a:bodyPr rtlCol="0" anchor="ctr"/>
+          <a:lstStyle/>
+          <a:p>
+            <a:r>
+              <a:rPr lang="en-US" altLang="ja-JP" sz="3200">
+                <a:latin typeface="Consolas"/>
+                <a:cs typeface="Consolas"/>
+              </a:rPr>
+              <a:t># </a:t>
+            </a:r>
+            <a:r>
+              <a:rPr lang="en-US" altLang="ja-JP" sz="3200" smtClean="0">
+                <a:latin typeface="Consolas"/>
+                <a:cs typeface="Consolas"/>
+              </a:rPr>
+              <a:t>nmap -</a:t>
+            </a:r>
+            <a:r>
+              <a:rPr lang="en-US" altLang="ja-JP" sz="3200" smtClean="0">
+                <a:latin typeface="Consolas"/>
+                <a:cs typeface="Consolas"/>
+              </a:rPr>
+              <a:t>sS </a:t>
+            </a:r>
+            <a:r>
+              <a:rPr lang="en-US" altLang="ja-JP" sz="3200" smtClean="0">
+                <a:latin typeface="Consolas"/>
+                <a:cs typeface="Consolas"/>
+              </a:rPr>
+              <a:t>-n --top-ports 10 10.1.1.1</a:t>
+            </a:r>
+            <a:endParaRPr lang="en-US" altLang="ja-JP" sz="3200">
+              <a:latin typeface="Consolas"/>
+              <a:cs typeface="Consolas"/>
+            </a:endParaRPr>
+          </a:p>
+        </p:txBody>
+      </p:sp>
+      <p:sp>
+        <p:nvSpPr>
+          <p:cNvPr id="5" name="正方形/長方形 4"/>
+          <p:cNvSpPr/>
+          <p:nvPr/>
         </p:nvSpPr>
         <p:spPr>
           <a:xfrm>
-            <a:off x="628650" y="1933903"/>
-            <a:ext cx="7886700" cy="4078014"/>
+            <a:off x="344061" y="2105765"/>
+            <a:ext cx="1311315" cy="858152"/>
           </a:xfrm>
+          <a:prstGeom prst="rect">
+            <a:avLst/>
+          </a:prstGeom>
+          <a:solidFill>
+            <a:schemeClr val="accent2">
+              <a:lumMod val="50000"/>
+            </a:schemeClr>
+          </a:solidFill>
+          <a:ln w="28575" cmpd="sng">
+            <a:solidFill>
+              <a:schemeClr val="accent4">
+                <a:lumMod val="20000"/>
+                <a:lumOff val="80000"/>
+              </a:schemeClr>
+            </a:solidFill>
+          </a:ln>
+          <a:effectLst>
+            <a:glow rad="101600">
+              <a:schemeClr val="tx1">
+                <a:alpha val="22000"/>
+              </a:schemeClr>
+            </a:glow>
+            <a:outerShdw blurRad="50800" dist="38100" dir="2700000" algn="tl" rotWithShape="0">
+              <a:srgbClr val="000000">
+                <a:alpha val="43000"/>
+              </a:srgbClr>
+            </a:outerShdw>
+          </a:effectLst>
         </p:spPr>
-        <p:txBody>
-          <a:bodyPr>
-            <a:normAutofit/>
+        <p:style>
+          <a:lnRef idx="1">
+            <a:schemeClr val="accent1"/>
+          </a:lnRef>
+          <a:fillRef idx="3">
+            <a:schemeClr val="accent1"/>
+          </a:fillRef>
+          <a:effectRef idx="2">
+            <a:schemeClr val="accent1"/>
+          </a:effectRef>
+          <a:fontRef idx="minor">
+            <a:schemeClr val="lt1"/>
+          </a:fontRef>
+        </p:style>
+        <p:txBody>
+          <a:bodyPr rtlCol="0" anchor="ctr"/>
+          <a:lstStyle/>
+          <a:p>
+            <a:r>
+              <a:rPr lang="en-US" altLang="ja-JP" sz="4000" b="1" smtClean="0">
+                <a:solidFill>
+                  <a:schemeClr val="accent2">
+                    <a:lumMod val="20000"/>
+                    <a:lumOff val="80000"/>
+                  </a:schemeClr>
+                </a:solidFill>
+                <a:latin typeface="Consolas" panose="020B0609020204030204" pitchFamily="49" charset="0"/>
+                <a:cs typeface="Consolas" panose="020B0609020204030204" pitchFamily="49" charset="0"/>
+              </a:rPr>
+              <a:t>-</a:t>
+            </a:r>
+            <a:r>
+              <a:rPr lang="en-US" altLang="ja-JP" sz="4000" b="1" smtClean="0">
+                <a:solidFill>
+                  <a:schemeClr val="accent2">
+                    <a:lumMod val="20000"/>
+                    <a:lumOff val="80000"/>
+                  </a:schemeClr>
+                </a:solidFill>
+                <a:latin typeface="Consolas" panose="020B0609020204030204" pitchFamily="49" charset="0"/>
+                <a:cs typeface="Consolas" panose="020B0609020204030204" pitchFamily="49" charset="0"/>
+              </a:rPr>
+              <a:t>sS</a:t>
+            </a:r>
+            <a:endParaRPr kumimoji="1" lang="ja-JP" altLang="en-US" sz="4000" b="1">
+              <a:solidFill>
+                <a:schemeClr val="accent2">
+                  <a:lumMod val="20000"/>
+                  <a:lumOff val="80000"/>
+                </a:schemeClr>
+              </a:solidFill>
+              <a:latin typeface="Consolas" panose="020B0609020204030204" pitchFamily="49" charset="0"/>
+              <a:cs typeface="Consolas" panose="020B0609020204030204" pitchFamily="49" charset="0"/>
+            </a:endParaRPr>
+          </a:p>
+        </p:txBody>
+      </p:sp>
+      <p:sp>
+        <p:nvSpPr>
+          <p:cNvPr id="6" name="テキスト ボックス 5"/>
+          <p:cNvSpPr txBox="1"/>
+          <p:nvPr/>
+        </p:nvSpPr>
+        <p:spPr>
+          <a:xfrm>
+            <a:off x="2207173" y="1548717"/>
+            <a:ext cx="6758151" cy="2246769"/>
+          </a:xfrm>
+          <a:prstGeom prst="rect">
+            <a:avLst/>
+          </a:prstGeom>
+          <a:noFill/>
+        </p:spPr>
+        <p:txBody>
+          <a:bodyPr wrap="square" rtlCol="0">
+            <a:spAutoFit/>
           </a:bodyPr>
           <a:lstStyle/>
           <a:p>
             <a:r>
-              <a:rPr lang="ja-JP" altLang="en-US"/>
-              <a:t>通常</a:t>
-            </a:r>
-            <a:r>
-              <a:rPr lang="ja-JP" altLang="en-US" smtClean="0"/>
-              <a:t>の手順</a:t>
-            </a:r>
-            <a:r>
-              <a:rPr lang="en-US" altLang="ja-JP" smtClean="0"/>
-              <a:t>(3WAY</a:t>
-            </a:r>
-            <a:r>
-              <a:rPr lang="ja-JP" altLang="en-US" smtClean="0"/>
-              <a:t>ハンドシェイク</a:t>
-            </a:r>
-            <a:r>
-              <a:rPr lang="en-US" altLang="ja-JP" smtClean="0"/>
-              <a:t>)</a:t>
-            </a:r>
-            <a:r>
-              <a:rPr lang="ja-JP" altLang="en-US" smtClean="0"/>
-              <a:t>を介さないで、</a:t>
-            </a:r>
-            <a:endParaRPr lang="en-US" altLang="ja-JP" smtClean="0"/>
-          </a:p>
-          <a:p>
-            <a:pPr lvl="1"/>
-            <a:r>
-              <a:rPr lang="ja-JP" altLang="en-US" smtClean="0"/>
-              <a:t>ログに</a:t>
-            </a:r>
-            <a:r>
-              <a:rPr lang="ja-JP" altLang="en-US"/>
-              <a:t>残</a:t>
-            </a:r>
-            <a:r>
-              <a:rPr lang="ja-JP" altLang="en-US" smtClean="0"/>
-              <a:t>るのを隠す</a:t>
-            </a:r>
-            <a:endParaRPr lang="en-US" altLang="ja-JP" smtClean="0"/>
-          </a:p>
-          <a:p>
-            <a:pPr lvl="1"/>
-            <a:r>
-              <a:rPr lang="ja-JP" altLang="en-US" smtClean="0"/>
-              <a:t>「プロトコル通りに動いてい</a:t>
-            </a:r>
-            <a:r>
-              <a:rPr lang="ja-JP" altLang="en-US"/>
-              <a:t>る</a:t>
-            </a:r>
-            <a:r>
-              <a:rPr lang="ja-JP" altLang="en-US" smtClean="0"/>
-              <a:t>」ことを前提とし</a:t>
-            </a:r>
-            <a:r>
-              <a:rPr lang="ja-JP" altLang="en-US"/>
-              <a:t>た</a:t>
-            </a:r>
-            <a:r>
-              <a:rPr lang="ja-JP" altLang="en-US" smtClean="0"/>
-              <a:t>検知から攻撃を隠す</a:t>
-            </a:r>
-            <a:endParaRPr lang="en-US" altLang="ja-JP" smtClean="0"/>
-          </a:p>
-          <a:p>
-            <a:r>
-              <a:rPr lang="ja-JP" altLang="en-US" smtClean="0"/>
-              <a:t>行為自体を隠しているわけではない</a:t>
-            </a:r>
-            <a:endParaRPr lang="en-US" altLang="ja-JP" smtClean="0"/>
+              <a:rPr lang="en-US" altLang="ja-JP" sz="2800" smtClean="0"/>
+              <a:t>2</a:t>
+            </a:r>
+            <a:r>
+              <a:rPr lang="ja-JP" altLang="en-US" sz="2800" smtClean="0"/>
+              <a:t>文字のオプションなので、</a:t>
+            </a:r>
+            <a:endParaRPr lang="en-US" altLang="ja-JP" sz="2800" smtClean="0"/>
+          </a:p>
+          <a:p>
+            <a:pPr marL="285750" indent="-285750">
+              <a:buFont typeface="Arial" panose="020B0604020202020204" pitchFamily="34" charset="0"/>
+              <a:buChar char="•"/>
+            </a:pPr>
+            <a:r>
+              <a:rPr kumimoji="1" lang="en-US" altLang="ja-JP" sz="2800" smtClean="0"/>
+              <a:t>1</a:t>
+            </a:r>
+            <a:r>
+              <a:rPr kumimoji="1" lang="ja-JP" altLang="en-US" sz="2800" smtClean="0"/>
+              <a:t>文字目の「</a:t>
+            </a:r>
+            <a:r>
+              <a:rPr kumimoji="1" lang="en-US" altLang="ja-JP" sz="2800" smtClean="0"/>
+              <a:t>s</a:t>
+            </a:r>
+            <a:r>
+              <a:rPr kumimoji="1" lang="ja-JP" altLang="en-US" sz="2800" smtClean="0"/>
+              <a:t>」は「スキャンモードを指定する」ことを意味する</a:t>
+            </a:r>
+            <a:endParaRPr kumimoji="1" lang="en-US" altLang="ja-JP" sz="2800" smtClean="0"/>
+          </a:p>
+          <a:p>
+            <a:pPr marL="285750" indent="-285750">
+              <a:buFont typeface="Arial" panose="020B0604020202020204" pitchFamily="34" charset="0"/>
+              <a:buChar char="•"/>
+            </a:pPr>
+            <a:r>
+              <a:rPr lang="en-US" altLang="ja-JP" sz="2800" smtClean="0"/>
+              <a:t>2</a:t>
+            </a:r>
+            <a:r>
+              <a:rPr lang="ja-JP" altLang="en-US" sz="2800"/>
+              <a:t>文字目</a:t>
+            </a:r>
+            <a:r>
+              <a:rPr lang="ja-JP" altLang="en-US" sz="2800" smtClean="0"/>
+              <a:t>の</a:t>
+            </a:r>
+            <a:r>
+              <a:rPr lang="ja-JP" altLang="en-US" sz="2800" smtClean="0"/>
+              <a:t>「</a:t>
+            </a:r>
+            <a:r>
+              <a:rPr lang="en-US" altLang="ja-JP" sz="2800" smtClean="0"/>
+              <a:t>S</a:t>
+            </a:r>
+            <a:r>
+              <a:rPr lang="ja-JP" altLang="en-US" sz="2800" smtClean="0"/>
+              <a:t>」</a:t>
+            </a:r>
+            <a:r>
+              <a:rPr lang="ja-JP" altLang="en-US" sz="2800" smtClean="0"/>
+              <a:t>は、「スキャンモードに</a:t>
+            </a:r>
+            <a:r>
+              <a:rPr lang="en-US" altLang="ja-JP" sz="2800" smtClean="0"/>
+              <a:t>SYN</a:t>
+            </a:r>
+            <a:r>
+              <a:rPr lang="ja-JP" altLang="en-US" sz="2800" smtClean="0"/>
+              <a:t>スキャン」を指定している</a:t>
+            </a:r>
+            <a:endParaRPr kumimoji="1" lang="ja-JP" altLang="en-US" sz="2800"/>
+          </a:p>
+        </p:txBody>
+      </p:sp>
+      <p:sp>
+        <p:nvSpPr>
+          <p:cNvPr id="7" name="正方形/長方形 6"/>
+          <p:cNvSpPr/>
+          <p:nvPr/>
+        </p:nvSpPr>
+        <p:spPr>
+          <a:xfrm>
+            <a:off x="344062" y="4218408"/>
+            <a:ext cx="1311315" cy="858152"/>
+          </a:xfrm>
+          <a:prstGeom prst="rect">
+            <a:avLst/>
+          </a:prstGeom>
+          <a:solidFill>
+            <a:schemeClr val="accent1">
+              <a:lumMod val="50000"/>
+            </a:schemeClr>
+          </a:solidFill>
+          <a:ln w="28575" cmpd="sng">
+            <a:solidFill>
+              <a:schemeClr val="accent4">
+                <a:lumMod val="20000"/>
+                <a:lumOff val="80000"/>
+              </a:schemeClr>
+            </a:solidFill>
+          </a:ln>
+          <a:effectLst>
+            <a:glow rad="101600">
+              <a:schemeClr val="tx1">
+                <a:alpha val="22000"/>
+              </a:schemeClr>
+            </a:glow>
+            <a:outerShdw blurRad="50800" dist="38100" dir="2700000" algn="tl" rotWithShape="0">
+              <a:srgbClr val="000000">
+                <a:alpha val="43000"/>
+              </a:srgbClr>
+            </a:outerShdw>
+          </a:effectLst>
+        </p:spPr>
+        <p:style>
+          <a:lnRef idx="1">
+            <a:schemeClr val="accent1"/>
+          </a:lnRef>
+          <a:fillRef idx="3">
+            <a:schemeClr val="accent1"/>
+          </a:fillRef>
+          <a:effectRef idx="2">
+            <a:schemeClr val="accent1"/>
+          </a:effectRef>
+          <a:fontRef idx="minor">
+            <a:schemeClr val="lt1"/>
+          </a:fontRef>
+        </p:style>
+        <p:txBody>
+          <a:bodyPr rtlCol="0" anchor="ctr"/>
+          <a:lstStyle/>
+          <a:p>
+            <a:r>
+              <a:rPr lang="en-US" altLang="ja-JP" sz="4000" b="1" smtClean="0">
+                <a:solidFill>
+                  <a:schemeClr val="accent2">
+                    <a:lumMod val="20000"/>
+                    <a:lumOff val="80000"/>
+                  </a:schemeClr>
+                </a:solidFill>
+                <a:latin typeface="Consolas" panose="020B0609020204030204" pitchFamily="49" charset="0"/>
+                <a:cs typeface="Consolas" panose="020B0609020204030204" pitchFamily="49" charset="0"/>
+              </a:rPr>
+              <a:t>-sT</a:t>
+            </a:r>
+            <a:endParaRPr kumimoji="1" lang="ja-JP" altLang="en-US" sz="4000" b="1">
+              <a:solidFill>
+                <a:schemeClr val="accent2">
+                  <a:lumMod val="20000"/>
+                  <a:lumOff val="80000"/>
+                </a:schemeClr>
+              </a:solidFill>
+              <a:latin typeface="Consolas" panose="020B0609020204030204" pitchFamily="49" charset="0"/>
+              <a:cs typeface="Consolas" panose="020B0609020204030204" pitchFamily="49" charset="0"/>
+            </a:endParaRPr>
+          </a:p>
+        </p:txBody>
+      </p:sp>
+      <p:sp>
+        <p:nvSpPr>
+          <p:cNvPr id="8" name="テキスト ボックス 7"/>
+          <p:cNvSpPr txBox="1"/>
+          <p:nvPr/>
+        </p:nvSpPr>
+        <p:spPr>
+          <a:xfrm>
+            <a:off x="1832100" y="4181063"/>
+            <a:ext cx="6758151" cy="954107"/>
+          </a:xfrm>
+          <a:prstGeom prst="rect">
+            <a:avLst/>
+          </a:prstGeom>
+          <a:noFill/>
+        </p:spPr>
+        <p:txBody>
+          <a:bodyPr wrap="square" rtlCol="0">
+            <a:spAutoFit/>
+          </a:bodyPr>
+          <a:lstStyle/>
+          <a:p>
+            <a:r>
+              <a:rPr lang="ja-JP" altLang="en-US" sz="2800" smtClean="0"/>
+              <a:t>スキャン</a:t>
+            </a:r>
+            <a:r>
+              <a:rPr lang="ja-JP" altLang="en-US" sz="2800"/>
+              <a:t>モード</a:t>
+            </a:r>
+            <a:r>
+              <a:rPr lang="ja-JP" altLang="en-US" sz="2800" smtClean="0"/>
+              <a:t>に</a:t>
+            </a:r>
+            <a:r>
+              <a:rPr lang="en-US" altLang="ja-JP" sz="2800" smtClean="0"/>
+              <a:t>TCP connect()</a:t>
+            </a:r>
+            <a:r>
+              <a:rPr lang="ja-JP" altLang="en-US" sz="2800" smtClean="0"/>
+              <a:t>スキャンを指定</a:t>
+            </a:r>
+            <a:endParaRPr lang="en-US" altLang="ja-JP" sz="2800" smtClean="0"/>
+          </a:p>
+        </p:txBody>
+      </p:sp>
+      <p:sp>
+        <p:nvSpPr>
+          <p:cNvPr id="9" name="左中かっこ 8"/>
+          <p:cNvSpPr/>
+          <p:nvPr/>
+        </p:nvSpPr>
+        <p:spPr>
+          <a:xfrm>
+            <a:off x="1797269" y="1439917"/>
+            <a:ext cx="409904" cy="2355569"/>
+          </a:xfrm>
+          <a:prstGeom prst="leftBrace">
+            <a:avLst/>
+          </a:prstGeom>
+          <a:ln w="28575"/>
+        </p:spPr>
+        <p:style>
+          <a:lnRef idx="1">
+            <a:schemeClr val="accent1"/>
+          </a:lnRef>
+          <a:fillRef idx="0">
+            <a:schemeClr val="accent1"/>
+          </a:fillRef>
+          <a:effectRef idx="0">
+            <a:schemeClr val="accent1"/>
+          </a:effectRef>
+          <a:fontRef idx="minor">
+            <a:schemeClr val="tx1"/>
+          </a:fontRef>
+        </p:style>
+        <p:txBody>
+          <a:bodyPr rtlCol="0" anchor="ctr"/>
+          <a:lstStyle/>
+          <a:p>
+            <a:pPr algn="ctr"/>
+            <a:endParaRPr kumimoji="1" lang="ja-JP" altLang="en-US"/>
+          </a:p>
+        </p:txBody>
+      </p:sp>
+      <p:sp>
+        <p:nvSpPr>
+          <p:cNvPr id="10" name="正方形/長方形 9"/>
+          <p:cNvSpPr/>
+          <p:nvPr/>
+        </p:nvSpPr>
+        <p:spPr>
+          <a:xfrm>
+            <a:off x="344061" y="5198378"/>
+            <a:ext cx="1311315" cy="858152"/>
+          </a:xfrm>
+          <a:prstGeom prst="rect">
+            <a:avLst/>
+          </a:prstGeom>
+          <a:solidFill>
+            <a:schemeClr val="accent1">
+              <a:lumMod val="50000"/>
+            </a:schemeClr>
+          </a:solidFill>
+          <a:ln w="28575" cmpd="sng">
+            <a:solidFill>
+              <a:schemeClr val="accent4">
+                <a:lumMod val="20000"/>
+                <a:lumOff val="80000"/>
+              </a:schemeClr>
+            </a:solidFill>
+          </a:ln>
+          <a:effectLst>
+            <a:glow rad="101600">
+              <a:schemeClr val="tx1">
+                <a:alpha val="22000"/>
+              </a:schemeClr>
+            </a:glow>
+            <a:outerShdw blurRad="50800" dist="38100" dir="2700000" algn="tl" rotWithShape="0">
+              <a:srgbClr val="000000">
+                <a:alpha val="43000"/>
+              </a:srgbClr>
+            </a:outerShdw>
+          </a:effectLst>
+        </p:spPr>
+        <p:style>
+          <a:lnRef idx="1">
+            <a:schemeClr val="accent1"/>
+          </a:lnRef>
+          <a:fillRef idx="3">
+            <a:schemeClr val="accent1"/>
+          </a:fillRef>
+          <a:effectRef idx="2">
+            <a:schemeClr val="accent1"/>
+          </a:effectRef>
+          <a:fontRef idx="minor">
+            <a:schemeClr val="lt1"/>
+          </a:fontRef>
+        </p:style>
+        <p:txBody>
+          <a:bodyPr rtlCol="0" anchor="ctr"/>
+          <a:lstStyle/>
+          <a:p>
+            <a:r>
+              <a:rPr lang="en-US" altLang="ja-JP" sz="4000" b="1" smtClean="0">
+                <a:solidFill>
+                  <a:schemeClr val="accent2">
+                    <a:lumMod val="20000"/>
+                    <a:lumOff val="80000"/>
+                  </a:schemeClr>
+                </a:solidFill>
+                <a:latin typeface="Consolas" panose="020B0609020204030204" pitchFamily="49" charset="0"/>
+                <a:cs typeface="Consolas" panose="020B0609020204030204" pitchFamily="49" charset="0"/>
+              </a:rPr>
+              <a:t>-sX</a:t>
+            </a:r>
+            <a:endParaRPr kumimoji="1" lang="ja-JP" altLang="en-US" sz="4000" b="1">
+              <a:solidFill>
+                <a:schemeClr val="accent2">
+                  <a:lumMod val="20000"/>
+                  <a:lumOff val="80000"/>
+                </a:schemeClr>
+              </a:solidFill>
+              <a:latin typeface="Consolas" panose="020B0609020204030204" pitchFamily="49" charset="0"/>
+              <a:cs typeface="Consolas" panose="020B0609020204030204" pitchFamily="49" charset="0"/>
+            </a:endParaRPr>
+          </a:p>
+        </p:txBody>
+      </p:sp>
+      <p:sp>
+        <p:nvSpPr>
+          <p:cNvPr id="11" name="テキスト ボックス 10"/>
+          <p:cNvSpPr txBox="1"/>
+          <p:nvPr/>
+        </p:nvSpPr>
+        <p:spPr>
+          <a:xfrm>
+            <a:off x="1821466" y="5325970"/>
+            <a:ext cx="6758151" cy="523220"/>
+          </a:xfrm>
+          <a:prstGeom prst="rect">
+            <a:avLst/>
+          </a:prstGeom>
+          <a:noFill/>
+        </p:spPr>
+        <p:txBody>
+          <a:bodyPr wrap="square" rtlCol="0">
+            <a:spAutoFit/>
+          </a:bodyPr>
+          <a:lstStyle/>
+          <a:p>
+            <a:r>
+              <a:rPr lang="ja-JP" altLang="en-US" sz="2800" smtClean="0"/>
+              <a:t>スキャンモードに</a:t>
+            </a:r>
+            <a:r>
+              <a:rPr lang="en-US" altLang="ja-JP" sz="2800" smtClean="0"/>
+              <a:t>Xmas</a:t>
+            </a:r>
+            <a:r>
+              <a:rPr lang="ja-JP" altLang="en-US" sz="2800" smtClean="0"/>
+              <a:t>スキャンを指定</a:t>
+            </a:r>
+            <a:endParaRPr lang="en-US" altLang="ja-JP" sz="2800" smtClean="0"/>
+          </a:p>
+        </p:txBody>
+      </p:sp>
+      <p:sp>
+        <p:nvSpPr>
+          <p:cNvPr id="13" name="テキスト ボックス 12"/>
+          <p:cNvSpPr txBox="1"/>
+          <p:nvPr/>
+        </p:nvSpPr>
+        <p:spPr>
+          <a:xfrm>
+            <a:off x="1569831" y="170121"/>
+            <a:ext cx="992618" cy="461665"/>
+          </a:xfrm>
+          <a:prstGeom prst="rect">
+            <a:avLst/>
+          </a:prstGeom>
+          <a:noFill/>
+        </p:spPr>
+        <p:txBody>
+          <a:bodyPr wrap="square" rtlCol="0">
+            <a:spAutoFit/>
+          </a:bodyPr>
+          <a:lstStyle/>
+          <a:p>
+            <a:r>
+              <a:rPr lang="en-US" altLang="ja-JP" sz="2400" b="1" smtClean="0">
+                <a:solidFill>
+                  <a:srgbClr val="FF0000"/>
+                </a:solidFill>
+              </a:rPr>
+              <a:t>2</a:t>
+            </a:r>
+            <a:r>
+              <a:rPr lang="ja-JP" altLang="en-US" sz="2400" b="1" smtClean="0">
+                <a:solidFill>
+                  <a:srgbClr val="FF0000"/>
+                </a:solidFill>
+              </a:rPr>
+              <a:t>文字</a:t>
+            </a:r>
+            <a:endParaRPr lang="en-US" altLang="ja-JP" sz="2400" b="1" smtClean="0">
+              <a:solidFill>
+                <a:srgbClr val="FF0000"/>
+              </a:solidFill>
+            </a:endParaRPr>
+          </a:p>
+        </p:txBody>
+      </p:sp>
+      <p:sp>
+        <p:nvSpPr>
+          <p:cNvPr id="14" name="テキスト ボックス 13"/>
+          <p:cNvSpPr txBox="1"/>
+          <p:nvPr/>
+        </p:nvSpPr>
+        <p:spPr>
+          <a:xfrm>
+            <a:off x="2540936" y="152399"/>
+            <a:ext cx="992618" cy="461665"/>
+          </a:xfrm>
+          <a:prstGeom prst="rect">
+            <a:avLst/>
+          </a:prstGeom>
+          <a:noFill/>
+        </p:spPr>
+        <p:txBody>
+          <a:bodyPr wrap="square" rtlCol="0">
+            <a:spAutoFit/>
+          </a:bodyPr>
+          <a:lstStyle/>
+          <a:p>
+            <a:r>
+              <a:rPr lang="en-US" altLang="ja-JP" sz="2400" b="1" smtClean="0">
+                <a:solidFill>
+                  <a:srgbClr val="FF0000"/>
+                </a:solidFill>
+              </a:rPr>
+              <a:t>1</a:t>
+            </a:r>
+            <a:r>
+              <a:rPr lang="ja-JP" altLang="en-US" sz="2400" b="1" smtClean="0">
+                <a:solidFill>
+                  <a:srgbClr val="FF0000"/>
+                </a:solidFill>
+              </a:rPr>
+              <a:t>文字</a:t>
+            </a:r>
+            <a:endParaRPr lang="en-US" altLang="ja-JP" sz="2400" b="1" smtClean="0">
+              <a:solidFill>
+                <a:srgbClr val="FF0000"/>
+              </a:solidFill>
+            </a:endParaRPr>
+          </a:p>
+        </p:txBody>
+      </p:sp>
+      <p:sp>
+        <p:nvSpPr>
+          <p:cNvPr id="15" name="テキスト ボックス 14"/>
+          <p:cNvSpPr txBox="1"/>
+          <p:nvPr/>
+        </p:nvSpPr>
+        <p:spPr>
+          <a:xfrm>
+            <a:off x="3767224" y="145311"/>
+            <a:ext cx="2771799" cy="461665"/>
+          </a:xfrm>
+          <a:prstGeom prst="rect">
+            <a:avLst/>
+          </a:prstGeom>
+          <a:noFill/>
+        </p:spPr>
+        <p:txBody>
+          <a:bodyPr wrap="square" rtlCol="0">
+            <a:spAutoFit/>
+          </a:bodyPr>
+          <a:lstStyle/>
+          <a:p>
+            <a:r>
+              <a:rPr lang="ja-JP" altLang="en-US" sz="2400" b="1" smtClean="0">
+                <a:solidFill>
+                  <a:srgbClr val="FF0000"/>
+                </a:solidFill>
+              </a:rPr>
+              <a:t>ロングオプション</a:t>
+            </a:r>
+            <a:endParaRPr lang="en-US" altLang="ja-JP" sz="2400" b="1" smtClean="0">
+              <a:solidFill>
+                <a:srgbClr val="FF0000"/>
+              </a:solidFill>
+            </a:endParaRPr>
           </a:p>
         </p:txBody>
       </p:sp>
     </p:spTree>
     <p:extLst>
       <p:ext uri="{BB962C8B-B14F-4D97-AF65-F5344CB8AC3E}">
-        <p14:creationId xmlns:p14="http://schemas.microsoft.com/office/powerpoint/2010/main" val="4009739411"/>
+        <p14:creationId xmlns:p14="http://schemas.microsoft.com/office/powerpoint/2010/main" xmlns="" val="1185846493"/>
       </p:ext>
     </p:extLst>
   </p:cSld>
@@ -5915,7 +6468,7 @@
           <a:blip r:embed="rId2" cstate="print">
             <a:extLst>
               <a:ext uri="{28A0092B-C50C-407E-A947-70E740481C1C}">
-                <a14:useLocalDpi xmlns:a14="http://schemas.microsoft.com/office/drawing/2010/main" val="0"/>
+                <a14:useLocalDpi xmlns:a14="http://schemas.microsoft.com/office/drawing/2010/main" xmlns="" val="0"/>
               </a:ext>
             </a:extLst>
           </a:blip>
@@ -5990,7 +6543,7 @@
     </p:spTree>
     <p:extLst>
       <p:ext uri="{BB962C8B-B14F-4D97-AF65-F5344CB8AC3E}">
-        <p14:creationId xmlns:p14="http://schemas.microsoft.com/office/powerpoint/2010/main" val="881172435"/>
+        <p14:creationId xmlns:p14="http://schemas.microsoft.com/office/powerpoint/2010/main" xmlns="" val="881172435"/>
       </p:ext>
     </p:extLst>
   </p:cSld>
@@ -6073,7 +6626,7 @@
     </p:spTree>
     <p:extLst>
       <p:ext uri="{BB962C8B-B14F-4D97-AF65-F5344CB8AC3E}">
-        <p14:creationId xmlns:p14="http://schemas.microsoft.com/office/powerpoint/2010/main" val="569350094"/>
+        <p14:creationId xmlns:p14="http://schemas.microsoft.com/office/powerpoint/2010/main" xmlns="" val="569350094"/>
       </p:ext>
     </p:extLst>
   </p:cSld>
@@ -6116,7 +6669,7 @@
           <p:nvPr/>
         </p:nvPicPr>
         <p:blipFill>
-          <a:blip r:embed="rId2"/>
+          <a:blip r:embed="rId2" cstate="print"/>
           <a:stretch>
             <a:fillRect/>
           </a:stretch>
@@ -6134,7 +6687,7 @@
     </p:spTree>
     <p:extLst>
       <p:ext uri="{BB962C8B-B14F-4D97-AF65-F5344CB8AC3E}">
-        <p14:creationId xmlns:p14="http://schemas.microsoft.com/office/powerpoint/2010/main" val="3118375049"/>
+        <p14:creationId xmlns:p14="http://schemas.microsoft.com/office/powerpoint/2010/main" xmlns="" val="3118375049"/>
       </p:ext>
     </p:extLst>
   </p:cSld>
@@ -6228,7 +6781,7 @@
           <p:nvPr>
             <p:extLst>
               <p:ext uri="{D42A27DB-BD31-4B8C-83A1-F6EECF244321}">
-                <p14:modId xmlns:p14="http://schemas.microsoft.com/office/powerpoint/2010/main" val="2279140518"/>
+                <p14:modId xmlns:p14="http://schemas.microsoft.com/office/powerpoint/2010/main" xmlns="" val="2279140518"/>
               </p:ext>
             </p:extLst>
           </p:nvPr>
@@ -6669,7 +7222,7 @@
     </p:spTree>
     <p:extLst>
       <p:ext uri="{BB962C8B-B14F-4D97-AF65-F5344CB8AC3E}">
-        <p14:creationId xmlns:p14="http://schemas.microsoft.com/office/powerpoint/2010/main" val="3333878178"/>
+        <p14:creationId xmlns:p14="http://schemas.microsoft.com/office/powerpoint/2010/main" xmlns="" val="3333878178"/>
       </p:ext>
     </p:extLst>
   </p:cSld>
@@ -7224,7 +7777,7 @@
     </p:spTree>
     <p:extLst>
       <p:ext uri="{BB962C8B-B14F-4D97-AF65-F5344CB8AC3E}">
-        <p14:creationId xmlns:p14="http://schemas.microsoft.com/office/powerpoint/2010/main" val="1447535175"/>
+        <p14:creationId xmlns:p14="http://schemas.microsoft.com/office/powerpoint/2010/main" xmlns="" val="1447535175"/>
       </p:ext>
     </p:extLst>
   </p:cSld>
@@ -7270,7 +7823,7 @@
           <a:blip r:embed="rId2" cstate="print">
             <a:extLst>
               <a:ext uri="{28A0092B-C50C-407E-A947-70E740481C1C}">
-                <a14:useLocalDpi xmlns:a14="http://schemas.microsoft.com/office/drawing/2010/main" val="0"/>
+                <a14:useLocalDpi xmlns:a14="http://schemas.microsoft.com/office/drawing/2010/main" xmlns="" val="0"/>
               </a:ext>
             </a:extLst>
           </a:blip>
@@ -7364,7 +7917,7 @@
     </p:spTree>
     <p:extLst>
       <p:ext uri="{BB962C8B-B14F-4D97-AF65-F5344CB8AC3E}">
-        <p14:creationId xmlns:p14="http://schemas.microsoft.com/office/powerpoint/2010/main" val="1127820023"/>
+        <p14:creationId xmlns:p14="http://schemas.microsoft.com/office/powerpoint/2010/main" xmlns="" val="1127820023"/>
       </p:ext>
     </p:extLst>
   </p:cSld>
@@ -7769,7 +8322,7 @@
     </p:spTree>
     <p:extLst>
       <p:ext uri="{BB962C8B-B14F-4D97-AF65-F5344CB8AC3E}">
-        <p14:creationId xmlns:p14="http://schemas.microsoft.com/office/powerpoint/2010/main" val="1570198615"/>
+        <p14:creationId xmlns:p14="http://schemas.microsoft.com/office/powerpoint/2010/main" xmlns="" val="1570198615"/>
       </p:ext>
     </p:extLst>
   </p:cSld>
@@ -8176,7 +8729,7 @@
     </p:spTree>
     <p:extLst>
       <p:ext uri="{BB962C8B-B14F-4D97-AF65-F5344CB8AC3E}">
-        <p14:creationId xmlns:p14="http://schemas.microsoft.com/office/powerpoint/2010/main" val="142409682"/>
+        <p14:creationId xmlns:p14="http://schemas.microsoft.com/office/powerpoint/2010/main" xmlns="" val="142409682"/>
       </p:ext>
     </p:extLst>
   </p:cSld>
@@ -8655,7 +9208,7 @@
     </p:spTree>
     <p:extLst>
       <p:ext uri="{BB962C8B-B14F-4D97-AF65-F5344CB8AC3E}">
-        <p14:creationId xmlns:p14="http://schemas.microsoft.com/office/powerpoint/2010/main" val="142409682"/>
+        <p14:creationId xmlns:p14="http://schemas.microsoft.com/office/powerpoint/2010/main" xmlns="" val="142409682"/>
       </p:ext>
     </p:extLst>
   </p:cSld>
@@ -8709,7 +9262,7 @@
           <a:blip r:embed="rId3" cstate="print">
             <a:extLst>
               <a:ext uri="{28A0092B-C50C-407E-A947-70E740481C1C}">
-                <a14:useLocalDpi xmlns:a14="http://schemas.microsoft.com/office/drawing/2010/main" val="0"/>
+                <a14:useLocalDpi xmlns:a14="http://schemas.microsoft.com/office/drawing/2010/main" xmlns="" val="0"/>
               </a:ext>
             </a:extLst>
           </a:blip>
@@ -9029,7 +9582,7 @@
     </p:spTree>
     <p:extLst>
       <p:ext uri="{BB962C8B-B14F-4D97-AF65-F5344CB8AC3E}">
-        <p14:creationId xmlns:p14="http://schemas.microsoft.com/office/powerpoint/2010/main" val="4038990212"/>
+        <p14:creationId xmlns:p14="http://schemas.microsoft.com/office/powerpoint/2010/main" xmlns="" val="4038990212"/>
       </p:ext>
     </p:extLst>
   </p:cSld>
@@ -9075,7 +9628,7 @@
           <a:blip r:embed="rId2" cstate="print">
             <a:extLst>
               <a:ext uri="{28A0092B-C50C-407E-A947-70E740481C1C}">
-                <a14:useLocalDpi xmlns:a14="http://schemas.microsoft.com/office/drawing/2010/main" val="0"/>
+                <a14:useLocalDpi xmlns:a14="http://schemas.microsoft.com/office/drawing/2010/main" xmlns="" val="0"/>
               </a:ext>
             </a:extLst>
           </a:blip>
@@ -9164,7 +9717,7 @@
     </p:spTree>
     <p:extLst>
       <p:ext uri="{BB962C8B-B14F-4D97-AF65-F5344CB8AC3E}">
-        <p14:creationId xmlns:p14="http://schemas.microsoft.com/office/powerpoint/2010/main" val="1093681869"/>
+        <p14:creationId xmlns:p14="http://schemas.microsoft.com/office/powerpoint/2010/main" xmlns="" val="1093681869"/>
       </p:ext>
     </p:extLst>
   </p:cSld>
@@ -9295,7 +9848,7 @@
     </p:spTree>
     <p:extLst>
       <p:ext uri="{BB962C8B-B14F-4D97-AF65-F5344CB8AC3E}">
-        <p14:creationId xmlns:p14="http://schemas.microsoft.com/office/powerpoint/2010/main" val="1708929833"/>
+        <p14:creationId xmlns:p14="http://schemas.microsoft.com/office/powerpoint/2010/main" xmlns="" val="1708929833"/>
       </p:ext>
     </p:extLst>
   </p:cSld>
@@ -9449,7 +10002,7 @@
     </p:spTree>
     <p:extLst>
       <p:ext uri="{BB962C8B-B14F-4D97-AF65-F5344CB8AC3E}">
-        <p14:creationId xmlns:p14="http://schemas.microsoft.com/office/powerpoint/2010/main" val="285120714"/>
+        <p14:creationId xmlns:p14="http://schemas.microsoft.com/office/powerpoint/2010/main" xmlns="" val="285120714"/>
       </p:ext>
     </p:extLst>
   </p:cSld>
@@ -9807,7 +10360,7 @@
     </p:spTree>
     <p:extLst>
       <p:ext uri="{BB962C8B-B14F-4D97-AF65-F5344CB8AC3E}">
-        <p14:creationId xmlns:p14="http://schemas.microsoft.com/office/powerpoint/2010/main" val="251935292"/>
+        <p14:creationId xmlns:p14="http://schemas.microsoft.com/office/powerpoint/2010/main" xmlns="" val="251935292"/>
       </p:ext>
     </p:extLst>
   </p:cSld>
@@ -9953,7 +10506,7 @@
     </p:spTree>
     <p:extLst>
       <p:ext uri="{BB962C8B-B14F-4D97-AF65-F5344CB8AC3E}">
-        <p14:creationId xmlns:p14="http://schemas.microsoft.com/office/powerpoint/2010/main" val="629575943"/>
+        <p14:creationId xmlns:p14="http://schemas.microsoft.com/office/powerpoint/2010/main" xmlns="" val="629575943"/>
       </p:ext>
     </p:extLst>
   </p:cSld>
@@ -10301,7 +10854,7 @@
     </p:spTree>
     <p:extLst>
       <p:ext uri="{BB962C8B-B14F-4D97-AF65-F5344CB8AC3E}">
-        <p14:creationId xmlns:p14="http://schemas.microsoft.com/office/powerpoint/2010/main" val="3008246913"/>
+        <p14:creationId xmlns:p14="http://schemas.microsoft.com/office/powerpoint/2010/main" xmlns="" val="3008246913"/>
       </p:ext>
     </p:extLst>
   </p:cSld>
@@ -10544,7 +11097,7 @@
     </p:spTree>
     <p:extLst>
       <p:ext uri="{BB962C8B-B14F-4D97-AF65-F5344CB8AC3E}">
-        <p14:creationId xmlns:p14="http://schemas.microsoft.com/office/powerpoint/2010/main" val="2304079971"/>
+        <p14:creationId xmlns:p14="http://schemas.microsoft.com/office/powerpoint/2010/main" xmlns="" val="2304079971"/>
       </p:ext>
     </p:extLst>
   </p:cSld>
@@ -10637,15 +11190,7 @@
           <a:p>
             <a:r>
               <a:rPr lang="ja-JP" altLang="en-US" smtClean="0"/>
-              <a:t>インターネット</a:t>
-            </a:r>
-            <a:r>
-              <a:rPr lang="ja-JP" altLang="en-US" smtClean="0"/>
-              <a:t>のプロトコルには「すき間」がいっぱいあるので、そこに色々突っ込むことが</a:t>
-            </a:r>
-            <a:r>
-              <a:rPr lang="ja-JP" altLang="en-US" smtClean="0"/>
-              <a:t>できる</a:t>
+              <a:t>インターネットのプロトコルには「すき間」がいっぱいあるので、そこに色々突っ込むことができる</a:t>
             </a:r>
             <a:endParaRPr lang="en-US" altLang="ja-JP" smtClean="0"/>
           </a:p>
@@ -10721,7 +11266,7 @@
     </p:spTree>
     <p:extLst>
       <p:ext uri="{BB962C8B-B14F-4D97-AF65-F5344CB8AC3E}">
-        <p14:creationId xmlns:p14="http://schemas.microsoft.com/office/powerpoint/2010/main" val="3650125372"/>
+        <p14:creationId xmlns:p14="http://schemas.microsoft.com/office/powerpoint/2010/main" xmlns="" val="3650125372"/>
       </p:ext>
     </p:extLst>
   </p:cSld>
@@ -10837,7 +11382,7 @@
     </p:spTree>
     <p:extLst>
       <p:ext uri="{BB962C8B-B14F-4D97-AF65-F5344CB8AC3E}">
-        <p14:creationId xmlns:p14="http://schemas.microsoft.com/office/powerpoint/2010/main" val="1590367856"/>
+        <p14:creationId xmlns:p14="http://schemas.microsoft.com/office/powerpoint/2010/main" xmlns="" val="1590367856"/>
       </p:ext>
     </p:extLst>
   </p:cSld>
@@ -10959,11 +11504,7 @@
             </a:r>
             <a:r>
               <a:rPr kumimoji="1" lang="ja-JP" altLang="en-US" sz="3000" smtClean="0"/>
-              <a:t>攻撃から「隠れる</a:t>
-            </a:r>
-            <a:r>
-              <a:rPr kumimoji="1" lang="ja-JP" altLang="en-US" sz="3000" smtClean="0"/>
-              <a:t>」</a:t>
+              <a:t>攻撃から「隠れる」</a:t>
             </a:r>
             <a:endParaRPr kumimoji="1" lang="en-US" altLang="ja-JP" sz="3000" smtClean="0"/>
           </a:p>
@@ -10972,7 +11513,7 @@
     </p:spTree>
     <p:extLst>
       <p:ext uri="{BB962C8B-B14F-4D97-AF65-F5344CB8AC3E}">
-        <p14:creationId xmlns:p14="http://schemas.microsoft.com/office/powerpoint/2010/main" val="2790500367"/>
+        <p14:creationId xmlns:p14="http://schemas.microsoft.com/office/powerpoint/2010/main" xmlns="" val="2790500367"/>
       </p:ext>
     </p:extLst>
   </p:cSld>
@@ -11018,7 +11559,7 @@
           <a:blip r:embed="rId2" cstate="print">
             <a:extLst>
               <a:ext uri="{28A0092B-C50C-407E-A947-70E740481C1C}">
-                <a14:useLocalDpi xmlns:a14="http://schemas.microsoft.com/office/drawing/2010/main" val="0"/>
+                <a14:useLocalDpi xmlns:a14="http://schemas.microsoft.com/office/drawing/2010/main" xmlns="" val="0"/>
               </a:ext>
             </a:extLst>
           </a:blip>
@@ -11137,7 +11678,7 @@
     </p:spTree>
     <p:extLst>
       <p:ext uri="{BB962C8B-B14F-4D97-AF65-F5344CB8AC3E}">
-        <p14:creationId xmlns:p14="http://schemas.microsoft.com/office/powerpoint/2010/main" val="2122976183"/>
+        <p14:creationId xmlns:p14="http://schemas.microsoft.com/office/powerpoint/2010/main" xmlns="" val="2122976183"/>
       </p:ext>
     </p:extLst>
   </p:cSld>
@@ -11276,7 +11817,7 @@
     </p:spTree>
     <p:extLst>
       <p:ext uri="{BB962C8B-B14F-4D97-AF65-F5344CB8AC3E}">
-        <p14:creationId xmlns:p14="http://schemas.microsoft.com/office/powerpoint/2010/main" val="3575517561"/>
+        <p14:creationId xmlns:p14="http://schemas.microsoft.com/office/powerpoint/2010/main" xmlns="" val="3575517561"/>
       </p:ext>
     </p:extLst>
   </p:cSld>
@@ -11399,7 +11940,7 @@
     </p:spTree>
     <p:extLst>
       <p:ext uri="{BB962C8B-B14F-4D97-AF65-F5344CB8AC3E}">
-        <p14:creationId xmlns:p14="http://schemas.microsoft.com/office/powerpoint/2010/main" val="3571136695"/>
+        <p14:creationId xmlns:p14="http://schemas.microsoft.com/office/powerpoint/2010/main" xmlns="" val="3571136695"/>
       </p:ext>
     </p:extLst>
   </p:cSld>
@@ -11542,7 +12083,7 @@
     </p:spTree>
     <p:extLst>
       <p:ext uri="{BB962C8B-B14F-4D97-AF65-F5344CB8AC3E}">
-        <p14:creationId xmlns:p14="http://schemas.microsoft.com/office/powerpoint/2010/main" val="2554317840"/>
+        <p14:creationId xmlns:p14="http://schemas.microsoft.com/office/powerpoint/2010/main" xmlns="" val="2554317840"/>
       </p:ext>
     </p:extLst>
   </p:cSld>
@@ -11588,7 +12129,7 @@
           <a:blip r:embed="rId2" cstate="print">
             <a:extLst>
               <a:ext uri="{28A0092B-C50C-407E-A947-70E740481C1C}">
-                <a14:useLocalDpi xmlns:a14="http://schemas.microsoft.com/office/drawing/2010/main" val="0"/>
+                <a14:useLocalDpi xmlns:a14="http://schemas.microsoft.com/office/drawing/2010/main" xmlns="" val="0"/>
               </a:ext>
             </a:extLst>
           </a:blip>
@@ -11705,7 +12246,7 @@
     </p:spTree>
     <p:extLst>
       <p:ext uri="{BB962C8B-B14F-4D97-AF65-F5344CB8AC3E}">
-        <p14:creationId xmlns:p14="http://schemas.microsoft.com/office/powerpoint/2010/main" val="2142194488"/>
+        <p14:creationId xmlns:p14="http://schemas.microsoft.com/office/powerpoint/2010/main" xmlns="" val="2142194488"/>
       </p:ext>
     </p:extLst>
   </p:cSld>
@@ -11840,7 +12381,7 @@
     </p:spTree>
     <p:extLst>
       <p:ext uri="{BB962C8B-B14F-4D97-AF65-F5344CB8AC3E}">
-        <p14:creationId xmlns:p14="http://schemas.microsoft.com/office/powerpoint/2010/main" val="3529535026"/>
+        <p14:creationId xmlns:p14="http://schemas.microsoft.com/office/powerpoint/2010/main" xmlns="" val="3529535026"/>
       </p:ext>
     </p:extLst>
   </p:cSld>
@@ -12196,7 +12737,7 @@
     </p:spTree>
     <p:extLst>
       <p:ext uri="{BB962C8B-B14F-4D97-AF65-F5344CB8AC3E}">
-        <p14:creationId xmlns:p14="http://schemas.microsoft.com/office/powerpoint/2010/main" val="2991684915"/>
+        <p14:creationId xmlns:p14="http://schemas.microsoft.com/office/powerpoint/2010/main" xmlns="" val="2991684915"/>
       </p:ext>
     </p:extLst>
   </p:cSld>
@@ -12576,7 +13117,7 @@
     </p:spTree>
     <p:extLst>
       <p:ext uri="{BB962C8B-B14F-4D97-AF65-F5344CB8AC3E}">
-        <p14:creationId xmlns:p14="http://schemas.microsoft.com/office/powerpoint/2010/main" val="311579348"/>
+        <p14:creationId xmlns:p14="http://schemas.microsoft.com/office/powerpoint/2010/main" xmlns="" val="311579348"/>
       </p:ext>
     </p:extLst>
   </p:cSld>
@@ -12698,7 +13239,7 @@
     </p:spTree>
     <p:extLst>
       <p:ext uri="{BB962C8B-B14F-4D97-AF65-F5344CB8AC3E}">
-        <p14:creationId xmlns:p14="http://schemas.microsoft.com/office/powerpoint/2010/main" val="2399038984"/>
+        <p14:creationId xmlns:p14="http://schemas.microsoft.com/office/powerpoint/2010/main" xmlns="" val="2399038984"/>
       </p:ext>
     </p:extLst>
   </p:cSld>
@@ -12838,7 +13379,7 @@
     </p:spTree>
     <p:extLst>
       <p:ext uri="{BB962C8B-B14F-4D97-AF65-F5344CB8AC3E}">
-        <p14:creationId xmlns:p14="http://schemas.microsoft.com/office/powerpoint/2010/main" val="4014586209"/>
+        <p14:creationId xmlns:p14="http://schemas.microsoft.com/office/powerpoint/2010/main" xmlns="" val="4014586209"/>
       </p:ext>
     </p:extLst>
   </p:cSld>
@@ -12894,7 +13435,11 @@
           <a:p>
             <a:r>
               <a:rPr kumimoji="1" lang="en-US" altLang="ja-JP" smtClean="0"/>
-              <a:t>Agenda.</a:t>
+              <a:t>Agenda</a:t>
+            </a:r>
+            <a:r>
+              <a:rPr kumimoji="1" lang="en-US" altLang="ja-JP" smtClean="0"/>
+              <a:t>.</a:t>
             </a:r>
             <a:endParaRPr kumimoji="1" lang="ja-JP" altLang="en-US"/>
           </a:p>
@@ -13017,7 +13562,7 @@
     </p:spTree>
     <p:extLst>
       <p:ext uri="{BB962C8B-B14F-4D97-AF65-F5344CB8AC3E}">
-        <p14:creationId xmlns:p14="http://schemas.microsoft.com/office/powerpoint/2010/main" val="302998058"/>
+        <p14:creationId xmlns:p14="http://schemas.microsoft.com/office/powerpoint/2010/main" xmlns="" val="302998058"/>
       </p:ext>
     </p:extLst>
   </p:cSld>
@@ -13272,7 +13817,7 @@
     </p:spTree>
     <p:extLst>
       <p:ext uri="{BB962C8B-B14F-4D97-AF65-F5344CB8AC3E}">
-        <p14:creationId xmlns:p14="http://schemas.microsoft.com/office/powerpoint/2010/main" val="846265346"/>
+        <p14:creationId xmlns:p14="http://schemas.microsoft.com/office/powerpoint/2010/main" xmlns="" val="846265346"/>
       </p:ext>
     </p:extLst>
   </p:cSld>
@@ -13530,7 +14075,7 @@
     </p:spTree>
     <p:extLst>
       <p:ext uri="{BB962C8B-B14F-4D97-AF65-F5344CB8AC3E}">
-        <p14:creationId xmlns:p14="http://schemas.microsoft.com/office/powerpoint/2010/main" val="733360992"/>
+        <p14:creationId xmlns:p14="http://schemas.microsoft.com/office/powerpoint/2010/main" xmlns="" val="733360992"/>
       </p:ext>
     </p:extLst>
   </p:cSld>
@@ -13576,7 +14121,7 @@
           <a:blip r:embed="rId2" cstate="print">
             <a:extLst>
               <a:ext uri="{28A0092B-C50C-407E-A947-70E740481C1C}">
-                <a14:useLocalDpi xmlns:a14="http://schemas.microsoft.com/office/drawing/2010/main" val="0"/>
+                <a14:useLocalDpi xmlns:a14="http://schemas.microsoft.com/office/drawing/2010/main" xmlns="" val="0"/>
               </a:ext>
             </a:extLst>
           </a:blip>
@@ -13737,7 +14282,7 @@
     </p:spTree>
     <p:extLst>
       <p:ext uri="{BB962C8B-B14F-4D97-AF65-F5344CB8AC3E}">
-        <p14:creationId xmlns:p14="http://schemas.microsoft.com/office/powerpoint/2010/main" val="2078586375"/>
+        <p14:creationId xmlns:p14="http://schemas.microsoft.com/office/powerpoint/2010/main" xmlns="" val="2078586375"/>
       </p:ext>
     </p:extLst>
   </p:cSld>
@@ -14019,7 +14564,7 @@
     </p:spTree>
     <p:extLst>
       <p:ext uri="{BB962C8B-B14F-4D97-AF65-F5344CB8AC3E}">
-        <p14:creationId xmlns:p14="http://schemas.microsoft.com/office/powerpoint/2010/main" val="840825377"/>
+        <p14:creationId xmlns:p14="http://schemas.microsoft.com/office/powerpoint/2010/main" xmlns="" val="840825377"/>
       </p:ext>
     </p:extLst>
   </p:cSld>
@@ -14140,7 +14685,7 @@
     </p:spTree>
     <p:extLst>
       <p:ext uri="{BB962C8B-B14F-4D97-AF65-F5344CB8AC3E}">
-        <p14:creationId xmlns:p14="http://schemas.microsoft.com/office/powerpoint/2010/main" val="2888440918"/>
+        <p14:creationId xmlns:p14="http://schemas.microsoft.com/office/powerpoint/2010/main" xmlns="" val="2888440918"/>
       </p:ext>
     </p:extLst>
   </p:cSld>
@@ -14186,7 +14731,7 @@
           <a:blip r:embed="rId2" cstate="print">
             <a:extLst>
               <a:ext uri="{28A0092B-C50C-407E-A947-70E740481C1C}">
-                <a14:useLocalDpi xmlns:a14="http://schemas.microsoft.com/office/drawing/2010/main" val="0"/>
+                <a14:useLocalDpi xmlns:a14="http://schemas.microsoft.com/office/drawing/2010/main" xmlns="" val="0"/>
               </a:ext>
             </a:extLst>
           </a:blip>
@@ -14261,7 +14806,7 @@
     </p:spTree>
     <p:extLst>
       <p:ext uri="{BB962C8B-B14F-4D97-AF65-F5344CB8AC3E}">
-        <p14:creationId xmlns:p14="http://schemas.microsoft.com/office/powerpoint/2010/main" val="2711273333"/>
+        <p14:creationId xmlns:p14="http://schemas.microsoft.com/office/powerpoint/2010/main" xmlns="" val="2711273333"/>
       </p:ext>
     </p:extLst>
   </p:cSld>
@@ -14297,212 +14842,14 @@
       </p:grpSpPr>
       <p:sp>
         <p:nvSpPr>
-          <p:cNvPr id="2" name="タイトル 1"/>
-          <p:cNvSpPr>
-            <a:spLocks noGrp="1"/>
-          </p:cNvSpPr>
-          <p:nvPr>
-            <p:ph type="title"/>
-          </p:nvPr>
+          <p:cNvPr id="5" name="正方形/長方形 4"/>
+          <p:cNvSpPr/>
+          <p:nvPr/>
         </p:nvSpPr>
         <p:spPr>
           <a:xfrm>
-            <a:off x="628650" y="365126"/>
-            <a:ext cx="7886700" cy="866515"/>
-          </a:xfrm>
-        </p:spPr>
-        <p:txBody>
-          <a:bodyPr/>
-          <a:lstStyle/>
-          <a:p>
-            <a:r>
-              <a:rPr kumimoji="1" lang="ja-JP" altLang="en-US" smtClean="0"/>
-              <a:t>復習</a:t>
-            </a:r>
-            <a:r>
-              <a:rPr kumimoji="1" lang="en-US" altLang="ja-JP" smtClean="0"/>
-              <a:t>: nmap</a:t>
-            </a:r>
-            <a:r>
-              <a:rPr kumimoji="1" lang="ja-JP" altLang="en-US" smtClean="0"/>
-              <a:t>のオプション指定</a:t>
-            </a:r>
-            <a:endParaRPr kumimoji="1" lang="ja-JP" altLang="en-US"/>
-          </a:p>
-        </p:txBody>
-      </p:sp>
-      <p:sp>
-        <p:nvSpPr>
-          <p:cNvPr id="3" name="コンテンツ プレースホルダー 2"/>
-          <p:cNvSpPr>
-            <a:spLocks noGrp="1"/>
-          </p:cNvSpPr>
-          <p:nvPr>
-            <p:ph idx="1"/>
-          </p:nvPr>
-        </p:nvSpPr>
-        <p:spPr>
-          <a:xfrm>
-            <a:off x="628649" y="1573377"/>
-            <a:ext cx="8105447" cy="4351338"/>
-          </a:xfrm>
-        </p:spPr>
-        <p:txBody>
-          <a:bodyPr/>
-          <a:lstStyle/>
-          <a:p>
-            <a:pPr>
-              <a:lnSpc>
-                <a:spcPct val="100000"/>
-              </a:lnSpc>
-            </a:pPr>
-            <a:r>
-              <a:rPr kumimoji="1" lang="ja-JP" altLang="en-US" smtClean="0"/>
-              <a:t>一般的な</a:t>
-            </a:r>
-            <a:r>
-              <a:rPr lang="en-US" altLang="ja-JP" smtClean="0"/>
-              <a:t>UNIX/Linux</a:t>
-            </a:r>
-            <a:r>
-              <a:rPr lang="ja-JP" altLang="en-US" smtClean="0"/>
-              <a:t>のコマンドとチョット異なる。。。</a:t>
-            </a:r>
-            <a:endParaRPr kumimoji="1" lang="en-US" altLang="ja-JP" smtClean="0"/>
-          </a:p>
-          <a:p>
-            <a:pPr lvl="1">
-              <a:lnSpc>
-                <a:spcPct val="100000"/>
-              </a:lnSpc>
-            </a:pPr>
-            <a:r>
-              <a:rPr lang="en-US" altLang="ja-JP" smtClean="0"/>
-              <a:t>1</a:t>
-            </a:r>
-            <a:r>
-              <a:rPr lang="ja-JP" altLang="en-US" smtClean="0"/>
-              <a:t>文字オプション</a:t>
-            </a:r>
-            <a:r>
-              <a:rPr lang="en-US" altLang="ja-JP" smtClean="0"/>
-              <a:t>or</a:t>
-            </a:r>
-            <a:r>
-              <a:rPr lang="ja-JP" altLang="en-US" smtClean="0"/>
-              <a:t>ロングオプションは、普通の</a:t>
-            </a:r>
-            <a:r>
-              <a:rPr lang="en-US" altLang="ja-JP" smtClean="0"/>
-              <a:t>UNIX/Linux</a:t>
-            </a:r>
-            <a:r>
-              <a:rPr lang="ja-JP" altLang="en-US" smtClean="0"/>
-              <a:t>コマンドぽく。</a:t>
-            </a:r>
-            <a:endParaRPr lang="en-US" altLang="ja-JP" smtClean="0"/>
-          </a:p>
-          <a:p>
-            <a:pPr lvl="1">
-              <a:lnSpc>
-                <a:spcPct val="100000"/>
-              </a:lnSpc>
-            </a:pPr>
-            <a:r>
-              <a:rPr lang="en-US" altLang="ja-JP" b="1" smtClean="0">
-                <a:solidFill>
-                  <a:srgbClr val="FF0000"/>
-                </a:solidFill>
-              </a:rPr>
-              <a:t>2</a:t>
-            </a:r>
-            <a:r>
-              <a:rPr lang="ja-JP" altLang="en-US" b="1">
-                <a:solidFill>
-                  <a:srgbClr val="FF0000"/>
-                </a:solidFill>
-              </a:rPr>
-              <a:t>文字</a:t>
-            </a:r>
-            <a:r>
-              <a:rPr lang="ja-JP" altLang="en-US" b="1" smtClean="0">
-                <a:solidFill>
-                  <a:srgbClr val="FF0000"/>
-                </a:solidFill>
-              </a:rPr>
-              <a:t>のオプション</a:t>
-            </a:r>
-            <a:r>
-              <a:rPr lang="ja-JP" altLang="en-US" smtClean="0"/>
-              <a:t>は、「</a:t>
-            </a:r>
-            <a:r>
-              <a:rPr lang="en-US" altLang="ja-JP" smtClean="0"/>
-              <a:t>1</a:t>
-            </a:r>
-            <a:r>
-              <a:rPr lang="ja-JP" altLang="en-US" smtClean="0"/>
-              <a:t>文字目が機能種別、</a:t>
-            </a:r>
-            <a:r>
-              <a:rPr lang="en-US" altLang="ja-JP" smtClean="0"/>
-              <a:t>2</a:t>
-            </a:r>
-            <a:r>
-              <a:rPr lang="ja-JP" altLang="en-US" smtClean="0"/>
-              <a:t>文字目がその指定値」</a:t>
-            </a:r>
-            <a:endParaRPr lang="en-US" altLang="ja-JP" smtClean="0"/>
-          </a:p>
-        </p:txBody>
-      </p:sp>
-    </p:spTree>
-    <p:extLst>
-      <p:ext uri="{BB962C8B-B14F-4D97-AF65-F5344CB8AC3E}">
-        <p14:creationId xmlns:p14="http://schemas.microsoft.com/office/powerpoint/2010/main" val="592033528"/>
-      </p:ext>
-    </p:extLst>
-  </p:cSld>
-  <p:clrMapOvr>
-    <a:masterClrMapping/>
-  </p:clrMapOvr>
-  <p:timing>
-    <p:tnLst>
-      <p:par>
-        <p:cTn id="1" dur="indefinite" restart="never" nodeType="tmRoot"/>
-      </p:par>
-    </p:tnLst>
-  </p:timing>
-</p:sld>
-</file>
-
-<file path=ppt/slides/slide7.xml><?xml version="1.0" encoding="utf-8"?>
-<p:sld xmlns:a="http://schemas.openxmlformats.org/drawingml/2006/main" xmlns:r="http://schemas.openxmlformats.org/officeDocument/2006/relationships" xmlns:p="http://schemas.openxmlformats.org/presentationml/2006/main">
-  <p:cSld>
-    <p:spTree>
-      <p:nvGrpSpPr>
-        <p:cNvPr id="1" name=""/>
-        <p:cNvGrpSpPr/>
-        <p:nvPr/>
-      </p:nvGrpSpPr>
-      <p:grpSpPr>
-        <a:xfrm>
-          <a:off x="0" y="0"/>
-          <a:ext cx="0" cy="0"/>
-          <a:chOff x="0" y="0"/>
-          <a:chExt cx="0" cy="0"/>
-        </a:xfrm>
-      </p:grpSpPr>
-      <p:sp>
-        <p:nvSpPr>
-          <p:cNvPr id="4" name="正方形/長方形 3"/>
-          <p:cNvSpPr/>
-          <p:nvPr/>
-        </p:nvSpPr>
-        <p:spPr>
-          <a:xfrm>
-            <a:off x="189186" y="327510"/>
-            <a:ext cx="8744607" cy="798285"/>
+            <a:off x="379687" y="1273441"/>
+            <a:ext cx="4330536" cy="798285"/>
           </a:xfrm>
           <a:prstGeom prst="rect">
             <a:avLst/>
@@ -14538,575 +14885,6 @@
           <a:lstStyle/>
           <a:p>
             <a:r>
-              <a:rPr lang="en-US" altLang="ja-JP" sz="3200">
-                <a:latin typeface="Consolas"/>
-                <a:cs typeface="Consolas"/>
-              </a:rPr>
-              <a:t># </a:t>
-            </a:r>
-            <a:r>
-              <a:rPr lang="en-US" altLang="ja-JP" sz="3200" smtClean="0">
-                <a:latin typeface="Consolas"/>
-                <a:cs typeface="Consolas"/>
-              </a:rPr>
-              <a:t>nmap -sS -n --top-ports 10 10.1.1.1</a:t>
-            </a:r>
-            <a:endParaRPr lang="en-US" altLang="ja-JP" sz="3200">
-              <a:latin typeface="Consolas"/>
-              <a:cs typeface="Consolas"/>
-            </a:endParaRPr>
-          </a:p>
-        </p:txBody>
-      </p:sp>
-      <p:sp>
-        <p:nvSpPr>
-          <p:cNvPr id="5" name="正方形/長方形 4"/>
-          <p:cNvSpPr/>
-          <p:nvPr/>
-        </p:nvSpPr>
-        <p:spPr>
-          <a:xfrm>
-            <a:off x="344061" y="2105765"/>
-            <a:ext cx="1311315" cy="858152"/>
-          </a:xfrm>
-          <a:prstGeom prst="rect">
-            <a:avLst/>
-          </a:prstGeom>
-          <a:solidFill>
-            <a:schemeClr val="accent2">
-              <a:lumMod val="50000"/>
-            </a:schemeClr>
-          </a:solidFill>
-          <a:ln w="28575" cmpd="sng">
-            <a:solidFill>
-              <a:schemeClr val="accent4">
-                <a:lumMod val="20000"/>
-                <a:lumOff val="80000"/>
-              </a:schemeClr>
-            </a:solidFill>
-          </a:ln>
-          <a:effectLst>
-            <a:glow rad="101600">
-              <a:schemeClr val="tx1">
-                <a:alpha val="22000"/>
-              </a:schemeClr>
-            </a:glow>
-            <a:outerShdw blurRad="50800" dist="38100" dir="2700000" algn="tl" rotWithShape="0">
-              <a:srgbClr val="000000">
-                <a:alpha val="43000"/>
-              </a:srgbClr>
-            </a:outerShdw>
-          </a:effectLst>
-        </p:spPr>
-        <p:style>
-          <a:lnRef idx="1">
-            <a:schemeClr val="accent1"/>
-          </a:lnRef>
-          <a:fillRef idx="3">
-            <a:schemeClr val="accent1"/>
-          </a:fillRef>
-          <a:effectRef idx="2">
-            <a:schemeClr val="accent1"/>
-          </a:effectRef>
-          <a:fontRef idx="minor">
-            <a:schemeClr val="lt1"/>
-          </a:fontRef>
-        </p:style>
-        <p:txBody>
-          <a:bodyPr rtlCol="0" anchor="ctr"/>
-          <a:lstStyle/>
-          <a:p>
-            <a:r>
-              <a:rPr lang="en-US" altLang="ja-JP" sz="4000" b="1" smtClean="0">
-                <a:solidFill>
-                  <a:schemeClr val="accent2">
-                    <a:lumMod val="20000"/>
-                    <a:lumOff val="80000"/>
-                  </a:schemeClr>
-                </a:solidFill>
-                <a:latin typeface="Consolas" panose="020B0609020204030204" pitchFamily="49" charset="0"/>
-                <a:cs typeface="Consolas" panose="020B0609020204030204" pitchFamily="49" charset="0"/>
-              </a:rPr>
-              <a:t>-sS</a:t>
-            </a:r>
-            <a:endParaRPr kumimoji="1" lang="ja-JP" altLang="en-US" sz="4000" b="1">
-              <a:solidFill>
-                <a:schemeClr val="accent2">
-                  <a:lumMod val="20000"/>
-                  <a:lumOff val="80000"/>
-                </a:schemeClr>
-              </a:solidFill>
-              <a:latin typeface="Consolas" panose="020B0609020204030204" pitchFamily="49" charset="0"/>
-              <a:cs typeface="Consolas" panose="020B0609020204030204" pitchFamily="49" charset="0"/>
-            </a:endParaRPr>
-          </a:p>
-        </p:txBody>
-      </p:sp>
-      <p:sp>
-        <p:nvSpPr>
-          <p:cNvPr id="6" name="テキスト ボックス 5"/>
-          <p:cNvSpPr txBox="1"/>
-          <p:nvPr/>
-        </p:nvSpPr>
-        <p:spPr>
-          <a:xfrm>
-            <a:off x="2207173" y="1548717"/>
-            <a:ext cx="6758151" cy="2246769"/>
-          </a:xfrm>
-          <a:prstGeom prst="rect">
-            <a:avLst/>
-          </a:prstGeom>
-          <a:noFill/>
-        </p:spPr>
-        <p:txBody>
-          <a:bodyPr wrap="square" rtlCol="0">
-            <a:spAutoFit/>
-          </a:bodyPr>
-          <a:lstStyle/>
-          <a:p>
-            <a:r>
-              <a:rPr lang="en-US" altLang="ja-JP" sz="2800" smtClean="0"/>
-              <a:t>2</a:t>
-            </a:r>
-            <a:r>
-              <a:rPr lang="ja-JP" altLang="en-US" sz="2800" smtClean="0"/>
-              <a:t>文字のオプションなので、</a:t>
-            </a:r>
-            <a:endParaRPr lang="en-US" altLang="ja-JP" sz="2800" smtClean="0"/>
-          </a:p>
-          <a:p>
-            <a:pPr marL="285750" indent="-285750">
-              <a:buFont typeface="Arial" panose="020B0604020202020204" pitchFamily="34" charset="0"/>
-              <a:buChar char="•"/>
-            </a:pPr>
-            <a:r>
-              <a:rPr kumimoji="1" lang="en-US" altLang="ja-JP" sz="2800" smtClean="0"/>
-              <a:t>1</a:t>
-            </a:r>
-            <a:r>
-              <a:rPr kumimoji="1" lang="ja-JP" altLang="en-US" sz="2800" smtClean="0"/>
-              <a:t>文字目の「</a:t>
-            </a:r>
-            <a:r>
-              <a:rPr kumimoji="1" lang="en-US" altLang="ja-JP" sz="2800" smtClean="0"/>
-              <a:t>s</a:t>
-            </a:r>
-            <a:r>
-              <a:rPr kumimoji="1" lang="ja-JP" altLang="en-US" sz="2800" smtClean="0"/>
-              <a:t>」は「スキャンモードを指定する」ことを意味する</a:t>
-            </a:r>
-            <a:endParaRPr kumimoji="1" lang="en-US" altLang="ja-JP" sz="2800" smtClean="0"/>
-          </a:p>
-          <a:p>
-            <a:pPr marL="285750" indent="-285750">
-              <a:buFont typeface="Arial" panose="020B0604020202020204" pitchFamily="34" charset="0"/>
-              <a:buChar char="•"/>
-            </a:pPr>
-            <a:r>
-              <a:rPr lang="en-US" altLang="ja-JP" sz="2800" smtClean="0"/>
-              <a:t>2</a:t>
-            </a:r>
-            <a:r>
-              <a:rPr lang="ja-JP" altLang="en-US" sz="2800"/>
-              <a:t>文字目</a:t>
-            </a:r>
-            <a:r>
-              <a:rPr lang="ja-JP" altLang="en-US" sz="2800" smtClean="0"/>
-              <a:t>の「</a:t>
-            </a:r>
-            <a:r>
-              <a:rPr lang="en-US" altLang="ja-JP" sz="2800" smtClean="0"/>
-              <a:t>T</a:t>
-            </a:r>
-            <a:r>
-              <a:rPr lang="ja-JP" altLang="en-US" sz="2800" smtClean="0"/>
-              <a:t>」は、「スキャンモードに</a:t>
-            </a:r>
-            <a:r>
-              <a:rPr lang="en-US" altLang="ja-JP" sz="2800" smtClean="0"/>
-              <a:t>SYN</a:t>
-            </a:r>
-            <a:r>
-              <a:rPr lang="ja-JP" altLang="en-US" sz="2800" smtClean="0"/>
-              <a:t>スキャン」を指定している</a:t>
-            </a:r>
-            <a:endParaRPr kumimoji="1" lang="ja-JP" altLang="en-US" sz="2800"/>
-          </a:p>
-        </p:txBody>
-      </p:sp>
-      <p:sp>
-        <p:nvSpPr>
-          <p:cNvPr id="7" name="正方形/長方形 6"/>
-          <p:cNvSpPr/>
-          <p:nvPr/>
-        </p:nvSpPr>
-        <p:spPr>
-          <a:xfrm>
-            <a:off x="344062" y="4218408"/>
-            <a:ext cx="1311315" cy="858152"/>
-          </a:xfrm>
-          <a:prstGeom prst="rect">
-            <a:avLst/>
-          </a:prstGeom>
-          <a:solidFill>
-            <a:schemeClr val="accent1">
-              <a:lumMod val="50000"/>
-            </a:schemeClr>
-          </a:solidFill>
-          <a:ln w="28575" cmpd="sng">
-            <a:solidFill>
-              <a:schemeClr val="accent4">
-                <a:lumMod val="20000"/>
-                <a:lumOff val="80000"/>
-              </a:schemeClr>
-            </a:solidFill>
-          </a:ln>
-          <a:effectLst>
-            <a:glow rad="101600">
-              <a:schemeClr val="tx1">
-                <a:alpha val="22000"/>
-              </a:schemeClr>
-            </a:glow>
-            <a:outerShdw blurRad="50800" dist="38100" dir="2700000" algn="tl" rotWithShape="0">
-              <a:srgbClr val="000000">
-                <a:alpha val="43000"/>
-              </a:srgbClr>
-            </a:outerShdw>
-          </a:effectLst>
-        </p:spPr>
-        <p:style>
-          <a:lnRef idx="1">
-            <a:schemeClr val="accent1"/>
-          </a:lnRef>
-          <a:fillRef idx="3">
-            <a:schemeClr val="accent1"/>
-          </a:fillRef>
-          <a:effectRef idx="2">
-            <a:schemeClr val="accent1"/>
-          </a:effectRef>
-          <a:fontRef idx="minor">
-            <a:schemeClr val="lt1"/>
-          </a:fontRef>
-        </p:style>
-        <p:txBody>
-          <a:bodyPr rtlCol="0" anchor="ctr"/>
-          <a:lstStyle/>
-          <a:p>
-            <a:r>
-              <a:rPr lang="en-US" altLang="ja-JP" sz="4000" b="1" smtClean="0">
-                <a:solidFill>
-                  <a:schemeClr val="accent2">
-                    <a:lumMod val="20000"/>
-                    <a:lumOff val="80000"/>
-                  </a:schemeClr>
-                </a:solidFill>
-                <a:latin typeface="Consolas" panose="020B0609020204030204" pitchFamily="49" charset="0"/>
-                <a:cs typeface="Consolas" panose="020B0609020204030204" pitchFamily="49" charset="0"/>
-              </a:rPr>
-              <a:t>-sT</a:t>
-            </a:r>
-            <a:endParaRPr kumimoji="1" lang="ja-JP" altLang="en-US" sz="4000" b="1">
-              <a:solidFill>
-                <a:schemeClr val="accent2">
-                  <a:lumMod val="20000"/>
-                  <a:lumOff val="80000"/>
-                </a:schemeClr>
-              </a:solidFill>
-              <a:latin typeface="Consolas" panose="020B0609020204030204" pitchFamily="49" charset="0"/>
-              <a:cs typeface="Consolas" panose="020B0609020204030204" pitchFamily="49" charset="0"/>
-            </a:endParaRPr>
-          </a:p>
-        </p:txBody>
-      </p:sp>
-      <p:sp>
-        <p:nvSpPr>
-          <p:cNvPr id="8" name="テキスト ボックス 7"/>
-          <p:cNvSpPr txBox="1"/>
-          <p:nvPr/>
-        </p:nvSpPr>
-        <p:spPr>
-          <a:xfrm>
-            <a:off x="2002221" y="4170430"/>
-            <a:ext cx="6758151" cy="954107"/>
-          </a:xfrm>
-          <a:prstGeom prst="rect">
-            <a:avLst/>
-          </a:prstGeom>
-          <a:noFill/>
-        </p:spPr>
-        <p:txBody>
-          <a:bodyPr wrap="square" rtlCol="0">
-            <a:spAutoFit/>
-          </a:bodyPr>
-          <a:lstStyle/>
-          <a:p>
-            <a:r>
-              <a:rPr lang="ja-JP" altLang="en-US" sz="2800" smtClean="0"/>
-              <a:t>スキャン</a:t>
-            </a:r>
-            <a:r>
-              <a:rPr lang="ja-JP" altLang="en-US" sz="2800"/>
-              <a:t>モード</a:t>
-            </a:r>
-            <a:r>
-              <a:rPr lang="ja-JP" altLang="en-US" sz="2800" smtClean="0"/>
-              <a:t>に</a:t>
-            </a:r>
-            <a:r>
-              <a:rPr lang="en-US" altLang="ja-JP" sz="2800" smtClean="0"/>
-              <a:t>TCP connect()</a:t>
-            </a:r>
-            <a:r>
-              <a:rPr lang="ja-JP" altLang="en-US" sz="2800" smtClean="0"/>
-              <a:t>スキャンを指定</a:t>
-            </a:r>
-            <a:endParaRPr lang="en-US" altLang="ja-JP" sz="2800" smtClean="0"/>
-          </a:p>
-        </p:txBody>
-      </p:sp>
-      <p:sp>
-        <p:nvSpPr>
-          <p:cNvPr id="9" name="左中かっこ 8"/>
-          <p:cNvSpPr/>
-          <p:nvPr/>
-        </p:nvSpPr>
-        <p:spPr>
-          <a:xfrm>
-            <a:off x="1797269" y="1439917"/>
-            <a:ext cx="409904" cy="2355569"/>
-          </a:xfrm>
-          <a:prstGeom prst="leftBrace">
-            <a:avLst/>
-          </a:prstGeom>
-          <a:ln w="28575"/>
-        </p:spPr>
-        <p:style>
-          <a:lnRef idx="1">
-            <a:schemeClr val="accent1"/>
-          </a:lnRef>
-          <a:fillRef idx="0">
-            <a:schemeClr val="accent1"/>
-          </a:fillRef>
-          <a:effectRef idx="0">
-            <a:schemeClr val="accent1"/>
-          </a:effectRef>
-          <a:fontRef idx="minor">
-            <a:schemeClr val="tx1"/>
-          </a:fontRef>
-        </p:style>
-        <p:txBody>
-          <a:bodyPr rtlCol="0" anchor="ctr"/>
-          <a:lstStyle/>
-          <a:p>
-            <a:pPr algn="ctr"/>
-            <a:endParaRPr kumimoji="1" lang="ja-JP" altLang="en-US"/>
-          </a:p>
-        </p:txBody>
-      </p:sp>
-      <p:sp>
-        <p:nvSpPr>
-          <p:cNvPr id="10" name="正方形/長方形 9"/>
-          <p:cNvSpPr/>
-          <p:nvPr/>
-        </p:nvSpPr>
-        <p:spPr>
-          <a:xfrm>
-            <a:off x="344061" y="5198378"/>
-            <a:ext cx="1311315" cy="858152"/>
-          </a:xfrm>
-          <a:prstGeom prst="rect">
-            <a:avLst/>
-          </a:prstGeom>
-          <a:solidFill>
-            <a:schemeClr val="accent1">
-              <a:lumMod val="50000"/>
-            </a:schemeClr>
-          </a:solidFill>
-          <a:ln w="28575" cmpd="sng">
-            <a:solidFill>
-              <a:schemeClr val="accent4">
-                <a:lumMod val="20000"/>
-                <a:lumOff val="80000"/>
-              </a:schemeClr>
-            </a:solidFill>
-          </a:ln>
-          <a:effectLst>
-            <a:glow rad="101600">
-              <a:schemeClr val="tx1">
-                <a:alpha val="22000"/>
-              </a:schemeClr>
-            </a:glow>
-            <a:outerShdw blurRad="50800" dist="38100" dir="2700000" algn="tl" rotWithShape="0">
-              <a:srgbClr val="000000">
-                <a:alpha val="43000"/>
-              </a:srgbClr>
-            </a:outerShdw>
-          </a:effectLst>
-        </p:spPr>
-        <p:style>
-          <a:lnRef idx="1">
-            <a:schemeClr val="accent1"/>
-          </a:lnRef>
-          <a:fillRef idx="3">
-            <a:schemeClr val="accent1"/>
-          </a:fillRef>
-          <a:effectRef idx="2">
-            <a:schemeClr val="accent1"/>
-          </a:effectRef>
-          <a:fontRef idx="minor">
-            <a:schemeClr val="lt1"/>
-          </a:fontRef>
-        </p:style>
-        <p:txBody>
-          <a:bodyPr rtlCol="0" anchor="ctr"/>
-          <a:lstStyle/>
-          <a:p>
-            <a:r>
-              <a:rPr lang="en-US" altLang="ja-JP" sz="4000" b="1" smtClean="0">
-                <a:solidFill>
-                  <a:schemeClr val="accent2">
-                    <a:lumMod val="20000"/>
-                    <a:lumOff val="80000"/>
-                  </a:schemeClr>
-                </a:solidFill>
-                <a:latin typeface="Consolas" panose="020B0609020204030204" pitchFamily="49" charset="0"/>
-                <a:cs typeface="Consolas" panose="020B0609020204030204" pitchFamily="49" charset="0"/>
-              </a:rPr>
-              <a:t>-sX</a:t>
-            </a:r>
-            <a:endParaRPr kumimoji="1" lang="ja-JP" altLang="en-US" sz="4000" b="1">
-              <a:solidFill>
-                <a:schemeClr val="accent2">
-                  <a:lumMod val="20000"/>
-                  <a:lumOff val="80000"/>
-                </a:schemeClr>
-              </a:solidFill>
-              <a:latin typeface="Consolas" panose="020B0609020204030204" pitchFamily="49" charset="0"/>
-              <a:cs typeface="Consolas" panose="020B0609020204030204" pitchFamily="49" charset="0"/>
-            </a:endParaRPr>
-          </a:p>
-        </p:txBody>
-      </p:sp>
-      <p:sp>
-        <p:nvSpPr>
-          <p:cNvPr id="11" name="テキスト ボックス 10"/>
-          <p:cNvSpPr txBox="1"/>
-          <p:nvPr/>
-        </p:nvSpPr>
-        <p:spPr>
-          <a:xfrm>
-            <a:off x="2002220" y="5198378"/>
-            <a:ext cx="6758151" cy="523220"/>
-          </a:xfrm>
-          <a:prstGeom prst="rect">
-            <a:avLst/>
-          </a:prstGeom>
-          <a:noFill/>
-        </p:spPr>
-        <p:txBody>
-          <a:bodyPr wrap="square" rtlCol="0">
-            <a:spAutoFit/>
-          </a:bodyPr>
-          <a:lstStyle/>
-          <a:p>
-            <a:r>
-              <a:rPr lang="ja-JP" altLang="en-US" sz="2800" smtClean="0"/>
-              <a:t>スキャンモードに</a:t>
-            </a:r>
-            <a:r>
-              <a:rPr lang="en-US" altLang="ja-JP" sz="2800" smtClean="0"/>
-              <a:t>Xmas</a:t>
-            </a:r>
-            <a:r>
-              <a:rPr lang="ja-JP" altLang="en-US" sz="2800" smtClean="0"/>
-              <a:t>スキャンを指定</a:t>
-            </a:r>
-            <a:endParaRPr lang="en-US" altLang="ja-JP" sz="2800" smtClean="0"/>
-          </a:p>
-        </p:txBody>
-      </p:sp>
-    </p:spTree>
-    <p:extLst>
-      <p:ext uri="{BB962C8B-B14F-4D97-AF65-F5344CB8AC3E}">
-        <p14:creationId xmlns:p14="http://schemas.microsoft.com/office/powerpoint/2010/main" val="1185846493"/>
-      </p:ext>
-    </p:extLst>
-  </p:cSld>
-  <p:clrMapOvr>
-    <a:masterClrMapping/>
-  </p:clrMapOvr>
-  <p:timing>
-    <p:tnLst>
-      <p:par>
-        <p:cTn id="1" dur="indefinite" restart="never" nodeType="tmRoot"/>
-      </p:par>
-    </p:tnLst>
-  </p:timing>
-</p:sld>
-</file>
-
-<file path=ppt/slides/slide8.xml><?xml version="1.0" encoding="utf-8"?>
-<p:sld xmlns:a="http://schemas.openxmlformats.org/drawingml/2006/main" xmlns:r="http://schemas.openxmlformats.org/officeDocument/2006/relationships" xmlns:p="http://schemas.openxmlformats.org/presentationml/2006/main">
-  <p:cSld>
-    <p:spTree>
-      <p:nvGrpSpPr>
-        <p:cNvPr id="1" name=""/>
-        <p:cNvGrpSpPr/>
-        <p:nvPr/>
-      </p:nvGrpSpPr>
-      <p:grpSpPr>
-        <a:xfrm>
-          <a:off x="0" y="0"/>
-          <a:ext cx="0" cy="0"/>
-          <a:chOff x="0" y="0"/>
-          <a:chExt cx="0" cy="0"/>
-        </a:xfrm>
-      </p:grpSpPr>
-      <p:sp>
-        <p:nvSpPr>
-          <p:cNvPr id="5" name="正方形/長方形 4"/>
-          <p:cNvSpPr/>
-          <p:nvPr/>
-        </p:nvSpPr>
-        <p:spPr>
-          <a:xfrm>
-            <a:off x="379687" y="1273441"/>
-            <a:ext cx="5795142" cy="798285"/>
-          </a:xfrm>
-          <a:prstGeom prst="rect">
-            <a:avLst/>
-          </a:prstGeom>
-          <a:solidFill>
-            <a:schemeClr val="tx1"/>
-          </a:solidFill>
-          <a:ln>
-            <a:solidFill>
-              <a:schemeClr val="accent4">
-                <a:lumMod val="20000"/>
-                <a:lumOff val="80000"/>
-              </a:schemeClr>
-            </a:solidFill>
-          </a:ln>
-        </p:spPr>
-        <p:style>
-          <a:lnRef idx="1">
-            <a:schemeClr val="accent1"/>
-          </a:lnRef>
-          <a:fillRef idx="3">
-            <a:schemeClr val="accent1"/>
-          </a:fillRef>
-          <a:effectRef idx="2">
-            <a:schemeClr val="accent1"/>
-          </a:effectRef>
-          <a:fontRef idx="minor">
-            <a:schemeClr val="lt1"/>
-          </a:fontRef>
-        </p:style>
-        <p:txBody>
-          <a:bodyPr rtlCol="0" anchor="ctr"/>
-          <a:lstStyle/>
-          <a:p>
-            <a:r>
               <a:rPr lang="en-US" altLang="ja-JP" sz="2800">
                 <a:latin typeface="Consolas"/>
                 <a:cs typeface="Consolas"/>
@@ -15168,7 +14946,7 @@
           <p:nvPr/>
         </p:nvPicPr>
         <p:blipFill>
-          <a:blip r:embed="rId3"/>
+          <a:blip r:embed="rId3" cstate="print"/>
           <a:stretch>
             <a:fillRect/>
           </a:stretch>
@@ -15192,7 +14970,7 @@
           <p:nvPr/>
         </p:nvPicPr>
         <p:blipFill>
-          <a:blip r:embed="rId4"/>
+          <a:blip r:embed="rId4" cstate="print"/>
           <a:stretch>
             <a:fillRect/>
           </a:stretch>
@@ -15538,10 +15316,52 @@
           </a:p>
         </p:txBody>
       </p:sp>
+      <p:sp>
+        <p:nvSpPr>
+          <p:cNvPr id="15" name="テキスト ボックス 14"/>
+          <p:cNvSpPr txBox="1"/>
+          <p:nvPr/>
+        </p:nvSpPr>
+        <p:spPr>
+          <a:xfrm>
+            <a:off x="4688957" y="1229530"/>
+            <a:ext cx="4295554" cy="954107"/>
+          </a:xfrm>
+          <a:prstGeom prst="rect">
+            <a:avLst/>
+          </a:prstGeom>
+          <a:noFill/>
+        </p:spPr>
+        <p:txBody>
+          <a:bodyPr wrap="square" rtlCol="0">
+            <a:spAutoFit/>
+          </a:bodyPr>
+          <a:lstStyle/>
+          <a:p>
+            <a:r>
+              <a:rPr lang="ja-JP" altLang="en-US" sz="2800" smtClean="0"/>
+              <a:t>もしく</a:t>
+            </a:r>
+            <a:r>
+              <a:rPr lang="ja-JP" altLang="en-US" sz="2800" smtClean="0"/>
+              <a:t>は</a:t>
+            </a:r>
+            <a:r>
+              <a:rPr lang="en-US" altLang="ja-JP" sz="2800" smtClean="0"/>
+              <a:t>Web</a:t>
+            </a:r>
+            <a:r>
+              <a:rPr lang="ja-JP" altLang="en-US" sz="2800" smtClean="0"/>
+              <a:t>ブラウザなどで直接見てみる</a:t>
+            </a:r>
+            <a:endParaRPr kumimoji="1" lang="ja-JP" altLang="en-US" sz="2800"/>
+          </a:p>
+        </p:txBody>
+      </p:sp>
     </p:spTree>
     <p:extLst>
       <p:ext uri="{BB962C8B-B14F-4D97-AF65-F5344CB8AC3E}">
-        <p14:creationId xmlns:p14="http://schemas.microsoft.com/office/powerpoint/2010/main" val="1440364816"/>
+        <p14:creationId xmlns:p14="http://schemas.microsoft.com/office/powerpoint/2010/main" xmlns="" val="1440364816"/>
       </p:ext>
     </p:extLst>
   </p:cSld>
@@ -15558,7 +15378,7 @@
 </p:sld>
 </file>
 
-<file path=ppt/slides/slide9.xml><?xml version="1.0" encoding="utf-8"?>
+<file path=ppt/slides/slide7.xml><?xml version="1.0" encoding="utf-8"?>
 <p:sld xmlns:a="http://schemas.openxmlformats.org/drawingml/2006/main" xmlns:r="http://schemas.openxmlformats.org/officeDocument/2006/relationships" xmlns:p="http://schemas.openxmlformats.org/presentationml/2006/main">
   <p:cSld>
     <p:spTree>
@@ -15776,7 +15596,7 @@
           <p:nvPr/>
         </p:nvPicPr>
         <p:blipFill>
-          <a:blip r:embed="rId3"/>
+          <a:blip r:embed="rId3" cstate="print"/>
           <a:stretch>
             <a:fillRect/>
           </a:stretch>
@@ -15800,7 +15620,7 @@
           <p:nvPr/>
         </p:nvPicPr>
         <p:blipFill>
-          <a:blip r:embed="rId4"/>
+          <a:blip r:embed="rId4" cstate="print"/>
           <a:stretch>
             <a:fillRect/>
           </a:stretch>
@@ -16067,7 +15887,408 @@
     </p:spTree>
     <p:extLst>
       <p:ext uri="{BB962C8B-B14F-4D97-AF65-F5344CB8AC3E}">
-        <p14:creationId xmlns:p14="http://schemas.microsoft.com/office/powerpoint/2010/main" val="868401463"/>
+        <p14:creationId xmlns:p14="http://schemas.microsoft.com/office/powerpoint/2010/main" xmlns="" val="868401463"/>
+      </p:ext>
+    </p:extLst>
+  </p:cSld>
+  <p:clrMapOvr>
+    <a:masterClrMapping/>
+  </p:clrMapOvr>
+  <p:timing>
+    <p:tnLst>
+      <p:par>
+        <p:cTn id="1" dur="indefinite" restart="never" nodeType="tmRoot"/>
+      </p:par>
+    </p:tnLst>
+  </p:timing>
+</p:sld>
+</file>
+
+<file path=ppt/slides/slide8.xml><?xml version="1.0" encoding="utf-8"?>
+<p:sld xmlns:a="http://schemas.openxmlformats.org/drawingml/2006/main" xmlns:r="http://schemas.openxmlformats.org/officeDocument/2006/relationships" xmlns:p="http://schemas.openxmlformats.org/presentationml/2006/main">
+  <p:cSld>
+    <p:spTree>
+      <p:nvGrpSpPr>
+        <p:cNvPr id="1" name=""/>
+        <p:cNvGrpSpPr/>
+        <p:nvPr/>
+      </p:nvGrpSpPr>
+      <p:grpSpPr>
+        <a:xfrm>
+          <a:off x="0" y="0"/>
+          <a:ext cx="0" cy="0"/>
+          <a:chOff x="0" y="0"/>
+          <a:chExt cx="0" cy="0"/>
+        </a:xfrm>
+      </p:grpSpPr>
+      <p:sp>
+        <p:nvSpPr>
+          <p:cNvPr id="2" name="タイトル 1"/>
+          <p:cNvSpPr>
+            <a:spLocks noGrp="1"/>
+          </p:cNvSpPr>
+          <p:nvPr>
+            <p:ph type="title"/>
+          </p:nvPr>
+        </p:nvSpPr>
+        <p:spPr>
+          <a:xfrm>
+            <a:off x="628650" y="196960"/>
+            <a:ext cx="7886700" cy="1325563"/>
+          </a:xfrm>
+        </p:spPr>
+        <p:txBody>
+          <a:bodyPr/>
+          <a:lstStyle/>
+          <a:p>
+            <a:r>
+              <a:rPr kumimoji="1" lang="en-US" altLang="ja-JP" smtClean="0"/>
+              <a:t>SYN</a:t>
+            </a:r>
+            <a:r>
+              <a:rPr kumimoji="1" lang="ja-JP" altLang="en-US" smtClean="0"/>
+              <a:t>スキャンは、</a:t>
+            </a:r>
+            <a:r>
+              <a:rPr kumimoji="1" lang="en-US" altLang="ja-JP" smtClean="0"/>
+              <a:t/>
+            </a:r>
+            <a:br>
+              <a:rPr kumimoji="1" lang="en-US" altLang="ja-JP" smtClean="0"/>
+            </a:br>
+            <a:r>
+              <a:rPr kumimoji="1" lang="ja-JP" altLang="en-US" smtClean="0"/>
+              <a:t>何を「隠して」いるのか</a:t>
+            </a:r>
+            <a:endParaRPr kumimoji="1" lang="ja-JP" altLang="en-US"/>
+          </a:p>
+        </p:txBody>
+      </p:sp>
+      <p:sp>
+        <p:nvSpPr>
+          <p:cNvPr id="3" name="コンテンツ プレースホルダー 2"/>
+          <p:cNvSpPr>
+            <a:spLocks noGrp="1"/>
+          </p:cNvSpPr>
+          <p:nvPr>
+            <p:ph idx="1"/>
+          </p:nvPr>
+        </p:nvSpPr>
+        <p:spPr>
+          <a:xfrm>
+            <a:off x="628650" y="1933903"/>
+            <a:ext cx="7886700" cy="4078014"/>
+          </a:xfrm>
+        </p:spPr>
+        <p:txBody>
+          <a:bodyPr>
+            <a:normAutofit/>
+          </a:bodyPr>
+          <a:lstStyle/>
+          <a:p>
+            <a:r>
+              <a:rPr lang="ja-JP" altLang="en-US"/>
+              <a:t>通常</a:t>
+            </a:r>
+            <a:r>
+              <a:rPr lang="ja-JP" altLang="en-US" smtClean="0"/>
+              <a:t>の手順</a:t>
+            </a:r>
+            <a:r>
+              <a:rPr lang="en-US" altLang="ja-JP" smtClean="0"/>
+              <a:t>(3WAY</a:t>
+            </a:r>
+            <a:r>
+              <a:rPr lang="ja-JP" altLang="en-US" smtClean="0"/>
+              <a:t>ハンドシェイク</a:t>
+            </a:r>
+            <a:r>
+              <a:rPr lang="en-US" altLang="ja-JP" smtClean="0"/>
+              <a:t>)</a:t>
+            </a:r>
+            <a:r>
+              <a:rPr lang="ja-JP" altLang="en-US" smtClean="0"/>
+              <a:t>を介さないで、</a:t>
+            </a:r>
+            <a:endParaRPr lang="en-US" altLang="ja-JP" smtClean="0"/>
+          </a:p>
+          <a:p>
+            <a:pPr lvl="1"/>
+            <a:r>
+              <a:rPr lang="ja-JP" altLang="en-US" b="1" smtClean="0">
+                <a:solidFill>
+                  <a:srgbClr val="FF0000"/>
+                </a:solidFill>
+              </a:rPr>
+              <a:t>ログに</a:t>
+            </a:r>
+            <a:r>
+              <a:rPr lang="ja-JP" altLang="en-US" b="1">
+                <a:solidFill>
+                  <a:srgbClr val="FF0000"/>
+                </a:solidFill>
+              </a:rPr>
+              <a:t>残</a:t>
+            </a:r>
+            <a:r>
+              <a:rPr lang="ja-JP" altLang="en-US" b="1" smtClean="0">
+                <a:solidFill>
+                  <a:srgbClr val="FF0000"/>
+                </a:solidFill>
+              </a:rPr>
+              <a:t>るのを隠す</a:t>
+            </a:r>
+            <a:endParaRPr lang="en-US" altLang="ja-JP" b="1" smtClean="0">
+              <a:solidFill>
+                <a:srgbClr val="FF0000"/>
+              </a:solidFill>
+            </a:endParaRPr>
+          </a:p>
+          <a:p>
+            <a:pPr lvl="1"/>
+            <a:r>
+              <a:rPr lang="ja-JP" altLang="en-US" smtClean="0"/>
+              <a:t>「プロトコル通りに動いてい</a:t>
+            </a:r>
+            <a:r>
+              <a:rPr lang="ja-JP" altLang="en-US"/>
+              <a:t>る</a:t>
+            </a:r>
+            <a:r>
+              <a:rPr lang="ja-JP" altLang="en-US" smtClean="0"/>
+              <a:t>」ことを前提とし</a:t>
+            </a:r>
+            <a:r>
+              <a:rPr lang="ja-JP" altLang="en-US"/>
+              <a:t>た</a:t>
+            </a:r>
+            <a:r>
+              <a:rPr lang="ja-JP" altLang="en-US" smtClean="0"/>
+              <a:t>検知から攻撃を隠す</a:t>
+            </a:r>
+            <a:endParaRPr lang="en-US" altLang="ja-JP" smtClean="0"/>
+          </a:p>
+          <a:p>
+            <a:r>
+              <a:rPr lang="ja-JP" altLang="en-US" smtClean="0"/>
+              <a:t>行為自体を隠しているわけではない</a:t>
+            </a:r>
+            <a:endParaRPr lang="en-US" altLang="ja-JP" smtClean="0"/>
+          </a:p>
+        </p:txBody>
+      </p:sp>
+    </p:spTree>
+    <p:extLst>
+      <p:ext uri="{BB962C8B-B14F-4D97-AF65-F5344CB8AC3E}">
+        <p14:creationId xmlns:p14="http://schemas.microsoft.com/office/powerpoint/2010/main" xmlns="" val="4009739411"/>
+      </p:ext>
+    </p:extLst>
+  </p:cSld>
+  <p:clrMapOvr>
+    <a:masterClrMapping/>
+  </p:clrMapOvr>
+  <p:timing>
+    <p:tnLst>
+      <p:par>
+        <p:cTn id="1" dur="indefinite" restart="never" nodeType="tmRoot"/>
+      </p:par>
+    </p:tnLst>
+  </p:timing>
+</p:sld>
+</file>
+
+<file path=ppt/slides/slide9.xml><?xml version="1.0" encoding="utf-8"?>
+<p:sld xmlns:a="http://schemas.openxmlformats.org/drawingml/2006/main" xmlns:r="http://schemas.openxmlformats.org/officeDocument/2006/relationships" xmlns:p="http://schemas.openxmlformats.org/presentationml/2006/main">
+  <p:cSld>
+    <p:spTree>
+      <p:nvGrpSpPr>
+        <p:cNvPr id="1" name=""/>
+        <p:cNvGrpSpPr/>
+        <p:nvPr/>
+      </p:nvGrpSpPr>
+      <p:grpSpPr>
+        <a:xfrm>
+          <a:off x="0" y="0"/>
+          <a:ext cx="0" cy="0"/>
+          <a:chOff x="0" y="0"/>
+          <a:chExt cx="0" cy="0"/>
+        </a:xfrm>
+      </p:grpSpPr>
+      <p:sp>
+        <p:nvSpPr>
+          <p:cNvPr id="2" name="タイトル 1"/>
+          <p:cNvSpPr>
+            <a:spLocks noGrp="1"/>
+          </p:cNvSpPr>
+          <p:nvPr>
+            <p:ph type="title"/>
+          </p:nvPr>
+        </p:nvSpPr>
+        <p:spPr>
+          <a:xfrm>
+            <a:off x="628650" y="365126"/>
+            <a:ext cx="7886700" cy="866515"/>
+          </a:xfrm>
+        </p:spPr>
+        <p:txBody>
+          <a:bodyPr>
+            <a:normAutofit fontScale="90000"/>
+          </a:bodyPr>
+          <a:lstStyle/>
+          <a:p>
+            <a:r>
+              <a:rPr kumimoji="1" lang="ja-JP" altLang="en-US" smtClean="0"/>
+              <a:t>おまけ</a:t>
+            </a:r>
+            <a:r>
+              <a:rPr kumimoji="1" lang="en-US" altLang="ja-JP" smtClean="0"/>
+              <a:t>: </a:t>
+            </a:r>
+            <a:r>
+              <a:rPr kumimoji="1" lang="en-US" altLang="ja-JP" smtClean="0"/>
+              <a:t>nmap</a:t>
+            </a:r>
+            <a:r>
+              <a:rPr kumimoji="1" lang="ja-JP" altLang="en-US" smtClean="0"/>
+              <a:t>のオプション指定</a:t>
+            </a:r>
+            <a:endParaRPr kumimoji="1" lang="ja-JP" altLang="en-US"/>
+          </a:p>
+        </p:txBody>
+      </p:sp>
+      <p:sp>
+        <p:nvSpPr>
+          <p:cNvPr id="3" name="コンテンツ プレースホルダー 2"/>
+          <p:cNvSpPr>
+            <a:spLocks noGrp="1"/>
+          </p:cNvSpPr>
+          <p:nvPr>
+            <p:ph idx="1"/>
+          </p:nvPr>
+        </p:nvSpPr>
+        <p:spPr>
+          <a:xfrm>
+            <a:off x="628649" y="1573377"/>
+            <a:ext cx="8105447" cy="4351338"/>
+          </a:xfrm>
+        </p:spPr>
+        <p:txBody>
+          <a:bodyPr/>
+          <a:lstStyle/>
+          <a:p>
+            <a:pPr>
+              <a:lnSpc>
+                <a:spcPct val="100000"/>
+              </a:lnSpc>
+            </a:pPr>
+            <a:r>
+              <a:rPr kumimoji="1" lang="ja-JP" altLang="en-US" smtClean="0"/>
+              <a:t>一般的な</a:t>
+            </a:r>
+            <a:r>
+              <a:rPr lang="en-US" altLang="ja-JP" smtClean="0"/>
+              <a:t>UNIX/Linux</a:t>
+            </a:r>
+            <a:r>
+              <a:rPr lang="ja-JP" altLang="en-US" smtClean="0"/>
+              <a:t>のコマンドとチョット異なる</a:t>
+            </a:r>
+            <a:r>
+              <a:rPr lang="ja-JP" altLang="en-US" smtClean="0"/>
+              <a:t>。</a:t>
+            </a:r>
+            <a:endParaRPr kumimoji="1" lang="en-US" altLang="ja-JP" smtClean="0"/>
+          </a:p>
+          <a:p>
+            <a:pPr lvl="1">
+              <a:lnSpc>
+                <a:spcPct val="100000"/>
+              </a:lnSpc>
+            </a:pPr>
+            <a:r>
+              <a:rPr lang="en-US" altLang="ja-JP" smtClean="0"/>
+              <a:t>1</a:t>
+            </a:r>
+            <a:r>
+              <a:rPr lang="ja-JP" altLang="en-US" smtClean="0"/>
+              <a:t>文字オプション</a:t>
+            </a:r>
+            <a:r>
+              <a:rPr lang="en-US" altLang="ja-JP" smtClean="0"/>
+              <a:t>or</a:t>
+            </a:r>
+            <a:r>
+              <a:rPr lang="ja-JP" altLang="en-US" smtClean="0"/>
+              <a:t>ロングオプションは、普通の</a:t>
+            </a:r>
+            <a:r>
+              <a:rPr lang="en-US" altLang="ja-JP" smtClean="0"/>
+              <a:t>UNIX/Linux</a:t>
+            </a:r>
+            <a:r>
+              <a:rPr lang="ja-JP" altLang="en-US" smtClean="0"/>
+              <a:t>コマンドぽく。</a:t>
+            </a:r>
+            <a:endParaRPr lang="en-US" altLang="ja-JP" smtClean="0"/>
+          </a:p>
+          <a:p>
+            <a:pPr lvl="1">
+              <a:lnSpc>
+                <a:spcPct val="100000"/>
+              </a:lnSpc>
+            </a:pPr>
+            <a:r>
+              <a:rPr lang="en-US" altLang="ja-JP" b="1" smtClean="0">
+                <a:solidFill>
+                  <a:srgbClr val="FF0000"/>
+                </a:solidFill>
+              </a:rPr>
+              <a:t>2</a:t>
+            </a:r>
+            <a:r>
+              <a:rPr lang="ja-JP" altLang="en-US" b="1">
+                <a:solidFill>
+                  <a:srgbClr val="FF0000"/>
+                </a:solidFill>
+              </a:rPr>
+              <a:t>文字</a:t>
+            </a:r>
+            <a:r>
+              <a:rPr lang="ja-JP" altLang="en-US" b="1" smtClean="0">
+                <a:solidFill>
+                  <a:srgbClr val="FF0000"/>
+                </a:solidFill>
+              </a:rPr>
+              <a:t>のオプション</a:t>
+            </a:r>
+            <a:r>
+              <a:rPr lang="ja-JP" altLang="en-US" smtClean="0"/>
+              <a:t>は、「</a:t>
+            </a:r>
+            <a:r>
+              <a:rPr lang="en-US" altLang="ja-JP" smtClean="0"/>
+              <a:t>1</a:t>
+            </a:r>
+            <a:r>
+              <a:rPr lang="ja-JP" altLang="en-US" smtClean="0"/>
+              <a:t>文字目が機能種別、</a:t>
+            </a:r>
+            <a:r>
+              <a:rPr lang="en-US" altLang="ja-JP" smtClean="0"/>
+              <a:t>2</a:t>
+            </a:r>
+            <a:r>
+              <a:rPr lang="ja-JP" altLang="en-US" smtClean="0"/>
+              <a:t>文字目がその指定値」</a:t>
+            </a:r>
+            <a:endParaRPr lang="en-US" altLang="ja-JP" smtClean="0"/>
+          </a:p>
+        </p:txBody>
+      </p:sp>
+    </p:spTree>
+    <p:extLst>
+      <p:ext uri="{BB962C8B-B14F-4D97-AF65-F5344CB8AC3E}">
+        <p14:creationId xmlns:p14="http://schemas.microsoft.com/office/powerpoint/2010/main" xmlns="" val="592033528"/>
       </p:ext>
     </p:extLst>
   </p:cSld>
@@ -16279,7 +16500,7 @@
   <a:extraClrSchemeLst/>
   <a:extLst>
     <a:ext uri="{05A4C25C-085E-4340-85A3-A5531E510DB2}">
-      <thm15:themeFamily xmlns:thm15="http://schemas.microsoft.com/office/thememl/2012/main" name="Office Theme" id="{62F939B6-93AF-4DB8-9C6B-D6C7DFDC589F}" vid="{4A3C46E8-61CC-4603-A589-7422A47A8E4A}"/>
+      <thm15:themeFamily xmlns:thm15="http://schemas.microsoft.com/office/thememl/2012/main" xmlns="" name="Office Theme" id="{62F939B6-93AF-4DB8-9C6B-D6C7DFDC589F}" vid="{4A3C46E8-61CC-4603-A589-7422A47A8E4A}"/>
     </a:ext>
   </a:extLst>
 </a:theme>
@@ -16540,7 +16761,7 @@
   <a:extraClrSchemeLst/>
   <a:extLst>
     <a:ext uri="{05A4C25C-085E-4340-85A3-A5531E510DB2}">
-      <thm15:themeFamily xmlns:thm15="http://schemas.microsoft.com/office/thememl/2012/main" name="Office Theme" id="{62F939B6-93AF-4DB8-9C6B-D6C7DFDC589F}" vid="{4A3C46E8-61CC-4603-A589-7422A47A8E4A}"/>
+      <thm15:themeFamily xmlns:thm15="http://schemas.microsoft.com/office/thememl/2012/main" xmlns="" name="Office Theme" id="{62F939B6-93AF-4DB8-9C6B-D6C7DFDC589F}" vid="{4A3C46E8-61CC-4603-A589-7422A47A8E4A}"/>
     </a:ext>
   </a:extLst>
 </a:theme>
